--- a/model.pptx
+++ b/model.pptx
@@ -296,7 +296,7 @@
           <a:p>
             <a:fld id="{FF687007-1232-7342-B707-C90C2F451591}" type="datetimeFigureOut">
               <a:rPr lang="en-US" smtClean="0"/>
-              <a:t>11/08/16</a:t>
+              <a:t>13/08/16</a:t>
             </a:fld>
             <a:endParaRPr lang="en-US"/>
           </a:p>
@@ -466,7 +466,7 @@
           <a:p>
             <a:fld id="{FF687007-1232-7342-B707-C90C2F451591}" type="datetimeFigureOut">
               <a:rPr lang="en-US" smtClean="0"/>
-              <a:t>11/08/16</a:t>
+              <a:t>13/08/16</a:t>
             </a:fld>
             <a:endParaRPr lang="en-US"/>
           </a:p>
@@ -646,7 +646,7 @@
           <a:p>
             <a:fld id="{FF687007-1232-7342-B707-C90C2F451591}" type="datetimeFigureOut">
               <a:rPr lang="en-US" smtClean="0"/>
-              <a:t>11/08/16</a:t>
+              <a:t>13/08/16</a:t>
             </a:fld>
             <a:endParaRPr lang="en-US"/>
           </a:p>
@@ -816,7 +816,7 @@
           <a:p>
             <a:fld id="{FF687007-1232-7342-B707-C90C2F451591}" type="datetimeFigureOut">
               <a:rPr lang="en-US" smtClean="0"/>
-              <a:t>11/08/16</a:t>
+              <a:t>13/08/16</a:t>
             </a:fld>
             <a:endParaRPr lang="en-US"/>
           </a:p>
@@ -1062,7 +1062,7 @@
           <a:p>
             <a:fld id="{FF687007-1232-7342-B707-C90C2F451591}" type="datetimeFigureOut">
               <a:rPr lang="en-US" smtClean="0"/>
-              <a:t>11/08/16</a:t>
+              <a:t>13/08/16</a:t>
             </a:fld>
             <a:endParaRPr lang="en-US"/>
           </a:p>
@@ -1350,7 +1350,7 @@
           <a:p>
             <a:fld id="{FF687007-1232-7342-B707-C90C2F451591}" type="datetimeFigureOut">
               <a:rPr lang="en-US" smtClean="0"/>
-              <a:t>11/08/16</a:t>
+              <a:t>13/08/16</a:t>
             </a:fld>
             <a:endParaRPr lang="en-US"/>
           </a:p>
@@ -1772,7 +1772,7 @@
           <a:p>
             <a:fld id="{FF687007-1232-7342-B707-C90C2F451591}" type="datetimeFigureOut">
               <a:rPr lang="en-US" smtClean="0"/>
-              <a:t>11/08/16</a:t>
+              <a:t>13/08/16</a:t>
             </a:fld>
             <a:endParaRPr lang="en-US"/>
           </a:p>
@@ -1890,7 +1890,7 @@
           <a:p>
             <a:fld id="{FF687007-1232-7342-B707-C90C2F451591}" type="datetimeFigureOut">
               <a:rPr lang="en-US" smtClean="0"/>
-              <a:t>11/08/16</a:t>
+              <a:t>13/08/16</a:t>
             </a:fld>
             <a:endParaRPr lang="en-US"/>
           </a:p>
@@ -1985,7 +1985,7 @@
           <a:p>
             <a:fld id="{FF687007-1232-7342-B707-C90C2F451591}" type="datetimeFigureOut">
               <a:rPr lang="en-US" smtClean="0"/>
-              <a:t>11/08/16</a:t>
+              <a:t>13/08/16</a:t>
             </a:fld>
             <a:endParaRPr lang="en-US"/>
           </a:p>
@@ -2262,7 +2262,7 @@
           <a:p>
             <a:fld id="{FF687007-1232-7342-B707-C90C2F451591}" type="datetimeFigureOut">
               <a:rPr lang="en-US" smtClean="0"/>
-              <a:t>11/08/16</a:t>
+              <a:t>13/08/16</a:t>
             </a:fld>
             <a:endParaRPr lang="en-US"/>
           </a:p>
@@ -2515,7 +2515,7 @@
           <a:p>
             <a:fld id="{FF687007-1232-7342-B707-C90C2F451591}" type="datetimeFigureOut">
               <a:rPr lang="en-US" smtClean="0"/>
-              <a:t>11/08/16</a:t>
+              <a:t>13/08/16</a:t>
             </a:fld>
             <a:endParaRPr lang="en-US"/>
           </a:p>
@@ -2728,7 +2728,7 @@
           <a:p>
             <a:fld id="{FF687007-1232-7342-B707-C90C2F451591}" type="datetimeFigureOut">
               <a:rPr lang="en-US" smtClean="0"/>
-              <a:t>11/08/16</a:t>
+              <a:t>13/08/16</a:t>
             </a:fld>
             <a:endParaRPr lang="en-US"/>
           </a:p>
@@ -3111,7 +3111,7 @@
         </p:nvSpPr>
         <p:spPr>
           <a:xfrm>
-            <a:off x="4953487" y="309297"/>
+            <a:off x="2318712" y="746624"/>
             <a:ext cx="1137920" cy="294640"/>
           </a:xfrm>
           <a:prstGeom prst="roundRect">
@@ -3156,7 +3156,7 @@
         </p:nvSpPr>
         <p:spPr>
           <a:xfrm>
-            <a:off x="4953487" y="1137338"/>
+            <a:off x="3826767" y="750199"/>
             <a:ext cx="1137920" cy="294640"/>
           </a:xfrm>
           <a:prstGeom prst="roundRect">
@@ -3201,7 +3201,7 @@
         </p:nvSpPr>
         <p:spPr>
           <a:xfrm>
-            <a:off x="4801087" y="2034592"/>
+            <a:off x="5332483" y="753774"/>
             <a:ext cx="1290320" cy="294640"/>
           </a:xfrm>
           <a:prstGeom prst="roundRect">
@@ -3246,7 +3246,7 @@
         </p:nvSpPr>
         <p:spPr>
           <a:xfrm>
-            <a:off x="1099587" y="4905904"/>
+            <a:off x="4349683" y="2127635"/>
             <a:ext cx="1137920" cy="294640"/>
           </a:xfrm>
           <a:prstGeom prst="roundRect">
@@ -3294,7 +3294,7 @@
         </p:nvSpPr>
         <p:spPr>
           <a:xfrm>
-            <a:off x="853441" y="5916926"/>
+            <a:off x="5915395" y="2127635"/>
             <a:ext cx="1137920" cy="294640"/>
           </a:xfrm>
           <a:prstGeom prst="roundRect">
@@ -3342,7 +3342,7 @@
         </p:nvSpPr>
         <p:spPr>
           <a:xfrm>
-            <a:off x="731613" y="4170256"/>
+            <a:off x="2619618" y="2135035"/>
             <a:ext cx="1361441" cy="323973"/>
           </a:xfrm>
           <a:prstGeom prst="roundRect">
@@ -3378,7 +3378,6 @@
               <a:rPr lang="en-US" sz="1200" dirty="0"/>
               <a:t>Compatibility</a:t>
             </a:r>
-            <a:endParaRPr lang="en-US" sz="1200" dirty="0"/>
           </a:p>
         </p:txBody>
       </p:sp>
@@ -3390,8 +3389,8 @@
         </p:nvSpPr>
         <p:spPr>
           <a:xfrm>
-            <a:off x="496976" y="636816"/>
-            <a:ext cx="1740531" cy="369332"/>
+            <a:off x="475394" y="569266"/>
+            <a:ext cx="1345478" cy="646331"/>
           </a:xfrm>
           <a:prstGeom prst="rect">
             <a:avLst/>
@@ -3406,7 +3405,13 @@
           <a:p>
             <a:r>
               <a:rPr lang="en-US" dirty="0" smtClean="0"/>
-              <a:t>User satisfaction </a:t>
+              <a:t>User Quality</a:t>
+            </a:r>
+          </a:p>
+          <a:p>
+            <a:r>
+              <a:rPr lang="en-US" dirty="0" smtClean="0"/>
+              <a:t>Perception</a:t>
             </a:r>
             <a:endParaRPr lang="en-US" dirty="0"/>
           </a:p>
@@ -3420,7 +3425,7 @@
         </p:nvSpPr>
         <p:spPr>
           <a:xfrm>
-            <a:off x="4350990" y="2999739"/>
+            <a:off x="7053315" y="677346"/>
             <a:ext cx="1361441" cy="460375"/>
           </a:xfrm>
           <a:prstGeom prst="roundRect">
@@ -3454,6 +3459,358 @@
               <a:t>Compatibility</a:t>
             </a:r>
             <a:endParaRPr lang="en-US" sz="1200" dirty="0"/>
+          </a:p>
+        </p:txBody>
+      </p:sp>
+      <p:sp>
+        <p:nvSpPr>
+          <p:cNvPr id="3" name="Plus 2"/>
+          <p:cNvSpPr/>
+          <p:nvPr/>
+        </p:nvSpPr>
+        <p:spPr>
+          <a:xfrm>
+            <a:off x="3499506" y="744044"/>
+            <a:ext cx="297256" cy="297220"/>
+          </a:xfrm>
+          <a:prstGeom prst="mathPlus">
+            <a:avLst/>
+          </a:prstGeom>
+          <a:ln>
+            <a:solidFill>
+              <a:srgbClr val="FFFFFF"/>
+            </a:solidFill>
+          </a:ln>
+          <a:effectLst/>
+        </p:spPr>
+        <p:style>
+          <a:lnRef idx="1">
+            <a:schemeClr val="accent1"/>
+          </a:lnRef>
+          <a:fillRef idx="3">
+            <a:schemeClr val="accent1"/>
+          </a:fillRef>
+          <a:effectRef idx="2">
+            <a:schemeClr val="accent1"/>
+          </a:effectRef>
+          <a:fontRef idx="minor">
+            <a:schemeClr val="lt1"/>
+          </a:fontRef>
+        </p:style>
+        <p:txBody>
+          <a:bodyPr rtlCol="0" anchor="ctr"/>
+          <a:lstStyle/>
+          <a:p>
+            <a:pPr algn="ctr"/>
+            <a:endParaRPr lang="en-US"/>
+          </a:p>
+        </p:txBody>
+      </p:sp>
+      <p:sp>
+        <p:nvSpPr>
+          <p:cNvPr id="12" name="Plus 11"/>
+          <p:cNvSpPr/>
+          <p:nvPr/>
+        </p:nvSpPr>
+        <p:spPr>
+          <a:xfrm>
+            <a:off x="4994691" y="753774"/>
+            <a:ext cx="297256" cy="297220"/>
+          </a:xfrm>
+          <a:prstGeom prst="mathPlus">
+            <a:avLst/>
+          </a:prstGeom>
+          <a:ln>
+            <a:solidFill>
+              <a:srgbClr val="FFFFFF"/>
+            </a:solidFill>
+          </a:ln>
+          <a:effectLst/>
+        </p:spPr>
+        <p:style>
+          <a:lnRef idx="1">
+            <a:schemeClr val="accent1"/>
+          </a:lnRef>
+          <a:fillRef idx="3">
+            <a:schemeClr val="accent1"/>
+          </a:fillRef>
+          <a:effectRef idx="2">
+            <a:schemeClr val="accent1"/>
+          </a:effectRef>
+          <a:fontRef idx="minor">
+            <a:schemeClr val="lt1"/>
+          </a:fontRef>
+        </p:style>
+        <p:txBody>
+          <a:bodyPr rtlCol="0" anchor="ctr"/>
+          <a:lstStyle/>
+          <a:p>
+            <a:pPr algn="ctr"/>
+            <a:endParaRPr lang="en-US"/>
+          </a:p>
+        </p:txBody>
+      </p:sp>
+      <p:sp>
+        <p:nvSpPr>
+          <p:cNvPr id="10" name="Equal 9"/>
+          <p:cNvSpPr/>
+          <p:nvPr/>
+        </p:nvSpPr>
+        <p:spPr>
+          <a:xfrm>
+            <a:off x="1846623" y="744044"/>
+            <a:ext cx="359664" cy="337749"/>
+          </a:xfrm>
+          <a:prstGeom prst="mathEqual">
+            <a:avLst/>
+          </a:prstGeom>
+          <a:ln>
+            <a:solidFill>
+              <a:srgbClr val="FFFFFF"/>
+            </a:solidFill>
+          </a:ln>
+          <a:effectLst/>
+        </p:spPr>
+        <p:style>
+          <a:lnRef idx="1">
+            <a:schemeClr val="accent1"/>
+          </a:lnRef>
+          <a:fillRef idx="3">
+            <a:schemeClr val="accent1"/>
+          </a:fillRef>
+          <a:effectRef idx="2">
+            <a:schemeClr val="accent1"/>
+          </a:effectRef>
+          <a:fontRef idx="minor">
+            <a:schemeClr val="lt1"/>
+          </a:fontRef>
+        </p:style>
+        <p:txBody>
+          <a:bodyPr rtlCol="0" anchor="ctr"/>
+          <a:lstStyle/>
+          <a:p>
+            <a:pPr algn="ctr"/>
+            <a:endParaRPr lang="en-US">
+              <a:solidFill>
+                <a:schemeClr val="tx1"/>
+              </a:solidFill>
+            </a:endParaRPr>
+          </a:p>
+        </p:txBody>
+      </p:sp>
+      <p:sp>
+        <p:nvSpPr>
+          <p:cNvPr id="16" name="Plus 15"/>
+          <p:cNvSpPr/>
+          <p:nvPr/>
+        </p:nvSpPr>
+        <p:spPr>
+          <a:xfrm>
+            <a:off x="6673904" y="753774"/>
+            <a:ext cx="297256" cy="297220"/>
+          </a:xfrm>
+          <a:prstGeom prst="mathPlus">
+            <a:avLst/>
+          </a:prstGeom>
+          <a:ln>
+            <a:solidFill>
+              <a:srgbClr val="FFFFFF"/>
+            </a:solidFill>
+          </a:ln>
+          <a:effectLst/>
+        </p:spPr>
+        <p:style>
+          <a:lnRef idx="1">
+            <a:schemeClr val="accent1"/>
+          </a:lnRef>
+          <a:fillRef idx="3">
+            <a:schemeClr val="accent1"/>
+          </a:fillRef>
+          <a:effectRef idx="2">
+            <a:schemeClr val="accent1"/>
+          </a:effectRef>
+          <a:fontRef idx="minor">
+            <a:schemeClr val="lt1"/>
+          </a:fontRef>
+        </p:style>
+        <p:txBody>
+          <a:bodyPr rtlCol="0" anchor="ctr"/>
+          <a:lstStyle/>
+          <a:p>
+            <a:pPr algn="ctr"/>
+            <a:endParaRPr lang="en-US"/>
+          </a:p>
+        </p:txBody>
+      </p:sp>
+      <p:sp>
+        <p:nvSpPr>
+          <p:cNvPr id="18" name="TextBox 17"/>
+          <p:cNvSpPr txBox="1"/>
+          <p:nvPr/>
+        </p:nvSpPr>
+        <p:spPr>
+          <a:xfrm>
+            <a:off x="475394" y="1951074"/>
+            <a:ext cx="1710725" cy="646331"/>
+          </a:xfrm>
+          <a:prstGeom prst="rect">
+            <a:avLst/>
+          </a:prstGeom>
+          <a:noFill/>
+        </p:spPr>
+        <p:txBody>
+          <a:bodyPr wrap="none" rtlCol="0">
+            <a:spAutoFit/>
+          </a:bodyPr>
+          <a:lstStyle/>
+          <a:p>
+            <a:r>
+              <a:rPr lang="en-US" dirty="0" smtClean="0"/>
+              <a:t>Provider Quality</a:t>
+            </a:r>
+          </a:p>
+          <a:p>
+            <a:r>
+              <a:rPr lang="en-US" dirty="0" smtClean="0"/>
+              <a:t>Perception</a:t>
+            </a:r>
+            <a:endParaRPr lang="en-US" dirty="0"/>
+          </a:p>
+        </p:txBody>
+      </p:sp>
+      <p:sp>
+        <p:nvSpPr>
+          <p:cNvPr id="19" name="Plus 18"/>
+          <p:cNvSpPr/>
+          <p:nvPr/>
+        </p:nvSpPr>
+        <p:spPr>
+          <a:xfrm>
+            <a:off x="4025403" y="2152871"/>
+            <a:ext cx="297256" cy="297220"/>
+          </a:xfrm>
+          <a:prstGeom prst="mathPlus">
+            <a:avLst/>
+          </a:prstGeom>
+          <a:ln>
+            <a:solidFill>
+              <a:srgbClr val="FFFFFF"/>
+            </a:solidFill>
+          </a:ln>
+          <a:effectLst/>
+        </p:spPr>
+        <p:style>
+          <a:lnRef idx="1">
+            <a:schemeClr val="accent1"/>
+          </a:lnRef>
+          <a:fillRef idx="3">
+            <a:schemeClr val="accent1"/>
+          </a:fillRef>
+          <a:effectRef idx="2">
+            <a:schemeClr val="accent1"/>
+          </a:effectRef>
+          <a:fontRef idx="minor">
+            <a:schemeClr val="lt1"/>
+          </a:fontRef>
+        </p:style>
+        <p:txBody>
+          <a:bodyPr rtlCol="0" anchor="ctr"/>
+          <a:lstStyle/>
+          <a:p>
+            <a:pPr algn="ctr"/>
+            <a:endParaRPr lang="en-US"/>
+          </a:p>
+        </p:txBody>
+      </p:sp>
+      <p:sp>
+        <p:nvSpPr>
+          <p:cNvPr id="20" name="Plus 19"/>
+          <p:cNvSpPr/>
+          <p:nvPr/>
+        </p:nvSpPr>
+        <p:spPr>
+          <a:xfrm>
+            <a:off x="5520588" y="2162601"/>
+            <a:ext cx="297256" cy="297220"/>
+          </a:xfrm>
+          <a:prstGeom prst="mathPlus">
+            <a:avLst/>
+          </a:prstGeom>
+          <a:ln>
+            <a:solidFill>
+              <a:srgbClr val="FFFFFF"/>
+            </a:solidFill>
+          </a:ln>
+          <a:effectLst/>
+        </p:spPr>
+        <p:style>
+          <a:lnRef idx="1">
+            <a:schemeClr val="accent1"/>
+          </a:lnRef>
+          <a:fillRef idx="3">
+            <a:schemeClr val="accent1"/>
+          </a:fillRef>
+          <a:effectRef idx="2">
+            <a:schemeClr val="accent1"/>
+          </a:effectRef>
+          <a:fontRef idx="minor">
+            <a:schemeClr val="lt1"/>
+          </a:fontRef>
+        </p:style>
+        <p:txBody>
+          <a:bodyPr rtlCol="0" anchor="ctr"/>
+          <a:lstStyle/>
+          <a:p>
+            <a:pPr algn="ctr"/>
+            <a:endParaRPr lang="en-US"/>
+          </a:p>
+        </p:txBody>
+      </p:sp>
+      <p:sp>
+        <p:nvSpPr>
+          <p:cNvPr id="21" name="Equal 20"/>
+          <p:cNvSpPr/>
+          <p:nvPr/>
+        </p:nvSpPr>
+        <p:spPr>
+          <a:xfrm>
+            <a:off x="2210376" y="2112341"/>
+            <a:ext cx="359664" cy="337749"/>
+          </a:xfrm>
+          <a:prstGeom prst="mathEqual">
+            <a:avLst/>
+          </a:prstGeom>
+          <a:ln>
+            <a:solidFill>
+              <a:srgbClr val="FFFFFF"/>
+            </a:solidFill>
+          </a:ln>
+          <a:effectLst/>
+        </p:spPr>
+        <p:style>
+          <a:lnRef idx="1">
+            <a:schemeClr val="accent1"/>
+          </a:lnRef>
+          <a:fillRef idx="3">
+            <a:schemeClr val="accent1"/>
+          </a:fillRef>
+          <a:effectRef idx="2">
+            <a:schemeClr val="accent1"/>
+          </a:effectRef>
+          <a:fontRef idx="minor">
+            <a:schemeClr val="lt1"/>
+          </a:fontRef>
+        </p:style>
+        <p:txBody>
+          <a:bodyPr rtlCol="0" anchor="ctr"/>
+          <a:lstStyle/>
+          <a:p>
+            <a:pPr algn="ctr"/>
+            <a:endParaRPr lang="en-US">
+              <a:solidFill>
+                <a:schemeClr val="tx1"/>
+              </a:solidFill>
+            </a:endParaRPr>
           </a:p>
         </p:txBody>
       </p:sp>
@@ -5651,7 +6008,43 @@
       </p:grpSpPr>
       <p:sp>
         <p:nvSpPr>
-          <p:cNvPr id="4" name="Rounded Rectangle 3"/>
+          <p:cNvPr id="75" name="TextBox 74"/>
+          <p:cNvSpPr txBox="1"/>
+          <p:nvPr/>
+        </p:nvSpPr>
+        <p:spPr>
+          <a:xfrm>
+            <a:off x="538826" y="2021840"/>
+            <a:ext cx="1956598" cy="646331"/>
+          </a:xfrm>
+          <a:prstGeom prst="rect">
+            <a:avLst/>
+          </a:prstGeom>
+          <a:noFill/>
+        </p:spPr>
+        <p:txBody>
+          <a:bodyPr wrap="none" rtlCol="0">
+            <a:spAutoFit/>
+          </a:bodyPr>
+          <a:lstStyle/>
+          <a:p>
+            <a:r>
+              <a:rPr lang="en-US" dirty="0" smtClean="0"/>
+              <a:t>DIMENSIONS AND</a:t>
+            </a:r>
+          </a:p>
+          <a:p>
+            <a:r>
+              <a:rPr lang="en-US" dirty="0" smtClean="0"/>
+              <a:t>KEY COMPONENTS</a:t>
+            </a:r>
+            <a:endParaRPr lang="en-US" dirty="0"/>
+          </a:p>
+        </p:txBody>
+      </p:sp>
+      <p:sp>
+        <p:nvSpPr>
+          <p:cNvPr id="41" name="Rounded Rectangle 40"/>
           <p:cNvSpPr/>
           <p:nvPr/>
         </p:nvSpPr>
@@ -5695,7 +6088,7 @@
       </p:sp>
       <p:sp>
         <p:nvSpPr>
-          <p:cNvPr id="5" name="Rounded Rectangle 4"/>
+          <p:cNvPr id="42" name="Rounded Rectangle 41"/>
           <p:cNvSpPr/>
           <p:nvPr/>
         </p:nvSpPr>
@@ -5739,7 +6132,7 @@
       </p:sp>
       <p:sp>
         <p:nvSpPr>
-          <p:cNvPr id="6" name="Rounded Rectangle 5"/>
+          <p:cNvPr id="43" name="Rounded Rectangle 42"/>
           <p:cNvSpPr/>
           <p:nvPr/>
         </p:nvSpPr>
@@ -5783,7 +6176,7 @@
       </p:sp>
       <p:sp>
         <p:nvSpPr>
-          <p:cNvPr id="7" name="Rounded Rectangle 6"/>
+          <p:cNvPr id="44" name="Rounded Rectangle 43"/>
           <p:cNvSpPr/>
           <p:nvPr/>
         </p:nvSpPr>
@@ -5827,7 +6220,7 @@
       </p:sp>
       <p:sp>
         <p:nvSpPr>
-          <p:cNvPr id="124" name="Rounded Rectangle 123"/>
+          <p:cNvPr id="45" name="Rounded Rectangle 44"/>
           <p:cNvSpPr/>
           <p:nvPr/>
         </p:nvSpPr>
@@ -5875,7 +6268,7 @@
       </p:sp>
       <p:sp>
         <p:nvSpPr>
-          <p:cNvPr id="125" name="Rounded Rectangle 124"/>
+          <p:cNvPr id="46" name="Rounded Rectangle 45"/>
           <p:cNvSpPr/>
           <p:nvPr/>
         </p:nvSpPr>
@@ -5923,7 +6316,7 @@
       </p:sp>
       <p:sp>
         <p:nvSpPr>
-          <p:cNvPr id="126" name="Rounded Rectangle 125"/>
+          <p:cNvPr id="47" name="Rounded Rectangle 46"/>
           <p:cNvSpPr/>
           <p:nvPr/>
         </p:nvSpPr>
@@ -5971,7 +6364,7 @@
       </p:sp>
       <p:sp>
         <p:nvSpPr>
-          <p:cNvPr id="127" name="Rounded Rectangle 126"/>
+          <p:cNvPr id="48" name="Rounded Rectangle 47"/>
           <p:cNvSpPr/>
           <p:nvPr/>
         </p:nvSpPr>
@@ -6019,14 +6412,14 @@
       </p:sp>
       <p:sp>
         <p:nvSpPr>
-          <p:cNvPr id="128" name="Rounded Rectangle 127"/>
+          <p:cNvPr id="49" name="Rounded Rectangle 48"/>
           <p:cNvSpPr/>
           <p:nvPr/>
         </p:nvSpPr>
         <p:spPr>
           <a:xfrm>
-            <a:off x="5415281" y="1786915"/>
-            <a:ext cx="1066800" cy="237490"/>
+            <a:off x="5415281" y="1706877"/>
+            <a:ext cx="1066800" cy="367664"/>
           </a:xfrm>
           <a:prstGeom prst="roundRect">
             <a:avLst>
@@ -6059,7 +6452,7 @@
             <a:pPr algn="ctr"/>
             <a:r>
               <a:rPr lang="en-US" sz="1000" dirty="0" smtClean="0"/>
-              <a:t>User Experience</a:t>
+              <a:t>Learnability</a:t>
             </a:r>
             <a:endParaRPr lang="en-US" sz="1000" dirty="0"/>
           </a:p>
@@ -6067,14 +6460,14 @@
       </p:sp>
       <p:sp>
         <p:nvSpPr>
-          <p:cNvPr id="129" name="Rounded Rectangle 128"/>
+          <p:cNvPr id="50" name="Rounded Rectangle 49"/>
           <p:cNvSpPr/>
           <p:nvPr/>
         </p:nvSpPr>
         <p:spPr>
           <a:xfrm>
             <a:off x="5415281" y="2142515"/>
-            <a:ext cx="1087119" cy="227330"/>
+            <a:ext cx="1494679" cy="305726"/>
           </a:xfrm>
           <a:prstGeom prst="roundRect">
             <a:avLst>
@@ -6107,11 +6500,7 @@
             <a:pPr algn="ctr"/>
             <a:r>
               <a:rPr lang="en-US" sz="1000" dirty="0" smtClean="0"/>
-              <a:t>Website </a:t>
-            </a:r>
-            <a:r>
-              <a:rPr lang="en-US" sz="1000" dirty="0"/>
-              <a:t>design</a:t>
+              <a:t>User interface aesthetics</a:t>
             </a:r>
             <a:endParaRPr lang="en-US" sz="1000" dirty="0"/>
           </a:p>
@@ -6119,7 +6508,7 @@
       </p:sp>
       <p:sp>
         <p:nvSpPr>
-          <p:cNvPr id="130" name="Rounded Rectangle 129"/>
+          <p:cNvPr id="51" name="Rounded Rectangle 50"/>
           <p:cNvSpPr/>
           <p:nvPr/>
         </p:nvSpPr>
@@ -6167,7 +6556,7 @@
       </p:sp>
       <p:sp>
         <p:nvSpPr>
-          <p:cNvPr id="131" name="Rounded Rectangle 130"/>
+          <p:cNvPr id="52" name="Rounded Rectangle 51"/>
           <p:cNvSpPr/>
           <p:nvPr/>
         </p:nvSpPr>
@@ -6207,7 +6596,7 @@
             <a:pPr algn="ctr"/>
             <a:r>
               <a:rPr lang="en-US" sz="1000" dirty="0" smtClean="0"/>
-              <a:t>Response Time</a:t>
+              <a:t>Time behavior</a:t>
             </a:r>
             <a:endParaRPr lang="en-US" sz="1000" dirty="0"/>
           </a:p>
@@ -6215,13 +6604,13 @@
       </p:sp>
       <p:grpSp>
         <p:nvGrpSpPr>
-          <p:cNvPr id="135" name="Group 134"/>
+          <p:cNvPr id="53" name="Group 52"/>
           <p:cNvGrpSpPr/>
           <p:nvPr/>
         </p:nvGrpSpPr>
         <p:grpSpPr>
           <a:xfrm>
-            <a:off x="5318761" y="4085792"/>
+            <a:off x="5318761" y="4193872"/>
             <a:ext cx="1879598" cy="491491"/>
             <a:chOff x="7721601" y="3576319"/>
             <a:chExt cx="1859278" cy="491491"/>
@@ -6229,7 +6618,7 @@
         </p:grpSpPr>
         <p:sp>
           <p:nvSpPr>
-            <p:cNvPr id="132" name="Rounded Rectangle 131"/>
+            <p:cNvPr id="54" name="Rounded Rectangle 53"/>
             <p:cNvSpPr/>
             <p:nvPr/>
           </p:nvSpPr>
@@ -6277,7 +6666,7 @@
         </p:sp>
         <p:sp>
           <p:nvSpPr>
-            <p:cNvPr id="133" name="Rounded Rectangle 132"/>
+            <p:cNvPr id="55" name="Rounded Rectangle 54"/>
             <p:cNvSpPr/>
             <p:nvPr/>
           </p:nvSpPr>
@@ -6325,7 +6714,7 @@
         </p:sp>
         <p:sp>
           <p:nvSpPr>
-            <p:cNvPr id="134" name="Rounded Rectangle 133"/>
+            <p:cNvPr id="56" name="Rounded Rectangle 55"/>
             <p:cNvSpPr/>
             <p:nvPr/>
           </p:nvSpPr>
@@ -6374,7 +6763,7 @@
       </p:grpSp>
       <p:sp>
         <p:nvSpPr>
-          <p:cNvPr id="136" name="Rounded Rectangle 135"/>
+          <p:cNvPr id="57" name="Rounded Rectangle 56"/>
           <p:cNvSpPr/>
           <p:nvPr/>
         </p:nvSpPr>
@@ -6422,7 +6811,7 @@
       </p:sp>
       <p:sp>
         <p:nvSpPr>
-          <p:cNvPr id="137" name="Rounded Rectangle 136"/>
+          <p:cNvPr id="58" name="Rounded Rectangle 57"/>
           <p:cNvSpPr/>
           <p:nvPr/>
         </p:nvSpPr>
@@ -6470,14 +6859,14 @@
       </p:sp>
       <p:sp>
         <p:nvSpPr>
-          <p:cNvPr id="138" name="Rounded Rectangle 137"/>
+          <p:cNvPr id="59" name="Rounded Rectangle 58"/>
           <p:cNvSpPr/>
           <p:nvPr/>
         </p:nvSpPr>
         <p:spPr>
           <a:xfrm>
-            <a:off x="5313681" y="6084747"/>
-            <a:ext cx="1300479" cy="300991"/>
+            <a:off x="5372166" y="6084747"/>
+            <a:ext cx="1011197" cy="240573"/>
           </a:xfrm>
           <a:prstGeom prst="roundRect">
             <a:avLst>
@@ -6510,7 +6899,7 @@
             <a:pPr algn="ctr"/>
             <a:r>
               <a:rPr lang="en-US" sz="1000" dirty="0" smtClean="0"/>
-              <a:t>Information Integrity</a:t>
+              <a:t>Confidentiality</a:t>
             </a:r>
             <a:endParaRPr lang="en-US" sz="1000" dirty="0"/>
           </a:p>
@@ -6518,13 +6907,13 @@
       </p:sp>
       <p:sp>
         <p:nvSpPr>
-          <p:cNvPr id="139" name="Rounded Rectangle 138"/>
+          <p:cNvPr id="60" name="Rounded Rectangle 59"/>
           <p:cNvSpPr/>
           <p:nvPr/>
         </p:nvSpPr>
         <p:spPr>
           <a:xfrm>
-            <a:off x="5311141" y="4858588"/>
+            <a:off x="5369626" y="4858588"/>
             <a:ext cx="2098997" cy="227330"/>
           </a:xfrm>
           <a:prstGeom prst="roundRect">
@@ -6566,14 +6955,14 @@
       </p:sp>
       <p:sp>
         <p:nvSpPr>
-          <p:cNvPr id="140" name="Rounded Rectangle 139"/>
+          <p:cNvPr id="61" name="Rounded Rectangle 60"/>
           <p:cNvSpPr/>
           <p:nvPr/>
         </p:nvSpPr>
         <p:spPr>
           <a:xfrm>
-            <a:off x="5323841" y="5781570"/>
-            <a:ext cx="1158240" cy="227330"/>
+            <a:off x="5382326" y="5781570"/>
+            <a:ext cx="1001037" cy="227330"/>
           </a:xfrm>
           <a:prstGeom prst="roundRect">
             <a:avLst>
@@ -6606,7 +6995,7 @@
             <a:pPr algn="ctr"/>
             <a:r>
               <a:rPr lang="en-US" sz="1000" dirty="0" smtClean="0"/>
-              <a:t>Confidentiality</a:t>
+              <a:t>Integrity</a:t>
             </a:r>
             <a:endParaRPr lang="en-US" sz="1000" dirty="0"/>
           </a:p>
@@ -6614,13 +7003,13 @@
       </p:sp>
       <p:sp>
         <p:nvSpPr>
-          <p:cNvPr id="141" name="Rounded Rectangle 140"/>
+          <p:cNvPr id="62" name="Rounded Rectangle 61"/>
           <p:cNvSpPr/>
           <p:nvPr/>
         </p:nvSpPr>
         <p:spPr>
           <a:xfrm>
-            <a:off x="5319039" y="5195136"/>
+            <a:off x="5377524" y="5195136"/>
             <a:ext cx="1005839" cy="227330"/>
           </a:xfrm>
           <a:prstGeom prst="roundRect">
@@ -6662,10 +7051,10 @@
       </p:sp>
       <p:cxnSp>
         <p:nvCxnSpPr>
-          <p:cNvPr id="150" name="Straight Connector 149"/>
+          <p:cNvPr id="63" name="Straight Connector 62"/>
           <p:cNvCxnSpPr>
-            <a:stCxn id="125" idx="1"/>
-            <a:endCxn id="4" idx="3"/>
+            <a:stCxn id="46" idx="1"/>
+            <a:endCxn id="41" idx="3"/>
           </p:cNvCxnSpPr>
           <p:nvPr/>
         </p:nvCxnSpPr>
@@ -6695,10 +7084,10 @@
       </p:cxnSp>
       <p:cxnSp>
         <p:nvCxnSpPr>
-          <p:cNvPr id="153" name="Straight Connector 152"/>
+          <p:cNvPr id="64" name="Straight Connector 63"/>
           <p:cNvCxnSpPr>
-            <a:stCxn id="126" idx="1"/>
-            <a:endCxn id="4" idx="3"/>
+            <a:stCxn id="47" idx="1"/>
+            <a:endCxn id="41" idx="3"/>
           </p:cNvCxnSpPr>
           <p:nvPr/>
         </p:nvCxnSpPr>
@@ -6728,10 +7117,10 @@
       </p:cxnSp>
       <p:cxnSp>
         <p:nvCxnSpPr>
-          <p:cNvPr id="156" name="Straight Connector 155"/>
+          <p:cNvPr id="65" name="Straight Connector 64"/>
           <p:cNvCxnSpPr>
-            <a:stCxn id="124" idx="1"/>
-            <a:endCxn id="4" idx="3"/>
+            <a:stCxn id="45" idx="1"/>
+            <a:endCxn id="41" idx="3"/>
           </p:cNvCxnSpPr>
           <p:nvPr/>
         </p:nvCxnSpPr>
@@ -6761,10 +7150,10 @@
       </p:cxnSp>
       <p:cxnSp>
         <p:nvCxnSpPr>
-          <p:cNvPr id="159" name="Straight Connector 158"/>
+          <p:cNvPr id="66" name="Straight Connector 65"/>
           <p:cNvCxnSpPr>
-            <a:stCxn id="127" idx="1"/>
-            <a:endCxn id="5" idx="3"/>
+            <a:stCxn id="48" idx="1"/>
+            <a:endCxn id="42" idx="3"/>
           </p:cNvCxnSpPr>
           <p:nvPr/>
         </p:nvCxnSpPr>
@@ -6794,17 +7183,17 @@
       </p:cxnSp>
       <p:cxnSp>
         <p:nvCxnSpPr>
-          <p:cNvPr id="162" name="Straight Connector 161"/>
+          <p:cNvPr id="67" name="Straight Connector 66"/>
           <p:cNvCxnSpPr>
-            <a:stCxn id="128" idx="1"/>
-            <a:endCxn id="5" idx="3"/>
+            <a:stCxn id="49" idx="1"/>
+            <a:endCxn id="42" idx="3"/>
           </p:cNvCxnSpPr>
           <p:nvPr/>
         </p:nvCxnSpPr>
         <p:spPr>
           <a:xfrm flipH="1">
-            <a:off x="4825999" y="1905660"/>
-            <a:ext cx="589282" cy="0"/>
+            <a:off x="4825999" y="1890709"/>
+            <a:ext cx="589282" cy="14951"/>
           </a:xfrm>
           <a:prstGeom prst="line">
             <a:avLst/>
@@ -6827,10 +7216,10 @@
       </p:cxnSp>
       <p:cxnSp>
         <p:nvCxnSpPr>
-          <p:cNvPr id="165" name="Straight Connector 164"/>
+          <p:cNvPr id="68" name="Straight Connector 67"/>
           <p:cNvCxnSpPr>
-            <a:stCxn id="130" idx="1"/>
-            <a:endCxn id="6" idx="3"/>
+            <a:stCxn id="51" idx="1"/>
+            <a:endCxn id="43" idx="3"/>
           </p:cNvCxnSpPr>
           <p:nvPr/>
         </p:nvCxnSpPr>
@@ -6860,10 +7249,10 @@
       </p:cxnSp>
       <p:cxnSp>
         <p:nvCxnSpPr>
-          <p:cNvPr id="217" name="Straight Connector 216"/>
+          <p:cNvPr id="73" name="Straight Connector 72"/>
           <p:cNvCxnSpPr>
-            <a:stCxn id="136" idx="1"/>
-            <a:endCxn id="6" idx="3"/>
+            <a:stCxn id="57" idx="1"/>
+            <a:endCxn id="43" idx="3"/>
           </p:cNvCxnSpPr>
           <p:nvPr/>
         </p:nvCxnSpPr>
@@ -6893,10 +7282,10 @@
       </p:cxnSp>
       <p:cxnSp>
         <p:nvCxnSpPr>
-          <p:cNvPr id="222" name="Straight Connector 221"/>
+          <p:cNvPr id="74" name="Straight Connector 73"/>
           <p:cNvCxnSpPr>
-            <a:stCxn id="131" idx="1"/>
-            <a:endCxn id="6" idx="3"/>
+            <a:stCxn id="52" idx="1"/>
+            <a:endCxn id="43" idx="3"/>
           </p:cNvCxnSpPr>
           <p:nvPr/>
         </p:nvCxnSpPr>
@@ -6926,10 +7315,10 @@
       </p:cxnSp>
       <p:cxnSp>
         <p:nvCxnSpPr>
-          <p:cNvPr id="225" name="Straight Connector 224"/>
+          <p:cNvPr id="76" name="Straight Connector 75"/>
           <p:cNvCxnSpPr>
-            <a:stCxn id="137" idx="1"/>
-            <a:endCxn id="6" idx="3"/>
+            <a:stCxn id="58" idx="1"/>
+            <a:endCxn id="43" idx="3"/>
           </p:cNvCxnSpPr>
           <p:nvPr/>
         </p:nvCxnSpPr>
@@ -6959,17 +7348,17 @@
       </p:cxnSp>
       <p:cxnSp>
         <p:nvCxnSpPr>
-          <p:cNvPr id="228" name="Straight Connector 227"/>
+          <p:cNvPr id="77" name="Straight Connector 76"/>
           <p:cNvCxnSpPr>
-            <a:stCxn id="132" idx="1"/>
-            <a:endCxn id="6" idx="3"/>
+            <a:stCxn id="54" idx="1"/>
+            <a:endCxn id="43" idx="3"/>
           </p:cNvCxnSpPr>
           <p:nvPr/>
         </p:nvCxnSpPr>
         <p:spPr>
           <a:xfrm flipH="1" flipV="1">
             <a:off x="4825999" y="3413812"/>
-            <a:ext cx="492762" cy="802473"/>
+            <a:ext cx="492762" cy="910553"/>
           </a:xfrm>
           <a:prstGeom prst="line">
             <a:avLst/>
@@ -6992,17 +7381,17 @@
       </p:cxnSp>
       <p:cxnSp>
         <p:nvCxnSpPr>
-          <p:cNvPr id="333" name="Straight Connector 332"/>
+          <p:cNvPr id="81" name="Straight Connector 80"/>
           <p:cNvCxnSpPr>
-            <a:stCxn id="129" idx="1"/>
-            <a:endCxn id="5" idx="3"/>
+            <a:stCxn id="50" idx="1"/>
+            <a:endCxn id="42" idx="3"/>
           </p:cNvCxnSpPr>
           <p:nvPr/>
         </p:nvCxnSpPr>
         <p:spPr>
           <a:xfrm flipH="1" flipV="1">
             <a:off x="4825999" y="1905660"/>
-            <a:ext cx="589282" cy="350520"/>
+            <a:ext cx="589282" cy="389718"/>
           </a:xfrm>
           <a:prstGeom prst="line">
             <a:avLst/>
@@ -7025,17 +7414,17 @@
       </p:cxnSp>
       <p:cxnSp>
         <p:nvCxnSpPr>
-          <p:cNvPr id="443" name="Straight Connector 442"/>
+          <p:cNvPr id="86" name="Straight Connector 85"/>
           <p:cNvCxnSpPr>
-            <a:stCxn id="139" idx="1"/>
-            <a:endCxn id="7" idx="3"/>
+            <a:stCxn id="60" idx="1"/>
+            <a:endCxn id="44" idx="3"/>
           </p:cNvCxnSpPr>
           <p:nvPr/>
         </p:nvCxnSpPr>
         <p:spPr>
           <a:xfrm flipH="1">
             <a:off x="4825999" y="4972253"/>
-            <a:ext cx="485142" cy="631094"/>
+            <a:ext cx="543627" cy="631094"/>
           </a:xfrm>
           <a:prstGeom prst="line">
             <a:avLst/>
@@ -7058,17 +7447,17 @@
       </p:cxnSp>
       <p:cxnSp>
         <p:nvCxnSpPr>
-          <p:cNvPr id="446" name="Straight Connector 445"/>
+          <p:cNvPr id="87" name="Straight Connector 86"/>
           <p:cNvCxnSpPr>
-            <a:stCxn id="140" idx="1"/>
-            <a:endCxn id="7" idx="3"/>
+            <a:stCxn id="61" idx="1"/>
+            <a:endCxn id="44" idx="3"/>
           </p:cNvCxnSpPr>
           <p:nvPr/>
         </p:nvCxnSpPr>
         <p:spPr>
           <a:xfrm flipH="1" flipV="1">
             <a:off x="4825999" y="5603347"/>
-            <a:ext cx="497842" cy="291888"/>
+            <a:ext cx="556327" cy="291888"/>
           </a:xfrm>
           <a:prstGeom prst="line">
             <a:avLst/>
@@ -7091,17 +7480,17 @@
       </p:cxnSp>
       <p:cxnSp>
         <p:nvCxnSpPr>
-          <p:cNvPr id="449" name="Straight Connector 448"/>
+          <p:cNvPr id="88" name="Straight Connector 87"/>
           <p:cNvCxnSpPr>
-            <a:stCxn id="138" idx="1"/>
-            <a:endCxn id="7" idx="3"/>
+            <a:stCxn id="59" idx="1"/>
+            <a:endCxn id="44" idx="3"/>
           </p:cNvCxnSpPr>
           <p:nvPr/>
         </p:nvCxnSpPr>
         <p:spPr>
           <a:xfrm flipH="1" flipV="1">
             <a:off x="4825999" y="5603347"/>
-            <a:ext cx="487682" cy="631896"/>
+            <a:ext cx="546167" cy="601687"/>
           </a:xfrm>
           <a:prstGeom prst="line">
             <a:avLst/>
@@ -7124,17 +7513,17 @@
       </p:cxnSp>
       <p:cxnSp>
         <p:nvCxnSpPr>
-          <p:cNvPr id="452" name="Straight Connector 451"/>
+          <p:cNvPr id="89" name="Straight Connector 88"/>
           <p:cNvCxnSpPr>
-            <a:stCxn id="80" idx="1"/>
-            <a:endCxn id="7" idx="3"/>
+            <a:stCxn id="92" idx="1"/>
+            <a:endCxn id="44" idx="3"/>
           </p:cNvCxnSpPr>
           <p:nvPr/>
         </p:nvCxnSpPr>
         <p:spPr>
           <a:xfrm flipH="1">
             <a:off x="4825999" y="5603347"/>
-            <a:ext cx="502923" cy="0"/>
+            <a:ext cx="561408" cy="0"/>
           </a:xfrm>
           <a:prstGeom prst="line">
             <a:avLst/>
@@ -7157,13 +7546,13 @@
       </p:cxnSp>
       <p:sp>
         <p:nvSpPr>
-          <p:cNvPr id="80" name="Rounded Rectangle 79"/>
+          <p:cNvPr id="92" name="Rounded Rectangle 91"/>
           <p:cNvSpPr/>
           <p:nvPr/>
         </p:nvSpPr>
         <p:spPr>
           <a:xfrm>
-            <a:off x="5328922" y="5493707"/>
+            <a:off x="5387407" y="5493707"/>
             <a:ext cx="993917" cy="219279"/>
           </a:xfrm>
           <a:prstGeom prst="roundRect">
@@ -7200,42 +7589,6 @@
               <a:t>Privacy</a:t>
             </a:r>
             <a:endParaRPr lang="en-US" sz="1000" dirty="0"/>
-          </a:p>
-        </p:txBody>
-      </p:sp>
-      <p:sp>
-        <p:nvSpPr>
-          <p:cNvPr id="75" name="TextBox 74"/>
-          <p:cNvSpPr txBox="1"/>
-          <p:nvPr/>
-        </p:nvSpPr>
-        <p:spPr>
-          <a:xfrm>
-            <a:off x="538826" y="2021840"/>
-            <a:ext cx="1956598" cy="646331"/>
-          </a:xfrm>
-          <a:prstGeom prst="rect">
-            <a:avLst/>
-          </a:prstGeom>
-          <a:noFill/>
-        </p:spPr>
-        <p:txBody>
-          <a:bodyPr wrap="none" rtlCol="0">
-            <a:spAutoFit/>
-          </a:bodyPr>
-          <a:lstStyle/>
-          <a:p>
-            <a:r>
-              <a:rPr lang="en-US" dirty="0" smtClean="0"/>
-              <a:t>DIMENSIONS AND</a:t>
-            </a:r>
-          </a:p>
-          <a:p>
-            <a:r>
-              <a:rPr lang="en-US" dirty="0" smtClean="0"/>
-              <a:t>KEY COMPONENTS</a:t>
-            </a:r>
-            <a:endParaRPr lang="en-US" dirty="0"/>
           </a:p>
         </p:txBody>
       </p:sp>
@@ -7278,7 +7631,42 @@
       </p:grpSpPr>
       <p:sp>
         <p:nvSpPr>
-          <p:cNvPr id="4" name="Rounded Rectangle 3"/>
+          <p:cNvPr id="112" name="TextBox 111"/>
+          <p:cNvSpPr txBox="1"/>
+          <p:nvPr/>
+        </p:nvSpPr>
+        <p:spPr>
+          <a:xfrm>
+            <a:off x="461850" y="2833292"/>
+            <a:ext cx="2903359" cy="646331"/>
+          </a:xfrm>
+          <a:prstGeom prst="rect">
+            <a:avLst/>
+          </a:prstGeom>
+          <a:noFill/>
+        </p:spPr>
+        <p:txBody>
+          <a:bodyPr wrap="none" rtlCol="0">
+            <a:spAutoFit/>
+          </a:bodyPr>
+          <a:lstStyle/>
+          <a:p>
+            <a:r>
+              <a:rPr lang="en-US" dirty="0" smtClean="0"/>
+              <a:t>DIMENSIONS, COMPONENTS</a:t>
+            </a:r>
+          </a:p>
+          <a:p>
+            <a:r>
+              <a:rPr lang="en-US" dirty="0" smtClean="0"/>
+              <a:t>AND RELATIONSHIPS</a:t>
+            </a:r>
+          </a:p>
+        </p:txBody>
+      </p:sp>
+      <p:sp>
+        <p:nvSpPr>
+          <p:cNvPr id="54" name="Rounded Rectangle 53"/>
           <p:cNvSpPr/>
           <p:nvPr/>
         </p:nvSpPr>
@@ -7322,7 +7710,7 @@
       </p:sp>
       <p:sp>
         <p:nvSpPr>
-          <p:cNvPr id="5" name="Rounded Rectangle 4"/>
+          <p:cNvPr id="55" name="Rounded Rectangle 54"/>
           <p:cNvSpPr/>
           <p:nvPr/>
         </p:nvSpPr>
@@ -7366,7 +7754,7 @@
       </p:sp>
       <p:sp>
         <p:nvSpPr>
-          <p:cNvPr id="6" name="Rounded Rectangle 5"/>
+          <p:cNvPr id="56" name="Rounded Rectangle 55"/>
           <p:cNvSpPr/>
           <p:nvPr/>
         </p:nvSpPr>
@@ -7410,7 +7798,7 @@
       </p:sp>
       <p:sp>
         <p:nvSpPr>
-          <p:cNvPr id="7" name="Rounded Rectangle 6"/>
+          <p:cNvPr id="57" name="Rounded Rectangle 56"/>
           <p:cNvSpPr/>
           <p:nvPr/>
         </p:nvSpPr>
@@ -7454,7 +7842,7 @@
       </p:sp>
       <p:sp>
         <p:nvSpPr>
-          <p:cNvPr id="124" name="Rounded Rectangle 123"/>
+          <p:cNvPr id="58" name="Rounded Rectangle 57"/>
           <p:cNvSpPr/>
           <p:nvPr/>
         </p:nvSpPr>
@@ -7502,7 +7890,7 @@
       </p:sp>
       <p:sp>
         <p:nvSpPr>
-          <p:cNvPr id="125" name="Rounded Rectangle 124"/>
+          <p:cNvPr id="59" name="Rounded Rectangle 58"/>
           <p:cNvSpPr/>
           <p:nvPr/>
         </p:nvSpPr>
@@ -7550,7 +7938,7 @@
       </p:sp>
       <p:sp>
         <p:nvSpPr>
-          <p:cNvPr id="126" name="Rounded Rectangle 125"/>
+          <p:cNvPr id="60" name="Rounded Rectangle 59"/>
           <p:cNvSpPr/>
           <p:nvPr/>
         </p:nvSpPr>
@@ -7598,7 +7986,7 @@
       </p:sp>
       <p:sp>
         <p:nvSpPr>
-          <p:cNvPr id="127" name="Rounded Rectangle 126"/>
+          <p:cNvPr id="61" name="Rounded Rectangle 60"/>
           <p:cNvSpPr/>
           <p:nvPr/>
         </p:nvSpPr>
@@ -7646,14 +8034,14 @@
       </p:sp>
       <p:sp>
         <p:nvSpPr>
-          <p:cNvPr id="128" name="Rounded Rectangle 127"/>
+          <p:cNvPr id="62" name="Rounded Rectangle 61"/>
           <p:cNvSpPr/>
           <p:nvPr/>
         </p:nvSpPr>
         <p:spPr>
           <a:xfrm>
-            <a:off x="5415281" y="1786915"/>
-            <a:ext cx="1066800" cy="237490"/>
+            <a:off x="5415281" y="1706877"/>
+            <a:ext cx="1066800" cy="367664"/>
           </a:xfrm>
           <a:prstGeom prst="roundRect">
             <a:avLst>
@@ -7686,7 +8074,7 @@
             <a:pPr algn="ctr"/>
             <a:r>
               <a:rPr lang="en-US" sz="1000" dirty="0" smtClean="0"/>
-              <a:t>User Experience</a:t>
+              <a:t>Learnability</a:t>
             </a:r>
             <a:endParaRPr lang="en-US" sz="1000" dirty="0"/>
           </a:p>
@@ -7694,14 +8082,14 @@
       </p:sp>
       <p:sp>
         <p:nvSpPr>
-          <p:cNvPr id="129" name="Rounded Rectangle 128"/>
+          <p:cNvPr id="63" name="Rounded Rectangle 62"/>
           <p:cNvSpPr/>
           <p:nvPr/>
         </p:nvSpPr>
         <p:spPr>
           <a:xfrm>
             <a:off x="5415281" y="2142515"/>
-            <a:ext cx="1087119" cy="227330"/>
+            <a:ext cx="1494679" cy="305726"/>
           </a:xfrm>
           <a:prstGeom prst="roundRect">
             <a:avLst>
@@ -7734,11 +8122,7 @@
             <a:pPr algn="ctr"/>
             <a:r>
               <a:rPr lang="en-US" sz="1000" dirty="0" smtClean="0"/>
-              <a:t>Website </a:t>
-            </a:r>
-            <a:r>
-              <a:rPr lang="en-US" sz="1000" dirty="0"/>
-              <a:t>design</a:t>
+              <a:t>User interface aesthetics</a:t>
             </a:r>
             <a:endParaRPr lang="en-US" sz="1000" dirty="0"/>
           </a:p>
@@ -7746,7 +8130,7 @@
       </p:sp>
       <p:sp>
         <p:nvSpPr>
-          <p:cNvPr id="130" name="Rounded Rectangle 129"/>
+          <p:cNvPr id="64" name="Rounded Rectangle 63"/>
           <p:cNvSpPr/>
           <p:nvPr/>
         </p:nvSpPr>
@@ -7794,7 +8178,7 @@
       </p:sp>
       <p:sp>
         <p:nvSpPr>
-          <p:cNvPr id="131" name="Rounded Rectangle 130"/>
+          <p:cNvPr id="65" name="Rounded Rectangle 64"/>
           <p:cNvSpPr/>
           <p:nvPr/>
         </p:nvSpPr>
@@ -7834,7 +8218,7 @@
             <a:pPr algn="ctr"/>
             <a:r>
               <a:rPr lang="en-US" sz="1000" dirty="0" smtClean="0"/>
-              <a:t>Response Time</a:t>
+              <a:t>Time behavior</a:t>
             </a:r>
             <a:endParaRPr lang="en-US" sz="1000" dirty="0"/>
           </a:p>
@@ -7842,7 +8226,7 @@
       </p:sp>
       <p:grpSp>
         <p:nvGrpSpPr>
-          <p:cNvPr id="135" name="Group 134"/>
+          <p:cNvPr id="66" name="Group 65"/>
           <p:cNvGrpSpPr/>
           <p:nvPr/>
         </p:nvGrpSpPr>
@@ -7856,7 +8240,7 @@
         </p:grpSpPr>
         <p:sp>
           <p:nvSpPr>
-            <p:cNvPr id="132" name="Rounded Rectangle 131"/>
+            <p:cNvPr id="67" name="Rounded Rectangle 66"/>
             <p:cNvSpPr/>
             <p:nvPr/>
           </p:nvSpPr>
@@ -7904,7 +8288,7 @@
         </p:sp>
         <p:sp>
           <p:nvSpPr>
-            <p:cNvPr id="133" name="Rounded Rectangle 132"/>
+            <p:cNvPr id="68" name="Rounded Rectangle 67"/>
             <p:cNvSpPr/>
             <p:nvPr/>
           </p:nvSpPr>
@@ -7952,7 +8336,7 @@
         </p:sp>
         <p:sp>
           <p:nvSpPr>
-            <p:cNvPr id="134" name="Rounded Rectangle 133"/>
+            <p:cNvPr id="69" name="Rounded Rectangle 68"/>
             <p:cNvSpPr/>
             <p:nvPr/>
           </p:nvSpPr>
@@ -8001,7 +8385,7 @@
       </p:grpSp>
       <p:sp>
         <p:nvSpPr>
-          <p:cNvPr id="136" name="Rounded Rectangle 135"/>
+          <p:cNvPr id="70" name="Rounded Rectangle 69"/>
           <p:cNvSpPr/>
           <p:nvPr/>
         </p:nvSpPr>
@@ -8049,7 +8433,7 @@
       </p:sp>
       <p:sp>
         <p:nvSpPr>
-          <p:cNvPr id="137" name="Rounded Rectangle 136"/>
+          <p:cNvPr id="71" name="Rounded Rectangle 70"/>
           <p:cNvSpPr/>
           <p:nvPr/>
         </p:nvSpPr>
@@ -8097,14 +8481,14 @@
       </p:sp>
       <p:sp>
         <p:nvSpPr>
-          <p:cNvPr id="138" name="Rounded Rectangle 137"/>
+          <p:cNvPr id="72" name="Rounded Rectangle 71"/>
           <p:cNvSpPr/>
           <p:nvPr/>
         </p:nvSpPr>
         <p:spPr>
           <a:xfrm>
-            <a:off x="5313681" y="6084747"/>
-            <a:ext cx="1300479" cy="300991"/>
+            <a:off x="5372166" y="6084747"/>
+            <a:ext cx="1011197" cy="240573"/>
           </a:xfrm>
           <a:prstGeom prst="roundRect">
             <a:avLst>
@@ -8137,7 +8521,7 @@
             <a:pPr algn="ctr"/>
             <a:r>
               <a:rPr lang="en-US" sz="1000" dirty="0" smtClean="0"/>
-              <a:t>Information Integrity</a:t>
+              <a:t>Confidentiality</a:t>
             </a:r>
             <a:endParaRPr lang="en-US" sz="1000" dirty="0"/>
           </a:p>
@@ -8145,13 +8529,13 @@
       </p:sp>
       <p:sp>
         <p:nvSpPr>
-          <p:cNvPr id="139" name="Rounded Rectangle 138"/>
+          <p:cNvPr id="74" name="Rounded Rectangle 73"/>
           <p:cNvSpPr/>
           <p:nvPr/>
         </p:nvSpPr>
         <p:spPr>
           <a:xfrm>
-            <a:off x="5311141" y="4858588"/>
+            <a:off x="5369626" y="4858588"/>
             <a:ext cx="2098997" cy="227330"/>
           </a:xfrm>
           <a:prstGeom prst="roundRect">
@@ -8193,14 +8577,14 @@
       </p:sp>
       <p:sp>
         <p:nvSpPr>
-          <p:cNvPr id="140" name="Rounded Rectangle 139"/>
+          <p:cNvPr id="75" name="Rounded Rectangle 74"/>
           <p:cNvSpPr/>
           <p:nvPr/>
         </p:nvSpPr>
         <p:spPr>
           <a:xfrm>
-            <a:off x="5323841" y="5781570"/>
-            <a:ext cx="1158240" cy="227330"/>
+            <a:off x="5382326" y="5781570"/>
+            <a:ext cx="1001037" cy="227330"/>
           </a:xfrm>
           <a:prstGeom prst="roundRect">
             <a:avLst>
@@ -8233,7 +8617,7 @@
             <a:pPr algn="ctr"/>
             <a:r>
               <a:rPr lang="en-US" sz="1000" dirty="0" smtClean="0"/>
-              <a:t>Confidentiality</a:t>
+              <a:t>Integrity</a:t>
             </a:r>
             <a:endParaRPr lang="en-US" sz="1000" dirty="0"/>
           </a:p>
@@ -8241,13 +8625,13 @@
       </p:sp>
       <p:sp>
         <p:nvSpPr>
-          <p:cNvPr id="141" name="Rounded Rectangle 140"/>
+          <p:cNvPr id="76" name="Rounded Rectangle 75"/>
           <p:cNvSpPr/>
           <p:nvPr/>
         </p:nvSpPr>
         <p:spPr>
           <a:xfrm>
-            <a:off x="5319039" y="5195136"/>
+            <a:off x="5377524" y="5195136"/>
             <a:ext cx="1005839" cy="227330"/>
           </a:xfrm>
           <a:prstGeom prst="roundRect">
@@ -8289,10 +8673,10 @@
       </p:sp>
       <p:cxnSp>
         <p:nvCxnSpPr>
-          <p:cNvPr id="150" name="Straight Connector 149"/>
+          <p:cNvPr id="77" name="Straight Connector 76"/>
           <p:cNvCxnSpPr>
-            <a:stCxn id="125" idx="1"/>
-            <a:endCxn id="4" idx="3"/>
+            <a:stCxn id="59" idx="1"/>
+            <a:endCxn id="54" idx="3"/>
           </p:cNvCxnSpPr>
           <p:nvPr/>
         </p:nvCxnSpPr>
@@ -8322,10 +8706,10 @@
       </p:cxnSp>
       <p:cxnSp>
         <p:nvCxnSpPr>
-          <p:cNvPr id="153" name="Straight Connector 152"/>
+          <p:cNvPr id="78" name="Straight Connector 77"/>
           <p:cNvCxnSpPr>
-            <a:stCxn id="126" idx="1"/>
-            <a:endCxn id="4" idx="3"/>
+            <a:stCxn id="60" idx="1"/>
+            <a:endCxn id="54" idx="3"/>
           </p:cNvCxnSpPr>
           <p:nvPr/>
         </p:nvCxnSpPr>
@@ -8355,10 +8739,10 @@
       </p:cxnSp>
       <p:cxnSp>
         <p:nvCxnSpPr>
-          <p:cNvPr id="156" name="Straight Connector 155"/>
+          <p:cNvPr id="79" name="Straight Connector 78"/>
           <p:cNvCxnSpPr>
-            <a:stCxn id="124" idx="1"/>
-            <a:endCxn id="4" idx="3"/>
+            <a:stCxn id="58" idx="1"/>
+            <a:endCxn id="54" idx="3"/>
           </p:cNvCxnSpPr>
           <p:nvPr/>
         </p:nvCxnSpPr>
@@ -8388,10 +8772,10 @@
       </p:cxnSp>
       <p:cxnSp>
         <p:nvCxnSpPr>
-          <p:cNvPr id="159" name="Straight Connector 158"/>
+          <p:cNvPr id="82" name="Straight Connector 81"/>
           <p:cNvCxnSpPr>
-            <a:stCxn id="127" idx="1"/>
-            <a:endCxn id="5" idx="3"/>
+            <a:stCxn id="61" idx="1"/>
+            <a:endCxn id="55" idx="3"/>
           </p:cNvCxnSpPr>
           <p:nvPr/>
         </p:nvCxnSpPr>
@@ -8421,17 +8805,17 @@
       </p:cxnSp>
       <p:cxnSp>
         <p:nvCxnSpPr>
-          <p:cNvPr id="162" name="Straight Connector 161"/>
+          <p:cNvPr id="83" name="Straight Connector 82"/>
           <p:cNvCxnSpPr>
-            <a:stCxn id="128" idx="1"/>
-            <a:endCxn id="5" idx="3"/>
+            <a:stCxn id="62" idx="1"/>
+            <a:endCxn id="55" idx="3"/>
           </p:cNvCxnSpPr>
           <p:nvPr/>
         </p:nvCxnSpPr>
         <p:spPr>
           <a:xfrm flipH="1">
-            <a:off x="4825999" y="1905660"/>
-            <a:ext cx="589282" cy="0"/>
+            <a:off x="4825999" y="1890709"/>
+            <a:ext cx="589282" cy="14951"/>
           </a:xfrm>
           <a:prstGeom prst="line">
             <a:avLst/>
@@ -8454,10 +8838,10 @@
       </p:cxnSp>
       <p:cxnSp>
         <p:nvCxnSpPr>
-          <p:cNvPr id="165" name="Straight Connector 164"/>
+          <p:cNvPr id="84" name="Straight Connector 83"/>
           <p:cNvCxnSpPr>
-            <a:stCxn id="130" idx="1"/>
-            <a:endCxn id="6" idx="3"/>
+            <a:stCxn id="64" idx="1"/>
+            <a:endCxn id="56" idx="3"/>
           </p:cNvCxnSpPr>
           <p:nvPr/>
         </p:nvCxnSpPr>
@@ -8487,10 +8871,10 @@
       </p:cxnSp>
       <p:cxnSp>
         <p:nvCxnSpPr>
-          <p:cNvPr id="169" name="Straight Arrow Connector 168"/>
+          <p:cNvPr id="85" name="Straight Arrow Connector 84"/>
           <p:cNvCxnSpPr>
-            <a:stCxn id="127" idx="0"/>
-            <a:endCxn id="124" idx="2"/>
+            <a:stCxn id="61" idx="0"/>
+            <a:endCxn id="58" idx="2"/>
           </p:cNvCxnSpPr>
           <p:nvPr/>
         </p:nvCxnSpPr>
@@ -8525,19 +8909,21 @@
       </p:cxnSp>
       <p:cxnSp>
         <p:nvCxnSpPr>
-          <p:cNvPr id="171" name="Elbow Connector 170"/>
+          <p:cNvPr id="86" name="Elbow Connector 85"/>
           <p:cNvCxnSpPr>
-            <a:stCxn id="129" idx="3"/>
+            <a:stCxn id="63" idx="3"/>
           </p:cNvCxnSpPr>
           <p:nvPr/>
         </p:nvCxnSpPr>
         <p:spPr>
-          <a:xfrm flipV="1">
-            <a:off x="6502400" y="1666902"/>
-            <a:ext cx="487680" cy="589278"/>
-          </a:xfrm>
-          <a:prstGeom prst="bentConnector2">
-            <a:avLst/>
+          <a:xfrm flipH="1" flipV="1">
+            <a:off x="6482082" y="2032660"/>
+            <a:ext cx="427878" cy="262718"/>
+          </a:xfrm>
+          <a:prstGeom prst="bentConnector3">
+            <a:avLst>
+              <a:gd name="adj1" fmla="val -53426"/>
+            </a:avLst>
           </a:prstGeom>
           <a:ln w="3175" cmpd="sng">
             <a:prstDash val="lgDash"/>
@@ -8562,19 +8948,21 @@
       </p:cxnSp>
       <p:cxnSp>
         <p:nvCxnSpPr>
-          <p:cNvPr id="172" name="Elbow Connector 171"/>
+          <p:cNvPr id="87" name="Elbow Connector 86"/>
           <p:cNvCxnSpPr>
-            <a:stCxn id="128" idx="3"/>
+            <a:stCxn id="62" idx="3"/>
           </p:cNvCxnSpPr>
           <p:nvPr/>
         </p:nvCxnSpPr>
         <p:spPr>
           <a:xfrm flipV="1">
-            <a:off x="6482081" y="1646581"/>
-            <a:ext cx="243839" cy="259079"/>
-          </a:xfrm>
-          <a:prstGeom prst="bentConnector2">
-            <a:avLst/>
+            <a:off x="6482081" y="1656741"/>
+            <a:ext cx="243839" cy="233968"/>
+          </a:xfrm>
+          <a:prstGeom prst="bentConnector3">
+            <a:avLst>
+              <a:gd name="adj1" fmla="val 104827"/>
+            </a:avLst>
           </a:prstGeom>
           <a:ln w="3175" cmpd="sng">
             <a:prstDash val="lgDash"/>
@@ -8600,10 +8988,10 @@
       </p:cxnSp>
       <p:cxnSp>
         <p:nvCxnSpPr>
-          <p:cNvPr id="181" name="Elbow Connector 180"/>
+          <p:cNvPr id="88" name="Elbow Connector 87"/>
           <p:cNvCxnSpPr>
-            <a:stCxn id="130" idx="3"/>
-            <a:endCxn id="124" idx="3"/>
+            <a:stCxn id="64" idx="3"/>
+            <a:endCxn id="58" idx="3"/>
           </p:cNvCxnSpPr>
           <p:nvPr/>
         </p:nvCxnSpPr>
@@ -8640,10 +9028,10 @@
       </p:cxnSp>
       <p:cxnSp>
         <p:nvCxnSpPr>
-          <p:cNvPr id="217" name="Straight Connector 216"/>
+          <p:cNvPr id="89" name="Straight Connector 88"/>
           <p:cNvCxnSpPr>
-            <a:stCxn id="136" idx="1"/>
-            <a:endCxn id="6" idx="3"/>
+            <a:stCxn id="70" idx="1"/>
+            <a:endCxn id="56" idx="3"/>
           </p:cNvCxnSpPr>
           <p:nvPr/>
         </p:nvCxnSpPr>
@@ -8673,10 +9061,10 @@
       </p:cxnSp>
       <p:cxnSp>
         <p:nvCxnSpPr>
-          <p:cNvPr id="222" name="Straight Connector 221"/>
+          <p:cNvPr id="90" name="Straight Connector 89"/>
           <p:cNvCxnSpPr>
-            <a:stCxn id="131" idx="1"/>
-            <a:endCxn id="6" idx="3"/>
+            <a:stCxn id="65" idx="1"/>
+            <a:endCxn id="56" idx="3"/>
           </p:cNvCxnSpPr>
           <p:nvPr/>
         </p:nvCxnSpPr>
@@ -8706,10 +9094,10 @@
       </p:cxnSp>
       <p:cxnSp>
         <p:nvCxnSpPr>
-          <p:cNvPr id="225" name="Straight Connector 224"/>
+          <p:cNvPr id="91" name="Straight Connector 90"/>
           <p:cNvCxnSpPr>
-            <a:stCxn id="137" idx="1"/>
-            <a:endCxn id="6" idx="3"/>
+            <a:stCxn id="71" idx="1"/>
+            <a:endCxn id="56" idx="3"/>
           </p:cNvCxnSpPr>
           <p:nvPr/>
         </p:nvCxnSpPr>
@@ -8739,10 +9127,10 @@
       </p:cxnSp>
       <p:cxnSp>
         <p:nvCxnSpPr>
-          <p:cNvPr id="228" name="Straight Connector 227"/>
+          <p:cNvPr id="92" name="Straight Connector 91"/>
           <p:cNvCxnSpPr>
-            <a:stCxn id="132" idx="1"/>
-            <a:endCxn id="6" idx="3"/>
+            <a:stCxn id="67" idx="1"/>
+            <a:endCxn id="56" idx="3"/>
           </p:cNvCxnSpPr>
           <p:nvPr/>
         </p:nvCxnSpPr>
@@ -8772,7 +9160,7 @@
       </p:cxnSp>
       <p:cxnSp>
         <p:nvCxnSpPr>
-          <p:cNvPr id="313" name="Elbow Connector 312"/>
+          <p:cNvPr id="93" name="Elbow Connector 92"/>
           <p:cNvCxnSpPr/>
           <p:nvPr/>
         </p:nvCxnSpPr>
@@ -8807,9 +9195,9 @@
       </p:cxnSp>
       <p:cxnSp>
         <p:nvCxnSpPr>
-          <p:cNvPr id="315" name="Elbow Connector 314"/>
+          <p:cNvPr id="94" name="Elbow Connector 93"/>
           <p:cNvCxnSpPr>
-            <a:stCxn id="131" idx="3"/>
+            <a:stCxn id="65" idx="3"/>
           </p:cNvCxnSpPr>
           <p:nvPr/>
         </p:nvCxnSpPr>
@@ -8844,17 +9232,17 @@
       </p:cxnSp>
       <p:cxnSp>
         <p:nvCxnSpPr>
-          <p:cNvPr id="333" name="Straight Connector 332"/>
+          <p:cNvPr id="95" name="Straight Connector 94"/>
           <p:cNvCxnSpPr>
-            <a:stCxn id="129" idx="1"/>
-            <a:endCxn id="5" idx="3"/>
+            <a:stCxn id="63" idx="1"/>
+            <a:endCxn id="55" idx="3"/>
           </p:cNvCxnSpPr>
           <p:nvPr/>
         </p:nvCxnSpPr>
         <p:spPr>
           <a:xfrm flipH="1" flipV="1">
             <a:off x="4825999" y="1905660"/>
-            <a:ext cx="589282" cy="350520"/>
+            <a:ext cx="589282" cy="389718"/>
           </a:xfrm>
           <a:prstGeom prst="line">
             <a:avLst/>
@@ -8877,9 +9265,9 @@
       </p:cxnSp>
       <p:cxnSp>
         <p:nvCxnSpPr>
-          <p:cNvPr id="379" name="Straight Arrow Connector 378"/>
+          <p:cNvPr id="96" name="Straight Arrow Connector 95"/>
           <p:cNvCxnSpPr>
-            <a:stCxn id="132" idx="0"/>
+            <a:stCxn id="67" idx="0"/>
           </p:cNvCxnSpPr>
           <p:nvPr/>
         </p:nvCxnSpPr>
@@ -8914,15 +9302,15 @@
       </p:cxnSp>
       <p:cxnSp>
         <p:nvCxnSpPr>
-          <p:cNvPr id="426" name="Elbow Connector 425"/>
+          <p:cNvPr id="97" name="Elbow Connector 96"/>
           <p:cNvCxnSpPr>
-            <a:stCxn id="141" idx="3"/>
+            <a:stCxn id="76" idx="3"/>
           </p:cNvCxnSpPr>
           <p:nvPr/>
         </p:nvCxnSpPr>
         <p:spPr>
           <a:xfrm flipV="1">
-            <a:off x="6324878" y="5085918"/>
+            <a:off x="6383363" y="5085918"/>
             <a:ext cx="197842" cy="222883"/>
           </a:xfrm>
           <a:prstGeom prst="bentConnector2">
@@ -8951,16 +9339,16 @@
       </p:cxnSp>
       <p:cxnSp>
         <p:nvCxnSpPr>
-          <p:cNvPr id="427" name="Elbow Connector 426"/>
+          <p:cNvPr id="98" name="Elbow Connector 97"/>
           <p:cNvCxnSpPr>
-            <a:stCxn id="140" idx="3"/>
+            <a:stCxn id="75" idx="3"/>
           </p:cNvCxnSpPr>
           <p:nvPr/>
         </p:nvCxnSpPr>
         <p:spPr>
           <a:xfrm flipV="1">
-            <a:off x="6482081" y="5085919"/>
-            <a:ext cx="497839" cy="809316"/>
+            <a:off x="6383363" y="5085919"/>
+            <a:ext cx="655042" cy="809316"/>
           </a:xfrm>
           <a:prstGeom prst="bentConnector2">
             <a:avLst/>
@@ -8988,16 +9376,16 @@
       </p:cxnSp>
       <p:cxnSp>
         <p:nvCxnSpPr>
-          <p:cNvPr id="438" name="Elbow Connector 437"/>
+          <p:cNvPr id="99" name="Elbow Connector 98"/>
           <p:cNvCxnSpPr>
-            <a:stCxn id="138" idx="3"/>
+            <a:stCxn id="72" idx="3"/>
           </p:cNvCxnSpPr>
           <p:nvPr/>
         </p:nvCxnSpPr>
         <p:spPr>
           <a:xfrm flipV="1">
-            <a:off x="6614160" y="5085919"/>
-            <a:ext cx="584199" cy="1149324"/>
+            <a:off x="6383363" y="5085920"/>
+            <a:ext cx="873481" cy="1119114"/>
           </a:xfrm>
           <a:prstGeom prst="bentConnector2">
             <a:avLst/>
@@ -9025,17 +9413,17 @@
       </p:cxnSp>
       <p:cxnSp>
         <p:nvCxnSpPr>
-          <p:cNvPr id="443" name="Straight Connector 442"/>
+          <p:cNvPr id="100" name="Straight Connector 99"/>
           <p:cNvCxnSpPr>
-            <a:stCxn id="139" idx="1"/>
-            <a:endCxn id="7" idx="3"/>
+            <a:stCxn id="74" idx="1"/>
+            <a:endCxn id="57" idx="3"/>
           </p:cNvCxnSpPr>
           <p:nvPr/>
         </p:nvCxnSpPr>
         <p:spPr>
           <a:xfrm flipH="1">
             <a:off x="4825999" y="4972253"/>
-            <a:ext cx="485142" cy="631094"/>
+            <a:ext cx="543627" cy="631094"/>
           </a:xfrm>
           <a:prstGeom prst="line">
             <a:avLst/>
@@ -9058,17 +9446,17 @@
       </p:cxnSp>
       <p:cxnSp>
         <p:nvCxnSpPr>
-          <p:cNvPr id="446" name="Straight Connector 445"/>
+          <p:cNvPr id="101" name="Straight Connector 100"/>
           <p:cNvCxnSpPr>
-            <a:stCxn id="140" idx="1"/>
-            <a:endCxn id="7" idx="3"/>
+            <a:stCxn id="75" idx="1"/>
+            <a:endCxn id="57" idx="3"/>
           </p:cNvCxnSpPr>
           <p:nvPr/>
         </p:nvCxnSpPr>
         <p:spPr>
           <a:xfrm flipH="1" flipV="1">
             <a:off x="4825999" y="5603347"/>
-            <a:ext cx="497842" cy="291888"/>
+            <a:ext cx="556327" cy="291888"/>
           </a:xfrm>
           <a:prstGeom prst="line">
             <a:avLst/>
@@ -9091,17 +9479,17 @@
       </p:cxnSp>
       <p:cxnSp>
         <p:nvCxnSpPr>
-          <p:cNvPr id="449" name="Straight Connector 448"/>
+          <p:cNvPr id="102" name="Straight Connector 101"/>
           <p:cNvCxnSpPr>
-            <a:stCxn id="138" idx="1"/>
-            <a:endCxn id="7" idx="3"/>
+            <a:stCxn id="72" idx="1"/>
+            <a:endCxn id="57" idx="3"/>
           </p:cNvCxnSpPr>
           <p:nvPr/>
         </p:nvCxnSpPr>
         <p:spPr>
           <a:xfrm flipH="1" flipV="1">
             <a:off x="4825999" y="5603347"/>
-            <a:ext cx="487682" cy="631896"/>
+            <a:ext cx="546167" cy="601687"/>
           </a:xfrm>
           <a:prstGeom prst="line">
             <a:avLst/>
@@ -9124,17 +9512,17 @@
       </p:cxnSp>
       <p:cxnSp>
         <p:nvCxnSpPr>
-          <p:cNvPr id="452" name="Straight Connector 451"/>
+          <p:cNvPr id="103" name="Straight Connector 102"/>
           <p:cNvCxnSpPr>
-            <a:stCxn id="80" idx="1"/>
-            <a:endCxn id="7" idx="3"/>
+            <a:stCxn id="106" idx="1"/>
+            <a:endCxn id="57" idx="3"/>
           </p:cNvCxnSpPr>
           <p:nvPr/>
         </p:nvCxnSpPr>
         <p:spPr>
           <a:xfrm flipH="1">
             <a:off x="4825999" y="5603347"/>
-            <a:ext cx="502923" cy="0"/>
+            <a:ext cx="561408" cy="0"/>
           </a:xfrm>
           <a:prstGeom prst="line">
             <a:avLst/>
@@ -9157,16 +9545,16 @@
       </p:cxnSp>
       <p:cxnSp>
         <p:nvCxnSpPr>
-          <p:cNvPr id="73" name="Elbow Connector 72"/>
+          <p:cNvPr id="104" name="Elbow Connector 103"/>
           <p:cNvCxnSpPr>
-            <a:stCxn id="136" idx="3"/>
+            <a:stCxn id="70" idx="3"/>
           </p:cNvCxnSpPr>
           <p:nvPr/>
         </p:nvCxnSpPr>
         <p:spPr>
           <a:xfrm flipH="1" flipV="1">
-            <a:off x="7108939" y="992344"/>
-            <a:ext cx="86881" cy="1728000"/>
+            <a:off x="7108939" y="992345"/>
+            <a:ext cx="86881" cy="1713155"/>
           </a:xfrm>
           <a:prstGeom prst="bentConnector4">
             <a:avLst>
@@ -9197,9 +9585,9 @@
       </p:cxnSp>
       <p:cxnSp>
         <p:nvCxnSpPr>
-          <p:cNvPr id="108" name="Elbow Connector 107"/>
+          <p:cNvPr id="105" name="Elbow Connector 104"/>
           <p:cNvCxnSpPr>
-            <a:endCxn id="126" idx="3"/>
+            <a:endCxn id="60" idx="3"/>
           </p:cNvCxnSpPr>
           <p:nvPr/>
         </p:nvCxnSpPr>
@@ -9237,13 +9625,13 @@
       </p:cxnSp>
       <p:sp>
         <p:nvSpPr>
-          <p:cNvPr id="80" name="Rounded Rectangle 79"/>
+          <p:cNvPr id="106" name="Rounded Rectangle 105"/>
           <p:cNvSpPr/>
           <p:nvPr/>
         </p:nvSpPr>
         <p:spPr>
           <a:xfrm>
-            <a:off x="5328922" y="5493707"/>
+            <a:off x="5387407" y="5493707"/>
             <a:ext cx="993917" cy="219279"/>
           </a:xfrm>
           <a:prstGeom prst="roundRect">
@@ -9285,15 +9673,15 @@
       </p:sp>
       <p:cxnSp>
         <p:nvCxnSpPr>
-          <p:cNvPr id="81" name="Elbow Connector 80"/>
+          <p:cNvPr id="107" name="Elbow Connector 106"/>
           <p:cNvCxnSpPr>
-            <a:stCxn id="80" idx="3"/>
+            <a:stCxn id="106" idx="3"/>
           </p:cNvCxnSpPr>
           <p:nvPr/>
         </p:nvCxnSpPr>
         <p:spPr>
           <a:xfrm flipV="1">
-            <a:off x="6322839" y="5085919"/>
+            <a:off x="6381324" y="5085919"/>
             <a:ext cx="387840" cy="517428"/>
           </a:xfrm>
           <a:prstGeom prst="bentConnector2">
@@ -9320,41 +9708,6 @@
           </a:fontRef>
         </p:style>
       </p:cxnSp>
-      <p:sp>
-        <p:nvSpPr>
-          <p:cNvPr id="112" name="TextBox 111"/>
-          <p:cNvSpPr txBox="1"/>
-          <p:nvPr/>
-        </p:nvSpPr>
-        <p:spPr>
-          <a:xfrm>
-            <a:off x="461850" y="2833292"/>
-            <a:ext cx="2903359" cy="646331"/>
-          </a:xfrm>
-          <a:prstGeom prst="rect">
-            <a:avLst/>
-          </a:prstGeom>
-          <a:noFill/>
-        </p:spPr>
-        <p:txBody>
-          <a:bodyPr wrap="none" rtlCol="0">
-            <a:spAutoFit/>
-          </a:bodyPr>
-          <a:lstStyle/>
-          <a:p>
-            <a:r>
-              <a:rPr lang="en-US" dirty="0" smtClean="0"/>
-              <a:t>DIMENSIONS, COMPONENTS</a:t>
-            </a:r>
-          </a:p>
-          <a:p>
-            <a:r>
-              <a:rPr lang="en-US" dirty="0" smtClean="0"/>
-              <a:t>AND RELATIONSHIPS</a:t>
-            </a:r>
-          </a:p>
-        </p:txBody>
-      </p:sp>
     </p:spTree>
     <p:extLst>
       <p:ext uri="{BB962C8B-B14F-4D97-AF65-F5344CB8AC3E}">

--- a/model.pptx
+++ b/model.pptx
@@ -3814,6 +3814,63 @@
           </a:p>
         </p:txBody>
       </p:sp>
+      <p:graphicFrame>
+        <p:nvGraphicFramePr>
+          <p:cNvPr id="14" name="Object 13"/>
+          <p:cNvGraphicFramePr>
+            <a:graphicFrameLocks noChangeAspect="1"/>
+          </p:cNvGraphicFramePr>
+          <p:nvPr>
+            <p:extLst>
+              <p:ext uri="{D42A27DB-BD31-4B8C-83A1-F6EECF244321}">
+                <p14:modId xmlns:p14="http://schemas.microsoft.com/office/powerpoint/2010/main" val="1966741737"/>
+              </p:ext>
+            </p:extLst>
+          </p:nvPr>
+        </p:nvGraphicFramePr>
+        <p:xfrm>
+          <a:off x="1592917" y="3255904"/>
+          <a:ext cx="5851383" cy="315226"/>
+        </p:xfrm>
+        <a:graphic>
+          <a:graphicData uri="http://schemas.openxmlformats.org/presentationml/2006/ole">
+            <mc:AlternateContent xmlns:mc="http://schemas.openxmlformats.org/markup-compatibility/2006">
+              <mc:Choice xmlns:v="urn:schemas-microsoft-com:vml" Requires="v">
+                <p:oleObj spid="_x0000_s1041" name="Equation" r:id="rId3" imgW="3771900" imgH="203200" progId="Equation.3">
+                  <p:embed/>
+                </p:oleObj>
+              </mc:Choice>
+              <mc:Fallback>
+                <p:oleObj name="Equation" r:id="rId3" imgW="3771900" imgH="203200" progId="Equation.3">
+                  <p:embed/>
+                  <p:pic>
+                    <p:nvPicPr>
+                      <p:cNvPr id="0" name=""/>
+                      <p:cNvPicPr/>
+                      <p:nvPr/>
+                    </p:nvPicPr>
+                    <p:blipFill>
+                      <a:blip r:embed="rId4"/>
+                      <a:stretch>
+                        <a:fillRect/>
+                      </a:stretch>
+                    </p:blipFill>
+                    <p:spPr>
+                      <a:xfrm>
+                        <a:off x="1592917" y="3255904"/>
+                        <a:ext cx="5851383" cy="315226"/>
+                      </a:xfrm>
+                      <a:prstGeom prst="rect">
+                        <a:avLst/>
+                      </a:prstGeom>
+                    </p:spPr>
+                  </p:pic>
+                </p:oleObj>
+              </mc:Fallback>
+            </mc:AlternateContent>
+          </a:graphicData>
+        </a:graphic>
+      </p:graphicFrame>
     </p:spTree>
     <p:extLst>
       <p:ext uri="{BB962C8B-B14F-4D97-AF65-F5344CB8AC3E}">
@@ -3859,7 +3916,7 @@
         </p:nvSpPr>
         <p:spPr>
           <a:xfrm>
-            <a:off x="853441" y="513080"/>
+            <a:off x="1671314" y="770058"/>
             <a:ext cx="1137920" cy="294640"/>
           </a:xfrm>
           <a:prstGeom prst="roundRect">
@@ -3904,7 +3961,7 @@
         </p:nvSpPr>
         <p:spPr>
           <a:xfrm>
-            <a:off x="853441" y="1341121"/>
+            <a:off x="1671314" y="1337674"/>
             <a:ext cx="1137920" cy="294640"/>
           </a:xfrm>
           <a:prstGeom prst="roundRect">
@@ -3949,7 +4006,7 @@
         </p:nvSpPr>
         <p:spPr>
           <a:xfrm>
-            <a:off x="701041" y="2238375"/>
+            <a:off x="1518914" y="1890061"/>
             <a:ext cx="1290320" cy="294640"/>
           </a:xfrm>
           <a:prstGeom prst="roundRect">
@@ -3994,7 +4051,7 @@
         </p:nvSpPr>
         <p:spPr>
           <a:xfrm>
-            <a:off x="629920" y="3460114"/>
+            <a:off x="1447793" y="2455332"/>
             <a:ext cx="1361441" cy="460375"/>
           </a:xfrm>
           <a:prstGeom prst="roundRect">
@@ -4069,14 +4126,27 @@
         </p:nvSpPr>
         <p:spPr>
           <a:xfrm>
-            <a:off x="5053352" y="3107294"/>
-            <a:ext cx="1491439" cy="369332"/>
+            <a:off x="3471162" y="1558771"/>
+            <a:ext cx="2398087" cy="369332"/>
           </a:xfrm>
           <a:prstGeom prst="rect">
             <a:avLst/>
           </a:prstGeom>
-          <a:noFill/>
-        </p:spPr>
+        </p:spPr>
+        <p:style>
+          <a:lnRef idx="2">
+            <a:schemeClr val="dk1"/>
+          </a:lnRef>
+          <a:fillRef idx="1">
+            <a:schemeClr val="lt1"/>
+          </a:fillRef>
+          <a:effectRef idx="0">
+            <a:schemeClr val="dk1"/>
+          </a:effectRef>
+          <a:fontRef idx="minor">
+            <a:schemeClr val="dk1"/>
+          </a:fontRef>
+        </p:style>
         <p:txBody>
           <a:bodyPr wrap="none" rtlCol="0">
             <a:spAutoFit/>
@@ -4085,7 +4155,235 @@
           <a:p>
             <a:r>
               <a:rPr lang="en-US" dirty="0" smtClean="0"/>
-              <a:t>Quality in Use</a:t>
+              <a:t>E-Service Quality </a:t>
+            </a:r>
+            <a:r>
+              <a:rPr lang="en-US" dirty="0" smtClean="0"/>
+              <a:t>in </a:t>
+            </a:r>
+            <a:r>
+              <a:rPr lang="en-US" dirty="0" smtClean="0"/>
+              <a:t>Use</a:t>
+            </a:r>
+          </a:p>
+        </p:txBody>
+      </p:sp>
+      <p:cxnSp>
+        <p:nvCxnSpPr>
+          <p:cNvPr id="11" name="Straight Connector 10"/>
+          <p:cNvCxnSpPr>
+            <a:stCxn id="8" idx="3"/>
+            <a:endCxn id="3" idx="1"/>
+          </p:cNvCxnSpPr>
+          <p:nvPr/>
+        </p:nvCxnSpPr>
+        <p:spPr>
+          <a:xfrm>
+            <a:off x="2809234" y="917378"/>
+            <a:ext cx="661928" cy="826059"/>
+          </a:xfrm>
+          <a:prstGeom prst="line">
+            <a:avLst/>
+          </a:prstGeom>
+        </p:spPr>
+        <p:style>
+          <a:lnRef idx="1">
+            <a:schemeClr val="dk1"/>
+          </a:lnRef>
+          <a:fillRef idx="0">
+            <a:schemeClr val="dk1"/>
+          </a:fillRef>
+          <a:effectRef idx="0">
+            <a:schemeClr val="dk1"/>
+          </a:effectRef>
+          <a:fontRef idx="minor">
+            <a:schemeClr val="tx1"/>
+          </a:fontRef>
+        </p:style>
+      </p:cxnSp>
+      <p:cxnSp>
+        <p:nvCxnSpPr>
+          <p:cNvPr id="12" name="Straight Connector 11"/>
+          <p:cNvCxnSpPr>
+            <a:endCxn id="3" idx="1"/>
+          </p:cNvCxnSpPr>
+          <p:nvPr/>
+        </p:nvCxnSpPr>
+        <p:spPr>
+          <a:xfrm>
+            <a:off x="2809234" y="1439135"/>
+            <a:ext cx="661928" cy="304302"/>
+          </a:xfrm>
+          <a:prstGeom prst="line">
+            <a:avLst/>
+          </a:prstGeom>
+        </p:spPr>
+        <p:style>
+          <a:lnRef idx="1">
+            <a:schemeClr val="dk1"/>
+          </a:lnRef>
+          <a:fillRef idx="0">
+            <a:schemeClr val="dk1"/>
+          </a:fillRef>
+          <a:effectRef idx="0">
+            <a:schemeClr val="dk1"/>
+          </a:effectRef>
+          <a:fontRef idx="minor">
+            <a:schemeClr val="tx1"/>
+          </a:fontRef>
+        </p:style>
+      </p:cxnSp>
+      <p:cxnSp>
+        <p:nvCxnSpPr>
+          <p:cNvPr id="14" name="Straight Connector 13"/>
+          <p:cNvCxnSpPr>
+            <a:stCxn id="10" idx="3"/>
+            <a:endCxn id="3" idx="1"/>
+          </p:cNvCxnSpPr>
+          <p:nvPr/>
+        </p:nvCxnSpPr>
+        <p:spPr>
+          <a:xfrm flipV="1">
+            <a:off x="2809234" y="1743437"/>
+            <a:ext cx="661928" cy="293944"/>
+          </a:xfrm>
+          <a:prstGeom prst="line">
+            <a:avLst/>
+          </a:prstGeom>
+        </p:spPr>
+        <p:style>
+          <a:lnRef idx="1">
+            <a:schemeClr val="dk1"/>
+          </a:lnRef>
+          <a:fillRef idx="0">
+            <a:schemeClr val="dk1"/>
+          </a:fillRef>
+          <a:effectRef idx="0">
+            <a:schemeClr val="dk1"/>
+          </a:effectRef>
+          <a:fontRef idx="minor">
+            <a:schemeClr val="tx1"/>
+          </a:fontRef>
+        </p:style>
+      </p:cxnSp>
+      <p:cxnSp>
+        <p:nvCxnSpPr>
+          <p:cNvPr id="18" name="Straight Connector 17"/>
+          <p:cNvCxnSpPr>
+            <a:stCxn id="484" idx="3"/>
+            <a:endCxn id="3" idx="1"/>
+          </p:cNvCxnSpPr>
+          <p:nvPr/>
+        </p:nvCxnSpPr>
+        <p:spPr>
+          <a:xfrm flipV="1">
+            <a:off x="2809234" y="1743437"/>
+            <a:ext cx="661928" cy="942083"/>
+          </a:xfrm>
+          <a:prstGeom prst="line">
+            <a:avLst/>
+          </a:prstGeom>
+        </p:spPr>
+        <p:style>
+          <a:lnRef idx="1">
+            <a:schemeClr val="dk1"/>
+          </a:lnRef>
+          <a:fillRef idx="0">
+            <a:schemeClr val="dk1"/>
+          </a:fillRef>
+          <a:effectRef idx="0">
+            <a:schemeClr val="dk1"/>
+          </a:effectRef>
+          <a:fontRef idx="minor">
+            <a:schemeClr val="tx1"/>
+          </a:fontRef>
+        </p:style>
+      </p:cxnSp>
+      <p:sp>
+        <p:nvSpPr>
+          <p:cNvPr id="23" name="TextBox 22"/>
+          <p:cNvSpPr txBox="1"/>
+          <p:nvPr/>
+        </p:nvSpPr>
+        <p:spPr>
+          <a:xfrm>
+            <a:off x="5377848" y="3999778"/>
+            <a:ext cx="3045500" cy="369332"/>
+          </a:xfrm>
+          <a:prstGeom prst="rect">
+            <a:avLst/>
+          </a:prstGeom>
+          <a:noFill/>
+        </p:spPr>
+        <p:txBody>
+          <a:bodyPr wrap="none" rtlCol="0">
+            <a:spAutoFit/>
+          </a:bodyPr>
+          <a:lstStyle/>
+          <a:p>
+            <a:r>
+              <a:rPr lang="en-US" dirty="0" smtClean="0"/>
+              <a:t>E-Service Quality in Use model</a:t>
+            </a:r>
+            <a:endParaRPr lang="en-US" dirty="0"/>
+          </a:p>
+        </p:txBody>
+      </p:sp>
+      <p:sp>
+        <p:nvSpPr>
+          <p:cNvPr id="24" name="TextBox 23"/>
+          <p:cNvSpPr txBox="1"/>
+          <p:nvPr/>
+        </p:nvSpPr>
+        <p:spPr>
+          <a:xfrm>
+            <a:off x="6504396" y="2222047"/>
+            <a:ext cx="1918952" cy="369332"/>
+          </a:xfrm>
+          <a:prstGeom prst="rect">
+            <a:avLst/>
+          </a:prstGeom>
+          <a:noFill/>
+        </p:spPr>
+        <p:txBody>
+          <a:bodyPr wrap="none" rtlCol="0">
+            <a:spAutoFit/>
+          </a:bodyPr>
+          <a:lstStyle/>
+          <a:p>
+            <a:r>
+              <a:rPr lang="en-US" b="1" dirty="0" smtClean="0"/>
+              <a:t>CHARACTERISTICS</a:t>
+            </a:r>
+            <a:endParaRPr lang="en-US" b="1" dirty="0"/>
+          </a:p>
+        </p:txBody>
+      </p:sp>
+      <p:sp>
+        <p:nvSpPr>
+          <p:cNvPr id="22" name="TextBox 21"/>
+          <p:cNvSpPr txBox="1"/>
+          <p:nvPr/>
+        </p:nvSpPr>
+        <p:spPr>
+          <a:xfrm>
+            <a:off x="202680" y="6020974"/>
+            <a:ext cx="8781370" cy="369332"/>
+          </a:xfrm>
+          <a:prstGeom prst="rect">
+            <a:avLst/>
+          </a:prstGeom>
+          <a:noFill/>
+        </p:spPr>
+        <p:txBody>
+          <a:bodyPr wrap="none" rtlCol="0">
+            <a:spAutoFit/>
+          </a:bodyPr>
+          <a:lstStyle/>
+          <a:p>
+            <a:r>
+              <a:rPr lang="en-US" dirty="0" smtClean="0"/>
+              <a:t>Hypothesis: This 4 e-services characteristics positively influence the user quality perception.</a:t>
             </a:r>
             <a:endParaRPr lang="en-US" dirty="0"/>
           </a:p>
@@ -4136,7 +4434,7 @@
         </p:nvSpPr>
         <p:spPr>
           <a:xfrm>
-            <a:off x="853441" y="4700264"/>
+            <a:off x="1672750" y="1789975"/>
             <a:ext cx="1137920" cy="294640"/>
           </a:xfrm>
           <a:prstGeom prst="roundRect">
@@ -4184,7 +4482,7 @@
         </p:nvSpPr>
         <p:spPr>
           <a:xfrm>
-            <a:off x="853441" y="5916926"/>
+            <a:off x="1654113" y="2371669"/>
             <a:ext cx="1137920" cy="294640"/>
           </a:xfrm>
           <a:prstGeom prst="roundRect">
@@ -4232,7 +4530,7 @@
         </p:nvSpPr>
         <p:spPr>
           <a:xfrm>
-            <a:off x="701041" y="3543934"/>
+            <a:off x="1601630" y="1070286"/>
             <a:ext cx="1209040" cy="419819"/>
           </a:xfrm>
           <a:prstGeom prst="roundRect">
@@ -4302,6 +4600,244 @@
             <a:r>
               <a:rPr lang="en-US" dirty="0" smtClean="0"/>
               <a:t>PROVIDER PERCEPTION</a:t>
+            </a:r>
+            <a:endParaRPr lang="en-US" dirty="0"/>
+          </a:p>
+        </p:txBody>
+      </p:sp>
+      <p:sp>
+        <p:nvSpPr>
+          <p:cNvPr id="6" name="TextBox 5"/>
+          <p:cNvSpPr txBox="1"/>
+          <p:nvPr/>
+        </p:nvSpPr>
+        <p:spPr>
+          <a:xfrm>
+            <a:off x="3476871" y="1614129"/>
+            <a:ext cx="1650700" cy="646331"/>
+          </a:xfrm>
+          <a:prstGeom prst="rect">
+            <a:avLst/>
+          </a:prstGeom>
+        </p:spPr>
+        <p:style>
+          <a:lnRef idx="2">
+            <a:schemeClr val="dk1"/>
+          </a:lnRef>
+          <a:fillRef idx="1">
+            <a:schemeClr val="lt1"/>
+          </a:fillRef>
+          <a:effectRef idx="0">
+            <a:schemeClr val="dk1"/>
+          </a:effectRef>
+          <a:fontRef idx="minor">
+            <a:schemeClr val="dk1"/>
+          </a:fontRef>
+        </p:style>
+        <p:txBody>
+          <a:bodyPr wrap="none" rtlCol="0">
+            <a:spAutoFit/>
+          </a:bodyPr>
+          <a:lstStyle/>
+          <a:p>
+            <a:r>
+              <a:rPr lang="en-US" dirty="0" smtClean="0"/>
+              <a:t>E-Service</a:t>
+            </a:r>
+          </a:p>
+          <a:p>
+            <a:r>
+              <a:rPr lang="en-US" dirty="0" smtClean="0"/>
+              <a:t>Product Quality</a:t>
+            </a:r>
+            <a:endParaRPr lang="en-US" dirty="0"/>
+          </a:p>
+        </p:txBody>
+      </p:sp>
+      <p:cxnSp>
+        <p:nvCxnSpPr>
+          <p:cNvPr id="7" name="Straight Connector 6"/>
+          <p:cNvCxnSpPr>
+            <a:stCxn id="533" idx="3"/>
+            <a:endCxn id="6" idx="1"/>
+          </p:cNvCxnSpPr>
+          <p:nvPr/>
+        </p:nvCxnSpPr>
+        <p:spPr>
+          <a:xfrm>
+            <a:off x="2810670" y="1280196"/>
+            <a:ext cx="666201" cy="657099"/>
+          </a:xfrm>
+          <a:prstGeom prst="line">
+            <a:avLst/>
+          </a:prstGeom>
+        </p:spPr>
+        <p:style>
+          <a:lnRef idx="1">
+            <a:schemeClr val="dk1"/>
+          </a:lnRef>
+          <a:fillRef idx="0">
+            <a:schemeClr val="dk1"/>
+          </a:fillRef>
+          <a:effectRef idx="0">
+            <a:schemeClr val="dk1"/>
+          </a:effectRef>
+          <a:fontRef idx="minor">
+            <a:schemeClr val="tx1"/>
+          </a:fontRef>
+        </p:style>
+      </p:cxnSp>
+      <p:cxnSp>
+        <p:nvCxnSpPr>
+          <p:cNvPr id="10" name="Straight Connector 9"/>
+          <p:cNvCxnSpPr>
+            <a:stCxn id="11" idx="3"/>
+            <a:endCxn id="6" idx="1"/>
+          </p:cNvCxnSpPr>
+          <p:nvPr/>
+        </p:nvCxnSpPr>
+        <p:spPr>
+          <a:xfrm>
+            <a:off x="2810670" y="1937295"/>
+            <a:ext cx="666201" cy="0"/>
+          </a:xfrm>
+          <a:prstGeom prst="line">
+            <a:avLst/>
+          </a:prstGeom>
+        </p:spPr>
+        <p:style>
+          <a:lnRef idx="1">
+            <a:schemeClr val="dk1"/>
+          </a:lnRef>
+          <a:fillRef idx="0">
+            <a:schemeClr val="dk1"/>
+          </a:fillRef>
+          <a:effectRef idx="0">
+            <a:schemeClr val="dk1"/>
+          </a:effectRef>
+          <a:fontRef idx="minor">
+            <a:schemeClr val="tx1"/>
+          </a:fontRef>
+        </p:style>
+      </p:cxnSp>
+      <p:cxnSp>
+        <p:nvCxnSpPr>
+          <p:cNvPr id="14" name="Straight Connector 13"/>
+          <p:cNvCxnSpPr>
+            <a:stCxn id="12" idx="3"/>
+            <a:endCxn id="6" idx="1"/>
+          </p:cNvCxnSpPr>
+          <p:nvPr/>
+        </p:nvCxnSpPr>
+        <p:spPr>
+          <a:xfrm flipV="1">
+            <a:off x="2792033" y="1937295"/>
+            <a:ext cx="684838" cy="581694"/>
+          </a:xfrm>
+          <a:prstGeom prst="line">
+            <a:avLst/>
+          </a:prstGeom>
+        </p:spPr>
+        <p:style>
+          <a:lnRef idx="1">
+            <a:schemeClr val="dk1"/>
+          </a:lnRef>
+          <a:fillRef idx="0">
+            <a:schemeClr val="dk1"/>
+          </a:fillRef>
+          <a:effectRef idx="0">
+            <a:schemeClr val="dk1"/>
+          </a:effectRef>
+          <a:fontRef idx="minor">
+            <a:schemeClr val="tx1"/>
+          </a:fontRef>
+        </p:style>
+      </p:cxnSp>
+      <p:sp>
+        <p:nvSpPr>
+          <p:cNvPr id="19" name="TextBox 18"/>
+          <p:cNvSpPr txBox="1"/>
+          <p:nvPr/>
+        </p:nvSpPr>
+        <p:spPr>
+          <a:xfrm>
+            <a:off x="5589377" y="3743464"/>
+            <a:ext cx="3217723" cy="369332"/>
+          </a:xfrm>
+          <a:prstGeom prst="rect">
+            <a:avLst/>
+          </a:prstGeom>
+          <a:noFill/>
+        </p:spPr>
+        <p:txBody>
+          <a:bodyPr wrap="none" rtlCol="0">
+            <a:spAutoFit/>
+          </a:bodyPr>
+          <a:lstStyle/>
+          <a:p>
+            <a:r>
+              <a:rPr lang="en-US" dirty="0" smtClean="0"/>
+              <a:t>E-Service Product Quality Model</a:t>
+            </a:r>
+            <a:endParaRPr lang="en-US" dirty="0"/>
+          </a:p>
+        </p:txBody>
+      </p:sp>
+      <p:sp>
+        <p:nvSpPr>
+          <p:cNvPr id="20" name="TextBox 19"/>
+          <p:cNvSpPr txBox="1"/>
+          <p:nvPr/>
+        </p:nvSpPr>
+        <p:spPr>
+          <a:xfrm>
+            <a:off x="6291982" y="2666309"/>
+            <a:ext cx="1356524" cy="369332"/>
+          </a:xfrm>
+          <a:prstGeom prst="rect">
+            <a:avLst/>
+          </a:prstGeom>
+          <a:noFill/>
+        </p:spPr>
+        <p:txBody>
+          <a:bodyPr wrap="none" rtlCol="0">
+            <a:spAutoFit/>
+          </a:bodyPr>
+          <a:lstStyle/>
+          <a:p>
+            <a:r>
+              <a:rPr lang="en-US" b="1" dirty="0" smtClean="0"/>
+              <a:t>PROPERTIES</a:t>
+            </a:r>
+            <a:endParaRPr lang="en-US" b="1" dirty="0"/>
+          </a:p>
+        </p:txBody>
+      </p:sp>
+      <p:sp>
+        <p:nvSpPr>
+          <p:cNvPr id="24" name="TextBox 23"/>
+          <p:cNvSpPr txBox="1"/>
+          <p:nvPr/>
+        </p:nvSpPr>
+        <p:spPr>
+          <a:xfrm>
+            <a:off x="202680" y="6020974"/>
+            <a:ext cx="8352505" cy="369332"/>
+          </a:xfrm>
+          <a:prstGeom prst="rect">
+            <a:avLst/>
+          </a:prstGeom>
+          <a:noFill/>
+        </p:spPr>
+        <p:txBody>
+          <a:bodyPr wrap="none" rtlCol="0">
+            <a:spAutoFit/>
+          </a:bodyPr>
+          <a:lstStyle/>
+          <a:p>
+            <a:r>
+              <a:rPr lang="en-US" dirty="0" smtClean="0"/>
+              <a:t>Hypothesis: This 3 e-services properties positively influence the user quality perception.</a:t>
             </a:r>
             <a:endParaRPr lang="en-US" dirty="0"/>
           </a:p>
@@ -4352,7 +4888,7 @@
         </p:nvSpPr>
         <p:spPr>
           <a:xfrm>
-            <a:off x="3657599" y="501015"/>
+            <a:off x="3657599" y="1406184"/>
             <a:ext cx="1239519" cy="279400"/>
           </a:xfrm>
           <a:prstGeom prst="roundRect">
@@ -4396,7 +4932,7 @@
         </p:nvSpPr>
         <p:spPr>
           <a:xfrm>
-            <a:off x="3850640" y="2021840"/>
+            <a:off x="3850640" y="1927270"/>
             <a:ext cx="975359" cy="254000"/>
           </a:xfrm>
           <a:prstGeom prst="roundRect">
@@ -4440,7 +4976,7 @@
         </p:nvSpPr>
         <p:spPr>
           <a:xfrm>
-            <a:off x="3850640" y="3754755"/>
+            <a:off x="3850640" y="2444287"/>
             <a:ext cx="975359" cy="254000"/>
           </a:xfrm>
           <a:prstGeom prst="roundRect">
@@ -4484,7 +5020,7 @@
         </p:nvSpPr>
         <p:spPr>
           <a:xfrm>
-            <a:off x="3850640" y="5910572"/>
+            <a:off x="3850640" y="2978908"/>
             <a:ext cx="975359" cy="254000"/>
           </a:xfrm>
           <a:prstGeom prst="roundRect">
@@ -4595,7 +5131,7 @@
         </p:nvSpPr>
         <p:spPr>
           <a:xfrm>
-            <a:off x="3657599" y="501015"/>
+            <a:off x="6654798" y="2158365"/>
             <a:ext cx="1239519" cy="279400"/>
           </a:xfrm>
           <a:prstGeom prst="roundRect">
@@ -4639,7 +5175,7 @@
         </p:nvSpPr>
         <p:spPr>
           <a:xfrm>
-            <a:off x="3850640" y="2021840"/>
+            <a:off x="6847839" y="3039111"/>
             <a:ext cx="975359" cy="254000"/>
           </a:xfrm>
           <a:prstGeom prst="roundRect">
@@ -4683,7 +5219,7 @@
         </p:nvSpPr>
         <p:spPr>
           <a:xfrm>
-            <a:off x="3850640" y="3754755"/>
+            <a:off x="6847839" y="3895725"/>
             <a:ext cx="975359" cy="254000"/>
           </a:xfrm>
           <a:prstGeom prst="roundRect">
@@ -4727,7 +5263,7 @@
         </p:nvSpPr>
         <p:spPr>
           <a:xfrm>
-            <a:off x="3850640" y="5910572"/>
+            <a:off x="6847839" y="4744774"/>
             <a:ext cx="975359" cy="254000"/>
           </a:xfrm>
           <a:prstGeom prst="roundRect">
@@ -4771,7 +5307,7 @@
         </p:nvSpPr>
         <p:spPr>
           <a:xfrm>
-            <a:off x="853441" y="513080"/>
+            <a:off x="3850640" y="2170430"/>
             <a:ext cx="1137920" cy="294640"/>
           </a:xfrm>
           <a:prstGeom prst="roundRect">
@@ -4816,7 +5352,7 @@
         </p:nvSpPr>
         <p:spPr>
           <a:xfrm>
-            <a:off x="853441" y="1341121"/>
+            <a:off x="3850640" y="2998471"/>
             <a:ext cx="1137920" cy="294640"/>
           </a:xfrm>
           <a:prstGeom prst="roundRect">
@@ -4861,7 +5397,7 @@
         </p:nvSpPr>
         <p:spPr>
           <a:xfrm>
-            <a:off x="701041" y="2238375"/>
+            <a:off x="3698240" y="3792122"/>
             <a:ext cx="1290320" cy="294640"/>
           </a:xfrm>
           <a:prstGeom prst="roundRect">
@@ -4909,7 +5445,7 @@
         </p:nvCxnSpPr>
         <p:spPr>
           <a:xfrm flipV="1">
-            <a:off x="1991361" y="640715"/>
+            <a:off x="4988560" y="2298065"/>
             <a:ext cx="1666238" cy="19685"/>
           </a:xfrm>
           <a:prstGeom prst="line">
@@ -4942,8 +5478,8 @@
         </p:nvCxnSpPr>
         <p:spPr>
           <a:xfrm>
-            <a:off x="1991361" y="660400"/>
-            <a:ext cx="1859279" cy="1488440"/>
+            <a:off x="4988560" y="2317750"/>
+            <a:ext cx="1859279" cy="848361"/>
           </a:xfrm>
           <a:prstGeom prst="line">
             <a:avLst/>
@@ -4975,7 +5511,7 @@
         </p:nvCxnSpPr>
         <p:spPr>
           <a:xfrm flipV="1">
-            <a:off x="1991361" y="640715"/>
+            <a:off x="4988560" y="2298065"/>
             <a:ext cx="1666238" cy="847726"/>
           </a:xfrm>
           <a:prstGeom prst="line">
@@ -5008,8 +5544,8 @@
         </p:nvCxnSpPr>
         <p:spPr>
           <a:xfrm>
-            <a:off x="1991361" y="1488441"/>
-            <a:ext cx="1859279" cy="2393314"/>
+            <a:off x="4988560" y="3145791"/>
+            <a:ext cx="1859279" cy="876934"/>
           </a:xfrm>
           <a:prstGeom prst="line">
             <a:avLst/>
@@ -5041,8 +5577,8 @@
         </p:nvCxnSpPr>
         <p:spPr>
           <a:xfrm>
-            <a:off x="1991361" y="660400"/>
-            <a:ext cx="1859279" cy="3221355"/>
+            <a:off x="4988560" y="2317750"/>
+            <a:ext cx="1859279" cy="1704975"/>
           </a:xfrm>
           <a:prstGeom prst="line">
             <a:avLst/>
@@ -5074,8 +5610,8 @@
         </p:nvCxnSpPr>
         <p:spPr>
           <a:xfrm>
-            <a:off x="1991361" y="2385695"/>
-            <a:ext cx="1859279" cy="3651877"/>
+            <a:off x="4988560" y="3939442"/>
+            <a:ext cx="1859279" cy="932332"/>
           </a:xfrm>
           <a:prstGeom prst="line">
             <a:avLst/>
@@ -5104,7 +5640,7 @@
         </p:nvSpPr>
         <p:spPr>
           <a:xfrm>
-            <a:off x="629920" y="3460114"/>
+            <a:off x="3627119" y="4641586"/>
             <a:ext cx="1361441" cy="460375"/>
           </a:xfrm>
           <a:prstGeom prst="roundRect">
@@ -5145,14 +5681,15 @@
         <p:nvCxnSpPr>
           <p:cNvPr id="485" name="Straight Connector 484"/>
           <p:cNvCxnSpPr>
+            <a:stCxn id="484" idx="3"/>
             <a:endCxn id="4" idx="1"/>
           </p:cNvCxnSpPr>
           <p:nvPr/>
         </p:nvCxnSpPr>
         <p:spPr>
           <a:xfrm flipV="1">
-            <a:off x="1991361" y="640715"/>
-            <a:ext cx="1666238" cy="3020698"/>
+            <a:off x="4988560" y="2298065"/>
+            <a:ext cx="1666238" cy="2573709"/>
           </a:xfrm>
           <a:prstGeom prst="line">
             <a:avLst/>
@@ -5177,14 +5714,15 @@
         <p:nvCxnSpPr>
           <p:cNvPr id="488" name="Straight Connector 487"/>
           <p:cNvCxnSpPr>
+            <a:stCxn id="484" idx="3"/>
             <a:endCxn id="5" idx="1"/>
           </p:cNvCxnSpPr>
           <p:nvPr/>
         </p:nvCxnSpPr>
         <p:spPr>
           <a:xfrm flipV="1">
-            <a:off x="1991361" y="2148840"/>
-            <a:ext cx="1859279" cy="1512572"/>
+            <a:off x="4988560" y="3166111"/>
+            <a:ext cx="1859279" cy="1705663"/>
           </a:xfrm>
           <a:prstGeom prst="line">
             <a:avLst/>
@@ -5215,9 +5753,9 @@
           <p:nvPr/>
         </p:nvCxnSpPr>
         <p:spPr>
-          <a:xfrm>
-            <a:off x="1991361" y="3690302"/>
-            <a:ext cx="1859279" cy="191453"/>
+          <a:xfrm flipV="1">
+            <a:off x="4988560" y="4022725"/>
+            <a:ext cx="1859279" cy="849049"/>
           </a:xfrm>
           <a:prstGeom prst="line">
             <a:avLst/>
@@ -5249,8 +5787,8 @@
         </p:nvCxnSpPr>
         <p:spPr>
           <a:xfrm>
-            <a:off x="1991361" y="3690302"/>
-            <a:ext cx="1859279" cy="2347270"/>
+            <a:off x="4988560" y="4871774"/>
+            <a:ext cx="1859279" cy="0"/>
           </a:xfrm>
           <a:prstGeom prst="line">
             <a:avLst/>
@@ -5307,6 +5845,194 @@
           </a:p>
         </p:txBody>
       </p:sp>
+      <p:sp>
+        <p:nvSpPr>
+          <p:cNvPr id="38" name="TextBox 37"/>
+          <p:cNvSpPr txBox="1"/>
+          <p:nvPr/>
+        </p:nvSpPr>
+        <p:spPr>
+          <a:xfrm>
+            <a:off x="1052578" y="3145791"/>
+            <a:ext cx="1491439" cy="646331"/>
+          </a:xfrm>
+          <a:prstGeom prst="rect">
+            <a:avLst/>
+          </a:prstGeom>
+        </p:spPr>
+        <p:style>
+          <a:lnRef idx="2">
+            <a:schemeClr val="dk1"/>
+          </a:lnRef>
+          <a:fillRef idx="1">
+            <a:schemeClr val="lt1"/>
+          </a:fillRef>
+          <a:effectRef idx="0">
+            <a:schemeClr val="dk1"/>
+          </a:effectRef>
+          <a:fontRef idx="minor">
+            <a:schemeClr val="dk1"/>
+          </a:fontRef>
+        </p:style>
+        <p:txBody>
+          <a:bodyPr wrap="none" rtlCol="0">
+            <a:spAutoFit/>
+          </a:bodyPr>
+          <a:lstStyle/>
+          <a:p>
+            <a:r>
+              <a:rPr lang="en-US" dirty="0" smtClean="0"/>
+              <a:t>E-Service </a:t>
+            </a:r>
+          </a:p>
+          <a:p>
+            <a:r>
+              <a:rPr lang="en-US" dirty="0" smtClean="0"/>
+              <a:t>Quality </a:t>
+            </a:r>
+            <a:r>
+              <a:rPr lang="en-US" dirty="0" smtClean="0"/>
+              <a:t>in </a:t>
+            </a:r>
+            <a:r>
+              <a:rPr lang="en-US" dirty="0" smtClean="0"/>
+              <a:t>Use</a:t>
+            </a:r>
+          </a:p>
+        </p:txBody>
+      </p:sp>
+      <p:cxnSp>
+        <p:nvCxnSpPr>
+          <p:cNvPr id="39" name="Straight Connector 38"/>
+          <p:cNvCxnSpPr>
+            <a:stCxn id="38" idx="3"/>
+            <a:endCxn id="8" idx="1"/>
+          </p:cNvCxnSpPr>
+          <p:nvPr/>
+        </p:nvCxnSpPr>
+        <p:spPr>
+          <a:xfrm flipV="1">
+            <a:off x="2544017" y="2317750"/>
+            <a:ext cx="1306623" cy="1151207"/>
+          </a:xfrm>
+          <a:prstGeom prst="line">
+            <a:avLst/>
+          </a:prstGeom>
+        </p:spPr>
+        <p:style>
+          <a:lnRef idx="1">
+            <a:schemeClr val="dk1"/>
+          </a:lnRef>
+          <a:fillRef idx="0">
+            <a:schemeClr val="dk1"/>
+          </a:fillRef>
+          <a:effectRef idx="0">
+            <a:schemeClr val="dk1"/>
+          </a:effectRef>
+          <a:fontRef idx="minor">
+            <a:schemeClr val="tx1"/>
+          </a:fontRef>
+        </p:style>
+      </p:cxnSp>
+      <p:cxnSp>
+        <p:nvCxnSpPr>
+          <p:cNvPr id="49" name="Straight Connector 48"/>
+          <p:cNvCxnSpPr>
+            <a:stCxn id="38" idx="3"/>
+            <a:endCxn id="9" idx="1"/>
+          </p:cNvCxnSpPr>
+          <p:nvPr/>
+        </p:nvCxnSpPr>
+        <p:spPr>
+          <a:xfrm flipV="1">
+            <a:off x="2544017" y="3145791"/>
+            <a:ext cx="1306623" cy="323166"/>
+          </a:xfrm>
+          <a:prstGeom prst="line">
+            <a:avLst/>
+          </a:prstGeom>
+        </p:spPr>
+        <p:style>
+          <a:lnRef idx="1">
+            <a:schemeClr val="dk1"/>
+          </a:lnRef>
+          <a:fillRef idx="0">
+            <a:schemeClr val="dk1"/>
+          </a:fillRef>
+          <a:effectRef idx="0">
+            <a:schemeClr val="dk1"/>
+          </a:effectRef>
+          <a:fontRef idx="minor">
+            <a:schemeClr val="tx1"/>
+          </a:fontRef>
+        </p:style>
+      </p:cxnSp>
+      <p:cxnSp>
+        <p:nvCxnSpPr>
+          <p:cNvPr id="52" name="Straight Connector 51"/>
+          <p:cNvCxnSpPr>
+            <a:stCxn id="38" idx="3"/>
+            <a:endCxn id="10" idx="1"/>
+          </p:cNvCxnSpPr>
+          <p:nvPr/>
+        </p:nvCxnSpPr>
+        <p:spPr>
+          <a:xfrm>
+            <a:off x="2544017" y="3468957"/>
+            <a:ext cx="1154223" cy="470485"/>
+          </a:xfrm>
+          <a:prstGeom prst="line">
+            <a:avLst/>
+          </a:prstGeom>
+        </p:spPr>
+        <p:style>
+          <a:lnRef idx="1">
+            <a:schemeClr val="dk1"/>
+          </a:lnRef>
+          <a:fillRef idx="0">
+            <a:schemeClr val="dk1"/>
+          </a:fillRef>
+          <a:effectRef idx="0">
+            <a:schemeClr val="dk1"/>
+          </a:effectRef>
+          <a:fontRef idx="minor">
+            <a:schemeClr val="tx1"/>
+          </a:fontRef>
+        </p:style>
+      </p:cxnSp>
+      <p:cxnSp>
+        <p:nvCxnSpPr>
+          <p:cNvPr id="55" name="Straight Connector 54"/>
+          <p:cNvCxnSpPr>
+            <a:stCxn id="38" idx="3"/>
+            <a:endCxn id="484" idx="1"/>
+          </p:cNvCxnSpPr>
+          <p:nvPr/>
+        </p:nvCxnSpPr>
+        <p:spPr>
+          <a:xfrm>
+            <a:off x="2544017" y="3468957"/>
+            <a:ext cx="1083102" cy="1402817"/>
+          </a:xfrm>
+          <a:prstGeom prst="line">
+            <a:avLst/>
+          </a:prstGeom>
+        </p:spPr>
+        <p:style>
+          <a:lnRef idx="1">
+            <a:schemeClr val="dk1"/>
+          </a:lnRef>
+          <a:fillRef idx="0">
+            <a:schemeClr val="dk1"/>
+          </a:fillRef>
+          <a:effectRef idx="0">
+            <a:schemeClr val="dk1"/>
+          </a:effectRef>
+          <a:fontRef idx="minor">
+            <a:schemeClr val="tx1"/>
+          </a:fontRef>
+        </p:style>
+      </p:cxnSp>
     </p:spTree>
     <p:extLst>
       <p:ext uri="{BB962C8B-B14F-4D97-AF65-F5344CB8AC3E}">
@@ -5352,7 +6078,7 @@
         </p:nvSpPr>
         <p:spPr>
           <a:xfrm>
-            <a:off x="3657599" y="501015"/>
+            <a:off x="5958208" y="2386021"/>
             <a:ext cx="1239519" cy="279400"/>
           </a:xfrm>
           <a:prstGeom prst="roundRect">
@@ -5396,7 +6122,7 @@
         </p:nvSpPr>
         <p:spPr>
           <a:xfrm>
-            <a:off x="3850640" y="2021840"/>
+            <a:off x="6151249" y="3433996"/>
             <a:ext cx="975359" cy="254000"/>
           </a:xfrm>
           <a:prstGeom prst="roundRect">
@@ -5440,7 +6166,7 @@
         </p:nvSpPr>
         <p:spPr>
           <a:xfrm>
-            <a:off x="3850640" y="3754755"/>
+            <a:off x="6151249" y="2957818"/>
             <a:ext cx="975359" cy="254000"/>
           </a:xfrm>
           <a:prstGeom prst="roundRect">
@@ -5484,7 +6210,7 @@
         </p:nvSpPr>
         <p:spPr>
           <a:xfrm>
-            <a:off x="3850640" y="5910572"/>
+            <a:off x="6222368" y="3972455"/>
             <a:ext cx="975359" cy="254000"/>
           </a:xfrm>
           <a:prstGeom prst="roundRect">
@@ -5528,7 +6254,7 @@
         </p:nvSpPr>
         <p:spPr>
           <a:xfrm>
-            <a:off x="853441" y="4700264"/>
+            <a:off x="3296289" y="3196001"/>
             <a:ext cx="1137920" cy="294640"/>
           </a:xfrm>
           <a:prstGeom prst="roundRect">
@@ -5576,7 +6302,7 @@
         </p:nvSpPr>
         <p:spPr>
           <a:xfrm>
-            <a:off x="853441" y="5916926"/>
+            <a:off x="3296289" y="3920642"/>
             <a:ext cx="1137920" cy="294640"/>
           </a:xfrm>
           <a:prstGeom prst="roundRect">
@@ -5627,8 +6353,8 @@
         </p:nvCxnSpPr>
         <p:spPr>
           <a:xfrm flipV="1">
-            <a:off x="1991361" y="3881755"/>
-            <a:ext cx="1859279" cy="965829"/>
+            <a:off x="4434209" y="3084818"/>
+            <a:ext cx="1717040" cy="258503"/>
           </a:xfrm>
           <a:prstGeom prst="line">
             <a:avLst/>
@@ -5659,9 +6385,9 @@
           <p:nvPr/>
         </p:nvCxnSpPr>
         <p:spPr>
-          <a:xfrm flipV="1">
-            <a:off x="1991361" y="2148840"/>
-            <a:ext cx="1859279" cy="2698744"/>
+          <a:xfrm>
+            <a:off x="4434209" y="3343321"/>
+            <a:ext cx="1717040" cy="217675"/>
           </a:xfrm>
           <a:prstGeom prst="line">
             <a:avLst/>
@@ -5693,8 +6419,8 @@
         </p:nvCxnSpPr>
         <p:spPr>
           <a:xfrm flipV="1">
-            <a:off x="1991361" y="640715"/>
-            <a:ext cx="1666238" cy="4206869"/>
+            <a:off x="4434209" y="2525721"/>
+            <a:ext cx="1523999" cy="817600"/>
           </a:xfrm>
           <a:prstGeom prst="line">
             <a:avLst/>
@@ -5725,9 +6451,9 @@
           <p:nvPr/>
         </p:nvCxnSpPr>
         <p:spPr>
-          <a:xfrm flipV="1">
-            <a:off x="1991361" y="6037572"/>
-            <a:ext cx="1859279" cy="26674"/>
+          <a:xfrm>
+            <a:off x="4434209" y="4067962"/>
+            <a:ext cx="1788159" cy="31493"/>
           </a:xfrm>
           <a:prstGeom prst="line">
             <a:avLst/>
@@ -5758,9 +6484,9 @@
           <p:nvPr/>
         </p:nvCxnSpPr>
         <p:spPr>
-          <a:xfrm flipV="1">
-            <a:off x="1910081" y="640715"/>
-            <a:ext cx="1747518" cy="2991068"/>
+          <a:xfrm>
+            <a:off x="4434209" y="2525721"/>
+            <a:ext cx="1523999" cy="0"/>
           </a:xfrm>
           <a:prstGeom prst="line">
             <a:avLst/>
@@ -5791,9 +6517,9 @@
           <p:nvPr/>
         </p:nvCxnSpPr>
         <p:spPr>
-          <a:xfrm flipV="1">
-            <a:off x="1910081" y="2148840"/>
-            <a:ext cx="1940559" cy="1482943"/>
+          <a:xfrm>
+            <a:off x="4434209" y="2525721"/>
+            <a:ext cx="1717040" cy="1035275"/>
           </a:xfrm>
           <a:prstGeom prst="line">
             <a:avLst/>
@@ -5825,8 +6551,8 @@
         </p:nvCxnSpPr>
         <p:spPr>
           <a:xfrm>
-            <a:off x="1910081" y="3631783"/>
-            <a:ext cx="1940559" cy="249972"/>
+            <a:off x="4434209" y="2525721"/>
+            <a:ext cx="1717040" cy="559097"/>
           </a:xfrm>
           <a:prstGeom prst="line">
             <a:avLst/>
@@ -5858,8 +6584,8 @@
         </p:nvCxnSpPr>
         <p:spPr>
           <a:xfrm>
-            <a:off x="1910081" y="3631783"/>
-            <a:ext cx="1940559" cy="2405789"/>
+            <a:off x="4434209" y="2525721"/>
+            <a:ext cx="1788159" cy="1573734"/>
           </a:xfrm>
           <a:prstGeom prst="line">
             <a:avLst/>
@@ -5888,7 +6614,7 @@
         </p:nvSpPr>
         <p:spPr>
           <a:xfrm>
-            <a:off x="701041" y="3424991"/>
+            <a:off x="3225169" y="2318929"/>
             <a:ext cx="1209040" cy="413584"/>
           </a:xfrm>
           <a:prstGeom prst="roundRect">
@@ -5941,7 +6667,7 @@
         </p:nvSpPr>
         <p:spPr>
           <a:xfrm>
-            <a:off x="5901424" y="1423873"/>
+            <a:off x="6090587" y="640295"/>
             <a:ext cx="2388282" cy="646331"/>
           </a:xfrm>
           <a:prstGeom prst="rect">
@@ -5969,6 +6695,154 @@
           </a:p>
         </p:txBody>
       </p:sp>
+      <p:sp>
+        <p:nvSpPr>
+          <p:cNvPr id="55" name="TextBox 54"/>
+          <p:cNvSpPr txBox="1"/>
+          <p:nvPr/>
+        </p:nvSpPr>
+        <p:spPr>
+          <a:xfrm>
+            <a:off x="1031265" y="3023495"/>
+            <a:ext cx="1650700" cy="646331"/>
+          </a:xfrm>
+          <a:prstGeom prst="rect">
+            <a:avLst/>
+          </a:prstGeom>
+        </p:spPr>
+        <p:style>
+          <a:lnRef idx="2">
+            <a:schemeClr val="dk1"/>
+          </a:lnRef>
+          <a:fillRef idx="1">
+            <a:schemeClr val="lt1"/>
+          </a:fillRef>
+          <a:effectRef idx="0">
+            <a:schemeClr val="dk1"/>
+          </a:effectRef>
+          <a:fontRef idx="minor">
+            <a:schemeClr val="dk1"/>
+          </a:fontRef>
+        </p:style>
+        <p:txBody>
+          <a:bodyPr wrap="none" rtlCol="0">
+            <a:spAutoFit/>
+          </a:bodyPr>
+          <a:lstStyle/>
+          <a:p>
+            <a:r>
+              <a:rPr lang="en-US" dirty="0" smtClean="0"/>
+              <a:t>E-Service</a:t>
+            </a:r>
+          </a:p>
+          <a:p>
+            <a:r>
+              <a:rPr lang="en-US" dirty="0" smtClean="0"/>
+              <a:t>Product Quality</a:t>
+            </a:r>
+            <a:endParaRPr lang="en-US" dirty="0"/>
+          </a:p>
+        </p:txBody>
+      </p:sp>
+      <p:cxnSp>
+        <p:nvCxnSpPr>
+          <p:cNvPr id="57" name="Straight Connector 56"/>
+          <p:cNvCxnSpPr>
+            <a:stCxn id="55" idx="3"/>
+            <a:endCxn id="533" idx="1"/>
+          </p:cNvCxnSpPr>
+          <p:nvPr/>
+        </p:nvCxnSpPr>
+        <p:spPr>
+          <a:xfrm flipV="1">
+            <a:off x="2681965" y="2525721"/>
+            <a:ext cx="543204" cy="820940"/>
+          </a:xfrm>
+          <a:prstGeom prst="line">
+            <a:avLst/>
+          </a:prstGeom>
+        </p:spPr>
+        <p:style>
+          <a:lnRef idx="1">
+            <a:schemeClr val="dk1"/>
+          </a:lnRef>
+          <a:fillRef idx="0">
+            <a:schemeClr val="dk1"/>
+          </a:fillRef>
+          <a:effectRef idx="0">
+            <a:schemeClr val="dk1"/>
+          </a:effectRef>
+          <a:fontRef idx="minor">
+            <a:schemeClr val="tx1"/>
+          </a:fontRef>
+        </p:style>
+      </p:cxnSp>
+      <p:cxnSp>
+        <p:nvCxnSpPr>
+          <p:cNvPr id="60" name="Straight Connector 59"/>
+          <p:cNvCxnSpPr>
+            <a:stCxn id="55" idx="3"/>
+            <a:endCxn id="11" idx="1"/>
+          </p:cNvCxnSpPr>
+          <p:nvPr/>
+        </p:nvCxnSpPr>
+        <p:spPr>
+          <a:xfrm flipV="1">
+            <a:off x="2681965" y="3343321"/>
+            <a:ext cx="614324" cy="3340"/>
+          </a:xfrm>
+          <a:prstGeom prst="line">
+            <a:avLst/>
+          </a:prstGeom>
+        </p:spPr>
+        <p:style>
+          <a:lnRef idx="1">
+            <a:schemeClr val="dk1"/>
+          </a:lnRef>
+          <a:fillRef idx="0">
+            <a:schemeClr val="dk1"/>
+          </a:fillRef>
+          <a:effectRef idx="0">
+            <a:schemeClr val="dk1"/>
+          </a:effectRef>
+          <a:fontRef idx="minor">
+            <a:schemeClr val="tx1"/>
+          </a:fontRef>
+        </p:style>
+      </p:cxnSp>
+      <p:cxnSp>
+        <p:nvCxnSpPr>
+          <p:cNvPr id="63" name="Straight Connector 62"/>
+          <p:cNvCxnSpPr>
+            <a:stCxn id="55" idx="3"/>
+            <a:endCxn id="12" idx="1"/>
+          </p:cNvCxnSpPr>
+          <p:nvPr/>
+        </p:nvCxnSpPr>
+        <p:spPr>
+          <a:xfrm>
+            <a:off x="2681965" y="3346661"/>
+            <a:ext cx="614324" cy="721301"/>
+          </a:xfrm>
+          <a:prstGeom prst="line">
+            <a:avLst/>
+          </a:prstGeom>
+        </p:spPr>
+        <p:style>
+          <a:lnRef idx="1">
+            <a:schemeClr val="dk1"/>
+          </a:lnRef>
+          <a:fillRef idx="0">
+            <a:schemeClr val="dk1"/>
+          </a:fillRef>
+          <a:effectRef idx="0">
+            <a:schemeClr val="dk1"/>
+          </a:effectRef>
+          <a:fontRef idx="minor">
+            <a:schemeClr val="tx1"/>
+          </a:fontRef>
+        </p:style>
+      </p:cxnSp>
     </p:spTree>
     <p:extLst>
       <p:ext uri="{BB962C8B-B14F-4D97-AF65-F5344CB8AC3E}">
@@ -6042,590 +6916,206 @@
           </a:p>
         </p:txBody>
       </p:sp>
-      <p:sp>
-        <p:nvSpPr>
-          <p:cNvPr id="41" name="Rounded Rectangle 40"/>
-          <p:cNvSpPr/>
-          <p:nvPr/>
-        </p:nvSpPr>
-        <p:spPr>
-          <a:xfrm>
-            <a:off x="3657599" y="501015"/>
-            <a:ext cx="1239519" cy="279400"/>
-          </a:xfrm>
-          <a:prstGeom prst="roundRect">
-            <a:avLst>
-              <a:gd name="adj" fmla="val 50000"/>
-            </a:avLst>
-          </a:prstGeom>
-        </p:spPr>
-        <p:style>
-          <a:lnRef idx="2">
-            <a:schemeClr val="accent1"/>
-          </a:lnRef>
-          <a:fillRef idx="1">
-            <a:schemeClr val="lt1"/>
-          </a:fillRef>
-          <a:effectRef idx="0">
-            <a:schemeClr val="accent1"/>
-          </a:effectRef>
-          <a:fontRef idx="minor">
-            <a:schemeClr val="dk1"/>
-          </a:fontRef>
-        </p:style>
-        <p:txBody>
-          <a:bodyPr rtlCol="0" anchor="ctr"/>
-          <a:lstStyle/>
-          <a:p>
-            <a:pPr algn="ctr"/>
-            <a:r>
-              <a:rPr lang="en-US" sz="1200" dirty="0" smtClean="0"/>
-              <a:t>ACCESSIBILITY</a:t>
-            </a:r>
-            <a:endParaRPr lang="en-US" sz="1200" dirty="0"/>
-          </a:p>
-        </p:txBody>
-      </p:sp>
-      <p:sp>
-        <p:nvSpPr>
-          <p:cNvPr id="42" name="Rounded Rectangle 41"/>
-          <p:cNvSpPr/>
-          <p:nvPr/>
-        </p:nvSpPr>
-        <p:spPr>
-          <a:xfrm>
-            <a:off x="3850640" y="1778660"/>
-            <a:ext cx="975359" cy="254000"/>
-          </a:xfrm>
-          <a:prstGeom prst="roundRect">
-            <a:avLst>
-              <a:gd name="adj" fmla="val 50000"/>
-            </a:avLst>
-          </a:prstGeom>
-        </p:spPr>
-        <p:style>
-          <a:lnRef idx="2">
-            <a:schemeClr val="accent1"/>
-          </a:lnRef>
-          <a:fillRef idx="1">
-            <a:schemeClr val="lt1"/>
-          </a:fillRef>
-          <a:effectRef idx="0">
-            <a:schemeClr val="accent1"/>
-          </a:effectRef>
-          <a:fontRef idx="minor">
-            <a:schemeClr val="dk1"/>
-          </a:fontRef>
-        </p:style>
-        <p:txBody>
-          <a:bodyPr rtlCol="0" anchor="ctr"/>
-          <a:lstStyle/>
-          <a:p>
-            <a:pPr algn="ctr"/>
-            <a:r>
-              <a:rPr lang="en-US" sz="1200" dirty="0" smtClean="0"/>
-              <a:t>USABILITY</a:t>
-            </a:r>
-            <a:endParaRPr lang="en-US" sz="1200" dirty="0"/>
-          </a:p>
-        </p:txBody>
-      </p:sp>
-      <p:sp>
-        <p:nvSpPr>
-          <p:cNvPr id="43" name="Rounded Rectangle 42"/>
-          <p:cNvSpPr/>
-          <p:nvPr/>
-        </p:nvSpPr>
-        <p:spPr>
-          <a:xfrm>
-            <a:off x="3850640" y="3286812"/>
-            <a:ext cx="975359" cy="254000"/>
-          </a:xfrm>
-          <a:prstGeom prst="roundRect">
-            <a:avLst>
-              <a:gd name="adj" fmla="val 50000"/>
-            </a:avLst>
-          </a:prstGeom>
-        </p:spPr>
-        <p:style>
-          <a:lnRef idx="2">
-            <a:schemeClr val="accent1"/>
-          </a:lnRef>
-          <a:fillRef idx="1">
-            <a:schemeClr val="lt1"/>
-          </a:fillRef>
-          <a:effectRef idx="0">
-            <a:schemeClr val="accent1"/>
-          </a:effectRef>
-          <a:fontRef idx="minor">
-            <a:schemeClr val="dk1"/>
-          </a:fontRef>
-        </p:style>
-        <p:txBody>
-          <a:bodyPr rtlCol="0" anchor="ctr"/>
-          <a:lstStyle/>
-          <a:p>
-            <a:pPr algn="ctr"/>
-            <a:r>
-              <a:rPr lang="en-US" sz="1200" dirty="0" smtClean="0"/>
-              <a:t>EFFICIENCY</a:t>
-            </a:r>
-            <a:endParaRPr lang="en-US" sz="1200" dirty="0"/>
-          </a:p>
-        </p:txBody>
-      </p:sp>
-      <p:sp>
-        <p:nvSpPr>
-          <p:cNvPr id="44" name="Rounded Rectangle 43"/>
-          <p:cNvSpPr/>
-          <p:nvPr/>
-        </p:nvSpPr>
-        <p:spPr>
-          <a:xfrm>
-            <a:off x="3850640" y="5476347"/>
-            <a:ext cx="975359" cy="254000"/>
-          </a:xfrm>
-          <a:prstGeom prst="roundRect">
-            <a:avLst>
-              <a:gd name="adj" fmla="val 50000"/>
-            </a:avLst>
-          </a:prstGeom>
-        </p:spPr>
-        <p:style>
-          <a:lnRef idx="2">
-            <a:schemeClr val="accent1"/>
-          </a:lnRef>
-          <a:fillRef idx="1">
-            <a:schemeClr val="lt1"/>
-          </a:fillRef>
-          <a:effectRef idx="0">
-            <a:schemeClr val="accent1"/>
-          </a:effectRef>
-          <a:fontRef idx="minor">
-            <a:schemeClr val="dk1"/>
-          </a:fontRef>
-        </p:style>
-        <p:txBody>
-          <a:bodyPr rtlCol="0" anchor="ctr"/>
-          <a:lstStyle/>
-          <a:p>
-            <a:pPr algn="ctr"/>
-            <a:r>
-              <a:rPr lang="en-US" sz="1200" dirty="0" smtClean="0"/>
-              <a:t>SECURITY</a:t>
-            </a:r>
-            <a:endParaRPr lang="en-US" sz="1200" dirty="0"/>
-          </a:p>
-        </p:txBody>
-      </p:sp>
-      <p:sp>
-        <p:nvSpPr>
-          <p:cNvPr id="45" name="Rounded Rectangle 44"/>
-          <p:cNvSpPr/>
-          <p:nvPr/>
-        </p:nvSpPr>
-        <p:spPr>
-          <a:xfrm>
-            <a:off x="5486401" y="866468"/>
-            <a:ext cx="1619998" cy="287997"/>
-          </a:xfrm>
-          <a:prstGeom prst="roundRect">
-            <a:avLst>
-              <a:gd name="adj" fmla="val 0"/>
-            </a:avLst>
-          </a:prstGeom>
-          <a:solidFill>
-            <a:schemeClr val="lt1"/>
-          </a:solidFill>
-          <a:ln w="12700"/>
-        </p:spPr>
-        <p:style>
-          <a:lnRef idx="2">
-            <a:schemeClr val="dk1"/>
-          </a:lnRef>
-          <a:fillRef idx="1">
-            <a:schemeClr val="lt1"/>
-          </a:fillRef>
-          <a:effectRef idx="0">
-            <a:schemeClr val="dk1"/>
-          </a:effectRef>
-          <a:fontRef idx="minor">
-            <a:schemeClr val="dk1"/>
-          </a:fontRef>
-        </p:style>
-        <p:txBody>
-          <a:bodyPr rtlCol="0" anchor="ctr"/>
-          <a:lstStyle/>
-          <a:p>
-            <a:pPr algn="ctr"/>
-            <a:r>
-              <a:rPr lang="en-US" sz="1000" dirty="0" smtClean="0"/>
-              <a:t>Operability</a:t>
-            </a:r>
-            <a:endParaRPr lang="en-US" sz="1000" dirty="0"/>
-          </a:p>
-        </p:txBody>
-      </p:sp>
-      <p:sp>
-        <p:nvSpPr>
-          <p:cNvPr id="46" name="Rounded Rectangle 45"/>
-          <p:cNvSpPr/>
-          <p:nvPr/>
-        </p:nvSpPr>
-        <p:spPr>
-          <a:xfrm>
-            <a:off x="5486401" y="189865"/>
-            <a:ext cx="772159" cy="227330"/>
-          </a:xfrm>
-          <a:prstGeom prst="roundRect">
-            <a:avLst>
-              <a:gd name="adj" fmla="val 0"/>
-            </a:avLst>
-          </a:prstGeom>
-          <a:solidFill>
-            <a:schemeClr val="lt1"/>
-          </a:solidFill>
-          <a:ln w="12700"/>
-        </p:spPr>
-        <p:style>
-          <a:lnRef idx="2">
-            <a:schemeClr val="dk1"/>
-          </a:lnRef>
-          <a:fillRef idx="1">
-            <a:schemeClr val="lt1"/>
-          </a:fillRef>
-          <a:effectRef idx="0">
-            <a:schemeClr val="dk1"/>
-          </a:effectRef>
-          <a:fontRef idx="minor">
-            <a:schemeClr val="dk1"/>
-          </a:fontRef>
-        </p:style>
-        <p:txBody>
-          <a:bodyPr rtlCol="0" anchor="ctr"/>
-          <a:lstStyle/>
-          <a:p>
-            <a:pPr algn="ctr"/>
-            <a:r>
-              <a:rPr lang="en-US" sz="1000" dirty="0" smtClean="0"/>
-              <a:t>Availability</a:t>
-            </a:r>
-            <a:endParaRPr lang="en-US" sz="1000" dirty="0"/>
-          </a:p>
-        </p:txBody>
-      </p:sp>
-      <p:sp>
-        <p:nvSpPr>
-          <p:cNvPr id="47" name="Rounded Rectangle 46"/>
-          <p:cNvSpPr/>
-          <p:nvPr/>
-        </p:nvSpPr>
-        <p:spPr>
-          <a:xfrm>
-            <a:off x="5476241" y="531495"/>
-            <a:ext cx="772159" cy="227330"/>
-          </a:xfrm>
-          <a:prstGeom prst="roundRect">
-            <a:avLst>
-              <a:gd name="adj" fmla="val 0"/>
-            </a:avLst>
-          </a:prstGeom>
-          <a:solidFill>
-            <a:schemeClr val="lt1"/>
-          </a:solidFill>
-          <a:ln w="12700"/>
-        </p:spPr>
-        <p:style>
-          <a:lnRef idx="2">
-            <a:schemeClr val="dk1"/>
-          </a:lnRef>
-          <a:fillRef idx="1">
-            <a:schemeClr val="lt1"/>
-          </a:fillRef>
-          <a:effectRef idx="0">
-            <a:schemeClr val="dk1"/>
-          </a:effectRef>
-          <a:fontRef idx="minor">
-            <a:schemeClr val="dk1"/>
-          </a:fontRef>
-        </p:style>
-        <p:txBody>
-          <a:bodyPr rtlCol="0" anchor="ctr"/>
-          <a:lstStyle/>
-          <a:p>
-            <a:pPr algn="ctr"/>
-            <a:r>
-              <a:rPr lang="en-US" sz="1000" dirty="0" smtClean="0"/>
-              <a:t>Maturity</a:t>
-            </a:r>
-            <a:endParaRPr lang="en-US" sz="1000" dirty="0"/>
-          </a:p>
-        </p:txBody>
-      </p:sp>
-      <p:sp>
-        <p:nvSpPr>
-          <p:cNvPr id="48" name="Rounded Rectangle 47"/>
-          <p:cNvSpPr/>
-          <p:nvPr/>
-        </p:nvSpPr>
-        <p:spPr>
-          <a:xfrm>
-            <a:off x="5415281" y="1392581"/>
-            <a:ext cx="1780539" cy="264160"/>
-          </a:xfrm>
-          <a:prstGeom prst="roundRect">
-            <a:avLst>
-              <a:gd name="adj" fmla="val 0"/>
-            </a:avLst>
-          </a:prstGeom>
-          <a:solidFill>
-            <a:schemeClr val="lt1"/>
-          </a:solidFill>
-          <a:ln w="12700"/>
-        </p:spPr>
-        <p:style>
-          <a:lnRef idx="2">
-            <a:schemeClr val="dk1"/>
-          </a:lnRef>
-          <a:fillRef idx="1">
-            <a:schemeClr val="lt1"/>
-          </a:fillRef>
-          <a:effectRef idx="0">
-            <a:schemeClr val="dk1"/>
-          </a:effectRef>
-          <a:fontRef idx="minor">
-            <a:schemeClr val="dk1"/>
-          </a:fontRef>
-        </p:style>
-        <p:txBody>
-          <a:bodyPr rtlCol="0" anchor="ctr"/>
-          <a:lstStyle/>
-          <a:p>
-            <a:pPr algn="ctr"/>
-            <a:r>
-              <a:rPr lang="en-US" sz="1000" dirty="0" smtClean="0"/>
-              <a:t>Ease of Use</a:t>
-            </a:r>
-            <a:endParaRPr lang="en-US" sz="1000" dirty="0"/>
-          </a:p>
-        </p:txBody>
-      </p:sp>
-      <p:sp>
-        <p:nvSpPr>
-          <p:cNvPr id="49" name="Rounded Rectangle 48"/>
-          <p:cNvSpPr/>
-          <p:nvPr/>
-        </p:nvSpPr>
-        <p:spPr>
-          <a:xfrm>
-            <a:off x="5415281" y="1706877"/>
-            <a:ext cx="1066800" cy="367664"/>
-          </a:xfrm>
-          <a:prstGeom prst="roundRect">
-            <a:avLst>
-              <a:gd name="adj" fmla="val 0"/>
-            </a:avLst>
-          </a:prstGeom>
-          <a:solidFill>
-            <a:schemeClr val="lt1"/>
-          </a:solidFill>
-          <a:ln w="12700"/>
-        </p:spPr>
-        <p:style>
-          <a:lnRef idx="2">
-            <a:schemeClr val="dk1"/>
-          </a:lnRef>
-          <a:fillRef idx="1">
-            <a:schemeClr val="lt1"/>
-          </a:fillRef>
-          <a:effectRef idx="0">
-            <a:schemeClr val="dk1"/>
-          </a:effectRef>
-          <a:fontRef idx="minor">
-            <a:schemeClr val="dk1"/>
-          </a:fontRef>
-        </p:style>
-        <p:txBody>
-          <a:bodyPr rtlCol="0" anchor="ctr"/>
-          <a:lstStyle/>
-          <a:p>
-            <a:pPr algn="ctr"/>
-            <a:r>
-              <a:rPr lang="en-US" sz="1000" dirty="0" smtClean="0"/>
-              <a:t>Learnability</a:t>
-            </a:r>
-            <a:endParaRPr lang="en-US" sz="1000" dirty="0"/>
-          </a:p>
-        </p:txBody>
-      </p:sp>
-      <p:sp>
-        <p:nvSpPr>
-          <p:cNvPr id="50" name="Rounded Rectangle 49"/>
-          <p:cNvSpPr/>
-          <p:nvPr/>
-        </p:nvSpPr>
-        <p:spPr>
-          <a:xfrm>
-            <a:off x="5415281" y="2142515"/>
-            <a:ext cx="1494679" cy="305726"/>
-          </a:xfrm>
-          <a:prstGeom prst="roundRect">
-            <a:avLst>
-              <a:gd name="adj" fmla="val 0"/>
-            </a:avLst>
-          </a:prstGeom>
-          <a:solidFill>
-            <a:schemeClr val="lt1"/>
-          </a:solidFill>
-          <a:ln w="12700"/>
-        </p:spPr>
-        <p:style>
-          <a:lnRef idx="2">
-            <a:schemeClr val="dk1"/>
-          </a:lnRef>
-          <a:fillRef idx="1">
-            <a:schemeClr val="lt1"/>
-          </a:fillRef>
-          <a:effectRef idx="0">
-            <a:schemeClr val="dk1"/>
-          </a:effectRef>
-          <a:fontRef idx="minor">
-            <a:schemeClr val="dk1"/>
-          </a:fontRef>
-        </p:style>
-        <p:txBody>
-          <a:bodyPr rtlCol="0" anchor="ctr"/>
-          <a:lstStyle/>
-          <a:p>
-            <a:pPr algn="ctr"/>
-            <a:r>
-              <a:rPr lang="en-US" sz="1000" dirty="0" smtClean="0"/>
-              <a:t>User interface aesthetics</a:t>
-            </a:r>
-            <a:endParaRPr lang="en-US" sz="1000" dirty="0"/>
-          </a:p>
-        </p:txBody>
-      </p:sp>
-      <p:sp>
-        <p:nvSpPr>
-          <p:cNvPr id="51" name="Rounded Rectangle 50"/>
-          <p:cNvSpPr/>
-          <p:nvPr/>
-        </p:nvSpPr>
-        <p:spPr>
-          <a:xfrm>
-            <a:off x="5344161" y="2925210"/>
-            <a:ext cx="2065978" cy="276861"/>
-          </a:xfrm>
-          <a:prstGeom prst="roundRect">
-            <a:avLst>
-              <a:gd name="adj" fmla="val 0"/>
-            </a:avLst>
-          </a:prstGeom>
-          <a:solidFill>
-            <a:schemeClr val="lt1"/>
-          </a:solidFill>
-          <a:ln w="12700"/>
-        </p:spPr>
-        <p:style>
-          <a:lnRef idx="2">
-            <a:schemeClr val="dk1"/>
-          </a:lnRef>
-          <a:fillRef idx="1">
-            <a:schemeClr val="lt1"/>
-          </a:fillRef>
-          <a:effectRef idx="0">
-            <a:schemeClr val="dk1"/>
-          </a:effectRef>
-          <a:fontRef idx="minor">
-            <a:schemeClr val="dk1"/>
-          </a:fontRef>
-        </p:style>
-        <p:txBody>
-          <a:bodyPr rtlCol="0" anchor="ctr"/>
-          <a:lstStyle/>
-          <a:p>
-            <a:pPr algn="ctr"/>
-            <a:r>
-              <a:rPr lang="en-US" sz="1000" dirty="0" smtClean="0"/>
-              <a:t>Responsiveness</a:t>
-            </a:r>
-            <a:endParaRPr lang="en-US" sz="1000" dirty="0"/>
-          </a:p>
-        </p:txBody>
-      </p:sp>
-      <p:sp>
-        <p:nvSpPr>
-          <p:cNvPr id="52" name="Rounded Rectangle 51"/>
-          <p:cNvSpPr/>
-          <p:nvPr/>
-        </p:nvSpPr>
-        <p:spPr>
-          <a:xfrm>
-            <a:off x="5313681" y="3685938"/>
-            <a:ext cx="1396998" cy="264160"/>
-          </a:xfrm>
-          <a:prstGeom prst="roundRect">
-            <a:avLst>
-              <a:gd name="adj" fmla="val 0"/>
-            </a:avLst>
-          </a:prstGeom>
-          <a:solidFill>
-            <a:schemeClr val="lt1"/>
-          </a:solidFill>
-          <a:ln w="12700"/>
-        </p:spPr>
-        <p:style>
-          <a:lnRef idx="2">
-            <a:schemeClr val="dk1"/>
-          </a:lnRef>
-          <a:fillRef idx="1">
-            <a:schemeClr val="lt1"/>
-          </a:fillRef>
-          <a:effectRef idx="0">
-            <a:schemeClr val="dk1"/>
-          </a:effectRef>
-          <a:fontRef idx="minor">
-            <a:schemeClr val="dk1"/>
-          </a:fontRef>
-        </p:style>
-        <p:txBody>
-          <a:bodyPr rtlCol="0" anchor="ctr"/>
-          <a:lstStyle/>
-          <a:p>
-            <a:pPr algn="ctr"/>
-            <a:r>
-              <a:rPr lang="en-US" sz="1000" dirty="0" smtClean="0"/>
-              <a:t>Time behavior</a:t>
-            </a:r>
-            <a:endParaRPr lang="en-US" sz="1000" dirty="0"/>
-          </a:p>
-        </p:txBody>
-      </p:sp>
       <p:grpSp>
         <p:nvGrpSpPr>
-          <p:cNvPr id="53" name="Group 52"/>
+          <p:cNvPr id="2" name="Group 1"/>
           <p:cNvGrpSpPr/>
           <p:nvPr/>
         </p:nvGrpSpPr>
         <p:grpSpPr>
           <a:xfrm>
-            <a:off x="5318761" y="4193872"/>
-            <a:ext cx="1879598" cy="491491"/>
-            <a:chOff x="7721601" y="3576319"/>
-            <a:chExt cx="1859278" cy="491491"/>
+            <a:off x="3657599" y="189865"/>
+            <a:ext cx="3811024" cy="6135455"/>
+            <a:chOff x="3657599" y="189865"/>
+            <a:chExt cx="3811024" cy="6135455"/>
           </a:xfrm>
         </p:grpSpPr>
         <p:sp>
           <p:nvSpPr>
-            <p:cNvPr id="54" name="Rounded Rectangle 53"/>
+            <p:cNvPr id="41" name="Rounded Rectangle 40"/>
             <p:cNvSpPr/>
             <p:nvPr/>
           </p:nvSpPr>
           <p:spPr>
             <a:xfrm>
-              <a:off x="7721601" y="3576319"/>
-              <a:ext cx="1859278" cy="260985"/>
+              <a:off x="3657599" y="501015"/>
+              <a:ext cx="1239519" cy="279400"/>
+            </a:xfrm>
+            <a:prstGeom prst="roundRect">
+              <a:avLst>
+                <a:gd name="adj" fmla="val 50000"/>
+              </a:avLst>
+            </a:prstGeom>
+          </p:spPr>
+          <p:style>
+            <a:lnRef idx="2">
+              <a:schemeClr val="accent1"/>
+            </a:lnRef>
+            <a:fillRef idx="1">
+              <a:schemeClr val="lt1"/>
+            </a:fillRef>
+            <a:effectRef idx="0">
+              <a:schemeClr val="accent1"/>
+            </a:effectRef>
+            <a:fontRef idx="minor">
+              <a:schemeClr val="dk1"/>
+            </a:fontRef>
+          </p:style>
+          <p:txBody>
+            <a:bodyPr rtlCol="0" anchor="ctr"/>
+            <a:lstStyle/>
+            <a:p>
+              <a:pPr algn="ctr"/>
+              <a:r>
+                <a:rPr lang="en-US" sz="1200" dirty="0" smtClean="0"/>
+                <a:t>ACCESSIBILITY</a:t>
+              </a:r>
+              <a:endParaRPr lang="en-US" sz="1200" dirty="0"/>
+            </a:p>
+          </p:txBody>
+        </p:sp>
+        <p:sp>
+          <p:nvSpPr>
+            <p:cNvPr id="42" name="Rounded Rectangle 41"/>
+            <p:cNvSpPr/>
+            <p:nvPr/>
+          </p:nvSpPr>
+          <p:spPr>
+            <a:xfrm>
+              <a:off x="3850640" y="1778660"/>
+              <a:ext cx="975359" cy="254000"/>
+            </a:xfrm>
+            <a:prstGeom prst="roundRect">
+              <a:avLst>
+                <a:gd name="adj" fmla="val 50000"/>
+              </a:avLst>
+            </a:prstGeom>
+          </p:spPr>
+          <p:style>
+            <a:lnRef idx="2">
+              <a:schemeClr val="accent1"/>
+            </a:lnRef>
+            <a:fillRef idx="1">
+              <a:schemeClr val="lt1"/>
+            </a:fillRef>
+            <a:effectRef idx="0">
+              <a:schemeClr val="accent1"/>
+            </a:effectRef>
+            <a:fontRef idx="minor">
+              <a:schemeClr val="dk1"/>
+            </a:fontRef>
+          </p:style>
+          <p:txBody>
+            <a:bodyPr rtlCol="0" anchor="ctr"/>
+            <a:lstStyle/>
+            <a:p>
+              <a:pPr algn="ctr"/>
+              <a:r>
+                <a:rPr lang="en-US" sz="1200" dirty="0" smtClean="0"/>
+                <a:t>USABILITY</a:t>
+              </a:r>
+              <a:endParaRPr lang="en-US" sz="1200" dirty="0"/>
+            </a:p>
+          </p:txBody>
+        </p:sp>
+        <p:sp>
+          <p:nvSpPr>
+            <p:cNvPr id="43" name="Rounded Rectangle 42"/>
+            <p:cNvSpPr/>
+            <p:nvPr/>
+          </p:nvSpPr>
+          <p:spPr>
+            <a:xfrm>
+              <a:off x="3850640" y="3286812"/>
+              <a:ext cx="975359" cy="254000"/>
+            </a:xfrm>
+            <a:prstGeom prst="roundRect">
+              <a:avLst>
+                <a:gd name="adj" fmla="val 50000"/>
+              </a:avLst>
+            </a:prstGeom>
+          </p:spPr>
+          <p:style>
+            <a:lnRef idx="2">
+              <a:schemeClr val="accent1"/>
+            </a:lnRef>
+            <a:fillRef idx="1">
+              <a:schemeClr val="lt1"/>
+            </a:fillRef>
+            <a:effectRef idx="0">
+              <a:schemeClr val="accent1"/>
+            </a:effectRef>
+            <a:fontRef idx="minor">
+              <a:schemeClr val="dk1"/>
+            </a:fontRef>
+          </p:style>
+          <p:txBody>
+            <a:bodyPr rtlCol="0" anchor="ctr"/>
+            <a:lstStyle/>
+            <a:p>
+              <a:pPr algn="ctr"/>
+              <a:r>
+                <a:rPr lang="en-US" sz="1200" dirty="0" smtClean="0"/>
+                <a:t>EFFICIENCY</a:t>
+              </a:r>
+              <a:endParaRPr lang="en-US" sz="1200" dirty="0"/>
+            </a:p>
+          </p:txBody>
+        </p:sp>
+        <p:sp>
+          <p:nvSpPr>
+            <p:cNvPr id="44" name="Rounded Rectangle 43"/>
+            <p:cNvSpPr/>
+            <p:nvPr/>
+          </p:nvSpPr>
+          <p:spPr>
+            <a:xfrm>
+              <a:off x="3850640" y="5476347"/>
+              <a:ext cx="975359" cy="254000"/>
+            </a:xfrm>
+            <a:prstGeom prst="roundRect">
+              <a:avLst>
+                <a:gd name="adj" fmla="val 50000"/>
+              </a:avLst>
+            </a:prstGeom>
+          </p:spPr>
+          <p:style>
+            <a:lnRef idx="2">
+              <a:schemeClr val="accent1"/>
+            </a:lnRef>
+            <a:fillRef idx="1">
+              <a:schemeClr val="lt1"/>
+            </a:fillRef>
+            <a:effectRef idx="0">
+              <a:schemeClr val="accent1"/>
+            </a:effectRef>
+            <a:fontRef idx="minor">
+              <a:schemeClr val="dk1"/>
+            </a:fontRef>
+          </p:style>
+          <p:txBody>
+            <a:bodyPr rtlCol="0" anchor="ctr"/>
+            <a:lstStyle/>
+            <a:p>
+              <a:pPr algn="ctr"/>
+              <a:r>
+                <a:rPr lang="en-US" sz="1200" dirty="0" smtClean="0"/>
+                <a:t>SECURITY</a:t>
+              </a:r>
+              <a:endParaRPr lang="en-US" sz="1200" dirty="0"/>
+            </a:p>
+          </p:txBody>
+        </p:sp>
+        <p:sp>
+          <p:nvSpPr>
+            <p:cNvPr id="45" name="Rounded Rectangle 44"/>
+            <p:cNvSpPr/>
+            <p:nvPr/>
+          </p:nvSpPr>
+          <p:spPr>
+            <a:xfrm>
+              <a:off x="5486401" y="866468"/>
+              <a:ext cx="1619998" cy="287997"/>
             </a:xfrm>
             <a:prstGeom prst="roundRect">
               <a:avLst>
@@ -6658,7 +7148,7 @@
               <a:pPr algn="ctr"/>
               <a:r>
                 <a:rPr lang="en-US" sz="1000" dirty="0" smtClean="0"/>
-                <a:t>Transaction Capability</a:t>
+                <a:t>Operability</a:t>
               </a:r>
               <a:endParaRPr lang="en-US" sz="1000" dirty="0"/>
             </a:p>
@@ -6666,14 +7156,14 @@
         </p:sp>
         <p:sp>
           <p:nvSpPr>
-            <p:cNvPr id="55" name="Rounded Rectangle 54"/>
+            <p:cNvPr id="46" name="Rounded Rectangle 45"/>
             <p:cNvSpPr/>
             <p:nvPr/>
           </p:nvSpPr>
           <p:spPr>
             <a:xfrm>
-              <a:off x="7721601" y="3840480"/>
-              <a:ext cx="955039" cy="224154"/>
+              <a:off x="5486401" y="189865"/>
+              <a:ext cx="772159" cy="227330"/>
             </a:xfrm>
             <a:prstGeom prst="roundRect">
               <a:avLst>
@@ -6706,7 +7196,7 @@
               <a:pPr algn="ctr"/>
               <a:r>
                 <a:rPr lang="en-US" sz="1000" dirty="0" smtClean="0"/>
-                <a:t>Completeness</a:t>
+                <a:t>Availability</a:t>
               </a:r>
               <a:endParaRPr lang="en-US" sz="1000" dirty="0"/>
             </a:p>
@@ -6714,14 +7204,14 @@
         </p:sp>
         <p:sp>
           <p:nvSpPr>
-            <p:cNvPr id="56" name="Rounded Rectangle 55"/>
+            <p:cNvPr id="47" name="Rounded Rectangle 46"/>
             <p:cNvSpPr/>
             <p:nvPr/>
           </p:nvSpPr>
           <p:spPr>
             <a:xfrm>
-              <a:off x="8676640" y="3840480"/>
-              <a:ext cx="904239" cy="227330"/>
+              <a:off x="5476241" y="531495"/>
+              <a:ext cx="772159" cy="227330"/>
             </a:xfrm>
             <a:prstGeom prst="roundRect">
               <a:avLst>
@@ -6754,844 +7244,1243 @@
               <a:pPr algn="ctr"/>
               <a:r>
                 <a:rPr lang="en-US" sz="1000" dirty="0" smtClean="0"/>
-                <a:t>Correctness</a:t>
+                <a:t>Maturity</a:t>
+              </a:r>
+              <a:endParaRPr lang="en-US" sz="1000" dirty="0"/>
+            </a:p>
+          </p:txBody>
+        </p:sp>
+        <p:sp>
+          <p:nvSpPr>
+            <p:cNvPr id="48" name="Rounded Rectangle 47"/>
+            <p:cNvSpPr/>
+            <p:nvPr/>
+          </p:nvSpPr>
+          <p:spPr>
+            <a:xfrm>
+              <a:off x="5415281" y="1392581"/>
+              <a:ext cx="1780539" cy="264160"/>
+            </a:xfrm>
+            <a:prstGeom prst="roundRect">
+              <a:avLst>
+                <a:gd name="adj" fmla="val 0"/>
+              </a:avLst>
+            </a:prstGeom>
+            <a:solidFill>
+              <a:schemeClr val="lt1"/>
+            </a:solidFill>
+            <a:ln w="12700"/>
+          </p:spPr>
+          <p:style>
+            <a:lnRef idx="2">
+              <a:schemeClr val="dk1"/>
+            </a:lnRef>
+            <a:fillRef idx="1">
+              <a:schemeClr val="lt1"/>
+            </a:fillRef>
+            <a:effectRef idx="0">
+              <a:schemeClr val="dk1"/>
+            </a:effectRef>
+            <a:fontRef idx="minor">
+              <a:schemeClr val="dk1"/>
+            </a:fontRef>
+          </p:style>
+          <p:txBody>
+            <a:bodyPr rtlCol="0" anchor="ctr"/>
+            <a:lstStyle/>
+            <a:p>
+              <a:pPr algn="ctr"/>
+              <a:r>
+                <a:rPr lang="en-US" sz="1000" dirty="0" smtClean="0"/>
+                <a:t>Ease of Use</a:t>
+              </a:r>
+              <a:endParaRPr lang="en-US" sz="1000" dirty="0"/>
+            </a:p>
+          </p:txBody>
+        </p:sp>
+        <p:sp>
+          <p:nvSpPr>
+            <p:cNvPr id="49" name="Rounded Rectangle 48"/>
+            <p:cNvSpPr/>
+            <p:nvPr/>
+          </p:nvSpPr>
+          <p:spPr>
+            <a:xfrm>
+              <a:off x="5415281" y="1706877"/>
+              <a:ext cx="1066800" cy="367664"/>
+            </a:xfrm>
+            <a:prstGeom prst="roundRect">
+              <a:avLst>
+                <a:gd name="adj" fmla="val 0"/>
+              </a:avLst>
+            </a:prstGeom>
+            <a:solidFill>
+              <a:schemeClr val="lt1"/>
+            </a:solidFill>
+            <a:ln w="12700"/>
+          </p:spPr>
+          <p:style>
+            <a:lnRef idx="2">
+              <a:schemeClr val="dk1"/>
+            </a:lnRef>
+            <a:fillRef idx="1">
+              <a:schemeClr val="lt1"/>
+            </a:fillRef>
+            <a:effectRef idx="0">
+              <a:schemeClr val="dk1"/>
+            </a:effectRef>
+            <a:fontRef idx="minor">
+              <a:schemeClr val="dk1"/>
+            </a:fontRef>
+          </p:style>
+          <p:txBody>
+            <a:bodyPr rtlCol="0" anchor="ctr"/>
+            <a:lstStyle/>
+            <a:p>
+              <a:pPr algn="ctr"/>
+              <a:r>
+                <a:rPr lang="en-US" sz="1000" dirty="0" smtClean="0"/>
+                <a:t>Learnability</a:t>
+              </a:r>
+              <a:endParaRPr lang="en-US" sz="1000" dirty="0"/>
+            </a:p>
+          </p:txBody>
+        </p:sp>
+        <p:sp>
+          <p:nvSpPr>
+            <p:cNvPr id="50" name="Rounded Rectangle 49"/>
+            <p:cNvSpPr/>
+            <p:nvPr/>
+          </p:nvSpPr>
+          <p:spPr>
+            <a:xfrm>
+              <a:off x="5415281" y="2142515"/>
+              <a:ext cx="1494679" cy="305726"/>
+            </a:xfrm>
+            <a:prstGeom prst="roundRect">
+              <a:avLst>
+                <a:gd name="adj" fmla="val 0"/>
+              </a:avLst>
+            </a:prstGeom>
+            <a:solidFill>
+              <a:schemeClr val="lt1"/>
+            </a:solidFill>
+            <a:ln w="12700"/>
+          </p:spPr>
+          <p:style>
+            <a:lnRef idx="2">
+              <a:schemeClr val="dk1"/>
+            </a:lnRef>
+            <a:fillRef idx="1">
+              <a:schemeClr val="lt1"/>
+            </a:fillRef>
+            <a:effectRef idx="0">
+              <a:schemeClr val="dk1"/>
+            </a:effectRef>
+            <a:fontRef idx="minor">
+              <a:schemeClr val="dk1"/>
+            </a:fontRef>
+          </p:style>
+          <p:txBody>
+            <a:bodyPr rtlCol="0" anchor="ctr"/>
+            <a:lstStyle/>
+            <a:p>
+              <a:pPr algn="ctr"/>
+              <a:r>
+                <a:rPr lang="en-US" sz="1000" dirty="0" smtClean="0"/>
+                <a:t>User interface aesthetics</a:t>
+              </a:r>
+              <a:endParaRPr lang="en-US" sz="1000" dirty="0"/>
+            </a:p>
+          </p:txBody>
+        </p:sp>
+        <p:sp>
+          <p:nvSpPr>
+            <p:cNvPr id="51" name="Rounded Rectangle 50"/>
+            <p:cNvSpPr/>
+            <p:nvPr/>
+          </p:nvSpPr>
+          <p:spPr>
+            <a:xfrm>
+              <a:off x="5344161" y="2925210"/>
+              <a:ext cx="2065978" cy="276861"/>
+            </a:xfrm>
+            <a:prstGeom prst="roundRect">
+              <a:avLst>
+                <a:gd name="adj" fmla="val 0"/>
+              </a:avLst>
+            </a:prstGeom>
+            <a:solidFill>
+              <a:schemeClr val="lt1"/>
+            </a:solidFill>
+            <a:ln w="12700"/>
+          </p:spPr>
+          <p:style>
+            <a:lnRef idx="2">
+              <a:schemeClr val="dk1"/>
+            </a:lnRef>
+            <a:fillRef idx="1">
+              <a:schemeClr val="lt1"/>
+            </a:fillRef>
+            <a:effectRef idx="0">
+              <a:schemeClr val="dk1"/>
+            </a:effectRef>
+            <a:fontRef idx="minor">
+              <a:schemeClr val="dk1"/>
+            </a:fontRef>
+          </p:style>
+          <p:txBody>
+            <a:bodyPr rtlCol="0" anchor="ctr"/>
+            <a:lstStyle/>
+            <a:p>
+              <a:pPr algn="ctr"/>
+              <a:r>
+                <a:rPr lang="en-US" sz="1000" dirty="0" smtClean="0"/>
+                <a:t>Responsiveness</a:t>
+              </a:r>
+              <a:endParaRPr lang="en-US" sz="1000" dirty="0"/>
+            </a:p>
+          </p:txBody>
+        </p:sp>
+        <p:sp>
+          <p:nvSpPr>
+            <p:cNvPr id="52" name="Rounded Rectangle 51"/>
+            <p:cNvSpPr/>
+            <p:nvPr/>
+          </p:nvSpPr>
+          <p:spPr>
+            <a:xfrm>
+              <a:off x="5313681" y="3685938"/>
+              <a:ext cx="1396998" cy="264160"/>
+            </a:xfrm>
+            <a:prstGeom prst="roundRect">
+              <a:avLst>
+                <a:gd name="adj" fmla="val 0"/>
+              </a:avLst>
+            </a:prstGeom>
+            <a:solidFill>
+              <a:schemeClr val="lt1"/>
+            </a:solidFill>
+            <a:ln w="12700"/>
+          </p:spPr>
+          <p:style>
+            <a:lnRef idx="2">
+              <a:schemeClr val="dk1"/>
+            </a:lnRef>
+            <a:fillRef idx="1">
+              <a:schemeClr val="lt1"/>
+            </a:fillRef>
+            <a:effectRef idx="0">
+              <a:schemeClr val="dk1"/>
+            </a:effectRef>
+            <a:fontRef idx="minor">
+              <a:schemeClr val="dk1"/>
+            </a:fontRef>
+          </p:style>
+          <p:txBody>
+            <a:bodyPr rtlCol="0" anchor="ctr"/>
+            <a:lstStyle/>
+            <a:p>
+              <a:pPr algn="ctr"/>
+              <a:r>
+                <a:rPr lang="en-US" sz="1000" dirty="0" smtClean="0"/>
+                <a:t>Time behavior</a:t>
+              </a:r>
+              <a:endParaRPr lang="en-US" sz="1000" dirty="0"/>
+            </a:p>
+          </p:txBody>
+        </p:sp>
+        <p:grpSp>
+          <p:nvGrpSpPr>
+            <p:cNvPr id="53" name="Group 52"/>
+            <p:cNvGrpSpPr/>
+            <p:nvPr/>
+          </p:nvGrpSpPr>
+          <p:grpSpPr>
+            <a:xfrm>
+              <a:off x="5318761" y="4193872"/>
+              <a:ext cx="1879598" cy="491491"/>
+              <a:chOff x="7721601" y="3576319"/>
+              <a:chExt cx="1859278" cy="491491"/>
+            </a:xfrm>
+          </p:grpSpPr>
+          <p:sp>
+            <p:nvSpPr>
+              <p:cNvPr id="54" name="Rounded Rectangle 53"/>
+              <p:cNvSpPr/>
+              <p:nvPr/>
+            </p:nvSpPr>
+            <p:spPr>
+              <a:xfrm>
+                <a:off x="7721601" y="3576319"/>
+                <a:ext cx="1859278" cy="260985"/>
+              </a:xfrm>
+              <a:prstGeom prst="roundRect">
+                <a:avLst>
+                  <a:gd name="adj" fmla="val 0"/>
+                </a:avLst>
+              </a:prstGeom>
+              <a:solidFill>
+                <a:schemeClr val="lt1"/>
+              </a:solidFill>
+              <a:ln w="12700"/>
+            </p:spPr>
+            <p:style>
+              <a:lnRef idx="2">
+                <a:schemeClr val="dk1"/>
+              </a:lnRef>
+              <a:fillRef idx="1">
+                <a:schemeClr val="lt1"/>
+              </a:fillRef>
+              <a:effectRef idx="0">
+                <a:schemeClr val="dk1"/>
+              </a:effectRef>
+              <a:fontRef idx="minor">
+                <a:schemeClr val="dk1"/>
+              </a:fontRef>
+            </p:style>
+            <p:txBody>
+              <a:bodyPr rtlCol="0" anchor="ctr"/>
+              <a:lstStyle/>
+              <a:p>
+                <a:pPr algn="ctr"/>
+                <a:r>
+                  <a:rPr lang="en-US" sz="1000" dirty="0" smtClean="0"/>
+                  <a:t>Transaction Capability</a:t>
+                </a:r>
+                <a:endParaRPr lang="en-US" sz="1000" dirty="0"/>
+              </a:p>
+            </p:txBody>
+          </p:sp>
+          <p:sp>
+            <p:nvSpPr>
+              <p:cNvPr id="55" name="Rounded Rectangle 54"/>
+              <p:cNvSpPr/>
+              <p:nvPr/>
+            </p:nvSpPr>
+            <p:spPr>
+              <a:xfrm>
+                <a:off x="7721601" y="3840480"/>
+                <a:ext cx="955039" cy="224154"/>
+              </a:xfrm>
+              <a:prstGeom prst="roundRect">
+                <a:avLst>
+                  <a:gd name="adj" fmla="val 0"/>
+                </a:avLst>
+              </a:prstGeom>
+              <a:solidFill>
+                <a:schemeClr val="lt1"/>
+              </a:solidFill>
+              <a:ln w="12700"/>
+            </p:spPr>
+            <p:style>
+              <a:lnRef idx="2">
+                <a:schemeClr val="dk1"/>
+              </a:lnRef>
+              <a:fillRef idx="1">
+                <a:schemeClr val="lt1"/>
+              </a:fillRef>
+              <a:effectRef idx="0">
+                <a:schemeClr val="dk1"/>
+              </a:effectRef>
+              <a:fontRef idx="minor">
+                <a:schemeClr val="dk1"/>
+              </a:fontRef>
+            </p:style>
+            <p:txBody>
+              <a:bodyPr rtlCol="0" anchor="ctr"/>
+              <a:lstStyle/>
+              <a:p>
+                <a:pPr algn="ctr"/>
+                <a:r>
+                  <a:rPr lang="en-US" sz="1000" dirty="0" smtClean="0"/>
+                  <a:t>Completeness</a:t>
+                </a:r>
+                <a:endParaRPr lang="en-US" sz="1000" dirty="0"/>
+              </a:p>
+            </p:txBody>
+          </p:sp>
+          <p:sp>
+            <p:nvSpPr>
+              <p:cNvPr id="56" name="Rounded Rectangle 55"/>
+              <p:cNvSpPr/>
+              <p:nvPr/>
+            </p:nvSpPr>
+            <p:spPr>
+              <a:xfrm>
+                <a:off x="8676640" y="3840480"/>
+                <a:ext cx="904239" cy="227330"/>
+              </a:xfrm>
+              <a:prstGeom prst="roundRect">
+                <a:avLst>
+                  <a:gd name="adj" fmla="val 0"/>
+                </a:avLst>
+              </a:prstGeom>
+              <a:solidFill>
+                <a:schemeClr val="lt1"/>
+              </a:solidFill>
+              <a:ln w="12700"/>
+            </p:spPr>
+            <p:style>
+              <a:lnRef idx="2">
+                <a:schemeClr val="dk1"/>
+              </a:lnRef>
+              <a:fillRef idx="1">
+                <a:schemeClr val="lt1"/>
+              </a:fillRef>
+              <a:effectRef idx="0">
+                <a:schemeClr val="dk1"/>
+              </a:effectRef>
+              <a:fontRef idx="minor">
+                <a:schemeClr val="dk1"/>
+              </a:fontRef>
+            </p:style>
+            <p:txBody>
+              <a:bodyPr rtlCol="0" anchor="ctr"/>
+              <a:lstStyle/>
+              <a:p>
+                <a:pPr algn="ctr"/>
+                <a:r>
+                  <a:rPr lang="en-US" sz="1000" dirty="0" smtClean="0"/>
+                  <a:t>Correctness</a:t>
+                </a:r>
+                <a:endParaRPr lang="en-US" sz="1000" dirty="0"/>
+              </a:p>
+            </p:txBody>
+          </p:sp>
+        </p:grpSp>
+        <p:sp>
+          <p:nvSpPr>
+            <p:cNvPr id="57" name="Rounded Rectangle 56"/>
+            <p:cNvSpPr/>
+            <p:nvPr/>
+          </p:nvSpPr>
+          <p:spPr>
+            <a:xfrm>
+              <a:off x="5344161" y="2578500"/>
+              <a:ext cx="1851659" cy="254000"/>
+            </a:xfrm>
+            <a:prstGeom prst="roundRect">
+              <a:avLst>
+                <a:gd name="adj" fmla="val 0"/>
+              </a:avLst>
+            </a:prstGeom>
+            <a:solidFill>
+              <a:schemeClr val="lt1"/>
+            </a:solidFill>
+            <a:ln w="12700"/>
+          </p:spPr>
+          <p:style>
+            <a:lnRef idx="2">
+              <a:schemeClr val="dk1"/>
+            </a:lnRef>
+            <a:fillRef idx="1">
+              <a:schemeClr val="lt1"/>
+            </a:fillRef>
+            <a:effectRef idx="0">
+              <a:schemeClr val="dk1"/>
+            </a:effectRef>
+            <a:fontRef idx="minor">
+              <a:schemeClr val="dk1"/>
+            </a:fontRef>
+          </p:style>
+          <p:txBody>
+            <a:bodyPr rtlCol="0" anchor="ctr"/>
+            <a:lstStyle/>
+            <a:p>
+              <a:pPr algn="ctr"/>
+              <a:r>
+                <a:rPr lang="en-US" sz="1000" dirty="0" smtClean="0"/>
+                <a:t>Fault Tolerance</a:t>
+              </a:r>
+              <a:endParaRPr lang="en-US" sz="1000" dirty="0"/>
+            </a:p>
+          </p:txBody>
+        </p:sp>
+        <p:sp>
+          <p:nvSpPr>
+            <p:cNvPr id="58" name="Rounded Rectangle 57"/>
+            <p:cNvSpPr/>
+            <p:nvPr/>
+          </p:nvSpPr>
+          <p:spPr>
+            <a:xfrm>
+              <a:off x="5328922" y="3322085"/>
+              <a:ext cx="1178560" cy="227330"/>
+            </a:xfrm>
+            <a:prstGeom prst="roundRect">
+              <a:avLst>
+                <a:gd name="adj" fmla="val 0"/>
+              </a:avLst>
+            </a:prstGeom>
+            <a:solidFill>
+              <a:schemeClr val="lt1"/>
+            </a:solidFill>
+            <a:ln w="12700"/>
+          </p:spPr>
+          <p:style>
+            <a:lnRef idx="2">
+              <a:schemeClr val="dk1"/>
+            </a:lnRef>
+            <a:fillRef idx="1">
+              <a:schemeClr val="lt1"/>
+            </a:fillRef>
+            <a:effectRef idx="0">
+              <a:schemeClr val="dk1"/>
+            </a:effectRef>
+            <a:fontRef idx="minor">
+              <a:schemeClr val="dk1"/>
+            </a:fontRef>
+          </p:style>
+          <p:txBody>
+            <a:bodyPr rtlCol="0" anchor="ctr"/>
+            <a:lstStyle/>
+            <a:p>
+              <a:pPr algn="ctr"/>
+              <a:r>
+                <a:rPr lang="en-US" sz="1000" dirty="0" smtClean="0"/>
+                <a:t>Customer Service</a:t>
+              </a:r>
+              <a:endParaRPr lang="en-US" sz="1000" dirty="0"/>
+            </a:p>
+          </p:txBody>
+        </p:sp>
+        <p:sp>
+          <p:nvSpPr>
+            <p:cNvPr id="59" name="Rounded Rectangle 58"/>
+            <p:cNvSpPr/>
+            <p:nvPr/>
+          </p:nvSpPr>
+          <p:spPr>
+            <a:xfrm>
+              <a:off x="5372166" y="6084747"/>
+              <a:ext cx="1011197" cy="240573"/>
+            </a:xfrm>
+            <a:prstGeom prst="roundRect">
+              <a:avLst>
+                <a:gd name="adj" fmla="val 0"/>
+              </a:avLst>
+            </a:prstGeom>
+            <a:solidFill>
+              <a:schemeClr val="lt1"/>
+            </a:solidFill>
+            <a:ln w="12700"/>
+          </p:spPr>
+          <p:style>
+            <a:lnRef idx="2">
+              <a:schemeClr val="dk1"/>
+            </a:lnRef>
+            <a:fillRef idx="1">
+              <a:schemeClr val="lt1"/>
+            </a:fillRef>
+            <a:effectRef idx="0">
+              <a:schemeClr val="dk1"/>
+            </a:effectRef>
+            <a:fontRef idx="minor">
+              <a:schemeClr val="dk1"/>
+            </a:fontRef>
+          </p:style>
+          <p:txBody>
+            <a:bodyPr rtlCol="0" anchor="ctr"/>
+            <a:lstStyle/>
+            <a:p>
+              <a:pPr algn="ctr"/>
+              <a:r>
+                <a:rPr lang="en-US" sz="1000" dirty="0" smtClean="0"/>
+                <a:t>Confidentiality</a:t>
+              </a:r>
+              <a:endParaRPr lang="en-US" sz="1000" dirty="0"/>
+            </a:p>
+          </p:txBody>
+        </p:sp>
+        <p:sp>
+          <p:nvSpPr>
+            <p:cNvPr id="60" name="Rounded Rectangle 59"/>
+            <p:cNvSpPr/>
+            <p:nvPr/>
+          </p:nvSpPr>
+          <p:spPr>
+            <a:xfrm>
+              <a:off x="5369626" y="4858588"/>
+              <a:ext cx="2098997" cy="227330"/>
+            </a:xfrm>
+            <a:prstGeom prst="roundRect">
+              <a:avLst>
+                <a:gd name="adj" fmla="val 0"/>
+              </a:avLst>
+            </a:prstGeom>
+            <a:solidFill>
+              <a:schemeClr val="lt1"/>
+            </a:solidFill>
+            <a:ln w="12700"/>
+          </p:spPr>
+          <p:style>
+            <a:lnRef idx="2">
+              <a:schemeClr val="dk1"/>
+            </a:lnRef>
+            <a:fillRef idx="1">
+              <a:schemeClr val="lt1"/>
+            </a:fillRef>
+            <a:effectRef idx="0">
+              <a:schemeClr val="dk1"/>
+            </a:effectRef>
+            <a:fontRef idx="minor">
+              <a:schemeClr val="dk1"/>
+            </a:fontRef>
+          </p:style>
+          <p:txBody>
+            <a:bodyPr rtlCol="0" anchor="ctr"/>
+            <a:lstStyle/>
+            <a:p>
+              <a:pPr algn="ctr"/>
+              <a:r>
+                <a:rPr lang="en-US" sz="1000" dirty="0" smtClean="0"/>
+                <a:t>Safety</a:t>
+              </a:r>
+              <a:endParaRPr lang="en-US" sz="1000" dirty="0"/>
+            </a:p>
+          </p:txBody>
+        </p:sp>
+        <p:sp>
+          <p:nvSpPr>
+            <p:cNvPr id="61" name="Rounded Rectangle 60"/>
+            <p:cNvSpPr/>
+            <p:nvPr/>
+          </p:nvSpPr>
+          <p:spPr>
+            <a:xfrm>
+              <a:off x="5382326" y="5781570"/>
+              <a:ext cx="1001037" cy="227330"/>
+            </a:xfrm>
+            <a:prstGeom prst="roundRect">
+              <a:avLst>
+                <a:gd name="adj" fmla="val 0"/>
+              </a:avLst>
+            </a:prstGeom>
+            <a:solidFill>
+              <a:schemeClr val="lt1"/>
+            </a:solidFill>
+            <a:ln w="12700"/>
+          </p:spPr>
+          <p:style>
+            <a:lnRef idx="2">
+              <a:schemeClr val="dk1"/>
+            </a:lnRef>
+            <a:fillRef idx="1">
+              <a:schemeClr val="lt1"/>
+            </a:fillRef>
+            <a:effectRef idx="0">
+              <a:schemeClr val="dk1"/>
+            </a:effectRef>
+            <a:fontRef idx="minor">
+              <a:schemeClr val="dk1"/>
+            </a:fontRef>
+          </p:style>
+          <p:txBody>
+            <a:bodyPr rtlCol="0" anchor="ctr"/>
+            <a:lstStyle/>
+            <a:p>
+              <a:pPr algn="ctr"/>
+              <a:r>
+                <a:rPr lang="en-US" sz="1000" dirty="0" smtClean="0"/>
+                <a:t>Integrity</a:t>
+              </a:r>
+              <a:endParaRPr lang="en-US" sz="1000" dirty="0"/>
+            </a:p>
+          </p:txBody>
+        </p:sp>
+        <p:sp>
+          <p:nvSpPr>
+            <p:cNvPr id="62" name="Rounded Rectangle 61"/>
+            <p:cNvSpPr/>
+            <p:nvPr/>
+          </p:nvSpPr>
+          <p:spPr>
+            <a:xfrm>
+              <a:off x="5377524" y="5195136"/>
+              <a:ext cx="1005839" cy="227330"/>
+            </a:xfrm>
+            <a:prstGeom prst="roundRect">
+              <a:avLst>
+                <a:gd name="adj" fmla="val 0"/>
+              </a:avLst>
+            </a:prstGeom>
+            <a:solidFill>
+              <a:schemeClr val="lt1"/>
+            </a:solidFill>
+            <a:ln w="12700"/>
+          </p:spPr>
+          <p:style>
+            <a:lnRef idx="2">
+              <a:schemeClr val="dk1"/>
+            </a:lnRef>
+            <a:fillRef idx="1">
+              <a:schemeClr val="lt1"/>
+            </a:fillRef>
+            <a:effectRef idx="0">
+              <a:schemeClr val="dk1"/>
+            </a:effectRef>
+            <a:fontRef idx="minor">
+              <a:schemeClr val="dk1"/>
+            </a:fontRef>
+          </p:style>
+          <p:txBody>
+            <a:bodyPr rtlCol="0" anchor="ctr"/>
+            <a:lstStyle/>
+            <a:p>
+              <a:pPr algn="ctr"/>
+              <a:r>
+                <a:rPr lang="en-US" sz="1000" dirty="0" smtClean="0"/>
+                <a:t>Authenticity</a:t>
+              </a:r>
+              <a:endParaRPr lang="en-US" sz="1000" dirty="0"/>
+            </a:p>
+          </p:txBody>
+        </p:sp>
+        <p:cxnSp>
+          <p:nvCxnSpPr>
+            <p:cNvPr id="63" name="Straight Connector 62"/>
+            <p:cNvCxnSpPr>
+              <a:stCxn id="46" idx="1"/>
+              <a:endCxn id="41" idx="3"/>
+            </p:cNvCxnSpPr>
+            <p:nvPr/>
+          </p:nvCxnSpPr>
+          <p:spPr>
+            <a:xfrm flipH="1">
+              <a:off x="4897118" y="303530"/>
+              <a:ext cx="589283" cy="337185"/>
+            </a:xfrm>
+            <a:prstGeom prst="line">
+              <a:avLst/>
+            </a:prstGeom>
+          </p:spPr>
+          <p:style>
+            <a:lnRef idx="1">
+              <a:schemeClr val="dk1"/>
+            </a:lnRef>
+            <a:fillRef idx="0">
+              <a:schemeClr val="dk1"/>
+            </a:fillRef>
+            <a:effectRef idx="0">
+              <a:schemeClr val="dk1"/>
+            </a:effectRef>
+            <a:fontRef idx="minor">
+              <a:schemeClr val="tx1"/>
+            </a:fontRef>
+          </p:style>
+        </p:cxnSp>
+        <p:cxnSp>
+          <p:nvCxnSpPr>
+            <p:cNvPr id="64" name="Straight Connector 63"/>
+            <p:cNvCxnSpPr>
+              <a:stCxn id="47" idx="1"/>
+              <a:endCxn id="41" idx="3"/>
+            </p:cNvCxnSpPr>
+            <p:nvPr/>
+          </p:nvCxnSpPr>
+          <p:spPr>
+            <a:xfrm flipH="1" flipV="1">
+              <a:off x="4897118" y="640715"/>
+              <a:ext cx="579123" cy="4445"/>
+            </a:xfrm>
+            <a:prstGeom prst="line">
+              <a:avLst/>
+            </a:prstGeom>
+          </p:spPr>
+          <p:style>
+            <a:lnRef idx="1">
+              <a:schemeClr val="dk1"/>
+            </a:lnRef>
+            <a:fillRef idx="0">
+              <a:schemeClr val="dk1"/>
+            </a:fillRef>
+            <a:effectRef idx="0">
+              <a:schemeClr val="dk1"/>
+            </a:effectRef>
+            <a:fontRef idx="minor">
+              <a:schemeClr val="tx1"/>
+            </a:fontRef>
+          </p:style>
+        </p:cxnSp>
+        <p:cxnSp>
+          <p:nvCxnSpPr>
+            <p:cNvPr id="65" name="Straight Connector 64"/>
+            <p:cNvCxnSpPr>
+              <a:stCxn id="45" idx="1"/>
+              <a:endCxn id="41" idx="3"/>
+            </p:cNvCxnSpPr>
+            <p:nvPr/>
+          </p:nvCxnSpPr>
+          <p:spPr>
+            <a:xfrm flipH="1" flipV="1">
+              <a:off x="4897118" y="640715"/>
+              <a:ext cx="589283" cy="369752"/>
+            </a:xfrm>
+            <a:prstGeom prst="line">
+              <a:avLst/>
+            </a:prstGeom>
+          </p:spPr>
+          <p:style>
+            <a:lnRef idx="1">
+              <a:schemeClr val="dk1"/>
+            </a:lnRef>
+            <a:fillRef idx="0">
+              <a:schemeClr val="dk1"/>
+            </a:fillRef>
+            <a:effectRef idx="0">
+              <a:schemeClr val="dk1"/>
+            </a:effectRef>
+            <a:fontRef idx="minor">
+              <a:schemeClr val="tx1"/>
+            </a:fontRef>
+          </p:style>
+        </p:cxnSp>
+        <p:cxnSp>
+          <p:nvCxnSpPr>
+            <p:cNvPr id="66" name="Straight Connector 65"/>
+            <p:cNvCxnSpPr>
+              <a:stCxn id="48" idx="1"/>
+              <a:endCxn id="42" idx="3"/>
+            </p:cNvCxnSpPr>
+            <p:nvPr/>
+          </p:nvCxnSpPr>
+          <p:spPr>
+            <a:xfrm flipH="1">
+              <a:off x="4825999" y="1524661"/>
+              <a:ext cx="589282" cy="380999"/>
+            </a:xfrm>
+            <a:prstGeom prst="line">
+              <a:avLst/>
+            </a:prstGeom>
+          </p:spPr>
+          <p:style>
+            <a:lnRef idx="1">
+              <a:schemeClr val="dk1"/>
+            </a:lnRef>
+            <a:fillRef idx="0">
+              <a:schemeClr val="dk1"/>
+            </a:fillRef>
+            <a:effectRef idx="0">
+              <a:schemeClr val="dk1"/>
+            </a:effectRef>
+            <a:fontRef idx="minor">
+              <a:schemeClr val="tx1"/>
+            </a:fontRef>
+          </p:style>
+        </p:cxnSp>
+        <p:cxnSp>
+          <p:nvCxnSpPr>
+            <p:cNvPr id="67" name="Straight Connector 66"/>
+            <p:cNvCxnSpPr>
+              <a:stCxn id="49" idx="1"/>
+              <a:endCxn id="42" idx="3"/>
+            </p:cNvCxnSpPr>
+            <p:nvPr/>
+          </p:nvCxnSpPr>
+          <p:spPr>
+            <a:xfrm flipH="1">
+              <a:off x="4825999" y="1890709"/>
+              <a:ext cx="589282" cy="14951"/>
+            </a:xfrm>
+            <a:prstGeom prst="line">
+              <a:avLst/>
+            </a:prstGeom>
+          </p:spPr>
+          <p:style>
+            <a:lnRef idx="1">
+              <a:schemeClr val="dk1"/>
+            </a:lnRef>
+            <a:fillRef idx="0">
+              <a:schemeClr val="dk1"/>
+            </a:fillRef>
+            <a:effectRef idx="0">
+              <a:schemeClr val="dk1"/>
+            </a:effectRef>
+            <a:fontRef idx="minor">
+              <a:schemeClr val="tx1"/>
+            </a:fontRef>
+          </p:style>
+        </p:cxnSp>
+        <p:cxnSp>
+          <p:nvCxnSpPr>
+            <p:cNvPr id="68" name="Straight Connector 67"/>
+            <p:cNvCxnSpPr>
+              <a:stCxn id="51" idx="1"/>
+              <a:endCxn id="43" idx="3"/>
+            </p:cNvCxnSpPr>
+            <p:nvPr/>
+          </p:nvCxnSpPr>
+          <p:spPr>
+            <a:xfrm flipH="1">
+              <a:off x="4825999" y="3063641"/>
+              <a:ext cx="518162" cy="350171"/>
+            </a:xfrm>
+            <a:prstGeom prst="line">
+              <a:avLst/>
+            </a:prstGeom>
+          </p:spPr>
+          <p:style>
+            <a:lnRef idx="1">
+              <a:schemeClr val="dk1"/>
+            </a:lnRef>
+            <a:fillRef idx="0">
+              <a:schemeClr val="dk1"/>
+            </a:fillRef>
+            <a:effectRef idx="0">
+              <a:schemeClr val="dk1"/>
+            </a:effectRef>
+            <a:fontRef idx="minor">
+              <a:schemeClr val="tx1"/>
+            </a:fontRef>
+          </p:style>
+        </p:cxnSp>
+        <p:cxnSp>
+          <p:nvCxnSpPr>
+            <p:cNvPr id="73" name="Straight Connector 72"/>
+            <p:cNvCxnSpPr>
+              <a:stCxn id="57" idx="1"/>
+              <a:endCxn id="43" idx="3"/>
+            </p:cNvCxnSpPr>
+            <p:nvPr/>
+          </p:nvCxnSpPr>
+          <p:spPr>
+            <a:xfrm flipH="1">
+              <a:off x="4825999" y="2705500"/>
+              <a:ext cx="518162" cy="708312"/>
+            </a:xfrm>
+            <a:prstGeom prst="line">
+              <a:avLst/>
+            </a:prstGeom>
+          </p:spPr>
+          <p:style>
+            <a:lnRef idx="1">
+              <a:schemeClr val="dk1"/>
+            </a:lnRef>
+            <a:fillRef idx="0">
+              <a:schemeClr val="dk1"/>
+            </a:fillRef>
+            <a:effectRef idx="0">
+              <a:schemeClr val="dk1"/>
+            </a:effectRef>
+            <a:fontRef idx="minor">
+              <a:schemeClr val="tx1"/>
+            </a:fontRef>
+          </p:style>
+        </p:cxnSp>
+        <p:cxnSp>
+          <p:nvCxnSpPr>
+            <p:cNvPr id="74" name="Straight Connector 73"/>
+            <p:cNvCxnSpPr>
+              <a:stCxn id="52" idx="1"/>
+              <a:endCxn id="43" idx="3"/>
+            </p:cNvCxnSpPr>
+            <p:nvPr/>
+          </p:nvCxnSpPr>
+          <p:spPr>
+            <a:xfrm flipH="1" flipV="1">
+              <a:off x="4825999" y="3413812"/>
+              <a:ext cx="487682" cy="404206"/>
+            </a:xfrm>
+            <a:prstGeom prst="line">
+              <a:avLst/>
+            </a:prstGeom>
+          </p:spPr>
+          <p:style>
+            <a:lnRef idx="1">
+              <a:schemeClr val="dk1"/>
+            </a:lnRef>
+            <a:fillRef idx="0">
+              <a:schemeClr val="dk1"/>
+            </a:fillRef>
+            <a:effectRef idx="0">
+              <a:schemeClr val="dk1"/>
+            </a:effectRef>
+            <a:fontRef idx="minor">
+              <a:schemeClr val="tx1"/>
+            </a:fontRef>
+          </p:style>
+        </p:cxnSp>
+        <p:cxnSp>
+          <p:nvCxnSpPr>
+            <p:cNvPr id="76" name="Straight Connector 75"/>
+            <p:cNvCxnSpPr>
+              <a:stCxn id="58" idx="1"/>
+              <a:endCxn id="43" idx="3"/>
+            </p:cNvCxnSpPr>
+            <p:nvPr/>
+          </p:nvCxnSpPr>
+          <p:spPr>
+            <a:xfrm flipH="1" flipV="1">
+              <a:off x="4825999" y="3413812"/>
+              <a:ext cx="502923" cy="21938"/>
+            </a:xfrm>
+            <a:prstGeom prst="line">
+              <a:avLst/>
+            </a:prstGeom>
+          </p:spPr>
+          <p:style>
+            <a:lnRef idx="1">
+              <a:schemeClr val="dk1"/>
+            </a:lnRef>
+            <a:fillRef idx="0">
+              <a:schemeClr val="dk1"/>
+            </a:fillRef>
+            <a:effectRef idx="0">
+              <a:schemeClr val="dk1"/>
+            </a:effectRef>
+            <a:fontRef idx="minor">
+              <a:schemeClr val="tx1"/>
+            </a:fontRef>
+          </p:style>
+        </p:cxnSp>
+        <p:cxnSp>
+          <p:nvCxnSpPr>
+            <p:cNvPr id="77" name="Straight Connector 76"/>
+            <p:cNvCxnSpPr>
+              <a:stCxn id="54" idx="1"/>
+              <a:endCxn id="43" idx="3"/>
+            </p:cNvCxnSpPr>
+            <p:nvPr/>
+          </p:nvCxnSpPr>
+          <p:spPr>
+            <a:xfrm flipH="1" flipV="1">
+              <a:off x="4825999" y="3413812"/>
+              <a:ext cx="492762" cy="910553"/>
+            </a:xfrm>
+            <a:prstGeom prst="line">
+              <a:avLst/>
+            </a:prstGeom>
+          </p:spPr>
+          <p:style>
+            <a:lnRef idx="1">
+              <a:schemeClr val="dk1"/>
+            </a:lnRef>
+            <a:fillRef idx="0">
+              <a:schemeClr val="dk1"/>
+            </a:fillRef>
+            <a:effectRef idx="0">
+              <a:schemeClr val="dk1"/>
+            </a:effectRef>
+            <a:fontRef idx="minor">
+              <a:schemeClr val="tx1"/>
+            </a:fontRef>
+          </p:style>
+        </p:cxnSp>
+        <p:cxnSp>
+          <p:nvCxnSpPr>
+            <p:cNvPr id="81" name="Straight Connector 80"/>
+            <p:cNvCxnSpPr>
+              <a:stCxn id="50" idx="1"/>
+              <a:endCxn id="42" idx="3"/>
+            </p:cNvCxnSpPr>
+            <p:nvPr/>
+          </p:nvCxnSpPr>
+          <p:spPr>
+            <a:xfrm flipH="1" flipV="1">
+              <a:off x="4825999" y="1905660"/>
+              <a:ext cx="589282" cy="389718"/>
+            </a:xfrm>
+            <a:prstGeom prst="line">
+              <a:avLst/>
+            </a:prstGeom>
+          </p:spPr>
+          <p:style>
+            <a:lnRef idx="1">
+              <a:schemeClr val="dk1"/>
+            </a:lnRef>
+            <a:fillRef idx="0">
+              <a:schemeClr val="dk1"/>
+            </a:fillRef>
+            <a:effectRef idx="0">
+              <a:schemeClr val="dk1"/>
+            </a:effectRef>
+            <a:fontRef idx="minor">
+              <a:schemeClr val="tx1"/>
+            </a:fontRef>
+          </p:style>
+        </p:cxnSp>
+        <p:cxnSp>
+          <p:nvCxnSpPr>
+            <p:cNvPr id="86" name="Straight Connector 85"/>
+            <p:cNvCxnSpPr>
+              <a:stCxn id="60" idx="1"/>
+              <a:endCxn id="44" idx="3"/>
+            </p:cNvCxnSpPr>
+            <p:nvPr/>
+          </p:nvCxnSpPr>
+          <p:spPr>
+            <a:xfrm flipH="1">
+              <a:off x="4825999" y="4972253"/>
+              <a:ext cx="543627" cy="631094"/>
+            </a:xfrm>
+            <a:prstGeom prst="line">
+              <a:avLst/>
+            </a:prstGeom>
+          </p:spPr>
+          <p:style>
+            <a:lnRef idx="1">
+              <a:schemeClr val="dk1"/>
+            </a:lnRef>
+            <a:fillRef idx="0">
+              <a:schemeClr val="dk1"/>
+            </a:fillRef>
+            <a:effectRef idx="0">
+              <a:schemeClr val="dk1"/>
+            </a:effectRef>
+            <a:fontRef idx="minor">
+              <a:schemeClr val="tx1"/>
+            </a:fontRef>
+          </p:style>
+        </p:cxnSp>
+        <p:cxnSp>
+          <p:nvCxnSpPr>
+            <p:cNvPr id="87" name="Straight Connector 86"/>
+            <p:cNvCxnSpPr>
+              <a:stCxn id="61" idx="1"/>
+              <a:endCxn id="44" idx="3"/>
+            </p:cNvCxnSpPr>
+            <p:nvPr/>
+          </p:nvCxnSpPr>
+          <p:spPr>
+            <a:xfrm flipH="1" flipV="1">
+              <a:off x="4825999" y="5603347"/>
+              <a:ext cx="556327" cy="291888"/>
+            </a:xfrm>
+            <a:prstGeom prst="line">
+              <a:avLst/>
+            </a:prstGeom>
+          </p:spPr>
+          <p:style>
+            <a:lnRef idx="1">
+              <a:schemeClr val="dk1"/>
+            </a:lnRef>
+            <a:fillRef idx="0">
+              <a:schemeClr val="dk1"/>
+            </a:fillRef>
+            <a:effectRef idx="0">
+              <a:schemeClr val="dk1"/>
+            </a:effectRef>
+            <a:fontRef idx="minor">
+              <a:schemeClr val="tx1"/>
+            </a:fontRef>
+          </p:style>
+        </p:cxnSp>
+        <p:cxnSp>
+          <p:nvCxnSpPr>
+            <p:cNvPr id="88" name="Straight Connector 87"/>
+            <p:cNvCxnSpPr>
+              <a:stCxn id="59" idx="1"/>
+              <a:endCxn id="44" idx="3"/>
+            </p:cNvCxnSpPr>
+            <p:nvPr/>
+          </p:nvCxnSpPr>
+          <p:spPr>
+            <a:xfrm flipH="1" flipV="1">
+              <a:off x="4825999" y="5603347"/>
+              <a:ext cx="546167" cy="601687"/>
+            </a:xfrm>
+            <a:prstGeom prst="line">
+              <a:avLst/>
+            </a:prstGeom>
+          </p:spPr>
+          <p:style>
+            <a:lnRef idx="1">
+              <a:schemeClr val="dk1"/>
+            </a:lnRef>
+            <a:fillRef idx="0">
+              <a:schemeClr val="dk1"/>
+            </a:fillRef>
+            <a:effectRef idx="0">
+              <a:schemeClr val="dk1"/>
+            </a:effectRef>
+            <a:fontRef idx="minor">
+              <a:schemeClr val="tx1"/>
+            </a:fontRef>
+          </p:style>
+        </p:cxnSp>
+        <p:cxnSp>
+          <p:nvCxnSpPr>
+            <p:cNvPr id="89" name="Straight Connector 88"/>
+            <p:cNvCxnSpPr>
+              <a:stCxn id="92" idx="1"/>
+              <a:endCxn id="44" idx="3"/>
+            </p:cNvCxnSpPr>
+            <p:nvPr/>
+          </p:nvCxnSpPr>
+          <p:spPr>
+            <a:xfrm flipH="1">
+              <a:off x="4825999" y="5603347"/>
+              <a:ext cx="561408" cy="0"/>
+            </a:xfrm>
+            <a:prstGeom prst="line">
+              <a:avLst/>
+            </a:prstGeom>
+          </p:spPr>
+          <p:style>
+            <a:lnRef idx="1">
+              <a:schemeClr val="dk1"/>
+            </a:lnRef>
+            <a:fillRef idx="0">
+              <a:schemeClr val="dk1"/>
+            </a:fillRef>
+            <a:effectRef idx="0">
+              <a:schemeClr val="dk1"/>
+            </a:effectRef>
+            <a:fontRef idx="minor">
+              <a:schemeClr val="tx1"/>
+            </a:fontRef>
+          </p:style>
+        </p:cxnSp>
+        <p:sp>
+          <p:nvSpPr>
+            <p:cNvPr id="92" name="Rounded Rectangle 91"/>
+            <p:cNvSpPr/>
+            <p:nvPr/>
+          </p:nvSpPr>
+          <p:spPr>
+            <a:xfrm>
+              <a:off x="5387407" y="5493707"/>
+              <a:ext cx="993917" cy="219279"/>
+            </a:xfrm>
+            <a:prstGeom prst="roundRect">
+              <a:avLst>
+                <a:gd name="adj" fmla="val 0"/>
+              </a:avLst>
+            </a:prstGeom>
+            <a:solidFill>
+              <a:schemeClr val="lt1"/>
+            </a:solidFill>
+            <a:ln w="12700"/>
+          </p:spPr>
+          <p:style>
+            <a:lnRef idx="2">
+              <a:schemeClr val="dk1"/>
+            </a:lnRef>
+            <a:fillRef idx="1">
+              <a:schemeClr val="lt1"/>
+            </a:fillRef>
+            <a:effectRef idx="0">
+              <a:schemeClr val="dk1"/>
+            </a:effectRef>
+            <a:fontRef idx="minor">
+              <a:schemeClr val="dk1"/>
+            </a:fontRef>
+          </p:style>
+          <p:txBody>
+            <a:bodyPr rtlCol="0" anchor="ctr"/>
+            <a:lstStyle/>
+            <a:p>
+              <a:pPr algn="ctr"/>
+              <a:r>
+                <a:rPr lang="en-US" sz="1000" dirty="0" smtClean="0"/>
+                <a:t>Privacy</a:t>
               </a:r>
               <a:endParaRPr lang="en-US" sz="1000" dirty="0"/>
             </a:p>
           </p:txBody>
         </p:sp>
       </p:grpSp>
-      <p:sp>
-        <p:nvSpPr>
-          <p:cNvPr id="57" name="Rounded Rectangle 56"/>
-          <p:cNvSpPr/>
-          <p:nvPr/>
-        </p:nvSpPr>
-        <p:spPr>
-          <a:xfrm>
-            <a:off x="5344161" y="2578500"/>
-            <a:ext cx="1851659" cy="254000"/>
-          </a:xfrm>
-          <a:prstGeom prst="roundRect">
-            <a:avLst>
-              <a:gd name="adj" fmla="val 0"/>
-            </a:avLst>
-          </a:prstGeom>
-          <a:solidFill>
-            <a:schemeClr val="lt1"/>
-          </a:solidFill>
-          <a:ln w="12700"/>
-        </p:spPr>
-        <p:style>
-          <a:lnRef idx="2">
-            <a:schemeClr val="dk1"/>
-          </a:lnRef>
-          <a:fillRef idx="1">
-            <a:schemeClr val="lt1"/>
-          </a:fillRef>
-          <a:effectRef idx="0">
-            <a:schemeClr val="dk1"/>
-          </a:effectRef>
-          <a:fontRef idx="minor">
-            <a:schemeClr val="dk1"/>
-          </a:fontRef>
-        </p:style>
-        <p:txBody>
-          <a:bodyPr rtlCol="0" anchor="ctr"/>
-          <a:lstStyle/>
-          <a:p>
-            <a:pPr algn="ctr"/>
-            <a:r>
-              <a:rPr lang="en-US" sz="1000" dirty="0" smtClean="0"/>
-              <a:t>Fault Tolerance</a:t>
-            </a:r>
-            <a:endParaRPr lang="en-US" sz="1000" dirty="0"/>
-          </a:p>
-        </p:txBody>
-      </p:sp>
-      <p:sp>
-        <p:nvSpPr>
-          <p:cNvPr id="58" name="Rounded Rectangle 57"/>
-          <p:cNvSpPr/>
-          <p:nvPr/>
-        </p:nvSpPr>
-        <p:spPr>
-          <a:xfrm>
-            <a:off x="5328922" y="3322085"/>
-            <a:ext cx="1178560" cy="227330"/>
-          </a:xfrm>
-          <a:prstGeom prst="roundRect">
-            <a:avLst>
-              <a:gd name="adj" fmla="val 0"/>
-            </a:avLst>
-          </a:prstGeom>
-          <a:solidFill>
-            <a:schemeClr val="lt1"/>
-          </a:solidFill>
-          <a:ln w="12700"/>
-        </p:spPr>
-        <p:style>
-          <a:lnRef idx="2">
-            <a:schemeClr val="dk1"/>
-          </a:lnRef>
-          <a:fillRef idx="1">
-            <a:schemeClr val="lt1"/>
-          </a:fillRef>
-          <a:effectRef idx="0">
-            <a:schemeClr val="dk1"/>
-          </a:effectRef>
-          <a:fontRef idx="minor">
-            <a:schemeClr val="dk1"/>
-          </a:fontRef>
-        </p:style>
-        <p:txBody>
-          <a:bodyPr rtlCol="0" anchor="ctr"/>
-          <a:lstStyle/>
-          <a:p>
-            <a:pPr algn="ctr"/>
-            <a:r>
-              <a:rPr lang="en-US" sz="1000" dirty="0" smtClean="0"/>
-              <a:t>Customer Service</a:t>
-            </a:r>
-            <a:endParaRPr lang="en-US" sz="1000" dirty="0"/>
-          </a:p>
-        </p:txBody>
-      </p:sp>
-      <p:sp>
-        <p:nvSpPr>
-          <p:cNvPr id="59" name="Rounded Rectangle 58"/>
-          <p:cNvSpPr/>
-          <p:nvPr/>
-        </p:nvSpPr>
-        <p:spPr>
-          <a:xfrm>
-            <a:off x="5372166" y="6084747"/>
-            <a:ext cx="1011197" cy="240573"/>
-          </a:xfrm>
-          <a:prstGeom prst="roundRect">
-            <a:avLst>
-              <a:gd name="adj" fmla="val 0"/>
-            </a:avLst>
-          </a:prstGeom>
-          <a:solidFill>
-            <a:schemeClr val="lt1"/>
-          </a:solidFill>
-          <a:ln w="12700"/>
-        </p:spPr>
-        <p:style>
-          <a:lnRef idx="2">
-            <a:schemeClr val="dk1"/>
-          </a:lnRef>
-          <a:fillRef idx="1">
-            <a:schemeClr val="lt1"/>
-          </a:fillRef>
-          <a:effectRef idx="0">
-            <a:schemeClr val="dk1"/>
-          </a:effectRef>
-          <a:fontRef idx="minor">
-            <a:schemeClr val="dk1"/>
-          </a:fontRef>
-        </p:style>
-        <p:txBody>
-          <a:bodyPr rtlCol="0" anchor="ctr"/>
-          <a:lstStyle/>
-          <a:p>
-            <a:pPr algn="ctr"/>
-            <a:r>
-              <a:rPr lang="en-US" sz="1000" dirty="0" smtClean="0"/>
-              <a:t>Confidentiality</a:t>
-            </a:r>
-            <a:endParaRPr lang="en-US" sz="1000" dirty="0"/>
-          </a:p>
-        </p:txBody>
-      </p:sp>
-      <p:sp>
-        <p:nvSpPr>
-          <p:cNvPr id="60" name="Rounded Rectangle 59"/>
-          <p:cNvSpPr/>
-          <p:nvPr/>
-        </p:nvSpPr>
-        <p:spPr>
-          <a:xfrm>
-            <a:off x="5369626" y="4858588"/>
-            <a:ext cx="2098997" cy="227330"/>
-          </a:xfrm>
-          <a:prstGeom prst="roundRect">
-            <a:avLst>
-              <a:gd name="adj" fmla="val 0"/>
-            </a:avLst>
-          </a:prstGeom>
-          <a:solidFill>
-            <a:schemeClr val="lt1"/>
-          </a:solidFill>
-          <a:ln w="12700"/>
-        </p:spPr>
-        <p:style>
-          <a:lnRef idx="2">
-            <a:schemeClr val="dk1"/>
-          </a:lnRef>
-          <a:fillRef idx="1">
-            <a:schemeClr val="lt1"/>
-          </a:fillRef>
-          <a:effectRef idx="0">
-            <a:schemeClr val="dk1"/>
-          </a:effectRef>
-          <a:fontRef idx="minor">
-            <a:schemeClr val="dk1"/>
-          </a:fontRef>
-        </p:style>
-        <p:txBody>
-          <a:bodyPr rtlCol="0" anchor="ctr"/>
-          <a:lstStyle/>
-          <a:p>
-            <a:pPr algn="ctr"/>
-            <a:r>
-              <a:rPr lang="en-US" sz="1000" dirty="0" smtClean="0"/>
-              <a:t>Safety</a:t>
-            </a:r>
-            <a:endParaRPr lang="en-US" sz="1000" dirty="0"/>
-          </a:p>
-        </p:txBody>
-      </p:sp>
-      <p:sp>
-        <p:nvSpPr>
-          <p:cNvPr id="61" name="Rounded Rectangle 60"/>
-          <p:cNvSpPr/>
-          <p:nvPr/>
-        </p:nvSpPr>
-        <p:spPr>
-          <a:xfrm>
-            <a:off x="5382326" y="5781570"/>
-            <a:ext cx="1001037" cy="227330"/>
-          </a:xfrm>
-          <a:prstGeom prst="roundRect">
-            <a:avLst>
-              <a:gd name="adj" fmla="val 0"/>
-            </a:avLst>
-          </a:prstGeom>
-          <a:solidFill>
-            <a:schemeClr val="lt1"/>
-          </a:solidFill>
-          <a:ln w="12700"/>
-        </p:spPr>
-        <p:style>
-          <a:lnRef idx="2">
-            <a:schemeClr val="dk1"/>
-          </a:lnRef>
-          <a:fillRef idx="1">
-            <a:schemeClr val="lt1"/>
-          </a:fillRef>
-          <a:effectRef idx="0">
-            <a:schemeClr val="dk1"/>
-          </a:effectRef>
-          <a:fontRef idx="minor">
-            <a:schemeClr val="dk1"/>
-          </a:fontRef>
-        </p:style>
-        <p:txBody>
-          <a:bodyPr rtlCol="0" anchor="ctr"/>
-          <a:lstStyle/>
-          <a:p>
-            <a:pPr algn="ctr"/>
-            <a:r>
-              <a:rPr lang="en-US" sz="1000" dirty="0" smtClean="0"/>
-              <a:t>Integrity</a:t>
-            </a:r>
-            <a:endParaRPr lang="en-US" sz="1000" dirty="0"/>
-          </a:p>
-        </p:txBody>
-      </p:sp>
-      <p:sp>
-        <p:nvSpPr>
-          <p:cNvPr id="62" name="Rounded Rectangle 61"/>
-          <p:cNvSpPr/>
-          <p:nvPr/>
-        </p:nvSpPr>
-        <p:spPr>
-          <a:xfrm>
-            <a:off x="5377524" y="5195136"/>
-            <a:ext cx="1005839" cy="227330"/>
-          </a:xfrm>
-          <a:prstGeom prst="roundRect">
-            <a:avLst>
-              <a:gd name="adj" fmla="val 0"/>
-            </a:avLst>
-          </a:prstGeom>
-          <a:solidFill>
-            <a:schemeClr val="lt1"/>
-          </a:solidFill>
-          <a:ln w="12700"/>
-        </p:spPr>
-        <p:style>
-          <a:lnRef idx="2">
-            <a:schemeClr val="dk1"/>
-          </a:lnRef>
-          <a:fillRef idx="1">
-            <a:schemeClr val="lt1"/>
-          </a:fillRef>
-          <a:effectRef idx="0">
-            <a:schemeClr val="dk1"/>
-          </a:effectRef>
-          <a:fontRef idx="minor">
-            <a:schemeClr val="dk1"/>
-          </a:fontRef>
-        </p:style>
-        <p:txBody>
-          <a:bodyPr rtlCol="0" anchor="ctr"/>
-          <a:lstStyle/>
-          <a:p>
-            <a:pPr algn="ctr"/>
-            <a:r>
-              <a:rPr lang="en-US" sz="1000" dirty="0" smtClean="0"/>
-              <a:t>Authenticity</a:t>
-            </a:r>
-            <a:endParaRPr lang="en-US" sz="1000" dirty="0"/>
-          </a:p>
-        </p:txBody>
-      </p:sp>
-      <p:cxnSp>
-        <p:nvCxnSpPr>
-          <p:cNvPr id="63" name="Straight Connector 62"/>
-          <p:cNvCxnSpPr>
-            <a:stCxn id="46" idx="1"/>
-            <a:endCxn id="41" idx="3"/>
-          </p:cNvCxnSpPr>
-          <p:nvPr/>
-        </p:nvCxnSpPr>
-        <p:spPr>
-          <a:xfrm flipH="1">
-            <a:off x="4897118" y="303530"/>
-            <a:ext cx="589283" cy="337185"/>
-          </a:xfrm>
-          <a:prstGeom prst="line">
-            <a:avLst/>
-          </a:prstGeom>
-        </p:spPr>
-        <p:style>
-          <a:lnRef idx="1">
-            <a:schemeClr val="dk1"/>
-          </a:lnRef>
-          <a:fillRef idx="0">
-            <a:schemeClr val="dk1"/>
-          </a:fillRef>
-          <a:effectRef idx="0">
-            <a:schemeClr val="dk1"/>
-          </a:effectRef>
-          <a:fontRef idx="minor">
-            <a:schemeClr val="tx1"/>
-          </a:fontRef>
-        </p:style>
-      </p:cxnSp>
-      <p:cxnSp>
-        <p:nvCxnSpPr>
-          <p:cNvPr id="64" name="Straight Connector 63"/>
-          <p:cNvCxnSpPr>
-            <a:stCxn id="47" idx="1"/>
-            <a:endCxn id="41" idx="3"/>
-          </p:cNvCxnSpPr>
-          <p:nvPr/>
-        </p:nvCxnSpPr>
-        <p:spPr>
-          <a:xfrm flipH="1" flipV="1">
-            <a:off x="4897118" y="640715"/>
-            <a:ext cx="579123" cy="4445"/>
-          </a:xfrm>
-          <a:prstGeom prst="line">
-            <a:avLst/>
-          </a:prstGeom>
-        </p:spPr>
-        <p:style>
-          <a:lnRef idx="1">
-            <a:schemeClr val="dk1"/>
-          </a:lnRef>
-          <a:fillRef idx="0">
-            <a:schemeClr val="dk1"/>
-          </a:fillRef>
-          <a:effectRef idx="0">
-            <a:schemeClr val="dk1"/>
-          </a:effectRef>
-          <a:fontRef idx="minor">
-            <a:schemeClr val="tx1"/>
-          </a:fontRef>
-        </p:style>
-      </p:cxnSp>
-      <p:cxnSp>
-        <p:nvCxnSpPr>
-          <p:cNvPr id="65" name="Straight Connector 64"/>
-          <p:cNvCxnSpPr>
-            <a:stCxn id="45" idx="1"/>
-            <a:endCxn id="41" idx="3"/>
-          </p:cNvCxnSpPr>
-          <p:nvPr/>
-        </p:nvCxnSpPr>
-        <p:spPr>
-          <a:xfrm flipH="1" flipV="1">
-            <a:off x="4897118" y="640715"/>
-            <a:ext cx="589283" cy="369752"/>
-          </a:xfrm>
-          <a:prstGeom prst="line">
-            <a:avLst/>
-          </a:prstGeom>
-        </p:spPr>
-        <p:style>
-          <a:lnRef idx="1">
-            <a:schemeClr val="dk1"/>
-          </a:lnRef>
-          <a:fillRef idx="0">
-            <a:schemeClr val="dk1"/>
-          </a:fillRef>
-          <a:effectRef idx="0">
-            <a:schemeClr val="dk1"/>
-          </a:effectRef>
-          <a:fontRef idx="minor">
-            <a:schemeClr val="tx1"/>
-          </a:fontRef>
-        </p:style>
-      </p:cxnSp>
-      <p:cxnSp>
-        <p:nvCxnSpPr>
-          <p:cNvPr id="66" name="Straight Connector 65"/>
-          <p:cNvCxnSpPr>
-            <a:stCxn id="48" idx="1"/>
-            <a:endCxn id="42" idx="3"/>
-          </p:cNvCxnSpPr>
-          <p:nvPr/>
-        </p:nvCxnSpPr>
-        <p:spPr>
-          <a:xfrm flipH="1">
-            <a:off x="4825999" y="1524661"/>
-            <a:ext cx="589282" cy="380999"/>
-          </a:xfrm>
-          <a:prstGeom prst="line">
-            <a:avLst/>
-          </a:prstGeom>
-        </p:spPr>
-        <p:style>
-          <a:lnRef idx="1">
-            <a:schemeClr val="dk1"/>
-          </a:lnRef>
-          <a:fillRef idx="0">
-            <a:schemeClr val="dk1"/>
-          </a:fillRef>
-          <a:effectRef idx="0">
-            <a:schemeClr val="dk1"/>
-          </a:effectRef>
-          <a:fontRef idx="minor">
-            <a:schemeClr val="tx1"/>
-          </a:fontRef>
-        </p:style>
-      </p:cxnSp>
-      <p:cxnSp>
-        <p:nvCxnSpPr>
-          <p:cNvPr id="67" name="Straight Connector 66"/>
-          <p:cNvCxnSpPr>
-            <a:stCxn id="49" idx="1"/>
-            <a:endCxn id="42" idx="3"/>
-          </p:cNvCxnSpPr>
-          <p:nvPr/>
-        </p:nvCxnSpPr>
-        <p:spPr>
-          <a:xfrm flipH="1">
-            <a:off x="4825999" y="1890709"/>
-            <a:ext cx="589282" cy="14951"/>
-          </a:xfrm>
-          <a:prstGeom prst="line">
-            <a:avLst/>
-          </a:prstGeom>
-        </p:spPr>
-        <p:style>
-          <a:lnRef idx="1">
-            <a:schemeClr val="dk1"/>
-          </a:lnRef>
-          <a:fillRef idx="0">
-            <a:schemeClr val="dk1"/>
-          </a:fillRef>
-          <a:effectRef idx="0">
-            <a:schemeClr val="dk1"/>
-          </a:effectRef>
-          <a:fontRef idx="minor">
-            <a:schemeClr val="tx1"/>
-          </a:fontRef>
-        </p:style>
-      </p:cxnSp>
-      <p:cxnSp>
-        <p:nvCxnSpPr>
-          <p:cNvPr id="68" name="Straight Connector 67"/>
-          <p:cNvCxnSpPr>
-            <a:stCxn id="51" idx="1"/>
-            <a:endCxn id="43" idx="3"/>
-          </p:cNvCxnSpPr>
-          <p:nvPr/>
-        </p:nvCxnSpPr>
-        <p:spPr>
-          <a:xfrm flipH="1">
-            <a:off x="4825999" y="3063641"/>
-            <a:ext cx="518162" cy="350171"/>
-          </a:xfrm>
-          <a:prstGeom prst="line">
-            <a:avLst/>
-          </a:prstGeom>
-        </p:spPr>
-        <p:style>
-          <a:lnRef idx="1">
-            <a:schemeClr val="dk1"/>
-          </a:lnRef>
-          <a:fillRef idx="0">
-            <a:schemeClr val="dk1"/>
-          </a:fillRef>
-          <a:effectRef idx="0">
-            <a:schemeClr val="dk1"/>
-          </a:effectRef>
-          <a:fontRef idx="minor">
-            <a:schemeClr val="tx1"/>
-          </a:fontRef>
-        </p:style>
-      </p:cxnSp>
-      <p:cxnSp>
-        <p:nvCxnSpPr>
-          <p:cNvPr id="73" name="Straight Connector 72"/>
-          <p:cNvCxnSpPr>
-            <a:stCxn id="57" idx="1"/>
-            <a:endCxn id="43" idx="3"/>
-          </p:cNvCxnSpPr>
-          <p:nvPr/>
-        </p:nvCxnSpPr>
-        <p:spPr>
-          <a:xfrm flipH="1">
-            <a:off x="4825999" y="2705500"/>
-            <a:ext cx="518162" cy="708312"/>
-          </a:xfrm>
-          <a:prstGeom prst="line">
-            <a:avLst/>
-          </a:prstGeom>
-        </p:spPr>
-        <p:style>
-          <a:lnRef idx="1">
-            <a:schemeClr val="dk1"/>
-          </a:lnRef>
-          <a:fillRef idx="0">
-            <a:schemeClr val="dk1"/>
-          </a:fillRef>
-          <a:effectRef idx="0">
-            <a:schemeClr val="dk1"/>
-          </a:effectRef>
-          <a:fontRef idx="minor">
-            <a:schemeClr val="tx1"/>
-          </a:fontRef>
-        </p:style>
-      </p:cxnSp>
-      <p:cxnSp>
-        <p:nvCxnSpPr>
-          <p:cNvPr id="74" name="Straight Connector 73"/>
-          <p:cNvCxnSpPr>
-            <a:stCxn id="52" idx="1"/>
-            <a:endCxn id="43" idx="3"/>
-          </p:cNvCxnSpPr>
-          <p:nvPr/>
-        </p:nvCxnSpPr>
-        <p:spPr>
-          <a:xfrm flipH="1" flipV="1">
-            <a:off x="4825999" y="3413812"/>
-            <a:ext cx="487682" cy="404206"/>
-          </a:xfrm>
-          <a:prstGeom prst="line">
-            <a:avLst/>
-          </a:prstGeom>
-        </p:spPr>
-        <p:style>
-          <a:lnRef idx="1">
-            <a:schemeClr val="dk1"/>
-          </a:lnRef>
-          <a:fillRef idx="0">
-            <a:schemeClr val="dk1"/>
-          </a:fillRef>
-          <a:effectRef idx="0">
-            <a:schemeClr val="dk1"/>
-          </a:effectRef>
-          <a:fontRef idx="minor">
-            <a:schemeClr val="tx1"/>
-          </a:fontRef>
-        </p:style>
-      </p:cxnSp>
-      <p:cxnSp>
-        <p:nvCxnSpPr>
-          <p:cNvPr id="76" name="Straight Connector 75"/>
-          <p:cNvCxnSpPr>
-            <a:stCxn id="58" idx="1"/>
-            <a:endCxn id="43" idx="3"/>
-          </p:cNvCxnSpPr>
-          <p:nvPr/>
-        </p:nvCxnSpPr>
-        <p:spPr>
-          <a:xfrm flipH="1" flipV="1">
-            <a:off x="4825999" y="3413812"/>
-            <a:ext cx="502923" cy="21938"/>
-          </a:xfrm>
-          <a:prstGeom prst="line">
-            <a:avLst/>
-          </a:prstGeom>
-        </p:spPr>
-        <p:style>
-          <a:lnRef idx="1">
-            <a:schemeClr val="dk1"/>
-          </a:lnRef>
-          <a:fillRef idx="0">
-            <a:schemeClr val="dk1"/>
-          </a:fillRef>
-          <a:effectRef idx="0">
-            <a:schemeClr val="dk1"/>
-          </a:effectRef>
-          <a:fontRef idx="minor">
-            <a:schemeClr val="tx1"/>
-          </a:fontRef>
-        </p:style>
-      </p:cxnSp>
-      <p:cxnSp>
-        <p:nvCxnSpPr>
-          <p:cNvPr id="77" name="Straight Connector 76"/>
-          <p:cNvCxnSpPr>
-            <a:stCxn id="54" idx="1"/>
-            <a:endCxn id="43" idx="3"/>
-          </p:cNvCxnSpPr>
-          <p:nvPr/>
-        </p:nvCxnSpPr>
-        <p:spPr>
-          <a:xfrm flipH="1" flipV="1">
-            <a:off x="4825999" y="3413812"/>
-            <a:ext cx="492762" cy="910553"/>
-          </a:xfrm>
-          <a:prstGeom prst="line">
-            <a:avLst/>
-          </a:prstGeom>
-        </p:spPr>
-        <p:style>
-          <a:lnRef idx="1">
-            <a:schemeClr val="dk1"/>
-          </a:lnRef>
-          <a:fillRef idx="0">
-            <a:schemeClr val="dk1"/>
-          </a:fillRef>
-          <a:effectRef idx="0">
-            <a:schemeClr val="dk1"/>
-          </a:effectRef>
-          <a:fontRef idx="minor">
-            <a:schemeClr val="tx1"/>
-          </a:fontRef>
-        </p:style>
-      </p:cxnSp>
-      <p:cxnSp>
-        <p:nvCxnSpPr>
-          <p:cNvPr id="81" name="Straight Connector 80"/>
-          <p:cNvCxnSpPr>
-            <a:stCxn id="50" idx="1"/>
-            <a:endCxn id="42" idx="3"/>
-          </p:cNvCxnSpPr>
-          <p:nvPr/>
-        </p:nvCxnSpPr>
-        <p:spPr>
-          <a:xfrm flipH="1" flipV="1">
-            <a:off x="4825999" y="1905660"/>
-            <a:ext cx="589282" cy="389718"/>
-          </a:xfrm>
-          <a:prstGeom prst="line">
-            <a:avLst/>
-          </a:prstGeom>
-        </p:spPr>
-        <p:style>
-          <a:lnRef idx="1">
-            <a:schemeClr val="dk1"/>
-          </a:lnRef>
-          <a:fillRef idx="0">
-            <a:schemeClr val="dk1"/>
-          </a:fillRef>
-          <a:effectRef idx="0">
-            <a:schemeClr val="dk1"/>
-          </a:effectRef>
-          <a:fontRef idx="minor">
-            <a:schemeClr val="tx1"/>
-          </a:fontRef>
-        </p:style>
-      </p:cxnSp>
-      <p:cxnSp>
-        <p:nvCxnSpPr>
-          <p:cNvPr id="86" name="Straight Connector 85"/>
-          <p:cNvCxnSpPr>
-            <a:stCxn id="60" idx="1"/>
-            <a:endCxn id="44" idx="3"/>
-          </p:cNvCxnSpPr>
-          <p:nvPr/>
-        </p:nvCxnSpPr>
-        <p:spPr>
-          <a:xfrm flipH="1">
-            <a:off x="4825999" y="4972253"/>
-            <a:ext cx="543627" cy="631094"/>
-          </a:xfrm>
-          <a:prstGeom prst="line">
-            <a:avLst/>
-          </a:prstGeom>
-        </p:spPr>
-        <p:style>
-          <a:lnRef idx="1">
-            <a:schemeClr val="dk1"/>
-          </a:lnRef>
-          <a:fillRef idx="0">
-            <a:schemeClr val="dk1"/>
-          </a:fillRef>
-          <a:effectRef idx="0">
-            <a:schemeClr val="dk1"/>
-          </a:effectRef>
-          <a:fontRef idx="minor">
-            <a:schemeClr val="tx1"/>
-          </a:fontRef>
-        </p:style>
-      </p:cxnSp>
-      <p:cxnSp>
-        <p:nvCxnSpPr>
-          <p:cNvPr id="87" name="Straight Connector 86"/>
-          <p:cNvCxnSpPr>
-            <a:stCxn id="61" idx="1"/>
-            <a:endCxn id="44" idx="3"/>
-          </p:cNvCxnSpPr>
-          <p:nvPr/>
-        </p:nvCxnSpPr>
-        <p:spPr>
-          <a:xfrm flipH="1" flipV="1">
-            <a:off x="4825999" y="5603347"/>
-            <a:ext cx="556327" cy="291888"/>
-          </a:xfrm>
-          <a:prstGeom prst="line">
-            <a:avLst/>
-          </a:prstGeom>
-        </p:spPr>
-        <p:style>
-          <a:lnRef idx="1">
-            <a:schemeClr val="dk1"/>
-          </a:lnRef>
-          <a:fillRef idx="0">
-            <a:schemeClr val="dk1"/>
-          </a:fillRef>
-          <a:effectRef idx="0">
-            <a:schemeClr val="dk1"/>
-          </a:effectRef>
-          <a:fontRef idx="minor">
-            <a:schemeClr val="tx1"/>
-          </a:fontRef>
-        </p:style>
-      </p:cxnSp>
-      <p:cxnSp>
-        <p:nvCxnSpPr>
-          <p:cNvPr id="88" name="Straight Connector 87"/>
-          <p:cNvCxnSpPr>
-            <a:stCxn id="59" idx="1"/>
-            <a:endCxn id="44" idx="3"/>
-          </p:cNvCxnSpPr>
-          <p:nvPr/>
-        </p:nvCxnSpPr>
-        <p:spPr>
-          <a:xfrm flipH="1" flipV="1">
-            <a:off x="4825999" y="5603347"/>
-            <a:ext cx="546167" cy="601687"/>
-          </a:xfrm>
-          <a:prstGeom prst="line">
-            <a:avLst/>
-          </a:prstGeom>
-        </p:spPr>
-        <p:style>
-          <a:lnRef idx="1">
-            <a:schemeClr val="dk1"/>
-          </a:lnRef>
-          <a:fillRef idx="0">
-            <a:schemeClr val="dk1"/>
-          </a:fillRef>
-          <a:effectRef idx="0">
-            <a:schemeClr val="dk1"/>
-          </a:effectRef>
-          <a:fontRef idx="minor">
-            <a:schemeClr val="tx1"/>
-          </a:fontRef>
-        </p:style>
-      </p:cxnSp>
-      <p:cxnSp>
-        <p:nvCxnSpPr>
-          <p:cNvPr id="89" name="Straight Connector 88"/>
-          <p:cNvCxnSpPr>
-            <a:stCxn id="92" idx="1"/>
-            <a:endCxn id="44" idx="3"/>
-          </p:cNvCxnSpPr>
-          <p:nvPr/>
-        </p:nvCxnSpPr>
-        <p:spPr>
-          <a:xfrm flipH="1">
-            <a:off x="4825999" y="5603347"/>
-            <a:ext cx="561408" cy="0"/>
-          </a:xfrm>
-          <a:prstGeom prst="line">
-            <a:avLst/>
-          </a:prstGeom>
-        </p:spPr>
-        <p:style>
-          <a:lnRef idx="1">
-            <a:schemeClr val="dk1"/>
-          </a:lnRef>
-          <a:fillRef idx="0">
-            <a:schemeClr val="dk1"/>
-          </a:fillRef>
-          <a:effectRef idx="0">
-            <a:schemeClr val="dk1"/>
-          </a:effectRef>
-          <a:fontRef idx="minor">
-            <a:schemeClr val="tx1"/>
-          </a:fontRef>
-        </p:style>
-      </p:cxnSp>
-      <p:sp>
-        <p:nvSpPr>
-          <p:cNvPr id="92" name="Rounded Rectangle 91"/>
-          <p:cNvSpPr/>
-          <p:nvPr/>
-        </p:nvSpPr>
-        <p:spPr>
-          <a:xfrm>
-            <a:off x="5387407" y="5493707"/>
-            <a:ext cx="993917" cy="219279"/>
-          </a:xfrm>
-          <a:prstGeom prst="roundRect">
-            <a:avLst>
-              <a:gd name="adj" fmla="val 0"/>
-            </a:avLst>
-          </a:prstGeom>
-          <a:solidFill>
-            <a:schemeClr val="lt1"/>
-          </a:solidFill>
-          <a:ln w="12700"/>
-        </p:spPr>
-        <p:style>
-          <a:lnRef idx="2">
-            <a:schemeClr val="dk1"/>
-          </a:lnRef>
-          <a:fillRef idx="1">
-            <a:schemeClr val="lt1"/>
-          </a:fillRef>
-          <a:effectRef idx="0">
-            <a:schemeClr val="dk1"/>
-          </a:effectRef>
-          <a:fontRef idx="minor">
-            <a:schemeClr val="dk1"/>
-          </a:fontRef>
-        </p:style>
-        <p:txBody>
-          <a:bodyPr rtlCol="0" anchor="ctr"/>
-          <a:lstStyle/>
-          <a:p>
-            <a:pPr algn="ctr"/>
-            <a:r>
-              <a:rPr lang="en-US" sz="1000" dirty="0" smtClean="0"/>
-              <a:t>Privacy</a:t>
-            </a:r>
-            <a:endParaRPr lang="en-US" sz="1000" dirty="0"/>
-          </a:p>
-        </p:txBody>
-      </p:sp>
     </p:spTree>
     <p:extLst>
       <p:ext uri="{BB962C8B-B14F-4D97-AF65-F5344CB8AC3E}">

--- a/model.pptx
+++ b/model.pptx
@@ -16,8 +16,10 @@
     <p:sldId id="274" r:id="rId10"/>
     <p:sldId id="270" r:id="rId11"/>
     <p:sldId id="271" r:id="rId12"/>
-    <p:sldId id="272" r:id="rId13"/>
-    <p:sldId id="273" r:id="rId14"/>
+    <p:sldId id="275" r:id="rId13"/>
+    <p:sldId id="276" r:id="rId14"/>
+    <p:sldId id="272" r:id="rId15"/>
+    <p:sldId id="273" r:id="rId16"/>
   </p:sldIdLst>
   <p:sldSz cx="9144000" cy="6858000" type="screen4x3"/>
   <p:notesSz cx="6858000" cy="9144000"/>
@@ -3840,7 +3842,7 @@
           <a:graphicData uri="http://schemas.openxmlformats.org/presentationml/2006/ole">
             <mc:AlternateContent xmlns:mc="http://schemas.openxmlformats.org/markup-compatibility/2006">
               <mc:Choice xmlns:v="urn:schemas-microsoft-com:vml" Requires="v">
-                <p:oleObj spid="_x0000_s1058" name="Equation" r:id="rId3" imgW="3771900" imgH="203200" progId="Equation.3">
+                <p:oleObj spid="_x0000_s1067" name="Equation" r:id="rId3" imgW="3771900" imgH="203200" progId="Equation.3">
                   <p:embed/>
                 </p:oleObj>
               </mc:Choice>
@@ -10353,6 +10355,126 @@
           </a:p>
         </p:txBody>
       </p:sp>
+      <p:sp>
+        <p:nvSpPr>
+          <p:cNvPr id="149" name="TextBox 148"/>
+          <p:cNvSpPr txBox="1"/>
+          <p:nvPr/>
+        </p:nvSpPr>
+        <p:spPr>
+          <a:xfrm>
+            <a:off x="5299107" y="2085686"/>
+            <a:ext cx="524302" cy="246221"/>
+          </a:xfrm>
+          <a:prstGeom prst="rect">
+            <a:avLst/>
+          </a:prstGeom>
+          <a:noFill/>
+        </p:spPr>
+        <p:txBody>
+          <a:bodyPr wrap="none" rtlCol="0">
+            <a:spAutoFit/>
+          </a:bodyPr>
+          <a:lstStyle/>
+          <a:p>
+            <a:r>
+              <a:rPr lang="en-US" sz="1000" dirty="0" smtClean="0"/>
+              <a:t>H4.6.2</a:t>
+            </a:r>
+            <a:endParaRPr lang="en-US" sz="1000" dirty="0" smtClean="0"/>
+          </a:p>
+        </p:txBody>
+      </p:sp>
+      <p:sp>
+        <p:nvSpPr>
+          <p:cNvPr id="151" name="TextBox 150"/>
+          <p:cNvSpPr txBox="1"/>
+          <p:nvPr/>
+        </p:nvSpPr>
+        <p:spPr>
+          <a:xfrm>
+            <a:off x="5299107" y="3581218"/>
+            <a:ext cx="524302" cy="246221"/>
+          </a:xfrm>
+          <a:prstGeom prst="rect">
+            <a:avLst/>
+          </a:prstGeom>
+          <a:noFill/>
+        </p:spPr>
+        <p:txBody>
+          <a:bodyPr wrap="none" rtlCol="0">
+            <a:spAutoFit/>
+          </a:bodyPr>
+          <a:lstStyle/>
+          <a:p>
+            <a:r>
+              <a:rPr lang="en-US" sz="1000" dirty="0" smtClean="0"/>
+              <a:t>H4.6.3</a:t>
+            </a:r>
+            <a:endParaRPr lang="en-US" sz="1000" dirty="0" smtClean="0"/>
+          </a:p>
+        </p:txBody>
+      </p:sp>
+      <p:sp>
+        <p:nvSpPr>
+          <p:cNvPr id="152" name="TextBox 151"/>
+          <p:cNvSpPr txBox="1"/>
+          <p:nvPr/>
+        </p:nvSpPr>
+        <p:spPr>
+          <a:xfrm>
+            <a:off x="5106066" y="832755"/>
+            <a:ext cx="524302" cy="246221"/>
+          </a:xfrm>
+          <a:prstGeom prst="rect">
+            <a:avLst/>
+          </a:prstGeom>
+          <a:noFill/>
+        </p:spPr>
+        <p:txBody>
+          <a:bodyPr wrap="none" rtlCol="0">
+            <a:spAutoFit/>
+          </a:bodyPr>
+          <a:lstStyle/>
+          <a:p>
+            <a:r>
+              <a:rPr lang="en-US" sz="1000" dirty="0" smtClean="0"/>
+              <a:t>H4.6.1</a:t>
+            </a:r>
+            <a:endParaRPr lang="en-US" sz="1000" dirty="0" smtClean="0"/>
+          </a:p>
+        </p:txBody>
+      </p:sp>
+      <p:sp>
+        <p:nvSpPr>
+          <p:cNvPr id="154" name="TextBox 153"/>
+          <p:cNvSpPr txBox="1"/>
+          <p:nvPr/>
+        </p:nvSpPr>
+        <p:spPr>
+          <a:xfrm>
+            <a:off x="5299107" y="5172257"/>
+            <a:ext cx="524302" cy="246221"/>
+          </a:xfrm>
+          <a:prstGeom prst="rect">
+            <a:avLst/>
+          </a:prstGeom>
+          <a:noFill/>
+        </p:spPr>
+        <p:txBody>
+          <a:bodyPr wrap="none" rtlCol="0">
+            <a:spAutoFit/>
+          </a:bodyPr>
+          <a:lstStyle/>
+          <a:p>
+            <a:r>
+              <a:rPr lang="en-US" sz="1000" dirty="0" smtClean="0"/>
+              <a:t>H4.6.4</a:t>
+            </a:r>
+            <a:endParaRPr lang="en-US" sz="1000" dirty="0" smtClean="0"/>
+          </a:p>
+        </p:txBody>
+      </p:sp>
     </p:spTree>
     <p:extLst>
       <p:ext uri="{BB962C8B-B14F-4D97-AF65-F5344CB8AC3E}">
@@ -11129,6 +11251,1711 @@
       </p:cxnSp>
       <p:sp>
         <p:nvSpPr>
+          <p:cNvPr id="124" name="Rounded Rectangle 123"/>
+          <p:cNvSpPr/>
+          <p:nvPr/>
+        </p:nvSpPr>
+        <p:spPr>
+          <a:xfrm>
+            <a:off x="6813260" y="866468"/>
+            <a:ext cx="1619998" cy="287997"/>
+          </a:xfrm>
+          <a:prstGeom prst="roundRect">
+            <a:avLst>
+              <a:gd name="adj" fmla="val 0"/>
+            </a:avLst>
+          </a:prstGeom>
+          <a:solidFill>
+            <a:schemeClr val="lt1"/>
+          </a:solidFill>
+          <a:ln w="12700"/>
+        </p:spPr>
+        <p:style>
+          <a:lnRef idx="2">
+            <a:schemeClr val="dk1"/>
+          </a:lnRef>
+          <a:fillRef idx="1">
+            <a:schemeClr val="lt1"/>
+          </a:fillRef>
+          <a:effectRef idx="0">
+            <a:schemeClr val="dk1"/>
+          </a:effectRef>
+          <a:fontRef idx="minor">
+            <a:schemeClr val="dk1"/>
+          </a:fontRef>
+        </p:style>
+        <p:txBody>
+          <a:bodyPr rtlCol="0" anchor="ctr"/>
+          <a:lstStyle/>
+          <a:p>
+            <a:pPr algn="ctr"/>
+            <a:r>
+              <a:rPr lang="en-US" sz="1000" dirty="0" smtClean="0"/>
+              <a:t>Operability</a:t>
+            </a:r>
+            <a:endParaRPr lang="en-US" sz="1000" dirty="0"/>
+          </a:p>
+        </p:txBody>
+      </p:sp>
+      <p:sp>
+        <p:nvSpPr>
+          <p:cNvPr id="125" name="Rounded Rectangle 124"/>
+          <p:cNvSpPr/>
+          <p:nvPr/>
+        </p:nvSpPr>
+        <p:spPr>
+          <a:xfrm>
+            <a:off x="6813260" y="189865"/>
+            <a:ext cx="772159" cy="227330"/>
+          </a:xfrm>
+          <a:prstGeom prst="roundRect">
+            <a:avLst>
+              <a:gd name="adj" fmla="val 0"/>
+            </a:avLst>
+          </a:prstGeom>
+          <a:solidFill>
+            <a:schemeClr val="lt1"/>
+          </a:solidFill>
+          <a:ln w="12700"/>
+        </p:spPr>
+        <p:style>
+          <a:lnRef idx="2">
+            <a:schemeClr val="dk1"/>
+          </a:lnRef>
+          <a:fillRef idx="1">
+            <a:schemeClr val="lt1"/>
+          </a:fillRef>
+          <a:effectRef idx="0">
+            <a:schemeClr val="dk1"/>
+          </a:effectRef>
+          <a:fontRef idx="minor">
+            <a:schemeClr val="dk1"/>
+          </a:fontRef>
+        </p:style>
+        <p:txBody>
+          <a:bodyPr rtlCol="0" anchor="ctr"/>
+          <a:lstStyle/>
+          <a:p>
+            <a:pPr algn="ctr"/>
+            <a:r>
+              <a:rPr lang="en-US" sz="1000" dirty="0" smtClean="0"/>
+              <a:t>Availability</a:t>
+            </a:r>
+            <a:endParaRPr lang="en-US" sz="1000" dirty="0"/>
+          </a:p>
+        </p:txBody>
+      </p:sp>
+      <p:sp>
+        <p:nvSpPr>
+          <p:cNvPr id="126" name="Rounded Rectangle 125"/>
+          <p:cNvSpPr/>
+          <p:nvPr/>
+        </p:nvSpPr>
+        <p:spPr>
+          <a:xfrm>
+            <a:off x="6803100" y="531495"/>
+            <a:ext cx="772159" cy="227330"/>
+          </a:xfrm>
+          <a:prstGeom prst="roundRect">
+            <a:avLst>
+              <a:gd name="adj" fmla="val 0"/>
+            </a:avLst>
+          </a:prstGeom>
+          <a:solidFill>
+            <a:schemeClr val="lt1"/>
+          </a:solidFill>
+          <a:ln w="12700"/>
+        </p:spPr>
+        <p:style>
+          <a:lnRef idx="2">
+            <a:schemeClr val="dk1"/>
+          </a:lnRef>
+          <a:fillRef idx="1">
+            <a:schemeClr val="lt1"/>
+          </a:fillRef>
+          <a:effectRef idx="0">
+            <a:schemeClr val="dk1"/>
+          </a:effectRef>
+          <a:fontRef idx="minor">
+            <a:schemeClr val="dk1"/>
+          </a:fontRef>
+        </p:style>
+        <p:txBody>
+          <a:bodyPr rtlCol="0" anchor="ctr"/>
+          <a:lstStyle/>
+          <a:p>
+            <a:pPr algn="ctr"/>
+            <a:r>
+              <a:rPr lang="en-US" sz="1000" dirty="0" smtClean="0"/>
+              <a:t>Maturity</a:t>
+            </a:r>
+            <a:endParaRPr lang="en-US" sz="1000" dirty="0"/>
+          </a:p>
+        </p:txBody>
+      </p:sp>
+      <p:sp>
+        <p:nvSpPr>
+          <p:cNvPr id="127" name="Rounded Rectangle 126"/>
+          <p:cNvSpPr/>
+          <p:nvPr/>
+        </p:nvSpPr>
+        <p:spPr>
+          <a:xfrm>
+            <a:off x="6742140" y="1392581"/>
+            <a:ext cx="1780539" cy="264160"/>
+          </a:xfrm>
+          <a:prstGeom prst="roundRect">
+            <a:avLst>
+              <a:gd name="adj" fmla="val 0"/>
+            </a:avLst>
+          </a:prstGeom>
+          <a:solidFill>
+            <a:schemeClr val="lt1"/>
+          </a:solidFill>
+          <a:ln w="12700"/>
+        </p:spPr>
+        <p:style>
+          <a:lnRef idx="2">
+            <a:schemeClr val="dk1"/>
+          </a:lnRef>
+          <a:fillRef idx="1">
+            <a:schemeClr val="lt1"/>
+          </a:fillRef>
+          <a:effectRef idx="0">
+            <a:schemeClr val="dk1"/>
+          </a:effectRef>
+          <a:fontRef idx="minor">
+            <a:schemeClr val="dk1"/>
+          </a:fontRef>
+        </p:style>
+        <p:txBody>
+          <a:bodyPr rtlCol="0" anchor="ctr"/>
+          <a:lstStyle/>
+          <a:p>
+            <a:pPr algn="ctr"/>
+            <a:r>
+              <a:rPr lang="en-US" sz="1000" dirty="0" smtClean="0"/>
+              <a:t>Ease of Use</a:t>
+            </a:r>
+            <a:endParaRPr lang="en-US" sz="1000" dirty="0"/>
+          </a:p>
+        </p:txBody>
+      </p:sp>
+      <p:sp>
+        <p:nvSpPr>
+          <p:cNvPr id="128" name="Rounded Rectangle 127"/>
+          <p:cNvSpPr/>
+          <p:nvPr/>
+        </p:nvSpPr>
+        <p:spPr>
+          <a:xfrm>
+            <a:off x="6742140" y="1706877"/>
+            <a:ext cx="1066800" cy="367664"/>
+          </a:xfrm>
+          <a:prstGeom prst="roundRect">
+            <a:avLst>
+              <a:gd name="adj" fmla="val 0"/>
+            </a:avLst>
+          </a:prstGeom>
+          <a:solidFill>
+            <a:schemeClr val="lt1"/>
+          </a:solidFill>
+          <a:ln w="12700"/>
+        </p:spPr>
+        <p:style>
+          <a:lnRef idx="2">
+            <a:schemeClr val="dk1"/>
+          </a:lnRef>
+          <a:fillRef idx="1">
+            <a:schemeClr val="lt1"/>
+          </a:fillRef>
+          <a:effectRef idx="0">
+            <a:schemeClr val="dk1"/>
+          </a:effectRef>
+          <a:fontRef idx="minor">
+            <a:schemeClr val="dk1"/>
+          </a:fontRef>
+        </p:style>
+        <p:txBody>
+          <a:bodyPr rtlCol="0" anchor="ctr"/>
+          <a:lstStyle/>
+          <a:p>
+            <a:pPr algn="ctr"/>
+            <a:r>
+              <a:rPr lang="en-US" sz="1000" dirty="0" smtClean="0"/>
+              <a:t>Learnability</a:t>
+            </a:r>
+            <a:endParaRPr lang="en-US" sz="1000" dirty="0"/>
+          </a:p>
+        </p:txBody>
+      </p:sp>
+      <p:sp>
+        <p:nvSpPr>
+          <p:cNvPr id="129" name="Rounded Rectangle 128"/>
+          <p:cNvSpPr/>
+          <p:nvPr/>
+        </p:nvSpPr>
+        <p:spPr>
+          <a:xfrm>
+            <a:off x="6742140" y="2142515"/>
+            <a:ext cx="1494679" cy="305726"/>
+          </a:xfrm>
+          <a:prstGeom prst="roundRect">
+            <a:avLst>
+              <a:gd name="adj" fmla="val 0"/>
+            </a:avLst>
+          </a:prstGeom>
+          <a:solidFill>
+            <a:schemeClr val="lt1"/>
+          </a:solidFill>
+          <a:ln w="12700"/>
+        </p:spPr>
+        <p:style>
+          <a:lnRef idx="2">
+            <a:schemeClr val="dk1"/>
+          </a:lnRef>
+          <a:fillRef idx="1">
+            <a:schemeClr val="lt1"/>
+          </a:fillRef>
+          <a:effectRef idx="0">
+            <a:schemeClr val="dk1"/>
+          </a:effectRef>
+          <a:fontRef idx="minor">
+            <a:schemeClr val="dk1"/>
+          </a:fontRef>
+        </p:style>
+        <p:txBody>
+          <a:bodyPr rtlCol="0" anchor="ctr"/>
+          <a:lstStyle/>
+          <a:p>
+            <a:pPr algn="ctr"/>
+            <a:r>
+              <a:rPr lang="en-US" sz="1000" dirty="0" smtClean="0"/>
+              <a:t>User interface aesthetics</a:t>
+            </a:r>
+            <a:endParaRPr lang="en-US" sz="1000" dirty="0"/>
+          </a:p>
+        </p:txBody>
+      </p:sp>
+      <p:sp>
+        <p:nvSpPr>
+          <p:cNvPr id="130" name="Rounded Rectangle 129"/>
+          <p:cNvSpPr/>
+          <p:nvPr/>
+        </p:nvSpPr>
+        <p:spPr>
+          <a:xfrm>
+            <a:off x="6671020" y="2925210"/>
+            <a:ext cx="2065978" cy="276861"/>
+          </a:xfrm>
+          <a:prstGeom prst="roundRect">
+            <a:avLst>
+              <a:gd name="adj" fmla="val 0"/>
+            </a:avLst>
+          </a:prstGeom>
+          <a:solidFill>
+            <a:schemeClr val="lt1"/>
+          </a:solidFill>
+          <a:ln w="12700"/>
+        </p:spPr>
+        <p:style>
+          <a:lnRef idx="2">
+            <a:schemeClr val="dk1"/>
+          </a:lnRef>
+          <a:fillRef idx="1">
+            <a:schemeClr val="lt1"/>
+          </a:fillRef>
+          <a:effectRef idx="0">
+            <a:schemeClr val="dk1"/>
+          </a:effectRef>
+          <a:fontRef idx="minor">
+            <a:schemeClr val="dk1"/>
+          </a:fontRef>
+        </p:style>
+        <p:txBody>
+          <a:bodyPr rtlCol="0" anchor="ctr"/>
+          <a:lstStyle/>
+          <a:p>
+            <a:pPr algn="ctr"/>
+            <a:r>
+              <a:rPr lang="en-US" sz="1000" dirty="0" smtClean="0"/>
+              <a:t>Responsiveness</a:t>
+            </a:r>
+            <a:endParaRPr lang="en-US" sz="1000" dirty="0"/>
+          </a:p>
+        </p:txBody>
+      </p:sp>
+      <p:sp>
+        <p:nvSpPr>
+          <p:cNvPr id="131" name="Rounded Rectangle 130"/>
+          <p:cNvSpPr/>
+          <p:nvPr/>
+        </p:nvSpPr>
+        <p:spPr>
+          <a:xfrm>
+            <a:off x="6640540" y="3685938"/>
+            <a:ext cx="1396998" cy="264160"/>
+          </a:xfrm>
+          <a:prstGeom prst="roundRect">
+            <a:avLst>
+              <a:gd name="adj" fmla="val 0"/>
+            </a:avLst>
+          </a:prstGeom>
+          <a:solidFill>
+            <a:schemeClr val="lt1"/>
+          </a:solidFill>
+          <a:ln w="12700"/>
+        </p:spPr>
+        <p:style>
+          <a:lnRef idx="2">
+            <a:schemeClr val="dk1"/>
+          </a:lnRef>
+          <a:fillRef idx="1">
+            <a:schemeClr val="lt1"/>
+          </a:fillRef>
+          <a:effectRef idx="0">
+            <a:schemeClr val="dk1"/>
+          </a:effectRef>
+          <a:fontRef idx="minor">
+            <a:schemeClr val="dk1"/>
+          </a:fontRef>
+        </p:style>
+        <p:txBody>
+          <a:bodyPr rtlCol="0" anchor="ctr"/>
+          <a:lstStyle/>
+          <a:p>
+            <a:pPr algn="ctr"/>
+            <a:r>
+              <a:rPr lang="en-US" sz="1000" dirty="0" smtClean="0"/>
+              <a:t>Time behavior</a:t>
+            </a:r>
+            <a:endParaRPr lang="en-US" sz="1000" dirty="0"/>
+          </a:p>
+        </p:txBody>
+      </p:sp>
+      <p:grpSp>
+        <p:nvGrpSpPr>
+          <p:cNvPr id="135" name="Group 134"/>
+          <p:cNvGrpSpPr/>
+          <p:nvPr/>
+        </p:nvGrpSpPr>
+        <p:grpSpPr>
+          <a:xfrm>
+            <a:off x="6645620" y="4193872"/>
+            <a:ext cx="1879598" cy="491491"/>
+            <a:chOff x="7721601" y="3576319"/>
+            <a:chExt cx="1859278" cy="491491"/>
+          </a:xfrm>
+        </p:grpSpPr>
+        <p:sp>
+          <p:nvSpPr>
+            <p:cNvPr id="132" name="Rounded Rectangle 131"/>
+            <p:cNvSpPr/>
+            <p:nvPr/>
+          </p:nvSpPr>
+          <p:spPr>
+            <a:xfrm>
+              <a:off x="7721601" y="3576319"/>
+              <a:ext cx="1859278" cy="260985"/>
+            </a:xfrm>
+            <a:prstGeom prst="roundRect">
+              <a:avLst>
+                <a:gd name="adj" fmla="val 0"/>
+              </a:avLst>
+            </a:prstGeom>
+            <a:solidFill>
+              <a:schemeClr val="lt1"/>
+            </a:solidFill>
+            <a:ln w="12700"/>
+          </p:spPr>
+          <p:style>
+            <a:lnRef idx="2">
+              <a:schemeClr val="dk1"/>
+            </a:lnRef>
+            <a:fillRef idx="1">
+              <a:schemeClr val="lt1"/>
+            </a:fillRef>
+            <a:effectRef idx="0">
+              <a:schemeClr val="dk1"/>
+            </a:effectRef>
+            <a:fontRef idx="minor">
+              <a:schemeClr val="dk1"/>
+            </a:fontRef>
+          </p:style>
+          <p:txBody>
+            <a:bodyPr rtlCol="0" anchor="ctr"/>
+            <a:lstStyle/>
+            <a:p>
+              <a:pPr algn="ctr"/>
+              <a:r>
+                <a:rPr lang="en-US" sz="1000" dirty="0" smtClean="0"/>
+                <a:t>Transaction Capability</a:t>
+              </a:r>
+              <a:endParaRPr lang="en-US" sz="1000" dirty="0"/>
+            </a:p>
+          </p:txBody>
+        </p:sp>
+        <p:sp>
+          <p:nvSpPr>
+            <p:cNvPr id="133" name="Rounded Rectangle 132"/>
+            <p:cNvSpPr/>
+            <p:nvPr/>
+          </p:nvSpPr>
+          <p:spPr>
+            <a:xfrm>
+              <a:off x="7721601" y="3840480"/>
+              <a:ext cx="955039" cy="224154"/>
+            </a:xfrm>
+            <a:prstGeom prst="roundRect">
+              <a:avLst>
+                <a:gd name="adj" fmla="val 0"/>
+              </a:avLst>
+            </a:prstGeom>
+            <a:solidFill>
+              <a:schemeClr val="lt1"/>
+            </a:solidFill>
+            <a:ln w="12700"/>
+          </p:spPr>
+          <p:style>
+            <a:lnRef idx="2">
+              <a:schemeClr val="dk1"/>
+            </a:lnRef>
+            <a:fillRef idx="1">
+              <a:schemeClr val="lt1"/>
+            </a:fillRef>
+            <a:effectRef idx="0">
+              <a:schemeClr val="dk1"/>
+            </a:effectRef>
+            <a:fontRef idx="minor">
+              <a:schemeClr val="dk1"/>
+            </a:fontRef>
+          </p:style>
+          <p:txBody>
+            <a:bodyPr rtlCol="0" anchor="ctr"/>
+            <a:lstStyle/>
+            <a:p>
+              <a:pPr algn="ctr"/>
+              <a:r>
+                <a:rPr lang="en-US" sz="1000" dirty="0" smtClean="0"/>
+                <a:t>Completeness</a:t>
+              </a:r>
+              <a:endParaRPr lang="en-US" sz="1000" dirty="0"/>
+            </a:p>
+          </p:txBody>
+        </p:sp>
+        <p:sp>
+          <p:nvSpPr>
+            <p:cNvPr id="134" name="Rounded Rectangle 133"/>
+            <p:cNvSpPr/>
+            <p:nvPr/>
+          </p:nvSpPr>
+          <p:spPr>
+            <a:xfrm>
+              <a:off x="8676640" y="3840480"/>
+              <a:ext cx="904239" cy="227330"/>
+            </a:xfrm>
+            <a:prstGeom prst="roundRect">
+              <a:avLst>
+                <a:gd name="adj" fmla="val 0"/>
+              </a:avLst>
+            </a:prstGeom>
+            <a:solidFill>
+              <a:schemeClr val="lt1"/>
+            </a:solidFill>
+            <a:ln w="12700"/>
+          </p:spPr>
+          <p:style>
+            <a:lnRef idx="2">
+              <a:schemeClr val="dk1"/>
+            </a:lnRef>
+            <a:fillRef idx="1">
+              <a:schemeClr val="lt1"/>
+            </a:fillRef>
+            <a:effectRef idx="0">
+              <a:schemeClr val="dk1"/>
+            </a:effectRef>
+            <a:fontRef idx="minor">
+              <a:schemeClr val="dk1"/>
+            </a:fontRef>
+          </p:style>
+          <p:txBody>
+            <a:bodyPr rtlCol="0" anchor="ctr"/>
+            <a:lstStyle/>
+            <a:p>
+              <a:pPr algn="ctr"/>
+              <a:r>
+                <a:rPr lang="en-US" sz="1000" dirty="0" smtClean="0"/>
+                <a:t>Correctness</a:t>
+              </a:r>
+              <a:endParaRPr lang="en-US" sz="1000" dirty="0"/>
+            </a:p>
+          </p:txBody>
+        </p:sp>
+      </p:grpSp>
+      <p:sp>
+        <p:nvSpPr>
+          <p:cNvPr id="136" name="Rounded Rectangle 135"/>
+          <p:cNvSpPr/>
+          <p:nvPr/>
+        </p:nvSpPr>
+        <p:spPr>
+          <a:xfrm>
+            <a:off x="6671020" y="2578500"/>
+            <a:ext cx="1851659" cy="254000"/>
+          </a:xfrm>
+          <a:prstGeom prst="roundRect">
+            <a:avLst>
+              <a:gd name="adj" fmla="val 0"/>
+            </a:avLst>
+          </a:prstGeom>
+          <a:solidFill>
+            <a:schemeClr val="lt1"/>
+          </a:solidFill>
+          <a:ln w="12700"/>
+        </p:spPr>
+        <p:style>
+          <a:lnRef idx="2">
+            <a:schemeClr val="dk1"/>
+          </a:lnRef>
+          <a:fillRef idx="1">
+            <a:schemeClr val="lt1"/>
+          </a:fillRef>
+          <a:effectRef idx="0">
+            <a:schemeClr val="dk1"/>
+          </a:effectRef>
+          <a:fontRef idx="minor">
+            <a:schemeClr val="dk1"/>
+          </a:fontRef>
+        </p:style>
+        <p:txBody>
+          <a:bodyPr rtlCol="0" anchor="ctr"/>
+          <a:lstStyle/>
+          <a:p>
+            <a:pPr algn="ctr"/>
+            <a:r>
+              <a:rPr lang="en-US" sz="1000" dirty="0" smtClean="0"/>
+              <a:t>Fault Tolerance</a:t>
+            </a:r>
+            <a:endParaRPr lang="en-US" sz="1000" dirty="0"/>
+          </a:p>
+        </p:txBody>
+      </p:sp>
+      <p:sp>
+        <p:nvSpPr>
+          <p:cNvPr id="137" name="Rounded Rectangle 136"/>
+          <p:cNvSpPr/>
+          <p:nvPr/>
+        </p:nvSpPr>
+        <p:spPr>
+          <a:xfrm>
+            <a:off x="6655781" y="3322085"/>
+            <a:ext cx="1178560" cy="227330"/>
+          </a:xfrm>
+          <a:prstGeom prst="roundRect">
+            <a:avLst>
+              <a:gd name="adj" fmla="val 0"/>
+            </a:avLst>
+          </a:prstGeom>
+          <a:solidFill>
+            <a:schemeClr val="lt1"/>
+          </a:solidFill>
+          <a:ln w="12700"/>
+        </p:spPr>
+        <p:style>
+          <a:lnRef idx="2">
+            <a:schemeClr val="dk1"/>
+          </a:lnRef>
+          <a:fillRef idx="1">
+            <a:schemeClr val="lt1"/>
+          </a:fillRef>
+          <a:effectRef idx="0">
+            <a:schemeClr val="dk1"/>
+          </a:effectRef>
+          <a:fontRef idx="minor">
+            <a:schemeClr val="dk1"/>
+          </a:fontRef>
+        </p:style>
+        <p:txBody>
+          <a:bodyPr rtlCol="0" anchor="ctr"/>
+          <a:lstStyle/>
+          <a:p>
+            <a:pPr algn="ctr"/>
+            <a:r>
+              <a:rPr lang="en-US" sz="1000" dirty="0" smtClean="0"/>
+              <a:t>Customer Service</a:t>
+            </a:r>
+            <a:endParaRPr lang="en-US" sz="1000" dirty="0"/>
+          </a:p>
+        </p:txBody>
+      </p:sp>
+      <p:sp>
+        <p:nvSpPr>
+          <p:cNvPr id="138" name="Rounded Rectangle 137"/>
+          <p:cNvSpPr/>
+          <p:nvPr/>
+        </p:nvSpPr>
+        <p:spPr>
+          <a:xfrm>
+            <a:off x="6699025" y="6084747"/>
+            <a:ext cx="1011197" cy="240573"/>
+          </a:xfrm>
+          <a:prstGeom prst="roundRect">
+            <a:avLst>
+              <a:gd name="adj" fmla="val 0"/>
+            </a:avLst>
+          </a:prstGeom>
+          <a:solidFill>
+            <a:schemeClr val="lt1"/>
+          </a:solidFill>
+          <a:ln w="12700"/>
+        </p:spPr>
+        <p:style>
+          <a:lnRef idx="2">
+            <a:schemeClr val="dk1"/>
+          </a:lnRef>
+          <a:fillRef idx="1">
+            <a:schemeClr val="lt1"/>
+          </a:fillRef>
+          <a:effectRef idx="0">
+            <a:schemeClr val="dk1"/>
+          </a:effectRef>
+          <a:fontRef idx="minor">
+            <a:schemeClr val="dk1"/>
+          </a:fontRef>
+        </p:style>
+        <p:txBody>
+          <a:bodyPr rtlCol="0" anchor="ctr"/>
+          <a:lstStyle/>
+          <a:p>
+            <a:pPr algn="ctr"/>
+            <a:r>
+              <a:rPr lang="en-US" sz="1000" dirty="0" smtClean="0"/>
+              <a:t>Confidentiality</a:t>
+            </a:r>
+            <a:endParaRPr lang="en-US" sz="1000" dirty="0"/>
+          </a:p>
+        </p:txBody>
+      </p:sp>
+      <p:sp>
+        <p:nvSpPr>
+          <p:cNvPr id="139" name="Rounded Rectangle 138"/>
+          <p:cNvSpPr/>
+          <p:nvPr/>
+        </p:nvSpPr>
+        <p:spPr>
+          <a:xfrm>
+            <a:off x="6696485" y="4858588"/>
+            <a:ext cx="2098997" cy="227330"/>
+          </a:xfrm>
+          <a:prstGeom prst="roundRect">
+            <a:avLst>
+              <a:gd name="adj" fmla="val 0"/>
+            </a:avLst>
+          </a:prstGeom>
+          <a:solidFill>
+            <a:schemeClr val="lt1"/>
+          </a:solidFill>
+          <a:ln w="12700"/>
+        </p:spPr>
+        <p:style>
+          <a:lnRef idx="2">
+            <a:schemeClr val="dk1"/>
+          </a:lnRef>
+          <a:fillRef idx="1">
+            <a:schemeClr val="lt1"/>
+          </a:fillRef>
+          <a:effectRef idx="0">
+            <a:schemeClr val="dk1"/>
+          </a:effectRef>
+          <a:fontRef idx="minor">
+            <a:schemeClr val="dk1"/>
+          </a:fontRef>
+        </p:style>
+        <p:txBody>
+          <a:bodyPr rtlCol="0" anchor="ctr"/>
+          <a:lstStyle/>
+          <a:p>
+            <a:pPr algn="ctr"/>
+            <a:r>
+              <a:rPr lang="en-US" sz="1000" dirty="0" smtClean="0"/>
+              <a:t>Safety</a:t>
+            </a:r>
+            <a:endParaRPr lang="en-US" sz="1000" dirty="0"/>
+          </a:p>
+        </p:txBody>
+      </p:sp>
+      <p:sp>
+        <p:nvSpPr>
+          <p:cNvPr id="140" name="Rounded Rectangle 139"/>
+          <p:cNvSpPr/>
+          <p:nvPr/>
+        </p:nvSpPr>
+        <p:spPr>
+          <a:xfrm>
+            <a:off x="6709185" y="5781570"/>
+            <a:ext cx="1001037" cy="227330"/>
+          </a:xfrm>
+          <a:prstGeom prst="roundRect">
+            <a:avLst>
+              <a:gd name="adj" fmla="val 0"/>
+            </a:avLst>
+          </a:prstGeom>
+          <a:solidFill>
+            <a:schemeClr val="lt1"/>
+          </a:solidFill>
+          <a:ln w="12700"/>
+        </p:spPr>
+        <p:style>
+          <a:lnRef idx="2">
+            <a:schemeClr val="dk1"/>
+          </a:lnRef>
+          <a:fillRef idx="1">
+            <a:schemeClr val="lt1"/>
+          </a:fillRef>
+          <a:effectRef idx="0">
+            <a:schemeClr val="dk1"/>
+          </a:effectRef>
+          <a:fontRef idx="minor">
+            <a:schemeClr val="dk1"/>
+          </a:fontRef>
+        </p:style>
+        <p:txBody>
+          <a:bodyPr rtlCol="0" anchor="ctr"/>
+          <a:lstStyle/>
+          <a:p>
+            <a:pPr algn="ctr"/>
+            <a:r>
+              <a:rPr lang="en-US" sz="1000" dirty="0" smtClean="0"/>
+              <a:t>Integrity</a:t>
+            </a:r>
+            <a:endParaRPr lang="en-US" sz="1000" dirty="0"/>
+          </a:p>
+        </p:txBody>
+      </p:sp>
+      <p:sp>
+        <p:nvSpPr>
+          <p:cNvPr id="141" name="Rounded Rectangle 140"/>
+          <p:cNvSpPr/>
+          <p:nvPr/>
+        </p:nvSpPr>
+        <p:spPr>
+          <a:xfrm>
+            <a:off x="6704383" y="5195136"/>
+            <a:ext cx="1005839" cy="227330"/>
+          </a:xfrm>
+          <a:prstGeom prst="roundRect">
+            <a:avLst>
+              <a:gd name="adj" fmla="val 0"/>
+            </a:avLst>
+          </a:prstGeom>
+          <a:solidFill>
+            <a:schemeClr val="lt1"/>
+          </a:solidFill>
+          <a:ln w="12700"/>
+        </p:spPr>
+        <p:style>
+          <a:lnRef idx="2">
+            <a:schemeClr val="dk1"/>
+          </a:lnRef>
+          <a:fillRef idx="1">
+            <a:schemeClr val="lt1"/>
+          </a:fillRef>
+          <a:effectRef idx="0">
+            <a:schemeClr val="dk1"/>
+          </a:effectRef>
+          <a:fontRef idx="minor">
+            <a:schemeClr val="dk1"/>
+          </a:fontRef>
+        </p:style>
+        <p:txBody>
+          <a:bodyPr rtlCol="0" anchor="ctr"/>
+          <a:lstStyle/>
+          <a:p>
+            <a:pPr algn="ctr"/>
+            <a:r>
+              <a:rPr lang="en-US" sz="1000" dirty="0" smtClean="0"/>
+              <a:t>Authenticity</a:t>
+            </a:r>
+            <a:endParaRPr lang="en-US" sz="1000" dirty="0"/>
+          </a:p>
+        </p:txBody>
+      </p:sp>
+      <p:cxnSp>
+        <p:nvCxnSpPr>
+          <p:cNvPr id="150" name="Straight Connector 149"/>
+          <p:cNvCxnSpPr>
+            <a:stCxn id="125" idx="1"/>
+            <a:endCxn id="4" idx="3"/>
+          </p:cNvCxnSpPr>
+          <p:nvPr/>
+        </p:nvCxnSpPr>
+        <p:spPr>
+          <a:xfrm flipH="1">
+            <a:off x="6345585" y="303530"/>
+            <a:ext cx="467675" cy="337185"/>
+          </a:xfrm>
+          <a:prstGeom prst="line">
+            <a:avLst/>
+          </a:prstGeom>
+        </p:spPr>
+        <p:style>
+          <a:lnRef idx="1">
+            <a:schemeClr val="dk1"/>
+          </a:lnRef>
+          <a:fillRef idx="0">
+            <a:schemeClr val="dk1"/>
+          </a:fillRef>
+          <a:effectRef idx="0">
+            <a:schemeClr val="dk1"/>
+          </a:effectRef>
+          <a:fontRef idx="minor">
+            <a:schemeClr val="tx1"/>
+          </a:fontRef>
+        </p:style>
+      </p:cxnSp>
+      <p:cxnSp>
+        <p:nvCxnSpPr>
+          <p:cNvPr id="153" name="Straight Connector 152"/>
+          <p:cNvCxnSpPr>
+            <a:stCxn id="126" idx="1"/>
+            <a:endCxn id="4" idx="3"/>
+          </p:cNvCxnSpPr>
+          <p:nvPr/>
+        </p:nvCxnSpPr>
+        <p:spPr>
+          <a:xfrm flipH="1" flipV="1">
+            <a:off x="6345585" y="640715"/>
+            <a:ext cx="457515" cy="4445"/>
+          </a:xfrm>
+          <a:prstGeom prst="line">
+            <a:avLst/>
+          </a:prstGeom>
+        </p:spPr>
+        <p:style>
+          <a:lnRef idx="1">
+            <a:schemeClr val="dk1"/>
+          </a:lnRef>
+          <a:fillRef idx="0">
+            <a:schemeClr val="dk1"/>
+          </a:fillRef>
+          <a:effectRef idx="0">
+            <a:schemeClr val="dk1"/>
+          </a:effectRef>
+          <a:fontRef idx="minor">
+            <a:schemeClr val="tx1"/>
+          </a:fontRef>
+        </p:style>
+      </p:cxnSp>
+      <p:cxnSp>
+        <p:nvCxnSpPr>
+          <p:cNvPr id="156" name="Straight Connector 155"/>
+          <p:cNvCxnSpPr>
+            <a:stCxn id="124" idx="1"/>
+            <a:endCxn id="4" idx="3"/>
+          </p:cNvCxnSpPr>
+          <p:nvPr/>
+        </p:nvCxnSpPr>
+        <p:spPr>
+          <a:xfrm flipH="1" flipV="1">
+            <a:off x="6345585" y="640715"/>
+            <a:ext cx="467675" cy="369752"/>
+          </a:xfrm>
+          <a:prstGeom prst="line">
+            <a:avLst/>
+          </a:prstGeom>
+        </p:spPr>
+        <p:style>
+          <a:lnRef idx="1">
+            <a:schemeClr val="dk1"/>
+          </a:lnRef>
+          <a:fillRef idx="0">
+            <a:schemeClr val="dk1"/>
+          </a:fillRef>
+          <a:effectRef idx="0">
+            <a:schemeClr val="dk1"/>
+          </a:effectRef>
+          <a:fontRef idx="minor">
+            <a:schemeClr val="tx1"/>
+          </a:fontRef>
+        </p:style>
+      </p:cxnSp>
+      <p:cxnSp>
+        <p:nvCxnSpPr>
+          <p:cNvPr id="159" name="Straight Connector 158"/>
+          <p:cNvCxnSpPr>
+            <a:stCxn id="127" idx="1"/>
+            <a:endCxn id="5" idx="3"/>
+          </p:cNvCxnSpPr>
+          <p:nvPr/>
+        </p:nvCxnSpPr>
+        <p:spPr>
+          <a:xfrm flipH="1">
+            <a:off x="6274466" y="1524661"/>
+            <a:ext cx="467674" cy="380999"/>
+          </a:xfrm>
+          <a:prstGeom prst="line">
+            <a:avLst/>
+          </a:prstGeom>
+        </p:spPr>
+        <p:style>
+          <a:lnRef idx="1">
+            <a:schemeClr val="dk1"/>
+          </a:lnRef>
+          <a:fillRef idx="0">
+            <a:schemeClr val="dk1"/>
+          </a:fillRef>
+          <a:effectRef idx="0">
+            <a:schemeClr val="dk1"/>
+          </a:effectRef>
+          <a:fontRef idx="minor">
+            <a:schemeClr val="tx1"/>
+          </a:fontRef>
+        </p:style>
+      </p:cxnSp>
+      <p:cxnSp>
+        <p:nvCxnSpPr>
+          <p:cNvPr id="162" name="Straight Connector 161"/>
+          <p:cNvCxnSpPr>
+            <a:stCxn id="128" idx="1"/>
+            <a:endCxn id="5" idx="3"/>
+          </p:cNvCxnSpPr>
+          <p:nvPr/>
+        </p:nvCxnSpPr>
+        <p:spPr>
+          <a:xfrm flipH="1">
+            <a:off x="6274466" y="1890709"/>
+            <a:ext cx="467674" cy="14951"/>
+          </a:xfrm>
+          <a:prstGeom prst="line">
+            <a:avLst/>
+          </a:prstGeom>
+        </p:spPr>
+        <p:style>
+          <a:lnRef idx="1">
+            <a:schemeClr val="dk1"/>
+          </a:lnRef>
+          <a:fillRef idx="0">
+            <a:schemeClr val="dk1"/>
+          </a:fillRef>
+          <a:effectRef idx="0">
+            <a:schemeClr val="dk1"/>
+          </a:effectRef>
+          <a:fontRef idx="minor">
+            <a:schemeClr val="tx1"/>
+          </a:fontRef>
+        </p:style>
+      </p:cxnSp>
+      <p:cxnSp>
+        <p:nvCxnSpPr>
+          <p:cNvPr id="165" name="Straight Connector 164"/>
+          <p:cNvCxnSpPr>
+            <a:stCxn id="130" idx="1"/>
+            <a:endCxn id="6" idx="3"/>
+          </p:cNvCxnSpPr>
+          <p:nvPr/>
+        </p:nvCxnSpPr>
+        <p:spPr>
+          <a:xfrm flipH="1">
+            <a:off x="6274466" y="3063641"/>
+            <a:ext cx="396554" cy="350171"/>
+          </a:xfrm>
+          <a:prstGeom prst="line">
+            <a:avLst/>
+          </a:prstGeom>
+        </p:spPr>
+        <p:style>
+          <a:lnRef idx="1">
+            <a:schemeClr val="dk1"/>
+          </a:lnRef>
+          <a:fillRef idx="0">
+            <a:schemeClr val="dk1"/>
+          </a:fillRef>
+          <a:effectRef idx="0">
+            <a:schemeClr val="dk1"/>
+          </a:effectRef>
+          <a:fontRef idx="minor">
+            <a:schemeClr val="tx1"/>
+          </a:fontRef>
+        </p:style>
+      </p:cxnSp>
+      <p:cxnSp>
+        <p:nvCxnSpPr>
+          <p:cNvPr id="169" name="Straight Arrow Connector 168"/>
+          <p:cNvCxnSpPr>
+            <a:stCxn id="127" idx="0"/>
+            <a:endCxn id="124" idx="2"/>
+          </p:cNvCxnSpPr>
+          <p:nvPr/>
+        </p:nvCxnSpPr>
+        <p:spPr>
+          <a:xfrm flipH="1" flipV="1">
+            <a:off x="7623259" y="1154465"/>
+            <a:ext cx="9151" cy="238116"/>
+          </a:xfrm>
+          <a:prstGeom prst="straightConnector1">
+            <a:avLst/>
+          </a:prstGeom>
+          <a:ln w="12700" cmpd="sng">
+            <a:headEnd type="none"/>
+            <a:tailEnd type="triangle"/>
+          </a:ln>
+          <a:effectLst/>
+        </p:spPr>
+        <p:style>
+          <a:lnRef idx="2">
+            <a:schemeClr val="accent1"/>
+          </a:lnRef>
+          <a:fillRef idx="0">
+            <a:schemeClr val="accent1"/>
+          </a:fillRef>
+          <a:effectRef idx="1">
+            <a:schemeClr val="accent1"/>
+          </a:effectRef>
+          <a:fontRef idx="minor">
+            <a:schemeClr val="tx1"/>
+          </a:fontRef>
+        </p:style>
+      </p:cxnSp>
+      <p:cxnSp>
+        <p:nvCxnSpPr>
+          <p:cNvPr id="171" name="Elbow Connector 170"/>
+          <p:cNvCxnSpPr>
+            <a:stCxn id="129" idx="3"/>
+          </p:cNvCxnSpPr>
+          <p:nvPr/>
+        </p:nvCxnSpPr>
+        <p:spPr>
+          <a:xfrm flipH="1" flipV="1">
+            <a:off x="7808941" y="2032660"/>
+            <a:ext cx="427878" cy="262718"/>
+          </a:xfrm>
+          <a:prstGeom prst="bentConnector3">
+            <a:avLst>
+              <a:gd name="adj1" fmla="val -53426"/>
+            </a:avLst>
+          </a:prstGeom>
+          <a:ln w="3175" cmpd="sng">
+            <a:prstDash val="lgDash"/>
+            <a:tailEnd type="arrow"/>
+          </a:ln>
+          <a:effectLst/>
+        </p:spPr>
+        <p:style>
+          <a:lnRef idx="2">
+            <a:schemeClr val="accent1"/>
+          </a:lnRef>
+          <a:fillRef idx="0">
+            <a:schemeClr val="accent1"/>
+          </a:fillRef>
+          <a:effectRef idx="1">
+            <a:schemeClr val="accent1"/>
+          </a:effectRef>
+          <a:fontRef idx="minor">
+            <a:schemeClr val="tx1"/>
+          </a:fontRef>
+        </p:style>
+      </p:cxnSp>
+      <p:cxnSp>
+        <p:nvCxnSpPr>
+          <p:cNvPr id="172" name="Elbow Connector 171"/>
+          <p:cNvCxnSpPr>
+            <a:stCxn id="128" idx="3"/>
+          </p:cNvCxnSpPr>
+          <p:nvPr/>
+        </p:nvCxnSpPr>
+        <p:spPr>
+          <a:xfrm flipV="1">
+            <a:off x="7808940" y="1656741"/>
+            <a:ext cx="243839" cy="233968"/>
+          </a:xfrm>
+          <a:prstGeom prst="bentConnector3">
+            <a:avLst>
+              <a:gd name="adj1" fmla="val 104827"/>
+            </a:avLst>
+          </a:prstGeom>
+          <a:ln w="3175" cmpd="sng">
+            <a:prstDash val="lgDash"/>
+            <a:headEnd type="none"/>
+            <a:tailEnd type="arrow"/>
+          </a:ln>
+          <a:effectLst/>
+        </p:spPr>
+        <p:style>
+          <a:lnRef idx="2">
+            <a:schemeClr val="accent1"/>
+          </a:lnRef>
+          <a:fillRef idx="0">
+            <a:schemeClr val="accent1"/>
+          </a:fillRef>
+          <a:effectRef idx="1">
+            <a:schemeClr val="accent1"/>
+          </a:effectRef>
+          <a:fontRef idx="minor">
+            <a:schemeClr val="tx1"/>
+          </a:fontRef>
+        </p:style>
+      </p:cxnSp>
+      <p:cxnSp>
+        <p:nvCxnSpPr>
+          <p:cNvPr id="181" name="Elbow Connector 180"/>
+          <p:cNvCxnSpPr>
+            <a:stCxn id="130" idx="3"/>
+            <a:endCxn id="124" idx="3"/>
+          </p:cNvCxnSpPr>
+          <p:nvPr/>
+        </p:nvCxnSpPr>
+        <p:spPr>
+          <a:xfrm flipH="1" flipV="1">
+            <a:off x="8433258" y="1010467"/>
+            <a:ext cx="303740" cy="2053174"/>
+          </a:xfrm>
+          <a:prstGeom prst="bentConnector3">
+            <a:avLst>
+              <a:gd name="adj1" fmla="val -75262"/>
+            </a:avLst>
+          </a:prstGeom>
+          <a:ln w="12700" cmpd="sng">
+            <a:headEnd type="none"/>
+            <a:tailEnd type="triangle"/>
+          </a:ln>
+          <a:effectLst/>
+        </p:spPr>
+        <p:style>
+          <a:lnRef idx="2">
+            <a:schemeClr val="accent1"/>
+          </a:lnRef>
+          <a:fillRef idx="0">
+            <a:schemeClr val="accent1"/>
+          </a:fillRef>
+          <a:effectRef idx="1">
+            <a:schemeClr val="accent1"/>
+          </a:effectRef>
+          <a:fontRef idx="minor">
+            <a:schemeClr val="tx1"/>
+          </a:fontRef>
+        </p:style>
+      </p:cxnSp>
+      <p:cxnSp>
+        <p:nvCxnSpPr>
+          <p:cNvPr id="217" name="Straight Connector 216"/>
+          <p:cNvCxnSpPr>
+            <a:stCxn id="136" idx="1"/>
+            <a:endCxn id="6" idx="3"/>
+          </p:cNvCxnSpPr>
+          <p:nvPr/>
+        </p:nvCxnSpPr>
+        <p:spPr>
+          <a:xfrm flipH="1">
+            <a:off x="6274466" y="2705500"/>
+            <a:ext cx="396554" cy="708312"/>
+          </a:xfrm>
+          <a:prstGeom prst="line">
+            <a:avLst/>
+          </a:prstGeom>
+        </p:spPr>
+        <p:style>
+          <a:lnRef idx="1">
+            <a:schemeClr val="dk1"/>
+          </a:lnRef>
+          <a:fillRef idx="0">
+            <a:schemeClr val="dk1"/>
+          </a:fillRef>
+          <a:effectRef idx="0">
+            <a:schemeClr val="dk1"/>
+          </a:effectRef>
+          <a:fontRef idx="minor">
+            <a:schemeClr val="tx1"/>
+          </a:fontRef>
+        </p:style>
+      </p:cxnSp>
+      <p:cxnSp>
+        <p:nvCxnSpPr>
+          <p:cNvPr id="222" name="Straight Connector 221"/>
+          <p:cNvCxnSpPr>
+            <a:stCxn id="131" idx="1"/>
+            <a:endCxn id="6" idx="3"/>
+          </p:cNvCxnSpPr>
+          <p:nvPr/>
+        </p:nvCxnSpPr>
+        <p:spPr>
+          <a:xfrm flipH="1" flipV="1">
+            <a:off x="6274466" y="3413812"/>
+            <a:ext cx="366074" cy="404206"/>
+          </a:xfrm>
+          <a:prstGeom prst="line">
+            <a:avLst/>
+          </a:prstGeom>
+        </p:spPr>
+        <p:style>
+          <a:lnRef idx="1">
+            <a:schemeClr val="dk1"/>
+          </a:lnRef>
+          <a:fillRef idx="0">
+            <a:schemeClr val="dk1"/>
+          </a:fillRef>
+          <a:effectRef idx="0">
+            <a:schemeClr val="dk1"/>
+          </a:effectRef>
+          <a:fontRef idx="minor">
+            <a:schemeClr val="tx1"/>
+          </a:fontRef>
+        </p:style>
+      </p:cxnSp>
+      <p:cxnSp>
+        <p:nvCxnSpPr>
+          <p:cNvPr id="225" name="Straight Connector 224"/>
+          <p:cNvCxnSpPr>
+            <a:stCxn id="137" idx="1"/>
+            <a:endCxn id="6" idx="3"/>
+          </p:cNvCxnSpPr>
+          <p:nvPr/>
+        </p:nvCxnSpPr>
+        <p:spPr>
+          <a:xfrm flipH="1" flipV="1">
+            <a:off x="6274466" y="3413812"/>
+            <a:ext cx="381315" cy="21938"/>
+          </a:xfrm>
+          <a:prstGeom prst="line">
+            <a:avLst/>
+          </a:prstGeom>
+        </p:spPr>
+        <p:style>
+          <a:lnRef idx="1">
+            <a:schemeClr val="dk1"/>
+          </a:lnRef>
+          <a:fillRef idx="0">
+            <a:schemeClr val="dk1"/>
+          </a:fillRef>
+          <a:effectRef idx="0">
+            <a:schemeClr val="dk1"/>
+          </a:effectRef>
+          <a:fontRef idx="minor">
+            <a:schemeClr val="tx1"/>
+          </a:fontRef>
+        </p:style>
+      </p:cxnSp>
+      <p:cxnSp>
+        <p:nvCxnSpPr>
+          <p:cNvPr id="228" name="Straight Connector 227"/>
+          <p:cNvCxnSpPr>
+            <a:stCxn id="132" idx="1"/>
+            <a:endCxn id="6" idx="3"/>
+          </p:cNvCxnSpPr>
+          <p:nvPr/>
+        </p:nvCxnSpPr>
+        <p:spPr>
+          <a:xfrm flipH="1" flipV="1">
+            <a:off x="6274466" y="3413812"/>
+            <a:ext cx="371154" cy="910553"/>
+          </a:xfrm>
+          <a:prstGeom prst="line">
+            <a:avLst/>
+          </a:prstGeom>
+        </p:spPr>
+        <p:style>
+          <a:lnRef idx="1">
+            <a:schemeClr val="dk1"/>
+          </a:lnRef>
+          <a:fillRef idx="0">
+            <a:schemeClr val="dk1"/>
+          </a:fillRef>
+          <a:effectRef idx="0">
+            <a:schemeClr val="dk1"/>
+          </a:effectRef>
+          <a:fontRef idx="minor">
+            <a:schemeClr val="tx1"/>
+          </a:fontRef>
+        </p:style>
+      </p:cxnSp>
+      <p:cxnSp>
+        <p:nvCxnSpPr>
+          <p:cNvPr id="313" name="Elbow Connector 312"/>
+          <p:cNvCxnSpPr/>
+          <p:nvPr/>
+        </p:nvCxnSpPr>
+        <p:spPr>
+          <a:xfrm flipV="1">
+            <a:off x="7849579" y="3202071"/>
+            <a:ext cx="243839" cy="259079"/>
+          </a:xfrm>
+          <a:prstGeom prst="bentConnector2">
+            <a:avLst/>
+          </a:prstGeom>
+          <a:ln w="3175" cmpd="sng">
+            <a:prstDash val="lgDash"/>
+            <a:tailEnd type="arrow"/>
+          </a:ln>
+          <a:effectLst/>
+        </p:spPr>
+        <p:style>
+          <a:lnRef idx="2">
+            <a:schemeClr val="accent1"/>
+          </a:lnRef>
+          <a:fillRef idx="0">
+            <a:schemeClr val="accent1"/>
+          </a:fillRef>
+          <a:effectRef idx="1">
+            <a:schemeClr val="accent1"/>
+          </a:effectRef>
+          <a:fontRef idx="minor">
+            <a:schemeClr val="tx1"/>
+          </a:fontRef>
+        </p:style>
+      </p:cxnSp>
+      <p:cxnSp>
+        <p:nvCxnSpPr>
+          <p:cNvPr id="315" name="Elbow Connector 314"/>
+          <p:cNvCxnSpPr>
+            <a:stCxn id="131" idx="3"/>
+          </p:cNvCxnSpPr>
+          <p:nvPr/>
+        </p:nvCxnSpPr>
+        <p:spPr>
+          <a:xfrm flipV="1">
+            <a:off x="8037538" y="3202071"/>
+            <a:ext cx="489229" cy="615947"/>
+          </a:xfrm>
+          <a:prstGeom prst="bentConnector2">
+            <a:avLst/>
+          </a:prstGeom>
+          <a:ln w="3175" cmpd="sng">
+            <a:prstDash val="lgDash"/>
+            <a:tailEnd type="arrow"/>
+          </a:ln>
+          <a:effectLst/>
+        </p:spPr>
+        <p:style>
+          <a:lnRef idx="2">
+            <a:schemeClr val="accent1"/>
+          </a:lnRef>
+          <a:fillRef idx="0">
+            <a:schemeClr val="accent1"/>
+          </a:fillRef>
+          <a:effectRef idx="1">
+            <a:schemeClr val="accent1"/>
+          </a:effectRef>
+          <a:fontRef idx="minor">
+            <a:schemeClr val="tx1"/>
+          </a:fontRef>
+        </p:style>
+      </p:cxnSp>
+      <p:cxnSp>
+        <p:nvCxnSpPr>
+          <p:cNvPr id="333" name="Straight Connector 332"/>
+          <p:cNvCxnSpPr>
+            <a:stCxn id="129" idx="1"/>
+            <a:endCxn id="5" idx="3"/>
+          </p:cNvCxnSpPr>
+          <p:nvPr/>
+        </p:nvCxnSpPr>
+        <p:spPr>
+          <a:xfrm flipH="1" flipV="1">
+            <a:off x="6274466" y="1905660"/>
+            <a:ext cx="467674" cy="389718"/>
+          </a:xfrm>
+          <a:prstGeom prst="line">
+            <a:avLst/>
+          </a:prstGeom>
+        </p:spPr>
+        <p:style>
+          <a:lnRef idx="1">
+            <a:schemeClr val="dk1"/>
+          </a:lnRef>
+          <a:fillRef idx="0">
+            <a:schemeClr val="dk1"/>
+          </a:fillRef>
+          <a:effectRef idx="0">
+            <a:schemeClr val="dk1"/>
+          </a:effectRef>
+          <a:fontRef idx="minor">
+            <a:schemeClr val="tx1"/>
+          </a:fontRef>
+        </p:style>
+      </p:cxnSp>
+      <p:cxnSp>
+        <p:nvCxnSpPr>
+          <p:cNvPr id="379" name="Straight Arrow Connector 378"/>
+          <p:cNvCxnSpPr>
+            <a:stCxn id="132" idx="0"/>
+          </p:cNvCxnSpPr>
+          <p:nvPr/>
+        </p:nvCxnSpPr>
+        <p:spPr>
+          <a:xfrm flipV="1">
+            <a:off x="7585419" y="3950098"/>
+            <a:ext cx="0" cy="243774"/>
+          </a:xfrm>
+          <a:prstGeom prst="straightConnector1">
+            <a:avLst/>
+          </a:prstGeom>
+          <a:ln w="3175" cmpd="sng">
+            <a:prstDash val="lgDash"/>
+            <a:tailEnd type="arrow"/>
+          </a:ln>
+          <a:effectLst/>
+        </p:spPr>
+        <p:style>
+          <a:lnRef idx="2">
+            <a:schemeClr val="accent1"/>
+          </a:lnRef>
+          <a:fillRef idx="0">
+            <a:schemeClr val="accent1"/>
+          </a:fillRef>
+          <a:effectRef idx="1">
+            <a:schemeClr val="accent1"/>
+          </a:effectRef>
+          <a:fontRef idx="minor">
+            <a:schemeClr val="tx1"/>
+          </a:fontRef>
+        </p:style>
+      </p:cxnSp>
+      <p:cxnSp>
+        <p:nvCxnSpPr>
+          <p:cNvPr id="426" name="Elbow Connector 425"/>
+          <p:cNvCxnSpPr>
+            <a:stCxn id="141" idx="3"/>
+          </p:cNvCxnSpPr>
+          <p:nvPr/>
+        </p:nvCxnSpPr>
+        <p:spPr>
+          <a:xfrm flipV="1">
+            <a:off x="7710222" y="5085918"/>
+            <a:ext cx="197842" cy="222883"/>
+          </a:xfrm>
+          <a:prstGeom prst="bentConnector2">
+            <a:avLst/>
+          </a:prstGeom>
+          <a:ln w="3175" cmpd="sng">
+            <a:prstDash val="lgDash"/>
+            <a:tailEnd type="arrow"/>
+          </a:ln>
+          <a:effectLst/>
+        </p:spPr>
+        <p:style>
+          <a:lnRef idx="2">
+            <a:schemeClr val="accent1"/>
+          </a:lnRef>
+          <a:fillRef idx="0">
+            <a:schemeClr val="accent1"/>
+          </a:fillRef>
+          <a:effectRef idx="1">
+            <a:schemeClr val="accent1"/>
+          </a:effectRef>
+          <a:fontRef idx="minor">
+            <a:schemeClr val="tx1"/>
+          </a:fontRef>
+        </p:style>
+      </p:cxnSp>
+      <p:cxnSp>
+        <p:nvCxnSpPr>
+          <p:cNvPr id="427" name="Elbow Connector 426"/>
+          <p:cNvCxnSpPr>
+            <a:stCxn id="140" idx="3"/>
+          </p:cNvCxnSpPr>
+          <p:nvPr/>
+        </p:nvCxnSpPr>
+        <p:spPr>
+          <a:xfrm flipV="1">
+            <a:off x="7710222" y="5085919"/>
+            <a:ext cx="814996" cy="809316"/>
+          </a:xfrm>
+          <a:prstGeom prst="bentConnector3">
+            <a:avLst>
+              <a:gd name="adj1" fmla="val 98480"/>
+            </a:avLst>
+          </a:prstGeom>
+          <a:ln w="3175" cmpd="sng">
+            <a:prstDash val="lgDash"/>
+            <a:tailEnd type="arrow"/>
+          </a:ln>
+          <a:effectLst/>
+        </p:spPr>
+        <p:style>
+          <a:lnRef idx="2">
+            <a:schemeClr val="accent1"/>
+          </a:lnRef>
+          <a:fillRef idx="0">
+            <a:schemeClr val="accent1"/>
+          </a:fillRef>
+          <a:effectRef idx="1">
+            <a:schemeClr val="accent1"/>
+          </a:effectRef>
+          <a:fontRef idx="minor">
+            <a:schemeClr val="tx1"/>
+          </a:fontRef>
+        </p:style>
+      </p:cxnSp>
+      <p:cxnSp>
+        <p:nvCxnSpPr>
+          <p:cNvPr id="438" name="Elbow Connector 437"/>
+          <p:cNvCxnSpPr>
+            <a:stCxn id="138" idx="3"/>
+          </p:cNvCxnSpPr>
+          <p:nvPr/>
+        </p:nvCxnSpPr>
+        <p:spPr>
+          <a:xfrm flipV="1">
+            <a:off x="7710222" y="5085918"/>
+            <a:ext cx="1026776" cy="1119116"/>
+          </a:xfrm>
+          <a:prstGeom prst="bentConnector2">
+            <a:avLst/>
+          </a:prstGeom>
+          <a:ln w="3175" cmpd="sng">
+            <a:prstDash val="lgDash"/>
+            <a:tailEnd type="arrow"/>
+          </a:ln>
+          <a:effectLst/>
+        </p:spPr>
+        <p:style>
+          <a:lnRef idx="2">
+            <a:schemeClr val="accent1"/>
+          </a:lnRef>
+          <a:fillRef idx="0">
+            <a:schemeClr val="accent1"/>
+          </a:fillRef>
+          <a:effectRef idx="1">
+            <a:schemeClr val="accent1"/>
+          </a:effectRef>
+          <a:fontRef idx="minor">
+            <a:schemeClr val="tx1"/>
+          </a:fontRef>
+        </p:style>
+      </p:cxnSp>
+      <p:cxnSp>
+        <p:nvCxnSpPr>
+          <p:cNvPr id="443" name="Straight Connector 442"/>
+          <p:cNvCxnSpPr>
+            <a:stCxn id="139" idx="1"/>
+            <a:endCxn id="7" idx="3"/>
+          </p:cNvCxnSpPr>
+          <p:nvPr/>
+        </p:nvCxnSpPr>
+        <p:spPr>
+          <a:xfrm flipH="1">
+            <a:off x="6274466" y="4972253"/>
+            <a:ext cx="422019" cy="631094"/>
+          </a:xfrm>
+          <a:prstGeom prst="line">
+            <a:avLst/>
+          </a:prstGeom>
+        </p:spPr>
+        <p:style>
+          <a:lnRef idx="1">
+            <a:schemeClr val="dk1"/>
+          </a:lnRef>
+          <a:fillRef idx="0">
+            <a:schemeClr val="dk1"/>
+          </a:fillRef>
+          <a:effectRef idx="0">
+            <a:schemeClr val="dk1"/>
+          </a:effectRef>
+          <a:fontRef idx="minor">
+            <a:schemeClr val="tx1"/>
+          </a:fontRef>
+        </p:style>
+      </p:cxnSp>
+      <p:cxnSp>
+        <p:nvCxnSpPr>
+          <p:cNvPr id="446" name="Straight Connector 445"/>
+          <p:cNvCxnSpPr>
+            <a:stCxn id="140" idx="1"/>
+            <a:endCxn id="7" idx="3"/>
+          </p:cNvCxnSpPr>
+          <p:nvPr/>
+        </p:nvCxnSpPr>
+        <p:spPr>
+          <a:xfrm flipH="1" flipV="1">
+            <a:off x="6274466" y="5603347"/>
+            <a:ext cx="434719" cy="291888"/>
+          </a:xfrm>
+          <a:prstGeom prst="line">
+            <a:avLst/>
+          </a:prstGeom>
+        </p:spPr>
+        <p:style>
+          <a:lnRef idx="1">
+            <a:schemeClr val="dk1"/>
+          </a:lnRef>
+          <a:fillRef idx="0">
+            <a:schemeClr val="dk1"/>
+          </a:fillRef>
+          <a:effectRef idx="0">
+            <a:schemeClr val="dk1"/>
+          </a:effectRef>
+          <a:fontRef idx="minor">
+            <a:schemeClr val="tx1"/>
+          </a:fontRef>
+        </p:style>
+      </p:cxnSp>
+      <p:cxnSp>
+        <p:nvCxnSpPr>
+          <p:cNvPr id="449" name="Straight Connector 448"/>
+          <p:cNvCxnSpPr>
+            <a:stCxn id="138" idx="1"/>
+            <a:endCxn id="7" idx="3"/>
+          </p:cNvCxnSpPr>
+          <p:nvPr/>
+        </p:nvCxnSpPr>
+        <p:spPr>
+          <a:xfrm flipH="1" flipV="1">
+            <a:off x="6274466" y="5603347"/>
+            <a:ext cx="424559" cy="601687"/>
+          </a:xfrm>
+          <a:prstGeom prst="line">
+            <a:avLst/>
+          </a:prstGeom>
+        </p:spPr>
+        <p:style>
+          <a:lnRef idx="1">
+            <a:schemeClr val="dk1"/>
+          </a:lnRef>
+          <a:fillRef idx="0">
+            <a:schemeClr val="dk1"/>
+          </a:fillRef>
+          <a:effectRef idx="0">
+            <a:schemeClr val="dk1"/>
+          </a:effectRef>
+          <a:fontRef idx="minor">
+            <a:schemeClr val="tx1"/>
+          </a:fontRef>
+        </p:style>
+      </p:cxnSp>
+      <p:cxnSp>
+        <p:nvCxnSpPr>
+          <p:cNvPr id="452" name="Straight Connector 451"/>
+          <p:cNvCxnSpPr>
+            <a:stCxn id="80" idx="1"/>
+            <a:endCxn id="7" idx="3"/>
+          </p:cNvCxnSpPr>
+          <p:nvPr/>
+        </p:nvCxnSpPr>
+        <p:spPr>
+          <a:xfrm flipH="1">
+            <a:off x="6274466" y="5603347"/>
+            <a:ext cx="439800" cy="0"/>
+          </a:xfrm>
+          <a:prstGeom prst="line">
+            <a:avLst/>
+          </a:prstGeom>
+        </p:spPr>
+        <p:style>
+          <a:lnRef idx="1">
+            <a:schemeClr val="dk1"/>
+          </a:lnRef>
+          <a:fillRef idx="0">
+            <a:schemeClr val="dk1"/>
+          </a:fillRef>
+          <a:effectRef idx="0">
+            <a:schemeClr val="dk1"/>
+          </a:effectRef>
+          <a:fontRef idx="minor">
+            <a:schemeClr val="tx1"/>
+          </a:fontRef>
+        </p:style>
+      </p:cxnSp>
+      <p:sp>
+        <p:nvSpPr>
           <p:cNvPr id="484" name="Rounded Rectangle 483"/>
           <p:cNvSpPr/>
           <p:nvPr/>
@@ -11353,6 +13180,86 @@
           </a:p>
         </p:txBody>
       </p:sp>
+      <p:cxnSp>
+        <p:nvCxnSpPr>
+          <p:cNvPr id="73" name="Elbow Connector 72"/>
+          <p:cNvCxnSpPr>
+            <a:stCxn id="136" idx="3"/>
+          </p:cNvCxnSpPr>
+          <p:nvPr/>
+        </p:nvCxnSpPr>
+        <p:spPr>
+          <a:xfrm flipH="1" flipV="1">
+            <a:off x="8433258" y="1154465"/>
+            <a:ext cx="89421" cy="1551035"/>
+          </a:xfrm>
+          <a:prstGeom prst="bentConnector4">
+            <a:avLst>
+              <a:gd name="adj1" fmla="val -255645"/>
+              <a:gd name="adj2" fmla="val 99583"/>
+            </a:avLst>
+          </a:prstGeom>
+          <a:ln w="12700" cmpd="sng">
+            <a:headEnd type="none"/>
+            <a:tailEnd type="triangle"/>
+          </a:ln>
+          <a:effectLst/>
+        </p:spPr>
+        <p:style>
+          <a:lnRef idx="2">
+            <a:schemeClr val="accent1"/>
+          </a:lnRef>
+          <a:fillRef idx="0">
+            <a:schemeClr val="accent1"/>
+          </a:fillRef>
+          <a:effectRef idx="1">
+            <a:schemeClr val="accent1"/>
+          </a:effectRef>
+          <a:fontRef idx="minor">
+            <a:schemeClr val="tx1"/>
+          </a:fontRef>
+        </p:style>
+      </p:cxnSp>
+      <p:cxnSp>
+        <p:nvCxnSpPr>
+          <p:cNvPr id="108" name="Elbow Connector 107"/>
+          <p:cNvCxnSpPr>
+            <a:endCxn id="126" idx="3"/>
+          </p:cNvCxnSpPr>
+          <p:nvPr/>
+        </p:nvCxnSpPr>
+        <p:spPr>
+          <a:xfrm rot="10800000">
+            <a:off x="7575260" y="645160"/>
+            <a:ext cx="365761" cy="221308"/>
+          </a:xfrm>
+          <a:prstGeom prst="bentConnector3">
+            <a:avLst>
+              <a:gd name="adj1" fmla="val -134"/>
+            </a:avLst>
+          </a:prstGeom>
+          <a:ln w="3175" cmpd="sng">
+            <a:prstDash val="lgDash"/>
+            <a:headEnd type="none"/>
+            <a:tailEnd type="arrow"/>
+          </a:ln>
+          <a:effectLst/>
+        </p:spPr>
+        <p:style>
+          <a:lnRef idx="2">
+            <a:schemeClr val="accent1"/>
+          </a:lnRef>
+          <a:fillRef idx="0">
+            <a:schemeClr val="accent1"/>
+          </a:fillRef>
+          <a:effectRef idx="1">
+            <a:schemeClr val="accent1"/>
+          </a:effectRef>
+          <a:fontRef idx="minor">
+            <a:schemeClr val="tx1"/>
+          </a:fontRef>
+        </p:style>
+      </p:cxnSp>
       <p:sp>
         <p:nvSpPr>
           <p:cNvPr id="2" name="TextBox 1"/>
@@ -11362,7 +13269,7 @@
         <p:spPr>
           <a:xfrm>
             <a:off x="94584" y="6488668"/>
-            <a:ext cx="1967205" cy="369332"/>
+            <a:ext cx="4980851" cy="369332"/>
           </a:xfrm>
           <a:prstGeom prst="rect">
             <a:avLst/>
@@ -11377,12 +13284,101 @@
           <a:p>
             <a:r>
               <a:rPr lang="en-US" dirty="0" smtClean="0"/>
-              <a:t>COMPLETE MODEL</a:t>
+              <a:t>FOR DEPENDABILITY PURPOSES COMPLETE </a:t>
+            </a:r>
+            <a:r>
+              <a:rPr lang="en-US" dirty="0" smtClean="0"/>
+              <a:t>MODEL</a:t>
             </a:r>
             <a:endParaRPr lang="en-US" dirty="0"/>
           </a:p>
         </p:txBody>
       </p:sp>
+      <p:sp>
+        <p:nvSpPr>
+          <p:cNvPr id="80" name="Rounded Rectangle 79"/>
+          <p:cNvSpPr/>
+          <p:nvPr/>
+        </p:nvSpPr>
+        <p:spPr>
+          <a:xfrm>
+            <a:off x="6714266" y="5493707"/>
+            <a:ext cx="993917" cy="219279"/>
+          </a:xfrm>
+          <a:prstGeom prst="roundRect">
+            <a:avLst>
+              <a:gd name="adj" fmla="val 0"/>
+            </a:avLst>
+          </a:prstGeom>
+          <a:solidFill>
+            <a:schemeClr val="lt1"/>
+          </a:solidFill>
+          <a:ln w="12700"/>
+        </p:spPr>
+        <p:style>
+          <a:lnRef idx="2">
+            <a:schemeClr val="dk1"/>
+          </a:lnRef>
+          <a:fillRef idx="1">
+            <a:schemeClr val="lt1"/>
+          </a:fillRef>
+          <a:effectRef idx="0">
+            <a:schemeClr val="dk1"/>
+          </a:effectRef>
+          <a:fontRef idx="minor">
+            <a:schemeClr val="dk1"/>
+          </a:fontRef>
+        </p:style>
+        <p:txBody>
+          <a:bodyPr rtlCol="0" anchor="ctr"/>
+          <a:lstStyle/>
+          <a:p>
+            <a:pPr algn="ctr"/>
+            <a:r>
+              <a:rPr lang="en-US" sz="1000" dirty="0" smtClean="0"/>
+              <a:t>Privacy</a:t>
+            </a:r>
+            <a:endParaRPr lang="en-US" sz="1000" dirty="0"/>
+          </a:p>
+        </p:txBody>
+      </p:sp>
+      <p:cxnSp>
+        <p:nvCxnSpPr>
+          <p:cNvPr id="81" name="Elbow Connector 80"/>
+          <p:cNvCxnSpPr>
+            <a:stCxn id="80" idx="3"/>
+          </p:cNvCxnSpPr>
+          <p:nvPr/>
+        </p:nvCxnSpPr>
+        <p:spPr>
+          <a:xfrm flipV="1">
+            <a:off x="7708183" y="5085919"/>
+            <a:ext cx="387840" cy="517428"/>
+          </a:xfrm>
+          <a:prstGeom prst="bentConnector2">
+            <a:avLst/>
+          </a:prstGeom>
+          <a:ln w="3175" cmpd="sng">
+            <a:prstDash val="lgDash"/>
+            <a:tailEnd type="arrow"/>
+          </a:ln>
+          <a:effectLst/>
+        </p:spPr>
+        <p:style>
+          <a:lnRef idx="2">
+            <a:schemeClr val="accent1"/>
+          </a:lnRef>
+          <a:fillRef idx="0">
+            <a:schemeClr val="accent1"/>
+          </a:fillRef>
+          <a:effectRef idx="1">
+            <a:schemeClr val="accent1"/>
+          </a:effectRef>
+          <a:fontRef idx="minor">
+            <a:schemeClr val="tx1"/>
+          </a:fontRef>
+        </p:style>
+      </p:cxnSp>
       <p:sp>
         <p:nvSpPr>
           <p:cNvPr id="75" name="TextBox 74"/>
@@ -11719,6 +13715,6050 @@
           </a:fontRef>
         </p:style>
       </p:cxnSp>
+      <p:sp>
+        <p:nvSpPr>
+          <p:cNvPr id="117" name="TextBox 116"/>
+          <p:cNvSpPr txBox="1"/>
+          <p:nvPr/>
+        </p:nvSpPr>
+        <p:spPr>
+          <a:xfrm>
+            <a:off x="2934810" y="5938345"/>
+            <a:ext cx="3541888" cy="461665"/>
+          </a:xfrm>
+          <a:prstGeom prst="rect">
+            <a:avLst/>
+          </a:prstGeom>
+          <a:noFill/>
+        </p:spPr>
+        <p:txBody>
+          <a:bodyPr wrap="square" rtlCol="0">
+            <a:spAutoFit/>
+          </a:bodyPr>
+          <a:lstStyle/>
+          <a:p>
+            <a:r>
+              <a:rPr lang="en-US" sz="1200" dirty="0" smtClean="0"/>
+              <a:t>Contributes to key component on same dimension</a:t>
+            </a:r>
+          </a:p>
+          <a:p>
+            <a:r>
+              <a:rPr lang="en-US" sz="1200" dirty="0" smtClean="0"/>
+              <a:t>Contributes to key component in another dimension</a:t>
+            </a:r>
+            <a:endParaRPr lang="en-US" sz="1200" dirty="0"/>
+          </a:p>
+        </p:txBody>
+      </p:sp>
+      <p:cxnSp>
+        <p:nvCxnSpPr>
+          <p:cNvPr id="118" name="Straight Arrow Connector 117"/>
+          <p:cNvCxnSpPr/>
+          <p:nvPr/>
+        </p:nvCxnSpPr>
+        <p:spPr>
+          <a:xfrm flipH="1">
+            <a:off x="2681098" y="6276111"/>
+            <a:ext cx="263174" cy="0"/>
+          </a:xfrm>
+          <a:prstGeom prst="straightConnector1">
+            <a:avLst/>
+          </a:prstGeom>
+          <a:ln w="12700" cmpd="sng">
+            <a:headEnd type="none"/>
+            <a:tailEnd type="triangle"/>
+          </a:ln>
+          <a:effectLst/>
+        </p:spPr>
+        <p:style>
+          <a:lnRef idx="2">
+            <a:schemeClr val="accent1"/>
+          </a:lnRef>
+          <a:fillRef idx="0">
+            <a:schemeClr val="accent1"/>
+          </a:fillRef>
+          <a:effectRef idx="1">
+            <a:schemeClr val="accent1"/>
+          </a:effectRef>
+          <a:fontRef idx="minor">
+            <a:schemeClr val="tx1"/>
+          </a:fontRef>
+        </p:style>
+      </p:cxnSp>
+      <p:cxnSp>
+        <p:nvCxnSpPr>
+          <p:cNvPr id="119" name="Straight Arrow Connector 118"/>
+          <p:cNvCxnSpPr/>
+          <p:nvPr/>
+        </p:nvCxnSpPr>
+        <p:spPr>
+          <a:xfrm flipH="1">
+            <a:off x="2657392" y="6099544"/>
+            <a:ext cx="291815" cy="0"/>
+          </a:xfrm>
+          <a:prstGeom prst="straightConnector1">
+            <a:avLst/>
+          </a:prstGeom>
+          <a:ln w="3175" cmpd="sng">
+            <a:prstDash val="lgDash"/>
+            <a:tailEnd type="arrow"/>
+          </a:ln>
+          <a:effectLst/>
+        </p:spPr>
+        <p:style>
+          <a:lnRef idx="2">
+            <a:schemeClr val="accent1"/>
+          </a:lnRef>
+          <a:fillRef idx="0">
+            <a:schemeClr val="accent1"/>
+          </a:fillRef>
+          <a:effectRef idx="1">
+            <a:schemeClr val="accent1"/>
+          </a:effectRef>
+          <a:fontRef idx="minor">
+            <a:schemeClr val="tx1"/>
+          </a:fontRef>
+        </p:style>
+      </p:cxnSp>
+      <p:sp>
+        <p:nvSpPr>
+          <p:cNvPr id="120" name="TextBox 119"/>
+          <p:cNvSpPr txBox="1"/>
+          <p:nvPr/>
+        </p:nvSpPr>
+        <p:spPr>
+          <a:xfrm>
+            <a:off x="2290506" y="5684764"/>
+            <a:ext cx="452017" cy="276999"/>
+          </a:xfrm>
+          <a:prstGeom prst="rect">
+            <a:avLst/>
+          </a:prstGeom>
+          <a:noFill/>
+        </p:spPr>
+        <p:txBody>
+          <a:bodyPr wrap="none" rtlCol="0">
+            <a:spAutoFit/>
+          </a:bodyPr>
+          <a:lstStyle/>
+          <a:p>
+            <a:r>
+              <a:rPr lang="en-US" sz="1200" dirty="0" smtClean="0"/>
+              <a:t>Key:</a:t>
+            </a:r>
+            <a:endParaRPr lang="en-US" sz="1200" dirty="0" smtClean="0"/>
+          </a:p>
+        </p:txBody>
+      </p:sp>
+      <p:sp>
+        <p:nvSpPr>
+          <p:cNvPr id="142" name="TextBox 141"/>
+          <p:cNvSpPr txBox="1"/>
+          <p:nvPr/>
+        </p:nvSpPr>
+        <p:spPr>
+          <a:xfrm>
+            <a:off x="7600809" y="3936224"/>
+            <a:ext cx="524302" cy="246221"/>
+          </a:xfrm>
+          <a:prstGeom prst="rect">
+            <a:avLst/>
+          </a:prstGeom>
+          <a:noFill/>
+        </p:spPr>
+        <p:txBody>
+          <a:bodyPr wrap="none" rtlCol="0">
+            <a:spAutoFit/>
+          </a:bodyPr>
+          <a:lstStyle/>
+          <a:p>
+            <a:r>
+              <a:rPr lang="en-US" sz="1000" dirty="0" smtClean="0"/>
+              <a:t>H4.7.6</a:t>
+            </a:r>
+            <a:endParaRPr lang="en-US" sz="1000" dirty="0" smtClean="0"/>
+          </a:p>
+        </p:txBody>
+      </p:sp>
+      <p:sp>
+        <p:nvSpPr>
+          <p:cNvPr id="143" name="TextBox 142"/>
+          <p:cNvSpPr txBox="1"/>
+          <p:nvPr/>
+        </p:nvSpPr>
+        <p:spPr>
+          <a:xfrm>
+            <a:off x="8215570" y="2278458"/>
+            <a:ext cx="524302" cy="246221"/>
+          </a:xfrm>
+          <a:prstGeom prst="rect">
+            <a:avLst/>
+          </a:prstGeom>
+          <a:noFill/>
+        </p:spPr>
+        <p:txBody>
+          <a:bodyPr wrap="none" rtlCol="0">
+            <a:spAutoFit/>
+          </a:bodyPr>
+          <a:lstStyle/>
+          <a:p>
+            <a:r>
+              <a:rPr lang="en-US" sz="1000" dirty="0" smtClean="0"/>
+              <a:t>H4.7.3</a:t>
+            </a:r>
+            <a:endParaRPr lang="en-US" sz="1000" dirty="0" smtClean="0"/>
+          </a:p>
+        </p:txBody>
+      </p:sp>
+      <p:sp>
+        <p:nvSpPr>
+          <p:cNvPr id="144" name="TextBox 143"/>
+          <p:cNvSpPr txBox="1"/>
+          <p:nvPr/>
+        </p:nvSpPr>
+        <p:spPr>
+          <a:xfrm>
+            <a:off x="7835059" y="1154465"/>
+            <a:ext cx="524302" cy="246221"/>
+          </a:xfrm>
+          <a:prstGeom prst="rect">
+            <a:avLst/>
+          </a:prstGeom>
+          <a:noFill/>
+        </p:spPr>
+        <p:txBody>
+          <a:bodyPr wrap="none" rtlCol="0">
+            <a:spAutoFit/>
+          </a:bodyPr>
+          <a:lstStyle/>
+          <a:p>
+            <a:r>
+              <a:rPr lang="en-US" sz="1000" dirty="0" smtClean="0"/>
+              <a:t>H4.7.4</a:t>
+            </a:r>
+            <a:endParaRPr lang="en-US" sz="1000" dirty="0" smtClean="0"/>
+          </a:p>
+        </p:txBody>
+      </p:sp>
+      <p:sp>
+        <p:nvSpPr>
+          <p:cNvPr id="145" name="TextBox 144"/>
+          <p:cNvSpPr txBox="1"/>
+          <p:nvPr/>
+        </p:nvSpPr>
+        <p:spPr>
+          <a:xfrm>
+            <a:off x="8057889" y="1679663"/>
+            <a:ext cx="524302" cy="246221"/>
+          </a:xfrm>
+          <a:prstGeom prst="rect">
+            <a:avLst/>
+          </a:prstGeom>
+          <a:noFill/>
+        </p:spPr>
+        <p:txBody>
+          <a:bodyPr wrap="none" rtlCol="0">
+            <a:spAutoFit/>
+          </a:bodyPr>
+          <a:lstStyle/>
+          <a:p>
+            <a:r>
+              <a:rPr lang="en-US" sz="1000" dirty="0" smtClean="0"/>
+              <a:t>H4.7.2</a:t>
+            </a:r>
+            <a:endParaRPr lang="en-US" sz="1000" dirty="0" smtClean="0"/>
+          </a:p>
+        </p:txBody>
+      </p:sp>
+      <p:sp>
+        <p:nvSpPr>
+          <p:cNvPr id="146" name="TextBox 145"/>
+          <p:cNvSpPr txBox="1"/>
+          <p:nvPr/>
+        </p:nvSpPr>
+        <p:spPr>
+          <a:xfrm>
+            <a:off x="8002465" y="3453828"/>
+            <a:ext cx="524302" cy="246221"/>
+          </a:xfrm>
+          <a:prstGeom prst="rect">
+            <a:avLst/>
+          </a:prstGeom>
+          <a:noFill/>
+        </p:spPr>
+        <p:txBody>
+          <a:bodyPr wrap="none" rtlCol="0">
+            <a:spAutoFit/>
+          </a:bodyPr>
+          <a:lstStyle/>
+          <a:p>
+            <a:r>
+              <a:rPr lang="en-US" sz="1000" dirty="0" smtClean="0"/>
+              <a:t>H4.7.5</a:t>
+            </a:r>
+            <a:endParaRPr lang="en-US" sz="1000" dirty="0" smtClean="0"/>
+          </a:p>
+        </p:txBody>
+      </p:sp>
+      <p:sp>
+        <p:nvSpPr>
+          <p:cNvPr id="147" name="TextBox 146"/>
+          <p:cNvSpPr txBox="1"/>
+          <p:nvPr/>
+        </p:nvSpPr>
+        <p:spPr>
+          <a:xfrm>
+            <a:off x="7982532" y="5614209"/>
+            <a:ext cx="524302" cy="246221"/>
+          </a:xfrm>
+          <a:prstGeom prst="rect">
+            <a:avLst/>
+          </a:prstGeom>
+          <a:noFill/>
+        </p:spPr>
+        <p:txBody>
+          <a:bodyPr wrap="none" rtlCol="0">
+            <a:spAutoFit/>
+          </a:bodyPr>
+          <a:lstStyle/>
+          <a:p>
+            <a:r>
+              <a:rPr lang="en-US" sz="1000" dirty="0" smtClean="0"/>
+              <a:t>H4.7.7</a:t>
+            </a:r>
+            <a:endParaRPr lang="en-US" sz="1000" dirty="0" smtClean="0"/>
+          </a:p>
+        </p:txBody>
+      </p:sp>
+      <p:sp>
+        <p:nvSpPr>
+          <p:cNvPr id="148" name="TextBox 147"/>
+          <p:cNvSpPr txBox="1"/>
+          <p:nvPr/>
+        </p:nvSpPr>
+        <p:spPr>
+          <a:xfrm>
+            <a:off x="7936951" y="583159"/>
+            <a:ext cx="524302" cy="246221"/>
+          </a:xfrm>
+          <a:prstGeom prst="rect">
+            <a:avLst/>
+          </a:prstGeom>
+          <a:noFill/>
+        </p:spPr>
+        <p:txBody>
+          <a:bodyPr wrap="none" rtlCol="0">
+            <a:spAutoFit/>
+          </a:bodyPr>
+          <a:lstStyle/>
+          <a:p>
+            <a:r>
+              <a:rPr lang="en-US" sz="1000" dirty="0" smtClean="0"/>
+              <a:t>H4.7.1</a:t>
+            </a:r>
+            <a:endParaRPr lang="en-US" sz="1000" dirty="0" smtClean="0"/>
+          </a:p>
+        </p:txBody>
+      </p:sp>
+      <p:sp>
+        <p:nvSpPr>
+          <p:cNvPr id="95" name="TextBox 94"/>
+          <p:cNvSpPr txBox="1"/>
+          <p:nvPr/>
+        </p:nvSpPr>
+        <p:spPr>
+          <a:xfrm>
+            <a:off x="373865" y="2834849"/>
+            <a:ext cx="1659829" cy="369332"/>
+          </a:xfrm>
+          <a:prstGeom prst="rect">
+            <a:avLst/>
+          </a:prstGeom>
+        </p:spPr>
+        <p:style>
+          <a:lnRef idx="2">
+            <a:schemeClr val="accent2"/>
+          </a:lnRef>
+          <a:fillRef idx="1">
+            <a:schemeClr val="lt1"/>
+          </a:fillRef>
+          <a:effectRef idx="0">
+            <a:schemeClr val="accent2"/>
+          </a:effectRef>
+          <a:fontRef idx="minor">
+            <a:schemeClr val="dk1"/>
+          </a:fontRef>
+        </p:style>
+        <p:txBody>
+          <a:bodyPr wrap="none" rtlCol="0">
+            <a:spAutoFit/>
+          </a:bodyPr>
+          <a:lstStyle/>
+          <a:p>
+            <a:r>
+              <a:rPr lang="en-US" dirty="0" smtClean="0"/>
+              <a:t>DEPENDABILITY</a:t>
+            </a:r>
+            <a:endParaRPr lang="en-US" dirty="0" smtClean="0"/>
+          </a:p>
+        </p:txBody>
+      </p:sp>
+      <p:cxnSp>
+        <p:nvCxnSpPr>
+          <p:cNvPr id="96" name="Straight Connector 95"/>
+          <p:cNvCxnSpPr>
+            <a:stCxn id="95" idx="3"/>
+            <a:endCxn id="125" idx="1"/>
+          </p:cNvCxnSpPr>
+          <p:nvPr/>
+        </p:nvCxnSpPr>
+        <p:spPr>
+          <a:xfrm flipV="1">
+            <a:off x="2033694" y="303530"/>
+            <a:ext cx="4779566" cy="2715985"/>
+          </a:xfrm>
+          <a:prstGeom prst="line">
+            <a:avLst/>
+          </a:prstGeom>
+          <a:ln>
+            <a:solidFill>
+              <a:srgbClr val="FF0000"/>
+            </a:solidFill>
+          </a:ln>
+        </p:spPr>
+        <p:style>
+          <a:lnRef idx="1">
+            <a:schemeClr val="dk1"/>
+          </a:lnRef>
+          <a:fillRef idx="0">
+            <a:schemeClr val="dk1"/>
+          </a:fillRef>
+          <a:effectRef idx="0">
+            <a:schemeClr val="dk1"/>
+          </a:effectRef>
+          <a:fontRef idx="minor">
+            <a:schemeClr val="tx1"/>
+          </a:fontRef>
+        </p:style>
+      </p:cxnSp>
+      <p:cxnSp>
+        <p:nvCxnSpPr>
+          <p:cNvPr id="99" name="Straight Connector 98"/>
+          <p:cNvCxnSpPr>
+            <a:stCxn id="95" idx="3"/>
+            <a:endCxn id="12" idx="1"/>
+          </p:cNvCxnSpPr>
+          <p:nvPr/>
+        </p:nvCxnSpPr>
+        <p:spPr>
+          <a:xfrm>
+            <a:off x="2033694" y="3019515"/>
+            <a:ext cx="943814" cy="2563512"/>
+          </a:xfrm>
+          <a:prstGeom prst="line">
+            <a:avLst/>
+          </a:prstGeom>
+          <a:ln>
+            <a:solidFill>
+              <a:srgbClr val="FF0000"/>
+            </a:solidFill>
+          </a:ln>
+        </p:spPr>
+        <p:style>
+          <a:lnRef idx="1">
+            <a:schemeClr val="dk1"/>
+          </a:lnRef>
+          <a:fillRef idx="0">
+            <a:schemeClr val="dk1"/>
+          </a:fillRef>
+          <a:effectRef idx="0">
+            <a:schemeClr val="dk1"/>
+          </a:effectRef>
+          <a:fontRef idx="minor">
+            <a:schemeClr val="tx1"/>
+          </a:fontRef>
+        </p:style>
+      </p:cxnSp>
+      <p:cxnSp>
+        <p:nvCxnSpPr>
+          <p:cNvPr id="102" name="Straight Connector 101"/>
+          <p:cNvCxnSpPr>
+            <a:stCxn id="95" idx="3"/>
+            <a:endCxn id="138" idx="1"/>
+          </p:cNvCxnSpPr>
+          <p:nvPr/>
+        </p:nvCxnSpPr>
+        <p:spPr>
+          <a:xfrm>
+            <a:off x="2033694" y="3019515"/>
+            <a:ext cx="4665331" cy="3185519"/>
+          </a:xfrm>
+          <a:prstGeom prst="line">
+            <a:avLst/>
+          </a:prstGeom>
+          <a:ln>
+            <a:solidFill>
+              <a:srgbClr val="FF0000"/>
+            </a:solidFill>
+          </a:ln>
+        </p:spPr>
+        <p:style>
+          <a:lnRef idx="1">
+            <a:schemeClr val="dk1"/>
+          </a:lnRef>
+          <a:fillRef idx="0">
+            <a:schemeClr val="dk1"/>
+          </a:fillRef>
+          <a:effectRef idx="0">
+            <a:schemeClr val="dk1"/>
+          </a:effectRef>
+          <a:fontRef idx="minor">
+            <a:schemeClr val="tx1"/>
+          </a:fontRef>
+        </p:style>
+      </p:cxnSp>
+      <p:cxnSp>
+        <p:nvCxnSpPr>
+          <p:cNvPr id="105" name="Straight Connector 104"/>
+          <p:cNvCxnSpPr>
+            <a:stCxn id="95" idx="3"/>
+            <a:endCxn id="140" idx="1"/>
+          </p:cNvCxnSpPr>
+          <p:nvPr/>
+        </p:nvCxnSpPr>
+        <p:spPr>
+          <a:xfrm>
+            <a:off x="2033694" y="3019515"/>
+            <a:ext cx="4675491" cy="2875720"/>
+          </a:xfrm>
+          <a:prstGeom prst="line">
+            <a:avLst/>
+          </a:prstGeom>
+          <a:ln>
+            <a:solidFill>
+              <a:srgbClr val="FF0000"/>
+            </a:solidFill>
+          </a:ln>
+        </p:spPr>
+        <p:style>
+          <a:lnRef idx="1">
+            <a:schemeClr val="dk1"/>
+          </a:lnRef>
+          <a:fillRef idx="0">
+            <a:schemeClr val="dk1"/>
+          </a:fillRef>
+          <a:effectRef idx="0">
+            <a:schemeClr val="dk1"/>
+          </a:effectRef>
+          <a:fontRef idx="minor">
+            <a:schemeClr val="tx1"/>
+          </a:fontRef>
+        </p:style>
+      </p:cxnSp>
+      <p:cxnSp>
+        <p:nvCxnSpPr>
+          <p:cNvPr id="109" name="Straight Connector 108"/>
+          <p:cNvCxnSpPr>
+            <a:stCxn id="95" idx="3"/>
+            <a:endCxn id="10" idx="1"/>
+          </p:cNvCxnSpPr>
+          <p:nvPr/>
+        </p:nvCxnSpPr>
+        <p:spPr>
+          <a:xfrm flipV="1">
+            <a:off x="2033694" y="2385695"/>
+            <a:ext cx="791414" cy="633820"/>
+          </a:xfrm>
+          <a:prstGeom prst="line">
+            <a:avLst/>
+          </a:prstGeom>
+          <a:ln>
+            <a:solidFill>
+              <a:srgbClr val="FF0000"/>
+            </a:solidFill>
+          </a:ln>
+        </p:spPr>
+        <p:style>
+          <a:lnRef idx="1">
+            <a:schemeClr val="dk1"/>
+          </a:lnRef>
+          <a:fillRef idx="0">
+            <a:schemeClr val="dk1"/>
+          </a:fillRef>
+          <a:effectRef idx="0">
+            <a:schemeClr val="dk1"/>
+          </a:effectRef>
+          <a:fontRef idx="minor">
+            <a:schemeClr val="tx1"/>
+          </a:fontRef>
+        </p:style>
+      </p:cxnSp>
+      <p:cxnSp>
+        <p:nvCxnSpPr>
+          <p:cNvPr id="111" name="Straight Connector 110"/>
+          <p:cNvCxnSpPr>
+            <a:stCxn id="95" idx="3"/>
+            <a:endCxn id="139" idx="1"/>
+          </p:cNvCxnSpPr>
+          <p:nvPr/>
+        </p:nvCxnSpPr>
+        <p:spPr>
+          <a:xfrm>
+            <a:off x="2033694" y="3019515"/>
+            <a:ext cx="4662791" cy="1952738"/>
+          </a:xfrm>
+          <a:prstGeom prst="line">
+            <a:avLst/>
+          </a:prstGeom>
+          <a:ln>
+            <a:solidFill>
+              <a:srgbClr val="FF0000"/>
+            </a:solidFill>
+          </a:ln>
+        </p:spPr>
+        <p:style>
+          <a:lnRef idx="1">
+            <a:schemeClr val="dk1"/>
+          </a:lnRef>
+          <a:fillRef idx="0">
+            <a:schemeClr val="dk1"/>
+          </a:fillRef>
+          <a:effectRef idx="0">
+            <a:schemeClr val="dk1"/>
+          </a:effectRef>
+          <a:fontRef idx="minor">
+            <a:schemeClr val="tx1"/>
+          </a:fontRef>
+        </p:style>
+      </p:cxnSp>
+    </p:spTree>
+    <p:extLst>
+      <p:ext uri="{BB962C8B-B14F-4D97-AF65-F5344CB8AC3E}">
+        <p14:creationId xmlns:p14="http://schemas.microsoft.com/office/powerpoint/2010/main" val="366542819"/>
+      </p:ext>
+    </p:extLst>
+  </p:cSld>
+  <p:clrMapOvr>
+    <a:masterClrMapping/>
+  </p:clrMapOvr>
+  <p:timing>
+    <p:tnLst>
+      <p:par>
+        <p:cTn xmlns:p14="http://schemas.microsoft.com/office/powerpoint/2010/main" id="1" dur="indefinite" restart="never" nodeType="tmRoot"/>
+      </p:par>
+    </p:tnLst>
+  </p:timing>
+</p:sld>
+</file>
+
+<file path=ppt/slides/slide13.xml><?xml version="1.0" encoding="utf-8"?>
+<p:sld xmlns:a="http://schemas.openxmlformats.org/drawingml/2006/main" xmlns:r="http://schemas.openxmlformats.org/officeDocument/2006/relationships" xmlns:p="http://schemas.openxmlformats.org/presentationml/2006/main">
+  <p:cSld>
+    <p:spTree>
+      <p:nvGrpSpPr>
+        <p:cNvPr id="1" name=""/>
+        <p:cNvGrpSpPr/>
+        <p:nvPr/>
+      </p:nvGrpSpPr>
+      <p:grpSpPr>
+        <a:xfrm>
+          <a:off x="0" y="0"/>
+          <a:ext cx="0" cy="0"/>
+          <a:chOff x="0" y="0"/>
+          <a:chExt cx="0" cy="0"/>
+        </a:xfrm>
+      </p:grpSpPr>
+      <p:sp>
+        <p:nvSpPr>
+          <p:cNvPr id="4" name="Rounded Rectangle 3"/>
+          <p:cNvSpPr/>
+          <p:nvPr/>
+        </p:nvSpPr>
+        <p:spPr>
+          <a:xfrm>
+            <a:off x="5106066" y="501015"/>
+            <a:ext cx="1239519" cy="279400"/>
+          </a:xfrm>
+          <a:prstGeom prst="roundRect">
+            <a:avLst>
+              <a:gd name="adj" fmla="val 50000"/>
+            </a:avLst>
+          </a:prstGeom>
+        </p:spPr>
+        <p:style>
+          <a:lnRef idx="2">
+            <a:schemeClr val="accent1"/>
+          </a:lnRef>
+          <a:fillRef idx="1">
+            <a:schemeClr val="lt1"/>
+          </a:fillRef>
+          <a:effectRef idx="0">
+            <a:schemeClr val="accent1"/>
+          </a:effectRef>
+          <a:fontRef idx="minor">
+            <a:schemeClr val="dk1"/>
+          </a:fontRef>
+        </p:style>
+        <p:txBody>
+          <a:bodyPr rtlCol="0" anchor="ctr"/>
+          <a:lstStyle/>
+          <a:p>
+            <a:pPr algn="ctr"/>
+            <a:r>
+              <a:rPr lang="en-US" sz="1200" dirty="0" smtClean="0">
+                <a:solidFill>
+                  <a:srgbClr val="FF0000"/>
+                </a:solidFill>
+              </a:rPr>
+              <a:t>ACCESSIBILITY</a:t>
+            </a:r>
+            <a:endParaRPr lang="en-US" sz="1200" dirty="0">
+              <a:solidFill>
+                <a:srgbClr val="FF0000"/>
+              </a:solidFill>
+            </a:endParaRPr>
+          </a:p>
+        </p:txBody>
+      </p:sp>
+      <p:sp>
+        <p:nvSpPr>
+          <p:cNvPr id="5" name="Rounded Rectangle 4"/>
+          <p:cNvSpPr/>
+          <p:nvPr/>
+        </p:nvSpPr>
+        <p:spPr>
+          <a:xfrm>
+            <a:off x="5299107" y="1778660"/>
+            <a:ext cx="975359" cy="254000"/>
+          </a:xfrm>
+          <a:prstGeom prst="roundRect">
+            <a:avLst>
+              <a:gd name="adj" fmla="val 50000"/>
+            </a:avLst>
+          </a:prstGeom>
+        </p:spPr>
+        <p:style>
+          <a:lnRef idx="2">
+            <a:schemeClr val="accent1"/>
+          </a:lnRef>
+          <a:fillRef idx="1">
+            <a:schemeClr val="lt1"/>
+          </a:fillRef>
+          <a:effectRef idx="0">
+            <a:schemeClr val="accent1"/>
+          </a:effectRef>
+          <a:fontRef idx="minor">
+            <a:schemeClr val="dk1"/>
+          </a:fontRef>
+        </p:style>
+        <p:txBody>
+          <a:bodyPr rtlCol="0" anchor="ctr"/>
+          <a:lstStyle/>
+          <a:p>
+            <a:pPr algn="ctr"/>
+            <a:r>
+              <a:rPr lang="en-US" sz="1200" dirty="0" smtClean="0"/>
+              <a:t>USABILITY</a:t>
+            </a:r>
+            <a:endParaRPr lang="en-US" sz="1200" dirty="0"/>
+          </a:p>
+        </p:txBody>
+      </p:sp>
+      <p:sp>
+        <p:nvSpPr>
+          <p:cNvPr id="6" name="Rounded Rectangle 5"/>
+          <p:cNvSpPr/>
+          <p:nvPr/>
+        </p:nvSpPr>
+        <p:spPr>
+          <a:xfrm>
+            <a:off x="5299107" y="3286812"/>
+            <a:ext cx="975359" cy="254000"/>
+          </a:xfrm>
+          <a:prstGeom prst="roundRect">
+            <a:avLst>
+              <a:gd name="adj" fmla="val 50000"/>
+            </a:avLst>
+          </a:prstGeom>
+        </p:spPr>
+        <p:style>
+          <a:lnRef idx="2">
+            <a:schemeClr val="accent1"/>
+          </a:lnRef>
+          <a:fillRef idx="1">
+            <a:schemeClr val="lt1"/>
+          </a:fillRef>
+          <a:effectRef idx="0">
+            <a:schemeClr val="accent1"/>
+          </a:effectRef>
+          <a:fontRef idx="minor">
+            <a:schemeClr val="dk1"/>
+          </a:fontRef>
+        </p:style>
+        <p:txBody>
+          <a:bodyPr rtlCol="0" anchor="ctr"/>
+          <a:lstStyle/>
+          <a:p>
+            <a:pPr algn="ctr"/>
+            <a:r>
+              <a:rPr lang="en-US" sz="1200" dirty="0" smtClean="0"/>
+              <a:t>EFFICIENCY</a:t>
+            </a:r>
+            <a:endParaRPr lang="en-US" sz="1200" dirty="0"/>
+          </a:p>
+        </p:txBody>
+      </p:sp>
+      <p:sp>
+        <p:nvSpPr>
+          <p:cNvPr id="7" name="Rounded Rectangle 6"/>
+          <p:cNvSpPr/>
+          <p:nvPr/>
+        </p:nvSpPr>
+        <p:spPr>
+          <a:xfrm>
+            <a:off x="5299107" y="5476347"/>
+            <a:ext cx="975359" cy="254000"/>
+          </a:xfrm>
+          <a:prstGeom prst="roundRect">
+            <a:avLst>
+              <a:gd name="adj" fmla="val 50000"/>
+            </a:avLst>
+          </a:prstGeom>
+        </p:spPr>
+        <p:style>
+          <a:lnRef idx="2">
+            <a:schemeClr val="accent1"/>
+          </a:lnRef>
+          <a:fillRef idx="1">
+            <a:schemeClr val="lt1"/>
+          </a:fillRef>
+          <a:effectRef idx="0">
+            <a:schemeClr val="accent1"/>
+          </a:effectRef>
+          <a:fontRef idx="minor">
+            <a:schemeClr val="dk1"/>
+          </a:fontRef>
+        </p:style>
+        <p:txBody>
+          <a:bodyPr rtlCol="0" anchor="ctr"/>
+          <a:lstStyle/>
+          <a:p>
+            <a:pPr algn="ctr"/>
+            <a:r>
+              <a:rPr lang="en-US" sz="1200" dirty="0" smtClean="0">
+                <a:solidFill>
+                  <a:srgbClr val="FF0000"/>
+                </a:solidFill>
+              </a:rPr>
+              <a:t>SECURITY</a:t>
+            </a:r>
+            <a:endParaRPr lang="en-US" sz="1200" dirty="0">
+              <a:solidFill>
+                <a:srgbClr val="FF0000"/>
+              </a:solidFill>
+            </a:endParaRPr>
+          </a:p>
+        </p:txBody>
+      </p:sp>
+      <p:sp>
+        <p:nvSpPr>
+          <p:cNvPr id="8" name="Rounded Rectangle 7"/>
+          <p:cNvSpPr/>
+          <p:nvPr/>
+        </p:nvSpPr>
+        <p:spPr>
+          <a:xfrm>
+            <a:off x="2977508" y="513080"/>
+            <a:ext cx="1137920" cy="294640"/>
+          </a:xfrm>
+          <a:prstGeom prst="roundRect">
+            <a:avLst/>
+          </a:prstGeom>
+          <a:ln w="38100" cmpd="dbl">
+            <a:prstDash val="solid"/>
+          </a:ln>
+        </p:spPr>
+        <p:style>
+          <a:lnRef idx="2">
+            <a:schemeClr val="dk1"/>
+          </a:lnRef>
+          <a:fillRef idx="1">
+            <a:schemeClr val="lt1"/>
+          </a:fillRef>
+          <a:effectRef idx="0">
+            <a:schemeClr val="dk1"/>
+          </a:effectRef>
+          <a:fontRef idx="minor">
+            <a:schemeClr val="dk1"/>
+          </a:fontRef>
+        </p:style>
+        <p:txBody>
+          <a:bodyPr rtlCol="0" anchor="ctr"/>
+          <a:lstStyle/>
+          <a:p>
+            <a:pPr algn="ctr"/>
+            <a:r>
+              <a:rPr lang="en-US" sz="1200" dirty="0" smtClean="0">
+                <a:solidFill>
+                  <a:srgbClr val="FF0000"/>
+                </a:solidFill>
+              </a:rPr>
+              <a:t>Convenience</a:t>
+            </a:r>
+            <a:endParaRPr lang="en-US" sz="1200" dirty="0">
+              <a:solidFill>
+                <a:srgbClr val="FF0000"/>
+              </a:solidFill>
+            </a:endParaRPr>
+          </a:p>
+        </p:txBody>
+      </p:sp>
+      <p:sp>
+        <p:nvSpPr>
+          <p:cNvPr id="9" name="Rounded Rectangle 8"/>
+          <p:cNvSpPr/>
+          <p:nvPr/>
+        </p:nvSpPr>
+        <p:spPr>
+          <a:xfrm>
+            <a:off x="2977508" y="1341121"/>
+            <a:ext cx="1137920" cy="294640"/>
+          </a:xfrm>
+          <a:prstGeom prst="roundRect">
+            <a:avLst/>
+          </a:prstGeom>
+          <a:ln w="38100" cmpd="dbl">
+            <a:prstDash val="solid"/>
+          </a:ln>
+        </p:spPr>
+        <p:style>
+          <a:lnRef idx="2">
+            <a:schemeClr val="dk1"/>
+          </a:lnRef>
+          <a:fillRef idx="1">
+            <a:schemeClr val="lt1"/>
+          </a:fillRef>
+          <a:effectRef idx="0">
+            <a:schemeClr val="dk1"/>
+          </a:effectRef>
+          <a:fontRef idx="minor">
+            <a:schemeClr val="dk1"/>
+          </a:fontRef>
+        </p:style>
+        <p:txBody>
+          <a:bodyPr rtlCol="0" anchor="ctr"/>
+          <a:lstStyle/>
+          <a:p>
+            <a:pPr algn="ctr"/>
+            <a:r>
+              <a:rPr lang="en-US" sz="1200" dirty="0" smtClean="0">
+                <a:solidFill>
+                  <a:srgbClr val="FF0000"/>
+                </a:solidFill>
+              </a:rPr>
+              <a:t>Performance</a:t>
+            </a:r>
+            <a:endParaRPr lang="en-US" sz="1200" dirty="0">
+              <a:solidFill>
+                <a:srgbClr val="FF0000"/>
+              </a:solidFill>
+            </a:endParaRPr>
+          </a:p>
+        </p:txBody>
+      </p:sp>
+      <p:sp>
+        <p:nvSpPr>
+          <p:cNvPr id="10" name="Rounded Rectangle 9"/>
+          <p:cNvSpPr/>
+          <p:nvPr/>
+        </p:nvSpPr>
+        <p:spPr>
+          <a:xfrm>
+            <a:off x="2825108" y="2238375"/>
+            <a:ext cx="1290320" cy="294640"/>
+          </a:xfrm>
+          <a:prstGeom prst="roundRect">
+            <a:avLst/>
+          </a:prstGeom>
+          <a:ln w="38100" cmpd="dbl">
+            <a:prstDash val="solid"/>
+          </a:ln>
+        </p:spPr>
+        <p:style>
+          <a:lnRef idx="2">
+            <a:schemeClr val="dk1"/>
+          </a:lnRef>
+          <a:fillRef idx="1">
+            <a:schemeClr val="lt1"/>
+          </a:fillRef>
+          <a:effectRef idx="0">
+            <a:schemeClr val="dk1"/>
+          </a:effectRef>
+          <a:fontRef idx="minor">
+            <a:schemeClr val="dk1"/>
+          </a:fontRef>
+        </p:style>
+        <p:txBody>
+          <a:bodyPr rtlCol="0" anchor="ctr"/>
+          <a:lstStyle/>
+          <a:p>
+            <a:pPr algn="ctr"/>
+            <a:r>
+              <a:rPr lang="en-US" sz="1200" dirty="0" smtClean="0">
+                <a:solidFill>
+                  <a:srgbClr val="FF0000"/>
+                </a:solidFill>
+              </a:rPr>
+              <a:t>Trustworthiness</a:t>
+            </a:r>
+            <a:endParaRPr lang="en-US" sz="1200" dirty="0">
+              <a:solidFill>
+                <a:srgbClr val="FF0000"/>
+              </a:solidFill>
+            </a:endParaRPr>
+          </a:p>
+        </p:txBody>
+      </p:sp>
+      <p:sp>
+        <p:nvSpPr>
+          <p:cNvPr id="11" name="Rounded Rectangle 10"/>
+          <p:cNvSpPr/>
+          <p:nvPr/>
+        </p:nvSpPr>
+        <p:spPr>
+          <a:xfrm>
+            <a:off x="2953352" y="4685363"/>
+            <a:ext cx="1137920" cy="294640"/>
+          </a:xfrm>
+          <a:prstGeom prst="roundRect">
+            <a:avLst/>
+          </a:prstGeom>
+          <a:ln w="28575" cmpd="sng">
+            <a:solidFill>
+              <a:srgbClr val="000000"/>
+            </a:solidFill>
+            <a:prstDash val="solid"/>
+          </a:ln>
+        </p:spPr>
+        <p:style>
+          <a:lnRef idx="2">
+            <a:schemeClr val="accent1"/>
+          </a:lnRef>
+          <a:fillRef idx="1">
+            <a:schemeClr val="lt1"/>
+          </a:fillRef>
+          <a:effectRef idx="0">
+            <a:schemeClr val="accent1"/>
+          </a:effectRef>
+          <a:fontRef idx="minor">
+            <a:schemeClr val="dk1"/>
+          </a:fontRef>
+        </p:style>
+        <p:txBody>
+          <a:bodyPr rtlCol="0" anchor="ctr"/>
+          <a:lstStyle/>
+          <a:p>
+            <a:pPr algn="ctr"/>
+            <a:r>
+              <a:rPr lang="en-US" sz="1200" dirty="0" smtClean="0">
+                <a:solidFill>
+                  <a:srgbClr val="FF0000"/>
+                </a:solidFill>
+              </a:rPr>
+              <a:t>Functionality</a:t>
+            </a:r>
+            <a:endParaRPr lang="en-US" sz="1200" dirty="0">
+              <a:solidFill>
+                <a:srgbClr val="FF0000"/>
+              </a:solidFill>
+            </a:endParaRPr>
+          </a:p>
+        </p:txBody>
+      </p:sp>
+      <p:sp>
+        <p:nvSpPr>
+          <p:cNvPr id="12" name="Rounded Rectangle 11"/>
+          <p:cNvSpPr/>
+          <p:nvPr/>
+        </p:nvSpPr>
+        <p:spPr>
+          <a:xfrm>
+            <a:off x="2977508" y="5435707"/>
+            <a:ext cx="1137920" cy="294640"/>
+          </a:xfrm>
+          <a:prstGeom prst="roundRect">
+            <a:avLst/>
+          </a:prstGeom>
+          <a:ln w="28575" cmpd="sng">
+            <a:solidFill>
+              <a:srgbClr val="000000"/>
+            </a:solidFill>
+            <a:prstDash val="solid"/>
+          </a:ln>
+        </p:spPr>
+        <p:style>
+          <a:lnRef idx="2">
+            <a:schemeClr val="accent1"/>
+          </a:lnRef>
+          <a:fillRef idx="1">
+            <a:schemeClr val="lt1"/>
+          </a:fillRef>
+          <a:effectRef idx="0">
+            <a:schemeClr val="accent1"/>
+          </a:effectRef>
+          <a:fontRef idx="minor">
+            <a:schemeClr val="dk1"/>
+          </a:fontRef>
+        </p:style>
+        <p:txBody>
+          <a:bodyPr rtlCol="0" anchor="ctr"/>
+          <a:lstStyle/>
+          <a:p>
+            <a:pPr algn="ctr"/>
+            <a:r>
+              <a:rPr lang="en-US" sz="1200" b="1" i="1" dirty="0" smtClean="0">
+                <a:solidFill>
+                  <a:srgbClr val="FF0000"/>
+                </a:solidFill>
+              </a:rPr>
+              <a:t>Reliability</a:t>
+            </a:r>
+            <a:endParaRPr lang="en-US" sz="1200" b="1" i="1" dirty="0">
+              <a:solidFill>
+                <a:srgbClr val="FF0000"/>
+              </a:solidFill>
+            </a:endParaRPr>
+          </a:p>
+        </p:txBody>
+      </p:sp>
+      <p:cxnSp>
+        <p:nvCxnSpPr>
+          <p:cNvPr id="36" name="Straight Connector 35"/>
+          <p:cNvCxnSpPr>
+            <a:stCxn id="8" idx="3"/>
+            <a:endCxn id="4" idx="1"/>
+          </p:cNvCxnSpPr>
+          <p:nvPr/>
+        </p:nvCxnSpPr>
+        <p:spPr>
+          <a:xfrm flipV="1">
+            <a:off x="4115428" y="640715"/>
+            <a:ext cx="990638" cy="19685"/>
+          </a:xfrm>
+          <a:prstGeom prst="line">
+            <a:avLst/>
+          </a:prstGeom>
+        </p:spPr>
+        <p:style>
+          <a:lnRef idx="1">
+            <a:schemeClr val="dk1"/>
+          </a:lnRef>
+          <a:fillRef idx="0">
+            <a:schemeClr val="dk1"/>
+          </a:fillRef>
+          <a:effectRef idx="0">
+            <a:schemeClr val="dk1"/>
+          </a:effectRef>
+          <a:fontRef idx="minor">
+            <a:schemeClr val="tx1"/>
+          </a:fontRef>
+        </p:style>
+      </p:cxnSp>
+      <p:cxnSp>
+        <p:nvCxnSpPr>
+          <p:cNvPr id="37" name="Straight Connector 36"/>
+          <p:cNvCxnSpPr>
+            <a:stCxn id="8" idx="3"/>
+            <a:endCxn id="5" idx="1"/>
+          </p:cNvCxnSpPr>
+          <p:nvPr/>
+        </p:nvCxnSpPr>
+        <p:spPr>
+          <a:xfrm>
+            <a:off x="4115428" y="660400"/>
+            <a:ext cx="1183679" cy="1245260"/>
+          </a:xfrm>
+          <a:prstGeom prst="line">
+            <a:avLst/>
+          </a:prstGeom>
+        </p:spPr>
+        <p:style>
+          <a:lnRef idx="1">
+            <a:schemeClr val="dk1"/>
+          </a:lnRef>
+          <a:fillRef idx="0">
+            <a:schemeClr val="dk1"/>
+          </a:fillRef>
+          <a:effectRef idx="0">
+            <a:schemeClr val="dk1"/>
+          </a:effectRef>
+          <a:fontRef idx="minor">
+            <a:schemeClr val="tx1"/>
+          </a:fontRef>
+        </p:style>
+      </p:cxnSp>
+      <p:cxnSp>
+        <p:nvCxnSpPr>
+          <p:cNvPr id="41" name="Straight Connector 40"/>
+          <p:cNvCxnSpPr>
+            <a:stCxn id="9" idx="3"/>
+            <a:endCxn id="4" idx="1"/>
+          </p:cNvCxnSpPr>
+          <p:nvPr/>
+        </p:nvCxnSpPr>
+        <p:spPr>
+          <a:xfrm flipV="1">
+            <a:off x="4115428" y="640715"/>
+            <a:ext cx="990638" cy="847726"/>
+          </a:xfrm>
+          <a:prstGeom prst="line">
+            <a:avLst/>
+          </a:prstGeom>
+        </p:spPr>
+        <p:style>
+          <a:lnRef idx="1">
+            <a:schemeClr val="dk1"/>
+          </a:lnRef>
+          <a:fillRef idx="0">
+            <a:schemeClr val="dk1"/>
+          </a:fillRef>
+          <a:effectRef idx="0">
+            <a:schemeClr val="dk1"/>
+          </a:effectRef>
+          <a:fontRef idx="minor">
+            <a:schemeClr val="tx1"/>
+          </a:fontRef>
+        </p:style>
+      </p:cxnSp>
+      <p:cxnSp>
+        <p:nvCxnSpPr>
+          <p:cNvPr id="44" name="Straight Connector 43"/>
+          <p:cNvCxnSpPr>
+            <a:stCxn id="9" idx="3"/>
+            <a:endCxn id="6" idx="1"/>
+          </p:cNvCxnSpPr>
+          <p:nvPr/>
+        </p:nvCxnSpPr>
+        <p:spPr>
+          <a:xfrm>
+            <a:off x="4115428" y="1488441"/>
+            <a:ext cx="1183679" cy="1925371"/>
+          </a:xfrm>
+          <a:prstGeom prst="line">
+            <a:avLst/>
+          </a:prstGeom>
+        </p:spPr>
+        <p:style>
+          <a:lnRef idx="1">
+            <a:schemeClr val="dk1"/>
+          </a:lnRef>
+          <a:fillRef idx="0">
+            <a:schemeClr val="dk1"/>
+          </a:fillRef>
+          <a:effectRef idx="0">
+            <a:schemeClr val="dk1"/>
+          </a:effectRef>
+          <a:fontRef idx="minor">
+            <a:schemeClr val="tx1"/>
+          </a:fontRef>
+        </p:style>
+      </p:cxnSp>
+      <p:cxnSp>
+        <p:nvCxnSpPr>
+          <p:cNvPr id="47" name="Straight Connector 46"/>
+          <p:cNvCxnSpPr>
+            <a:stCxn id="8" idx="3"/>
+            <a:endCxn id="6" idx="1"/>
+          </p:cNvCxnSpPr>
+          <p:nvPr/>
+        </p:nvCxnSpPr>
+        <p:spPr>
+          <a:xfrm>
+            <a:off x="4115428" y="660400"/>
+            <a:ext cx="1183679" cy="2753412"/>
+          </a:xfrm>
+          <a:prstGeom prst="line">
+            <a:avLst/>
+          </a:prstGeom>
+        </p:spPr>
+        <p:style>
+          <a:lnRef idx="1">
+            <a:schemeClr val="dk1"/>
+          </a:lnRef>
+          <a:fillRef idx="0">
+            <a:schemeClr val="dk1"/>
+          </a:fillRef>
+          <a:effectRef idx="0">
+            <a:schemeClr val="dk1"/>
+          </a:effectRef>
+          <a:fontRef idx="minor">
+            <a:schemeClr val="tx1"/>
+          </a:fontRef>
+        </p:style>
+      </p:cxnSp>
+      <p:cxnSp>
+        <p:nvCxnSpPr>
+          <p:cNvPr id="50" name="Straight Connector 49"/>
+          <p:cNvCxnSpPr>
+            <a:stCxn id="10" idx="3"/>
+            <a:endCxn id="7" idx="1"/>
+          </p:cNvCxnSpPr>
+          <p:nvPr/>
+        </p:nvCxnSpPr>
+        <p:spPr>
+          <a:xfrm>
+            <a:off x="4115428" y="2385695"/>
+            <a:ext cx="1183679" cy="3217652"/>
+          </a:xfrm>
+          <a:prstGeom prst="line">
+            <a:avLst/>
+          </a:prstGeom>
+        </p:spPr>
+        <p:style>
+          <a:lnRef idx="1">
+            <a:schemeClr val="dk1"/>
+          </a:lnRef>
+          <a:fillRef idx="0">
+            <a:schemeClr val="dk1"/>
+          </a:fillRef>
+          <a:effectRef idx="0">
+            <a:schemeClr val="dk1"/>
+          </a:effectRef>
+          <a:fontRef idx="minor">
+            <a:schemeClr val="tx1"/>
+          </a:fontRef>
+        </p:style>
+      </p:cxnSp>
+      <p:cxnSp>
+        <p:nvCxnSpPr>
+          <p:cNvPr id="53" name="Straight Connector 52"/>
+          <p:cNvCxnSpPr>
+            <a:stCxn id="11" idx="3"/>
+            <a:endCxn id="6" idx="1"/>
+          </p:cNvCxnSpPr>
+          <p:nvPr/>
+        </p:nvCxnSpPr>
+        <p:spPr>
+          <a:xfrm flipV="1">
+            <a:off x="4091272" y="3413812"/>
+            <a:ext cx="1207835" cy="1418871"/>
+          </a:xfrm>
+          <a:prstGeom prst="line">
+            <a:avLst/>
+          </a:prstGeom>
+        </p:spPr>
+        <p:style>
+          <a:lnRef idx="1">
+            <a:schemeClr val="dk1"/>
+          </a:lnRef>
+          <a:fillRef idx="0">
+            <a:schemeClr val="dk1"/>
+          </a:fillRef>
+          <a:effectRef idx="0">
+            <a:schemeClr val="dk1"/>
+          </a:effectRef>
+          <a:fontRef idx="minor">
+            <a:schemeClr val="tx1"/>
+          </a:fontRef>
+        </p:style>
+      </p:cxnSp>
+      <p:cxnSp>
+        <p:nvCxnSpPr>
+          <p:cNvPr id="56" name="Straight Connector 55"/>
+          <p:cNvCxnSpPr>
+            <a:stCxn id="11" idx="3"/>
+            <a:endCxn id="5" idx="1"/>
+          </p:cNvCxnSpPr>
+          <p:nvPr/>
+        </p:nvCxnSpPr>
+        <p:spPr>
+          <a:xfrm flipV="1">
+            <a:off x="4091272" y="1905660"/>
+            <a:ext cx="1207835" cy="2927023"/>
+          </a:xfrm>
+          <a:prstGeom prst="line">
+            <a:avLst/>
+          </a:prstGeom>
+        </p:spPr>
+        <p:style>
+          <a:lnRef idx="1">
+            <a:schemeClr val="dk1"/>
+          </a:lnRef>
+          <a:fillRef idx="0">
+            <a:schemeClr val="dk1"/>
+          </a:fillRef>
+          <a:effectRef idx="0">
+            <a:schemeClr val="dk1"/>
+          </a:effectRef>
+          <a:fontRef idx="minor">
+            <a:schemeClr val="tx1"/>
+          </a:fontRef>
+        </p:style>
+      </p:cxnSp>
+      <p:cxnSp>
+        <p:nvCxnSpPr>
+          <p:cNvPr id="59" name="Straight Connector 58"/>
+          <p:cNvCxnSpPr>
+            <a:stCxn id="11" idx="3"/>
+            <a:endCxn id="4" idx="1"/>
+          </p:cNvCxnSpPr>
+          <p:nvPr/>
+        </p:nvCxnSpPr>
+        <p:spPr>
+          <a:xfrm flipV="1">
+            <a:off x="4091272" y="640715"/>
+            <a:ext cx="1014794" cy="4191968"/>
+          </a:xfrm>
+          <a:prstGeom prst="line">
+            <a:avLst/>
+          </a:prstGeom>
+        </p:spPr>
+        <p:style>
+          <a:lnRef idx="1">
+            <a:schemeClr val="dk1"/>
+          </a:lnRef>
+          <a:fillRef idx="0">
+            <a:schemeClr val="dk1"/>
+          </a:fillRef>
+          <a:effectRef idx="0">
+            <a:schemeClr val="dk1"/>
+          </a:effectRef>
+          <a:fontRef idx="minor">
+            <a:schemeClr val="tx1"/>
+          </a:fontRef>
+        </p:style>
+      </p:cxnSp>
+      <p:cxnSp>
+        <p:nvCxnSpPr>
+          <p:cNvPr id="62" name="Straight Connector 61"/>
+          <p:cNvCxnSpPr>
+            <a:stCxn id="12" idx="3"/>
+            <a:endCxn id="7" idx="1"/>
+          </p:cNvCxnSpPr>
+          <p:nvPr/>
+        </p:nvCxnSpPr>
+        <p:spPr>
+          <a:xfrm>
+            <a:off x="4115428" y="5583027"/>
+            <a:ext cx="1183679" cy="20320"/>
+          </a:xfrm>
+          <a:prstGeom prst="line">
+            <a:avLst/>
+          </a:prstGeom>
+        </p:spPr>
+        <p:style>
+          <a:lnRef idx="1">
+            <a:schemeClr val="dk1"/>
+          </a:lnRef>
+          <a:fillRef idx="0">
+            <a:schemeClr val="dk1"/>
+          </a:fillRef>
+          <a:effectRef idx="0">
+            <a:schemeClr val="dk1"/>
+          </a:effectRef>
+          <a:fontRef idx="minor">
+            <a:schemeClr val="tx1"/>
+          </a:fontRef>
+        </p:style>
+      </p:cxnSp>
+      <p:sp>
+        <p:nvSpPr>
+          <p:cNvPr id="124" name="Rounded Rectangle 123"/>
+          <p:cNvSpPr/>
+          <p:nvPr/>
+        </p:nvSpPr>
+        <p:spPr>
+          <a:xfrm>
+            <a:off x="6813260" y="866468"/>
+            <a:ext cx="1619998" cy="287997"/>
+          </a:xfrm>
+          <a:prstGeom prst="roundRect">
+            <a:avLst>
+              <a:gd name="adj" fmla="val 0"/>
+            </a:avLst>
+          </a:prstGeom>
+          <a:solidFill>
+            <a:schemeClr val="lt1"/>
+          </a:solidFill>
+          <a:ln w="12700"/>
+        </p:spPr>
+        <p:style>
+          <a:lnRef idx="2">
+            <a:schemeClr val="dk1"/>
+          </a:lnRef>
+          <a:fillRef idx="1">
+            <a:schemeClr val="lt1"/>
+          </a:fillRef>
+          <a:effectRef idx="0">
+            <a:schemeClr val="dk1"/>
+          </a:effectRef>
+          <a:fontRef idx="minor">
+            <a:schemeClr val="dk1"/>
+          </a:fontRef>
+        </p:style>
+        <p:txBody>
+          <a:bodyPr rtlCol="0" anchor="ctr"/>
+          <a:lstStyle/>
+          <a:p>
+            <a:pPr algn="ctr"/>
+            <a:r>
+              <a:rPr lang="en-US" sz="1000" dirty="0" smtClean="0"/>
+              <a:t>Operability</a:t>
+            </a:r>
+            <a:endParaRPr lang="en-US" sz="1000" dirty="0"/>
+          </a:p>
+        </p:txBody>
+      </p:sp>
+      <p:sp>
+        <p:nvSpPr>
+          <p:cNvPr id="125" name="Rounded Rectangle 124"/>
+          <p:cNvSpPr/>
+          <p:nvPr/>
+        </p:nvSpPr>
+        <p:spPr>
+          <a:xfrm>
+            <a:off x="6813260" y="189865"/>
+            <a:ext cx="772159" cy="227330"/>
+          </a:xfrm>
+          <a:prstGeom prst="roundRect">
+            <a:avLst>
+              <a:gd name="adj" fmla="val 0"/>
+            </a:avLst>
+          </a:prstGeom>
+          <a:solidFill>
+            <a:schemeClr val="lt1"/>
+          </a:solidFill>
+          <a:ln w="12700"/>
+        </p:spPr>
+        <p:style>
+          <a:lnRef idx="2">
+            <a:schemeClr val="dk1"/>
+          </a:lnRef>
+          <a:fillRef idx="1">
+            <a:schemeClr val="lt1"/>
+          </a:fillRef>
+          <a:effectRef idx="0">
+            <a:schemeClr val="dk1"/>
+          </a:effectRef>
+          <a:fontRef idx="minor">
+            <a:schemeClr val="dk1"/>
+          </a:fontRef>
+        </p:style>
+        <p:txBody>
+          <a:bodyPr rtlCol="0" anchor="ctr"/>
+          <a:lstStyle/>
+          <a:p>
+            <a:pPr algn="ctr"/>
+            <a:r>
+              <a:rPr lang="en-US" sz="1000" dirty="0" smtClean="0"/>
+              <a:t>Availability</a:t>
+            </a:r>
+            <a:endParaRPr lang="en-US" sz="1000" dirty="0"/>
+          </a:p>
+        </p:txBody>
+      </p:sp>
+      <p:sp>
+        <p:nvSpPr>
+          <p:cNvPr id="126" name="Rounded Rectangle 125"/>
+          <p:cNvSpPr/>
+          <p:nvPr/>
+        </p:nvSpPr>
+        <p:spPr>
+          <a:xfrm>
+            <a:off x="6803100" y="531495"/>
+            <a:ext cx="772159" cy="227330"/>
+          </a:xfrm>
+          <a:prstGeom prst="roundRect">
+            <a:avLst>
+              <a:gd name="adj" fmla="val 0"/>
+            </a:avLst>
+          </a:prstGeom>
+          <a:solidFill>
+            <a:schemeClr val="lt1"/>
+          </a:solidFill>
+          <a:ln w="12700"/>
+        </p:spPr>
+        <p:style>
+          <a:lnRef idx="2">
+            <a:schemeClr val="dk1"/>
+          </a:lnRef>
+          <a:fillRef idx="1">
+            <a:schemeClr val="lt1"/>
+          </a:fillRef>
+          <a:effectRef idx="0">
+            <a:schemeClr val="dk1"/>
+          </a:effectRef>
+          <a:fontRef idx="minor">
+            <a:schemeClr val="dk1"/>
+          </a:fontRef>
+        </p:style>
+        <p:txBody>
+          <a:bodyPr rtlCol="0" anchor="ctr"/>
+          <a:lstStyle/>
+          <a:p>
+            <a:pPr algn="ctr"/>
+            <a:r>
+              <a:rPr lang="en-US" sz="1000" dirty="0" smtClean="0"/>
+              <a:t>Maturity</a:t>
+            </a:r>
+            <a:endParaRPr lang="en-US" sz="1000" dirty="0"/>
+          </a:p>
+        </p:txBody>
+      </p:sp>
+      <p:sp>
+        <p:nvSpPr>
+          <p:cNvPr id="127" name="Rounded Rectangle 126"/>
+          <p:cNvSpPr/>
+          <p:nvPr/>
+        </p:nvSpPr>
+        <p:spPr>
+          <a:xfrm>
+            <a:off x="6742140" y="1392581"/>
+            <a:ext cx="1780539" cy="264160"/>
+          </a:xfrm>
+          <a:prstGeom prst="roundRect">
+            <a:avLst>
+              <a:gd name="adj" fmla="val 0"/>
+            </a:avLst>
+          </a:prstGeom>
+          <a:solidFill>
+            <a:schemeClr val="lt1"/>
+          </a:solidFill>
+          <a:ln w="12700"/>
+        </p:spPr>
+        <p:style>
+          <a:lnRef idx="2">
+            <a:schemeClr val="dk1"/>
+          </a:lnRef>
+          <a:fillRef idx="1">
+            <a:schemeClr val="lt1"/>
+          </a:fillRef>
+          <a:effectRef idx="0">
+            <a:schemeClr val="dk1"/>
+          </a:effectRef>
+          <a:fontRef idx="minor">
+            <a:schemeClr val="dk1"/>
+          </a:fontRef>
+        </p:style>
+        <p:txBody>
+          <a:bodyPr rtlCol="0" anchor="ctr"/>
+          <a:lstStyle/>
+          <a:p>
+            <a:pPr algn="ctr"/>
+            <a:r>
+              <a:rPr lang="en-US" sz="1000" dirty="0" smtClean="0"/>
+              <a:t>Ease of Use</a:t>
+            </a:r>
+            <a:endParaRPr lang="en-US" sz="1000" dirty="0"/>
+          </a:p>
+        </p:txBody>
+      </p:sp>
+      <p:sp>
+        <p:nvSpPr>
+          <p:cNvPr id="128" name="Rounded Rectangle 127"/>
+          <p:cNvSpPr/>
+          <p:nvPr/>
+        </p:nvSpPr>
+        <p:spPr>
+          <a:xfrm>
+            <a:off x="6742140" y="1706877"/>
+            <a:ext cx="1066800" cy="367664"/>
+          </a:xfrm>
+          <a:prstGeom prst="roundRect">
+            <a:avLst>
+              <a:gd name="adj" fmla="val 0"/>
+            </a:avLst>
+          </a:prstGeom>
+          <a:solidFill>
+            <a:schemeClr val="lt1"/>
+          </a:solidFill>
+          <a:ln w="12700"/>
+        </p:spPr>
+        <p:style>
+          <a:lnRef idx="2">
+            <a:schemeClr val="dk1"/>
+          </a:lnRef>
+          <a:fillRef idx="1">
+            <a:schemeClr val="lt1"/>
+          </a:fillRef>
+          <a:effectRef idx="0">
+            <a:schemeClr val="dk1"/>
+          </a:effectRef>
+          <a:fontRef idx="minor">
+            <a:schemeClr val="dk1"/>
+          </a:fontRef>
+        </p:style>
+        <p:txBody>
+          <a:bodyPr rtlCol="0" anchor="ctr"/>
+          <a:lstStyle/>
+          <a:p>
+            <a:pPr algn="ctr"/>
+            <a:r>
+              <a:rPr lang="en-US" sz="1000" dirty="0" smtClean="0"/>
+              <a:t>Learnability</a:t>
+            </a:r>
+            <a:endParaRPr lang="en-US" sz="1000" dirty="0"/>
+          </a:p>
+        </p:txBody>
+      </p:sp>
+      <p:sp>
+        <p:nvSpPr>
+          <p:cNvPr id="129" name="Rounded Rectangle 128"/>
+          <p:cNvSpPr/>
+          <p:nvPr/>
+        </p:nvSpPr>
+        <p:spPr>
+          <a:xfrm>
+            <a:off x="6742140" y="2142515"/>
+            <a:ext cx="1494679" cy="305726"/>
+          </a:xfrm>
+          <a:prstGeom prst="roundRect">
+            <a:avLst>
+              <a:gd name="adj" fmla="val 0"/>
+            </a:avLst>
+          </a:prstGeom>
+          <a:solidFill>
+            <a:schemeClr val="lt1"/>
+          </a:solidFill>
+          <a:ln w="12700"/>
+        </p:spPr>
+        <p:style>
+          <a:lnRef idx="2">
+            <a:schemeClr val="dk1"/>
+          </a:lnRef>
+          <a:fillRef idx="1">
+            <a:schemeClr val="lt1"/>
+          </a:fillRef>
+          <a:effectRef idx="0">
+            <a:schemeClr val="dk1"/>
+          </a:effectRef>
+          <a:fontRef idx="minor">
+            <a:schemeClr val="dk1"/>
+          </a:fontRef>
+        </p:style>
+        <p:txBody>
+          <a:bodyPr rtlCol="0" anchor="ctr"/>
+          <a:lstStyle/>
+          <a:p>
+            <a:pPr algn="ctr"/>
+            <a:r>
+              <a:rPr lang="en-US" sz="1000" dirty="0" smtClean="0"/>
+              <a:t>User interface aesthetics</a:t>
+            </a:r>
+            <a:endParaRPr lang="en-US" sz="1000" dirty="0"/>
+          </a:p>
+        </p:txBody>
+      </p:sp>
+      <p:sp>
+        <p:nvSpPr>
+          <p:cNvPr id="130" name="Rounded Rectangle 129"/>
+          <p:cNvSpPr/>
+          <p:nvPr/>
+        </p:nvSpPr>
+        <p:spPr>
+          <a:xfrm>
+            <a:off x="6671020" y="2925210"/>
+            <a:ext cx="2065978" cy="276861"/>
+          </a:xfrm>
+          <a:prstGeom prst="roundRect">
+            <a:avLst>
+              <a:gd name="adj" fmla="val 0"/>
+            </a:avLst>
+          </a:prstGeom>
+          <a:solidFill>
+            <a:schemeClr val="lt1"/>
+          </a:solidFill>
+          <a:ln w="12700"/>
+        </p:spPr>
+        <p:style>
+          <a:lnRef idx="2">
+            <a:schemeClr val="dk1"/>
+          </a:lnRef>
+          <a:fillRef idx="1">
+            <a:schemeClr val="lt1"/>
+          </a:fillRef>
+          <a:effectRef idx="0">
+            <a:schemeClr val="dk1"/>
+          </a:effectRef>
+          <a:fontRef idx="minor">
+            <a:schemeClr val="dk1"/>
+          </a:fontRef>
+        </p:style>
+        <p:txBody>
+          <a:bodyPr rtlCol="0" anchor="ctr"/>
+          <a:lstStyle/>
+          <a:p>
+            <a:pPr algn="ctr"/>
+            <a:r>
+              <a:rPr lang="en-US" sz="1000" dirty="0" smtClean="0"/>
+              <a:t>Responsiveness</a:t>
+            </a:r>
+            <a:endParaRPr lang="en-US" sz="1000" dirty="0"/>
+          </a:p>
+        </p:txBody>
+      </p:sp>
+      <p:sp>
+        <p:nvSpPr>
+          <p:cNvPr id="131" name="Rounded Rectangle 130"/>
+          <p:cNvSpPr/>
+          <p:nvPr/>
+        </p:nvSpPr>
+        <p:spPr>
+          <a:xfrm>
+            <a:off x="6640540" y="3685938"/>
+            <a:ext cx="1396998" cy="264160"/>
+          </a:xfrm>
+          <a:prstGeom prst="roundRect">
+            <a:avLst>
+              <a:gd name="adj" fmla="val 0"/>
+            </a:avLst>
+          </a:prstGeom>
+          <a:solidFill>
+            <a:schemeClr val="lt1"/>
+          </a:solidFill>
+          <a:ln w="12700"/>
+        </p:spPr>
+        <p:style>
+          <a:lnRef idx="2">
+            <a:schemeClr val="dk1"/>
+          </a:lnRef>
+          <a:fillRef idx="1">
+            <a:schemeClr val="lt1"/>
+          </a:fillRef>
+          <a:effectRef idx="0">
+            <a:schemeClr val="dk1"/>
+          </a:effectRef>
+          <a:fontRef idx="minor">
+            <a:schemeClr val="dk1"/>
+          </a:fontRef>
+        </p:style>
+        <p:txBody>
+          <a:bodyPr rtlCol="0" anchor="ctr"/>
+          <a:lstStyle/>
+          <a:p>
+            <a:pPr algn="ctr"/>
+            <a:r>
+              <a:rPr lang="en-US" sz="1000" dirty="0" smtClean="0"/>
+              <a:t>Time behavior</a:t>
+            </a:r>
+            <a:endParaRPr lang="en-US" sz="1000" dirty="0"/>
+          </a:p>
+        </p:txBody>
+      </p:sp>
+      <p:grpSp>
+        <p:nvGrpSpPr>
+          <p:cNvPr id="135" name="Group 134"/>
+          <p:cNvGrpSpPr/>
+          <p:nvPr/>
+        </p:nvGrpSpPr>
+        <p:grpSpPr>
+          <a:xfrm>
+            <a:off x="6645620" y="4193872"/>
+            <a:ext cx="1879598" cy="491491"/>
+            <a:chOff x="7721601" y="3576319"/>
+            <a:chExt cx="1859278" cy="491491"/>
+          </a:xfrm>
+        </p:grpSpPr>
+        <p:sp>
+          <p:nvSpPr>
+            <p:cNvPr id="132" name="Rounded Rectangle 131"/>
+            <p:cNvSpPr/>
+            <p:nvPr/>
+          </p:nvSpPr>
+          <p:spPr>
+            <a:xfrm>
+              <a:off x="7721601" y="3576319"/>
+              <a:ext cx="1859278" cy="260985"/>
+            </a:xfrm>
+            <a:prstGeom prst="roundRect">
+              <a:avLst>
+                <a:gd name="adj" fmla="val 0"/>
+              </a:avLst>
+            </a:prstGeom>
+            <a:solidFill>
+              <a:schemeClr val="lt1"/>
+            </a:solidFill>
+            <a:ln w="12700"/>
+          </p:spPr>
+          <p:style>
+            <a:lnRef idx="2">
+              <a:schemeClr val="dk1"/>
+            </a:lnRef>
+            <a:fillRef idx="1">
+              <a:schemeClr val="lt1"/>
+            </a:fillRef>
+            <a:effectRef idx="0">
+              <a:schemeClr val="dk1"/>
+            </a:effectRef>
+            <a:fontRef idx="minor">
+              <a:schemeClr val="dk1"/>
+            </a:fontRef>
+          </p:style>
+          <p:txBody>
+            <a:bodyPr rtlCol="0" anchor="ctr"/>
+            <a:lstStyle/>
+            <a:p>
+              <a:pPr algn="ctr"/>
+              <a:r>
+                <a:rPr lang="en-US" sz="1000" dirty="0" smtClean="0"/>
+                <a:t>Transaction Capability</a:t>
+              </a:r>
+              <a:endParaRPr lang="en-US" sz="1000" dirty="0"/>
+            </a:p>
+          </p:txBody>
+        </p:sp>
+        <p:sp>
+          <p:nvSpPr>
+            <p:cNvPr id="133" name="Rounded Rectangle 132"/>
+            <p:cNvSpPr/>
+            <p:nvPr/>
+          </p:nvSpPr>
+          <p:spPr>
+            <a:xfrm>
+              <a:off x="7721601" y="3840480"/>
+              <a:ext cx="955039" cy="224154"/>
+            </a:xfrm>
+            <a:prstGeom prst="roundRect">
+              <a:avLst>
+                <a:gd name="adj" fmla="val 0"/>
+              </a:avLst>
+            </a:prstGeom>
+            <a:solidFill>
+              <a:schemeClr val="lt1"/>
+            </a:solidFill>
+            <a:ln w="12700"/>
+          </p:spPr>
+          <p:style>
+            <a:lnRef idx="2">
+              <a:schemeClr val="dk1"/>
+            </a:lnRef>
+            <a:fillRef idx="1">
+              <a:schemeClr val="lt1"/>
+            </a:fillRef>
+            <a:effectRef idx="0">
+              <a:schemeClr val="dk1"/>
+            </a:effectRef>
+            <a:fontRef idx="minor">
+              <a:schemeClr val="dk1"/>
+            </a:fontRef>
+          </p:style>
+          <p:txBody>
+            <a:bodyPr rtlCol="0" anchor="ctr"/>
+            <a:lstStyle/>
+            <a:p>
+              <a:pPr algn="ctr"/>
+              <a:r>
+                <a:rPr lang="en-US" sz="1000" dirty="0" smtClean="0"/>
+                <a:t>Completeness</a:t>
+              </a:r>
+              <a:endParaRPr lang="en-US" sz="1000" dirty="0"/>
+            </a:p>
+          </p:txBody>
+        </p:sp>
+        <p:sp>
+          <p:nvSpPr>
+            <p:cNvPr id="134" name="Rounded Rectangle 133"/>
+            <p:cNvSpPr/>
+            <p:nvPr/>
+          </p:nvSpPr>
+          <p:spPr>
+            <a:xfrm>
+              <a:off x="8676640" y="3840480"/>
+              <a:ext cx="904239" cy="227330"/>
+            </a:xfrm>
+            <a:prstGeom prst="roundRect">
+              <a:avLst>
+                <a:gd name="adj" fmla="val 0"/>
+              </a:avLst>
+            </a:prstGeom>
+            <a:solidFill>
+              <a:schemeClr val="lt1"/>
+            </a:solidFill>
+            <a:ln w="12700"/>
+          </p:spPr>
+          <p:style>
+            <a:lnRef idx="2">
+              <a:schemeClr val="dk1"/>
+            </a:lnRef>
+            <a:fillRef idx="1">
+              <a:schemeClr val="lt1"/>
+            </a:fillRef>
+            <a:effectRef idx="0">
+              <a:schemeClr val="dk1"/>
+            </a:effectRef>
+            <a:fontRef idx="minor">
+              <a:schemeClr val="dk1"/>
+            </a:fontRef>
+          </p:style>
+          <p:txBody>
+            <a:bodyPr rtlCol="0" anchor="ctr"/>
+            <a:lstStyle/>
+            <a:p>
+              <a:pPr algn="ctr"/>
+              <a:r>
+                <a:rPr lang="en-US" sz="1000" dirty="0" smtClean="0"/>
+                <a:t>Correctness</a:t>
+              </a:r>
+              <a:endParaRPr lang="en-US" sz="1000" dirty="0"/>
+            </a:p>
+          </p:txBody>
+        </p:sp>
+      </p:grpSp>
+      <p:sp>
+        <p:nvSpPr>
+          <p:cNvPr id="136" name="Rounded Rectangle 135"/>
+          <p:cNvSpPr/>
+          <p:nvPr/>
+        </p:nvSpPr>
+        <p:spPr>
+          <a:xfrm>
+            <a:off x="6671020" y="2578500"/>
+            <a:ext cx="1851659" cy="254000"/>
+          </a:xfrm>
+          <a:prstGeom prst="roundRect">
+            <a:avLst>
+              <a:gd name="adj" fmla="val 0"/>
+            </a:avLst>
+          </a:prstGeom>
+          <a:solidFill>
+            <a:schemeClr val="lt1"/>
+          </a:solidFill>
+          <a:ln w="12700"/>
+        </p:spPr>
+        <p:style>
+          <a:lnRef idx="2">
+            <a:schemeClr val="dk1"/>
+          </a:lnRef>
+          <a:fillRef idx="1">
+            <a:schemeClr val="lt1"/>
+          </a:fillRef>
+          <a:effectRef idx="0">
+            <a:schemeClr val="dk1"/>
+          </a:effectRef>
+          <a:fontRef idx="minor">
+            <a:schemeClr val="dk1"/>
+          </a:fontRef>
+        </p:style>
+        <p:txBody>
+          <a:bodyPr rtlCol="0" anchor="ctr"/>
+          <a:lstStyle/>
+          <a:p>
+            <a:pPr algn="ctr"/>
+            <a:r>
+              <a:rPr lang="en-US" sz="1000" dirty="0" smtClean="0"/>
+              <a:t>Fault Tolerance</a:t>
+            </a:r>
+            <a:endParaRPr lang="en-US" sz="1000" dirty="0"/>
+          </a:p>
+        </p:txBody>
+      </p:sp>
+      <p:sp>
+        <p:nvSpPr>
+          <p:cNvPr id="137" name="Rounded Rectangle 136"/>
+          <p:cNvSpPr/>
+          <p:nvPr/>
+        </p:nvSpPr>
+        <p:spPr>
+          <a:xfrm>
+            <a:off x="6655781" y="3322085"/>
+            <a:ext cx="1178560" cy="227330"/>
+          </a:xfrm>
+          <a:prstGeom prst="roundRect">
+            <a:avLst>
+              <a:gd name="adj" fmla="val 0"/>
+            </a:avLst>
+          </a:prstGeom>
+          <a:solidFill>
+            <a:schemeClr val="lt1"/>
+          </a:solidFill>
+          <a:ln w="12700"/>
+        </p:spPr>
+        <p:style>
+          <a:lnRef idx="2">
+            <a:schemeClr val="dk1"/>
+          </a:lnRef>
+          <a:fillRef idx="1">
+            <a:schemeClr val="lt1"/>
+          </a:fillRef>
+          <a:effectRef idx="0">
+            <a:schemeClr val="dk1"/>
+          </a:effectRef>
+          <a:fontRef idx="minor">
+            <a:schemeClr val="dk1"/>
+          </a:fontRef>
+        </p:style>
+        <p:txBody>
+          <a:bodyPr rtlCol="0" anchor="ctr"/>
+          <a:lstStyle/>
+          <a:p>
+            <a:pPr algn="ctr"/>
+            <a:r>
+              <a:rPr lang="en-US" sz="1000" dirty="0" smtClean="0"/>
+              <a:t>Customer Service</a:t>
+            </a:r>
+            <a:endParaRPr lang="en-US" sz="1000" dirty="0"/>
+          </a:p>
+        </p:txBody>
+      </p:sp>
+      <p:sp>
+        <p:nvSpPr>
+          <p:cNvPr id="138" name="Rounded Rectangle 137"/>
+          <p:cNvSpPr/>
+          <p:nvPr/>
+        </p:nvSpPr>
+        <p:spPr>
+          <a:xfrm>
+            <a:off x="6699025" y="6084747"/>
+            <a:ext cx="1011197" cy="240573"/>
+          </a:xfrm>
+          <a:prstGeom prst="roundRect">
+            <a:avLst>
+              <a:gd name="adj" fmla="val 0"/>
+            </a:avLst>
+          </a:prstGeom>
+          <a:solidFill>
+            <a:schemeClr val="lt1"/>
+          </a:solidFill>
+          <a:ln w="12700"/>
+        </p:spPr>
+        <p:style>
+          <a:lnRef idx="2">
+            <a:schemeClr val="dk1"/>
+          </a:lnRef>
+          <a:fillRef idx="1">
+            <a:schemeClr val="lt1"/>
+          </a:fillRef>
+          <a:effectRef idx="0">
+            <a:schemeClr val="dk1"/>
+          </a:effectRef>
+          <a:fontRef idx="minor">
+            <a:schemeClr val="dk1"/>
+          </a:fontRef>
+        </p:style>
+        <p:txBody>
+          <a:bodyPr rtlCol="0" anchor="ctr"/>
+          <a:lstStyle/>
+          <a:p>
+            <a:pPr algn="ctr"/>
+            <a:r>
+              <a:rPr lang="en-US" sz="1000" dirty="0" smtClean="0"/>
+              <a:t>Confidentiality</a:t>
+            </a:r>
+            <a:endParaRPr lang="en-US" sz="1000" dirty="0"/>
+          </a:p>
+        </p:txBody>
+      </p:sp>
+      <p:sp>
+        <p:nvSpPr>
+          <p:cNvPr id="139" name="Rounded Rectangle 138"/>
+          <p:cNvSpPr/>
+          <p:nvPr/>
+        </p:nvSpPr>
+        <p:spPr>
+          <a:xfrm>
+            <a:off x="6696485" y="4858588"/>
+            <a:ext cx="2098997" cy="227330"/>
+          </a:xfrm>
+          <a:prstGeom prst="roundRect">
+            <a:avLst>
+              <a:gd name="adj" fmla="val 0"/>
+            </a:avLst>
+          </a:prstGeom>
+          <a:solidFill>
+            <a:schemeClr val="lt1"/>
+          </a:solidFill>
+          <a:ln w="12700"/>
+        </p:spPr>
+        <p:style>
+          <a:lnRef idx="2">
+            <a:schemeClr val="dk1"/>
+          </a:lnRef>
+          <a:fillRef idx="1">
+            <a:schemeClr val="lt1"/>
+          </a:fillRef>
+          <a:effectRef idx="0">
+            <a:schemeClr val="dk1"/>
+          </a:effectRef>
+          <a:fontRef idx="minor">
+            <a:schemeClr val="dk1"/>
+          </a:fontRef>
+        </p:style>
+        <p:txBody>
+          <a:bodyPr rtlCol="0" anchor="ctr"/>
+          <a:lstStyle/>
+          <a:p>
+            <a:pPr algn="ctr"/>
+            <a:r>
+              <a:rPr lang="en-US" sz="1000" dirty="0" smtClean="0"/>
+              <a:t>Safety</a:t>
+            </a:r>
+            <a:endParaRPr lang="en-US" sz="1000" dirty="0"/>
+          </a:p>
+        </p:txBody>
+      </p:sp>
+      <p:sp>
+        <p:nvSpPr>
+          <p:cNvPr id="140" name="Rounded Rectangle 139"/>
+          <p:cNvSpPr/>
+          <p:nvPr/>
+        </p:nvSpPr>
+        <p:spPr>
+          <a:xfrm>
+            <a:off x="6709185" y="5781570"/>
+            <a:ext cx="1001037" cy="227330"/>
+          </a:xfrm>
+          <a:prstGeom prst="roundRect">
+            <a:avLst>
+              <a:gd name="adj" fmla="val 0"/>
+            </a:avLst>
+          </a:prstGeom>
+          <a:solidFill>
+            <a:schemeClr val="lt1"/>
+          </a:solidFill>
+          <a:ln w="12700"/>
+        </p:spPr>
+        <p:style>
+          <a:lnRef idx="2">
+            <a:schemeClr val="dk1"/>
+          </a:lnRef>
+          <a:fillRef idx="1">
+            <a:schemeClr val="lt1"/>
+          </a:fillRef>
+          <a:effectRef idx="0">
+            <a:schemeClr val="dk1"/>
+          </a:effectRef>
+          <a:fontRef idx="minor">
+            <a:schemeClr val="dk1"/>
+          </a:fontRef>
+        </p:style>
+        <p:txBody>
+          <a:bodyPr rtlCol="0" anchor="ctr"/>
+          <a:lstStyle/>
+          <a:p>
+            <a:pPr algn="ctr"/>
+            <a:r>
+              <a:rPr lang="en-US" sz="1000" dirty="0" smtClean="0"/>
+              <a:t>Integrity</a:t>
+            </a:r>
+            <a:endParaRPr lang="en-US" sz="1000" dirty="0"/>
+          </a:p>
+        </p:txBody>
+      </p:sp>
+      <p:sp>
+        <p:nvSpPr>
+          <p:cNvPr id="141" name="Rounded Rectangle 140"/>
+          <p:cNvSpPr/>
+          <p:nvPr/>
+        </p:nvSpPr>
+        <p:spPr>
+          <a:xfrm>
+            <a:off x="6704383" y="5195136"/>
+            <a:ext cx="1005839" cy="227330"/>
+          </a:xfrm>
+          <a:prstGeom prst="roundRect">
+            <a:avLst>
+              <a:gd name="adj" fmla="val 0"/>
+            </a:avLst>
+          </a:prstGeom>
+          <a:solidFill>
+            <a:schemeClr val="lt1"/>
+          </a:solidFill>
+          <a:ln w="12700"/>
+        </p:spPr>
+        <p:style>
+          <a:lnRef idx="2">
+            <a:schemeClr val="dk1"/>
+          </a:lnRef>
+          <a:fillRef idx="1">
+            <a:schemeClr val="lt1"/>
+          </a:fillRef>
+          <a:effectRef idx="0">
+            <a:schemeClr val="dk1"/>
+          </a:effectRef>
+          <a:fontRef idx="minor">
+            <a:schemeClr val="dk1"/>
+          </a:fontRef>
+        </p:style>
+        <p:txBody>
+          <a:bodyPr rtlCol="0" anchor="ctr"/>
+          <a:lstStyle/>
+          <a:p>
+            <a:pPr algn="ctr"/>
+            <a:r>
+              <a:rPr lang="en-US" sz="1000" dirty="0" smtClean="0"/>
+              <a:t>Authenticity</a:t>
+            </a:r>
+            <a:endParaRPr lang="en-US" sz="1000" dirty="0"/>
+          </a:p>
+        </p:txBody>
+      </p:sp>
+      <p:cxnSp>
+        <p:nvCxnSpPr>
+          <p:cNvPr id="150" name="Straight Connector 149"/>
+          <p:cNvCxnSpPr>
+            <a:stCxn id="125" idx="1"/>
+            <a:endCxn id="4" idx="3"/>
+          </p:cNvCxnSpPr>
+          <p:nvPr/>
+        </p:nvCxnSpPr>
+        <p:spPr>
+          <a:xfrm flipH="1">
+            <a:off x="6345585" y="303530"/>
+            <a:ext cx="467675" cy="337185"/>
+          </a:xfrm>
+          <a:prstGeom prst="line">
+            <a:avLst/>
+          </a:prstGeom>
+        </p:spPr>
+        <p:style>
+          <a:lnRef idx="1">
+            <a:schemeClr val="dk1"/>
+          </a:lnRef>
+          <a:fillRef idx="0">
+            <a:schemeClr val="dk1"/>
+          </a:fillRef>
+          <a:effectRef idx="0">
+            <a:schemeClr val="dk1"/>
+          </a:effectRef>
+          <a:fontRef idx="minor">
+            <a:schemeClr val="tx1"/>
+          </a:fontRef>
+        </p:style>
+      </p:cxnSp>
+      <p:cxnSp>
+        <p:nvCxnSpPr>
+          <p:cNvPr id="153" name="Straight Connector 152"/>
+          <p:cNvCxnSpPr>
+            <a:stCxn id="126" idx="1"/>
+            <a:endCxn id="4" idx="3"/>
+          </p:cNvCxnSpPr>
+          <p:nvPr/>
+        </p:nvCxnSpPr>
+        <p:spPr>
+          <a:xfrm flipH="1" flipV="1">
+            <a:off x="6345585" y="640715"/>
+            <a:ext cx="457515" cy="4445"/>
+          </a:xfrm>
+          <a:prstGeom prst="line">
+            <a:avLst/>
+          </a:prstGeom>
+        </p:spPr>
+        <p:style>
+          <a:lnRef idx="1">
+            <a:schemeClr val="dk1"/>
+          </a:lnRef>
+          <a:fillRef idx="0">
+            <a:schemeClr val="dk1"/>
+          </a:fillRef>
+          <a:effectRef idx="0">
+            <a:schemeClr val="dk1"/>
+          </a:effectRef>
+          <a:fontRef idx="minor">
+            <a:schemeClr val="tx1"/>
+          </a:fontRef>
+        </p:style>
+      </p:cxnSp>
+      <p:cxnSp>
+        <p:nvCxnSpPr>
+          <p:cNvPr id="156" name="Straight Connector 155"/>
+          <p:cNvCxnSpPr>
+            <a:stCxn id="124" idx="1"/>
+            <a:endCxn id="4" idx="3"/>
+          </p:cNvCxnSpPr>
+          <p:nvPr/>
+        </p:nvCxnSpPr>
+        <p:spPr>
+          <a:xfrm flipH="1" flipV="1">
+            <a:off x="6345585" y="640715"/>
+            <a:ext cx="467675" cy="369752"/>
+          </a:xfrm>
+          <a:prstGeom prst="line">
+            <a:avLst/>
+          </a:prstGeom>
+        </p:spPr>
+        <p:style>
+          <a:lnRef idx="1">
+            <a:schemeClr val="dk1"/>
+          </a:lnRef>
+          <a:fillRef idx="0">
+            <a:schemeClr val="dk1"/>
+          </a:fillRef>
+          <a:effectRef idx="0">
+            <a:schemeClr val="dk1"/>
+          </a:effectRef>
+          <a:fontRef idx="minor">
+            <a:schemeClr val="tx1"/>
+          </a:fontRef>
+        </p:style>
+      </p:cxnSp>
+      <p:cxnSp>
+        <p:nvCxnSpPr>
+          <p:cNvPr id="159" name="Straight Connector 158"/>
+          <p:cNvCxnSpPr>
+            <a:stCxn id="127" idx="1"/>
+            <a:endCxn id="5" idx="3"/>
+          </p:cNvCxnSpPr>
+          <p:nvPr/>
+        </p:nvCxnSpPr>
+        <p:spPr>
+          <a:xfrm flipH="1">
+            <a:off x="6274466" y="1524661"/>
+            <a:ext cx="467674" cy="380999"/>
+          </a:xfrm>
+          <a:prstGeom prst="line">
+            <a:avLst/>
+          </a:prstGeom>
+        </p:spPr>
+        <p:style>
+          <a:lnRef idx="1">
+            <a:schemeClr val="dk1"/>
+          </a:lnRef>
+          <a:fillRef idx="0">
+            <a:schemeClr val="dk1"/>
+          </a:fillRef>
+          <a:effectRef idx="0">
+            <a:schemeClr val="dk1"/>
+          </a:effectRef>
+          <a:fontRef idx="minor">
+            <a:schemeClr val="tx1"/>
+          </a:fontRef>
+        </p:style>
+      </p:cxnSp>
+      <p:cxnSp>
+        <p:nvCxnSpPr>
+          <p:cNvPr id="162" name="Straight Connector 161"/>
+          <p:cNvCxnSpPr>
+            <a:stCxn id="128" idx="1"/>
+            <a:endCxn id="5" idx="3"/>
+          </p:cNvCxnSpPr>
+          <p:nvPr/>
+        </p:nvCxnSpPr>
+        <p:spPr>
+          <a:xfrm flipH="1">
+            <a:off x="6274466" y="1890709"/>
+            <a:ext cx="467674" cy="14951"/>
+          </a:xfrm>
+          <a:prstGeom prst="line">
+            <a:avLst/>
+          </a:prstGeom>
+        </p:spPr>
+        <p:style>
+          <a:lnRef idx="1">
+            <a:schemeClr val="dk1"/>
+          </a:lnRef>
+          <a:fillRef idx="0">
+            <a:schemeClr val="dk1"/>
+          </a:fillRef>
+          <a:effectRef idx="0">
+            <a:schemeClr val="dk1"/>
+          </a:effectRef>
+          <a:fontRef idx="minor">
+            <a:schemeClr val="tx1"/>
+          </a:fontRef>
+        </p:style>
+      </p:cxnSp>
+      <p:cxnSp>
+        <p:nvCxnSpPr>
+          <p:cNvPr id="165" name="Straight Connector 164"/>
+          <p:cNvCxnSpPr>
+            <a:stCxn id="130" idx="1"/>
+            <a:endCxn id="6" idx="3"/>
+          </p:cNvCxnSpPr>
+          <p:nvPr/>
+        </p:nvCxnSpPr>
+        <p:spPr>
+          <a:xfrm flipH="1">
+            <a:off x="6274466" y="3063641"/>
+            <a:ext cx="396554" cy="350171"/>
+          </a:xfrm>
+          <a:prstGeom prst="line">
+            <a:avLst/>
+          </a:prstGeom>
+        </p:spPr>
+        <p:style>
+          <a:lnRef idx="1">
+            <a:schemeClr val="dk1"/>
+          </a:lnRef>
+          <a:fillRef idx="0">
+            <a:schemeClr val="dk1"/>
+          </a:fillRef>
+          <a:effectRef idx="0">
+            <a:schemeClr val="dk1"/>
+          </a:effectRef>
+          <a:fontRef idx="minor">
+            <a:schemeClr val="tx1"/>
+          </a:fontRef>
+        </p:style>
+      </p:cxnSp>
+      <p:cxnSp>
+        <p:nvCxnSpPr>
+          <p:cNvPr id="169" name="Straight Arrow Connector 168"/>
+          <p:cNvCxnSpPr>
+            <a:stCxn id="127" idx="0"/>
+            <a:endCxn id="124" idx="2"/>
+          </p:cNvCxnSpPr>
+          <p:nvPr/>
+        </p:nvCxnSpPr>
+        <p:spPr>
+          <a:xfrm flipH="1" flipV="1">
+            <a:off x="7623259" y="1154465"/>
+            <a:ext cx="9151" cy="238116"/>
+          </a:xfrm>
+          <a:prstGeom prst="straightConnector1">
+            <a:avLst/>
+          </a:prstGeom>
+          <a:ln w="12700" cmpd="sng">
+            <a:headEnd type="none"/>
+            <a:tailEnd type="triangle"/>
+          </a:ln>
+          <a:effectLst/>
+        </p:spPr>
+        <p:style>
+          <a:lnRef idx="2">
+            <a:schemeClr val="accent1"/>
+          </a:lnRef>
+          <a:fillRef idx="0">
+            <a:schemeClr val="accent1"/>
+          </a:fillRef>
+          <a:effectRef idx="1">
+            <a:schemeClr val="accent1"/>
+          </a:effectRef>
+          <a:fontRef idx="minor">
+            <a:schemeClr val="tx1"/>
+          </a:fontRef>
+        </p:style>
+      </p:cxnSp>
+      <p:cxnSp>
+        <p:nvCxnSpPr>
+          <p:cNvPr id="171" name="Elbow Connector 170"/>
+          <p:cNvCxnSpPr>
+            <a:stCxn id="129" idx="3"/>
+          </p:cNvCxnSpPr>
+          <p:nvPr/>
+        </p:nvCxnSpPr>
+        <p:spPr>
+          <a:xfrm flipH="1" flipV="1">
+            <a:off x="7808941" y="2032660"/>
+            <a:ext cx="427878" cy="262718"/>
+          </a:xfrm>
+          <a:prstGeom prst="bentConnector3">
+            <a:avLst>
+              <a:gd name="adj1" fmla="val -53426"/>
+            </a:avLst>
+          </a:prstGeom>
+          <a:ln w="3175" cmpd="sng">
+            <a:prstDash val="lgDash"/>
+            <a:tailEnd type="arrow"/>
+          </a:ln>
+          <a:effectLst/>
+        </p:spPr>
+        <p:style>
+          <a:lnRef idx="2">
+            <a:schemeClr val="accent1"/>
+          </a:lnRef>
+          <a:fillRef idx="0">
+            <a:schemeClr val="accent1"/>
+          </a:fillRef>
+          <a:effectRef idx="1">
+            <a:schemeClr val="accent1"/>
+          </a:effectRef>
+          <a:fontRef idx="minor">
+            <a:schemeClr val="tx1"/>
+          </a:fontRef>
+        </p:style>
+      </p:cxnSp>
+      <p:cxnSp>
+        <p:nvCxnSpPr>
+          <p:cNvPr id="172" name="Elbow Connector 171"/>
+          <p:cNvCxnSpPr>
+            <a:stCxn id="128" idx="3"/>
+          </p:cNvCxnSpPr>
+          <p:nvPr/>
+        </p:nvCxnSpPr>
+        <p:spPr>
+          <a:xfrm flipV="1">
+            <a:off x="7808940" y="1656741"/>
+            <a:ext cx="243839" cy="233968"/>
+          </a:xfrm>
+          <a:prstGeom prst="bentConnector3">
+            <a:avLst>
+              <a:gd name="adj1" fmla="val 104827"/>
+            </a:avLst>
+          </a:prstGeom>
+          <a:ln w="3175" cmpd="sng">
+            <a:prstDash val="lgDash"/>
+            <a:headEnd type="none"/>
+            <a:tailEnd type="arrow"/>
+          </a:ln>
+          <a:effectLst/>
+        </p:spPr>
+        <p:style>
+          <a:lnRef idx="2">
+            <a:schemeClr val="accent1"/>
+          </a:lnRef>
+          <a:fillRef idx="0">
+            <a:schemeClr val="accent1"/>
+          </a:fillRef>
+          <a:effectRef idx="1">
+            <a:schemeClr val="accent1"/>
+          </a:effectRef>
+          <a:fontRef idx="minor">
+            <a:schemeClr val="tx1"/>
+          </a:fontRef>
+        </p:style>
+      </p:cxnSp>
+      <p:cxnSp>
+        <p:nvCxnSpPr>
+          <p:cNvPr id="181" name="Elbow Connector 180"/>
+          <p:cNvCxnSpPr>
+            <a:stCxn id="130" idx="3"/>
+            <a:endCxn id="124" idx="3"/>
+          </p:cNvCxnSpPr>
+          <p:nvPr/>
+        </p:nvCxnSpPr>
+        <p:spPr>
+          <a:xfrm flipH="1" flipV="1">
+            <a:off x="8433258" y="1010467"/>
+            <a:ext cx="303740" cy="2053174"/>
+          </a:xfrm>
+          <a:prstGeom prst="bentConnector3">
+            <a:avLst>
+              <a:gd name="adj1" fmla="val -75262"/>
+            </a:avLst>
+          </a:prstGeom>
+          <a:ln w="12700" cmpd="sng">
+            <a:headEnd type="none"/>
+            <a:tailEnd type="triangle"/>
+          </a:ln>
+          <a:effectLst/>
+        </p:spPr>
+        <p:style>
+          <a:lnRef idx="2">
+            <a:schemeClr val="accent1"/>
+          </a:lnRef>
+          <a:fillRef idx="0">
+            <a:schemeClr val="accent1"/>
+          </a:fillRef>
+          <a:effectRef idx="1">
+            <a:schemeClr val="accent1"/>
+          </a:effectRef>
+          <a:fontRef idx="minor">
+            <a:schemeClr val="tx1"/>
+          </a:fontRef>
+        </p:style>
+      </p:cxnSp>
+      <p:cxnSp>
+        <p:nvCxnSpPr>
+          <p:cNvPr id="217" name="Straight Connector 216"/>
+          <p:cNvCxnSpPr>
+            <a:stCxn id="136" idx="1"/>
+            <a:endCxn id="6" idx="3"/>
+          </p:cNvCxnSpPr>
+          <p:nvPr/>
+        </p:nvCxnSpPr>
+        <p:spPr>
+          <a:xfrm flipH="1">
+            <a:off x="6274466" y="2705500"/>
+            <a:ext cx="396554" cy="708312"/>
+          </a:xfrm>
+          <a:prstGeom prst="line">
+            <a:avLst/>
+          </a:prstGeom>
+        </p:spPr>
+        <p:style>
+          <a:lnRef idx="1">
+            <a:schemeClr val="dk1"/>
+          </a:lnRef>
+          <a:fillRef idx="0">
+            <a:schemeClr val="dk1"/>
+          </a:fillRef>
+          <a:effectRef idx="0">
+            <a:schemeClr val="dk1"/>
+          </a:effectRef>
+          <a:fontRef idx="minor">
+            <a:schemeClr val="tx1"/>
+          </a:fontRef>
+        </p:style>
+      </p:cxnSp>
+      <p:cxnSp>
+        <p:nvCxnSpPr>
+          <p:cNvPr id="222" name="Straight Connector 221"/>
+          <p:cNvCxnSpPr>
+            <a:stCxn id="131" idx="1"/>
+            <a:endCxn id="6" idx="3"/>
+          </p:cNvCxnSpPr>
+          <p:nvPr/>
+        </p:nvCxnSpPr>
+        <p:spPr>
+          <a:xfrm flipH="1" flipV="1">
+            <a:off x="6274466" y="3413812"/>
+            <a:ext cx="366074" cy="404206"/>
+          </a:xfrm>
+          <a:prstGeom prst="line">
+            <a:avLst/>
+          </a:prstGeom>
+        </p:spPr>
+        <p:style>
+          <a:lnRef idx="1">
+            <a:schemeClr val="dk1"/>
+          </a:lnRef>
+          <a:fillRef idx="0">
+            <a:schemeClr val="dk1"/>
+          </a:fillRef>
+          <a:effectRef idx="0">
+            <a:schemeClr val="dk1"/>
+          </a:effectRef>
+          <a:fontRef idx="minor">
+            <a:schemeClr val="tx1"/>
+          </a:fontRef>
+        </p:style>
+      </p:cxnSp>
+      <p:cxnSp>
+        <p:nvCxnSpPr>
+          <p:cNvPr id="225" name="Straight Connector 224"/>
+          <p:cNvCxnSpPr>
+            <a:stCxn id="137" idx="1"/>
+            <a:endCxn id="6" idx="3"/>
+          </p:cNvCxnSpPr>
+          <p:nvPr/>
+        </p:nvCxnSpPr>
+        <p:spPr>
+          <a:xfrm flipH="1" flipV="1">
+            <a:off x="6274466" y="3413812"/>
+            <a:ext cx="381315" cy="21938"/>
+          </a:xfrm>
+          <a:prstGeom prst="line">
+            <a:avLst/>
+          </a:prstGeom>
+        </p:spPr>
+        <p:style>
+          <a:lnRef idx="1">
+            <a:schemeClr val="dk1"/>
+          </a:lnRef>
+          <a:fillRef idx="0">
+            <a:schemeClr val="dk1"/>
+          </a:fillRef>
+          <a:effectRef idx="0">
+            <a:schemeClr val="dk1"/>
+          </a:effectRef>
+          <a:fontRef idx="minor">
+            <a:schemeClr val="tx1"/>
+          </a:fontRef>
+        </p:style>
+      </p:cxnSp>
+      <p:cxnSp>
+        <p:nvCxnSpPr>
+          <p:cNvPr id="228" name="Straight Connector 227"/>
+          <p:cNvCxnSpPr>
+            <a:stCxn id="132" idx="1"/>
+            <a:endCxn id="6" idx="3"/>
+          </p:cNvCxnSpPr>
+          <p:nvPr/>
+        </p:nvCxnSpPr>
+        <p:spPr>
+          <a:xfrm flipH="1" flipV="1">
+            <a:off x="6274466" y="3413812"/>
+            <a:ext cx="371154" cy="910553"/>
+          </a:xfrm>
+          <a:prstGeom prst="line">
+            <a:avLst/>
+          </a:prstGeom>
+        </p:spPr>
+        <p:style>
+          <a:lnRef idx="1">
+            <a:schemeClr val="dk1"/>
+          </a:lnRef>
+          <a:fillRef idx="0">
+            <a:schemeClr val="dk1"/>
+          </a:fillRef>
+          <a:effectRef idx="0">
+            <a:schemeClr val="dk1"/>
+          </a:effectRef>
+          <a:fontRef idx="minor">
+            <a:schemeClr val="tx1"/>
+          </a:fontRef>
+        </p:style>
+      </p:cxnSp>
+      <p:cxnSp>
+        <p:nvCxnSpPr>
+          <p:cNvPr id="313" name="Elbow Connector 312"/>
+          <p:cNvCxnSpPr/>
+          <p:nvPr/>
+        </p:nvCxnSpPr>
+        <p:spPr>
+          <a:xfrm flipV="1">
+            <a:off x="7849579" y="3202071"/>
+            <a:ext cx="243839" cy="259079"/>
+          </a:xfrm>
+          <a:prstGeom prst="bentConnector2">
+            <a:avLst/>
+          </a:prstGeom>
+          <a:ln w="3175" cmpd="sng">
+            <a:prstDash val="lgDash"/>
+            <a:tailEnd type="arrow"/>
+          </a:ln>
+          <a:effectLst/>
+        </p:spPr>
+        <p:style>
+          <a:lnRef idx="2">
+            <a:schemeClr val="accent1"/>
+          </a:lnRef>
+          <a:fillRef idx="0">
+            <a:schemeClr val="accent1"/>
+          </a:fillRef>
+          <a:effectRef idx="1">
+            <a:schemeClr val="accent1"/>
+          </a:effectRef>
+          <a:fontRef idx="minor">
+            <a:schemeClr val="tx1"/>
+          </a:fontRef>
+        </p:style>
+      </p:cxnSp>
+      <p:cxnSp>
+        <p:nvCxnSpPr>
+          <p:cNvPr id="315" name="Elbow Connector 314"/>
+          <p:cNvCxnSpPr>
+            <a:stCxn id="131" idx="3"/>
+          </p:cNvCxnSpPr>
+          <p:nvPr/>
+        </p:nvCxnSpPr>
+        <p:spPr>
+          <a:xfrm flipV="1">
+            <a:off x="8037538" y="3202071"/>
+            <a:ext cx="489229" cy="615947"/>
+          </a:xfrm>
+          <a:prstGeom prst="bentConnector2">
+            <a:avLst/>
+          </a:prstGeom>
+          <a:ln w="3175" cmpd="sng">
+            <a:prstDash val="lgDash"/>
+            <a:tailEnd type="arrow"/>
+          </a:ln>
+          <a:effectLst/>
+        </p:spPr>
+        <p:style>
+          <a:lnRef idx="2">
+            <a:schemeClr val="accent1"/>
+          </a:lnRef>
+          <a:fillRef idx="0">
+            <a:schemeClr val="accent1"/>
+          </a:fillRef>
+          <a:effectRef idx="1">
+            <a:schemeClr val="accent1"/>
+          </a:effectRef>
+          <a:fontRef idx="minor">
+            <a:schemeClr val="tx1"/>
+          </a:fontRef>
+        </p:style>
+      </p:cxnSp>
+      <p:cxnSp>
+        <p:nvCxnSpPr>
+          <p:cNvPr id="333" name="Straight Connector 332"/>
+          <p:cNvCxnSpPr>
+            <a:stCxn id="129" idx="1"/>
+            <a:endCxn id="5" idx="3"/>
+          </p:cNvCxnSpPr>
+          <p:nvPr/>
+        </p:nvCxnSpPr>
+        <p:spPr>
+          <a:xfrm flipH="1" flipV="1">
+            <a:off x="6274466" y="1905660"/>
+            <a:ext cx="467674" cy="389718"/>
+          </a:xfrm>
+          <a:prstGeom prst="line">
+            <a:avLst/>
+          </a:prstGeom>
+        </p:spPr>
+        <p:style>
+          <a:lnRef idx="1">
+            <a:schemeClr val="dk1"/>
+          </a:lnRef>
+          <a:fillRef idx="0">
+            <a:schemeClr val="dk1"/>
+          </a:fillRef>
+          <a:effectRef idx="0">
+            <a:schemeClr val="dk1"/>
+          </a:effectRef>
+          <a:fontRef idx="minor">
+            <a:schemeClr val="tx1"/>
+          </a:fontRef>
+        </p:style>
+      </p:cxnSp>
+      <p:cxnSp>
+        <p:nvCxnSpPr>
+          <p:cNvPr id="379" name="Straight Arrow Connector 378"/>
+          <p:cNvCxnSpPr>
+            <a:stCxn id="132" idx="0"/>
+          </p:cNvCxnSpPr>
+          <p:nvPr/>
+        </p:nvCxnSpPr>
+        <p:spPr>
+          <a:xfrm flipV="1">
+            <a:off x="7585419" y="3950098"/>
+            <a:ext cx="0" cy="243774"/>
+          </a:xfrm>
+          <a:prstGeom prst="straightConnector1">
+            <a:avLst/>
+          </a:prstGeom>
+          <a:ln w="3175" cmpd="sng">
+            <a:prstDash val="lgDash"/>
+            <a:tailEnd type="arrow"/>
+          </a:ln>
+          <a:effectLst/>
+        </p:spPr>
+        <p:style>
+          <a:lnRef idx="2">
+            <a:schemeClr val="accent1"/>
+          </a:lnRef>
+          <a:fillRef idx="0">
+            <a:schemeClr val="accent1"/>
+          </a:fillRef>
+          <a:effectRef idx="1">
+            <a:schemeClr val="accent1"/>
+          </a:effectRef>
+          <a:fontRef idx="minor">
+            <a:schemeClr val="tx1"/>
+          </a:fontRef>
+        </p:style>
+      </p:cxnSp>
+      <p:cxnSp>
+        <p:nvCxnSpPr>
+          <p:cNvPr id="426" name="Elbow Connector 425"/>
+          <p:cNvCxnSpPr>
+            <a:stCxn id="141" idx="3"/>
+          </p:cNvCxnSpPr>
+          <p:nvPr/>
+        </p:nvCxnSpPr>
+        <p:spPr>
+          <a:xfrm flipV="1">
+            <a:off x="7710222" y="5085918"/>
+            <a:ext cx="197842" cy="222883"/>
+          </a:xfrm>
+          <a:prstGeom prst="bentConnector2">
+            <a:avLst/>
+          </a:prstGeom>
+          <a:ln w="3175" cmpd="sng">
+            <a:prstDash val="lgDash"/>
+            <a:tailEnd type="arrow"/>
+          </a:ln>
+          <a:effectLst/>
+        </p:spPr>
+        <p:style>
+          <a:lnRef idx="2">
+            <a:schemeClr val="accent1"/>
+          </a:lnRef>
+          <a:fillRef idx="0">
+            <a:schemeClr val="accent1"/>
+          </a:fillRef>
+          <a:effectRef idx="1">
+            <a:schemeClr val="accent1"/>
+          </a:effectRef>
+          <a:fontRef idx="minor">
+            <a:schemeClr val="tx1"/>
+          </a:fontRef>
+        </p:style>
+      </p:cxnSp>
+      <p:cxnSp>
+        <p:nvCxnSpPr>
+          <p:cNvPr id="427" name="Elbow Connector 426"/>
+          <p:cNvCxnSpPr>
+            <a:stCxn id="140" idx="3"/>
+          </p:cNvCxnSpPr>
+          <p:nvPr/>
+        </p:nvCxnSpPr>
+        <p:spPr>
+          <a:xfrm flipV="1">
+            <a:off x="7710222" y="5085919"/>
+            <a:ext cx="814996" cy="809316"/>
+          </a:xfrm>
+          <a:prstGeom prst="bentConnector3">
+            <a:avLst>
+              <a:gd name="adj1" fmla="val 98480"/>
+            </a:avLst>
+          </a:prstGeom>
+          <a:ln w="3175" cmpd="sng">
+            <a:prstDash val="lgDash"/>
+            <a:tailEnd type="arrow"/>
+          </a:ln>
+          <a:effectLst/>
+        </p:spPr>
+        <p:style>
+          <a:lnRef idx="2">
+            <a:schemeClr val="accent1"/>
+          </a:lnRef>
+          <a:fillRef idx="0">
+            <a:schemeClr val="accent1"/>
+          </a:fillRef>
+          <a:effectRef idx="1">
+            <a:schemeClr val="accent1"/>
+          </a:effectRef>
+          <a:fontRef idx="minor">
+            <a:schemeClr val="tx1"/>
+          </a:fontRef>
+        </p:style>
+      </p:cxnSp>
+      <p:cxnSp>
+        <p:nvCxnSpPr>
+          <p:cNvPr id="438" name="Elbow Connector 437"/>
+          <p:cNvCxnSpPr>
+            <a:stCxn id="138" idx="3"/>
+          </p:cNvCxnSpPr>
+          <p:nvPr/>
+        </p:nvCxnSpPr>
+        <p:spPr>
+          <a:xfrm flipV="1">
+            <a:off x="7710222" y="5085918"/>
+            <a:ext cx="1026776" cy="1119116"/>
+          </a:xfrm>
+          <a:prstGeom prst="bentConnector2">
+            <a:avLst/>
+          </a:prstGeom>
+          <a:ln w="3175" cmpd="sng">
+            <a:prstDash val="lgDash"/>
+            <a:tailEnd type="arrow"/>
+          </a:ln>
+          <a:effectLst/>
+        </p:spPr>
+        <p:style>
+          <a:lnRef idx="2">
+            <a:schemeClr val="accent1"/>
+          </a:lnRef>
+          <a:fillRef idx="0">
+            <a:schemeClr val="accent1"/>
+          </a:fillRef>
+          <a:effectRef idx="1">
+            <a:schemeClr val="accent1"/>
+          </a:effectRef>
+          <a:fontRef idx="minor">
+            <a:schemeClr val="tx1"/>
+          </a:fontRef>
+        </p:style>
+      </p:cxnSp>
+      <p:cxnSp>
+        <p:nvCxnSpPr>
+          <p:cNvPr id="443" name="Straight Connector 442"/>
+          <p:cNvCxnSpPr>
+            <a:stCxn id="139" idx="1"/>
+            <a:endCxn id="7" idx="3"/>
+          </p:cNvCxnSpPr>
+          <p:nvPr/>
+        </p:nvCxnSpPr>
+        <p:spPr>
+          <a:xfrm flipH="1">
+            <a:off x="6274466" y="4972253"/>
+            <a:ext cx="422019" cy="631094"/>
+          </a:xfrm>
+          <a:prstGeom prst="line">
+            <a:avLst/>
+          </a:prstGeom>
+        </p:spPr>
+        <p:style>
+          <a:lnRef idx="1">
+            <a:schemeClr val="dk1"/>
+          </a:lnRef>
+          <a:fillRef idx="0">
+            <a:schemeClr val="dk1"/>
+          </a:fillRef>
+          <a:effectRef idx="0">
+            <a:schemeClr val="dk1"/>
+          </a:effectRef>
+          <a:fontRef idx="minor">
+            <a:schemeClr val="tx1"/>
+          </a:fontRef>
+        </p:style>
+      </p:cxnSp>
+      <p:cxnSp>
+        <p:nvCxnSpPr>
+          <p:cNvPr id="446" name="Straight Connector 445"/>
+          <p:cNvCxnSpPr>
+            <a:stCxn id="140" idx="1"/>
+            <a:endCxn id="7" idx="3"/>
+          </p:cNvCxnSpPr>
+          <p:nvPr/>
+        </p:nvCxnSpPr>
+        <p:spPr>
+          <a:xfrm flipH="1" flipV="1">
+            <a:off x="6274466" y="5603347"/>
+            <a:ext cx="434719" cy="291888"/>
+          </a:xfrm>
+          <a:prstGeom prst="line">
+            <a:avLst/>
+          </a:prstGeom>
+        </p:spPr>
+        <p:style>
+          <a:lnRef idx="1">
+            <a:schemeClr val="dk1"/>
+          </a:lnRef>
+          <a:fillRef idx="0">
+            <a:schemeClr val="dk1"/>
+          </a:fillRef>
+          <a:effectRef idx="0">
+            <a:schemeClr val="dk1"/>
+          </a:effectRef>
+          <a:fontRef idx="minor">
+            <a:schemeClr val="tx1"/>
+          </a:fontRef>
+        </p:style>
+      </p:cxnSp>
+      <p:cxnSp>
+        <p:nvCxnSpPr>
+          <p:cNvPr id="449" name="Straight Connector 448"/>
+          <p:cNvCxnSpPr>
+            <a:stCxn id="138" idx="1"/>
+            <a:endCxn id="7" idx="3"/>
+          </p:cNvCxnSpPr>
+          <p:nvPr/>
+        </p:nvCxnSpPr>
+        <p:spPr>
+          <a:xfrm flipH="1" flipV="1">
+            <a:off x="6274466" y="5603347"/>
+            <a:ext cx="424559" cy="601687"/>
+          </a:xfrm>
+          <a:prstGeom prst="line">
+            <a:avLst/>
+          </a:prstGeom>
+        </p:spPr>
+        <p:style>
+          <a:lnRef idx="1">
+            <a:schemeClr val="dk1"/>
+          </a:lnRef>
+          <a:fillRef idx="0">
+            <a:schemeClr val="dk1"/>
+          </a:fillRef>
+          <a:effectRef idx="0">
+            <a:schemeClr val="dk1"/>
+          </a:effectRef>
+          <a:fontRef idx="minor">
+            <a:schemeClr val="tx1"/>
+          </a:fontRef>
+        </p:style>
+      </p:cxnSp>
+      <p:cxnSp>
+        <p:nvCxnSpPr>
+          <p:cNvPr id="452" name="Straight Connector 451"/>
+          <p:cNvCxnSpPr>
+            <a:stCxn id="80" idx="1"/>
+            <a:endCxn id="7" idx="3"/>
+          </p:cNvCxnSpPr>
+          <p:nvPr/>
+        </p:nvCxnSpPr>
+        <p:spPr>
+          <a:xfrm flipH="1">
+            <a:off x="6274466" y="5603347"/>
+            <a:ext cx="439800" cy="0"/>
+          </a:xfrm>
+          <a:prstGeom prst="line">
+            <a:avLst/>
+          </a:prstGeom>
+        </p:spPr>
+        <p:style>
+          <a:lnRef idx="1">
+            <a:schemeClr val="dk1"/>
+          </a:lnRef>
+          <a:fillRef idx="0">
+            <a:schemeClr val="dk1"/>
+          </a:fillRef>
+          <a:effectRef idx="0">
+            <a:schemeClr val="dk1"/>
+          </a:effectRef>
+          <a:fontRef idx="minor">
+            <a:schemeClr val="tx1"/>
+          </a:fontRef>
+        </p:style>
+      </p:cxnSp>
+      <p:sp>
+        <p:nvSpPr>
+          <p:cNvPr id="484" name="Rounded Rectangle 483"/>
+          <p:cNvSpPr/>
+          <p:nvPr/>
+        </p:nvSpPr>
+        <p:spPr>
+          <a:xfrm>
+            <a:off x="2753987" y="3243954"/>
+            <a:ext cx="1361441" cy="460375"/>
+          </a:xfrm>
+          <a:prstGeom prst="roundRect">
+            <a:avLst/>
+          </a:prstGeom>
+          <a:ln w="38100" cmpd="dbl">
+            <a:prstDash val="solid"/>
+          </a:ln>
+        </p:spPr>
+        <p:style>
+          <a:lnRef idx="2">
+            <a:schemeClr val="dk1"/>
+          </a:lnRef>
+          <a:fillRef idx="1">
+            <a:schemeClr val="lt1"/>
+          </a:fillRef>
+          <a:effectRef idx="0">
+            <a:schemeClr val="dk1"/>
+          </a:effectRef>
+          <a:fontRef idx="minor">
+            <a:schemeClr val="dk1"/>
+          </a:fontRef>
+        </p:style>
+        <p:txBody>
+          <a:bodyPr rtlCol="0" anchor="ctr"/>
+          <a:lstStyle/>
+          <a:p>
+            <a:pPr algn="ctr"/>
+            <a:r>
+              <a:rPr lang="en-US" sz="1200" dirty="0" smtClean="0">
+                <a:solidFill>
+                  <a:srgbClr val="FF0000"/>
+                </a:solidFill>
+              </a:rPr>
+              <a:t>Compatibility</a:t>
+            </a:r>
+            <a:endParaRPr lang="en-US" sz="1200" dirty="0">
+              <a:solidFill>
+                <a:srgbClr val="FF0000"/>
+              </a:solidFill>
+            </a:endParaRPr>
+          </a:p>
+        </p:txBody>
+      </p:sp>
+      <p:cxnSp>
+        <p:nvCxnSpPr>
+          <p:cNvPr id="485" name="Straight Connector 484"/>
+          <p:cNvCxnSpPr>
+            <a:stCxn id="484" idx="3"/>
+            <a:endCxn id="4" idx="1"/>
+          </p:cNvCxnSpPr>
+          <p:nvPr/>
+        </p:nvCxnSpPr>
+        <p:spPr>
+          <a:xfrm flipV="1">
+            <a:off x="4115428" y="640715"/>
+            <a:ext cx="990638" cy="2833427"/>
+          </a:xfrm>
+          <a:prstGeom prst="line">
+            <a:avLst/>
+          </a:prstGeom>
+        </p:spPr>
+        <p:style>
+          <a:lnRef idx="1">
+            <a:schemeClr val="dk1"/>
+          </a:lnRef>
+          <a:fillRef idx="0">
+            <a:schemeClr val="dk1"/>
+          </a:fillRef>
+          <a:effectRef idx="0">
+            <a:schemeClr val="dk1"/>
+          </a:effectRef>
+          <a:fontRef idx="minor">
+            <a:schemeClr val="tx1"/>
+          </a:fontRef>
+        </p:style>
+      </p:cxnSp>
+      <p:cxnSp>
+        <p:nvCxnSpPr>
+          <p:cNvPr id="488" name="Straight Connector 487"/>
+          <p:cNvCxnSpPr>
+            <a:stCxn id="484" idx="3"/>
+            <a:endCxn id="5" idx="1"/>
+          </p:cNvCxnSpPr>
+          <p:nvPr/>
+        </p:nvCxnSpPr>
+        <p:spPr>
+          <a:xfrm flipV="1">
+            <a:off x="4115428" y="1905660"/>
+            <a:ext cx="1183679" cy="1568482"/>
+          </a:xfrm>
+          <a:prstGeom prst="line">
+            <a:avLst/>
+          </a:prstGeom>
+        </p:spPr>
+        <p:style>
+          <a:lnRef idx="1">
+            <a:schemeClr val="dk1"/>
+          </a:lnRef>
+          <a:fillRef idx="0">
+            <a:schemeClr val="dk1"/>
+          </a:fillRef>
+          <a:effectRef idx="0">
+            <a:schemeClr val="dk1"/>
+          </a:effectRef>
+          <a:fontRef idx="minor">
+            <a:schemeClr val="tx1"/>
+          </a:fontRef>
+        </p:style>
+      </p:cxnSp>
+      <p:cxnSp>
+        <p:nvCxnSpPr>
+          <p:cNvPr id="491" name="Straight Connector 490"/>
+          <p:cNvCxnSpPr>
+            <a:stCxn id="484" idx="3"/>
+            <a:endCxn id="6" idx="1"/>
+          </p:cNvCxnSpPr>
+          <p:nvPr/>
+        </p:nvCxnSpPr>
+        <p:spPr>
+          <a:xfrm flipV="1">
+            <a:off x="4115428" y="3413812"/>
+            <a:ext cx="1183679" cy="60330"/>
+          </a:xfrm>
+          <a:prstGeom prst="line">
+            <a:avLst/>
+          </a:prstGeom>
+        </p:spPr>
+        <p:style>
+          <a:lnRef idx="1">
+            <a:schemeClr val="dk1"/>
+          </a:lnRef>
+          <a:fillRef idx="0">
+            <a:schemeClr val="dk1"/>
+          </a:fillRef>
+          <a:effectRef idx="0">
+            <a:schemeClr val="dk1"/>
+          </a:effectRef>
+          <a:fontRef idx="minor">
+            <a:schemeClr val="tx1"/>
+          </a:fontRef>
+        </p:style>
+      </p:cxnSp>
+      <p:cxnSp>
+        <p:nvCxnSpPr>
+          <p:cNvPr id="495" name="Straight Connector 494"/>
+          <p:cNvCxnSpPr>
+            <a:stCxn id="484" idx="3"/>
+            <a:endCxn id="7" idx="1"/>
+          </p:cNvCxnSpPr>
+          <p:nvPr/>
+        </p:nvCxnSpPr>
+        <p:spPr>
+          <a:xfrm>
+            <a:off x="4115428" y="3474142"/>
+            <a:ext cx="1183679" cy="2129205"/>
+          </a:xfrm>
+          <a:prstGeom prst="line">
+            <a:avLst/>
+          </a:prstGeom>
+        </p:spPr>
+        <p:style>
+          <a:lnRef idx="1">
+            <a:schemeClr val="dk1"/>
+          </a:lnRef>
+          <a:fillRef idx="0">
+            <a:schemeClr val="dk1"/>
+          </a:fillRef>
+          <a:effectRef idx="0">
+            <a:schemeClr val="dk1"/>
+          </a:effectRef>
+          <a:fontRef idx="minor">
+            <a:schemeClr val="tx1"/>
+          </a:fontRef>
+        </p:style>
+      </p:cxnSp>
+      <p:sp>
+        <p:nvSpPr>
+          <p:cNvPr id="533" name="Rounded Rectangle 532"/>
+          <p:cNvSpPr/>
+          <p:nvPr/>
+        </p:nvSpPr>
+        <p:spPr>
+          <a:xfrm>
+            <a:off x="2825108" y="3327775"/>
+            <a:ext cx="1209040" cy="294640"/>
+          </a:xfrm>
+          <a:prstGeom prst="roundRect">
+            <a:avLst/>
+          </a:prstGeom>
+          <a:solidFill>
+            <a:schemeClr val="lt1">
+              <a:alpha val="0"/>
+            </a:schemeClr>
+          </a:solidFill>
+          <a:ln w="28575" cmpd="sng">
+            <a:solidFill>
+              <a:srgbClr val="000000"/>
+            </a:solidFill>
+            <a:prstDash val="solid"/>
+          </a:ln>
+        </p:spPr>
+        <p:style>
+          <a:lnRef idx="2">
+            <a:schemeClr val="accent1"/>
+          </a:lnRef>
+          <a:fillRef idx="1">
+            <a:schemeClr val="lt1"/>
+          </a:fillRef>
+          <a:effectRef idx="0">
+            <a:schemeClr val="accent1"/>
+          </a:effectRef>
+          <a:fontRef idx="minor">
+            <a:schemeClr val="dk1"/>
+          </a:fontRef>
+        </p:style>
+        <p:txBody>
+          <a:bodyPr rtlCol="0" anchor="ctr"/>
+          <a:lstStyle/>
+          <a:p>
+            <a:pPr algn="ctr"/>
+            <a:endParaRPr lang="en-US" sz="1200" dirty="0">
+              <a:solidFill>
+                <a:srgbClr val="FF0000"/>
+              </a:solidFill>
+            </a:endParaRPr>
+          </a:p>
+        </p:txBody>
+      </p:sp>
+      <p:cxnSp>
+        <p:nvCxnSpPr>
+          <p:cNvPr id="73" name="Elbow Connector 72"/>
+          <p:cNvCxnSpPr>
+            <a:stCxn id="136" idx="3"/>
+          </p:cNvCxnSpPr>
+          <p:nvPr/>
+        </p:nvCxnSpPr>
+        <p:spPr>
+          <a:xfrm flipH="1" flipV="1">
+            <a:off x="8433258" y="1154465"/>
+            <a:ext cx="89421" cy="1551035"/>
+          </a:xfrm>
+          <a:prstGeom prst="bentConnector4">
+            <a:avLst>
+              <a:gd name="adj1" fmla="val -255645"/>
+              <a:gd name="adj2" fmla="val 99583"/>
+            </a:avLst>
+          </a:prstGeom>
+          <a:ln w="12700" cmpd="sng">
+            <a:headEnd type="none"/>
+            <a:tailEnd type="triangle"/>
+          </a:ln>
+          <a:effectLst/>
+        </p:spPr>
+        <p:style>
+          <a:lnRef idx="2">
+            <a:schemeClr val="accent1"/>
+          </a:lnRef>
+          <a:fillRef idx="0">
+            <a:schemeClr val="accent1"/>
+          </a:fillRef>
+          <a:effectRef idx="1">
+            <a:schemeClr val="accent1"/>
+          </a:effectRef>
+          <a:fontRef idx="minor">
+            <a:schemeClr val="tx1"/>
+          </a:fontRef>
+        </p:style>
+      </p:cxnSp>
+      <p:cxnSp>
+        <p:nvCxnSpPr>
+          <p:cNvPr id="108" name="Elbow Connector 107"/>
+          <p:cNvCxnSpPr>
+            <a:endCxn id="126" idx="3"/>
+          </p:cNvCxnSpPr>
+          <p:nvPr/>
+        </p:nvCxnSpPr>
+        <p:spPr>
+          <a:xfrm rot="10800000">
+            <a:off x="7575260" y="645160"/>
+            <a:ext cx="365761" cy="221308"/>
+          </a:xfrm>
+          <a:prstGeom prst="bentConnector3">
+            <a:avLst>
+              <a:gd name="adj1" fmla="val -134"/>
+            </a:avLst>
+          </a:prstGeom>
+          <a:ln w="3175" cmpd="sng">
+            <a:prstDash val="lgDash"/>
+            <a:headEnd type="none"/>
+            <a:tailEnd type="arrow"/>
+          </a:ln>
+          <a:effectLst/>
+        </p:spPr>
+        <p:style>
+          <a:lnRef idx="2">
+            <a:schemeClr val="accent1"/>
+          </a:lnRef>
+          <a:fillRef idx="0">
+            <a:schemeClr val="accent1"/>
+          </a:fillRef>
+          <a:effectRef idx="1">
+            <a:schemeClr val="accent1"/>
+          </a:effectRef>
+          <a:fontRef idx="minor">
+            <a:schemeClr val="tx1"/>
+          </a:fontRef>
+        </p:style>
+      </p:cxnSp>
+      <p:sp>
+        <p:nvSpPr>
+          <p:cNvPr id="2" name="TextBox 1"/>
+          <p:cNvSpPr txBox="1"/>
+          <p:nvPr/>
+        </p:nvSpPr>
+        <p:spPr>
+          <a:xfrm>
+            <a:off x="94584" y="6488668"/>
+            <a:ext cx="4980851" cy="369332"/>
+          </a:xfrm>
+          <a:prstGeom prst="rect">
+            <a:avLst/>
+          </a:prstGeom>
+          <a:noFill/>
+        </p:spPr>
+        <p:txBody>
+          <a:bodyPr wrap="none" rtlCol="0">
+            <a:spAutoFit/>
+          </a:bodyPr>
+          <a:lstStyle/>
+          <a:p>
+            <a:r>
+              <a:rPr lang="en-US" dirty="0" smtClean="0"/>
+              <a:t>FOR DEPENDABILITY PURPOSES COMPLETE </a:t>
+            </a:r>
+            <a:r>
+              <a:rPr lang="en-US" dirty="0" smtClean="0"/>
+              <a:t>MODEL</a:t>
+            </a:r>
+            <a:endParaRPr lang="en-US" dirty="0"/>
+          </a:p>
+        </p:txBody>
+      </p:sp>
+      <p:sp>
+        <p:nvSpPr>
+          <p:cNvPr id="80" name="Rounded Rectangle 79"/>
+          <p:cNvSpPr/>
+          <p:nvPr/>
+        </p:nvSpPr>
+        <p:spPr>
+          <a:xfrm>
+            <a:off x="6714266" y="5493707"/>
+            <a:ext cx="993917" cy="219279"/>
+          </a:xfrm>
+          <a:prstGeom prst="roundRect">
+            <a:avLst>
+              <a:gd name="adj" fmla="val 0"/>
+            </a:avLst>
+          </a:prstGeom>
+          <a:solidFill>
+            <a:schemeClr val="lt1"/>
+          </a:solidFill>
+          <a:ln w="12700"/>
+        </p:spPr>
+        <p:style>
+          <a:lnRef idx="2">
+            <a:schemeClr val="dk1"/>
+          </a:lnRef>
+          <a:fillRef idx="1">
+            <a:schemeClr val="lt1"/>
+          </a:fillRef>
+          <a:effectRef idx="0">
+            <a:schemeClr val="dk1"/>
+          </a:effectRef>
+          <a:fontRef idx="minor">
+            <a:schemeClr val="dk1"/>
+          </a:fontRef>
+        </p:style>
+        <p:txBody>
+          <a:bodyPr rtlCol="0" anchor="ctr"/>
+          <a:lstStyle/>
+          <a:p>
+            <a:pPr algn="ctr"/>
+            <a:r>
+              <a:rPr lang="en-US" sz="1000" dirty="0" smtClean="0"/>
+              <a:t>Privacy</a:t>
+            </a:r>
+            <a:endParaRPr lang="en-US" sz="1000" dirty="0"/>
+          </a:p>
+        </p:txBody>
+      </p:sp>
+      <p:cxnSp>
+        <p:nvCxnSpPr>
+          <p:cNvPr id="81" name="Elbow Connector 80"/>
+          <p:cNvCxnSpPr>
+            <a:stCxn id="80" idx="3"/>
+          </p:cNvCxnSpPr>
+          <p:nvPr/>
+        </p:nvCxnSpPr>
+        <p:spPr>
+          <a:xfrm flipV="1">
+            <a:off x="7708183" y="5085919"/>
+            <a:ext cx="387840" cy="517428"/>
+          </a:xfrm>
+          <a:prstGeom prst="bentConnector2">
+            <a:avLst/>
+          </a:prstGeom>
+          <a:ln w="3175" cmpd="sng">
+            <a:prstDash val="lgDash"/>
+            <a:tailEnd type="arrow"/>
+          </a:ln>
+          <a:effectLst/>
+        </p:spPr>
+        <p:style>
+          <a:lnRef idx="2">
+            <a:schemeClr val="accent1"/>
+          </a:lnRef>
+          <a:fillRef idx="0">
+            <a:schemeClr val="accent1"/>
+          </a:fillRef>
+          <a:effectRef idx="1">
+            <a:schemeClr val="accent1"/>
+          </a:effectRef>
+          <a:fontRef idx="minor">
+            <a:schemeClr val="tx1"/>
+          </a:fontRef>
+        </p:style>
+      </p:cxnSp>
+      <p:sp>
+        <p:nvSpPr>
+          <p:cNvPr id="75" name="TextBox 74"/>
+          <p:cNvSpPr txBox="1"/>
+          <p:nvPr/>
+        </p:nvSpPr>
+        <p:spPr>
+          <a:xfrm>
+            <a:off x="770184" y="1562466"/>
+            <a:ext cx="1491439" cy="646331"/>
+          </a:xfrm>
+          <a:prstGeom prst="rect">
+            <a:avLst/>
+          </a:prstGeom>
+        </p:spPr>
+        <p:style>
+          <a:lnRef idx="2">
+            <a:schemeClr val="dk1"/>
+          </a:lnRef>
+          <a:fillRef idx="1">
+            <a:schemeClr val="lt1"/>
+          </a:fillRef>
+          <a:effectRef idx="0">
+            <a:schemeClr val="dk1"/>
+          </a:effectRef>
+          <a:fontRef idx="minor">
+            <a:schemeClr val="dk1"/>
+          </a:fontRef>
+        </p:style>
+        <p:txBody>
+          <a:bodyPr wrap="none" rtlCol="0">
+            <a:spAutoFit/>
+          </a:bodyPr>
+          <a:lstStyle/>
+          <a:p>
+            <a:r>
+              <a:rPr lang="en-US" dirty="0" smtClean="0">
+                <a:solidFill>
+                  <a:srgbClr val="FF0000"/>
+                </a:solidFill>
+              </a:rPr>
+              <a:t>E-Service </a:t>
+            </a:r>
+          </a:p>
+          <a:p>
+            <a:r>
+              <a:rPr lang="en-US" dirty="0" smtClean="0">
+                <a:solidFill>
+                  <a:srgbClr val="FF0000"/>
+                </a:solidFill>
+              </a:rPr>
+              <a:t>Quality </a:t>
+            </a:r>
+            <a:r>
+              <a:rPr lang="en-US" dirty="0" smtClean="0">
+                <a:solidFill>
+                  <a:srgbClr val="FF0000"/>
+                </a:solidFill>
+              </a:rPr>
+              <a:t>in </a:t>
+            </a:r>
+            <a:r>
+              <a:rPr lang="en-US" dirty="0" smtClean="0">
+                <a:solidFill>
+                  <a:srgbClr val="FF0000"/>
+                </a:solidFill>
+              </a:rPr>
+              <a:t>Use</a:t>
+            </a:r>
+          </a:p>
+        </p:txBody>
+      </p:sp>
+      <p:cxnSp>
+        <p:nvCxnSpPr>
+          <p:cNvPr id="76" name="Straight Connector 75"/>
+          <p:cNvCxnSpPr>
+            <a:stCxn id="75" idx="3"/>
+            <a:endCxn id="8" idx="1"/>
+          </p:cNvCxnSpPr>
+          <p:nvPr/>
+        </p:nvCxnSpPr>
+        <p:spPr>
+          <a:xfrm flipV="1">
+            <a:off x="2261623" y="660400"/>
+            <a:ext cx="715885" cy="1225232"/>
+          </a:xfrm>
+          <a:prstGeom prst="line">
+            <a:avLst/>
+          </a:prstGeom>
+        </p:spPr>
+        <p:style>
+          <a:lnRef idx="1">
+            <a:schemeClr val="dk1"/>
+          </a:lnRef>
+          <a:fillRef idx="0">
+            <a:schemeClr val="dk1"/>
+          </a:fillRef>
+          <a:effectRef idx="0">
+            <a:schemeClr val="dk1"/>
+          </a:effectRef>
+          <a:fontRef idx="minor">
+            <a:schemeClr val="tx1"/>
+          </a:fontRef>
+        </p:style>
+      </p:cxnSp>
+      <p:cxnSp>
+        <p:nvCxnSpPr>
+          <p:cNvPr id="77" name="Straight Connector 76"/>
+          <p:cNvCxnSpPr>
+            <a:stCxn id="75" idx="3"/>
+            <a:endCxn id="9" idx="1"/>
+          </p:cNvCxnSpPr>
+          <p:nvPr/>
+        </p:nvCxnSpPr>
+        <p:spPr>
+          <a:xfrm flipV="1">
+            <a:off x="2261623" y="1488441"/>
+            <a:ext cx="715885" cy="397191"/>
+          </a:xfrm>
+          <a:prstGeom prst="line">
+            <a:avLst/>
+          </a:prstGeom>
+        </p:spPr>
+        <p:style>
+          <a:lnRef idx="1">
+            <a:schemeClr val="dk1"/>
+          </a:lnRef>
+          <a:fillRef idx="0">
+            <a:schemeClr val="dk1"/>
+          </a:fillRef>
+          <a:effectRef idx="0">
+            <a:schemeClr val="dk1"/>
+          </a:effectRef>
+          <a:fontRef idx="minor">
+            <a:schemeClr val="tx1"/>
+          </a:fontRef>
+        </p:style>
+      </p:cxnSp>
+      <p:cxnSp>
+        <p:nvCxnSpPr>
+          <p:cNvPr id="78" name="Straight Connector 77"/>
+          <p:cNvCxnSpPr>
+            <a:stCxn id="75" idx="3"/>
+            <a:endCxn id="10" idx="1"/>
+          </p:cNvCxnSpPr>
+          <p:nvPr/>
+        </p:nvCxnSpPr>
+        <p:spPr>
+          <a:xfrm>
+            <a:off x="2261623" y="1885632"/>
+            <a:ext cx="563485" cy="500063"/>
+          </a:xfrm>
+          <a:prstGeom prst="line">
+            <a:avLst/>
+          </a:prstGeom>
+        </p:spPr>
+        <p:style>
+          <a:lnRef idx="1">
+            <a:schemeClr val="dk1"/>
+          </a:lnRef>
+          <a:fillRef idx="0">
+            <a:schemeClr val="dk1"/>
+          </a:fillRef>
+          <a:effectRef idx="0">
+            <a:schemeClr val="dk1"/>
+          </a:effectRef>
+          <a:fontRef idx="minor">
+            <a:schemeClr val="tx1"/>
+          </a:fontRef>
+        </p:style>
+      </p:cxnSp>
+      <p:cxnSp>
+        <p:nvCxnSpPr>
+          <p:cNvPr id="79" name="Straight Connector 78"/>
+          <p:cNvCxnSpPr>
+            <a:stCxn id="75" idx="3"/>
+            <a:endCxn id="484" idx="1"/>
+          </p:cNvCxnSpPr>
+          <p:nvPr/>
+        </p:nvCxnSpPr>
+        <p:spPr>
+          <a:xfrm>
+            <a:off x="2261623" y="1885632"/>
+            <a:ext cx="492364" cy="1588510"/>
+          </a:xfrm>
+          <a:prstGeom prst="line">
+            <a:avLst/>
+          </a:prstGeom>
+        </p:spPr>
+        <p:style>
+          <a:lnRef idx="1">
+            <a:schemeClr val="dk1"/>
+          </a:lnRef>
+          <a:fillRef idx="0">
+            <a:schemeClr val="dk1"/>
+          </a:fillRef>
+          <a:effectRef idx="0">
+            <a:schemeClr val="dk1"/>
+          </a:effectRef>
+          <a:fontRef idx="minor">
+            <a:schemeClr val="tx1"/>
+          </a:fontRef>
+        </p:style>
+      </p:cxnSp>
+      <p:sp>
+        <p:nvSpPr>
+          <p:cNvPr id="84" name="TextBox 83"/>
+          <p:cNvSpPr txBox="1"/>
+          <p:nvPr/>
+        </p:nvSpPr>
+        <p:spPr>
+          <a:xfrm>
+            <a:off x="675600" y="4507137"/>
+            <a:ext cx="1650700" cy="646331"/>
+          </a:xfrm>
+          <a:prstGeom prst="rect">
+            <a:avLst/>
+          </a:prstGeom>
+        </p:spPr>
+        <p:style>
+          <a:lnRef idx="2">
+            <a:schemeClr val="dk1"/>
+          </a:lnRef>
+          <a:fillRef idx="1">
+            <a:schemeClr val="lt1"/>
+          </a:fillRef>
+          <a:effectRef idx="0">
+            <a:schemeClr val="dk1"/>
+          </a:effectRef>
+          <a:fontRef idx="minor">
+            <a:schemeClr val="dk1"/>
+          </a:fontRef>
+        </p:style>
+        <p:txBody>
+          <a:bodyPr wrap="none" rtlCol="0">
+            <a:spAutoFit/>
+          </a:bodyPr>
+          <a:lstStyle/>
+          <a:p>
+            <a:r>
+              <a:rPr lang="en-US" dirty="0" smtClean="0"/>
+              <a:t>E-Service</a:t>
+            </a:r>
+          </a:p>
+          <a:p>
+            <a:r>
+              <a:rPr lang="en-US" dirty="0" smtClean="0"/>
+              <a:t>Product Quality</a:t>
+            </a:r>
+            <a:endParaRPr lang="en-US" dirty="0"/>
+          </a:p>
+        </p:txBody>
+      </p:sp>
+      <p:cxnSp>
+        <p:nvCxnSpPr>
+          <p:cNvPr id="85" name="Straight Connector 84"/>
+          <p:cNvCxnSpPr>
+            <a:stCxn id="84" idx="3"/>
+            <a:endCxn id="533" idx="1"/>
+          </p:cNvCxnSpPr>
+          <p:nvPr/>
+        </p:nvCxnSpPr>
+        <p:spPr>
+          <a:xfrm flipV="1">
+            <a:off x="2326300" y="3475095"/>
+            <a:ext cx="498808" cy="1355208"/>
+          </a:xfrm>
+          <a:prstGeom prst="line">
+            <a:avLst/>
+          </a:prstGeom>
+        </p:spPr>
+        <p:style>
+          <a:lnRef idx="1">
+            <a:schemeClr val="dk1"/>
+          </a:lnRef>
+          <a:fillRef idx="0">
+            <a:schemeClr val="dk1"/>
+          </a:fillRef>
+          <a:effectRef idx="0">
+            <a:schemeClr val="dk1"/>
+          </a:effectRef>
+          <a:fontRef idx="minor">
+            <a:schemeClr val="tx1"/>
+          </a:fontRef>
+        </p:style>
+      </p:cxnSp>
+      <p:cxnSp>
+        <p:nvCxnSpPr>
+          <p:cNvPr id="86" name="Straight Connector 85"/>
+          <p:cNvCxnSpPr>
+            <a:stCxn id="84" idx="3"/>
+            <a:endCxn id="11" idx="1"/>
+          </p:cNvCxnSpPr>
+          <p:nvPr/>
+        </p:nvCxnSpPr>
+        <p:spPr>
+          <a:xfrm>
+            <a:off x="2326300" y="4830303"/>
+            <a:ext cx="627052" cy="2380"/>
+          </a:xfrm>
+          <a:prstGeom prst="line">
+            <a:avLst/>
+          </a:prstGeom>
+        </p:spPr>
+        <p:style>
+          <a:lnRef idx="1">
+            <a:schemeClr val="dk1"/>
+          </a:lnRef>
+          <a:fillRef idx="0">
+            <a:schemeClr val="dk1"/>
+          </a:fillRef>
+          <a:effectRef idx="0">
+            <a:schemeClr val="dk1"/>
+          </a:effectRef>
+          <a:fontRef idx="minor">
+            <a:schemeClr val="tx1"/>
+          </a:fontRef>
+        </p:style>
+      </p:cxnSp>
+      <p:cxnSp>
+        <p:nvCxnSpPr>
+          <p:cNvPr id="87" name="Straight Connector 86"/>
+          <p:cNvCxnSpPr>
+            <a:stCxn id="84" idx="3"/>
+            <a:endCxn id="12" idx="1"/>
+          </p:cNvCxnSpPr>
+          <p:nvPr/>
+        </p:nvCxnSpPr>
+        <p:spPr>
+          <a:xfrm>
+            <a:off x="2326300" y="4830303"/>
+            <a:ext cx="651208" cy="752724"/>
+          </a:xfrm>
+          <a:prstGeom prst="line">
+            <a:avLst/>
+          </a:prstGeom>
+        </p:spPr>
+        <p:style>
+          <a:lnRef idx="1">
+            <a:schemeClr val="dk1"/>
+          </a:lnRef>
+          <a:fillRef idx="0">
+            <a:schemeClr val="dk1"/>
+          </a:fillRef>
+          <a:effectRef idx="0">
+            <a:schemeClr val="dk1"/>
+          </a:effectRef>
+          <a:fontRef idx="minor">
+            <a:schemeClr val="tx1"/>
+          </a:fontRef>
+        </p:style>
+      </p:cxnSp>
+      <p:sp>
+        <p:nvSpPr>
+          <p:cNvPr id="117" name="TextBox 116"/>
+          <p:cNvSpPr txBox="1"/>
+          <p:nvPr/>
+        </p:nvSpPr>
+        <p:spPr>
+          <a:xfrm>
+            <a:off x="2934810" y="5938345"/>
+            <a:ext cx="3541888" cy="461665"/>
+          </a:xfrm>
+          <a:prstGeom prst="rect">
+            <a:avLst/>
+          </a:prstGeom>
+          <a:noFill/>
+        </p:spPr>
+        <p:txBody>
+          <a:bodyPr wrap="square" rtlCol="0">
+            <a:spAutoFit/>
+          </a:bodyPr>
+          <a:lstStyle/>
+          <a:p>
+            <a:r>
+              <a:rPr lang="en-US" sz="1200" dirty="0" smtClean="0"/>
+              <a:t>Contributes to key component on same dimension</a:t>
+            </a:r>
+          </a:p>
+          <a:p>
+            <a:r>
+              <a:rPr lang="en-US" sz="1200" dirty="0" smtClean="0"/>
+              <a:t>Contributes to key component in another dimension</a:t>
+            </a:r>
+            <a:endParaRPr lang="en-US" sz="1200" dirty="0"/>
+          </a:p>
+        </p:txBody>
+      </p:sp>
+      <p:cxnSp>
+        <p:nvCxnSpPr>
+          <p:cNvPr id="118" name="Straight Arrow Connector 117"/>
+          <p:cNvCxnSpPr/>
+          <p:nvPr/>
+        </p:nvCxnSpPr>
+        <p:spPr>
+          <a:xfrm flipH="1">
+            <a:off x="2681098" y="6276111"/>
+            <a:ext cx="263174" cy="0"/>
+          </a:xfrm>
+          <a:prstGeom prst="straightConnector1">
+            <a:avLst/>
+          </a:prstGeom>
+          <a:ln w="12700" cmpd="sng">
+            <a:headEnd type="none"/>
+            <a:tailEnd type="triangle"/>
+          </a:ln>
+          <a:effectLst/>
+        </p:spPr>
+        <p:style>
+          <a:lnRef idx="2">
+            <a:schemeClr val="accent1"/>
+          </a:lnRef>
+          <a:fillRef idx="0">
+            <a:schemeClr val="accent1"/>
+          </a:fillRef>
+          <a:effectRef idx="1">
+            <a:schemeClr val="accent1"/>
+          </a:effectRef>
+          <a:fontRef idx="minor">
+            <a:schemeClr val="tx1"/>
+          </a:fontRef>
+        </p:style>
+      </p:cxnSp>
+      <p:cxnSp>
+        <p:nvCxnSpPr>
+          <p:cNvPr id="119" name="Straight Arrow Connector 118"/>
+          <p:cNvCxnSpPr/>
+          <p:nvPr/>
+        </p:nvCxnSpPr>
+        <p:spPr>
+          <a:xfrm flipH="1">
+            <a:off x="2657392" y="6099544"/>
+            <a:ext cx="291815" cy="0"/>
+          </a:xfrm>
+          <a:prstGeom prst="straightConnector1">
+            <a:avLst/>
+          </a:prstGeom>
+          <a:ln w="3175" cmpd="sng">
+            <a:prstDash val="lgDash"/>
+            <a:tailEnd type="arrow"/>
+          </a:ln>
+          <a:effectLst/>
+        </p:spPr>
+        <p:style>
+          <a:lnRef idx="2">
+            <a:schemeClr val="accent1"/>
+          </a:lnRef>
+          <a:fillRef idx="0">
+            <a:schemeClr val="accent1"/>
+          </a:fillRef>
+          <a:effectRef idx="1">
+            <a:schemeClr val="accent1"/>
+          </a:effectRef>
+          <a:fontRef idx="minor">
+            <a:schemeClr val="tx1"/>
+          </a:fontRef>
+        </p:style>
+      </p:cxnSp>
+      <p:sp>
+        <p:nvSpPr>
+          <p:cNvPr id="120" name="TextBox 119"/>
+          <p:cNvSpPr txBox="1"/>
+          <p:nvPr/>
+        </p:nvSpPr>
+        <p:spPr>
+          <a:xfrm>
+            <a:off x="2290506" y="5684764"/>
+            <a:ext cx="452017" cy="276999"/>
+          </a:xfrm>
+          <a:prstGeom prst="rect">
+            <a:avLst/>
+          </a:prstGeom>
+          <a:noFill/>
+        </p:spPr>
+        <p:txBody>
+          <a:bodyPr wrap="none" rtlCol="0">
+            <a:spAutoFit/>
+          </a:bodyPr>
+          <a:lstStyle/>
+          <a:p>
+            <a:r>
+              <a:rPr lang="en-US" sz="1200" dirty="0" smtClean="0"/>
+              <a:t>Key:</a:t>
+            </a:r>
+            <a:endParaRPr lang="en-US" sz="1200" dirty="0" smtClean="0"/>
+          </a:p>
+        </p:txBody>
+      </p:sp>
+      <p:sp>
+        <p:nvSpPr>
+          <p:cNvPr id="142" name="TextBox 141"/>
+          <p:cNvSpPr txBox="1"/>
+          <p:nvPr/>
+        </p:nvSpPr>
+        <p:spPr>
+          <a:xfrm>
+            <a:off x="7600809" y="3936224"/>
+            <a:ext cx="524302" cy="246221"/>
+          </a:xfrm>
+          <a:prstGeom prst="rect">
+            <a:avLst/>
+          </a:prstGeom>
+          <a:noFill/>
+        </p:spPr>
+        <p:txBody>
+          <a:bodyPr wrap="none" rtlCol="0">
+            <a:spAutoFit/>
+          </a:bodyPr>
+          <a:lstStyle/>
+          <a:p>
+            <a:r>
+              <a:rPr lang="en-US" sz="1000" dirty="0" smtClean="0"/>
+              <a:t>H4.7.6</a:t>
+            </a:r>
+            <a:endParaRPr lang="en-US" sz="1000" dirty="0" smtClean="0"/>
+          </a:p>
+        </p:txBody>
+      </p:sp>
+      <p:sp>
+        <p:nvSpPr>
+          <p:cNvPr id="143" name="TextBox 142"/>
+          <p:cNvSpPr txBox="1"/>
+          <p:nvPr/>
+        </p:nvSpPr>
+        <p:spPr>
+          <a:xfrm>
+            <a:off x="8215570" y="2278458"/>
+            <a:ext cx="524302" cy="246221"/>
+          </a:xfrm>
+          <a:prstGeom prst="rect">
+            <a:avLst/>
+          </a:prstGeom>
+          <a:noFill/>
+        </p:spPr>
+        <p:txBody>
+          <a:bodyPr wrap="none" rtlCol="0">
+            <a:spAutoFit/>
+          </a:bodyPr>
+          <a:lstStyle/>
+          <a:p>
+            <a:r>
+              <a:rPr lang="en-US" sz="1000" dirty="0" smtClean="0"/>
+              <a:t>H4.7.3</a:t>
+            </a:r>
+            <a:endParaRPr lang="en-US" sz="1000" dirty="0" smtClean="0"/>
+          </a:p>
+        </p:txBody>
+      </p:sp>
+      <p:sp>
+        <p:nvSpPr>
+          <p:cNvPr id="144" name="TextBox 143"/>
+          <p:cNvSpPr txBox="1"/>
+          <p:nvPr/>
+        </p:nvSpPr>
+        <p:spPr>
+          <a:xfrm>
+            <a:off x="7835059" y="1154465"/>
+            <a:ext cx="524302" cy="246221"/>
+          </a:xfrm>
+          <a:prstGeom prst="rect">
+            <a:avLst/>
+          </a:prstGeom>
+          <a:noFill/>
+        </p:spPr>
+        <p:txBody>
+          <a:bodyPr wrap="none" rtlCol="0">
+            <a:spAutoFit/>
+          </a:bodyPr>
+          <a:lstStyle/>
+          <a:p>
+            <a:r>
+              <a:rPr lang="en-US" sz="1000" dirty="0" smtClean="0"/>
+              <a:t>H4.7.4</a:t>
+            </a:r>
+            <a:endParaRPr lang="en-US" sz="1000" dirty="0" smtClean="0"/>
+          </a:p>
+        </p:txBody>
+      </p:sp>
+      <p:sp>
+        <p:nvSpPr>
+          <p:cNvPr id="145" name="TextBox 144"/>
+          <p:cNvSpPr txBox="1"/>
+          <p:nvPr/>
+        </p:nvSpPr>
+        <p:spPr>
+          <a:xfrm>
+            <a:off x="8057889" y="1679663"/>
+            <a:ext cx="524302" cy="246221"/>
+          </a:xfrm>
+          <a:prstGeom prst="rect">
+            <a:avLst/>
+          </a:prstGeom>
+          <a:noFill/>
+        </p:spPr>
+        <p:txBody>
+          <a:bodyPr wrap="none" rtlCol="0">
+            <a:spAutoFit/>
+          </a:bodyPr>
+          <a:lstStyle/>
+          <a:p>
+            <a:r>
+              <a:rPr lang="en-US" sz="1000" dirty="0" smtClean="0"/>
+              <a:t>H4.7.2</a:t>
+            </a:r>
+            <a:endParaRPr lang="en-US" sz="1000" dirty="0" smtClean="0"/>
+          </a:p>
+        </p:txBody>
+      </p:sp>
+      <p:sp>
+        <p:nvSpPr>
+          <p:cNvPr id="146" name="TextBox 145"/>
+          <p:cNvSpPr txBox="1"/>
+          <p:nvPr/>
+        </p:nvSpPr>
+        <p:spPr>
+          <a:xfrm>
+            <a:off x="8002465" y="3453828"/>
+            <a:ext cx="524302" cy="246221"/>
+          </a:xfrm>
+          <a:prstGeom prst="rect">
+            <a:avLst/>
+          </a:prstGeom>
+          <a:noFill/>
+        </p:spPr>
+        <p:txBody>
+          <a:bodyPr wrap="none" rtlCol="0">
+            <a:spAutoFit/>
+          </a:bodyPr>
+          <a:lstStyle/>
+          <a:p>
+            <a:r>
+              <a:rPr lang="en-US" sz="1000" dirty="0" smtClean="0"/>
+              <a:t>H4.7.5</a:t>
+            </a:r>
+            <a:endParaRPr lang="en-US" sz="1000" dirty="0" smtClean="0"/>
+          </a:p>
+        </p:txBody>
+      </p:sp>
+      <p:sp>
+        <p:nvSpPr>
+          <p:cNvPr id="147" name="TextBox 146"/>
+          <p:cNvSpPr txBox="1"/>
+          <p:nvPr/>
+        </p:nvSpPr>
+        <p:spPr>
+          <a:xfrm>
+            <a:off x="7982532" y="5614209"/>
+            <a:ext cx="524302" cy="246221"/>
+          </a:xfrm>
+          <a:prstGeom prst="rect">
+            <a:avLst/>
+          </a:prstGeom>
+          <a:noFill/>
+        </p:spPr>
+        <p:txBody>
+          <a:bodyPr wrap="none" rtlCol="0">
+            <a:spAutoFit/>
+          </a:bodyPr>
+          <a:lstStyle/>
+          <a:p>
+            <a:r>
+              <a:rPr lang="en-US" sz="1000" dirty="0" smtClean="0"/>
+              <a:t>H4.7.7</a:t>
+            </a:r>
+            <a:endParaRPr lang="en-US" sz="1000" dirty="0" smtClean="0"/>
+          </a:p>
+        </p:txBody>
+      </p:sp>
+      <p:sp>
+        <p:nvSpPr>
+          <p:cNvPr id="148" name="TextBox 147"/>
+          <p:cNvSpPr txBox="1"/>
+          <p:nvPr/>
+        </p:nvSpPr>
+        <p:spPr>
+          <a:xfrm>
+            <a:off x="7936951" y="583159"/>
+            <a:ext cx="524302" cy="246221"/>
+          </a:xfrm>
+          <a:prstGeom prst="rect">
+            <a:avLst/>
+          </a:prstGeom>
+          <a:noFill/>
+        </p:spPr>
+        <p:txBody>
+          <a:bodyPr wrap="none" rtlCol="0">
+            <a:spAutoFit/>
+          </a:bodyPr>
+          <a:lstStyle/>
+          <a:p>
+            <a:r>
+              <a:rPr lang="en-US" sz="1000" dirty="0" smtClean="0"/>
+              <a:t>H4.7.1</a:t>
+            </a:r>
+            <a:endParaRPr lang="en-US" sz="1000" dirty="0" smtClean="0"/>
+          </a:p>
+        </p:txBody>
+      </p:sp>
+      <p:sp>
+        <p:nvSpPr>
+          <p:cNvPr id="95" name="TextBox 94"/>
+          <p:cNvSpPr txBox="1"/>
+          <p:nvPr/>
+        </p:nvSpPr>
+        <p:spPr>
+          <a:xfrm>
+            <a:off x="373865" y="2834849"/>
+            <a:ext cx="1659829" cy="369332"/>
+          </a:xfrm>
+          <a:prstGeom prst="rect">
+            <a:avLst/>
+          </a:prstGeom>
+        </p:spPr>
+        <p:style>
+          <a:lnRef idx="2">
+            <a:schemeClr val="accent2"/>
+          </a:lnRef>
+          <a:fillRef idx="1">
+            <a:schemeClr val="lt1"/>
+          </a:fillRef>
+          <a:effectRef idx="0">
+            <a:schemeClr val="accent2"/>
+          </a:effectRef>
+          <a:fontRef idx="minor">
+            <a:schemeClr val="dk1"/>
+          </a:fontRef>
+        </p:style>
+        <p:txBody>
+          <a:bodyPr wrap="none" rtlCol="0">
+            <a:spAutoFit/>
+          </a:bodyPr>
+          <a:lstStyle/>
+          <a:p>
+            <a:r>
+              <a:rPr lang="en-US" dirty="0" smtClean="0"/>
+              <a:t>DEPENDABILITY</a:t>
+            </a:r>
+            <a:endParaRPr lang="en-US" dirty="0" smtClean="0"/>
+          </a:p>
+        </p:txBody>
+      </p:sp>
+      <p:cxnSp>
+        <p:nvCxnSpPr>
+          <p:cNvPr id="96" name="Straight Connector 95"/>
+          <p:cNvCxnSpPr>
+            <a:stCxn id="95" idx="3"/>
+            <a:endCxn id="125" idx="1"/>
+          </p:cNvCxnSpPr>
+          <p:nvPr/>
+        </p:nvCxnSpPr>
+        <p:spPr>
+          <a:xfrm flipV="1">
+            <a:off x="2033694" y="303530"/>
+            <a:ext cx="4779566" cy="2715985"/>
+          </a:xfrm>
+          <a:prstGeom prst="line">
+            <a:avLst/>
+          </a:prstGeom>
+          <a:ln>
+            <a:solidFill>
+              <a:srgbClr val="FF0000"/>
+            </a:solidFill>
+          </a:ln>
+        </p:spPr>
+        <p:style>
+          <a:lnRef idx="1">
+            <a:schemeClr val="dk1"/>
+          </a:lnRef>
+          <a:fillRef idx="0">
+            <a:schemeClr val="dk1"/>
+          </a:fillRef>
+          <a:effectRef idx="0">
+            <a:schemeClr val="dk1"/>
+          </a:effectRef>
+          <a:fontRef idx="minor">
+            <a:schemeClr val="tx1"/>
+          </a:fontRef>
+        </p:style>
+      </p:cxnSp>
+      <p:cxnSp>
+        <p:nvCxnSpPr>
+          <p:cNvPr id="99" name="Straight Connector 98"/>
+          <p:cNvCxnSpPr>
+            <a:stCxn id="95" idx="3"/>
+            <a:endCxn id="12" idx="1"/>
+          </p:cNvCxnSpPr>
+          <p:nvPr/>
+        </p:nvCxnSpPr>
+        <p:spPr>
+          <a:xfrm>
+            <a:off x="2033694" y="3019515"/>
+            <a:ext cx="943814" cy="2563512"/>
+          </a:xfrm>
+          <a:prstGeom prst="line">
+            <a:avLst/>
+          </a:prstGeom>
+          <a:ln>
+            <a:solidFill>
+              <a:srgbClr val="FF0000"/>
+            </a:solidFill>
+          </a:ln>
+        </p:spPr>
+        <p:style>
+          <a:lnRef idx="1">
+            <a:schemeClr val="dk1"/>
+          </a:lnRef>
+          <a:fillRef idx="0">
+            <a:schemeClr val="dk1"/>
+          </a:fillRef>
+          <a:effectRef idx="0">
+            <a:schemeClr val="dk1"/>
+          </a:effectRef>
+          <a:fontRef idx="minor">
+            <a:schemeClr val="tx1"/>
+          </a:fontRef>
+        </p:style>
+      </p:cxnSp>
+      <p:cxnSp>
+        <p:nvCxnSpPr>
+          <p:cNvPr id="102" name="Straight Connector 101"/>
+          <p:cNvCxnSpPr>
+            <a:stCxn id="95" idx="3"/>
+            <a:endCxn id="138" idx="1"/>
+          </p:cNvCxnSpPr>
+          <p:nvPr/>
+        </p:nvCxnSpPr>
+        <p:spPr>
+          <a:xfrm>
+            <a:off x="2033694" y="3019515"/>
+            <a:ext cx="4665331" cy="3185519"/>
+          </a:xfrm>
+          <a:prstGeom prst="line">
+            <a:avLst/>
+          </a:prstGeom>
+          <a:ln>
+            <a:solidFill>
+              <a:srgbClr val="FF0000"/>
+            </a:solidFill>
+          </a:ln>
+        </p:spPr>
+        <p:style>
+          <a:lnRef idx="1">
+            <a:schemeClr val="dk1"/>
+          </a:lnRef>
+          <a:fillRef idx="0">
+            <a:schemeClr val="dk1"/>
+          </a:fillRef>
+          <a:effectRef idx="0">
+            <a:schemeClr val="dk1"/>
+          </a:effectRef>
+          <a:fontRef idx="minor">
+            <a:schemeClr val="tx1"/>
+          </a:fontRef>
+        </p:style>
+      </p:cxnSp>
+      <p:cxnSp>
+        <p:nvCxnSpPr>
+          <p:cNvPr id="105" name="Straight Connector 104"/>
+          <p:cNvCxnSpPr>
+            <a:stCxn id="95" idx="3"/>
+            <a:endCxn id="140" idx="1"/>
+          </p:cNvCxnSpPr>
+          <p:nvPr/>
+        </p:nvCxnSpPr>
+        <p:spPr>
+          <a:xfrm>
+            <a:off x="2033694" y="3019515"/>
+            <a:ext cx="4675491" cy="2875720"/>
+          </a:xfrm>
+          <a:prstGeom prst="line">
+            <a:avLst/>
+          </a:prstGeom>
+          <a:ln>
+            <a:solidFill>
+              <a:srgbClr val="FF0000"/>
+            </a:solidFill>
+          </a:ln>
+        </p:spPr>
+        <p:style>
+          <a:lnRef idx="1">
+            <a:schemeClr val="dk1"/>
+          </a:lnRef>
+          <a:fillRef idx="0">
+            <a:schemeClr val="dk1"/>
+          </a:fillRef>
+          <a:effectRef idx="0">
+            <a:schemeClr val="dk1"/>
+          </a:effectRef>
+          <a:fontRef idx="minor">
+            <a:schemeClr val="tx1"/>
+          </a:fontRef>
+        </p:style>
+      </p:cxnSp>
+      <p:cxnSp>
+        <p:nvCxnSpPr>
+          <p:cNvPr id="109" name="Straight Connector 108"/>
+          <p:cNvCxnSpPr>
+            <a:stCxn id="95" idx="3"/>
+            <a:endCxn id="10" idx="1"/>
+          </p:cNvCxnSpPr>
+          <p:nvPr/>
+        </p:nvCxnSpPr>
+        <p:spPr>
+          <a:xfrm flipV="1">
+            <a:off x="2033694" y="2385695"/>
+            <a:ext cx="791414" cy="633820"/>
+          </a:xfrm>
+          <a:prstGeom prst="line">
+            <a:avLst/>
+          </a:prstGeom>
+          <a:ln>
+            <a:solidFill>
+              <a:srgbClr val="FF0000"/>
+            </a:solidFill>
+          </a:ln>
+        </p:spPr>
+        <p:style>
+          <a:lnRef idx="1">
+            <a:schemeClr val="dk1"/>
+          </a:lnRef>
+          <a:fillRef idx="0">
+            <a:schemeClr val="dk1"/>
+          </a:fillRef>
+          <a:effectRef idx="0">
+            <a:schemeClr val="dk1"/>
+          </a:effectRef>
+          <a:fontRef idx="minor">
+            <a:schemeClr val="tx1"/>
+          </a:fontRef>
+        </p:style>
+      </p:cxnSp>
+      <p:cxnSp>
+        <p:nvCxnSpPr>
+          <p:cNvPr id="111" name="Straight Connector 110"/>
+          <p:cNvCxnSpPr>
+            <a:stCxn id="95" idx="3"/>
+            <a:endCxn id="139" idx="1"/>
+          </p:cNvCxnSpPr>
+          <p:nvPr/>
+        </p:nvCxnSpPr>
+        <p:spPr>
+          <a:xfrm>
+            <a:off x="2033694" y="3019515"/>
+            <a:ext cx="4662791" cy="1952738"/>
+          </a:xfrm>
+          <a:prstGeom prst="line">
+            <a:avLst/>
+          </a:prstGeom>
+          <a:ln>
+            <a:solidFill>
+              <a:srgbClr val="FF0000"/>
+            </a:solidFill>
+          </a:ln>
+        </p:spPr>
+        <p:style>
+          <a:lnRef idx="1">
+            <a:schemeClr val="dk1"/>
+          </a:lnRef>
+          <a:fillRef idx="0">
+            <a:schemeClr val="dk1"/>
+          </a:fillRef>
+          <a:effectRef idx="0">
+            <a:schemeClr val="dk1"/>
+          </a:effectRef>
+          <a:fontRef idx="minor">
+            <a:schemeClr val="tx1"/>
+          </a:fontRef>
+        </p:style>
+      </p:cxnSp>
+    </p:spTree>
+    <p:extLst>
+      <p:ext uri="{BB962C8B-B14F-4D97-AF65-F5344CB8AC3E}">
+        <p14:creationId xmlns:p14="http://schemas.microsoft.com/office/powerpoint/2010/main" val="1156598648"/>
+      </p:ext>
+    </p:extLst>
+  </p:cSld>
+  <p:clrMapOvr>
+    <a:masterClrMapping/>
+  </p:clrMapOvr>
+  <p:timing>
+    <p:tnLst>
+      <p:par>
+        <p:cTn xmlns:p14="http://schemas.microsoft.com/office/powerpoint/2010/main" id="1" dur="indefinite" restart="never" nodeType="tmRoot"/>
+      </p:par>
+    </p:tnLst>
+  </p:timing>
+</p:sld>
+</file>
+
+<file path=ppt/slides/slide14.xml><?xml version="1.0" encoding="utf-8"?>
+<p:sld xmlns:a="http://schemas.openxmlformats.org/drawingml/2006/main" xmlns:r="http://schemas.openxmlformats.org/officeDocument/2006/relationships" xmlns:p="http://schemas.openxmlformats.org/presentationml/2006/main">
+  <p:cSld>
+    <p:spTree>
+      <p:nvGrpSpPr>
+        <p:cNvPr id="1" name=""/>
+        <p:cNvGrpSpPr/>
+        <p:nvPr/>
+      </p:nvGrpSpPr>
+      <p:grpSpPr>
+        <a:xfrm>
+          <a:off x="0" y="0"/>
+          <a:ext cx="0" cy="0"/>
+          <a:chOff x="0" y="0"/>
+          <a:chExt cx="0" cy="0"/>
+        </a:xfrm>
+      </p:grpSpPr>
+      <p:sp>
+        <p:nvSpPr>
+          <p:cNvPr id="4" name="Rounded Rectangle 3"/>
+          <p:cNvSpPr/>
+          <p:nvPr/>
+        </p:nvSpPr>
+        <p:spPr>
+          <a:xfrm>
+            <a:off x="5106066" y="501015"/>
+            <a:ext cx="1239519" cy="279400"/>
+          </a:xfrm>
+          <a:prstGeom prst="roundRect">
+            <a:avLst>
+              <a:gd name="adj" fmla="val 50000"/>
+            </a:avLst>
+          </a:prstGeom>
+        </p:spPr>
+        <p:style>
+          <a:lnRef idx="2">
+            <a:schemeClr val="accent1"/>
+          </a:lnRef>
+          <a:fillRef idx="1">
+            <a:schemeClr val="lt1"/>
+          </a:fillRef>
+          <a:effectRef idx="0">
+            <a:schemeClr val="accent1"/>
+          </a:effectRef>
+          <a:fontRef idx="minor">
+            <a:schemeClr val="dk1"/>
+          </a:fontRef>
+        </p:style>
+        <p:txBody>
+          <a:bodyPr rtlCol="0" anchor="ctr"/>
+          <a:lstStyle/>
+          <a:p>
+            <a:pPr algn="ctr"/>
+            <a:r>
+              <a:rPr lang="en-US" sz="1200" dirty="0" smtClean="0"/>
+              <a:t>ACCESSIBILITY</a:t>
+            </a:r>
+            <a:endParaRPr lang="en-US" sz="1200" dirty="0"/>
+          </a:p>
+        </p:txBody>
+      </p:sp>
+      <p:sp>
+        <p:nvSpPr>
+          <p:cNvPr id="5" name="Rounded Rectangle 4"/>
+          <p:cNvSpPr/>
+          <p:nvPr/>
+        </p:nvSpPr>
+        <p:spPr>
+          <a:xfrm>
+            <a:off x="5299107" y="1778660"/>
+            <a:ext cx="975359" cy="254000"/>
+          </a:xfrm>
+          <a:prstGeom prst="roundRect">
+            <a:avLst>
+              <a:gd name="adj" fmla="val 50000"/>
+            </a:avLst>
+          </a:prstGeom>
+        </p:spPr>
+        <p:style>
+          <a:lnRef idx="2">
+            <a:schemeClr val="accent1"/>
+          </a:lnRef>
+          <a:fillRef idx="1">
+            <a:schemeClr val="lt1"/>
+          </a:fillRef>
+          <a:effectRef idx="0">
+            <a:schemeClr val="accent1"/>
+          </a:effectRef>
+          <a:fontRef idx="minor">
+            <a:schemeClr val="dk1"/>
+          </a:fontRef>
+        </p:style>
+        <p:txBody>
+          <a:bodyPr rtlCol="0" anchor="ctr"/>
+          <a:lstStyle/>
+          <a:p>
+            <a:pPr algn="ctr"/>
+            <a:r>
+              <a:rPr lang="en-US" sz="1200" dirty="0" smtClean="0"/>
+              <a:t>USABILITY</a:t>
+            </a:r>
+            <a:endParaRPr lang="en-US" sz="1200" dirty="0"/>
+          </a:p>
+        </p:txBody>
+      </p:sp>
+      <p:sp>
+        <p:nvSpPr>
+          <p:cNvPr id="6" name="Rounded Rectangle 5"/>
+          <p:cNvSpPr/>
+          <p:nvPr/>
+        </p:nvSpPr>
+        <p:spPr>
+          <a:xfrm>
+            <a:off x="5299107" y="3286812"/>
+            <a:ext cx="975359" cy="254000"/>
+          </a:xfrm>
+          <a:prstGeom prst="roundRect">
+            <a:avLst>
+              <a:gd name="adj" fmla="val 50000"/>
+            </a:avLst>
+          </a:prstGeom>
+        </p:spPr>
+        <p:style>
+          <a:lnRef idx="2">
+            <a:schemeClr val="accent1"/>
+          </a:lnRef>
+          <a:fillRef idx="1">
+            <a:schemeClr val="lt1"/>
+          </a:fillRef>
+          <a:effectRef idx="0">
+            <a:schemeClr val="accent1"/>
+          </a:effectRef>
+          <a:fontRef idx="minor">
+            <a:schemeClr val="dk1"/>
+          </a:fontRef>
+        </p:style>
+        <p:txBody>
+          <a:bodyPr rtlCol="0" anchor="ctr"/>
+          <a:lstStyle/>
+          <a:p>
+            <a:pPr algn="ctr"/>
+            <a:r>
+              <a:rPr lang="en-US" sz="1200" dirty="0" smtClean="0"/>
+              <a:t>EFFICIENCY</a:t>
+            </a:r>
+            <a:endParaRPr lang="en-US" sz="1200" dirty="0"/>
+          </a:p>
+        </p:txBody>
+      </p:sp>
+      <p:sp>
+        <p:nvSpPr>
+          <p:cNvPr id="7" name="Rounded Rectangle 6"/>
+          <p:cNvSpPr/>
+          <p:nvPr/>
+        </p:nvSpPr>
+        <p:spPr>
+          <a:xfrm>
+            <a:off x="5299107" y="5476347"/>
+            <a:ext cx="975359" cy="254000"/>
+          </a:xfrm>
+          <a:prstGeom prst="roundRect">
+            <a:avLst>
+              <a:gd name="adj" fmla="val 50000"/>
+            </a:avLst>
+          </a:prstGeom>
+        </p:spPr>
+        <p:style>
+          <a:lnRef idx="2">
+            <a:schemeClr val="accent1"/>
+          </a:lnRef>
+          <a:fillRef idx="1">
+            <a:schemeClr val="lt1"/>
+          </a:fillRef>
+          <a:effectRef idx="0">
+            <a:schemeClr val="accent1"/>
+          </a:effectRef>
+          <a:fontRef idx="minor">
+            <a:schemeClr val="dk1"/>
+          </a:fontRef>
+        </p:style>
+        <p:txBody>
+          <a:bodyPr rtlCol="0" anchor="ctr"/>
+          <a:lstStyle/>
+          <a:p>
+            <a:pPr algn="ctr"/>
+            <a:r>
+              <a:rPr lang="en-US" sz="1200" dirty="0" smtClean="0"/>
+              <a:t>SECURITY</a:t>
+            </a:r>
+            <a:endParaRPr lang="en-US" sz="1200" dirty="0"/>
+          </a:p>
+        </p:txBody>
+      </p:sp>
+      <p:sp>
+        <p:nvSpPr>
+          <p:cNvPr id="8" name="Rounded Rectangle 7"/>
+          <p:cNvSpPr/>
+          <p:nvPr/>
+        </p:nvSpPr>
+        <p:spPr>
+          <a:xfrm>
+            <a:off x="2977508" y="513080"/>
+            <a:ext cx="1137920" cy="294640"/>
+          </a:xfrm>
+          <a:prstGeom prst="roundRect">
+            <a:avLst/>
+          </a:prstGeom>
+          <a:ln w="38100" cmpd="dbl">
+            <a:prstDash val="solid"/>
+          </a:ln>
+        </p:spPr>
+        <p:style>
+          <a:lnRef idx="2">
+            <a:schemeClr val="dk1"/>
+          </a:lnRef>
+          <a:fillRef idx="1">
+            <a:schemeClr val="lt1"/>
+          </a:fillRef>
+          <a:effectRef idx="0">
+            <a:schemeClr val="dk1"/>
+          </a:effectRef>
+          <a:fontRef idx="minor">
+            <a:schemeClr val="dk1"/>
+          </a:fontRef>
+        </p:style>
+        <p:txBody>
+          <a:bodyPr rtlCol="0" anchor="ctr"/>
+          <a:lstStyle/>
+          <a:p>
+            <a:pPr algn="ctr"/>
+            <a:r>
+              <a:rPr lang="en-US" sz="1200" dirty="0" smtClean="0"/>
+              <a:t>Convenience</a:t>
+            </a:r>
+            <a:endParaRPr lang="en-US" sz="1200" dirty="0"/>
+          </a:p>
+        </p:txBody>
+      </p:sp>
+      <p:sp>
+        <p:nvSpPr>
+          <p:cNvPr id="9" name="Rounded Rectangle 8"/>
+          <p:cNvSpPr/>
+          <p:nvPr/>
+        </p:nvSpPr>
+        <p:spPr>
+          <a:xfrm>
+            <a:off x="2977508" y="1341121"/>
+            <a:ext cx="1137920" cy="294640"/>
+          </a:xfrm>
+          <a:prstGeom prst="roundRect">
+            <a:avLst/>
+          </a:prstGeom>
+          <a:ln w="38100" cmpd="dbl">
+            <a:prstDash val="solid"/>
+          </a:ln>
+        </p:spPr>
+        <p:style>
+          <a:lnRef idx="2">
+            <a:schemeClr val="dk1"/>
+          </a:lnRef>
+          <a:fillRef idx="1">
+            <a:schemeClr val="lt1"/>
+          </a:fillRef>
+          <a:effectRef idx="0">
+            <a:schemeClr val="dk1"/>
+          </a:effectRef>
+          <a:fontRef idx="minor">
+            <a:schemeClr val="dk1"/>
+          </a:fontRef>
+        </p:style>
+        <p:txBody>
+          <a:bodyPr rtlCol="0" anchor="ctr"/>
+          <a:lstStyle/>
+          <a:p>
+            <a:pPr algn="ctr"/>
+            <a:r>
+              <a:rPr lang="en-US" sz="1200" dirty="0" smtClean="0"/>
+              <a:t>Performance</a:t>
+            </a:r>
+            <a:endParaRPr lang="en-US" sz="1200" dirty="0"/>
+          </a:p>
+        </p:txBody>
+      </p:sp>
+      <p:sp>
+        <p:nvSpPr>
+          <p:cNvPr id="10" name="Rounded Rectangle 9"/>
+          <p:cNvSpPr/>
+          <p:nvPr/>
+        </p:nvSpPr>
+        <p:spPr>
+          <a:xfrm>
+            <a:off x="2825108" y="2238375"/>
+            <a:ext cx="1290320" cy="294640"/>
+          </a:xfrm>
+          <a:prstGeom prst="roundRect">
+            <a:avLst/>
+          </a:prstGeom>
+          <a:ln w="38100" cmpd="dbl">
+            <a:prstDash val="solid"/>
+          </a:ln>
+        </p:spPr>
+        <p:style>
+          <a:lnRef idx="2">
+            <a:schemeClr val="dk1"/>
+          </a:lnRef>
+          <a:fillRef idx="1">
+            <a:schemeClr val="lt1"/>
+          </a:fillRef>
+          <a:effectRef idx="0">
+            <a:schemeClr val="dk1"/>
+          </a:effectRef>
+          <a:fontRef idx="minor">
+            <a:schemeClr val="dk1"/>
+          </a:fontRef>
+        </p:style>
+        <p:txBody>
+          <a:bodyPr rtlCol="0" anchor="ctr"/>
+          <a:lstStyle/>
+          <a:p>
+            <a:pPr algn="ctr"/>
+            <a:r>
+              <a:rPr lang="en-US" sz="1200" dirty="0" smtClean="0"/>
+              <a:t>Trustworthiness</a:t>
+            </a:r>
+            <a:endParaRPr lang="en-US" sz="1200" dirty="0"/>
+          </a:p>
+        </p:txBody>
+      </p:sp>
+      <p:sp>
+        <p:nvSpPr>
+          <p:cNvPr id="11" name="Rounded Rectangle 10"/>
+          <p:cNvSpPr/>
+          <p:nvPr/>
+        </p:nvSpPr>
+        <p:spPr>
+          <a:xfrm>
+            <a:off x="2953352" y="4685363"/>
+            <a:ext cx="1137920" cy="294640"/>
+          </a:xfrm>
+          <a:prstGeom prst="roundRect">
+            <a:avLst/>
+          </a:prstGeom>
+          <a:ln w="28575" cmpd="sng">
+            <a:solidFill>
+              <a:srgbClr val="000000"/>
+            </a:solidFill>
+            <a:prstDash val="solid"/>
+          </a:ln>
+        </p:spPr>
+        <p:style>
+          <a:lnRef idx="2">
+            <a:schemeClr val="accent1"/>
+          </a:lnRef>
+          <a:fillRef idx="1">
+            <a:schemeClr val="lt1"/>
+          </a:fillRef>
+          <a:effectRef idx="0">
+            <a:schemeClr val="accent1"/>
+          </a:effectRef>
+          <a:fontRef idx="minor">
+            <a:schemeClr val="dk1"/>
+          </a:fontRef>
+        </p:style>
+        <p:txBody>
+          <a:bodyPr rtlCol="0" anchor="ctr"/>
+          <a:lstStyle/>
+          <a:p>
+            <a:pPr algn="ctr"/>
+            <a:r>
+              <a:rPr lang="en-US" sz="1200" dirty="0" smtClean="0"/>
+              <a:t>Functionality</a:t>
+            </a:r>
+            <a:endParaRPr lang="en-US" sz="1200" dirty="0"/>
+          </a:p>
+        </p:txBody>
+      </p:sp>
+      <p:sp>
+        <p:nvSpPr>
+          <p:cNvPr id="12" name="Rounded Rectangle 11"/>
+          <p:cNvSpPr/>
+          <p:nvPr/>
+        </p:nvSpPr>
+        <p:spPr>
+          <a:xfrm>
+            <a:off x="2977508" y="5435707"/>
+            <a:ext cx="1137920" cy="294640"/>
+          </a:xfrm>
+          <a:prstGeom prst="roundRect">
+            <a:avLst/>
+          </a:prstGeom>
+          <a:ln w="28575" cmpd="sng">
+            <a:solidFill>
+              <a:srgbClr val="000000"/>
+            </a:solidFill>
+            <a:prstDash val="solid"/>
+          </a:ln>
+        </p:spPr>
+        <p:style>
+          <a:lnRef idx="2">
+            <a:schemeClr val="accent1"/>
+          </a:lnRef>
+          <a:fillRef idx="1">
+            <a:schemeClr val="lt1"/>
+          </a:fillRef>
+          <a:effectRef idx="0">
+            <a:schemeClr val="accent1"/>
+          </a:effectRef>
+          <a:fontRef idx="minor">
+            <a:schemeClr val="dk1"/>
+          </a:fontRef>
+        </p:style>
+        <p:txBody>
+          <a:bodyPr rtlCol="0" anchor="ctr"/>
+          <a:lstStyle/>
+          <a:p>
+            <a:pPr algn="ctr"/>
+            <a:r>
+              <a:rPr lang="en-US" sz="1200" dirty="0" smtClean="0"/>
+              <a:t>Reliability</a:t>
+            </a:r>
+            <a:endParaRPr lang="en-US" sz="1200" dirty="0"/>
+          </a:p>
+        </p:txBody>
+      </p:sp>
+      <p:cxnSp>
+        <p:nvCxnSpPr>
+          <p:cNvPr id="36" name="Straight Connector 35"/>
+          <p:cNvCxnSpPr>
+            <a:stCxn id="8" idx="3"/>
+            <a:endCxn id="4" idx="1"/>
+          </p:cNvCxnSpPr>
+          <p:nvPr/>
+        </p:nvCxnSpPr>
+        <p:spPr>
+          <a:xfrm flipV="1">
+            <a:off x="4115428" y="640715"/>
+            <a:ext cx="990638" cy="19685"/>
+          </a:xfrm>
+          <a:prstGeom prst="line">
+            <a:avLst/>
+          </a:prstGeom>
+        </p:spPr>
+        <p:style>
+          <a:lnRef idx="1">
+            <a:schemeClr val="dk1"/>
+          </a:lnRef>
+          <a:fillRef idx="0">
+            <a:schemeClr val="dk1"/>
+          </a:fillRef>
+          <a:effectRef idx="0">
+            <a:schemeClr val="dk1"/>
+          </a:effectRef>
+          <a:fontRef idx="minor">
+            <a:schemeClr val="tx1"/>
+          </a:fontRef>
+        </p:style>
+      </p:cxnSp>
+      <p:cxnSp>
+        <p:nvCxnSpPr>
+          <p:cNvPr id="37" name="Straight Connector 36"/>
+          <p:cNvCxnSpPr>
+            <a:stCxn id="8" idx="3"/>
+            <a:endCxn id="5" idx="1"/>
+          </p:cNvCxnSpPr>
+          <p:nvPr/>
+        </p:nvCxnSpPr>
+        <p:spPr>
+          <a:xfrm>
+            <a:off x="4115428" y="660400"/>
+            <a:ext cx="1183679" cy="1245260"/>
+          </a:xfrm>
+          <a:prstGeom prst="line">
+            <a:avLst/>
+          </a:prstGeom>
+        </p:spPr>
+        <p:style>
+          <a:lnRef idx="1">
+            <a:schemeClr val="dk1"/>
+          </a:lnRef>
+          <a:fillRef idx="0">
+            <a:schemeClr val="dk1"/>
+          </a:fillRef>
+          <a:effectRef idx="0">
+            <a:schemeClr val="dk1"/>
+          </a:effectRef>
+          <a:fontRef idx="minor">
+            <a:schemeClr val="tx1"/>
+          </a:fontRef>
+        </p:style>
+      </p:cxnSp>
+      <p:cxnSp>
+        <p:nvCxnSpPr>
+          <p:cNvPr id="41" name="Straight Connector 40"/>
+          <p:cNvCxnSpPr>
+            <a:stCxn id="9" idx="3"/>
+            <a:endCxn id="4" idx="1"/>
+          </p:cNvCxnSpPr>
+          <p:nvPr/>
+        </p:nvCxnSpPr>
+        <p:spPr>
+          <a:xfrm flipV="1">
+            <a:off x="4115428" y="640715"/>
+            <a:ext cx="990638" cy="847726"/>
+          </a:xfrm>
+          <a:prstGeom prst="line">
+            <a:avLst/>
+          </a:prstGeom>
+        </p:spPr>
+        <p:style>
+          <a:lnRef idx="1">
+            <a:schemeClr val="dk1"/>
+          </a:lnRef>
+          <a:fillRef idx="0">
+            <a:schemeClr val="dk1"/>
+          </a:fillRef>
+          <a:effectRef idx="0">
+            <a:schemeClr val="dk1"/>
+          </a:effectRef>
+          <a:fontRef idx="minor">
+            <a:schemeClr val="tx1"/>
+          </a:fontRef>
+        </p:style>
+      </p:cxnSp>
+      <p:cxnSp>
+        <p:nvCxnSpPr>
+          <p:cNvPr id="44" name="Straight Connector 43"/>
+          <p:cNvCxnSpPr>
+            <a:stCxn id="9" idx="3"/>
+            <a:endCxn id="6" idx="1"/>
+          </p:cNvCxnSpPr>
+          <p:nvPr/>
+        </p:nvCxnSpPr>
+        <p:spPr>
+          <a:xfrm>
+            <a:off x="4115428" y="1488441"/>
+            <a:ext cx="1183679" cy="1925371"/>
+          </a:xfrm>
+          <a:prstGeom prst="line">
+            <a:avLst/>
+          </a:prstGeom>
+        </p:spPr>
+        <p:style>
+          <a:lnRef idx="1">
+            <a:schemeClr val="dk1"/>
+          </a:lnRef>
+          <a:fillRef idx="0">
+            <a:schemeClr val="dk1"/>
+          </a:fillRef>
+          <a:effectRef idx="0">
+            <a:schemeClr val="dk1"/>
+          </a:effectRef>
+          <a:fontRef idx="minor">
+            <a:schemeClr val="tx1"/>
+          </a:fontRef>
+        </p:style>
+      </p:cxnSp>
+      <p:cxnSp>
+        <p:nvCxnSpPr>
+          <p:cNvPr id="47" name="Straight Connector 46"/>
+          <p:cNvCxnSpPr>
+            <a:stCxn id="8" idx="3"/>
+            <a:endCxn id="6" idx="1"/>
+          </p:cNvCxnSpPr>
+          <p:nvPr/>
+        </p:nvCxnSpPr>
+        <p:spPr>
+          <a:xfrm>
+            <a:off x="4115428" y="660400"/>
+            <a:ext cx="1183679" cy="2753412"/>
+          </a:xfrm>
+          <a:prstGeom prst="line">
+            <a:avLst/>
+          </a:prstGeom>
+        </p:spPr>
+        <p:style>
+          <a:lnRef idx="1">
+            <a:schemeClr val="dk1"/>
+          </a:lnRef>
+          <a:fillRef idx="0">
+            <a:schemeClr val="dk1"/>
+          </a:fillRef>
+          <a:effectRef idx="0">
+            <a:schemeClr val="dk1"/>
+          </a:effectRef>
+          <a:fontRef idx="minor">
+            <a:schemeClr val="tx1"/>
+          </a:fontRef>
+        </p:style>
+      </p:cxnSp>
+      <p:cxnSp>
+        <p:nvCxnSpPr>
+          <p:cNvPr id="50" name="Straight Connector 49"/>
+          <p:cNvCxnSpPr>
+            <a:stCxn id="10" idx="3"/>
+            <a:endCxn id="7" idx="1"/>
+          </p:cNvCxnSpPr>
+          <p:nvPr/>
+        </p:nvCxnSpPr>
+        <p:spPr>
+          <a:xfrm>
+            <a:off x="4115428" y="2385695"/>
+            <a:ext cx="1183679" cy="3217652"/>
+          </a:xfrm>
+          <a:prstGeom prst="line">
+            <a:avLst/>
+          </a:prstGeom>
+        </p:spPr>
+        <p:style>
+          <a:lnRef idx="1">
+            <a:schemeClr val="dk1"/>
+          </a:lnRef>
+          <a:fillRef idx="0">
+            <a:schemeClr val="dk1"/>
+          </a:fillRef>
+          <a:effectRef idx="0">
+            <a:schemeClr val="dk1"/>
+          </a:effectRef>
+          <a:fontRef idx="minor">
+            <a:schemeClr val="tx1"/>
+          </a:fontRef>
+        </p:style>
+      </p:cxnSp>
+      <p:cxnSp>
+        <p:nvCxnSpPr>
+          <p:cNvPr id="53" name="Straight Connector 52"/>
+          <p:cNvCxnSpPr>
+            <a:stCxn id="11" idx="3"/>
+            <a:endCxn id="6" idx="1"/>
+          </p:cNvCxnSpPr>
+          <p:nvPr/>
+        </p:nvCxnSpPr>
+        <p:spPr>
+          <a:xfrm flipV="1">
+            <a:off x="4091272" y="3413812"/>
+            <a:ext cx="1207835" cy="1418871"/>
+          </a:xfrm>
+          <a:prstGeom prst="line">
+            <a:avLst/>
+          </a:prstGeom>
+        </p:spPr>
+        <p:style>
+          <a:lnRef idx="1">
+            <a:schemeClr val="dk1"/>
+          </a:lnRef>
+          <a:fillRef idx="0">
+            <a:schemeClr val="dk1"/>
+          </a:fillRef>
+          <a:effectRef idx="0">
+            <a:schemeClr val="dk1"/>
+          </a:effectRef>
+          <a:fontRef idx="minor">
+            <a:schemeClr val="tx1"/>
+          </a:fontRef>
+        </p:style>
+      </p:cxnSp>
+      <p:cxnSp>
+        <p:nvCxnSpPr>
+          <p:cNvPr id="56" name="Straight Connector 55"/>
+          <p:cNvCxnSpPr>
+            <a:stCxn id="11" idx="3"/>
+            <a:endCxn id="5" idx="1"/>
+          </p:cNvCxnSpPr>
+          <p:nvPr/>
+        </p:nvCxnSpPr>
+        <p:spPr>
+          <a:xfrm flipV="1">
+            <a:off x="4091272" y="1905660"/>
+            <a:ext cx="1207835" cy="2927023"/>
+          </a:xfrm>
+          <a:prstGeom prst="line">
+            <a:avLst/>
+          </a:prstGeom>
+        </p:spPr>
+        <p:style>
+          <a:lnRef idx="1">
+            <a:schemeClr val="dk1"/>
+          </a:lnRef>
+          <a:fillRef idx="0">
+            <a:schemeClr val="dk1"/>
+          </a:fillRef>
+          <a:effectRef idx="0">
+            <a:schemeClr val="dk1"/>
+          </a:effectRef>
+          <a:fontRef idx="minor">
+            <a:schemeClr val="tx1"/>
+          </a:fontRef>
+        </p:style>
+      </p:cxnSp>
+      <p:cxnSp>
+        <p:nvCxnSpPr>
+          <p:cNvPr id="59" name="Straight Connector 58"/>
+          <p:cNvCxnSpPr>
+            <a:stCxn id="11" idx="3"/>
+            <a:endCxn id="4" idx="1"/>
+          </p:cNvCxnSpPr>
+          <p:nvPr/>
+        </p:nvCxnSpPr>
+        <p:spPr>
+          <a:xfrm flipV="1">
+            <a:off x="4091272" y="640715"/>
+            <a:ext cx="1014794" cy="4191968"/>
+          </a:xfrm>
+          <a:prstGeom prst="line">
+            <a:avLst/>
+          </a:prstGeom>
+        </p:spPr>
+        <p:style>
+          <a:lnRef idx="1">
+            <a:schemeClr val="dk1"/>
+          </a:lnRef>
+          <a:fillRef idx="0">
+            <a:schemeClr val="dk1"/>
+          </a:fillRef>
+          <a:effectRef idx="0">
+            <a:schemeClr val="dk1"/>
+          </a:effectRef>
+          <a:fontRef idx="minor">
+            <a:schemeClr val="tx1"/>
+          </a:fontRef>
+        </p:style>
+      </p:cxnSp>
+      <p:cxnSp>
+        <p:nvCxnSpPr>
+          <p:cNvPr id="62" name="Straight Connector 61"/>
+          <p:cNvCxnSpPr>
+            <a:stCxn id="12" idx="3"/>
+            <a:endCxn id="7" idx="1"/>
+          </p:cNvCxnSpPr>
+          <p:nvPr/>
+        </p:nvCxnSpPr>
+        <p:spPr>
+          <a:xfrm>
+            <a:off x="4115428" y="5583027"/>
+            <a:ext cx="1183679" cy="20320"/>
+          </a:xfrm>
+          <a:prstGeom prst="line">
+            <a:avLst/>
+          </a:prstGeom>
+        </p:spPr>
+        <p:style>
+          <a:lnRef idx="1">
+            <a:schemeClr val="dk1"/>
+          </a:lnRef>
+          <a:fillRef idx="0">
+            <a:schemeClr val="dk1"/>
+          </a:fillRef>
+          <a:effectRef idx="0">
+            <a:schemeClr val="dk1"/>
+          </a:effectRef>
+          <a:fontRef idx="minor">
+            <a:schemeClr val="tx1"/>
+          </a:fontRef>
+        </p:style>
+      </p:cxnSp>
+      <p:sp>
+        <p:nvSpPr>
+          <p:cNvPr id="484" name="Rounded Rectangle 483"/>
+          <p:cNvSpPr/>
+          <p:nvPr/>
+        </p:nvSpPr>
+        <p:spPr>
+          <a:xfrm>
+            <a:off x="2753987" y="3243954"/>
+            <a:ext cx="1361441" cy="460375"/>
+          </a:xfrm>
+          <a:prstGeom prst="roundRect">
+            <a:avLst/>
+          </a:prstGeom>
+          <a:ln w="38100" cmpd="dbl">
+            <a:prstDash val="solid"/>
+          </a:ln>
+        </p:spPr>
+        <p:style>
+          <a:lnRef idx="2">
+            <a:schemeClr val="dk1"/>
+          </a:lnRef>
+          <a:fillRef idx="1">
+            <a:schemeClr val="lt1"/>
+          </a:fillRef>
+          <a:effectRef idx="0">
+            <a:schemeClr val="dk1"/>
+          </a:effectRef>
+          <a:fontRef idx="minor">
+            <a:schemeClr val="dk1"/>
+          </a:fontRef>
+        </p:style>
+        <p:txBody>
+          <a:bodyPr rtlCol="0" anchor="ctr"/>
+          <a:lstStyle/>
+          <a:p>
+            <a:pPr algn="ctr"/>
+            <a:r>
+              <a:rPr lang="en-US" sz="1200" dirty="0" smtClean="0"/>
+              <a:t>Compatibility</a:t>
+            </a:r>
+            <a:endParaRPr lang="en-US" sz="1200" dirty="0"/>
+          </a:p>
+        </p:txBody>
+      </p:sp>
+      <p:cxnSp>
+        <p:nvCxnSpPr>
+          <p:cNvPr id="485" name="Straight Connector 484"/>
+          <p:cNvCxnSpPr>
+            <a:stCxn id="484" idx="3"/>
+            <a:endCxn id="4" idx="1"/>
+          </p:cNvCxnSpPr>
+          <p:nvPr/>
+        </p:nvCxnSpPr>
+        <p:spPr>
+          <a:xfrm flipV="1">
+            <a:off x="4115428" y="640715"/>
+            <a:ext cx="990638" cy="2833427"/>
+          </a:xfrm>
+          <a:prstGeom prst="line">
+            <a:avLst/>
+          </a:prstGeom>
+        </p:spPr>
+        <p:style>
+          <a:lnRef idx="1">
+            <a:schemeClr val="dk1"/>
+          </a:lnRef>
+          <a:fillRef idx="0">
+            <a:schemeClr val="dk1"/>
+          </a:fillRef>
+          <a:effectRef idx="0">
+            <a:schemeClr val="dk1"/>
+          </a:effectRef>
+          <a:fontRef idx="minor">
+            <a:schemeClr val="tx1"/>
+          </a:fontRef>
+        </p:style>
+      </p:cxnSp>
+      <p:cxnSp>
+        <p:nvCxnSpPr>
+          <p:cNvPr id="488" name="Straight Connector 487"/>
+          <p:cNvCxnSpPr>
+            <a:stCxn id="484" idx="3"/>
+            <a:endCxn id="5" idx="1"/>
+          </p:cNvCxnSpPr>
+          <p:nvPr/>
+        </p:nvCxnSpPr>
+        <p:spPr>
+          <a:xfrm flipV="1">
+            <a:off x="4115428" y="1905660"/>
+            <a:ext cx="1183679" cy="1568482"/>
+          </a:xfrm>
+          <a:prstGeom prst="line">
+            <a:avLst/>
+          </a:prstGeom>
+        </p:spPr>
+        <p:style>
+          <a:lnRef idx="1">
+            <a:schemeClr val="dk1"/>
+          </a:lnRef>
+          <a:fillRef idx="0">
+            <a:schemeClr val="dk1"/>
+          </a:fillRef>
+          <a:effectRef idx="0">
+            <a:schemeClr val="dk1"/>
+          </a:effectRef>
+          <a:fontRef idx="minor">
+            <a:schemeClr val="tx1"/>
+          </a:fontRef>
+        </p:style>
+      </p:cxnSp>
+      <p:cxnSp>
+        <p:nvCxnSpPr>
+          <p:cNvPr id="491" name="Straight Connector 490"/>
+          <p:cNvCxnSpPr>
+            <a:stCxn id="484" idx="3"/>
+            <a:endCxn id="6" idx="1"/>
+          </p:cNvCxnSpPr>
+          <p:nvPr/>
+        </p:nvCxnSpPr>
+        <p:spPr>
+          <a:xfrm flipV="1">
+            <a:off x="4115428" y="3413812"/>
+            <a:ext cx="1183679" cy="60330"/>
+          </a:xfrm>
+          <a:prstGeom prst="line">
+            <a:avLst/>
+          </a:prstGeom>
+        </p:spPr>
+        <p:style>
+          <a:lnRef idx="1">
+            <a:schemeClr val="dk1"/>
+          </a:lnRef>
+          <a:fillRef idx="0">
+            <a:schemeClr val="dk1"/>
+          </a:fillRef>
+          <a:effectRef idx="0">
+            <a:schemeClr val="dk1"/>
+          </a:effectRef>
+          <a:fontRef idx="minor">
+            <a:schemeClr val="tx1"/>
+          </a:fontRef>
+        </p:style>
+      </p:cxnSp>
+      <p:cxnSp>
+        <p:nvCxnSpPr>
+          <p:cNvPr id="495" name="Straight Connector 494"/>
+          <p:cNvCxnSpPr>
+            <a:stCxn id="484" idx="3"/>
+            <a:endCxn id="7" idx="1"/>
+          </p:cNvCxnSpPr>
+          <p:nvPr/>
+        </p:nvCxnSpPr>
+        <p:spPr>
+          <a:xfrm>
+            <a:off x="4115428" y="3474142"/>
+            <a:ext cx="1183679" cy="2129205"/>
+          </a:xfrm>
+          <a:prstGeom prst="line">
+            <a:avLst/>
+          </a:prstGeom>
+        </p:spPr>
+        <p:style>
+          <a:lnRef idx="1">
+            <a:schemeClr val="dk1"/>
+          </a:lnRef>
+          <a:fillRef idx="0">
+            <a:schemeClr val="dk1"/>
+          </a:fillRef>
+          <a:effectRef idx="0">
+            <a:schemeClr val="dk1"/>
+          </a:effectRef>
+          <a:fontRef idx="minor">
+            <a:schemeClr val="tx1"/>
+          </a:fontRef>
+        </p:style>
+      </p:cxnSp>
+      <p:sp>
+        <p:nvSpPr>
+          <p:cNvPr id="533" name="Rounded Rectangle 532"/>
+          <p:cNvSpPr/>
+          <p:nvPr/>
+        </p:nvSpPr>
+        <p:spPr>
+          <a:xfrm>
+            <a:off x="2825108" y="3327775"/>
+            <a:ext cx="1209040" cy="294640"/>
+          </a:xfrm>
+          <a:prstGeom prst="roundRect">
+            <a:avLst/>
+          </a:prstGeom>
+          <a:solidFill>
+            <a:schemeClr val="lt1">
+              <a:alpha val="0"/>
+            </a:schemeClr>
+          </a:solidFill>
+          <a:ln w="28575" cmpd="sng">
+            <a:solidFill>
+              <a:srgbClr val="000000"/>
+            </a:solidFill>
+            <a:prstDash val="solid"/>
+          </a:ln>
+        </p:spPr>
+        <p:style>
+          <a:lnRef idx="2">
+            <a:schemeClr val="accent1"/>
+          </a:lnRef>
+          <a:fillRef idx="1">
+            <a:schemeClr val="lt1"/>
+          </a:fillRef>
+          <a:effectRef idx="0">
+            <a:schemeClr val="accent1"/>
+          </a:effectRef>
+          <a:fontRef idx="minor">
+            <a:schemeClr val="dk1"/>
+          </a:fontRef>
+        </p:style>
+        <p:txBody>
+          <a:bodyPr rtlCol="0" anchor="ctr"/>
+          <a:lstStyle/>
+          <a:p>
+            <a:pPr algn="ctr"/>
+            <a:endParaRPr lang="en-US" sz="1200" dirty="0"/>
+          </a:p>
+        </p:txBody>
+      </p:sp>
+      <p:sp>
+        <p:nvSpPr>
+          <p:cNvPr id="2" name="TextBox 1"/>
+          <p:cNvSpPr txBox="1"/>
+          <p:nvPr/>
+        </p:nvSpPr>
+        <p:spPr>
+          <a:xfrm>
+            <a:off x="94584" y="6488668"/>
+            <a:ext cx="1967205" cy="369332"/>
+          </a:xfrm>
+          <a:prstGeom prst="rect">
+            <a:avLst/>
+          </a:prstGeom>
+          <a:noFill/>
+        </p:spPr>
+        <p:txBody>
+          <a:bodyPr wrap="none" rtlCol="0">
+            <a:spAutoFit/>
+          </a:bodyPr>
+          <a:lstStyle/>
+          <a:p>
+            <a:r>
+              <a:rPr lang="en-US" dirty="0" smtClean="0"/>
+              <a:t>COMPLETE MODEL</a:t>
+            </a:r>
+            <a:endParaRPr lang="en-US" dirty="0"/>
+          </a:p>
+        </p:txBody>
+      </p:sp>
+      <p:sp>
+        <p:nvSpPr>
+          <p:cNvPr id="75" name="TextBox 74"/>
+          <p:cNvSpPr txBox="1"/>
+          <p:nvPr/>
+        </p:nvSpPr>
+        <p:spPr>
+          <a:xfrm>
+            <a:off x="770184" y="1562466"/>
+            <a:ext cx="1491439" cy="646331"/>
+          </a:xfrm>
+          <a:prstGeom prst="rect">
+            <a:avLst/>
+          </a:prstGeom>
+        </p:spPr>
+        <p:style>
+          <a:lnRef idx="2">
+            <a:schemeClr val="dk1"/>
+          </a:lnRef>
+          <a:fillRef idx="1">
+            <a:schemeClr val="lt1"/>
+          </a:fillRef>
+          <a:effectRef idx="0">
+            <a:schemeClr val="dk1"/>
+          </a:effectRef>
+          <a:fontRef idx="minor">
+            <a:schemeClr val="dk1"/>
+          </a:fontRef>
+        </p:style>
+        <p:txBody>
+          <a:bodyPr wrap="none" rtlCol="0">
+            <a:spAutoFit/>
+          </a:bodyPr>
+          <a:lstStyle/>
+          <a:p>
+            <a:r>
+              <a:rPr lang="en-US" dirty="0" smtClean="0"/>
+              <a:t>E-Service </a:t>
+            </a:r>
+          </a:p>
+          <a:p>
+            <a:r>
+              <a:rPr lang="en-US" dirty="0" smtClean="0"/>
+              <a:t>Quality </a:t>
+            </a:r>
+            <a:r>
+              <a:rPr lang="en-US" dirty="0" smtClean="0"/>
+              <a:t>in </a:t>
+            </a:r>
+            <a:r>
+              <a:rPr lang="en-US" dirty="0" smtClean="0"/>
+              <a:t>Use</a:t>
+            </a:r>
+          </a:p>
+        </p:txBody>
+      </p:sp>
+      <p:cxnSp>
+        <p:nvCxnSpPr>
+          <p:cNvPr id="76" name="Straight Connector 75"/>
+          <p:cNvCxnSpPr>
+            <a:stCxn id="75" idx="3"/>
+            <a:endCxn id="8" idx="1"/>
+          </p:cNvCxnSpPr>
+          <p:nvPr/>
+        </p:nvCxnSpPr>
+        <p:spPr>
+          <a:xfrm flipV="1">
+            <a:off x="2261623" y="660400"/>
+            <a:ext cx="715885" cy="1225232"/>
+          </a:xfrm>
+          <a:prstGeom prst="line">
+            <a:avLst/>
+          </a:prstGeom>
+        </p:spPr>
+        <p:style>
+          <a:lnRef idx="1">
+            <a:schemeClr val="dk1"/>
+          </a:lnRef>
+          <a:fillRef idx="0">
+            <a:schemeClr val="dk1"/>
+          </a:fillRef>
+          <a:effectRef idx="0">
+            <a:schemeClr val="dk1"/>
+          </a:effectRef>
+          <a:fontRef idx="minor">
+            <a:schemeClr val="tx1"/>
+          </a:fontRef>
+        </p:style>
+      </p:cxnSp>
+      <p:cxnSp>
+        <p:nvCxnSpPr>
+          <p:cNvPr id="77" name="Straight Connector 76"/>
+          <p:cNvCxnSpPr>
+            <a:stCxn id="75" idx="3"/>
+            <a:endCxn id="9" idx="1"/>
+          </p:cNvCxnSpPr>
+          <p:nvPr/>
+        </p:nvCxnSpPr>
+        <p:spPr>
+          <a:xfrm flipV="1">
+            <a:off x="2261623" y="1488441"/>
+            <a:ext cx="715885" cy="397191"/>
+          </a:xfrm>
+          <a:prstGeom prst="line">
+            <a:avLst/>
+          </a:prstGeom>
+        </p:spPr>
+        <p:style>
+          <a:lnRef idx="1">
+            <a:schemeClr val="dk1"/>
+          </a:lnRef>
+          <a:fillRef idx="0">
+            <a:schemeClr val="dk1"/>
+          </a:fillRef>
+          <a:effectRef idx="0">
+            <a:schemeClr val="dk1"/>
+          </a:effectRef>
+          <a:fontRef idx="minor">
+            <a:schemeClr val="tx1"/>
+          </a:fontRef>
+        </p:style>
+      </p:cxnSp>
+      <p:cxnSp>
+        <p:nvCxnSpPr>
+          <p:cNvPr id="78" name="Straight Connector 77"/>
+          <p:cNvCxnSpPr>
+            <a:stCxn id="75" idx="3"/>
+            <a:endCxn id="10" idx="1"/>
+          </p:cNvCxnSpPr>
+          <p:nvPr/>
+        </p:nvCxnSpPr>
+        <p:spPr>
+          <a:xfrm>
+            <a:off x="2261623" y="1885632"/>
+            <a:ext cx="563485" cy="500063"/>
+          </a:xfrm>
+          <a:prstGeom prst="line">
+            <a:avLst/>
+          </a:prstGeom>
+        </p:spPr>
+        <p:style>
+          <a:lnRef idx="1">
+            <a:schemeClr val="dk1"/>
+          </a:lnRef>
+          <a:fillRef idx="0">
+            <a:schemeClr val="dk1"/>
+          </a:fillRef>
+          <a:effectRef idx="0">
+            <a:schemeClr val="dk1"/>
+          </a:effectRef>
+          <a:fontRef idx="minor">
+            <a:schemeClr val="tx1"/>
+          </a:fontRef>
+        </p:style>
+      </p:cxnSp>
+      <p:cxnSp>
+        <p:nvCxnSpPr>
+          <p:cNvPr id="79" name="Straight Connector 78"/>
+          <p:cNvCxnSpPr>
+            <a:stCxn id="75" idx="3"/>
+            <a:endCxn id="484" idx="1"/>
+          </p:cNvCxnSpPr>
+          <p:nvPr/>
+        </p:nvCxnSpPr>
+        <p:spPr>
+          <a:xfrm>
+            <a:off x="2261623" y="1885632"/>
+            <a:ext cx="492364" cy="1588510"/>
+          </a:xfrm>
+          <a:prstGeom prst="line">
+            <a:avLst/>
+          </a:prstGeom>
+        </p:spPr>
+        <p:style>
+          <a:lnRef idx="1">
+            <a:schemeClr val="dk1"/>
+          </a:lnRef>
+          <a:fillRef idx="0">
+            <a:schemeClr val="dk1"/>
+          </a:fillRef>
+          <a:effectRef idx="0">
+            <a:schemeClr val="dk1"/>
+          </a:effectRef>
+          <a:fontRef idx="minor">
+            <a:schemeClr val="tx1"/>
+          </a:fontRef>
+        </p:style>
+      </p:cxnSp>
+      <p:sp>
+        <p:nvSpPr>
+          <p:cNvPr id="84" name="TextBox 83"/>
+          <p:cNvSpPr txBox="1"/>
+          <p:nvPr/>
+        </p:nvSpPr>
+        <p:spPr>
+          <a:xfrm>
+            <a:off x="675600" y="4507137"/>
+            <a:ext cx="1650700" cy="646331"/>
+          </a:xfrm>
+          <a:prstGeom prst="rect">
+            <a:avLst/>
+          </a:prstGeom>
+        </p:spPr>
+        <p:style>
+          <a:lnRef idx="2">
+            <a:schemeClr val="dk1"/>
+          </a:lnRef>
+          <a:fillRef idx="1">
+            <a:schemeClr val="lt1"/>
+          </a:fillRef>
+          <a:effectRef idx="0">
+            <a:schemeClr val="dk1"/>
+          </a:effectRef>
+          <a:fontRef idx="minor">
+            <a:schemeClr val="dk1"/>
+          </a:fontRef>
+        </p:style>
+        <p:txBody>
+          <a:bodyPr wrap="none" rtlCol="0">
+            <a:spAutoFit/>
+          </a:bodyPr>
+          <a:lstStyle/>
+          <a:p>
+            <a:r>
+              <a:rPr lang="en-US" dirty="0" smtClean="0"/>
+              <a:t>E-Service</a:t>
+            </a:r>
+          </a:p>
+          <a:p>
+            <a:r>
+              <a:rPr lang="en-US" dirty="0" smtClean="0"/>
+              <a:t>Product Quality</a:t>
+            </a:r>
+            <a:endParaRPr lang="en-US" dirty="0"/>
+          </a:p>
+        </p:txBody>
+      </p:sp>
+      <p:cxnSp>
+        <p:nvCxnSpPr>
+          <p:cNvPr id="85" name="Straight Connector 84"/>
+          <p:cNvCxnSpPr>
+            <a:stCxn id="84" idx="3"/>
+            <a:endCxn id="533" idx="1"/>
+          </p:cNvCxnSpPr>
+          <p:nvPr/>
+        </p:nvCxnSpPr>
+        <p:spPr>
+          <a:xfrm flipV="1">
+            <a:off x="2326300" y="3475095"/>
+            <a:ext cx="498808" cy="1355208"/>
+          </a:xfrm>
+          <a:prstGeom prst="line">
+            <a:avLst/>
+          </a:prstGeom>
+        </p:spPr>
+        <p:style>
+          <a:lnRef idx="1">
+            <a:schemeClr val="dk1"/>
+          </a:lnRef>
+          <a:fillRef idx="0">
+            <a:schemeClr val="dk1"/>
+          </a:fillRef>
+          <a:effectRef idx="0">
+            <a:schemeClr val="dk1"/>
+          </a:effectRef>
+          <a:fontRef idx="minor">
+            <a:schemeClr val="tx1"/>
+          </a:fontRef>
+        </p:style>
+      </p:cxnSp>
+      <p:cxnSp>
+        <p:nvCxnSpPr>
+          <p:cNvPr id="86" name="Straight Connector 85"/>
+          <p:cNvCxnSpPr>
+            <a:stCxn id="84" idx="3"/>
+            <a:endCxn id="11" idx="1"/>
+          </p:cNvCxnSpPr>
+          <p:nvPr/>
+        </p:nvCxnSpPr>
+        <p:spPr>
+          <a:xfrm>
+            <a:off x="2326300" y="4830303"/>
+            <a:ext cx="627052" cy="2380"/>
+          </a:xfrm>
+          <a:prstGeom prst="line">
+            <a:avLst/>
+          </a:prstGeom>
+        </p:spPr>
+        <p:style>
+          <a:lnRef idx="1">
+            <a:schemeClr val="dk1"/>
+          </a:lnRef>
+          <a:fillRef idx="0">
+            <a:schemeClr val="dk1"/>
+          </a:fillRef>
+          <a:effectRef idx="0">
+            <a:schemeClr val="dk1"/>
+          </a:effectRef>
+          <a:fontRef idx="minor">
+            <a:schemeClr val="tx1"/>
+          </a:fontRef>
+        </p:style>
+      </p:cxnSp>
+      <p:cxnSp>
+        <p:nvCxnSpPr>
+          <p:cNvPr id="87" name="Straight Connector 86"/>
+          <p:cNvCxnSpPr>
+            <a:stCxn id="84" idx="3"/>
+            <a:endCxn id="12" idx="1"/>
+          </p:cNvCxnSpPr>
+          <p:nvPr/>
+        </p:nvCxnSpPr>
+        <p:spPr>
+          <a:xfrm>
+            <a:off x="2326300" y="4830303"/>
+            <a:ext cx="651208" cy="752724"/>
+          </a:xfrm>
+          <a:prstGeom prst="line">
+            <a:avLst/>
+          </a:prstGeom>
+        </p:spPr>
+        <p:style>
+          <a:lnRef idx="1">
+            <a:schemeClr val="dk1"/>
+          </a:lnRef>
+          <a:fillRef idx="0">
+            <a:schemeClr val="dk1"/>
+          </a:fillRef>
+          <a:effectRef idx="0">
+            <a:schemeClr val="dk1"/>
+          </a:effectRef>
+          <a:fontRef idx="minor">
+            <a:schemeClr val="tx1"/>
+          </a:fontRef>
+        </p:style>
+      </p:cxnSp>
+      <p:sp>
+        <p:nvSpPr>
+          <p:cNvPr id="88" name="TextBox 87"/>
+          <p:cNvSpPr txBox="1"/>
+          <p:nvPr/>
+        </p:nvSpPr>
+        <p:spPr>
+          <a:xfrm>
+            <a:off x="5299107" y="2085686"/>
+            <a:ext cx="524302" cy="246221"/>
+          </a:xfrm>
+          <a:prstGeom prst="rect">
+            <a:avLst/>
+          </a:prstGeom>
+          <a:noFill/>
+        </p:spPr>
+        <p:txBody>
+          <a:bodyPr wrap="none" rtlCol="0">
+            <a:spAutoFit/>
+          </a:bodyPr>
+          <a:lstStyle/>
+          <a:p>
+            <a:r>
+              <a:rPr lang="en-US" sz="1000" dirty="0" smtClean="0"/>
+              <a:t>H4.6.2</a:t>
+            </a:r>
+            <a:endParaRPr lang="en-US" sz="1000" dirty="0" smtClean="0"/>
+          </a:p>
+        </p:txBody>
+      </p:sp>
+      <p:sp>
+        <p:nvSpPr>
+          <p:cNvPr id="90" name="TextBox 89"/>
+          <p:cNvSpPr txBox="1"/>
+          <p:nvPr/>
+        </p:nvSpPr>
+        <p:spPr>
+          <a:xfrm>
+            <a:off x="5299107" y="3581218"/>
+            <a:ext cx="524302" cy="246221"/>
+          </a:xfrm>
+          <a:prstGeom prst="rect">
+            <a:avLst/>
+          </a:prstGeom>
+          <a:noFill/>
+        </p:spPr>
+        <p:txBody>
+          <a:bodyPr wrap="none" rtlCol="0">
+            <a:spAutoFit/>
+          </a:bodyPr>
+          <a:lstStyle/>
+          <a:p>
+            <a:r>
+              <a:rPr lang="en-US" sz="1000" dirty="0" smtClean="0"/>
+              <a:t>H4.6.3</a:t>
+            </a:r>
+            <a:endParaRPr lang="en-US" sz="1000" dirty="0" smtClean="0"/>
+          </a:p>
+        </p:txBody>
+      </p:sp>
+      <p:sp>
+        <p:nvSpPr>
+          <p:cNvPr id="91" name="TextBox 90"/>
+          <p:cNvSpPr txBox="1"/>
+          <p:nvPr/>
+        </p:nvSpPr>
+        <p:spPr>
+          <a:xfrm>
+            <a:off x="5106066" y="832755"/>
+            <a:ext cx="524302" cy="246221"/>
+          </a:xfrm>
+          <a:prstGeom prst="rect">
+            <a:avLst/>
+          </a:prstGeom>
+          <a:noFill/>
+        </p:spPr>
+        <p:txBody>
+          <a:bodyPr wrap="none" rtlCol="0">
+            <a:spAutoFit/>
+          </a:bodyPr>
+          <a:lstStyle/>
+          <a:p>
+            <a:r>
+              <a:rPr lang="en-US" sz="1000" dirty="0" smtClean="0"/>
+              <a:t>H4.6.1</a:t>
+            </a:r>
+            <a:endParaRPr lang="en-US" sz="1000" dirty="0" smtClean="0"/>
+          </a:p>
+        </p:txBody>
+      </p:sp>
+      <p:sp>
+        <p:nvSpPr>
+          <p:cNvPr id="92" name="TextBox 91"/>
+          <p:cNvSpPr txBox="1"/>
+          <p:nvPr/>
+        </p:nvSpPr>
+        <p:spPr>
+          <a:xfrm>
+            <a:off x="5299107" y="5172257"/>
+            <a:ext cx="524302" cy="246221"/>
+          </a:xfrm>
+          <a:prstGeom prst="rect">
+            <a:avLst/>
+          </a:prstGeom>
+          <a:noFill/>
+        </p:spPr>
+        <p:txBody>
+          <a:bodyPr wrap="none" rtlCol="0">
+            <a:spAutoFit/>
+          </a:bodyPr>
+          <a:lstStyle/>
+          <a:p>
+            <a:r>
+              <a:rPr lang="en-US" sz="1000" dirty="0" smtClean="0"/>
+              <a:t>H4.6.4</a:t>
+            </a:r>
+            <a:endParaRPr lang="en-US" sz="1000" dirty="0" smtClean="0"/>
+          </a:p>
+        </p:txBody>
+      </p:sp>
     </p:spTree>
     <p:extLst>
       <p:ext uri="{BB962C8B-B14F-4D97-AF65-F5344CB8AC3E}">
@@ -11739,7 +19779,7 @@
 </p:sld>
 </file>
 
-<file path=ppt/slides/slide13.xml><?xml version="1.0" encoding="utf-8"?>
+<file path=ppt/slides/slide15.xml><?xml version="1.0" encoding="utf-8"?>
 <p:sld xmlns:a="http://schemas.openxmlformats.org/drawingml/2006/main" xmlns:r="http://schemas.openxmlformats.org/officeDocument/2006/relationships" xmlns:p="http://schemas.openxmlformats.org/presentationml/2006/main">
   <p:cSld>
     <p:spTree>
@@ -13587,6 +21627,406 @@
           </a:graphicData>
         </a:graphic>
       </p:graphicFrame>
+      <p:graphicFrame>
+        <p:nvGraphicFramePr>
+          <p:cNvPr id="12" name="Table 11"/>
+          <p:cNvGraphicFramePr>
+            <a:graphicFrameLocks noGrp="1"/>
+          </p:cNvGraphicFramePr>
+          <p:nvPr>
+            <p:extLst>
+              <p:ext uri="{D42A27DB-BD31-4B8C-83A1-F6EECF244321}">
+                <p14:modId xmlns:p14="http://schemas.microsoft.com/office/powerpoint/2010/main" val="157007079"/>
+              </p:ext>
+            </p:extLst>
+          </p:nvPr>
+        </p:nvGraphicFramePr>
+        <p:xfrm>
+          <a:off x="1720850" y="4420570"/>
+          <a:ext cx="5702300" cy="1397000"/>
+        </p:xfrm>
+        <a:graphic>
+          <a:graphicData uri="http://schemas.openxmlformats.org/drawingml/2006/table">
+            <a:tbl>
+              <a:tblPr/>
+              <a:tblGrid>
+                <a:gridCol w="2311400"/>
+                <a:gridCol w="3390900"/>
+              </a:tblGrid>
+              <a:tr h="279400">
+                <a:tc>
+                  <a:txBody>
+                    <a:bodyPr/>
+                    <a:lstStyle/>
+                    <a:p>
+                      <a:pPr algn="l" fontAlgn="ctr"/>
+                      <a:r>
+                        <a:rPr lang="en-US" sz="1200" b="0" i="0" u="none" strike="noStrike">
+                          <a:solidFill>
+                            <a:srgbClr val="000000"/>
+                          </a:solidFill>
+                          <a:effectLst/>
+                          <a:latin typeface="Times New Roman"/>
+                        </a:rPr>
+                        <a:t>1. Services</a:t>
+                      </a:r>
+                    </a:p>
+                  </a:txBody>
+                  <a:tcPr marL="12700" marR="12700" marT="12700" marB="0" anchor="ctr">
+                    <a:lnL>
+                      <a:noFill/>
+                    </a:lnL>
+                    <a:lnR>
+                      <a:noFill/>
+                    </a:lnR>
+                    <a:lnT>
+                      <a:noFill/>
+                    </a:lnT>
+                    <a:lnB>
+                      <a:noFill/>
+                    </a:lnB>
+                    <a:solidFill>
+                      <a:srgbClr val="FFFFFF"/>
+                    </a:solidFill>
+                  </a:tcPr>
+                </a:tc>
+                <a:tc>
+                  <a:txBody>
+                    <a:bodyPr/>
+                    <a:lstStyle/>
+                    <a:p>
+                      <a:pPr algn="l" fontAlgn="ctr"/>
+                      <a:r>
+                        <a:rPr lang="en-US" sz="1200" b="0" i="0" u="none" strike="noStrike">
+                          <a:solidFill>
+                            <a:srgbClr val="000000"/>
+                          </a:solidFill>
+                          <a:effectLst/>
+                          <a:latin typeface="Times New Roman"/>
+                        </a:rPr>
+                        <a:t>6. Information Technology Services (IT Services)</a:t>
+                      </a:r>
+                    </a:p>
+                  </a:txBody>
+                  <a:tcPr marL="12700" marR="12700" marT="12700" marB="0" anchor="ctr">
+                    <a:lnL>
+                      <a:noFill/>
+                    </a:lnL>
+                    <a:lnR>
+                      <a:noFill/>
+                    </a:lnR>
+                    <a:lnT>
+                      <a:noFill/>
+                    </a:lnT>
+                    <a:lnB>
+                      <a:noFill/>
+                    </a:lnB>
+                    <a:solidFill>
+                      <a:srgbClr val="FFFFFF"/>
+                    </a:solidFill>
+                  </a:tcPr>
+                </a:tc>
+              </a:tr>
+              <a:tr h="279400">
+                <a:tc>
+                  <a:txBody>
+                    <a:bodyPr/>
+                    <a:lstStyle/>
+                    <a:p>
+                      <a:pPr algn="l" fontAlgn="ctr"/>
+                      <a:r>
+                        <a:rPr lang="en-US" sz="1200" b="0" i="0" u="none" strike="noStrike">
+                          <a:solidFill>
+                            <a:srgbClr val="000000"/>
+                          </a:solidFill>
+                          <a:effectLst/>
+                          <a:latin typeface="Times New Roman"/>
+                        </a:rPr>
+                        <a:t>2. Quality</a:t>
+                      </a:r>
+                    </a:p>
+                  </a:txBody>
+                  <a:tcPr marL="12700" marR="12700" marT="12700" marB="0" anchor="ctr">
+                    <a:lnL>
+                      <a:noFill/>
+                    </a:lnL>
+                    <a:lnR>
+                      <a:noFill/>
+                    </a:lnR>
+                    <a:lnT>
+                      <a:noFill/>
+                    </a:lnT>
+                    <a:lnB>
+                      <a:noFill/>
+                    </a:lnB>
+                    <a:solidFill>
+                      <a:srgbClr val="FFFFFF"/>
+                    </a:solidFill>
+                  </a:tcPr>
+                </a:tc>
+                <a:tc>
+                  <a:txBody>
+                    <a:bodyPr/>
+                    <a:lstStyle/>
+                    <a:p>
+                      <a:pPr algn="l" fontAlgn="ctr"/>
+                      <a:r>
+                        <a:rPr lang="en-US" sz="1200" b="0" i="0" u="none" strike="noStrike">
+                          <a:solidFill>
+                            <a:srgbClr val="000000"/>
+                          </a:solidFill>
+                          <a:effectLst/>
+                          <a:latin typeface="Times New Roman"/>
+                        </a:rPr>
+                        <a:t>7. Electronic-Commerce (e-commerce)</a:t>
+                      </a:r>
+                    </a:p>
+                  </a:txBody>
+                  <a:tcPr marL="12700" marR="12700" marT="12700" marB="0" anchor="ctr">
+                    <a:lnL>
+                      <a:noFill/>
+                    </a:lnL>
+                    <a:lnR>
+                      <a:noFill/>
+                    </a:lnR>
+                    <a:lnT>
+                      <a:noFill/>
+                    </a:lnT>
+                    <a:lnB>
+                      <a:noFill/>
+                    </a:lnB>
+                    <a:solidFill>
+                      <a:srgbClr val="FFFFFF"/>
+                    </a:solidFill>
+                  </a:tcPr>
+                </a:tc>
+              </a:tr>
+              <a:tr h="279400">
+                <a:tc>
+                  <a:txBody>
+                    <a:bodyPr/>
+                    <a:lstStyle/>
+                    <a:p>
+                      <a:pPr algn="l" fontAlgn="ctr"/>
+                      <a:r>
+                        <a:rPr lang="en-US" sz="1200" b="0" i="0" u="none" strike="noStrike">
+                          <a:solidFill>
+                            <a:srgbClr val="000000"/>
+                          </a:solidFill>
+                          <a:effectLst/>
+                          <a:latin typeface="Times New Roman"/>
+                        </a:rPr>
+                        <a:t>3. Quality of Service</a:t>
+                      </a:r>
+                    </a:p>
+                  </a:txBody>
+                  <a:tcPr marL="12700" marR="12700" marT="12700" marB="0" anchor="ctr">
+                    <a:lnL>
+                      <a:noFill/>
+                    </a:lnL>
+                    <a:lnR>
+                      <a:noFill/>
+                    </a:lnR>
+                    <a:lnT>
+                      <a:noFill/>
+                    </a:lnT>
+                    <a:lnB>
+                      <a:noFill/>
+                    </a:lnB>
+                    <a:solidFill>
+                      <a:srgbClr val="FFFFFF"/>
+                    </a:solidFill>
+                  </a:tcPr>
+                </a:tc>
+                <a:tc>
+                  <a:txBody>
+                    <a:bodyPr/>
+                    <a:lstStyle/>
+                    <a:p>
+                      <a:pPr algn="l" fontAlgn="ctr"/>
+                      <a:r>
+                        <a:rPr lang="en-US" sz="1200" b="0" i="0" u="none" strike="noStrike">
+                          <a:solidFill>
+                            <a:srgbClr val="000000"/>
+                          </a:solidFill>
+                          <a:effectLst/>
+                          <a:latin typeface="Times New Roman"/>
+                        </a:rPr>
+                        <a:t>8. Electronic-Government (e-government)</a:t>
+                      </a:r>
+                    </a:p>
+                  </a:txBody>
+                  <a:tcPr marL="12700" marR="12700" marT="12700" marB="0" anchor="ctr">
+                    <a:lnL>
+                      <a:noFill/>
+                    </a:lnL>
+                    <a:lnR>
+                      <a:noFill/>
+                    </a:lnR>
+                    <a:lnT>
+                      <a:noFill/>
+                    </a:lnT>
+                    <a:lnB>
+                      <a:noFill/>
+                    </a:lnB>
+                    <a:solidFill>
+                      <a:srgbClr val="FFFFFF"/>
+                    </a:solidFill>
+                  </a:tcPr>
+                </a:tc>
+              </a:tr>
+              <a:tr h="279400">
+                <a:tc>
+                  <a:txBody>
+                    <a:bodyPr/>
+                    <a:lstStyle/>
+                    <a:p>
+                      <a:pPr algn="l" fontAlgn="ctr"/>
+                      <a:r>
+                        <a:rPr lang="en-US" sz="1200" b="0" i="0" u="none" strike="noStrike">
+                          <a:solidFill>
+                            <a:srgbClr val="000000"/>
+                          </a:solidFill>
+                          <a:effectLst/>
+                          <a:latin typeface="Times New Roman"/>
+                        </a:rPr>
+                        <a:t>4. Electronic-Services (e-services)</a:t>
+                      </a:r>
+                    </a:p>
+                  </a:txBody>
+                  <a:tcPr marL="12700" marR="12700" marT="12700" marB="0" anchor="ctr">
+                    <a:lnL>
+                      <a:noFill/>
+                    </a:lnL>
+                    <a:lnR>
+                      <a:noFill/>
+                    </a:lnR>
+                    <a:lnT>
+                      <a:noFill/>
+                    </a:lnT>
+                    <a:lnB>
+                      <a:noFill/>
+                    </a:lnB>
+                    <a:solidFill>
+                      <a:srgbClr val="FFFFFF"/>
+                    </a:solidFill>
+                  </a:tcPr>
+                </a:tc>
+                <a:tc>
+                  <a:txBody>
+                    <a:bodyPr/>
+                    <a:lstStyle/>
+                    <a:p>
+                      <a:pPr algn="l" fontAlgn="ctr"/>
+                      <a:r>
+                        <a:rPr lang="en-US" sz="1200" b="0" i="0" u="none" strike="noStrike">
+                          <a:solidFill>
+                            <a:srgbClr val="000000"/>
+                          </a:solidFill>
+                          <a:effectLst/>
+                          <a:latin typeface="Times New Roman"/>
+                        </a:rPr>
+                        <a:t>9. Electronic-Infrastructure (e-infrastructure)</a:t>
+                      </a:r>
+                    </a:p>
+                  </a:txBody>
+                  <a:tcPr marL="12700" marR="12700" marT="12700" marB="0" anchor="ctr">
+                    <a:lnL>
+                      <a:noFill/>
+                    </a:lnL>
+                    <a:lnR>
+                      <a:noFill/>
+                    </a:lnR>
+                    <a:lnT>
+                      <a:noFill/>
+                    </a:lnT>
+                    <a:lnB>
+                      <a:noFill/>
+                    </a:lnB>
+                    <a:solidFill>
+                      <a:srgbClr val="FFFFFF"/>
+                    </a:solidFill>
+                  </a:tcPr>
+                </a:tc>
+              </a:tr>
+              <a:tr h="279400">
+                <a:tc>
+                  <a:txBody>
+                    <a:bodyPr/>
+                    <a:lstStyle/>
+                    <a:p>
+                      <a:pPr algn="l" fontAlgn="ctr"/>
+                      <a:r>
+                        <a:rPr lang="en-US" sz="1200" b="0" i="0" u="none" strike="noStrike">
+                          <a:solidFill>
+                            <a:srgbClr val="000000"/>
+                          </a:solidFill>
+                          <a:effectLst/>
+                          <a:latin typeface="Times New Roman"/>
+                        </a:rPr>
+                        <a:t>5. Quality of e-services</a:t>
+                      </a:r>
+                    </a:p>
+                  </a:txBody>
+                  <a:tcPr marL="12700" marR="12700" marT="12700" marB="0" anchor="ctr">
+                    <a:lnL>
+                      <a:noFill/>
+                    </a:lnL>
+                    <a:lnR>
+                      <a:noFill/>
+                    </a:lnR>
+                    <a:lnT>
+                      <a:noFill/>
+                    </a:lnT>
+                    <a:lnB>
+                      <a:noFill/>
+                    </a:lnB>
+                    <a:solidFill>
+                      <a:srgbClr val="FFFFFF"/>
+                    </a:solidFill>
+                  </a:tcPr>
+                </a:tc>
+                <a:tc>
+                  <a:txBody>
+                    <a:bodyPr/>
+                    <a:lstStyle/>
+                    <a:p>
+                      <a:pPr algn="l" fontAlgn="ctr"/>
+                      <a:r>
+                        <a:rPr lang="en-US" sz="1200" b="0" i="0" u="none" strike="noStrike" dirty="0">
+                          <a:solidFill>
+                            <a:srgbClr val="000000"/>
+                          </a:solidFill>
+                          <a:effectLst/>
+                          <a:latin typeface="Times New Roman"/>
+                        </a:rPr>
+                        <a:t>10. E-services Providers</a:t>
+                      </a:r>
+                    </a:p>
+                  </a:txBody>
+                  <a:tcPr marL="12700" marR="12700" marT="12700" marB="0" anchor="ctr">
+                    <a:lnL>
+                      <a:noFill/>
+                    </a:lnL>
+                    <a:lnR>
+                      <a:noFill/>
+                    </a:lnR>
+                    <a:lnT>
+                      <a:noFill/>
+                    </a:lnT>
+                    <a:lnB>
+                      <a:noFill/>
+                    </a:lnB>
+                    <a:solidFill>
+                      <a:srgbClr val="FFFFFF"/>
+                    </a:solidFill>
+                  </a:tcPr>
+                </a:tc>
+              </a:tr>
+            </a:tbl>
+          </a:graphicData>
+        </a:graphic>
+      </p:graphicFrame>
     </p:spTree>
     <p:extLst>
       <p:ext uri="{BB962C8B-B14F-4D97-AF65-F5344CB8AC3E}">

--- a/model.pptx
+++ b/model.pptx
@@ -3842,7 +3842,7 @@
           <a:graphicData uri="http://schemas.openxmlformats.org/presentationml/2006/ole">
             <mc:AlternateContent xmlns:mc="http://schemas.openxmlformats.org/markup-compatibility/2006">
               <mc:Choice xmlns:v="urn:schemas-microsoft-com:vml" Requires="v">
-                <p:oleObj spid="_x0000_s1067" name="Equation" r:id="rId3" imgW="3771900" imgH="203200" progId="Equation.3">
+                <p:oleObj spid="_x0000_s1068" name="Equation" r:id="rId3" imgW="3771900" imgH="203200" progId="Equation.3">
                   <p:embed/>
                 </p:oleObj>
               </mc:Choice>
@@ -6906,7 +6906,7 @@
         </p:nvSpPr>
         <p:spPr>
           <a:xfrm>
-            <a:off x="5299107" y="3286812"/>
+            <a:off x="5299107" y="3299640"/>
             <a:ext cx="975359" cy="254000"/>
           </a:xfrm>
           <a:prstGeom prst="roundRect">
@@ -7328,7 +7328,7 @@
         <p:spPr>
           <a:xfrm>
             <a:off x="4115428" y="1488441"/>
-            <a:ext cx="1183679" cy="1925371"/>
+            <a:ext cx="1183679" cy="1938199"/>
           </a:xfrm>
           <a:prstGeom prst="line">
             <a:avLst/>
@@ -7361,7 +7361,7 @@
         <p:spPr>
           <a:xfrm>
             <a:off x="4115428" y="660400"/>
-            <a:ext cx="1183679" cy="2753412"/>
+            <a:ext cx="1183679" cy="2766240"/>
           </a:xfrm>
           <a:prstGeom prst="line">
             <a:avLst/>
@@ -7426,8 +7426,8 @@
         </p:nvCxnSpPr>
         <p:spPr>
           <a:xfrm flipV="1">
-            <a:off x="4091272" y="3413812"/>
-            <a:ext cx="1207835" cy="1418871"/>
+            <a:off x="4091272" y="3426640"/>
+            <a:ext cx="1207835" cy="1406043"/>
           </a:xfrm>
           <a:prstGeom prst="line">
             <a:avLst/>
@@ -8555,7 +8555,7 @@
         <p:spPr>
           <a:xfrm flipH="1">
             <a:off x="6274466" y="3063641"/>
-            <a:ext cx="396554" cy="350171"/>
+            <a:ext cx="396554" cy="362999"/>
           </a:xfrm>
           <a:prstGeom prst="line">
             <a:avLst/>
@@ -8745,7 +8745,7 @@
         <p:spPr>
           <a:xfrm flipH="1">
             <a:off x="6274466" y="2705500"/>
-            <a:ext cx="396554" cy="708312"/>
+            <a:ext cx="396554" cy="721140"/>
           </a:xfrm>
           <a:prstGeom prst="line">
             <a:avLst/>
@@ -8777,8 +8777,8 @@
         </p:nvCxnSpPr>
         <p:spPr>
           <a:xfrm flipH="1" flipV="1">
-            <a:off x="6274466" y="3413812"/>
-            <a:ext cx="366074" cy="404206"/>
+            <a:off x="6274466" y="3426640"/>
+            <a:ext cx="366074" cy="391378"/>
           </a:xfrm>
           <a:prstGeom prst="line">
             <a:avLst/>
@@ -8810,8 +8810,8 @@
         </p:nvCxnSpPr>
         <p:spPr>
           <a:xfrm flipH="1" flipV="1">
-            <a:off x="6274466" y="3413812"/>
-            <a:ext cx="381315" cy="21938"/>
+            <a:off x="6274466" y="3426640"/>
+            <a:ext cx="381315" cy="9110"/>
           </a:xfrm>
           <a:prstGeom prst="line">
             <a:avLst/>
@@ -8843,8 +8843,8 @@
         </p:nvCxnSpPr>
         <p:spPr>
           <a:xfrm flipH="1" flipV="1">
-            <a:off x="6274466" y="3413812"/>
-            <a:ext cx="371154" cy="910553"/>
+            <a:off x="6274466" y="3426640"/>
+            <a:ext cx="371154" cy="897725"/>
           </a:xfrm>
           <a:prstGeom prst="line">
             <a:avLst/>
@@ -9260,7 +9260,7 @@
         </p:nvSpPr>
         <p:spPr>
           <a:xfrm>
-            <a:off x="2753987" y="3243954"/>
+            <a:off x="2753987" y="3205470"/>
             <a:ext cx="1361441" cy="460375"/>
           </a:xfrm>
           <a:prstGeom prst="roundRect">
@@ -9309,7 +9309,7 @@
         <p:spPr>
           <a:xfrm flipV="1">
             <a:off x="4115428" y="640715"/>
-            <a:ext cx="990638" cy="2833427"/>
+            <a:ext cx="990638" cy="2794943"/>
           </a:xfrm>
           <a:prstGeom prst="line">
             <a:avLst/>
@@ -9342,7 +9342,7 @@
         <p:spPr>
           <a:xfrm flipV="1">
             <a:off x="4115428" y="1905660"/>
-            <a:ext cx="1183679" cy="1568482"/>
+            <a:ext cx="1183679" cy="1529998"/>
           </a:xfrm>
           <a:prstGeom prst="line">
             <a:avLst/>
@@ -9374,8 +9374,8 @@
         </p:nvCxnSpPr>
         <p:spPr>
           <a:xfrm flipV="1">
-            <a:off x="4115428" y="3413812"/>
-            <a:ext cx="1183679" cy="60330"/>
+            <a:off x="4115428" y="3426640"/>
+            <a:ext cx="1183679" cy="9018"/>
           </a:xfrm>
           <a:prstGeom prst="line">
             <a:avLst/>
@@ -9407,8 +9407,8 @@
         </p:nvCxnSpPr>
         <p:spPr>
           <a:xfrm>
-            <a:off x="4115428" y="3474142"/>
-            <a:ext cx="1183679" cy="2129205"/>
+            <a:off x="4115428" y="3435658"/>
+            <a:ext cx="1183679" cy="2167689"/>
           </a:xfrm>
           <a:prstGeom prst="line">
             <a:avLst/>
@@ -9437,7 +9437,7 @@
         </p:nvSpPr>
         <p:spPr>
           <a:xfrm>
-            <a:off x="2825108" y="3327775"/>
+            <a:off x="2825108" y="3289291"/>
             <a:ext cx="1209040" cy="294640"/>
           </a:xfrm>
           <a:prstGeom prst="roundRect">
@@ -9840,7 +9840,7 @@
         <p:spPr>
           <a:xfrm>
             <a:off x="2261623" y="1885632"/>
-            <a:ext cx="492364" cy="1588510"/>
+            <a:ext cx="492364" cy="1550026"/>
           </a:xfrm>
           <a:prstGeom prst="line">
             <a:avLst/>
@@ -9921,8 +9921,8 @@
         </p:nvCxnSpPr>
         <p:spPr>
           <a:xfrm flipV="1">
-            <a:off x="2326300" y="3475095"/>
-            <a:ext cx="498808" cy="1355208"/>
+            <a:off x="2326300" y="3436611"/>
+            <a:ext cx="498808" cy="1393692"/>
           </a:xfrm>
           <a:prstGeom prst="line">
             <a:avLst/>

--- a/model.pptx
+++ b/model.pptx
@@ -9,17 +9,20 @@
     <p:sldId id="267" r:id="rId3"/>
     <p:sldId id="259" r:id="rId4"/>
     <p:sldId id="266" r:id="rId5"/>
-    <p:sldId id="261" r:id="rId6"/>
-    <p:sldId id="265" r:id="rId7"/>
-    <p:sldId id="269" r:id="rId8"/>
-    <p:sldId id="268" r:id="rId9"/>
-    <p:sldId id="274" r:id="rId10"/>
-    <p:sldId id="270" r:id="rId11"/>
-    <p:sldId id="271" r:id="rId12"/>
-    <p:sldId id="275" r:id="rId13"/>
-    <p:sldId id="276" r:id="rId14"/>
-    <p:sldId id="272" r:id="rId15"/>
-    <p:sldId id="273" r:id="rId16"/>
+    <p:sldId id="278" r:id="rId6"/>
+    <p:sldId id="261" r:id="rId7"/>
+    <p:sldId id="265" r:id="rId8"/>
+    <p:sldId id="269" r:id="rId9"/>
+    <p:sldId id="268" r:id="rId10"/>
+    <p:sldId id="274" r:id="rId11"/>
+    <p:sldId id="270" r:id="rId12"/>
+    <p:sldId id="271" r:id="rId13"/>
+    <p:sldId id="275" r:id="rId14"/>
+    <p:sldId id="276" r:id="rId15"/>
+    <p:sldId id="272" r:id="rId16"/>
+    <p:sldId id="273" r:id="rId17"/>
+    <p:sldId id="277" r:id="rId18"/>
+    <p:sldId id="279" r:id="rId19"/>
   </p:sldIdLst>
   <p:sldSz cx="9144000" cy="6858000" type="screen4x3"/>
   <p:notesSz cx="6858000" cy="9144000"/>
@@ -3842,7 +3845,7 @@
           <a:graphicData uri="http://schemas.openxmlformats.org/presentationml/2006/ole">
             <mc:AlternateContent xmlns:mc="http://schemas.openxmlformats.org/markup-compatibility/2006">
               <mc:Choice xmlns:v="urn:schemas-microsoft-com:vml" Requires="v">
-                <p:oleObj spid="_x0000_s1068" name="Equation" r:id="rId3" imgW="3771900" imgH="203200" progId="Equation.3">
+                <p:oleObj spid="_x0000_s1075" name="Equation" r:id="rId3" imgW="3771900" imgH="203200" progId="Equation.3">
                   <p:embed/>
                 </p:oleObj>
               </mc:Choice>
@@ -3898,6 +3901,2501 @@
 </file>
 
 <file path=ppt/slides/slide10.xml><?xml version="1.0" encoding="utf-8"?>
+<p:sld xmlns:a="http://schemas.openxmlformats.org/drawingml/2006/main" xmlns:r="http://schemas.openxmlformats.org/officeDocument/2006/relationships" xmlns:p="http://schemas.openxmlformats.org/presentationml/2006/main">
+  <p:cSld>
+    <p:spTree>
+      <p:nvGrpSpPr>
+        <p:cNvPr id="1" name=""/>
+        <p:cNvGrpSpPr/>
+        <p:nvPr/>
+      </p:nvGrpSpPr>
+      <p:grpSpPr>
+        <a:xfrm>
+          <a:off x="0" y="0"/>
+          <a:ext cx="0" cy="0"/>
+          <a:chOff x="0" y="0"/>
+          <a:chExt cx="0" cy="0"/>
+        </a:xfrm>
+      </p:grpSpPr>
+      <p:sp>
+        <p:nvSpPr>
+          <p:cNvPr id="112" name="TextBox 111"/>
+          <p:cNvSpPr txBox="1"/>
+          <p:nvPr/>
+        </p:nvSpPr>
+        <p:spPr>
+          <a:xfrm rot="16200000">
+            <a:off x="-451556" y="2095784"/>
+            <a:ext cx="2903359" cy="646331"/>
+          </a:xfrm>
+          <a:prstGeom prst="rect">
+            <a:avLst/>
+          </a:prstGeom>
+          <a:noFill/>
+        </p:spPr>
+        <p:txBody>
+          <a:bodyPr wrap="none" rtlCol="0">
+            <a:spAutoFit/>
+          </a:bodyPr>
+          <a:lstStyle/>
+          <a:p>
+            <a:r>
+              <a:rPr lang="en-US" dirty="0" smtClean="0"/>
+              <a:t>DIMENSIONS, COMPONENTS</a:t>
+            </a:r>
+          </a:p>
+          <a:p>
+            <a:r>
+              <a:rPr lang="en-US" dirty="0" smtClean="0"/>
+              <a:t>AND RELATIONSHIPS</a:t>
+            </a:r>
+          </a:p>
+        </p:txBody>
+      </p:sp>
+      <p:sp>
+        <p:nvSpPr>
+          <p:cNvPr id="54" name="Rounded Rectangle 53"/>
+          <p:cNvSpPr/>
+          <p:nvPr/>
+        </p:nvSpPr>
+        <p:spPr>
+          <a:xfrm>
+            <a:off x="4941700" y="501015"/>
+            <a:ext cx="1239519" cy="279400"/>
+          </a:xfrm>
+          <a:prstGeom prst="roundRect">
+            <a:avLst>
+              <a:gd name="adj" fmla="val 50000"/>
+            </a:avLst>
+          </a:prstGeom>
+        </p:spPr>
+        <p:style>
+          <a:lnRef idx="2">
+            <a:schemeClr val="accent1"/>
+          </a:lnRef>
+          <a:fillRef idx="1">
+            <a:schemeClr val="lt1"/>
+          </a:fillRef>
+          <a:effectRef idx="0">
+            <a:schemeClr val="accent1"/>
+          </a:effectRef>
+          <a:fontRef idx="minor">
+            <a:schemeClr val="dk1"/>
+          </a:fontRef>
+        </p:style>
+        <p:txBody>
+          <a:bodyPr rtlCol="0" anchor="ctr"/>
+          <a:lstStyle/>
+          <a:p>
+            <a:pPr algn="ctr"/>
+            <a:r>
+              <a:rPr lang="en-US" sz="1200" dirty="0" smtClean="0"/>
+              <a:t>ACCESSIBILITY</a:t>
+            </a:r>
+            <a:endParaRPr lang="en-US" sz="1200" dirty="0"/>
+          </a:p>
+        </p:txBody>
+      </p:sp>
+      <p:sp>
+        <p:nvSpPr>
+          <p:cNvPr id="55" name="Rounded Rectangle 54"/>
+          <p:cNvSpPr/>
+          <p:nvPr/>
+        </p:nvSpPr>
+        <p:spPr>
+          <a:xfrm>
+            <a:off x="5134741" y="1778660"/>
+            <a:ext cx="975359" cy="254000"/>
+          </a:xfrm>
+          <a:prstGeom prst="roundRect">
+            <a:avLst>
+              <a:gd name="adj" fmla="val 50000"/>
+            </a:avLst>
+          </a:prstGeom>
+        </p:spPr>
+        <p:style>
+          <a:lnRef idx="2">
+            <a:schemeClr val="accent1"/>
+          </a:lnRef>
+          <a:fillRef idx="1">
+            <a:schemeClr val="lt1"/>
+          </a:fillRef>
+          <a:effectRef idx="0">
+            <a:schemeClr val="accent1"/>
+          </a:effectRef>
+          <a:fontRef idx="minor">
+            <a:schemeClr val="dk1"/>
+          </a:fontRef>
+        </p:style>
+        <p:txBody>
+          <a:bodyPr rtlCol="0" anchor="ctr"/>
+          <a:lstStyle/>
+          <a:p>
+            <a:pPr algn="ctr"/>
+            <a:r>
+              <a:rPr lang="en-US" sz="1200" dirty="0" smtClean="0"/>
+              <a:t>USABILITY</a:t>
+            </a:r>
+            <a:endParaRPr lang="en-US" sz="1200" dirty="0"/>
+          </a:p>
+        </p:txBody>
+      </p:sp>
+      <p:sp>
+        <p:nvSpPr>
+          <p:cNvPr id="56" name="Rounded Rectangle 55"/>
+          <p:cNvSpPr/>
+          <p:nvPr/>
+        </p:nvSpPr>
+        <p:spPr>
+          <a:xfrm>
+            <a:off x="5134741" y="3286812"/>
+            <a:ext cx="975359" cy="254000"/>
+          </a:xfrm>
+          <a:prstGeom prst="roundRect">
+            <a:avLst>
+              <a:gd name="adj" fmla="val 50000"/>
+            </a:avLst>
+          </a:prstGeom>
+        </p:spPr>
+        <p:style>
+          <a:lnRef idx="2">
+            <a:schemeClr val="accent1"/>
+          </a:lnRef>
+          <a:fillRef idx="1">
+            <a:schemeClr val="lt1"/>
+          </a:fillRef>
+          <a:effectRef idx="0">
+            <a:schemeClr val="accent1"/>
+          </a:effectRef>
+          <a:fontRef idx="minor">
+            <a:schemeClr val="dk1"/>
+          </a:fontRef>
+        </p:style>
+        <p:txBody>
+          <a:bodyPr rtlCol="0" anchor="ctr"/>
+          <a:lstStyle/>
+          <a:p>
+            <a:pPr algn="ctr"/>
+            <a:r>
+              <a:rPr lang="en-US" sz="1200" dirty="0" smtClean="0"/>
+              <a:t>EFFICIENCY</a:t>
+            </a:r>
+            <a:endParaRPr lang="en-US" sz="1200" dirty="0"/>
+          </a:p>
+        </p:txBody>
+      </p:sp>
+      <p:sp>
+        <p:nvSpPr>
+          <p:cNvPr id="57" name="Rounded Rectangle 56"/>
+          <p:cNvSpPr/>
+          <p:nvPr/>
+        </p:nvSpPr>
+        <p:spPr>
+          <a:xfrm>
+            <a:off x="5134741" y="5476347"/>
+            <a:ext cx="975359" cy="254000"/>
+          </a:xfrm>
+          <a:prstGeom prst="roundRect">
+            <a:avLst>
+              <a:gd name="adj" fmla="val 50000"/>
+            </a:avLst>
+          </a:prstGeom>
+        </p:spPr>
+        <p:style>
+          <a:lnRef idx="2">
+            <a:schemeClr val="accent1"/>
+          </a:lnRef>
+          <a:fillRef idx="1">
+            <a:schemeClr val="lt1"/>
+          </a:fillRef>
+          <a:effectRef idx="0">
+            <a:schemeClr val="accent1"/>
+          </a:effectRef>
+          <a:fontRef idx="minor">
+            <a:schemeClr val="dk1"/>
+          </a:fontRef>
+        </p:style>
+        <p:txBody>
+          <a:bodyPr rtlCol="0" anchor="ctr"/>
+          <a:lstStyle/>
+          <a:p>
+            <a:pPr algn="ctr"/>
+            <a:r>
+              <a:rPr lang="en-US" sz="1200" dirty="0" smtClean="0"/>
+              <a:t>SECURITY</a:t>
+            </a:r>
+            <a:endParaRPr lang="en-US" sz="1200" dirty="0"/>
+          </a:p>
+        </p:txBody>
+      </p:sp>
+      <p:sp>
+        <p:nvSpPr>
+          <p:cNvPr id="58" name="Rounded Rectangle 57"/>
+          <p:cNvSpPr/>
+          <p:nvPr/>
+        </p:nvSpPr>
+        <p:spPr>
+          <a:xfrm>
+            <a:off x="6770502" y="866468"/>
+            <a:ext cx="1619998" cy="287997"/>
+          </a:xfrm>
+          <a:prstGeom prst="roundRect">
+            <a:avLst>
+              <a:gd name="adj" fmla="val 0"/>
+            </a:avLst>
+          </a:prstGeom>
+          <a:solidFill>
+            <a:schemeClr val="lt1"/>
+          </a:solidFill>
+          <a:ln w="12700"/>
+        </p:spPr>
+        <p:style>
+          <a:lnRef idx="2">
+            <a:schemeClr val="dk1"/>
+          </a:lnRef>
+          <a:fillRef idx="1">
+            <a:schemeClr val="lt1"/>
+          </a:fillRef>
+          <a:effectRef idx="0">
+            <a:schemeClr val="dk1"/>
+          </a:effectRef>
+          <a:fontRef idx="minor">
+            <a:schemeClr val="dk1"/>
+          </a:fontRef>
+        </p:style>
+        <p:txBody>
+          <a:bodyPr rtlCol="0" anchor="ctr"/>
+          <a:lstStyle/>
+          <a:p>
+            <a:pPr algn="ctr"/>
+            <a:r>
+              <a:rPr lang="en-US" sz="1000" dirty="0" smtClean="0"/>
+              <a:t>Operability</a:t>
+            </a:r>
+            <a:endParaRPr lang="en-US" sz="1000" dirty="0"/>
+          </a:p>
+        </p:txBody>
+      </p:sp>
+      <p:sp>
+        <p:nvSpPr>
+          <p:cNvPr id="59" name="Rounded Rectangle 58"/>
+          <p:cNvSpPr/>
+          <p:nvPr/>
+        </p:nvSpPr>
+        <p:spPr>
+          <a:xfrm>
+            <a:off x="6770502" y="189865"/>
+            <a:ext cx="772159" cy="227330"/>
+          </a:xfrm>
+          <a:prstGeom prst="roundRect">
+            <a:avLst>
+              <a:gd name="adj" fmla="val 0"/>
+            </a:avLst>
+          </a:prstGeom>
+          <a:solidFill>
+            <a:schemeClr val="lt1"/>
+          </a:solidFill>
+          <a:ln w="12700"/>
+        </p:spPr>
+        <p:style>
+          <a:lnRef idx="2">
+            <a:schemeClr val="dk1"/>
+          </a:lnRef>
+          <a:fillRef idx="1">
+            <a:schemeClr val="lt1"/>
+          </a:fillRef>
+          <a:effectRef idx="0">
+            <a:schemeClr val="dk1"/>
+          </a:effectRef>
+          <a:fontRef idx="minor">
+            <a:schemeClr val="dk1"/>
+          </a:fontRef>
+        </p:style>
+        <p:txBody>
+          <a:bodyPr rtlCol="0" anchor="ctr"/>
+          <a:lstStyle/>
+          <a:p>
+            <a:pPr algn="ctr"/>
+            <a:r>
+              <a:rPr lang="en-US" sz="1000" dirty="0" smtClean="0"/>
+              <a:t>Availability</a:t>
+            </a:r>
+            <a:endParaRPr lang="en-US" sz="1000" dirty="0"/>
+          </a:p>
+        </p:txBody>
+      </p:sp>
+      <p:sp>
+        <p:nvSpPr>
+          <p:cNvPr id="60" name="Rounded Rectangle 59"/>
+          <p:cNvSpPr/>
+          <p:nvPr/>
+        </p:nvSpPr>
+        <p:spPr>
+          <a:xfrm>
+            <a:off x="6760342" y="531495"/>
+            <a:ext cx="772159" cy="227330"/>
+          </a:xfrm>
+          <a:prstGeom prst="roundRect">
+            <a:avLst>
+              <a:gd name="adj" fmla="val 0"/>
+            </a:avLst>
+          </a:prstGeom>
+          <a:solidFill>
+            <a:schemeClr val="lt1"/>
+          </a:solidFill>
+          <a:ln w="12700"/>
+        </p:spPr>
+        <p:style>
+          <a:lnRef idx="2">
+            <a:schemeClr val="dk1"/>
+          </a:lnRef>
+          <a:fillRef idx="1">
+            <a:schemeClr val="lt1"/>
+          </a:fillRef>
+          <a:effectRef idx="0">
+            <a:schemeClr val="dk1"/>
+          </a:effectRef>
+          <a:fontRef idx="minor">
+            <a:schemeClr val="dk1"/>
+          </a:fontRef>
+        </p:style>
+        <p:txBody>
+          <a:bodyPr rtlCol="0" anchor="ctr"/>
+          <a:lstStyle/>
+          <a:p>
+            <a:pPr algn="ctr"/>
+            <a:r>
+              <a:rPr lang="en-US" sz="1000" dirty="0" smtClean="0"/>
+              <a:t>Maturity</a:t>
+            </a:r>
+            <a:endParaRPr lang="en-US" sz="1000" dirty="0"/>
+          </a:p>
+        </p:txBody>
+      </p:sp>
+      <p:sp>
+        <p:nvSpPr>
+          <p:cNvPr id="61" name="Rounded Rectangle 60"/>
+          <p:cNvSpPr/>
+          <p:nvPr/>
+        </p:nvSpPr>
+        <p:spPr>
+          <a:xfrm>
+            <a:off x="6699382" y="1392581"/>
+            <a:ext cx="1780539" cy="264160"/>
+          </a:xfrm>
+          <a:prstGeom prst="roundRect">
+            <a:avLst>
+              <a:gd name="adj" fmla="val 0"/>
+            </a:avLst>
+          </a:prstGeom>
+          <a:solidFill>
+            <a:schemeClr val="lt1"/>
+          </a:solidFill>
+          <a:ln w="12700"/>
+        </p:spPr>
+        <p:style>
+          <a:lnRef idx="2">
+            <a:schemeClr val="dk1"/>
+          </a:lnRef>
+          <a:fillRef idx="1">
+            <a:schemeClr val="lt1"/>
+          </a:fillRef>
+          <a:effectRef idx="0">
+            <a:schemeClr val="dk1"/>
+          </a:effectRef>
+          <a:fontRef idx="minor">
+            <a:schemeClr val="dk1"/>
+          </a:fontRef>
+        </p:style>
+        <p:txBody>
+          <a:bodyPr rtlCol="0" anchor="ctr"/>
+          <a:lstStyle/>
+          <a:p>
+            <a:pPr algn="ctr"/>
+            <a:r>
+              <a:rPr lang="en-US" sz="1000" dirty="0" smtClean="0"/>
+              <a:t>Ease of Use</a:t>
+            </a:r>
+            <a:endParaRPr lang="en-US" sz="1000" dirty="0"/>
+          </a:p>
+        </p:txBody>
+      </p:sp>
+      <p:sp>
+        <p:nvSpPr>
+          <p:cNvPr id="62" name="Rounded Rectangle 61"/>
+          <p:cNvSpPr/>
+          <p:nvPr/>
+        </p:nvSpPr>
+        <p:spPr>
+          <a:xfrm>
+            <a:off x="6699382" y="1706877"/>
+            <a:ext cx="1066800" cy="367664"/>
+          </a:xfrm>
+          <a:prstGeom prst="roundRect">
+            <a:avLst>
+              <a:gd name="adj" fmla="val 0"/>
+            </a:avLst>
+          </a:prstGeom>
+          <a:solidFill>
+            <a:schemeClr val="lt1"/>
+          </a:solidFill>
+          <a:ln w="12700"/>
+        </p:spPr>
+        <p:style>
+          <a:lnRef idx="2">
+            <a:schemeClr val="dk1"/>
+          </a:lnRef>
+          <a:fillRef idx="1">
+            <a:schemeClr val="lt1"/>
+          </a:fillRef>
+          <a:effectRef idx="0">
+            <a:schemeClr val="dk1"/>
+          </a:effectRef>
+          <a:fontRef idx="minor">
+            <a:schemeClr val="dk1"/>
+          </a:fontRef>
+        </p:style>
+        <p:txBody>
+          <a:bodyPr rtlCol="0" anchor="ctr"/>
+          <a:lstStyle/>
+          <a:p>
+            <a:pPr algn="ctr"/>
+            <a:r>
+              <a:rPr lang="en-US" sz="1000" dirty="0" smtClean="0"/>
+              <a:t>Learnability</a:t>
+            </a:r>
+            <a:endParaRPr lang="en-US" sz="1000" dirty="0"/>
+          </a:p>
+        </p:txBody>
+      </p:sp>
+      <p:sp>
+        <p:nvSpPr>
+          <p:cNvPr id="63" name="Rounded Rectangle 62"/>
+          <p:cNvSpPr/>
+          <p:nvPr/>
+        </p:nvSpPr>
+        <p:spPr>
+          <a:xfrm>
+            <a:off x="6699382" y="2142515"/>
+            <a:ext cx="1494679" cy="305726"/>
+          </a:xfrm>
+          <a:prstGeom prst="roundRect">
+            <a:avLst>
+              <a:gd name="adj" fmla="val 0"/>
+            </a:avLst>
+          </a:prstGeom>
+          <a:solidFill>
+            <a:schemeClr val="lt1"/>
+          </a:solidFill>
+          <a:ln w="12700"/>
+        </p:spPr>
+        <p:style>
+          <a:lnRef idx="2">
+            <a:schemeClr val="dk1"/>
+          </a:lnRef>
+          <a:fillRef idx="1">
+            <a:schemeClr val="lt1"/>
+          </a:fillRef>
+          <a:effectRef idx="0">
+            <a:schemeClr val="dk1"/>
+          </a:effectRef>
+          <a:fontRef idx="minor">
+            <a:schemeClr val="dk1"/>
+          </a:fontRef>
+        </p:style>
+        <p:txBody>
+          <a:bodyPr rtlCol="0" anchor="ctr"/>
+          <a:lstStyle/>
+          <a:p>
+            <a:pPr algn="ctr"/>
+            <a:r>
+              <a:rPr lang="en-US" sz="1000" dirty="0" smtClean="0"/>
+              <a:t>User interface aesthetics</a:t>
+            </a:r>
+            <a:endParaRPr lang="en-US" sz="1000" dirty="0"/>
+          </a:p>
+        </p:txBody>
+      </p:sp>
+      <p:sp>
+        <p:nvSpPr>
+          <p:cNvPr id="64" name="Rounded Rectangle 63"/>
+          <p:cNvSpPr/>
+          <p:nvPr/>
+        </p:nvSpPr>
+        <p:spPr>
+          <a:xfrm>
+            <a:off x="6628262" y="2925210"/>
+            <a:ext cx="2065978" cy="276861"/>
+          </a:xfrm>
+          <a:prstGeom prst="roundRect">
+            <a:avLst>
+              <a:gd name="adj" fmla="val 0"/>
+            </a:avLst>
+          </a:prstGeom>
+          <a:solidFill>
+            <a:schemeClr val="lt1"/>
+          </a:solidFill>
+          <a:ln w="12700"/>
+        </p:spPr>
+        <p:style>
+          <a:lnRef idx="2">
+            <a:schemeClr val="dk1"/>
+          </a:lnRef>
+          <a:fillRef idx="1">
+            <a:schemeClr val="lt1"/>
+          </a:fillRef>
+          <a:effectRef idx="0">
+            <a:schemeClr val="dk1"/>
+          </a:effectRef>
+          <a:fontRef idx="minor">
+            <a:schemeClr val="dk1"/>
+          </a:fontRef>
+        </p:style>
+        <p:txBody>
+          <a:bodyPr rtlCol="0" anchor="ctr"/>
+          <a:lstStyle/>
+          <a:p>
+            <a:pPr algn="ctr"/>
+            <a:r>
+              <a:rPr lang="en-US" sz="1000" dirty="0" smtClean="0"/>
+              <a:t>Responsiveness</a:t>
+            </a:r>
+            <a:endParaRPr lang="en-US" sz="1000" dirty="0"/>
+          </a:p>
+        </p:txBody>
+      </p:sp>
+      <p:sp>
+        <p:nvSpPr>
+          <p:cNvPr id="65" name="Rounded Rectangle 64"/>
+          <p:cNvSpPr/>
+          <p:nvPr/>
+        </p:nvSpPr>
+        <p:spPr>
+          <a:xfrm>
+            <a:off x="6597782" y="3685938"/>
+            <a:ext cx="1396998" cy="264160"/>
+          </a:xfrm>
+          <a:prstGeom prst="roundRect">
+            <a:avLst>
+              <a:gd name="adj" fmla="val 0"/>
+            </a:avLst>
+          </a:prstGeom>
+          <a:solidFill>
+            <a:schemeClr val="lt1"/>
+          </a:solidFill>
+          <a:ln w="12700"/>
+        </p:spPr>
+        <p:style>
+          <a:lnRef idx="2">
+            <a:schemeClr val="dk1"/>
+          </a:lnRef>
+          <a:fillRef idx="1">
+            <a:schemeClr val="lt1"/>
+          </a:fillRef>
+          <a:effectRef idx="0">
+            <a:schemeClr val="dk1"/>
+          </a:effectRef>
+          <a:fontRef idx="minor">
+            <a:schemeClr val="dk1"/>
+          </a:fontRef>
+        </p:style>
+        <p:txBody>
+          <a:bodyPr rtlCol="0" anchor="ctr"/>
+          <a:lstStyle/>
+          <a:p>
+            <a:pPr algn="ctr"/>
+            <a:r>
+              <a:rPr lang="en-US" sz="1000" dirty="0" smtClean="0"/>
+              <a:t>Time behavior</a:t>
+            </a:r>
+            <a:endParaRPr lang="en-US" sz="1000" dirty="0"/>
+          </a:p>
+        </p:txBody>
+      </p:sp>
+      <p:grpSp>
+        <p:nvGrpSpPr>
+          <p:cNvPr id="66" name="Group 65"/>
+          <p:cNvGrpSpPr/>
+          <p:nvPr/>
+        </p:nvGrpSpPr>
+        <p:grpSpPr>
+          <a:xfrm>
+            <a:off x="6602862" y="4193872"/>
+            <a:ext cx="1879598" cy="491491"/>
+            <a:chOff x="7721601" y="3576319"/>
+            <a:chExt cx="1859278" cy="491491"/>
+          </a:xfrm>
+        </p:grpSpPr>
+        <p:sp>
+          <p:nvSpPr>
+            <p:cNvPr id="67" name="Rounded Rectangle 66"/>
+            <p:cNvSpPr/>
+            <p:nvPr/>
+          </p:nvSpPr>
+          <p:spPr>
+            <a:xfrm>
+              <a:off x="7721601" y="3576319"/>
+              <a:ext cx="1859278" cy="260985"/>
+            </a:xfrm>
+            <a:prstGeom prst="roundRect">
+              <a:avLst>
+                <a:gd name="adj" fmla="val 0"/>
+              </a:avLst>
+            </a:prstGeom>
+            <a:solidFill>
+              <a:schemeClr val="lt1"/>
+            </a:solidFill>
+            <a:ln w="12700"/>
+          </p:spPr>
+          <p:style>
+            <a:lnRef idx="2">
+              <a:schemeClr val="dk1"/>
+            </a:lnRef>
+            <a:fillRef idx="1">
+              <a:schemeClr val="lt1"/>
+            </a:fillRef>
+            <a:effectRef idx="0">
+              <a:schemeClr val="dk1"/>
+            </a:effectRef>
+            <a:fontRef idx="minor">
+              <a:schemeClr val="dk1"/>
+            </a:fontRef>
+          </p:style>
+          <p:txBody>
+            <a:bodyPr rtlCol="0" anchor="ctr"/>
+            <a:lstStyle/>
+            <a:p>
+              <a:pPr algn="ctr"/>
+              <a:r>
+                <a:rPr lang="en-US" sz="1000" dirty="0" smtClean="0"/>
+                <a:t>Transaction Capability</a:t>
+              </a:r>
+              <a:endParaRPr lang="en-US" sz="1000" dirty="0"/>
+            </a:p>
+          </p:txBody>
+        </p:sp>
+        <p:sp>
+          <p:nvSpPr>
+            <p:cNvPr id="68" name="Rounded Rectangle 67"/>
+            <p:cNvSpPr/>
+            <p:nvPr/>
+          </p:nvSpPr>
+          <p:spPr>
+            <a:xfrm>
+              <a:off x="7721601" y="3840480"/>
+              <a:ext cx="955039" cy="224154"/>
+            </a:xfrm>
+            <a:prstGeom prst="roundRect">
+              <a:avLst>
+                <a:gd name="adj" fmla="val 0"/>
+              </a:avLst>
+            </a:prstGeom>
+            <a:solidFill>
+              <a:schemeClr val="lt1"/>
+            </a:solidFill>
+            <a:ln w="12700"/>
+          </p:spPr>
+          <p:style>
+            <a:lnRef idx="2">
+              <a:schemeClr val="dk1"/>
+            </a:lnRef>
+            <a:fillRef idx="1">
+              <a:schemeClr val="lt1"/>
+            </a:fillRef>
+            <a:effectRef idx="0">
+              <a:schemeClr val="dk1"/>
+            </a:effectRef>
+            <a:fontRef idx="minor">
+              <a:schemeClr val="dk1"/>
+            </a:fontRef>
+          </p:style>
+          <p:txBody>
+            <a:bodyPr rtlCol="0" anchor="ctr"/>
+            <a:lstStyle/>
+            <a:p>
+              <a:pPr algn="ctr"/>
+              <a:r>
+                <a:rPr lang="en-US" sz="1000" dirty="0" smtClean="0"/>
+                <a:t>Completeness</a:t>
+              </a:r>
+              <a:endParaRPr lang="en-US" sz="1000" dirty="0"/>
+            </a:p>
+          </p:txBody>
+        </p:sp>
+        <p:sp>
+          <p:nvSpPr>
+            <p:cNvPr id="69" name="Rounded Rectangle 68"/>
+            <p:cNvSpPr/>
+            <p:nvPr/>
+          </p:nvSpPr>
+          <p:spPr>
+            <a:xfrm>
+              <a:off x="8676640" y="3840480"/>
+              <a:ext cx="904239" cy="227330"/>
+            </a:xfrm>
+            <a:prstGeom prst="roundRect">
+              <a:avLst>
+                <a:gd name="adj" fmla="val 0"/>
+              </a:avLst>
+            </a:prstGeom>
+            <a:solidFill>
+              <a:schemeClr val="lt1"/>
+            </a:solidFill>
+            <a:ln w="12700"/>
+          </p:spPr>
+          <p:style>
+            <a:lnRef idx="2">
+              <a:schemeClr val="dk1"/>
+            </a:lnRef>
+            <a:fillRef idx="1">
+              <a:schemeClr val="lt1"/>
+            </a:fillRef>
+            <a:effectRef idx="0">
+              <a:schemeClr val="dk1"/>
+            </a:effectRef>
+            <a:fontRef idx="minor">
+              <a:schemeClr val="dk1"/>
+            </a:fontRef>
+          </p:style>
+          <p:txBody>
+            <a:bodyPr rtlCol="0" anchor="ctr"/>
+            <a:lstStyle/>
+            <a:p>
+              <a:pPr algn="ctr"/>
+              <a:r>
+                <a:rPr lang="en-US" sz="1000" dirty="0" smtClean="0"/>
+                <a:t>Correctness</a:t>
+              </a:r>
+              <a:endParaRPr lang="en-US" sz="1000" dirty="0"/>
+            </a:p>
+          </p:txBody>
+        </p:sp>
+      </p:grpSp>
+      <p:sp>
+        <p:nvSpPr>
+          <p:cNvPr id="70" name="Rounded Rectangle 69"/>
+          <p:cNvSpPr/>
+          <p:nvPr/>
+        </p:nvSpPr>
+        <p:spPr>
+          <a:xfrm>
+            <a:off x="6628262" y="2578500"/>
+            <a:ext cx="1851659" cy="254000"/>
+          </a:xfrm>
+          <a:prstGeom prst="roundRect">
+            <a:avLst>
+              <a:gd name="adj" fmla="val 0"/>
+            </a:avLst>
+          </a:prstGeom>
+          <a:solidFill>
+            <a:schemeClr val="lt1"/>
+          </a:solidFill>
+          <a:ln w="12700"/>
+        </p:spPr>
+        <p:style>
+          <a:lnRef idx="2">
+            <a:schemeClr val="dk1"/>
+          </a:lnRef>
+          <a:fillRef idx="1">
+            <a:schemeClr val="lt1"/>
+          </a:fillRef>
+          <a:effectRef idx="0">
+            <a:schemeClr val="dk1"/>
+          </a:effectRef>
+          <a:fontRef idx="minor">
+            <a:schemeClr val="dk1"/>
+          </a:fontRef>
+        </p:style>
+        <p:txBody>
+          <a:bodyPr rtlCol="0" anchor="ctr"/>
+          <a:lstStyle/>
+          <a:p>
+            <a:pPr algn="ctr"/>
+            <a:r>
+              <a:rPr lang="en-US" sz="1000" dirty="0" smtClean="0"/>
+              <a:t>Fault Tolerance</a:t>
+            </a:r>
+            <a:endParaRPr lang="en-US" sz="1000" dirty="0"/>
+          </a:p>
+        </p:txBody>
+      </p:sp>
+      <p:sp>
+        <p:nvSpPr>
+          <p:cNvPr id="71" name="Rounded Rectangle 70"/>
+          <p:cNvSpPr/>
+          <p:nvPr/>
+        </p:nvSpPr>
+        <p:spPr>
+          <a:xfrm>
+            <a:off x="6613023" y="3322085"/>
+            <a:ext cx="1178560" cy="227330"/>
+          </a:xfrm>
+          <a:prstGeom prst="roundRect">
+            <a:avLst>
+              <a:gd name="adj" fmla="val 0"/>
+            </a:avLst>
+          </a:prstGeom>
+          <a:solidFill>
+            <a:schemeClr val="lt1"/>
+          </a:solidFill>
+          <a:ln w="12700"/>
+        </p:spPr>
+        <p:style>
+          <a:lnRef idx="2">
+            <a:schemeClr val="dk1"/>
+          </a:lnRef>
+          <a:fillRef idx="1">
+            <a:schemeClr val="lt1"/>
+          </a:fillRef>
+          <a:effectRef idx="0">
+            <a:schemeClr val="dk1"/>
+          </a:effectRef>
+          <a:fontRef idx="minor">
+            <a:schemeClr val="dk1"/>
+          </a:fontRef>
+        </p:style>
+        <p:txBody>
+          <a:bodyPr rtlCol="0" anchor="ctr"/>
+          <a:lstStyle/>
+          <a:p>
+            <a:pPr algn="ctr"/>
+            <a:r>
+              <a:rPr lang="en-US" sz="1000" dirty="0" smtClean="0"/>
+              <a:t>Customer Service</a:t>
+            </a:r>
+            <a:endParaRPr lang="en-US" sz="1000" dirty="0"/>
+          </a:p>
+        </p:txBody>
+      </p:sp>
+      <p:sp>
+        <p:nvSpPr>
+          <p:cNvPr id="72" name="Rounded Rectangle 71"/>
+          <p:cNvSpPr/>
+          <p:nvPr/>
+        </p:nvSpPr>
+        <p:spPr>
+          <a:xfrm>
+            <a:off x="6656267" y="6084747"/>
+            <a:ext cx="1011197" cy="240573"/>
+          </a:xfrm>
+          <a:prstGeom prst="roundRect">
+            <a:avLst>
+              <a:gd name="adj" fmla="val 0"/>
+            </a:avLst>
+          </a:prstGeom>
+          <a:solidFill>
+            <a:schemeClr val="lt1"/>
+          </a:solidFill>
+          <a:ln w="12700"/>
+        </p:spPr>
+        <p:style>
+          <a:lnRef idx="2">
+            <a:schemeClr val="dk1"/>
+          </a:lnRef>
+          <a:fillRef idx="1">
+            <a:schemeClr val="lt1"/>
+          </a:fillRef>
+          <a:effectRef idx="0">
+            <a:schemeClr val="dk1"/>
+          </a:effectRef>
+          <a:fontRef idx="minor">
+            <a:schemeClr val="dk1"/>
+          </a:fontRef>
+        </p:style>
+        <p:txBody>
+          <a:bodyPr rtlCol="0" anchor="ctr"/>
+          <a:lstStyle/>
+          <a:p>
+            <a:pPr algn="ctr"/>
+            <a:r>
+              <a:rPr lang="en-US" sz="1000" dirty="0" smtClean="0"/>
+              <a:t>Confidentiality</a:t>
+            </a:r>
+            <a:endParaRPr lang="en-US" sz="1000" dirty="0"/>
+          </a:p>
+        </p:txBody>
+      </p:sp>
+      <p:sp>
+        <p:nvSpPr>
+          <p:cNvPr id="74" name="Rounded Rectangle 73"/>
+          <p:cNvSpPr/>
+          <p:nvPr/>
+        </p:nvSpPr>
+        <p:spPr>
+          <a:xfrm>
+            <a:off x="6653727" y="4858588"/>
+            <a:ext cx="2098997" cy="227330"/>
+          </a:xfrm>
+          <a:prstGeom prst="roundRect">
+            <a:avLst>
+              <a:gd name="adj" fmla="val 0"/>
+            </a:avLst>
+          </a:prstGeom>
+          <a:solidFill>
+            <a:schemeClr val="lt1"/>
+          </a:solidFill>
+          <a:ln w="12700"/>
+        </p:spPr>
+        <p:style>
+          <a:lnRef idx="2">
+            <a:schemeClr val="dk1"/>
+          </a:lnRef>
+          <a:fillRef idx="1">
+            <a:schemeClr val="lt1"/>
+          </a:fillRef>
+          <a:effectRef idx="0">
+            <a:schemeClr val="dk1"/>
+          </a:effectRef>
+          <a:fontRef idx="minor">
+            <a:schemeClr val="dk1"/>
+          </a:fontRef>
+        </p:style>
+        <p:txBody>
+          <a:bodyPr rtlCol="0" anchor="ctr"/>
+          <a:lstStyle/>
+          <a:p>
+            <a:pPr algn="ctr"/>
+            <a:r>
+              <a:rPr lang="en-US" sz="1000" dirty="0" smtClean="0"/>
+              <a:t>Safety</a:t>
+            </a:r>
+            <a:endParaRPr lang="en-US" sz="1000" dirty="0"/>
+          </a:p>
+        </p:txBody>
+      </p:sp>
+      <p:sp>
+        <p:nvSpPr>
+          <p:cNvPr id="75" name="Rounded Rectangle 74"/>
+          <p:cNvSpPr/>
+          <p:nvPr/>
+        </p:nvSpPr>
+        <p:spPr>
+          <a:xfrm>
+            <a:off x="6666427" y="5781570"/>
+            <a:ext cx="1001037" cy="227330"/>
+          </a:xfrm>
+          <a:prstGeom prst="roundRect">
+            <a:avLst>
+              <a:gd name="adj" fmla="val 0"/>
+            </a:avLst>
+          </a:prstGeom>
+          <a:solidFill>
+            <a:schemeClr val="lt1"/>
+          </a:solidFill>
+          <a:ln w="12700"/>
+        </p:spPr>
+        <p:style>
+          <a:lnRef idx="2">
+            <a:schemeClr val="dk1"/>
+          </a:lnRef>
+          <a:fillRef idx="1">
+            <a:schemeClr val="lt1"/>
+          </a:fillRef>
+          <a:effectRef idx="0">
+            <a:schemeClr val="dk1"/>
+          </a:effectRef>
+          <a:fontRef idx="minor">
+            <a:schemeClr val="dk1"/>
+          </a:fontRef>
+        </p:style>
+        <p:txBody>
+          <a:bodyPr rtlCol="0" anchor="ctr"/>
+          <a:lstStyle/>
+          <a:p>
+            <a:pPr algn="ctr"/>
+            <a:r>
+              <a:rPr lang="en-US" sz="1000" dirty="0" smtClean="0"/>
+              <a:t>Integrity</a:t>
+            </a:r>
+            <a:endParaRPr lang="en-US" sz="1000" dirty="0"/>
+          </a:p>
+        </p:txBody>
+      </p:sp>
+      <p:sp>
+        <p:nvSpPr>
+          <p:cNvPr id="76" name="Rounded Rectangle 75"/>
+          <p:cNvSpPr/>
+          <p:nvPr/>
+        </p:nvSpPr>
+        <p:spPr>
+          <a:xfrm>
+            <a:off x="6661625" y="5195136"/>
+            <a:ext cx="1005839" cy="227330"/>
+          </a:xfrm>
+          <a:prstGeom prst="roundRect">
+            <a:avLst>
+              <a:gd name="adj" fmla="val 0"/>
+            </a:avLst>
+          </a:prstGeom>
+          <a:solidFill>
+            <a:schemeClr val="lt1"/>
+          </a:solidFill>
+          <a:ln w="12700"/>
+        </p:spPr>
+        <p:style>
+          <a:lnRef idx="2">
+            <a:schemeClr val="dk1"/>
+          </a:lnRef>
+          <a:fillRef idx="1">
+            <a:schemeClr val="lt1"/>
+          </a:fillRef>
+          <a:effectRef idx="0">
+            <a:schemeClr val="dk1"/>
+          </a:effectRef>
+          <a:fontRef idx="minor">
+            <a:schemeClr val="dk1"/>
+          </a:fontRef>
+        </p:style>
+        <p:txBody>
+          <a:bodyPr rtlCol="0" anchor="ctr"/>
+          <a:lstStyle/>
+          <a:p>
+            <a:pPr algn="ctr"/>
+            <a:r>
+              <a:rPr lang="en-US" sz="1000" dirty="0" smtClean="0"/>
+              <a:t>Authenticity</a:t>
+            </a:r>
+            <a:endParaRPr lang="en-US" sz="1000" dirty="0"/>
+          </a:p>
+        </p:txBody>
+      </p:sp>
+      <p:cxnSp>
+        <p:nvCxnSpPr>
+          <p:cNvPr id="77" name="Straight Connector 76"/>
+          <p:cNvCxnSpPr>
+            <a:stCxn id="59" idx="1"/>
+            <a:endCxn id="54" idx="3"/>
+          </p:cNvCxnSpPr>
+          <p:nvPr/>
+        </p:nvCxnSpPr>
+        <p:spPr>
+          <a:xfrm flipH="1">
+            <a:off x="6181219" y="303530"/>
+            <a:ext cx="589283" cy="337185"/>
+          </a:xfrm>
+          <a:prstGeom prst="line">
+            <a:avLst/>
+          </a:prstGeom>
+        </p:spPr>
+        <p:style>
+          <a:lnRef idx="1">
+            <a:schemeClr val="dk1"/>
+          </a:lnRef>
+          <a:fillRef idx="0">
+            <a:schemeClr val="dk1"/>
+          </a:fillRef>
+          <a:effectRef idx="0">
+            <a:schemeClr val="dk1"/>
+          </a:effectRef>
+          <a:fontRef idx="minor">
+            <a:schemeClr val="tx1"/>
+          </a:fontRef>
+        </p:style>
+      </p:cxnSp>
+      <p:cxnSp>
+        <p:nvCxnSpPr>
+          <p:cNvPr id="78" name="Straight Connector 77"/>
+          <p:cNvCxnSpPr>
+            <a:stCxn id="60" idx="1"/>
+            <a:endCxn id="54" idx="3"/>
+          </p:cNvCxnSpPr>
+          <p:nvPr/>
+        </p:nvCxnSpPr>
+        <p:spPr>
+          <a:xfrm flipH="1" flipV="1">
+            <a:off x="6181219" y="640715"/>
+            <a:ext cx="579123" cy="4445"/>
+          </a:xfrm>
+          <a:prstGeom prst="line">
+            <a:avLst/>
+          </a:prstGeom>
+        </p:spPr>
+        <p:style>
+          <a:lnRef idx="1">
+            <a:schemeClr val="dk1"/>
+          </a:lnRef>
+          <a:fillRef idx="0">
+            <a:schemeClr val="dk1"/>
+          </a:fillRef>
+          <a:effectRef idx="0">
+            <a:schemeClr val="dk1"/>
+          </a:effectRef>
+          <a:fontRef idx="minor">
+            <a:schemeClr val="tx1"/>
+          </a:fontRef>
+        </p:style>
+      </p:cxnSp>
+      <p:cxnSp>
+        <p:nvCxnSpPr>
+          <p:cNvPr id="79" name="Straight Connector 78"/>
+          <p:cNvCxnSpPr>
+            <a:stCxn id="58" idx="1"/>
+            <a:endCxn id="54" idx="3"/>
+          </p:cNvCxnSpPr>
+          <p:nvPr/>
+        </p:nvCxnSpPr>
+        <p:spPr>
+          <a:xfrm flipH="1" flipV="1">
+            <a:off x="6181219" y="640715"/>
+            <a:ext cx="589283" cy="369752"/>
+          </a:xfrm>
+          <a:prstGeom prst="line">
+            <a:avLst/>
+          </a:prstGeom>
+        </p:spPr>
+        <p:style>
+          <a:lnRef idx="1">
+            <a:schemeClr val="dk1"/>
+          </a:lnRef>
+          <a:fillRef idx="0">
+            <a:schemeClr val="dk1"/>
+          </a:fillRef>
+          <a:effectRef idx="0">
+            <a:schemeClr val="dk1"/>
+          </a:effectRef>
+          <a:fontRef idx="minor">
+            <a:schemeClr val="tx1"/>
+          </a:fontRef>
+        </p:style>
+      </p:cxnSp>
+      <p:cxnSp>
+        <p:nvCxnSpPr>
+          <p:cNvPr id="82" name="Straight Connector 81"/>
+          <p:cNvCxnSpPr>
+            <a:stCxn id="61" idx="1"/>
+            <a:endCxn id="55" idx="3"/>
+          </p:cNvCxnSpPr>
+          <p:nvPr/>
+        </p:nvCxnSpPr>
+        <p:spPr>
+          <a:xfrm flipH="1">
+            <a:off x="6110100" y="1524661"/>
+            <a:ext cx="589282" cy="380999"/>
+          </a:xfrm>
+          <a:prstGeom prst="line">
+            <a:avLst/>
+          </a:prstGeom>
+        </p:spPr>
+        <p:style>
+          <a:lnRef idx="1">
+            <a:schemeClr val="dk1"/>
+          </a:lnRef>
+          <a:fillRef idx="0">
+            <a:schemeClr val="dk1"/>
+          </a:fillRef>
+          <a:effectRef idx="0">
+            <a:schemeClr val="dk1"/>
+          </a:effectRef>
+          <a:fontRef idx="minor">
+            <a:schemeClr val="tx1"/>
+          </a:fontRef>
+        </p:style>
+      </p:cxnSp>
+      <p:cxnSp>
+        <p:nvCxnSpPr>
+          <p:cNvPr id="83" name="Straight Connector 82"/>
+          <p:cNvCxnSpPr>
+            <a:stCxn id="62" idx="1"/>
+            <a:endCxn id="55" idx="3"/>
+          </p:cNvCxnSpPr>
+          <p:nvPr/>
+        </p:nvCxnSpPr>
+        <p:spPr>
+          <a:xfrm flipH="1">
+            <a:off x="6110100" y="1890709"/>
+            <a:ext cx="589282" cy="14951"/>
+          </a:xfrm>
+          <a:prstGeom prst="line">
+            <a:avLst/>
+          </a:prstGeom>
+        </p:spPr>
+        <p:style>
+          <a:lnRef idx="1">
+            <a:schemeClr val="dk1"/>
+          </a:lnRef>
+          <a:fillRef idx="0">
+            <a:schemeClr val="dk1"/>
+          </a:fillRef>
+          <a:effectRef idx="0">
+            <a:schemeClr val="dk1"/>
+          </a:effectRef>
+          <a:fontRef idx="minor">
+            <a:schemeClr val="tx1"/>
+          </a:fontRef>
+        </p:style>
+      </p:cxnSp>
+      <p:cxnSp>
+        <p:nvCxnSpPr>
+          <p:cNvPr id="84" name="Straight Connector 83"/>
+          <p:cNvCxnSpPr>
+            <a:stCxn id="64" idx="1"/>
+            <a:endCxn id="56" idx="3"/>
+          </p:cNvCxnSpPr>
+          <p:nvPr/>
+        </p:nvCxnSpPr>
+        <p:spPr>
+          <a:xfrm flipH="1">
+            <a:off x="6110100" y="3063641"/>
+            <a:ext cx="518162" cy="350171"/>
+          </a:xfrm>
+          <a:prstGeom prst="line">
+            <a:avLst/>
+          </a:prstGeom>
+        </p:spPr>
+        <p:style>
+          <a:lnRef idx="1">
+            <a:schemeClr val="dk1"/>
+          </a:lnRef>
+          <a:fillRef idx="0">
+            <a:schemeClr val="dk1"/>
+          </a:fillRef>
+          <a:effectRef idx="0">
+            <a:schemeClr val="dk1"/>
+          </a:effectRef>
+          <a:fontRef idx="minor">
+            <a:schemeClr val="tx1"/>
+          </a:fontRef>
+        </p:style>
+      </p:cxnSp>
+      <p:cxnSp>
+        <p:nvCxnSpPr>
+          <p:cNvPr id="85" name="Straight Arrow Connector 84"/>
+          <p:cNvCxnSpPr>
+            <a:stCxn id="61" idx="0"/>
+            <a:endCxn id="58" idx="2"/>
+          </p:cNvCxnSpPr>
+          <p:nvPr/>
+        </p:nvCxnSpPr>
+        <p:spPr>
+          <a:xfrm flipH="1" flipV="1">
+            <a:off x="7580917" y="1154465"/>
+            <a:ext cx="8319" cy="238116"/>
+          </a:xfrm>
+          <a:prstGeom prst="straightConnector1">
+            <a:avLst/>
+          </a:prstGeom>
+          <a:ln w="12700" cmpd="sng">
+            <a:headEnd type="none"/>
+            <a:tailEnd type="triangle"/>
+          </a:ln>
+          <a:effectLst/>
+        </p:spPr>
+        <p:style>
+          <a:lnRef idx="2">
+            <a:schemeClr val="accent1"/>
+          </a:lnRef>
+          <a:fillRef idx="0">
+            <a:schemeClr val="accent1"/>
+          </a:fillRef>
+          <a:effectRef idx="1">
+            <a:schemeClr val="accent1"/>
+          </a:effectRef>
+          <a:fontRef idx="minor">
+            <a:schemeClr val="tx1"/>
+          </a:fontRef>
+        </p:style>
+      </p:cxnSp>
+      <p:cxnSp>
+        <p:nvCxnSpPr>
+          <p:cNvPr id="86" name="Elbow Connector 85"/>
+          <p:cNvCxnSpPr>
+            <a:stCxn id="63" idx="3"/>
+          </p:cNvCxnSpPr>
+          <p:nvPr/>
+        </p:nvCxnSpPr>
+        <p:spPr>
+          <a:xfrm flipH="1" flipV="1">
+            <a:off x="7756756" y="2032660"/>
+            <a:ext cx="416481" cy="262718"/>
+          </a:xfrm>
+          <a:prstGeom prst="bentConnector3">
+            <a:avLst>
+              <a:gd name="adj1" fmla="val -49899"/>
+            </a:avLst>
+          </a:prstGeom>
+          <a:ln w="3175" cmpd="sng">
+            <a:prstDash val="lgDash"/>
+            <a:tailEnd type="arrow"/>
+          </a:ln>
+          <a:effectLst/>
+        </p:spPr>
+        <p:style>
+          <a:lnRef idx="2">
+            <a:schemeClr val="accent1"/>
+          </a:lnRef>
+          <a:fillRef idx="0">
+            <a:schemeClr val="accent1"/>
+          </a:fillRef>
+          <a:effectRef idx="1">
+            <a:schemeClr val="accent1"/>
+          </a:effectRef>
+          <a:fontRef idx="minor">
+            <a:schemeClr val="tx1"/>
+          </a:fontRef>
+        </p:style>
+      </p:cxnSp>
+      <p:cxnSp>
+        <p:nvCxnSpPr>
+          <p:cNvPr id="87" name="Elbow Connector 86"/>
+          <p:cNvCxnSpPr>
+            <a:stCxn id="62" idx="3"/>
+          </p:cNvCxnSpPr>
+          <p:nvPr/>
+        </p:nvCxnSpPr>
+        <p:spPr>
+          <a:xfrm flipV="1">
+            <a:off x="7777592" y="1656741"/>
+            <a:ext cx="228199" cy="233968"/>
+          </a:xfrm>
+          <a:prstGeom prst="bentConnector3">
+            <a:avLst>
+              <a:gd name="adj1" fmla="val 93286"/>
+            </a:avLst>
+          </a:prstGeom>
+          <a:ln w="3175" cmpd="sng">
+            <a:prstDash val="lgDash"/>
+            <a:headEnd type="none"/>
+            <a:tailEnd type="arrow"/>
+          </a:ln>
+          <a:effectLst/>
+        </p:spPr>
+        <p:style>
+          <a:lnRef idx="2">
+            <a:schemeClr val="accent1"/>
+          </a:lnRef>
+          <a:fillRef idx="0">
+            <a:schemeClr val="accent1"/>
+          </a:fillRef>
+          <a:effectRef idx="1">
+            <a:schemeClr val="accent1"/>
+          </a:effectRef>
+          <a:fontRef idx="minor">
+            <a:schemeClr val="tx1"/>
+          </a:fontRef>
+        </p:style>
+      </p:cxnSp>
+      <p:cxnSp>
+        <p:nvCxnSpPr>
+          <p:cNvPr id="88" name="Elbow Connector 87"/>
+          <p:cNvCxnSpPr>
+            <a:stCxn id="64" idx="3"/>
+            <a:endCxn id="58" idx="3"/>
+          </p:cNvCxnSpPr>
+          <p:nvPr/>
+        </p:nvCxnSpPr>
+        <p:spPr>
+          <a:xfrm flipH="1" flipV="1">
+            <a:off x="8404307" y="1010467"/>
+            <a:ext cx="276127" cy="2053174"/>
+          </a:xfrm>
+          <a:prstGeom prst="bentConnector3">
+            <a:avLst>
+              <a:gd name="adj1" fmla="val -75262"/>
+            </a:avLst>
+          </a:prstGeom>
+          <a:ln w="12700" cmpd="sng">
+            <a:headEnd type="none"/>
+            <a:tailEnd type="triangle"/>
+          </a:ln>
+          <a:effectLst/>
+        </p:spPr>
+        <p:style>
+          <a:lnRef idx="2">
+            <a:schemeClr val="accent1"/>
+          </a:lnRef>
+          <a:fillRef idx="0">
+            <a:schemeClr val="accent1"/>
+          </a:fillRef>
+          <a:effectRef idx="1">
+            <a:schemeClr val="accent1"/>
+          </a:effectRef>
+          <a:fontRef idx="minor">
+            <a:schemeClr val="tx1"/>
+          </a:fontRef>
+        </p:style>
+      </p:cxnSp>
+      <p:cxnSp>
+        <p:nvCxnSpPr>
+          <p:cNvPr id="89" name="Straight Connector 88"/>
+          <p:cNvCxnSpPr>
+            <a:stCxn id="70" idx="1"/>
+            <a:endCxn id="56" idx="3"/>
+          </p:cNvCxnSpPr>
+          <p:nvPr/>
+        </p:nvCxnSpPr>
+        <p:spPr>
+          <a:xfrm flipH="1">
+            <a:off x="6110100" y="2705500"/>
+            <a:ext cx="518162" cy="708312"/>
+          </a:xfrm>
+          <a:prstGeom prst="line">
+            <a:avLst/>
+          </a:prstGeom>
+        </p:spPr>
+        <p:style>
+          <a:lnRef idx="1">
+            <a:schemeClr val="dk1"/>
+          </a:lnRef>
+          <a:fillRef idx="0">
+            <a:schemeClr val="dk1"/>
+          </a:fillRef>
+          <a:effectRef idx="0">
+            <a:schemeClr val="dk1"/>
+          </a:effectRef>
+          <a:fontRef idx="minor">
+            <a:schemeClr val="tx1"/>
+          </a:fontRef>
+        </p:style>
+      </p:cxnSp>
+      <p:cxnSp>
+        <p:nvCxnSpPr>
+          <p:cNvPr id="90" name="Straight Connector 89"/>
+          <p:cNvCxnSpPr>
+            <a:stCxn id="65" idx="1"/>
+            <a:endCxn id="56" idx="3"/>
+          </p:cNvCxnSpPr>
+          <p:nvPr/>
+        </p:nvCxnSpPr>
+        <p:spPr>
+          <a:xfrm flipH="1" flipV="1">
+            <a:off x="6110100" y="3413812"/>
+            <a:ext cx="487682" cy="404206"/>
+          </a:xfrm>
+          <a:prstGeom prst="line">
+            <a:avLst/>
+          </a:prstGeom>
+        </p:spPr>
+        <p:style>
+          <a:lnRef idx="1">
+            <a:schemeClr val="dk1"/>
+          </a:lnRef>
+          <a:fillRef idx="0">
+            <a:schemeClr val="dk1"/>
+          </a:fillRef>
+          <a:effectRef idx="0">
+            <a:schemeClr val="dk1"/>
+          </a:effectRef>
+          <a:fontRef idx="minor">
+            <a:schemeClr val="tx1"/>
+          </a:fontRef>
+        </p:style>
+      </p:cxnSp>
+      <p:cxnSp>
+        <p:nvCxnSpPr>
+          <p:cNvPr id="91" name="Straight Connector 90"/>
+          <p:cNvCxnSpPr>
+            <a:stCxn id="71" idx="1"/>
+            <a:endCxn id="56" idx="3"/>
+          </p:cNvCxnSpPr>
+          <p:nvPr/>
+        </p:nvCxnSpPr>
+        <p:spPr>
+          <a:xfrm flipH="1" flipV="1">
+            <a:off x="6110100" y="3413812"/>
+            <a:ext cx="502923" cy="21938"/>
+          </a:xfrm>
+          <a:prstGeom prst="line">
+            <a:avLst/>
+          </a:prstGeom>
+        </p:spPr>
+        <p:style>
+          <a:lnRef idx="1">
+            <a:schemeClr val="dk1"/>
+          </a:lnRef>
+          <a:fillRef idx="0">
+            <a:schemeClr val="dk1"/>
+          </a:fillRef>
+          <a:effectRef idx="0">
+            <a:schemeClr val="dk1"/>
+          </a:effectRef>
+          <a:fontRef idx="minor">
+            <a:schemeClr val="tx1"/>
+          </a:fontRef>
+        </p:style>
+      </p:cxnSp>
+      <p:cxnSp>
+        <p:nvCxnSpPr>
+          <p:cNvPr id="92" name="Straight Connector 91"/>
+          <p:cNvCxnSpPr>
+            <a:stCxn id="67" idx="1"/>
+            <a:endCxn id="56" idx="3"/>
+          </p:cNvCxnSpPr>
+          <p:nvPr/>
+        </p:nvCxnSpPr>
+        <p:spPr>
+          <a:xfrm flipH="1" flipV="1">
+            <a:off x="6110100" y="3413812"/>
+            <a:ext cx="492762" cy="910553"/>
+          </a:xfrm>
+          <a:prstGeom prst="line">
+            <a:avLst/>
+          </a:prstGeom>
+        </p:spPr>
+        <p:style>
+          <a:lnRef idx="1">
+            <a:schemeClr val="dk1"/>
+          </a:lnRef>
+          <a:fillRef idx="0">
+            <a:schemeClr val="dk1"/>
+          </a:fillRef>
+          <a:effectRef idx="0">
+            <a:schemeClr val="dk1"/>
+          </a:effectRef>
+          <a:fontRef idx="minor">
+            <a:schemeClr val="tx1"/>
+          </a:fontRef>
+        </p:style>
+      </p:cxnSp>
+      <p:cxnSp>
+        <p:nvCxnSpPr>
+          <p:cNvPr id="93" name="Elbow Connector 92"/>
+          <p:cNvCxnSpPr/>
+          <p:nvPr/>
+        </p:nvCxnSpPr>
+        <p:spPr>
+          <a:xfrm flipV="1">
+            <a:off x="7806821" y="3202071"/>
+            <a:ext cx="243839" cy="259079"/>
+          </a:xfrm>
+          <a:prstGeom prst="bentConnector2">
+            <a:avLst/>
+          </a:prstGeom>
+          <a:ln w="3175" cmpd="sng">
+            <a:prstDash val="lgDash"/>
+            <a:tailEnd type="arrow"/>
+          </a:ln>
+          <a:effectLst/>
+        </p:spPr>
+        <p:style>
+          <a:lnRef idx="2">
+            <a:schemeClr val="accent1"/>
+          </a:lnRef>
+          <a:fillRef idx="0">
+            <a:schemeClr val="accent1"/>
+          </a:fillRef>
+          <a:effectRef idx="1">
+            <a:schemeClr val="accent1"/>
+          </a:effectRef>
+          <a:fontRef idx="minor">
+            <a:schemeClr val="tx1"/>
+          </a:fontRef>
+        </p:style>
+      </p:cxnSp>
+      <p:cxnSp>
+        <p:nvCxnSpPr>
+          <p:cNvPr id="94" name="Elbow Connector 93"/>
+          <p:cNvCxnSpPr>
+            <a:stCxn id="65" idx="3"/>
+          </p:cNvCxnSpPr>
+          <p:nvPr/>
+        </p:nvCxnSpPr>
+        <p:spPr>
+          <a:xfrm flipV="1">
+            <a:off x="7994780" y="3202071"/>
+            <a:ext cx="545078" cy="615947"/>
+          </a:xfrm>
+          <a:prstGeom prst="bentConnector2">
+            <a:avLst/>
+          </a:prstGeom>
+          <a:ln w="3175" cmpd="sng">
+            <a:prstDash val="lgDash"/>
+            <a:tailEnd type="arrow"/>
+          </a:ln>
+          <a:effectLst/>
+        </p:spPr>
+        <p:style>
+          <a:lnRef idx="2">
+            <a:schemeClr val="accent1"/>
+          </a:lnRef>
+          <a:fillRef idx="0">
+            <a:schemeClr val="accent1"/>
+          </a:fillRef>
+          <a:effectRef idx="1">
+            <a:schemeClr val="accent1"/>
+          </a:effectRef>
+          <a:fontRef idx="minor">
+            <a:schemeClr val="tx1"/>
+          </a:fontRef>
+        </p:style>
+      </p:cxnSp>
+      <p:cxnSp>
+        <p:nvCxnSpPr>
+          <p:cNvPr id="95" name="Straight Connector 94"/>
+          <p:cNvCxnSpPr>
+            <a:stCxn id="63" idx="1"/>
+            <a:endCxn id="55" idx="3"/>
+          </p:cNvCxnSpPr>
+          <p:nvPr/>
+        </p:nvCxnSpPr>
+        <p:spPr>
+          <a:xfrm flipH="1" flipV="1">
+            <a:off x="6110100" y="1905660"/>
+            <a:ext cx="589282" cy="389718"/>
+          </a:xfrm>
+          <a:prstGeom prst="line">
+            <a:avLst/>
+          </a:prstGeom>
+        </p:spPr>
+        <p:style>
+          <a:lnRef idx="1">
+            <a:schemeClr val="dk1"/>
+          </a:lnRef>
+          <a:fillRef idx="0">
+            <a:schemeClr val="dk1"/>
+          </a:fillRef>
+          <a:effectRef idx="0">
+            <a:schemeClr val="dk1"/>
+          </a:effectRef>
+          <a:fontRef idx="minor">
+            <a:schemeClr val="tx1"/>
+          </a:fontRef>
+        </p:style>
+      </p:cxnSp>
+      <p:cxnSp>
+        <p:nvCxnSpPr>
+          <p:cNvPr id="96" name="Straight Arrow Connector 95"/>
+          <p:cNvCxnSpPr>
+            <a:stCxn id="67" idx="0"/>
+          </p:cNvCxnSpPr>
+          <p:nvPr/>
+        </p:nvCxnSpPr>
+        <p:spPr>
+          <a:xfrm flipV="1">
+            <a:off x="7542661" y="3950098"/>
+            <a:ext cx="0" cy="243774"/>
+          </a:xfrm>
+          <a:prstGeom prst="straightConnector1">
+            <a:avLst/>
+          </a:prstGeom>
+          <a:ln w="3175" cmpd="sng">
+            <a:prstDash val="lgDash"/>
+            <a:tailEnd type="arrow"/>
+          </a:ln>
+          <a:effectLst/>
+        </p:spPr>
+        <p:style>
+          <a:lnRef idx="2">
+            <a:schemeClr val="accent1"/>
+          </a:lnRef>
+          <a:fillRef idx="0">
+            <a:schemeClr val="accent1"/>
+          </a:fillRef>
+          <a:effectRef idx="1">
+            <a:schemeClr val="accent1"/>
+          </a:effectRef>
+          <a:fontRef idx="minor">
+            <a:schemeClr val="tx1"/>
+          </a:fontRef>
+        </p:style>
+      </p:cxnSp>
+      <p:cxnSp>
+        <p:nvCxnSpPr>
+          <p:cNvPr id="97" name="Elbow Connector 96"/>
+          <p:cNvCxnSpPr>
+            <a:stCxn id="76" idx="3"/>
+          </p:cNvCxnSpPr>
+          <p:nvPr/>
+        </p:nvCxnSpPr>
+        <p:spPr>
+          <a:xfrm flipV="1">
+            <a:off x="7676688" y="5085919"/>
+            <a:ext cx="184484" cy="222882"/>
+          </a:xfrm>
+          <a:prstGeom prst="bentConnector2">
+            <a:avLst/>
+          </a:prstGeom>
+          <a:ln w="3175" cmpd="sng">
+            <a:prstDash val="lgDash"/>
+            <a:tailEnd type="arrow"/>
+          </a:ln>
+          <a:effectLst/>
+        </p:spPr>
+        <p:style>
+          <a:lnRef idx="2">
+            <a:schemeClr val="accent1"/>
+          </a:lnRef>
+          <a:fillRef idx="0">
+            <a:schemeClr val="accent1"/>
+          </a:fillRef>
+          <a:effectRef idx="1">
+            <a:schemeClr val="accent1"/>
+          </a:effectRef>
+          <a:fontRef idx="minor">
+            <a:schemeClr val="tx1"/>
+          </a:fontRef>
+        </p:style>
+      </p:cxnSp>
+      <p:cxnSp>
+        <p:nvCxnSpPr>
+          <p:cNvPr id="98" name="Elbow Connector 97"/>
+          <p:cNvCxnSpPr>
+            <a:stCxn id="75" idx="3"/>
+          </p:cNvCxnSpPr>
+          <p:nvPr/>
+        </p:nvCxnSpPr>
+        <p:spPr>
+          <a:xfrm flipV="1">
+            <a:off x="7698560" y="5085919"/>
+            <a:ext cx="621916" cy="809316"/>
+          </a:xfrm>
+          <a:prstGeom prst="bentConnector2">
+            <a:avLst/>
+          </a:prstGeom>
+          <a:ln w="3175" cmpd="sng">
+            <a:prstDash val="lgDash"/>
+            <a:tailEnd type="arrow"/>
+          </a:ln>
+          <a:effectLst/>
+        </p:spPr>
+        <p:style>
+          <a:lnRef idx="2">
+            <a:schemeClr val="accent1"/>
+          </a:lnRef>
+          <a:fillRef idx="0">
+            <a:schemeClr val="accent1"/>
+          </a:fillRef>
+          <a:effectRef idx="1">
+            <a:schemeClr val="accent1"/>
+          </a:effectRef>
+          <a:fontRef idx="minor">
+            <a:schemeClr val="tx1"/>
+          </a:fontRef>
+        </p:style>
+      </p:cxnSp>
+      <p:cxnSp>
+        <p:nvCxnSpPr>
+          <p:cNvPr id="99" name="Elbow Connector 98"/>
+          <p:cNvCxnSpPr>
+            <a:stCxn id="72" idx="3"/>
+          </p:cNvCxnSpPr>
+          <p:nvPr/>
+        </p:nvCxnSpPr>
+        <p:spPr>
+          <a:xfrm flipV="1">
+            <a:off x="7709007" y="5085920"/>
+            <a:ext cx="830851" cy="1119114"/>
+          </a:xfrm>
+          <a:prstGeom prst="bentConnector2">
+            <a:avLst/>
+          </a:prstGeom>
+          <a:ln w="3175" cmpd="sng">
+            <a:prstDash val="lgDash"/>
+            <a:tailEnd type="arrow"/>
+          </a:ln>
+          <a:effectLst/>
+        </p:spPr>
+        <p:style>
+          <a:lnRef idx="2">
+            <a:schemeClr val="accent1"/>
+          </a:lnRef>
+          <a:fillRef idx="0">
+            <a:schemeClr val="accent1"/>
+          </a:fillRef>
+          <a:effectRef idx="1">
+            <a:schemeClr val="accent1"/>
+          </a:effectRef>
+          <a:fontRef idx="minor">
+            <a:schemeClr val="tx1"/>
+          </a:fontRef>
+        </p:style>
+      </p:cxnSp>
+      <p:cxnSp>
+        <p:nvCxnSpPr>
+          <p:cNvPr id="100" name="Straight Connector 99"/>
+          <p:cNvCxnSpPr>
+            <a:stCxn id="74" idx="1"/>
+            <a:endCxn id="57" idx="3"/>
+          </p:cNvCxnSpPr>
+          <p:nvPr/>
+        </p:nvCxnSpPr>
+        <p:spPr>
+          <a:xfrm flipH="1">
+            <a:off x="6110100" y="4972253"/>
+            <a:ext cx="543627" cy="631094"/>
+          </a:xfrm>
+          <a:prstGeom prst="line">
+            <a:avLst/>
+          </a:prstGeom>
+        </p:spPr>
+        <p:style>
+          <a:lnRef idx="1">
+            <a:schemeClr val="dk1"/>
+          </a:lnRef>
+          <a:fillRef idx="0">
+            <a:schemeClr val="dk1"/>
+          </a:fillRef>
+          <a:effectRef idx="0">
+            <a:schemeClr val="dk1"/>
+          </a:effectRef>
+          <a:fontRef idx="minor">
+            <a:schemeClr val="tx1"/>
+          </a:fontRef>
+        </p:style>
+      </p:cxnSp>
+      <p:cxnSp>
+        <p:nvCxnSpPr>
+          <p:cNvPr id="101" name="Straight Connector 100"/>
+          <p:cNvCxnSpPr>
+            <a:stCxn id="75" idx="1"/>
+            <a:endCxn id="57" idx="3"/>
+          </p:cNvCxnSpPr>
+          <p:nvPr/>
+        </p:nvCxnSpPr>
+        <p:spPr>
+          <a:xfrm flipH="1" flipV="1">
+            <a:off x="6110100" y="5603347"/>
+            <a:ext cx="556327" cy="291888"/>
+          </a:xfrm>
+          <a:prstGeom prst="line">
+            <a:avLst/>
+          </a:prstGeom>
+        </p:spPr>
+        <p:style>
+          <a:lnRef idx="1">
+            <a:schemeClr val="dk1"/>
+          </a:lnRef>
+          <a:fillRef idx="0">
+            <a:schemeClr val="dk1"/>
+          </a:fillRef>
+          <a:effectRef idx="0">
+            <a:schemeClr val="dk1"/>
+          </a:effectRef>
+          <a:fontRef idx="minor">
+            <a:schemeClr val="tx1"/>
+          </a:fontRef>
+        </p:style>
+      </p:cxnSp>
+      <p:cxnSp>
+        <p:nvCxnSpPr>
+          <p:cNvPr id="102" name="Straight Connector 101"/>
+          <p:cNvCxnSpPr>
+            <a:stCxn id="72" idx="1"/>
+            <a:endCxn id="57" idx="3"/>
+          </p:cNvCxnSpPr>
+          <p:nvPr/>
+        </p:nvCxnSpPr>
+        <p:spPr>
+          <a:xfrm flipH="1" flipV="1">
+            <a:off x="6110100" y="5603347"/>
+            <a:ext cx="546167" cy="601687"/>
+          </a:xfrm>
+          <a:prstGeom prst="line">
+            <a:avLst/>
+          </a:prstGeom>
+        </p:spPr>
+        <p:style>
+          <a:lnRef idx="1">
+            <a:schemeClr val="dk1"/>
+          </a:lnRef>
+          <a:fillRef idx="0">
+            <a:schemeClr val="dk1"/>
+          </a:fillRef>
+          <a:effectRef idx="0">
+            <a:schemeClr val="dk1"/>
+          </a:effectRef>
+          <a:fontRef idx="minor">
+            <a:schemeClr val="tx1"/>
+          </a:fontRef>
+        </p:style>
+      </p:cxnSp>
+      <p:cxnSp>
+        <p:nvCxnSpPr>
+          <p:cNvPr id="103" name="Straight Connector 102"/>
+          <p:cNvCxnSpPr>
+            <a:stCxn id="106" idx="1"/>
+            <a:endCxn id="57" idx="3"/>
+          </p:cNvCxnSpPr>
+          <p:nvPr/>
+        </p:nvCxnSpPr>
+        <p:spPr>
+          <a:xfrm flipH="1">
+            <a:off x="6110100" y="5603347"/>
+            <a:ext cx="561408" cy="0"/>
+          </a:xfrm>
+          <a:prstGeom prst="line">
+            <a:avLst/>
+          </a:prstGeom>
+        </p:spPr>
+        <p:style>
+          <a:lnRef idx="1">
+            <a:schemeClr val="dk1"/>
+          </a:lnRef>
+          <a:fillRef idx="0">
+            <a:schemeClr val="dk1"/>
+          </a:fillRef>
+          <a:effectRef idx="0">
+            <a:schemeClr val="dk1"/>
+          </a:effectRef>
+          <a:fontRef idx="minor">
+            <a:schemeClr val="tx1"/>
+          </a:fontRef>
+        </p:style>
+      </p:cxnSp>
+      <p:cxnSp>
+        <p:nvCxnSpPr>
+          <p:cNvPr id="104" name="Elbow Connector 103"/>
+          <p:cNvCxnSpPr>
+            <a:stCxn id="70" idx="3"/>
+          </p:cNvCxnSpPr>
+          <p:nvPr/>
+        </p:nvCxnSpPr>
+        <p:spPr>
+          <a:xfrm flipH="1" flipV="1">
+            <a:off x="8390500" y="1154465"/>
+            <a:ext cx="89421" cy="1551035"/>
+          </a:xfrm>
+          <a:prstGeom prst="bentConnector4">
+            <a:avLst>
+              <a:gd name="adj1" fmla="val -255645"/>
+              <a:gd name="adj2" fmla="val 101403"/>
+            </a:avLst>
+          </a:prstGeom>
+          <a:ln w="12700" cmpd="sng">
+            <a:headEnd type="none"/>
+            <a:tailEnd type="triangle"/>
+          </a:ln>
+          <a:effectLst/>
+        </p:spPr>
+        <p:style>
+          <a:lnRef idx="2">
+            <a:schemeClr val="accent1"/>
+          </a:lnRef>
+          <a:fillRef idx="0">
+            <a:schemeClr val="accent1"/>
+          </a:fillRef>
+          <a:effectRef idx="1">
+            <a:schemeClr val="accent1"/>
+          </a:effectRef>
+          <a:fontRef idx="minor">
+            <a:schemeClr val="tx1"/>
+          </a:fontRef>
+        </p:style>
+      </p:cxnSp>
+      <p:cxnSp>
+        <p:nvCxnSpPr>
+          <p:cNvPr id="105" name="Elbow Connector 104"/>
+          <p:cNvCxnSpPr>
+            <a:endCxn id="60" idx="3"/>
+          </p:cNvCxnSpPr>
+          <p:nvPr/>
+        </p:nvCxnSpPr>
+        <p:spPr>
+          <a:xfrm rot="10800000">
+            <a:off x="7549814" y="645160"/>
+            <a:ext cx="346254" cy="221308"/>
+          </a:xfrm>
+          <a:prstGeom prst="bentConnector3">
+            <a:avLst>
+              <a:gd name="adj1" fmla="val 50000"/>
+            </a:avLst>
+          </a:prstGeom>
+          <a:ln w="3175" cmpd="sng">
+            <a:prstDash val="lgDash"/>
+            <a:headEnd type="none"/>
+            <a:tailEnd type="arrow"/>
+          </a:ln>
+          <a:effectLst/>
+        </p:spPr>
+        <p:style>
+          <a:lnRef idx="2">
+            <a:schemeClr val="accent1"/>
+          </a:lnRef>
+          <a:fillRef idx="0">
+            <a:schemeClr val="accent1"/>
+          </a:fillRef>
+          <a:effectRef idx="1">
+            <a:schemeClr val="accent1"/>
+          </a:effectRef>
+          <a:fontRef idx="minor">
+            <a:schemeClr val="tx1"/>
+          </a:fontRef>
+        </p:style>
+      </p:cxnSp>
+      <p:sp>
+        <p:nvSpPr>
+          <p:cNvPr id="106" name="Rounded Rectangle 105"/>
+          <p:cNvSpPr/>
+          <p:nvPr/>
+        </p:nvSpPr>
+        <p:spPr>
+          <a:xfrm>
+            <a:off x="6671508" y="5493707"/>
+            <a:ext cx="993917" cy="219279"/>
+          </a:xfrm>
+          <a:prstGeom prst="roundRect">
+            <a:avLst>
+              <a:gd name="adj" fmla="val 0"/>
+            </a:avLst>
+          </a:prstGeom>
+          <a:solidFill>
+            <a:schemeClr val="lt1"/>
+          </a:solidFill>
+          <a:ln w="12700"/>
+        </p:spPr>
+        <p:style>
+          <a:lnRef idx="2">
+            <a:schemeClr val="dk1"/>
+          </a:lnRef>
+          <a:fillRef idx="1">
+            <a:schemeClr val="lt1"/>
+          </a:fillRef>
+          <a:effectRef idx="0">
+            <a:schemeClr val="dk1"/>
+          </a:effectRef>
+          <a:fontRef idx="minor">
+            <a:schemeClr val="dk1"/>
+          </a:fontRef>
+        </p:style>
+        <p:txBody>
+          <a:bodyPr rtlCol="0" anchor="ctr"/>
+          <a:lstStyle/>
+          <a:p>
+            <a:pPr algn="ctr"/>
+            <a:r>
+              <a:rPr lang="en-US" sz="1000" dirty="0" smtClean="0"/>
+              <a:t>Privacy</a:t>
+            </a:r>
+            <a:endParaRPr lang="en-US" sz="1000" dirty="0"/>
+          </a:p>
+        </p:txBody>
+      </p:sp>
+      <p:cxnSp>
+        <p:nvCxnSpPr>
+          <p:cNvPr id="107" name="Elbow Connector 106"/>
+          <p:cNvCxnSpPr>
+            <a:stCxn id="106" idx="3"/>
+          </p:cNvCxnSpPr>
+          <p:nvPr/>
+        </p:nvCxnSpPr>
+        <p:spPr>
+          <a:xfrm flipV="1">
+            <a:off x="7683740" y="5085919"/>
+            <a:ext cx="366314" cy="517428"/>
+          </a:xfrm>
+          <a:prstGeom prst="bentConnector2">
+            <a:avLst/>
+          </a:prstGeom>
+          <a:ln w="3175" cmpd="sng">
+            <a:prstDash val="lgDash"/>
+            <a:tailEnd type="arrow"/>
+          </a:ln>
+          <a:effectLst/>
+        </p:spPr>
+        <p:style>
+          <a:lnRef idx="2">
+            <a:schemeClr val="accent1"/>
+          </a:lnRef>
+          <a:fillRef idx="0">
+            <a:schemeClr val="accent1"/>
+          </a:fillRef>
+          <a:effectRef idx="1">
+            <a:schemeClr val="accent1"/>
+          </a:effectRef>
+          <a:fontRef idx="minor">
+            <a:schemeClr val="tx1"/>
+          </a:fontRef>
+        </p:style>
+      </p:cxnSp>
+      <p:sp>
+        <p:nvSpPr>
+          <p:cNvPr id="2" name="TextBox 1"/>
+          <p:cNvSpPr txBox="1"/>
+          <p:nvPr/>
+        </p:nvSpPr>
+        <p:spPr>
+          <a:xfrm>
+            <a:off x="3146475" y="5896012"/>
+            <a:ext cx="3541888" cy="461665"/>
+          </a:xfrm>
+          <a:prstGeom prst="rect">
+            <a:avLst/>
+          </a:prstGeom>
+          <a:noFill/>
+        </p:spPr>
+        <p:txBody>
+          <a:bodyPr wrap="square" rtlCol="0">
+            <a:spAutoFit/>
+          </a:bodyPr>
+          <a:lstStyle/>
+          <a:p>
+            <a:r>
+              <a:rPr lang="en-US" sz="1200" dirty="0" smtClean="0"/>
+              <a:t>Contributes to key component on same dimension</a:t>
+            </a:r>
+          </a:p>
+          <a:p>
+            <a:r>
+              <a:rPr lang="en-US" sz="1200" dirty="0" smtClean="0"/>
+              <a:t>Contributes to key component in another dimension</a:t>
+            </a:r>
+            <a:endParaRPr lang="en-US" sz="1200" dirty="0"/>
+          </a:p>
+        </p:txBody>
+      </p:sp>
+      <p:cxnSp>
+        <p:nvCxnSpPr>
+          <p:cNvPr id="109" name="Straight Arrow Connector 108"/>
+          <p:cNvCxnSpPr/>
+          <p:nvPr/>
+        </p:nvCxnSpPr>
+        <p:spPr>
+          <a:xfrm flipH="1">
+            <a:off x="2892763" y="6233778"/>
+            <a:ext cx="263174" cy="0"/>
+          </a:xfrm>
+          <a:prstGeom prst="straightConnector1">
+            <a:avLst/>
+          </a:prstGeom>
+          <a:ln w="12700" cmpd="sng">
+            <a:headEnd type="none"/>
+            <a:tailEnd type="triangle"/>
+          </a:ln>
+          <a:effectLst/>
+        </p:spPr>
+        <p:style>
+          <a:lnRef idx="2">
+            <a:schemeClr val="accent1"/>
+          </a:lnRef>
+          <a:fillRef idx="0">
+            <a:schemeClr val="accent1"/>
+          </a:fillRef>
+          <a:effectRef idx="1">
+            <a:schemeClr val="accent1"/>
+          </a:effectRef>
+          <a:fontRef idx="minor">
+            <a:schemeClr val="tx1"/>
+          </a:fontRef>
+        </p:style>
+      </p:cxnSp>
+      <p:cxnSp>
+        <p:nvCxnSpPr>
+          <p:cNvPr id="110" name="Straight Arrow Connector 109"/>
+          <p:cNvCxnSpPr/>
+          <p:nvPr/>
+        </p:nvCxnSpPr>
+        <p:spPr>
+          <a:xfrm flipH="1">
+            <a:off x="2869057" y="6057211"/>
+            <a:ext cx="291815" cy="0"/>
+          </a:xfrm>
+          <a:prstGeom prst="straightConnector1">
+            <a:avLst/>
+          </a:prstGeom>
+          <a:ln w="3175" cmpd="sng">
+            <a:prstDash val="lgDash"/>
+            <a:tailEnd type="arrow"/>
+          </a:ln>
+          <a:effectLst/>
+        </p:spPr>
+        <p:style>
+          <a:lnRef idx="2">
+            <a:schemeClr val="accent1"/>
+          </a:lnRef>
+          <a:fillRef idx="0">
+            <a:schemeClr val="accent1"/>
+          </a:fillRef>
+          <a:effectRef idx="1">
+            <a:schemeClr val="accent1"/>
+          </a:effectRef>
+          <a:fontRef idx="minor">
+            <a:schemeClr val="tx1"/>
+          </a:fontRef>
+        </p:style>
+      </p:cxnSp>
+      <p:sp>
+        <p:nvSpPr>
+          <p:cNvPr id="111" name="TextBox 110"/>
+          <p:cNvSpPr txBox="1"/>
+          <p:nvPr/>
+        </p:nvSpPr>
+        <p:spPr>
+          <a:xfrm>
+            <a:off x="2869057" y="5642431"/>
+            <a:ext cx="452017" cy="276999"/>
+          </a:xfrm>
+          <a:prstGeom prst="rect">
+            <a:avLst/>
+          </a:prstGeom>
+          <a:noFill/>
+        </p:spPr>
+        <p:txBody>
+          <a:bodyPr wrap="none" rtlCol="0">
+            <a:spAutoFit/>
+          </a:bodyPr>
+          <a:lstStyle/>
+          <a:p>
+            <a:r>
+              <a:rPr lang="en-US" sz="1200" dirty="0" smtClean="0"/>
+              <a:t>Key:</a:t>
+            </a:r>
+            <a:endParaRPr lang="en-US" sz="1200" dirty="0" smtClean="0"/>
+          </a:p>
+        </p:txBody>
+      </p:sp>
+      <p:cxnSp>
+        <p:nvCxnSpPr>
+          <p:cNvPr id="117" name="Straight Connector 116"/>
+          <p:cNvCxnSpPr>
+            <a:stCxn id="76" idx="1"/>
+            <a:endCxn id="57" idx="3"/>
+          </p:cNvCxnSpPr>
+          <p:nvPr/>
+        </p:nvCxnSpPr>
+        <p:spPr>
+          <a:xfrm flipH="1">
+            <a:off x="6110100" y="5308801"/>
+            <a:ext cx="551525" cy="294546"/>
+          </a:xfrm>
+          <a:prstGeom prst="line">
+            <a:avLst/>
+          </a:prstGeom>
+        </p:spPr>
+        <p:style>
+          <a:lnRef idx="1">
+            <a:schemeClr val="dk1"/>
+          </a:lnRef>
+          <a:fillRef idx="0">
+            <a:schemeClr val="dk1"/>
+          </a:fillRef>
+          <a:effectRef idx="0">
+            <a:schemeClr val="dk1"/>
+          </a:effectRef>
+          <a:fontRef idx="minor">
+            <a:schemeClr val="tx1"/>
+          </a:fontRef>
+        </p:style>
+      </p:cxnSp>
+      <p:sp>
+        <p:nvSpPr>
+          <p:cNvPr id="73" name="TextBox 72"/>
+          <p:cNvSpPr txBox="1"/>
+          <p:nvPr/>
+        </p:nvSpPr>
+        <p:spPr>
+          <a:xfrm>
+            <a:off x="7600809" y="3950335"/>
+            <a:ext cx="524302" cy="246221"/>
+          </a:xfrm>
+          <a:prstGeom prst="rect">
+            <a:avLst/>
+          </a:prstGeom>
+          <a:noFill/>
+        </p:spPr>
+        <p:txBody>
+          <a:bodyPr wrap="none" rtlCol="0">
+            <a:spAutoFit/>
+          </a:bodyPr>
+          <a:lstStyle/>
+          <a:p>
+            <a:r>
+              <a:rPr lang="en-US" sz="1000" dirty="0" smtClean="0"/>
+              <a:t>H4.7.6</a:t>
+            </a:r>
+            <a:endParaRPr lang="en-US" sz="1000" dirty="0" smtClean="0"/>
+          </a:p>
+        </p:txBody>
+      </p:sp>
+      <p:sp>
+        <p:nvSpPr>
+          <p:cNvPr id="80" name="TextBox 79"/>
+          <p:cNvSpPr txBox="1"/>
+          <p:nvPr/>
+        </p:nvSpPr>
+        <p:spPr>
+          <a:xfrm>
+            <a:off x="8173237" y="2278458"/>
+            <a:ext cx="524302" cy="246221"/>
+          </a:xfrm>
+          <a:prstGeom prst="rect">
+            <a:avLst/>
+          </a:prstGeom>
+          <a:noFill/>
+        </p:spPr>
+        <p:txBody>
+          <a:bodyPr wrap="none" rtlCol="0">
+            <a:spAutoFit/>
+          </a:bodyPr>
+          <a:lstStyle/>
+          <a:p>
+            <a:r>
+              <a:rPr lang="en-US" sz="1000" dirty="0" smtClean="0"/>
+              <a:t>H4.7.3</a:t>
+            </a:r>
+            <a:endParaRPr lang="en-US" sz="1000" dirty="0" smtClean="0"/>
+          </a:p>
+        </p:txBody>
+      </p:sp>
+      <p:sp>
+        <p:nvSpPr>
+          <p:cNvPr id="81" name="TextBox 80"/>
+          <p:cNvSpPr txBox="1"/>
+          <p:nvPr/>
+        </p:nvSpPr>
+        <p:spPr>
+          <a:xfrm>
+            <a:off x="7835059" y="1154465"/>
+            <a:ext cx="524302" cy="246221"/>
+          </a:xfrm>
+          <a:prstGeom prst="rect">
+            <a:avLst/>
+          </a:prstGeom>
+          <a:noFill/>
+        </p:spPr>
+        <p:txBody>
+          <a:bodyPr wrap="none" rtlCol="0">
+            <a:spAutoFit/>
+          </a:bodyPr>
+          <a:lstStyle/>
+          <a:p>
+            <a:r>
+              <a:rPr lang="en-US" sz="1000" dirty="0" smtClean="0"/>
+              <a:t>H4.7.4</a:t>
+            </a:r>
+            <a:endParaRPr lang="en-US" sz="1000" dirty="0" smtClean="0"/>
+          </a:p>
+        </p:txBody>
+      </p:sp>
+      <p:sp>
+        <p:nvSpPr>
+          <p:cNvPr id="108" name="TextBox 107"/>
+          <p:cNvSpPr txBox="1"/>
+          <p:nvPr/>
+        </p:nvSpPr>
+        <p:spPr>
+          <a:xfrm>
+            <a:off x="8001445" y="1679663"/>
+            <a:ext cx="524302" cy="246221"/>
+          </a:xfrm>
+          <a:prstGeom prst="rect">
+            <a:avLst/>
+          </a:prstGeom>
+          <a:noFill/>
+        </p:spPr>
+        <p:txBody>
+          <a:bodyPr wrap="none" rtlCol="0">
+            <a:spAutoFit/>
+          </a:bodyPr>
+          <a:lstStyle/>
+          <a:p>
+            <a:r>
+              <a:rPr lang="en-US" sz="1000" dirty="0" smtClean="0"/>
+              <a:t>H4.7.2</a:t>
+            </a:r>
+            <a:endParaRPr lang="en-US" sz="1000" dirty="0" smtClean="0"/>
+          </a:p>
+        </p:txBody>
+      </p:sp>
+      <p:sp>
+        <p:nvSpPr>
+          <p:cNvPr id="113" name="TextBox 112"/>
+          <p:cNvSpPr txBox="1"/>
+          <p:nvPr/>
+        </p:nvSpPr>
+        <p:spPr>
+          <a:xfrm>
+            <a:off x="8002465" y="3411495"/>
+            <a:ext cx="524302" cy="246221"/>
+          </a:xfrm>
+          <a:prstGeom prst="rect">
+            <a:avLst/>
+          </a:prstGeom>
+          <a:noFill/>
+        </p:spPr>
+        <p:txBody>
+          <a:bodyPr wrap="none" rtlCol="0">
+            <a:spAutoFit/>
+          </a:bodyPr>
+          <a:lstStyle/>
+          <a:p>
+            <a:r>
+              <a:rPr lang="en-US" sz="1000" dirty="0" smtClean="0"/>
+              <a:t>H4.7.5</a:t>
+            </a:r>
+            <a:endParaRPr lang="en-US" sz="1000" dirty="0" smtClean="0"/>
+          </a:p>
+        </p:txBody>
+      </p:sp>
+      <p:sp>
+        <p:nvSpPr>
+          <p:cNvPr id="114" name="TextBox 113"/>
+          <p:cNvSpPr txBox="1"/>
+          <p:nvPr/>
+        </p:nvSpPr>
+        <p:spPr>
+          <a:xfrm>
+            <a:off x="7770867" y="5628320"/>
+            <a:ext cx="524302" cy="246221"/>
+          </a:xfrm>
+          <a:prstGeom prst="rect">
+            <a:avLst/>
+          </a:prstGeom>
+          <a:noFill/>
+        </p:spPr>
+        <p:txBody>
+          <a:bodyPr wrap="none" rtlCol="0">
+            <a:spAutoFit/>
+          </a:bodyPr>
+          <a:lstStyle/>
+          <a:p>
+            <a:r>
+              <a:rPr lang="en-US" sz="1000" dirty="0" smtClean="0"/>
+              <a:t>H4.7.7</a:t>
+            </a:r>
+            <a:endParaRPr lang="en-US" sz="1000" dirty="0" smtClean="0"/>
+          </a:p>
+        </p:txBody>
+      </p:sp>
+      <p:sp>
+        <p:nvSpPr>
+          <p:cNvPr id="115" name="TextBox 114"/>
+          <p:cNvSpPr txBox="1"/>
+          <p:nvPr/>
+        </p:nvSpPr>
+        <p:spPr>
+          <a:xfrm>
+            <a:off x="7714866" y="553404"/>
+            <a:ext cx="524302" cy="246221"/>
+          </a:xfrm>
+          <a:prstGeom prst="rect">
+            <a:avLst/>
+          </a:prstGeom>
+          <a:noFill/>
+        </p:spPr>
+        <p:txBody>
+          <a:bodyPr wrap="none" rtlCol="0">
+            <a:spAutoFit/>
+          </a:bodyPr>
+          <a:lstStyle/>
+          <a:p>
+            <a:r>
+              <a:rPr lang="en-US" sz="1000" dirty="0" smtClean="0"/>
+              <a:t>H4.7.1</a:t>
+            </a:r>
+            <a:endParaRPr lang="en-US" sz="1000" dirty="0" smtClean="0"/>
+          </a:p>
+        </p:txBody>
+      </p:sp>
+    </p:spTree>
+    <p:extLst>
+      <p:ext uri="{BB962C8B-B14F-4D97-AF65-F5344CB8AC3E}">
+        <p14:creationId xmlns:p14="http://schemas.microsoft.com/office/powerpoint/2010/main" val="3821821036"/>
+      </p:ext>
+    </p:extLst>
+  </p:cSld>
+  <p:clrMapOvr>
+    <a:masterClrMapping/>
+  </p:clrMapOvr>
+  <p:timing>
+    <p:tnLst>
+      <p:par>
+        <p:cTn xmlns:p14="http://schemas.microsoft.com/office/powerpoint/2010/main" id="1" dur="indefinite" restart="never" nodeType="tmRoot"/>
+      </p:par>
+    </p:tnLst>
+  </p:timing>
+</p:sld>
+</file>
+
+<file path=ppt/slides/slide11.xml><?xml version="1.0" encoding="utf-8"?>
 <p:sld xmlns:a="http://schemas.openxmlformats.org/drawingml/2006/main" xmlns:r="http://schemas.openxmlformats.org/officeDocument/2006/relationships" xmlns:p="http://schemas.openxmlformats.org/presentationml/2006/main">
   <p:cSld>
     <p:spTree>
@@ -6793,7 +9291,7 @@
 </p:sld>
 </file>
 
-<file path=ppt/slides/slide11.xml><?xml version="1.0" encoding="utf-8"?>
+<file path=ppt/slides/slide12.xml><?xml version="1.0" encoding="utf-8"?>
 <p:sld xmlns:a="http://schemas.openxmlformats.org/drawingml/2006/main" xmlns:r="http://schemas.openxmlformats.org/officeDocument/2006/relationships" xmlns:p="http://schemas.openxmlformats.org/presentationml/2006/main">
   <p:cSld>
     <p:spTree>
@@ -10495,7 +12993,7 @@
 </p:sld>
 </file>
 
-<file path=ppt/slides/slide12.xml><?xml version="1.0" encoding="utf-8"?>
+<file path=ppt/slides/slide13.xml><?xml version="1.0" encoding="utf-8"?>
 <p:sld xmlns:a="http://schemas.openxmlformats.org/drawingml/2006/main" xmlns:r="http://schemas.openxmlformats.org/officeDocument/2006/relationships" xmlns:p="http://schemas.openxmlformats.org/presentationml/2006/main">
   <p:cSld>
     <p:spTree>
@@ -14352,7 +16850,7 @@
 </p:sld>
 </file>
 
-<file path=ppt/slides/slide13.xml><?xml version="1.0" encoding="utf-8"?>
+<file path=ppt/slides/slide14.xml><?xml version="1.0" encoding="utf-8"?>
 <p:sld xmlns:a="http://schemas.openxmlformats.org/drawingml/2006/main" xmlns:r="http://schemas.openxmlformats.org/officeDocument/2006/relationships" xmlns:p="http://schemas.openxmlformats.org/presentationml/2006/main">
   <p:cSld>
     <p:spTree>
@@ -18293,7 +20791,7 @@
 </p:sld>
 </file>
 
-<file path=ppt/slides/slide14.xml><?xml version="1.0" encoding="utf-8"?>
+<file path=ppt/slides/slide15.xml><?xml version="1.0" encoding="utf-8"?>
 <p:sld xmlns:a="http://schemas.openxmlformats.org/drawingml/2006/main" xmlns:r="http://schemas.openxmlformats.org/officeDocument/2006/relationships" xmlns:p="http://schemas.openxmlformats.org/presentationml/2006/main">
   <p:cSld>
     <p:spTree>
@@ -19779,7 +22277,7 @@
 </p:sld>
 </file>
 
-<file path=ppt/slides/slide15.xml><?xml version="1.0" encoding="utf-8"?>
+<file path=ppt/slides/slide16.xml><?xml version="1.0" encoding="utf-8"?>
 <p:sld xmlns:a="http://schemas.openxmlformats.org/drawingml/2006/main" xmlns:r="http://schemas.openxmlformats.org/officeDocument/2006/relationships" xmlns:p="http://schemas.openxmlformats.org/presentationml/2006/main">
   <p:cSld>
     <p:spTree>
@@ -22040,6 +24538,1130 @@
 </p:sld>
 </file>
 
+<file path=ppt/slides/slide17.xml><?xml version="1.0" encoding="utf-8"?>
+<p:sld xmlns:a="http://schemas.openxmlformats.org/drawingml/2006/main" xmlns:r="http://schemas.openxmlformats.org/officeDocument/2006/relationships" xmlns:p="http://schemas.openxmlformats.org/presentationml/2006/main">
+  <p:cSld>
+    <p:spTree>
+      <p:nvGrpSpPr>
+        <p:cNvPr id="1" name=""/>
+        <p:cNvGrpSpPr/>
+        <p:nvPr/>
+      </p:nvGrpSpPr>
+      <p:grpSpPr>
+        <a:xfrm>
+          <a:off x="0" y="0"/>
+          <a:ext cx="0" cy="0"/>
+          <a:chOff x="0" y="0"/>
+          <a:chExt cx="0" cy="0"/>
+        </a:xfrm>
+      </p:grpSpPr>
+      <p:graphicFrame>
+        <p:nvGraphicFramePr>
+          <p:cNvPr id="4" name="Table 3"/>
+          <p:cNvGraphicFramePr>
+            <a:graphicFrameLocks noGrp="1"/>
+          </p:cNvGraphicFramePr>
+          <p:nvPr>
+            <p:extLst>
+              <p:ext uri="{D42A27DB-BD31-4B8C-83A1-F6EECF244321}">
+                <p14:modId xmlns:p14="http://schemas.microsoft.com/office/powerpoint/2010/main" val="665473994"/>
+              </p:ext>
+            </p:extLst>
+          </p:nvPr>
+        </p:nvGraphicFramePr>
+        <p:xfrm>
+          <a:off x="807432" y="811336"/>
+          <a:ext cx="4965700" cy="2552700"/>
+        </p:xfrm>
+        <a:graphic>
+          <a:graphicData uri="http://schemas.openxmlformats.org/drawingml/2006/table">
+            <a:tbl>
+              <a:tblPr/>
+              <a:tblGrid>
+                <a:gridCol w="2159000"/>
+                <a:gridCol w="2806700"/>
+              </a:tblGrid>
+              <a:tr h="571500">
+                <a:tc>
+                  <a:txBody>
+                    <a:bodyPr/>
+                    <a:lstStyle/>
+                    <a:p>
+                      <a:pPr algn="ctr" fontAlgn="ctr"/>
+                      <a:r>
+                        <a:rPr lang="en-US" sz="1200" b="0" i="0" u="none" strike="noStrike">
+                          <a:solidFill>
+                            <a:srgbClr val="000000"/>
+                          </a:solidFill>
+                          <a:effectLst/>
+                          <a:latin typeface="Times New Roman"/>
+                        </a:rPr>
+                        <a:t>Common dimensions to evaluate e-SQ in e-commerce</a:t>
+                      </a:r>
+                    </a:p>
+                  </a:txBody>
+                  <a:tcPr marL="12700" marR="12700" marT="12700" marB="0" anchor="ctr">
+                    <a:lnL w="12700" cap="flat" cmpd="sng" algn="ctr">
+                      <a:solidFill>
+                        <a:srgbClr val="000000"/>
+                      </a:solidFill>
+                      <a:prstDash val="solid"/>
+                      <a:round/>
+                      <a:headEnd type="none" w="med" len="med"/>
+                      <a:tailEnd type="none" w="med" len="med"/>
+                    </a:lnL>
+                    <a:lnR w="12700" cap="flat" cmpd="sng" algn="ctr">
+                      <a:solidFill>
+                        <a:srgbClr val="000000"/>
+                      </a:solidFill>
+                      <a:prstDash val="solid"/>
+                      <a:round/>
+                      <a:headEnd type="none" w="med" len="med"/>
+                      <a:tailEnd type="none" w="med" len="med"/>
+                    </a:lnR>
+                    <a:lnT w="12700" cap="flat" cmpd="sng" algn="ctr">
+                      <a:solidFill>
+                        <a:srgbClr val="000000"/>
+                      </a:solidFill>
+                      <a:prstDash val="solid"/>
+                      <a:round/>
+                      <a:headEnd type="none" w="med" len="med"/>
+                      <a:tailEnd type="none" w="med" len="med"/>
+                    </a:lnT>
+                    <a:lnB w="19050" cap="flat" cmpd="sng" algn="ctr">
+                      <a:solidFill>
+                        <a:srgbClr val="000000"/>
+                      </a:solidFill>
+                      <a:prstDash val="solid"/>
+                      <a:round/>
+                      <a:headEnd type="none" w="med" len="med"/>
+                      <a:tailEnd type="none" w="med" len="med"/>
+                    </a:lnB>
+                    <a:solidFill>
+                      <a:srgbClr val="FFFFFF"/>
+                    </a:solidFill>
+                  </a:tcPr>
+                </a:tc>
+                <a:tc>
+                  <a:txBody>
+                    <a:bodyPr/>
+                    <a:lstStyle/>
+                    <a:p>
+                      <a:pPr algn="ctr" fontAlgn="ctr"/>
+                      <a:r>
+                        <a:rPr lang="en-US" sz="1200" b="0" i="0" u="none" strike="noStrike">
+                          <a:solidFill>
+                            <a:srgbClr val="000000"/>
+                          </a:solidFill>
+                          <a:effectLst/>
+                          <a:latin typeface="Times New Roman"/>
+                        </a:rPr>
+                        <a:t>Common consistent dimensions to evaluate s-SQ in e-commerce</a:t>
+                      </a:r>
+                    </a:p>
+                  </a:txBody>
+                  <a:tcPr marL="12700" marR="12700" marT="12700" marB="0" anchor="ctr">
+                    <a:lnL w="12700" cap="flat" cmpd="sng" algn="ctr">
+                      <a:solidFill>
+                        <a:srgbClr val="000000"/>
+                      </a:solidFill>
+                      <a:prstDash val="solid"/>
+                      <a:round/>
+                      <a:headEnd type="none" w="med" len="med"/>
+                      <a:tailEnd type="none" w="med" len="med"/>
+                    </a:lnL>
+                    <a:lnR w="12700" cap="flat" cmpd="sng" algn="ctr">
+                      <a:solidFill>
+                        <a:srgbClr val="000000"/>
+                      </a:solidFill>
+                      <a:prstDash val="solid"/>
+                      <a:round/>
+                      <a:headEnd type="none" w="med" len="med"/>
+                      <a:tailEnd type="none" w="med" len="med"/>
+                    </a:lnR>
+                    <a:lnT w="12700" cap="flat" cmpd="sng" algn="ctr">
+                      <a:solidFill>
+                        <a:srgbClr val="000000"/>
+                      </a:solidFill>
+                      <a:prstDash val="solid"/>
+                      <a:round/>
+                      <a:headEnd type="none" w="med" len="med"/>
+                      <a:tailEnd type="none" w="med" len="med"/>
+                    </a:lnT>
+                    <a:lnB w="19050" cap="flat" cmpd="sng" algn="ctr">
+                      <a:solidFill>
+                        <a:srgbClr val="000000"/>
+                      </a:solidFill>
+                      <a:prstDash val="solid"/>
+                      <a:round/>
+                      <a:headEnd type="none" w="med" len="med"/>
+                      <a:tailEnd type="none" w="med" len="med"/>
+                    </a:lnB>
+                    <a:solidFill>
+                      <a:srgbClr val="FFFFFF"/>
+                    </a:solidFill>
+                  </a:tcPr>
+                </a:tc>
+              </a:tr>
+              <a:tr h="330200">
+                <a:tc>
+                  <a:txBody>
+                    <a:bodyPr/>
+                    <a:lstStyle/>
+                    <a:p>
+                      <a:pPr algn="l" fontAlgn="ctr"/>
+                      <a:r>
+                        <a:rPr lang="en-US" sz="1200" b="0" i="0" u="none" strike="noStrike">
+                          <a:solidFill>
+                            <a:srgbClr val="000000"/>
+                          </a:solidFill>
+                          <a:effectLst/>
+                          <a:latin typeface="Times New Roman"/>
+                        </a:rPr>
+                        <a:t>1. Reliability</a:t>
+                      </a:r>
+                    </a:p>
+                  </a:txBody>
+                  <a:tcPr marL="152400" marR="12700" marT="12700" marB="0" anchor="ctr">
+                    <a:lnL w="12700" cap="flat" cmpd="sng" algn="ctr">
+                      <a:solidFill>
+                        <a:srgbClr val="000000"/>
+                      </a:solidFill>
+                      <a:prstDash val="solid"/>
+                      <a:round/>
+                      <a:headEnd type="none" w="med" len="med"/>
+                      <a:tailEnd type="none" w="med" len="med"/>
+                    </a:lnL>
+                    <a:lnR w="12700" cap="flat" cmpd="sng" algn="ctr">
+                      <a:solidFill>
+                        <a:srgbClr val="000000"/>
+                      </a:solidFill>
+                      <a:prstDash val="solid"/>
+                      <a:round/>
+                      <a:headEnd type="none" w="med" len="med"/>
+                      <a:tailEnd type="none" w="med" len="med"/>
+                    </a:lnR>
+                    <a:lnT w="19050" cap="flat" cmpd="sng" algn="ctr">
+                      <a:solidFill>
+                        <a:srgbClr val="000000"/>
+                      </a:solidFill>
+                      <a:prstDash val="solid"/>
+                      <a:round/>
+                      <a:headEnd type="none" w="med" len="med"/>
+                      <a:tailEnd type="none" w="med" len="med"/>
+                    </a:lnT>
+                    <a:lnB w="12700" cap="flat" cmpd="sng" algn="ctr">
+                      <a:solidFill>
+                        <a:srgbClr val="000000"/>
+                      </a:solidFill>
+                      <a:prstDash val="solid"/>
+                      <a:round/>
+                      <a:headEnd type="none" w="med" len="med"/>
+                      <a:tailEnd type="none" w="med" len="med"/>
+                    </a:lnB>
+                    <a:solidFill>
+                      <a:srgbClr val="FFFFFF"/>
+                    </a:solidFill>
+                  </a:tcPr>
+                </a:tc>
+                <a:tc>
+                  <a:txBody>
+                    <a:bodyPr/>
+                    <a:lstStyle/>
+                    <a:p>
+                      <a:pPr algn="l" fontAlgn="ctr"/>
+                      <a:r>
+                        <a:rPr lang="en-US" sz="1200" b="0" i="0" u="none" strike="noStrike">
+                          <a:solidFill>
+                            <a:srgbClr val="000000"/>
+                          </a:solidFill>
+                          <a:effectLst/>
+                          <a:latin typeface="Times New Roman"/>
+                        </a:rPr>
+                        <a:t>1.</a:t>
+                      </a:r>
+                      <a:r>
+                        <a:rPr lang="en-US" sz="700" b="0" i="0" u="none" strike="noStrike">
+                          <a:solidFill>
+                            <a:srgbClr val="000000"/>
+                          </a:solidFill>
+                          <a:effectLst/>
+                          <a:latin typeface="Times New Roman"/>
+                        </a:rPr>
+                        <a:t>     </a:t>
+                      </a:r>
+                      <a:r>
+                        <a:rPr lang="en-US" sz="1200" b="0" i="0" u="none" strike="noStrike">
+                          <a:solidFill>
+                            <a:srgbClr val="000000"/>
+                          </a:solidFill>
+                          <a:effectLst/>
+                          <a:latin typeface="Times New Roman"/>
+                        </a:rPr>
+                        <a:t>Reliability/fulfilment</a:t>
+                      </a:r>
+                    </a:p>
+                  </a:txBody>
+                  <a:tcPr marL="457200" marR="12700" marT="12700" marB="0" anchor="ctr">
+                    <a:lnL w="12700" cap="flat" cmpd="sng" algn="ctr">
+                      <a:solidFill>
+                        <a:srgbClr val="000000"/>
+                      </a:solidFill>
+                      <a:prstDash val="solid"/>
+                      <a:round/>
+                      <a:headEnd type="none" w="med" len="med"/>
+                      <a:tailEnd type="none" w="med" len="med"/>
+                    </a:lnL>
+                    <a:lnR w="12700" cap="flat" cmpd="sng" algn="ctr">
+                      <a:solidFill>
+                        <a:srgbClr val="000000"/>
+                      </a:solidFill>
+                      <a:prstDash val="solid"/>
+                      <a:round/>
+                      <a:headEnd type="none" w="med" len="med"/>
+                      <a:tailEnd type="none" w="med" len="med"/>
+                    </a:lnR>
+                    <a:lnT w="19050" cap="flat" cmpd="sng" algn="ctr">
+                      <a:solidFill>
+                        <a:srgbClr val="000000"/>
+                      </a:solidFill>
+                      <a:prstDash val="solid"/>
+                      <a:round/>
+                      <a:headEnd type="none" w="med" len="med"/>
+                      <a:tailEnd type="none" w="med" len="med"/>
+                    </a:lnT>
+                    <a:lnB w="12700" cap="flat" cmpd="sng" algn="ctr">
+                      <a:solidFill>
+                        <a:srgbClr val="000000"/>
+                      </a:solidFill>
+                      <a:prstDash val="solid"/>
+                      <a:round/>
+                      <a:headEnd type="none" w="med" len="med"/>
+                      <a:tailEnd type="none" w="med" len="med"/>
+                    </a:lnB>
+                    <a:solidFill>
+                      <a:srgbClr val="FFFFFF"/>
+                    </a:solidFill>
+                  </a:tcPr>
+                </a:tc>
+              </a:tr>
+              <a:tr h="330200">
+                <a:tc>
+                  <a:txBody>
+                    <a:bodyPr/>
+                    <a:lstStyle/>
+                    <a:p>
+                      <a:pPr algn="l" fontAlgn="ctr"/>
+                      <a:r>
+                        <a:rPr lang="en-US" sz="1200" b="0" i="0" u="none" strike="noStrike">
+                          <a:solidFill>
+                            <a:srgbClr val="000000"/>
+                          </a:solidFill>
+                          <a:effectLst/>
+                          <a:latin typeface="Times New Roman"/>
+                        </a:rPr>
+                        <a:t>2. Web design</a:t>
+                      </a:r>
+                    </a:p>
+                  </a:txBody>
+                  <a:tcPr marL="152400" marR="12700" marT="12700" marB="0" anchor="ctr">
+                    <a:lnL w="12700" cap="flat" cmpd="sng" algn="ctr">
+                      <a:solidFill>
+                        <a:srgbClr val="000000"/>
+                      </a:solidFill>
+                      <a:prstDash val="solid"/>
+                      <a:round/>
+                      <a:headEnd type="none" w="med" len="med"/>
+                      <a:tailEnd type="none" w="med" len="med"/>
+                    </a:lnL>
+                    <a:lnR w="12700" cap="flat" cmpd="sng" algn="ctr">
+                      <a:solidFill>
+                        <a:srgbClr val="000000"/>
+                      </a:solidFill>
+                      <a:prstDash val="solid"/>
+                      <a:round/>
+                      <a:headEnd type="none" w="med" len="med"/>
+                      <a:tailEnd type="none" w="med" len="med"/>
+                    </a:lnR>
+                    <a:lnT w="12700" cap="flat" cmpd="sng" algn="ctr">
+                      <a:solidFill>
+                        <a:srgbClr val="000000"/>
+                      </a:solidFill>
+                      <a:prstDash val="solid"/>
+                      <a:round/>
+                      <a:headEnd type="none" w="med" len="med"/>
+                      <a:tailEnd type="none" w="med" len="med"/>
+                    </a:lnT>
+                    <a:lnB w="12700" cap="flat" cmpd="sng" algn="ctr">
+                      <a:solidFill>
+                        <a:srgbClr val="000000"/>
+                      </a:solidFill>
+                      <a:prstDash val="solid"/>
+                      <a:round/>
+                      <a:headEnd type="none" w="med" len="med"/>
+                      <a:tailEnd type="none" w="med" len="med"/>
+                    </a:lnB>
+                    <a:solidFill>
+                      <a:srgbClr val="FFFFFF"/>
+                    </a:solidFill>
+                  </a:tcPr>
+                </a:tc>
+                <a:tc>
+                  <a:txBody>
+                    <a:bodyPr/>
+                    <a:lstStyle/>
+                    <a:p>
+                      <a:pPr algn="l" fontAlgn="ctr"/>
+                      <a:r>
+                        <a:rPr lang="en-US" sz="1200" b="0" i="0" u="none" strike="noStrike">
+                          <a:solidFill>
+                            <a:srgbClr val="000000"/>
+                          </a:solidFill>
+                          <a:effectLst/>
+                          <a:latin typeface="Times New Roman"/>
+                        </a:rPr>
+                        <a:t>2.</a:t>
+                      </a:r>
+                      <a:r>
+                        <a:rPr lang="en-US" sz="700" b="0" i="0" u="none" strike="noStrike">
+                          <a:solidFill>
+                            <a:srgbClr val="000000"/>
+                          </a:solidFill>
+                          <a:effectLst/>
+                          <a:latin typeface="Times New Roman"/>
+                        </a:rPr>
+                        <a:t>     </a:t>
+                      </a:r>
+                      <a:r>
+                        <a:rPr lang="en-US" sz="1200" b="0" i="0" u="none" strike="noStrike">
+                          <a:solidFill>
+                            <a:srgbClr val="000000"/>
+                          </a:solidFill>
+                          <a:effectLst/>
+                          <a:latin typeface="Times New Roman"/>
+                        </a:rPr>
+                        <a:t>Web design</a:t>
+                      </a:r>
+                    </a:p>
+                  </a:txBody>
+                  <a:tcPr marL="457200" marR="12700" marT="12700" marB="0" anchor="ctr">
+                    <a:lnL w="12700" cap="flat" cmpd="sng" algn="ctr">
+                      <a:solidFill>
+                        <a:srgbClr val="000000"/>
+                      </a:solidFill>
+                      <a:prstDash val="solid"/>
+                      <a:round/>
+                      <a:headEnd type="none" w="med" len="med"/>
+                      <a:tailEnd type="none" w="med" len="med"/>
+                    </a:lnL>
+                    <a:lnR w="12700" cap="flat" cmpd="sng" algn="ctr">
+                      <a:solidFill>
+                        <a:srgbClr val="000000"/>
+                      </a:solidFill>
+                      <a:prstDash val="solid"/>
+                      <a:round/>
+                      <a:headEnd type="none" w="med" len="med"/>
+                      <a:tailEnd type="none" w="med" len="med"/>
+                    </a:lnR>
+                    <a:lnT w="12700" cap="flat" cmpd="sng" algn="ctr">
+                      <a:solidFill>
+                        <a:srgbClr val="000000"/>
+                      </a:solidFill>
+                      <a:prstDash val="solid"/>
+                      <a:round/>
+                      <a:headEnd type="none" w="med" len="med"/>
+                      <a:tailEnd type="none" w="med" len="med"/>
+                    </a:lnT>
+                    <a:lnB w="12700" cap="flat" cmpd="sng" algn="ctr">
+                      <a:solidFill>
+                        <a:srgbClr val="000000"/>
+                      </a:solidFill>
+                      <a:prstDash val="solid"/>
+                      <a:round/>
+                      <a:headEnd type="none" w="med" len="med"/>
+                      <a:tailEnd type="none" w="med" len="med"/>
+                    </a:lnB>
+                    <a:solidFill>
+                      <a:srgbClr val="FFFFFF"/>
+                    </a:solidFill>
+                  </a:tcPr>
+                </a:tc>
+              </a:tr>
+              <a:tr h="330200">
+                <a:tc>
+                  <a:txBody>
+                    <a:bodyPr/>
+                    <a:lstStyle/>
+                    <a:p>
+                      <a:pPr algn="l" fontAlgn="ctr"/>
+                      <a:r>
+                        <a:rPr lang="en-US" sz="1200" b="0" i="0" u="none" strike="noStrike">
+                          <a:solidFill>
+                            <a:srgbClr val="000000"/>
+                          </a:solidFill>
+                          <a:effectLst/>
+                          <a:latin typeface="Times New Roman"/>
+                        </a:rPr>
+                        <a:t>3. Responsiveness</a:t>
+                      </a:r>
+                    </a:p>
+                  </a:txBody>
+                  <a:tcPr marL="152400" marR="12700" marT="12700" marB="0" anchor="ctr">
+                    <a:lnL w="12700" cap="flat" cmpd="sng" algn="ctr">
+                      <a:solidFill>
+                        <a:srgbClr val="000000"/>
+                      </a:solidFill>
+                      <a:prstDash val="solid"/>
+                      <a:round/>
+                      <a:headEnd type="none" w="med" len="med"/>
+                      <a:tailEnd type="none" w="med" len="med"/>
+                    </a:lnL>
+                    <a:lnR w="12700" cap="flat" cmpd="sng" algn="ctr">
+                      <a:solidFill>
+                        <a:srgbClr val="000000"/>
+                      </a:solidFill>
+                      <a:prstDash val="solid"/>
+                      <a:round/>
+                      <a:headEnd type="none" w="med" len="med"/>
+                      <a:tailEnd type="none" w="med" len="med"/>
+                    </a:lnR>
+                    <a:lnT w="12700" cap="flat" cmpd="sng" algn="ctr">
+                      <a:solidFill>
+                        <a:srgbClr val="000000"/>
+                      </a:solidFill>
+                      <a:prstDash val="solid"/>
+                      <a:round/>
+                      <a:headEnd type="none" w="med" len="med"/>
+                      <a:tailEnd type="none" w="med" len="med"/>
+                    </a:lnT>
+                    <a:lnB w="12700" cap="flat" cmpd="sng" algn="ctr">
+                      <a:solidFill>
+                        <a:srgbClr val="000000"/>
+                      </a:solidFill>
+                      <a:prstDash val="solid"/>
+                      <a:round/>
+                      <a:headEnd type="none" w="med" len="med"/>
+                      <a:tailEnd type="none" w="med" len="med"/>
+                    </a:lnB>
+                    <a:solidFill>
+                      <a:srgbClr val="FFFFFF"/>
+                    </a:solidFill>
+                  </a:tcPr>
+                </a:tc>
+                <a:tc>
+                  <a:txBody>
+                    <a:bodyPr/>
+                    <a:lstStyle/>
+                    <a:p>
+                      <a:pPr algn="l" fontAlgn="ctr"/>
+                      <a:r>
+                        <a:rPr lang="en-US" sz="1200" b="0" i="0" u="none" strike="noStrike">
+                          <a:solidFill>
+                            <a:srgbClr val="000000"/>
+                          </a:solidFill>
+                          <a:effectLst/>
+                          <a:latin typeface="Times New Roman"/>
+                        </a:rPr>
+                        <a:t>3.</a:t>
+                      </a:r>
+                      <a:r>
+                        <a:rPr lang="en-US" sz="700" b="0" i="0" u="none" strike="noStrike">
+                          <a:solidFill>
+                            <a:srgbClr val="000000"/>
+                          </a:solidFill>
+                          <a:effectLst/>
+                          <a:latin typeface="Times New Roman"/>
+                        </a:rPr>
+                        <a:t>     </a:t>
+                      </a:r>
+                      <a:r>
+                        <a:rPr lang="en-US" sz="1200" b="0" i="0" u="none" strike="noStrike">
+                          <a:solidFill>
+                            <a:srgbClr val="000000"/>
+                          </a:solidFill>
+                          <a:effectLst/>
+                          <a:latin typeface="Times New Roman"/>
+                        </a:rPr>
+                        <a:t>Responsiveness</a:t>
+                      </a:r>
+                    </a:p>
+                  </a:txBody>
+                  <a:tcPr marL="457200" marR="12700" marT="12700" marB="0" anchor="ctr">
+                    <a:lnL w="12700" cap="flat" cmpd="sng" algn="ctr">
+                      <a:solidFill>
+                        <a:srgbClr val="000000"/>
+                      </a:solidFill>
+                      <a:prstDash val="solid"/>
+                      <a:round/>
+                      <a:headEnd type="none" w="med" len="med"/>
+                      <a:tailEnd type="none" w="med" len="med"/>
+                    </a:lnL>
+                    <a:lnR w="12700" cap="flat" cmpd="sng" algn="ctr">
+                      <a:solidFill>
+                        <a:srgbClr val="000000"/>
+                      </a:solidFill>
+                      <a:prstDash val="solid"/>
+                      <a:round/>
+                      <a:headEnd type="none" w="med" len="med"/>
+                      <a:tailEnd type="none" w="med" len="med"/>
+                    </a:lnR>
+                    <a:lnT w="12700" cap="flat" cmpd="sng" algn="ctr">
+                      <a:solidFill>
+                        <a:srgbClr val="000000"/>
+                      </a:solidFill>
+                      <a:prstDash val="solid"/>
+                      <a:round/>
+                      <a:headEnd type="none" w="med" len="med"/>
+                      <a:tailEnd type="none" w="med" len="med"/>
+                    </a:lnT>
+                    <a:lnB w="12700" cap="flat" cmpd="sng" algn="ctr">
+                      <a:solidFill>
+                        <a:srgbClr val="000000"/>
+                      </a:solidFill>
+                      <a:prstDash val="solid"/>
+                      <a:round/>
+                      <a:headEnd type="none" w="med" len="med"/>
+                      <a:tailEnd type="none" w="med" len="med"/>
+                    </a:lnB>
+                    <a:solidFill>
+                      <a:srgbClr val="FFFFFF"/>
+                    </a:solidFill>
+                  </a:tcPr>
+                </a:tc>
+              </a:tr>
+              <a:tr h="330200">
+                <a:tc>
+                  <a:txBody>
+                    <a:bodyPr/>
+                    <a:lstStyle/>
+                    <a:p>
+                      <a:pPr algn="l" fontAlgn="ctr"/>
+                      <a:r>
+                        <a:rPr lang="en-US" sz="1200" b="0" i="0" u="none" strike="noStrike">
+                          <a:solidFill>
+                            <a:srgbClr val="000000"/>
+                          </a:solidFill>
+                          <a:effectLst/>
+                          <a:latin typeface="Times New Roman"/>
+                        </a:rPr>
+                        <a:t>4. Customer service</a:t>
+                      </a:r>
+                    </a:p>
+                  </a:txBody>
+                  <a:tcPr marL="152400" marR="12700" marT="12700" marB="0" anchor="ctr">
+                    <a:lnL w="12700" cap="flat" cmpd="sng" algn="ctr">
+                      <a:solidFill>
+                        <a:srgbClr val="000000"/>
+                      </a:solidFill>
+                      <a:prstDash val="solid"/>
+                      <a:round/>
+                      <a:headEnd type="none" w="med" len="med"/>
+                      <a:tailEnd type="none" w="med" len="med"/>
+                    </a:lnL>
+                    <a:lnR w="12700" cap="flat" cmpd="sng" algn="ctr">
+                      <a:solidFill>
+                        <a:srgbClr val="000000"/>
+                      </a:solidFill>
+                      <a:prstDash val="solid"/>
+                      <a:round/>
+                      <a:headEnd type="none" w="med" len="med"/>
+                      <a:tailEnd type="none" w="med" len="med"/>
+                    </a:lnR>
+                    <a:lnT w="12700" cap="flat" cmpd="sng" algn="ctr">
+                      <a:solidFill>
+                        <a:srgbClr val="000000"/>
+                      </a:solidFill>
+                      <a:prstDash val="solid"/>
+                      <a:round/>
+                      <a:headEnd type="none" w="med" len="med"/>
+                      <a:tailEnd type="none" w="med" len="med"/>
+                    </a:lnT>
+                    <a:lnB w="12700" cap="flat" cmpd="sng" algn="ctr">
+                      <a:solidFill>
+                        <a:srgbClr val="000000"/>
+                      </a:solidFill>
+                      <a:prstDash val="solid"/>
+                      <a:round/>
+                      <a:headEnd type="none" w="med" len="med"/>
+                      <a:tailEnd type="none" w="med" len="med"/>
+                    </a:lnB>
+                    <a:solidFill>
+                      <a:srgbClr val="FFFFFF"/>
+                    </a:solidFill>
+                  </a:tcPr>
+                </a:tc>
+                <a:tc>
+                  <a:txBody>
+                    <a:bodyPr/>
+                    <a:lstStyle/>
+                    <a:p>
+                      <a:pPr algn="l" fontAlgn="ctr"/>
+                      <a:r>
+                        <a:rPr lang="en-US" sz="1200" b="0" i="0" u="none" strike="noStrike">
+                          <a:solidFill>
+                            <a:srgbClr val="000000"/>
+                          </a:solidFill>
+                          <a:effectLst/>
+                          <a:latin typeface="Times New Roman"/>
+                        </a:rPr>
+                        <a:t>4.</a:t>
+                      </a:r>
+                      <a:r>
+                        <a:rPr lang="en-US" sz="700" b="0" i="0" u="none" strike="noStrike">
+                          <a:solidFill>
+                            <a:srgbClr val="000000"/>
+                          </a:solidFill>
+                          <a:effectLst/>
+                          <a:latin typeface="Times New Roman"/>
+                        </a:rPr>
+                        <a:t>     </a:t>
+                      </a:r>
+                      <a:r>
+                        <a:rPr lang="en-US" sz="1200" b="0" i="0" u="none" strike="noStrike">
+                          <a:solidFill>
+                            <a:srgbClr val="000000"/>
+                          </a:solidFill>
+                          <a:effectLst/>
+                          <a:latin typeface="Times New Roman"/>
+                        </a:rPr>
+                        <a:t>Privacy/security</a:t>
+                      </a:r>
+                    </a:p>
+                  </a:txBody>
+                  <a:tcPr marL="457200" marR="12700" marT="12700" marB="0" anchor="ctr">
+                    <a:lnL w="12700" cap="flat" cmpd="sng" algn="ctr">
+                      <a:solidFill>
+                        <a:srgbClr val="000000"/>
+                      </a:solidFill>
+                      <a:prstDash val="solid"/>
+                      <a:round/>
+                      <a:headEnd type="none" w="med" len="med"/>
+                      <a:tailEnd type="none" w="med" len="med"/>
+                    </a:lnL>
+                    <a:lnR w="12700" cap="flat" cmpd="sng" algn="ctr">
+                      <a:solidFill>
+                        <a:srgbClr val="000000"/>
+                      </a:solidFill>
+                      <a:prstDash val="solid"/>
+                      <a:round/>
+                      <a:headEnd type="none" w="med" len="med"/>
+                      <a:tailEnd type="none" w="med" len="med"/>
+                    </a:lnR>
+                    <a:lnT w="12700" cap="flat" cmpd="sng" algn="ctr">
+                      <a:solidFill>
+                        <a:srgbClr val="000000"/>
+                      </a:solidFill>
+                      <a:prstDash val="solid"/>
+                      <a:round/>
+                      <a:headEnd type="none" w="med" len="med"/>
+                      <a:tailEnd type="none" w="med" len="med"/>
+                    </a:lnT>
+                    <a:lnB w="12700" cap="flat" cmpd="sng" algn="ctr">
+                      <a:solidFill>
+                        <a:srgbClr val="000000"/>
+                      </a:solidFill>
+                      <a:prstDash val="solid"/>
+                      <a:round/>
+                      <a:headEnd type="none" w="med" len="med"/>
+                      <a:tailEnd type="none" w="med" len="med"/>
+                    </a:lnB>
+                    <a:solidFill>
+                      <a:srgbClr val="FFFFFF"/>
+                    </a:solidFill>
+                  </a:tcPr>
+                </a:tc>
+              </a:tr>
+              <a:tr h="330200">
+                <a:tc>
+                  <a:txBody>
+                    <a:bodyPr/>
+                    <a:lstStyle/>
+                    <a:p>
+                      <a:pPr algn="l" fontAlgn="ctr"/>
+                      <a:r>
+                        <a:rPr lang="en-US" sz="1200" b="0" i="0" u="none" strike="noStrike">
+                          <a:solidFill>
+                            <a:srgbClr val="000000"/>
+                          </a:solidFill>
+                          <a:effectLst/>
+                          <a:latin typeface="Times New Roman"/>
+                        </a:rPr>
+                        <a:t>5. Personalization</a:t>
+                      </a:r>
+                    </a:p>
+                  </a:txBody>
+                  <a:tcPr marL="152400" marR="12700" marT="12700" marB="0" anchor="ctr">
+                    <a:lnL w="12700" cap="flat" cmpd="sng" algn="ctr">
+                      <a:solidFill>
+                        <a:srgbClr val="000000"/>
+                      </a:solidFill>
+                      <a:prstDash val="solid"/>
+                      <a:round/>
+                      <a:headEnd type="none" w="med" len="med"/>
+                      <a:tailEnd type="none" w="med" len="med"/>
+                    </a:lnL>
+                    <a:lnR w="12700" cap="flat" cmpd="sng" algn="ctr">
+                      <a:solidFill>
+                        <a:srgbClr val="000000"/>
+                      </a:solidFill>
+                      <a:prstDash val="solid"/>
+                      <a:round/>
+                      <a:headEnd type="none" w="med" len="med"/>
+                      <a:tailEnd type="none" w="med" len="med"/>
+                    </a:lnR>
+                    <a:lnT w="12700" cap="flat" cmpd="sng" algn="ctr">
+                      <a:solidFill>
+                        <a:srgbClr val="000000"/>
+                      </a:solidFill>
+                      <a:prstDash val="solid"/>
+                      <a:round/>
+                      <a:headEnd type="none" w="med" len="med"/>
+                      <a:tailEnd type="none" w="med" len="med"/>
+                    </a:lnT>
+                    <a:lnB w="12700" cap="flat" cmpd="sng" algn="ctr">
+                      <a:solidFill>
+                        <a:srgbClr val="000000"/>
+                      </a:solidFill>
+                      <a:prstDash val="solid"/>
+                      <a:round/>
+                      <a:headEnd type="none" w="med" len="med"/>
+                      <a:tailEnd type="none" w="med" len="med"/>
+                    </a:lnB>
+                    <a:solidFill>
+                      <a:srgbClr val="FFFFFF"/>
+                    </a:solidFill>
+                  </a:tcPr>
+                </a:tc>
+                <a:tc>
+                  <a:txBody>
+                    <a:bodyPr/>
+                    <a:lstStyle/>
+                    <a:p>
+                      <a:pPr algn="l" fontAlgn="ctr"/>
+                      <a:r>
+                        <a:rPr lang="en-US" sz="1200" b="0" i="0" u="none" strike="noStrike">
+                          <a:solidFill>
+                            <a:srgbClr val="000000"/>
+                          </a:solidFill>
+                          <a:effectLst/>
+                          <a:latin typeface="Times New Roman"/>
+                        </a:rPr>
+                        <a:t>5.</a:t>
+                      </a:r>
+                      <a:r>
+                        <a:rPr lang="en-US" sz="700" b="0" i="0" u="none" strike="noStrike">
+                          <a:solidFill>
+                            <a:srgbClr val="000000"/>
+                          </a:solidFill>
+                          <a:effectLst/>
+                          <a:latin typeface="Times New Roman"/>
+                        </a:rPr>
+                        <a:t>     </a:t>
+                      </a:r>
+                      <a:r>
+                        <a:rPr lang="en-US" sz="1200" b="0" i="0" u="none" strike="noStrike">
+                          <a:solidFill>
+                            <a:srgbClr val="000000"/>
+                          </a:solidFill>
+                          <a:effectLst/>
+                          <a:latin typeface="Times New Roman"/>
+                        </a:rPr>
+                        <a:t>Ease of use/usability</a:t>
+                      </a:r>
+                    </a:p>
+                  </a:txBody>
+                  <a:tcPr marL="457200" marR="12700" marT="12700" marB="0" anchor="ctr">
+                    <a:lnL w="12700" cap="flat" cmpd="sng" algn="ctr">
+                      <a:solidFill>
+                        <a:srgbClr val="000000"/>
+                      </a:solidFill>
+                      <a:prstDash val="solid"/>
+                      <a:round/>
+                      <a:headEnd type="none" w="med" len="med"/>
+                      <a:tailEnd type="none" w="med" len="med"/>
+                    </a:lnL>
+                    <a:lnR w="12700" cap="flat" cmpd="sng" algn="ctr">
+                      <a:solidFill>
+                        <a:srgbClr val="000000"/>
+                      </a:solidFill>
+                      <a:prstDash val="solid"/>
+                      <a:round/>
+                      <a:headEnd type="none" w="med" len="med"/>
+                      <a:tailEnd type="none" w="med" len="med"/>
+                    </a:lnR>
+                    <a:lnT w="12700" cap="flat" cmpd="sng" algn="ctr">
+                      <a:solidFill>
+                        <a:srgbClr val="000000"/>
+                      </a:solidFill>
+                      <a:prstDash val="solid"/>
+                      <a:round/>
+                      <a:headEnd type="none" w="med" len="med"/>
+                      <a:tailEnd type="none" w="med" len="med"/>
+                    </a:lnT>
+                    <a:lnB w="12700" cap="flat" cmpd="sng" algn="ctr">
+                      <a:solidFill>
+                        <a:srgbClr val="000000"/>
+                      </a:solidFill>
+                      <a:prstDash val="solid"/>
+                      <a:round/>
+                      <a:headEnd type="none" w="med" len="med"/>
+                      <a:tailEnd type="none" w="med" len="med"/>
+                    </a:lnB>
+                    <a:solidFill>
+                      <a:srgbClr val="FFFFFF"/>
+                    </a:solidFill>
+                  </a:tcPr>
+                </a:tc>
+              </a:tr>
+              <a:tr h="330200">
+                <a:tc>
+                  <a:txBody>
+                    <a:bodyPr/>
+                    <a:lstStyle/>
+                    <a:p>
+                      <a:pPr algn="just" fontAlgn="ctr"/>
+                      <a:r>
+                        <a:rPr lang="en-US" sz="1200" b="0" i="0" u="none" strike="noStrike" dirty="0">
+                          <a:solidFill>
+                            <a:srgbClr val="000000"/>
+                          </a:solidFill>
+                          <a:effectLst/>
+                          <a:latin typeface="Times New Roman"/>
+                        </a:rPr>
+                        <a:t> </a:t>
+                      </a:r>
+                    </a:p>
+                  </a:txBody>
+                  <a:tcPr marL="12700" marR="12700" marT="12700" marB="0" anchor="ctr">
+                    <a:lnL w="12700" cap="flat" cmpd="sng" algn="ctr">
+                      <a:solidFill>
+                        <a:srgbClr val="000000"/>
+                      </a:solidFill>
+                      <a:prstDash val="solid"/>
+                      <a:round/>
+                      <a:headEnd type="none" w="med" len="med"/>
+                      <a:tailEnd type="none" w="med" len="med"/>
+                    </a:lnL>
+                    <a:lnR w="12700" cap="flat" cmpd="sng" algn="ctr">
+                      <a:solidFill>
+                        <a:srgbClr val="000000"/>
+                      </a:solidFill>
+                      <a:prstDash val="solid"/>
+                      <a:round/>
+                      <a:headEnd type="none" w="med" len="med"/>
+                      <a:tailEnd type="none" w="med" len="med"/>
+                    </a:lnR>
+                    <a:lnT w="12700" cap="flat" cmpd="sng" algn="ctr">
+                      <a:solidFill>
+                        <a:srgbClr val="000000"/>
+                      </a:solidFill>
+                      <a:prstDash val="solid"/>
+                      <a:round/>
+                      <a:headEnd type="none" w="med" len="med"/>
+                      <a:tailEnd type="none" w="med" len="med"/>
+                    </a:lnT>
+                    <a:lnB w="12700" cap="flat" cmpd="sng" algn="ctr">
+                      <a:solidFill>
+                        <a:srgbClr val="000000"/>
+                      </a:solidFill>
+                      <a:prstDash val="solid"/>
+                      <a:round/>
+                      <a:headEnd type="none" w="med" len="med"/>
+                      <a:tailEnd type="none" w="med" len="med"/>
+                    </a:lnB>
+                    <a:solidFill>
+                      <a:srgbClr val="FFFFFF"/>
+                    </a:solidFill>
+                  </a:tcPr>
+                </a:tc>
+                <a:tc>
+                  <a:txBody>
+                    <a:bodyPr/>
+                    <a:lstStyle/>
+                    <a:p>
+                      <a:pPr algn="l" fontAlgn="ctr"/>
+                      <a:r>
+                        <a:rPr lang="en-US" sz="1200" b="0" i="0" u="none" strike="noStrike" dirty="0">
+                          <a:solidFill>
+                            <a:srgbClr val="000000"/>
+                          </a:solidFill>
+                          <a:effectLst/>
+                          <a:latin typeface="Times New Roman"/>
+                        </a:rPr>
+                        <a:t>6.</a:t>
+                      </a:r>
+                      <a:r>
+                        <a:rPr lang="en-US" sz="700" b="0" i="0" u="none" strike="noStrike" dirty="0">
+                          <a:solidFill>
+                            <a:srgbClr val="000000"/>
+                          </a:solidFill>
+                          <a:effectLst/>
+                          <a:latin typeface="Times New Roman"/>
+                        </a:rPr>
+                        <a:t>     </a:t>
+                      </a:r>
+                      <a:r>
+                        <a:rPr lang="en-US" sz="1200" b="0" i="0" u="none" strike="noStrike" dirty="0">
+                          <a:solidFill>
+                            <a:srgbClr val="000000"/>
+                          </a:solidFill>
+                          <a:effectLst/>
+                          <a:latin typeface="Times New Roman"/>
+                        </a:rPr>
+                        <a:t>Information quality/benefit</a:t>
+                      </a:r>
+                    </a:p>
+                  </a:txBody>
+                  <a:tcPr marL="457200" marR="12700" marT="12700" marB="0" anchor="ctr">
+                    <a:lnL w="12700" cap="flat" cmpd="sng" algn="ctr">
+                      <a:solidFill>
+                        <a:srgbClr val="000000"/>
+                      </a:solidFill>
+                      <a:prstDash val="solid"/>
+                      <a:round/>
+                      <a:headEnd type="none" w="med" len="med"/>
+                      <a:tailEnd type="none" w="med" len="med"/>
+                    </a:lnL>
+                    <a:lnR w="12700" cap="flat" cmpd="sng" algn="ctr">
+                      <a:solidFill>
+                        <a:srgbClr val="000000"/>
+                      </a:solidFill>
+                      <a:prstDash val="solid"/>
+                      <a:round/>
+                      <a:headEnd type="none" w="med" len="med"/>
+                      <a:tailEnd type="none" w="med" len="med"/>
+                    </a:lnR>
+                    <a:lnT w="12700" cap="flat" cmpd="sng" algn="ctr">
+                      <a:solidFill>
+                        <a:srgbClr val="000000"/>
+                      </a:solidFill>
+                      <a:prstDash val="solid"/>
+                      <a:round/>
+                      <a:headEnd type="none" w="med" len="med"/>
+                      <a:tailEnd type="none" w="med" len="med"/>
+                    </a:lnT>
+                    <a:lnB w="12700" cap="flat" cmpd="sng" algn="ctr">
+                      <a:solidFill>
+                        <a:srgbClr val="000000"/>
+                      </a:solidFill>
+                      <a:prstDash val="solid"/>
+                      <a:round/>
+                      <a:headEnd type="none" w="med" len="med"/>
+                      <a:tailEnd type="none" w="med" len="med"/>
+                    </a:lnB>
+                    <a:solidFill>
+                      <a:srgbClr val="FFFFFF"/>
+                    </a:solidFill>
+                  </a:tcPr>
+                </a:tc>
+              </a:tr>
+            </a:tbl>
+          </a:graphicData>
+        </a:graphic>
+      </p:graphicFrame>
+    </p:spTree>
+    <p:extLst>
+      <p:ext uri="{BB962C8B-B14F-4D97-AF65-F5344CB8AC3E}">
+        <p14:creationId xmlns:p14="http://schemas.microsoft.com/office/powerpoint/2010/main" val="1062795983"/>
+      </p:ext>
+    </p:extLst>
+  </p:cSld>
+  <p:clrMapOvr>
+    <a:masterClrMapping/>
+  </p:clrMapOvr>
+</p:sld>
+</file>
+
+<file path=ppt/slides/slide18.xml><?xml version="1.0" encoding="utf-8"?>
+<p:sld xmlns:a="http://schemas.openxmlformats.org/drawingml/2006/main" xmlns:r="http://schemas.openxmlformats.org/officeDocument/2006/relationships" xmlns:p="http://schemas.openxmlformats.org/presentationml/2006/main">
+  <p:cSld>
+    <p:spTree>
+      <p:nvGrpSpPr>
+        <p:cNvPr id="1" name=""/>
+        <p:cNvGrpSpPr/>
+        <p:nvPr/>
+      </p:nvGrpSpPr>
+      <p:grpSpPr>
+        <a:xfrm>
+          <a:off x="0" y="0"/>
+          <a:ext cx="0" cy="0"/>
+          <a:chOff x="0" y="0"/>
+          <a:chExt cx="0" cy="0"/>
+        </a:xfrm>
+      </p:grpSpPr>
+      <p:pic>
+        <p:nvPicPr>
+          <p:cNvPr id="4" name="Picture 3" descr="Screen Shot 2016-08-16 at 15.21.16.png"/>
+          <p:cNvPicPr>
+            <a:picLocks noChangeAspect="1"/>
+          </p:cNvPicPr>
+          <p:nvPr/>
+        </p:nvPicPr>
+        <p:blipFill>
+          <a:blip r:embed="rId2">
+            <a:extLst>
+              <a:ext uri="{28A0092B-C50C-407E-A947-70E740481C1C}">
+                <a14:useLocalDpi xmlns:a14="http://schemas.microsoft.com/office/drawing/2010/main" val="0"/>
+              </a:ext>
+            </a:extLst>
+          </a:blip>
+          <a:stretch>
+            <a:fillRect/>
+          </a:stretch>
+        </p:blipFill>
+        <p:spPr>
+          <a:xfrm>
+            <a:off x="203200" y="200539"/>
+            <a:ext cx="8724900" cy="2705100"/>
+          </a:xfrm>
+          <a:prstGeom prst="rect">
+            <a:avLst/>
+          </a:prstGeom>
+        </p:spPr>
+      </p:pic>
+      <p:pic>
+        <p:nvPicPr>
+          <p:cNvPr id="6" name="Picture 5" descr="Screen Shot 2016-08-16 at 15.24.33.png"/>
+          <p:cNvPicPr>
+            <a:picLocks noChangeAspect="1"/>
+          </p:cNvPicPr>
+          <p:nvPr/>
+        </p:nvPicPr>
+        <p:blipFill>
+          <a:blip r:embed="rId3">
+            <a:extLst>
+              <a:ext uri="{28A0092B-C50C-407E-A947-70E740481C1C}">
+                <a14:useLocalDpi xmlns:a14="http://schemas.microsoft.com/office/drawing/2010/main" val="0"/>
+              </a:ext>
+            </a:extLst>
+          </a:blip>
+          <a:stretch>
+            <a:fillRect/>
+          </a:stretch>
+        </p:blipFill>
+        <p:spPr>
+          <a:xfrm>
+            <a:off x="0" y="3324415"/>
+            <a:ext cx="8839693" cy="3166140"/>
+          </a:xfrm>
+          <a:prstGeom prst="rect">
+            <a:avLst/>
+          </a:prstGeom>
+        </p:spPr>
+      </p:pic>
+    </p:spTree>
+    <p:extLst>
+      <p:ext uri="{BB962C8B-B14F-4D97-AF65-F5344CB8AC3E}">
+        <p14:creationId xmlns:p14="http://schemas.microsoft.com/office/powerpoint/2010/main" val="2458764267"/>
+      </p:ext>
+    </p:extLst>
+  </p:cSld>
+  <p:clrMapOvr>
+    <a:masterClrMapping/>
+  </p:clrMapOvr>
+</p:sld>
+</file>
+
 <file path=ppt/slides/slide2.xml><?xml version="1.0" encoding="utf-8"?>
 <p:sld xmlns:a="http://schemas.openxmlformats.org/drawingml/2006/main" xmlns:r="http://schemas.openxmlformats.org/officeDocument/2006/relationships" xmlns:p="http://schemas.openxmlformats.org/presentationml/2006/main">
   <p:cSld>
@@ -23280,7 +26902,7 @@
         </p:nvSpPr>
         <p:spPr>
           <a:xfrm>
-            <a:off x="6654798" y="2158365"/>
+            <a:off x="4445444" y="1406184"/>
             <a:ext cx="1239519" cy="279400"/>
           </a:xfrm>
           <a:prstGeom prst="roundRect">
@@ -23324,7 +26946,7 @@
         </p:nvSpPr>
         <p:spPr>
           <a:xfrm>
-            <a:off x="6847839" y="3039111"/>
+            <a:off x="4485618" y="1927270"/>
             <a:ext cx="975359" cy="254000"/>
           </a:xfrm>
           <a:prstGeom prst="roundRect">
@@ -23368,7 +26990,7 @@
         </p:nvSpPr>
         <p:spPr>
           <a:xfrm>
-            <a:off x="6847839" y="3895725"/>
+            <a:off x="4485618" y="2444287"/>
             <a:ext cx="975359" cy="254000"/>
           </a:xfrm>
           <a:prstGeom prst="roundRect">
@@ -23412,7 +27034,7 @@
         </p:nvSpPr>
         <p:spPr>
           <a:xfrm>
-            <a:off x="6847839" y="4744774"/>
+            <a:off x="4485618" y="2978908"/>
             <a:ext cx="975359" cy="254000"/>
           </a:xfrm>
           <a:prstGeom prst="roundRect">
@@ -23450,31 +27072,63 @@
       </p:sp>
       <p:sp>
         <p:nvSpPr>
+          <p:cNvPr id="2" name="TextBox 1"/>
+          <p:cNvSpPr txBox="1"/>
+          <p:nvPr/>
+        </p:nvSpPr>
+        <p:spPr>
+          <a:xfrm>
+            <a:off x="7184342" y="780415"/>
+            <a:ext cx="1959658" cy="1200329"/>
+          </a:xfrm>
+          <a:prstGeom prst="rect">
+            <a:avLst/>
+          </a:prstGeom>
+          <a:noFill/>
+        </p:spPr>
+        <p:txBody>
+          <a:bodyPr wrap="square" rtlCol="0">
+            <a:spAutoFit/>
+          </a:bodyPr>
+          <a:lstStyle/>
+          <a:p>
+            <a:r>
+              <a:rPr lang="en-US" dirty="0" smtClean="0"/>
+              <a:t>DIMENSIONS </a:t>
+            </a:r>
+            <a:r>
+              <a:rPr lang="en-US" dirty="0" smtClean="0"/>
+              <a:t>INFLUENCING CUSTOMER SATISFACTION</a:t>
+            </a:r>
+          </a:p>
+        </p:txBody>
+      </p:sp>
+      <p:sp>
+        <p:nvSpPr>
           <p:cNvPr id="8" name="Rounded Rectangle 7"/>
           <p:cNvSpPr/>
           <p:nvPr/>
         </p:nvSpPr>
         <p:spPr>
           <a:xfrm>
-            <a:off x="3850640" y="2170430"/>
-            <a:ext cx="1137920" cy="294640"/>
+            <a:off x="2234310" y="1406184"/>
+            <a:ext cx="1239519" cy="1826724"/>
           </a:xfrm>
           <a:prstGeom prst="roundRect">
-            <a:avLst/>
-          </a:prstGeom>
-          <a:ln w="38100" cmpd="dbl">
-            <a:prstDash val="solid"/>
-          </a:ln>
+            <a:avLst>
+              <a:gd name="adj" fmla="val 30229"/>
+            </a:avLst>
+          </a:prstGeom>
         </p:spPr>
         <p:style>
           <a:lnRef idx="2">
-            <a:schemeClr val="dk1"/>
+            <a:schemeClr val="accent1"/>
           </a:lnRef>
           <a:fillRef idx="1">
             <a:schemeClr val="lt1"/>
           </a:fillRef>
           <a:effectRef idx="0">
-            <a:schemeClr val="dk1"/>
+            <a:schemeClr val="accent1"/>
           </a:effectRef>
           <a:fontRef idx="minor">
             <a:schemeClr val="dk1"/>
@@ -23487,97 +27141,7 @@
             <a:pPr algn="ctr"/>
             <a:r>
               <a:rPr lang="en-US" sz="1200" dirty="0" smtClean="0"/>
-              <a:t>Convenience</a:t>
-            </a:r>
-            <a:endParaRPr lang="en-US" sz="1200" dirty="0"/>
-          </a:p>
-        </p:txBody>
-      </p:sp>
-      <p:sp>
-        <p:nvSpPr>
-          <p:cNvPr id="9" name="Rounded Rectangle 8"/>
-          <p:cNvSpPr/>
-          <p:nvPr/>
-        </p:nvSpPr>
-        <p:spPr>
-          <a:xfrm>
-            <a:off x="3850640" y="2998471"/>
-            <a:ext cx="1137920" cy="294640"/>
-          </a:xfrm>
-          <a:prstGeom prst="roundRect">
-            <a:avLst/>
-          </a:prstGeom>
-          <a:ln w="38100" cmpd="dbl">
-            <a:prstDash val="solid"/>
-          </a:ln>
-        </p:spPr>
-        <p:style>
-          <a:lnRef idx="2">
-            <a:schemeClr val="dk1"/>
-          </a:lnRef>
-          <a:fillRef idx="1">
-            <a:schemeClr val="lt1"/>
-          </a:fillRef>
-          <a:effectRef idx="0">
-            <a:schemeClr val="dk1"/>
-          </a:effectRef>
-          <a:fontRef idx="minor">
-            <a:schemeClr val="dk1"/>
-          </a:fontRef>
-        </p:style>
-        <p:txBody>
-          <a:bodyPr rtlCol="0" anchor="ctr"/>
-          <a:lstStyle/>
-          <a:p>
-            <a:pPr algn="ctr"/>
-            <a:r>
-              <a:rPr lang="en-US" sz="1200" dirty="0" smtClean="0"/>
-              <a:t>Performance</a:t>
-            </a:r>
-            <a:endParaRPr lang="en-US" sz="1200" dirty="0"/>
-          </a:p>
-        </p:txBody>
-      </p:sp>
-      <p:sp>
-        <p:nvSpPr>
-          <p:cNvPr id="10" name="Rounded Rectangle 9"/>
-          <p:cNvSpPr/>
-          <p:nvPr/>
-        </p:nvSpPr>
-        <p:spPr>
-          <a:xfrm>
-            <a:off x="3698240" y="3792122"/>
-            <a:ext cx="1290320" cy="294640"/>
-          </a:xfrm>
-          <a:prstGeom prst="roundRect">
-            <a:avLst/>
-          </a:prstGeom>
-          <a:ln w="38100" cmpd="dbl">
-            <a:prstDash val="solid"/>
-          </a:ln>
-        </p:spPr>
-        <p:style>
-          <a:lnRef idx="2">
-            <a:schemeClr val="dk1"/>
-          </a:lnRef>
-          <a:fillRef idx="1">
-            <a:schemeClr val="lt1"/>
-          </a:fillRef>
-          <a:effectRef idx="0">
-            <a:schemeClr val="dk1"/>
-          </a:effectRef>
-          <a:fontRef idx="minor">
-            <a:schemeClr val="dk1"/>
-          </a:fontRef>
-        </p:style>
-        <p:txBody>
-          <a:bodyPr rtlCol="0" anchor="ctr"/>
-          <a:lstStyle/>
-          <a:p>
-            <a:pPr algn="ctr"/>
-            <a:r>
-              <a:rPr lang="en-US" sz="1200" dirty="0" smtClean="0"/>
-              <a:t>Trustworthiness</a:t>
+              <a:t>CUSTOMER SAISFACTION</a:t>
             </a:r>
             <a:endParaRPr lang="en-US" sz="1200" dirty="0"/>
           </a:p>
@@ -23585,21 +27149,24 @@
       </p:sp>
       <p:cxnSp>
         <p:nvCxnSpPr>
-          <p:cNvPr id="36" name="Straight Connector 35"/>
+          <p:cNvPr id="14" name="Straight Connector 13"/>
           <p:cNvCxnSpPr>
-            <a:stCxn id="8" idx="3"/>
-            <a:endCxn id="4" idx="1"/>
+            <a:endCxn id="6" idx="1"/>
           </p:cNvCxnSpPr>
           <p:nvPr/>
         </p:nvCxnSpPr>
         <p:spPr>
-          <a:xfrm flipV="1">
-            <a:off x="4988560" y="2298065"/>
-            <a:ext cx="1666238" cy="19685"/>
+          <a:xfrm>
+            <a:off x="3473829" y="2571287"/>
+            <a:ext cx="1011789" cy="0"/>
           </a:xfrm>
           <a:prstGeom prst="line">
             <a:avLst/>
           </a:prstGeom>
+          <a:ln>
+            <a:headEnd type="triangle"/>
+            <a:tailEnd type="none"/>
+          </a:ln>
         </p:spPr>
         <p:style>
           <a:lnRef idx="1">
@@ -23618,21 +27185,24 @@
       </p:cxnSp>
       <p:cxnSp>
         <p:nvCxnSpPr>
-          <p:cNvPr id="37" name="Straight Connector 36"/>
+          <p:cNvPr id="38" name="Straight Connector 37"/>
           <p:cNvCxnSpPr>
-            <a:stCxn id="8" idx="3"/>
             <a:endCxn id="5" idx="1"/>
           </p:cNvCxnSpPr>
           <p:nvPr/>
         </p:nvCxnSpPr>
         <p:spPr>
           <a:xfrm>
-            <a:off x="4988560" y="2317750"/>
-            <a:ext cx="1859279" cy="848361"/>
+            <a:off x="3473829" y="2054270"/>
+            <a:ext cx="1011789" cy="0"/>
           </a:xfrm>
           <a:prstGeom prst="line">
             <a:avLst/>
           </a:prstGeom>
+          <a:ln>
+            <a:headEnd type="triangle"/>
+            <a:tailEnd type="none"/>
+          </a:ln>
         </p:spPr>
         <p:style>
           <a:lnRef idx="1">
@@ -23653,19 +27223,22 @@
         <p:nvCxnSpPr>
           <p:cNvPr id="41" name="Straight Connector 40"/>
           <p:cNvCxnSpPr>
-            <a:stCxn id="9" idx="3"/>
-            <a:endCxn id="4" idx="1"/>
+            <a:endCxn id="7" idx="1"/>
           </p:cNvCxnSpPr>
           <p:nvPr/>
         </p:nvCxnSpPr>
         <p:spPr>
-          <a:xfrm flipV="1">
-            <a:off x="4988560" y="2298065"/>
-            <a:ext cx="1666238" cy="847726"/>
+          <a:xfrm>
+            <a:off x="3363040" y="3105908"/>
+            <a:ext cx="1122578" cy="0"/>
           </a:xfrm>
           <a:prstGeom prst="line">
             <a:avLst/>
           </a:prstGeom>
+          <a:ln>
+            <a:headEnd type="triangle"/>
+            <a:tailEnd type="none"/>
+          </a:ln>
         </p:spPr>
         <p:style>
           <a:lnRef idx="1">
@@ -23686,163 +27259,22 @@
         <p:nvCxnSpPr>
           <p:cNvPr id="44" name="Straight Connector 43"/>
           <p:cNvCxnSpPr>
-            <a:stCxn id="9" idx="3"/>
-            <a:endCxn id="6" idx="1"/>
-          </p:cNvCxnSpPr>
-          <p:nvPr/>
-        </p:nvCxnSpPr>
-        <p:spPr>
-          <a:xfrm>
-            <a:off x="4988560" y="3145791"/>
-            <a:ext cx="1859279" cy="876934"/>
-          </a:xfrm>
-          <a:prstGeom prst="line">
-            <a:avLst/>
-          </a:prstGeom>
-        </p:spPr>
-        <p:style>
-          <a:lnRef idx="1">
-            <a:schemeClr val="dk1"/>
-          </a:lnRef>
-          <a:fillRef idx="0">
-            <a:schemeClr val="dk1"/>
-          </a:fillRef>
-          <a:effectRef idx="0">
-            <a:schemeClr val="dk1"/>
-          </a:effectRef>
-          <a:fontRef idx="minor">
-            <a:schemeClr val="tx1"/>
-          </a:fontRef>
-        </p:style>
-      </p:cxnSp>
-      <p:cxnSp>
-        <p:nvCxnSpPr>
-          <p:cNvPr id="47" name="Straight Connector 46"/>
-          <p:cNvCxnSpPr>
-            <a:stCxn id="8" idx="3"/>
-            <a:endCxn id="6" idx="1"/>
-          </p:cNvCxnSpPr>
-          <p:nvPr/>
-        </p:nvCxnSpPr>
-        <p:spPr>
-          <a:xfrm>
-            <a:off x="4988560" y="2317750"/>
-            <a:ext cx="1859279" cy="1704975"/>
-          </a:xfrm>
-          <a:prstGeom prst="line">
-            <a:avLst/>
-          </a:prstGeom>
-        </p:spPr>
-        <p:style>
-          <a:lnRef idx="1">
-            <a:schemeClr val="dk1"/>
-          </a:lnRef>
-          <a:fillRef idx="0">
-            <a:schemeClr val="dk1"/>
-          </a:fillRef>
-          <a:effectRef idx="0">
-            <a:schemeClr val="dk1"/>
-          </a:effectRef>
-          <a:fontRef idx="minor">
-            <a:schemeClr val="tx1"/>
-          </a:fontRef>
-        </p:style>
-      </p:cxnSp>
-      <p:cxnSp>
-        <p:nvCxnSpPr>
-          <p:cNvPr id="50" name="Straight Connector 49"/>
-          <p:cNvCxnSpPr>
-            <a:stCxn id="10" idx="3"/>
-            <a:endCxn id="7" idx="1"/>
-          </p:cNvCxnSpPr>
-          <p:nvPr/>
-        </p:nvCxnSpPr>
-        <p:spPr>
-          <a:xfrm>
-            <a:off x="4988560" y="3939442"/>
-            <a:ext cx="1859279" cy="932332"/>
-          </a:xfrm>
-          <a:prstGeom prst="line">
-            <a:avLst/>
-          </a:prstGeom>
-        </p:spPr>
-        <p:style>
-          <a:lnRef idx="1">
-            <a:schemeClr val="dk1"/>
-          </a:lnRef>
-          <a:fillRef idx="0">
-            <a:schemeClr val="dk1"/>
-          </a:fillRef>
-          <a:effectRef idx="0">
-            <a:schemeClr val="dk1"/>
-          </a:effectRef>
-          <a:fontRef idx="minor">
-            <a:schemeClr val="tx1"/>
-          </a:fontRef>
-        </p:style>
-      </p:cxnSp>
-      <p:sp>
-        <p:nvSpPr>
-          <p:cNvPr id="484" name="Rounded Rectangle 483"/>
-          <p:cNvSpPr/>
-          <p:nvPr/>
-        </p:nvSpPr>
-        <p:spPr>
-          <a:xfrm>
-            <a:off x="3627119" y="4641586"/>
-            <a:ext cx="1361441" cy="460375"/>
-          </a:xfrm>
-          <a:prstGeom prst="roundRect">
-            <a:avLst/>
-          </a:prstGeom>
-          <a:ln w="38100" cmpd="dbl">
-            <a:prstDash val="solid"/>
-          </a:ln>
-        </p:spPr>
-        <p:style>
-          <a:lnRef idx="2">
-            <a:schemeClr val="dk1"/>
-          </a:lnRef>
-          <a:fillRef idx="1">
-            <a:schemeClr val="lt1"/>
-          </a:fillRef>
-          <a:effectRef idx="0">
-            <a:schemeClr val="dk1"/>
-          </a:effectRef>
-          <a:fontRef idx="minor">
-            <a:schemeClr val="dk1"/>
-          </a:fontRef>
-        </p:style>
-        <p:txBody>
-          <a:bodyPr rtlCol="0" anchor="ctr"/>
-          <a:lstStyle/>
-          <a:p>
-            <a:pPr algn="ctr"/>
-            <a:r>
-              <a:rPr lang="en-US" sz="1200" dirty="0" smtClean="0"/>
-              <a:t>Compatibility</a:t>
-            </a:r>
-            <a:endParaRPr lang="en-US" sz="1200" dirty="0"/>
-          </a:p>
-        </p:txBody>
-      </p:sp>
-      <p:cxnSp>
-        <p:nvCxnSpPr>
-          <p:cNvPr id="485" name="Straight Connector 484"/>
-          <p:cNvCxnSpPr>
-            <a:stCxn id="484" idx="3"/>
             <a:endCxn id="4" idx="1"/>
           </p:cNvCxnSpPr>
           <p:nvPr/>
         </p:nvCxnSpPr>
         <p:spPr>
-          <a:xfrm flipV="1">
-            <a:off x="4988560" y="2298065"/>
-            <a:ext cx="1666238" cy="2573709"/>
+          <a:xfrm>
+            <a:off x="3363040" y="1545884"/>
+            <a:ext cx="1082404" cy="0"/>
           </a:xfrm>
           <a:prstGeom prst="line">
             <a:avLst/>
           </a:prstGeom>
+          <a:ln>
+            <a:headEnd type="triangle"/>
+            <a:tailEnd type="none"/>
+          </a:ln>
         </p:spPr>
         <p:style>
           <a:lnRef idx="1">
@@ -23859,115 +27291,16 @@
           </a:fontRef>
         </p:style>
       </p:cxnSp>
-      <p:cxnSp>
-        <p:nvCxnSpPr>
-          <p:cNvPr id="488" name="Straight Connector 487"/>
-          <p:cNvCxnSpPr>
-            <a:stCxn id="484" idx="3"/>
-            <a:endCxn id="5" idx="1"/>
-          </p:cNvCxnSpPr>
-          <p:nvPr/>
-        </p:nvCxnSpPr>
-        <p:spPr>
-          <a:xfrm flipV="1">
-            <a:off x="4988560" y="3166111"/>
-            <a:ext cx="1859279" cy="1705663"/>
-          </a:xfrm>
-          <a:prstGeom prst="line">
-            <a:avLst/>
-          </a:prstGeom>
-        </p:spPr>
-        <p:style>
-          <a:lnRef idx="1">
-            <a:schemeClr val="dk1"/>
-          </a:lnRef>
-          <a:fillRef idx="0">
-            <a:schemeClr val="dk1"/>
-          </a:fillRef>
-          <a:effectRef idx="0">
-            <a:schemeClr val="dk1"/>
-          </a:effectRef>
-          <a:fontRef idx="minor">
-            <a:schemeClr val="tx1"/>
-          </a:fontRef>
-        </p:style>
-      </p:cxnSp>
-      <p:cxnSp>
-        <p:nvCxnSpPr>
-          <p:cNvPr id="491" name="Straight Connector 490"/>
-          <p:cNvCxnSpPr>
-            <a:stCxn id="484" idx="3"/>
-            <a:endCxn id="6" idx="1"/>
-          </p:cNvCxnSpPr>
-          <p:nvPr/>
-        </p:nvCxnSpPr>
-        <p:spPr>
-          <a:xfrm flipV="1">
-            <a:off x="4988560" y="4022725"/>
-            <a:ext cx="1859279" cy="849049"/>
-          </a:xfrm>
-          <a:prstGeom prst="line">
-            <a:avLst/>
-          </a:prstGeom>
-        </p:spPr>
-        <p:style>
-          <a:lnRef idx="1">
-            <a:schemeClr val="dk1"/>
-          </a:lnRef>
-          <a:fillRef idx="0">
-            <a:schemeClr val="dk1"/>
-          </a:fillRef>
-          <a:effectRef idx="0">
-            <a:schemeClr val="dk1"/>
-          </a:effectRef>
-          <a:fontRef idx="minor">
-            <a:schemeClr val="tx1"/>
-          </a:fontRef>
-        </p:style>
-      </p:cxnSp>
-      <p:cxnSp>
-        <p:nvCxnSpPr>
-          <p:cNvPr id="495" name="Straight Connector 494"/>
-          <p:cNvCxnSpPr>
-            <a:stCxn id="484" idx="3"/>
-            <a:endCxn id="7" idx="1"/>
-          </p:cNvCxnSpPr>
-          <p:nvPr/>
-        </p:nvCxnSpPr>
-        <p:spPr>
-          <a:xfrm>
-            <a:off x="4988560" y="4871774"/>
-            <a:ext cx="1859279" cy="0"/>
-          </a:xfrm>
-          <a:prstGeom prst="line">
-            <a:avLst/>
-          </a:prstGeom>
-        </p:spPr>
-        <p:style>
-          <a:lnRef idx="1">
-            <a:schemeClr val="dk1"/>
-          </a:lnRef>
-          <a:fillRef idx="0">
-            <a:schemeClr val="dk1"/>
-          </a:fillRef>
-          <a:effectRef idx="0">
-            <a:schemeClr val="dk1"/>
-          </a:effectRef>
-          <a:fontRef idx="minor">
-            <a:schemeClr val="tx1"/>
-          </a:fontRef>
-        </p:style>
-      </p:cxnSp>
-      <p:sp>
-        <p:nvSpPr>
-          <p:cNvPr id="2" name="TextBox 1"/>
+      <p:sp>
+        <p:nvSpPr>
+          <p:cNvPr id="47" name="TextBox 46"/>
           <p:cNvSpPr txBox="1"/>
           <p:nvPr/>
         </p:nvSpPr>
         <p:spPr>
           <a:xfrm>
-            <a:off x="6042545" y="807720"/>
-            <a:ext cx="2499640" cy="646331"/>
+            <a:off x="4026506" y="1288671"/>
+            <a:ext cx="403513" cy="246221"/>
           </a:xfrm>
           <a:prstGeom prst="rect">
             <a:avLst/>
@@ -23981,48 +27314,29 @@
           <a:lstStyle/>
           <a:p>
             <a:r>
-              <a:rPr lang="en-US" dirty="0" smtClean="0"/>
-              <a:t>CUSTOMER PERCEPTION</a:t>
-            </a:r>
-          </a:p>
-          <a:p>
-            <a:r>
-              <a:rPr lang="en-US" dirty="0" smtClean="0"/>
-              <a:t> AND DIMENSIONS</a:t>
-            </a:r>
-            <a:endParaRPr lang="en-US" dirty="0"/>
-          </a:p>
-        </p:txBody>
-      </p:sp>
-      <p:sp>
-        <p:nvSpPr>
-          <p:cNvPr id="38" name="TextBox 37"/>
+              <a:rPr lang="en-US" sz="1000" dirty="0" smtClean="0"/>
+              <a:t>H.A.</a:t>
+            </a:r>
+            <a:endParaRPr lang="en-US" sz="1000" dirty="0" smtClean="0"/>
+          </a:p>
+        </p:txBody>
+      </p:sp>
+      <p:sp>
+        <p:nvSpPr>
+          <p:cNvPr id="48" name="TextBox 47"/>
           <p:cNvSpPr txBox="1"/>
           <p:nvPr/>
         </p:nvSpPr>
         <p:spPr>
           <a:xfrm>
-            <a:off x="1052578" y="3145791"/>
-            <a:ext cx="1491439" cy="646331"/>
+            <a:off x="4026506" y="1817327"/>
+            <a:ext cx="411591" cy="246221"/>
           </a:xfrm>
           <a:prstGeom prst="rect">
             <a:avLst/>
           </a:prstGeom>
-        </p:spPr>
-        <p:style>
-          <a:lnRef idx="2">
-            <a:schemeClr val="dk1"/>
-          </a:lnRef>
-          <a:fillRef idx="1">
-            <a:schemeClr val="lt1"/>
-          </a:fillRef>
-          <a:effectRef idx="0">
-            <a:schemeClr val="dk1"/>
-          </a:effectRef>
-          <a:fontRef idx="minor">
-            <a:schemeClr val="dk1"/>
-          </a:fontRef>
-        </p:style>
+          <a:noFill/>
+        </p:spPr>
         <p:txBody>
           <a:bodyPr wrap="none" rtlCol="0">
             <a:spAutoFit/>
@@ -24030,162 +27344,77 @@
           <a:lstStyle/>
           <a:p>
             <a:r>
-              <a:rPr lang="en-US" dirty="0" smtClean="0"/>
-              <a:t>E-Service </a:t>
-            </a:r>
-          </a:p>
-          <a:p>
-            <a:r>
-              <a:rPr lang="en-US" dirty="0" smtClean="0"/>
-              <a:t>Quality </a:t>
-            </a:r>
-            <a:r>
-              <a:rPr lang="en-US" dirty="0" smtClean="0"/>
-              <a:t>in </a:t>
-            </a:r>
-            <a:r>
-              <a:rPr lang="en-US" dirty="0" smtClean="0"/>
-              <a:t>Use</a:t>
-            </a:r>
-          </a:p>
-        </p:txBody>
-      </p:sp>
-      <p:cxnSp>
-        <p:nvCxnSpPr>
-          <p:cNvPr id="39" name="Straight Connector 38"/>
-          <p:cNvCxnSpPr>
-            <a:stCxn id="38" idx="3"/>
-            <a:endCxn id="8" idx="1"/>
-          </p:cNvCxnSpPr>
-          <p:nvPr/>
-        </p:nvCxnSpPr>
-        <p:spPr>
-          <a:xfrm flipV="1">
-            <a:off x="2544017" y="2317750"/>
-            <a:ext cx="1306623" cy="1151207"/>
-          </a:xfrm>
-          <a:prstGeom prst="line">
-            <a:avLst/>
-          </a:prstGeom>
-        </p:spPr>
-        <p:style>
-          <a:lnRef idx="1">
-            <a:schemeClr val="dk1"/>
-          </a:lnRef>
-          <a:fillRef idx="0">
-            <a:schemeClr val="dk1"/>
-          </a:fillRef>
-          <a:effectRef idx="0">
-            <a:schemeClr val="dk1"/>
-          </a:effectRef>
-          <a:fontRef idx="minor">
-            <a:schemeClr val="tx1"/>
-          </a:fontRef>
-        </p:style>
-      </p:cxnSp>
-      <p:cxnSp>
-        <p:nvCxnSpPr>
-          <p:cNvPr id="49" name="Straight Connector 48"/>
-          <p:cNvCxnSpPr>
-            <a:stCxn id="38" idx="3"/>
-            <a:endCxn id="9" idx="1"/>
-          </p:cNvCxnSpPr>
-          <p:nvPr/>
-        </p:nvCxnSpPr>
-        <p:spPr>
-          <a:xfrm flipV="1">
-            <a:off x="2544017" y="3145791"/>
-            <a:ext cx="1306623" cy="323166"/>
-          </a:xfrm>
-          <a:prstGeom prst="line">
-            <a:avLst/>
-          </a:prstGeom>
-        </p:spPr>
-        <p:style>
-          <a:lnRef idx="1">
-            <a:schemeClr val="dk1"/>
-          </a:lnRef>
-          <a:fillRef idx="0">
-            <a:schemeClr val="dk1"/>
-          </a:fillRef>
-          <a:effectRef idx="0">
-            <a:schemeClr val="dk1"/>
-          </a:effectRef>
-          <a:fontRef idx="minor">
-            <a:schemeClr val="tx1"/>
-          </a:fontRef>
-        </p:style>
-      </p:cxnSp>
-      <p:cxnSp>
-        <p:nvCxnSpPr>
-          <p:cNvPr id="52" name="Straight Connector 51"/>
-          <p:cNvCxnSpPr>
-            <a:stCxn id="38" idx="3"/>
-            <a:endCxn id="10" idx="1"/>
-          </p:cNvCxnSpPr>
-          <p:nvPr/>
-        </p:nvCxnSpPr>
-        <p:spPr>
-          <a:xfrm>
-            <a:off x="2544017" y="3468957"/>
-            <a:ext cx="1154223" cy="470485"/>
-          </a:xfrm>
-          <a:prstGeom prst="line">
-            <a:avLst/>
-          </a:prstGeom>
-        </p:spPr>
-        <p:style>
-          <a:lnRef idx="1">
-            <a:schemeClr val="dk1"/>
-          </a:lnRef>
-          <a:fillRef idx="0">
-            <a:schemeClr val="dk1"/>
-          </a:fillRef>
-          <a:effectRef idx="0">
-            <a:schemeClr val="dk1"/>
-          </a:effectRef>
-          <a:fontRef idx="minor">
-            <a:schemeClr val="tx1"/>
-          </a:fontRef>
-        </p:style>
-      </p:cxnSp>
-      <p:cxnSp>
-        <p:nvCxnSpPr>
-          <p:cNvPr id="55" name="Straight Connector 54"/>
-          <p:cNvCxnSpPr>
-            <a:stCxn id="38" idx="3"/>
-            <a:endCxn id="484" idx="1"/>
-          </p:cNvCxnSpPr>
-          <p:nvPr/>
-        </p:nvCxnSpPr>
-        <p:spPr>
-          <a:xfrm>
-            <a:off x="2544017" y="3468957"/>
-            <a:ext cx="1083102" cy="1402817"/>
-          </a:xfrm>
-          <a:prstGeom prst="line">
-            <a:avLst/>
-          </a:prstGeom>
-        </p:spPr>
-        <p:style>
-          <a:lnRef idx="1">
-            <a:schemeClr val="dk1"/>
-          </a:lnRef>
-          <a:fillRef idx="0">
-            <a:schemeClr val="dk1"/>
-          </a:fillRef>
-          <a:effectRef idx="0">
-            <a:schemeClr val="dk1"/>
-          </a:effectRef>
-          <a:fontRef idx="minor">
-            <a:schemeClr val="tx1"/>
-          </a:fontRef>
-        </p:style>
-      </p:cxnSp>
+              <a:rPr lang="en-US" sz="1000" dirty="0" smtClean="0"/>
+              <a:t>H.U.</a:t>
+            </a:r>
+            <a:endParaRPr lang="en-US" sz="1000" dirty="0" smtClean="0"/>
+          </a:p>
+        </p:txBody>
+      </p:sp>
+      <p:sp>
+        <p:nvSpPr>
+          <p:cNvPr id="49" name="TextBox 48"/>
+          <p:cNvSpPr txBox="1"/>
+          <p:nvPr/>
+        </p:nvSpPr>
+        <p:spPr>
+          <a:xfrm>
+            <a:off x="4038265" y="2295652"/>
+            <a:ext cx="391929" cy="246221"/>
+          </a:xfrm>
+          <a:prstGeom prst="rect">
+            <a:avLst/>
+          </a:prstGeom>
+          <a:noFill/>
+        </p:spPr>
+        <p:txBody>
+          <a:bodyPr wrap="none" rtlCol="0">
+            <a:spAutoFit/>
+          </a:bodyPr>
+          <a:lstStyle/>
+          <a:p>
+            <a:r>
+              <a:rPr lang="en-US" sz="1000" dirty="0" smtClean="0"/>
+              <a:t>H.E.</a:t>
+            </a:r>
+            <a:endParaRPr lang="en-US" sz="1000" dirty="0" smtClean="0"/>
+          </a:p>
+        </p:txBody>
+      </p:sp>
+      <p:sp>
+        <p:nvSpPr>
+          <p:cNvPr id="50" name="TextBox 49"/>
+          <p:cNvSpPr txBox="1"/>
+          <p:nvPr/>
+        </p:nvSpPr>
+        <p:spPr>
+          <a:xfrm>
+            <a:off x="4052312" y="2854339"/>
+            <a:ext cx="388235" cy="246221"/>
+          </a:xfrm>
+          <a:prstGeom prst="rect">
+            <a:avLst/>
+          </a:prstGeom>
+          <a:noFill/>
+        </p:spPr>
+        <p:txBody>
+          <a:bodyPr wrap="none" rtlCol="0">
+            <a:spAutoFit/>
+          </a:bodyPr>
+          <a:lstStyle/>
+          <a:p>
+            <a:r>
+              <a:rPr lang="en-US" sz="1000" dirty="0" smtClean="0"/>
+              <a:t>H.S.</a:t>
+            </a:r>
+            <a:endParaRPr lang="en-US" sz="1000" dirty="0" smtClean="0"/>
+          </a:p>
+        </p:txBody>
+      </p:sp>
     </p:spTree>
     <p:extLst>
       <p:ext uri="{BB962C8B-B14F-4D97-AF65-F5344CB8AC3E}">
-        <p14:creationId xmlns:p14="http://schemas.microsoft.com/office/powerpoint/2010/main" val="1832724302"/>
+        <p14:creationId xmlns:p14="http://schemas.microsoft.com/office/powerpoint/2010/main" val="3022510552"/>
       </p:ext>
     </p:extLst>
   </p:cSld>
@@ -24227,6 +27456,953 @@
         </p:nvSpPr>
         <p:spPr>
           <a:xfrm>
+            <a:off x="6654798" y="2158365"/>
+            <a:ext cx="1239519" cy="279400"/>
+          </a:xfrm>
+          <a:prstGeom prst="roundRect">
+            <a:avLst>
+              <a:gd name="adj" fmla="val 50000"/>
+            </a:avLst>
+          </a:prstGeom>
+        </p:spPr>
+        <p:style>
+          <a:lnRef idx="2">
+            <a:schemeClr val="accent1"/>
+          </a:lnRef>
+          <a:fillRef idx="1">
+            <a:schemeClr val="lt1"/>
+          </a:fillRef>
+          <a:effectRef idx="0">
+            <a:schemeClr val="accent1"/>
+          </a:effectRef>
+          <a:fontRef idx="minor">
+            <a:schemeClr val="dk1"/>
+          </a:fontRef>
+        </p:style>
+        <p:txBody>
+          <a:bodyPr rtlCol="0" anchor="ctr"/>
+          <a:lstStyle/>
+          <a:p>
+            <a:pPr algn="ctr"/>
+            <a:r>
+              <a:rPr lang="en-US" sz="1200" dirty="0" smtClean="0"/>
+              <a:t>ACCESSIBILITY</a:t>
+            </a:r>
+            <a:endParaRPr lang="en-US" sz="1200" dirty="0"/>
+          </a:p>
+        </p:txBody>
+      </p:sp>
+      <p:sp>
+        <p:nvSpPr>
+          <p:cNvPr id="5" name="Rounded Rectangle 4"/>
+          <p:cNvSpPr/>
+          <p:nvPr/>
+        </p:nvSpPr>
+        <p:spPr>
+          <a:xfrm>
+            <a:off x="6847839" y="3039111"/>
+            <a:ext cx="975359" cy="254000"/>
+          </a:xfrm>
+          <a:prstGeom prst="roundRect">
+            <a:avLst>
+              <a:gd name="adj" fmla="val 50000"/>
+            </a:avLst>
+          </a:prstGeom>
+        </p:spPr>
+        <p:style>
+          <a:lnRef idx="2">
+            <a:schemeClr val="accent1"/>
+          </a:lnRef>
+          <a:fillRef idx="1">
+            <a:schemeClr val="lt1"/>
+          </a:fillRef>
+          <a:effectRef idx="0">
+            <a:schemeClr val="accent1"/>
+          </a:effectRef>
+          <a:fontRef idx="minor">
+            <a:schemeClr val="dk1"/>
+          </a:fontRef>
+        </p:style>
+        <p:txBody>
+          <a:bodyPr rtlCol="0" anchor="ctr"/>
+          <a:lstStyle/>
+          <a:p>
+            <a:pPr algn="ctr"/>
+            <a:r>
+              <a:rPr lang="en-US" sz="1200" dirty="0" smtClean="0"/>
+              <a:t>USABILITY</a:t>
+            </a:r>
+            <a:endParaRPr lang="en-US" sz="1200" dirty="0"/>
+          </a:p>
+        </p:txBody>
+      </p:sp>
+      <p:sp>
+        <p:nvSpPr>
+          <p:cNvPr id="6" name="Rounded Rectangle 5"/>
+          <p:cNvSpPr/>
+          <p:nvPr/>
+        </p:nvSpPr>
+        <p:spPr>
+          <a:xfrm>
+            <a:off x="6847839" y="3895725"/>
+            <a:ext cx="975359" cy="254000"/>
+          </a:xfrm>
+          <a:prstGeom prst="roundRect">
+            <a:avLst>
+              <a:gd name="adj" fmla="val 50000"/>
+            </a:avLst>
+          </a:prstGeom>
+        </p:spPr>
+        <p:style>
+          <a:lnRef idx="2">
+            <a:schemeClr val="accent1"/>
+          </a:lnRef>
+          <a:fillRef idx="1">
+            <a:schemeClr val="lt1"/>
+          </a:fillRef>
+          <a:effectRef idx="0">
+            <a:schemeClr val="accent1"/>
+          </a:effectRef>
+          <a:fontRef idx="minor">
+            <a:schemeClr val="dk1"/>
+          </a:fontRef>
+        </p:style>
+        <p:txBody>
+          <a:bodyPr rtlCol="0" anchor="ctr"/>
+          <a:lstStyle/>
+          <a:p>
+            <a:pPr algn="ctr"/>
+            <a:r>
+              <a:rPr lang="en-US" sz="1200" dirty="0" smtClean="0"/>
+              <a:t>EFFICIENCY</a:t>
+            </a:r>
+            <a:endParaRPr lang="en-US" sz="1200" dirty="0"/>
+          </a:p>
+        </p:txBody>
+      </p:sp>
+      <p:sp>
+        <p:nvSpPr>
+          <p:cNvPr id="7" name="Rounded Rectangle 6"/>
+          <p:cNvSpPr/>
+          <p:nvPr/>
+        </p:nvSpPr>
+        <p:spPr>
+          <a:xfrm>
+            <a:off x="6847839" y="4744774"/>
+            <a:ext cx="975359" cy="254000"/>
+          </a:xfrm>
+          <a:prstGeom prst="roundRect">
+            <a:avLst>
+              <a:gd name="adj" fmla="val 50000"/>
+            </a:avLst>
+          </a:prstGeom>
+        </p:spPr>
+        <p:style>
+          <a:lnRef idx="2">
+            <a:schemeClr val="accent1"/>
+          </a:lnRef>
+          <a:fillRef idx="1">
+            <a:schemeClr val="lt1"/>
+          </a:fillRef>
+          <a:effectRef idx="0">
+            <a:schemeClr val="accent1"/>
+          </a:effectRef>
+          <a:fontRef idx="minor">
+            <a:schemeClr val="dk1"/>
+          </a:fontRef>
+        </p:style>
+        <p:txBody>
+          <a:bodyPr rtlCol="0" anchor="ctr"/>
+          <a:lstStyle/>
+          <a:p>
+            <a:pPr algn="ctr"/>
+            <a:r>
+              <a:rPr lang="en-US" sz="1200" dirty="0" smtClean="0"/>
+              <a:t>SECURITY</a:t>
+            </a:r>
+            <a:endParaRPr lang="en-US" sz="1200" dirty="0"/>
+          </a:p>
+        </p:txBody>
+      </p:sp>
+      <p:sp>
+        <p:nvSpPr>
+          <p:cNvPr id="8" name="Rounded Rectangle 7"/>
+          <p:cNvSpPr/>
+          <p:nvPr/>
+        </p:nvSpPr>
+        <p:spPr>
+          <a:xfrm>
+            <a:off x="3850640" y="2170430"/>
+            <a:ext cx="1137920" cy="294640"/>
+          </a:xfrm>
+          <a:prstGeom prst="roundRect">
+            <a:avLst/>
+          </a:prstGeom>
+          <a:ln w="38100" cmpd="dbl">
+            <a:prstDash val="solid"/>
+          </a:ln>
+        </p:spPr>
+        <p:style>
+          <a:lnRef idx="2">
+            <a:schemeClr val="dk1"/>
+          </a:lnRef>
+          <a:fillRef idx="1">
+            <a:schemeClr val="lt1"/>
+          </a:fillRef>
+          <a:effectRef idx="0">
+            <a:schemeClr val="dk1"/>
+          </a:effectRef>
+          <a:fontRef idx="minor">
+            <a:schemeClr val="dk1"/>
+          </a:fontRef>
+        </p:style>
+        <p:txBody>
+          <a:bodyPr rtlCol="0" anchor="ctr"/>
+          <a:lstStyle/>
+          <a:p>
+            <a:pPr algn="ctr"/>
+            <a:r>
+              <a:rPr lang="en-US" sz="1200" dirty="0" smtClean="0"/>
+              <a:t>Convenience</a:t>
+            </a:r>
+            <a:endParaRPr lang="en-US" sz="1200" dirty="0"/>
+          </a:p>
+        </p:txBody>
+      </p:sp>
+      <p:sp>
+        <p:nvSpPr>
+          <p:cNvPr id="9" name="Rounded Rectangle 8"/>
+          <p:cNvSpPr/>
+          <p:nvPr/>
+        </p:nvSpPr>
+        <p:spPr>
+          <a:xfrm>
+            <a:off x="3850640" y="2998471"/>
+            <a:ext cx="1137920" cy="294640"/>
+          </a:xfrm>
+          <a:prstGeom prst="roundRect">
+            <a:avLst/>
+          </a:prstGeom>
+          <a:ln w="38100" cmpd="dbl">
+            <a:prstDash val="solid"/>
+          </a:ln>
+        </p:spPr>
+        <p:style>
+          <a:lnRef idx="2">
+            <a:schemeClr val="dk1"/>
+          </a:lnRef>
+          <a:fillRef idx="1">
+            <a:schemeClr val="lt1"/>
+          </a:fillRef>
+          <a:effectRef idx="0">
+            <a:schemeClr val="dk1"/>
+          </a:effectRef>
+          <a:fontRef idx="minor">
+            <a:schemeClr val="dk1"/>
+          </a:fontRef>
+        </p:style>
+        <p:txBody>
+          <a:bodyPr rtlCol="0" anchor="ctr"/>
+          <a:lstStyle/>
+          <a:p>
+            <a:pPr algn="ctr"/>
+            <a:r>
+              <a:rPr lang="en-US" sz="1200" dirty="0" smtClean="0"/>
+              <a:t>Performance</a:t>
+            </a:r>
+            <a:endParaRPr lang="en-US" sz="1200" dirty="0"/>
+          </a:p>
+        </p:txBody>
+      </p:sp>
+      <p:sp>
+        <p:nvSpPr>
+          <p:cNvPr id="10" name="Rounded Rectangle 9"/>
+          <p:cNvSpPr/>
+          <p:nvPr/>
+        </p:nvSpPr>
+        <p:spPr>
+          <a:xfrm>
+            <a:off x="3698240" y="3792122"/>
+            <a:ext cx="1290320" cy="294640"/>
+          </a:xfrm>
+          <a:prstGeom prst="roundRect">
+            <a:avLst/>
+          </a:prstGeom>
+          <a:ln w="38100" cmpd="dbl">
+            <a:prstDash val="solid"/>
+          </a:ln>
+        </p:spPr>
+        <p:style>
+          <a:lnRef idx="2">
+            <a:schemeClr val="dk1"/>
+          </a:lnRef>
+          <a:fillRef idx="1">
+            <a:schemeClr val="lt1"/>
+          </a:fillRef>
+          <a:effectRef idx="0">
+            <a:schemeClr val="dk1"/>
+          </a:effectRef>
+          <a:fontRef idx="minor">
+            <a:schemeClr val="dk1"/>
+          </a:fontRef>
+        </p:style>
+        <p:txBody>
+          <a:bodyPr rtlCol="0" anchor="ctr"/>
+          <a:lstStyle/>
+          <a:p>
+            <a:pPr algn="ctr"/>
+            <a:r>
+              <a:rPr lang="en-US" sz="1200" dirty="0" smtClean="0"/>
+              <a:t>Trustworthiness</a:t>
+            </a:r>
+            <a:endParaRPr lang="en-US" sz="1200" dirty="0"/>
+          </a:p>
+        </p:txBody>
+      </p:sp>
+      <p:cxnSp>
+        <p:nvCxnSpPr>
+          <p:cNvPr id="36" name="Straight Connector 35"/>
+          <p:cNvCxnSpPr>
+            <a:stCxn id="8" idx="3"/>
+            <a:endCxn id="4" idx="1"/>
+          </p:cNvCxnSpPr>
+          <p:nvPr/>
+        </p:nvCxnSpPr>
+        <p:spPr>
+          <a:xfrm flipV="1">
+            <a:off x="4988560" y="2298065"/>
+            <a:ext cx="1666238" cy="19685"/>
+          </a:xfrm>
+          <a:prstGeom prst="line">
+            <a:avLst/>
+          </a:prstGeom>
+        </p:spPr>
+        <p:style>
+          <a:lnRef idx="1">
+            <a:schemeClr val="dk1"/>
+          </a:lnRef>
+          <a:fillRef idx="0">
+            <a:schemeClr val="dk1"/>
+          </a:fillRef>
+          <a:effectRef idx="0">
+            <a:schemeClr val="dk1"/>
+          </a:effectRef>
+          <a:fontRef idx="minor">
+            <a:schemeClr val="tx1"/>
+          </a:fontRef>
+        </p:style>
+      </p:cxnSp>
+      <p:cxnSp>
+        <p:nvCxnSpPr>
+          <p:cNvPr id="37" name="Straight Connector 36"/>
+          <p:cNvCxnSpPr>
+            <a:stCxn id="8" idx="3"/>
+            <a:endCxn id="5" idx="1"/>
+          </p:cNvCxnSpPr>
+          <p:nvPr/>
+        </p:nvCxnSpPr>
+        <p:spPr>
+          <a:xfrm>
+            <a:off x="4988560" y="2317750"/>
+            <a:ext cx="1859279" cy="848361"/>
+          </a:xfrm>
+          <a:prstGeom prst="line">
+            <a:avLst/>
+          </a:prstGeom>
+        </p:spPr>
+        <p:style>
+          <a:lnRef idx="1">
+            <a:schemeClr val="dk1"/>
+          </a:lnRef>
+          <a:fillRef idx="0">
+            <a:schemeClr val="dk1"/>
+          </a:fillRef>
+          <a:effectRef idx="0">
+            <a:schemeClr val="dk1"/>
+          </a:effectRef>
+          <a:fontRef idx="minor">
+            <a:schemeClr val="tx1"/>
+          </a:fontRef>
+        </p:style>
+      </p:cxnSp>
+      <p:cxnSp>
+        <p:nvCxnSpPr>
+          <p:cNvPr id="41" name="Straight Connector 40"/>
+          <p:cNvCxnSpPr>
+            <a:stCxn id="9" idx="3"/>
+            <a:endCxn id="4" idx="1"/>
+          </p:cNvCxnSpPr>
+          <p:nvPr/>
+        </p:nvCxnSpPr>
+        <p:spPr>
+          <a:xfrm flipV="1">
+            <a:off x="4988560" y="2298065"/>
+            <a:ext cx="1666238" cy="847726"/>
+          </a:xfrm>
+          <a:prstGeom prst="line">
+            <a:avLst/>
+          </a:prstGeom>
+        </p:spPr>
+        <p:style>
+          <a:lnRef idx="1">
+            <a:schemeClr val="dk1"/>
+          </a:lnRef>
+          <a:fillRef idx="0">
+            <a:schemeClr val="dk1"/>
+          </a:fillRef>
+          <a:effectRef idx="0">
+            <a:schemeClr val="dk1"/>
+          </a:effectRef>
+          <a:fontRef idx="minor">
+            <a:schemeClr val="tx1"/>
+          </a:fontRef>
+        </p:style>
+      </p:cxnSp>
+      <p:cxnSp>
+        <p:nvCxnSpPr>
+          <p:cNvPr id="44" name="Straight Connector 43"/>
+          <p:cNvCxnSpPr>
+            <a:stCxn id="9" idx="3"/>
+            <a:endCxn id="6" idx="1"/>
+          </p:cNvCxnSpPr>
+          <p:nvPr/>
+        </p:nvCxnSpPr>
+        <p:spPr>
+          <a:xfrm>
+            <a:off x="4988560" y="3145791"/>
+            <a:ext cx="1859279" cy="876934"/>
+          </a:xfrm>
+          <a:prstGeom prst="line">
+            <a:avLst/>
+          </a:prstGeom>
+        </p:spPr>
+        <p:style>
+          <a:lnRef idx="1">
+            <a:schemeClr val="dk1"/>
+          </a:lnRef>
+          <a:fillRef idx="0">
+            <a:schemeClr val="dk1"/>
+          </a:fillRef>
+          <a:effectRef idx="0">
+            <a:schemeClr val="dk1"/>
+          </a:effectRef>
+          <a:fontRef idx="minor">
+            <a:schemeClr val="tx1"/>
+          </a:fontRef>
+        </p:style>
+      </p:cxnSp>
+      <p:cxnSp>
+        <p:nvCxnSpPr>
+          <p:cNvPr id="47" name="Straight Connector 46"/>
+          <p:cNvCxnSpPr>
+            <a:stCxn id="8" idx="3"/>
+            <a:endCxn id="6" idx="1"/>
+          </p:cNvCxnSpPr>
+          <p:nvPr/>
+        </p:nvCxnSpPr>
+        <p:spPr>
+          <a:xfrm>
+            <a:off x="4988560" y="2317750"/>
+            <a:ext cx="1859279" cy="1704975"/>
+          </a:xfrm>
+          <a:prstGeom prst="line">
+            <a:avLst/>
+          </a:prstGeom>
+        </p:spPr>
+        <p:style>
+          <a:lnRef idx="1">
+            <a:schemeClr val="dk1"/>
+          </a:lnRef>
+          <a:fillRef idx="0">
+            <a:schemeClr val="dk1"/>
+          </a:fillRef>
+          <a:effectRef idx="0">
+            <a:schemeClr val="dk1"/>
+          </a:effectRef>
+          <a:fontRef idx="minor">
+            <a:schemeClr val="tx1"/>
+          </a:fontRef>
+        </p:style>
+      </p:cxnSp>
+      <p:cxnSp>
+        <p:nvCxnSpPr>
+          <p:cNvPr id="50" name="Straight Connector 49"/>
+          <p:cNvCxnSpPr>
+            <a:stCxn id="10" idx="3"/>
+            <a:endCxn id="7" idx="1"/>
+          </p:cNvCxnSpPr>
+          <p:nvPr/>
+        </p:nvCxnSpPr>
+        <p:spPr>
+          <a:xfrm>
+            <a:off x="4988560" y="3939442"/>
+            <a:ext cx="1859279" cy="932332"/>
+          </a:xfrm>
+          <a:prstGeom prst="line">
+            <a:avLst/>
+          </a:prstGeom>
+        </p:spPr>
+        <p:style>
+          <a:lnRef idx="1">
+            <a:schemeClr val="dk1"/>
+          </a:lnRef>
+          <a:fillRef idx="0">
+            <a:schemeClr val="dk1"/>
+          </a:fillRef>
+          <a:effectRef idx="0">
+            <a:schemeClr val="dk1"/>
+          </a:effectRef>
+          <a:fontRef idx="minor">
+            <a:schemeClr val="tx1"/>
+          </a:fontRef>
+        </p:style>
+      </p:cxnSp>
+      <p:sp>
+        <p:nvSpPr>
+          <p:cNvPr id="484" name="Rounded Rectangle 483"/>
+          <p:cNvSpPr/>
+          <p:nvPr/>
+        </p:nvSpPr>
+        <p:spPr>
+          <a:xfrm>
+            <a:off x="3627119" y="4641586"/>
+            <a:ext cx="1361441" cy="460375"/>
+          </a:xfrm>
+          <a:prstGeom prst="roundRect">
+            <a:avLst/>
+          </a:prstGeom>
+          <a:ln w="38100" cmpd="dbl">
+            <a:prstDash val="solid"/>
+          </a:ln>
+        </p:spPr>
+        <p:style>
+          <a:lnRef idx="2">
+            <a:schemeClr val="dk1"/>
+          </a:lnRef>
+          <a:fillRef idx="1">
+            <a:schemeClr val="lt1"/>
+          </a:fillRef>
+          <a:effectRef idx="0">
+            <a:schemeClr val="dk1"/>
+          </a:effectRef>
+          <a:fontRef idx="minor">
+            <a:schemeClr val="dk1"/>
+          </a:fontRef>
+        </p:style>
+        <p:txBody>
+          <a:bodyPr rtlCol="0" anchor="ctr"/>
+          <a:lstStyle/>
+          <a:p>
+            <a:pPr algn="ctr"/>
+            <a:r>
+              <a:rPr lang="en-US" sz="1200" dirty="0" smtClean="0"/>
+              <a:t>Compatibility</a:t>
+            </a:r>
+            <a:endParaRPr lang="en-US" sz="1200" dirty="0"/>
+          </a:p>
+        </p:txBody>
+      </p:sp>
+      <p:cxnSp>
+        <p:nvCxnSpPr>
+          <p:cNvPr id="485" name="Straight Connector 484"/>
+          <p:cNvCxnSpPr>
+            <a:stCxn id="484" idx="3"/>
+            <a:endCxn id="4" idx="1"/>
+          </p:cNvCxnSpPr>
+          <p:nvPr/>
+        </p:nvCxnSpPr>
+        <p:spPr>
+          <a:xfrm flipV="1">
+            <a:off x="4988560" y="2298065"/>
+            <a:ext cx="1666238" cy="2573709"/>
+          </a:xfrm>
+          <a:prstGeom prst="line">
+            <a:avLst/>
+          </a:prstGeom>
+        </p:spPr>
+        <p:style>
+          <a:lnRef idx="1">
+            <a:schemeClr val="dk1"/>
+          </a:lnRef>
+          <a:fillRef idx="0">
+            <a:schemeClr val="dk1"/>
+          </a:fillRef>
+          <a:effectRef idx="0">
+            <a:schemeClr val="dk1"/>
+          </a:effectRef>
+          <a:fontRef idx="minor">
+            <a:schemeClr val="tx1"/>
+          </a:fontRef>
+        </p:style>
+      </p:cxnSp>
+      <p:cxnSp>
+        <p:nvCxnSpPr>
+          <p:cNvPr id="488" name="Straight Connector 487"/>
+          <p:cNvCxnSpPr>
+            <a:stCxn id="484" idx="3"/>
+            <a:endCxn id="5" idx="1"/>
+          </p:cNvCxnSpPr>
+          <p:nvPr/>
+        </p:nvCxnSpPr>
+        <p:spPr>
+          <a:xfrm flipV="1">
+            <a:off x="4988560" y="3166111"/>
+            <a:ext cx="1859279" cy="1705663"/>
+          </a:xfrm>
+          <a:prstGeom prst="line">
+            <a:avLst/>
+          </a:prstGeom>
+        </p:spPr>
+        <p:style>
+          <a:lnRef idx="1">
+            <a:schemeClr val="dk1"/>
+          </a:lnRef>
+          <a:fillRef idx="0">
+            <a:schemeClr val="dk1"/>
+          </a:fillRef>
+          <a:effectRef idx="0">
+            <a:schemeClr val="dk1"/>
+          </a:effectRef>
+          <a:fontRef idx="minor">
+            <a:schemeClr val="tx1"/>
+          </a:fontRef>
+        </p:style>
+      </p:cxnSp>
+      <p:cxnSp>
+        <p:nvCxnSpPr>
+          <p:cNvPr id="491" name="Straight Connector 490"/>
+          <p:cNvCxnSpPr>
+            <a:stCxn id="484" idx="3"/>
+            <a:endCxn id="6" idx="1"/>
+          </p:cNvCxnSpPr>
+          <p:nvPr/>
+        </p:nvCxnSpPr>
+        <p:spPr>
+          <a:xfrm flipV="1">
+            <a:off x="4988560" y="4022725"/>
+            <a:ext cx="1859279" cy="849049"/>
+          </a:xfrm>
+          <a:prstGeom prst="line">
+            <a:avLst/>
+          </a:prstGeom>
+        </p:spPr>
+        <p:style>
+          <a:lnRef idx="1">
+            <a:schemeClr val="dk1"/>
+          </a:lnRef>
+          <a:fillRef idx="0">
+            <a:schemeClr val="dk1"/>
+          </a:fillRef>
+          <a:effectRef idx="0">
+            <a:schemeClr val="dk1"/>
+          </a:effectRef>
+          <a:fontRef idx="minor">
+            <a:schemeClr val="tx1"/>
+          </a:fontRef>
+        </p:style>
+      </p:cxnSp>
+      <p:cxnSp>
+        <p:nvCxnSpPr>
+          <p:cNvPr id="495" name="Straight Connector 494"/>
+          <p:cNvCxnSpPr>
+            <a:stCxn id="484" idx="3"/>
+            <a:endCxn id="7" idx="1"/>
+          </p:cNvCxnSpPr>
+          <p:nvPr/>
+        </p:nvCxnSpPr>
+        <p:spPr>
+          <a:xfrm>
+            <a:off x="4988560" y="4871774"/>
+            <a:ext cx="1859279" cy="0"/>
+          </a:xfrm>
+          <a:prstGeom prst="line">
+            <a:avLst/>
+          </a:prstGeom>
+        </p:spPr>
+        <p:style>
+          <a:lnRef idx="1">
+            <a:schemeClr val="dk1"/>
+          </a:lnRef>
+          <a:fillRef idx="0">
+            <a:schemeClr val="dk1"/>
+          </a:fillRef>
+          <a:effectRef idx="0">
+            <a:schemeClr val="dk1"/>
+          </a:effectRef>
+          <a:fontRef idx="minor">
+            <a:schemeClr val="tx1"/>
+          </a:fontRef>
+        </p:style>
+      </p:cxnSp>
+      <p:sp>
+        <p:nvSpPr>
+          <p:cNvPr id="2" name="TextBox 1"/>
+          <p:cNvSpPr txBox="1"/>
+          <p:nvPr/>
+        </p:nvSpPr>
+        <p:spPr>
+          <a:xfrm>
+            <a:off x="6042545" y="807720"/>
+            <a:ext cx="2499640" cy="646331"/>
+          </a:xfrm>
+          <a:prstGeom prst="rect">
+            <a:avLst/>
+          </a:prstGeom>
+          <a:noFill/>
+        </p:spPr>
+        <p:txBody>
+          <a:bodyPr wrap="none" rtlCol="0">
+            <a:spAutoFit/>
+          </a:bodyPr>
+          <a:lstStyle/>
+          <a:p>
+            <a:r>
+              <a:rPr lang="en-US" dirty="0" smtClean="0"/>
+              <a:t>CUSTOMER PERCEPTION</a:t>
+            </a:r>
+          </a:p>
+          <a:p>
+            <a:r>
+              <a:rPr lang="en-US" dirty="0" smtClean="0"/>
+              <a:t> AND DIMENSIONS</a:t>
+            </a:r>
+            <a:endParaRPr lang="en-US" dirty="0"/>
+          </a:p>
+        </p:txBody>
+      </p:sp>
+      <p:sp>
+        <p:nvSpPr>
+          <p:cNvPr id="38" name="TextBox 37"/>
+          <p:cNvSpPr txBox="1"/>
+          <p:nvPr/>
+        </p:nvSpPr>
+        <p:spPr>
+          <a:xfrm>
+            <a:off x="1052578" y="3145791"/>
+            <a:ext cx="1491439" cy="646331"/>
+          </a:xfrm>
+          <a:prstGeom prst="rect">
+            <a:avLst/>
+          </a:prstGeom>
+        </p:spPr>
+        <p:style>
+          <a:lnRef idx="2">
+            <a:schemeClr val="dk1"/>
+          </a:lnRef>
+          <a:fillRef idx="1">
+            <a:schemeClr val="lt1"/>
+          </a:fillRef>
+          <a:effectRef idx="0">
+            <a:schemeClr val="dk1"/>
+          </a:effectRef>
+          <a:fontRef idx="minor">
+            <a:schemeClr val="dk1"/>
+          </a:fontRef>
+        </p:style>
+        <p:txBody>
+          <a:bodyPr wrap="none" rtlCol="0">
+            <a:spAutoFit/>
+          </a:bodyPr>
+          <a:lstStyle/>
+          <a:p>
+            <a:r>
+              <a:rPr lang="en-US" dirty="0" smtClean="0"/>
+              <a:t>E-Service </a:t>
+            </a:r>
+          </a:p>
+          <a:p>
+            <a:r>
+              <a:rPr lang="en-US" dirty="0" smtClean="0"/>
+              <a:t>Quality </a:t>
+            </a:r>
+            <a:r>
+              <a:rPr lang="en-US" dirty="0" smtClean="0"/>
+              <a:t>in </a:t>
+            </a:r>
+            <a:r>
+              <a:rPr lang="en-US" dirty="0" smtClean="0"/>
+              <a:t>Use</a:t>
+            </a:r>
+          </a:p>
+        </p:txBody>
+      </p:sp>
+      <p:cxnSp>
+        <p:nvCxnSpPr>
+          <p:cNvPr id="39" name="Straight Connector 38"/>
+          <p:cNvCxnSpPr>
+            <a:stCxn id="38" idx="3"/>
+            <a:endCxn id="8" idx="1"/>
+          </p:cNvCxnSpPr>
+          <p:nvPr/>
+        </p:nvCxnSpPr>
+        <p:spPr>
+          <a:xfrm flipV="1">
+            <a:off x="2544017" y="2317750"/>
+            <a:ext cx="1306623" cy="1151207"/>
+          </a:xfrm>
+          <a:prstGeom prst="line">
+            <a:avLst/>
+          </a:prstGeom>
+        </p:spPr>
+        <p:style>
+          <a:lnRef idx="1">
+            <a:schemeClr val="dk1"/>
+          </a:lnRef>
+          <a:fillRef idx="0">
+            <a:schemeClr val="dk1"/>
+          </a:fillRef>
+          <a:effectRef idx="0">
+            <a:schemeClr val="dk1"/>
+          </a:effectRef>
+          <a:fontRef idx="minor">
+            <a:schemeClr val="tx1"/>
+          </a:fontRef>
+        </p:style>
+      </p:cxnSp>
+      <p:cxnSp>
+        <p:nvCxnSpPr>
+          <p:cNvPr id="49" name="Straight Connector 48"/>
+          <p:cNvCxnSpPr>
+            <a:stCxn id="38" idx="3"/>
+            <a:endCxn id="9" idx="1"/>
+          </p:cNvCxnSpPr>
+          <p:nvPr/>
+        </p:nvCxnSpPr>
+        <p:spPr>
+          <a:xfrm flipV="1">
+            <a:off x="2544017" y="3145791"/>
+            <a:ext cx="1306623" cy="323166"/>
+          </a:xfrm>
+          <a:prstGeom prst="line">
+            <a:avLst/>
+          </a:prstGeom>
+        </p:spPr>
+        <p:style>
+          <a:lnRef idx="1">
+            <a:schemeClr val="dk1"/>
+          </a:lnRef>
+          <a:fillRef idx="0">
+            <a:schemeClr val="dk1"/>
+          </a:fillRef>
+          <a:effectRef idx="0">
+            <a:schemeClr val="dk1"/>
+          </a:effectRef>
+          <a:fontRef idx="minor">
+            <a:schemeClr val="tx1"/>
+          </a:fontRef>
+        </p:style>
+      </p:cxnSp>
+      <p:cxnSp>
+        <p:nvCxnSpPr>
+          <p:cNvPr id="52" name="Straight Connector 51"/>
+          <p:cNvCxnSpPr>
+            <a:stCxn id="38" idx="3"/>
+            <a:endCxn id="10" idx="1"/>
+          </p:cNvCxnSpPr>
+          <p:nvPr/>
+        </p:nvCxnSpPr>
+        <p:spPr>
+          <a:xfrm>
+            <a:off x="2544017" y="3468957"/>
+            <a:ext cx="1154223" cy="470485"/>
+          </a:xfrm>
+          <a:prstGeom prst="line">
+            <a:avLst/>
+          </a:prstGeom>
+        </p:spPr>
+        <p:style>
+          <a:lnRef idx="1">
+            <a:schemeClr val="dk1"/>
+          </a:lnRef>
+          <a:fillRef idx="0">
+            <a:schemeClr val="dk1"/>
+          </a:fillRef>
+          <a:effectRef idx="0">
+            <a:schemeClr val="dk1"/>
+          </a:effectRef>
+          <a:fontRef idx="minor">
+            <a:schemeClr val="tx1"/>
+          </a:fontRef>
+        </p:style>
+      </p:cxnSp>
+      <p:cxnSp>
+        <p:nvCxnSpPr>
+          <p:cNvPr id="55" name="Straight Connector 54"/>
+          <p:cNvCxnSpPr>
+            <a:stCxn id="38" idx="3"/>
+            <a:endCxn id="484" idx="1"/>
+          </p:cNvCxnSpPr>
+          <p:nvPr/>
+        </p:nvCxnSpPr>
+        <p:spPr>
+          <a:xfrm>
+            <a:off x="2544017" y="3468957"/>
+            <a:ext cx="1083102" cy="1402817"/>
+          </a:xfrm>
+          <a:prstGeom prst="line">
+            <a:avLst/>
+          </a:prstGeom>
+        </p:spPr>
+        <p:style>
+          <a:lnRef idx="1">
+            <a:schemeClr val="dk1"/>
+          </a:lnRef>
+          <a:fillRef idx="0">
+            <a:schemeClr val="dk1"/>
+          </a:fillRef>
+          <a:effectRef idx="0">
+            <a:schemeClr val="dk1"/>
+          </a:effectRef>
+          <a:fontRef idx="minor">
+            <a:schemeClr val="tx1"/>
+          </a:fontRef>
+        </p:style>
+      </p:cxnSp>
+    </p:spTree>
+    <p:extLst>
+      <p:ext uri="{BB962C8B-B14F-4D97-AF65-F5344CB8AC3E}">
+        <p14:creationId xmlns:p14="http://schemas.microsoft.com/office/powerpoint/2010/main" val="1832724302"/>
+      </p:ext>
+    </p:extLst>
+  </p:cSld>
+  <p:clrMapOvr>
+    <a:masterClrMapping/>
+  </p:clrMapOvr>
+  <p:timing>
+    <p:tnLst>
+      <p:par>
+        <p:cTn xmlns:p14="http://schemas.microsoft.com/office/powerpoint/2010/main" id="1" dur="indefinite" restart="never" nodeType="tmRoot"/>
+      </p:par>
+    </p:tnLst>
+  </p:timing>
+</p:sld>
+</file>
+
+<file path=ppt/slides/slide7.xml><?xml version="1.0" encoding="utf-8"?>
+<p:sld xmlns:a="http://schemas.openxmlformats.org/drawingml/2006/main" xmlns:r="http://schemas.openxmlformats.org/officeDocument/2006/relationships" xmlns:p="http://schemas.openxmlformats.org/presentationml/2006/main">
+  <p:cSld>
+    <p:spTree>
+      <p:nvGrpSpPr>
+        <p:cNvPr id="1" name=""/>
+        <p:cNvGrpSpPr/>
+        <p:nvPr/>
+      </p:nvGrpSpPr>
+      <p:grpSpPr>
+        <a:xfrm>
+          <a:off x="0" y="0"/>
+          <a:ext cx="0" cy="0"/>
+          <a:chOff x="0" y="0"/>
+          <a:chExt cx="0" cy="0"/>
+        </a:xfrm>
+      </p:grpSpPr>
+      <p:sp>
+        <p:nvSpPr>
+          <p:cNvPr id="4" name="Rounded Rectangle 3"/>
+          <p:cNvSpPr/>
+          <p:nvPr/>
+        </p:nvSpPr>
+        <p:spPr>
+          <a:xfrm>
             <a:off x="5958208" y="2386021"/>
             <a:ext cx="1239519" cy="279400"/>
           </a:xfrm>
@@ -25012,7 +29188,7 @@
 </p:sld>
 </file>
 
-<file path=ppt/slides/slide7.xml><?xml version="1.0" encoding="utf-8"?>
+<file path=ppt/slides/slide8.xml><?xml version="1.0" encoding="utf-8"?>
 <p:sld xmlns:a="http://schemas.openxmlformats.org/drawingml/2006/main" xmlns:r="http://schemas.openxmlformats.org/officeDocument/2006/relationships" xmlns:p="http://schemas.openxmlformats.org/presentationml/2006/main">
   <p:cSld>
     <p:spTree>
@@ -26650,7 +30826,7 @@
 </p:sld>
 </file>
 
-<file path=ppt/slides/slide8.xml><?xml version="1.0" encoding="utf-8"?>
+<file path=ppt/slides/slide9.xml><?xml version="1.0" encoding="utf-8"?>
 <p:sld xmlns:a="http://schemas.openxmlformats.org/drawingml/2006/main" xmlns:r="http://schemas.openxmlformats.org/officeDocument/2006/relationships" xmlns:p="http://schemas.openxmlformats.org/presentationml/2006/main">
   <p:cSld>
     <p:spTree>
@@ -28919,2501 +33095,6 @@
     <p:extLst>
       <p:ext uri="{BB962C8B-B14F-4D97-AF65-F5344CB8AC3E}">
         <p14:creationId xmlns:p14="http://schemas.microsoft.com/office/powerpoint/2010/main" val="4114602512"/>
-      </p:ext>
-    </p:extLst>
-  </p:cSld>
-  <p:clrMapOvr>
-    <a:masterClrMapping/>
-  </p:clrMapOvr>
-  <p:timing>
-    <p:tnLst>
-      <p:par>
-        <p:cTn xmlns:p14="http://schemas.microsoft.com/office/powerpoint/2010/main" id="1" dur="indefinite" restart="never" nodeType="tmRoot"/>
-      </p:par>
-    </p:tnLst>
-  </p:timing>
-</p:sld>
-</file>
-
-<file path=ppt/slides/slide9.xml><?xml version="1.0" encoding="utf-8"?>
-<p:sld xmlns:a="http://schemas.openxmlformats.org/drawingml/2006/main" xmlns:r="http://schemas.openxmlformats.org/officeDocument/2006/relationships" xmlns:p="http://schemas.openxmlformats.org/presentationml/2006/main">
-  <p:cSld>
-    <p:spTree>
-      <p:nvGrpSpPr>
-        <p:cNvPr id="1" name=""/>
-        <p:cNvGrpSpPr/>
-        <p:nvPr/>
-      </p:nvGrpSpPr>
-      <p:grpSpPr>
-        <a:xfrm>
-          <a:off x="0" y="0"/>
-          <a:ext cx="0" cy="0"/>
-          <a:chOff x="0" y="0"/>
-          <a:chExt cx="0" cy="0"/>
-        </a:xfrm>
-      </p:grpSpPr>
-      <p:sp>
-        <p:nvSpPr>
-          <p:cNvPr id="112" name="TextBox 111"/>
-          <p:cNvSpPr txBox="1"/>
-          <p:nvPr/>
-        </p:nvSpPr>
-        <p:spPr>
-          <a:xfrm rot="16200000">
-            <a:off x="-451556" y="2095784"/>
-            <a:ext cx="2903359" cy="646331"/>
-          </a:xfrm>
-          <a:prstGeom prst="rect">
-            <a:avLst/>
-          </a:prstGeom>
-          <a:noFill/>
-        </p:spPr>
-        <p:txBody>
-          <a:bodyPr wrap="none" rtlCol="0">
-            <a:spAutoFit/>
-          </a:bodyPr>
-          <a:lstStyle/>
-          <a:p>
-            <a:r>
-              <a:rPr lang="en-US" dirty="0" smtClean="0"/>
-              <a:t>DIMENSIONS, COMPONENTS</a:t>
-            </a:r>
-          </a:p>
-          <a:p>
-            <a:r>
-              <a:rPr lang="en-US" dirty="0" smtClean="0"/>
-              <a:t>AND RELATIONSHIPS</a:t>
-            </a:r>
-          </a:p>
-        </p:txBody>
-      </p:sp>
-      <p:sp>
-        <p:nvSpPr>
-          <p:cNvPr id="54" name="Rounded Rectangle 53"/>
-          <p:cNvSpPr/>
-          <p:nvPr/>
-        </p:nvSpPr>
-        <p:spPr>
-          <a:xfrm>
-            <a:off x="4941700" y="501015"/>
-            <a:ext cx="1239519" cy="279400"/>
-          </a:xfrm>
-          <a:prstGeom prst="roundRect">
-            <a:avLst>
-              <a:gd name="adj" fmla="val 50000"/>
-            </a:avLst>
-          </a:prstGeom>
-        </p:spPr>
-        <p:style>
-          <a:lnRef idx="2">
-            <a:schemeClr val="accent1"/>
-          </a:lnRef>
-          <a:fillRef idx="1">
-            <a:schemeClr val="lt1"/>
-          </a:fillRef>
-          <a:effectRef idx="0">
-            <a:schemeClr val="accent1"/>
-          </a:effectRef>
-          <a:fontRef idx="minor">
-            <a:schemeClr val="dk1"/>
-          </a:fontRef>
-        </p:style>
-        <p:txBody>
-          <a:bodyPr rtlCol="0" anchor="ctr"/>
-          <a:lstStyle/>
-          <a:p>
-            <a:pPr algn="ctr"/>
-            <a:r>
-              <a:rPr lang="en-US" sz="1200" dirty="0" smtClean="0"/>
-              <a:t>ACCESSIBILITY</a:t>
-            </a:r>
-            <a:endParaRPr lang="en-US" sz="1200" dirty="0"/>
-          </a:p>
-        </p:txBody>
-      </p:sp>
-      <p:sp>
-        <p:nvSpPr>
-          <p:cNvPr id="55" name="Rounded Rectangle 54"/>
-          <p:cNvSpPr/>
-          <p:nvPr/>
-        </p:nvSpPr>
-        <p:spPr>
-          <a:xfrm>
-            <a:off x="5134741" y="1778660"/>
-            <a:ext cx="975359" cy="254000"/>
-          </a:xfrm>
-          <a:prstGeom prst="roundRect">
-            <a:avLst>
-              <a:gd name="adj" fmla="val 50000"/>
-            </a:avLst>
-          </a:prstGeom>
-        </p:spPr>
-        <p:style>
-          <a:lnRef idx="2">
-            <a:schemeClr val="accent1"/>
-          </a:lnRef>
-          <a:fillRef idx="1">
-            <a:schemeClr val="lt1"/>
-          </a:fillRef>
-          <a:effectRef idx="0">
-            <a:schemeClr val="accent1"/>
-          </a:effectRef>
-          <a:fontRef idx="minor">
-            <a:schemeClr val="dk1"/>
-          </a:fontRef>
-        </p:style>
-        <p:txBody>
-          <a:bodyPr rtlCol="0" anchor="ctr"/>
-          <a:lstStyle/>
-          <a:p>
-            <a:pPr algn="ctr"/>
-            <a:r>
-              <a:rPr lang="en-US" sz="1200" dirty="0" smtClean="0"/>
-              <a:t>USABILITY</a:t>
-            </a:r>
-            <a:endParaRPr lang="en-US" sz="1200" dirty="0"/>
-          </a:p>
-        </p:txBody>
-      </p:sp>
-      <p:sp>
-        <p:nvSpPr>
-          <p:cNvPr id="56" name="Rounded Rectangle 55"/>
-          <p:cNvSpPr/>
-          <p:nvPr/>
-        </p:nvSpPr>
-        <p:spPr>
-          <a:xfrm>
-            <a:off x="5134741" y="3286812"/>
-            <a:ext cx="975359" cy="254000"/>
-          </a:xfrm>
-          <a:prstGeom prst="roundRect">
-            <a:avLst>
-              <a:gd name="adj" fmla="val 50000"/>
-            </a:avLst>
-          </a:prstGeom>
-        </p:spPr>
-        <p:style>
-          <a:lnRef idx="2">
-            <a:schemeClr val="accent1"/>
-          </a:lnRef>
-          <a:fillRef idx="1">
-            <a:schemeClr val="lt1"/>
-          </a:fillRef>
-          <a:effectRef idx="0">
-            <a:schemeClr val="accent1"/>
-          </a:effectRef>
-          <a:fontRef idx="minor">
-            <a:schemeClr val="dk1"/>
-          </a:fontRef>
-        </p:style>
-        <p:txBody>
-          <a:bodyPr rtlCol="0" anchor="ctr"/>
-          <a:lstStyle/>
-          <a:p>
-            <a:pPr algn="ctr"/>
-            <a:r>
-              <a:rPr lang="en-US" sz="1200" dirty="0" smtClean="0"/>
-              <a:t>EFFICIENCY</a:t>
-            </a:r>
-            <a:endParaRPr lang="en-US" sz="1200" dirty="0"/>
-          </a:p>
-        </p:txBody>
-      </p:sp>
-      <p:sp>
-        <p:nvSpPr>
-          <p:cNvPr id="57" name="Rounded Rectangle 56"/>
-          <p:cNvSpPr/>
-          <p:nvPr/>
-        </p:nvSpPr>
-        <p:spPr>
-          <a:xfrm>
-            <a:off x="5134741" y="5476347"/>
-            <a:ext cx="975359" cy="254000"/>
-          </a:xfrm>
-          <a:prstGeom prst="roundRect">
-            <a:avLst>
-              <a:gd name="adj" fmla="val 50000"/>
-            </a:avLst>
-          </a:prstGeom>
-        </p:spPr>
-        <p:style>
-          <a:lnRef idx="2">
-            <a:schemeClr val="accent1"/>
-          </a:lnRef>
-          <a:fillRef idx="1">
-            <a:schemeClr val="lt1"/>
-          </a:fillRef>
-          <a:effectRef idx="0">
-            <a:schemeClr val="accent1"/>
-          </a:effectRef>
-          <a:fontRef idx="minor">
-            <a:schemeClr val="dk1"/>
-          </a:fontRef>
-        </p:style>
-        <p:txBody>
-          <a:bodyPr rtlCol="0" anchor="ctr"/>
-          <a:lstStyle/>
-          <a:p>
-            <a:pPr algn="ctr"/>
-            <a:r>
-              <a:rPr lang="en-US" sz="1200" dirty="0" smtClean="0"/>
-              <a:t>SECURITY</a:t>
-            </a:r>
-            <a:endParaRPr lang="en-US" sz="1200" dirty="0"/>
-          </a:p>
-        </p:txBody>
-      </p:sp>
-      <p:sp>
-        <p:nvSpPr>
-          <p:cNvPr id="58" name="Rounded Rectangle 57"/>
-          <p:cNvSpPr/>
-          <p:nvPr/>
-        </p:nvSpPr>
-        <p:spPr>
-          <a:xfrm>
-            <a:off x="6770502" y="866468"/>
-            <a:ext cx="1619998" cy="287997"/>
-          </a:xfrm>
-          <a:prstGeom prst="roundRect">
-            <a:avLst>
-              <a:gd name="adj" fmla="val 0"/>
-            </a:avLst>
-          </a:prstGeom>
-          <a:solidFill>
-            <a:schemeClr val="lt1"/>
-          </a:solidFill>
-          <a:ln w="12700"/>
-        </p:spPr>
-        <p:style>
-          <a:lnRef idx="2">
-            <a:schemeClr val="dk1"/>
-          </a:lnRef>
-          <a:fillRef idx="1">
-            <a:schemeClr val="lt1"/>
-          </a:fillRef>
-          <a:effectRef idx="0">
-            <a:schemeClr val="dk1"/>
-          </a:effectRef>
-          <a:fontRef idx="minor">
-            <a:schemeClr val="dk1"/>
-          </a:fontRef>
-        </p:style>
-        <p:txBody>
-          <a:bodyPr rtlCol="0" anchor="ctr"/>
-          <a:lstStyle/>
-          <a:p>
-            <a:pPr algn="ctr"/>
-            <a:r>
-              <a:rPr lang="en-US" sz="1000" dirty="0" smtClean="0"/>
-              <a:t>Operability</a:t>
-            </a:r>
-            <a:endParaRPr lang="en-US" sz="1000" dirty="0"/>
-          </a:p>
-        </p:txBody>
-      </p:sp>
-      <p:sp>
-        <p:nvSpPr>
-          <p:cNvPr id="59" name="Rounded Rectangle 58"/>
-          <p:cNvSpPr/>
-          <p:nvPr/>
-        </p:nvSpPr>
-        <p:spPr>
-          <a:xfrm>
-            <a:off x="6770502" y="189865"/>
-            <a:ext cx="772159" cy="227330"/>
-          </a:xfrm>
-          <a:prstGeom prst="roundRect">
-            <a:avLst>
-              <a:gd name="adj" fmla="val 0"/>
-            </a:avLst>
-          </a:prstGeom>
-          <a:solidFill>
-            <a:schemeClr val="lt1"/>
-          </a:solidFill>
-          <a:ln w="12700"/>
-        </p:spPr>
-        <p:style>
-          <a:lnRef idx="2">
-            <a:schemeClr val="dk1"/>
-          </a:lnRef>
-          <a:fillRef idx="1">
-            <a:schemeClr val="lt1"/>
-          </a:fillRef>
-          <a:effectRef idx="0">
-            <a:schemeClr val="dk1"/>
-          </a:effectRef>
-          <a:fontRef idx="minor">
-            <a:schemeClr val="dk1"/>
-          </a:fontRef>
-        </p:style>
-        <p:txBody>
-          <a:bodyPr rtlCol="0" anchor="ctr"/>
-          <a:lstStyle/>
-          <a:p>
-            <a:pPr algn="ctr"/>
-            <a:r>
-              <a:rPr lang="en-US" sz="1000" dirty="0" smtClean="0"/>
-              <a:t>Availability</a:t>
-            </a:r>
-            <a:endParaRPr lang="en-US" sz="1000" dirty="0"/>
-          </a:p>
-        </p:txBody>
-      </p:sp>
-      <p:sp>
-        <p:nvSpPr>
-          <p:cNvPr id="60" name="Rounded Rectangle 59"/>
-          <p:cNvSpPr/>
-          <p:nvPr/>
-        </p:nvSpPr>
-        <p:spPr>
-          <a:xfrm>
-            <a:off x="6760342" y="531495"/>
-            <a:ext cx="772159" cy="227330"/>
-          </a:xfrm>
-          <a:prstGeom prst="roundRect">
-            <a:avLst>
-              <a:gd name="adj" fmla="val 0"/>
-            </a:avLst>
-          </a:prstGeom>
-          <a:solidFill>
-            <a:schemeClr val="lt1"/>
-          </a:solidFill>
-          <a:ln w="12700"/>
-        </p:spPr>
-        <p:style>
-          <a:lnRef idx="2">
-            <a:schemeClr val="dk1"/>
-          </a:lnRef>
-          <a:fillRef idx="1">
-            <a:schemeClr val="lt1"/>
-          </a:fillRef>
-          <a:effectRef idx="0">
-            <a:schemeClr val="dk1"/>
-          </a:effectRef>
-          <a:fontRef idx="minor">
-            <a:schemeClr val="dk1"/>
-          </a:fontRef>
-        </p:style>
-        <p:txBody>
-          <a:bodyPr rtlCol="0" anchor="ctr"/>
-          <a:lstStyle/>
-          <a:p>
-            <a:pPr algn="ctr"/>
-            <a:r>
-              <a:rPr lang="en-US" sz="1000" dirty="0" smtClean="0"/>
-              <a:t>Maturity</a:t>
-            </a:r>
-            <a:endParaRPr lang="en-US" sz="1000" dirty="0"/>
-          </a:p>
-        </p:txBody>
-      </p:sp>
-      <p:sp>
-        <p:nvSpPr>
-          <p:cNvPr id="61" name="Rounded Rectangle 60"/>
-          <p:cNvSpPr/>
-          <p:nvPr/>
-        </p:nvSpPr>
-        <p:spPr>
-          <a:xfrm>
-            <a:off x="6699382" y="1392581"/>
-            <a:ext cx="1780539" cy="264160"/>
-          </a:xfrm>
-          <a:prstGeom prst="roundRect">
-            <a:avLst>
-              <a:gd name="adj" fmla="val 0"/>
-            </a:avLst>
-          </a:prstGeom>
-          <a:solidFill>
-            <a:schemeClr val="lt1"/>
-          </a:solidFill>
-          <a:ln w="12700"/>
-        </p:spPr>
-        <p:style>
-          <a:lnRef idx="2">
-            <a:schemeClr val="dk1"/>
-          </a:lnRef>
-          <a:fillRef idx="1">
-            <a:schemeClr val="lt1"/>
-          </a:fillRef>
-          <a:effectRef idx="0">
-            <a:schemeClr val="dk1"/>
-          </a:effectRef>
-          <a:fontRef idx="minor">
-            <a:schemeClr val="dk1"/>
-          </a:fontRef>
-        </p:style>
-        <p:txBody>
-          <a:bodyPr rtlCol="0" anchor="ctr"/>
-          <a:lstStyle/>
-          <a:p>
-            <a:pPr algn="ctr"/>
-            <a:r>
-              <a:rPr lang="en-US" sz="1000" dirty="0" smtClean="0"/>
-              <a:t>Ease of Use</a:t>
-            </a:r>
-            <a:endParaRPr lang="en-US" sz="1000" dirty="0"/>
-          </a:p>
-        </p:txBody>
-      </p:sp>
-      <p:sp>
-        <p:nvSpPr>
-          <p:cNvPr id="62" name="Rounded Rectangle 61"/>
-          <p:cNvSpPr/>
-          <p:nvPr/>
-        </p:nvSpPr>
-        <p:spPr>
-          <a:xfrm>
-            <a:off x="6699382" y="1706877"/>
-            <a:ext cx="1066800" cy="367664"/>
-          </a:xfrm>
-          <a:prstGeom prst="roundRect">
-            <a:avLst>
-              <a:gd name="adj" fmla="val 0"/>
-            </a:avLst>
-          </a:prstGeom>
-          <a:solidFill>
-            <a:schemeClr val="lt1"/>
-          </a:solidFill>
-          <a:ln w="12700"/>
-        </p:spPr>
-        <p:style>
-          <a:lnRef idx="2">
-            <a:schemeClr val="dk1"/>
-          </a:lnRef>
-          <a:fillRef idx="1">
-            <a:schemeClr val="lt1"/>
-          </a:fillRef>
-          <a:effectRef idx="0">
-            <a:schemeClr val="dk1"/>
-          </a:effectRef>
-          <a:fontRef idx="minor">
-            <a:schemeClr val="dk1"/>
-          </a:fontRef>
-        </p:style>
-        <p:txBody>
-          <a:bodyPr rtlCol="0" anchor="ctr"/>
-          <a:lstStyle/>
-          <a:p>
-            <a:pPr algn="ctr"/>
-            <a:r>
-              <a:rPr lang="en-US" sz="1000" dirty="0" smtClean="0"/>
-              <a:t>Learnability</a:t>
-            </a:r>
-            <a:endParaRPr lang="en-US" sz="1000" dirty="0"/>
-          </a:p>
-        </p:txBody>
-      </p:sp>
-      <p:sp>
-        <p:nvSpPr>
-          <p:cNvPr id="63" name="Rounded Rectangle 62"/>
-          <p:cNvSpPr/>
-          <p:nvPr/>
-        </p:nvSpPr>
-        <p:spPr>
-          <a:xfrm>
-            <a:off x="6699382" y="2142515"/>
-            <a:ext cx="1494679" cy="305726"/>
-          </a:xfrm>
-          <a:prstGeom prst="roundRect">
-            <a:avLst>
-              <a:gd name="adj" fmla="val 0"/>
-            </a:avLst>
-          </a:prstGeom>
-          <a:solidFill>
-            <a:schemeClr val="lt1"/>
-          </a:solidFill>
-          <a:ln w="12700"/>
-        </p:spPr>
-        <p:style>
-          <a:lnRef idx="2">
-            <a:schemeClr val="dk1"/>
-          </a:lnRef>
-          <a:fillRef idx="1">
-            <a:schemeClr val="lt1"/>
-          </a:fillRef>
-          <a:effectRef idx="0">
-            <a:schemeClr val="dk1"/>
-          </a:effectRef>
-          <a:fontRef idx="minor">
-            <a:schemeClr val="dk1"/>
-          </a:fontRef>
-        </p:style>
-        <p:txBody>
-          <a:bodyPr rtlCol="0" anchor="ctr"/>
-          <a:lstStyle/>
-          <a:p>
-            <a:pPr algn="ctr"/>
-            <a:r>
-              <a:rPr lang="en-US" sz="1000" dirty="0" smtClean="0"/>
-              <a:t>User interface aesthetics</a:t>
-            </a:r>
-            <a:endParaRPr lang="en-US" sz="1000" dirty="0"/>
-          </a:p>
-        </p:txBody>
-      </p:sp>
-      <p:sp>
-        <p:nvSpPr>
-          <p:cNvPr id="64" name="Rounded Rectangle 63"/>
-          <p:cNvSpPr/>
-          <p:nvPr/>
-        </p:nvSpPr>
-        <p:spPr>
-          <a:xfrm>
-            <a:off x="6628262" y="2925210"/>
-            <a:ext cx="2065978" cy="276861"/>
-          </a:xfrm>
-          <a:prstGeom prst="roundRect">
-            <a:avLst>
-              <a:gd name="adj" fmla="val 0"/>
-            </a:avLst>
-          </a:prstGeom>
-          <a:solidFill>
-            <a:schemeClr val="lt1"/>
-          </a:solidFill>
-          <a:ln w="12700"/>
-        </p:spPr>
-        <p:style>
-          <a:lnRef idx="2">
-            <a:schemeClr val="dk1"/>
-          </a:lnRef>
-          <a:fillRef idx="1">
-            <a:schemeClr val="lt1"/>
-          </a:fillRef>
-          <a:effectRef idx="0">
-            <a:schemeClr val="dk1"/>
-          </a:effectRef>
-          <a:fontRef idx="minor">
-            <a:schemeClr val="dk1"/>
-          </a:fontRef>
-        </p:style>
-        <p:txBody>
-          <a:bodyPr rtlCol="0" anchor="ctr"/>
-          <a:lstStyle/>
-          <a:p>
-            <a:pPr algn="ctr"/>
-            <a:r>
-              <a:rPr lang="en-US" sz="1000" dirty="0" smtClean="0"/>
-              <a:t>Responsiveness</a:t>
-            </a:r>
-            <a:endParaRPr lang="en-US" sz="1000" dirty="0"/>
-          </a:p>
-        </p:txBody>
-      </p:sp>
-      <p:sp>
-        <p:nvSpPr>
-          <p:cNvPr id="65" name="Rounded Rectangle 64"/>
-          <p:cNvSpPr/>
-          <p:nvPr/>
-        </p:nvSpPr>
-        <p:spPr>
-          <a:xfrm>
-            <a:off x="6597782" y="3685938"/>
-            <a:ext cx="1396998" cy="264160"/>
-          </a:xfrm>
-          <a:prstGeom prst="roundRect">
-            <a:avLst>
-              <a:gd name="adj" fmla="val 0"/>
-            </a:avLst>
-          </a:prstGeom>
-          <a:solidFill>
-            <a:schemeClr val="lt1"/>
-          </a:solidFill>
-          <a:ln w="12700"/>
-        </p:spPr>
-        <p:style>
-          <a:lnRef idx="2">
-            <a:schemeClr val="dk1"/>
-          </a:lnRef>
-          <a:fillRef idx="1">
-            <a:schemeClr val="lt1"/>
-          </a:fillRef>
-          <a:effectRef idx="0">
-            <a:schemeClr val="dk1"/>
-          </a:effectRef>
-          <a:fontRef idx="minor">
-            <a:schemeClr val="dk1"/>
-          </a:fontRef>
-        </p:style>
-        <p:txBody>
-          <a:bodyPr rtlCol="0" anchor="ctr"/>
-          <a:lstStyle/>
-          <a:p>
-            <a:pPr algn="ctr"/>
-            <a:r>
-              <a:rPr lang="en-US" sz="1000" dirty="0" smtClean="0"/>
-              <a:t>Time behavior</a:t>
-            </a:r>
-            <a:endParaRPr lang="en-US" sz="1000" dirty="0"/>
-          </a:p>
-        </p:txBody>
-      </p:sp>
-      <p:grpSp>
-        <p:nvGrpSpPr>
-          <p:cNvPr id="66" name="Group 65"/>
-          <p:cNvGrpSpPr/>
-          <p:nvPr/>
-        </p:nvGrpSpPr>
-        <p:grpSpPr>
-          <a:xfrm>
-            <a:off x="6602862" y="4193872"/>
-            <a:ext cx="1879598" cy="491491"/>
-            <a:chOff x="7721601" y="3576319"/>
-            <a:chExt cx="1859278" cy="491491"/>
-          </a:xfrm>
-        </p:grpSpPr>
-        <p:sp>
-          <p:nvSpPr>
-            <p:cNvPr id="67" name="Rounded Rectangle 66"/>
-            <p:cNvSpPr/>
-            <p:nvPr/>
-          </p:nvSpPr>
-          <p:spPr>
-            <a:xfrm>
-              <a:off x="7721601" y="3576319"/>
-              <a:ext cx="1859278" cy="260985"/>
-            </a:xfrm>
-            <a:prstGeom prst="roundRect">
-              <a:avLst>
-                <a:gd name="adj" fmla="val 0"/>
-              </a:avLst>
-            </a:prstGeom>
-            <a:solidFill>
-              <a:schemeClr val="lt1"/>
-            </a:solidFill>
-            <a:ln w="12700"/>
-          </p:spPr>
-          <p:style>
-            <a:lnRef idx="2">
-              <a:schemeClr val="dk1"/>
-            </a:lnRef>
-            <a:fillRef idx="1">
-              <a:schemeClr val="lt1"/>
-            </a:fillRef>
-            <a:effectRef idx="0">
-              <a:schemeClr val="dk1"/>
-            </a:effectRef>
-            <a:fontRef idx="minor">
-              <a:schemeClr val="dk1"/>
-            </a:fontRef>
-          </p:style>
-          <p:txBody>
-            <a:bodyPr rtlCol="0" anchor="ctr"/>
-            <a:lstStyle/>
-            <a:p>
-              <a:pPr algn="ctr"/>
-              <a:r>
-                <a:rPr lang="en-US" sz="1000" dirty="0" smtClean="0"/>
-                <a:t>Transaction Capability</a:t>
-              </a:r>
-              <a:endParaRPr lang="en-US" sz="1000" dirty="0"/>
-            </a:p>
-          </p:txBody>
-        </p:sp>
-        <p:sp>
-          <p:nvSpPr>
-            <p:cNvPr id="68" name="Rounded Rectangle 67"/>
-            <p:cNvSpPr/>
-            <p:nvPr/>
-          </p:nvSpPr>
-          <p:spPr>
-            <a:xfrm>
-              <a:off x="7721601" y="3840480"/>
-              <a:ext cx="955039" cy="224154"/>
-            </a:xfrm>
-            <a:prstGeom prst="roundRect">
-              <a:avLst>
-                <a:gd name="adj" fmla="val 0"/>
-              </a:avLst>
-            </a:prstGeom>
-            <a:solidFill>
-              <a:schemeClr val="lt1"/>
-            </a:solidFill>
-            <a:ln w="12700"/>
-          </p:spPr>
-          <p:style>
-            <a:lnRef idx="2">
-              <a:schemeClr val="dk1"/>
-            </a:lnRef>
-            <a:fillRef idx="1">
-              <a:schemeClr val="lt1"/>
-            </a:fillRef>
-            <a:effectRef idx="0">
-              <a:schemeClr val="dk1"/>
-            </a:effectRef>
-            <a:fontRef idx="minor">
-              <a:schemeClr val="dk1"/>
-            </a:fontRef>
-          </p:style>
-          <p:txBody>
-            <a:bodyPr rtlCol="0" anchor="ctr"/>
-            <a:lstStyle/>
-            <a:p>
-              <a:pPr algn="ctr"/>
-              <a:r>
-                <a:rPr lang="en-US" sz="1000" dirty="0" smtClean="0"/>
-                <a:t>Completeness</a:t>
-              </a:r>
-              <a:endParaRPr lang="en-US" sz="1000" dirty="0"/>
-            </a:p>
-          </p:txBody>
-        </p:sp>
-        <p:sp>
-          <p:nvSpPr>
-            <p:cNvPr id="69" name="Rounded Rectangle 68"/>
-            <p:cNvSpPr/>
-            <p:nvPr/>
-          </p:nvSpPr>
-          <p:spPr>
-            <a:xfrm>
-              <a:off x="8676640" y="3840480"/>
-              <a:ext cx="904239" cy="227330"/>
-            </a:xfrm>
-            <a:prstGeom prst="roundRect">
-              <a:avLst>
-                <a:gd name="adj" fmla="val 0"/>
-              </a:avLst>
-            </a:prstGeom>
-            <a:solidFill>
-              <a:schemeClr val="lt1"/>
-            </a:solidFill>
-            <a:ln w="12700"/>
-          </p:spPr>
-          <p:style>
-            <a:lnRef idx="2">
-              <a:schemeClr val="dk1"/>
-            </a:lnRef>
-            <a:fillRef idx="1">
-              <a:schemeClr val="lt1"/>
-            </a:fillRef>
-            <a:effectRef idx="0">
-              <a:schemeClr val="dk1"/>
-            </a:effectRef>
-            <a:fontRef idx="minor">
-              <a:schemeClr val="dk1"/>
-            </a:fontRef>
-          </p:style>
-          <p:txBody>
-            <a:bodyPr rtlCol="0" anchor="ctr"/>
-            <a:lstStyle/>
-            <a:p>
-              <a:pPr algn="ctr"/>
-              <a:r>
-                <a:rPr lang="en-US" sz="1000" dirty="0" smtClean="0"/>
-                <a:t>Correctness</a:t>
-              </a:r>
-              <a:endParaRPr lang="en-US" sz="1000" dirty="0"/>
-            </a:p>
-          </p:txBody>
-        </p:sp>
-      </p:grpSp>
-      <p:sp>
-        <p:nvSpPr>
-          <p:cNvPr id="70" name="Rounded Rectangle 69"/>
-          <p:cNvSpPr/>
-          <p:nvPr/>
-        </p:nvSpPr>
-        <p:spPr>
-          <a:xfrm>
-            <a:off x="6628262" y="2578500"/>
-            <a:ext cx="1851659" cy="254000"/>
-          </a:xfrm>
-          <a:prstGeom prst="roundRect">
-            <a:avLst>
-              <a:gd name="adj" fmla="val 0"/>
-            </a:avLst>
-          </a:prstGeom>
-          <a:solidFill>
-            <a:schemeClr val="lt1"/>
-          </a:solidFill>
-          <a:ln w="12700"/>
-        </p:spPr>
-        <p:style>
-          <a:lnRef idx="2">
-            <a:schemeClr val="dk1"/>
-          </a:lnRef>
-          <a:fillRef idx="1">
-            <a:schemeClr val="lt1"/>
-          </a:fillRef>
-          <a:effectRef idx="0">
-            <a:schemeClr val="dk1"/>
-          </a:effectRef>
-          <a:fontRef idx="minor">
-            <a:schemeClr val="dk1"/>
-          </a:fontRef>
-        </p:style>
-        <p:txBody>
-          <a:bodyPr rtlCol="0" anchor="ctr"/>
-          <a:lstStyle/>
-          <a:p>
-            <a:pPr algn="ctr"/>
-            <a:r>
-              <a:rPr lang="en-US" sz="1000" dirty="0" smtClean="0"/>
-              <a:t>Fault Tolerance</a:t>
-            </a:r>
-            <a:endParaRPr lang="en-US" sz="1000" dirty="0"/>
-          </a:p>
-        </p:txBody>
-      </p:sp>
-      <p:sp>
-        <p:nvSpPr>
-          <p:cNvPr id="71" name="Rounded Rectangle 70"/>
-          <p:cNvSpPr/>
-          <p:nvPr/>
-        </p:nvSpPr>
-        <p:spPr>
-          <a:xfrm>
-            <a:off x="6613023" y="3322085"/>
-            <a:ext cx="1178560" cy="227330"/>
-          </a:xfrm>
-          <a:prstGeom prst="roundRect">
-            <a:avLst>
-              <a:gd name="adj" fmla="val 0"/>
-            </a:avLst>
-          </a:prstGeom>
-          <a:solidFill>
-            <a:schemeClr val="lt1"/>
-          </a:solidFill>
-          <a:ln w="12700"/>
-        </p:spPr>
-        <p:style>
-          <a:lnRef idx="2">
-            <a:schemeClr val="dk1"/>
-          </a:lnRef>
-          <a:fillRef idx="1">
-            <a:schemeClr val="lt1"/>
-          </a:fillRef>
-          <a:effectRef idx="0">
-            <a:schemeClr val="dk1"/>
-          </a:effectRef>
-          <a:fontRef idx="minor">
-            <a:schemeClr val="dk1"/>
-          </a:fontRef>
-        </p:style>
-        <p:txBody>
-          <a:bodyPr rtlCol="0" anchor="ctr"/>
-          <a:lstStyle/>
-          <a:p>
-            <a:pPr algn="ctr"/>
-            <a:r>
-              <a:rPr lang="en-US" sz="1000" dirty="0" smtClean="0"/>
-              <a:t>Customer Service</a:t>
-            </a:r>
-            <a:endParaRPr lang="en-US" sz="1000" dirty="0"/>
-          </a:p>
-        </p:txBody>
-      </p:sp>
-      <p:sp>
-        <p:nvSpPr>
-          <p:cNvPr id="72" name="Rounded Rectangle 71"/>
-          <p:cNvSpPr/>
-          <p:nvPr/>
-        </p:nvSpPr>
-        <p:spPr>
-          <a:xfrm>
-            <a:off x="6656267" y="6084747"/>
-            <a:ext cx="1011197" cy="240573"/>
-          </a:xfrm>
-          <a:prstGeom prst="roundRect">
-            <a:avLst>
-              <a:gd name="adj" fmla="val 0"/>
-            </a:avLst>
-          </a:prstGeom>
-          <a:solidFill>
-            <a:schemeClr val="lt1"/>
-          </a:solidFill>
-          <a:ln w="12700"/>
-        </p:spPr>
-        <p:style>
-          <a:lnRef idx="2">
-            <a:schemeClr val="dk1"/>
-          </a:lnRef>
-          <a:fillRef idx="1">
-            <a:schemeClr val="lt1"/>
-          </a:fillRef>
-          <a:effectRef idx="0">
-            <a:schemeClr val="dk1"/>
-          </a:effectRef>
-          <a:fontRef idx="minor">
-            <a:schemeClr val="dk1"/>
-          </a:fontRef>
-        </p:style>
-        <p:txBody>
-          <a:bodyPr rtlCol="0" anchor="ctr"/>
-          <a:lstStyle/>
-          <a:p>
-            <a:pPr algn="ctr"/>
-            <a:r>
-              <a:rPr lang="en-US" sz="1000" dirty="0" smtClean="0"/>
-              <a:t>Confidentiality</a:t>
-            </a:r>
-            <a:endParaRPr lang="en-US" sz="1000" dirty="0"/>
-          </a:p>
-        </p:txBody>
-      </p:sp>
-      <p:sp>
-        <p:nvSpPr>
-          <p:cNvPr id="74" name="Rounded Rectangle 73"/>
-          <p:cNvSpPr/>
-          <p:nvPr/>
-        </p:nvSpPr>
-        <p:spPr>
-          <a:xfrm>
-            <a:off x="6653727" y="4858588"/>
-            <a:ext cx="2098997" cy="227330"/>
-          </a:xfrm>
-          <a:prstGeom prst="roundRect">
-            <a:avLst>
-              <a:gd name="adj" fmla="val 0"/>
-            </a:avLst>
-          </a:prstGeom>
-          <a:solidFill>
-            <a:schemeClr val="lt1"/>
-          </a:solidFill>
-          <a:ln w="12700"/>
-        </p:spPr>
-        <p:style>
-          <a:lnRef idx="2">
-            <a:schemeClr val="dk1"/>
-          </a:lnRef>
-          <a:fillRef idx="1">
-            <a:schemeClr val="lt1"/>
-          </a:fillRef>
-          <a:effectRef idx="0">
-            <a:schemeClr val="dk1"/>
-          </a:effectRef>
-          <a:fontRef idx="minor">
-            <a:schemeClr val="dk1"/>
-          </a:fontRef>
-        </p:style>
-        <p:txBody>
-          <a:bodyPr rtlCol="0" anchor="ctr"/>
-          <a:lstStyle/>
-          <a:p>
-            <a:pPr algn="ctr"/>
-            <a:r>
-              <a:rPr lang="en-US" sz="1000" dirty="0" smtClean="0"/>
-              <a:t>Safety</a:t>
-            </a:r>
-            <a:endParaRPr lang="en-US" sz="1000" dirty="0"/>
-          </a:p>
-        </p:txBody>
-      </p:sp>
-      <p:sp>
-        <p:nvSpPr>
-          <p:cNvPr id="75" name="Rounded Rectangle 74"/>
-          <p:cNvSpPr/>
-          <p:nvPr/>
-        </p:nvSpPr>
-        <p:spPr>
-          <a:xfrm>
-            <a:off x="6666427" y="5781570"/>
-            <a:ext cx="1001037" cy="227330"/>
-          </a:xfrm>
-          <a:prstGeom prst="roundRect">
-            <a:avLst>
-              <a:gd name="adj" fmla="val 0"/>
-            </a:avLst>
-          </a:prstGeom>
-          <a:solidFill>
-            <a:schemeClr val="lt1"/>
-          </a:solidFill>
-          <a:ln w="12700"/>
-        </p:spPr>
-        <p:style>
-          <a:lnRef idx="2">
-            <a:schemeClr val="dk1"/>
-          </a:lnRef>
-          <a:fillRef idx="1">
-            <a:schemeClr val="lt1"/>
-          </a:fillRef>
-          <a:effectRef idx="0">
-            <a:schemeClr val="dk1"/>
-          </a:effectRef>
-          <a:fontRef idx="minor">
-            <a:schemeClr val="dk1"/>
-          </a:fontRef>
-        </p:style>
-        <p:txBody>
-          <a:bodyPr rtlCol="0" anchor="ctr"/>
-          <a:lstStyle/>
-          <a:p>
-            <a:pPr algn="ctr"/>
-            <a:r>
-              <a:rPr lang="en-US" sz="1000" dirty="0" smtClean="0"/>
-              <a:t>Integrity</a:t>
-            </a:r>
-            <a:endParaRPr lang="en-US" sz="1000" dirty="0"/>
-          </a:p>
-        </p:txBody>
-      </p:sp>
-      <p:sp>
-        <p:nvSpPr>
-          <p:cNvPr id="76" name="Rounded Rectangle 75"/>
-          <p:cNvSpPr/>
-          <p:nvPr/>
-        </p:nvSpPr>
-        <p:spPr>
-          <a:xfrm>
-            <a:off x="6661625" y="5195136"/>
-            <a:ext cx="1005839" cy="227330"/>
-          </a:xfrm>
-          <a:prstGeom prst="roundRect">
-            <a:avLst>
-              <a:gd name="adj" fmla="val 0"/>
-            </a:avLst>
-          </a:prstGeom>
-          <a:solidFill>
-            <a:schemeClr val="lt1"/>
-          </a:solidFill>
-          <a:ln w="12700"/>
-        </p:spPr>
-        <p:style>
-          <a:lnRef idx="2">
-            <a:schemeClr val="dk1"/>
-          </a:lnRef>
-          <a:fillRef idx="1">
-            <a:schemeClr val="lt1"/>
-          </a:fillRef>
-          <a:effectRef idx="0">
-            <a:schemeClr val="dk1"/>
-          </a:effectRef>
-          <a:fontRef idx="minor">
-            <a:schemeClr val="dk1"/>
-          </a:fontRef>
-        </p:style>
-        <p:txBody>
-          <a:bodyPr rtlCol="0" anchor="ctr"/>
-          <a:lstStyle/>
-          <a:p>
-            <a:pPr algn="ctr"/>
-            <a:r>
-              <a:rPr lang="en-US" sz="1000" dirty="0" smtClean="0"/>
-              <a:t>Authenticity</a:t>
-            </a:r>
-            <a:endParaRPr lang="en-US" sz="1000" dirty="0"/>
-          </a:p>
-        </p:txBody>
-      </p:sp>
-      <p:cxnSp>
-        <p:nvCxnSpPr>
-          <p:cNvPr id="77" name="Straight Connector 76"/>
-          <p:cNvCxnSpPr>
-            <a:stCxn id="59" idx="1"/>
-            <a:endCxn id="54" idx="3"/>
-          </p:cNvCxnSpPr>
-          <p:nvPr/>
-        </p:nvCxnSpPr>
-        <p:spPr>
-          <a:xfrm flipH="1">
-            <a:off x="6181219" y="303530"/>
-            <a:ext cx="589283" cy="337185"/>
-          </a:xfrm>
-          <a:prstGeom prst="line">
-            <a:avLst/>
-          </a:prstGeom>
-        </p:spPr>
-        <p:style>
-          <a:lnRef idx="1">
-            <a:schemeClr val="dk1"/>
-          </a:lnRef>
-          <a:fillRef idx="0">
-            <a:schemeClr val="dk1"/>
-          </a:fillRef>
-          <a:effectRef idx="0">
-            <a:schemeClr val="dk1"/>
-          </a:effectRef>
-          <a:fontRef idx="minor">
-            <a:schemeClr val="tx1"/>
-          </a:fontRef>
-        </p:style>
-      </p:cxnSp>
-      <p:cxnSp>
-        <p:nvCxnSpPr>
-          <p:cNvPr id="78" name="Straight Connector 77"/>
-          <p:cNvCxnSpPr>
-            <a:stCxn id="60" idx="1"/>
-            <a:endCxn id="54" idx="3"/>
-          </p:cNvCxnSpPr>
-          <p:nvPr/>
-        </p:nvCxnSpPr>
-        <p:spPr>
-          <a:xfrm flipH="1" flipV="1">
-            <a:off x="6181219" y="640715"/>
-            <a:ext cx="579123" cy="4445"/>
-          </a:xfrm>
-          <a:prstGeom prst="line">
-            <a:avLst/>
-          </a:prstGeom>
-        </p:spPr>
-        <p:style>
-          <a:lnRef idx="1">
-            <a:schemeClr val="dk1"/>
-          </a:lnRef>
-          <a:fillRef idx="0">
-            <a:schemeClr val="dk1"/>
-          </a:fillRef>
-          <a:effectRef idx="0">
-            <a:schemeClr val="dk1"/>
-          </a:effectRef>
-          <a:fontRef idx="minor">
-            <a:schemeClr val="tx1"/>
-          </a:fontRef>
-        </p:style>
-      </p:cxnSp>
-      <p:cxnSp>
-        <p:nvCxnSpPr>
-          <p:cNvPr id="79" name="Straight Connector 78"/>
-          <p:cNvCxnSpPr>
-            <a:stCxn id="58" idx="1"/>
-            <a:endCxn id="54" idx="3"/>
-          </p:cNvCxnSpPr>
-          <p:nvPr/>
-        </p:nvCxnSpPr>
-        <p:spPr>
-          <a:xfrm flipH="1" flipV="1">
-            <a:off x="6181219" y="640715"/>
-            <a:ext cx="589283" cy="369752"/>
-          </a:xfrm>
-          <a:prstGeom prst="line">
-            <a:avLst/>
-          </a:prstGeom>
-        </p:spPr>
-        <p:style>
-          <a:lnRef idx="1">
-            <a:schemeClr val="dk1"/>
-          </a:lnRef>
-          <a:fillRef idx="0">
-            <a:schemeClr val="dk1"/>
-          </a:fillRef>
-          <a:effectRef idx="0">
-            <a:schemeClr val="dk1"/>
-          </a:effectRef>
-          <a:fontRef idx="minor">
-            <a:schemeClr val="tx1"/>
-          </a:fontRef>
-        </p:style>
-      </p:cxnSp>
-      <p:cxnSp>
-        <p:nvCxnSpPr>
-          <p:cNvPr id="82" name="Straight Connector 81"/>
-          <p:cNvCxnSpPr>
-            <a:stCxn id="61" idx="1"/>
-            <a:endCxn id="55" idx="3"/>
-          </p:cNvCxnSpPr>
-          <p:nvPr/>
-        </p:nvCxnSpPr>
-        <p:spPr>
-          <a:xfrm flipH="1">
-            <a:off x="6110100" y="1524661"/>
-            <a:ext cx="589282" cy="380999"/>
-          </a:xfrm>
-          <a:prstGeom prst="line">
-            <a:avLst/>
-          </a:prstGeom>
-        </p:spPr>
-        <p:style>
-          <a:lnRef idx="1">
-            <a:schemeClr val="dk1"/>
-          </a:lnRef>
-          <a:fillRef idx="0">
-            <a:schemeClr val="dk1"/>
-          </a:fillRef>
-          <a:effectRef idx="0">
-            <a:schemeClr val="dk1"/>
-          </a:effectRef>
-          <a:fontRef idx="minor">
-            <a:schemeClr val="tx1"/>
-          </a:fontRef>
-        </p:style>
-      </p:cxnSp>
-      <p:cxnSp>
-        <p:nvCxnSpPr>
-          <p:cNvPr id="83" name="Straight Connector 82"/>
-          <p:cNvCxnSpPr>
-            <a:stCxn id="62" idx="1"/>
-            <a:endCxn id="55" idx="3"/>
-          </p:cNvCxnSpPr>
-          <p:nvPr/>
-        </p:nvCxnSpPr>
-        <p:spPr>
-          <a:xfrm flipH="1">
-            <a:off x="6110100" y="1890709"/>
-            <a:ext cx="589282" cy="14951"/>
-          </a:xfrm>
-          <a:prstGeom prst="line">
-            <a:avLst/>
-          </a:prstGeom>
-        </p:spPr>
-        <p:style>
-          <a:lnRef idx="1">
-            <a:schemeClr val="dk1"/>
-          </a:lnRef>
-          <a:fillRef idx="0">
-            <a:schemeClr val="dk1"/>
-          </a:fillRef>
-          <a:effectRef idx="0">
-            <a:schemeClr val="dk1"/>
-          </a:effectRef>
-          <a:fontRef idx="minor">
-            <a:schemeClr val="tx1"/>
-          </a:fontRef>
-        </p:style>
-      </p:cxnSp>
-      <p:cxnSp>
-        <p:nvCxnSpPr>
-          <p:cNvPr id="84" name="Straight Connector 83"/>
-          <p:cNvCxnSpPr>
-            <a:stCxn id="64" idx="1"/>
-            <a:endCxn id="56" idx="3"/>
-          </p:cNvCxnSpPr>
-          <p:nvPr/>
-        </p:nvCxnSpPr>
-        <p:spPr>
-          <a:xfrm flipH="1">
-            <a:off x="6110100" y="3063641"/>
-            <a:ext cx="518162" cy="350171"/>
-          </a:xfrm>
-          <a:prstGeom prst="line">
-            <a:avLst/>
-          </a:prstGeom>
-        </p:spPr>
-        <p:style>
-          <a:lnRef idx="1">
-            <a:schemeClr val="dk1"/>
-          </a:lnRef>
-          <a:fillRef idx="0">
-            <a:schemeClr val="dk1"/>
-          </a:fillRef>
-          <a:effectRef idx="0">
-            <a:schemeClr val="dk1"/>
-          </a:effectRef>
-          <a:fontRef idx="minor">
-            <a:schemeClr val="tx1"/>
-          </a:fontRef>
-        </p:style>
-      </p:cxnSp>
-      <p:cxnSp>
-        <p:nvCxnSpPr>
-          <p:cNvPr id="85" name="Straight Arrow Connector 84"/>
-          <p:cNvCxnSpPr>
-            <a:stCxn id="61" idx="0"/>
-            <a:endCxn id="58" idx="2"/>
-          </p:cNvCxnSpPr>
-          <p:nvPr/>
-        </p:nvCxnSpPr>
-        <p:spPr>
-          <a:xfrm flipH="1" flipV="1">
-            <a:off x="7580917" y="1154465"/>
-            <a:ext cx="8319" cy="238116"/>
-          </a:xfrm>
-          <a:prstGeom prst="straightConnector1">
-            <a:avLst/>
-          </a:prstGeom>
-          <a:ln w="12700" cmpd="sng">
-            <a:headEnd type="none"/>
-            <a:tailEnd type="triangle"/>
-          </a:ln>
-          <a:effectLst/>
-        </p:spPr>
-        <p:style>
-          <a:lnRef idx="2">
-            <a:schemeClr val="accent1"/>
-          </a:lnRef>
-          <a:fillRef idx="0">
-            <a:schemeClr val="accent1"/>
-          </a:fillRef>
-          <a:effectRef idx="1">
-            <a:schemeClr val="accent1"/>
-          </a:effectRef>
-          <a:fontRef idx="minor">
-            <a:schemeClr val="tx1"/>
-          </a:fontRef>
-        </p:style>
-      </p:cxnSp>
-      <p:cxnSp>
-        <p:nvCxnSpPr>
-          <p:cNvPr id="86" name="Elbow Connector 85"/>
-          <p:cNvCxnSpPr>
-            <a:stCxn id="63" idx="3"/>
-          </p:cNvCxnSpPr>
-          <p:nvPr/>
-        </p:nvCxnSpPr>
-        <p:spPr>
-          <a:xfrm flipH="1" flipV="1">
-            <a:off x="7756756" y="2032660"/>
-            <a:ext cx="416481" cy="262718"/>
-          </a:xfrm>
-          <a:prstGeom prst="bentConnector3">
-            <a:avLst>
-              <a:gd name="adj1" fmla="val -49899"/>
-            </a:avLst>
-          </a:prstGeom>
-          <a:ln w="3175" cmpd="sng">
-            <a:prstDash val="lgDash"/>
-            <a:tailEnd type="arrow"/>
-          </a:ln>
-          <a:effectLst/>
-        </p:spPr>
-        <p:style>
-          <a:lnRef idx="2">
-            <a:schemeClr val="accent1"/>
-          </a:lnRef>
-          <a:fillRef idx="0">
-            <a:schemeClr val="accent1"/>
-          </a:fillRef>
-          <a:effectRef idx="1">
-            <a:schemeClr val="accent1"/>
-          </a:effectRef>
-          <a:fontRef idx="minor">
-            <a:schemeClr val="tx1"/>
-          </a:fontRef>
-        </p:style>
-      </p:cxnSp>
-      <p:cxnSp>
-        <p:nvCxnSpPr>
-          <p:cNvPr id="87" name="Elbow Connector 86"/>
-          <p:cNvCxnSpPr>
-            <a:stCxn id="62" idx="3"/>
-          </p:cNvCxnSpPr>
-          <p:nvPr/>
-        </p:nvCxnSpPr>
-        <p:spPr>
-          <a:xfrm flipV="1">
-            <a:off x="7777592" y="1656741"/>
-            <a:ext cx="228199" cy="233968"/>
-          </a:xfrm>
-          <a:prstGeom prst="bentConnector3">
-            <a:avLst>
-              <a:gd name="adj1" fmla="val 93286"/>
-            </a:avLst>
-          </a:prstGeom>
-          <a:ln w="3175" cmpd="sng">
-            <a:prstDash val="lgDash"/>
-            <a:headEnd type="none"/>
-            <a:tailEnd type="arrow"/>
-          </a:ln>
-          <a:effectLst/>
-        </p:spPr>
-        <p:style>
-          <a:lnRef idx="2">
-            <a:schemeClr val="accent1"/>
-          </a:lnRef>
-          <a:fillRef idx="0">
-            <a:schemeClr val="accent1"/>
-          </a:fillRef>
-          <a:effectRef idx="1">
-            <a:schemeClr val="accent1"/>
-          </a:effectRef>
-          <a:fontRef idx="minor">
-            <a:schemeClr val="tx1"/>
-          </a:fontRef>
-        </p:style>
-      </p:cxnSp>
-      <p:cxnSp>
-        <p:nvCxnSpPr>
-          <p:cNvPr id="88" name="Elbow Connector 87"/>
-          <p:cNvCxnSpPr>
-            <a:stCxn id="64" idx="3"/>
-            <a:endCxn id="58" idx="3"/>
-          </p:cNvCxnSpPr>
-          <p:nvPr/>
-        </p:nvCxnSpPr>
-        <p:spPr>
-          <a:xfrm flipH="1" flipV="1">
-            <a:off x="8404307" y="1010467"/>
-            <a:ext cx="276127" cy="2053174"/>
-          </a:xfrm>
-          <a:prstGeom prst="bentConnector3">
-            <a:avLst>
-              <a:gd name="adj1" fmla="val -75262"/>
-            </a:avLst>
-          </a:prstGeom>
-          <a:ln w="12700" cmpd="sng">
-            <a:headEnd type="none"/>
-            <a:tailEnd type="triangle"/>
-          </a:ln>
-          <a:effectLst/>
-        </p:spPr>
-        <p:style>
-          <a:lnRef idx="2">
-            <a:schemeClr val="accent1"/>
-          </a:lnRef>
-          <a:fillRef idx="0">
-            <a:schemeClr val="accent1"/>
-          </a:fillRef>
-          <a:effectRef idx="1">
-            <a:schemeClr val="accent1"/>
-          </a:effectRef>
-          <a:fontRef idx="minor">
-            <a:schemeClr val="tx1"/>
-          </a:fontRef>
-        </p:style>
-      </p:cxnSp>
-      <p:cxnSp>
-        <p:nvCxnSpPr>
-          <p:cNvPr id="89" name="Straight Connector 88"/>
-          <p:cNvCxnSpPr>
-            <a:stCxn id="70" idx="1"/>
-            <a:endCxn id="56" idx="3"/>
-          </p:cNvCxnSpPr>
-          <p:nvPr/>
-        </p:nvCxnSpPr>
-        <p:spPr>
-          <a:xfrm flipH="1">
-            <a:off x="6110100" y="2705500"/>
-            <a:ext cx="518162" cy="708312"/>
-          </a:xfrm>
-          <a:prstGeom prst="line">
-            <a:avLst/>
-          </a:prstGeom>
-        </p:spPr>
-        <p:style>
-          <a:lnRef idx="1">
-            <a:schemeClr val="dk1"/>
-          </a:lnRef>
-          <a:fillRef idx="0">
-            <a:schemeClr val="dk1"/>
-          </a:fillRef>
-          <a:effectRef idx="0">
-            <a:schemeClr val="dk1"/>
-          </a:effectRef>
-          <a:fontRef idx="minor">
-            <a:schemeClr val="tx1"/>
-          </a:fontRef>
-        </p:style>
-      </p:cxnSp>
-      <p:cxnSp>
-        <p:nvCxnSpPr>
-          <p:cNvPr id="90" name="Straight Connector 89"/>
-          <p:cNvCxnSpPr>
-            <a:stCxn id="65" idx="1"/>
-            <a:endCxn id="56" idx="3"/>
-          </p:cNvCxnSpPr>
-          <p:nvPr/>
-        </p:nvCxnSpPr>
-        <p:spPr>
-          <a:xfrm flipH="1" flipV="1">
-            <a:off x="6110100" y="3413812"/>
-            <a:ext cx="487682" cy="404206"/>
-          </a:xfrm>
-          <a:prstGeom prst="line">
-            <a:avLst/>
-          </a:prstGeom>
-        </p:spPr>
-        <p:style>
-          <a:lnRef idx="1">
-            <a:schemeClr val="dk1"/>
-          </a:lnRef>
-          <a:fillRef idx="0">
-            <a:schemeClr val="dk1"/>
-          </a:fillRef>
-          <a:effectRef idx="0">
-            <a:schemeClr val="dk1"/>
-          </a:effectRef>
-          <a:fontRef idx="minor">
-            <a:schemeClr val="tx1"/>
-          </a:fontRef>
-        </p:style>
-      </p:cxnSp>
-      <p:cxnSp>
-        <p:nvCxnSpPr>
-          <p:cNvPr id="91" name="Straight Connector 90"/>
-          <p:cNvCxnSpPr>
-            <a:stCxn id="71" idx="1"/>
-            <a:endCxn id="56" idx="3"/>
-          </p:cNvCxnSpPr>
-          <p:nvPr/>
-        </p:nvCxnSpPr>
-        <p:spPr>
-          <a:xfrm flipH="1" flipV="1">
-            <a:off x="6110100" y="3413812"/>
-            <a:ext cx="502923" cy="21938"/>
-          </a:xfrm>
-          <a:prstGeom prst="line">
-            <a:avLst/>
-          </a:prstGeom>
-        </p:spPr>
-        <p:style>
-          <a:lnRef idx="1">
-            <a:schemeClr val="dk1"/>
-          </a:lnRef>
-          <a:fillRef idx="0">
-            <a:schemeClr val="dk1"/>
-          </a:fillRef>
-          <a:effectRef idx="0">
-            <a:schemeClr val="dk1"/>
-          </a:effectRef>
-          <a:fontRef idx="minor">
-            <a:schemeClr val="tx1"/>
-          </a:fontRef>
-        </p:style>
-      </p:cxnSp>
-      <p:cxnSp>
-        <p:nvCxnSpPr>
-          <p:cNvPr id="92" name="Straight Connector 91"/>
-          <p:cNvCxnSpPr>
-            <a:stCxn id="67" idx="1"/>
-            <a:endCxn id="56" idx="3"/>
-          </p:cNvCxnSpPr>
-          <p:nvPr/>
-        </p:nvCxnSpPr>
-        <p:spPr>
-          <a:xfrm flipH="1" flipV="1">
-            <a:off x="6110100" y="3413812"/>
-            <a:ext cx="492762" cy="910553"/>
-          </a:xfrm>
-          <a:prstGeom prst="line">
-            <a:avLst/>
-          </a:prstGeom>
-        </p:spPr>
-        <p:style>
-          <a:lnRef idx="1">
-            <a:schemeClr val="dk1"/>
-          </a:lnRef>
-          <a:fillRef idx="0">
-            <a:schemeClr val="dk1"/>
-          </a:fillRef>
-          <a:effectRef idx="0">
-            <a:schemeClr val="dk1"/>
-          </a:effectRef>
-          <a:fontRef idx="minor">
-            <a:schemeClr val="tx1"/>
-          </a:fontRef>
-        </p:style>
-      </p:cxnSp>
-      <p:cxnSp>
-        <p:nvCxnSpPr>
-          <p:cNvPr id="93" name="Elbow Connector 92"/>
-          <p:cNvCxnSpPr/>
-          <p:nvPr/>
-        </p:nvCxnSpPr>
-        <p:spPr>
-          <a:xfrm flipV="1">
-            <a:off x="7806821" y="3202071"/>
-            <a:ext cx="243839" cy="259079"/>
-          </a:xfrm>
-          <a:prstGeom prst="bentConnector2">
-            <a:avLst/>
-          </a:prstGeom>
-          <a:ln w="3175" cmpd="sng">
-            <a:prstDash val="lgDash"/>
-            <a:tailEnd type="arrow"/>
-          </a:ln>
-          <a:effectLst/>
-        </p:spPr>
-        <p:style>
-          <a:lnRef idx="2">
-            <a:schemeClr val="accent1"/>
-          </a:lnRef>
-          <a:fillRef idx="0">
-            <a:schemeClr val="accent1"/>
-          </a:fillRef>
-          <a:effectRef idx="1">
-            <a:schemeClr val="accent1"/>
-          </a:effectRef>
-          <a:fontRef idx="minor">
-            <a:schemeClr val="tx1"/>
-          </a:fontRef>
-        </p:style>
-      </p:cxnSp>
-      <p:cxnSp>
-        <p:nvCxnSpPr>
-          <p:cNvPr id="94" name="Elbow Connector 93"/>
-          <p:cNvCxnSpPr>
-            <a:stCxn id="65" idx="3"/>
-          </p:cNvCxnSpPr>
-          <p:nvPr/>
-        </p:nvCxnSpPr>
-        <p:spPr>
-          <a:xfrm flipV="1">
-            <a:off x="7994780" y="3202071"/>
-            <a:ext cx="545078" cy="615947"/>
-          </a:xfrm>
-          <a:prstGeom prst="bentConnector2">
-            <a:avLst/>
-          </a:prstGeom>
-          <a:ln w="3175" cmpd="sng">
-            <a:prstDash val="lgDash"/>
-            <a:tailEnd type="arrow"/>
-          </a:ln>
-          <a:effectLst/>
-        </p:spPr>
-        <p:style>
-          <a:lnRef idx="2">
-            <a:schemeClr val="accent1"/>
-          </a:lnRef>
-          <a:fillRef idx="0">
-            <a:schemeClr val="accent1"/>
-          </a:fillRef>
-          <a:effectRef idx="1">
-            <a:schemeClr val="accent1"/>
-          </a:effectRef>
-          <a:fontRef idx="minor">
-            <a:schemeClr val="tx1"/>
-          </a:fontRef>
-        </p:style>
-      </p:cxnSp>
-      <p:cxnSp>
-        <p:nvCxnSpPr>
-          <p:cNvPr id="95" name="Straight Connector 94"/>
-          <p:cNvCxnSpPr>
-            <a:stCxn id="63" idx="1"/>
-            <a:endCxn id="55" idx="3"/>
-          </p:cNvCxnSpPr>
-          <p:nvPr/>
-        </p:nvCxnSpPr>
-        <p:spPr>
-          <a:xfrm flipH="1" flipV="1">
-            <a:off x="6110100" y="1905660"/>
-            <a:ext cx="589282" cy="389718"/>
-          </a:xfrm>
-          <a:prstGeom prst="line">
-            <a:avLst/>
-          </a:prstGeom>
-        </p:spPr>
-        <p:style>
-          <a:lnRef idx="1">
-            <a:schemeClr val="dk1"/>
-          </a:lnRef>
-          <a:fillRef idx="0">
-            <a:schemeClr val="dk1"/>
-          </a:fillRef>
-          <a:effectRef idx="0">
-            <a:schemeClr val="dk1"/>
-          </a:effectRef>
-          <a:fontRef idx="minor">
-            <a:schemeClr val="tx1"/>
-          </a:fontRef>
-        </p:style>
-      </p:cxnSp>
-      <p:cxnSp>
-        <p:nvCxnSpPr>
-          <p:cNvPr id="96" name="Straight Arrow Connector 95"/>
-          <p:cNvCxnSpPr>
-            <a:stCxn id="67" idx="0"/>
-          </p:cNvCxnSpPr>
-          <p:nvPr/>
-        </p:nvCxnSpPr>
-        <p:spPr>
-          <a:xfrm flipV="1">
-            <a:off x="7542661" y="3950098"/>
-            <a:ext cx="0" cy="243774"/>
-          </a:xfrm>
-          <a:prstGeom prst="straightConnector1">
-            <a:avLst/>
-          </a:prstGeom>
-          <a:ln w="3175" cmpd="sng">
-            <a:prstDash val="lgDash"/>
-            <a:tailEnd type="arrow"/>
-          </a:ln>
-          <a:effectLst/>
-        </p:spPr>
-        <p:style>
-          <a:lnRef idx="2">
-            <a:schemeClr val="accent1"/>
-          </a:lnRef>
-          <a:fillRef idx="0">
-            <a:schemeClr val="accent1"/>
-          </a:fillRef>
-          <a:effectRef idx="1">
-            <a:schemeClr val="accent1"/>
-          </a:effectRef>
-          <a:fontRef idx="minor">
-            <a:schemeClr val="tx1"/>
-          </a:fontRef>
-        </p:style>
-      </p:cxnSp>
-      <p:cxnSp>
-        <p:nvCxnSpPr>
-          <p:cNvPr id="97" name="Elbow Connector 96"/>
-          <p:cNvCxnSpPr>
-            <a:stCxn id="76" idx="3"/>
-          </p:cNvCxnSpPr>
-          <p:nvPr/>
-        </p:nvCxnSpPr>
-        <p:spPr>
-          <a:xfrm flipV="1">
-            <a:off x="7676688" y="5085919"/>
-            <a:ext cx="184484" cy="222882"/>
-          </a:xfrm>
-          <a:prstGeom prst="bentConnector2">
-            <a:avLst/>
-          </a:prstGeom>
-          <a:ln w="3175" cmpd="sng">
-            <a:prstDash val="lgDash"/>
-            <a:tailEnd type="arrow"/>
-          </a:ln>
-          <a:effectLst/>
-        </p:spPr>
-        <p:style>
-          <a:lnRef idx="2">
-            <a:schemeClr val="accent1"/>
-          </a:lnRef>
-          <a:fillRef idx="0">
-            <a:schemeClr val="accent1"/>
-          </a:fillRef>
-          <a:effectRef idx="1">
-            <a:schemeClr val="accent1"/>
-          </a:effectRef>
-          <a:fontRef idx="minor">
-            <a:schemeClr val="tx1"/>
-          </a:fontRef>
-        </p:style>
-      </p:cxnSp>
-      <p:cxnSp>
-        <p:nvCxnSpPr>
-          <p:cNvPr id="98" name="Elbow Connector 97"/>
-          <p:cNvCxnSpPr>
-            <a:stCxn id="75" idx="3"/>
-          </p:cNvCxnSpPr>
-          <p:nvPr/>
-        </p:nvCxnSpPr>
-        <p:spPr>
-          <a:xfrm flipV="1">
-            <a:off x="7698560" y="5085919"/>
-            <a:ext cx="621916" cy="809316"/>
-          </a:xfrm>
-          <a:prstGeom prst="bentConnector2">
-            <a:avLst/>
-          </a:prstGeom>
-          <a:ln w="3175" cmpd="sng">
-            <a:prstDash val="lgDash"/>
-            <a:tailEnd type="arrow"/>
-          </a:ln>
-          <a:effectLst/>
-        </p:spPr>
-        <p:style>
-          <a:lnRef idx="2">
-            <a:schemeClr val="accent1"/>
-          </a:lnRef>
-          <a:fillRef idx="0">
-            <a:schemeClr val="accent1"/>
-          </a:fillRef>
-          <a:effectRef idx="1">
-            <a:schemeClr val="accent1"/>
-          </a:effectRef>
-          <a:fontRef idx="minor">
-            <a:schemeClr val="tx1"/>
-          </a:fontRef>
-        </p:style>
-      </p:cxnSp>
-      <p:cxnSp>
-        <p:nvCxnSpPr>
-          <p:cNvPr id="99" name="Elbow Connector 98"/>
-          <p:cNvCxnSpPr>
-            <a:stCxn id="72" idx="3"/>
-          </p:cNvCxnSpPr>
-          <p:nvPr/>
-        </p:nvCxnSpPr>
-        <p:spPr>
-          <a:xfrm flipV="1">
-            <a:off x="7709007" y="5085920"/>
-            <a:ext cx="830851" cy="1119114"/>
-          </a:xfrm>
-          <a:prstGeom prst="bentConnector2">
-            <a:avLst/>
-          </a:prstGeom>
-          <a:ln w="3175" cmpd="sng">
-            <a:prstDash val="lgDash"/>
-            <a:tailEnd type="arrow"/>
-          </a:ln>
-          <a:effectLst/>
-        </p:spPr>
-        <p:style>
-          <a:lnRef idx="2">
-            <a:schemeClr val="accent1"/>
-          </a:lnRef>
-          <a:fillRef idx="0">
-            <a:schemeClr val="accent1"/>
-          </a:fillRef>
-          <a:effectRef idx="1">
-            <a:schemeClr val="accent1"/>
-          </a:effectRef>
-          <a:fontRef idx="minor">
-            <a:schemeClr val="tx1"/>
-          </a:fontRef>
-        </p:style>
-      </p:cxnSp>
-      <p:cxnSp>
-        <p:nvCxnSpPr>
-          <p:cNvPr id="100" name="Straight Connector 99"/>
-          <p:cNvCxnSpPr>
-            <a:stCxn id="74" idx="1"/>
-            <a:endCxn id="57" idx="3"/>
-          </p:cNvCxnSpPr>
-          <p:nvPr/>
-        </p:nvCxnSpPr>
-        <p:spPr>
-          <a:xfrm flipH="1">
-            <a:off x="6110100" y="4972253"/>
-            <a:ext cx="543627" cy="631094"/>
-          </a:xfrm>
-          <a:prstGeom prst="line">
-            <a:avLst/>
-          </a:prstGeom>
-        </p:spPr>
-        <p:style>
-          <a:lnRef idx="1">
-            <a:schemeClr val="dk1"/>
-          </a:lnRef>
-          <a:fillRef idx="0">
-            <a:schemeClr val="dk1"/>
-          </a:fillRef>
-          <a:effectRef idx="0">
-            <a:schemeClr val="dk1"/>
-          </a:effectRef>
-          <a:fontRef idx="minor">
-            <a:schemeClr val="tx1"/>
-          </a:fontRef>
-        </p:style>
-      </p:cxnSp>
-      <p:cxnSp>
-        <p:nvCxnSpPr>
-          <p:cNvPr id="101" name="Straight Connector 100"/>
-          <p:cNvCxnSpPr>
-            <a:stCxn id="75" idx="1"/>
-            <a:endCxn id="57" idx="3"/>
-          </p:cNvCxnSpPr>
-          <p:nvPr/>
-        </p:nvCxnSpPr>
-        <p:spPr>
-          <a:xfrm flipH="1" flipV="1">
-            <a:off x="6110100" y="5603347"/>
-            <a:ext cx="556327" cy="291888"/>
-          </a:xfrm>
-          <a:prstGeom prst="line">
-            <a:avLst/>
-          </a:prstGeom>
-        </p:spPr>
-        <p:style>
-          <a:lnRef idx="1">
-            <a:schemeClr val="dk1"/>
-          </a:lnRef>
-          <a:fillRef idx="0">
-            <a:schemeClr val="dk1"/>
-          </a:fillRef>
-          <a:effectRef idx="0">
-            <a:schemeClr val="dk1"/>
-          </a:effectRef>
-          <a:fontRef idx="minor">
-            <a:schemeClr val="tx1"/>
-          </a:fontRef>
-        </p:style>
-      </p:cxnSp>
-      <p:cxnSp>
-        <p:nvCxnSpPr>
-          <p:cNvPr id="102" name="Straight Connector 101"/>
-          <p:cNvCxnSpPr>
-            <a:stCxn id="72" idx="1"/>
-            <a:endCxn id="57" idx="3"/>
-          </p:cNvCxnSpPr>
-          <p:nvPr/>
-        </p:nvCxnSpPr>
-        <p:spPr>
-          <a:xfrm flipH="1" flipV="1">
-            <a:off x="6110100" y="5603347"/>
-            <a:ext cx="546167" cy="601687"/>
-          </a:xfrm>
-          <a:prstGeom prst="line">
-            <a:avLst/>
-          </a:prstGeom>
-        </p:spPr>
-        <p:style>
-          <a:lnRef idx="1">
-            <a:schemeClr val="dk1"/>
-          </a:lnRef>
-          <a:fillRef idx="0">
-            <a:schemeClr val="dk1"/>
-          </a:fillRef>
-          <a:effectRef idx="0">
-            <a:schemeClr val="dk1"/>
-          </a:effectRef>
-          <a:fontRef idx="minor">
-            <a:schemeClr val="tx1"/>
-          </a:fontRef>
-        </p:style>
-      </p:cxnSp>
-      <p:cxnSp>
-        <p:nvCxnSpPr>
-          <p:cNvPr id="103" name="Straight Connector 102"/>
-          <p:cNvCxnSpPr>
-            <a:stCxn id="106" idx="1"/>
-            <a:endCxn id="57" idx="3"/>
-          </p:cNvCxnSpPr>
-          <p:nvPr/>
-        </p:nvCxnSpPr>
-        <p:spPr>
-          <a:xfrm flipH="1">
-            <a:off x="6110100" y="5603347"/>
-            <a:ext cx="561408" cy="0"/>
-          </a:xfrm>
-          <a:prstGeom prst="line">
-            <a:avLst/>
-          </a:prstGeom>
-        </p:spPr>
-        <p:style>
-          <a:lnRef idx="1">
-            <a:schemeClr val="dk1"/>
-          </a:lnRef>
-          <a:fillRef idx="0">
-            <a:schemeClr val="dk1"/>
-          </a:fillRef>
-          <a:effectRef idx="0">
-            <a:schemeClr val="dk1"/>
-          </a:effectRef>
-          <a:fontRef idx="minor">
-            <a:schemeClr val="tx1"/>
-          </a:fontRef>
-        </p:style>
-      </p:cxnSp>
-      <p:cxnSp>
-        <p:nvCxnSpPr>
-          <p:cNvPr id="104" name="Elbow Connector 103"/>
-          <p:cNvCxnSpPr>
-            <a:stCxn id="70" idx="3"/>
-          </p:cNvCxnSpPr>
-          <p:nvPr/>
-        </p:nvCxnSpPr>
-        <p:spPr>
-          <a:xfrm flipH="1" flipV="1">
-            <a:off x="8390500" y="1154465"/>
-            <a:ext cx="89421" cy="1551035"/>
-          </a:xfrm>
-          <a:prstGeom prst="bentConnector4">
-            <a:avLst>
-              <a:gd name="adj1" fmla="val -255645"/>
-              <a:gd name="adj2" fmla="val 101403"/>
-            </a:avLst>
-          </a:prstGeom>
-          <a:ln w="12700" cmpd="sng">
-            <a:headEnd type="none"/>
-            <a:tailEnd type="triangle"/>
-          </a:ln>
-          <a:effectLst/>
-        </p:spPr>
-        <p:style>
-          <a:lnRef idx="2">
-            <a:schemeClr val="accent1"/>
-          </a:lnRef>
-          <a:fillRef idx="0">
-            <a:schemeClr val="accent1"/>
-          </a:fillRef>
-          <a:effectRef idx="1">
-            <a:schemeClr val="accent1"/>
-          </a:effectRef>
-          <a:fontRef idx="minor">
-            <a:schemeClr val="tx1"/>
-          </a:fontRef>
-        </p:style>
-      </p:cxnSp>
-      <p:cxnSp>
-        <p:nvCxnSpPr>
-          <p:cNvPr id="105" name="Elbow Connector 104"/>
-          <p:cNvCxnSpPr>
-            <a:endCxn id="60" idx="3"/>
-          </p:cNvCxnSpPr>
-          <p:nvPr/>
-        </p:nvCxnSpPr>
-        <p:spPr>
-          <a:xfrm rot="10800000">
-            <a:off x="7549814" y="645160"/>
-            <a:ext cx="346254" cy="221308"/>
-          </a:xfrm>
-          <a:prstGeom prst="bentConnector3">
-            <a:avLst>
-              <a:gd name="adj1" fmla="val 50000"/>
-            </a:avLst>
-          </a:prstGeom>
-          <a:ln w="3175" cmpd="sng">
-            <a:prstDash val="lgDash"/>
-            <a:headEnd type="none"/>
-            <a:tailEnd type="arrow"/>
-          </a:ln>
-          <a:effectLst/>
-        </p:spPr>
-        <p:style>
-          <a:lnRef idx="2">
-            <a:schemeClr val="accent1"/>
-          </a:lnRef>
-          <a:fillRef idx="0">
-            <a:schemeClr val="accent1"/>
-          </a:fillRef>
-          <a:effectRef idx="1">
-            <a:schemeClr val="accent1"/>
-          </a:effectRef>
-          <a:fontRef idx="minor">
-            <a:schemeClr val="tx1"/>
-          </a:fontRef>
-        </p:style>
-      </p:cxnSp>
-      <p:sp>
-        <p:nvSpPr>
-          <p:cNvPr id="106" name="Rounded Rectangle 105"/>
-          <p:cNvSpPr/>
-          <p:nvPr/>
-        </p:nvSpPr>
-        <p:spPr>
-          <a:xfrm>
-            <a:off x="6671508" y="5493707"/>
-            <a:ext cx="993917" cy="219279"/>
-          </a:xfrm>
-          <a:prstGeom prst="roundRect">
-            <a:avLst>
-              <a:gd name="adj" fmla="val 0"/>
-            </a:avLst>
-          </a:prstGeom>
-          <a:solidFill>
-            <a:schemeClr val="lt1"/>
-          </a:solidFill>
-          <a:ln w="12700"/>
-        </p:spPr>
-        <p:style>
-          <a:lnRef idx="2">
-            <a:schemeClr val="dk1"/>
-          </a:lnRef>
-          <a:fillRef idx="1">
-            <a:schemeClr val="lt1"/>
-          </a:fillRef>
-          <a:effectRef idx="0">
-            <a:schemeClr val="dk1"/>
-          </a:effectRef>
-          <a:fontRef idx="minor">
-            <a:schemeClr val="dk1"/>
-          </a:fontRef>
-        </p:style>
-        <p:txBody>
-          <a:bodyPr rtlCol="0" anchor="ctr"/>
-          <a:lstStyle/>
-          <a:p>
-            <a:pPr algn="ctr"/>
-            <a:r>
-              <a:rPr lang="en-US" sz="1000" dirty="0" smtClean="0"/>
-              <a:t>Privacy</a:t>
-            </a:r>
-            <a:endParaRPr lang="en-US" sz="1000" dirty="0"/>
-          </a:p>
-        </p:txBody>
-      </p:sp>
-      <p:cxnSp>
-        <p:nvCxnSpPr>
-          <p:cNvPr id="107" name="Elbow Connector 106"/>
-          <p:cNvCxnSpPr>
-            <a:stCxn id="106" idx="3"/>
-          </p:cNvCxnSpPr>
-          <p:nvPr/>
-        </p:nvCxnSpPr>
-        <p:spPr>
-          <a:xfrm flipV="1">
-            <a:off x="7683740" y="5085919"/>
-            <a:ext cx="366314" cy="517428"/>
-          </a:xfrm>
-          <a:prstGeom prst="bentConnector2">
-            <a:avLst/>
-          </a:prstGeom>
-          <a:ln w="3175" cmpd="sng">
-            <a:prstDash val="lgDash"/>
-            <a:tailEnd type="arrow"/>
-          </a:ln>
-          <a:effectLst/>
-        </p:spPr>
-        <p:style>
-          <a:lnRef idx="2">
-            <a:schemeClr val="accent1"/>
-          </a:lnRef>
-          <a:fillRef idx="0">
-            <a:schemeClr val="accent1"/>
-          </a:fillRef>
-          <a:effectRef idx="1">
-            <a:schemeClr val="accent1"/>
-          </a:effectRef>
-          <a:fontRef idx="minor">
-            <a:schemeClr val="tx1"/>
-          </a:fontRef>
-        </p:style>
-      </p:cxnSp>
-      <p:sp>
-        <p:nvSpPr>
-          <p:cNvPr id="2" name="TextBox 1"/>
-          <p:cNvSpPr txBox="1"/>
-          <p:nvPr/>
-        </p:nvSpPr>
-        <p:spPr>
-          <a:xfrm>
-            <a:off x="3146475" y="5896012"/>
-            <a:ext cx="3541888" cy="461665"/>
-          </a:xfrm>
-          <a:prstGeom prst="rect">
-            <a:avLst/>
-          </a:prstGeom>
-          <a:noFill/>
-        </p:spPr>
-        <p:txBody>
-          <a:bodyPr wrap="square" rtlCol="0">
-            <a:spAutoFit/>
-          </a:bodyPr>
-          <a:lstStyle/>
-          <a:p>
-            <a:r>
-              <a:rPr lang="en-US" sz="1200" dirty="0" smtClean="0"/>
-              <a:t>Contributes to key component on same dimension</a:t>
-            </a:r>
-          </a:p>
-          <a:p>
-            <a:r>
-              <a:rPr lang="en-US" sz="1200" dirty="0" smtClean="0"/>
-              <a:t>Contributes to key component in another dimension</a:t>
-            </a:r>
-            <a:endParaRPr lang="en-US" sz="1200" dirty="0"/>
-          </a:p>
-        </p:txBody>
-      </p:sp>
-      <p:cxnSp>
-        <p:nvCxnSpPr>
-          <p:cNvPr id="109" name="Straight Arrow Connector 108"/>
-          <p:cNvCxnSpPr/>
-          <p:nvPr/>
-        </p:nvCxnSpPr>
-        <p:spPr>
-          <a:xfrm flipH="1">
-            <a:off x="2892763" y="6233778"/>
-            <a:ext cx="263174" cy="0"/>
-          </a:xfrm>
-          <a:prstGeom prst="straightConnector1">
-            <a:avLst/>
-          </a:prstGeom>
-          <a:ln w="12700" cmpd="sng">
-            <a:headEnd type="none"/>
-            <a:tailEnd type="triangle"/>
-          </a:ln>
-          <a:effectLst/>
-        </p:spPr>
-        <p:style>
-          <a:lnRef idx="2">
-            <a:schemeClr val="accent1"/>
-          </a:lnRef>
-          <a:fillRef idx="0">
-            <a:schemeClr val="accent1"/>
-          </a:fillRef>
-          <a:effectRef idx="1">
-            <a:schemeClr val="accent1"/>
-          </a:effectRef>
-          <a:fontRef idx="minor">
-            <a:schemeClr val="tx1"/>
-          </a:fontRef>
-        </p:style>
-      </p:cxnSp>
-      <p:cxnSp>
-        <p:nvCxnSpPr>
-          <p:cNvPr id="110" name="Straight Arrow Connector 109"/>
-          <p:cNvCxnSpPr/>
-          <p:nvPr/>
-        </p:nvCxnSpPr>
-        <p:spPr>
-          <a:xfrm flipH="1">
-            <a:off x="2869057" y="6057211"/>
-            <a:ext cx="291815" cy="0"/>
-          </a:xfrm>
-          <a:prstGeom prst="straightConnector1">
-            <a:avLst/>
-          </a:prstGeom>
-          <a:ln w="3175" cmpd="sng">
-            <a:prstDash val="lgDash"/>
-            <a:tailEnd type="arrow"/>
-          </a:ln>
-          <a:effectLst/>
-        </p:spPr>
-        <p:style>
-          <a:lnRef idx="2">
-            <a:schemeClr val="accent1"/>
-          </a:lnRef>
-          <a:fillRef idx="0">
-            <a:schemeClr val="accent1"/>
-          </a:fillRef>
-          <a:effectRef idx="1">
-            <a:schemeClr val="accent1"/>
-          </a:effectRef>
-          <a:fontRef idx="minor">
-            <a:schemeClr val="tx1"/>
-          </a:fontRef>
-        </p:style>
-      </p:cxnSp>
-      <p:sp>
-        <p:nvSpPr>
-          <p:cNvPr id="111" name="TextBox 110"/>
-          <p:cNvSpPr txBox="1"/>
-          <p:nvPr/>
-        </p:nvSpPr>
-        <p:spPr>
-          <a:xfrm>
-            <a:off x="2869057" y="5642431"/>
-            <a:ext cx="452017" cy="276999"/>
-          </a:xfrm>
-          <a:prstGeom prst="rect">
-            <a:avLst/>
-          </a:prstGeom>
-          <a:noFill/>
-        </p:spPr>
-        <p:txBody>
-          <a:bodyPr wrap="none" rtlCol="0">
-            <a:spAutoFit/>
-          </a:bodyPr>
-          <a:lstStyle/>
-          <a:p>
-            <a:r>
-              <a:rPr lang="en-US" sz="1200" dirty="0" smtClean="0"/>
-              <a:t>Key:</a:t>
-            </a:r>
-            <a:endParaRPr lang="en-US" sz="1200" dirty="0" smtClean="0"/>
-          </a:p>
-        </p:txBody>
-      </p:sp>
-      <p:cxnSp>
-        <p:nvCxnSpPr>
-          <p:cNvPr id="117" name="Straight Connector 116"/>
-          <p:cNvCxnSpPr>
-            <a:stCxn id="76" idx="1"/>
-            <a:endCxn id="57" idx="3"/>
-          </p:cNvCxnSpPr>
-          <p:nvPr/>
-        </p:nvCxnSpPr>
-        <p:spPr>
-          <a:xfrm flipH="1">
-            <a:off x="6110100" y="5308801"/>
-            <a:ext cx="551525" cy="294546"/>
-          </a:xfrm>
-          <a:prstGeom prst="line">
-            <a:avLst/>
-          </a:prstGeom>
-        </p:spPr>
-        <p:style>
-          <a:lnRef idx="1">
-            <a:schemeClr val="dk1"/>
-          </a:lnRef>
-          <a:fillRef idx="0">
-            <a:schemeClr val="dk1"/>
-          </a:fillRef>
-          <a:effectRef idx="0">
-            <a:schemeClr val="dk1"/>
-          </a:effectRef>
-          <a:fontRef idx="minor">
-            <a:schemeClr val="tx1"/>
-          </a:fontRef>
-        </p:style>
-      </p:cxnSp>
-      <p:sp>
-        <p:nvSpPr>
-          <p:cNvPr id="73" name="TextBox 72"/>
-          <p:cNvSpPr txBox="1"/>
-          <p:nvPr/>
-        </p:nvSpPr>
-        <p:spPr>
-          <a:xfrm>
-            <a:off x="7600809" y="3950335"/>
-            <a:ext cx="524302" cy="246221"/>
-          </a:xfrm>
-          <a:prstGeom prst="rect">
-            <a:avLst/>
-          </a:prstGeom>
-          <a:noFill/>
-        </p:spPr>
-        <p:txBody>
-          <a:bodyPr wrap="none" rtlCol="0">
-            <a:spAutoFit/>
-          </a:bodyPr>
-          <a:lstStyle/>
-          <a:p>
-            <a:r>
-              <a:rPr lang="en-US" sz="1000" dirty="0" smtClean="0"/>
-              <a:t>H4.7.6</a:t>
-            </a:r>
-            <a:endParaRPr lang="en-US" sz="1000" dirty="0" smtClean="0"/>
-          </a:p>
-        </p:txBody>
-      </p:sp>
-      <p:sp>
-        <p:nvSpPr>
-          <p:cNvPr id="80" name="TextBox 79"/>
-          <p:cNvSpPr txBox="1"/>
-          <p:nvPr/>
-        </p:nvSpPr>
-        <p:spPr>
-          <a:xfrm>
-            <a:off x="8173237" y="2278458"/>
-            <a:ext cx="524302" cy="246221"/>
-          </a:xfrm>
-          <a:prstGeom prst="rect">
-            <a:avLst/>
-          </a:prstGeom>
-          <a:noFill/>
-        </p:spPr>
-        <p:txBody>
-          <a:bodyPr wrap="none" rtlCol="0">
-            <a:spAutoFit/>
-          </a:bodyPr>
-          <a:lstStyle/>
-          <a:p>
-            <a:r>
-              <a:rPr lang="en-US" sz="1000" dirty="0" smtClean="0"/>
-              <a:t>H4.7.3</a:t>
-            </a:r>
-            <a:endParaRPr lang="en-US" sz="1000" dirty="0" smtClean="0"/>
-          </a:p>
-        </p:txBody>
-      </p:sp>
-      <p:sp>
-        <p:nvSpPr>
-          <p:cNvPr id="81" name="TextBox 80"/>
-          <p:cNvSpPr txBox="1"/>
-          <p:nvPr/>
-        </p:nvSpPr>
-        <p:spPr>
-          <a:xfrm>
-            <a:off x="7835059" y="1154465"/>
-            <a:ext cx="524302" cy="246221"/>
-          </a:xfrm>
-          <a:prstGeom prst="rect">
-            <a:avLst/>
-          </a:prstGeom>
-          <a:noFill/>
-        </p:spPr>
-        <p:txBody>
-          <a:bodyPr wrap="none" rtlCol="0">
-            <a:spAutoFit/>
-          </a:bodyPr>
-          <a:lstStyle/>
-          <a:p>
-            <a:r>
-              <a:rPr lang="en-US" sz="1000" dirty="0" smtClean="0"/>
-              <a:t>H4.7.4</a:t>
-            </a:r>
-            <a:endParaRPr lang="en-US" sz="1000" dirty="0" smtClean="0"/>
-          </a:p>
-        </p:txBody>
-      </p:sp>
-      <p:sp>
-        <p:nvSpPr>
-          <p:cNvPr id="108" name="TextBox 107"/>
-          <p:cNvSpPr txBox="1"/>
-          <p:nvPr/>
-        </p:nvSpPr>
-        <p:spPr>
-          <a:xfrm>
-            <a:off x="8001445" y="1679663"/>
-            <a:ext cx="524302" cy="246221"/>
-          </a:xfrm>
-          <a:prstGeom prst="rect">
-            <a:avLst/>
-          </a:prstGeom>
-          <a:noFill/>
-        </p:spPr>
-        <p:txBody>
-          <a:bodyPr wrap="none" rtlCol="0">
-            <a:spAutoFit/>
-          </a:bodyPr>
-          <a:lstStyle/>
-          <a:p>
-            <a:r>
-              <a:rPr lang="en-US" sz="1000" dirty="0" smtClean="0"/>
-              <a:t>H4.7.2</a:t>
-            </a:r>
-            <a:endParaRPr lang="en-US" sz="1000" dirty="0" smtClean="0"/>
-          </a:p>
-        </p:txBody>
-      </p:sp>
-      <p:sp>
-        <p:nvSpPr>
-          <p:cNvPr id="113" name="TextBox 112"/>
-          <p:cNvSpPr txBox="1"/>
-          <p:nvPr/>
-        </p:nvSpPr>
-        <p:spPr>
-          <a:xfrm>
-            <a:off x="8002465" y="3411495"/>
-            <a:ext cx="524302" cy="246221"/>
-          </a:xfrm>
-          <a:prstGeom prst="rect">
-            <a:avLst/>
-          </a:prstGeom>
-          <a:noFill/>
-        </p:spPr>
-        <p:txBody>
-          <a:bodyPr wrap="none" rtlCol="0">
-            <a:spAutoFit/>
-          </a:bodyPr>
-          <a:lstStyle/>
-          <a:p>
-            <a:r>
-              <a:rPr lang="en-US" sz="1000" dirty="0" smtClean="0"/>
-              <a:t>H4.7.5</a:t>
-            </a:r>
-            <a:endParaRPr lang="en-US" sz="1000" dirty="0" smtClean="0"/>
-          </a:p>
-        </p:txBody>
-      </p:sp>
-      <p:sp>
-        <p:nvSpPr>
-          <p:cNvPr id="114" name="TextBox 113"/>
-          <p:cNvSpPr txBox="1"/>
-          <p:nvPr/>
-        </p:nvSpPr>
-        <p:spPr>
-          <a:xfrm>
-            <a:off x="7770867" y="5628320"/>
-            <a:ext cx="524302" cy="246221"/>
-          </a:xfrm>
-          <a:prstGeom prst="rect">
-            <a:avLst/>
-          </a:prstGeom>
-          <a:noFill/>
-        </p:spPr>
-        <p:txBody>
-          <a:bodyPr wrap="none" rtlCol="0">
-            <a:spAutoFit/>
-          </a:bodyPr>
-          <a:lstStyle/>
-          <a:p>
-            <a:r>
-              <a:rPr lang="en-US" sz="1000" dirty="0" smtClean="0"/>
-              <a:t>H4.7.7</a:t>
-            </a:r>
-            <a:endParaRPr lang="en-US" sz="1000" dirty="0" smtClean="0"/>
-          </a:p>
-        </p:txBody>
-      </p:sp>
-      <p:sp>
-        <p:nvSpPr>
-          <p:cNvPr id="115" name="TextBox 114"/>
-          <p:cNvSpPr txBox="1"/>
-          <p:nvPr/>
-        </p:nvSpPr>
-        <p:spPr>
-          <a:xfrm>
-            <a:off x="7714866" y="553404"/>
-            <a:ext cx="524302" cy="246221"/>
-          </a:xfrm>
-          <a:prstGeom prst="rect">
-            <a:avLst/>
-          </a:prstGeom>
-          <a:noFill/>
-        </p:spPr>
-        <p:txBody>
-          <a:bodyPr wrap="none" rtlCol="0">
-            <a:spAutoFit/>
-          </a:bodyPr>
-          <a:lstStyle/>
-          <a:p>
-            <a:r>
-              <a:rPr lang="en-US" sz="1000" dirty="0" smtClean="0"/>
-              <a:t>H4.7.1</a:t>
-            </a:r>
-            <a:endParaRPr lang="en-US" sz="1000" dirty="0" smtClean="0"/>
-          </a:p>
-        </p:txBody>
-      </p:sp>
-    </p:spTree>
-    <p:extLst>
-      <p:ext uri="{BB962C8B-B14F-4D97-AF65-F5344CB8AC3E}">
-        <p14:creationId xmlns:p14="http://schemas.microsoft.com/office/powerpoint/2010/main" val="3821821036"/>
       </p:ext>
     </p:extLst>
   </p:cSld>

--- a/model.pptx
+++ b/model.pptx
@@ -3845,7 +3845,7 @@
           <a:graphicData uri="http://schemas.openxmlformats.org/presentationml/2006/ole">
             <mc:AlternateContent xmlns:mc="http://schemas.openxmlformats.org/markup-compatibility/2006">
               <mc:Choice xmlns:v="urn:schemas-microsoft-com:vml" Requires="v">
-                <p:oleObj spid="_x0000_s1075" name="Equation" r:id="rId3" imgW="3771900" imgH="203200" progId="Equation.3">
+                <p:oleObj spid="_x0000_s1080" name="Equation" r:id="rId3" imgW="3771900" imgH="203200" progId="Equation.3">
                   <p:embed/>
                 </p:oleObj>
               </mc:Choice>
@@ -6189,7 +6189,7 @@
           <a:p>
             <a:r>
               <a:rPr lang="en-US" sz="1000" dirty="0" smtClean="0"/>
-              <a:t>H4.7.6</a:t>
+              <a:t>H4.8.6</a:t>
             </a:r>
             <a:endParaRPr lang="en-US" sz="1000" dirty="0" smtClean="0"/>
           </a:p>
@@ -6219,7 +6219,7 @@
           <a:p>
             <a:r>
               <a:rPr lang="en-US" sz="1000" dirty="0" smtClean="0"/>
-              <a:t>H4.7.3</a:t>
+              <a:t>H4.8.3</a:t>
             </a:r>
             <a:endParaRPr lang="en-US" sz="1000" dirty="0" smtClean="0"/>
           </a:p>
@@ -6249,7 +6249,7 @@
           <a:p>
             <a:r>
               <a:rPr lang="en-US" sz="1000" dirty="0" smtClean="0"/>
-              <a:t>H4.7.4</a:t>
+              <a:t>H4.8.4</a:t>
             </a:r>
             <a:endParaRPr lang="en-US" sz="1000" dirty="0" smtClean="0"/>
           </a:p>
@@ -6279,7 +6279,7 @@
           <a:p>
             <a:r>
               <a:rPr lang="en-US" sz="1000" dirty="0" smtClean="0"/>
-              <a:t>H4.7.2</a:t>
+              <a:t>H4.8.2</a:t>
             </a:r>
             <a:endParaRPr lang="en-US" sz="1000" dirty="0" smtClean="0"/>
           </a:p>
@@ -6309,7 +6309,7 @@
           <a:p>
             <a:r>
               <a:rPr lang="en-US" sz="1000" dirty="0" smtClean="0"/>
-              <a:t>H4.7.5</a:t>
+              <a:t>H4.8.5</a:t>
             </a:r>
             <a:endParaRPr lang="en-US" sz="1000" dirty="0" smtClean="0"/>
           </a:p>
@@ -6339,7 +6339,7 @@
           <a:p>
             <a:r>
               <a:rPr lang="en-US" sz="1000" dirty="0" smtClean="0"/>
-              <a:t>H4.7.7</a:t>
+              <a:t>H4.8.7</a:t>
             </a:r>
             <a:endParaRPr lang="en-US" sz="1000" dirty="0" smtClean="0"/>
           </a:p>
@@ -6369,7 +6369,7 @@
           <a:p>
             <a:r>
               <a:rPr lang="en-US" sz="1000" dirty="0" smtClean="0"/>
-              <a:t>H4.7.1</a:t>
+              <a:t>H4.8.1</a:t>
             </a:r>
             <a:endParaRPr lang="en-US" sz="1000" dirty="0" smtClean="0"/>
           </a:p>
@@ -8931,38 +8931,6 @@
       </p:cxnSp>
       <p:cxnSp>
         <p:nvCxnSpPr>
-          <p:cNvPr id="488" name="Straight Connector 487"/>
-          <p:cNvCxnSpPr>
-            <a:endCxn id="5" idx="1"/>
-          </p:cNvCxnSpPr>
-          <p:nvPr/>
-        </p:nvCxnSpPr>
-        <p:spPr>
-          <a:xfrm flipV="1">
-            <a:off x="1991361" y="1905660"/>
-            <a:ext cx="1859279" cy="1512572"/>
-          </a:xfrm>
-          <a:prstGeom prst="line">
-            <a:avLst/>
-          </a:prstGeom>
-        </p:spPr>
-        <p:style>
-          <a:lnRef idx="1">
-            <a:schemeClr val="dk1"/>
-          </a:lnRef>
-          <a:fillRef idx="0">
-            <a:schemeClr val="dk1"/>
-          </a:fillRef>
-          <a:effectRef idx="0">
-            <a:schemeClr val="dk1"/>
-          </a:effectRef>
-          <a:fontRef idx="minor">
-            <a:schemeClr val="tx1"/>
-          </a:fontRef>
-        </p:style>
-      </p:cxnSp>
-      <p:cxnSp>
-        <p:nvCxnSpPr>
           <p:cNvPr id="491" name="Straight Connector 490"/>
           <p:cNvCxnSpPr>
             <a:stCxn id="484" idx="3"/>
@@ -11830,39 +11798,6 @@
       </p:cxnSp>
       <p:cxnSp>
         <p:nvCxnSpPr>
-          <p:cNvPr id="488" name="Straight Connector 487"/>
-          <p:cNvCxnSpPr>
-            <a:stCxn id="484" idx="3"/>
-            <a:endCxn id="5" idx="1"/>
-          </p:cNvCxnSpPr>
-          <p:nvPr/>
-        </p:nvCxnSpPr>
-        <p:spPr>
-          <a:xfrm flipV="1">
-            <a:off x="4115428" y="1905660"/>
-            <a:ext cx="1183679" cy="1529998"/>
-          </a:xfrm>
-          <a:prstGeom prst="line">
-            <a:avLst/>
-          </a:prstGeom>
-        </p:spPr>
-        <p:style>
-          <a:lnRef idx="1">
-            <a:schemeClr val="dk1"/>
-          </a:lnRef>
-          <a:fillRef idx="0">
-            <a:schemeClr val="dk1"/>
-          </a:fillRef>
-          <a:effectRef idx="0">
-            <a:schemeClr val="dk1"/>
-          </a:effectRef>
-          <a:fontRef idx="minor">
-            <a:schemeClr val="tx1"/>
-          </a:fontRef>
-        </p:style>
-      </p:cxnSp>
-      <p:cxnSp>
-        <p:nvCxnSpPr>
           <p:cNvPr id="491" name="Straight Connector 490"/>
           <p:cNvCxnSpPr>
             <a:stCxn id="484" idx="3"/>
@@ -12621,7 +12556,7 @@
         </p:nvSpPr>
         <p:spPr>
           <a:xfrm>
-            <a:off x="2290506" y="5684764"/>
+            <a:off x="2266988" y="5755312"/>
             <a:ext cx="452017" cy="276999"/>
           </a:xfrm>
           <a:prstGeom prst="rect">
@@ -12757,7 +12692,7 @@
           <a:p>
             <a:r>
               <a:rPr lang="en-US" sz="1000" dirty="0" smtClean="0"/>
-              <a:t>H4.7.2</a:t>
+              <a:t>H4.8.2</a:t>
             </a:r>
             <a:endParaRPr lang="en-US" sz="1000" dirty="0" smtClean="0"/>
           </a:p>
@@ -12787,7 +12722,7 @@
           <a:p>
             <a:r>
               <a:rPr lang="en-US" sz="1000" dirty="0" smtClean="0"/>
-              <a:t>H4.7.5</a:t>
+              <a:t>H4.8.5</a:t>
             </a:r>
             <a:endParaRPr lang="en-US" sz="1000" dirty="0" smtClean="0"/>
           </a:p>
@@ -12817,7 +12752,7 @@
           <a:p>
             <a:r>
               <a:rPr lang="en-US" sz="1000" dirty="0" smtClean="0"/>
-              <a:t>H4.7.7</a:t>
+              <a:t>H4.8.7</a:t>
             </a:r>
             <a:endParaRPr lang="en-US" sz="1000" dirty="0" smtClean="0"/>
           </a:p>
@@ -12847,7 +12782,7 @@
           <a:p>
             <a:r>
               <a:rPr lang="en-US" sz="1000" dirty="0" smtClean="0"/>
-              <a:t>H4.7.1</a:t>
+              <a:t>H4.8.1</a:t>
             </a:r>
             <a:endParaRPr lang="en-US" sz="1000" dirty="0" smtClean="0"/>
           </a:p>
@@ -15532,39 +15467,6 @@
       </p:cxnSp>
       <p:cxnSp>
         <p:nvCxnSpPr>
-          <p:cNvPr id="488" name="Straight Connector 487"/>
-          <p:cNvCxnSpPr>
-            <a:stCxn id="484" idx="3"/>
-            <a:endCxn id="5" idx="1"/>
-          </p:cNvCxnSpPr>
-          <p:nvPr/>
-        </p:nvCxnSpPr>
-        <p:spPr>
-          <a:xfrm flipV="1">
-            <a:off x="4115428" y="1905660"/>
-            <a:ext cx="1183679" cy="1568482"/>
-          </a:xfrm>
-          <a:prstGeom prst="line">
-            <a:avLst/>
-          </a:prstGeom>
-        </p:spPr>
-        <p:style>
-          <a:lnRef idx="1">
-            <a:schemeClr val="dk1"/>
-          </a:lnRef>
-          <a:fillRef idx="0">
-            <a:schemeClr val="dk1"/>
-          </a:fillRef>
-          <a:effectRef idx="0">
-            <a:schemeClr val="dk1"/>
-          </a:effectRef>
-          <a:fontRef idx="minor">
-            <a:schemeClr val="tx1"/>
-          </a:fontRef>
-        </p:style>
-      </p:cxnSp>
-      <p:cxnSp>
-        <p:nvCxnSpPr>
           <p:cNvPr id="491" name="Straight Connector 490"/>
           <p:cNvCxnSpPr>
             <a:stCxn id="484" idx="3"/>
@@ -19453,39 +19355,6 @@
       </p:cxnSp>
       <p:cxnSp>
         <p:nvCxnSpPr>
-          <p:cNvPr id="488" name="Straight Connector 487"/>
-          <p:cNvCxnSpPr>
-            <a:stCxn id="484" idx="3"/>
-            <a:endCxn id="5" idx="1"/>
-          </p:cNvCxnSpPr>
-          <p:nvPr/>
-        </p:nvCxnSpPr>
-        <p:spPr>
-          <a:xfrm flipV="1">
-            <a:off x="4115428" y="1905660"/>
-            <a:ext cx="1183679" cy="1568482"/>
-          </a:xfrm>
-          <a:prstGeom prst="line">
-            <a:avLst/>
-          </a:prstGeom>
-        </p:spPr>
-        <p:style>
-          <a:lnRef idx="1">
-            <a:schemeClr val="dk1"/>
-          </a:lnRef>
-          <a:fillRef idx="0">
-            <a:schemeClr val="dk1"/>
-          </a:fillRef>
-          <a:effectRef idx="0">
-            <a:schemeClr val="dk1"/>
-          </a:effectRef>
-          <a:fontRef idx="minor">
-            <a:schemeClr val="tx1"/>
-          </a:fontRef>
-        </p:style>
-      </p:cxnSp>
-      <p:cxnSp>
-        <p:nvCxnSpPr>
           <p:cNvPr id="491" name="Straight Connector 490"/>
           <p:cNvCxnSpPr>
             <a:stCxn id="484" idx="3"/>
@@ -21603,39 +21472,6 @@
           <a:xfrm flipV="1">
             <a:off x="4115428" y="640715"/>
             <a:ext cx="990638" cy="2833427"/>
-          </a:xfrm>
-          <a:prstGeom prst="line">
-            <a:avLst/>
-          </a:prstGeom>
-        </p:spPr>
-        <p:style>
-          <a:lnRef idx="1">
-            <a:schemeClr val="dk1"/>
-          </a:lnRef>
-          <a:fillRef idx="0">
-            <a:schemeClr val="dk1"/>
-          </a:fillRef>
-          <a:effectRef idx="0">
-            <a:schemeClr val="dk1"/>
-          </a:effectRef>
-          <a:fontRef idx="minor">
-            <a:schemeClr val="tx1"/>
-          </a:fontRef>
-        </p:style>
-      </p:cxnSp>
-      <p:cxnSp>
-        <p:nvCxnSpPr>
-          <p:cNvPr id="488" name="Straight Connector 487"/>
-          <p:cNvCxnSpPr>
-            <a:stCxn id="484" idx="3"/>
-            <a:endCxn id="5" idx="1"/>
-          </p:cNvCxnSpPr>
-          <p:nvPr/>
-        </p:nvCxnSpPr>
-        <p:spPr>
-          <a:xfrm flipV="1">
-            <a:off x="4115428" y="1905660"/>
-            <a:ext cx="1183679" cy="1568482"/>
           </a:xfrm>
           <a:prstGeom prst="line">
             <a:avLst/>
@@ -28037,39 +27873,6 @@
       </p:cxnSp>
       <p:cxnSp>
         <p:nvCxnSpPr>
-          <p:cNvPr id="488" name="Straight Connector 487"/>
-          <p:cNvCxnSpPr>
-            <a:stCxn id="484" idx="3"/>
-            <a:endCxn id="5" idx="1"/>
-          </p:cNvCxnSpPr>
-          <p:nvPr/>
-        </p:nvCxnSpPr>
-        <p:spPr>
-          <a:xfrm flipV="1">
-            <a:off x="4988560" y="3166111"/>
-            <a:ext cx="1859279" cy="1705663"/>
-          </a:xfrm>
-          <a:prstGeom prst="line">
-            <a:avLst/>
-          </a:prstGeom>
-        </p:spPr>
-        <p:style>
-          <a:lnRef idx="1">
-            <a:schemeClr val="dk1"/>
-          </a:lnRef>
-          <a:fillRef idx="0">
-            <a:schemeClr val="dk1"/>
-          </a:fillRef>
-          <a:effectRef idx="0">
-            <a:schemeClr val="dk1"/>
-          </a:effectRef>
-          <a:fontRef idx="minor">
-            <a:schemeClr val="tx1"/>
-          </a:fontRef>
-        </p:style>
-      </p:cxnSp>
-      <p:cxnSp>
-        <p:nvCxnSpPr>
           <p:cNvPr id="491" name="Straight Connector 490"/>
           <p:cNvCxnSpPr>
             <a:stCxn id="484" idx="3"/>
@@ -28812,39 +28615,6 @@
           <a:xfrm>
             <a:off x="4434209" y="2525721"/>
             <a:ext cx="1523999" cy="0"/>
-          </a:xfrm>
-          <a:prstGeom prst="line">
-            <a:avLst/>
-          </a:prstGeom>
-        </p:spPr>
-        <p:style>
-          <a:lnRef idx="1">
-            <a:schemeClr val="dk1"/>
-          </a:lnRef>
-          <a:fillRef idx="0">
-            <a:schemeClr val="dk1"/>
-          </a:fillRef>
-          <a:effectRef idx="0">
-            <a:schemeClr val="dk1"/>
-          </a:effectRef>
-          <a:fontRef idx="minor">
-            <a:schemeClr val="tx1"/>
-          </a:fontRef>
-        </p:style>
-      </p:cxnSp>
-      <p:cxnSp>
-        <p:nvCxnSpPr>
-          <p:cNvPr id="488" name="Straight Connector 487"/>
-          <p:cNvCxnSpPr>
-            <a:stCxn id="533" idx="3"/>
-            <a:endCxn id="5" idx="1"/>
-          </p:cNvCxnSpPr>
-          <p:nvPr/>
-        </p:nvCxnSpPr>
-        <p:spPr>
-          <a:xfrm>
-            <a:off x="4434209" y="2525721"/>
-            <a:ext cx="1717040" cy="1035275"/>
           </a:xfrm>
           <a:prstGeom prst="line">
             <a:avLst/>

--- a/model.pptx
+++ b/model.pptx
@@ -3845,7 +3845,7 @@
           <a:graphicData uri="http://schemas.openxmlformats.org/presentationml/2006/ole">
             <mc:AlternateContent xmlns:mc="http://schemas.openxmlformats.org/markup-compatibility/2006">
               <mc:Choice xmlns:v="urn:schemas-microsoft-com:vml" Requires="v">
-                <p:oleObj spid="_x0000_s1080" name="Equation" r:id="rId3" imgW="3771900" imgH="203200" progId="Equation.3">
+                <p:oleObj spid="_x0000_s1081" name="Equation" r:id="rId3" imgW="3771900" imgH="203200" progId="Equation.3">
                   <p:embed/>
                 </p:oleObj>
               </mc:Choice>
@@ -28982,8 +28982,8 @@
           <p:nvPr/>
         </p:nvSpPr>
         <p:spPr>
-          <a:xfrm>
-            <a:off x="538826" y="2021840"/>
+          <a:xfrm rot="16200000">
+            <a:off x="-1301464" y="655133"/>
             <a:ext cx="1956598" cy="646331"/>
           </a:xfrm>
           <a:prstGeom prst="rect">
@@ -29011,206 +29011,590 @@
           </a:p>
         </p:txBody>
       </p:sp>
+      <p:sp>
+        <p:nvSpPr>
+          <p:cNvPr id="41" name="Rounded Rectangle 40"/>
+          <p:cNvSpPr/>
+          <p:nvPr/>
+        </p:nvSpPr>
+        <p:spPr>
+          <a:xfrm>
+            <a:off x="769644" y="2072321"/>
+            <a:ext cx="1239519" cy="279400"/>
+          </a:xfrm>
+          <a:prstGeom prst="roundRect">
+            <a:avLst>
+              <a:gd name="adj" fmla="val 50000"/>
+            </a:avLst>
+          </a:prstGeom>
+        </p:spPr>
+        <p:style>
+          <a:lnRef idx="2">
+            <a:schemeClr val="accent1"/>
+          </a:lnRef>
+          <a:fillRef idx="1">
+            <a:schemeClr val="lt1"/>
+          </a:fillRef>
+          <a:effectRef idx="0">
+            <a:schemeClr val="accent1"/>
+          </a:effectRef>
+          <a:fontRef idx="minor">
+            <a:schemeClr val="dk1"/>
+          </a:fontRef>
+        </p:style>
+        <p:txBody>
+          <a:bodyPr rtlCol="0" anchor="ctr"/>
+          <a:lstStyle/>
+          <a:p>
+            <a:pPr algn="ctr"/>
+            <a:r>
+              <a:rPr lang="en-US" sz="1200" dirty="0" smtClean="0"/>
+              <a:t>ACCESSIBILITY</a:t>
+            </a:r>
+            <a:endParaRPr lang="en-US" sz="1200" dirty="0"/>
+          </a:p>
+        </p:txBody>
+      </p:sp>
+      <p:sp>
+        <p:nvSpPr>
+          <p:cNvPr id="42" name="Rounded Rectangle 41"/>
+          <p:cNvSpPr/>
+          <p:nvPr/>
+        </p:nvSpPr>
+        <p:spPr>
+          <a:xfrm>
+            <a:off x="910752" y="4223691"/>
+            <a:ext cx="975359" cy="254000"/>
+          </a:xfrm>
+          <a:prstGeom prst="roundRect">
+            <a:avLst>
+              <a:gd name="adj" fmla="val 50000"/>
+            </a:avLst>
+          </a:prstGeom>
+        </p:spPr>
+        <p:style>
+          <a:lnRef idx="2">
+            <a:schemeClr val="accent1"/>
+          </a:lnRef>
+          <a:fillRef idx="1">
+            <a:schemeClr val="lt1"/>
+          </a:fillRef>
+          <a:effectRef idx="0">
+            <a:schemeClr val="accent1"/>
+          </a:effectRef>
+          <a:fontRef idx="minor">
+            <a:schemeClr val="dk1"/>
+          </a:fontRef>
+        </p:style>
+        <p:txBody>
+          <a:bodyPr rtlCol="0" anchor="ctr"/>
+          <a:lstStyle/>
+          <a:p>
+            <a:pPr algn="ctr"/>
+            <a:r>
+              <a:rPr lang="en-US" sz="1200" dirty="0" smtClean="0"/>
+              <a:t>USABILITY</a:t>
+            </a:r>
+            <a:endParaRPr lang="en-US" sz="1200" dirty="0"/>
+          </a:p>
+        </p:txBody>
+      </p:sp>
+      <p:sp>
+        <p:nvSpPr>
+          <p:cNvPr id="43" name="Rounded Rectangle 42"/>
+          <p:cNvSpPr/>
+          <p:nvPr/>
+        </p:nvSpPr>
+        <p:spPr>
+          <a:xfrm>
+            <a:off x="4156372" y="2097721"/>
+            <a:ext cx="975359" cy="254000"/>
+          </a:xfrm>
+          <a:prstGeom prst="roundRect">
+            <a:avLst>
+              <a:gd name="adj" fmla="val 50000"/>
+            </a:avLst>
+          </a:prstGeom>
+        </p:spPr>
+        <p:style>
+          <a:lnRef idx="2">
+            <a:schemeClr val="accent1"/>
+          </a:lnRef>
+          <a:fillRef idx="1">
+            <a:schemeClr val="lt1"/>
+          </a:fillRef>
+          <a:effectRef idx="0">
+            <a:schemeClr val="accent1"/>
+          </a:effectRef>
+          <a:fontRef idx="minor">
+            <a:schemeClr val="dk1"/>
+          </a:fontRef>
+        </p:style>
+        <p:txBody>
+          <a:bodyPr rtlCol="0" anchor="ctr"/>
+          <a:lstStyle/>
+          <a:p>
+            <a:pPr algn="ctr"/>
+            <a:r>
+              <a:rPr lang="en-US" sz="1200" dirty="0" smtClean="0"/>
+              <a:t>EFFICIENCY</a:t>
+            </a:r>
+            <a:endParaRPr lang="en-US" sz="1200" dirty="0"/>
+          </a:p>
+        </p:txBody>
+      </p:sp>
+      <p:sp>
+        <p:nvSpPr>
+          <p:cNvPr id="44" name="Rounded Rectangle 43"/>
+          <p:cNvSpPr/>
+          <p:nvPr/>
+        </p:nvSpPr>
+        <p:spPr>
+          <a:xfrm>
+            <a:off x="4191649" y="4287256"/>
+            <a:ext cx="975359" cy="254000"/>
+          </a:xfrm>
+          <a:prstGeom prst="roundRect">
+            <a:avLst>
+              <a:gd name="adj" fmla="val 50000"/>
+            </a:avLst>
+          </a:prstGeom>
+        </p:spPr>
+        <p:style>
+          <a:lnRef idx="2">
+            <a:schemeClr val="accent1"/>
+          </a:lnRef>
+          <a:fillRef idx="1">
+            <a:schemeClr val="lt1"/>
+          </a:fillRef>
+          <a:effectRef idx="0">
+            <a:schemeClr val="accent1"/>
+          </a:effectRef>
+          <a:fontRef idx="minor">
+            <a:schemeClr val="dk1"/>
+          </a:fontRef>
+        </p:style>
+        <p:txBody>
+          <a:bodyPr rtlCol="0" anchor="ctr"/>
+          <a:lstStyle/>
+          <a:p>
+            <a:pPr algn="ctr"/>
+            <a:r>
+              <a:rPr lang="en-US" sz="1200" dirty="0" smtClean="0"/>
+              <a:t>SECURITY</a:t>
+            </a:r>
+            <a:endParaRPr lang="en-US" sz="1200" dirty="0"/>
+          </a:p>
+        </p:txBody>
+      </p:sp>
+      <p:sp>
+        <p:nvSpPr>
+          <p:cNvPr id="45" name="Rounded Rectangle 44"/>
+          <p:cNvSpPr/>
+          <p:nvPr/>
+        </p:nvSpPr>
+        <p:spPr>
+          <a:xfrm>
+            <a:off x="2292712" y="2437774"/>
+            <a:ext cx="1619998" cy="287997"/>
+          </a:xfrm>
+          <a:prstGeom prst="roundRect">
+            <a:avLst>
+              <a:gd name="adj" fmla="val 0"/>
+            </a:avLst>
+          </a:prstGeom>
+          <a:solidFill>
+            <a:schemeClr val="lt1"/>
+          </a:solidFill>
+          <a:ln w="12700"/>
+        </p:spPr>
+        <p:style>
+          <a:lnRef idx="2">
+            <a:schemeClr val="dk1"/>
+          </a:lnRef>
+          <a:fillRef idx="1">
+            <a:schemeClr val="lt1"/>
+          </a:fillRef>
+          <a:effectRef idx="0">
+            <a:schemeClr val="dk1"/>
+          </a:effectRef>
+          <a:fontRef idx="minor">
+            <a:schemeClr val="dk1"/>
+          </a:fontRef>
+        </p:style>
+        <p:txBody>
+          <a:bodyPr rtlCol="0" anchor="ctr"/>
+          <a:lstStyle/>
+          <a:p>
+            <a:pPr algn="ctr"/>
+            <a:r>
+              <a:rPr lang="en-US" sz="1000" dirty="0" smtClean="0"/>
+              <a:t>Operability</a:t>
+            </a:r>
+            <a:endParaRPr lang="en-US" sz="1000" dirty="0"/>
+          </a:p>
+        </p:txBody>
+      </p:sp>
+      <p:sp>
+        <p:nvSpPr>
+          <p:cNvPr id="46" name="Rounded Rectangle 45"/>
+          <p:cNvSpPr/>
+          <p:nvPr/>
+        </p:nvSpPr>
+        <p:spPr>
+          <a:xfrm>
+            <a:off x="2292712" y="1761171"/>
+            <a:ext cx="772159" cy="227330"/>
+          </a:xfrm>
+          <a:prstGeom prst="roundRect">
+            <a:avLst>
+              <a:gd name="adj" fmla="val 0"/>
+            </a:avLst>
+          </a:prstGeom>
+          <a:solidFill>
+            <a:schemeClr val="lt1"/>
+          </a:solidFill>
+          <a:ln w="12700"/>
+        </p:spPr>
+        <p:style>
+          <a:lnRef idx="2">
+            <a:schemeClr val="dk1"/>
+          </a:lnRef>
+          <a:fillRef idx="1">
+            <a:schemeClr val="lt1"/>
+          </a:fillRef>
+          <a:effectRef idx="0">
+            <a:schemeClr val="dk1"/>
+          </a:effectRef>
+          <a:fontRef idx="minor">
+            <a:schemeClr val="dk1"/>
+          </a:fontRef>
+        </p:style>
+        <p:txBody>
+          <a:bodyPr rtlCol="0" anchor="ctr"/>
+          <a:lstStyle/>
+          <a:p>
+            <a:pPr algn="ctr"/>
+            <a:r>
+              <a:rPr lang="en-US" sz="1000" dirty="0" smtClean="0"/>
+              <a:t>Availability</a:t>
+            </a:r>
+            <a:endParaRPr lang="en-US" sz="1000" dirty="0"/>
+          </a:p>
+        </p:txBody>
+      </p:sp>
+      <p:sp>
+        <p:nvSpPr>
+          <p:cNvPr id="47" name="Rounded Rectangle 46"/>
+          <p:cNvSpPr/>
+          <p:nvPr/>
+        </p:nvSpPr>
+        <p:spPr>
+          <a:xfrm>
+            <a:off x="2282552" y="2102801"/>
+            <a:ext cx="772159" cy="227330"/>
+          </a:xfrm>
+          <a:prstGeom prst="roundRect">
+            <a:avLst>
+              <a:gd name="adj" fmla="val 0"/>
+            </a:avLst>
+          </a:prstGeom>
+          <a:solidFill>
+            <a:schemeClr val="lt1"/>
+          </a:solidFill>
+          <a:ln w="12700"/>
+        </p:spPr>
+        <p:style>
+          <a:lnRef idx="2">
+            <a:schemeClr val="dk1"/>
+          </a:lnRef>
+          <a:fillRef idx="1">
+            <a:schemeClr val="lt1"/>
+          </a:fillRef>
+          <a:effectRef idx="0">
+            <a:schemeClr val="dk1"/>
+          </a:effectRef>
+          <a:fontRef idx="minor">
+            <a:schemeClr val="dk1"/>
+          </a:fontRef>
+        </p:style>
+        <p:txBody>
+          <a:bodyPr rtlCol="0" anchor="ctr"/>
+          <a:lstStyle/>
+          <a:p>
+            <a:pPr algn="ctr"/>
+            <a:r>
+              <a:rPr lang="en-US" sz="1000" dirty="0" smtClean="0"/>
+              <a:t>Maturity</a:t>
+            </a:r>
+            <a:endParaRPr lang="en-US" sz="1000" dirty="0"/>
+          </a:p>
+        </p:txBody>
+      </p:sp>
+      <p:sp>
+        <p:nvSpPr>
+          <p:cNvPr id="48" name="Rounded Rectangle 47"/>
+          <p:cNvSpPr/>
+          <p:nvPr/>
+        </p:nvSpPr>
+        <p:spPr>
+          <a:xfrm>
+            <a:off x="2181418" y="3837612"/>
+            <a:ext cx="1780539" cy="264160"/>
+          </a:xfrm>
+          <a:prstGeom prst="roundRect">
+            <a:avLst>
+              <a:gd name="adj" fmla="val 0"/>
+            </a:avLst>
+          </a:prstGeom>
+          <a:solidFill>
+            <a:schemeClr val="lt1"/>
+          </a:solidFill>
+          <a:ln w="12700"/>
+        </p:spPr>
+        <p:style>
+          <a:lnRef idx="2">
+            <a:schemeClr val="dk1"/>
+          </a:lnRef>
+          <a:fillRef idx="1">
+            <a:schemeClr val="lt1"/>
+          </a:fillRef>
+          <a:effectRef idx="0">
+            <a:schemeClr val="dk1"/>
+          </a:effectRef>
+          <a:fontRef idx="minor">
+            <a:schemeClr val="dk1"/>
+          </a:fontRef>
+        </p:style>
+        <p:txBody>
+          <a:bodyPr rtlCol="0" anchor="ctr"/>
+          <a:lstStyle/>
+          <a:p>
+            <a:pPr algn="ctr"/>
+            <a:r>
+              <a:rPr lang="en-US" sz="1000" dirty="0" smtClean="0"/>
+              <a:t>Ease of Use</a:t>
+            </a:r>
+            <a:endParaRPr lang="en-US" sz="1000" dirty="0"/>
+          </a:p>
+        </p:txBody>
+      </p:sp>
+      <p:sp>
+        <p:nvSpPr>
+          <p:cNvPr id="49" name="Rounded Rectangle 48"/>
+          <p:cNvSpPr/>
+          <p:nvPr/>
+        </p:nvSpPr>
+        <p:spPr>
+          <a:xfrm>
+            <a:off x="2181418" y="4151908"/>
+            <a:ext cx="1066800" cy="367664"/>
+          </a:xfrm>
+          <a:prstGeom prst="roundRect">
+            <a:avLst>
+              <a:gd name="adj" fmla="val 0"/>
+            </a:avLst>
+          </a:prstGeom>
+          <a:solidFill>
+            <a:schemeClr val="lt1"/>
+          </a:solidFill>
+          <a:ln w="12700"/>
+        </p:spPr>
+        <p:style>
+          <a:lnRef idx="2">
+            <a:schemeClr val="dk1"/>
+          </a:lnRef>
+          <a:fillRef idx="1">
+            <a:schemeClr val="lt1"/>
+          </a:fillRef>
+          <a:effectRef idx="0">
+            <a:schemeClr val="dk1"/>
+          </a:effectRef>
+          <a:fontRef idx="minor">
+            <a:schemeClr val="dk1"/>
+          </a:fontRef>
+        </p:style>
+        <p:txBody>
+          <a:bodyPr rtlCol="0" anchor="ctr"/>
+          <a:lstStyle/>
+          <a:p>
+            <a:pPr algn="ctr"/>
+            <a:r>
+              <a:rPr lang="en-US" sz="1000" dirty="0" smtClean="0"/>
+              <a:t>Learnability</a:t>
+            </a:r>
+            <a:endParaRPr lang="en-US" sz="1000" dirty="0"/>
+          </a:p>
+        </p:txBody>
+      </p:sp>
+      <p:sp>
+        <p:nvSpPr>
+          <p:cNvPr id="50" name="Rounded Rectangle 49"/>
+          <p:cNvSpPr/>
+          <p:nvPr/>
+        </p:nvSpPr>
+        <p:spPr>
+          <a:xfrm>
+            <a:off x="2181418" y="4587546"/>
+            <a:ext cx="1494679" cy="305726"/>
+          </a:xfrm>
+          <a:prstGeom prst="roundRect">
+            <a:avLst>
+              <a:gd name="adj" fmla="val 0"/>
+            </a:avLst>
+          </a:prstGeom>
+          <a:solidFill>
+            <a:schemeClr val="lt1"/>
+          </a:solidFill>
+          <a:ln w="12700"/>
+        </p:spPr>
+        <p:style>
+          <a:lnRef idx="2">
+            <a:schemeClr val="dk1"/>
+          </a:lnRef>
+          <a:fillRef idx="1">
+            <a:schemeClr val="lt1"/>
+          </a:fillRef>
+          <a:effectRef idx="0">
+            <a:schemeClr val="dk1"/>
+          </a:effectRef>
+          <a:fontRef idx="minor">
+            <a:schemeClr val="dk1"/>
+          </a:fontRef>
+        </p:style>
+        <p:txBody>
+          <a:bodyPr rtlCol="0" anchor="ctr"/>
+          <a:lstStyle/>
+          <a:p>
+            <a:pPr algn="ctr"/>
+            <a:r>
+              <a:rPr lang="en-US" sz="1000" dirty="0" smtClean="0"/>
+              <a:t>User interface aesthetics</a:t>
+            </a:r>
+            <a:endParaRPr lang="en-US" sz="1000" dirty="0"/>
+          </a:p>
+        </p:txBody>
+      </p:sp>
+      <p:sp>
+        <p:nvSpPr>
+          <p:cNvPr id="51" name="Rounded Rectangle 50"/>
+          <p:cNvSpPr/>
+          <p:nvPr/>
+        </p:nvSpPr>
+        <p:spPr>
+          <a:xfrm>
+            <a:off x="5508785" y="1736119"/>
+            <a:ext cx="2065978" cy="276861"/>
+          </a:xfrm>
+          <a:prstGeom prst="roundRect">
+            <a:avLst>
+              <a:gd name="adj" fmla="val 0"/>
+            </a:avLst>
+          </a:prstGeom>
+          <a:solidFill>
+            <a:schemeClr val="lt1"/>
+          </a:solidFill>
+          <a:ln w="12700"/>
+        </p:spPr>
+        <p:style>
+          <a:lnRef idx="2">
+            <a:schemeClr val="dk1"/>
+          </a:lnRef>
+          <a:fillRef idx="1">
+            <a:schemeClr val="lt1"/>
+          </a:fillRef>
+          <a:effectRef idx="0">
+            <a:schemeClr val="dk1"/>
+          </a:effectRef>
+          <a:fontRef idx="minor">
+            <a:schemeClr val="dk1"/>
+          </a:fontRef>
+        </p:style>
+        <p:txBody>
+          <a:bodyPr rtlCol="0" anchor="ctr"/>
+          <a:lstStyle/>
+          <a:p>
+            <a:pPr algn="ctr"/>
+            <a:r>
+              <a:rPr lang="en-US" sz="1000" dirty="0" smtClean="0"/>
+              <a:t>Responsiveness</a:t>
+            </a:r>
+            <a:endParaRPr lang="en-US" sz="1000" dirty="0"/>
+          </a:p>
+        </p:txBody>
+      </p:sp>
+      <p:sp>
+        <p:nvSpPr>
+          <p:cNvPr id="52" name="Rounded Rectangle 51"/>
+          <p:cNvSpPr/>
+          <p:nvPr/>
+        </p:nvSpPr>
+        <p:spPr>
+          <a:xfrm>
+            <a:off x="5478305" y="2496847"/>
+            <a:ext cx="1396998" cy="264160"/>
+          </a:xfrm>
+          <a:prstGeom prst="roundRect">
+            <a:avLst>
+              <a:gd name="adj" fmla="val 0"/>
+            </a:avLst>
+          </a:prstGeom>
+          <a:solidFill>
+            <a:schemeClr val="lt1"/>
+          </a:solidFill>
+          <a:ln w="12700"/>
+        </p:spPr>
+        <p:style>
+          <a:lnRef idx="2">
+            <a:schemeClr val="dk1"/>
+          </a:lnRef>
+          <a:fillRef idx="1">
+            <a:schemeClr val="lt1"/>
+          </a:fillRef>
+          <a:effectRef idx="0">
+            <a:schemeClr val="dk1"/>
+          </a:effectRef>
+          <a:fontRef idx="minor">
+            <a:schemeClr val="dk1"/>
+          </a:fontRef>
+        </p:style>
+        <p:txBody>
+          <a:bodyPr rtlCol="0" anchor="ctr"/>
+          <a:lstStyle/>
+          <a:p>
+            <a:pPr algn="ctr"/>
+            <a:r>
+              <a:rPr lang="en-US" sz="1000" dirty="0" smtClean="0"/>
+              <a:t>Time behavior</a:t>
+            </a:r>
+            <a:endParaRPr lang="en-US" sz="1000" dirty="0"/>
+          </a:p>
+        </p:txBody>
+      </p:sp>
       <p:grpSp>
         <p:nvGrpSpPr>
-          <p:cNvPr id="2" name="Group 1"/>
+          <p:cNvPr id="53" name="Group 52"/>
           <p:cNvGrpSpPr/>
           <p:nvPr/>
         </p:nvGrpSpPr>
         <p:grpSpPr>
           <a:xfrm>
-            <a:off x="3657599" y="189865"/>
-            <a:ext cx="3811024" cy="6135455"/>
-            <a:chOff x="3657599" y="189865"/>
-            <a:chExt cx="3811024" cy="6135455"/>
+            <a:off x="5483385" y="3004781"/>
+            <a:ext cx="1879598" cy="491491"/>
+            <a:chOff x="7721601" y="3576319"/>
+            <a:chExt cx="1859278" cy="491491"/>
           </a:xfrm>
         </p:grpSpPr>
         <p:sp>
           <p:nvSpPr>
-            <p:cNvPr id="41" name="Rounded Rectangle 40"/>
+            <p:cNvPr id="54" name="Rounded Rectangle 53"/>
             <p:cNvSpPr/>
             <p:nvPr/>
           </p:nvSpPr>
           <p:spPr>
             <a:xfrm>
-              <a:off x="3657599" y="501015"/>
-              <a:ext cx="1239519" cy="279400"/>
-            </a:xfrm>
-            <a:prstGeom prst="roundRect">
-              <a:avLst>
-                <a:gd name="adj" fmla="val 50000"/>
-              </a:avLst>
-            </a:prstGeom>
-          </p:spPr>
-          <p:style>
-            <a:lnRef idx="2">
-              <a:schemeClr val="accent1"/>
-            </a:lnRef>
-            <a:fillRef idx="1">
-              <a:schemeClr val="lt1"/>
-            </a:fillRef>
-            <a:effectRef idx="0">
-              <a:schemeClr val="accent1"/>
-            </a:effectRef>
-            <a:fontRef idx="minor">
-              <a:schemeClr val="dk1"/>
-            </a:fontRef>
-          </p:style>
-          <p:txBody>
-            <a:bodyPr rtlCol="0" anchor="ctr"/>
-            <a:lstStyle/>
-            <a:p>
-              <a:pPr algn="ctr"/>
-              <a:r>
-                <a:rPr lang="en-US" sz="1200" dirty="0" smtClean="0"/>
-                <a:t>ACCESSIBILITY</a:t>
-              </a:r>
-              <a:endParaRPr lang="en-US" sz="1200" dirty="0"/>
-            </a:p>
-          </p:txBody>
-        </p:sp>
-        <p:sp>
-          <p:nvSpPr>
-            <p:cNvPr id="42" name="Rounded Rectangle 41"/>
-            <p:cNvSpPr/>
-            <p:nvPr/>
-          </p:nvSpPr>
-          <p:spPr>
-            <a:xfrm>
-              <a:off x="3850640" y="1778660"/>
-              <a:ext cx="975359" cy="254000"/>
-            </a:xfrm>
-            <a:prstGeom prst="roundRect">
-              <a:avLst>
-                <a:gd name="adj" fmla="val 50000"/>
-              </a:avLst>
-            </a:prstGeom>
-          </p:spPr>
-          <p:style>
-            <a:lnRef idx="2">
-              <a:schemeClr val="accent1"/>
-            </a:lnRef>
-            <a:fillRef idx="1">
-              <a:schemeClr val="lt1"/>
-            </a:fillRef>
-            <a:effectRef idx="0">
-              <a:schemeClr val="accent1"/>
-            </a:effectRef>
-            <a:fontRef idx="minor">
-              <a:schemeClr val="dk1"/>
-            </a:fontRef>
-          </p:style>
-          <p:txBody>
-            <a:bodyPr rtlCol="0" anchor="ctr"/>
-            <a:lstStyle/>
-            <a:p>
-              <a:pPr algn="ctr"/>
-              <a:r>
-                <a:rPr lang="en-US" sz="1200" dirty="0" smtClean="0"/>
-                <a:t>USABILITY</a:t>
-              </a:r>
-              <a:endParaRPr lang="en-US" sz="1200" dirty="0"/>
-            </a:p>
-          </p:txBody>
-        </p:sp>
-        <p:sp>
-          <p:nvSpPr>
-            <p:cNvPr id="43" name="Rounded Rectangle 42"/>
-            <p:cNvSpPr/>
-            <p:nvPr/>
-          </p:nvSpPr>
-          <p:spPr>
-            <a:xfrm>
-              <a:off x="3850640" y="3286812"/>
-              <a:ext cx="975359" cy="254000"/>
-            </a:xfrm>
-            <a:prstGeom prst="roundRect">
-              <a:avLst>
-                <a:gd name="adj" fmla="val 50000"/>
-              </a:avLst>
-            </a:prstGeom>
-          </p:spPr>
-          <p:style>
-            <a:lnRef idx="2">
-              <a:schemeClr val="accent1"/>
-            </a:lnRef>
-            <a:fillRef idx="1">
-              <a:schemeClr val="lt1"/>
-            </a:fillRef>
-            <a:effectRef idx="0">
-              <a:schemeClr val="accent1"/>
-            </a:effectRef>
-            <a:fontRef idx="minor">
-              <a:schemeClr val="dk1"/>
-            </a:fontRef>
-          </p:style>
-          <p:txBody>
-            <a:bodyPr rtlCol="0" anchor="ctr"/>
-            <a:lstStyle/>
-            <a:p>
-              <a:pPr algn="ctr"/>
-              <a:r>
-                <a:rPr lang="en-US" sz="1200" dirty="0" smtClean="0"/>
-                <a:t>EFFICIENCY</a:t>
-              </a:r>
-              <a:endParaRPr lang="en-US" sz="1200" dirty="0"/>
-            </a:p>
-          </p:txBody>
-        </p:sp>
-        <p:sp>
-          <p:nvSpPr>
-            <p:cNvPr id="44" name="Rounded Rectangle 43"/>
-            <p:cNvSpPr/>
-            <p:nvPr/>
-          </p:nvSpPr>
-          <p:spPr>
-            <a:xfrm>
-              <a:off x="3850640" y="5476347"/>
-              <a:ext cx="975359" cy="254000"/>
-            </a:xfrm>
-            <a:prstGeom prst="roundRect">
-              <a:avLst>
-                <a:gd name="adj" fmla="val 50000"/>
-              </a:avLst>
-            </a:prstGeom>
-          </p:spPr>
-          <p:style>
-            <a:lnRef idx="2">
-              <a:schemeClr val="accent1"/>
-            </a:lnRef>
-            <a:fillRef idx="1">
-              <a:schemeClr val="lt1"/>
-            </a:fillRef>
-            <a:effectRef idx="0">
-              <a:schemeClr val="accent1"/>
-            </a:effectRef>
-            <a:fontRef idx="minor">
-              <a:schemeClr val="dk1"/>
-            </a:fontRef>
-          </p:style>
-          <p:txBody>
-            <a:bodyPr rtlCol="0" anchor="ctr"/>
-            <a:lstStyle/>
-            <a:p>
-              <a:pPr algn="ctr"/>
-              <a:r>
-                <a:rPr lang="en-US" sz="1200" dirty="0" smtClean="0"/>
-                <a:t>SECURITY</a:t>
-              </a:r>
-              <a:endParaRPr lang="en-US" sz="1200" dirty="0"/>
-            </a:p>
-          </p:txBody>
-        </p:sp>
-        <p:sp>
-          <p:nvSpPr>
-            <p:cNvPr id="45" name="Rounded Rectangle 44"/>
-            <p:cNvSpPr/>
-            <p:nvPr/>
-          </p:nvSpPr>
-          <p:spPr>
-            <a:xfrm>
-              <a:off x="5486401" y="866468"/>
-              <a:ext cx="1619998" cy="287997"/>
+              <a:off x="7721601" y="3576319"/>
+              <a:ext cx="1859278" cy="260985"/>
             </a:xfrm>
             <a:prstGeom prst="roundRect">
               <a:avLst>
@@ -29243,7 +29627,7 @@
               <a:pPr algn="ctr"/>
               <a:r>
                 <a:rPr lang="en-US" sz="1000" dirty="0" smtClean="0"/>
-                <a:t>Operability</a:t>
+                <a:t>Transaction Capability</a:t>
               </a:r>
               <a:endParaRPr lang="en-US" sz="1000" dirty="0"/>
             </a:p>
@@ -29251,14 +29635,14 @@
         </p:sp>
         <p:sp>
           <p:nvSpPr>
-            <p:cNvPr id="46" name="Rounded Rectangle 45"/>
+            <p:cNvPr id="55" name="Rounded Rectangle 54"/>
             <p:cNvSpPr/>
             <p:nvPr/>
           </p:nvSpPr>
           <p:spPr>
             <a:xfrm>
-              <a:off x="5486401" y="189865"/>
-              <a:ext cx="772159" cy="227330"/>
+              <a:off x="7721601" y="3840480"/>
+              <a:ext cx="955039" cy="224154"/>
             </a:xfrm>
             <a:prstGeom prst="roundRect">
               <a:avLst>
@@ -29291,7 +29675,7 @@
               <a:pPr algn="ctr"/>
               <a:r>
                 <a:rPr lang="en-US" sz="1000" dirty="0" smtClean="0"/>
-                <a:t>Availability</a:t>
+                <a:t>Completeness</a:t>
               </a:r>
               <a:endParaRPr lang="en-US" sz="1000" dirty="0"/>
             </a:p>
@@ -29299,14 +29683,14 @@
         </p:sp>
         <p:sp>
           <p:nvSpPr>
-            <p:cNvPr id="47" name="Rounded Rectangle 46"/>
+            <p:cNvPr id="56" name="Rounded Rectangle 55"/>
             <p:cNvSpPr/>
             <p:nvPr/>
           </p:nvSpPr>
           <p:spPr>
             <a:xfrm>
-              <a:off x="5476241" y="531495"/>
-              <a:ext cx="772159" cy="227330"/>
+              <a:off x="8676640" y="3840480"/>
+              <a:ext cx="904239" cy="227330"/>
             </a:xfrm>
             <a:prstGeom prst="roundRect">
               <a:avLst>
@@ -29339,1243 +29723,844 @@
               <a:pPr algn="ctr"/>
               <a:r>
                 <a:rPr lang="en-US" sz="1000" dirty="0" smtClean="0"/>
-                <a:t>Maturity</a:t>
-              </a:r>
-              <a:endParaRPr lang="en-US" sz="1000" dirty="0"/>
-            </a:p>
-          </p:txBody>
-        </p:sp>
-        <p:sp>
-          <p:nvSpPr>
-            <p:cNvPr id="48" name="Rounded Rectangle 47"/>
-            <p:cNvSpPr/>
-            <p:nvPr/>
-          </p:nvSpPr>
-          <p:spPr>
-            <a:xfrm>
-              <a:off x="5415281" y="1392581"/>
-              <a:ext cx="1780539" cy="264160"/>
-            </a:xfrm>
-            <a:prstGeom prst="roundRect">
-              <a:avLst>
-                <a:gd name="adj" fmla="val 0"/>
-              </a:avLst>
-            </a:prstGeom>
-            <a:solidFill>
-              <a:schemeClr val="lt1"/>
-            </a:solidFill>
-            <a:ln w="12700"/>
-          </p:spPr>
-          <p:style>
-            <a:lnRef idx="2">
-              <a:schemeClr val="dk1"/>
-            </a:lnRef>
-            <a:fillRef idx="1">
-              <a:schemeClr val="lt1"/>
-            </a:fillRef>
-            <a:effectRef idx="0">
-              <a:schemeClr val="dk1"/>
-            </a:effectRef>
-            <a:fontRef idx="minor">
-              <a:schemeClr val="dk1"/>
-            </a:fontRef>
-          </p:style>
-          <p:txBody>
-            <a:bodyPr rtlCol="0" anchor="ctr"/>
-            <a:lstStyle/>
-            <a:p>
-              <a:pPr algn="ctr"/>
-              <a:r>
-                <a:rPr lang="en-US" sz="1000" dirty="0" smtClean="0"/>
-                <a:t>Ease of Use</a:t>
-              </a:r>
-              <a:endParaRPr lang="en-US" sz="1000" dirty="0"/>
-            </a:p>
-          </p:txBody>
-        </p:sp>
-        <p:sp>
-          <p:nvSpPr>
-            <p:cNvPr id="49" name="Rounded Rectangle 48"/>
-            <p:cNvSpPr/>
-            <p:nvPr/>
-          </p:nvSpPr>
-          <p:spPr>
-            <a:xfrm>
-              <a:off x="5415281" y="1706877"/>
-              <a:ext cx="1066800" cy="367664"/>
-            </a:xfrm>
-            <a:prstGeom prst="roundRect">
-              <a:avLst>
-                <a:gd name="adj" fmla="val 0"/>
-              </a:avLst>
-            </a:prstGeom>
-            <a:solidFill>
-              <a:schemeClr val="lt1"/>
-            </a:solidFill>
-            <a:ln w="12700"/>
-          </p:spPr>
-          <p:style>
-            <a:lnRef idx="2">
-              <a:schemeClr val="dk1"/>
-            </a:lnRef>
-            <a:fillRef idx="1">
-              <a:schemeClr val="lt1"/>
-            </a:fillRef>
-            <a:effectRef idx="0">
-              <a:schemeClr val="dk1"/>
-            </a:effectRef>
-            <a:fontRef idx="minor">
-              <a:schemeClr val="dk1"/>
-            </a:fontRef>
-          </p:style>
-          <p:txBody>
-            <a:bodyPr rtlCol="0" anchor="ctr"/>
-            <a:lstStyle/>
-            <a:p>
-              <a:pPr algn="ctr"/>
-              <a:r>
-                <a:rPr lang="en-US" sz="1000" dirty="0" smtClean="0"/>
-                <a:t>Learnability</a:t>
-              </a:r>
-              <a:endParaRPr lang="en-US" sz="1000" dirty="0"/>
-            </a:p>
-          </p:txBody>
-        </p:sp>
-        <p:sp>
-          <p:nvSpPr>
-            <p:cNvPr id="50" name="Rounded Rectangle 49"/>
-            <p:cNvSpPr/>
-            <p:nvPr/>
-          </p:nvSpPr>
-          <p:spPr>
-            <a:xfrm>
-              <a:off x="5415281" y="2142515"/>
-              <a:ext cx="1494679" cy="305726"/>
-            </a:xfrm>
-            <a:prstGeom prst="roundRect">
-              <a:avLst>
-                <a:gd name="adj" fmla="val 0"/>
-              </a:avLst>
-            </a:prstGeom>
-            <a:solidFill>
-              <a:schemeClr val="lt1"/>
-            </a:solidFill>
-            <a:ln w="12700"/>
-          </p:spPr>
-          <p:style>
-            <a:lnRef idx="2">
-              <a:schemeClr val="dk1"/>
-            </a:lnRef>
-            <a:fillRef idx="1">
-              <a:schemeClr val="lt1"/>
-            </a:fillRef>
-            <a:effectRef idx="0">
-              <a:schemeClr val="dk1"/>
-            </a:effectRef>
-            <a:fontRef idx="minor">
-              <a:schemeClr val="dk1"/>
-            </a:fontRef>
-          </p:style>
-          <p:txBody>
-            <a:bodyPr rtlCol="0" anchor="ctr"/>
-            <a:lstStyle/>
-            <a:p>
-              <a:pPr algn="ctr"/>
-              <a:r>
-                <a:rPr lang="en-US" sz="1000" dirty="0" smtClean="0"/>
-                <a:t>User interface aesthetics</a:t>
-              </a:r>
-              <a:endParaRPr lang="en-US" sz="1000" dirty="0"/>
-            </a:p>
-          </p:txBody>
-        </p:sp>
-        <p:sp>
-          <p:nvSpPr>
-            <p:cNvPr id="51" name="Rounded Rectangle 50"/>
-            <p:cNvSpPr/>
-            <p:nvPr/>
-          </p:nvSpPr>
-          <p:spPr>
-            <a:xfrm>
-              <a:off x="5344161" y="2925210"/>
-              <a:ext cx="2065978" cy="276861"/>
-            </a:xfrm>
-            <a:prstGeom prst="roundRect">
-              <a:avLst>
-                <a:gd name="adj" fmla="val 0"/>
-              </a:avLst>
-            </a:prstGeom>
-            <a:solidFill>
-              <a:schemeClr val="lt1"/>
-            </a:solidFill>
-            <a:ln w="12700"/>
-          </p:spPr>
-          <p:style>
-            <a:lnRef idx="2">
-              <a:schemeClr val="dk1"/>
-            </a:lnRef>
-            <a:fillRef idx="1">
-              <a:schemeClr val="lt1"/>
-            </a:fillRef>
-            <a:effectRef idx="0">
-              <a:schemeClr val="dk1"/>
-            </a:effectRef>
-            <a:fontRef idx="minor">
-              <a:schemeClr val="dk1"/>
-            </a:fontRef>
-          </p:style>
-          <p:txBody>
-            <a:bodyPr rtlCol="0" anchor="ctr"/>
-            <a:lstStyle/>
-            <a:p>
-              <a:pPr algn="ctr"/>
-              <a:r>
-                <a:rPr lang="en-US" sz="1000" dirty="0" smtClean="0"/>
-                <a:t>Responsiveness</a:t>
-              </a:r>
-              <a:endParaRPr lang="en-US" sz="1000" dirty="0"/>
-            </a:p>
-          </p:txBody>
-        </p:sp>
-        <p:sp>
-          <p:nvSpPr>
-            <p:cNvPr id="52" name="Rounded Rectangle 51"/>
-            <p:cNvSpPr/>
-            <p:nvPr/>
-          </p:nvSpPr>
-          <p:spPr>
-            <a:xfrm>
-              <a:off x="5313681" y="3685938"/>
-              <a:ext cx="1396998" cy="264160"/>
-            </a:xfrm>
-            <a:prstGeom prst="roundRect">
-              <a:avLst>
-                <a:gd name="adj" fmla="val 0"/>
-              </a:avLst>
-            </a:prstGeom>
-            <a:solidFill>
-              <a:schemeClr val="lt1"/>
-            </a:solidFill>
-            <a:ln w="12700"/>
-          </p:spPr>
-          <p:style>
-            <a:lnRef idx="2">
-              <a:schemeClr val="dk1"/>
-            </a:lnRef>
-            <a:fillRef idx="1">
-              <a:schemeClr val="lt1"/>
-            </a:fillRef>
-            <a:effectRef idx="0">
-              <a:schemeClr val="dk1"/>
-            </a:effectRef>
-            <a:fontRef idx="minor">
-              <a:schemeClr val="dk1"/>
-            </a:fontRef>
-          </p:style>
-          <p:txBody>
-            <a:bodyPr rtlCol="0" anchor="ctr"/>
-            <a:lstStyle/>
-            <a:p>
-              <a:pPr algn="ctr"/>
-              <a:r>
-                <a:rPr lang="en-US" sz="1000" dirty="0" smtClean="0"/>
-                <a:t>Time behavior</a:t>
-              </a:r>
-              <a:endParaRPr lang="en-US" sz="1000" dirty="0"/>
-            </a:p>
-          </p:txBody>
-        </p:sp>
-        <p:grpSp>
-          <p:nvGrpSpPr>
-            <p:cNvPr id="53" name="Group 52"/>
-            <p:cNvGrpSpPr/>
-            <p:nvPr/>
-          </p:nvGrpSpPr>
-          <p:grpSpPr>
-            <a:xfrm>
-              <a:off x="5318761" y="4193872"/>
-              <a:ext cx="1879598" cy="491491"/>
-              <a:chOff x="7721601" y="3576319"/>
-              <a:chExt cx="1859278" cy="491491"/>
-            </a:xfrm>
-          </p:grpSpPr>
-          <p:sp>
-            <p:nvSpPr>
-              <p:cNvPr id="54" name="Rounded Rectangle 53"/>
-              <p:cNvSpPr/>
-              <p:nvPr/>
-            </p:nvSpPr>
-            <p:spPr>
-              <a:xfrm>
-                <a:off x="7721601" y="3576319"/>
-                <a:ext cx="1859278" cy="260985"/>
-              </a:xfrm>
-              <a:prstGeom prst="roundRect">
-                <a:avLst>
-                  <a:gd name="adj" fmla="val 0"/>
-                </a:avLst>
-              </a:prstGeom>
-              <a:solidFill>
-                <a:schemeClr val="lt1"/>
-              </a:solidFill>
-              <a:ln w="12700"/>
-            </p:spPr>
-            <p:style>
-              <a:lnRef idx="2">
-                <a:schemeClr val="dk1"/>
-              </a:lnRef>
-              <a:fillRef idx="1">
-                <a:schemeClr val="lt1"/>
-              </a:fillRef>
-              <a:effectRef idx="0">
-                <a:schemeClr val="dk1"/>
-              </a:effectRef>
-              <a:fontRef idx="minor">
-                <a:schemeClr val="dk1"/>
-              </a:fontRef>
-            </p:style>
-            <p:txBody>
-              <a:bodyPr rtlCol="0" anchor="ctr"/>
-              <a:lstStyle/>
-              <a:p>
-                <a:pPr algn="ctr"/>
-                <a:r>
-                  <a:rPr lang="en-US" sz="1000" dirty="0" smtClean="0"/>
-                  <a:t>Transaction Capability</a:t>
-                </a:r>
-                <a:endParaRPr lang="en-US" sz="1000" dirty="0"/>
-              </a:p>
-            </p:txBody>
-          </p:sp>
-          <p:sp>
-            <p:nvSpPr>
-              <p:cNvPr id="55" name="Rounded Rectangle 54"/>
-              <p:cNvSpPr/>
-              <p:nvPr/>
-            </p:nvSpPr>
-            <p:spPr>
-              <a:xfrm>
-                <a:off x="7721601" y="3840480"/>
-                <a:ext cx="955039" cy="224154"/>
-              </a:xfrm>
-              <a:prstGeom prst="roundRect">
-                <a:avLst>
-                  <a:gd name="adj" fmla="val 0"/>
-                </a:avLst>
-              </a:prstGeom>
-              <a:solidFill>
-                <a:schemeClr val="lt1"/>
-              </a:solidFill>
-              <a:ln w="12700"/>
-            </p:spPr>
-            <p:style>
-              <a:lnRef idx="2">
-                <a:schemeClr val="dk1"/>
-              </a:lnRef>
-              <a:fillRef idx="1">
-                <a:schemeClr val="lt1"/>
-              </a:fillRef>
-              <a:effectRef idx="0">
-                <a:schemeClr val="dk1"/>
-              </a:effectRef>
-              <a:fontRef idx="minor">
-                <a:schemeClr val="dk1"/>
-              </a:fontRef>
-            </p:style>
-            <p:txBody>
-              <a:bodyPr rtlCol="0" anchor="ctr"/>
-              <a:lstStyle/>
-              <a:p>
-                <a:pPr algn="ctr"/>
-                <a:r>
-                  <a:rPr lang="en-US" sz="1000" dirty="0" smtClean="0"/>
-                  <a:t>Completeness</a:t>
-                </a:r>
-                <a:endParaRPr lang="en-US" sz="1000" dirty="0"/>
-              </a:p>
-            </p:txBody>
-          </p:sp>
-          <p:sp>
-            <p:nvSpPr>
-              <p:cNvPr id="56" name="Rounded Rectangle 55"/>
-              <p:cNvSpPr/>
-              <p:nvPr/>
-            </p:nvSpPr>
-            <p:spPr>
-              <a:xfrm>
-                <a:off x="8676640" y="3840480"/>
-                <a:ext cx="904239" cy="227330"/>
-              </a:xfrm>
-              <a:prstGeom prst="roundRect">
-                <a:avLst>
-                  <a:gd name="adj" fmla="val 0"/>
-                </a:avLst>
-              </a:prstGeom>
-              <a:solidFill>
-                <a:schemeClr val="lt1"/>
-              </a:solidFill>
-              <a:ln w="12700"/>
-            </p:spPr>
-            <p:style>
-              <a:lnRef idx="2">
-                <a:schemeClr val="dk1"/>
-              </a:lnRef>
-              <a:fillRef idx="1">
-                <a:schemeClr val="lt1"/>
-              </a:fillRef>
-              <a:effectRef idx="0">
-                <a:schemeClr val="dk1"/>
-              </a:effectRef>
-              <a:fontRef idx="minor">
-                <a:schemeClr val="dk1"/>
-              </a:fontRef>
-            </p:style>
-            <p:txBody>
-              <a:bodyPr rtlCol="0" anchor="ctr"/>
-              <a:lstStyle/>
-              <a:p>
-                <a:pPr algn="ctr"/>
-                <a:r>
-                  <a:rPr lang="en-US" sz="1000" dirty="0" smtClean="0"/>
-                  <a:t>Correctness</a:t>
-                </a:r>
-                <a:endParaRPr lang="en-US" sz="1000" dirty="0"/>
-              </a:p>
-            </p:txBody>
-          </p:sp>
-        </p:grpSp>
-        <p:sp>
-          <p:nvSpPr>
-            <p:cNvPr id="57" name="Rounded Rectangle 56"/>
-            <p:cNvSpPr/>
-            <p:nvPr/>
-          </p:nvSpPr>
-          <p:spPr>
-            <a:xfrm>
-              <a:off x="5344161" y="2578500"/>
-              <a:ext cx="1851659" cy="254000"/>
-            </a:xfrm>
-            <a:prstGeom prst="roundRect">
-              <a:avLst>
-                <a:gd name="adj" fmla="val 0"/>
-              </a:avLst>
-            </a:prstGeom>
-            <a:solidFill>
-              <a:schemeClr val="lt1"/>
-            </a:solidFill>
-            <a:ln w="12700"/>
-          </p:spPr>
-          <p:style>
-            <a:lnRef idx="2">
-              <a:schemeClr val="dk1"/>
-            </a:lnRef>
-            <a:fillRef idx="1">
-              <a:schemeClr val="lt1"/>
-            </a:fillRef>
-            <a:effectRef idx="0">
-              <a:schemeClr val="dk1"/>
-            </a:effectRef>
-            <a:fontRef idx="minor">
-              <a:schemeClr val="dk1"/>
-            </a:fontRef>
-          </p:style>
-          <p:txBody>
-            <a:bodyPr rtlCol="0" anchor="ctr"/>
-            <a:lstStyle/>
-            <a:p>
-              <a:pPr algn="ctr"/>
-              <a:r>
-                <a:rPr lang="en-US" sz="1000" dirty="0" smtClean="0"/>
-                <a:t>Fault Tolerance</a:t>
-              </a:r>
-              <a:endParaRPr lang="en-US" sz="1000" dirty="0"/>
-            </a:p>
-          </p:txBody>
-        </p:sp>
-        <p:sp>
-          <p:nvSpPr>
-            <p:cNvPr id="58" name="Rounded Rectangle 57"/>
-            <p:cNvSpPr/>
-            <p:nvPr/>
-          </p:nvSpPr>
-          <p:spPr>
-            <a:xfrm>
-              <a:off x="5328922" y="3322085"/>
-              <a:ext cx="1178560" cy="227330"/>
-            </a:xfrm>
-            <a:prstGeom prst="roundRect">
-              <a:avLst>
-                <a:gd name="adj" fmla="val 0"/>
-              </a:avLst>
-            </a:prstGeom>
-            <a:solidFill>
-              <a:schemeClr val="lt1"/>
-            </a:solidFill>
-            <a:ln w="12700"/>
-          </p:spPr>
-          <p:style>
-            <a:lnRef idx="2">
-              <a:schemeClr val="dk1"/>
-            </a:lnRef>
-            <a:fillRef idx="1">
-              <a:schemeClr val="lt1"/>
-            </a:fillRef>
-            <a:effectRef idx="0">
-              <a:schemeClr val="dk1"/>
-            </a:effectRef>
-            <a:fontRef idx="minor">
-              <a:schemeClr val="dk1"/>
-            </a:fontRef>
-          </p:style>
-          <p:txBody>
-            <a:bodyPr rtlCol="0" anchor="ctr"/>
-            <a:lstStyle/>
-            <a:p>
-              <a:pPr algn="ctr"/>
-              <a:r>
-                <a:rPr lang="en-US" sz="1000" dirty="0" smtClean="0"/>
-                <a:t>Customer Service</a:t>
-              </a:r>
-              <a:endParaRPr lang="en-US" sz="1000" dirty="0"/>
-            </a:p>
-          </p:txBody>
-        </p:sp>
-        <p:sp>
-          <p:nvSpPr>
-            <p:cNvPr id="59" name="Rounded Rectangle 58"/>
-            <p:cNvSpPr/>
-            <p:nvPr/>
-          </p:nvSpPr>
-          <p:spPr>
-            <a:xfrm>
-              <a:off x="5372166" y="6084747"/>
-              <a:ext cx="1011197" cy="240573"/>
-            </a:xfrm>
-            <a:prstGeom prst="roundRect">
-              <a:avLst>
-                <a:gd name="adj" fmla="val 0"/>
-              </a:avLst>
-            </a:prstGeom>
-            <a:solidFill>
-              <a:schemeClr val="lt1"/>
-            </a:solidFill>
-            <a:ln w="12700"/>
-          </p:spPr>
-          <p:style>
-            <a:lnRef idx="2">
-              <a:schemeClr val="dk1"/>
-            </a:lnRef>
-            <a:fillRef idx="1">
-              <a:schemeClr val="lt1"/>
-            </a:fillRef>
-            <a:effectRef idx="0">
-              <a:schemeClr val="dk1"/>
-            </a:effectRef>
-            <a:fontRef idx="minor">
-              <a:schemeClr val="dk1"/>
-            </a:fontRef>
-          </p:style>
-          <p:txBody>
-            <a:bodyPr rtlCol="0" anchor="ctr"/>
-            <a:lstStyle/>
-            <a:p>
-              <a:pPr algn="ctr"/>
-              <a:r>
-                <a:rPr lang="en-US" sz="1000" dirty="0" smtClean="0"/>
-                <a:t>Confidentiality</a:t>
-              </a:r>
-              <a:endParaRPr lang="en-US" sz="1000" dirty="0"/>
-            </a:p>
-          </p:txBody>
-        </p:sp>
-        <p:sp>
-          <p:nvSpPr>
-            <p:cNvPr id="60" name="Rounded Rectangle 59"/>
-            <p:cNvSpPr/>
-            <p:nvPr/>
-          </p:nvSpPr>
-          <p:spPr>
-            <a:xfrm>
-              <a:off x="5369626" y="4858588"/>
-              <a:ext cx="2098997" cy="227330"/>
-            </a:xfrm>
-            <a:prstGeom prst="roundRect">
-              <a:avLst>
-                <a:gd name="adj" fmla="val 0"/>
-              </a:avLst>
-            </a:prstGeom>
-            <a:solidFill>
-              <a:schemeClr val="lt1"/>
-            </a:solidFill>
-            <a:ln w="12700"/>
-          </p:spPr>
-          <p:style>
-            <a:lnRef idx="2">
-              <a:schemeClr val="dk1"/>
-            </a:lnRef>
-            <a:fillRef idx="1">
-              <a:schemeClr val="lt1"/>
-            </a:fillRef>
-            <a:effectRef idx="0">
-              <a:schemeClr val="dk1"/>
-            </a:effectRef>
-            <a:fontRef idx="minor">
-              <a:schemeClr val="dk1"/>
-            </a:fontRef>
-          </p:style>
-          <p:txBody>
-            <a:bodyPr rtlCol="0" anchor="ctr"/>
-            <a:lstStyle/>
-            <a:p>
-              <a:pPr algn="ctr"/>
-              <a:r>
-                <a:rPr lang="en-US" sz="1000" dirty="0" smtClean="0"/>
-                <a:t>Safety</a:t>
-              </a:r>
-              <a:endParaRPr lang="en-US" sz="1000" dirty="0"/>
-            </a:p>
-          </p:txBody>
-        </p:sp>
-        <p:sp>
-          <p:nvSpPr>
-            <p:cNvPr id="61" name="Rounded Rectangle 60"/>
-            <p:cNvSpPr/>
-            <p:nvPr/>
-          </p:nvSpPr>
-          <p:spPr>
-            <a:xfrm>
-              <a:off x="5382326" y="5781570"/>
-              <a:ext cx="1001037" cy="227330"/>
-            </a:xfrm>
-            <a:prstGeom prst="roundRect">
-              <a:avLst>
-                <a:gd name="adj" fmla="val 0"/>
-              </a:avLst>
-            </a:prstGeom>
-            <a:solidFill>
-              <a:schemeClr val="lt1"/>
-            </a:solidFill>
-            <a:ln w="12700"/>
-          </p:spPr>
-          <p:style>
-            <a:lnRef idx="2">
-              <a:schemeClr val="dk1"/>
-            </a:lnRef>
-            <a:fillRef idx="1">
-              <a:schemeClr val="lt1"/>
-            </a:fillRef>
-            <a:effectRef idx="0">
-              <a:schemeClr val="dk1"/>
-            </a:effectRef>
-            <a:fontRef idx="minor">
-              <a:schemeClr val="dk1"/>
-            </a:fontRef>
-          </p:style>
-          <p:txBody>
-            <a:bodyPr rtlCol="0" anchor="ctr"/>
-            <a:lstStyle/>
-            <a:p>
-              <a:pPr algn="ctr"/>
-              <a:r>
-                <a:rPr lang="en-US" sz="1000" dirty="0" smtClean="0"/>
-                <a:t>Integrity</a:t>
-              </a:r>
-              <a:endParaRPr lang="en-US" sz="1000" dirty="0"/>
-            </a:p>
-          </p:txBody>
-        </p:sp>
-        <p:sp>
-          <p:nvSpPr>
-            <p:cNvPr id="62" name="Rounded Rectangle 61"/>
-            <p:cNvSpPr/>
-            <p:nvPr/>
-          </p:nvSpPr>
-          <p:spPr>
-            <a:xfrm>
-              <a:off x="5377524" y="5195136"/>
-              <a:ext cx="1005839" cy="227330"/>
-            </a:xfrm>
-            <a:prstGeom prst="roundRect">
-              <a:avLst>
-                <a:gd name="adj" fmla="val 0"/>
-              </a:avLst>
-            </a:prstGeom>
-            <a:solidFill>
-              <a:schemeClr val="lt1"/>
-            </a:solidFill>
-            <a:ln w="12700"/>
-          </p:spPr>
-          <p:style>
-            <a:lnRef idx="2">
-              <a:schemeClr val="dk1"/>
-            </a:lnRef>
-            <a:fillRef idx="1">
-              <a:schemeClr val="lt1"/>
-            </a:fillRef>
-            <a:effectRef idx="0">
-              <a:schemeClr val="dk1"/>
-            </a:effectRef>
-            <a:fontRef idx="minor">
-              <a:schemeClr val="dk1"/>
-            </a:fontRef>
-          </p:style>
-          <p:txBody>
-            <a:bodyPr rtlCol="0" anchor="ctr"/>
-            <a:lstStyle/>
-            <a:p>
-              <a:pPr algn="ctr"/>
-              <a:r>
-                <a:rPr lang="en-US" sz="1000" dirty="0" smtClean="0"/>
-                <a:t>Authenticity</a:t>
-              </a:r>
-              <a:endParaRPr lang="en-US" sz="1000" dirty="0"/>
-            </a:p>
-          </p:txBody>
-        </p:sp>
-        <p:cxnSp>
-          <p:nvCxnSpPr>
-            <p:cNvPr id="63" name="Straight Connector 62"/>
-            <p:cNvCxnSpPr>
-              <a:stCxn id="46" idx="1"/>
-              <a:endCxn id="41" idx="3"/>
-            </p:cNvCxnSpPr>
-            <p:nvPr/>
-          </p:nvCxnSpPr>
-          <p:spPr>
-            <a:xfrm flipH="1">
-              <a:off x="4897118" y="303530"/>
-              <a:ext cx="589283" cy="337185"/>
-            </a:xfrm>
-            <a:prstGeom prst="line">
-              <a:avLst/>
-            </a:prstGeom>
-          </p:spPr>
-          <p:style>
-            <a:lnRef idx="1">
-              <a:schemeClr val="dk1"/>
-            </a:lnRef>
-            <a:fillRef idx="0">
-              <a:schemeClr val="dk1"/>
-            </a:fillRef>
-            <a:effectRef idx="0">
-              <a:schemeClr val="dk1"/>
-            </a:effectRef>
-            <a:fontRef idx="minor">
-              <a:schemeClr val="tx1"/>
-            </a:fontRef>
-          </p:style>
-        </p:cxnSp>
-        <p:cxnSp>
-          <p:nvCxnSpPr>
-            <p:cNvPr id="64" name="Straight Connector 63"/>
-            <p:cNvCxnSpPr>
-              <a:stCxn id="47" idx="1"/>
-              <a:endCxn id="41" idx="3"/>
-            </p:cNvCxnSpPr>
-            <p:nvPr/>
-          </p:nvCxnSpPr>
-          <p:spPr>
-            <a:xfrm flipH="1" flipV="1">
-              <a:off x="4897118" y="640715"/>
-              <a:ext cx="579123" cy="4445"/>
-            </a:xfrm>
-            <a:prstGeom prst="line">
-              <a:avLst/>
-            </a:prstGeom>
-          </p:spPr>
-          <p:style>
-            <a:lnRef idx="1">
-              <a:schemeClr val="dk1"/>
-            </a:lnRef>
-            <a:fillRef idx="0">
-              <a:schemeClr val="dk1"/>
-            </a:fillRef>
-            <a:effectRef idx="0">
-              <a:schemeClr val="dk1"/>
-            </a:effectRef>
-            <a:fontRef idx="minor">
-              <a:schemeClr val="tx1"/>
-            </a:fontRef>
-          </p:style>
-        </p:cxnSp>
-        <p:cxnSp>
-          <p:nvCxnSpPr>
-            <p:cNvPr id="65" name="Straight Connector 64"/>
-            <p:cNvCxnSpPr>
-              <a:stCxn id="45" idx="1"/>
-              <a:endCxn id="41" idx="3"/>
-            </p:cNvCxnSpPr>
-            <p:nvPr/>
-          </p:nvCxnSpPr>
-          <p:spPr>
-            <a:xfrm flipH="1" flipV="1">
-              <a:off x="4897118" y="640715"/>
-              <a:ext cx="589283" cy="369752"/>
-            </a:xfrm>
-            <a:prstGeom prst="line">
-              <a:avLst/>
-            </a:prstGeom>
-          </p:spPr>
-          <p:style>
-            <a:lnRef idx="1">
-              <a:schemeClr val="dk1"/>
-            </a:lnRef>
-            <a:fillRef idx="0">
-              <a:schemeClr val="dk1"/>
-            </a:fillRef>
-            <a:effectRef idx="0">
-              <a:schemeClr val="dk1"/>
-            </a:effectRef>
-            <a:fontRef idx="minor">
-              <a:schemeClr val="tx1"/>
-            </a:fontRef>
-          </p:style>
-        </p:cxnSp>
-        <p:cxnSp>
-          <p:nvCxnSpPr>
-            <p:cNvPr id="66" name="Straight Connector 65"/>
-            <p:cNvCxnSpPr>
-              <a:stCxn id="48" idx="1"/>
-              <a:endCxn id="42" idx="3"/>
-            </p:cNvCxnSpPr>
-            <p:nvPr/>
-          </p:nvCxnSpPr>
-          <p:spPr>
-            <a:xfrm flipH="1">
-              <a:off x="4825999" y="1524661"/>
-              <a:ext cx="589282" cy="380999"/>
-            </a:xfrm>
-            <a:prstGeom prst="line">
-              <a:avLst/>
-            </a:prstGeom>
-          </p:spPr>
-          <p:style>
-            <a:lnRef idx="1">
-              <a:schemeClr val="dk1"/>
-            </a:lnRef>
-            <a:fillRef idx="0">
-              <a:schemeClr val="dk1"/>
-            </a:fillRef>
-            <a:effectRef idx="0">
-              <a:schemeClr val="dk1"/>
-            </a:effectRef>
-            <a:fontRef idx="minor">
-              <a:schemeClr val="tx1"/>
-            </a:fontRef>
-          </p:style>
-        </p:cxnSp>
-        <p:cxnSp>
-          <p:nvCxnSpPr>
-            <p:cNvPr id="67" name="Straight Connector 66"/>
-            <p:cNvCxnSpPr>
-              <a:stCxn id="49" idx="1"/>
-              <a:endCxn id="42" idx="3"/>
-            </p:cNvCxnSpPr>
-            <p:nvPr/>
-          </p:nvCxnSpPr>
-          <p:spPr>
-            <a:xfrm flipH="1">
-              <a:off x="4825999" y="1890709"/>
-              <a:ext cx="589282" cy="14951"/>
-            </a:xfrm>
-            <a:prstGeom prst="line">
-              <a:avLst/>
-            </a:prstGeom>
-          </p:spPr>
-          <p:style>
-            <a:lnRef idx="1">
-              <a:schemeClr val="dk1"/>
-            </a:lnRef>
-            <a:fillRef idx="0">
-              <a:schemeClr val="dk1"/>
-            </a:fillRef>
-            <a:effectRef idx="0">
-              <a:schemeClr val="dk1"/>
-            </a:effectRef>
-            <a:fontRef idx="minor">
-              <a:schemeClr val="tx1"/>
-            </a:fontRef>
-          </p:style>
-        </p:cxnSp>
-        <p:cxnSp>
-          <p:nvCxnSpPr>
-            <p:cNvPr id="68" name="Straight Connector 67"/>
-            <p:cNvCxnSpPr>
-              <a:stCxn id="51" idx="1"/>
-              <a:endCxn id="43" idx="3"/>
-            </p:cNvCxnSpPr>
-            <p:nvPr/>
-          </p:nvCxnSpPr>
-          <p:spPr>
-            <a:xfrm flipH="1">
-              <a:off x="4825999" y="3063641"/>
-              <a:ext cx="518162" cy="350171"/>
-            </a:xfrm>
-            <a:prstGeom prst="line">
-              <a:avLst/>
-            </a:prstGeom>
-          </p:spPr>
-          <p:style>
-            <a:lnRef idx="1">
-              <a:schemeClr val="dk1"/>
-            </a:lnRef>
-            <a:fillRef idx="0">
-              <a:schemeClr val="dk1"/>
-            </a:fillRef>
-            <a:effectRef idx="0">
-              <a:schemeClr val="dk1"/>
-            </a:effectRef>
-            <a:fontRef idx="minor">
-              <a:schemeClr val="tx1"/>
-            </a:fontRef>
-          </p:style>
-        </p:cxnSp>
-        <p:cxnSp>
-          <p:nvCxnSpPr>
-            <p:cNvPr id="73" name="Straight Connector 72"/>
-            <p:cNvCxnSpPr>
-              <a:stCxn id="57" idx="1"/>
-              <a:endCxn id="43" idx="3"/>
-            </p:cNvCxnSpPr>
-            <p:nvPr/>
-          </p:nvCxnSpPr>
-          <p:spPr>
-            <a:xfrm flipH="1">
-              <a:off x="4825999" y="2705500"/>
-              <a:ext cx="518162" cy="708312"/>
-            </a:xfrm>
-            <a:prstGeom prst="line">
-              <a:avLst/>
-            </a:prstGeom>
-          </p:spPr>
-          <p:style>
-            <a:lnRef idx="1">
-              <a:schemeClr val="dk1"/>
-            </a:lnRef>
-            <a:fillRef idx="0">
-              <a:schemeClr val="dk1"/>
-            </a:fillRef>
-            <a:effectRef idx="0">
-              <a:schemeClr val="dk1"/>
-            </a:effectRef>
-            <a:fontRef idx="minor">
-              <a:schemeClr val="tx1"/>
-            </a:fontRef>
-          </p:style>
-        </p:cxnSp>
-        <p:cxnSp>
-          <p:nvCxnSpPr>
-            <p:cNvPr id="74" name="Straight Connector 73"/>
-            <p:cNvCxnSpPr>
-              <a:stCxn id="52" idx="1"/>
-              <a:endCxn id="43" idx="3"/>
-            </p:cNvCxnSpPr>
-            <p:nvPr/>
-          </p:nvCxnSpPr>
-          <p:spPr>
-            <a:xfrm flipH="1" flipV="1">
-              <a:off x="4825999" y="3413812"/>
-              <a:ext cx="487682" cy="404206"/>
-            </a:xfrm>
-            <a:prstGeom prst="line">
-              <a:avLst/>
-            </a:prstGeom>
-          </p:spPr>
-          <p:style>
-            <a:lnRef idx="1">
-              <a:schemeClr val="dk1"/>
-            </a:lnRef>
-            <a:fillRef idx="0">
-              <a:schemeClr val="dk1"/>
-            </a:fillRef>
-            <a:effectRef idx="0">
-              <a:schemeClr val="dk1"/>
-            </a:effectRef>
-            <a:fontRef idx="minor">
-              <a:schemeClr val="tx1"/>
-            </a:fontRef>
-          </p:style>
-        </p:cxnSp>
-        <p:cxnSp>
-          <p:nvCxnSpPr>
-            <p:cNvPr id="76" name="Straight Connector 75"/>
-            <p:cNvCxnSpPr>
-              <a:stCxn id="58" idx="1"/>
-              <a:endCxn id="43" idx="3"/>
-            </p:cNvCxnSpPr>
-            <p:nvPr/>
-          </p:nvCxnSpPr>
-          <p:spPr>
-            <a:xfrm flipH="1" flipV="1">
-              <a:off x="4825999" y="3413812"/>
-              <a:ext cx="502923" cy="21938"/>
-            </a:xfrm>
-            <a:prstGeom prst="line">
-              <a:avLst/>
-            </a:prstGeom>
-          </p:spPr>
-          <p:style>
-            <a:lnRef idx="1">
-              <a:schemeClr val="dk1"/>
-            </a:lnRef>
-            <a:fillRef idx="0">
-              <a:schemeClr val="dk1"/>
-            </a:fillRef>
-            <a:effectRef idx="0">
-              <a:schemeClr val="dk1"/>
-            </a:effectRef>
-            <a:fontRef idx="minor">
-              <a:schemeClr val="tx1"/>
-            </a:fontRef>
-          </p:style>
-        </p:cxnSp>
-        <p:cxnSp>
-          <p:nvCxnSpPr>
-            <p:cNvPr id="77" name="Straight Connector 76"/>
-            <p:cNvCxnSpPr>
-              <a:stCxn id="54" idx="1"/>
-              <a:endCxn id="43" idx="3"/>
-            </p:cNvCxnSpPr>
-            <p:nvPr/>
-          </p:nvCxnSpPr>
-          <p:spPr>
-            <a:xfrm flipH="1" flipV="1">
-              <a:off x="4825999" y="3413812"/>
-              <a:ext cx="492762" cy="910553"/>
-            </a:xfrm>
-            <a:prstGeom prst="line">
-              <a:avLst/>
-            </a:prstGeom>
-          </p:spPr>
-          <p:style>
-            <a:lnRef idx="1">
-              <a:schemeClr val="dk1"/>
-            </a:lnRef>
-            <a:fillRef idx="0">
-              <a:schemeClr val="dk1"/>
-            </a:fillRef>
-            <a:effectRef idx="0">
-              <a:schemeClr val="dk1"/>
-            </a:effectRef>
-            <a:fontRef idx="minor">
-              <a:schemeClr val="tx1"/>
-            </a:fontRef>
-          </p:style>
-        </p:cxnSp>
-        <p:cxnSp>
-          <p:nvCxnSpPr>
-            <p:cNvPr id="81" name="Straight Connector 80"/>
-            <p:cNvCxnSpPr>
-              <a:stCxn id="50" idx="1"/>
-              <a:endCxn id="42" idx="3"/>
-            </p:cNvCxnSpPr>
-            <p:nvPr/>
-          </p:nvCxnSpPr>
-          <p:spPr>
-            <a:xfrm flipH="1" flipV="1">
-              <a:off x="4825999" y="1905660"/>
-              <a:ext cx="589282" cy="389718"/>
-            </a:xfrm>
-            <a:prstGeom prst="line">
-              <a:avLst/>
-            </a:prstGeom>
-          </p:spPr>
-          <p:style>
-            <a:lnRef idx="1">
-              <a:schemeClr val="dk1"/>
-            </a:lnRef>
-            <a:fillRef idx="0">
-              <a:schemeClr val="dk1"/>
-            </a:fillRef>
-            <a:effectRef idx="0">
-              <a:schemeClr val="dk1"/>
-            </a:effectRef>
-            <a:fontRef idx="minor">
-              <a:schemeClr val="tx1"/>
-            </a:fontRef>
-          </p:style>
-        </p:cxnSp>
-        <p:cxnSp>
-          <p:nvCxnSpPr>
-            <p:cNvPr id="86" name="Straight Connector 85"/>
-            <p:cNvCxnSpPr>
-              <a:stCxn id="60" idx="1"/>
-              <a:endCxn id="44" idx="3"/>
-            </p:cNvCxnSpPr>
-            <p:nvPr/>
-          </p:nvCxnSpPr>
-          <p:spPr>
-            <a:xfrm flipH="1">
-              <a:off x="4825999" y="4972253"/>
-              <a:ext cx="543627" cy="631094"/>
-            </a:xfrm>
-            <a:prstGeom prst="line">
-              <a:avLst/>
-            </a:prstGeom>
-          </p:spPr>
-          <p:style>
-            <a:lnRef idx="1">
-              <a:schemeClr val="dk1"/>
-            </a:lnRef>
-            <a:fillRef idx="0">
-              <a:schemeClr val="dk1"/>
-            </a:fillRef>
-            <a:effectRef idx="0">
-              <a:schemeClr val="dk1"/>
-            </a:effectRef>
-            <a:fontRef idx="minor">
-              <a:schemeClr val="tx1"/>
-            </a:fontRef>
-          </p:style>
-        </p:cxnSp>
-        <p:cxnSp>
-          <p:nvCxnSpPr>
-            <p:cNvPr id="87" name="Straight Connector 86"/>
-            <p:cNvCxnSpPr>
-              <a:stCxn id="61" idx="1"/>
-              <a:endCxn id="44" idx="3"/>
-            </p:cNvCxnSpPr>
-            <p:nvPr/>
-          </p:nvCxnSpPr>
-          <p:spPr>
-            <a:xfrm flipH="1" flipV="1">
-              <a:off x="4825999" y="5603347"/>
-              <a:ext cx="556327" cy="291888"/>
-            </a:xfrm>
-            <a:prstGeom prst="line">
-              <a:avLst/>
-            </a:prstGeom>
-          </p:spPr>
-          <p:style>
-            <a:lnRef idx="1">
-              <a:schemeClr val="dk1"/>
-            </a:lnRef>
-            <a:fillRef idx="0">
-              <a:schemeClr val="dk1"/>
-            </a:fillRef>
-            <a:effectRef idx="0">
-              <a:schemeClr val="dk1"/>
-            </a:effectRef>
-            <a:fontRef idx="minor">
-              <a:schemeClr val="tx1"/>
-            </a:fontRef>
-          </p:style>
-        </p:cxnSp>
-        <p:cxnSp>
-          <p:nvCxnSpPr>
-            <p:cNvPr id="88" name="Straight Connector 87"/>
-            <p:cNvCxnSpPr>
-              <a:stCxn id="59" idx="1"/>
-              <a:endCxn id="44" idx="3"/>
-            </p:cNvCxnSpPr>
-            <p:nvPr/>
-          </p:nvCxnSpPr>
-          <p:spPr>
-            <a:xfrm flipH="1" flipV="1">
-              <a:off x="4825999" y="5603347"/>
-              <a:ext cx="546167" cy="601687"/>
-            </a:xfrm>
-            <a:prstGeom prst="line">
-              <a:avLst/>
-            </a:prstGeom>
-          </p:spPr>
-          <p:style>
-            <a:lnRef idx="1">
-              <a:schemeClr val="dk1"/>
-            </a:lnRef>
-            <a:fillRef idx="0">
-              <a:schemeClr val="dk1"/>
-            </a:fillRef>
-            <a:effectRef idx="0">
-              <a:schemeClr val="dk1"/>
-            </a:effectRef>
-            <a:fontRef idx="minor">
-              <a:schemeClr val="tx1"/>
-            </a:fontRef>
-          </p:style>
-        </p:cxnSp>
-        <p:cxnSp>
-          <p:nvCxnSpPr>
-            <p:cNvPr id="89" name="Straight Connector 88"/>
-            <p:cNvCxnSpPr>
-              <a:stCxn id="92" idx="1"/>
-              <a:endCxn id="44" idx="3"/>
-            </p:cNvCxnSpPr>
-            <p:nvPr/>
-          </p:nvCxnSpPr>
-          <p:spPr>
-            <a:xfrm flipH="1">
-              <a:off x="4825999" y="5603347"/>
-              <a:ext cx="561408" cy="0"/>
-            </a:xfrm>
-            <a:prstGeom prst="line">
-              <a:avLst/>
-            </a:prstGeom>
-          </p:spPr>
-          <p:style>
-            <a:lnRef idx="1">
-              <a:schemeClr val="dk1"/>
-            </a:lnRef>
-            <a:fillRef idx="0">
-              <a:schemeClr val="dk1"/>
-            </a:fillRef>
-            <a:effectRef idx="0">
-              <a:schemeClr val="dk1"/>
-            </a:effectRef>
-            <a:fontRef idx="minor">
-              <a:schemeClr val="tx1"/>
-            </a:fontRef>
-          </p:style>
-        </p:cxnSp>
-        <p:sp>
-          <p:nvSpPr>
-            <p:cNvPr id="92" name="Rounded Rectangle 91"/>
-            <p:cNvSpPr/>
-            <p:nvPr/>
-          </p:nvSpPr>
-          <p:spPr>
-            <a:xfrm>
-              <a:off x="5387407" y="5493707"/>
-              <a:ext cx="993917" cy="219279"/>
-            </a:xfrm>
-            <a:prstGeom prst="roundRect">
-              <a:avLst>
-                <a:gd name="adj" fmla="val 0"/>
-              </a:avLst>
-            </a:prstGeom>
-            <a:solidFill>
-              <a:schemeClr val="lt1"/>
-            </a:solidFill>
-            <a:ln w="12700"/>
-          </p:spPr>
-          <p:style>
-            <a:lnRef idx="2">
-              <a:schemeClr val="dk1"/>
-            </a:lnRef>
-            <a:fillRef idx="1">
-              <a:schemeClr val="lt1"/>
-            </a:fillRef>
-            <a:effectRef idx="0">
-              <a:schemeClr val="dk1"/>
-            </a:effectRef>
-            <a:fontRef idx="minor">
-              <a:schemeClr val="dk1"/>
-            </a:fontRef>
-          </p:style>
-          <p:txBody>
-            <a:bodyPr rtlCol="0" anchor="ctr"/>
-            <a:lstStyle/>
-            <a:p>
-              <a:pPr algn="ctr"/>
-              <a:r>
-                <a:rPr lang="en-US" sz="1000" dirty="0" smtClean="0"/>
-                <a:t>Privacy</a:t>
+                <a:t>Correctness</a:t>
               </a:r>
               <a:endParaRPr lang="en-US" sz="1000" dirty="0"/>
             </a:p>
           </p:txBody>
         </p:sp>
       </p:grpSp>
+      <p:sp>
+        <p:nvSpPr>
+          <p:cNvPr id="57" name="Rounded Rectangle 56"/>
+          <p:cNvSpPr/>
+          <p:nvPr/>
+        </p:nvSpPr>
+        <p:spPr>
+          <a:xfrm>
+            <a:off x="5508785" y="1389409"/>
+            <a:ext cx="1851659" cy="254000"/>
+          </a:xfrm>
+          <a:prstGeom prst="roundRect">
+            <a:avLst>
+              <a:gd name="adj" fmla="val 0"/>
+            </a:avLst>
+          </a:prstGeom>
+          <a:solidFill>
+            <a:schemeClr val="lt1"/>
+          </a:solidFill>
+          <a:ln w="12700"/>
+        </p:spPr>
+        <p:style>
+          <a:lnRef idx="2">
+            <a:schemeClr val="dk1"/>
+          </a:lnRef>
+          <a:fillRef idx="1">
+            <a:schemeClr val="lt1"/>
+          </a:fillRef>
+          <a:effectRef idx="0">
+            <a:schemeClr val="dk1"/>
+          </a:effectRef>
+          <a:fontRef idx="minor">
+            <a:schemeClr val="dk1"/>
+          </a:fontRef>
+        </p:style>
+        <p:txBody>
+          <a:bodyPr rtlCol="0" anchor="ctr"/>
+          <a:lstStyle/>
+          <a:p>
+            <a:pPr algn="ctr"/>
+            <a:r>
+              <a:rPr lang="en-US" sz="1000" dirty="0" smtClean="0"/>
+              <a:t>Fault Tolerance</a:t>
+            </a:r>
+            <a:endParaRPr lang="en-US" sz="1000" dirty="0"/>
+          </a:p>
+        </p:txBody>
+      </p:sp>
+      <p:sp>
+        <p:nvSpPr>
+          <p:cNvPr id="58" name="Rounded Rectangle 57"/>
+          <p:cNvSpPr/>
+          <p:nvPr/>
+        </p:nvSpPr>
+        <p:spPr>
+          <a:xfrm>
+            <a:off x="5493546" y="2132994"/>
+            <a:ext cx="1178560" cy="227330"/>
+          </a:xfrm>
+          <a:prstGeom prst="roundRect">
+            <a:avLst>
+              <a:gd name="adj" fmla="val 0"/>
+            </a:avLst>
+          </a:prstGeom>
+          <a:solidFill>
+            <a:schemeClr val="lt1"/>
+          </a:solidFill>
+          <a:ln w="12700"/>
+        </p:spPr>
+        <p:style>
+          <a:lnRef idx="2">
+            <a:schemeClr val="dk1"/>
+          </a:lnRef>
+          <a:fillRef idx="1">
+            <a:schemeClr val="lt1"/>
+          </a:fillRef>
+          <a:effectRef idx="0">
+            <a:schemeClr val="dk1"/>
+          </a:effectRef>
+          <a:fontRef idx="minor">
+            <a:schemeClr val="dk1"/>
+          </a:fontRef>
+        </p:style>
+        <p:txBody>
+          <a:bodyPr rtlCol="0" anchor="ctr"/>
+          <a:lstStyle/>
+          <a:p>
+            <a:pPr algn="ctr"/>
+            <a:r>
+              <a:rPr lang="en-US" sz="1000" dirty="0" smtClean="0"/>
+              <a:t>Customer Service</a:t>
+            </a:r>
+            <a:endParaRPr lang="en-US" sz="1000" dirty="0"/>
+          </a:p>
+        </p:txBody>
+      </p:sp>
+      <p:sp>
+        <p:nvSpPr>
+          <p:cNvPr id="59" name="Rounded Rectangle 58"/>
+          <p:cNvSpPr/>
+          <p:nvPr/>
+        </p:nvSpPr>
+        <p:spPr>
+          <a:xfrm>
+            <a:off x="5536790" y="4895656"/>
+            <a:ext cx="1011197" cy="240573"/>
+          </a:xfrm>
+          <a:prstGeom prst="roundRect">
+            <a:avLst>
+              <a:gd name="adj" fmla="val 0"/>
+            </a:avLst>
+          </a:prstGeom>
+          <a:solidFill>
+            <a:schemeClr val="lt1"/>
+          </a:solidFill>
+          <a:ln w="12700"/>
+        </p:spPr>
+        <p:style>
+          <a:lnRef idx="2">
+            <a:schemeClr val="dk1"/>
+          </a:lnRef>
+          <a:fillRef idx="1">
+            <a:schemeClr val="lt1"/>
+          </a:fillRef>
+          <a:effectRef idx="0">
+            <a:schemeClr val="dk1"/>
+          </a:effectRef>
+          <a:fontRef idx="minor">
+            <a:schemeClr val="dk1"/>
+          </a:fontRef>
+        </p:style>
+        <p:txBody>
+          <a:bodyPr rtlCol="0" anchor="ctr"/>
+          <a:lstStyle/>
+          <a:p>
+            <a:pPr algn="ctr"/>
+            <a:r>
+              <a:rPr lang="en-US" sz="1000" dirty="0" smtClean="0"/>
+              <a:t>Confidentiality</a:t>
+            </a:r>
+            <a:endParaRPr lang="en-US" sz="1000" dirty="0"/>
+          </a:p>
+        </p:txBody>
+      </p:sp>
+      <p:sp>
+        <p:nvSpPr>
+          <p:cNvPr id="60" name="Rounded Rectangle 59"/>
+          <p:cNvSpPr/>
+          <p:nvPr/>
+        </p:nvSpPr>
+        <p:spPr>
+          <a:xfrm>
+            <a:off x="5534250" y="3669497"/>
+            <a:ext cx="2098997" cy="227330"/>
+          </a:xfrm>
+          <a:prstGeom prst="roundRect">
+            <a:avLst>
+              <a:gd name="adj" fmla="val 0"/>
+            </a:avLst>
+          </a:prstGeom>
+          <a:solidFill>
+            <a:schemeClr val="lt1"/>
+          </a:solidFill>
+          <a:ln w="12700"/>
+        </p:spPr>
+        <p:style>
+          <a:lnRef idx="2">
+            <a:schemeClr val="dk1"/>
+          </a:lnRef>
+          <a:fillRef idx="1">
+            <a:schemeClr val="lt1"/>
+          </a:fillRef>
+          <a:effectRef idx="0">
+            <a:schemeClr val="dk1"/>
+          </a:effectRef>
+          <a:fontRef idx="minor">
+            <a:schemeClr val="dk1"/>
+          </a:fontRef>
+        </p:style>
+        <p:txBody>
+          <a:bodyPr rtlCol="0" anchor="ctr"/>
+          <a:lstStyle/>
+          <a:p>
+            <a:pPr algn="ctr"/>
+            <a:r>
+              <a:rPr lang="en-US" sz="1000" dirty="0" smtClean="0"/>
+              <a:t>Safety</a:t>
+            </a:r>
+            <a:endParaRPr lang="en-US" sz="1000" dirty="0"/>
+          </a:p>
+        </p:txBody>
+      </p:sp>
+      <p:sp>
+        <p:nvSpPr>
+          <p:cNvPr id="61" name="Rounded Rectangle 60"/>
+          <p:cNvSpPr/>
+          <p:nvPr/>
+        </p:nvSpPr>
+        <p:spPr>
+          <a:xfrm>
+            <a:off x="5546950" y="4592479"/>
+            <a:ext cx="1001037" cy="227330"/>
+          </a:xfrm>
+          <a:prstGeom prst="roundRect">
+            <a:avLst>
+              <a:gd name="adj" fmla="val 0"/>
+            </a:avLst>
+          </a:prstGeom>
+          <a:solidFill>
+            <a:schemeClr val="lt1"/>
+          </a:solidFill>
+          <a:ln w="12700"/>
+        </p:spPr>
+        <p:style>
+          <a:lnRef idx="2">
+            <a:schemeClr val="dk1"/>
+          </a:lnRef>
+          <a:fillRef idx="1">
+            <a:schemeClr val="lt1"/>
+          </a:fillRef>
+          <a:effectRef idx="0">
+            <a:schemeClr val="dk1"/>
+          </a:effectRef>
+          <a:fontRef idx="minor">
+            <a:schemeClr val="dk1"/>
+          </a:fontRef>
+        </p:style>
+        <p:txBody>
+          <a:bodyPr rtlCol="0" anchor="ctr"/>
+          <a:lstStyle/>
+          <a:p>
+            <a:pPr algn="ctr"/>
+            <a:r>
+              <a:rPr lang="en-US" sz="1000" dirty="0" smtClean="0"/>
+              <a:t>Integrity</a:t>
+            </a:r>
+            <a:endParaRPr lang="en-US" sz="1000" dirty="0"/>
+          </a:p>
+        </p:txBody>
+      </p:sp>
+      <p:sp>
+        <p:nvSpPr>
+          <p:cNvPr id="62" name="Rounded Rectangle 61"/>
+          <p:cNvSpPr/>
+          <p:nvPr/>
+        </p:nvSpPr>
+        <p:spPr>
+          <a:xfrm>
+            <a:off x="5542148" y="4006045"/>
+            <a:ext cx="1005839" cy="227330"/>
+          </a:xfrm>
+          <a:prstGeom prst="roundRect">
+            <a:avLst>
+              <a:gd name="adj" fmla="val 0"/>
+            </a:avLst>
+          </a:prstGeom>
+          <a:solidFill>
+            <a:schemeClr val="lt1"/>
+          </a:solidFill>
+          <a:ln w="12700"/>
+        </p:spPr>
+        <p:style>
+          <a:lnRef idx="2">
+            <a:schemeClr val="dk1"/>
+          </a:lnRef>
+          <a:fillRef idx="1">
+            <a:schemeClr val="lt1"/>
+          </a:fillRef>
+          <a:effectRef idx="0">
+            <a:schemeClr val="dk1"/>
+          </a:effectRef>
+          <a:fontRef idx="minor">
+            <a:schemeClr val="dk1"/>
+          </a:fontRef>
+        </p:style>
+        <p:txBody>
+          <a:bodyPr rtlCol="0" anchor="ctr"/>
+          <a:lstStyle/>
+          <a:p>
+            <a:pPr algn="ctr"/>
+            <a:r>
+              <a:rPr lang="en-US" sz="1000" dirty="0" smtClean="0"/>
+              <a:t>Authenticity</a:t>
+            </a:r>
+            <a:endParaRPr lang="en-US" sz="1000" dirty="0"/>
+          </a:p>
+        </p:txBody>
+      </p:sp>
+      <p:cxnSp>
+        <p:nvCxnSpPr>
+          <p:cNvPr id="63" name="Straight Connector 62"/>
+          <p:cNvCxnSpPr>
+            <a:stCxn id="46" idx="1"/>
+            <a:endCxn id="41" idx="3"/>
+          </p:cNvCxnSpPr>
+          <p:nvPr/>
+        </p:nvCxnSpPr>
+        <p:spPr>
+          <a:xfrm flipH="1">
+            <a:off x="2009163" y="1874836"/>
+            <a:ext cx="283549" cy="337185"/>
+          </a:xfrm>
+          <a:prstGeom prst="line">
+            <a:avLst/>
+          </a:prstGeom>
+        </p:spPr>
+        <p:style>
+          <a:lnRef idx="1">
+            <a:schemeClr val="dk1"/>
+          </a:lnRef>
+          <a:fillRef idx="0">
+            <a:schemeClr val="dk1"/>
+          </a:fillRef>
+          <a:effectRef idx="0">
+            <a:schemeClr val="dk1"/>
+          </a:effectRef>
+          <a:fontRef idx="minor">
+            <a:schemeClr val="tx1"/>
+          </a:fontRef>
+        </p:style>
+      </p:cxnSp>
+      <p:cxnSp>
+        <p:nvCxnSpPr>
+          <p:cNvPr id="64" name="Straight Connector 63"/>
+          <p:cNvCxnSpPr>
+            <a:stCxn id="47" idx="1"/>
+            <a:endCxn id="41" idx="3"/>
+          </p:cNvCxnSpPr>
+          <p:nvPr/>
+        </p:nvCxnSpPr>
+        <p:spPr>
+          <a:xfrm flipH="1" flipV="1">
+            <a:off x="2009163" y="2212021"/>
+            <a:ext cx="273389" cy="4445"/>
+          </a:xfrm>
+          <a:prstGeom prst="line">
+            <a:avLst/>
+          </a:prstGeom>
+        </p:spPr>
+        <p:style>
+          <a:lnRef idx="1">
+            <a:schemeClr val="dk1"/>
+          </a:lnRef>
+          <a:fillRef idx="0">
+            <a:schemeClr val="dk1"/>
+          </a:fillRef>
+          <a:effectRef idx="0">
+            <a:schemeClr val="dk1"/>
+          </a:effectRef>
+          <a:fontRef idx="minor">
+            <a:schemeClr val="tx1"/>
+          </a:fontRef>
+        </p:style>
+      </p:cxnSp>
+      <p:cxnSp>
+        <p:nvCxnSpPr>
+          <p:cNvPr id="65" name="Straight Connector 64"/>
+          <p:cNvCxnSpPr>
+            <a:stCxn id="45" idx="1"/>
+            <a:endCxn id="41" idx="3"/>
+          </p:cNvCxnSpPr>
+          <p:nvPr/>
+        </p:nvCxnSpPr>
+        <p:spPr>
+          <a:xfrm flipH="1" flipV="1">
+            <a:off x="2009163" y="2212021"/>
+            <a:ext cx="283549" cy="369752"/>
+          </a:xfrm>
+          <a:prstGeom prst="line">
+            <a:avLst/>
+          </a:prstGeom>
+        </p:spPr>
+        <p:style>
+          <a:lnRef idx="1">
+            <a:schemeClr val="dk1"/>
+          </a:lnRef>
+          <a:fillRef idx="0">
+            <a:schemeClr val="dk1"/>
+          </a:fillRef>
+          <a:effectRef idx="0">
+            <a:schemeClr val="dk1"/>
+          </a:effectRef>
+          <a:fontRef idx="minor">
+            <a:schemeClr val="tx1"/>
+          </a:fontRef>
+        </p:style>
+      </p:cxnSp>
+      <p:cxnSp>
+        <p:nvCxnSpPr>
+          <p:cNvPr id="66" name="Straight Connector 65"/>
+          <p:cNvCxnSpPr>
+            <a:stCxn id="48" idx="1"/>
+            <a:endCxn id="42" idx="3"/>
+          </p:cNvCxnSpPr>
+          <p:nvPr/>
+        </p:nvCxnSpPr>
+        <p:spPr>
+          <a:xfrm flipH="1">
+            <a:off x="1886111" y="3969692"/>
+            <a:ext cx="295307" cy="380999"/>
+          </a:xfrm>
+          <a:prstGeom prst="line">
+            <a:avLst/>
+          </a:prstGeom>
+        </p:spPr>
+        <p:style>
+          <a:lnRef idx="1">
+            <a:schemeClr val="dk1"/>
+          </a:lnRef>
+          <a:fillRef idx="0">
+            <a:schemeClr val="dk1"/>
+          </a:fillRef>
+          <a:effectRef idx="0">
+            <a:schemeClr val="dk1"/>
+          </a:effectRef>
+          <a:fontRef idx="minor">
+            <a:schemeClr val="tx1"/>
+          </a:fontRef>
+        </p:style>
+      </p:cxnSp>
+      <p:cxnSp>
+        <p:nvCxnSpPr>
+          <p:cNvPr id="67" name="Straight Connector 66"/>
+          <p:cNvCxnSpPr>
+            <a:stCxn id="49" idx="1"/>
+            <a:endCxn id="42" idx="3"/>
+          </p:cNvCxnSpPr>
+          <p:nvPr/>
+        </p:nvCxnSpPr>
+        <p:spPr>
+          <a:xfrm flipH="1">
+            <a:off x="1886111" y="4335740"/>
+            <a:ext cx="295307" cy="14951"/>
+          </a:xfrm>
+          <a:prstGeom prst="line">
+            <a:avLst/>
+          </a:prstGeom>
+        </p:spPr>
+        <p:style>
+          <a:lnRef idx="1">
+            <a:schemeClr val="dk1"/>
+          </a:lnRef>
+          <a:fillRef idx="0">
+            <a:schemeClr val="dk1"/>
+          </a:fillRef>
+          <a:effectRef idx="0">
+            <a:schemeClr val="dk1"/>
+          </a:effectRef>
+          <a:fontRef idx="minor">
+            <a:schemeClr val="tx1"/>
+          </a:fontRef>
+        </p:style>
+      </p:cxnSp>
+      <p:cxnSp>
+        <p:nvCxnSpPr>
+          <p:cNvPr id="68" name="Straight Connector 67"/>
+          <p:cNvCxnSpPr>
+            <a:stCxn id="51" idx="1"/>
+            <a:endCxn id="43" idx="3"/>
+          </p:cNvCxnSpPr>
+          <p:nvPr/>
+        </p:nvCxnSpPr>
+        <p:spPr>
+          <a:xfrm flipH="1">
+            <a:off x="5131731" y="1874550"/>
+            <a:ext cx="377054" cy="350171"/>
+          </a:xfrm>
+          <a:prstGeom prst="line">
+            <a:avLst/>
+          </a:prstGeom>
+        </p:spPr>
+        <p:style>
+          <a:lnRef idx="1">
+            <a:schemeClr val="dk1"/>
+          </a:lnRef>
+          <a:fillRef idx="0">
+            <a:schemeClr val="dk1"/>
+          </a:fillRef>
+          <a:effectRef idx="0">
+            <a:schemeClr val="dk1"/>
+          </a:effectRef>
+          <a:fontRef idx="minor">
+            <a:schemeClr val="tx1"/>
+          </a:fontRef>
+        </p:style>
+      </p:cxnSp>
+      <p:cxnSp>
+        <p:nvCxnSpPr>
+          <p:cNvPr id="73" name="Straight Connector 72"/>
+          <p:cNvCxnSpPr>
+            <a:stCxn id="57" idx="1"/>
+            <a:endCxn id="43" idx="3"/>
+          </p:cNvCxnSpPr>
+          <p:nvPr/>
+        </p:nvCxnSpPr>
+        <p:spPr>
+          <a:xfrm flipH="1">
+            <a:off x="5131731" y="1516409"/>
+            <a:ext cx="377054" cy="708312"/>
+          </a:xfrm>
+          <a:prstGeom prst="line">
+            <a:avLst/>
+          </a:prstGeom>
+        </p:spPr>
+        <p:style>
+          <a:lnRef idx="1">
+            <a:schemeClr val="dk1"/>
+          </a:lnRef>
+          <a:fillRef idx="0">
+            <a:schemeClr val="dk1"/>
+          </a:fillRef>
+          <a:effectRef idx="0">
+            <a:schemeClr val="dk1"/>
+          </a:effectRef>
+          <a:fontRef idx="minor">
+            <a:schemeClr val="tx1"/>
+          </a:fontRef>
+        </p:style>
+      </p:cxnSp>
+      <p:cxnSp>
+        <p:nvCxnSpPr>
+          <p:cNvPr id="74" name="Straight Connector 73"/>
+          <p:cNvCxnSpPr>
+            <a:stCxn id="52" idx="1"/>
+            <a:endCxn id="43" idx="3"/>
+          </p:cNvCxnSpPr>
+          <p:nvPr/>
+        </p:nvCxnSpPr>
+        <p:spPr>
+          <a:xfrm flipH="1" flipV="1">
+            <a:off x="5131731" y="2224721"/>
+            <a:ext cx="346574" cy="404206"/>
+          </a:xfrm>
+          <a:prstGeom prst="line">
+            <a:avLst/>
+          </a:prstGeom>
+        </p:spPr>
+        <p:style>
+          <a:lnRef idx="1">
+            <a:schemeClr val="dk1"/>
+          </a:lnRef>
+          <a:fillRef idx="0">
+            <a:schemeClr val="dk1"/>
+          </a:fillRef>
+          <a:effectRef idx="0">
+            <a:schemeClr val="dk1"/>
+          </a:effectRef>
+          <a:fontRef idx="minor">
+            <a:schemeClr val="tx1"/>
+          </a:fontRef>
+        </p:style>
+      </p:cxnSp>
+      <p:cxnSp>
+        <p:nvCxnSpPr>
+          <p:cNvPr id="76" name="Straight Connector 75"/>
+          <p:cNvCxnSpPr>
+            <a:stCxn id="58" idx="1"/>
+            <a:endCxn id="43" idx="3"/>
+          </p:cNvCxnSpPr>
+          <p:nvPr/>
+        </p:nvCxnSpPr>
+        <p:spPr>
+          <a:xfrm flipH="1" flipV="1">
+            <a:off x="5131731" y="2224721"/>
+            <a:ext cx="361815" cy="21938"/>
+          </a:xfrm>
+          <a:prstGeom prst="line">
+            <a:avLst/>
+          </a:prstGeom>
+        </p:spPr>
+        <p:style>
+          <a:lnRef idx="1">
+            <a:schemeClr val="dk1"/>
+          </a:lnRef>
+          <a:fillRef idx="0">
+            <a:schemeClr val="dk1"/>
+          </a:fillRef>
+          <a:effectRef idx="0">
+            <a:schemeClr val="dk1"/>
+          </a:effectRef>
+          <a:fontRef idx="minor">
+            <a:schemeClr val="tx1"/>
+          </a:fontRef>
+        </p:style>
+      </p:cxnSp>
+      <p:cxnSp>
+        <p:nvCxnSpPr>
+          <p:cNvPr id="77" name="Straight Connector 76"/>
+          <p:cNvCxnSpPr>
+            <a:stCxn id="54" idx="1"/>
+            <a:endCxn id="43" idx="3"/>
+          </p:cNvCxnSpPr>
+          <p:nvPr/>
+        </p:nvCxnSpPr>
+        <p:spPr>
+          <a:xfrm flipH="1" flipV="1">
+            <a:off x="5131731" y="2224721"/>
+            <a:ext cx="351654" cy="910553"/>
+          </a:xfrm>
+          <a:prstGeom prst="line">
+            <a:avLst/>
+          </a:prstGeom>
+        </p:spPr>
+        <p:style>
+          <a:lnRef idx="1">
+            <a:schemeClr val="dk1"/>
+          </a:lnRef>
+          <a:fillRef idx="0">
+            <a:schemeClr val="dk1"/>
+          </a:fillRef>
+          <a:effectRef idx="0">
+            <a:schemeClr val="dk1"/>
+          </a:effectRef>
+          <a:fontRef idx="minor">
+            <a:schemeClr val="tx1"/>
+          </a:fontRef>
+        </p:style>
+      </p:cxnSp>
+      <p:cxnSp>
+        <p:nvCxnSpPr>
+          <p:cNvPr id="81" name="Straight Connector 80"/>
+          <p:cNvCxnSpPr>
+            <a:stCxn id="50" idx="1"/>
+            <a:endCxn id="42" idx="3"/>
+          </p:cNvCxnSpPr>
+          <p:nvPr/>
+        </p:nvCxnSpPr>
+        <p:spPr>
+          <a:xfrm flipH="1" flipV="1">
+            <a:off x="1886111" y="4350691"/>
+            <a:ext cx="295307" cy="389718"/>
+          </a:xfrm>
+          <a:prstGeom prst="line">
+            <a:avLst/>
+          </a:prstGeom>
+        </p:spPr>
+        <p:style>
+          <a:lnRef idx="1">
+            <a:schemeClr val="dk1"/>
+          </a:lnRef>
+          <a:fillRef idx="0">
+            <a:schemeClr val="dk1"/>
+          </a:fillRef>
+          <a:effectRef idx="0">
+            <a:schemeClr val="dk1"/>
+          </a:effectRef>
+          <a:fontRef idx="minor">
+            <a:schemeClr val="tx1"/>
+          </a:fontRef>
+        </p:style>
+      </p:cxnSp>
+      <p:cxnSp>
+        <p:nvCxnSpPr>
+          <p:cNvPr id="86" name="Straight Connector 85"/>
+          <p:cNvCxnSpPr>
+            <a:stCxn id="60" idx="1"/>
+            <a:endCxn id="44" idx="3"/>
+          </p:cNvCxnSpPr>
+          <p:nvPr/>
+        </p:nvCxnSpPr>
+        <p:spPr>
+          <a:xfrm flipH="1">
+            <a:off x="5167008" y="3783162"/>
+            <a:ext cx="367242" cy="631094"/>
+          </a:xfrm>
+          <a:prstGeom prst="line">
+            <a:avLst/>
+          </a:prstGeom>
+        </p:spPr>
+        <p:style>
+          <a:lnRef idx="1">
+            <a:schemeClr val="dk1"/>
+          </a:lnRef>
+          <a:fillRef idx="0">
+            <a:schemeClr val="dk1"/>
+          </a:fillRef>
+          <a:effectRef idx="0">
+            <a:schemeClr val="dk1"/>
+          </a:effectRef>
+          <a:fontRef idx="minor">
+            <a:schemeClr val="tx1"/>
+          </a:fontRef>
+        </p:style>
+      </p:cxnSp>
+      <p:cxnSp>
+        <p:nvCxnSpPr>
+          <p:cNvPr id="87" name="Straight Connector 86"/>
+          <p:cNvCxnSpPr>
+            <a:stCxn id="61" idx="1"/>
+            <a:endCxn id="44" idx="3"/>
+          </p:cNvCxnSpPr>
+          <p:nvPr/>
+        </p:nvCxnSpPr>
+        <p:spPr>
+          <a:xfrm flipH="1" flipV="1">
+            <a:off x="5167008" y="4414256"/>
+            <a:ext cx="379942" cy="291888"/>
+          </a:xfrm>
+          <a:prstGeom prst="line">
+            <a:avLst/>
+          </a:prstGeom>
+        </p:spPr>
+        <p:style>
+          <a:lnRef idx="1">
+            <a:schemeClr val="dk1"/>
+          </a:lnRef>
+          <a:fillRef idx="0">
+            <a:schemeClr val="dk1"/>
+          </a:fillRef>
+          <a:effectRef idx="0">
+            <a:schemeClr val="dk1"/>
+          </a:effectRef>
+          <a:fontRef idx="minor">
+            <a:schemeClr val="tx1"/>
+          </a:fontRef>
+        </p:style>
+      </p:cxnSp>
+      <p:cxnSp>
+        <p:nvCxnSpPr>
+          <p:cNvPr id="88" name="Straight Connector 87"/>
+          <p:cNvCxnSpPr>
+            <a:stCxn id="59" idx="1"/>
+            <a:endCxn id="44" idx="3"/>
+          </p:cNvCxnSpPr>
+          <p:nvPr/>
+        </p:nvCxnSpPr>
+        <p:spPr>
+          <a:xfrm flipH="1" flipV="1">
+            <a:off x="5167008" y="4414256"/>
+            <a:ext cx="369782" cy="601687"/>
+          </a:xfrm>
+          <a:prstGeom prst="line">
+            <a:avLst/>
+          </a:prstGeom>
+        </p:spPr>
+        <p:style>
+          <a:lnRef idx="1">
+            <a:schemeClr val="dk1"/>
+          </a:lnRef>
+          <a:fillRef idx="0">
+            <a:schemeClr val="dk1"/>
+          </a:fillRef>
+          <a:effectRef idx="0">
+            <a:schemeClr val="dk1"/>
+          </a:effectRef>
+          <a:fontRef idx="minor">
+            <a:schemeClr val="tx1"/>
+          </a:fontRef>
+        </p:style>
+      </p:cxnSp>
+      <p:cxnSp>
+        <p:nvCxnSpPr>
+          <p:cNvPr id="89" name="Straight Connector 88"/>
+          <p:cNvCxnSpPr>
+            <a:stCxn id="92" idx="1"/>
+            <a:endCxn id="44" idx="3"/>
+          </p:cNvCxnSpPr>
+          <p:nvPr/>
+        </p:nvCxnSpPr>
+        <p:spPr>
+          <a:xfrm flipH="1">
+            <a:off x="5167008" y="4414256"/>
+            <a:ext cx="385023" cy="0"/>
+          </a:xfrm>
+          <a:prstGeom prst="line">
+            <a:avLst/>
+          </a:prstGeom>
+        </p:spPr>
+        <p:style>
+          <a:lnRef idx="1">
+            <a:schemeClr val="dk1"/>
+          </a:lnRef>
+          <a:fillRef idx="0">
+            <a:schemeClr val="dk1"/>
+          </a:fillRef>
+          <a:effectRef idx="0">
+            <a:schemeClr val="dk1"/>
+          </a:effectRef>
+          <a:fontRef idx="minor">
+            <a:schemeClr val="tx1"/>
+          </a:fontRef>
+        </p:style>
+      </p:cxnSp>
+      <p:sp>
+        <p:nvSpPr>
+          <p:cNvPr id="92" name="Rounded Rectangle 91"/>
+          <p:cNvSpPr/>
+          <p:nvPr/>
+        </p:nvSpPr>
+        <p:spPr>
+          <a:xfrm>
+            <a:off x="5552031" y="4304616"/>
+            <a:ext cx="993917" cy="219279"/>
+          </a:xfrm>
+          <a:prstGeom prst="roundRect">
+            <a:avLst>
+              <a:gd name="adj" fmla="val 0"/>
+            </a:avLst>
+          </a:prstGeom>
+          <a:solidFill>
+            <a:schemeClr val="lt1"/>
+          </a:solidFill>
+          <a:ln w="12700"/>
+        </p:spPr>
+        <p:style>
+          <a:lnRef idx="2">
+            <a:schemeClr val="dk1"/>
+          </a:lnRef>
+          <a:fillRef idx="1">
+            <a:schemeClr val="lt1"/>
+          </a:fillRef>
+          <a:effectRef idx="0">
+            <a:schemeClr val="dk1"/>
+          </a:effectRef>
+          <a:fontRef idx="minor">
+            <a:schemeClr val="dk1"/>
+          </a:fontRef>
+        </p:style>
+        <p:txBody>
+          <a:bodyPr rtlCol="0" anchor="ctr"/>
+          <a:lstStyle/>
+          <a:p>
+            <a:pPr algn="ctr"/>
+            <a:r>
+              <a:rPr lang="en-US" sz="1000" dirty="0" smtClean="0"/>
+              <a:t>Privacy</a:t>
+            </a:r>
+            <a:endParaRPr lang="en-US" sz="1000" dirty="0"/>
+          </a:p>
+        </p:txBody>
+      </p:sp>
     </p:spTree>
     <p:extLst>
       <p:ext uri="{BB962C8B-B14F-4D97-AF65-F5344CB8AC3E}">

--- a/model.pptx
+++ b/model.pptx
@@ -3845,7 +3845,7 @@
           <a:graphicData uri="http://schemas.openxmlformats.org/presentationml/2006/ole">
             <mc:AlternateContent xmlns:mc="http://schemas.openxmlformats.org/markup-compatibility/2006">
               <mc:Choice xmlns:v="urn:schemas-microsoft-com:vml" Requires="v">
-                <p:oleObj spid="_x0000_s1081" name="Equation" r:id="rId3" imgW="3771900" imgH="203200" progId="Equation.3">
+                <p:oleObj spid="_x0000_s1083" name="Equation" r:id="rId3" imgW="3771900" imgH="203200" progId="Equation.3">
                   <p:embed/>
                 </p:oleObj>
               </mc:Choice>
@@ -3925,7 +3925,7 @@
         </p:nvSpPr>
         <p:spPr>
           <a:xfrm rot="16200000">
-            <a:off x="-451556" y="2095784"/>
+            <a:off x="-2050764" y="1547240"/>
             <a:ext cx="2903359" cy="646331"/>
           </a:xfrm>
           <a:prstGeom prst="rect">
@@ -3960,7 +3960,7 @@
         </p:nvSpPr>
         <p:spPr>
           <a:xfrm>
-            <a:off x="4941700" y="501015"/>
+            <a:off x="720266" y="1109089"/>
             <a:ext cx="1239519" cy="279400"/>
           </a:xfrm>
           <a:prstGeom prst="roundRect">
@@ -4004,7 +4004,7 @@
         </p:nvSpPr>
         <p:spPr>
           <a:xfrm>
-            <a:off x="5134741" y="1778660"/>
+            <a:off x="913307" y="2633652"/>
             <a:ext cx="975359" cy="254000"/>
           </a:xfrm>
           <a:prstGeom prst="roundRect">
@@ -4048,7 +4048,7 @@
         </p:nvSpPr>
         <p:spPr>
           <a:xfrm>
-            <a:off x="5134741" y="3286812"/>
+            <a:off x="7291179" y="1331289"/>
             <a:ext cx="975359" cy="254000"/>
           </a:xfrm>
           <a:prstGeom prst="roundRect">
@@ -4092,7 +4092,7 @@
         </p:nvSpPr>
         <p:spPr>
           <a:xfrm>
-            <a:off x="5134741" y="5476347"/>
+            <a:off x="7271303" y="3386210"/>
             <a:ext cx="975359" cy="254000"/>
           </a:xfrm>
           <a:prstGeom prst="roundRect">
@@ -4136,7 +4136,7 @@
         </p:nvSpPr>
         <p:spPr>
           <a:xfrm>
-            <a:off x="6770502" y="866468"/>
+            <a:off x="2161021" y="1474542"/>
             <a:ext cx="1619998" cy="287997"/>
           </a:xfrm>
           <a:prstGeom prst="roundRect">
@@ -4184,7 +4184,7 @@
         </p:nvSpPr>
         <p:spPr>
           <a:xfrm>
-            <a:off x="6770502" y="189865"/>
+            <a:off x="2161021" y="797939"/>
             <a:ext cx="772159" cy="227330"/>
           </a:xfrm>
           <a:prstGeom prst="roundRect">
@@ -4232,7 +4232,7 @@
         </p:nvSpPr>
         <p:spPr>
           <a:xfrm>
-            <a:off x="6760342" y="531495"/>
+            <a:off x="2150861" y="1139569"/>
             <a:ext cx="772159" cy="227330"/>
           </a:xfrm>
           <a:prstGeom prst="roundRect">
@@ -4280,7 +4280,7 @@
         </p:nvSpPr>
         <p:spPr>
           <a:xfrm>
-            <a:off x="6699382" y="1392581"/>
+            <a:off x="2089901" y="2259331"/>
             <a:ext cx="1780539" cy="264160"/>
           </a:xfrm>
           <a:prstGeom prst="roundRect">
@@ -4328,7 +4328,7 @@
         </p:nvSpPr>
         <p:spPr>
           <a:xfrm>
-            <a:off x="6699382" y="1706877"/>
+            <a:off x="2089901" y="2573627"/>
             <a:ext cx="1066800" cy="367664"/>
           </a:xfrm>
           <a:prstGeom prst="roundRect">
@@ -4376,7 +4376,7 @@
         </p:nvSpPr>
         <p:spPr>
           <a:xfrm>
-            <a:off x="6699382" y="2142515"/>
+            <a:off x="2089901" y="3056297"/>
             <a:ext cx="1494679" cy="305726"/>
           </a:xfrm>
           <a:prstGeom prst="roundRect">
@@ -4424,7 +4424,7 @@
         </p:nvSpPr>
         <p:spPr>
           <a:xfrm>
-            <a:off x="6628262" y="2925210"/>
+            <a:off x="4901449" y="938329"/>
             <a:ext cx="2065978" cy="276861"/>
           </a:xfrm>
           <a:prstGeom prst="roundRect">
@@ -4472,7 +4472,7 @@
         </p:nvSpPr>
         <p:spPr>
           <a:xfrm>
-            <a:off x="6597782" y="3685938"/>
+            <a:off x="5564750" y="1699057"/>
             <a:ext cx="1396998" cy="264160"/>
           </a:xfrm>
           <a:prstGeom prst="roundRect">
@@ -4520,7 +4520,7 @@
         </p:nvGrpSpPr>
         <p:grpSpPr>
           <a:xfrm>
-            <a:off x="6602862" y="4193872"/>
+            <a:off x="5052434" y="2206991"/>
             <a:ext cx="1879598" cy="491491"/>
             <a:chOff x="7721601" y="3576319"/>
             <a:chExt cx="1859278" cy="491491"/>
@@ -4679,7 +4679,7 @@
         </p:nvSpPr>
         <p:spPr>
           <a:xfrm>
-            <a:off x="6628262" y="2578500"/>
+            <a:off x="5113111" y="591619"/>
             <a:ext cx="1851659" cy="254000"/>
           </a:xfrm>
           <a:prstGeom prst="roundRect">
@@ -4727,7 +4727,7 @@
         </p:nvSpPr>
         <p:spPr>
           <a:xfrm>
-            <a:off x="6613023" y="3322085"/>
+            <a:off x="5779894" y="1335204"/>
             <a:ext cx="1178560" cy="227330"/>
           </a:xfrm>
           <a:prstGeom prst="roundRect">
@@ -4775,7 +4775,7 @@
         </p:nvSpPr>
         <p:spPr>
           <a:xfrm>
-            <a:off x="6656267" y="6084747"/>
+            <a:off x="5950712" y="3997507"/>
             <a:ext cx="1011197" cy="240573"/>
           </a:xfrm>
           <a:prstGeom prst="roundRect">
@@ -4823,8 +4823,8 @@
         </p:nvSpPr>
         <p:spPr>
           <a:xfrm>
-            <a:off x="6653727" y="4858588"/>
-            <a:ext cx="2098997" cy="227330"/>
+            <a:off x="5103567" y="2811292"/>
+            <a:ext cx="1828466" cy="227330"/>
           </a:xfrm>
           <a:prstGeom prst="roundRect">
             <a:avLst>
@@ -4871,7 +4871,7 @@
         </p:nvSpPr>
         <p:spPr>
           <a:xfrm>
-            <a:off x="6666427" y="5781570"/>
+            <a:off x="5960872" y="3694330"/>
             <a:ext cx="1001037" cy="227330"/>
           </a:xfrm>
           <a:prstGeom prst="roundRect">
@@ -4919,7 +4919,7 @@
         </p:nvSpPr>
         <p:spPr>
           <a:xfrm>
-            <a:off x="6661625" y="5195136"/>
+            <a:off x="5944311" y="3107896"/>
             <a:ext cx="1005839" cy="227330"/>
           </a:xfrm>
           <a:prstGeom prst="roundRect">
@@ -4970,8 +4970,8 @@
         </p:nvCxnSpPr>
         <p:spPr>
           <a:xfrm flipH="1">
-            <a:off x="6181219" y="303530"/>
-            <a:ext cx="589283" cy="337185"/>
+            <a:off x="1959785" y="911604"/>
+            <a:ext cx="201236" cy="337185"/>
           </a:xfrm>
           <a:prstGeom prst="line">
             <a:avLst/>
@@ -5003,8 +5003,8 @@
         </p:nvCxnSpPr>
         <p:spPr>
           <a:xfrm flipH="1" flipV="1">
-            <a:off x="6181219" y="640715"/>
-            <a:ext cx="579123" cy="4445"/>
+            <a:off x="1959785" y="1248789"/>
+            <a:ext cx="191076" cy="4445"/>
           </a:xfrm>
           <a:prstGeom prst="line">
             <a:avLst/>
@@ -5036,8 +5036,8 @@
         </p:nvCxnSpPr>
         <p:spPr>
           <a:xfrm flipH="1" flipV="1">
-            <a:off x="6181219" y="640715"/>
-            <a:ext cx="589283" cy="369752"/>
+            <a:off x="1959785" y="1248789"/>
+            <a:ext cx="201236" cy="369752"/>
           </a:xfrm>
           <a:prstGeom prst="line">
             <a:avLst/>
@@ -5069,8 +5069,8 @@
         </p:nvCxnSpPr>
         <p:spPr>
           <a:xfrm flipH="1">
-            <a:off x="6110100" y="1524661"/>
-            <a:ext cx="589282" cy="380999"/>
+            <a:off x="1888666" y="2391411"/>
+            <a:ext cx="201235" cy="369241"/>
           </a:xfrm>
           <a:prstGeom prst="line">
             <a:avLst/>
@@ -5102,8 +5102,8 @@
         </p:nvCxnSpPr>
         <p:spPr>
           <a:xfrm flipH="1">
-            <a:off x="6110100" y="1890709"/>
-            <a:ext cx="589282" cy="14951"/>
+            <a:off x="1888666" y="2757459"/>
+            <a:ext cx="201235" cy="3193"/>
           </a:xfrm>
           <a:prstGeom prst="line">
             <a:avLst/>
@@ -5128,15 +5128,15 @@
         <p:nvCxnSpPr>
           <p:cNvPr id="84" name="Straight Connector 83"/>
           <p:cNvCxnSpPr>
-            <a:stCxn id="64" idx="1"/>
-            <a:endCxn id="56" idx="3"/>
+            <a:stCxn id="64" idx="3"/>
+            <a:endCxn id="56" idx="1"/>
           </p:cNvCxnSpPr>
           <p:nvPr/>
         </p:nvCxnSpPr>
         <p:spPr>
-          <a:xfrm flipH="1">
-            <a:off x="6110100" y="3063641"/>
-            <a:ext cx="518162" cy="350171"/>
+          <a:xfrm>
+            <a:off x="6967427" y="1076760"/>
+            <a:ext cx="323752" cy="381529"/>
           </a:xfrm>
           <a:prstGeom prst="line">
             <a:avLst/>
@@ -5168,8 +5168,8 @@
         </p:nvCxnSpPr>
         <p:spPr>
           <a:xfrm flipH="1" flipV="1">
-            <a:off x="7580917" y="1154465"/>
-            <a:ext cx="8319" cy="238116"/>
+            <a:off x="2971020" y="1762539"/>
+            <a:ext cx="9151" cy="496792"/>
           </a:xfrm>
           <a:prstGeom prst="straightConnector1">
             <a:avLst/>
@@ -5205,7 +5205,7 @@
         </p:nvCxnSpPr>
         <p:spPr>
           <a:xfrm flipH="1" flipV="1">
-            <a:off x="7756756" y="2032660"/>
+            <a:off x="3147275" y="2946442"/>
             <a:ext cx="416481" cy="262718"/>
           </a:xfrm>
           <a:prstGeom prst="bentConnector3">
@@ -5244,7 +5244,7 @@
         </p:nvCxnSpPr>
         <p:spPr>
           <a:xfrm flipV="1">
-            <a:off x="7777592" y="1656741"/>
+            <a:off x="3168111" y="2523491"/>
             <a:ext cx="228199" cy="233968"/>
           </a:xfrm>
           <a:prstGeom prst="bentConnector3">
@@ -5278,19 +5278,19 @@
         <p:nvCxnSpPr>
           <p:cNvPr id="88" name="Elbow Connector 87"/>
           <p:cNvCxnSpPr>
-            <a:stCxn id="64" idx="3"/>
+            <a:stCxn id="64" idx="1"/>
             <a:endCxn id="58" idx="3"/>
           </p:cNvCxnSpPr>
           <p:nvPr/>
         </p:nvCxnSpPr>
         <p:spPr>
-          <a:xfrm flipH="1" flipV="1">
-            <a:off x="8404307" y="1010467"/>
-            <a:ext cx="276127" cy="2053174"/>
+          <a:xfrm rot="10800000" flipV="1">
+            <a:off x="3781019" y="1076759"/>
+            <a:ext cx="1120430" cy="541781"/>
           </a:xfrm>
           <a:prstGeom prst="bentConnector3">
             <a:avLst>
-              <a:gd name="adj1" fmla="val -75262"/>
+              <a:gd name="adj1" fmla="val 50000"/>
             </a:avLst>
           </a:prstGeom>
           <a:ln w="12700" cmpd="sng">
@@ -5318,15 +5318,15 @@
         <p:nvCxnSpPr>
           <p:cNvPr id="89" name="Straight Connector 88"/>
           <p:cNvCxnSpPr>
-            <a:stCxn id="70" idx="1"/>
-            <a:endCxn id="56" idx="3"/>
+            <a:stCxn id="70" idx="3"/>
+            <a:endCxn id="56" idx="1"/>
           </p:cNvCxnSpPr>
           <p:nvPr/>
         </p:nvCxnSpPr>
         <p:spPr>
-          <a:xfrm flipH="1">
-            <a:off x="6110100" y="2705500"/>
-            <a:ext cx="518162" cy="708312"/>
+          <a:xfrm>
+            <a:off x="6964770" y="718619"/>
+            <a:ext cx="326409" cy="739670"/>
           </a:xfrm>
           <a:prstGeom prst="line">
             <a:avLst/>
@@ -5351,15 +5351,15 @@
         <p:nvCxnSpPr>
           <p:cNvPr id="90" name="Straight Connector 89"/>
           <p:cNvCxnSpPr>
-            <a:stCxn id="65" idx="1"/>
-            <a:endCxn id="56" idx="3"/>
+            <a:stCxn id="65" idx="3"/>
+            <a:endCxn id="56" idx="1"/>
           </p:cNvCxnSpPr>
           <p:nvPr/>
         </p:nvCxnSpPr>
         <p:spPr>
-          <a:xfrm flipH="1" flipV="1">
-            <a:off x="6110100" y="3413812"/>
-            <a:ext cx="487682" cy="404206"/>
+          <a:xfrm flipV="1">
+            <a:off x="6961748" y="1458289"/>
+            <a:ext cx="329431" cy="372848"/>
           </a:xfrm>
           <a:prstGeom prst="line">
             <a:avLst/>
@@ -5384,15 +5384,15 @@
         <p:nvCxnSpPr>
           <p:cNvPr id="91" name="Straight Connector 90"/>
           <p:cNvCxnSpPr>
-            <a:stCxn id="71" idx="1"/>
-            <a:endCxn id="56" idx="3"/>
+            <a:stCxn id="71" idx="3"/>
+            <a:endCxn id="56" idx="1"/>
           </p:cNvCxnSpPr>
           <p:nvPr/>
         </p:nvCxnSpPr>
         <p:spPr>
-          <a:xfrm flipH="1" flipV="1">
-            <a:off x="6110100" y="3413812"/>
-            <a:ext cx="502923" cy="21938"/>
+          <a:xfrm>
+            <a:off x="6958454" y="1448869"/>
+            <a:ext cx="332725" cy="9420"/>
           </a:xfrm>
           <a:prstGeom prst="line">
             <a:avLst/>
@@ -5417,15 +5417,15 @@
         <p:nvCxnSpPr>
           <p:cNvPr id="92" name="Straight Connector 91"/>
           <p:cNvCxnSpPr>
-            <a:stCxn id="67" idx="1"/>
-            <a:endCxn id="56" idx="3"/>
+            <a:stCxn id="67" idx="3"/>
+            <a:endCxn id="56" idx="1"/>
           </p:cNvCxnSpPr>
           <p:nvPr/>
         </p:nvCxnSpPr>
         <p:spPr>
-          <a:xfrm flipH="1" flipV="1">
-            <a:off x="6110100" y="3413812"/>
-            <a:ext cx="492762" cy="910553"/>
+          <a:xfrm flipV="1">
+            <a:off x="6932032" y="1458289"/>
+            <a:ext cx="359147" cy="879195"/>
           </a:xfrm>
           <a:prstGeom prst="line">
             <a:avLst/>
@@ -5449,16 +5449,20 @@
       <p:cxnSp>
         <p:nvCxnSpPr>
           <p:cNvPr id="93" name="Elbow Connector 92"/>
-          <p:cNvCxnSpPr/>
-          <p:nvPr/>
-        </p:nvCxnSpPr>
-        <p:spPr>
-          <a:xfrm flipV="1">
-            <a:off x="7806821" y="3202071"/>
-            <a:ext cx="243839" cy="259079"/>
-          </a:xfrm>
-          <a:prstGeom prst="bentConnector2">
-            <a:avLst/>
+          <p:cNvCxnSpPr>
+            <a:stCxn id="71" idx="1"/>
+          </p:cNvCxnSpPr>
+          <p:nvPr/>
+        </p:nvCxnSpPr>
+        <p:spPr>
+          <a:xfrm rot="10800000">
+            <a:off x="5488482" y="1221671"/>
+            <a:ext cx="291413" cy="227198"/>
+          </a:xfrm>
+          <a:prstGeom prst="bentConnector3">
+            <a:avLst>
+              <a:gd name="adj1" fmla="val 94386"/>
+            </a:avLst>
           </a:prstGeom>
           <a:ln w="3175" cmpd="sng">
             <a:prstDash val="lgDash"/>
@@ -5485,14 +5489,14 @@
         <p:nvCxnSpPr>
           <p:cNvPr id="94" name="Elbow Connector 93"/>
           <p:cNvCxnSpPr>
-            <a:stCxn id="65" idx="3"/>
+            <a:stCxn id="65" idx="1"/>
           </p:cNvCxnSpPr>
           <p:nvPr/>
         </p:nvCxnSpPr>
         <p:spPr>
-          <a:xfrm flipV="1">
-            <a:off x="7994780" y="3202071"/>
-            <a:ext cx="545078" cy="615947"/>
+          <a:xfrm rot="10800000">
+            <a:off x="5113112" y="1221671"/>
+            <a:ext cx="451639" cy="609466"/>
           </a:xfrm>
           <a:prstGeom prst="bentConnector2">
             <a:avLst/>
@@ -5529,8 +5533,8 @@
         </p:nvCxnSpPr>
         <p:spPr>
           <a:xfrm flipH="1" flipV="1">
-            <a:off x="6110100" y="1905660"/>
-            <a:ext cx="589282" cy="389718"/>
+            <a:off x="1888666" y="2760652"/>
+            <a:ext cx="201235" cy="448508"/>
           </a:xfrm>
           <a:prstGeom prst="line">
             <a:avLst/>
@@ -5561,7 +5565,7 @@
         </p:nvCxnSpPr>
         <p:spPr>
           <a:xfrm flipV="1">
-            <a:off x="7542661" y="3950098"/>
+            <a:off x="5992233" y="1963217"/>
             <a:ext cx="0" cy="243774"/>
           </a:xfrm>
           <a:prstGeom prst="straightConnector1">
@@ -5592,14 +5596,14 @@
         <p:nvCxnSpPr>
           <p:cNvPr id="97" name="Elbow Connector 96"/>
           <p:cNvCxnSpPr>
-            <a:stCxn id="76" idx="3"/>
+            <a:stCxn id="76" idx="1"/>
           </p:cNvCxnSpPr>
           <p:nvPr/>
         </p:nvCxnSpPr>
         <p:spPr>
-          <a:xfrm flipV="1">
-            <a:off x="7676688" y="5085919"/>
-            <a:ext cx="184484" cy="222882"/>
+          <a:xfrm rot="10800000">
+            <a:off x="5779895" y="3038623"/>
+            <a:ext cx="164417" cy="182939"/>
           </a:xfrm>
           <a:prstGeom prst="bentConnector2">
             <a:avLst/>
@@ -5629,14 +5633,14 @@
         <p:nvCxnSpPr>
           <p:cNvPr id="98" name="Elbow Connector 97"/>
           <p:cNvCxnSpPr>
-            <a:stCxn id="75" idx="3"/>
+            <a:stCxn id="75" idx="1"/>
           </p:cNvCxnSpPr>
           <p:nvPr/>
         </p:nvCxnSpPr>
         <p:spPr>
-          <a:xfrm flipV="1">
-            <a:off x="7698560" y="5085919"/>
-            <a:ext cx="621916" cy="809316"/>
+          <a:xfrm rot="10800000">
+            <a:off x="5391886" y="3038623"/>
+            <a:ext cx="568987" cy="769372"/>
           </a:xfrm>
           <a:prstGeom prst="bentConnector2">
             <a:avLst/>
@@ -5666,14 +5670,14 @@
         <p:nvCxnSpPr>
           <p:cNvPr id="99" name="Elbow Connector 98"/>
           <p:cNvCxnSpPr>
-            <a:stCxn id="72" idx="3"/>
+            <a:stCxn id="72" idx="1"/>
           </p:cNvCxnSpPr>
           <p:nvPr/>
         </p:nvCxnSpPr>
         <p:spPr>
-          <a:xfrm flipV="1">
-            <a:off x="7709007" y="5085920"/>
-            <a:ext cx="830851" cy="1119114"/>
+          <a:xfrm rot="10800000">
+            <a:off x="5256220" y="3038626"/>
+            <a:ext cx="694492" cy="1079169"/>
           </a:xfrm>
           <a:prstGeom prst="bentConnector2">
             <a:avLst/>
@@ -5703,15 +5707,15 @@
         <p:nvCxnSpPr>
           <p:cNvPr id="100" name="Straight Connector 99"/>
           <p:cNvCxnSpPr>
-            <a:stCxn id="74" idx="1"/>
-            <a:endCxn id="57" idx="3"/>
+            <a:stCxn id="74" idx="3"/>
+            <a:endCxn id="57" idx="1"/>
           </p:cNvCxnSpPr>
           <p:nvPr/>
         </p:nvCxnSpPr>
         <p:spPr>
-          <a:xfrm flipH="1">
-            <a:off x="6110100" y="4972253"/>
-            <a:ext cx="543627" cy="631094"/>
+          <a:xfrm>
+            <a:off x="6932033" y="2924957"/>
+            <a:ext cx="339270" cy="588253"/>
           </a:xfrm>
           <a:prstGeom prst="line">
             <a:avLst/>
@@ -5736,15 +5740,15 @@
         <p:nvCxnSpPr>
           <p:cNvPr id="101" name="Straight Connector 100"/>
           <p:cNvCxnSpPr>
-            <a:stCxn id="75" idx="1"/>
-            <a:endCxn id="57" idx="3"/>
+            <a:stCxn id="75" idx="3"/>
+            <a:endCxn id="57" idx="1"/>
           </p:cNvCxnSpPr>
           <p:nvPr/>
         </p:nvCxnSpPr>
         <p:spPr>
-          <a:xfrm flipH="1" flipV="1">
-            <a:off x="6110100" y="5603347"/>
-            <a:ext cx="556327" cy="291888"/>
+          <a:xfrm flipV="1">
+            <a:off x="6961909" y="3513210"/>
+            <a:ext cx="309394" cy="294785"/>
           </a:xfrm>
           <a:prstGeom prst="line">
             <a:avLst/>
@@ -5769,15 +5773,15 @@
         <p:nvCxnSpPr>
           <p:cNvPr id="102" name="Straight Connector 101"/>
           <p:cNvCxnSpPr>
-            <a:stCxn id="72" idx="1"/>
-            <a:endCxn id="57" idx="3"/>
+            <a:stCxn id="72" idx="3"/>
+            <a:endCxn id="57" idx="1"/>
           </p:cNvCxnSpPr>
           <p:nvPr/>
         </p:nvCxnSpPr>
         <p:spPr>
-          <a:xfrm flipH="1" flipV="1">
-            <a:off x="6110100" y="5603347"/>
-            <a:ext cx="546167" cy="601687"/>
+          <a:xfrm flipV="1">
+            <a:off x="6961909" y="3513210"/>
+            <a:ext cx="309394" cy="604584"/>
           </a:xfrm>
           <a:prstGeom prst="line">
             <a:avLst/>
@@ -5802,15 +5806,15 @@
         <p:nvCxnSpPr>
           <p:cNvPr id="103" name="Straight Connector 102"/>
           <p:cNvCxnSpPr>
-            <a:stCxn id="106" idx="1"/>
-            <a:endCxn id="57" idx="3"/>
+            <a:stCxn id="106" idx="3"/>
+            <a:endCxn id="57" idx="1"/>
           </p:cNvCxnSpPr>
           <p:nvPr/>
         </p:nvCxnSpPr>
         <p:spPr>
-          <a:xfrm flipH="1">
-            <a:off x="6110100" y="5603347"/>
-            <a:ext cx="561408" cy="0"/>
+          <a:xfrm flipV="1">
+            <a:off x="6959870" y="3513210"/>
+            <a:ext cx="311433" cy="2897"/>
           </a:xfrm>
           <a:prstGeom prst="line">
             <a:avLst/>
@@ -5835,19 +5839,18 @@
         <p:nvCxnSpPr>
           <p:cNvPr id="104" name="Elbow Connector 103"/>
           <p:cNvCxnSpPr>
-            <a:stCxn id="70" idx="3"/>
+            <a:stCxn id="70" idx="1"/>
           </p:cNvCxnSpPr>
           <p:nvPr/>
         </p:nvCxnSpPr>
         <p:spPr>
-          <a:xfrm flipH="1" flipV="1">
-            <a:off x="8390500" y="1154465"/>
-            <a:ext cx="89421" cy="1551035"/>
-          </a:xfrm>
-          <a:prstGeom prst="bentConnector4">
+          <a:xfrm rot="10800000" flipV="1">
+            <a:off x="3749881" y="718619"/>
+            <a:ext cx="1363231" cy="689080"/>
+          </a:xfrm>
+          <a:prstGeom prst="bentConnector3">
             <a:avLst>
-              <a:gd name="adj1" fmla="val -255645"/>
-              <a:gd name="adj2" fmla="val 101403"/>
+              <a:gd name="adj1" fmla="val 97442"/>
             </a:avLst>
           </a:prstGeom>
           <a:ln w="12700" cmpd="sng">
@@ -5881,7 +5884,7 @@
         </p:nvCxnSpPr>
         <p:spPr>
           <a:xfrm rot="10800000">
-            <a:off x="7549814" y="645160"/>
+            <a:off x="2940333" y="1253234"/>
             <a:ext cx="346254" cy="221308"/>
           </a:xfrm>
           <a:prstGeom prst="bentConnector3">
@@ -5919,7 +5922,7 @@
         </p:nvSpPr>
         <p:spPr>
           <a:xfrm>
-            <a:off x="6671508" y="5493707"/>
+            <a:off x="5965953" y="3406467"/>
             <a:ext cx="993917" cy="219279"/>
           </a:xfrm>
           <a:prstGeom prst="roundRect">
@@ -5963,14 +5966,14 @@
         <p:nvCxnSpPr>
           <p:cNvPr id="107" name="Elbow Connector 106"/>
           <p:cNvCxnSpPr>
-            <a:stCxn id="106" idx="3"/>
+            <a:stCxn id="106" idx="1"/>
           </p:cNvCxnSpPr>
           <p:nvPr/>
         </p:nvCxnSpPr>
         <p:spPr>
-          <a:xfrm flipV="1">
-            <a:off x="7683740" y="5085919"/>
-            <a:ext cx="366314" cy="517428"/>
+          <a:xfrm rot="10800000">
+            <a:off x="5659043" y="3038625"/>
+            <a:ext cx="306910" cy="477483"/>
           </a:xfrm>
           <a:prstGeom prst="bentConnector2">
             <a:avLst/>
@@ -6004,7 +6007,7 @@
         </p:nvSpPr>
         <p:spPr>
           <a:xfrm>
-            <a:off x="3146475" y="5896012"/>
+            <a:off x="1242972" y="3766674"/>
             <a:ext cx="3541888" cy="461665"/>
           </a:xfrm>
           <a:prstGeom prst="rect">
@@ -6040,7 +6043,7 @@
         </p:nvCxnSpPr>
         <p:spPr>
           <a:xfrm flipH="1">
-            <a:off x="2892763" y="6233778"/>
+            <a:off x="989260" y="4104440"/>
             <a:ext cx="263174" cy="0"/>
           </a:xfrm>
           <a:prstGeom prst="straightConnector1">
@@ -6075,7 +6078,7 @@
         </p:nvCxnSpPr>
         <p:spPr>
           <a:xfrm flipH="1">
-            <a:off x="2869057" y="6057211"/>
+            <a:off x="965554" y="3927873"/>
             <a:ext cx="291815" cy="0"/>
           </a:xfrm>
           <a:prstGeom prst="straightConnector1">
@@ -6110,7 +6113,7 @@
         </p:nvSpPr>
         <p:spPr>
           <a:xfrm>
-            <a:off x="2869057" y="5642431"/>
+            <a:off x="965554" y="3513093"/>
             <a:ext cx="452017" cy="276999"/>
           </a:xfrm>
           <a:prstGeom prst="rect">
@@ -6136,15 +6139,15 @@
         <p:nvCxnSpPr>
           <p:cNvPr id="117" name="Straight Connector 116"/>
           <p:cNvCxnSpPr>
-            <a:stCxn id="76" idx="1"/>
-            <a:endCxn id="57" idx="3"/>
+            <a:stCxn id="76" idx="3"/>
+            <a:endCxn id="57" idx="1"/>
           </p:cNvCxnSpPr>
           <p:nvPr/>
         </p:nvCxnSpPr>
         <p:spPr>
-          <a:xfrm flipH="1">
-            <a:off x="6110100" y="5308801"/>
-            <a:ext cx="551525" cy="294546"/>
+          <a:xfrm>
+            <a:off x="6950150" y="3221561"/>
+            <a:ext cx="321153" cy="291649"/>
           </a:xfrm>
           <a:prstGeom prst="line">
             <a:avLst/>
@@ -6173,7 +6176,7 @@
         </p:nvSpPr>
         <p:spPr>
           <a:xfrm>
-            <a:off x="7600809" y="3950335"/>
+            <a:off x="5415402" y="1949012"/>
             <a:ext cx="524302" cy="246221"/>
           </a:xfrm>
           <a:prstGeom prst="rect">
@@ -6203,7 +6206,7 @@
         </p:nvSpPr>
         <p:spPr>
           <a:xfrm>
-            <a:off x="8173237" y="2278458"/>
+            <a:off x="3931669" y="821366"/>
             <a:ext cx="524302" cy="246221"/>
           </a:xfrm>
           <a:prstGeom prst="rect">
@@ -6233,7 +6236,7 @@
         </p:nvSpPr>
         <p:spPr>
           <a:xfrm>
-            <a:off x="7835059" y="1154465"/>
+            <a:off x="3013916" y="1797813"/>
             <a:ext cx="524302" cy="246221"/>
           </a:xfrm>
           <a:prstGeom prst="rect">
@@ -6263,7 +6266,7 @@
         </p:nvSpPr>
         <p:spPr>
           <a:xfrm>
-            <a:off x="8001445" y="1679663"/>
+            <a:off x="3391964" y="2546413"/>
             <a:ext cx="524302" cy="246221"/>
           </a:xfrm>
           <a:prstGeom prst="rect">
@@ -6293,7 +6296,7 @@
         </p:nvSpPr>
         <p:spPr>
           <a:xfrm>
-            <a:off x="8002465" y="3411495"/>
+            <a:off x="5134741" y="1491273"/>
             <a:ext cx="524302" cy="246221"/>
           </a:xfrm>
           <a:prstGeom prst="rect">
@@ -6323,7 +6326,7 @@
         </p:nvSpPr>
         <p:spPr>
           <a:xfrm>
-            <a:off x="7770867" y="5628320"/>
+            <a:off x="5488482" y="3526500"/>
             <a:ext cx="524302" cy="246221"/>
           </a:xfrm>
           <a:prstGeom prst="rect">
@@ -6353,7 +6356,7 @@
         </p:nvSpPr>
         <p:spPr>
           <a:xfrm>
-            <a:off x="7714866" y="553404"/>
+            <a:off x="3105385" y="1161478"/>
             <a:ext cx="524302" cy="246221"/>
           </a:xfrm>
           <a:prstGeom prst="rect">

--- a/model.pptx
+++ b/model.pptx
@@ -18,11 +18,12 @@
     <p:sldId id="270" r:id="rId12"/>
     <p:sldId id="271" r:id="rId13"/>
     <p:sldId id="275" r:id="rId14"/>
-    <p:sldId id="276" r:id="rId15"/>
-    <p:sldId id="272" r:id="rId16"/>
-    <p:sldId id="273" r:id="rId17"/>
-    <p:sldId id="277" r:id="rId18"/>
-    <p:sldId id="279" r:id="rId19"/>
+    <p:sldId id="280" r:id="rId15"/>
+    <p:sldId id="276" r:id="rId16"/>
+    <p:sldId id="272" r:id="rId17"/>
+    <p:sldId id="273" r:id="rId18"/>
+    <p:sldId id="277" r:id="rId19"/>
+    <p:sldId id="279" r:id="rId20"/>
   </p:sldIdLst>
   <p:sldSz cx="9144000" cy="6858000" type="screen4x3"/>
   <p:notesSz cx="6858000" cy="9144000"/>
@@ -3845,7 +3846,7 @@
           <a:graphicData uri="http://schemas.openxmlformats.org/presentationml/2006/ole">
             <mc:AlternateContent xmlns:mc="http://schemas.openxmlformats.org/markup-compatibility/2006">
               <mc:Choice xmlns:v="urn:schemas-microsoft-com:vml" Requires="v">
-                <p:oleObj spid="_x0000_s1083" name="Equation" r:id="rId3" imgW="3771900" imgH="203200" progId="Equation.3">
+                <p:oleObj spid="_x0000_s1102" name="Equation" r:id="rId3" imgW="3771900" imgH="203200" progId="Equation.3">
                   <p:embed/>
                 </p:oleObj>
               </mc:Choice>
@@ -9463,8 +9464,8 @@
         </p:nvSpPr>
         <p:spPr>
           <a:xfrm>
-            <a:off x="2977508" y="513080"/>
-            <a:ext cx="1137920" cy="294640"/>
+            <a:off x="2848158" y="513080"/>
+            <a:ext cx="1243113" cy="294640"/>
           </a:xfrm>
           <a:prstGeom prst="roundRect">
             <a:avLst/>
@@ -9508,8 +9509,8 @@
         </p:nvSpPr>
         <p:spPr>
           <a:xfrm>
-            <a:off x="2977508" y="1341121"/>
-            <a:ext cx="1137920" cy="294640"/>
+            <a:off x="2824640" y="1341121"/>
+            <a:ext cx="1290788" cy="294640"/>
           </a:xfrm>
           <a:prstGeom prst="roundRect">
             <a:avLst/>
@@ -9598,8 +9599,8 @@
         </p:nvSpPr>
         <p:spPr>
           <a:xfrm>
-            <a:off x="2953352" y="4685363"/>
-            <a:ext cx="1137920" cy="294640"/>
+            <a:off x="2848158" y="4685363"/>
+            <a:ext cx="1243114" cy="294640"/>
           </a:xfrm>
           <a:prstGeom prst="roundRect">
             <a:avLst/>
@@ -9646,8 +9647,8 @@
         </p:nvSpPr>
         <p:spPr>
           <a:xfrm>
-            <a:off x="2977508" y="5435707"/>
-            <a:ext cx="1137920" cy="294640"/>
+            <a:off x="2934810" y="5435707"/>
+            <a:ext cx="1180618" cy="294640"/>
           </a:xfrm>
           <a:prstGeom prst="roundRect">
             <a:avLst/>
@@ -9697,8 +9698,8 @@
         </p:nvCxnSpPr>
         <p:spPr>
           <a:xfrm flipV="1">
-            <a:off x="4115428" y="640715"/>
-            <a:ext cx="990638" cy="19685"/>
+            <a:off x="4091271" y="640715"/>
+            <a:ext cx="1014795" cy="19685"/>
           </a:xfrm>
           <a:prstGeom prst="line">
             <a:avLst/>
@@ -9730,8 +9731,8 @@
         </p:nvCxnSpPr>
         <p:spPr>
           <a:xfrm>
-            <a:off x="4115428" y="660400"/>
-            <a:ext cx="1183679" cy="1245260"/>
+            <a:off x="4091271" y="660400"/>
+            <a:ext cx="1207836" cy="1245260"/>
           </a:xfrm>
           <a:prstGeom prst="line">
             <a:avLst/>
@@ -9829,8 +9830,8 @@
         </p:nvCxnSpPr>
         <p:spPr>
           <a:xfrm>
-            <a:off x="4115428" y="660400"/>
-            <a:ext cx="1183679" cy="2766240"/>
+            <a:off x="4091271" y="660400"/>
+            <a:ext cx="1207836" cy="2766240"/>
           </a:xfrm>
           <a:prstGeom prst="line">
             <a:avLst/>
@@ -12117,8 +12118,8 @@
         </p:nvSpPr>
         <p:spPr>
           <a:xfrm>
-            <a:off x="770184" y="1562466"/>
-            <a:ext cx="1491439" cy="646331"/>
+            <a:off x="1383820" y="1227882"/>
+            <a:ext cx="1039129" cy="923330"/>
           </a:xfrm>
           <a:prstGeom prst="rect">
             <a:avLst/>
@@ -12144,23 +12145,24 @@
           </a:bodyPr>
           <a:lstStyle/>
           <a:p>
+            <a:pPr algn="ctr"/>
             <a:r>
               <a:rPr lang="en-US" dirty="0" smtClean="0"/>
               <a:t>E-Service </a:t>
             </a:r>
           </a:p>
           <a:p>
+            <a:pPr algn="ctr"/>
             <a:r>
               <a:rPr lang="en-US" dirty="0" smtClean="0"/>
               <a:t>Quality </a:t>
             </a:r>
+          </a:p>
+          <a:p>
+            <a:pPr algn="ctr"/>
             <a:r>
               <a:rPr lang="en-US" dirty="0" smtClean="0"/>
-              <a:t>in </a:t>
-            </a:r>
-            <a:r>
-              <a:rPr lang="en-US" dirty="0" smtClean="0"/>
-              <a:t>Use</a:t>
+              <a:t>in Use</a:t>
             </a:r>
           </a:p>
         </p:txBody>
@@ -12176,8 +12178,8 @@
         </p:nvCxnSpPr>
         <p:spPr>
           <a:xfrm flipV="1">
-            <a:off x="2261623" y="660400"/>
-            <a:ext cx="715885" cy="1225232"/>
+            <a:off x="2422949" y="660400"/>
+            <a:ext cx="425209" cy="1029147"/>
           </a:xfrm>
           <a:prstGeom prst="line">
             <a:avLst/>
@@ -12209,8 +12211,8 @@
         </p:nvCxnSpPr>
         <p:spPr>
           <a:xfrm flipV="1">
-            <a:off x="2261623" y="1488441"/>
-            <a:ext cx="715885" cy="397191"/>
+            <a:off x="2422949" y="1488441"/>
+            <a:ext cx="401691" cy="201106"/>
           </a:xfrm>
           <a:prstGeom prst="line">
             <a:avLst/>
@@ -12242,8 +12244,8 @@
         </p:nvCxnSpPr>
         <p:spPr>
           <a:xfrm>
-            <a:off x="2261623" y="1885632"/>
-            <a:ext cx="563485" cy="500063"/>
+            <a:off x="2422949" y="1689547"/>
+            <a:ext cx="402159" cy="696148"/>
           </a:xfrm>
           <a:prstGeom prst="line">
             <a:avLst/>
@@ -12275,8 +12277,8 @@
         </p:nvCxnSpPr>
         <p:spPr>
           <a:xfrm>
-            <a:off x="2261623" y="1885632"/>
-            <a:ext cx="492364" cy="1550026"/>
+            <a:off x="2422949" y="1689547"/>
+            <a:ext cx="331038" cy="1746111"/>
           </a:xfrm>
           <a:prstGeom prst="line">
             <a:avLst/>
@@ -12305,8 +12307,8 @@
         </p:nvSpPr>
         <p:spPr>
           <a:xfrm>
-            <a:off x="675600" y="4507137"/>
-            <a:ext cx="1650700" cy="646331"/>
+            <a:off x="1392892" y="4364594"/>
+            <a:ext cx="1039129" cy="923330"/>
           </a:xfrm>
           <a:prstGeom prst="rect">
             <a:avLst/>
@@ -12332,15 +12334,24 @@
           </a:bodyPr>
           <a:lstStyle/>
           <a:p>
+            <a:pPr algn="ctr"/>
             <a:r>
               <a:rPr lang="en-US" dirty="0" smtClean="0"/>
               <a:t>E-Service</a:t>
             </a:r>
           </a:p>
           <a:p>
+            <a:pPr algn="ctr"/>
             <a:r>
               <a:rPr lang="en-US" dirty="0" smtClean="0"/>
-              <a:t>Product Quality</a:t>
+              <a:t>Product </a:t>
+            </a:r>
+          </a:p>
+          <a:p>
+            <a:pPr algn="ctr"/>
+            <a:r>
+              <a:rPr lang="en-US" dirty="0" smtClean="0"/>
+              <a:t>Quality</a:t>
             </a:r>
             <a:endParaRPr lang="en-US" dirty="0"/>
           </a:p>
@@ -12357,8 +12368,8 @@
         </p:nvCxnSpPr>
         <p:spPr>
           <a:xfrm flipV="1">
-            <a:off x="2326300" y="3436611"/>
-            <a:ext cx="498808" cy="1393692"/>
+            <a:off x="2432021" y="3436611"/>
+            <a:ext cx="393087" cy="1389648"/>
           </a:xfrm>
           <a:prstGeom prst="line">
             <a:avLst/>
@@ -12390,8 +12401,8 @@
         </p:nvCxnSpPr>
         <p:spPr>
           <a:xfrm>
-            <a:off x="2326300" y="4830303"/>
-            <a:ext cx="627052" cy="2380"/>
+            <a:off x="2432021" y="4826259"/>
+            <a:ext cx="416137" cy="6424"/>
           </a:xfrm>
           <a:prstGeom prst="line">
             <a:avLst/>
@@ -12423,8 +12434,8 @@
         </p:nvCxnSpPr>
         <p:spPr>
           <a:xfrm>
-            <a:off x="2326300" y="4830303"/>
-            <a:ext cx="651208" cy="752724"/>
+            <a:off x="2432021" y="4826259"/>
+            <a:ext cx="502789" cy="756768"/>
           </a:xfrm>
           <a:prstGeom prst="line">
             <a:avLst/>
@@ -12605,7 +12616,7 @@
           <a:p>
             <a:r>
               <a:rPr lang="en-US" sz="1000" dirty="0" smtClean="0"/>
-              <a:t>H4.7.6</a:t>
+              <a:t>H4.8.6</a:t>
             </a:r>
             <a:endParaRPr lang="en-US" sz="1000" dirty="0" smtClean="0"/>
           </a:p>
@@ -12635,7 +12646,7 @@
           <a:p>
             <a:r>
               <a:rPr lang="en-US" sz="1000" dirty="0" smtClean="0"/>
-              <a:t>H4.7.3</a:t>
+              <a:t>H4.8.3</a:t>
             </a:r>
             <a:endParaRPr lang="en-US" sz="1000" dirty="0" smtClean="0"/>
           </a:p>
@@ -12649,7 +12660,7 @@
         </p:nvSpPr>
         <p:spPr>
           <a:xfrm>
-            <a:off x="7835059" y="1154465"/>
+            <a:off x="7987926" y="1154465"/>
             <a:ext cx="524302" cy="246221"/>
           </a:xfrm>
           <a:prstGeom prst="rect">
@@ -12665,7 +12676,7 @@
           <a:p>
             <a:r>
               <a:rPr lang="en-US" sz="1000" dirty="0" smtClean="0"/>
-              <a:t>H4.7.4</a:t>
+              <a:t>H4.8.4</a:t>
             </a:r>
             <a:endParaRPr lang="en-US" sz="1000" dirty="0" smtClean="0"/>
           </a:p>
@@ -16780,6 +16791,1372 @@
         </p:nvSpPr>
         <p:spPr>
           <a:xfrm>
+            <a:off x="3499618" y="1336040"/>
+            <a:ext cx="1239519" cy="279400"/>
+          </a:xfrm>
+          <a:prstGeom prst="roundRect">
+            <a:avLst>
+              <a:gd name="adj" fmla="val 50000"/>
+            </a:avLst>
+          </a:prstGeom>
+        </p:spPr>
+        <p:style>
+          <a:lnRef idx="2">
+            <a:schemeClr val="accent1"/>
+          </a:lnRef>
+          <a:fillRef idx="1">
+            <a:schemeClr val="lt1"/>
+          </a:fillRef>
+          <a:effectRef idx="0">
+            <a:schemeClr val="accent1"/>
+          </a:effectRef>
+          <a:fontRef idx="minor">
+            <a:schemeClr val="dk1"/>
+          </a:fontRef>
+        </p:style>
+        <p:txBody>
+          <a:bodyPr rtlCol="0" anchor="ctr"/>
+          <a:lstStyle/>
+          <a:p>
+            <a:pPr algn="ctr"/>
+            <a:r>
+              <a:rPr lang="en-US" sz="1200" dirty="0" smtClean="0"/>
+              <a:t>ACCESSIBILITY</a:t>
+            </a:r>
+            <a:endParaRPr lang="en-US" sz="1200" dirty="0"/>
+          </a:p>
+        </p:txBody>
+      </p:sp>
+      <p:sp>
+        <p:nvSpPr>
+          <p:cNvPr id="7" name="Rounded Rectangle 6"/>
+          <p:cNvSpPr/>
+          <p:nvPr/>
+        </p:nvSpPr>
+        <p:spPr>
+          <a:xfrm>
+            <a:off x="3777421" y="3246174"/>
+            <a:ext cx="975359" cy="254000"/>
+          </a:xfrm>
+          <a:prstGeom prst="roundRect">
+            <a:avLst>
+              <a:gd name="adj" fmla="val 50000"/>
+            </a:avLst>
+          </a:prstGeom>
+        </p:spPr>
+        <p:style>
+          <a:lnRef idx="2">
+            <a:schemeClr val="accent1"/>
+          </a:lnRef>
+          <a:fillRef idx="1">
+            <a:schemeClr val="lt1"/>
+          </a:fillRef>
+          <a:effectRef idx="0">
+            <a:schemeClr val="accent1"/>
+          </a:effectRef>
+          <a:fontRef idx="minor">
+            <a:schemeClr val="dk1"/>
+          </a:fontRef>
+        </p:style>
+        <p:txBody>
+          <a:bodyPr rtlCol="0" anchor="ctr"/>
+          <a:lstStyle/>
+          <a:p>
+            <a:pPr algn="ctr"/>
+            <a:r>
+              <a:rPr lang="en-US" sz="1200" dirty="0" smtClean="0"/>
+              <a:t>SECURITY</a:t>
+            </a:r>
+            <a:endParaRPr lang="en-US" sz="1200" dirty="0"/>
+          </a:p>
+        </p:txBody>
+      </p:sp>
+      <p:sp>
+        <p:nvSpPr>
+          <p:cNvPr id="10" name="Rounded Rectangle 9"/>
+          <p:cNvSpPr/>
+          <p:nvPr/>
+        </p:nvSpPr>
+        <p:spPr>
+          <a:xfrm>
+            <a:off x="3119565" y="2391897"/>
+            <a:ext cx="1290320" cy="294640"/>
+          </a:xfrm>
+          <a:prstGeom prst="roundRect">
+            <a:avLst/>
+          </a:prstGeom>
+          <a:ln w="38100" cmpd="dbl">
+            <a:prstDash val="solid"/>
+          </a:ln>
+        </p:spPr>
+        <p:style>
+          <a:lnRef idx="2">
+            <a:schemeClr val="dk1"/>
+          </a:lnRef>
+          <a:fillRef idx="1">
+            <a:schemeClr val="lt1"/>
+          </a:fillRef>
+          <a:effectRef idx="0">
+            <a:schemeClr val="dk1"/>
+          </a:effectRef>
+          <a:fontRef idx="minor">
+            <a:schemeClr val="dk1"/>
+          </a:fontRef>
+        </p:style>
+        <p:txBody>
+          <a:bodyPr rtlCol="0" anchor="ctr"/>
+          <a:lstStyle/>
+          <a:p>
+            <a:pPr algn="ctr"/>
+            <a:r>
+              <a:rPr lang="en-US" sz="1200" dirty="0" smtClean="0"/>
+              <a:t>Trustworthiness</a:t>
+            </a:r>
+            <a:endParaRPr lang="en-US" sz="1200" dirty="0"/>
+          </a:p>
+        </p:txBody>
+      </p:sp>
+      <p:sp>
+        <p:nvSpPr>
+          <p:cNvPr id="12" name="Rounded Rectangle 11"/>
+          <p:cNvSpPr/>
+          <p:nvPr/>
+        </p:nvSpPr>
+        <p:spPr>
+          <a:xfrm>
+            <a:off x="3191536" y="4051409"/>
+            <a:ext cx="1137920" cy="294640"/>
+          </a:xfrm>
+          <a:prstGeom prst="roundRect">
+            <a:avLst/>
+          </a:prstGeom>
+          <a:ln w="28575" cmpd="sng">
+            <a:solidFill>
+              <a:srgbClr val="000000"/>
+            </a:solidFill>
+            <a:prstDash val="solid"/>
+          </a:ln>
+        </p:spPr>
+        <p:style>
+          <a:lnRef idx="2">
+            <a:schemeClr val="accent1"/>
+          </a:lnRef>
+          <a:fillRef idx="1">
+            <a:schemeClr val="lt1"/>
+          </a:fillRef>
+          <a:effectRef idx="0">
+            <a:schemeClr val="accent1"/>
+          </a:effectRef>
+          <a:fontRef idx="minor">
+            <a:schemeClr val="dk1"/>
+          </a:fontRef>
+        </p:style>
+        <p:txBody>
+          <a:bodyPr rtlCol="0" anchor="ctr"/>
+          <a:lstStyle/>
+          <a:p>
+            <a:pPr algn="ctr"/>
+            <a:r>
+              <a:rPr lang="en-US" sz="1200" dirty="0" smtClean="0"/>
+              <a:t>Reliability</a:t>
+            </a:r>
+            <a:endParaRPr lang="en-US" sz="1200" dirty="0"/>
+          </a:p>
+        </p:txBody>
+      </p:sp>
+      <p:cxnSp>
+        <p:nvCxnSpPr>
+          <p:cNvPr id="59" name="Straight Connector 58"/>
+          <p:cNvCxnSpPr>
+            <a:endCxn id="10" idx="1"/>
+          </p:cNvCxnSpPr>
+          <p:nvPr/>
+        </p:nvCxnSpPr>
+        <p:spPr>
+          <a:xfrm>
+            <a:off x="2892572" y="2536572"/>
+            <a:ext cx="226993" cy="2645"/>
+          </a:xfrm>
+          <a:prstGeom prst="line">
+            <a:avLst/>
+          </a:prstGeom>
+        </p:spPr>
+        <p:style>
+          <a:lnRef idx="1">
+            <a:schemeClr val="dk1"/>
+          </a:lnRef>
+          <a:fillRef idx="0">
+            <a:schemeClr val="dk1"/>
+          </a:fillRef>
+          <a:effectRef idx="0">
+            <a:schemeClr val="dk1"/>
+          </a:effectRef>
+          <a:fontRef idx="minor">
+            <a:schemeClr val="tx1"/>
+          </a:fontRef>
+        </p:style>
+      </p:cxnSp>
+      <p:cxnSp>
+        <p:nvCxnSpPr>
+          <p:cNvPr id="62" name="Straight Connector 61"/>
+          <p:cNvCxnSpPr>
+            <a:stCxn id="12" idx="0"/>
+            <a:endCxn id="7" idx="2"/>
+          </p:cNvCxnSpPr>
+          <p:nvPr/>
+        </p:nvCxnSpPr>
+        <p:spPr>
+          <a:xfrm flipV="1">
+            <a:off x="3760496" y="3500174"/>
+            <a:ext cx="504605" cy="551235"/>
+          </a:xfrm>
+          <a:prstGeom prst="line">
+            <a:avLst/>
+          </a:prstGeom>
+        </p:spPr>
+        <p:style>
+          <a:lnRef idx="1">
+            <a:schemeClr val="dk1"/>
+          </a:lnRef>
+          <a:fillRef idx="0">
+            <a:schemeClr val="dk1"/>
+          </a:fillRef>
+          <a:effectRef idx="0">
+            <a:schemeClr val="dk1"/>
+          </a:effectRef>
+          <a:fontRef idx="minor">
+            <a:schemeClr val="tx1"/>
+          </a:fontRef>
+        </p:style>
+      </p:cxnSp>
+      <p:sp>
+        <p:nvSpPr>
+          <p:cNvPr id="125" name="Rounded Rectangle 124"/>
+          <p:cNvSpPr/>
+          <p:nvPr/>
+        </p:nvSpPr>
+        <p:spPr>
+          <a:xfrm>
+            <a:off x="5034773" y="1364594"/>
+            <a:ext cx="1103363" cy="203814"/>
+          </a:xfrm>
+          <a:prstGeom prst="roundRect">
+            <a:avLst>
+              <a:gd name="adj" fmla="val 0"/>
+            </a:avLst>
+          </a:prstGeom>
+          <a:solidFill>
+            <a:schemeClr val="lt1"/>
+          </a:solidFill>
+          <a:ln w="12700"/>
+        </p:spPr>
+        <p:style>
+          <a:lnRef idx="2">
+            <a:schemeClr val="dk1"/>
+          </a:lnRef>
+          <a:fillRef idx="1">
+            <a:schemeClr val="lt1"/>
+          </a:fillRef>
+          <a:effectRef idx="0">
+            <a:schemeClr val="dk1"/>
+          </a:effectRef>
+          <a:fontRef idx="minor">
+            <a:schemeClr val="dk1"/>
+          </a:fontRef>
+        </p:style>
+        <p:txBody>
+          <a:bodyPr rtlCol="0" anchor="ctr"/>
+          <a:lstStyle/>
+          <a:p>
+            <a:pPr algn="ctr"/>
+            <a:r>
+              <a:rPr lang="en-US" sz="1000" dirty="0" smtClean="0"/>
+              <a:t>Availability</a:t>
+            </a:r>
+            <a:endParaRPr lang="en-US" sz="1000" dirty="0"/>
+          </a:p>
+        </p:txBody>
+      </p:sp>
+      <p:sp>
+        <p:nvSpPr>
+          <p:cNvPr id="138" name="Rounded Rectangle 137"/>
+          <p:cNvSpPr/>
+          <p:nvPr/>
+        </p:nvSpPr>
+        <p:spPr>
+          <a:xfrm>
+            <a:off x="5034774" y="3687436"/>
+            <a:ext cx="1044567" cy="280772"/>
+          </a:xfrm>
+          <a:prstGeom prst="roundRect">
+            <a:avLst>
+              <a:gd name="adj" fmla="val 0"/>
+            </a:avLst>
+          </a:prstGeom>
+          <a:solidFill>
+            <a:schemeClr val="lt1"/>
+          </a:solidFill>
+          <a:ln w="12700"/>
+        </p:spPr>
+        <p:style>
+          <a:lnRef idx="2">
+            <a:schemeClr val="dk1"/>
+          </a:lnRef>
+          <a:fillRef idx="1">
+            <a:schemeClr val="lt1"/>
+          </a:fillRef>
+          <a:effectRef idx="0">
+            <a:schemeClr val="dk1"/>
+          </a:effectRef>
+          <a:fontRef idx="minor">
+            <a:schemeClr val="dk1"/>
+          </a:fontRef>
+        </p:style>
+        <p:txBody>
+          <a:bodyPr rtlCol="0" anchor="ctr"/>
+          <a:lstStyle/>
+          <a:p>
+            <a:pPr algn="ctr"/>
+            <a:r>
+              <a:rPr lang="en-US" sz="1000" dirty="0" smtClean="0"/>
+              <a:t>Confidentiality</a:t>
+            </a:r>
+            <a:endParaRPr lang="en-US" sz="1000" dirty="0"/>
+          </a:p>
+        </p:txBody>
+      </p:sp>
+      <p:sp>
+        <p:nvSpPr>
+          <p:cNvPr id="139" name="Rounded Rectangle 138"/>
+          <p:cNvSpPr/>
+          <p:nvPr/>
+        </p:nvSpPr>
+        <p:spPr>
+          <a:xfrm>
+            <a:off x="5035566" y="2815185"/>
+            <a:ext cx="1062700" cy="260985"/>
+          </a:xfrm>
+          <a:prstGeom prst="roundRect">
+            <a:avLst>
+              <a:gd name="adj" fmla="val 0"/>
+            </a:avLst>
+          </a:prstGeom>
+          <a:solidFill>
+            <a:schemeClr val="lt1"/>
+          </a:solidFill>
+          <a:ln w="12700"/>
+        </p:spPr>
+        <p:style>
+          <a:lnRef idx="2">
+            <a:schemeClr val="dk1"/>
+          </a:lnRef>
+          <a:fillRef idx="1">
+            <a:schemeClr val="lt1"/>
+          </a:fillRef>
+          <a:effectRef idx="0">
+            <a:schemeClr val="dk1"/>
+          </a:effectRef>
+          <a:fontRef idx="minor">
+            <a:schemeClr val="dk1"/>
+          </a:fontRef>
+        </p:style>
+        <p:txBody>
+          <a:bodyPr rtlCol="0" anchor="ctr"/>
+          <a:lstStyle/>
+          <a:p>
+            <a:pPr algn="ctr"/>
+            <a:r>
+              <a:rPr lang="en-US" sz="1000" dirty="0" smtClean="0"/>
+              <a:t>Safety</a:t>
+            </a:r>
+            <a:endParaRPr lang="en-US" sz="1000" dirty="0"/>
+          </a:p>
+        </p:txBody>
+      </p:sp>
+      <p:sp>
+        <p:nvSpPr>
+          <p:cNvPr id="140" name="Rounded Rectangle 139"/>
+          <p:cNvSpPr/>
+          <p:nvPr/>
+        </p:nvSpPr>
+        <p:spPr>
+          <a:xfrm>
+            <a:off x="5034774" y="3261847"/>
+            <a:ext cx="1034407" cy="227330"/>
+          </a:xfrm>
+          <a:prstGeom prst="roundRect">
+            <a:avLst>
+              <a:gd name="adj" fmla="val 0"/>
+            </a:avLst>
+          </a:prstGeom>
+          <a:solidFill>
+            <a:schemeClr val="lt1"/>
+          </a:solidFill>
+          <a:ln w="12700"/>
+        </p:spPr>
+        <p:style>
+          <a:lnRef idx="2">
+            <a:schemeClr val="dk1"/>
+          </a:lnRef>
+          <a:fillRef idx="1">
+            <a:schemeClr val="lt1"/>
+          </a:fillRef>
+          <a:effectRef idx="0">
+            <a:schemeClr val="dk1"/>
+          </a:effectRef>
+          <a:fontRef idx="minor">
+            <a:schemeClr val="dk1"/>
+          </a:fontRef>
+        </p:style>
+        <p:txBody>
+          <a:bodyPr rtlCol="0" anchor="ctr"/>
+          <a:lstStyle/>
+          <a:p>
+            <a:pPr algn="ctr"/>
+            <a:r>
+              <a:rPr lang="en-US" sz="1000" dirty="0" smtClean="0"/>
+              <a:t>Integrity</a:t>
+            </a:r>
+            <a:endParaRPr lang="en-US" sz="1000" dirty="0"/>
+          </a:p>
+        </p:txBody>
+      </p:sp>
+      <p:cxnSp>
+        <p:nvCxnSpPr>
+          <p:cNvPr id="150" name="Straight Connector 149"/>
+          <p:cNvCxnSpPr>
+            <a:stCxn id="125" idx="1"/>
+            <a:endCxn id="4" idx="3"/>
+          </p:cNvCxnSpPr>
+          <p:nvPr/>
+        </p:nvCxnSpPr>
+        <p:spPr>
+          <a:xfrm flipH="1">
+            <a:off x="4739137" y="1466501"/>
+            <a:ext cx="295636" cy="9239"/>
+          </a:xfrm>
+          <a:prstGeom prst="line">
+            <a:avLst/>
+          </a:prstGeom>
+        </p:spPr>
+        <p:style>
+          <a:lnRef idx="1">
+            <a:schemeClr val="dk1"/>
+          </a:lnRef>
+          <a:fillRef idx="0">
+            <a:schemeClr val="dk1"/>
+          </a:fillRef>
+          <a:effectRef idx="0">
+            <a:schemeClr val="dk1"/>
+          </a:effectRef>
+          <a:fontRef idx="minor">
+            <a:schemeClr val="tx1"/>
+          </a:fontRef>
+        </p:style>
+      </p:cxnSp>
+      <p:cxnSp>
+        <p:nvCxnSpPr>
+          <p:cNvPr id="443" name="Straight Connector 442"/>
+          <p:cNvCxnSpPr>
+            <a:stCxn id="139" idx="1"/>
+            <a:endCxn id="7" idx="3"/>
+          </p:cNvCxnSpPr>
+          <p:nvPr/>
+        </p:nvCxnSpPr>
+        <p:spPr>
+          <a:xfrm flipH="1">
+            <a:off x="4752780" y="2945678"/>
+            <a:ext cx="282786" cy="427496"/>
+          </a:xfrm>
+          <a:prstGeom prst="line">
+            <a:avLst/>
+          </a:prstGeom>
+        </p:spPr>
+        <p:style>
+          <a:lnRef idx="1">
+            <a:schemeClr val="dk1"/>
+          </a:lnRef>
+          <a:fillRef idx="0">
+            <a:schemeClr val="dk1"/>
+          </a:fillRef>
+          <a:effectRef idx="0">
+            <a:schemeClr val="dk1"/>
+          </a:effectRef>
+          <a:fontRef idx="minor">
+            <a:schemeClr val="tx1"/>
+          </a:fontRef>
+        </p:style>
+      </p:cxnSp>
+      <p:cxnSp>
+        <p:nvCxnSpPr>
+          <p:cNvPr id="446" name="Straight Connector 445"/>
+          <p:cNvCxnSpPr>
+            <a:stCxn id="140" idx="1"/>
+            <a:endCxn id="7" idx="3"/>
+          </p:cNvCxnSpPr>
+          <p:nvPr/>
+        </p:nvCxnSpPr>
+        <p:spPr>
+          <a:xfrm flipH="1" flipV="1">
+            <a:off x="4752780" y="3373174"/>
+            <a:ext cx="281994" cy="2338"/>
+          </a:xfrm>
+          <a:prstGeom prst="line">
+            <a:avLst/>
+          </a:prstGeom>
+        </p:spPr>
+        <p:style>
+          <a:lnRef idx="1">
+            <a:schemeClr val="dk1"/>
+          </a:lnRef>
+          <a:fillRef idx="0">
+            <a:schemeClr val="dk1"/>
+          </a:fillRef>
+          <a:effectRef idx="0">
+            <a:schemeClr val="dk1"/>
+          </a:effectRef>
+          <a:fontRef idx="minor">
+            <a:schemeClr val="tx1"/>
+          </a:fontRef>
+        </p:style>
+      </p:cxnSp>
+      <p:cxnSp>
+        <p:nvCxnSpPr>
+          <p:cNvPr id="449" name="Straight Connector 448"/>
+          <p:cNvCxnSpPr>
+            <a:stCxn id="138" idx="1"/>
+            <a:endCxn id="7" idx="3"/>
+          </p:cNvCxnSpPr>
+          <p:nvPr/>
+        </p:nvCxnSpPr>
+        <p:spPr>
+          <a:xfrm flipH="1" flipV="1">
+            <a:off x="4752780" y="3373174"/>
+            <a:ext cx="281994" cy="454648"/>
+          </a:xfrm>
+          <a:prstGeom prst="line">
+            <a:avLst/>
+          </a:prstGeom>
+        </p:spPr>
+        <p:style>
+          <a:lnRef idx="1">
+            <a:schemeClr val="dk1"/>
+          </a:lnRef>
+          <a:fillRef idx="0">
+            <a:schemeClr val="dk1"/>
+          </a:fillRef>
+          <a:effectRef idx="0">
+            <a:schemeClr val="dk1"/>
+          </a:effectRef>
+          <a:fontRef idx="minor">
+            <a:schemeClr val="tx1"/>
+          </a:fontRef>
+        </p:style>
+      </p:cxnSp>
+      <p:sp>
+        <p:nvSpPr>
+          <p:cNvPr id="2" name="TextBox 1"/>
+          <p:cNvSpPr txBox="1"/>
+          <p:nvPr/>
+        </p:nvSpPr>
+        <p:spPr>
+          <a:xfrm>
+            <a:off x="94584" y="6488668"/>
+            <a:ext cx="4980851" cy="369332"/>
+          </a:xfrm>
+          <a:prstGeom prst="rect">
+            <a:avLst/>
+          </a:prstGeom>
+          <a:noFill/>
+        </p:spPr>
+        <p:txBody>
+          <a:bodyPr wrap="none" rtlCol="0">
+            <a:spAutoFit/>
+          </a:bodyPr>
+          <a:lstStyle/>
+          <a:p>
+            <a:r>
+              <a:rPr lang="en-US" dirty="0" smtClean="0"/>
+              <a:t>FOR DEPENDABILITY PURPOSES COMPLETE </a:t>
+            </a:r>
+            <a:r>
+              <a:rPr lang="en-US" dirty="0" smtClean="0"/>
+              <a:t>MODEL</a:t>
+            </a:r>
+            <a:endParaRPr lang="en-US" dirty="0"/>
+          </a:p>
+        </p:txBody>
+      </p:sp>
+      <p:sp>
+        <p:nvSpPr>
+          <p:cNvPr id="75" name="TextBox 74"/>
+          <p:cNvSpPr txBox="1"/>
+          <p:nvPr/>
+        </p:nvSpPr>
+        <p:spPr>
+          <a:xfrm>
+            <a:off x="1401133" y="2236922"/>
+            <a:ext cx="1491439" cy="646331"/>
+          </a:xfrm>
+          <a:prstGeom prst="rect">
+            <a:avLst/>
+          </a:prstGeom>
+        </p:spPr>
+        <p:style>
+          <a:lnRef idx="2">
+            <a:schemeClr val="dk1"/>
+          </a:lnRef>
+          <a:fillRef idx="1">
+            <a:schemeClr val="lt1"/>
+          </a:fillRef>
+          <a:effectRef idx="0">
+            <a:schemeClr val="dk1"/>
+          </a:effectRef>
+          <a:fontRef idx="minor">
+            <a:schemeClr val="dk1"/>
+          </a:fontRef>
+        </p:style>
+        <p:txBody>
+          <a:bodyPr wrap="none" rtlCol="0">
+            <a:spAutoFit/>
+          </a:bodyPr>
+          <a:lstStyle/>
+          <a:p>
+            <a:r>
+              <a:rPr lang="en-US" dirty="0" smtClean="0"/>
+              <a:t>E-Service </a:t>
+            </a:r>
+          </a:p>
+          <a:p>
+            <a:r>
+              <a:rPr lang="en-US" dirty="0" smtClean="0"/>
+              <a:t>Quality </a:t>
+            </a:r>
+            <a:r>
+              <a:rPr lang="en-US" dirty="0" smtClean="0"/>
+              <a:t>in </a:t>
+            </a:r>
+            <a:r>
+              <a:rPr lang="en-US" dirty="0" smtClean="0"/>
+              <a:t>Use</a:t>
+            </a:r>
+          </a:p>
+        </p:txBody>
+      </p:sp>
+      <p:sp>
+        <p:nvSpPr>
+          <p:cNvPr id="84" name="TextBox 83"/>
+          <p:cNvSpPr txBox="1"/>
+          <p:nvPr/>
+        </p:nvSpPr>
+        <p:spPr>
+          <a:xfrm>
+            <a:off x="1279967" y="3875563"/>
+            <a:ext cx="1650700" cy="646331"/>
+          </a:xfrm>
+          <a:prstGeom prst="rect">
+            <a:avLst/>
+          </a:prstGeom>
+        </p:spPr>
+        <p:style>
+          <a:lnRef idx="2">
+            <a:schemeClr val="dk1"/>
+          </a:lnRef>
+          <a:fillRef idx="1">
+            <a:schemeClr val="lt1"/>
+          </a:fillRef>
+          <a:effectRef idx="0">
+            <a:schemeClr val="dk1"/>
+          </a:effectRef>
+          <a:fontRef idx="minor">
+            <a:schemeClr val="dk1"/>
+          </a:fontRef>
+        </p:style>
+        <p:txBody>
+          <a:bodyPr wrap="none" rtlCol="0">
+            <a:spAutoFit/>
+          </a:bodyPr>
+          <a:lstStyle/>
+          <a:p>
+            <a:r>
+              <a:rPr lang="en-US" dirty="0" smtClean="0"/>
+              <a:t>E-Service</a:t>
+            </a:r>
+          </a:p>
+          <a:p>
+            <a:r>
+              <a:rPr lang="en-US" dirty="0" smtClean="0"/>
+              <a:t>Product Quality</a:t>
+            </a:r>
+            <a:endParaRPr lang="en-US" dirty="0"/>
+          </a:p>
+        </p:txBody>
+      </p:sp>
+      <p:cxnSp>
+        <p:nvCxnSpPr>
+          <p:cNvPr id="87" name="Straight Connector 86"/>
+          <p:cNvCxnSpPr>
+            <a:stCxn id="84" idx="3"/>
+            <a:endCxn id="12" idx="1"/>
+          </p:cNvCxnSpPr>
+          <p:nvPr/>
+        </p:nvCxnSpPr>
+        <p:spPr>
+          <a:xfrm>
+            <a:off x="2930667" y="4198729"/>
+            <a:ext cx="260869" cy="0"/>
+          </a:xfrm>
+          <a:prstGeom prst="line">
+            <a:avLst/>
+          </a:prstGeom>
+        </p:spPr>
+        <p:style>
+          <a:lnRef idx="1">
+            <a:schemeClr val="dk1"/>
+          </a:lnRef>
+          <a:fillRef idx="0">
+            <a:schemeClr val="dk1"/>
+          </a:fillRef>
+          <a:effectRef idx="0">
+            <a:schemeClr val="dk1"/>
+          </a:effectRef>
+          <a:fontRef idx="minor">
+            <a:schemeClr val="tx1"/>
+          </a:fontRef>
+        </p:style>
+      </p:cxnSp>
+      <p:sp>
+        <p:nvSpPr>
+          <p:cNvPr id="95" name="TextBox 94"/>
+          <p:cNvSpPr txBox="1"/>
+          <p:nvPr/>
+        </p:nvSpPr>
+        <p:spPr>
+          <a:xfrm>
+            <a:off x="6627119" y="3200719"/>
+            <a:ext cx="1659829" cy="369332"/>
+          </a:xfrm>
+          <a:prstGeom prst="rect">
+            <a:avLst/>
+          </a:prstGeom>
+          <a:ln>
+            <a:solidFill>
+              <a:srgbClr val="000000"/>
+            </a:solidFill>
+          </a:ln>
+        </p:spPr>
+        <p:style>
+          <a:lnRef idx="2">
+            <a:schemeClr val="accent2"/>
+          </a:lnRef>
+          <a:fillRef idx="1">
+            <a:schemeClr val="lt1"/>
+          </a:fillRef>
+          <a:effectRef idx="0">
+            <a:schemeClr val="accent2"/>
+          </a:effectRef>
+          <a:fontRef idx="minor">
+            <a:schemeClr val="dk1"/>
+          </a:fontRef>
+        </p:style>
+        <p:txBody>
+          <a:bodyPr wrap="none" rtlCol="0">
+            <a:spAutoFit/>
+          </a:bodyPr>
+          <a:lstStyle/>
+          <a:p>
+            <a:r>
+              <a:rPr lang="en-US" dirty="0" smtClean="0"/>
+              <a:t>DEPENDABILITY</a:t>
+            </a:r>
+            <a:endParaRPr lang="en-US" dirty="0" smtClean="0"/>
+          </a:p>
+        </p:txBody>
+      </p:sp>
+      <p:cxnSp>
+        <p:nvCxnSpPr>
+          <p:cNvPr id="211" name="Straight Connector 210"/>
+          <p:cNvCxnSpPr>
+            <a:stCxn id="7" idx="0"/>
+            <a:endCxn id="10" idx="2"/>
+          </p:cNvCxnSpPr>
+          <p:nvPr/>
+        </p:nvCxnSpPr>
+        <p:spPr>
+          <a:xfrm flipH="1" flipV="1">
+            <a:off x="3764725" y="2686537"/>
+            <a:ext cx="500376" cy="559637"/>
+          </a:xfrm>
+          <a:prstGeom prst="line">
+            <a:avLst/>
+          </a:prstGeom>
+        </p:spPr>
+        <p:style>
+          <a:lnRef idx="1">
+            <a:schemeClr val="dk1"/>
+          </a:lnRef>
+          <a:fillRef idx="0">
+            <a:schemeClr val="dk1"/>
+          </a:fillRef>
+          <a:effectRef idx="0">
+            <a:schemeClr val="dk1"/>
+          </a:effectRef>
+          <a:fontRef idx="minor">
+            <a:schemeClr val="tx1"/>
+          </a:fontRef>
+        </p:style>
+      </p:cxnSp>
+      <p:cxnSp>
+        <p:nvCxnSpPr>
+          <p:cNvPr id="316" name="Elbow Connector 315"/>
+          <p:cNvCxnSpPr>
+            <a:endCxn id="125" idx="3"/>
+          </p:cNvCxnSpPr>
+          <p:nvPr/>
+        </p:nvCxnSpPr>
+        <p:spPr>
+          <a:xfrm rot="10800000">
+            <a:off x="6138137" y="1466502"/>
+            <a:ext cx="1810873" cy="1734225"/>
+          </a:xfrm>
+          <a:prstGeom prst="bentConnector3">
+            <a:avLst>
+              <a:gd name="adj1" fmla="val 1299"/>
+            </a:avLst>
+          </a:prstGeom>
+          <a:ln w="19050" cmpd="sng">
+            <a:solidFill>
+              <a:schemeClr val="tx1"/>
+            </a:solidFill>
+            <a:tailEnd type="arrow"/>
+          </a:ln>
+          <a:effectLst/>
+        </p:spPr>
+        <p:style>
+          <a:lnRef idx="2">
+            <a:schemeClr val="accent1"/>
+          </a:lnRef>
+          <a:fillRef idx="0">
+            <a:schemeClr val="accent1"/>
+          </a:fillRef>
+          <a:effectRef idx="1">
+            <a:schemeClr val="accent1"/>
+          </a:effectRef>
+          <a:fontRef idx="minor">
+            <a:schemeClr val="tx1"/>
+          </a:fontRef>
+        </p:style>
+      </p:cxnSp>
+      <p:cxnSp>
+        <p:nvCxnSpPr>
+          <p:cNvPr id="319" name="Elbow Connector 318"/>
+          <p:cNvCxnSpPr>
+            <a:stCxn id="95" idx="2"/>
+            <a:endCxn id="12" idx="3"/>
+          </p:cNvCxnSpPr>
+          <p:nvPr/>
+        </p:nvCxnSpPr>
+        <p:spPr>
+          <a:xfrm rot="5400000">
+            <a:off x="5578906" y="2320601"/>
+            <a:ext cx="628678" cy="3127578"/>
+          </a:xfrm>
+          <a:prstGeom prst="bentConnector2">
+            <a:avLst/>
+          </a:prstGeom>
+          <a:ln w="19050" cmpd="sng">
+            <a:solidFill>
+              <a:schemeClr val="tx1"/>
+            </a:solidFill>
+            <a:tailEnd type="arrow"/>
+          </a:ln>
+          <a:effectLst/>
+        </p:spPr>
+        <p:style>
+          <a:lnRef idx="2">
+            <a:schemeClr val="accent1"/>
+          </a:lnRef>
+          <a:fillRef idx="0">
+            <a:schemeClr val="accent1"/>
+          </a:fillRef>
+          <a:effectRef idx="1">
+            <a:schemeClr val="accent1"/>
+          </a:effectRef>
+          <a:fontRef idx="minor">
+            <a:schemeClr val="tx1"/>
+          </a:fontRef>
+        </p:style>
+      </p:cxnSp>
+      <p:cxnSp>
+        <p:nvCxnSpPr>
+          <p:cNvPr id="323" name="Elbow Connector 322"/>
+          <p:cNvCxnSpPr>
+            <a:endCxn id="10" idx="3"/>
+          </p:cNvCxnSpPr>
+          <p:nvPr/>
+        </p:nvCxnSpPr>
+        <p:spPr>
+          <a:xfrm rot="10800000">
+            <a:off x="4409885" y="2539218"/>
+            <a:ext cx="2810068" cy="661501"/>
+          </a:xfrm>
+          <a:prstGeom prst="bentConnector3">
+            <a:avLst>
+              <a:gd name="adj1" fmla="val 204"/>
+            </a:avLst>
+          </a:prstGeom>
+          <a:ln w="19050" cmpd="sng">
+            <a:solidFill>
+              <a:schemeClr val="tx1"/>
+            </a:solidFill>
+            <a:tailEnd type="arrow"/>
+          </a:ln>
+          <a:effectLst/>
+        </p:spPr>
+        <p:style>
+          <a:lnRef idx="2">
+            <a:schemeClr val="accent1"/>
+          </a:lnRef>
+          <a:fillRef idx="0">
+            <a:schemeClr val="accent1"/>
+          </a:fillRef>
+          <a:effectRef idx="1">
+            <a:schemeClr val="accent1"/>
+          </a:effectRef>
+          <a:fontRef idx="minor">
+            <a:schemeClr val="tx1"/>
+          </a:fontRef>
+        </p:style>
+      </p:cxnSp>
+      <p:cxnSp>
+        <p:nvCxnSpPr>
+          <p:cNvPr id="328" name="Elbow Connector 327"/>
+          <p:cNvCxnSpPr>
+            <a:endCxn id="139" idx="3"/>
+          </p:cNvCxnSpPr>
+          <p:nvPr/>
+        </p:nvCxnSpPr>
+        <p:spPr>
+          <a:xfrm rot="10800000">
+            <a:off x="6098266" y="2945678"/>
+            <a:ext cx="839474" cy="255040"/>
+          </a:xfrm>
+          <a:prstGeom prst="bentConnector3">
+            <a:avLst>
+              <a:gd name="adj1" fmla="val -1828"/>
+            </a:avLst>
+          </a:prstGeom>
+          <a:ln w="19050" cmpd="sng">
+            <a:solidFill>
+              <a:schemeClr val="tx1"/>
+            </a:solidFill>
+            <a:tailEnd type="arrow"/>
+          </a:ln>
+          <a:effectLst/>
+        </p:spPr>
+        <p:style>
+          <a:lnRef idx="2">
+            <a:schemeClr val="accent1"/>
+          </a:lnRef>
+          <a:fillRef idx="0">
+            <a:schemeClr val="accent1"/>
+          </a:fillRef>
+          <a:effectRef idx="1">
+            <a:schemeClr val="accent1"/>
+          </a:effectRef>
+          <a:fontRef idx="minor">
+            <a:schemeClr val="tx1"/>
+          </a:fontRef>
+        </p:style>
+      </p:cxnSp>
+      <p:cxnSp>
+        <p:nvCxnSpPr>
+          <p:cNvPr id="334" name="Elbow Connector 333"/>
+          <p:cNvCxnSpPr>
+            <a:endCxn id="138" idx="3"/>
+          </p:cNvCxnSpPr>
+          <p:nvPr/>
+        </p:nvCxnSpPr>
+        <p:spPr>
+          <a:xfrm rot="10800000" flipV="1">
+            <a:off x="6079342" y="3570050"/>
+            <a:ext cx="858399" cy="257771"/>
+          </a:xfrm>
+          <a:prstGeom prst="bentConnector3">
+            <a:avLst>
+              <a:gd name="adj1" fmla="val -2055"/>
+            </a:avLst>
+          </a:prstGeom>
+          <a:ln w="19050" cmpd="sng">
+            <a:solidFill>
+              <a:schemeClr val="tx1"/>
+            </a:solidFill>
+            <a:tailEnd type="arrow"/>
+          </a:ln>
+          <a:effectLst/>
+        </p:spPr>
+        <p:style>
+          <a:lnRef idx="2">
+            <a:schemeClr val="accent1"/>
+          </a:lnRef>
+          <a:fillRef idx="0">
+            <a:schemeClr val="accent1"/>
+          </a:fillRef>
+          <a:effectRef idx="1">
+            <a:schemeClr val="accent1"/>
+          </a:effectRef>
+          <a:fontRef idx="minor">
+            <a:schemeClr val="tx1"/>
+          </a:fontRef>
+        </p:style>
+      </p:cxnSp>
+      <p:cxnSp>
+        <p:nvCxnSpPr>
+          <p:cNvPr id="339" name="Straight Arrow Connector 338"/>
+          <p:cNvCxnSpPr>
+            <a:stCxn id="95" idx="1"/>
+            <a:endCxn id="140" idx="3"/>
+          </p:cNvCxnSpPr>
+          <p:nvPr/>
+        </p:nvCxnSpPr>
+        <p:spPr>
+          <a:xfrm flipH="1" flipV="1">
+            <a:off x="6069181" y="3375512"/>
+            <a:ext cx="557938" cy="9873"/>
+          </a:xfrm>
+          <a:prstGeom prst="straightConnector1">
+            <a:avLst/>
+          </a:prstGeom>
+          <a:ln w="19050" cmpd="sng">
+            <a:solidFill>
+              <a:schemeClr val="tx1"/>
+            </a:solidFill>
+            <a:tailEnd type="arrow"/>
+          </a:ln>
+          <a:effectLst/>
+        </p:spPr>
+        <p:style>
+          <a:lnRef idx="2">
+            <a:schemeClr val="accent1"/>
+          </a:lnRef>
+          <a:fillRef idx="0">
+            <a:schemeClr val="accent1"/>
+          </a:fillRef>
+          <a:effectRef idx="1">
+            <a:schemeClr val="accent1"/>
+          </a:effectRef>
+          <a:fontRef idx="minor">
+            <a:schemeClr val="tx1"/>
+          </a:fontRef>
+        </p:style>
+      </p:cxnSp>
+      <p:sp>
+        <p:nvSpPr>
+          <p:cNvPr id="365" name="Rounded Rectangle 364"/>
+          <p:cNvSpPr/>
+          <p:nvPr/>
+        </p:nvSpPr>
+        <p:spPr>
+          <a:xfrm>
+            <a:off x="3760496" y="1838808"/>
+            <a:ext cx="975359" cy="254000"/>
+          </a:xfrm>
+          <a:prstGeom prst="roundRect">
+            <a:avLst>
+              <a:gd name="adj" fmla="val 50000"/>
+            </a:avLst>
+          </a:prstGeom>
+        </p:spPr>
+        <p:style>
+          <a:lnRef idx="2">
+            <a:schemeClr val="accent1"/>
+          </a:lnRef>
+          <a:fillRef idx="1">
+            <a:schemeClr val="lt1"/>
+          </a:fillRef>
+          <a:effectRef idx="0">
+            <a:schemeClr val="accent1"/>
+          </a:effectRef>
+          <a:fontRef idx="minor">
+            <a:schemeClr val="dk1"/>
+          </a:fontRef>
+        </p:style>
+        <p:txBody>
+          <a:bodyPr rtlCol="0" anchor="ctr"/>
+          <a:lstStyle/>
+          <a:p>
+            <a:pPr algn="ctr"/>
+            <a:r>
+              <a:rPr lang="en-US" sz="1200" dirty="0" smtClean="0"/>
+              <a:t>EFFICIENCY</a:t>
+            </a:r>
+            <a:endParaRPr lang="en-US" sz="1200" dirty="0"/>
+          </a:p>
+        </p:txBody>
+      </p:sp>
+      <p:sp>
+        <p:nvSpPr>
+          <p:cNvPr id="366" name="Rounded Rectangle 365"/>
+          <p:cNvSpPr/>
+          <p:nvPr/>
+        </p:nvSpPr>
+        <p:spPr>
+          <a:xfrm>
+            <a:off x="5035567" y="1838808"/>
+            <a:ext cx="1102570" cy="254000"/>
+          </a:xfrm>
+          <a:prstGeom prst="roundRect">
+            <a:avLst>
+              <a:gd name="adj" fmla="val 0"/>
+            </a:avLst>
+          </a:prstGeom>
+          <a:solidFill>
+            <a:schemeClr val="lt1"/>
+          </a:solidFill>
+          <a:ln w="12700"/>
+        </p:spPr>
+        <p:style>
+          <a:lnRef idx="2">
+            <a:schemeClr val="dk1"/>
+          </a:lnRef>
+          <a:fillRef idx="1">
+            <a:schemeClr val="lt1"/>
+          </a:fillRef>
+          <a:effectRef idx="0">
+            <a:schemeClr val="dk1"/>
+          </a:effectRef>
+          <a:fontRef idx="minor">
+            <a:schemeClr val="dk1"/>
+          </a:fontRef>
+        </p:style>
+        <p:txBody>
+          <a:bodyPr rtlCol="0" anchor="ctr"/>
+          <a:lstStyle/>
+          <a:p>
+            <a:pPr algn="ctr"/>
+            <a:r>
+              <a:rPr lang="en-US" sz="1000" dirty="0" smtClean="0"/>
+              <a:t>Fault Tolerance</a:t>
+            </a:r>
+            <a:endParaRPr lang="en-US" sz="1000" dirty="0"/>
+          </a:p>
+        </p:txBody>
+      </p:sp>
+      <p:cxnSp>
+        <p:nvCxnSpPr>
+          <p:cNvPr id="367" name="Straight Connector 366"/>
+          <p:cNvCxnSpPr>
+            <a:stCxn id="366" idx="1"/>
+            <a:endCxn id="365" idx="3"/>
+          </p:cNvCxnSpPr>
+          <p:nvPr/>
+        </p:nvCxnSpPr>
+        <p:spPr>
+          <a:xfrm flipH="1">
+            <a:off x="4735855" y="1965808"/>
+            <a:ext cx="299712" cy="0"/>
+          </a:xfrm>
+          <a:prstGeom prst="line">
+            <a:avLst/>
+          </a:prstGeom>
+        </p:spPr>
+        <p:style>
+          <a:lnRef idx="1">
+            <a:schemeClr val="dk1"/>
+          </a:lnRef>
+          <a:fillRef idx="0">
+            <a:schemeClr val="dk1"/>
+          </a:fillRef>
+          <a:effectRef idx="0">
+            <a:schemeClr val="dk1"/>
+          </a:effectRef>
+          <a:fontRef idx="minor">
+            <a:schemeClr val="tx1"/>
+          </a:fontRef>
+        </p:style>
+      </p:cxnSp>
+      <p:cxnSp>
+        <p:nvCxnSpPr>
+          <p:cNvPr id="375" name="Elbow Connector 374"/>
+          <p:cNvCxnSpPr>
+            <a:stCxn id="95" idx="0"/>
+            <a:endCxn id="366" idx="3"/>
+          </p:cNvCxnSpPr>
+          <p:nvPr/>
+        </p:nvCxnSpPr>
+        <p:spPr>
+          <a:xfrm rot="16200000" flipV="1">
+            <a:off x="6180131" y="1923815"/>
+            <a:ext cx="1234911" cy="1318897"/>
+          </a:xfrm>
+          <a:prstGeom prst="bentConnector2">
+            <a:avLst/>
+          </a:prstGeom>
+          <a:ln w="19050" cmpd="sng">
+            <a:solidFill>
+              <a:schemeClr val="tx1"/>
+            </a:solidFill>
+            <a:tailEnd type="arrow"/>
+          </a:ln>
+          <a:effectLst/>
+        </p:spPr>
+        <p:style>
+          <a:lnRef idx="2">
+            <a:schemeClr val="accent1"/>
+          </a:lnRef>
+          <a:fillRef idx="0">
+            <a:schemeClr val="accent1"/>
+          </a:fillRef>
+          <a:effectRef idx="1">
+            <a:schemeClr val="accent1"/>
+          </a:effectRef>
+          <a:fontRef idx="minor">
+            <a:schemeClr val="tx1"/>
+          </a:fontRef>
+        </p:style>
+      </p:cxnSp>
+      <p:sp>
+        <p:nvSpPr>
+          <p:cNvPr id="384" name="TextBox 383"/>
+          <p:cNvSpPr txBox="1"/>
+          <p:nvPr/>
+        </p:nvSpPr>
+        <p:spPr>
+          <a:xfrm>
+            <a:off x="2132660" y="1568408"/>
+            <a:ext cx="1087260" cy="276999"/>
+          </a:xfrm>
+          <a:prstGeom prst="rect">
+            <a:avLst/>
+          </a:prstGeom>
+          <a:noFill/>
+        </p:spPr>
+        <p:txBody>
+          <a:bodyPr wrap="square" rtlCol="0">
+            <a:spAutoFit/>
+          </a:bodyPr>
+          <a:lstStyle/>
+          <a:p>
+            <a:r>
+              <a:rPr lang="en-US" sz="1200" dirty="0" smtClean="0"/>
+              <a:t>Depends on</a:t>
+            </a:r>
+            <a:endParaRPr lang="en-US" sz="1200" dirty="0"/>
+          </a:p>
+        </p:txBody>
+      </p:sp>
+      <p:sp>
+        <p:nvSpPr>
+          <p:cNvPr id="385" name="TextBox 384"/>
+          <p:cNvSpPr txBox="1"/>
+          <p:nvPr/>
+        </p:nvSpPr>
+        <p:spPr>
+          <a:xfrm>
+            <a:off x="1636313" y="1314827"/>
+            <a:ext cx="452017" cy="276999"/>
+          </a:xfrm>
+          <a:prstGeom prst="rect">
+            <a:avLst/>
+          </a:prstGeom>
+          <a:noFill/>
+        </p:spPr>
+        <p:txBody>
+          <a:bodyPr wrap="none" rtlCol="0">
+            <a:spAutoFit/>
+          </a:bodyPr>
+          <a:lstStyle/>
+          <a:p>
+            <a:r>
+              <a:rPr lang="en-US" sz="1200" dirty="0" smtClean="0"/>
+              <a:t>Key:</a:t>
+            </a:r>
+            <a:endParaRPr lang="en-US" sz="1200" dirty="0" smtClean="0"/>
+          </a:p>
+        </p:txBody>
+      </p:sp>
+      <p:cxnSp>
+        <p:nvCxnSpPr>
+          <p:cNvPr id="421" name="Straight Arrow Connector 420"/>
+          <p:cNvCxnSpPr/>
+          <p:nvPr/>
+        </p:nvCxnSpPr>
+        <p:spPr>
+          <a:xfrm flipH="1">
+            <a:off x="1749643" y="1732595"/>
+            <a:ext cx="303139" cy="0"/>
+          </a:xfrm>
+          <a:prstGeom prst="straightConnector1">
+            <a:avLst/>
+          </a:prstGeom>
+          <a:ln w="19050" cmpd="sng">
+            <a:solidFill>
+              <a:schemeClr val="tx1"/>
+            </a:solidFill>
+            <a:tailEnd type="arrow"/>
+          </a:ln>
+          <a:effectLst/>
+        </p:spPr>
+        <p:style>
+          <a:lnRef idx="2">
+            <a:schemeClr val="accent1"/>
+          </a:lnRef>
+          <a:fillRef idx="0">
+            <a:schemeClr val="accent1"/>
+          </a:fillRef>
+          <a:effectRef idx="1">
+            <a:schemeClr val="accent1"/>
+          </a:effectRef>
+          <a:fontRef idx="minor">
+            <a:schemeClr val="tx1"/>
+          </a:fontRef>
+        </p:style>
+      </p:cxnSp>
+    </p:spTree>
+    <p:extLst>
+      <p:ext uri="{BB962C8B-B14F-4D97-AF65-F5344CB8AC3E}">
+        <p14:creationId xmlns:p14="http://schemas.microsoft.com/office/powerpoint/2010/main" val="938228249"/>
+      </p:ext>
+    </p:extLst>
+  </p:cSld>
+  <p:clrMapOvr>
+    <a:masterClrMapping/>
+  </p:clrMapOvr>
+  <p:timing>
+    <p:tnLst>
+      <p:par>
+        <p:cTn xmlns:p14="http://schemas.microsoft.com/office/powerpoint/2010/main" id="1" dur="indefinite" restart="never" nodeType="tmRoot"/>
+      </p:par>
+    </p:tnLst>
+  </p:timing>
+</p:sld>
+</file>
+
+<file path=ppt/slides/slide15.xml><?xml version="1.0" encoding="utf-8"?>
+<p:sld xmlns:a="http://schemas.openxmlformats.org/drawingml/2006/main" xmlns:r="http://schemas.openxmlformats.org/officeDocument/2006/relationships" xmlns:p="http://schemas.openxmlformats.org/presentationml/2006/main">
+  <p:cSld>
+    <p:spTree>
+      <p:nvGrpSpPr>
+        <p:cNvPr id="1" name=""/>
+        <p:cNvGrpSpPr/>
+        <p:nvPr/>
+      </p:nvGrpSpPr>
+      <p:grpSpPr>
+        <a:xfrm>
+          <a:off x="0" y="0"/>
+          <a:ext cx="0" cy="0"/>
+          <a:chOff x="0" y="0"/>
+          <a:chExt cx="0" cy="0"/>
+        </a:xfrm>
+      </p:grpSpPr>
+      <p:sp>
+        <p:nvSpPr>
+          <p:cNvPr id="4" name="Rounded Rectangle 3"/>
+          <p:cNvSpPr/>
+          <p:nvPr/>
+        </p:nvSpPr>
+        <p:spPr>
+          <a:xfrm>
             <a:off x="5106066" y="501015"/>
             <a:ext cx="1239519" cy="279400"/>
           </a:xfrm>
@@ -20663,7 +22040,7 @@
 </p:sld>
 </file>
 
-<file path=ppt/slides/slide15.xml><?xml version="1.0" encoding="utf-8"?>
+<file path=ppt/slides/slide16.xml><?xml version="1.0" encoding="utf-8"?>
 <p:sld xmlns:a="http://schemas.openxmlformats.org/drawingml/2006/main" xmlns:r="http://schemas.openxmlformats.org/officeDocument/2006/relationships" xmlns:p="http://schemas.openxmlformats.org/presentationml/2006/main">
   <p:cSld>
     <p:spTree>
@@ -22116,7 +23493,7 @@
 </p:sld>
 </file>
 
-<file path=ppt/slides/slide16.xml><?xml version="1.0" encoding="utf-8"?>
+<file path=ppt/slides/slide17.xml><?xml version="1.0" encoding="utf-8"?>
 <p:sld xmlns:a="http://schemas.openxmlformats.org/drawingml/2006/main" xmlns:r="http://schemas.openxmlformats.org/officeDocument/2006/relationships" xmlns:p="http://schemas.openxmlformats.org/presentationml/2006/main">
   <p:cSld>
     <p:spTree>
@@ -24377,7 +25754,7 @@
 </p:sld>
 </file>
 
-<file path=ppt/slides/slide17.xml><?xml version="1.0" encoding="utf-8"?>
+<file path=ppt/slides/slide18.xml><?xml version="1.0" encoding="utf-8"?>
 <p:sld xmlns:a="http://schemas.openxmlformats.org/drawingml/2006/main" xmlns:r="http://schemas.openxmlformats.org/officeDocument/2006/relationships" xmlns:p="http://schemas.openxmlformats.org/presentationml/2006/main">
   <p:cSld>
     <p:spTree>
@@ -25411,7 +26788,7 @@
 </p:sld>
 </file>
 
-<file path=ppt/slides/slide18.xml><?xml version="1.0" encoding="utf-8"?>
+<file path=ppt/slides/slide19.xml><?xml version="1.0" encoding="utf-8"?>
 <p:sld xmlns:a="http://schemas.openxmlformats.org/drawingml/2006/main" xmlns:r="http://schemas.openxmlformats.org/officeDocument/2006/relationships" xmlns:p="http://schemas.openxmlformats.org/presentationml/2006/main">
   <p:cSld>
     <p:spTree>

--- a/model.pptx
+++ b/model.pptx
@@ -3846,7 +3846,7 @@
           <a:graphicData uri="http://schemas.openxmlformats.org/presentationml/2006/ole">
             <mc:AlternateContent xmlns:mc="http://schemas.openxmlformats.org/markup-compatibility/2006">
               <mc:Choice xmlns:v="urn:schemas-microsoft-com:vml" Requires="v">
-                <p:oleObj spid="_x0000_s1102" name="Equation" r:id="rId3" imgW="3771900" imgH="203200" progId="Equation.3">
+                <p:oleObj spid="_x0000_s1103" name="Equation" r:id="rId3" imgW="3771900" imgH="203200" progId="Equation.3">
                   <p:embed/>
                 </p:oleObj>
               </mc:Choice>

--- a/model.pptx
+++ b/model.pptx
@@ -3846,7 +3846,7 @@
           <a:graphicData uri="http://schemas.openxmlformats.org/presentationml/2006/ole">
             <mc:AlternateContent xmlns:mc="http://schemas.openxmlformats.org/markup-compatibility/2006">
               <mc:Choice xmlns:v="urn:schemas-microsoft-com:vml" Requires="v">
-                <p:oleObj spid="_x0000_s1103" name="Equation" r:id="rId3" imgW="3771900" imgH="203200" progId="Equation.3">
+                <p:oleObj spid="_x0000_s1104" name="Equation" r:id="rId3" imgW="3771900" imgH="203200" progId="Equation.3">
                   <p:embed/>
                 </p:oleObj>
               </mc:Choice>

--- a/model.pptx
+++ b/model.pptx
@@ -13,17 +13,19 @@
     <p:sldId id="261" r:id="rId7"/>
     <p:sldId id="265" r:id="rId8"/>
     <p:sldId id="269" r:id="rId9"/>
-    <p:sldId id="268" r:id="rId10"/>
-    <p:sldId id="274" r:id="rId11"/>
-    <p:sldId id="270" r:id="rId12"/>
-    <p:sldId id="271" r:id="rId13"/>
-    <p:sldId id="275" r:id="rId14"/>
-    <p:sldId id="280" r:id="rId15"/>
-    <p:sldId id="276" r:id="rId16"/>
-    <p:sldId id="272" r:id="rId17"/>
-    <p:sldId id="273" r:id="rId18"/>
-    <p:sldId id="277" r:id="rId19"/>
-    <p:sldId id="279" r:id="rId20"/>
+    <p:sldId id="282" r:id="rId10"/>
+    <p:sldId id="268" r:id="rId11"/>
+    <p:sldId id="274" r:id="rId12"/>
+    <p:sldId id="270" r:id="rId13"/>
+    <p:sldId id="271" r:id="rId14"/>
+    <p:sldId id="275" r:id="rId15"/>
+    <p:sldId id="280" r:id="rId16"/>
+    <p:sldId id="276" r:id="rId17"/>
+    <p:sldId id="272" r:id="rId18"/>
+    <p:sldId id="273" r:id="rId19"/>
+    <p:sldId id="277" r:id="rId20"/>
+    <p:sldId id="279" r:id="rId21"/>
+    <p:sldId id="281" r:id="rId22"/>
   </p:sldIdLst>
   <p:sldSz cx="9144000" cy="6858000" type="screen4x3"/>
   <p:notesSz cx="6858000" cy="9144000"/>
@@ -3846,7 +3848,7 @@
           <a:graphicData uri="http://schemas.openxmlformats.org/presentationml/2006/ole">
             <mc:AlternateContent xmlns:mc="http://schemas.openxmlformats.org/markup-compatibility/2006">
               <mc:Choice xmlns:v="urn:schemas-microsoft-com:vml" Requires="v">
-                <p:oleObj spid="_x0000_s1104" name="Equation" r:id="rId3" imgW="3771900" imgH="203200" progId="Equation.3">
+                <p:oleObj spid="_x0000_s1106" name="Equation" r:id="rId3" imgW="3771900" imgH="203200" progId="Equation.3">
                   <p:embed/>
                 </p:oleObj>
               </mc:Choice>
@@ -3926,7 +3928,7 @@
         </p:nvSpPr>
         <p:spPr>
           <a:xfrm rot="16200000">
-            <a:off x="-2050764" y="1547240"/>
+            <a:off x="-451556" y="2095784"/>
             <a:ext cx="2903359" cy="646331"/>
           </a:xfrm>
           <a:prstGeom prst="rect">
@@ -3961,7 +3963,7 @@
         </p:nvSpPr>
         <p:spPr>
           <a:xfrm>
-            <a:off x="720266" y="1109089"/>
+            <a:off x="4941700" y="501015"/>
             <a:ext cx="1239519" cy="279400"/>
           </a:xfrm>
           <a:prstGeom prst="roundRect">
@@ -4005,7 +4007,7 @@
         </p:nvSpPr>
         <p:spPr>
           <a:xfrm>
-            <a:off x="913307" y="2633652"/>
+            <a:off x="5134741" y="1778660"/>
             <a:ext cx="975359" cy="254000"/>
           </a:xfrm>
           <a:prstGeom prst="roundRect">
@@ -4049,7 +4051,7 @@
         </p:nvSpPr>
         <p:spPr>
           <a:xfrm>
-            <a:off x="7291179" y="1331289"/>
+            <a:off x="5134741" y="3286812"/>
             <a:ext cx="975359" cy="254000"/>
           </a:xfrm>
           <a:prstGeom prst="roundRect">
@@ -4093,7 +4095,7 @@
         </p:nvSpPr>
         <p:spPr>
           <a:xfrm>
-            <a:off x="7271303" y="3386210"/>
+            <a:off x="5134741" y="5476347"/>
             <a:ext cx="975359" cy="254000"/>
           </a:xfrm>
           <a:prstGeom prst="roundRect">
@@ -4137,7 +4139,7 @@
         </p:nvSpPr>
         <p:spPr>
           <a:xfrm>
-            <a:off x="2161021" y="1474542"/>
+            <a:off x="6770502" y="866468"/>
             <a:ext cx="1619998" cy="287997"/>
           </a:xfrm>
           <a:prstGeom prst="roundRect">
@@ -4185,7 +4187,7 @@
         </p:nvSpPr>
         <p:spPr>
           <a:xfrm>
-            <a:off x="2161021" y="797939"/>
+            <a:off x="6770502" y="189865"/>
             <a:ext cx="772159" cy="227330"/>
           </a:xfrm>
           <a:prstGeom prst="roundRect">
@@ -4233,7 +4235,7 @@
         </p:nvSpPr>
         <p:spPr>
           <a:xfrm>
-            <a:off x="2150861" y="1139569"/>
+            <a:off x="6760342" y="531495"/>
             <a:ext cx="772159" cy="227330"/>
           </a:xfrm>
           <a:prstGeom prst="roundRect">
@@ -4281,7 +4283,7 @@
         </p:nvSpPr>
         <p:spPr>
           <a:xfrm>
-            <a:off x="2089901" y="2259331"/>
+            <a:off x="6699382" y="1392581"/>
             <a:ext cx="1780539" cy="264160"/>
           </a:xfrm>
           <a:prstGeom prst="roundRect">
@@ -4329,7 +4331,7 @@
         </p:nvSpPr>
         <p:spPr>
           <a:xfrm>
-            <a:off x="2089901" y="2573627"/>
+            <a:off x="6699382" y="1706877"/>
             <a:ext cx="1066800" cy="367664"/>
           </a:xfrm>
           <a:prstGeom prst="roundRect">
@@ -4377,7 +4379,7 @@
         </p:nvSpPr>
         <p:spPr>
           <a:xfrm>
-            <a:off x="2089901" y="3056297"/>
+            <a:off x="6699382" y="2142515"/>
             <a:ext cx="1494679" cy="305726"/>
           </a:xfrm>
           <a:prstGeom prst="roundRect">
@@ -4425,7 +4427,7 @@
         </p:nvSpPr>
         <p:spPr>
           <a:xfrm>
-            <a:off x="4901449" y="938329"/>
+            <a:off x="6628262" y="2925210"/>
             <a:ext cx="2065978" cy="276861"/>
           </a:xfrm>
           <a:prstGeom prst="roundRect">
@@ -4473,7 +4475,7 @@
         </p:nvSpPr>
         <p:spPr>
           <a:xfrm>
-            <a:off x="5564750" y="1699057"/>
+            <a:off x="6597782" y="3685938"/>
             <a:ext cx="1396998" cy="264160"/>
           </a:xfrm>
           <a:prstGeom prst="roundRect">
@@ -4521,7 +4523,7 @@
         </p:nvGrpSpPr>
         <p:grpSpPr>
           <a:xfrm>
-            <a:off x="5052434" y="2206991"/>
+            <a:off x="6602862" y="4193872"/>
             <a:ext cx="1879598" cy="491491"/>
             <a:chOff x="7721601" y="3576319"/>
             <a:chExt cx="1859278" cy="491491"/>
@@ -4680,6 +4682,2291 @@
         </p:nvSpPr>
         <p:spPr>
           <a:xfrm>
+            <a:off x="6628262" y="2578500"/>
+            <a:ext cx="1851659" cy="254000"/>
+          </a:xfrm>
+          <a:prstGeom prst="roundRect">
+            <a:avLst>
+              <a:gd name="adj" fmla="val 0"/>
+            </a:avLst>
+          </a:prstGeom>
+          <a:solidFill>
+            <a:schemeClr val="lt1"/>
+          </a:solidFill>
+          <a:ln w="12700"/>
+        </p:spPr>
+        <p:style>
+          <a:lnRef idx="2">
+            <a:schemeClr val="dk1"/>
+          </a:lnRef>
+          <a:fillRef idx="1">
+            <a:schemeClr val="lt1"/>
+          </a:fillRef>
+          <a:effectRef idx="0">
+            <a:schemeClr val="dk1"/>
+          </a:effectRef>
+          <a:fontRef idx="minor">
+            <a:schemeClr val="dk1"/>
+          </a:fontRef>
+        </p:style>
+        <p:txBody>
+          <a:bodyPr rtlCol="0" anchor="ctr"/>
+          <a:lstStyle/>
+          <a:p>
+            <a:pPr algn="ctr"/>
+            <a:r>
+              <a:rPr lang="en-US" sz="1000" dirty="0" smtClean="0"/>
+              <a:t>Fault Tolerance</a:t>
+            </a:r>
+            <a:endParaRPr lang="en-US" sz="1000" dirty="0"/>
+          </a:p>
+        </p:txBody>
+      </p:sp>
+      <p:sp>
+        <p:nvSpPr>
+          <p:cNvPr id="71" name="Rounded Rectangle 70"/>
+          <p:cNvSpPr/>
+          <p:nvPr/>
+        </p:nvSpPr>
+        <p:spPr>
+          <a:xfrm>
+            <a:off x="6613023" y="3322085"/>
+            <a:ext cx="1178560" cy="227330"/>
+          </a:xfrm>
+          <a:prstGeom prst="roundRect">
+            <a:avLst>
+              <a:gd name="adj" fmla="val 0"/>
+            </a:avLst>
+          </a:prstGeom>
+          <a:solidFill>
+            <a:schemeClr val="lt1"/>
+          </a:solidFill>
+          <a:ln w="12700"/>
+        </p:spPr>
+        <p:style>
+          <a:lnRef idx="2">
+            <a:schemeClr val="dk1"/>
+          </a:lnRef>
+          <a:fillRef idx="1">
+            <a:schemeClr val="lt1"/>
+          </a:fillRef>
+          <a:effectRef idx="0">
+            <a:schemeClr val="dk1"/>
+          </a:effectRef>
+          <a:fontRef idx="minor">
+            <a:schemeClr val="dk1"/>
+          </a:fontRef>
+        </p:style>
+        <p:txBody>
+          <a:bodyPr rtlCol="0" anchor="ctr"/>
+          <a:lstStyle/>
+          <a:p>
+            <a:pPr algn="ctr"/>
+            <a:r>
+              <a:rPr lang="en-US" sz="1000" dirty="0" smtClean="0"/>
+              <a:t>Customer Service</a:t>
+            </a:r>
+            <a:endParaRPr lang="en-US" sz="1000" dirty="0"/>
+          </a:p>
+        </p:txBody>
+      </p:sp>
+      <p:sp>
+        <p:nvSpPr>
+          <p:cNvPr id="72" name="Rounded Rectangle 71"/>
+          <p:cNvSpPr/>
+          <p:nvPr/>
+        </p:nvSpPr>
+        <p:spPr>
+          <a:xfrm>
+            <a:off x="6656267" y="6084747"/>
+            <a:ext cx="1011197" cy="240573"/>
+          </a:xfrm>
+          <a:prstGeom prst="roundRect">
+            <a:avLst>
+              <a:gd name="adj" fmla="val 0"/>
+            </a:avLst>
+          </a:prstGeom>
+          <a:solidFill>
+            <a:schemeClr val="lt1"/>
+          </a:solidFill>
+          <a:ln w="12700"/>
+        </p:spPr>
+        <p:style>
+          <a:lnRef idx="2">
+            <a:schemeClr val="dk1"/>
+          </a:lnRef>
+          <a:fillRef idx="1">
+            <a:schemeClr val="lt1"/>
+          </a:fillRef>
+          <a:effectRef idx="0">
+            <a:schemeClr val="dk1"/>
+          </a:effectRef>
+          <a:fontRef idx="minor">
+            <a:schemeClr val="dk1"/>
+          </a:fontRef>
+        </p:style>
+        <p:txBody>
+          <a:bodyPr rtlCol="0" anchor="ctr"/>
+          <a:lstStyle/>
+          <a:p>
+            <a:pPr algn="ctr"/>
+            <a:r>
+              <a:rPr lang="en-US" sz="1000" dirty="0" smtClean="0"/>
+              <a:t>Confidentiality</a:t>
+            </a:r>
+            <a:endParaRPr lang="en-US" sz="1000" dirty="0"/>
+          </a:p>
+        </p:txBody>
+      </p:sp>
+      <p:sp>
+        <p:nvSpPr>
+          <p:cNvPr id="74" name="Rounded Rectangle 73"/>
+          <p:cNvSpPr/>
+          <p:nvPr/>
+        </p:nvSpPr>
+        <p:spPr>
+          <a:xfrm>
+            <a:off x="6653727" y="4858588"/>
+            <a:ext cx="2098997" cy="227330"/>
+          </a:xfrm>
+          <a:prstGeom prst="roundRect">
+            <a:avLst>
+              <a:gd name="adj" fmla="val 0"/>
+            </a:avLst>
+          </a:prstGeom>
+          <a:solidFill>
+            <a:schemeClr val="lt1"/>
+          </a:solidFill>
+          <a:ln w="12700"/>
+        </p:spPr>
+        <p:style>
+          <a:lnRef idx="2">
+            <a:schemeClr val="dk1"/>
+          </a:lnRef>
+          <a:fillRef idx="1">
+            <a:schemeClr val="lt1"/>
+          </a:fillRef>
+          <a:effectRef idx="0">
+            <a:schemeClr val="dk1"/>
+          </a:effectRef>
+          <a:fontRef idx="minor">
+            <a:schemeClr val="dk1"/>
+          </a:fontRef>
+        </p:style>
+        <p:txBody>
+          <a:bodyPr rtlCol="0" anchor="ctr"/>
+          <a:lstStyle/>
+          <a:p>
+            <a:pPr algn="ctr"/>
+            <a:r>
+              <a:rPr lang="en-US" sz="1000" dirty="0" smtClean="0"/>
+              <a:t>Safety</a:t>
+            </a:r>
+            <a:endParaRPr lang="en-US" sz="1000" dirty="0"/>
+          </a:p>
+        </p:txBody>
+      </p:sp>
+      <p:sp>
+        <p:nvSpPr>
+          <p:cNvPr id="75" name="Rounded Rectangle 74"/>
+          <p:cNvSpPr/>
+          <p:nvPr/>
+        </p:nvSpPr>
+        <p:spPr>
+          <a:xfrm>
+            <a:off x="6666427" y="5781570"/>
+            <a:ext cx="1001037" cy="227330"/>
+          </a:xfrm>
+          <a:prstGeom prst="roundRect">
+            <a:avLst>
+              <a:gd name="adj" fmla="val 0"/>
+            </a:avLst>
+          </a:prstGeom>
+          <a:solidFill>
+            <a:schemeClr val="lt1"/>
+          </a:solidFill>
+          <a:ln w="12700"/>
+        </p:spPr>
+        <p:style>
+          <a:lnRef idx="2">
+            <a:schemeClr val="dk1"/>
+          </a:lnRef>
+          <a:fillRef idx="1">
+            <a:schemeClr val="lt1"/>
+          </a:fillRef>
+          <a:effectRef idx="0">
+            <a:schemeClr val="dk1"/>
+          </a:effectRef>
+          <a:fontRef idx="minor">
+            <a:schemeClr val="dk1"/>
+          </a:fontRef>
+        </p:style>
+        <p:txBody>
+          <a:bodyPr rtlCol="0" anchor="ctr"/>
+          <a:lstStyle/>
+          <a:p>
+            <a:pPr algn="ctr"/>
+            <a:r>
+              <a:rPr lang="en-US" sz="1000" dirty="0" smtClean="0"/>
+              <a:t>Integrity</a:t>
+            </a:r>
+            <a:endParaRPr lang="en-US" sz="1000" dirty="0"/>
+          </a:p>
+        </p:txBody>
+      </p:sp>
+      <p:sp>
+        <p:nvSpPr>
+          <p:cNvPr id="76" name="Rounded Rectangle 75"/>
+          <p:cNvSpPr/>
+          <p:nvPr/>
+        </p:nvSpPr>
+        <p:spPr>
+          <a:xfrm>
+            <a:off x="6661625" y="5195136"/>
+            <a:ext cx="1005839" cy="227330"/>
+          </a:xfrm>
+          <a:prstGeom prst="roundRect">
+            <a:avLst>
+              <a:gd name="adj" fmla="val 0"/>
+            </a:avLst>
+          </a:prstGeom>
+          <a:solidFill>
+            <a:schemeClr val="lt1"/>
+          </a:solidFill>
+          <a:ln w="12700"/>
+        </p:spPr>
+        <p:style>
+          <a:lnRef idx="2">
+            <a:schemeClr val="dk1"/>
+          </a:lnRef>
+          <a:fillRef idx="1">
+            <a:schemeClr val="lt1"/>
+          </a:fillRef>
+          <a:effectRef idx="0">
+            <a:schemeClr val="dk1"/>
+          </a:effectRef>
+          <a:fontRef idx="minor">
+            <a:schemeClr val="dk1"/>
+          </a:fontRef>
+        </p:style>
+        <p:txBody>
+          <a:bodyPr rtlCol="0" anchor="ctr"/>
+          <a:lstStyle/>
+          <a:p>
+            <a:pPr algn="ctr"/>
+            <a:r>
+              <a:rPr lang="en-US" sz="1000" dirty="0" smtClean="0"/>
+              <a:t>Authenticity</a:t>
+            </a:r>
+            <a:endParaRPr lang="en-US" sz="1000" dirty="0"/>
+          </a:p>
+        </p:txBody>
+      </p:sp>
+      <p:cxnSp>
+        <p:nvCxnSpPr>
+          <p:cNvPr id="77" name="Straight Connector 76"/>
+          <p:cNvCxnSpPr>
+            <a:stCxn id="59" idx="1"/>
+            <a:endCxn id="54" idx="3"/>
+          </p:cNvCxnSpPr>
+          <p:nvPr/>
+        </p:nvCxnSpPr>
+        <p:spPr>
+          <a:xfrm flipH="1">
+            <a:off x="6181219" y="303530"/>
+            <a:ext cx="589283" cy="337185"/>
+          </a:xfrm>
+          <a:prstGeom prst="line">
+            <a:avLst/>
+          </a:prstGeom>
+        </p:spPr>
+        <p:style>
+          <a:lnRef idx="1">
+            <a:schemeClr val="dk1"/>
+          </a:lnRef>
+          <a:fillRef idx="0">
+            <a:schemeClr val="dk1"/>
+          </a:fillRef>
+          <a:effectRef idx="0">
+            <a:schemeClr val="dk1"/>
+          </a:effectRef>
+          <a:fontRef idx="minor">
+            <a:schemeClr val="tx1"/>
+          </a:fontRef>
+        </p:style>
+      </p:cxnSp>
+      <p:cxnSp>
+        <p:nvCxnSpPr>
+          <p:cNvPr id="78" name="Straight Connector 77"/>
+          <p:cNvCxnSpPr>
+            <a:stCxn id="60" idx="1"/>
+            <a:endCxn id="54" idx="3"/>
+          </p:cNvCxnSpPr>
+          <p:nvPr/>
+        </p:nvCxnSpPr>
+        <p:spPr>
+          <a:xfrm flipH="1" flipV="1">
+            <a:off x="6181219" y="640715"/>
+            <a:ext cx="579123" cy="4445"/>
+          </a:xfrm>
+          <a:prstGeom prst="line">
+            <a:avLst/>
+          </a:prstGeom>
+        </p:spPr>
+        <p:style>
+          <a:lnRef idx="1">
+            <a:schemeClr val="dk1"/>
+          </a:lnRef>
+          <a:fillRef idx="0">
+            <a:schemeClr val="dk1"/>
+          </a:fillRef>
+          <a:effectRef idx="0">
+            <a:schemeClr val="dk1"/>
+          </a:effectRef>
+          <a:fontRef idx="minor">
+            <a:schemeClr val="tx1"/>
+          </a:fontRef>
+        </p:style>
+      </p:cxnSp>
+      <p:cxnSp>
+        <p:nvCxnSpPr>
+          <p:cNvPr id="79" name="Straight Connector 78"/>
+          <p:cNvCxnSpPr>
+            <a:stCxn id="58" idx="1"/>
+            <a:endCxn id="54" idx="3"/>
+          </p:cNvCxnSpPr>
+          <p:nvPr/>
+        </p:nvCxnSpPr>
+        <p:spPr>
+          <a:xfrm flipH="1" flipV="1">
+            <a:off x="6181219" y="640715"/>
+            <a:ext cx="589283" cy="369752"/>
+          </a:xfrm>
+          <a:prstGeom prst="line">
+            <a:avLst/>
+          </a:prstGeom>
+        </p:spPr>
+        <p:style>
+          <a:lnRef idx="1">
+            <a:schemeClr val="dk1"/>
+          </a:lnRef>
+          <a:fillRef idx="0">
+            <a:schemeClr val="dk1"/>
+          </a:fillRef>
+          <a:effectRef idx="0">
+            <a:schemeClr val="dk1"/>
+          </a:effectRef>
+          <a:fontRef idx="minor">
+            <a:schemeClr val="tx1"/>
+          </a:fontRef>
+        </p:style>
+      </p:cxnSp>
+      <p:cxnSp>
+        <p:nvCxnSpPr>
+          <p:cNvPr id="82" name="Straight Connector 81"/>
+          <p:cNvCxnSpPr>
+            <a:stCxn id="61" idx="1"/>
+            <a:endCxn id="55" idx="3"/>
+          </p:cNvCxnSpPr>
+          <p:nvPr/>
+        </p:nvCxnSpPr>
+        <p:spPr>
+          <a:xfrm flipH="1">
+            <a:off x="6110100" y="1524661"/>
+            <a:ext cx="589282" cy="380999"/>
+          </a:xfrm>
+          <a:prstGeom prst="line">
+            <a:avLst/>
+          </a:prstGeom>
+        </p:spPr>
+        <p:style>
+          <a:lnRef idx="1">
+            <a:schemeClr val="dk1"/>
+          </a:lnRef>
+          <a:fillRef idx="0">
+            <a:schemeClr val="dk1"/>
+          </a:fillRef>
+          <a:effectRef idx="0">
+            <a:schemeClr val="dk1"/>
+          </a:effectRef>
+          <a:fontRef idx="minor">
+            <a:schemeClr val="tx1"/>
+          </a:fontRef>
+        </p:style>
+      </p:cxnSp>
+      <p:cxnSp>
+        <p:nvCxnSpPr>
+          <p:cNvPr id="83" name="Straight Connector 82"/>
+          <p:cNvCxnSpPr>
+            <a:stCxn id="62" idx="1"/>
+            <a:endCxn id="55" idx="3"/>
+          </p:cNvCxnSpPr>
+          <p:nvPr/>
+        </p:nvCxnSpPr>
+        <p:spPr>
+          <a:xfrm flipH="1">
+            <a:off x="6110100" y="1890709"/>
+            <a:ext cx="589282" cy="14951"/>
+          </a:xfrm>
+          <a:prstGeom prst="line">
+            <a:avLst/>
+          </a:prstGeom>
+        </p:spPr>
+        <p:style>
+          <a:lnRef idx="1">
+            <a:schemeClr val="dk1"/>
+          </a:lnRef>
+          <a:fillRef idx="0">
+            <a:schemeClr val="dk1"/>
+          </a:fillRef>
+          <a:effectRef idx="0">
+            <a:schemeClr val="dk1"/>
+          </a:effectRef>
+          <a:fontRef idx="minor">
+            <a:schemeClr val="tx1"/>
+          </a:fontRef>
+        </p:style>
+      </p:cxnSp>
+      <p:cxnSp>
+        <p:nvCxnSpPr>
+          <p:cNvPr id="84" name="Straight Connector 83"/>
+          <p:cNvCxnSpPr>
+            <a:stCxn id="64" idx="1"/>
+            <a:endCxn id="56" idx="3"/>
+          </p:cNvCxnSpPr>
+          <p:nvPr/>
+        </p:nvCxnSpPr>
+        <p:spPr>
+          <a:xfrm flipH="1">
+            <a:off x="6110100" y="3063641"/>
+            <a:ext cx="518162" cy="350171"/>
+          </a:xfrm>
+          <a:prstGeom prst="line">
+            <a:avLst/>
+          </a:prstGeom>
+        </p:spPr>
+        <p:style>
+          <a:lnRef idx="1">
+            <a:schemeClr val="dk1"/>
+          </a:lnRef>
+          <a:fillRef idx="0">
+            <a:schemeClr val="dk1"/>
+          </a:fillRef>
+          <a:effectRef idx="0">
+            <a:schemeClr val="dk1"/>
+          </a:effectRef>
+          <a:fontRef idx="minor">
+            <a:schemeClr val="tx1"/>
+          </a:fontRef>
+        </p:style>
+      </p:cxnSp>
+      <p:cxnSp>
+        <p:nvCxnSpPr>
+          <p:cNvPr id="85" name="Straight Arrow Connector 84"/>
+          <p:cNvCxnSpPr>
+            <a:stCxn id="61" idx="0"/>
+            <a:endCxn id="58" idx="2"/>
+          </p:cNvCxnSpPr>
+          <p:nvPr/>
+        </p:nvCxnSpPr>
+        <p:spPr>
+          <a:xfrm flipH="1" flipV="1">
+            <a:off x="7580917" y="1154465"/>
+            <a:ext cx="8319" cy="238116"/>
+          </a:xfrm>
+          <a:prstGeom prst="straightConnector1">
+            <a:avLst/>
+          </a:prstGeom>
+          <a:ln w="12700" cmpd="sng">
+            <a:headEnd type="none"/>
+            <a:tailEnd type="triangle"/>
+          </a:ln>
+          <a:effectLst/>
+        </p:spPr>
+        <p:style>
+          <a:lnRef idx="2">
+            <a:schemeClr val="accent1"/>
+          </a:lnRef>
+          <a:fillRef idx="0">
+            <a:schemeClr val="accent1"/>
+          </a:fillRef>
+          <a:effectRef idx="1">
+            <a:schemeClr val="accent1"/>
+          </a:effectRef>
+          <a:fontRef idx="minor">
+            <a:schemeClr val="tx1"/>
+          </a:fontRef>
+        </p:style>
+      </p:cxnSp>
+      <p:cxnSp>
+        <p:nvCxnSpPr>
+          <p:cNvPr id="86" name="Elbow Connector 85"/>
+          <p:cNvCxnSpPr>
+            <a:stCxn id="63" idx="3"/>
+          </p:cNvCxnSpPr>
+          <p:nvPr/>
+        </p:nvCxnSpPr>
+        <p:spPr>
+          <a:xfrm flipH="1" flipV="1">
+            <a:off x="7756756" y="2032660"/>
+            <a:ext cx="416481" cy="262718"/>
+          </a:xfrm>
+          <a:prstGeom prst="bentConnector3">
+            <a:avLst>
+              <a:gd name="adj1" fmla="val -49899"/>
+            </a:avLst>
+          </a:prstGeom>
+          <a:ln w="3175" cmpd="sng">
+            <a:prstDash val="lgDash"/>
+            <a:tailEnd type="arrow"/>
+          </a:ln>
+          <a:effectLst/>
+        </p:spPr>
+        <p:style>
+          <a:lnRef idx="2">
+            <a:schemeClr val="accent1"/>
+          </a:lnRef>
+          <a:fillRef idx="0">
+            <a:schemeClr val="accent1"/>
+          </a:fillRef>
+          <a:effectRef idx="1">
+            <a:schemeClr val="accent1"/>
+          </a:effectRef>
+          <a:fontRef idx="minor">
+            <a:schemeClr val="tx1"/>
+          </a:fontRef>
+        </p:style>
+      </p:cxnSp>
+      <p:cxnSp>
+        <p:nvCxnSpPr>
+          <p:cNvPr id="87" name="Elbow Connector 86"/>
+          <p:cNvCxnSpPr>
+            <a:stCxn id="62" idx="3"/>
+          </p:cNvCxnSpPr>
+          <p:nvPr/>
+        </p:nvCxnSpPr>
+        <p:spPr>
+          <a:xfrm flipV="1">
+            <a:off x="7777592" y="1656741"/>
+            <a:ext cx="228199" cy="233968"/>
+          </a:xfrm>
+          <a:prstGeom prst="bentConnector3">
+            <a:avLst>
+              <a:gd name="adj1" fmla="val 93286"/>
+            </a:avLst>
+          </a:prstGeom>
+          <a:ln w="3175" cmpd="sng">
+            <a:prstDash val="lgDash"/>
+            <a:headEnd type="none"/>
+            <a:tailEnd type="arrow"/>
+          </a:ln>
+          <a:effectLst/>
+        </p:spPr>
+        <p:style>
+          <a:lnRef idx="2">
+            <a:schemeClr val="accent1"/>
+          </a:lnRef>
+          <a:fillRef idx="0">
+            <a:schemeClr val="accent1"/>
+          </a:fillRef>
+          <a:effectRef idx="1">
+            <a:schemeClr val="accent1"/>
+          </a:effectRef>
+          <a:fontRef idx="minor">
+            <a:schemeClr val="tx1"/>
+          </a:fontRef>
+        </p:style>
+      </p:cxnSp>
+      <p:cxnSp>
+        <p:nvCxnSpPr>
+          <p:cNvPr id="88" name="Elbow Connector 87"/>
+          <p:cNvCxnSpPr>
+            <a:stCxn id="64" idx="3"/>
+            <a:endCxn id="58" idx="3"/>
+          </p:cNvCxnSpPr>
+          <p:nvPr/>
+        </p:nvCxnSpPr>
+        <p:spPr>
+          <a:xfrm flipH="1" flipV="1">
+            <a:off x="8404307" y="1010467"/>
+            <a:ext cx="276127" cy="2053174"/>
+          </a:xfrm>
+          <a:prstGeom prst="bentConnector3">
+            <a:avLst>
+              <a:gd name="adj1" fmla="val -75262"/>
+            </a:avLst>
+          </a:prstGeom>
+          <a:ln w="12700" cmpd="sng">
+            <a:headEnd type="none"/>
+            <a:tailEnd type="triangle"/>
+          </a:ln>
+          <a:effectLst/>
+        </p:spPr>
+        <p:style>
+          <a:lnRef idx="2">
+            <a:schemeClr val="accent1"/>
+          </a:lnRef>
+          <a:fillRef idx="0">
+            <a:schemeClr val="accent1"/>
+          </a:fillRef>
+          <a:effectRef idx="1">
+            <a:schemeClr val="accent1"/>
+          </a:effectRef>
+          <a:fontRef idx="minor">
+            <a:schemeClr val="tx1"/>
+          </a:fontRef>
+        </p:style>
+      </p:cxnSp>
+      <p:cxnSp>
+        <p:nvCxnSpPr>
+          <p:cNvPr id="89" name="Straight Connector 88"/>
+          <p:cNvCxnSpPr>
+            <a:stCxn id="70" idx="1"/>
+            <a:endCxn id="56" idx="3"/>
+          </p:cNvCxnSpPr>
+          <p:nvPr/>
+        </p:nvCxnSpPr>
+        <p:spPr>
+          <a:xfrm flipH="1">
+            <a:off x="6110100" y="2705500"/>
+            <a:ext cx="518162" cy="708312"/>
+          </a:xfrm>
+          <a:prstGeom prst="line">
+            <a:avLst/>
+          </a:prstGeom>
+        </p:spPr>
+        <p:style>
+          <a:lnRef idx="1">
+            <a:schemeClr val="dk1"/>
+          </a:lnRef>
+          <a:fillRef idx="0">
+            <a:schemeClr val="dk1"/>
+          </a:fillRef>
+          <a:effectRef idx="0">
+            <a:schemeClr val="dk1"/>
+          </a:effectRef>
+          <a:fontRef idx="minor">
+            <a:schemeClr val="tx1"/>
+          </a:fontRef>
+        </p:style>
+      </p:cxnSp>
+      <p:cxnSp>
+        <p:nvCxnSpPr>
+          <p:cNvPr id="90" name="Straight Connector 89"/>
+          <p:cNvCxnSpPr>
+            <a:stCxn id="65" idx="1"/>
+            <a:endCxn id="56" idx="3"/>
+          </p:cNvCxnSpPr>
+          <p:nvPr/>
+        </p:nvCxnSpPr>
+        <p:spPr>
+          <a:xfrm flipH="1" flipV="1">
+            <a:off x="6110100" y="3413812"/>
+            <a:ext cx="487682" cy="404206"/>
+          </a:xfrm>
+          <a:prstGeom prst="line">
+            <a:avLst/>
+          </a:prstGeom>
+        </p:spPr>
+        <p:style>
+          <a:lnRef idx="1">
+            <a:schemeClr val="dk1"/>
+          </a:lnRef>
+          <a:fillRef idx="0">
+            <a:schemeClr val="dk1"/>
+          </a:fillRef>
+          <a:effectRef idx="0">
+            <a:schemeClr val="dk1"/>
+          </a:effectRef>
+          <a:fontRef idx="minor">
+            <a:schemeClr val="tx1"/>
+          </a:fontRef>
+        </p:style>
+      </p:cxnSp>
+      <p:cxnSp>
+        <p:nvCxnSpPr>
+          <p:cNvPr id="91" name="Straight Connector 90"/>
+          <p:cNvCxnSpPr>
+            <a:stCxn id="71" idx="1"/>
+            <a:endCxn id="56" idx="3"/>
+          </p:cNvCxnSpPr>
+          <p:nvPr/>
+        </p:nvCxnSpPr>
+        <p:spPr>
+          <a:xfrm flipH="1" flipV="1">
+            <a:off x="6110100" y="3413812"/>
+            <a:ext cx="502923" cy="21938"/>
+          </a:xfrm>
+          <a:prstGeom prst="line">
+            <a:avLst/>
+          </a:prstGeom>
+        </p:spPr>
+        <p:style>
+          <a:lnRef idx="1">
+            <a:schemeClr val="dk1"/>
+          </a:lnRef>
+          <a:fillRef idx="0">
+            <a:schemeClr val="dk1"/>
+          </a:fillRef>
+          <a:effectRef idx="0">
+            <a:schemeClr val="dk1"/>
+          </a:effectRef>
+          <a:fontRef idx="minor">
+            <a:schemeClr val="tx1"/>
+          </a:fontRef>
+        </p:style>
+      </p:cxnSp>
+      <p:cxnSp>
+        <p:nvCxnSpPr>
+          <p:cNvPr id="92" name="Straight Connector 91"/>
+          <p:cNvCxnSpPr>
+            <a:stCxn id="67" idx="1"/>
+            <a:endCxn id="56" idx="3"/>
+          </p:cNvCxnSpPr>
+          <p:nvPr/>
+        </p:nvCxnSpPr>
+        <p:spPr>
+          <a:xfrm flipH="1" flipV="1">
+            <a:off x="6110100" y="3413812"/>
+            <a:ext cx="492762" cy="910553"/>
+          </a:xfrm>
+          <a:prstGeom prst="line">
+            <a:avLst/>
+          </a:prstGeom>
+        </p:spPr>
+        <p:style>
+          <a:lnRef idx="1">
+            <a:schemeClr val="dk1"/>
+          </a:lnRef>
+          <a:fillRef idx="0">
+            <a:schemeClr val="dk1"/>
+          </a:fillRef>
+          <a:effectRef idx="0">
+            <a:schemeClr val="dk1"/>
+          </a:effectRef>
+          <a:fontRef idx="minor">
+            <a:schemeClr val="tx1"/>
+          </a:fontRef>
+        </p:style>
+      </p:cxnSp>
+      <p:cxnSp>
+        <p:nvCxnSpPr>
+          <p:cNvPr id="93" name="Elbow Connector 92"/>
+          <p:cNvCxnSpPr/>
+          <p:nvPr/>
+        </p:nvCxnSpPr>
+        <p:spPr>
+          <a:xfrm flipV="1">
+            <a:off x="7806821" y="3202071"/>
+            <a:ext cx="243839" cy="259079"/>
+          </a:xfrm>
+          <a:prstGeom prst="bentConnector2">
+            <a:avLst/>
+          </a:prstGeom>
+          <a:ln w="3175" cmpd="sng">
+            <a:prstDash val="lgDash"/>
+            <a:tailEnd type="arrow"/>
+          </a:ln>
+          <a:effectLst/>
+        </p:spPr>
+        <p:style>
+          <a:lnRef idx="2">
+            <a:schemeClr val="accent1"/>
+          </a:lnRef>
+          <a:fillRef idx="0">
+            <a:schemeClr val="accent1"/>
+          </a:fillRef>
+          <a:effectRef idx="1">
+            <a:schemeClr val="accent1"/>
+          </a:effectRef>
+          <a:fontRef idx="minor">
+            <a:schemeClr val="tx1"/>
+          </a:fontRef>
+        </p:style>
+      </p:cxnSp>
+      <p:cxnSp>
+        <p:nvCxnSpPr>
+          <p:cNvPr id="94" name="Elbow Connector 93"/>
+          <p:cNvCxnSpPr>
+            <a:stCxn id="65" idx="3"/>
+          </p:cNvCxnSpPr>
+          <p:nvPr/>
+        </p:nvCxnSpPr>
+        <p:spPr>
+          <a:xfrm flipV="1">
+            <a:off x="8007326" y="3202072"/>
+            <a:ext cx="250926" cy="615946"/>
+          </a:xfrm>
+          <a:prstGeom prst="bentConnector2">
+            <a:avLst/>
+          </a:prstGeom>
+          <a:ln w="3175" cmpd="sng">
+            <a:prstDash val="lgDash"/>
+            <a:tailEnd type="arrow"/>
+          </a:ln>
+          <a:effectLst/>
+        </p:spPr>
+        <p:style>
+          <a:lnRef idx="2">
+            <a:schemeClr val="accent1"/>
+          </a:lnRef>
+          <a:fillRef idx="0">
+            <a:schemeClr val="accent1"/>
+          </a:fillRef>
+          <a:effectRef idx="1">
+            <a:schemeClr val="accent1"/>
+          </a:effectRef>
+          <a:fontRef idx="minor">
+            <a:schemeClr val="tx1"/>
+          </a:fontRef>
+        </p:style>
+      </p:cxnSp>
+      <p:cxnSp>
+        <p:nvCxnSpPr>
+          <p:cNvPr id="95" name="Straight Connector 94"/>
+          <p:cNvCxnSpPr>
+            <a:stCxn id="63" idx="1"/>
+            <a:endCxn id="55" idx="3"/>
+          </p:cNvCxnSpPr>
+          <p:nvPr/>
+        </p:nvCxnSpPr>
+        <p:spPr>
+          <a:xfrm flipH="1" flipV="1">
+            <a:off x="6110100" y="1905660"/>
+            <a:ext cx="589282" cy="389718"/>
+          </a:xfrm>
+          <a:prstGeom prst="line">
+            <a:avLst/>
+          </a:prstGeom>
+        </p:spPr>
+        <p:style>
+          <a:lnRef idx="1">
+            <a:schemeClr val="dk1"/>
+          </a:lnRef>
+          <a:fillRef idx="0">
+            <a:schemeClr val="dk1"/>
+          </a:fillRef>
+          <a:effectRef idx="0">
+            <a:schemeClr val="dk1"/>
+          </a:effectRef>
+          <a:fontRef idx="minor">
+            <a:schemeClr val="tx1"/>
+          </a:fontRef>
+        </p:style>
+      </p:cxnSp>
+      <p:cxnSp>
+        <p:nvCxnSpPr>
+          <p:cNvPr id="96" name="Straight Arrow Connector 95"/>
+          <p:cNvCxnSpPr>
+            <a:stCxn id="67" idx="0"/>
+          </p:cNvCxnSpPr>
+          <p:nvPr/>
+        </p:nvCxnSpPr>
+        <p:spPr>
+          <a:xfrm flipV="1">
+            <a:off x="7542661" y="3950098"/>
+            <a:ext cx="0" cy="243774"/>
+          </a:xfrm>
+          <a:prstGeom prst="straightConnector1">
+            <a:avLst/>
+          </a:prstGeom>
+          <a:ln w="3175" cmpd="sng">
+            <a:prstDash val="lgDash"/>
+            <a:tailEnd type="arrow"/>
+          </a:ln>
+          <a:effectLst/>
+        </p:spPr>
+        <p:style>
+          <a:lnRef idx="2">
+            <a:schemeClr val="accent1"/>
+          </a:lnRef>
+          <a:fillRef idx="0">
+            <a:schemeClr val="accent1"/>
+          </a:fillRef>
+          <a:effectRef idx="1">
+            <a:schemeClr val="accent1"/>
+          </a:effectRef>
+          <a:fontRef idx="minor">
+            <a:schemeClr val="tx1"/>
+          </a:fontRef>
+        </p:style>
+      </p:cxnSp>
+      <p:cxnSp>
+        <p:nvCxnSpPr>
+          <p:cNvPr id="97" name="Elbow Connector 96"/>
+          <p:cNvCxnSpPr>
+            <a:stCxn id="76" idx="3"/>
+          </p:cNvCxnSpPr>
+          <p:nvPr/>
+        </p:nvCxnSpPr>
+        <p:spPr>
+          <a:xfrm flipV="1">
+            <a:off x="7676688" y="5085919"/>
+            <a:ext cx="184484" cy="222882"/>
+          </a:xfrm>
+          <a:prstGeom prst="bentConnector2">
+            <a:avLst/>
+          </a:prstGeom>
+          <a:ln w="3175" cmpd="sng">
+            <a:prstDash val="lgDash"/>
+            <a:tailEnd type="arrow"/>
+          </a:ln>
+          <a:effectLst/>
+        </p:spPr>
+        <p:style>
+          <a:lnRef idx="2">
+            <a:schemeClr val="accent1"/>
+          </a:lnRef>
+          <a:fillRef idx="0">
+            <a:schemeClr val="accent1"/>
+          </a:fillRef>
+          <a:effectRef idx="1">
+            <a:schemeClr val="accent1"/>
+          </a:effectRef>
+          <a:fontRef idx="minor">
+            <a:schemeClr val="tx1"/>
+          </a:fontRef>
+        </p:style>
+      </p:cxnSp>
+      <p:cxnSp>
+        <p:nvCxnSpPr>
+          <p:cNvPr id="98" name="Elbow Connector 97"/>
+          <p:cNvCxnSpPr>
+            <a:stCxn id="75" idx="3"/>
+          </p:cNvCxnSpPr>
+          <p:nvPr/>
+        </p:nvCxnSpPr>
+        <p:spPr>
+          <a:xfrm flipV="1">
+            <a:off x="7698560" y="5085919"/>
+            <a:ext cx="621916" cy="809316"/>
+          </a:xfrm>
+          <a:prstGeom prst="bentConnector2">
+            <a:avLst/>
+          </a:prstGeom>
+          <a:ln w="3175" cmpd="sng">
+            <a:prstDash val="lgDash"/>
+            <a:tailEnd type="arrow"/>
+          </a:ln>
+          <a:effectLst/>
+        </p:spPr>
+        <p:style>
+          <a:lnRef idx="2">
+            <a:schemeClr val="accent1"/>
+          </a:lnRef>
+          <a:fillRef idx="0">
+            <a:schemeClr val="accent1"/>
+          </a:fillRef>
+          <a:effectRef idx="1">
+            <a:schemeClr val="accent1"/>
+          </a:effectRef>
+          <a:fontRef idx="minor">
+            <a:schemeClr val="tx1"/>
+          </a:fontRef>
+        </p:style>
+      </p:cxnSp>
+      <p:cxnSp>
+        <p:nvCxnSpPr>
+          <p:cNvPr id="99" name="Elbow Connector 98"/>
+          <p:cNvCxnSpPr>
+            <a:stCxn id="72" idx="3"/>
+          </p:cNvCxnSpPr>
+          <p:nvPr/>
+        </p:nvCxnSpPr>
+        <p:spPr>
+          <a:xfrm flipV="1">
+            <a:off x="7709007" y="5085920"/>
+            <a:ext cx="830851" cy="1119114"/>
+          </a:xfrm>
+          <a:prstGeom prst="bentConnector2">
+            <a:avLst/>
+          </a:prstGeom>
+          <a:ln w="3175" cmpd="sng">
+            <a:prstDash val="lgDash"/>
+            <a:tailEnd type="arrow"/>
+          </a:ln>
+          <a:effectLst/>
+        </p:spPr>
+        <p:style>
+          <a:lnRef idx="2">
+            <a:schemeClr val="accent1"/>
+          </a:lnRef>
+          <a:fillRef idx="0">
+            <a:schemeClr val="accent1"/>
+          </a:fillRef>
+          <a:effectRef idx="1">
+            <a:schemeClr val="accent1"/>
+          </a:effectRef>
+          <a:fontRef idx="minor">
+            <a:schemeClr val="tx1"/>
+          </a:fontRef>
+        </p:style>
+      </p:cxnSp>
+      <p:cxnSp>
+        <p:nvCxnSpPr>
+          <p:cNvPr id="100" name="Straight Connector 99"/>
+          <p:cNvCxnSpPr>
+            <a:stCxn id="74" idx="1"/>
+            <a:endCxn id="57" idx="3"/>
+          </p:cNvCxnSpPr>
+          <p:nvPr/>
+        </p:nvCxnSpPr>
+        <p:spPr>
+          <a:xfrm flipH="1">
+            <a:off x="6110100" y="4972253"/>
+            <a:ext cx="543627" cy="631094"/>
+          </a:xfrm>
+          <a:prstGeom prst="line">
+            <a:avLst/>
+          </a:prstGeom>
+        </p:spPr>
+        <p:style>
+          <a:lnRef idx="1">
+            <a:schemeClr val="dk1"/>
+          </a:lnRef>
+          <a:fillRef idx="0">
+            <a:schemeClr val="dk1"/>
+          </a:fillRef>
+          <a:effectRef idx="0">
+            <a:schemeClr val="dk1"/>
+          </a:effectRef>
+          <a:fontRef idx="minor">
+            <a:schemeClr val="tx1"/>
+          </a:fontRef>
+        </p:style>
+      </p:cxnSp>
+      <p:cxnSp>
+        <p:nvCxnSpPr>
+          <p:cNvPr id="101" name="Straight Connector 100"/>
+          <p:cNvCxnSpPr>
+            <a:stCxn id="75" idx="1"/>
+            <a:endCxn id="57" idx="3"/>
+          </p:cNvCxnSpPr>
+          <p:nvPr/>
+        </p:nvCxnSpPr>
+        <p:spPr>
+          <a:xfrm flipH="1" flipV="1">
+            <a:off x="6110100" y="5603347"/>
+            <a:ext cx="556327" cy="291888"/>
+          </a:xfrm>
+          <a:prstGeom prst="line">
+            <a:avLst/>
+          </a:prstGeom>
+        </p:spPr>
+        <p:style>
+          <a:lnRef idx="1">
+            <a:schemeClr val="dk1"/>
+          </a:lnRef>
+          <a:fillRef idx="0">
+            <a:schemeClr val="dk1"/>
+          </a:fillRef>
+          <a:effectRef idx="0">
+            <a:schemeClr val="dk1"/>
+          </a:effectRef>
+          <a:fontRef idx="minor">
+            <a:schemeClr val="tx1"/>
+          </a:fontRef>
+        </p:style>
+      </p:cxnSp>
+      <p:cxnSp>
+        <p:nvCxnSpPr>
+          <p:cNvPr id="102" name="Straight Connector 101"/>
+          <p:cNvCxnSpPr>
+            <a:stCxn id="72" idx="1"/>
+            <a:endCxn id="57" idx="3"/>
+          </p:cNvCxnSpPr>
+          <p:nvPr/>
+        </p:nvCxnSpPr>
+        <p:spPr>
+          <a:xfrm flipH="1" flipV="1">
+            <a:off x="6110100" y="5603347"/>
+            <a:ext cx="546167" cy="601687"/>
+          </a:xfrm>
+          <a:prstGeom prst="line">
+            <a:avLst/>
+          </a:prstGeom>
+        </p:spPr>
+        <p:style>
+          <a:lnRef idx="1">
+            <a:schemeClr val="dk1"/>
+          </a:lnRef>
+          <a:fillRef idx="0">
+            <a:schemeClr val="dk1"/>
+          </a:fillRef>
+          <a:effectRef idx="0">
+            <a:schemeClr val="dk1"/>
+          </a:effectRef>
+          <a:fontRef idx="minor">
+            <a:schemeClr val="tx1"/>
+          </a:fontRef>
+        </p:style>
+      </p:cxnSp>
+      <p:cxnSp>
+        <p:nvCxnSpPr>
+          <p:cNvPr id="103" name="Straight Connector 102"/>
+          <p:cNvCxnSpPr>
+            <a:stCxn id="106" idx="1"/>
+            <a:endCxn id="57" idx="3"/>
+          </p:cNvCxnSpPr>
+          <p:nvPr/>
+        </p:nvCxnSpPr>
+        <p:spPr>
+          <a:xfrm flipH="1">
+            <a:off x="6110100" y="5603347"/>
+            <a:ext cx="561408" cy="0"/>
+          </a:xfrm>
+          <a:prstGeom prst="line">
+            <a:avLst/>
+          </a:prstGeom>
+        </p:spPr>
+        <p:style>
+          <a:lnRef idx="1">
+            <a:schemeClr val="dk1"/>
+          </a:lnRef>
+          <a:fillRef idx="0">
+            <a:schemeClr val="dk1"/>
+          </a:fillRef>
+          <a:effectRef idx="0">
+            <a:schemeClr val="dk1"/>
+          </a:effectRef>
+          <a:fontRef idx="minor">
+            <a:schemeClr val="tx1"/>
+          </a:fontRef>
+        </p:style>
+      </p:cxnSp>
+      <p:cxnSp>
+        <p:nvCxnSpPr>
+          <p:cNvPr id="104" name="Elbow Connector 103"/>
+          <p:cNvCxnSpPr>
+            <a:stCxn id="70" idx="3"/>
+          </p:cNvCxnSpPr>
+          <p:nvPr/>
+        </p:nvCxnSpPr>
+        <p:spPr>
+          <a:xfrm flipH="1" flipV="1">
+            <a:off x="8390500" y="1154465"/>
+            <a:ext cx="89421" cy="1551035"/>
+          </a:xfrm>
+          <a:prstGeom prst="bentConnector4">
+            <a:avLst>
+              <a:gd name="adj1" fmla="val -255645"/>
+              <a:gd name="adj2" fmla="val 101403"/>
+            </a:avLst>
+          </a:prstGeom>
+          <a:ln w="12700" cmpd="sng">
+            <a:headEnd type="none"/>
+            <a:tailEnd type="triangle"/>
+          </a:ln>
+          <a:effectLst/>
+        </p:spPr>
+        <p:style>
+          <a:lnRef idx="2">
+            <a:schemeClr val="accent1"/>
+          </a:lnRef>
+          <a:fillRef idx="0">
+            <a:schemeClr val="accent1"/>
+          </a:fillRef>
+          <a:effectRef idx="1">
+            <a:schemeClr val="accent1"/>
+          </a:effectRef>
+          <a:fontRef idx="minor">
+            <a:schemeClr val="tx1"/>
+          </a:fontRef>
+        </p:style>
+      </p:cxnSp>
+      <p:cxnSp>
+        <p:nvCxnSpPr>
+          <p:cNvPr id="105" name="Elbow Connector 104"/>
+          <p:cNvCxnSpPr>
+            <a:endCxn id="60" idx="3"/>
+          </p:cNvCxnSpPr>
+          <p:nvPr/>
+        </p:nvCxnSpPr>
+        <p:spPr>
+          <a:xfrm rot="10800000">
+            <a:off x="7549814" y="645160"/>
+            <a:ext cx="346254" cy="221308"/>
+          </a:xfrm>
+          <a:prstGeom prst="bentConnector3">
+            <a:avLst>
+              <a:gd name="adj1" fmla="val 50000"/>
+            </a:avLst>
+          </a:prstGeom>
+          <a:ln w="3175" cmpd="sng">
+            <a:prstDash val="lgDash"/>
+            <a:headEnd type="none"/>
+            <a:tailEnd type="arrow"/>
+          </a:ln>
+          <a:effectLst/>
+        </p:spPr>
+        <p:style>
+          <a:lnRef idx="2">
+            <a:schemeClr val="accent1"/>
+          </a:lnRef>
+          <a:fillRef idx="0">
+            <a:schemeClr val="accent1"/>
+          </a:fillRef>
+          <a:effectRef idx="1">
+            <a:schemeClr val="accent1"/>
+          </a:effectRef>
+          <a:fontRef idx="minor">
+            <a:schemeClr val="tx1"/>
+          </a:fontRef>
+        </p:style>
+      </p:cxnSp>
+      <p:sp>
+        <p:nvSpPr>
+          <p:cNvPr id="106" name="Rounded Rectangle 105"/>
+          <p:cNvSpPr/>
+          <p:nvPr/>
+        </p:nvSpPr>
+        <p:spPr>
+          <a:xfrm>
+            <a:off x="6671508" y="5493707"/>
+            <a:ext cx="993917" cy="219279"/>
+          </a:xfrm>
+          <a:prstGeom prst="roundRect">
+            <a:avLst>
+              <a:gd name="adj" fmla="val 0"/>
+            </a:avLst>
+          </a:prstGeom>
+          <a:solidFill>
+            <a:schemeClr val="lt1"/>
+          </a:solidFill>
+          <a:ln w="12700"/>
+        </p:spPr>
+        <p:style>
+          <a:lnRef idx="2">
+            <a:schemeClr val="dk1"/>
+          </a:lnRef>
+          <a:fillRef idx="1">
+            <a:schemeClr val="lt1"/>
+          </a:fillRef>
+          <a:effectRef idx="0">
+            <a:schemeClr val="dk1"/>
+          </a:effectRef>
+          <a:fontRef idx="minor">
+            <a:schemeClr val="dk1"/>
+          </a:fontRef>
+        </p:style>
+        <p:txBody>
+          <a:bodyPr rtlCol="0" anchor="ctr"/>
+          <a:lstStyle/>
+          <a:p>
+            <a:pPr algn="ctr"/>
+            <a:r>
+              <a:rPr lang="en-US" sz="1000" dirty="0" smtClean="0"/>
+              <a:t>Privacy</a:t>
+            </a:r>
+            <a:endParaRPr lang="en-US" sz="1000" dirty="0"/>
+          </a:p>
+        </p:txBody>
+      </p:sp>
+      <p:cxnSp>
+        <p:nvCxnSpPr>
+          <p:cNvPr id="107" name="Elbow Connector 106"/>
+          <p:cNvCxnSpPr>
+            <a:stCxn id="106" idx="3"/>
+          </p:cNvCxnSpPr>
+          <p:nvPr/>
+        </p:nvCxnSpPr>
+        <p:spPr>
+          <a:xfrm flipV="1">
+            <a:off x="7683740" y="5085919"/>
+            <a:ext cx="366314" cy="517428"/>
+          </a:xfrm>
+          <a:prstGeom prst="bentConnector2">
+            <a:avLst/>
+          </a:prstGeom>
+          <a:ln w="3175" cmpd="sng">
+            <a:prstDash val="lgDash"/>
+            <a:tailEnd type="arrow"/>
+          </a:ln>
+          <a:effectLst/>
+        </p:spPr>
+        <p:style>
+          <a:lnRef idx="2">
+            <a:schemeClr val="accent1"/>
+          </a:lnRef>
+          <a:fillRef idx="0">
+            <a:schemeClr val="accent1"/>
+          </a:fillRef>
+          <a:effectRef idx="1">
+            <a:schemeClr val="accent1"/>
+          </a:effectRef>
+          <a:fontRef idx="minor">
+            <a:schemeClr val="tx1"/>
+          </a:fontRef>
+        </p:style>
+      </p:cxnSp>
+      <p:sp>
+        <p:nvSpPr>
+          <p:cNvPr id="2" name="TextBox 1"/>
+          <p:cNvSpPr txBox="1"/>
+          <p:nvPr/>
+        </p:nvSpPr>
+        <p:spPr>
+          <a:xfrm>
+            <a:off x="3146475" y="5896012"/>
+            <a:ext cx="3541888" cy="461665"/>
+          </a:xfrm>
+          <a:prstGeom prst="rect">
+            <a:avLst/>
+          </a:prstGeom>
+          <a:noFill/>
+        </p:spPr>
+        <p:txBody>
+          <a:bodyPr wrap="square" rtlCol="0">
+            <a:spAutoFit/>
+          </a:bodyPr>
+          <a:lstStyle/>
+          <a:p>
+            <a:r>
+              <a:rPr lang="en-US" sz="1200" dirty="0" smtClean="0"/>
+              <a:t>Contributes to key component on same dimension</a:t>
+            </a:r>
+          </a:p>
+          <a:p>
+            <a:r>
+              <a:rPr lang="en-US" sz="1200" dirty="0" smtClean="0"/>
+              <a:t>Contributes to key component in another dimension</a:t>
+            </a:r>
+            <a:endParaRPr lang="en-US" sz="1200" dirty="0"/>
+          </a:p>
+        </p:txBody>
+      </p:sp>
+      <p:cxnSp>
+        <p:nvCxnSpPr>
+          <p:cNvPr id="109" name="Straight Arrow Connector 108"/>
+          <p:cNvCxnSpPr/>
+          <p:nvPr/>
+        </p:nvCxnSpPr>
+        <p:spPr>
+          <a:xfrm flipH="1">
+            <a:off x="2892763" y="6233778"/>
+            <a:ext cx="263174" cy="0"/>
+          </a:xfrm>
+          <a:prstGeom prst="straightConnector1">
+            <a:avLst/>
+          </a:prstGeom>
+          <a:ln w="12700" cmpd="sng">
+            <a:headEnd type="none"/>
+            <a:tailEnd type="triangle"/>
+          </a:ln>
+          <a:effectLst/>
+        </p:spPr>
+        <p:style>
+          <a:lnRef idx="2">
+            <a:schemeClr val="accent1"/>
+          </a:lnRef>
+          <a:fillRef idx="0">
+            <a:schemeClr val="accent1"/>
+          </a:fillRef>
+          <a:effectRef idx="1">
+            <a:schemeClr val="accent1"/>
+          </a:effectRef>
+          <a:fontRef idx="minor">
+            <a:schemeClr val="tx1"/>
+          </a:fontRef>
+        </p:style>
+      </p:cxnSp>
+      <p:cxnSp>
+        <p:nvCxnSpPr>
+          <p:cNvPr id="110" name="Straight Arrow Connector 109"/>
+          <p:cNvCxnSpPr/>
+          <p:nvPr/>
+        </p:nvCxnSpPr>
+        <p:spPr>
+          <a:xfrm flipH="1">
+            <a:off x="2869057" y="6057211"/>
+            <a:ext cx="291815" cy="0"/>
+          </a:xfrm>
+          <a:prstGeom prst="straightConnector1">
+            <a:avLst/>
+          </a:prstGeom>
+          <a:ln w="3175" cmpd="sng">
+            <a:prstDash val="lgDash"/>
+            <a:tailEnd type="arrow"/>
+          </a:ln>
+          <a:effectLst/>
+        </p:spPr>
+        <p:style>
+          <a:lnRef idx="2">
+            <a:schemeClr val="accent1"/>
+          </a:lnRef>
+          <a:fillRef idx="0">
+            <a:schemeClr val="accent1"/>
+          </a:fillRef>
+          <a:effectRef idx="1">
+            <a:schemeClr val="accent1"/>
+          </a:effectRef>
+          <a:fontRef idx="minor">
+            <a:schemeClr val="tx1"/>
+          </a:fontRef>
+        </p:style>
+      </p:cxnSp>
+      <p:sp>
+        <p:nvSpPr>
+          <p:cNvPr id="111" name="TextBox 110"/>
+          <p:cNvSpPr txBox="1"/>
+          <p:nvPr/>
+        </p:nvSpPr>
+        <p:spPr>
+          <a:xfrm>
+            <a:off x="2869057" y="5642431"/>
+            <a:ext cx="452017" cy="276999"/>
+          </a:xfrm>
+          <a:prstGeom prst="rect">
+            <a:avLst/>
+          </a:prstGeom>
+          <a:noFill/>
+        </p:spPr>
+        <p:txBody>
+          <a:bodyPr wrap="none" rtlCol="0">
+            <a:spAutoFit/>
+          </a:bodyPr>
+          <a:lstStyle/>
+          <a:p>
+            <a:r>
+              <a:rPr lang="en-US" sz="1200" dirty="0" smtClean="0"/>
+              <a:t>Key:</a:t>
+            </a:r>
+            <a:endParaRPr lang="en-US" sz="1200" dirty="0" smtClean="0"/>
+          </a:p>
+        </p:txBody>
+      </p:sp>
+      <p:cxnSp>
+        <p:nvCxnSpPr>
+          <p:cNvPr id="117" name="Straight Connector 116"/>
+          <p:cNvCxnSpPr>
+            <a:stCxn id="76" idx="1"/>
+            <a:endCxn id="57" idx="3"/>
+          </p:cNvCxnSpPr>
+          <p:nvPr/>
+        </p:nvCxnSpPr>
+        <p:spPr>
+          <a:xfrm flipH="1">
+            <a:off x="6110100" y="5308801"/>
+            <a:ext cx="551525" cy="294546"/>
+          </a:xfrm>
+          <a:prstGeom prst="line">
+            <a:avLst/>
+          </a:prstGeom>
+        </p:spPr>
+        <p:style>
+          <a:lnRef idx="1">
+            <a:schemeClr val="dk1"/>
+          </a:lnRef>
+          <a:fillRef idx="0">
+            <a:schemeClr val="dk1"/>
+          </a:fillRef>
+          <a:effectRef idx="0">
+            <a:schemeClr val="dk1"/>
+          </a:effectRef>
+          <a:fontRef idx="minor">
+            <a:schemeClr val="tx1"/>
+          </a:fontRef>
+        </p:style>
+      </p:cxnSp>
+    </p:spTree>
+    <p:extLst>
+      <p:ext uri="{BB962C8B-B14F-4D97-AF65-F5344CB8AC3E}">
+        <p14:creationId xmlns:p14="http://schemas.microsoft.com/office/powerpoint/2010/main" val="4114602512"/>
+      </p:ext>
+    </p:extLst>
+  </p:cSld>
+  <p:clrMapOvr>
+    <a:masterClrMapping/>
+  </p:clrMapOvr>
+  <p:timing>
+    <p:tnLst>
+      <p:par>
+        <p:cTn xmlns:p14="http://schemas.microsoft.com/office/powerpoint/2010/main" id="1" dur="indefinite" restart="never" nodeType="tmRoot"/>
+      </p:par>
+    </p:tnLst>
+  </p:timing>
+</p:sld>
+</file>
+
+<file path=ppt/slides/slide11.xml><?xml version="1.0" encoding="utf-8"?>
+<p:sld xmlns:a="http://schemas.openxmlformats.org/drawingml/2006/main" xmlns:r="http://schemas.openxmlformats.org/officeDocument/2006/relationships" xmlns:p="http://schemas.openxmlformats.org/presentationml/2006/main">
+  <p:cSld>
+    <p:spTree>
+      <p:nvGrpSpPr>
+        <p:cNvPr id="1" name=""/>
+        <p:cNvGrpSpPr/>
+        <p:nvPr/>
+      </p:nvGrpSpPr>
+      <p:grpSpPr>
+        <a:xfrm>
+          <a:off x="0" y="0"/>
+          <a:ext cx="0" cy="0"/>
+          <a:chOff x="0" y="0"/>
+          <a:chExt cx="0" cy="0"/>
+        </a:xfrm>
+      </p:grpSpPr>
+      <p:sp>
+        <p:nvSpPr>
+          <p:cNvPr id="112" name="TextBox 111"/>
+          <p:cNvSpPr txBox="1"/>
+          <p:nvPr/>
+        </p:nvSpPr>
+        <p:spPr>
+          <a:xfrm rot="16200000">
+            <a:off x="-2050764" y="1547240"/>
+            <a:ext cx="2903359" cy="646331"/>
+          </a:xfrm>
+          <a:prstGeom prst="rect">
+            <a:avLst/>
+          </a:prstGeom>
+          <a:noFill/>
+        </p:spPr>
+        <p:txBody>
+          <a:bodyPr wrap="none" rtlCol="0">
+            <a:spAutoFit/>
+          </a:bodyPr>
+          <a:lstStyle/>
+          <a:p>
+            <a:r>
+              <a:rPr lang="en-US" dirty="0" smtClean="0"/>
+              <a:t>DIMENSIONS, COMPONENTS</a:t>
+            </a:r>
+          </a:p>
+          <a:p>
+            <a:r>
+              <a:rPr lang="en-US" dirty="0" smtClean="0"/>
+              <a:t>AND RELATIONSHIPS</a:t>
+            </a:r>
+          </a:p>
+        </p:txBody>
+      </p:sp>
+      <p:sp>
+        <p:nvSpPr>
+          <p:cNvPr id="54" name="Rounded Rectangle 53"/>
+          <p:cNvSpPr/>
+          <p:nvPr/>
+        </p:nvSpPr>
+        <p:spPr>
+          <a:xfrm>
+            <a:off x="720266" y="1109089"/>
+            <a:ext cx="1239519" cy="279400"/>
+          </a:xfrm>
+          <a:prstGeom prst="roundRect">
+            <a:avLst>
+              <a:gd name="adj" fmla="val 50000"/>
+            </a:avLst>
+          </a:prstGeom>
+        </p:spPr>
+        <p:style>
+          <a:lnRef idx="2">
+            <a:schemeClr val="accent1"/>
+          </a:lnRef>
+          <a:fillRef idx="1">
+            <a:schemeClr val="lt1"/>
+          </a:fillRef>
+          <a:effectRef idx="0">
+            <a:schemeClr val="accent1"/>
+          </a:effectRef>
+          <a:fontRef idx="minor">
+            <a:schemeClr val="dk1"/>
+          </a:fontRef>
+        </p:style>
+        <p:txBody>
+          <a:bodyPr rtlCol="0" anchor="ctr"/>
+          <a:lstStyle/>
+          <a:p>
+            <a:pPr algn="ctr"/>
+            <a:r>
+              <a:rPr lang="en-US" sz="1200" dirty="0" smtClean="0"/>
+              <a:t>ACCESSIBILITY</a:t>
+            </a:r>
+            <a:endParaRPr lang="en-US" sz="1200" dirty="0"/>
+          </a:p>
+        </p:txBody>
+      </p:sp>
+      <p:sp>
+        <p:nvSpPr>
+          <p:cNvPr id="55" name="Rounded Rectangle 54"/>
+          <p:cNvSpPr/>
+          <p:nvPr/>
+        </p:nvSpPr>
+        <p:spPr>
+          <a:xfrm>
+            <a:off x="913307" y="2633652"/>
+            <a:ext cx="975359" cy="254000"/>
+          </a:xfrm>
+          <a:prstGeom prst="roundRect">
+            <a:avLst>
+              <a:gd name="adj" fmla="val 50000"/>
+            </a:avLst>
+          </a:prstGeom>
+        </p:spPr>
+        <p:style>
+          <a:lnRef idx="2">
+            <a:schemeClr val="accent1"/>
+          </a:lnRef>
+          <a:fillRef idx="1">
+            <a:schemeClr val="lt1"/>
+          </a:fillRef>
+          <a:effectRef idx="0">
+            <a:schemeClr val="accent1"/>
+          </a:effectRef>
+          <a:fontRef idx="minor">
+            <a:schemeClr val="dk1"/>
+          </a:fontRef>
+        </p:style>
+        <p:txBody>
+          <a:bodyPr rtlCol="0" anchor="ctr"/>
+          <a:lstStyle/>
+          <a:p>
+            <a:pPr algn="ctr"/>
+            <a:r>
+              <a:rPr lang="en-US" sz="1200" dirty="0" smtClean="0"/>
+              <a:t>USABILITY</a:t>
+            </a:r>
+            <a:endParaRPr lang="en-US" sz="1200" dirty="0"/>
+          </a:p>
+        </p:txBody>
+      </p:sp>
+      <p:sp>
+        <p:nvSpPr>
+          <p:cNvPr id="56" name="Rounded Rectangle 55"/>
+          <p:cNvSpPr/>
+          <p:nvPr/>
+        </p:nvSpPr>
+        <p:spPr>
+          <a:xfrm>
+            <a:off x="7291179" y="1331289"/>
+            <a:ext cx="975359" cy="254000"/>
+          </a:xfrm>
+          <a:prstGeom prst="roundRect">
+            <a:avLst>
+              <a:gd name="adj" fmla="val 50000"/>
+            </a:avLst>
+          </a:prstGeom>
+        </p:spPr>
+        <p:style>
+          <a:lnRef idx="2">
+            <a:schemeClr val="accent1"/>
+          </a:lnRef>
+          <a:fillRef idx="1">
+            <a:schemeClr val="lt1"/>
+          </a:fillRef>
+          <a:effectRef idx="0">
+            <a:schemeClr val="accent1"/>
+          </a:effectRef>
+          <a:fontRef idx="minor">
+            <a:schemeClr val="dk1"/>
+          </a:fontRef>
+        </p:style>
+        <p:txBody>
+          <a:bodyPr rtlCol="0" anchor="ctr"/>
+          <a:lstStyle/>
+          <a:p>
+            <a:pPr algn="ctr"/>
+            <a:r>
+              <a:rPr lang="en-US" sz="1200" dirty="0" smtClean="0"/>
+              <a:t>EFFICIENCY</a:t>
+            </a:r>
+            <a:endParaRPr lang="en-US" sz="1200" dirty="0"/>
+          </a:p>
+        </p:txBody>
+      </p:sp>
+      <p:sp>
+        <p:nvSpPr>
+          <p:cNvPr id="57" name="Rounded Rectangle 56"/>
+          <p:cNvSpPr/>
+          <p:nvPr/>
+        </p:nvSpPr>
+        <p:spPr>
+          <a:xfrm>
+            <a:off x="7271303" y="3386210"/>
+            <a:ext cx="975359" cy="254000"/>
+          </a:xfrm>
+          <a:prstGeom prst="roundRect">
+            <a:avLst>
+              <a:gd name="adj" fmla="val 50000"/>
+            </a:avLst>
+          </a:prstGeom>
+        </p:spPr>
+        <p:style>
+          <a:lnRef idx="2">
+            <a:schemeClr val="accent1"/>
+          </a:lnRef>
+          <a:fillRef idx="1">
+            <a:schemeClr val="lt1"/>
+          </a:fillRef>
+          <a:effectRef idx="0">
+            <a:schemeClr val="accent1"/>
+          </a:effectRef>
+          <a:fontRef idx="minor">
+            <a:schemeClr val="dk1"/>
+          </a:fontRef>
+        </p:style>
+        <p:txBody>
+          <a:bodyPr rtlCol="0" anchor="ctr"/>
+          <a:lstStyle/>
+          <a:p>
+            <a:pPr algn="ctr"/>
+            <a:r>
+              <a:rPr lang="en-US" sz="1200" dirty="0" smtClean="0"/>
+              <a:t>SECURITY</a:t>
+            </a:r>
+            <a:endParaRPr lang="en-US" sz="1200" dirty="0"/>
+          </a:p>
+        </p:txBody>
+      </p:sp>
+      <p:sp>
+        <p:nvSpPr>
+          <p:cNvPr id="58" name="Rounded Rectangle 57"/>
+          <p:cNvSpPr/>
+          <p:nvPr/>
+        </p:nvSpPr>
+        <p:spPr>
+          <a:xfrm>
+            <a:off x="2161021" y="1474542"/>
+            <a:ext cx="1619998" cy="287997"/>
+          </a:xfrm>
+          <a:prstGeom prst="roundRect">
+            <a:avLst>
+              <a:gd name="adj" fmla="val 0"/>
+            </a:avLst>
+          </a:prstGeom>
+          <a:solidFill>
+            <a:schemeClr val="lt1"/>
+          </a:solidFill>
+          <a:ln w="12700"/>
+        </p:spPr>
+        <p:style>
+          <a:lnRef idx="2">
+            <a:schemeClr val="dk1"/>
+          </a:lnRef>
+          <a:fillRef idx="1">
+            <a:schemeClr val="lt1"/>
+          </a:fillRef>
+          <a:effectRef idx="0">
+            <a:schemeClr val="dk1"/>
+          </a:effectRef>
+          <a:fontRef idx="minor">
+            <a:schemeClr val="dk1"/>
+          </a:fontRef>
+        </p:style>
+        <p:txBody>
+          <a:bodyPr rtlCol="0" anchor="ctr"/>
+          <a:lstStyle/>
+          <a:p>
+            <a:pPr algn="ctr"/>
+            <a:r>
+              <a:rPr lang="en-US" sz="1000" dirty="0" smtClean="0"/>
+              <a:t>Operability</a:t>
+            </a:r>
+            <a:endParaRPr lang="en-US" sz="1000" dirty="0"/>
+          </a:p>
+        </p:txBody>
+      </p:sp>
+      <p:sp>
+        <p:nvSpPr>
+          <p:cNvPr id="59" name="Rounded Rectangle 58"/>
+          <p:cNvSpPr/>
+          <p:nvPr/>
+        </p:nvSpPr>
+        <p:spPr>
+          <a:xfrm>
+            <a:off x="2161021" y="797939"/>
+            <a:ext cx="772159" cy="227330"/>
+          </a:xfrm>
+          <a:prstGeom prst="roundRect">
+            <a:avLst>
+              <a:gd name="adj" fmla="val 0"/>
+            </a:avLst>
+          </a:prstGeom>
+          <a:solidFill>
+            <a:schemeClr val="lt1"/>
+          </a:solidFill>
+          <a:ln w="12700"/>
+        </p:spPr>
+        <p:style>
+          <a:lnRef idx="2">
+            <a:schemeClr val="dk1"/>
+          </a:lnRef>
+          <a:fillRef idx="1">
+            <a:schemeClr val="lt1"/>
+          </a:fillRef>
+          <a:effectRef idx="0">
+            <a:schemeClr val="dk1"/>
+          </a:effectRef>
+          <a:fontRef idx="minor">
+            <a:schemeClr val="dk1"/>
+          </a:fontRef>
+        </p:style>
+        <p:txBody>
+          <a:bodyPr rtlCol="0" anchor="ctr"/>
+          <a:lstStyle/>
+          <a:p>
+            <a:pPr algn="ctr"/>
+            <a:r>
+              <a:rPr lang="en-US" sz="1000" dirty="0" smtClean="0"/>
+              <a:t>Availability</a:t>
+            </a:r>
+            <a:endParaRPr lang="en-US" sz="1000" dirty="0"/>
+          </a:p>
+        </p:txBody>
+      </p:sp>
+      <p:sp>
+        <p:nvSpPr>
+          <p:cNvPr id="60" name="Rounded Rectangle 59"/>
+          <p:cNvSpPr/>
+          <p:nvPr/>
+        </p:nvSpPr>
+        <p:spPr>
+          <a:xfrm>
+            <a:off x="2150861" y="1139569"/>
+            <a:ext cx="772159" cy="227330"/>
+          </a:xfrm>
+          <a:prstGeom prst="roundRect">
+            <a:avLst>
+              <a:gd name="adj" fmla="val 0"/>
+            </a:avLst>
+          </a:prstGeom>
+          <a:solidFill>
+            <a:schemeClr val="lt1"/>
+          </a:solidFill>
+          <a:ln w="12700"/>
+        </p:spPr>
+        <p:style>
+          <a:lnRef idx="2">
+            <a:schemeClr val="dk1"/>
+          </a:lnRef>
+          <a:fillRef idx="1">
+            <a:schemeClr val="lt1"/>
+          </a:fillRef>
+          <a:effectRef idx="0">
+            <a:schemeClr val="dk1"/>
+          </a:effectRef>
+          <a:fontRef idx="minor">
+            <a:schemeClr val="dk1"/>
+          </a:fontRef>
+        </p:style>
+        <p:txBody>
+          <a:bodyPr rtlCol="0" anchor="ctr"/>
+          <a:lstStyle/>
+          <a:p>
+            <a:pPr algn="ctr"/>
+            <a:r>
+              <a:rPr lang="en-US" sz="1000" dirty="0" smtClean="0"/>
+              <a:t>Maturity</a:t>
+            </a:r>
+            <a:endParaRPr lang="en-US" sz="1000" dirty="0"/>
+          </a:p>
+        </p:txBody>
+      </p:sp>
+      <p:sp>
+        <p:nvSpPr>
+          <p:cNvPr id="61" name="Rounded Rectangle 60"/>
+          <p:cNvSpPr/>
+          <p:nvPr/>
+        </p:nvSpPr>
+        <p:spPr>
+          <a:xfrm>
+            <a:off x="2089901" y="2259331"/>
+            <a:ext cx="1780539" cy="264160"/>
+          </a:xfrm>
+          <a:prstGeom prst="roundRect">
+            <a:avLst>
+              <a:gd name="adj" fmla="val 0"/>
+            </a:avLst>
+          </a:prstGeom>
+          <a:solidFill>
+            <a:schemeClr val="lt1"/>
+          </a:solidFill>
+          <a:ln w="12700"/>
+        </p:spPr>
+        <p:style>
+          <a:lnRef idx="2">
+            <a:schemeClr val="dk1"/>
+          </a:lnRef>
+          <a:fillRef idx="1">
+            <a:schemeClr val="lt1"/>
+          </a:fillRef>
+          <a:effectRef idx="0">
+            <a:schemeClr val="dk1"/>
+          </a:effectRef>
+          <a:fontRef idx="minor">
+            <a:schemeClr val="dk1"/>
+          </a:fontRef>
+        </p:style>
+        <p:txBody>
+          <a:bodyPr rtlCol="0" anchor="ctr"/>
+          <a:lstStyle/>
+          <a:p>
+            <a:pPr algn="ctr"/>
+            <a:r>
+              <a:rPr lang="en-US" sz="1000" dirty="0" smtClean="0"/>
+              <a:t>Ease of Use</a:t>
+            </a:r>
+            <a:endParaRPr lang="en-US" sz="1000" dirty="0"/>
+          </a:p>
+        </p:txBody>
+      </p:sp>
+      <p:sp>
+        <p:nvSpPr>
+          <p:cNvPr id="62" name="Rounded Rectangle 61"/>
+          <p:cNvSpPr/>
+          <p:nvPr/>
+        </p:nvSpPr>
+        <p:spPr>
+          <a:xfrm>
+            <a:off x="2089901" y="2573627"/>
+            <a:ext cx="1066800" cy="367664"/>
+          </a:xfrm>
+          <a:prstGeom prst="roundRect">
+            <a:avLst>
+              <a:gd name="adj" fmla="val 0"/>
+            </a:avLst>
+          </a:prstGeom>
+          <a:solidFill>
+            <a:schemeClr val="lt1"/>
+          </a:solidFill>
+          <a:ln w="12700"/>
+        </p:spPr>
+        <p:style>
+          <a:lnRef idx="2">
+            <a:schemeClr val="dk1"/>
+          </a:lnRef>
+          <a:fillRef idx="1">
+            <a:schemeClr val="lt1"/>
+          </a:fillRef>
+          <a:effectRef idx="0">
+            <a:schemeClr val="dk1"/>
+          </a:effectRef>
+          <a:fontRef idx="minor">
+            <a:schemeClr val="dk1"/>
+          </a:fontRef>
+        </p:style>
+        <p:txBody>
+          <a:bodyPr rtlCol="0" anchor="ctr"/>
+          <a:lstStyle/>
+          <a:p>
+            <a:pPr algn="ctr"/>
+            <a:r>
+              <a:rPr lang="en-US" sz="1000" dirty="0" smtClean="0"/>
+              <a:t>Learnability</a:t>
+            </a:r>
+            <a:endParaRPr lang="en-US" sz="1000" dirty="0"/>
+          </a:p>
+        </p:txBody>
+      </p:sp>
+      <p:sp>
+        <p:nvSpPr>
+          <p:cNvPr id="63" name="Rounded Rectangle 62"/>
+          <p:cNvSpPr/>
+          <p:nvPr/>
+        </p:nvSpPr>
+        <p:spPr>
+          <a:xfrm>
+            <a:off x="2089901" y="3056297"/>
+            <a:ext cx="1494679" cy="305726"/>
+          </a:xfrm>
+          <a:prstGeom prst="roundRect">
+            <a:avLst>
+              <a:gd name="adj" fmla="val 0"/>
+            </a:avLst>
+          </a:prstGeom>
+          <a:solidFill>
+            <a:schemeClr val="lt1"/>
+          </a:solidFill>
+          <a:ln w="12700"/>
+        </p:spPr>
+        <p:style>
+          <a:lnRef idx="2">
+            <a:schemeClr val="dk1"/>
+          </a:lnRef>
+          <a:fillRef idx="1">
+            <a:schemeClr val="lt1"/>
+          </a:fillRef>
+          <a:effectRef idx="0">
+            <a:schemeClr val="dk1"/>
+          </a:effectRef>
+          <a:fontRef idx="minor">
+            <a:schemeClr val="dk1"/>
+          </a:fontRef>
+        </p:style>
+        <p:txBody>
+          <a:bodyPr rtlCol="0" anchor="ctr"/>
+          <a:lstStyle/>
+          <a:p>
+            <a:pPr algn="ctr"/>
+            <a:r>
+              <a:rPr lang="en-US" sz="1000" dirty="0" smtClean="0"/>
+              <a:t>User interface aesthetics</a:t>
+            </a:r>
+            <a:endParaRPr lang="en-US" sz="1000" dirty="0"/>
+          </a:p>
+        </p:txBody>
+      </p:sp>
+      <p:sp>
+        <p:nvSpPr>
+          <p:cNvPr id="64" name="Rounded Rectangle 63"/>
+          <p:cNvSpPr/>
+          <p:nvPr/>
+        </p:nvSpPr>
+        <p:spPr>
+          <a:xfrm>
+            <a:off x="4901449" y="938329"/>
+            <a:ext cx="2065978" cy="276861"/>
+          </a:xfrm>
+          <a:prstGeom prst="roundRect">
+            <a:avLst>
+              <a:gd name="adj" fmla="val 0"/>
+            </a:avLst>
+          </a:prstGeom>
+          <a:solidFill>
+            <a:schemeClr val="lt1"/>
+          </a:solidFill>
+          <a:ln w="12700"/>
+        </p:spPr>
+        <p:style>
+          <a:lnRef idx="2">
+            <a:schemeClr val="dk1"/>
+          </a:lnRef>
+          <a:fillRef idx="1">
+            <a:schemeClr val="lt1"/>
+          </a:fillRef>
+          <a:effectRef idx="0">
+            <a:schemeClr val="dk1"/>
+          </a:effectRef>
+          <a:fontRef idx="minor">
+            <a:schemeClr val="dk1"/>
+          </a:fontRef>
+        </p:style>
+        <p:txBody>
+          <a:bodyPr rtlCol="0" anchor="ctr"/>
+          <a:lstStyle/>
+          <a:p>
+            <a:pPr algn="ctr"/>
+            <a:r>
+              <a:rPr lang="en-US" sz="1000" dirty="0" smtClean="0"/>
+              <a:t>Responsiveness</a:t>
+            </a:r>
+            <a:endParaRPr lang="en-US" sz="1000" dirty="0"/>
+          </a:p>
+        </p:txBody>
+      </p:sp>
+      <p:sp>
+        <p:nvSpPr>
+          <p:cNvPr id="65" name="Rounded Rectangle 64"/>
+          <p:cNvSpPr/>
+          <p:nvPr/>
+        </p:nvSpPr>
+        <p:spPr>
+          <a:xfrm>
+            <a:off x="5564750" y="1699057"/>
+            <a:ext cx="1396998" cy="264160"/>
+          </a:xfrm>
+          <a:prstGeom prst="roundRect">
+            <a:avLst>
+              <a:gd name="adj" fmla="val 0"/>
+            </a:avLst>
+          </a:prstGeom>
+          <a:solidFill>
+            <a:schemeClr val="lt1"/>
+          </a:solidFill>
+          <a:ln w="12700"/>
+        </p:spPr>
+        <p:style>
+          <a:lnRef idx="2">
+            <a:schemeClr val="dk1"/>
+          </a:lnRef>
+          <a:fillRef idx="1">
+            <a:schemeClr val="lt1"/>
+          </a:fillRef>
+          <a:effectRef idx="0">
+            <a:schemeClr val="dk1"/>
+          </a:effectRef>
+          <a:fontRef idx="minor">
+            <a:schemeClr val="dk1"/>
+          </a:fontRef>
+        </p:style>
+        <p:txBody>
+          <a:bodyPr rtlCol="0" anchor="ctr"/>
+          <a:lstStyle/>
+          <a:p>
+            <a:pPr algn="ctr"/>
+            <a:r>
+              <a:rPr lang="en-US" sz="1000" dirty="0" smtClean="0"/>
+              <a:t>Time behavior</a:t>
+            </a:r>
+            <a:endParaRPr lang="en-US" sz="1000" dirty="0"/>
+          </a:p>
+        </p:txBody>
+      </p:sp>
+      <p:grpSp>
+        <p:nvGrpSpPr>
+          <p:cNvPr id="66" name="Group 65"/>
+          <p:cNvGrpSpPr/>
+          <p:nvPr/>
+        </p:nvGrpSpPr>
+        <p:grpSpPr>
+          <a:xfrm>
+            <a:off x="5052434" y="2206991"/>
+            <a:ext cx="1879598" cy="491491"/>
+            <a:chOff x="7721601" y="3576319"/>
+            <a:chExt cx="1859278" cy="491491"/>
+          </a:xfrm>
+        </p:grpSpPr>
+        <p:sp>
+          <p:nvSpPr>
+            <p:cNvPr id="67" name="Rounded Rectangle 66"/>
+            <p:cNvSpPr/>
+            <p:nvPr/>
+          </p:nvSpPr>
+          <p:spPr>
+            <a:xfrm>
+              <a:off x="7721601" y="3576319"/>
+              <a:ext cx="1859278" cy="260985"/>
+            </a:xfrm>
+            <a:prstGeom prst="roundRect">
+              <a:avLst>
+                <a:gd name="adj" fmla="val 0"/>
+              </a:avLst>
+            </a:prstGeom>
+            <a:solidFill>
+              <a:schemeClr val="lt1"/>
+            </a:solidFill>
+            <a:ln w="12700"/>
+          </p:spPr>
+          <p:style>
+            <a:lnRef idx="2">
+              <a:schemeClr val="dk1"/>
+            </a:lnRef>
+            <a:fillRef idx="1">
+              <a:schemeClr val="lt1"/>
+            </a:fillRef>
+            <a:effectRef idx="0">
+              <a:schemeClr val="dk1"/>
+            </a:effectRef>
+            <a:fontRef idx="minor">
+              <a:schemeClr val="dk1"/>
+            </a:fontRef>
+          </p:style>
+          <p:txBody>
+            <a:bodyPr rtlCol="0" anchor="ctr"/>
+            <a:lstStyle/>
+            <a:p>
+              <a:pPr algn="ctr"/>
+              <a:r>
+                <a:rPr lang="en-US" sz="1000" dirty="0" smtClean="0"/>
+                <a:t>Transaction Capability</a:t>
+              </a:r>
+              <a:endParaRPr lang="en-US" sz="1000" dirty="0"/>
+            </a:p>
+          </p:txBody>
+        </p:sp>
+        <p:sp>
+          <p:nvSpPr>
+            <p:cNvPr id="68" name="Rounded Rectangle 67"/>
+            <p:cNvSpPr/>
+            <p:nvPr/>
+          </p:nvSpPr>
+          <p:spPr>
+            <a:xfrm>
+              <a:off x="7721601" y="3840480"/>
+              <a:ext cx="955039" cy="224154"/>
+            </a:xfrm>
+            <a:prstGeom prst="roundRect">
+              <a:avLst>
+                <a:gd name="adj" fmla="val 0"/>
+              </a:avLst>
+            </a:prstGeom>
+            <a:solidFill>
+              <a:schemeClr val="lt1"/>
+            </a:solidFill>
+            <a:ln w="12700"/>
+          </p:spPr>
+          <p:style>
+            <a:lnRef idx="2">
+              <a:schemeClr val="dk1"/>
+            </a:lnRef>
+            <a:fillRef idx="1">
+              <a:schemeClr val="lt1"/>
+            </a:fillRef>
+            <a:effectRef idx="0">
+              <a:schemeClr val="dk1"/>
+            </a:effectRef>
+            <a:fontRef idx="minor">
+              <a:schemeClr val="dk1"/>
+            </a:fontRef>
+          </p:style>
+          <p:txBody>
+            <a:bodyPr rtlCol="0" anchor="ctr"/>
+            <a:lstStyle/>
+            <a:p>
+              <a:pPr algn="ctr"/>
+              <a:r>
+                <a:rPr lang="en-US" sz="1000" dirty="0" smtClean="0"/>
+                <a:t>Completeness</a:t>
+              </a:r>
+              <a:endParaRPr lang="en-US" sz="1000" dirty="0"/>
+            </a:p>
+          </p:txBody>
+        </p:sp>
+        <p:sp>
+          <p:nvSpPr>
+            <p:cNvPr id="69" name="Rounded Rectangle 68"/>
+            <p:cNvSpPr/>
+            <p:nvPr/>
+          </p:nvSpPr>
+          <p:spPr>
+            <a:xfrm>
+              <a:off x="8676640" y="3840480"/>
+              <a:ext cx="904239" cy="227330"/>
+            </a:xfrm>
+            <a:prstGeom prst="roundRect">
+              <a:avLst>
+                <a:gd name="adj" fmla="val 0"/>
+              </a:avLst>
+            </a:prstGeom>
+            <a:solidFill>
+              <a:schemeClr val="lt1"/>
+            </a:solidFill>
+            <a:ln w="12700"/>
+          </p:spPr>
+          <p:style>
+            <a:lnRef idx="2">
+              <a:schemeClr val="dk1"/>
+            </a:lnRef>
+            <a:fillRef idx="1">
+              <a:schemeClr val="lt1"/>
+            </a:fillRef>
+            <a:effectRef idx="0">
+              <a:schemeClr val="dk1"/>
+            </a:effectRef>
+            <a:fontRef idx="minor">
+              <a:schemeClr val="dk1"/>
+            </a:fontRef>
+          </p:style>
+          <p:txBody>
+            <a:bodyPr rtlCol="0" anchor="ctr"/>
+            <a:lstStyle/>
+            <a:p>
+              <a:pPr algn="ctr"/>
+              <a:r>
+                <a:rPr lang="en-US" sz="1000" dirty="0" smtClean="0"/>
+                <a:t>Correctness</a:t>
+              </a:r>
+              <a:endParaRPr lang="en-US" sz="1000" dirty="0"/>
+            </a:p>
+          </p:txBody>
+        </p:sp>
+      </p:grpSp>
+      <p:sp>
+        <p:nvSpPr>
+          <p:cNvPr id="70" name="Rounded Rectangle 69"/>
+          <p:cNvSpPr/>
+          <p:nvPr/>
+        </p:nvSpPr>
+        <p:spPr>
+          <a:xfrm>
             <a:off x="5113111" y="591619"/>
             <a:ext cx="1851659" cy="254000"/>
           </a:xfrm>
@@ -6399,7 +8686,7 @@
 </p:sld>
 </file>
 
-<file path=ppt/slides/slide11.xml><?xml version="1.0" encoding="utf-8"?>
+<file path=ppt/slides/slide12.xml><?xml version="1.0" encoding="utf-8"?>
 <p:sld xmlns:a="http://schemas.openxmlformats.org/drawingml/2006/main" xmlns:r="http://schemas.openxmlformats.org/officeDocument/2006/relationships" xmlns:p="http://schemas.openxmlformats.org/presentationml/2006/main">
   <p:cSld>
     <p:spTree>
@@ -9263,7 +11550,7 @@
 </p:sld>
 </file>
 
-<file path=ppt/slides/slide12.xml><?xml version="1.0" encoding="utf-8"?>
+<file path=ppt/slides/slide13.xml><?xml version="1.0" encoding="utf-8"?>
 <p:sld xmlns:a="http://schemas.openxmlformats.org/drawingml/2006/main" xmlns:r="http://schemas.openxmlformats.org/officeDocument/2006/relationships" xmlns:p="http://schemas.openxmlformats.org/presentationml/2006/main">
   <p:cSld>
     <p:spTree>
@@ -12942,7 +15229,7 @@
 </p:sld>
 </file>
 
-<file path=ppt/slides/slide13.xml><?xml version="1.0" encoding="utf-8"?>
+<file path=ppt/slides/slide14.xml><?xml version="1.0" encoding="utf-8"?>
 <p:sld xmlns:a="http://schemas.openxmlformats.org/drawingml/2006/main" xmlns:r="http://schemas.openxmlformats.org/officeDocument/2006/relationships" xmlns:p="http://schemas.openxmlformats.org/presentationml/2006/main">
   <p:cSld>
     <p:spTree>
@@ -16766,7 +19053,7 @@
 </p:sld>
 </file>
 
-<file path=ppt/slides/slide14.xml><?xml version="1.0" encoding="utf-8"?>
+<file path=ppt/slides/slide15.xml><?xml version="1.0" encoding="utf-8"?>
 <p:sld xmlns:a="http://schemas.openxmlformats.org/drawingml/2006/main" xmlns:r="http://schemas.openxmlformats.org/officeDocument/2006/relationships" xmlns:p="http://schemas.openxmlformats.org/presentationml/2006/main">
   <p:cSld>
     <p:spTree>
@@ -18132,7 +20419,7 @@
 </p:sld>
 </file>
 
-<file path=ppt/slides/slide15.xml><?xml version="1.0" encoding="utf-8"?>
+<file path=ppt/slides/slide16.xml><?xml version="1.0" encoding="utf-8"?>
 <p:sld xmlns:a="http://schemas.openxmlformats.org/drawingml/2006/main" xmlns:r="http://schemas.openxmlformats.org/officeDocument/2006/relationships" xmlns:p="http://schemas.openxmlformats.org/presentationml/2006/main">
   <p:cSld>
     <p:spTree>
@@ -22040,7 +24327,7 @@
 </p:sld>
 </file>
 
-<file path=ppt/slides/slide16.xml><?xml version="1.0" encoding="utf-8"?>
+<file path=ppt/slides/slide17.xml><?xml version="1.0" encoding="utf-8"?>
 <p:sld xmlns:a="http://schemas.openxmlformats.org/drawingml/2006/main" xmlns:r="http://schemas.openxmlformats.org/officeDocument/2006/relationships" xmlns:p="http://schemas.openxmlformats.org/presentationml/2006/main">
   <p:cSld>
     <p:spTree>
@@ -23493,7 +25780,7 @@
 </p:sld>
 </file>
 
-<file path=ppt/slides/slide17.xml><?xml version="1.0" encoding="utf-8"?>
+<file path=ppt/slides/slide18.xml><?xml version="1.0" encoding="utf-8"?>
 <p:sld xmlns:a="http://schemas.openxmlformats.org/drawingml/2006/main" xmlns:r="http://schemas.openxmlformats.org/officeDocument/2006/relationships" xmlns:p="http://schemas.openxmlformats.org/presentationml/2006/main">
   <p:cSld>
     <p:spTree>
@@ -25754,7 +28041,7 @@
 </p:sld>
 </file>
 
-<file path=ppt/slides/slide18.xml><?xml version="1.0" encoding="utf-8"?>
+<file path=ppt/slides/slide19.xml><?xml version="1.0" encoding="utf-8"?>
 <p:sld xmlns:a="http://schemas.openxmlformats.org/drawingml/2006/main" xmlns:r="http://schemas.openxmlformats.org/officeDocument/2006/relationships" xmlns:p="http://schemas.openxmlformats.org/presentationml/2006/main">
   <p:cSld>
     <p:spTree>
@@ -26788,7 +29075,525 @@
 </p:sld>
 </file>
 
-<file path=ppt/slides/slide19.xml><?xml version="1.0" encoding="utf-8"?>
+<file path=ppt/slides/slide2.xml><?xml version="1.0" encoding="utf-8"?>
+<p:sld xmlns:a="http://schemas.openxmlformats.org/drawingml/2006/main" xmlns:r="http://schemas.openxmlformats.org/officeDocument/2006/relationships" xmlns:p="http://schemas.openxmlformats.org/presentationml/2006/main">
+  <p:cSld>
+    <p:spTree>
+      <p:nvGrpSpPr>
+        <p:cNvPr id="1" name=""/>
+        <p:cNvGrpSpPr/>
+        <p:nvPr/>
+      </p:nvGrpSpPr>
+      <p:grpSpPr>
+        <a:xfrm>
+          <a:off x="0" y="0"/>
+          <a:ext cx="0" cy="0"/>
+          <a:chOff x="0" y="0"/>
+          <a:chExt cx="0" cy="0"/>
+        </a:xfrm>
+      </p:grpSpPr>
+      <p:sp>
+        <p:nvSpPr>
+          <p:cNvPr id="8" name="Rounded Rectangle 7"/>
+          <p:cNvSpPr/>
+          <p:nvPr/>
+        </p:nvSpPr>
+        <p:spPr>
+          <a:xfrm>
+            <a:off x="1671314" y="770058"/>
+            <a:ext cx="1137920" cy="294640"/>
+          </a:xfrm>
+          <a:prstGeom prst="roundRect">
+            <a:avLst/>
+          </a:prstGeom>
+          <a:ln w="38100" cmpd="dbl">
+            <a:prstDash val="solid"/>
+          </a:ln>
+        </p:spPr>
+        <p:style>
+          <a:lnRef idx="2">
+            <a:schemeClr val="dk1"/>
+          </a:lnRef>
+          <a:fillRef idx="1">
+            <a:schemeClr val="lt1"/>
+          </a:fillRef>
+          <a:effectRef idx="0">
+            <a:schemeClr val="dk1"/>
+          </a:effectRef>
+          <a:fontRef idx="minor">
+            <a:schemeClr val="dk1"/>
+          </a:fontRef>
+        </p:style>
+        <p:txBody>
+          <a:bodyPr rtlCol="0" anchor="ctr"/>
+          <a:lstStyle/>
+          <a:p>
+            <a:pPr algn="ctr"/>
+            <a:r>
+              <a:rPr lang="en-US" sz="1200" dirty="0" smtClean="0"/>
+              <a:t>Convenience</a:t>
+            </a:r>
+            <a:endParaRPr lang="en-US" sz="1200" dirty="0"/>
+          </a:p>
+        </p:txBody>
+      </p:sp>
+      <p:sp>
+        <p:nvSpPr>
+          <p:cNvPr id="9" name="Rounded Rectangle 8"/>
+          <p:cNvSpPr/>
+          <p:nvPr/>
+        </p:nvSpPr>
+        <p:spPr>
+          <a:xfrm>
+            <a:off x="1671314" y="1337674"/>
+            <a:ext cx="1137920" cy="294640"/>
+          </a:xfrm>
+          <a:prstGeom prst="roundRect">
+            <a:avLst/>
+          </a:prstGeom>
+          <a:ln w="38100" cmpd="dbl">
+            <a:prstDash val="solid"/>
+          </a:ln>
+        </p:spPr>
+        <p:style>
+          <a:lnRef idx="2">
+            <a:schemeClr val="dk1"/>
+          </a:lnRef>
+          <a:fillRef idx="1">
+            <a:schemeClr val="lt1"/>
+          </a:fillRef>
+          <a:effectRef idx="0">
+            <a:schemeClr val="dk1"/>
+          </a:effectRef>
+          <a:fontRef idx="minor">
+            <a:schemeClr val="dk1"/>
+          </a:fontRef>
+        </p:style>
+        <p:txBody>
+          <a:bodyPr rtlCol="0" anchor="ctr"/>
+          <a:lstStyle/>
+          <a:p>
+            <a:pPr algn="ctr"/>
+            <a:r>
+              <a:rPr lang="en-US" sz="1200" dirty="0" smtClean="0"/>
+              <a:t>Performance</a:t>
+            </a:r>
+            <a:endParaRPr lang="en-US" sz="1200" dirty="0"/>
+          </a:p>
+        </p:txBody>
+      </p:sp>
+      <p:sp>
+        <p:nvSpPr>
+          <p:cNvPr id="10" name="Rounded Rectangle 9"/>
+          <p:cNvSpPr/>
+          <p:nvPr/>
+        </p:nvSpPr>
+        <p:spPr>
+          <a:xfrm>
+            <a:off x="1518914" y="1890061"/>
+            <a:ext cx="1290320" cy="294640"/>
+          </a:xfrm>
+          <a:prstGeom prst="roundRect">
+            <a:avLst/>
+          </a:prstGeom>
+          <a:ln w="38100" cmpd="dbl">
+            <a:prstDash val="solid"/>
+          </a:ln>
+        </p:spPr>
+        <p:style>
+          <a:lnRef idx="2">
+            <a:schemeClr val="dk1"/>
+          </a:lnRef>
+          <a:fillRef idx="1">
+            <a:schemeClr val="lt1"/>
+          </a:fillRef>
+          <a:effectRef idx="0">
+            <a:schemeClr val="dk1"/>
+          </a:effectRef>
+          <a:fontRef idx="minor">
+            <a:schemeClr val="dk1"/>
+          </a:fontRef>
+        </p:style>
+        <p:txBody>
+          <a:bodyPr rtlCol="0" anchor="ctr"/>
+          <a:lstStyle/>
+          <a:p>
+            <a:pPr algn="ctr"/>
+            <a:r>
+              <a:rPr lang="en-US" sz="1200" dirty="0" smtClean="0"/>
+              <a:t>Trustworthiness</a:t>
+            </a:r>
+            <a:endParaRPr lang="en-US" sz="1200" dirty="0"/>
+          </a:p>
+        </p:txBody>
+      </p:sp>
+      <p:sp>
+        <p:nvSpPr>
+          <p:cNvPr id="484" name="Rounded Rectangle 483"/>
+          <p:cNvSpPr/>
+          <p:nvPr/>
+        </p:nvSpPr>
+        <p:spPr>
+          <a:xfrm>
+            <a:off x="1447793" y="2455332"/>
+            <a:ext cx="1361441" cy="460375"/>
+          </a:xfrm>
+          <a:prstGeom prst="roundRect">
+            <a:avLst/>
+          </a:prstGeom>
+          <a:ln w="38100" cmpd="dbl">
+            <a:prstDash val="solid"/>
+          </a:ln>
+        </p:spPr>
+        <p:style>
+          <a:lnRef idx="2">
+            <a:schemeClr val="dk1"/>
+          </a:lnRef>
+          <a:fillRef idx="1">
+            <a:schemeClr val="lt1"/>
+          </a:fillRef>
+          <a:effectRef idx="0">
+            <a:schemeClr val="dk1"/>
+          </a:effectRef>
+          <a:fontRef idx="minor">
+            <a:schemeClr val="dk1"/>
+          </a:fontRef>
+        </p:style>
+        <p:txBody>
+          <a:bodyPr rtlCol="0" anchor="ctr"/>
+          <a:lstStyle/>
+          <a:p>
+            <a:pPr algn="ctr"/>
+            <a:r>
+              <a:rPr lang="en-US" sz="1200" dirty="0" smtClean="0"/>
+              <a:t>Compatibility</a:t>
+            </a:r>
+            <a:endParaRPr lang="en-US" sz="1200" dirty="0"/>
+          </a:p>
+        </p:txBody>
+      </p:sp>
+      <p:sp>
+        <p:nvSpPr>
+          <p:cNvPr id="2" name="TextBox 1"/>
+          <p:cNvSpPr txBox="1"/>
+          <p:nvPr/>
+        </p:nvSpPr>
+        <p:spPr>
+          <a:xfrm>
+            <a:off x="6504396" y="1064698"/>
+            <a:ext cx="2499640" cy="369332"/>
+          </a:xfrm>
+          <a:prstGeom prst="rect">
+            <a:avLst/>
+          </a:prstGeom>
+          <a:noFill/>
+        </p:spPr>
+        <p:txBody>
+          <a:bodyPr wrap="none" rtlCol="0">
+            <a:spAutoFit/>
+          </a:bodyPr>
+          <a:lstStyle/>
+          <a:p>
+            <a:r>
+              <a:rPr lang="en-US" dirty="0" smtClean="0"/>
+              <a:t>CUSTOMER PERCEPTION</a:t>
+            </a:r>
+            <a:endParaRPr lang="en-US" dirty="0"/>
+          </a:p>
+        </p:txBody>
+      </p:sp>
+      <p:sp>
+        <p:nvSpPr>
+          <p:cNvPr id="3" name="TextBox 2"/>
+          <p:cNvSpPr txBox="1"/>
+          <p:nvPr/>
+        </p:nvSpPr>
+        <p:spPr>
+          <a:xfrm>
+            <a:off x="3471162" y="1558771"/>
+            <a:ext cx="2398087" cy="369332"/>
+          </a:xfrm>
+          <a:prstGeom prst="rect">
+            <a:avLst/>
+          </a:prstGeom>
+        </p:spPr>
+        <p:style>
+          <a:lnRef idx="2">
+            <a:schemeClr val="dk1"/>
+          </a:lnRef>
+          <a:fillRef idx="1">
+            <a:schemeClr val="lt1"/>
+          </a:fillRef>
+          <a:effectRef idx="0">
+            <a:schemeClr val="dk1"/>
+          </a:effectRef>
+          <a:fontRef idx="minor">
+            <a:schemeClr val="dk1"/>
+          </a:fontRef>
+        </p:style>
+        <p:txBody>
+          <a:bodyPr wrap="none" rtlCol="0">
+            <a:spAutoFit/>
+          </a:bodyPr>
+          <a:lstStyle/>
+          <a:p>
+            <a:r>
+              <a:rPr lang="en-US" dirty="0" smtClean="0"/>
+              <a:t>E-Service Quality </a:t>
+            </a:r>
+            <a:r>
+              <a:rPr lang="en-US" dirty="0" smtClean="0"/>
+              <a:t>in </a:t>
+            </a:r>
+            <a:r>
+              <a:rPr lang="en-US" dirty="0" smtClean="0"/>
+              <a:t>Use</a:t>
+            </a:r>
+          </a:p>
+        </p:txBody>
+      </p:sp>
+      <p:cxnSp>
+        <p:nvCxnSpPr>
+          <p:cNvPr id="11" name="Straight Connector 10"/>
+          <p:cNvCxnSpPr>
+            <a:stCxn id="8" idx="3"/>
+            <a:endCxn id="3" idx="1"/>
+          </p:cNvCxnSpPr>
+          <p:nvPr/>
+        </p:nvCxnSpPr>
+        <p:spPr>
+          <a:xfrm>
+            <a:off x="2809234" y="917378"/>
+            <a:ext cx="661928" cy="826059"/>
+          </a:xfrm>
+          <a:prstGeom prst="line">
+            <a:avLst/>
+          </a:prstGeom>
+        </p:spPr>
+        <p:style>
+          <a:lnRef idx="1">
+            <a:schemeClr val="dk1"/>
+          </a:lnRef>
+          <a:fillRef idx="0">
+            <a:schemeClr val="dk1"/>
+          </a:fillRef>
+          <a:effectRef idx="0">
+            <a:schemeClr val="dk1"/>
+          </a:effectRef>
+          <a:fontRef idx="minor">
+            <a:schemeClr val="tx1"/>
+          </a:fontRef>
+        </p:style>
+      </p:cxnSp>
+      <p:cxnSp>
+        <p:nvCxnSpPr>
+          <p:cNvPr id="12" name="Straight Connector 11"/>
+          <p:cNvCxnSpPr>
+            <a:endCxn id="3" idx="1"/>
+          </p:cNvCxnSpPr>
+          <p:nvPr/>
+        </p:nvCxnSpPr>
+        <p:spPr>
+          <a:xfrm>
+            <a:off x="2809234" y="1439135"/>
+            <a:ext cx="661928" cy="304302"/>
+          </a:xfrm>
+          <a:prstGeom prst="line">
+            <a:avLst/>
+          </a:prstGeom>
+        </p:spPr>
+        <p:style>
+          <a:lnRef idx="1">
+            <a:schemeClr val="dk1"/>
+          </a:lnRef>
+          <a:fillRef idx="0">
+            <a:schemeClr val="dk1"/>
+          </a:fillRef>
+          <a:effectRef idx="0">
+            <a:schemeClr val="dk1"/>
+          </a:effectRef>
+          <a:fontRef idx="minor">
+            <a:schemeClr val="tx1"/>
+          </a:fontRef>
+        </p:style>
+      </p:cxnSp>
+      <p:cxnSp>
+        <p:nvCxnSpPr>
+          <p:cNvPr id="14" name="Straight Connector 13"/>
+          <p:cNvCxnSpPr>
+            <a:stCxn id="10" idx="3"/>
+            <a:endCxn id="3" idx="1"/>
+          </p:cNvCxnSpPr>
+          <p:nvPr/>
+        </p:nvCxnSpPr>
+        <p:spPr>
+          <a:xfrm flipV="1">
+            <a:off x="2809234" y="1743437"/>
+            <a:ext cx="661928" cy="293944"/>
+          </a:xfrm>
+          <a:prstGeom prst="line">
+            <a:avLst/>
+          </a:prstGeom>
+        </p:spPr>
+        <p:style>
+          <a:lnRef idx="1">
+            <a:schemeClr val="dk1"/>
+          </a:lnRef>
+          <a:fillRef idx="0">
+            <a:schemeClr val="dk1"/>
+          </a:fillRef>
+          <a:effectRef idx="0">
+            <a:schemeClr val="dk1"/>
+          </a:effectRef>
+          <a:fontRef idx="minor">
+            <a:schemeClr val="tx1"/>
+          </a:fontRef>
+        </p:style>
+      </p:cxnSp>
+      <p:cxnSp>
+        <p:nvCxnSpPr>
+          <p:cNvPr id="18" name="Straight Connector 17"/>
+          <p:cNvCxnSpPr>
+            <a:stCxn id="484" idx="3"/>
+            <a:endCxn id="3" idx="1"/>
+          </p:cNvCxnSpPr>
+          <p:nvPr/>
+        </p:nvCxnSpPr>
+        <p:spPr>
+          <a:xfrm flipV="1">
+            <a:off x="2809234" y="1743437"/>
+            <a:ext cx="661928" cy="942083"/>
+          </a:xfrm>
+          <a:prstGeom prst="line">
+            <a:avLst/>
+          </a:prstGeom>
+        </p:spPr>
+        <p:style>
+          <a:lnRef idx="1">
+            <a:schemeClr val="dk1"/>
+          </a:lnRef>
+          <a:fillRef idx="0">
+            <a:schemeClr val="dk1"/>
+          </a:fillRef>
+          <a:effectRef idx="0">
+            <a:schemeClr val="dk1"/>
+          </a:effectRef>
+          <a:fontRef idx="minor">
+            <a:schemeClr val="tx1"/>
+          </a:fontRef>
+        </p:style>
+      </p:cxnSp>
+      <p:sp>
+        <p:nvSpPr>
+          <p:cNvPr id="23" name="TextBox 22"/>
+          <p:cNvSpPr txBox="1"/>
+          <p:nvPr/>
+        </p:nvSpPr>
+        <p:spPr>
+          <a:xfrm>
+            <a:off x="5377848" y="3999778"/>
+            <a:ext cx="3045500" cy="369332"/>
+          </a:xfrm>
+          <a:prstGeom prst="rect">
+            <a:avLst/>
+          </a:prstGeom>
+          <a:noFill/>
+        </p:spPr>
+        <p:txBody>
+          <a:bodyPr wrap="none" rtlCol="0">
+            <a:spAutoFit/>
+          </a:bodyPr>
+          <a:lstStyle/>
+          <a:p>
+            <a:r>
+              <a:rPr lang="en-US" dirty="0" smtClean="0"/>
+              <a:t>E-Service Quality in Use model</a:t>
+            </a:r>
+            <a:endParaRPr lang="en-US" dirty="0"/>
+          </a:p>
+        </p:txBody>
+      </p:sp>
+      <p:sp>
+        <p:nvSpPr>
+          <p:cNvPr id="24" name="TextBox 23"/>
+          <p:cNvSpPr txBox="1"/>
+          <p:nvPr/>
+        </p:nvSpPr>
+        <p:spPr>
+          <a:xfrm>
+            <a:off x="6504396" y="2222047"/>
+            <a:ext cx="1918952" cy="369332"/>
+          </a:xfrm>
+          <a:prstGeom prst="rect">
+            <a:avLst/>
+          </a:prstGeom>
+          <a:noFill/>
+        </p:spPr>
+        <p:txBody>
+          <a:bodyPr wrap="none" rtlCol="0">
+            <a:spAutoFit/>
+          </a:bodyPr>
+          <a:lstStyle/>
+          <a:p>
+            <a:r>
+              <a:rPr lang="en-US" b="1" dirty="0" smtClean="0"/>
+              <a:t>CHARACTERISTICS</a:t>
+            </a:r>
+            <a:endParaRPr lang="en-US" b="1" dirty="0"/>
+          </a:p>
+        </p:txBody>
+      </p:sp>
+      <p:sp>
+        <p:nvSpPr>
+          <p:cNvPr id="22" name="TextBox 21"/>
+          <p:cNvSpPr txBox="1"/>
+          <p:nvPr/>
+        </p:nvSpPr>
+        <p:spPr>
+          <a:xfrm>
+            <a:off x="202680" y="6020974"/>
+            <a:ext cx="8781370" cy="369332"/>
+          </a:xfrm>
+          <a:prstGeom prst="rect">
+            <a:avLst/>
+          </a:prstGeom>
+          <a:noFill/>
+        </p:spPr>
+        <p:txBody>
+          <a:bodyPr wrap="none" rtlCol="0">
+            <a:spAutoFit/>
+          </a:bodyPr>
+          <a:lstStyle/>
+          <a:p>
+            <a:r>
+              <a:rPr lang="en-US" dirty="0" smtClean="0"/>
+              <a:t>Hypothesis: This 4 e-services characteristics positively influence the user quality perception.</a:t>
+            </a:r>
+            <a:endParaRPr lang="en-US" dirty="0"/>
+          </a:p>
+        </p:txBody>
+      </p:sp>
+    </p:spTree>
+    <p:extLst>
+      <p:ext uri="{BB962C8B-B14F-4D97-AF65-F5344CB8AC3E}">
+        <p14:creationId xmlns:p14="http://schemas.microsoft.com/office/powerpoint/2010/main" val="2145450646"/>
+      </p:ext>
+    </p:extLst>
+  </p:cSld>
+  <p:clrMapOvr>
+    <a:masterClrMapping/>
+  </p:clrMapOvr>
+  <p:timing>
+    <p:tnLst>
+      <p:par>
+        <p:cTn xmlns:p14="http://schemas.microsoft.com/office/powerpoint/2010/main" id="1" dur="indefinite" restart="never" nodeType="tmRoot"/>
+      </p:par>
+    </p:tnLst>
+  </p:timing>
+</p:sld>
+</file>
+
+<file path=ppt/slides/slide20.xml><?xml version="1.0" encoding="utf-8"?>
 <p:sld xmlns:a="http://schemas.openxmlformats.org/drawingml/2006/main" xmlns:r="http://schemas.openxmlformats.org/officeDocument/2006/relationships" xmlns:p="http://schemas.openxmlformats.org/presentationml/2006/main">
   <p:cSld>
     <p:spTree>
@@ -26878,7 +29683,7 @@
 </p:sld>
 </file>
 
-<file path=ppt/slides/slide2.xml><?xml version="1.0" encoding="utf-8"?>
+<file path=ppt/slides/slide21.xml><?xml version="1.0" encoding="utf-8"?>
 <p:sld xmlns:a="http://schemas.openxmlformats.org/drawingml/2006/main" xmlns:r="http://schemas.openxmlformats.org/officeDocument/2006/relationships" xmlns:p="http://schemas.openxmlformats.org/presentationml/2006/main">
   <p:cSld>
     <p:spTree>
@@ -26895,504 +29700,448 @@
           <a:chExt cx="0" cy="0"/>
         </a:xfrm>
       </p:grpSpPr>
-      <p:sp>
-        <p:nvSpPr>
-          <p:cNvPr id="8" name="Rounded Rectangle 7"/>
-          <p:cNvSpPr/>
-          <p:nvPr/>
-        </p:nvSpPr>
-        <p:spPr>
-          <a:xfrm>
-            <a:off x="1671314" y="770058"/>
-            <a:ext cx="1137920" cy="294640"/>
-          </a:xfrm>
-          <a:prstGeom prst="roundRect">
-            <a:avLst/>
-          </a:prstGeom>
-          <a:ln w="38100" cmpd="dbl">
-            <a:prstDash val="solid"/>
-          </a:ln>
-        </p:spPr>
-        <p:style>
-          <a:lnRef idx="2">
-            <a:schemeClr val="dk1"/>
-          </a:lnRef>
-          <a:fillRef idx="1">
-            <a:schemeClr val="lt1"/>
-          </a:fillRef>
-          <a:effectRef idx="0">
-            <a:schemeClr val="dk1"/>
-          </a:effectRef>
-          <a:fontRef idx="minor">
-            <a:schemeClr val="dk1"/>
-          </a:fontRef>
-        </p:style>
-        <p:txBody>
-          <a:bodyPr rtlCol="0" anchor="ctr"/>
-          <a:lstStyle/>
-          <a:p>
-            <a:pPr algn="ctr"/>
-            <a:r>
-              <a:rPr lang="en-US" sz="1200" dirty="0" smtClean="0"/>
-              <a:t>Convenience</a:t>
-            </a:r>
-            <a:endParaRPr lang="en-US" sz="1200" dirty="0"/>
-          </a:p>
-        </p:txBody>
-      </p:sp>
-      <p:sp>
-        <p:nvSpPr>
-          <p:cNvPr id="9" name="Rounded Rectangle 8"/>
-          <p:cNvSpPr/>
-          <p:nvPr/>
-        </p:nvSpPr>
-        <p:spPr>
-          <a:xfrm>
-            <a:off x="1671314" y="1337674"/>
-            <a:ext cx="1137920" cy="294640"/>
-          </a:xfrm>
-          <a:prstGeom prst="roundRect">
-            <a:avLst/>
-          </a:prstGeom>
-          <a:ln w="38100" cmpd="dbl">
-            <a:prstDash val="solid"/>
-          </a:ln>
-        </p:spPr>
-        <p:style>
-          <a:lnRef idx="2">
-            <a:schemeClr val="dk1"/>
-          </a:lnRef>
-          <a:fillRef idx="1">
-            <a:schemeClr val="lt1"/>
-          </a:fillRef>
-          <a:effectRef idx="0">
-            <a:schemeClr val="dk1"/>
-          </a:effectRef>
-          <a:fontRef idx="minor">
-            <a:schemeClr val="dk1"/>
-          </a:fontRef>
-        </p:style>
-        <p:txBody>
-          <a:bodyPr rtlCol="0" anchor="ctr"/>
-          <a:lstStyle/>
-          <a:p>
-            <a:pPr algn="ctr"/>
-            <a:r>
-              <a:rPr lang="en-US" sz="1200" dirty="0" smtClean="0"/>
-              <a:t>Performance</a:t>
-            </a:r>
-            <a:endParaRPr lang="en-US" sz="1200" dirty="0"/>
-          </a:p>
-        </p:txBody>
-      </p:sp>
-      <p:sp>
-        <p:nvSpPr>
-          <p:cNvPr id="10" name="Rounded Rectangle 9"/>
-          <p:cNvSpPr/>
-          <p:nvPr/>
-        </p:nvSpPr>
-        <p:spPr>
-          <a:xfrm>
-            <a:off x="1518914" y="1890061"/>
-            <a:ext cx="1290320" cy="294640"/>
-          </a:xfrm>
-          <a:prstGeom prst="roundRect">
-            <a:avLst/>
-          </a:prstGeom>
-          <a:ln w="38100" cmpd="dbl">
-            <a:prstDash val="solid"/>
-          </a:ln>
-        </p:spPr>
-        <p:style>
-          <a:lnRef idx="2">
-            <a:schemeClr val="dk1"/>
-          </a:lnRef>
-          <a:fillRef idx="1">
-            <a:schemeClr val="lt1"/>
-          </a:fillRef>
-          <a:effectRef idx="0">
-            <a:schemeClr val="dk1"/>
-          </a:effectRef>
-          <a:fontRef idx="minor">
-            <a:schemeClr val="dk1"/>
-          </a:fontRef>
-        </p:style>
-        <p:txBody>
-          <a:bodyPr rtlCol="0" anchor="ctr"/>
-          <a:lstStyle/>
-          <a:p>
-            <a:pPr algn="ctr"/>
-            <a:r>
-              <a:rPr lang="en-US" sz="1200" dirty="0" smtClean="0"/>
-              <a:t>Trustworthiness</a:t>
-            </a:r>
-            <a:endParaRPr lang="en-US" sz="1200" dirty="0"/>
-          </a:p>
-        </p:txBody>
-      </p:sp>
-      <p:sp>
-        <p:nvSpPr>
-          <p:cNvPr id="484" name="Rounded Rectangle 483"/>
-          <p:cNvSpPr/>
-          <p:nvPr/>
-        </p:nvSpPr>
-        <p:spPr>
-          <a:xfrm>
-            <a:off x="1447793" y="2455332"/>
-            <a:ext cx="1361441" cy="460375"/>
-          </a:xfrm>
-          <a:prstGeom prst="roundRect">
-            <a:avLst/>
-          </a:prstGeom>
-          <a:ln w="38100" cmpd="dbl">
-            <a:prstDash val="solid"/>
-          </a:ln>
-        </p:spPr>
-        <p:style>
-          <a:lnRef idx="2">
-            <a:schemeClr val="dk1"/>
-          </a:lnRef>
-          <a:fillRef idx="1">
-            <a:schemeClr val="lt1"/>
-          </a:fillRef>
-          <a:effectRef idx="0">
-            <a:schemeClr val="dk1"/>
-          </a:effectRef>
-          <a:fontRef idx="minor">
-            <a:schemeClr val="dk1"/>
-          </a:fontRef>
-        </p:style>
-        <p:txBody>
-          <a:bodyPr rtlCol="0" anchor="ctr"/>
-          <a:lstStyle/>
-          <a:p>
-            <a:pPr algn="ctr"/>
-            <a:r>
-              <a:rPr lang="en-US" sz="1200" dirty="0" smtClean="0"/>
-              <a:t>Compatibility</a:t>
-            </a:r>
-            <a:endParaRPr lang="en-US" sz="1200" dirty="0"/>
-          </a:p>
-        </p:txBody>
-      </p:sp>
-      <p:sp>
-        <p:nvSpPr>
-          <p:cNvPr id="2" name="TextBox 1"/>
-          <p:cNvSpPr txBox="1"/>
-          <p:nvPr/>
-        </p:nvSpPr>
-        <p:spPr>
-          <a:xfrm>
-            <a:off x="6504396" y="1064698"/>
-            <a:ext cx="2499640" cy="369332"/>
-          </a:xfrm>
-          <a:prstGeom prst="rect">
-            <a:avLst/>
-          </a:prstGeom>
-          <a:noFill/>
-        </p:spPr>
-        <p:txBody>
-          <a:bodyPr wrap="none" rtlCol="0">
-            <a:spAutoFit/>
-          </a:bodyPr>
-          <a:lstStyle/>
-          <a:p>
-            <a:r>
-              <a:rPr lang="en-US" dirty="0" smtClean="0"/>
-              <a:t>CUSTOMER PERCEPTION</a:t>
-            </a:r>
-            <a:endParaRPr lang="en-US" dirty="0"/>
-          </a:p>
-        </p:txBody>
-      </p:sp>
-      <p:sp>
-        <p:nvSpPr>
-          <p:cNvPr id="3" name="TextBox 2"/>
-          <p:cNvSpPr txBox="1"/>
-          <p:nvPr/>
-        </p:nvSpPr>
-        <p:spPr>
-          <a:xfrm>
-            <a:off x="3471162" y="1558771"/>
-            <a:ext cx="2398087" cy="369332"/>
-          </a:xfrm>
-          <a:prstGeom prst="rect">
-            <a:avLst/>
-          </a:prstGeom>
-        </p:spPr>
-        <p:style>
-          <a:lnRef idx="2">
-            <a:schemeClr val="dk1"/>
-          </a:lnRef>
-          <a:fillRef idx="1">
-            <a:schemeClr val="lt1"/>
-          </a:fillRef>
-          <a:effectRef idx="0">
-            <a:schemeClr val="dk1"/>
-          </a:effectRef>
-          <a:fontRef idx="minor">
-            <a:schemeClr val="dk1"/>
-          </a:fontRef>
-        </p:style>
-        <p:txBody>
-          <a:bodyPr wrap="none" rtlCol="0">
-            <a:spAutoFit/>
-          </a:bodyPr>
-          <a:lstStyle/>
-          <a:p>
-            <a:r>
-              <a:rPr lang="en-US" dirty="0" smtClean="0"/>
-              <a:t>E-Service Quality </a:t>
-            </a:r>
-            <a:r>
-              <a:rPr lang="en-US" dirty="0" smtClean="0"/>
-              <a:t>in </a:t>
-            </a:r>
-            <a:r>
-              <a:rPr lang="en-US" dirty="0" smtClean="0"/>
-              <a:t>Use</a:t>
-            </a:r>
-          </a:p>
-        </p:txBody>
-      </p:sp>
-      <p:cxnSp>
-        <p:nvCxnSpPr>
-          <p:cNvPr id="11" name="Straight Connector 10"/>
-          <p:cNvCxnSpPr>
-            <a:stCxn id="8" idx="3"/>
-            <a:endCxn id="3" idx="1"/>
-          </p:cNvCxnSpPr>
-          <p:nvPr/>
-        </p:nvCxnSpPr>
-        <p:spPr>
-          <a:xfrm>
-            <a:off x="2809234" y="917378"/>
-            <a:ext cx="661928" cy="826059"/>
-          </a:xfrm>
-          <a:prstGeom prst="line">
-            <a:avLst/>
-          </a:prstGeom>
-        </p:spPr>
-        <p:style>
-          <a:lnRef idx="1">
-            <a:schemeClr val="dk1"/>
-          </a:lnRef>
-          <a:fillRef idx="0">
-            <a:schemeClr val="dk1"/>
-          </a:fillRef>
-          <a:effectRef idx="0">
-            <a:schemeClr val="dk1"/>
-          </a:effectRef>
-          <a:fontRef idx="minor">
-            <a:schemeClr val="tx1"/>
-          </a:fontRef>
-        </p:style>
-      </p:cxnSp>
-      <p:cxnSp>
-        <p:nvCxnSpPr>
-          <p:cNvPr id="12" name="Straight Connector 11"/>
-          <p:cNvCxnSpPr>
-            <a:endCxn id="3" idx="1"/>
-          </p:cNvCxnSpPr>
-          <p:nvPr/>
-        </p:nvCxnSpPr>
-        <p:spPr>
-          <a:xfrm>
-            <a:off x="2809234" y="1439135"/>
-            <a:ext cx="661928" cy="304302"/>
-          </a:xfrm>
-          <a:prstGeom prst="line">
-            <a:avLst/>
-          </a:prstGeom>
-        </p:spPr>
-        <p:style>
-          <a:lnRef idx="1">
-            <a:schemeClr val="dk1"/>
-          </a:lnRef>
-          <a:fillRef idx="0">
-            <a:schemeClr val="dk1"/>
-          </a:fillRef>
-          <a:effectRef idx="0">
-            <a:schemeClr val="dk1"/>
-          </a:effectRef>
-          <a:fontRef idx="minor">
-            <a:schemeClr val="tx1"/>
-          </a:fontRef>
-        </p:style>
-      </p:cxnSp>
-      <p:cxnSp>
-        <p:nvCxnSpPr>
-          <p:cNvPr id="14" name="Straight Connector 13"/>
-          <p:cNvCxnSpPr>
-            <a:stCxn id="10" idx="3"/>
-            <a:endCxn id="3" idx="1"/>
-          </p:cNvCxnSpPr>
-          <p:nvPr/>
-        </p:nvCxnSpPr>
-        <p:spPr>
-          <a:xfrm flipV="1">
-            <a:off x="2809234" y="1743437"/>
-            <a:ext cx="661928" cy="293944"/>
-          </a:xfrm>
-          <a:prstGeom prst="line">
-            <a:avLst/>
-          </a:prstGeom>
-        </p:spPr>
-        <p:style>
-          <a:lnRef idx="1">
-            <a:schemeClr val="dk1"/>
-          </a:lnRef>
-          <a:fillRef idx="0">
-            <a:schemeClr val="dk1"/>
-          </a:fillRef>
-          <a:effectRef idx="0">
-            <a:schemeClr val="dk1"/>
-          </a:effectRef>
-          <a:fontRef idx="minor">
-            <a:schemeClr val="tx1"/>
-          </a:fontRef>
-        </p:style>
-      </p:cxnSp>
-      <p:cxnSp>
-        <p:nvCxnSpPr>
-          <p:cNvPr id="18" name="Straight Connector 17"/>
-          <p:cNvCxnSpPr>
-            <a:stCxn id="484" idx="3"/>
-            <a:endCxn id="3" idx="1"/>
-          </p:cNvCxnSpPr>
-          <p:nvPr/>
-        </p:nvCxnSpPr>
-        <p:spPr>
-          <a:xfrm flipV="1">
-            <a:off x="2809234" y="1743437"/>
-            <a:ext cx="661928" cy="942083"/>
-          </a:xfrm>
-          <a:prstGeom prst="line">
-            <a:avLst/>
-          </a:prstGeom>
-        </p:spPr>
-        <p:style>
-          <a:lnRef idx="1">
-            <a:schemeClr val="dk1"/>
-          </a:lnRef>
-          <a:fillRef idx="0">
-            <a:schemeClr val="dk1"/>
-          </a:fillRef>
-          <a:effectRef idx="0">
-            <a:schemeClr val="dk1"/>
-          </a:effectRef>
-          <a:fontRef idx="minor">
-            <a:schemeClr val="tx1"/>
-          </a:fontRef>
-        </p:style>
-      </p:cxnSp>
-      <p:sp>
-        <p:nvSpPr>
-          <p:cNvPr id="23" name="TextBox 22"/>
-          <p:cNvSpPr txBox="1"/>
-          <p:nvPr/>
-        </p:nvSpPr>
-        <p:spPr>
-          <a:xfrm>
-            <a:off x="5377848" y="3999778"/>
-            <a:ext cx="3045500" cy="369332"/>
-          </a:xfrm>
-          <a:prstGeom prst="rect">
-            <a:avLst/>
-          </a:prstGeom>
-          <a:noFill/>
-        </p:spPr>
-        <p:txBody>
-          <a:bodyPr wrap="none" rtlCol="0">
-            <a:spAutoFit/>
-          </a:bodyPr>
-          <a:lstStyle/>
-          <a:p>
-            <a:r>
-              <a:rPr lang="en-US" dirty="0" smtClean="0"/>
-              <a:t>E-Service Quality in Use model</a:t>
-            </a:r>
-            <a:endParaRPr lang="en-US" dirty="0"/>
-          </a:p>
-        </p:txBody>
-      </p:sp>
-      <p:sp>
-        <p:nvSpPr>
-          <p:cNvPr id="24" name="TextBox 23"/>
-          <p:cNvSpPr txBox="1"/>
-          <p:nvPr/>
-        </p:nvSpPr>
-        <p:spPr>
-          <a:xfrm>
-            <a:off x="6504396" y="2222047"/>
-            <a:ext cx="1918952" cy="369332"/>
-          </a:xfrm>
-          <a:prstGeom prst="rect">
-            <a:avLst/>
-          </a:prstGeom>
-          <a:noFill/>
-        </p:spPr>
-        <p:txBody>
-          <a:bodyPr wrap="none" rtlCol="0">
-            <a:spAutoFit/>
-          </a:bodyPr>
-          <a:lstStyle/>
-          <a:p>
-            <a:r>
-              <a:rPr lang="en-US" b="1" dirty="0" smtClean="0"/>
-              <a:t>CHARACTERISTICS</a:t>
-            </a:r>
-            <a:endParaRPr lang="en-US" b="1" dirty="0"/>
-          </a:p>
-        </p:txBody>
-      </p:sp>
-      <p:sp>
-        <p:nvSpPr>
-          <p:cNvPr id="22" name="TextBox 21"/>
-          <p:cNvSpPr txBox="1"/>
-          <p:nvPr/>
-        </p:nvSpPr>
-        <p:spPr>
-          <a:xfrm>
-            <a:off x="202680" y="6020974"/>
-            <a:ext cx="8781370" cy="369332"/>
-          </a:xfrm>
-          <a:prstGeom prst="rect">
-            <a:avLst/>
-          </a:prstGeom>
-          <a:noFill/>
-        </p:spPr>
-        <p:txBody>
-          <a:bodyPr wrap="none" rtlCol="0">
-            <a:spAutoFit/>
-          </a:bodyPr>
-          <a:lstStyle/>
-          <a:p>
-            <a:r>
-              <a:rPr lang="en-US" dirty="0" smtClean="0"/>
-              <a:t>Hypothesis: This 4 e-services characteristics positively influence the user quality perception.</a:t>
-            </a:r>
-            <a:endParaRPr lang="en-US" dirty="0"/>
-          </a:p>
-        </p:txBody>
-      </p:sp>
+      <p:graphicFrame>
+        <p:nvGraphicFramePr>
+          <p:cNvPr id="6" name="Table 5"/>
+          <p:cNvGraphicFramePr>
+            <a:graphicFrameLocks noGrp="1"/>
+          </p:cNvGraphicFramePr>
+          <p:nvPr/>
+        </p:nvGraphicFramePr>
+        <p:xfrm>
+          <a:off x="2139950" y="2491581"/>
+          <a:ext cx="4864100" cy="2743200"/>
+        </p:xfrm>
+        <a:graphic>
+          <a:graphicData uri="http://schemas.openxmlformats.org/drawingml/2006/table">
+            <a:tbl>
+              <a:tblPr/>
+              <a:tblGrid>
+                <a:gridCol w="1765300"/>
+                <a:gridCol w="3098800"/>
+              </a:tblGrid>
+              <a:tr h="457200">
+                <a:tc>
+                  <a:txBody>
+                    <a:bodyPr/>
+                    <a:lstStyle/>
+                    <a:p>
+                      <a:pPr algn="l" fontAlgn="ctr"/>
+                      <a:r>
+                        <a:rPr lang="en-US" sz="1200" b="0" i="0" u="none" strike="noStrike">
+                          <a:solidFill>
+                            <a:srgbClr val="000000"/>
+                          </a:solidFill>
+                          <a:effectLst/>
+                          <a:latin typeface="Times New Roman"/>
+                        </a:rPr>
+                        <a:t>1. Services concept</a:t>
+                      </a:r>
+                    </a:p>
+                  </a:txBody>
+                  <a:tcPr marL="12700" marR="12700" marT="12700" marB="0" anchor="ctr">
+                    <a:lnL>
+                      <a:noFill/>
+                    </a:lnL>
+                    <a:lnR>
+                      <a:noFill/>
+                    </a:lnR>
+                    <a:lnT>
+                      <a:noFill/>
+                    </a:lnT>
+                    <a:lnB>
+                      <a:noFill/>
+                    </a:lnB>
+                  </a:tcPr>
+                </a:tc>
+                <a:tc>
+                  <a:txBody>
+                    <a:bodyPr/>
+                    <a:lstStyle/>
+                    <a:p>
+                      <a:pPr algn="l" fontAlgn="ctr"/>
+                      <a:r>
+                        <a:rPr lang="en-US" sz="1200" b="0" i="0" u="none" strike="noStrike">
+                          <a:solidFill>
+                            <a:srgbClr val="000000"/>
+                          </a:solidFill>
+                          <a:effectLst/>
+                          <a:latin typeface="Times New Roman"/>
+                        </a:rPr>
+                        <a:t>7, IT-Services</a:t>
+                      </a:r>
+                    </a:p>
+                  </a:txBody>
+                  <a:tcPr marL="12700" marR="12700" marT="12700" marB="0" anchor="ctr">
+                    <a:lnL>
+                      <a:noFill/>
+                    </a:lnL>
+                    <a:lnR>
+                      <a:noFill/>
+                    </a:lnR>
+                    <a:lnT>
+                      <a:noFill/>
+                    </a:lnT>
+                    <a:lnB>
+                      <a:noFill/>
+                    </a:lnB>
+                  </a:tcPr>
+                </a:tc>
+              </a:tr>
+              <a:tr h="457200">
+                <a:tc>
+                  <a:txBody>
+                    <a:bodyPr/>
+                    <a:lstStyle/>
+                    <a:p>
+                      <a:pPr algn="l" fontAlgn="ctr"/>
+                      <a:r>
+                        <a:rPr lang="en-US" sz="1200" b="0" i="0" u="none" strike="noStrike">
+                          <a:solidFill>
+                            <a:srgbClr val="000000"/>
+                          </a:solidFill>
+                          <a:effectLst/>
+                          <a:latin typeface="Times New Roman"/>
+                        </a:rPr>
+                        <a:t>2. Quality concept</a:t>
+                      </a:r>
+                    </a:p>
+                  </a:txBody>
+                  <a:tcPr marL="12700" marR="12700" marT="12700" marB="0" anchor="ctr">
+                    <a:lnL>
+                      <a:noFill/>
+                    </a:lnL>
+                    <a:lnR>
+                      <a:noFill/>
+                    </a:lnR>
+                    <a:lnT>
+                      <a:noFill/>
+                    </a:lnT>
+                    <a:lnB>
+                      <a:noFill/>
+                    </a:lnB>
+                  </a:tcPr>
+                </a:tc>
+                <a:tc>
+                  <a:txBody>
+                    <a:bodyPr/>
+                    <a:lstStyle/>
+                    <a:p>
+                      <a:pPr algn="l" fontAlgn="ctr"/>
+                      <a:r>
+                        <a:rPr lang="en-US" sz="1200" b="0" i="0" u="none" strike="noStrike">
+                          <a:solidFill>
+                            <a:srgbClr val="000000"/>
+                          </a:solidFill>
+                          <a:effectLst/>
+                          <a:latin typeface="Times New Roman"/>
+                        </a:rPr>
+                        <a:t>8. E-Commerce</a:t>
+                      </a:r>
+                    </a:p>
+                  </a:txBody>
+                  <a:tcPr marL="12700" marR="12700" marT="12700" marB="0" anchor="ctr">
+                    <a:lnL>
+                      <a:noFill/>
+                    </a:lnL>
+                    <a:lnR>
+                      <a:noFill/>
+                    </a:lnR>
+                    <a:lnT>
+                      <a:noFill/>
+                    </a:lnT>
+                    <a:lnB>
+                      <a:noFill/>
+                    </a:lnB>
+                  </a:tcPr>
+                </a:tc>
+              </a:tr>
+              <a:tr h="457200">
+                <a:tc>
+                  <a:txBody>
+                    <a:bodyPr/>
+                    <a:lstStyle/>
+                    <a:p>
+                      <a:pPr algn="l" fontAlgn="ctr"/>
+                      <a:r>
+                        <a:rPr lang="en-US" sz="1200" b="0" i="0" u="none" strike="noStrike">
+                          <a:solidFill>
+                            <a:srgbClr val="000000"/>
+                          </a:solidFill>
+                          <a:effectLst/>
+                          <a:latin typeface="Times New Roman"/>
+                        </a:rPr>
+                        <a:t>3. Service quality</a:t>
+                      </a:r>
+                    </a:p>
+                  </a:txBody>
+                  <a:tcPr marL="12700" marR="12700" marT="12700" marB="0" anchor="ctr">
+                    <a:lnL>
+                      <a:noFill/>
+                    </a:lnL>
+                    <a:lnR>
+                      <a:noFill/>
+                    </a:lnR>
+                    <a:lnT>
+                      <a:noFill/>
+                    </a:lnT>
+                    <a:lnB>
+                      <a:noFill/>
+                    </a:lnB>
+                  </a:tcPr>
+                </a:tc>
+                <a:tc>
+                  <a:txBody>
+                    <a:bodyPr/>
+                    <a:lstStyle/>
+                    <a:p>
+                      <a:pPr algn="l" fontAlgn="ctr"/>
+                      <a:r>
+                        <a:rPr lang="en-US" sz="1200" b="0" i="0" u="none" strike="noStrike">
+                          <a:solidFill>
+                            <a:srgbClr val="000000"/>
+                          </a:solidFill>
+                          <a:effectLst/>
+                          <a:latin typeface="Times New Roman"/>
+                        </a:rPr>
+                        <a:t>9. E-Government</a:t>
+                      </a:r>
+                    </a:p>
+                  </a:txBody>
+                  <a:tcPr marL="12700" marR="12700" marT="12700" marB="0" anchor="ctr">
+                    <a:lnL>
+                      <a:noFill/>
+                    </a:lnL>
+                    <a:lnR>
+                      <a:noFill/>
+                    </a:lnR>
+                    <a:lnT>
+                      <a:noFill/>
+                    </a:lnT>
+                    <a:lnB>
+                      <a:noFill/>
+                    </a:lnB>
+                  </a:tcPr>
+                </a:tc>
+              </a:tr>
+              <a:tr h="457200">
+                <a:tc>
+                  <a:txBody>
+                    <a:bodyPr/>
+                    <a:lstStyle/>
+                    <a:p>
+                      <a:pPr algn="l" fontAlgn="ctr"/>
+                      <a:r>
+                        <a:rPr lang="en-US" sz="1200" b="0" i="0" u="none" strike="noStrike">
+                          <a:solidFill>
+                            <a:srgbClr val="000000"/>
+                          </a:solidFill>
+                          <a:effectLst/>
+                          <a:latin typeface="Times New Roman"/>
+                        </a:rPr>
+                        <a:t>4. Definitions of e-service</a:t>
+                      </a:r>
+                    </a:p>
+                  </a:txBody>
+                  <a:tcPr marL="12700" marR="12700" marT="12700" marB="0" anchor="ctr">
+                    <a:lnL>
+                      <a:noFill/>
+                    </a:lnL>
+                    <a:lnR>
+                      <a:noFill/>
+                    </a:lnR>
+                    <a:lnT>
+                      <a:noFill/>
+                    </a:lnT>
+                    <a:lnB>
+                      <a:noFill/>
+                    </a:lnB>
+                  </a:tcPr>
+                </a:tc>
+                <a:tc>
+                  <a:txBody>
+                    <a:bodyPr/>
+                    <a:lstStyle/>
+                    <a:p>
+                      <a:pPr algn="l" fontAlgn="ctr"/>
+                      <a:r>
+                        <a:rPr lang="en-US" sz="1200" b="0" i="0" u="none" strike="noStrike">
+                          <a:solidFill>
+                            <a:srgbClr val="000000"/>
+                          </a:solidFill>
+                          <a:effectLst/>
+                          <a:latin typeface="Times New Roman"/>
+                        </a:rPr>
+                        <a:t>10. E-Infrastructure</a:t>
+                      </a:r>
+                    </a:p>
+                  </a:txBody>
+                  <a:tcPr marL="12700" marR="12700" marT="12700" marB="0" anchor="ctr">
+                    <a:lnL>
+                      <a:noFill/>
+                    </a:lnL>
+                    <a:lnR>
+                      <a:noFill/>
+                    </a:lnR>
+                    <a:lnT>
+                      <a:noFill/>
+                    </a:lnT>
+                    <a:lnB>
+                      <a:noFill/>
+                    </a:lnB>
+                  </a:tcPr>
+                </a:tc>
+              </a:tr>
+              <a:tr h="457200">
+                <a:tc>
+                  <a:txBody>
+                    <a:bodyPr/>
+                    <a:lstStyle/>
+                    <a:p>
+                      <a:pPr algn="l" fontAlgn="ctr"/>
+                      <a:r>
+                        <a:rPr lang="is-IS" sz="1200" b="0" i="0" u="none" strike="noStrike">
+                          <a:solidFill>
+                            <a:srgbClr val="000000"/>
+                          </a:solidFill>
+                          <a:effectLst/>
+                          <a:latin typeface="Times New Roman"/>
+                        </a:rPr>
+                        <a:t>5. ISO/IEC 25010:2011</a:t>
+                      </a:r>
+                    </a:p>
+                  </a:txBody>
+                  <a:tcPr marL="12700" marR="12700" marT="12700" marB="0" anchor="ctr">
+                    <a:lnL>
+                      <a:noFill/>
+                    </a:lnL>
+                    <a:lnR>
+                      <a:noFill/>
+                    </a:lnR>
+                    <a:lnT>
+                      <a:noFill/>
+                    </a:lnT>
+                    <a:lnB>
+                      <a:noFill/>
+                    </a:lnB>
+                  </a:tcPr>
+                </a:tc>
+                <a:tc>
+                  <a:txBody>
+                    <a:bodyPr/>
+                    <a:lstStyle/>
+                    <a:p>
+                      <a:pPr algn="l" fontAlgn="ctr"/>
+                      <a:r>
+                        <a:rPr lang="en-US" sz="1200" b="0" i="0" u="none" strike="noStrike">
+                          <a:solidFill>
+                            <a:srgbClr val="000000"/>
+                          </a:solidFill>
+                          <a:effectLst/>
+                          <a:latin typeface="Times New Roman"/>
+                        </a:rPr>
+                        <a:t>11. E-Services Providers</a:t>
+                      </a:r>
+                    </a:p>
+                  </a:txBody>
+                  <a:tcPr marL="12700" marR="12700" marT="12700" marB="0" anchor="ctr">
+                    <a:lnL>
+                      <a:noFill/>
+                    </a:lnL>
+                    <a:lnR>
+                      <a:noFill/>
+                    </a:lnR>
+                    <a:lnT>
+                      <a:noFill/>
+                    </a:lnT>
+                    <a:lnB>
+                      <a:noFill/>
+                    </a:lnB>
+                  </a:tcPr>
+                </a:tc>
+              </a:tr>
+              <a:tr h="457200">
+                <a:tc>
+                  <a:txBody>
+                    <a:bodyPr/>
+                    <a:lstStyle/>
+                    <a:p>
+                      <a:pPr algn="l" fontAlgn="ctr"/>
+                      <a:r>
+                        <a:rPr lang="en-US" sz="1200" b="0" i="0" u="none" strike="noStrike">
+                          <a:solidFill>
+                            <a:srgbClr val="000000"/>
+                          </a:solidFill>
+                          <a:effectLst/>
+                          <a:latin typeface="Times New Roman"/>
+                        </a:rPr>
+                        <a:t>6. e-service quality</a:t>
+                      </a:r>
+                    </a:p>
+                  </a:txBody>
+                  <a:tcPr marL="12700" marR="12700" marT="12700" marB="0" anchor="ctr">
+                    <a:lnL>
+                      <a:noFill/>
+                    </a:lnL>
+                    <a:lnR>
+                      <a:noFill/>
+                    </a:lnR>
+                    <a:lnT>
+                      <a:noFill/>
+                    </a:lnT>
+                    <a:lnB>
+                      <a:noFill/>
+                    </a:lnB>
+                  </a:tcPr>
+                </a:tc>
+                <a:tc>
+                  <a:txBody>
+                    <a:bodyPr/>
+                    <a:lstStyle/>
+                    <a:p>
+                      <a:pPr algn="l" fontAlgn="ctr"/>
+                      <a:r>
+                        <a:rPr lang="en-US" sz="1200" b="0" i="0" u="none" strike="noStrike" dirty="0">
+                          <a:solidFill>
+                            <a:srgbClr val="000000"/>
+                          </a:solidFill>
+                          <a:effectLst/>
+                          <a:latin typeface="Times New Roman"/>
+                        </a:rPr>
+                        <a:t>12.Online and traditional business environment</a:t>
+                      </a:r>
+                    </a:p>
+                  </a:txBody>
+                  <a:tcPr marL="12700" marR="12700" marT="12700" marB="0" anchor="ctr">
+                    <a:lnL>
+                      <a:noFill/>
+                    </a:lnL>
+                    <a:lnR>
+                      <a:noFill/>
+                    </a:lnR>
+                    <a:lnT>
+                      <a:noFill/>
+                    </a:lnT>
+                    <a:lnB>
+                      <a:noFill/>
+                    </a:lnB>
+                  </a:tcPr>
+                </a:tc>
+              </a:tr>
+            </a:tbl>
+          </a:graphicData>
+        </a:graphic>
+      </p:graphicFrame>
     </p:spTree>
     <p:extLst>
       <p:ext uri="{BB962C8B-B14F-4D97-AF65-F5344CB8AC3E}">
-        <p14:creationId xmlns:p14="http://schemas.microsoft.com/office/powerpoint/2010/main" val="2145450646"/>
+        <p14:creationId xmlns:p14="http://schemas.microsoft.com/office/powerpoint/2010/main" val="4280408251"/>
       </p:ext>
     </p:extLst>
   </p:cSld>
   <p:clrMapOvr>
     <a:masterClrMapping/>
   </p:clrMapOvr>
-  <p:timing>
-    <p:tnLst>
-      <p:par>
-        <p:cTn xmlns:p14="http://schemas.microsoft.com/office/powerpoint/2010/main" id="1" dur="indefinite" restart="never" nodeType="tmRoot"/>
-      </p:par>
-    </p:tnLst>
-  </p:timing>
 </p:sld>
 </file>
 
@@ -31980,14 +34729,14 @@
       </p:grpSpPr>
       <p:sp>
         <p:nvSpPr>
-          <p:cNvPr id="112" name="TextBox 111"/>
+          <p:cNvPr id="75" name="TextBox 74"/>
           <p:cNvSpPr txBox="1"/>
           <p:nvPr/>
         </p:nvSpPr>
         <p:spPr>
           <a:xfrm rot="16200000">
-            <a:off x="-451556" y="2095784"/>
-            <a:ext cx="2903359" cy="646331"/>
+            <a:off x="-1301464" y="655133"/>
+            <a:ext cx="1956598" cy="646331"/>
           </a:xfrm>
           <a:prstGeom prst="rect">
             <a:avLst/>
@@ -32002,26 +34751,27 @@
           <a:p>
             <a:r>
               <a:rPr lang="en-US" dirty="0" smtClean="0"/>
-              <a:t>DIMENSIONS, COMPONENTS</a:t>
+              <a:t>DIMENSIONS AND</a:t>
             </a:r>
           </a:p>
           <a:p>
             <a:r>
               <a:rPr lang="en-US" dirty="0" smtClean="0"/>
-              <a:t>AND RELATIONSHIPS</a:t>
-            </a:r>
-          </a:p>
-        </p:txBody>
-      </p:sp>
-      <p:sp>
-        <p:nvSpPr>
-          <p:cNvPr id="54" name="Rounded Rectangle 53"/>
+              <a:t>KEY COMPONENTS</a:t>
+            </a:r>
+            <a:endParaRPr lang="en-US" dirty="0"/>
+          </a:p>
+        </p:txBody>
+      </p:sp>
+      <p:sp>
+        <p:nvSpPr>
+          <p:cNvPr id="41" name="Rounded Rectangle 40"/>
           <p:cNvSpPr/>
           <p:nvPr/>
         </p:nvSpPr>
         <p:spPr>
           <a:xfrm>
-            <a:off x="4941700" y="501015"/>
+            <a:off x="3701048" y="849463"/>
             <a:ext cx="1239519" cy="279400"/>
           </a:xfrm>
           <a:prstGeom prst="roundRect">
@@ -32059,13 +34809,13 @@
       </p:sp>
       <p:sp>
         <p:nvSpPr>
-          <p:cNvPr id="55" name="Rounded Rectangle 54"/>
+          <p:cNvPr id="42" name="Rounded Rectangle 41"/>
           <p:cNvSpPr/>
           <p:nvPr/>
         </p:nvSpPr>
         <p:spPr>
           <a:xfrm>
-            <a:off x="5134741" y="1778660"/>
+            <a:off x="3921192" y="2087241"/>
             <a:ext cx="975359" cy="254000"/>
           </a:xfrm>
           <a:prstGeom prst="roundRect">
@@ -32103,13 +34853,13 @@
       </p:sp>
       <p:sp>
         <p:nvSpPr>
-          <p:cNvPr id="56" name="Rounded Rectangle 55"/>
+          <p:cNvPr id="43" name="Rounded Rectangle 42"/>
           <p:cNvSpPr/>
           <p:nvPr/>
         </p:nvSpPr>
         <p:spPr>
           <a:xfrm>
-            <a:off x="5134741" y="3286812"/>
+            <a:off x="3885915" y="3618506"/>
             <a:ext cx="975359" cy="254000"/>
           </a:xfrm>
           <a:prstGeom prst="roundRect">
@@ -32147,13 +34897,13 @@
       </p:sp>
       <p:sp>
         <p:nvSpPr>
-          <p:cNvPr id="57" name="Rounded Rectangle 56"/>
+          <p:cNvPr id="44" name="Rounded Rectangle 43"/>
           <p:cNvSpPr/>
           <p:nvPr/>
         </p:nvSpPr>
         <p:spPr>
           <a:xfrm>
-            <a:off x="5134741" y="5476347"/>
+            <a:off x="3909433" y="5645232"/>
             <a:ext cx="975359" cy="254000"/>
           </a:xfrm>
           <a:prstGeom prst="roundRect">
@@ -32191,13 +34941,13 @@
       </p:sp>
       <p:sp>
         <p:nvSpPr>
-          <p:cNvPr id="58" name="Rounded Rectangle 57"/>
+          <p:cNvPr id="45" name="Rounded Rectangle 44"/>
           <p:cNvSpPr/>
           <p:nvPr/>
         </p:nvSpPr>
         <p:spPr>
           <a:xfrm>
-            <a:off x="6770502" y="866468"/>
+            <a:off x="5435778" y="1214916"/>
             <a:ext cx="1619998" cy="287997"/>
           </a:xfrm>
           <a:prstGeom prst="roundRect">
@@ -32239,13 +34989,13 @@
       </p:sp>
       <p:sp>
         <p:nvSpPr>
-          <p:cNvPr id="59" name="Rounded Rectangle 58"/>
+          <p:cNvPr id="46" name="Rounded Rectangle 45"/>
           <p:cNvSpPr/>
           <p:nvPr/>
         </p:nvSpPr>
         <p:spPr>
           <a:xfrm>
-            <a:off x="6770502" y="189865"/>
+            <a:off x="5435778" y="538313"/>
             <a:ext cx="772159" cy="227330"/>
           </a:xfrm>
           <a:prstGeom prst="roundRect">
@@ -32287,13 +35037,13 @@
       </p:sp>
       <p:sp>
         <p:nvSpPr>
-          <p:cNvPr id="60" name="Rounded Rectangle 59"/>
+          <p:cNvPr id="47" name="Rounded Rectangle 46"/>
           <p:cNvSpPr/>
           <p:nvPr/>
         </p:nvSpPr>
         <p:spPr>
           <a:xfrm>
-            <a:off x="6760342" y="531495"/>
+            <a:off x="5425618" y="879943"/>
             <a:ext cx="772159" cy="227330"/>
           </a:xfrm>
           <a:prstGeom prst="roundRect">
@@ -32335,13 +35085,13 @@
       </p:sp>
       <p:sp>
         <p:nvSpPr>
-          <p:cNvPr id="61" name="Rounded Rectangle 60"/>
+          <p:cNvPr id="48" name="Rounded Rectangle 47"/>
           <p:cNvSpPr/>
           <p:nvPr/>
         </p:nvSpPr>
         <p:spPr>
           <a:xfrm>
-            <a:off x="6699382" y="1392581"/>
+            <a:off x="5462315" y="1701162"/>
             <a:ext cx="1780539" cy="264160"/>
           </a:xfrm>
           <a:prstGeom prst="roundRect">
@@ -32383,13 +35133,13 @@
       </p:sp>
       <p:sp>
         <p:nvSpPr>
-          <p:cNvPr id="62" name="Rounded Rectangle 61"/>
+          <p:cNvPr id="49" name="Rounded Rectangle 48"/>
           <p:cNvSpPr/>
           <p:nvPr/>
         </p:nvSpPr>
         <p:spPr>
           <a:xfrm>
-            <a:off x="6699382" y="1706877"/>
+            <a:off x="5462315" y="2015458"/>
             <a:ext cx="1066800" cy="367664"/>
           </a:xfrm>
           <a:prstGeom prst="roundRect">
@@ -32431,13 +35181,13 @@
       </p:sp>
       <p:sp>
         <p:nvSpPr>
-          <p:cNvPr id="63" name="Rounded Rectangle 62"/>
+          <p:cNvPr id="50" name="Rounded Rectangle 49"/>
           <p:cNvSpPr/>
           <p:nvPr/>
         </p:nvSpPr>
         <p:spPr>
           <a:xfrm>
-            <a:off x="6699382" y="2142515"/>
+            <a:off x="5462315" y="2451096"/>
             <a:ext cx="1494679" cy="305726"/>
           </a:xfrm>
           <a:prstGeom prst="roundRect">
@@ -32479,13 +35229,13 @@
       </p:sp>
       <p:sp>
         <p:nvSpPr>
-          <p:cNvPr id="64" name="Rounded Rectangle 63"/>
+          <p:cNvPr id="51" name="Rounded Rectangle 50"/>
           <p:cNvSpPr/>
           <p:nvPr/>
         </p:nvSpPr>
         <p:spPr>
           <a:xfrm>
-            <a:off x="6628262" y="2925210"/>
+            <a:off x="5508785" y="3256904"/>
             <a:ext cx="2065978" cy="276861"/>
           </a:xfrm>
           <a:prstGeom prst="roundRect">
@@ -32527,13 +35277,13 @@
       </p:sp>
       <p:sp>
         <p:nvSpPr>
-          <p:cNvPr id="65" name="Rounded Rectangle 64"/>
+          <p:cNvPr id="52" name="Rounded Rectangle 51"/>
           <p:cNvSpPr/>
           <p:nvPr/>
         </p:nvSpPr>
         <p:spPr>
           <a:xfrm>
-            <a:off x="6597782" y="3685938"/>
+            <a:off x="5478305" y="4017632"/>
             <a:ext cx="1396998" cy="264160"/>
           </a:xfrm>
           <a:prstGeom prst="roundRect">
@@ -32575,13 +35325,13 @@
       </p:sp>
       <p:grpSp>
         <p:nvGrpSpPr>
-          <p:cNvPr id="66" name="Group 65"/>
+          <p:cNvPr id="53" name="Group 52"/>
           <p:cNvGrpSpPr/>
           <p:nvPr/>
         </p:nvGrpSpPr>
         <p:grpSpPr>
           <a:xfrm>
-            <a:off x="6602862" y="4193872"/>
+            <a:off x="5483385" y="4396228"/>
             <a:ext cx="1879598" cy="491491"/>
             <a:chOff x="7721601" y="3576319"/>
             <a:chExt cx="1859278" cy="491491"/>
@@ -32589,7 +35339,7 @@
         </p:grpSpPr>
         <p:sp>
           <p:nvSpPr>
-            <p:cNvPr id="67" name="Rounded Rectangle 66"/>
+            <p:cNvPr id="54" name="Rounded Rectangle 53"/>
             <p:cNvSpPr/>
             <p:nvPr/>
           </p:nvSpPr>
@@ -32637,7 +35387,7 @@
         </p:sp>
         <p:sp>
           <p:nvSpPr>
-            <p:cNvPr id="68" name="Rounded Rectangle 67"/>
+            <p:cNvPr id="55" name="Rounded Rectangle 54"/>
             <p:cNvSpPr/>
             <p:nvPr/>
           </p:nvSpPr>
@@ -32685,7 +35435,7 @@
         </p:sp>
         <p:sp>
           <p:nvSpPr>
-            <p:cNvPr id="69" name="Rounded Rectangle 68"/>
+            <p:cNvPr id="56" name="Rounded Rectangle 55"/>
             <p:cNvSpPr/>
             <p:nvPr/>
           </p:nvSpPr>
@@ -32734,13 +35484,13 @@
       </p:grpSp>
       <p:sp>
         <p:nvSpPr>
-          <p:cNvPr id="70" name="Rounded Rectangle 69"/>
+          <p:cNvPr id="57" name="Rounded Rectangle 56"/>
           <p:cNvSpPr/>
           <p:nvPr/>
         </p:nvSpPr>
         <p:spPr>
           <a:xfrm>
-            <a:off x="6628262" y="2578500"/>
+            <a:off x="5508785" y="2910194"/>
             <a:ext cx="1851659" cy="254000"/>
           </a:xfrm>
           <a:prstGeom prst="roundRect">
@@ -32782,13 +35532,13 @@
       </p:sp>
       <p:sp>
         <p:nvSpPr>
-          <p:cNvPr id="71" name="Rounded Rectangle 70"/>
+          <p:cNvPr id="58" name="Rounded Rectangle 57"/>
           <p:cNvSpPr/>
           <p:nvPr/>
         </p:nvSpPr>
         <p:spPr>
           <a:xfrm>
-            <a:off x="6613023" y="3322085"/>
+            <a:off x="5493546" y="3653779"/>
             <a:ext cx="1178560" cy="227330"/>
           </a:xfrm>
           <a:prstGeom prst="roundRect">
@@ -32830,13 +35580,13 @@
       </p:sp>
       <p:sp>
         <p:nvSpPr>
-          <p:cNvPr id="72" name="Rounded Rectangle 71"/>
+          <p:cNvPr id="59" name="Rounded Rectangle 58"/>
           <p:cNvSpPr/>
           <p:nvPr/>
         </p:nvSpPr>
         <p:spPr>
           <a:xfrm>
-            <a:off x="6656267" y="6084747"/>
+            <a:off x="5536790" y="6253632"/>
             <a:ext cx="1011197" cy="240573"/>
           </a:xfrm>
           <a:prstGeom prst="roundRect">
@@ -32878,13 +35628,13 @@
       </p:sp>
       <p:sp>
         <p:nvSpPr>
-          <p:cNvPr id="74" name="Rounded Rectangle 73"/>
+          <p:cNvPr id="60" name="Rounded Rectangle 59"/>
           <p:cNvSpPr/>
           <p:nvPr/>
         </p:nvSpPr>
         <p:spPr>
           <a:xfrm>
-            <a:off x="6653727" y="4858588"/>
+            <a:off x="5534250" y="5027473"/>
             <a:ext cx="2098997" cy="227330"/>
           </a:xfrm>
           <a:prstGeom prst="roundRect">
@@ -32926,13 +35676,13 @@
       </p:sp>
       <p:sp>
         <p:nvSpPr>
-          <p:cNvPr id="75" name="Rounded Rectangle 74"/>
+          <p:cNvPr id="61" name="Rounded Rectangle 60"/>
           <p:cNvSpPr/>
           <p:nvPr/>
         </p:nvSpPr>
         <p:spPr>
           <a:xfrm>
-            <a:off x="6666427" y="5781570"/>
+            <a:off x="5546950" y="5950455"/>
             <a:ext cx="1001037" cy="227330"/>
           </a:xfrm>
           <a:prstGeom prst="roundRect">
@@ -32974,13 +35724,13 @@
       </p:sp>
       <p:sp>
         <p:nvSpPr>
-          <p:cNvPr id="76" name="Rounded Rectangle 75"/>
+          <p:cNvPr id="62" name="Rounded Rectangle 61"/>
           <p:cNvSpPr/>
           <p:nvPr/>
         </p:nvSpPr>
         <p:spPr>
           <a:xfrm>
-            <a:off x="6661625" y="5195136"/>
+            <a:off x="5542148" y="5364021"/>
             <a:ext cx="1005839" cy="227330"/>
           </a:xfrm>
           <a:prstGeom prst="roundRect">
@@ -33022,17 +35772,17 @@
       </p:sp>
       <p:cxnSp>
         <p:nvCxnSpPr>
-          <p:cNvPr id="77" name="Straight Connector 76"/>
+          <p:cNvPr id="63" name="Straight Connector 62"/>
           <p:cNvCxnSpPr>
-            <a:stCxn id="59" idx="1"/>
-            <a:endCxn id="54" idx="3"/>
+            <a:stCxn id="46" idx="1"/>
+            <a:endCxn id="41" idx="3"/>
           </p:cNvCxnSpPr>
           <p:nvPr/>
         </p:nvCxnSpPr>
         <p:spPr>
           <a:xfrm flipH="1">
-            <a:off x="6181219" y="303530"/>
-            <a:ext cx="589283" cy="337185"/>
+            <a:off x="4940567" y="651978"/>
+            <a:ext cx="495211" cy="337185"/>
           </a:xfrm>
           <a:prstGeom prst="line">
             <a:avLst/>
@@ -33055,17 +35805,17 @@
       </p:cxnSp>
       <p:cxnSp>
         <p:nvCxnSpPr>
-          <p:cNvPr id="78" name="Straight Connector 77"/>
+          <p:cNvPr id="64" name="Straight Connector 63"/>
           <p:cNvCxnSpPr>
-            <a:stCxn id="60" idx="1"/>
-            <a:endCxn id="54" idx="3"/>
+            <a:stCxn id="47" idx="1"/>
+            <a:endCxn id="41" idx="3"/>
           </p:cNvCxnSpPr>
           <p:nvPr/>
         </p:nvCxnSpPr>
         <p:spPr>
           <a:xfrm flipH="1" flipV="1">
-            <a:off x="6181219" y="640715"/>
-            <a:ext cx="579123" cy="4445"/>
+            <a:off x="4940567" y="989163"/>
+            <a:ext cx="485051" cy="4445"/>
           </a:xfrm>
           <a:prstGeom prst="line">
             <a:avLst/>
@@ -33088,17 +35838,17 @@
       </p:cxnSp>
       <p:cxnSp>
         <p:nvCxnSpPr>
-          <p:cNvPr id="79" name="Straight Connector 78"/>
+          <p:cNvPr id="65" name="Straight Connector 64"/>
           <p:cNvCxnSpPr>
-            <a:stCxn id="58" idx="1"/>
-            <a:endCxn id="54" idx="3"/>
+            <a:stCxn id="45" idx="1"/>
+            <a:endCxn id="41" idx="3"/>
           </p:cNvCxnSpPr>
           <p:nvPr/>
         </p:nvCxnSpPr>
         <p:spPr>
           <a:xfrm flipH="1" flipV="1">
-            <a:off x="6181219" y="640715"/>
-            <a:ext cx="589283" cy="369752"/>
+            <a:off x="4940567" y="989163"/>
+            <a:ext cx="495211" cy="369752"/>
           </a:xfrm>
           <a:prstGeom prst="line">
             <a:avLst/>
@@ -33121,17 +35871,17 @@
       </p:cxnSp>
       <p:cxnSp>
         <p:nvCxnSpPr>
-          <p:cNvPr id="82" name="Straight Connector 81"/>
+          <p:cNvPr id="66" name="Straight Connector 65"/>
           <p:cNvCxnSpPr>
-            <a:stCxn id="61" idx="1"/>
-            <a:endCxn id="55" idx="3"/>
+            <a:stCxn id="48" idx="1"/>
+            <a:endCxn id="42" idx="3"/>
           </p:cNvCxnSpPr>
           <p:nvPr/>
         </p:nvCxnSpPr>
         <p:spPr>
           <a:xfrm flipH="1">
-            <a:off x="6110100" y="1524661"/>
-            <a:ext cx="589282" cy="380999"/>
+            <a:off x="4896551" y="1833242"/>
+            <a:ext cx="565764" cy="380999"/>
           </a:xfrm>
           <a:prstGeom prst="line">
             <a:avLst/>
@@ -33154,17 +35904,17 @@
       </p:cxnSp>
       <p:cxnSp>
         <p:nvCxnSpPr>
-          <p:cNvPr id="83" name="Straight Connector 82"/>
+          <p:cNvPr id="67" name="Straight Connector 66"/>
           <p:cNvCxnSpPr>
-            <a:stCxn id="62" idx="1"/>
-            <a:endCxn id="55" idx="3"/>
+            <a:stCxn id="49" idx="1"/>
+            <a:endCxn id="42" idx="3"/>
           </p:cNvCxnSpPr>
           <p:nvPr/>
         </p:nvCxnSpPr>
         <p:spPr>
           <a:xfrm flipH="1">
-            <a:off x="6110100" y="1890709"/>
-            <a:ext cx="589282" cy="14951"/>
+            <a:off x="4896551" y="2199290"/>
+            <a:ext cx="565764" cy="14951"/>
           </a:xfrm>
           <a:prstGeom prst="line">
             <a:avLst/>
@@ -33187,17 +35937,17 @@
       </p:cxnSp>
       <p:cxnSp>
         <p:nvCxnSpPr>
-          <p:cNvPr id="84" name="Straight Connector 83"/>
+          <p:cNvPr id="68" name="Straight Connector 67"/>
           <p:cNvCxnSpPr>
-            <a:stCxn id="64" idx="1"/>
-            <a:endCxn id="56" idx="3"/>
+            <a:stCxn id="51" idx="1"/>
+            <a:endCxn id="43" idx="3"/>
           </p:cNvCxnSpPr>
           <p:nvPr/>
         </p:nvCxnSpPr>
         <p:spPr>
           <a:xfrm flipH="1">
-            <a:off x="6110100" y="3063641"/>
-            <a:ext cx="518162" cy="350171"/>
+            <a:off x="4861274" y="3395335"/>
+            <a:ext cx="647511" cy="350171"/>
           </a:xfrm>
           <a:prstGeom prst="line">
             <a:avLst/>
@@ -33220,36 +35970,31 @@
       </p:cxnSp>
       <p:cxnSp>
         <p:nvCxnSpPr>
-          <p:cNvPr id="85" name="Straight Arrow Connector 84"/>
+          <p:cNvPr id="73" name="Straight Connector 72"/>
           <p:cNvCxnSpPr>
-            <a:stCxn id="61" idx="0"/>
-            <a:endCxn id="58" idx="2"/>
+            <a:stCxn id="57" idx="1"/>
+            <a:endCxn id="43" idx="3"/>
           </p:cNvCxnSpPr>
           <p:nvPr/>
         </p:nvCxnSpPr>
         <p:spPr>
-          <a:xfrm flipH="1" flipV="1">
-            <a:off x="7580917" y="1154465"/>
-            <a:ext cx="8319" cy="238116"/>
-          </a:xfrm>
-          <a:prstGeom prst="straightConnector1">
-            <a:avLst/>
-          </a:prstGeom>
-          <a:ln w="12700" cmpd="sng">
-            <a:headEnd type="none"/>
-            <a:tailEnd type="triangle"/>
-          </a:ln>
-          <a:effectLst/>
-        </p:spPr>
-        <p:style>
-          <a:lnRef idx="2">
-            <a:schemeClr val="accent1"/>
+          <a:xfrm flipH="1">
+            <a:off x="4861274" y="3037194"/>
+            <a:ext cx="647511" cy="708312"/>
+          </a:xfrm>
+          <a:prstGeom prst="line">
+            <a:avLst/>
+          </a:prstGeom>
+        </p:spPr>
+        <p:style>
+          <a:lnRef idx="1">
+            <a:schemeClr val="dk1"/>
           </a:lnRef>
           <a:fillRef idx="0">
-            <a:schemeClr val="accent1"/>
-          </a:fillRef>
-          <a:effectRef idx="1">
-            <a:schemeClr val="accent1"/>
+            <a:schemeClr val="dk1"/>
+          </a:fillRef>
+          <a:effectRef idx="0">
+            <a:schemeClr val="dk1"/>
           </a:effectRef>
           <a:fontRef idx="minor">
             <a:schemeClr val="tx1"/>
@@ -33258,37 +36003,31 @@
       </p:cxnSp>
       <p:cxnSp>
         <p:nvCxnSpPr>
-          <p:cNvPr id="86" name="Elbow Connector 85"/>
+          <p:cNvPr id="74" name="Straight Connector 73"/>
           <p:cNvCxnSpPr>
-            <a:stCxn id="63" idx="3"/>
+            <a:stCxn id="52" idx="1"/>
+            <a:endCxn id="43" idx="3"/>
           </p:cNvCxnSpPr>
           <p:nvPr/>
         </p:nvCxnSpPr>
         <p:spPr>
           <a:xfrm flipH="1" flipV="1">
-            <a:off x="7756756" y="2032660"/>
-            <a:ext cx="416481" cy="262718"/>
-          </a:xfrm>
-          <a:prstGeom prst="bentConnector3">
-            <a:avLst>
-              <a:gd name="adj1" fmla="val -49899"/>
-            </a:avLst>
-          </a:prstGeom>
-          <a:ln w="3175" cmpd="sng">
-            <a:prstDash val="lgDash"/>
-            <a:tailEnd type="arrow"/>
-          </a:ln>
-          <a:effectLst/>
-        </p:spPr>
-        <p:style>
-          <a:lnRef idx="2">
-            <a:schemeClr val="accent1"/>
+            <a:off x="4861274" y="3745506"/>
+            <a:ext cx="617031" cy="404206"/>
+          </a:xfrm>
+          <a:prstGeom prst="line">
+            <a:avLst/>
+          </a:prstGeom>
+        </p:spPr>
+        <p:style>
+          <a:lnRef idx="1">
+            <a:schemeClr val="dk1"/>
           </a:lnRef>
           <a:fillRef idx="0">
-            <a:schemeClr val="accent1"/>
-          </a:fillRef>
-          <a:effectRef idx="1">
-            <a:schemeClr val="accent1"/>
+            <a:schemeClr val="dk1"/>
+          </a:fillRef>
+          <a:effectRef idx="0">
+            <a:schemeClr val="dk1"/>
           </a:effectRef>
           <a:fontRef idx="minor">
             <a:schemeClr val="tx1"/>
@@ -33297,38 +36036,31 @@
       </p:cxnSp>
       <p:cxnSp>
         <p:nvCxnSpPr>
-          <p:cNvPr id="87" name="Elbow Connector 86"/>
+          <p:cNvPr id="76" name="Straight Connector 75"/>
           <p:cNvCxnSpPr>
-            <a:stCxn id="62" idx="3"/>
+            <a:stCxn id="58" idx="1"/>
+            <a:endCxn id="43" idx="3"/>
           </p:cNvCxnSpPr>
           <p:nvPr/>
         </p:nvCxnSpPr>
         <p:spPr>
-          <a:xfrm flipV="1">
-            <a:off x="7777592" y="1656741"/>
-            <a:ext cx="228199" cy="233968"/>
-          </a:xfrm>
-          <a:prstGeom prst="bentConnector3">
-            <a:avLst>
-              <a:gd name="adj1" fmla="val 93286"/>
-            </a:avLst>
-          </a:prstGeom>
-          <a:ln w="3175" cmpd="sng">
-            <a:prstDash val="lgDash"/>
-            <a:headEnd type="none"/>
-            <a:tailEnd type="arrow"/>
-          </a:ln>
-          <a:effectLst/>
-        </p:spPr>
-        <p:style>
-          <a:lnRef idx="2">
-            <a:schemeClr val="accent1"/>
+          <a:xfrm flipH="1" flipV="1">
+            <a:off x="4861274" y="3745506"/>
+            <a:ext cx="632272" cy="21938"/>
+          </a:xfrm>
+          <a:prstGeom prst="line">
+            <a:avLst/>
+          </a:prstGeom>
+        </p:spPr>
+        <p:style>
+          <a:lnRef idx="1">
+            <a:schemeClr val="dk1"/>
           </a:lnRef>
           <a:fillRef idx="0">
-            <a:schemeClr val="accent1"/>
-          </a:fillRef>
-          <a:effectRef idx="1">
-            <a:schemeClr val="accent1"/>
+            <a:schemeClr val="dk1"/>
+          </a:fillRef>
+          <a:effectRef idx="0">
+            <a:schemeClr val="dk1"/>
           </a:effectRef>
           <a:fontRef idx="minor">
             <a:schemeClr val="tx1"/>
@@ -33337,38 +36069,163 @@
       </p:cxnSp>
       <p:cxnSp>
         <p:nvCxnSpPr>
-          <p:cNvPr id="88" name="Elbow Connector 87"/>
+          <p:cNvPr id="77" name="Straight Connector 76"/>
           <p:cNvCxnSpPr>
-            <a:stCxn id="64" idx="3"/>
-            <a:endCxn id="58" idx="3"/>
+            <a:stCxn id="54" idx="1"/>
+            <a:endCxn id="43" idx="3"/>
           </p:cNvCxnSpPr>
           <p:nvPr/>
         </p:nvCxnSpPr>
         <p:spPr>
           <a:xfrm flipH="1" flipV="1">
-            <a:off x="8404307" y="1010467"/>
-            <a:ext cx="276127" cy="2053174"/>
-          </a:xfrm>
-          <a:prstGeom prst="bentConnector3">
-            <a:avLst>
-              <a:gd name="adj1" fmla="val -75262"/>
-            </a:avLst>
-          </a:prstGeom>
-          <a:ln w="12700" cmpd="sng">
-            <a:headEnd type="none"/>
-            <a:tailEnd type="triangle"/>
-          </a:ln>
-          <a:effectLst/>
-        </p:spPr>
-        <p:style>
-          <a:lnRef idx="2">
-            <a:schemeClr val="accent1"/>
+            <a:off x="4861274" y="3745506"/>
+            <a:ext cx="622111" cy="781215"/>
+          </a:xfrm>
+          <a:prstGeom prst="line">
+            <a:avLst/>
+          </a:prstGeom>
+        </p:spPr>
+        <p:style>
+          <a:lnRef idx="1">
+            <a:schemeClr val="dk1"/>
           </a:lnRef>
           <a:fillRef idx="0">
-            <a:schemeClr val="accent1"/>
-          </a:fillRef>
-          <a:effectRef idx="1">
-            <a:schemeClr val="accent1"/>
+            <a:schemeClr val="dk1"/>
+          </a:fillRef>
+          <a:effectRef idx="0">
+            <a:schemeClr val="dk1"/>
+          </a:effectRef>
+          <a:fontRef idx="minor">
+            <a:schemeClr val="tx1"/>
+          </a:fontRef>
+        </p:style>
+      </p:cxnSp>
+      <p:cxnSp>
+        <p:nvCxnSpPr>
+          <p:cNvPr id="81" name="Straight Connector 80"/>
+          <p:cNvCxnSpPr>
+            <a:stCxn id="50" idx="1"/>
+            <a:endCxn id="42" idx="3"/>
+          </p:cNvCxnSpPr>
+          <p:nvPr/>
+        </p:nvCxnSpPr>
+        <p:spPr>
+          <a:xfrm flipH="1" flipV="1">
+            <a:off x="4896551" y="2214241"/>
+            <a:ext cx="565764" cy="389718"/>
+          </a:xfrm>
+          <a:prstGeom prst="line">
+            <a:avLst/>
+          </a:prstGeom>
+        </p:spPr>
+        <p:style>
+          <a:lnRef idx="1">
+            <a:schemeClr val="dk1"/>
+          </a:lnRef>
+          <a:fillRef idx="0">
+            <a:schemeClr val="dk1"/>
+          </a:fillRef>
+          <a:effectRef idx="0">
+            <a:schemeClr val="dk1"/>
+          </a:effectRef>
+          <a:fontRef idx="minor">
+            <a:schemeClr val="tx1"/>
+          </a:fontRef>
+        </p:style>
+      </p:cxnSp>
+      <p:cxnSp>
+        <p:nvCxnSpPr>
+          <p:cNvPr id="86" name="Straight Connector 85"/>
+          <p:cNvCxnSpPr>
+            <a:stCxn id="60" idx="1"/>
+            <a:endCxn id="44" idx="3"/>
+          </p:cNvCxnSpPr>
+          <p:nvPr/>
+        </p:nvCxnSpPr>
+        <p:spPr>
+          <a:xfrm flipH="1">
+            <a:off x="4884792" y="5141138"/>
+            <a:ext cx="649458" cy="631094"/>
+          </a:xfrm>
+          <a:prstGeom prst="line">
+            <a:avLst/>
+          </a:prstGeom>
+        </p:spPr>
+        <p:style>
+          <a:lnRef idx="1">
+            <a:schemeClr val="dk1"/>
+          </a:lnRef>
+          <a:fillRef idx="0">
+            <a:schemeClr val="dk1"/>
+          </a:fillRef>
+          <a:effectRef idx="0">
+            <a:schemeClr val="dk1"/>
+          </a:effectRef>
+          <a:fontRef idx="minor">
+            <a:schemeClr val="tx1"/>
+          </a:fontRef>
+        </p:style>
+      </p:cxnSp>
+      <p:cxnSp>
+        <p:nvCxnSpPr>
+          <p:cNvPr id="87" name="Straight Connector 86"/>
+          <p:cNvCxnSpPr>
+            <a:stCxn id="61" idx="1"/>
+            <a:endCxn id="44" idx="3"/>
+          </p:cNvCxnSpPr>
+          <p:nvPr/>
+        </p:nvCxnSpPr>
+        <p:spPr>
+          <a:xfrm flipH="1" flipV="1">
+            <a:off x="4884792" y="5772232"/>
+            <a:ext cx="662158" cy="291888"/>
+          </a:xfrm>
+          <a:prstGeom prst="line">
+            <a:avLst/>
+          </a:prstGeom>
+        </p:spPr>
+        <p:style>
+          <a:lnRef idx="1">
+            <a:schemeClr val="dk1"/>
+          </a:lnRef>
+          <a:fillRef idx="0">
+            <a:schemeClr val="dk1"/>
+          </a:fillRef>
+          <a:effectRef idx="0">
+            <a:schemeClr val="dk1"/>
+          </a:effectRef>
+          <a:fontRef idx="minor">
+            <a:schemeClr val="tx1"/>
+          </a:fontRef>
+        </p:style>
+      </p:cxnSp>
+      <p:cxnSp>
+        <p:nvCxnSpPr>
+          <p:cNvPr id="88" name="Straight Connector 87"/>
+          <p:cNvCxnSpPr>
+            <a:stCxn id="59" idx="1"/>
+            <a:endCxn id="44" idx="3"/>
+          </p:cNvCxnSpPr>
+          <p:nvPr/>
+        </p:nvCxnSpPr>
+        <p:spPr>
+          <a:xfrm flipH="1" flipV="1">
+            <a:off x="4884792" y="5772232"/>
+            <a:ext cx="651998" cy="601687"/>
+          </a:xfrm>
+          <a:prstGeom prst="line">
+            <a:avLst/>
+          </a:prstGeom>
+        </p:spPr>
+        <p:style>
+          <a:lnRef idx="1">
+            <a:schemeClr val="dk1"/>
+          </a:lnRef>
+          <a:fillRef idx="0">
+            <a:schemeClr val="dk1"/>
+          </a:fillRef>
+          <a:effectRef idx="0">
+            <a:schemeClr val="dk1"/>
           </a:effectRef>
           <a:fontRef idx="minor">
             <a:schemeClr val="tx1"/>
@@ -33379,15 +36236,15 @@
         <p:nvCxnSpPr>
           <p:cNvPr id="89" name="Straight Connector 88"/>
           <p:cNvCxnSpPr>
-            <a:stCxn id="70" idx="1"/>
-            <a:endCxn id="56" idx="3"/>
+            <a:stCxn id="92" idx="1"/>
+            <a:endCxn id="44" idx="3"/>
           </p:cNvCxnSpPr>
           <p:nvPr/>
         </p:nvCxnSpPr>
         <p:spPr>
           <a:xfrm flipH="1">
-            <a:off x="6110100" y="2705500"/>
-            <a:ext cx="518162" cy="708312"/>
+            <a:off x="4884792" y="5772232"/>
+            <a:ext cx="667239" cy="0"/>
           </a:xfrm>
           <a:prstGeom prst="line">
             <a:avLst/>
@@ -33408,579 +36265,15 @@
           </a:fontRef>
         </p:style>
       </p:cxnSp>
-      <p:cxnSp>
-        <p:nvCxnSpPr>
-          <p:cNvPr id="90" name="Straight Connector 89"/>
-          <p:cNvCxnSpPr>
-            <a:stCxn id="65" idx="1"/>
-            <a:endCxn id="56" idx="3"/>
-          </p:cNvCxnSpPr>
-          <p:nvPr/>
-        </p:nvCxnSpPr>
-        <p:spPr>
-          <a:xfrm flipH="1" flipV="1">
-            <a:off x="6110100" y="3413812"/>
-            <a:ext cx="487682" cy="404206"/>
-          </a:xfrm>
-          <a:prstGeom prst="line">
-            <a:avLst/>
-          </a:prstGeom>
-        </p:spPr>
-        <p:style>
-          <a:lnRef idx="1">
-            <a:schemeClr val="dk1"/>
-          </a:lnRef>
-          <a:fillRef idx="0">
-            <a:schemeClr val="dk1"/>
-          </a:fillRef>
-          <a:effectRef idx="0">
-            <a:schemeClr val="dk1"/>
-          </a:effectRef>
-          <a:fontRef idx="minor">
-            <a:schemeClr val="tx1"/>
-          </a:fontRef>
-        </p:style>
-      </p:cxnSp>
-      <p:cxnSp>
-        <p:nvCxnSpPr>
-          <p:cNvPr id="91" name="Straight Connector 90"/>
-          <p:cNvCxnSpPr>
-            <a:stCxn id="71" idx="1"/>
-            <a:endCxn id="56" idx="3"/>
-          </p:cNvCxnSpPr>
-          <p:nvPr/>
-        </p:nvCxnSpPr>
-        <p:spPr>
-          <a:xfrm flipH="1" flipV="1">
-            <a:off x="6110100" y="3413812"/>
-            <a:ext cx="502923" cy="21938"/>
-          </a:xfrm>
-          <a:prstGeom prst="line">
-            <a:avLst/>
-          </a:prstGeom>
-        </p:spPr>
-        <p:style>
-          <a:lnRef idx="1">
-            <a:schemeClr val="dk1"/>
-          </a:lnRef>
-          <a:fillRef idx="0">
-            <a:schemeClr val="dk1"/>
-          </a:fillRef>
-          <a:effectRef idx="0">
-            <a:schemeClr val="dk1"/>
-          </a:effectRef>
-          <a:fontRef idx="minor">
-            <a:schemeClr val="tx1"/>
-          </a:fontRef>
-        </p:style>
-      </p:cxnSp>
-      <p:cxnSp>
-        <p:nvCxnSpPr>
-          <p:cNvPr id="92" name="Straight Connector 91"/>
-          <p:cNvCxnSpPr>
-            <a:stCxn id="67" idx="1"/>
-            <a:endCxn id="56" idx="3"/>
-          </p:cNvCxnSpPr>
-          <p:nvPr/>
-        </p:nvCxnSpPr>
-        <p:spPr>
-          <a:xfrm flipH="1" flipV="1">
-            <a:off x="6110100" y="3413812"/>
-            <a:ext cx="492762" cy="910553"/>
-          </a:xfrm>
-          <a:prstGeom prst="line">
-            <a:avLst/>
-          </a:prstGeom>
-        </p:spPr>
-        <p:style>
-          <a:lnRef idx="1">
-            <a:schemeClr val="dk1"/>
-          </a:lnRef>
-          <a:fillRef idx="0">
-            <a:schemeClr val="dk1"/>
-          </a:fillRef>
-          <a:effectRef idx="0">
-            <a:schemeClr val="dk1"/>
-          </a:effectRef>
-          <a:fontRef idx="minor">
-            <a:schemeClr val="tx1"/>
-          </a:fontRef>
-        </p:style>
-      </p:cxnSp>
-      <p:cxnSp>
-        <p:nvCxnSpPr>
-          <p:cNvPr id="93" name="Elbow Connector 92"/>
-          <p:cNvCxnSpPr/>
-          <p:nvPr/>
-        </p:nvCxnSpPr>
-        <p:spPr>
-          <a:xfrm flipV="1">
-            <a:off x="7806821" y="3202071"/>
-            <a:ext cx="243839" cy="259079"/>
-          </a:xfrm>
-          <a:prstGeom prst="bentConnector2">
-            <a:avLst/>
-          </a:prstGeom>
-          <a:ln w="3175" cmpd="sng">
-            <a:prstDash val="lgDash"/>
-            <a:tailEnd type="arrow"/>
-          </a:ln>
-          <a:effectLst/>
-        </p:spPr>
-        <p:style>
-          <a:lnRef idx="2">
-            <a:schemeClr val="accent1"/>
-          </a:lnRef>
-          <a:fillRef idx="0">
-            <a:schemeClr val="accent1"/>
-          </a:fillRef>
-          <a:effectRef idx="1">
-            <a:schemeClr val="accent1"/>
-          </a:effectRef>
-          <a:fontRef idx="minor">
-            <a:schemeClr val="tx1"/>
-          </a:fontRef>
-        </p:style>
-      </p:cxnSp>
-      <p:cxnSp>
-        <p:nvCxnSpPr>
-          <p:cNvPr id="94" name="Elbow Connector 93"/>
-          <p:cNvCxnSpPr>
-            <a:stCxn id="65" idx="3"/>
-          </p:cNvCxnSpPr>
-          <p:nvPr/>
-        </p:nvCxnSpPr>
-        <p:spPr>
-          <a:xfrm flipV="1">
-            <a:off x="8007326" y="3202072"/>
-            <a:ext cx="250926" cy="615946"/>
-          </a:xfrm>
-          <a:prstGeom prst="bentConnector2">
-            <a:avLst/>
-          </a:prstGeom>
-          <a:ln w="3175" cmpd="sng">
-            <a:prstDash val="lgDash"/>
-            <a:tailEnd type="arrow"/>
-          </a:ln>
-          <a:effectLst/>
-        </p:spPr>
-        <p:style>
-          <a:lnRef idx="2">
-            <a:schemeClr val="accent1"/>
-          </a:lnRef>
-          <a:fillRef idx="0">
-            <a:schemeClr val="accent1"/>
-          </a:fillRef>
-          <a:effectRef idx="1">
-            <a:schemeClr val="accent1"/>
-          </a:effectRef>
-          <a:fontRef idx="minor">
-            <a:schemeClr val="tx1"/>
-          </a:fontRef>
-        </p:style>
-      </p:cxnSp>
-      <p:cxnSp>
-        <p:nvCxnSpPr>
-          <p:cNvPr id="95" name="Straight Connector 94"/>
-          <p:cNvCxnSpPr>
-            <a:stCxn id="63" idx="1"/>
-            <a:endCxn id="55" idx="3"/>
-          </p:cNvCxnSpPr>
-          <p:nvPr/>
-        </p:nvCxnSpPr>
-        <p:spPr>
-          <a:xfrm flipH="1" flipV="1">
-            <a:off x="6110100" y="1905660"/>
-            <a:ext cx="589282" cy="389718"/>
-          </a:xfrm>
-          <a:prstGeom prst="line">
-            <a:avLst/>
-          </a:prstGeom>
-        </p:spPr>
-        <p:style>
-          <a:lnRef idx="1">
-            <a:schemeClr val="dk1"/>
-          </a:lnRef>
-          <a:fillRef idx="0">
-            <a:schemeClr val="dk1"/>
-          </a:fillRef>
-          <a:effectRef idx="0">
-            <a:schemeClr val="dk1"/>
-          </a:effectRef>
-          <a:fontRef idx="minor">
-            <a:schemeClr val="tx1"/>
-          </a:fontRef>
-        </p:style>
-      </p:cxnSp>
-      <p:cxnSp>
-        <p:nvCxnSpPr>
-          <p:cNvPr id="96" name="Straight Arrow Connector 95"/>
-          <p:cNvCxnSpPr>
-            <a:stCxn id="67" idx="0"/>
-          </p:cNvCxnSpPr>
-          <p:nvPr/>
-        </p:nvCxnSpPr>
-        <p:spPr>
-          <a:xfrm flipV="1">
-            <a:off x="7542661" y="3950098"/>
-            <a:ext cx="0" cy="243774"/>
-          </a:xfrm>
-          <a:prstGeom prst="straightConnector1">
-            <a:avLst/>
-          </a:prstGeom>
-          <a:ln w="3175" cmpd="sng">
-            <a:prstDash val="lgDash"/>
-            <a:tailEnd type="arrow"/>
-          </a:ln>
-          <a:effectLst/>
-        </p:spPr>
-        <p:style>
-          <a:lnRef idx="2">
-            <a:schemeClr val="accent1"/>
-          </a:lnRef>
-          <a:fillRef idx="0">
-            <a:schemeClr val="accent1"/>
-          </a:fillRef>
-          <a:effectRef idx="1">
-            <a:schemeClr val="accent1"/>
-          </a:effectRef>
-          <a:fontRef idx="minor">
-            <a:schemeClr val="tx1"/>
-          </a:fontRef>
-        </p:style>
-      </p:cxnSp>
-      <p:cxnSp>
-        <p:nvCxnSpPr>
-          <p:cNvPr id="97" name="Elbow Connector 96"/>
-          <p:cNvCxnSpPr>
-            <a:stCxn id="76" idx="3"/>
-          </p:cNvCxnSpPr>
-          <p:nvPr/>
-        </p:nvCxnSpPr>
-        <p:spPr>
-          <a:xfrm flipV="1">
-            <a:off x="7676688" y="5085919"/>
-            <a:ext cx="184484" cy="222882"/>
-          </a:xfrm>
-          <a:prstGeom prst="bentConnector2">
-            <a:avLst/>
-          </a:prstGeom>
-          <a:ln w="3175" cmpd="sng">
-            <a:prstDash val="lgDash"/>
-            <a:tailEnd type="arrow"/>
-          </a:ln>
-          <a:effectLst/>
-        </p:spPr>
-        <p:style>
-          <a:lnRef idx="2">
-            <a:schemeClr val="accent1"/>
-          </a:lnRef>
-          <a:fillRef idx="0">
-            <a:schemeClr val="accent1"/>
-          </a:fillRef>
-          <a:effectRef idx="1">
-            <a:schemeClr val="accent1"/>
-          </a:effectRef>
-          <a:fontRef idx="minor">
-            <a:schemeClr val="tx1"/>
-          </a:fontRef>
-        </p:style>
-      </p:cxnSp>
-      <p:cxnSp>
-        <p:nvCxnSpPr>
-          <p:cNvPr id="98" name="Elbow Connector 97"/>
-          <p:cNvCxnSpPr>
-            <a:stCxn id="75" idx="3"/>
-          </p:cNvCxnSpPr>
-          <p:nvPr/>
-        </p:nvCxnSpPr>
-        <p:spPr>
-          <a:xfrm flipV="1">
-            <a:off x="7698560" y="5085919"/>
-            <a:ext cx="621916" cy="809316"/>
-          </a:xfrm>
-          <a:prstGeom prst="bentConnector2">
-            <a:avLst/>
-          </a:prstGeom>
-          <a:ln w="3175" cmpd="sng">
-            <a:prstDash val="lgDash"/>
-            <a:tailEnd type="arrow"/>
-          </a:ln>
-          <a:effectLst/>
-        </p:spPr>
-        <p:style>
-          <a:lnRef idx="2">
-            <a:schemeClr val="accent1"/>
-          </a:lnRef>
-          <a:fillRef idx="0">
-            <a:schemeClr val="accent1"/>
-          </a:fillRef>
-          <a:effectRef idx="1">
-            <a:schemeClr val="accent1"/>
-          </a:effectRef>
-          <a:fontRef idx="minor">
-            <a:schemeClr val="tx1"/>
-          </a:fontRef>
-        </p:style>
-      </p:cxnSp>
-      <p:cxnSp>
-        <p:nvCxnSpPr>
-          <p:cNvPr id="99" name="Elbow Connector 98"/>
-          <p:cNvCxnSpPr>
-            <a:stCxn id="72" idx="3"/>
-          </p:cNvCxnSpPr>
-          <p:nvPr/>
-        </p:nvCxnSpPr>
-        <p:spPr>
-          <a:xfrm flipV="1">
-            <a:off x="7709007" y="5085920"/>
-            <a:ext cx="830851" cy="1119114"/>
-          </a:xfrm>
-          <a:prstGeom prst="bentConnector2">
-            <a:avLst/>
-          </a:prstGeom>
-          <a:ln w="3175" cmpd="sng">
-            <a:prstDash val="lgDash"/>
-            <a:tailEnd type="arrow"/>
-          </a:ln>
-          <a:effectLst/>
-        </p:spPr>
-        <p:style>
-          <a:lnRef idx="2">
-            <a:schemeClr val="accent1"/>
-          </a:lnRef>
-          <a:fillRef idx="0">
-            <a:schemeClr val="accent1"/>
-          </a:fillRef>
-          <a:effectRef idx="1">
-            <a:schemeClr val="accent1"/>
-          </a:effectRef>
-          <a:fontRef idx="minor">
-            <a:schemeClr val="tx1"/>
-          </a:fontRef>
-        </p:style>
-      </p:cxnSp>
-      <p:cxnSp>
-        <p:nvCxnSpPr>
-          <p:cNvPr id="100" name="Straight Connector 99"/>
-          <p:cNvCxnSpPr>
-            <a:stCxn id="74" idx="1"/>
-            <a:endCxn id="57" idx="3"/>
-          </p:cNvCxnSpPr>
-          <p:nvPr/>
-        </p:nvCxnSpPr>
-        <p:spPr>
-          <a:xfrm flipH="1">
-            <a:off x="6110100" y="4972253"/>
-            <a:ext cx="543627" cy="631094"/>
-          </a:xfrm>
-          <a:prstGeom prst="line">
-            <a:avLst/>
-          </a:prstGeom>
-        </p:spPr>
-        <p:style>
-          <a:lnRef idx="1">
-            <a:schemeClr val="dk1"/>
-          </a:lnRef>
-          <a:fillRef idx="0">
-            <a:schemeClr val="dk1"/>
-          </a:fillRef>
-          <a:effectRef idx="0">
-            <a:schemeClr val="dk1"/>
-          </a:effectRef>
-          <a:fontRef idx="minor">
-            <a:schemeClr val="tx1"/>
-          </a:fontRef>
-        </p:style>
-      </p:cxnSp>
-      <p:cxnSp>
-        <p:nvCxnSpPr>
-          <p:cNvPr id="101" name="Straight Connector 100"/>
-          <p:cNvCxnSpPr>
-            <a:stCxn id="75" idx="1"/>
-            <a:endCxn id="57" idx="3"/>
-          </p:cNvCxnSpPr>
-          <p:nvPr/>
-        </p:nvCxnSpPr>
-        <p:spPr>
-          <a:xfrm flipH="1" flipV="1">
-            <a:off x="6110100" y="5603347"/>
-            <a:ext cx="556327" cy="291888"/>
-          </a:xfrm>
-          <a:prstGeom prst="line">
-            <a:avLst/>
-          </a:prstGeom>
-        </p:spPr>
-        <p:style>
-          <a:lnRef idx="1">
-            <a:schemeClr val="dk1"/>
-          </a:lnRef>
-          <a:fillRef idx="0">
-            <a:schemeClr val="dk1"/>
-          </a:fillRef>
-          <a:effectRef idx="0">
-            <a:schemeClr val="dk1"/>
-          </a:effectRef>
-          <a:fontRef idx="minor">
-            <a:schemeClr val="tx1"/>
-          </a:fontRef>
-        </p:style>
-      </p:cxnSp>
-      <p:cxnSp>
-        <p:nvCxnSpPr>
-          <p:cNvPr id="102" name="Straight Connector 101"/>
-          <p:cNvCxnSpPr>
-            <a:stCxn id="72" idx="1"/>
-            <a:endCxn id="57" idx="3"/>
-          </p:cNvCxnSpPr>
-          <p:nvPr/>
-        </p:nvCxnSpPr>
-        <p:spPr>
-          <a:xfrm flipH="1" flipV="1">
-            <a:off x="6110100" y="5603347"/>
-            <a:ext cx="546167" cy="601687"/>
-          </a:xfrm>
-          <a:prstGeom prst="line">
-            <a:avLst/>
-          </a:prstGeom>
-        </p:spPr>
-        <p:style>
-          <a:lnRef idx="1">
-            <a:schemeClr val="dk1"/>
-          </a:lnRef>
-          <a:fillRef idx="0">
-            <a:schemeClr val="dk1"/>
-          </a:fillRef>
-          <a:effectRef idx="0">
-            <a:schemeClr val="dk1"/>
-          </a:effectRef>
-          <a:fontRef idx="minor">
-            <a:schemeClr val="tx1"/>
-          </a:fontRef>
-        </p:style>
-      </p:cxnSp>
-      <p:cxnSp>
-        <p:nvCxnSpPr>
-          <p:cNvPr id="103" name="Straight Connector 102"/>
-          <p:cNvCxnSpPr>
-            <a:stCxn id="106" idx="1"/>
-            <a:endCxn id="57" idx="3"/>
-          </p:cNvCxnSpPr>
-          <p:nvPr/>
-        </p:nvCxnSpPr>
-        <p:spPr>
-          <a:xfrm flipH="1">
-            <a:off x="6110100" y="5603347"/>
-            <a:ext cx="561408" cy="0"/>
-          </a:xfrm>
-          <a:prstGeom prst="line">
-            <a:avLst/>
-          </a:prstGeom>
-        </p:spPr>
-        <p:style>
-          <a:lnRef idx="1">
-            <a:schemeClr val="dk1"/>
-          </a:lnRef>
-          <a:fillRef idx="0">
-            <a:schemeClr val="dk1"/>
-          </a:fillRef>
-          <a:effectRef idx="0">
-            <a:schemeClr val="dk1"/>
-          </a:effectRef>
-          <a:fontRef idx="minor">
-            <a:schemeClr val="tx1"/>
-          </a:fontRef>
-        </p:style>
-      </p:cxnSp>
-      <p:cxnSp>
-        <p:nvCxnSpPr>
-          <p:cNvPr id="104" name="Elbow Connector 103"/>
-          <p:cNvCxnSpPr>
-            <a:stCxn id="70" idx="3"/>
-          </p:cNvCxnSpPr>
-          <p:nvPr/>
-        </p:nvCxnSpPr>
-        <p:spPr>
-          <a:xfrm flipH="1" flipV="1">
-            <a:off x="8390500" y="1154465"/>
-            <a:ext cx="89421" cy="1551035"/>
-          </a:xfrm>
-          <a:prstGeom prst="bentConnector4">
-            <a:avLst>
-              <a:gd name="adj1" fmla="val -255645"/>
-              <a:gd name="adj2" fmla="val 101403"/>
-            </a:avLst>
-          </a:prstGeom>
-          <a:ln w="12700" cmpd="sng">
-            <a:headEnd type="none"/>
-            <a:tailEnd type="triangle"/>
-          </a:ln>
-          <a:effectLst/>
-        </p:spPr>
-        <p:style>
-          <a:lnRef idx="2">
-            <a:schemeClr val="accent1"/>
-          </a:lnRef>
-          <a:fillRef idx="0">
-            <a:schemeClr val="accent1"/>
-          </a:fillRef>
-          <a:effectRef idx="1">
-            <a:schemeClr val="accent1"/>
-          </a:effectRef>
-          <a:fontRef idx="minor">
-            <a:schemeClr val="tx1"/>
-          </a:fontRef>
-        </p:style>
-      </p:cxnSp>
-      <p:cxnSp>
-        <p:nvCxnSpPr>
-          <p:cNvPr id="105" name="Elbow Connector 104"/>
-          <p:cNvCxnSpPr>
-            <a:endCxn id="60" idx="3"/>
-          </p:cNvCxnSpPr>
-          <p:nvPr/>
-        </p:nvCxnSpPr>
-        <p:spPr>
-          <a:xfrm rot="10800000">
-            <a:off x="7549814" y="645160"/>
-            <a:ext cx="346254" cy="221308"/>
-          </a:xfrm>
-          <a:prstGeom prst="bentConnector3">
-            <a:avLst>
-              <a:gd name="adj1" fmla="val 50000"/>
-            </a:avLst>
-          </a:prstGeom>
-          <a:ln w="3175" cmpd="sng">
-            <a:prstDash val="lgDash"/>
-            <a:headEnd type="none"/>
-            <a:tailEnd type="arrow"/>
-          </a:ln>
-          <a:effectLst/>
-        </p:spPr>
-        <p:style>
-          <a:lnRef idx="2">
-            <a:schemeClr val="accent1"/>
-          </a:lnRef>
-          <a:fillRef idx="0">
-            <a:schemeClr val="accent1"/>
-          </a:fillRef>
-          <a:effectRef idx="1">
-            <a:schemeClr val="accent1"/>
-          </a:effectRef>
-          <a:fontRef idx="minor">
-            <a:schemeClr val="tx1"/>
-          </a:fontRef>
-        </p:style>
-      </p:cxnSp>
-      <p:sp>
-        <p:nvSpPr>
-          <p:cNvPr id="106" name="Rounded Rectangle 105"/>
+      <p:sp>
+        <p:nvSpPr>
+          <p:cNvPr id="92" name="Rounded Rectangle 91"/>
           <p:cNvSpPr/>
           <p:nvPr/>
         </p:nvSpPr>
         <p:spPr>
           <a:xfrm>
-            <a:off x="6671508" y="5493707"/>
+            <a:off x="5552031" y="5662592"/>
             <a:ext cx="993917" cy="219279"/>
           </a:xfrm>
           <a:prstGeom prst="roundRect">
@@ -34022,190 +36315,17 @@
       </p:sp>
       <p:cxnSp>
         <p:nvCxnSpPr>
-          <p:cNvPr id="107" name="Elbow Connector 106"/>
+          <p:cNvPr id="69" name="Straight Connector 68"/>
           <p:cNvCxnSpPr>
-            <a:stCxn id="106" idx="3"/>
+            <a:stCxn id="62" idx="1"/>
+            <a:endCxn id="44" idx="3"/>
           </p:cNvCxnSpPr>
           <p:nvPr/>
         </p:nvCxnSpPr>
         <p:spPr>
-          <a:xfrm flipV="1">
-            <a:off x="7683740" y="5085919"/>
-            <a:ext cx="366314" cy="517428"/>
-          </a:xfrm>
-          <a:prstGeom prst="bentConnector2">
-            <a:avLst/>
-          </a:prstGeom>
-          <a:ln w="3175" cmpd="sng">
-            <a:prstDash val="lgDash"/>
-            <a:tailEnd type="arrow"/>
-          </a:ln>
-          <a:effectLst/>
-        </p:spPr>
-        <p:style>
-          <a:lnRef idx="2">
-            <a:schemeClr val="accent1"/>
-          </a:lnRef>
-          <a:fillRef idx="0">
-            <a:schemeClr val="accent1"/>
-          </a:fillRef>
-          <a:effectRef idx="1">
-            <a:schemeClr val="accent1"/>
-          </a:effectRef>
-          <a:fontRef idx="minor">
-            <a:schemeClr val="tx1"/>
-          </a:fontRef>
-        </p:style>
-      </p:cxnSp>
-      <p:sp>
-        <p:nvSpPr>
-          <p:cNvPr id="2" name="TextBox 1"/>
-          <p:cNvSpPr txBox="1"/>
-          <p:nvPr/>
-        </p:nvSpPr>
-        <p:spPr>
-          <a:xfrm>
-            <a:off x="3146475" y="5896012"/>
-            <a:ext cx="3541888" cy="461665"/>
-          </a:xfrm>
-          <a:prstGeom prst="rect">
-            <a:avLst/>
-          </a:prstGeom>
-          <a:noFill/>
-        </p:spPr>
-        <p:txBody>
-          <a:bodyPr wrap="square" rtlCol="0">
-            <a:spAutoFit/>
-          </a:bodyPr>
-          <a:lstStyle/>
-          <a:p>
-            <a:r>
-              <a:rPr lang="en-US" sz="1200" dirty="0" smtClean="0"/>
-              <a:t>Contributes to key component on same dimension</a:t>
-            </a:r>
-          </a:p>
-          <a:p>
-            <a:r>
-              <a:rPr lang="en-US" sz="1200" dirty="0" smtClean="0"/>
-              <a:t>Contributes to key component in another dimension</a:t>
-            </a:r>
-            <a:endParaRPr lang="en-US" sz="1200" dirty="0"/>
-          </a:p>
-        </p:txBody>
-      </p:sp>
-      <p:cxnSp>
-        <p:nvCxnSpPr>
-          <p:cNvPr id="109" name="Straight Arrow Connector 108"/>
-          <p:cNvCxnSpPr/>
-          <p:nvPr/>
-        </p:nvCxnSpPr>
-        <p:spPr>
           <a:xfrm flipH="1">
-            <a:off x="2892763" y="6233778"/>
-            <a:ext cx="263174" cy="0"/>
-          </a:xfrm>
-          <a:prstGeom prst="straightConnector1">
-            <a:avLst/>
-          </a:prstGeom>
-          <a:ln w="12700" cmpd="sng">
-            <a:headEnd type="none"/>
-            <a:tailEnd type="triangle"/>
-          </a:ln>
-          <a:effectLst/>
-        </p:spPr>
-        <p:style>
-          <a:lnRef idx="2">
-            <a:schemeClr val="accent1"/>
-          </a:lnRef>
-          <a:fillRef idx="0">
-            <a:schemeClr val="accent1"/>
-          </a:fillRef>
-          <a:effectRef idx="1">
-            <a:schemeClr val="accent1"/>
-          </a:effectRef>
-          <a:fontRef idx="minor">
-            <a:schemeClr val="tx1"/>
-          </a:fontRef>
-        </p:style>
-      </p:cxnSp>
-      <p:cxnSp>
-        <p:nvCxnSpPr>
-          <p:cNvPr id="110" name="Straight Arrow Connector 109"/>
-          <p:cNvCxnSpPr/>
-          <p:nvPr/>
-        </p:nvCxnSpPr>
-        <p:spPr>
-          <a:xfrm flipH="1">
-            <a:off x="2869057" y="6057211"/>
-            <a:ext cx="291815" cy="0"/>
-          </a:xfrm>
-          <a:prstGeom prst="straightConnector1">
-            <a:avLst/>
-          </a:prstGeom>
-          <a:ln w="3175" cmpd="sng">
-            <a:prstDash val="lgDash"/>
-            <a:tailEnd type="arrow"/>
-          </a:ln>
-          <a:effectLst/>
-        </p:spPr>
-        <p:style>
-          <a:lnRef idx="2">
-            <a:schemeClr val="accent1"/>
-          </a:lnRef>
-          <a:fillRef idx="0">
-            <a:schemeClr val="accent1"/>
-          </a:fillRef>
-          <a:effectRef idx="1">
-            <a:schemeClr val="accent1"/>
-          </a:effectRef>
-          <a:fontRef idx="minor">
-            <a:schemeClr val="tx1"/>
-          </a:fontRef>
-        </p:style>
-      </p:cxnSp>
-      <p:sp>
-        <p:nvSpPr>
-          <p:cNvPr id="111" name="TextBox 110"/>
-          <p:cNvSpPr txBox="1"/>
-          <p:nvPr/>
-        </p:nvSpPr>
-        <p:spPr>
-          <a:xfrm>
-            <a:off x="2869057" y="5642431"/>
-            <a:ext cx="452017" cy="276999"/>
-          </a:xfrm>
-          <a:prstGeom prst="rect">
-            <a:avLst/>
-          </a:prstGeom>
-          <a:noFill/>
-        </p:spPr>
-        <p:txBody>
-          <a:bodyPr wrap="none" rtlCol="0">
-            <a:spAutoFit/>
-          </a:bodyPr>
-          <a:lstStyle/>
-          <a:p>
-            <a:r>
-              <a:rPr lang="en-US" sz="1200" dirty="0" smtClean="0"/>
-              <a:t>Key:</a:t>
-            </a:r>
-            <a:endParaRPr lang="en-US" sz="1200" dirty="0" smtClean="0"/>
-          </a:p>
-        </p:txBody>
-      </p:sp>
-      <p:cxnSp>
-        <p:nvCxnSpPr>
-          <p:cNvPr id="117" name="Straight Connector 116"/>
-          <p:cNvCxnSpPr>
-            <a:stCxn id="76" idx="1"/>
-            <a:endCxn id="57" idx="3"/>
-          </p:cNvCxnSpPr>
-          <p:nvPr/>
-        </p:nvCxnSpPr>
-        <p:spPr>
-          <a:xfrm flipH="1">
-            <a:off x="6110100" y="5308801"/>
-            <a:ext cx="551525" cy="294546"/>
+            <a:off x="4884792" y="5477686"/>
+            <a:ext cx="657356" cy="294546"/>
           </a:xfrm>
           <a:prstGeom prst="line">
             <a:avLst/>
@@ -34229,7 +36349,7 @@
     </p:spTree>
     <p:extLst>
       <p:ext uri="{BB962C8B-B14F-4D97-AF65-F5344CB8AC3E}">
-        <p14:creationId xmlns:p14="http://schemas.microsoft.com/office/powerpoint/2010/main" val="4114602512"/>
+        <p14:creationId xmlns:p14="http://schemas.microsoft.com/office/powerpoint/2010/main" val="4166713602"/>
       </p:ext>
     </p:extLst>
   </p:cSld>

--- a/model.pptx
+++ b/model.pptx
@@ -3849,7 +3849,7 @@
           <a:graphicData uri="http://schemas.openxmlformats.org/presentationml/2006/ole">
             <mc:AlternateContent xmlns:mc="http://schemas.openxmlformats.org/markup-compatibility/2006">
               <mc:Choice xmlns:v="urn:schemas-microsoft-com:vml" Requires="v">
-                <p:oleObj spid="_x0000_s1130" name="Equation" r:id="rId3" imgW="3771900" imgH="203200" progId="Equation.3">
+                <p:oleObj spid="_x0000_s1131" name="Equation" r:id="rId3" imgW="3771900" imgH="203200" progId="Equation.3">
                   <p:embed/>
                 </p:oleObj>
               </mc:Choice>
@@ -14578,7 +14578,7 @@
         </p:nvSpPr>
         <p:spPr>
           <a:xfrm>
-            <a:off x="1383820" y="1227882"/>
+            <a:off x="1383820" y="1027996"/>
             <a:ext cx="1039129" cy="923330"/>
           </a:xfrm>
           <a:prstGeom prst="rect">
@@ -14639,7 +14639,7 @@
         <p:spPr>
           <a:xfrm flipV="1">
             <a:off x="2422949" y="660400"/>
-            <a:ext cx="425209" cy="1029147"/>
+            <a:ext cx="425209" cy="829261"/>
           </a:xfrm>
           <a:prstGeom prst="line">
             <a:avLst/>
@@ -14672,7 +14672,7 @@
         <p:spPr>
           <a:xfrm flipV="1">
             <a:off x="2422949" y="1488441"/>
-            <a:ext cx="401691" cy="201106"/>
+            <a:ext cx="401691" cy="1220"/>
           </a:xfrm>
           <a:prstGeom prst="line">
             <a:avLst/>
@@ -14704,8 +14704,8 @@
         </p:nvCxnSpPr>
         <p:spPr>
           <a:xfrm>
-            <a:off x="2422949" y="1689547"/>
-            <a:ext cx="402159" cy="696148"/>
+            <a:off x="2422949" y="1489661"/>
+            <a:ext cx="402159" cy="896034"/>
           </a:xfrm>
           <a:prstGeom prst="line">
             <a:avLst/>

--- a/model.pptx
+++ b/model.pptx
@@ -27,6 +27,7 @@
     <p:sldId id="277" r:id="rId21"/>
     <p:sldId id="279" r:id="rId22"/>
     <p:sldId id="281" r:id="rId23"/>
+    <p:sldId id="284" r:id="rId24"/>
   </p:sldIdLst>
   <p:sldSz cx="9144000" cy="6858000" type="screen4x3"/>
   <p:notesSz cx="6858000" cy="9144000"/>
@@ -309,7 +310,7 @@
           <a:p>
             <a:fld id="{FF687007-1232-7342-B707-C90C2F451591}" type="datetimeFigureOut">
               <a:rPr lang="en-US" smtClean="0"/>
-              <a:t>13/08/16</a:t>
+              <a:t>18/08/16</a:t>
             </a:fld>
             <a:endParaRPr lang="en-US"/>
           </a:p>
@@ -479,7 +480,7 @@
           <a:p>
             <a:fld id="{FF687007-1232-7342-B707-C90C2F451591}" type="datetimeFigureOut">
               <a:rPr lang="en-US" smtClean="0"/>
-              <a:t>13/08/16</a:t>
+              <a:t>18/08/16</a:t>
             </a:fld>
             <a:endParaRPr lang="en-US"/>
           </a:p>
@@ -659,7 +660,7 @@
           <a:p>
             <a:fld id="{FF687007-1232-7342-B707-C90C2F451591}" type="datetimeFigureOut">
               <a:rPr lang="en-US" smtClean="0"/>
-              <a:t>13/08/16</a:t>
+              <a:t>18/08/16</a:t>
             </a:fld>
             <a:endParaRPr lang="en-US"/>
           </a:p>
@@ -829,7 +830,7 @@
           <a:p>
             <a:fld id="{FF687007-1232-7342-B707-C90C2F451591}" type="datetimeFigureOut">
               <a:rPr lang="en-US" smtClean="0"/>
-              <a:t>13/08/16</a:t>
+              <a:t>18/08/16</a:t>
             </a:fld>
             <a:endParaRPr lang="en-US"/>
           </a:p>
@@ -1075,7 +1076,7 @@
           <a:p>
             <a:fld id="{FF687007-1232-7342-B707-C90C2F451591}" type="datetimeFigureOut">
               <a:rPr lang="en-US" smtClean="0"/>
-              <a:t>13/08/16</a:t>
+              <a:t>18/08/16</a:t>
             </a:fld>
             <a:endParaRPr lang="en-US"/>
           </a:p>
@@ -1363,7 +1364,7 @@
           <a:p>
             <a:fld id="{FF687007-1232-7342-B707-C90C2F451591}" type="datetimeFigureOut">
               <a:rPr lang="en-US" smtClean="0"/>
-              <a:t>13/08/16</a:t>
+              <a:t>18/08/16</a:t>
             </a:fld>
             <a:endParaRPr lang="en-US"/>
           </a:p>
@@ -1785,7 +1786,7 @@
           <a:p>
             <a:fld id="{FF687007-1232-7342-B707-C90C2F451591}" type="datetimeFigureOut">
               <a:rPr lang="en-US" smtClean="0"/>
-              <a:t>13/08/16</a:t>
+              <a:t>18/08/16</a:t>
             </a:fld>
             <a:endParaRPr lang="en-US"/>
           </a:p>
@@ -1903,7 +1904,7 @@
           <a:p>
             <a:fld id="{FF687007-1232-7342-B707-C90C2F451591}" type="datetimeFigureOut">
               <a:rPr lang="en-US" smtClean="0"/>
-              <a:t>13/08/16</a:t>
+              <a:t>18/08/16</a:t>
             </a:fld>
             <a:endParaRPr lang="en-US"/>
           </a:p>
@@ -1998,7 +1999,7 @@
           <a:p>
             <a:fld id="{FF687007-1232-7342-B707-C90C2F451591}" type="datetimeFigureOut">
               <a:rPr lang="en-US" smtClean="0"/>
-              <a:t>13/08/16</a:t>
+              <a:t>18/08/16</a:t>
             </a:fld>
             <a:endParaRPr lang="en-US"/>
           </a:p>
@@ -2275,7 +2276,7 @@
           <a:p>
             <a:fld id="{FF687007-1232-7342-B707-C90C2F451591}" type="datetimeFigureOut">
               <a:rPr lang="en-US" smtClean="0"/>
-              <a:t>13/08/16</a:t>
+              <a:t>18/08/16</a:t>
             </a:fld>
             <a:endParaRPr lang="en-US"/>
           </a:p>
@@ -2528,7 +2529,7 @@
           <a:p>
             <a:fld id="{FF687007-1232-7342-B707-C90C2F451591}" type="datetimeFigureOut">
               <a:rPr lang="en-US" smtClean="0"/>
-              <a:t>13/08/16</a:t>
+              <a:t>18/08/16</a:t>
             </a:fld>
             <a:endParaRPr lang="en-US"/>
           </a:p>
@@ -2741,7 +2742,7 @@
           <a:p>
             <a:fld id="{FF687007-1232-7342-B707-C90C2F451591}" type="datetimeFigureOut">
               <a:rPr lang="en-US" smtClean="0"/>
-              <a:t>13/08/16</a:t>
+              <a:t>18/08/16</a:t>
             </a:fld>
             <a:endParaRPr lang="en-US"/>
           </a:p>
@@ -3849,7 +3850,7 @@
           <a:graphicData uri="http://schemas.openxmlformats.org/presentationml/2006/ole">
             <mc:AlternateContent xmlns:mc="http://schemas.openxmlformats.org/markup-compatibility/2006">
               <mc:Choice xmlns:v="urn:schemas-microsoft-com:vml" Requires="v">
-                <p:oleObj spid="_x0000_s1131" name="Equation" r:id="rId3" imgW="3771900" imgH="203200" progId="Equation.3">
+                <p:oleObj spid="_x0000_s1134" name="Equation" r:id="rId3" imgW="3771900" imgH="203200" progId="Equation.3">
                   <p:embed/>
                 </p:oleObj>
               </mc:Choice>
@@ -6132,7 +6133,6 @@
               <a:rPr lang="en-US" sz="1200" dirty="0" smtClean="0"/>
               <a:t>Key:</a:t>
             </a:r>
-            <a:endParaRPr lang="en-US" sz="1200" dirty="0" smtClean="0"/>
           </a:p>
         </p:txBody>
       </p:sp>
@@ -6195,7 +6195,6 @@
               <a:rPr lang="en-US" sz="1000" dirty="0" smtClean="0"/>
               <a:t>H4.8.6</a:t>
             </a:r>
-            <a:endParaRPr lang="en-US" sz="1000" dirty="0" smtClean="0"/>
           </a:p>
         </p:txBody>
       </p:sp>
@@ -6225,7 +6224,6 @@
               <a:rPr lang="en-US" sz="1000" dirty="0" smtClean="0"/>
               <a:t>H4.8.3</a:t>
             </a:r>
-            <a:endParaRPr lang="en-US" sz="1000" dirty="0" smtClean="0"/>
           </a:p>
         </p:txBody>
       </p:sp>
@@ -6255,7 +6253,6 @@
               <a:rPr lang="en-US" sz="1000" dirty="0" smtClean="0"/>
               <a:t>H4.8.4</a:t>
             </a:r>
-            <a:endParaRPr lang="en-US" sz="1000" dirty="0" smtClean="0"/>
           </a:p>
         </p:txBody>
       </p:sp>
@@ -6285,7 +6282,6 @@
               <a:rPr lang="en-US" sz="1000" dirty="0" smtClean="0"/>
               <a:t>H4.8.2</a:t>
             </a:r>
-            <a:endParaRPr lang="en-US" sz="1000" dirty="0" smtClean="0"/>
           </a:p>
         </p:txBody>
       </p:sp>
@@ -6315,7 +6311,6 @@
               <a:rPr lang="en-US" sz="1000" dirty="0" smtClean="0"/>
               <a:t>H4.8.5</a:t>
             </a:r>
-            <a:endParaRPr lang="en-US" sz="1000" dirty="0" smtClean="0"/>
           </a:p>
         </p:txBody>
       </p:sp>
@@ -6345,7 +6340,6 @@
               <a:rPr lang="en-US" sz="1000" dirty="0" smtClean="0"/>
               <a:t>H4.8.7</a:t>
             </a:r>
-            <a:endParaRPr lang="en-US" sz="1000" dirty="0" smtClean="0"/>
           </a:p>
         </p:txBody>
       </p:sp>
@@ -6375,7 +6369,6 @@
               <a:rPr lang="en-US" sz="1000" dirty="0" smtClean="0"/>
               <a:t>H4.8.1</a:t>
             </a:r>
-            <a:endParaRPr lang="en-US" sz="1000" dirty="0" smtClean="0"/>
           </a:p>
         </p:txBody>
       </p:sp>
@@ -8630,7 +8623,6 @@
               <a:rPr lang="en-US" sz="1200" dirty="0" smtClean="0"/>
               <a:t>Key:</a:t>
             </a:r>
-            <a:endParaRPr lang="en-US" sz="1200" dirty="0" smtClean="0"/>
           </a:p>
         </p:txBody>
       </p:sp>
@@ -8693,7 +8685,6 @@
               <a:rPr lang="en-US" sz="1000" dirty="0" smtClean="0"/>
               <a:t>H4.8.6</a:t>
             </a:r>
-            <a:endParaRPr lang="en-US" sz="1000" dirty="0" smtClean="0"/>
           </a:p>
         </p:txBody>
       </p:sp>
@@ -8723,7 +8714,6 @@
               <a:rPr lang="en-US" sz="1000" dirty="0" smtClean="0"/>
               <a:t>H4.8.3</a:t>
             </a:r>
-            <a:endParaRPr lang="en-US" sz="1000" dirty="0" smtClean="0"/>
           </a:p>
         </p:txBody>
       </p:sp>
@@ -8753,7 +8743,6 @@
               <a:rPr lang="en-US" sz="1000" dirty="0" smtClean="0"/>
               <a:t>H4.8.4</a:t>
             </a:r>
-            <a:endParaRPr lang="en-US" sz="1000" dirty="0" smtClean="0"/>
           </a:p>
         </p:txBody>
       </p:sp>
@@ -8783,7 +8772,6 @@
               <a:rPr lang="en-US" sz="1000" dirty="0" smtClean="0"/>
               <a:t>H4.8.2</a:t>
             </a:r>
-            <a:endParaRPr lang="en-US" sz="1000" dirty="0" smtClean="0"/>
           </a:p>
         </p:txBody>
       </p:sp>
@@ -8813,7 +8801,6 @@
               <a:rPr lang="en-US" sz="1000" dirty="0" smtClean="0"/>
               <a:t>H4.8.5</a:t>
             </a:r>
-            <a:endParaRPr lang="en-US" sz="1000" dirty="0" smtClean="0"/>
           </a:p>
         </p:txBody>
       </p:sp>
@@ -8843,7 +8830,6 @@
               <a:rPr lang="en-US" sz="1000" dirty="0" smtClean="0"/>
               <a:t>H4.8.7</a:t>
             </a:r>
-            <a:endParaRPr lang="en-US" sz="1000" dirty="0" smtClean="0"/>
           </a:p>
         </p:txBody>
       </p:sp>
@@ -8873,7 +8859,6 @@
               <a:rPr lang="en-US" sz="1000" dirty="0" smtClean="0"/>
               <a:t>H4.8.1</a:t>
             </a:r>
-            <a:endParaRPr lang="en-US" sz="1000" dirty="0" smtClean="0"/>
           </a:p>
         </p:txBody>
       </p:sp>
@@ -14272,7 +14257,6 @@
               <a:rPr lang="en-US" sz="1200" dirty="0"/>
               <a:t>Compatibility</a:t>
             </a:r>
-            <a:endParaRPr lang="en-US" sz="1200" dirty="0"/>
           </a:p>
         </p:txBody>
       </p:sp>
@@ -15015,7 +14999,6 @@
               <a:rPr lang="en-US" sz="1200" dirty="0" smtClean="0"/>
               <a:t>Key:</a:t>
             </a:r>
-            <a:endParaRPr lang="en-US" sz="1200" dirty="0" smtClean="0"/>
           </a:p>
         </p:txBody>
       </p:sp>
@@ -15045,7 +15028,6 @@
               <a:rPr lang="en-US" sz="1000" dirty="0" smtClean="0"/>
               <a:t>H4.8.6</a:t>
             </a:r>
-            <a:endParaRPr lang="en-US" sz="1000" dirty="0" smtClean="0"/>
           </a:p>
         </p:txBody>
       </p:sp>
@@ -15075,7 +15057,6 @@
               <a:rPr lang="en-US" sz="1000" dirty="0" smtClean="0"/>
               <a:t>H4.8.3</a:t>
             </a:r>
-            <a:endParaRPr lang="en-US" sz="1000" dirty="0" smtClean="0"/>
           </a:p>
         </p:txBody>
       </p:sp>
@@ -15105,7 +15086,6 @@
               <a:rPr lang="en-US" sz="1000" dirty="0" smtClean="0"/>
               <a:t>H4.8.4</a:t>
             </a:r>
-            <a:endParaRPr lang="en-US" sz="1000" dirty="0" smtClean="0"/>
           </a:p>
         </p:txBody>
       </p:sp>
@@ -15135,7 +15115,6 @@
               <a:rPr lang="en-US" sz="1000" dirty="0" smtClean="0"/>
               <a:t>H4.8.2</a:t>
             </a:r>
-            <a:endParaRPr lang="en-US" sz="1000" dirty="0" smtClean="0"/>
           </a:p>
         </p:txBody>
       </p:sp>
@@ -15165,7 +15144,6 @@
               <a:rPr lang="en-US" sz="1000" dirty="0" smtClean="0"/>
               <a:t>H4.8.5</a:t>
             </a:r>
-            <a:endParaRPr lang="en-US" sz="1000" dirty="0" smtClean="0"/>
           </a:p>
         </p:txBody>
       </p:sp>
@@ -15195,7 +15173,6 @@
               <a:rPr lang="en-US" sz="1000" dirty="0" smtClean="0"/>
               <a:t>H4.8.7</a:t>
             </a:r>
-            <a:endParaRPr lang="en-US" sz="1000" dirty="0" smtClean="0"/>
           </a:p>
         </p:txBody>
       </p:sp>
@@ -15225,7 +15202,6 @@
               <a:rPr lang="en-US" sz="1000" dirty="0" smtClean="0"/>
               <a:t>H4.8.1</a:t>
             </a:r>
-            <a:endParaRPr lang="en-US" sz="1000" dirty="0" smtClean="0"/>
           </a:p>
         </p:txBody>
       </p:sp>
@@ -15255,7 +15231,6 @@
               <a:rPr lang="en-US" sz="1000" dirty="0" smtClean="0"/>
               <a:t>H4.6.2</a:t>
             </a:r>
-            <a:endParaRPr lang="en-US" sz="1000" dirty="0" smtClean="0"/>
           </a:p>
         </p:txBody>
       </p:sp>
@@ -15285,7 +15260,6 @@
               <a:rPr lang="en-US" sz="1000" dirty="0" smtClean="0"/>
               <a:t>H4.6.3</a:t>
             </a:r>
-            <a:endParaRPr lang="en-US" sz="1000" dirty="0" smtClean="0"/>
           </a:p>
         </p:txBody>
       </p:sp>
@@ -15315,7 +15289,6 @@
               <a:rPr lang="en-US" sz="1000" dirty="0" smtClean="0"/>
               <a:t>H4.6.1</a:t>
             </a:r>
-            <a:endParaRPr lang="en-US" sz="1000" dirty="0" smtClean="0"/>
           </a:p>
         </p:txBody>
       </p:sp>
@@ -15345,7 +15318,6 @@
               <a:rPr lang="en-US" sz="1000" dirty="0" smtClean="0"/>
               <a:t>H4.6.4</a:t>
             </a:r>
-            <a:endParaRPr lang="en-US" sz="1000" dirty="0" smtClean="0"/>
           </a:p>
         </p:txBody>
       </p:sp>
@@ -17880,7 +17852,6 @@
               <a:rPr lang="en-US" sz="1200" dirty="0"/>
               <a:t>Compatibility</a:t>
             </a:r>
-            <a:endParaRPr lang="en-US" sz="1200" dirty="0"/>
           </a:p>
         </p:txBody>
       </p:sp>
@@ -18186,7 +18157,7 @@
         </p:nvSpPr>
         <p:spPr>
           <a:xfrm>
-            <a:off x="1383820" y="1227882"/>
+            <a:off x="1383820" y="1027996"/>
             <a:ext cx="1039129" cy="923330"/>
           </a:xfrm>
           <a:prstGeom prst="rect">
@@ -18247,7 +18218,7 @@
         <p:spPr>
           <a:xfrm flipV="1">
             <a:off x="2422949" y="660400"/>
-            <a:ext cx="425209" cy="1029147"/>
+            <a:ext cx="425209" cy="829261"/>
           </a:xfrm>
           <a:prstGeom prst="line">
             <a:avLst/>
@@ -18280,7 +18251,7 @@
         <p:spPr>
           <a:xfrm flipV="1">
             <a:off x="2422949" y="1488441"/>
-            <a:ext cx="401691" cy="201106"/>
+            <a:ext cx="401691" cy="1220"/>
           </a:xfrm>
           <a:prstGeom prst="line">
             <a:avLst/>
@@ -18312,8 +18283,8 @@
         </p:nvCxnSpPr>
         <p:spPr>
           <a:xfrm>
-            <a:off x="2422949" y="1689547"/>
-            <a:ext cx="402159" cy="696148"/>
+            <a:off x="2422949" y="1489661"/>
+            <a:ext cx="402159" cy="896034"/>
           </a:xfrm>
           <a:prstGeom prst="line">
             <a:avLst/>
@@ -18623,7 +18594,6 @@
               <a:rPr lang="en-US" sz="1200" dirty="0" smtClean="0"/>
               <a:t>Key:</a:t>
             </a:r>
-            <a:endParaRPr lang="en-US" sz="1200" dirty="0" smtClean="0"/>
           </a:p>
         </p:txBody>
       </p:sp>
@@ -18653,7 +18623,6 @@
               <a:rPr lang="en-US" sz="1000" dirty="0" smtClean="0"/>
               <a:t>H4.8.6</a:t>
             </a:r>
-            <a:endParaRPr lang="en-US" sz="1000" dirty="0" smtClean="0"/>
           </a:p>
         </p:txBody>
       </p:sp>
@@ -18683,7 +18652,6 @@
               <a:rPr lang="en-US" sz="1000" dirty="0" smtClean="0"/>
               <a:t>H4.8.3</a:t>
             </a:r>
-            <a:endParaRPr lang="en-US" sz="1000" dirty="0" smtClean="0"/>
           </a:p>
         </p:txBody>
       </p:sp>
@@ -18713,7 +18681,6 @@
               <a:rPr lang="en-US" sz="1000" dirty="0" smtClean="0"/>
               <a:t>H4.8.4</a:t>
             </a:r>
-            <a:endParaRPr lang="en-US" sz="1000" dirty="0" smtClean="0"/>
           </a:p>
         </p:txBody>
       </p:sp>
@@ -18743,7 +18710,6 @@
               <a:rPr lang="en-US" sz="1000" dirty="0" smtClean="0"/>
               <a:t>H4.8.2</a:t>
             </a:r>
-            <a:endParaRPr lang="en-US" sz="1000" dirty="0" smtClean="0"/>
           </a:p>
         </p:txBody>
       </p:sp>
@@ -18773,7 +18739,6 @@
               <a:rPr lang="en-US" sz="1000" dirty="0" smtClean="0"/>
               <a:t>H4.8.5</a:t>
             </a:r>
-            <a:endParaRPr lang="en-US" sz="1000" dirty="0" smtClean="0"/>
           </a:p>
         </p:txBody>
       </p:sp>
@@ -18803,7 +18768,6 @@
               <a:rPr lang="en-US" sz="1000" dirty="0" smtClean="0"/>
               <a:t>H4.8.7</a:t>
             </a:r>
-            <a:endParaRPr lang="en-US" sz="1000" dirty="0" smtClean="0"/>
           </a:p>
         </p:txBody>
       </p:sp>
@@ -18833,7 +18797,6 @@
               <a:rPr lang="en-US" sz="1000" dirty="0" smtClean="0"/>
               <a:t>H4.8.1</a:t>
             </a:r>
-            <a:endParaRPr lang="en-US" sz="1000" dirty="0" smtClean="0"/>
           </a:p>
         </p:txBody>
       </p:sp>
@@ -18863,7 +18826,6 @@
               <a:rPr lang="en-US" sz="1000" dirty="0" smtClean="0"/>
               <a:t>H4.6.2</a:t>
             </a:r>
-            <a:endParaRPr lang="en-US" sz="1000" dirty="0" smtClean="0"/>
           </a:p>
         </p:txBody>
       </p:sp>
@@ -18893,7 +18855,6 @@
               <a:rPr lang="en-US" sz="1000" dirty="0" smtClean="0"/>
               <a:t>H4.6.3</a:t>
             </a:r>
-            <a:endParaRPr lang="en-US" sz="1000" dirty="0" smtClean="0"/>
           </a:p>
         </p:txBody>
       </p:sp>
@@ -18923,7 +18884,6 @@
               <a:rPr lang="en-US" sz="1000" dirty="0" smtClean="0"/>
               <a:t>H4.6.1</a:t>
             </a:r>
-            <a:endParaRPr lang="en-US" sz="1000" dirty="0" smtClean="0"/>
           </a:p>
         </p:txBody>
       </p:sp>
@@ -18953,10 +18913,42 @@
               <a:rPr lang="en-US" sz="1000" dirty="0" smtClean="0"/>
               <a:t>H4.6.4</a:t>
             </a:r>
-            <a:endParaRPr lang="en-US" sz="1000" dirty="0" smtClean="0"/>
-          </a:p>
-        </p:txBody>
-      </p:sp>
+          </a:p>
+        </p:txBody>
+      </p:sp>
+      <p:cxnSp>
+        <p:nvCxnSpPr>
+          <p:cNvPr id="96" name="Straight Connector 95"/>
+          <p:cNvCxnSpPr>
+            <a:stCxn id="141" idx="1"/>
+            <a:endCxn id="7" idx="3"/>
+          </p:cNvCxnSpPr>
+          <p:nvPr/>
+        </p:nvCxnSpPr>
+        <p:spPr>
+          <a:xfrm flipH="1">
+            <a:off x="6345585" y="5308801"/>
+            <a:ext cx="358798" cy="303226"/>
+          </a:xfrm>
+          <a:prstGeom prst="line">
+            <a:avLst/>
+          </a:prstGeom>
+        </p:spPr>
+        <p:style>
+          <a:lnRef idx="1">
+            <a:schemeClr val="dk1"/>
+          </a:lnRef>
+          <a:fillRef idx="0">
+            <a:schemeClr val="dk1"/>
+          </a:fillRef>
+          <a:effectRef idx="0">
+            <a:schemeClr val="dk1"/>
+          </a:effectRef>
+          <a:fontRef idx="minor">
+            <a:schemeClr val="tx1"/>
+          </a:fontRef>
+        </p:style>
+      </p:cxnSp>
     </p:spTree>
     <p:extLst>
       <p:ext uri="{BB962C8B-B14F-4D97-AF65-F5344CB8AC3E}">
@@ -19770,7 +19762,6 @@
               <a:rPr lang="en-US" sz="1200" dirty="0"/>
               <a:t>Compatibility</a:t>
             </a:r>
-            <a:endParaRPr lang="en-US" sz="1200" dirty="0"/>
           </a:p>
         </p:txBody>
       </p:sp>
@@ -19946,15 +19937,7 @@
           <a:p>
             <a:r>
               <a:rPr lang="en-US" dirty="0" smtClean="0"/>
-              <a:t>Quality </a:t>
-            </a:r>
-            <a:r>
-              <a:rPr lang="en-US" dirty="0" smtClean="0"/>
-              <a:t>in </a:t>
-            </a:r>
-            <a:r>
-              <a:rPr lang="en-US" dirty="0" smtClean="0"/>
-              <a:t>Use</a:t>
+              <a:t>Quality in Use</a:t>
             </a:r>
           </a:p>
         </p:txBody>
@@ -20232,7 +20215,6 @@
               <a:rPr lang="en-US" sz="1000" dirty="0" smtClean="0"/>
               <a:t>H4.6.2</a:t>
             </a:r>
-            <a:endParaRPr lang="en-US" sz="1000" dirty="0" smtClean="0"/>
           </a:p>
         </p:txBody>
       </p:sp>
@@ -20262,7 +20244,6 @@
               <a:rPr lang="en-US" sz="1000" dirty="0" smtClean="0"/>
               <a:t>H4.6.3</a:t>
             </a:r>
-            <a:endParaRPr lang="en-US" sz="1000" dirty="0" smtClean="0"/>
           </a:p>
         </p:txBody>
       </p:sp>
@@ -20292,7 +20273,6 @@
               <a:rPr lang="en-US" sz="1000" dirty="0" smtClean="0"/>
               <a:t>H4.6.1</a:t>
             </a:r>
-            <a:endParaRPr lang="en-US" sz="1000" dirty="0" smtClean="0"/>
           </a:p>
         </p:txBody>
       </p:sp>
@@ -20322,7 +20302,6 @@
               <a:rPr lang="en-US" sz="1000" dirty="0" smtClean="0"/>
               <a:t>H4.6.4</a:t>
             </a:r>
-            <a:endParaRPr lang="en-US" sz="1000" dirty="0" smtClean="0"/>
           </a:p>
         </p:txBody>
       </p:sp>
@@ -23102,11 +23081,7 @@
           <a:p>
             <a:r>
               <a:rPr lang="en-US" dirty="0" smtClean="0"/>
-              <a:t>FOR DEPENDABILITY PURPOSES COMPLETE </a:t>
-            </a:r>
-            <a:r>
-              <a:rPr lang="en-US" dirty="0" smtClean="0"/>
-              <a:t>MODEL</a:t>
+              <a:t>FOR DEPENDABILITY PURPOSES COMPLETE MODEL</a:t>
             </a:r>
             <a:endParaRPr lang="en-US" dirty="0"/>
           </a:p>
@@ -23240,15 +23215,7 @@
           <a:p>
             <a:r>
               <a:rPr lang="en-US" dirty="0" smtClean="0"/>
-              <a:t>Quality </a:t>
-            </a:r>
-            <a:r>
-              <a:rPr lang="en-US" dirty="0" smtClean="0"/>
-              <a:t>in </a:t>
-            </a:r>
-            <a:r>
-              <a:rPr lang="en-US" dirty="0" smtClean="0"/>
-              <a:t>Use</a:t>
+              <a:t>Quality in Use</a:t>
             </a:r>
           </a:p>
         </p:txBody>
@@ -23665,7 +23632,6 @@
               <a:rPr lang="en-US" sz="1200" dirty="0" smtClean="0"/>
               <a:t>Key:</a:t>
             </a:r>
-            <a:endParaRPr lang="en-US" sz="1200" dirty="0" smtClean="0"/>
           </a:p>
         </p:txBody>
       </p:sp>
@@ -23695,7 +23661,6 @@
               <a:rPr lang="en-US" sz="1000" dirty="0" smtClean="0"/>
               <a:t>H4.7.6</a:t>
             </a:r>
-            <a:endParaRPr lang="en-US" sz="1000" dirty="0" smtClean="0"/>
           </a:p>
         </p:txBody>
       </p:sp>
@@ -23725,7 +23690,6 @@
               <a:rPr lang="en-US" sz="1000" dirty="0" smtClean="0"/>
               <a:t>H4.7.3</a:t>
             </a:r>
-            <a:endParaRPr lang="en-US" sz="1000" dirty="0" smtClean="0"/>
           </a:p>
         </p:txBody>
       </p:sp>
@@ -23755,7 +23719,6 @@
               <a:rPr lang="en-US" sz="1000" dirty="0" smtClean="0"/>
               <a:t>H4.7.4</a:t>
             </a:r>
-            <a:endParaRPr lang="en-US" sz="1000" dirty="0" smtClean="0"/>
           </a:p>
         </p:txBody>
       </p:sp>
@@ -23785,7 +23748,6 @@
               <a:rPr lang="en-US" sz="1000" dirty="0" smtClean="0"/>
               <a:t>H4.7.2</a:t>
             </a:r>
-            <a:endParaRPr lang="en-US" sz="1000" dirty="0" smtClean="0"/>
           </a:p>
         </p:txBody>
       </p:sp>
@@ -23815,7 +23777,6 @@
               <a:rPr lang="en-US" sz="1000" dirty="0" smtClean="0"/>
               <a:t>H4.7.5</a:t>
             </a:r>
-            <a:endParaRPr lang="en-US" sz="1000" dirty="0" smtClean="0"/>
           </a:p>
         </p:txBody>
       </p:sp>
@@ -23845,7 +23806,6 @@
               <a:rPr lang="en-US" sz="1000" dirty="0" smtClean="0"/>
               <a:t>H4.7.7</a:t>
             </a:r>
-            <a:endParaRPr lang="en-US" sz="1000" dirty="0" smtClean="0"/>
           </a:p>
         </p:txBody>
       </p:sp>
@@ -23875,7 +23835,6 @@
               <a:rPr lang="en-US" sz="1000" dirty="0" smtClean="0"/>
               <a:t>H4.7.1</a:t>
             </a:r>
-            <a:endParaRPr lang="en-US" sz="1000" dirty="0" smtClean="0"/>
           </a:p>
         </p:txBody>
       </p:sp>
@@ -23918,7 +23877,6 @@
               <a:rPr lang="en-US" dirty="0" smtClean="0"/>
               <a:t>DEPENDABILITY</a:t>
             </a:r>
-            <a:endParaRPr lang="en-US" dirty="0" smtClean="0"/>
           </a:p>
         </p:txBody>
       </p:sp>
@@ -24789,11 +24747,7 @@
           <a:p>
             <a:r>
               <a:rPr lang="en-US" dirty="0" smtClean="0"/>
-              <a:t>FOR DEPENDABILITY PURPOSES COMPLETE </a:t>
-            </a:r>
-            <a:r>
-              <a:rPr lang="en-US" dirty="0" smtClean="0"/>
-              <a:t>MODEL</a:t>
+              <a:t>FOR DEPENDABILITY PURPOSES COMPLETE MODEL</a:t>
             </a:r>
             <a:endParaRPr lang="en-US" dirty="0"/>
           </a:p>
@@ -24842,15 +24796,7 @@
           <a:p>
             <a:r>
               <a:rPr lang="en-US" dirty="0" smtClean="0"/>
-              <a:t>Quality </a:t>
-            </a:r>
-            <a:r>
-              <a:rPr lang="en-US" dirty="0" smtClean="0"/>
-              <a:t>in </a:t>
-            </a:r>
-            <a:r>
-              <a:rPr lang="en-US" dirty="0" smtClean="0"/>
-              <a:t>Use</a:t>
+              <a:t>Quality in Use</a:t>
             </a:r>
           </a:p>
         </p:txBody>
@@ -24981,7 +24927,6 @@
               <a:rPr lang="en-US" dirty="0" smtClean="0"/>
               <a:t>DEPENDABILITY</a:t>
             </a:r>
-            <a:endParaRPr lang="en-US" dirty="0" smtClean="0"/>
           </a:p>
         </p:txBody>
       </p:sp>
@@ -25483,7 +25428,6 @@
               <a:rPr lang="en-US" sz="1200" dirty="0" smtClean="0"/>
               <a:t>Key:</a:t>
             </a:r>
-            <a:endParaRPr lang="en-US" sz="1200" dirty="0" smtClean="0"/>
           </a:p>
         </p:txBody>
       </p:sp>
@@ -28368,11 +28312,7 @@
           <a:p>
             <a:r>
               <a:rPr lang="en-US" dirty="0" smtClean="0"/>
-              <a:t>FOR DEPENDABILITY PURPOSES COMPLETE </a:t>
-            </a:r>
-            <a:r>
-              <a:rPr lang="en-US" dirty="0" smtClean="0"/>
-              <a:t>MODEL</a:t>
+              <a:t>FOR DEPENDABILITY PURPOSES COMPLETE MODEL</a:t>
             </a:r>
             <a:endParaRPr lang="en-US" dirty="0"/>
           </a:p>
@@ -28514,23 +28454,7 @@
                   <a:srgbClr val="FF0000"/>
                 </a:solidFill>
               </a:rPr>
-              <a:t>Quality </a:t>
-            </a:r>
-            <a:r>
-              <a:rPr lang="en-US" dirty="0" smtClean="0">
-                <a:solidFill>
-                  <a:srgbClr val="FF0000"/>
-                </a:solidFill>
-              </a:rPr>
-              <a:t>in </a:t>
-            </a:r>
-            <a:r>
-              <a:rPr lang="en-US" dirty="0" smtClean="0">
-                <a:solidFill>
-                  <a:srgbClr val="FF0000"/>
-                </a:solidFill>
-              </a:rPr>
-              <a:t>Use</a:t>
+              <a:t>Quality in Use</a:t>
             </a:r>
           </a:p>
         </p:txBody>
@@ -28947,7 +28871,6 @@
               <a:rPr lang="en-US" sz="1200" dirty="0" smtClean="0"/>
               <a:t>Key:</a:t>
             </a:r>
-            <a:endParaRPr lang="en-US" sz="1200" dirty="0" smtClean="0"/>
           </a:p>
         </p:txBody>
       </p:sp>
@@ -28977,7 +28900,6 @@
               <a:rPr lang="en-US" sz="1000" dirty="0" smtClean="0"/>
               <a:t>H4.7.6</a:t>
             </a:r>
-            <a:endParaRPr lang="en-US" sz="1000" dirty="0" smtClean="0"/>
           </a:p>
         </p:txBody>
       </p:sp>
@@ -29007,7 +28929,6 @@
               <a:rPr lang="en-US" sz="1000" dirty="0" smtClean="0"/>
               <a:t>H4.7.3</a:t>
             </a:r>
-            <a:endParaRPr lang="en-US" sz="1000" dirty="0" smtClean="0"/>
           </a:p>
         </p:txBody>
       </p:sp>
@@ -29037,7 +28958,6 @@
               <a:rPr lang="en-US" sz="1000" dirty="0" smtClean="0"/>
               <a:t>H4.7.4</a:t>
             </a:r>
-            <a:endParaRPr lang="en-US" sz="1000" dirty="0" smtClean="0"/>
           </a:p>
         </p:txBody>
       </p:sp>
@@ -29067,7 +28987,6 @@
               <a:rPr lang="en-US" sz="1000" dirty="0" smtClean="0"/>
               <a:t>H4.7.2</a:t>
             </a:r>
-            <a:endParaRPr lang="en-US" sz="1000" dirty="0" smtClean="0"/>
           </a:p>
         </p:txBody>
       </p:sp>
@@ -29097,7 +29016,6 @@
               <a:rPr lang="en-US" sz="1000" dirty="0" smtClean="0"/>
               <a:t>H4.7.5</a:t>
             </a:r>
-            <a:endParaRPr lang="en-US" sz="1000" dirty="0" smtClean="0"/>
           </a:p>
         </p:txBody>
       </p:sp>
@@ -29127,7 +29045,6 @@
               <a:rPr lang="en-US" sz="1000" dirty="0" smtClean="0"/>
               <a:t>H4.7.7</a:t>
             </a:r>
-            <a:endParaRPr lang="en-US" sz="1000" dirty="0" smtClean="0"/>
           </a:p>
         </p:txBody>
       </p:sp>
@@ -29157,7 +29074,6 @@
               <a:rPr lang="en-US" sz="1000" dirty="0" smtClean="0"/>
               <a:t>H4.7.1</a:t>
             </a:r>
-            <a:endParaRPr lang="en-US" sz="1000" dirty="0" smtClean="0"/>
           </a:p>
         </p:txBody>
       </p:sp>
@@ -29200,7 +29116,6 @@
               <a:rPr lang="en-US" dirty="0" smtClean="0"/>
               <a:t>DEPENDABILITY</a:t>
             </a:r>
-            <a:endParaRPr lang="en-US" dirty="0" smtClean="0"/>
           </a:p>
         </p:txBody>
       </p:sp>
@@ -31940,15 +31855,7 @@
           <a:p>
             <a:r>
               <a:rPr lang="en-US" dirty="0" smtClean="0"/>
-              <a:t>E-Service Quality </a:t>
-            </a:r>
-            <a:r>
-              <a:rPr lang="en-US" dirty="0" smtClean="0"/>
-              <a:t>in </a:t>
-            </a:r>
-            <a:r>
-              <a:rPr lang="en-US" dirty="0" smtClean="0"/>
-              <a:t>Use</a:t>
+              <a:t>E-Service Quality in Use</a:t>
             </a:r>
           </a:p>
         </p:txBody>
@@ -33748,6 +33655,36 @@
 </p:sld>
 </file>
 
+<file path=ppt/slides/slide23.xml><?xml version="1.0" encoding="utf-8"?>
+<p:sld xmlns:a="http://schemas.openxmlformats.org/drawingml/2006/main" xmlns:r="http://schemas.openxmlformats.org/officeDocument/2006/relationships" xmlns:p="http://schemas.openxmlformats.org/presentationml/2006/main">
+  <p:cSld>
+    <p:spTree>
+      <p:nvGrpSpPr>
+        <p:cNvPr id="1" name=""/>
+        <p:cNvGrpSpPr/>
+        <p:nvPr/>
+      </p:nvGrpSpPr>
+      <p:grpSpPr>
+        <a:xfrm>
+          <a:off x="0" y="0"/>
+          <a:ext cx="0" cy="0"/>
+          <a:chOff x="0" y="0"/>
+          <a:chExt cx="0" cy="0"/>
+        </a:xfrm>
+      </p:grpSpPr>
+    </p:spTree>
+    <p:extLst>
+      <p:ext uri="{BB962C8B-B14F-4D97-AF65-F5344CB8AC3E}">
+        <p14:creationId xmlns:p14="http://schemas.microsoft.com/office/powerpoint/2010/main" val="4141597108"/>
+      </p:ext>
+    </p:extLst>
+  </p:cSld>
+  <p:clrMapOvr>
+    <a:masterClrMapping/>
+  </p:clrMapOvr>
+</p:sld>
+</file>
+
 <file path=ppt/slides/slide3.xml><?xml version="1.0" encoding="utf-8"?>
 <p:sld xmlns:a="http://schemas.openxmlformats.org/drawingml/2006/main" xmlns:r="http://schemas.openxmlformats.org/officeDocument/2006/relationships" xmlns:p="http://schemas.openxmlformats.org/presentationml/2006/main">
   <p:cSld>
@@ -34662,11 +34599,7 @@
           <a:p>
             <a:r>
               <a:rPr lang="en-US" dirty="0" smtClean="0"/>
-              <a:t>DIMENSIONS </a:t>
-            </a:r>
-            <a:r>
-              <a:rPr lang="en-US" dirty="0" smtClean="0"/>
-              <a:t>INFLUENCING CUSTOMER SATISFACTION</a:t>
+              <a:t>DIMENSIONS INFLUENCING CUSTOMER SATISFACTION</a:t>
             </a:r>
           </a:p>
         </p:txBody>
@@ -34885,7 +34818,6 @@
               <a:rPr lang="en-US" sz="1000" dirty="0" smtClean="0"/>
               <a:t>H.A.</a:t>
             </a:r>
-            <a:endParaRPr lang="en-US" sz="1000" dirty="0" smtClean="0"/>
           </a:p>
         </p:txBody>
       </p:sp>
@@ -34915,7 +34847,6 @@
               <a:rPr lang="en-US" sz="1000" dirty="0" smtClean="0"/>
               <a:t>H.U.</a:t>
             </a:r>
-            <a:endParaRPr lang="en-US" sz="1000" dirty="0" smtClean="0"/>
           </a:p>
         </p:txBody>
       </p:sp>
@@ -34945,7 +34876,6 @@
               <a:rPr lang="en-US" sz="1000" dirty="0" smtClean="0"/>
               <a:t>H.E.</a:t>
             </a:r>
-            <a:endParaRPr lang="en-US" sz="1000" dirty="0" smtClean="0"/>
           </a:p>
         </p:txBody>
       </p:sp>
@@ -34975,7 +34905,6 @@
               <a:rPr lang="en-US" sz="1000" dirty="0" smtClean="0"/>
               <a:t>H.S.</a:t>
             </a:r>
-            <a:endParaRPr lang="en-US" sz="1000" dirty="0" smtClean="0"/>
           </a:p>
         </p:txBody>
       </p:sp>
@@ -35604,15 +35533,7 @@
           <a:p>
             <a:r>
               <a:rPr lang="en-US" dirty="0" smtClean="0"/>
-              <a:t>Quality </a:t>
-            </a:r>
-            <a:r>
-              <a:rPr lang="en-US" dirty="0" smtClean="0"/>
-              <a:t>in </a:t>
-            </a:r>
-            <a:r>
-              <a:rPr lang="en-US" dirty="0" smtClean="0"/>
-              <a:t>Use</a:t>
+              <a:t>Quality in Use</a:t>
             </a:r>
           </a:p>
         </p:txBody>
@@ -35742,7 +35663,6 @@
               <a:rPr lang="en-US" sz="1200" dirty="0" smtClean="0"/>
               <a:t>H1</a:t>
             </a:r>
-            <a:endParaRPr lang="en-US" sz="1200" dirty="0" smtClean="0"/>
           </a:p>
         </p:txBody>
       </p:sp>
@@ -35772,7 +35692,6 @@
               <a:rPr lang="en-US" sz="1200" dirty="0" smtClean="0"/>
               <a:t>H2</a:t>
             </a:r>
-            <a:endParaRPr lang="en-US" sz="1200" dirty="0" smtClean="0"/>
           </a:p>
         </p:txBody>
       </p:sp>
@@ -35802,7 +35721,6 @@
               <a:rPr lang="en-US" sz="1200" dirty="0" smtClean="0"/>
               <a:t>H3</a:t>
             </a:r>
-            <a:endParaRPr lang="en-US" sz="1200" dirty="0" smtClean="0"/>
           </a:p>
         </p:txBody>
       </p:sp>
@@ -35832,7 +35750,6 @@
               <a:rPr lang="en-US" sz="1200" dirty="0" smtClean="0"/>
               <a:t>H4</a:t>
             </a:r>
-            <a:endParaRPr lang="en-US" sz="1200" dirty="0" smtClean="0"/>
           </a:p>
         </p:txBody>
       </p:sp>
@@ -36639,7 +36556,6 @@
               <a:rPr lang="en-US" sz="1200" dirty="0" smtClean="0"/>
               <a:t>H5</a:t>
             </a:r>
-            <a:endParaRPr lang="en-US" sz="1200" dirty="0" smtClean="0"/>
           </a:p>
         </p:txBody>
       </p:sp>
@@ -36669,7 +36585,6 @@
               <a:rPr lang="en-US" sz="1200" dirty="0" smtClean="0"/>
               <a:t>H6</a:t>
             </a:r>
-            <a:endParaRPr lang="en-US" sz="1200" dirty="0" smtClean="0"/>
           </a:p>
         </p:txBody>
       </p:sp>
@@ -36699,7 +36614,6 @@
               <a:rPr lang="en-US" sz="1200" dirty="0" smtClean="0"/>
               <a:t>H7</a:t>
             </a:r>
-            <a:endParaRPr lang="en-US" sz="1200" dirty="0" smtClean="0"/>
           </a:p>
         </p:txBody>
       </p:sp>
@@ -36729,7 +36643,6 @@
               <a:rPr lang="en-US" sz="1200" dirty="0" smtClean="0"/>
               <a:t>H8</a:t>
             </a:r>
-            <a:endParaRPr lang="en-US" sz="1200" dirty="0" smtClean="0"/>
           </a:p>
         </p:txBody>
       </p:sp>

--- a/model.pptx
+++ b/model.pptx
@@ -3850,7 +3850,7 @@
           <a:graphicData uri="http://schemas.openxmlformats.org/presentationml/2006/ole">
             <mc:AlternateContent xmlns:mc="http://schemas.openxmlformats.org/markup-compatibility/2006">
               <mc:Choice xmlns:v="urn:schemas-microsoft-com:vml" Requires="v">
-                <p:oleObj spid="_x0000_s1134" name="Equation" r:id="rId3" imgW="3771900" imgH="203200" progId="Equation.3">
+                <p:oleObj spid="_x0000_s1141" name="Equation" r:id="rId3" imgW="3771900" imgH="203200" progId="Equation.3">
                   <p:embed/>
                 </p:oleObj>
               </mc:Choice>
@@ -4097,7 +4097,7 @@
         </p:nvSpPr>
         <p:spPr>
           <a:xfrm>
-            <a:off x="4941701" y="5476347"/>
+            <a:off x="4941701" y="5095356"/>
             <a:ext cx="1239517" cy="254000"/>
           </a:xfrm>
           <a:prstGeom prst="roundRect">
@@ -4477,7 +4477,7 @@
         </p:nvSpPr>
         <p:spPr>
           <a:xfrm>
-            <a:off x="6597782" y="3685938"/>
+            <a:off x="6597782" y="3363561"/>
             <a:ext cx="1396998" cy="264160"/>
           </a:xfrm>
           <a:prstGeom prst="roundRect">
@@ -4525,7 +4525,7 @@
         </p:nvGrpSpPr>
         <p:grpSpPr>
           <a:xfrm>
-            <a:off x="6602862" y="4193872"/>
+            <a:off x="6602862" y="3871495"/>
             <a:ext cx="1879598" cy="491491"/>
             <a:chOff x="7721601" y="3576319"/>
             <a:chExt cx="1859278" cy="491491"/>
@@ -4726,14 +4726,14 @@
       </p:sp>
       <p:sp>
         <p:nvSpPr>
-          <p:cNvPr id="71" name="Rounded Rectangle 70"/>
+          <p:cNvPr id="72" name="Rounded Rectangle 71"/>
           <p:cNvSpPr/>
           <p:nvPr/>
         </p:nvSpPr>
         <p:spPr>
           <a:xfrm>
-            <a:off x="6613023" y="3322085"/>
-            <a:ext cx="1178560" cy="227330"/>
+            <a:off x="6656267" y="5703756"/>
+            <a:ext cx="1011197" cy="240573"/>
           </a:xfrm>
           <a:prstGeom prst="roundRect">
             <a:avLst>
@@ -4766,7 +4766,7 @@
             <a:pPr algn="ctr"/>
             <a:r>
               <a:rPr lang="en-US" sz="1000" dirty="0" smtClean="0"/>
-              <a:t>Customer Service</a:t>
+              <a:t>Confidentiality</a:t>
             </a:r>
             <a:endParaRPr lang="en-US" sz="1000" dirty="0"/>
           </a:p>
@@ -4774,14 +4774,14 @@
       </p:sp>
       <p:sp>
         <p:nvSpPr>
-          <p:cNvPr id="72" name="Rounded Rectangle 71"/>
+          <p:cNvPr id="74" name="Rounded Rectangle 73"/>
           <p:cNvSpPr/>
           <p:nvPr/>
         </p:nvSpPr>
         <p:spPr>
           <a:xfrm>
-            <a:off x="6656267" y="6084747"/>
-            <a:ext cx="1011197" cy="240573"/>
+            <a:off x="6653727" y="4477597"/>
+            <a:ext cx="2098997" cy="227330"/>
           </a:xfrm>
           <a:prstGeom prst="roundRect">
             <a:avLst>
@@ -4814,7 +4814,7 @@
             <a:pPr algn="ctr"/>
             <a:r>
               <a:rPr lang="en-US" sz="1000" dirty="0" smtClean="0"/>
-              <a:t>Confidentiality</a:t>
+              <a:t>Safety</a:t>
             </a:r>
             <a:endParaRPr lang="en-US" sz="1000" dirty="0"/>
           </a:p>
@@ -4822,14 +4822,14 @@
       </p:sp>
       <p:sp>
         <p:nvSpPr>
-          <p:cNvPr id="74" name="Rounded Rectangle 73"/>
+          <p:cNvPr id="75" name="Rounded Rectangle 74"/>
           <p:cNvSpPr/>
           <p:nvPr/>
         </p:nvSpPr>
         <p:spPr>
           <a:xfrm>
-            <a:off x="6653727" y="4858588"/>
-            <a:ext cx="2098997" cy="227330"/>
+            <a:off x="6666427" y="5400579"/>
+            <a:ext cx="1001037" cy="227330"/>
           </a:xfrm>
           <a:prstGeom prst="roundRect">
             <a:avLst>
@@ -4862,54 +4862,6 @@
             <a:pPr algn="ctr"/>
             <a:r>
               <a:rPr lang="en-US" sz="1000" dirty="0" smtClean="0"/>
-              <a:t>Safety</a:t>
-            </a:r>
-            <a:endParaRPr lang="en-US" sz="1000" dirty="0"/>
-          </a:p>
-        </p:txBody>
-      </p:sp>
-      <p:sp>
-        <p:nvSpPr>
-          <p:cNvPr id="75" name="Rounded Rectangle 74"/>
-          <p:cNvSpPr/>
-          <p:nvPr/>
-        </p:nvSpPr>
-        <p:spPr>
-          <a:xfrm>
-            <a:off x="6666427" y="5781570"/>
-            <a:ext cx="1001037" cy="227330"/>
-          </a:xfrm>
-          <a:prstGeom prst="roundRect">
-            <a:avLst>
-              <a:gd name="adj" fmla="val 0"/>
-            </a:avLst>
-          </a:prstGeom>
-          <a:solidFill>
-            <a:schemeClr val="lt1"/>
-          </a:solidFill>
-          <a:ln w="12700"/>
-        </p:spPr>
-        <p:style>
-          <a:lnRef idx="2">
-            <a:schemeClr val="dk1"/>
-          </a:lnRef>
-          <a:fillRef idx="1">
-            <a:schemeClr val="lt1"/>
-          </a:fillRef>
-          <a:effectRef idx="0">
-            <a:schemeClr val="dk1"/>
-          </a:effectRef>
-          <a:fontRef idx="minor">
-            <a:schemeClr val="dk1"/>
-          </a:fontRef>
-        </p:style>
-        <p:txBody>
-          <a:bodyPr rtlCol="0" anchor="ctr"/>
-          <a:lstStyle/>
-          <a:p>
-            <a:pPr algn="ctr"/>
-            <a:r>
-              <a:rPr lang="en-US" sz="1000" dirty="0" smtClean="0"/>
               <a:t>Integrity</a:t>
             </a:r>
             <a:endParaRPr lang="en-US" sz="1000" dirty="0"/>
@@ -4924,7 +4876,7 @@
         </p:nvSpPr>
         <p:spPr>
           <a:xfrm>
-            <a:off x="6661625" y="5195136"/>
+            <a:off x="6661625" y="4814145"/>
             <a:ext cx="1005839" cy="227330"/>
           </a:xfrm>
           <a:prstGeom prst="roundRect">
@@ -5364,40 +5316,7 @@
         <p:spPr>
           <a:xfrm flipH="1" flipV="1">
             <a:off x="6181218" y="3413812"/>
-            <a:ext cx="416564" cy="404206"/>
-          </a:xfrm>
-          <a:prstGeom prst="line">
-            <a:avLst/>
-          </a:prstGeom>
-        </p:spPr>
-        <p:style>
-          <a:lnRef idx="1">
-            <a:schemeClr val="dk1"/>
-          </a:lnRef>
-          <a:fillRef idx="0">
-            <a:schemeClr val="dk1"/>
-          </a:fillRef>
-          <a:effectRef idx="0">
-            <a:schemeClr val="dk1"/>
-          </a:effectRef>
-          <a:fontRef idx="minor">
-            <a:schemeClr val="tx1"/>
-          </a:fontRef>
-        </p:style>
-      </p:cxnSp>
-      <p:cxnSp>
-        <p:nvCxnSpPr>
-          <p:cNvPr id="91" name="Straight Connector 90"/>
-          <p:cNvCxnSpPr>
-            <a:stCxn id="71" idx="1"/>
-            <a:endCxn id="56" idx="3"/>
-          </p:cNvCxnSpPr>
-          <p:nvPr/>
-        </p:nvCxnSpPr>
-        <p:spPr>
-          <a:xfrm flipH="1" flipV="1">
-            <a:off x="6181218" y="3413812"/>
-            <a:ext cx="431805" cy="21938"/>
+            <a:ext cx="416564" cy="81829"/>
           </a:xfrm>
           <a:prstGeom prst="line">
             <a:avLst/>
@@ -5430,7 +5349,7 @@
         <p:spPr>
           <a:xfrm flipH="1" flipV="1">
             <a:off x="6181218" y="3413812"/>
-            <a:ext cx="421644" cy="910553"/>
+            <a:ext cx="421644" cy="588176"/>
           </a:xfrm>
           <a:prstGeom prst="line">
             <a:avLst/>
@@ -5453,14 +5372,16 @@
       </p:cxnSp>
       <p:cxnSp>
         <p:nvCxnSpPr>
-          <p:cNvPr id="93" name="Elbow Connector 92"/>
-          <p:cNvCxnSpPr/>
+          <p:cNvPr id="94" name="Elbow Connector 93"/>
+          <p:cNvCxnSpPr>
+            <a:stCxn id="65" idx="3"/>
+          </p:cNvCxnSpPr>
           <p:nvPr/>
         </p:nvCxnSpPr>
         <p:spPr>
           <a:xfrm flipV="1">
-            <a:off x="7806821" y="3202071"/>
-            <a:ext cx="243839" cy="259079"/>
+            <a:off x="7994780" y="3202071"/>
+            <a:ext cx="199281" cy="293570"/>
           </a:xfrm>
           <a:prstGeom prst="bentConnector2">
             <a:avLst/>
@@ -5488,18 +5409,51 @@
       </p:cxnSp>
       <p:cxnSp>
         <p:nvCxnSpPr>
-          <p:cNvPr id="94" name="Elbow Connector 93"/>
+          <p:cNvPr id="95" name="Straight Connector 94"/>
           <p:cNvCxnSpPr>
-            <a:stCxn id="65" idx="3"/>
+            <a:stCxn id="63" idx="1"/>
+            <a:endCxn id="55" idx="3"/>
           </p:cNvCxnSpPr>
           <p:nvPr/>
         </p:nvCxnSpPr>
         <p:spPr>
+          <a:xfrm flipH="1" flipV="1">
+            <a:off x="6181219" y="1905660"/>
+            <a:ext cx="518163" cy="389718"/>
+          </a:xfrm>
+          <a:prstGeom prst="line">
+            <a:avLst/>
+          </a:prstGeom>
+        </p:spPr>
+        <p:style>
+          <a:lnRef idx="1">
+            <a:schemeClr val="dk1"/>
+          </a:lnRef>
+          <a:fillRef idx="0">
+            <a:schemeClr val="dk1"/>
+          </a:fillRef>
+          <a:effectRef idx="0">
+            <a:schemeClr val="dk1"/>
+          </a:effectRef>
+          <a:fontRef idx="minor">
+            <a:schemeClr val="tx1"/>
+          </a:fontRef>
+        </p:style>
+      </p:cxnSp>
+      <p:cxnSp>
+        <p:nvCxnSpPr>
+          <p:cNvPr id="96" name="Straight Arrow Connector 95"/>
+          <p:cNvCxnSpPr>
+            <a:stCxn id="67" idx="0"/>
+          </p:cNvCxnSpPr>
+          <p:nvPr/>
+        </p:nvCxnSpPr>
+        <p:spPr>
           <a:xfrm flipV="1">
-            <a:off x="8007326" y="3202072"/>
-            <a:ext cx="250926" cy="615946"/>
-          </a:xfrm>
-          <a:prstGeom prst="bentConnector2">
+            <a:off x="7542661" y="3627721"/>
+            <a:ext cx="0" cy="243774"/>
+          </a:xfrm>
+          <a:prstGeom prst="straightConnector1">
             <a:avLst/>
           </a:prstGeom>
           <a:ln w="3175" cmpd="sng">
@@ -5525,51 +5479,18 @@
       </p:cxnSp>
       <p:cxnSp>
         <p:nvCxnSpPr>
-          <p:cNvPr id="95" name="Straight Connector 94"/>
+          <p:cNvPr id="97" name="Elbow Connector 96"/>
           <p:cNvCxnSpPr>
-            <a:stCxn id="63" idx="1"/>
-            <a:endCxn id="55" idx="3"/>
+            <a:stCxn id="76" idx="3"/>
           </p:cNvCxnSpPr>
           <p:nvPr/>
         </p:nvCxnSpPr>
         <p:spPr>
-          <a:xfrm flipH="1" flipV="1">
-            <a:off x="6181219" y="1905660"/>
-            <a:ext cx="518163" cy="389718"/>
-          </a:xfrm>
-          <a:prstGeom prst="line">
-            <a:avLst/>
-          </a:prstGeom>
-        </p:spPr>
-        <p:style>
-          <a:lnRef idx="1">
-            <a:schemeClr val="dk1"/>
-          </a:lnRef>
-          <a:fillRef idx="0">
-            <a:schemeClr val="dk1"/>
-          </a:fillRef>
-          <a:effectRef idx="0">
-            <a:schemeClr val="dk1"/>
-          </a:effectRef>
-          <a:fontRef idx="minor">
-            <a:schemeClr val="tx1"/>
-          </a:fontRef>
-        </p:style>
-      </p:cxnSp>
-      <p:cxnSp>
-        <p:nvCxnSpPr>
-          <p:cNvPr id="96" name="Straight Arrow Connector 95"/>
-          <p:cNvCxnSpPr>
-            <a:stCxn id="67" idx="0"/>
-          </p:cNvCxnSpPr>
-          <p:nvPr/>
-        </p:nvCxnSpPr>
-        <p:spPr>
           <a:xfrm flipV="1">
-            <a:off x="7542661" y="3950098"/>
-            <a:ext cx="0" cy="243774"/>
-          </a:xfrm>
-          <a:prstGeom prst="straightConnector1">
+            <a:off x="7676688" y="4704928"/>
+            <a:ext cx="184484" cy="222882"/>
+          </a:xfrm>
+          <a:prstGeom prst="bentConnector2">
             <a:avLst/>
           </a:prstGeom>
           <a:ln w="3175" cmpd="sng">
@@ -5595,16 +5516,16 @@
       </p:cxnSp>
       <p:cxnSp>
         <p:nvCxnSpPr>
-          <p:cNvPr id="97" name="Elbow Connector 96"/>
+          <p:cNvPr id="98" name="Elbow Connector 97"/>
           <p:cNvCxnSpPr>
-            <a:stCxn id="76" idx="3"/>
+            <a:stCxn id="75" idx="3"/>
           </p:cNvCxnSpPr>
           <p:nvPr/>
         </p:nvCxnSpPr>
         <p:spPr>
           <a:xfrm flipV="1">
-            <a:off x="7676688" y="5085919"/>
-            <a:ext cx="184484" cy="222882"/>
+            <a:off x="7698560" y="4704928"/>
+            <a:ext cx="621916" cy="809316"/>
           </a:xfrm>
           <a:prstGeom prst="bentConnector2">
             <a:avLst/>
@@ -5632,16 +5553,16 @@
       </p:cxnSp>
       <p:cxnSp>
         <p:nvCxnSpPr>
-          <p:cNvPr id="98" name="Elbow Connector 97"/>
+          <p:cNvPr id="99" name="Elbow Connector 98"/>
           <p:cNvCxnSpPr>
-            <a:stCxn id="75" idx="3"/>
+            <a:stCxn id="72" idx="3"/>
           </p:cNvCxnSpPr>
           <p:nvPr/>
         </p:nvCxnSpPr>
         <p:spPr>
           <a:xfrm flipV="1">
-            <a:off x="7698560" y="5085919"/>
-            <a:ext cx="621916" cy="809316"/>
+            <a:off x="7709007" y="4704929"/>
+            <a:ext cx="830851" cy="1119114"/>
           </a:xfrm>
           <a:prstGeom prst="bentConnector2">
             <a:avLst/>
@@ -5669,43 +5590,6 @@
       </p:cxnSp>
       <p:cxnSp>
         <p:nvCxnSpPr>
-          <p:cNvPr id="99" name="Elbow Connector 98"/>
-          <p:cNvCxnSpPr>
-            <a:stCxn id="72" idx="3"/>
-          </p:cNvCxnSpPr>
-          <p:nvPr/>
-        </p:nvCxnSpPr>
-        <p:spPr>
-          <a:xfrm flipV="1">
-            <a:off x="7709007" y="5085920"/>
-            <a:ext cx="830851" cy="1119114"/>
-          </a:xfrm>
-          <a:prstGeom prst="bentConnector2">
-            <a:avLst/>
-          </a:prstGeom>
-          <a:ln w="3175" cmpd="sng">
-            <a:prstDash val="lgDash"/>
-            <a:tailEnd type="arrow"/>
-          </a:ln>
-          <a:effectLst/>
-        </p:spPr>
-        <p:style>
-          <a:lnRef idx="2">
-            <a:schemeClr val="accent1"/>
-          </a:lnRef>
-          <a:fillRef idx="0">
-            <a:schemeClr val="accent1"/>
-          </a:fillRef>
-          <a:effectRef idx="1">
-            <a:schemeClr val="accent1"/>
-          </a:effectRef>
-          <a:fontRef idx="minor">
-            <a:schemeClr val="tx1"/>
-          </a:fontRef>
-        </p:style>
-      </p:cxnSp>
-      <p:cxnSp>
-        <p:nvCxnSpPr>
           <p:cNvPr id="100" name="Straight Connector 99"/>
           <p:cNvCxnSpPr>
             <a:stCxn id="74" idx="1"/>
@@ -5715,7 +5599,7 @@
         </p:nvCxnSpPr>
         <p:spPr>
           <a:xfrm flipH="1">
-            <a:off x="6181218" y="4972253"/>
+            <a:off x="6181218" y="4591262"/>
             <a:ext cx="472509" cy="631094"/>
           </a:xfrm>
           <a:prstGeom prst="line">
@@ -5748,7 +5632,7 @@
         </p:nvCxnSpPr>
         <p:spPr>
           <a:xfrm flipH="1" flipV="1">
-            <a:off x="6181218" y="5603347"/>
+            <a:off x="6181218" y="5222356"/>
             <a:ext cx="485209" cy="291888"/>
           </a:xfrm>
           <a:prstGeom prst="line">
@@ -5781,7 +5665,7 @@
         </p:nvCxnSpPr>
         <p:spPr>
           <a:xfrm flipH="1" flipV="1">
-            <a:off x="6181218" y="5603347"/>
+            <a:off x="6181218" y="5222356"/>
             <a:ext cx="475049" cy="601687"/>
           </a:xfrm>
           <a:prstGeom prst="line">
@@ -5814,7 +5698,7 @@
         </p:nvCxnSpPr>
         <p:spPr>
           <a:xfrm flipH="1">
-            <a:off x="6181218" y="5603347"/>
+            <a:off x="6181218" y="5222356"/>
             <a:ext cx="490290" cy="0"/>
           </a:xfrm>
           <a:prstGeom prst="line">
@@ -5924,7 +5808,7 @@
         </p:nvSpPr>
         <p:spPr>
           <a:xfrm>
-            <a:off x="6671508" y="5493707"/>
+            <a:off x="6671508" y="5112716"/>
             <a:ext cx="993917" cy="219279"/>
           </a:xfrm>
           <a:prstGeom prst="roundRect">
@@ -5974,7 +5858,7 @@
         </p:nvCxnSpPr>
         <p:spPr>
           <a:xfrm flipV="1">
-            <a:off x="7683740" y="5085919"/>
+            <a:off x="7683740" y="4704928"/>
             <a:ext cx="366314" cy="517428"/>
           </a:xfrm>
           <a:prstGeom prst="bentConnector2">
@@ -6009,7 +5893,7 @@
         </p:nvSpPr>
         <p:spPr>
           <a:xfrm>
-            <a:off x="5210836" y="6357677"/>
+            <a:off x="5210836" y="5976686"/>
             <a:ext cx="3541888" cy="461665"/>
           </a:xfrm>
           <a:prstGeom prst="rect">
@@ -6045,7 +5929,7 @@
         </p:nvCxnSpPr>
         <p:spPr>
           <a:xfrm flipH="1">
-            <a:off x="4957124" y="6695443"/>
+            <a:off x="4957124" y="6314452"/>
             <a:ext cx="263174" cy="0"/>
           </a:xfrm>
           <a:prstGeom prst="straightConnector1">
@@ -6080,7 +5964,7 @@
         </p:nvCxnSpPr>
         <p:spPr>
           <a:xfrm flipH="1">
-            <a:off x="4933418" y="6518876"/>
+            <a:off x="4933418" y="6137885"/>
             <a:ext cx="291815" cy="0"/>
           </a:xfrm>
           <a:prstGeom prst="straightConnector1">
@@ -6115,7 +5999,7 @@
         </p:nvSpPr>
         <p:spPr>
           <a:xfrm>
-            <a:off x="4933418" y="6104096"/>
+            <a:off x="4933418" y="5723105"/>
             <a:ext cx="452017" cy="276999"/>
           </a:xfrm>
           <a:prstGeom prst="rect">
@@ -6147,7 +6031,7 @@
         </p:nvCxnSpPr>
         <p:spPr>
           <a:xfrm flipH="1">
-            <a:off x="6181218" y="5308801"/>
+            <a:off x="6181218" y="4927810"/>
             <a:ext cx="480407" cy="294546"/>
           </a:xfrm>
           <a:prstGeom prst="line">
@@ -6177,7 +6061,7 @@
         </p:nvSpPr>
         <p:spPr>
           <a:xfrm>
-            <a:off x="7589236" y="3947651"/>
+            <a:off x="7589236" y="3625274"/>
             <a:ext cx="524302" cy="246221"/>
           </a:xfrm>
           <a:prstGeom prst="rect">
@@ -6287,13 +6171,13 @@
       </p:sp>
       <p:sp>
         <p:nvSpPr>
-          <p:cNvPr id="173" name="TextBox 172"/>
+          <p:cNvPr id="174" name="TextBox 173"/>
           <p:cNvSpPr txBox="1"/>
           <p:nvPr/>
         </p:nvSpPr>
         <p:spPr>
           <a:xfrm>
-            <a:off x="7768616" y="3403984"/>
+            <a:off x="7745175" y="5261440"/>
             <a:ext cx="524302" cy="246221"/>
           </a:xfrm>
           <a:prstGeom prst="rect">
@@ -6309,20 +6193,20 @@
           <a:p>
             <a:r>
               <a:rPr lang="en-US" sz="1000" dirty="0" smtClean="0"/>
-              <a:t>H4.8.5</a:t>
-            </a:r>
-          </a:p>
-        </p:txBody>
-      </p:sp>
-      <p:sp>
-        <p:nvSpPr>
-          <p:cNvPr id="174" name="TextBox 173"/>
+              <a:t>H4.8.7</a:t>
+            </a:r>
+          </a:p>
+        </p:txBody>
+      </p:sp>
+      <p:sp>
+        <p:nvSpPr>
+          <p:cNvPr id="175" name="TextBox 174"/>
           <p:cNvSpPr txBox="1"/>
           <p:nvPr/>
         </p:nvSpPr>
         <p:spPr>
           <a:xfrm>
-            <a:off x="7745175" y="5642431"/>
+            <a:off x="7741317" y="534194"/>
             <a:ext cx="524302" cy="246221"/>
           </a:xfrm>
           <a:prstGeom prst="rect">
@@ -6338,20 +6222,20 @@
           <a:p>
             <a:r>
               <a:rPr lang="en-US" sz="1000" dirty="0" smtClean="0"/>
-              <a:t>H4.8.7</a:t>
-            </a:r>
-          </a:p>
-        </p:txBody>
-      </p:sp>
-      <p:sp>
-        <p:nvSpPr>
-          <p:cNvPr id="175" name="TextBox 174"/>
+              <a:t>H4.8.1</a:t>
+            </a:r>
+          </a:p>
+        </p:txBody>
+      </p:sp>
+      <p:sp>
+        <p:nvSpPr>
+          <p:cNvPr id="73" name="TextBox 72"/>
           <p:cNvSpPr txBox="1"/>
           <p:nvPr/>
         </p:nvSpPr>
         <p:spPr>
           <a:xfrm>
-            <a:off x="7741317" y="534194"/>
+            <a:off x="8190196" y="3275640"/>
             <a:ext cx="524302" cy="246221"/>
           </a:xfrm>
           <a:prstGeom prst="rect">
@@ -6367,7 +6251,7 @@
           <a:p>
             <a:r>
               <a:rPr lang="en-US" sz="1000" dirty="0" smtClean="0"/>
-              <a:t>H4.8.1</a:t>
+              <a:t>H4.8.5</a:t>
             </a:r>
           </a:p>
         </p:txBody>
@@ -15374,8 +15258,8 @@
         </p:nvSpPr>
         <p:spPr>
           <a:xfrm>
-            <a:off x="5106066" y="501015"/>
-            <a:ext cx="1239519" cy="279400"/>
+            <a:off x="5174451" y="501015"/>
+            <a:ext cx="1337208" cy="279400"/>
           </a:xfrm>
           <a:prstGeom prst="roundRect">
             <a:avLst>
@@ -15418,8 +15302,8 @@
         </p:nvSpPr>
         <p:spPr>
           <a:xfrm>
-            <a:off x="5106067" y="1778660"/>
-            <a:ext cx="1239518" cy="254000"/>
+            <a:off x="5174450" y="1827505"/>
+            <a:ext cx="1345396" cy="254000"/>
           </a:xfrm>
           <a:prstGeom prst="roundRect">
             <a:avLst>
@@ -15462,7 +15346,7 @@
         </p:nvSpPr>
         <p:spPr>
           <a:xfrm>
-            <a:off x="5106067" y="3322085"/>
+            <a:off x="5174450" y="3578961"/>
             <a:ext cx="1239518" cy="231554"/>
           </a:xfrm>
           <a:prstGeom prst="roundRect">
@@ -15506,7 +15390,7 @@
         </p:nvSpPr>
         <p:spPr>
           <a:xfrm>
-            <a:off x="5106067" y="5493707"/>
+            <a:off x="5106067" y="5362319"/>
             <a:ext cx="1239518" cy="236640"/>
           </a:xfrm>
           <a:prstGeom prst="roundRect">
@@ -15733,7 +15617,7 @@
         </p:nvSpPr>
         <p:spPr>
           <a:xfrm>
-            <a:off x="2848158" y="5435707"/>
+            <a:off x="2848158" y="5326217"/>
             <a:ext cx="1267270" cy="294640"/>
           </a:xfrm>
           <a:prstGeom prst="roundRect">
@@ -15785,7 +15669,7 @@
         <p:spPr>
           <a:xfrm flipV="1">
             <a:off x="4091271" y="640715"/>
-            <a:ext cx="1014795" cy="19685"/>
+            <a:ext cx="1083180" cy="19685"/>
           </a:xfrm>
           <a:prstGeom prst="line">
             <a:avLst/>
@@ -15818,7 +15702,7 @@
         <p:spPr>
           <a:xfrm>
             <a:off x="4091271" y="660400"/>
-            <a:ext cx="1014796" cy="1245260"/>
+            <a:ext cx="1083179" cy="1294105"/>
           </a:xfrm>
           <a:prstGeom prst="line">
             <a:avLst/>
@@ -15851,7 +15735,7 @@
         <p:spPr>
           <a:xfrm flipV="1">
             <a:off x="4115428" y="640715"/>
-            <a:ext cx="990638" cy="847726"/>
+            <a:ext cx="1059023" cy="847726"/>
           </a:xfrm>
           <a:prstGeom prst="line">
             <a:avLst/>
@@ -15884,7 +15768,7 @@
         <p:spPr>
           <a:xfrm>
             <a:off x="4115428" y="1488441"/>
-            <a:ext cx="990639" cy="1949421"/>
+            <a:ext cx="1059022" cy="2206297"/>
           </a:xfrm>
           <a:prstGeom prst="line">
             <a:avLst/>
@@ -15917,7 +15801,7 @@
         <p:spPr>
           <a:xfrm>
             <a:off x="4091271" y="660400"/>
-            <a:ext cx="1014796" cy="2777462"/>
+            <a:ext cx="1083179" cy="3034338"/>
           </a:xfrm>
           <a:prstGeom prst="line">
             <a:avLst/>
@@ -15950,7 +15834,7 @@
         <p:spPr>
           <a:xfrm>
             <a:off x="4115428" y="2385695"/>
-            <a:ext cx="990639" cy="3226332"/>
+            <a:ext cx="990639" cy="3094944"/>
           </a:xfrm>
           <a:prstGeom prst="line">
             <a:avLst/>
@@ -15982,8 +15866,8 @@
         </p:nvCxnSpPr>
         <p:spPr>
           <a:xfrm flipV="1">
-            <a:off x="4091272" y="3437862"/>
-            <a:ext cx="1014795" cy="1394821"/>
+            <a:off x="4091272" y="3694738"/>
+            <a:ext cx="1083178" cy="1137945"/>
           </a:xfrm>
           <a:prstGeom prst="line">
             <a:avLst/>
@@ -16015,8 +15899,8 @@
         </p:nvCxnSpPr>
         <p:spPr>
           <a:xfrm flipV="1">
-            <a:off x="4091272" y="1905660"/>
-            <a:ext cx="1014795" cy="2927023"/>
+            <a:off x="4091272" y="1954505"/>
+            <a:ext cx="1083178" cy="2878178"/>
           </a:xfrm>
           <a:prstGeom prst="line">
             <a:avLst/>
@@ -16049,7 +15933,7 @@
         <p:spPr>
           <a:xfrm flipV="1">
             <a:off x="4091272" y="640715"/>
-            <a:ext cx="1014794" cy="4191968"/>
+            <a:ext cx="1083179" cy="4191968"/>
           </a:xfrm>
           <a:prstGeom prst="line">
             <a:avLst/>
@@ -16081,8 +15965,8 @@
         </p:nvCxnSpPr>
         <p:spPr>
           <a:xfrm>
-            <a:off x="4115428" y="5583027"/>
-            <a:ext cx="990639" cy="29000"/>
+            <a:off x="4115428" y="5473537"/>
+            <a:ext cx="990639" cy="7102"/>
           </a:xfrm>
           <a:prstGeom prst="line">
             <a:avLst/>
@@ -16303,7 +16187,7 @@
         </p:nvSpPr>
         <p:spPr>
           <a:xfrm>
-            <a:off x="6742140" y="1706877"/>
+            <a:off x="6742140" y="1772571"/>
             <a:ext cx="1066800" cy="367664"/>
           </a:xfrm>
           <a:prstGeom prst="roundRect">
@@ -16351,7 +16235,7 @@
         </p:nvSpPr>
         <p:spPr>
           <a:xfrm>
-            <a:off x="6742140" y="2142515"/>
+            <a:off x="6742140" y="2241056"/>
             <a:ext cx="1494679" cy="305726"/>
           </a:xfrm>
           <a:prstGeom prst="roundRect">
@@ -16399,7 +16283,7 @@
         </p:nvSpPr>
         <p:spPr>
           <a:xfrm>
-            <a:off x="6671020" y="2925210"/>
+            <a:off x="6671020" y="3144190"/>
             <a:ext cx="2065978" cy="276861"/>
           </a:xfrm>
           <a:prstGeom prst="roundRect">
@@ -16447,7 +16331,7 @@
         </p:nvSpPr>
         <p:spPr>
           <a:xfrm>
-            <a:off x="6640540" y="3685938"/>
+            <a:off x="6640540" y="3565499"/>
             <a:ext cx="1396998" cy="264160"/>
           </a:xfrm>
           <a:prstGeom prst="roundRect">
@@ -16495,7 +16379,7 @@
         </p:nvGrpSpPr>
         <p:grpSpPr>
           <a:xfrm>
-            <a:off x="6645620" y="4193872"/>
+            <a:off x="6645620" y="4073433"/>
             <a:ext cx="1879598" cy="491491"/>
             <a:chOff x="7721601" y="3576319"/>
             <a:chExt cx="1859278" cy="491491"/>
@@ -16654,7 +16538,7 @@
         </p:nvSpPr>
         <p:spPr>
           <a:xfrm>
-            <a:off x="6671020" y="2578500"/>
+            <a:off x="6671020" y="2797480"/>
             <a:ext cx="1851659" cy="254000"/>
           </a:xfrm>
           <a:prstGeom prst="roundRect">
@@ -16696,14 +16580,14 @@
       </p:sp>
       <p:sp>
         <p:nvSpPr>
-          <p:cNvPr id="137" name="Rounded Rectangle 136"/>
+          <p:cNvPr id="138" name="Rounded Rectangle 137"/>
           <p:cNvSpPr/>
           <p:nvPr/>
         </p:nvSpPr>
         <p:spPr>
           <a:xfrm>
-            <a:off x="6655781" y="3322085"/>
-            <a:ext cx="1178560" cy="227330"/>
+            <a:off x="6699025" y="5964308"/>
+            <a:ext cx="1011197" cy="240573"/>
           </a:xfrm>
           <a:prstGeom prst="roundRect">
             <a:avLst>
@@ -16736,7 +16620,7 @@
             <a:pPr algn="ctr"/>
             <a:r>
               <a:rPr lang="en-US" sz="1000" dirty="0" smtClean="0"/>
-              <a:t>Customer Service</a:t>
+              <a:t>Confidentiality</a:t>
             </a:r>
             <a:endParaRPr lang="en-US" sz="1000" dirty="0"/>
           </a:p>
@@ -16744,14 +16628,14 @@
       </p:sp>
       <p:sp>
         <p:nvSpPr>
-          <p:cNvPr id="138" name="Rounded Rectangle 137"/>
+          <p:cNvPr id="139" name="Rounded Rectangle 138"/>
           <p:cNvSpPr/>
           <p:nvPr/>
         </p:nvSpPr>
         <p:spPr>
           <a:xfrm>
-            <a:off x="6699025" y="6084747"/>
-            <a:ext cx="1011197" cy="240573"/>
+            <a:off x="6696485" y="4738149"/>
+            <a:ext cx="2098997" cy="227330"/>
           </a:xfrm>
           <a:prstGeom prst="roundRect">
             <a:avLst>
@@ -16784,7 +16668,7 @@
             <a:pPr algn="ctr"/>
             <a:r>
               <a:rPr lang="en-US" sz="1000" dirty="0" smtClean="0"/>
-              <a:t>Confidentiality</a:t>
+              <a:t>Safety</a:t>
             </a:r>
             <a:endParaRPr lang="en-US" sz="1000" dirty="0"/>
           </a:p>
@@ -16792,14 +16676,14 @@
       </p:sp>
       <p:sp>
         <p:nvSpPr>
-          <p:cNvPr id="139" name="Rounded Rectangle 138"/>
+          <p:cNvPr id="140" name="Rounded Rectangle 139"/>
           <p:cNvSpPr/>
           <p:nvPr/>
         </p:nvSpPr>
         <p:spPr>
           <a:xfrm>
-            <a:off x="6696485" y="4858588"/>
-            <a:ext cx="2098997" cy="227330"/>
+            <a:off x="6709185" y="5661131"/>
+            <a:ext cx="1001037" cy="227330"/>
           </a:xfrm>
           <a:prstGeom prst="roundRect">
             <a:avLst>
@@ -16832,54 +16716,6 @@
             <a:pPr algn="ctr"/>
             <a:r>
               <a:rPr lang="en-US" sz="1000" dirty="0" smtClean="0"/>
-              <a:t>Safety</a:t>
-            </a:r>
-            <a:endParaRPr lang="en-US" sz="1000" dirty="0"/>
-          </a:p>
-        </p:txBody>
-      </p:sp>
-      <p:sp>
-        <p:nvSpPr>
-          <p:cNvPr id="140" name="Rounded Rectangle 139"/>
-          <p:cNvSpPr/>
-          <p:nvPr/>
-        </p:nvSpPr>
-        <p:spPr>
-          <a:xfrm>
-            <a:off x="6709185" y="5781570"/>
-            <a:ext cx="1001037" cy="227330"/>
-          </a:xfrm>
-          <a:prstGeom prst="roundRect">
-            <a:avLst>
-              <a:gd name="adj" fmla="val 0"/>
-            </a:avLst>
-          </a:prstGeom>
-          <a:solidFill>
-            <a:schemeClr val="lt1"/>
-          </a:solidFill>
-          <a:ln w="12700"/>
-        </p:spPr>
-        <p:style>
-          <a:lnRef idx="2">
-            <a:schemeClr val="dk1"/>
-          </a:lnRef>
-          <a:fillRef idx="1">
-            <a:schemeClr val="lt1"/>
-          </a:fillRef>
-          <a:effectRef idx="0">
-            <a:schemeClr val="dk1"/>
-          </a:effectRef>
-          <a:fontRef idx="minor">
-            <a:schemeClr val="dk1"/>
-          </a:fontRef>
-        </p:style>
-        <p:txBody>
-          <a:bodyPr rtlCol="0" anchor="ctr"/>
-          <a:lstStyle/>
-          <a:p>
-            <a:pPr algn="ctr"/>
-            <a:r>
-              <a:rPr lang="en-US" sz="1000" dirty="0" smtClean="0"/>
               <a:t>Integrity</a:t>
             </a:r>
             <a:endParaRPr lang="en-US" sz="1000" dirty="0"/>
@@ -16894,7 +16730,7 @@
         </p:nvSpPr>
         <p:spPr>
           <a:xfrm>
-            <a:off x="6704383" y="5195136"/>
+            <a:off x="6704383" y="5074697"/>
             <a:ext cx="1005839" cy="227330"/>
           </a:xfrm>
           <a:prstGeom prst="roundRect">
@@ -16945,8 +16781,8 @@
         </p:nvCxnSpPr>
         <p:spPr>
           <a:xfrm flipH="1">
-            <a:off x="6345585" y="303530"/>
-            <a:ext cx="467675" cy="337185"/>
+            <a:off x="6511659" y="303530"/>
+            <a:ext cx="301601" cy="337185"/>
           </a:xfrm>
           <a:prstGeom prst="line">
             <a:avLst/>
@@ -16978,8 +16814,8 @@
         </p:nvCxnSpPr>
         <p:spPr>
           <a:xfrm flipH="1" flipV="1">
-            <a:off x="6345585" y="640715"/>
-            <a:ext cx="457515" cy="4445"/>
+            <a:off x="6511659" y="640715"/>
+            <a:ext cx="291441" cy="4445"/>
           </a:xfrm>
           <a:prstGeom prst="line">
             <a:avLst/>
@@ -17011,8 +16847,8 @@
         </p:nvCxnSpPr>
         <p:spPr>
           <a:xfrm flipH="1" flipV="1">
-            <a:off x="6345585" y="640715"/>
-            <a:ext cx="467675" cy="369752"/>
+            <a:off x="6511659" y="640715"/>
+            <a:ext cx="301601" cy="369752"/>
           </a:xfrm>
           <a:prstGeom prst="line">
             <a:avLst/>
@@ -17044,8 +16880,8 @@
         </p:nvCxnSpPr>
         <p:spPr>
           <a:xfrm flipH="1">
-            <a:off x="6345585" y="1524661"/>
-            <a:ext cx="396555" cy="380999"/>
+            <a:off x="6519846" y="1524661"/>
+            <a:ext cx="222294" cy="429844"/>
           </a:xfrm>
           <a:prstGeom prst="line">
             <a:avLst/>
@@ -17076,9 +16912,9 @@
           <p:nvPr/>
         </p:nvCxnSpPr>
         <p:spPr>
-          <a:xfrm flipH="1">
-            <a:off x="6345585" y="1890709"/>
-            <a:ext cx="396555" cy="14951"/>
+          <a:xfrm flipH="1" flipV="1">
+            <a:off x="6519846" y="1954505"/>
+            <a:ext cx="222294" cy="1898"/>
           </a:xfrm>
           <a:prstGeom prst="line">
             <a:avLst/>
@@ -17110,8 +16946,8 @@
         </p:nvCxnSpPr>
         <p:spPr>
           <a:xfrm flipH="1">
-            <a:off x="6345585" y="3063641"/>
-            <a:ext cx="325435" cy="374221"/>
+            <a:off x="6413968" y="3282621"/>
+            <a:ext cx="257052" cy="412117"/>
           </a:xfrm>
           <a:prstGeom prst="line">
             <a:avLst/>
@@ -17180,8 +17016,8 @@
         </p:nvCxnSpPr>
         <p:spPr>
           <a:xfrm flipH="1" flipV="1">
-            <a:off x="7808941" y="2032660"/>
-            <a:ext cx="427878" cy="262718"/>
+            <a:off x="7808940" y="2085686"/>
+            <a:ext cx="427879" cy="308233"/>
           </a:xfrm>
           <a:prstGeom prst="bentConnector3">
             <a:avLst>
@@ -17219,13 +17055,11 @@
         </p:nvCxnSpPr>
         <p:spPr>
           <a:xfrm flipV="1">
-            <a:off x="7808940" y="1656741"/>
-            <a:ext cx="243839" cy="233968"/>
-          </a:xfrm>
-          <a:prstGeom prst="bentConnector3">
-            <a:avLst>
-              <a:gd name="adj1" fmla="val 104827"/>
-            </a:avLst>
+            <a:off x="7808940" y="1657659"/>
+            <a:ext cx="243839" cy="298744"/>
+          </a:xfrm>
+          <a:prstGeom prst="bentConnector2">
+            <a:avLst/>
           </a:prstGeom>
           <a:ln w="3175" cmpd="sng">
             <a:prstDash val="lgDash"/>
@@ -17261,11 +17095,11 @@
         <p:spPr>
           <a:xfrm flipH="1" flipV="1">
             <a:off x="8433258" y="1010467"/>
-            <a:ext cx="303740" cy="2053174"/>
+            <a:ext cx="303740" cy="2272154"/>
           </a:xfrm>
           <a:prstGeom prst="bentConnector3">
             <a:avLst>
-              <a:gd name="adj1" fmla="val -75262"/>
+              <a:gd name="adj1" fmla="val -43098"/>
             </a:avLst>
           </a:prstGeom>
           <a:ln w="12700" cmpd="sng">
@@ -17300,8 +17134,8 @@
         </p:nvCxnSpPr>
         <p:spPr>
           <a:xfrm flipH="1">
-            <a:off x="6345585" y="2705500"/>
-            <a:ext cx="325435" cy="732362"/>
+            <a:off x="6413968" y="2924480"/>
+            <a:ext cx="257052" cy="770258"/>
           </a:xfrm>
           <a:prstGeom prst="line">
             <a:avLst/>
@@ -17333,41 +17167,8 @@
         </p:nvCxnSpPr>
         <p:spPr>
           <a:xfrm flipH="1" flipV="1">
-            <a:off x="6345585" y="3437862"/>
-            <a:ext cx="294955" cy="380156"/>
-          </a:xfrm>
-          <a:prstGeom prst="line">
-            <a:avLst/>
-          </a:prstGeom>
-        </p:spPr>
-        <p:style>
-          <a:lnRef idx="1">
-            <a:schemeClr val="dk1"/>
-          </a:lnRef>
-          <a:fillRef idx="0">
-            <a:schemeClr val="dk1"/>
-          </a:fillRef>
-          <a:effectRef idx="0">
-            <a:schemeClr val="dk1"/>
-          </a:effectRef>
-          <a:fontRef idx="minor">
-            <a:schemeClr val="tx1"/>
-          </a:fontRef>
-        </p:style>
-      </p:cxnSp>
-      <p:cxnSp>
-        <p:nvCxnSpPr>
-          <p:cNvPr id="225" name="Straight Connector 224"/>
-          <p:cNvCxnSpPr>
-            <a:stCxn id="137" idx="1"/>
-            <a:endCxn id="6" idx="3"/>
-          </p:cNvCxnSpPr>
-          <p:nvPr/>
-        </p:nvCxnSpPr>
-        <p:spPr>
-          <a:xfrm flipH="1">
-            <a:off x="6345585" y="3435750"/>
-            <a:ext cx="310196" cy="2112"/>
+            <a:off x="6413968" y="3694738"/>
+            <a:ext cx="226572" cy="2841"/>
           </a:xfrm>
           <a:prstGeom prst="line">
             <a:avLst/>
@@ -17399,8 +17200,8 @@
         </p:nvCxnSpPr>
         <p:spPr>
           <a:xfrm flipH="1" flipV="1">
-            <a:off x="6345585" y="3437862"/>
-            <a:ext cx="300035" cy="886503"/>
+            <a:off x="6413968" y="3694738"/>
+            <a:ext cx="231652" cy="509188"/>
           </a:xfrm>
           <a:prstGeom prst="line">
             <a:avLst/>
@@ -17423,17 +17224,21 @@
       </p:cxnSp>
       <p:cxnSp>
         <p:nvCxnSpPr>
-          <p:cNvPr id="313" name="Elbow Connector 312"/>
-          <p:cNvCxnSpPr/>
+          <p:cNvPr id="315" name="Elbow Connector 314"/>
+          <p:cNvCxnSpPr>
+            <a:stCxn id="131" idx="3"/>
+          </p:cNvCxnSpPr>
           <p:nvPr/>
         </p:nvCxnSpPr>
         <p:spPr>
           <a:xfrm flipV="1">
-            <a:off x="7849579" y="3202071"/>
-            <a:ext cx="243839" cy="259079"/>
-          </a:xfrm>
-          <a:prstGeom prst="bentConnector2">
-            <a:avLst/>
+            <a:off x="8037538" y="3421051"/>
+            <a:ext cx="544653" cy="276528"/>
+          </a:xfrm>
+          <a:prstGeom prst="bentConnector3">
+            <a:avLst>
+              <a:gd name="adj1" fmla="val 98241"/>
+            </a:avLst>
           </a:prstGeom>
           <a:ln w="3175" cmpd="sng">
             <a:prstDash val="lgDash"/>
@@ -17458,18 +17263,51 @@
       </p:cxnSp>
       <p:cxnSp>
         <p:nvCxnSpPr>
-          <p:cNvPr id="315" name="Elbow Connector 314"/>
+          <p:cNvPr id="333" name="Straight Connector 332"/>
           <p:cNvCxnSpPr>
-            <a:stCxn id="131" idx="3"/>
+            <a:stCxn id="129" idx="1"/>
+            <a:endCxn id="5" idx="3"/>
           </p:cNvCxnSpPr>
           <p:nvPr/>
         </p:nvCxnSpPr>
         <p:spPr>
+          <a:xfrm flipH="1" flipV="1">
+            <a:off x="6519846" y="1954505"/>
+            <a:ext cx="222294" cy="439414"/>
+          </a:xfrm>
+          <a:prstGeom prst="line">
+            <a:avLst/>
+          </a:prstGeom>
+        </p:spPr>
+        <p:style>
+          <a:lnRef idx="1">
+            <a:schemeClr val="dk1"/>
+          </a:lnRef>
+          <a:fillRef idx="0">
+            <a:schemeClr val="dk1"/>
+          </a:fillRef>
+          <a:effectRef idx="0">
+            <a:schemeClr val="dk1"/>
+          </a:effectRef>
+          <a:fontRef idx="minor">
+            <a:schemeClr val="tx1"/>
+          </a:fontRef>
+        </p:style>
+      </p:cxnSp>
+      <p:cxnSp>
+        <p:nvCxnSpPr>
+          <p:cNvPr id="379" name="Straight Arrow Connector 378"/>
+          <p:cNvCxnSpPr>
+            <a:stCxn id="132" idx="0"/>
+          </p:cNvCxnSpPr>
+          <p:nvPr/>
+        </p:nvCxnSpPr>
+        <p:spPr>
           <a:xfrm flipV="1">
-            <a:off x="8037538" y="3202071"/>
-            <a:ext cx="489229" cy="615947"/>
-          </a:xfrm>
-          <a:prstGeom prst="bentConnector2">
+            <a:off x="7585419" y="3829659"/>
+            <a:ext cx="0" cy="243774"/>
+          </a:xfrm>
+          <a:prstGeom prst="straightConnector1">
             <a:avLst/>
           </a:prstGeom>
           <a:ln w="3175" cmpd="sng">
@@ -17495,51 +17333,18 @@
       </p:cxnSp>
       <p:cxnSp>
         <p:nvCxnSpPr>
-          <p:cNvPr id="333" name="Straight Connector 332"/>
+          <p:cNvPr id="426" name="Elbow Connector 425"/>
           <p:cNvCxnSpPr>
-            <a:stCxn id="129" idx="1"/>
-            <a:endCxn id="5" idx="3"/>
+            <a:stCxn id="141" idx="3"/>
           </p:cNvCxnSpPr>
           <p:nvPr/>
         </p:nvCxnSpPr>
         <p:spPr>
-          <a:xfrm flipH="1" flipV="1">
-            <a:off x="6345585" y="1905660"/>
-            <a:ext cx="396555" cy="389718"/>
-          </a:xfrm>
-          <a:prstGeom prst="line">
-            <a:avLst/>
-          </a:prstGeom>
-        </p:spPr>
-        <p:style>
-          <a:lnRef idx="1">
-            <a:schemeClr val="dk1"/>
-          </a:lnRef>
-          <a:fillRef idx="0">
-            <a:schemeClr val="dk1"/>
-          </a:fillRef>
-          <a:effectRef idx="0">
-            <a:schemeClr val="dk1"/>
-          </a:effectRef>
-          <a:fontRef idx="minor">
-            <a:schemeClr val="tx1"/>
-          </a:fontRef>
-        </p:style>
-      </p:cxnSp>
-      <p:cxnSp>
-        <p:nvCxnSpPr>
-          <p:cNvPr id="379" name="Straight Arrow Connector 378"/>
-          <p:cNvCxnSpPr>
-            <a:stCxn id="132" idx="0"/>
-          </p:cNvCxnSpPr>
-          <p:nvPr/>
-        </p:nvCxnSpPr>
-        <p:spPr>
           <a:xfrm flipV="1">
-            <a:off x="7585419" y="3950098"/>
-            <a:ext cx="0" cy="243774"/>
-          </a:xfrm>
-          <a:prstGeom prst="straightConnector1">
+            <a:off x="7710222" y="4965479"/>
+            <a:ext cx="197842" cy="222883"/>
+          </a:xfrm>
+          <a:prstGeom prst="bentConnector2">
             <a:avLst/>
           </a:prstGeom>
           <a:ln w="3175" cmpd="sng">
@@ -17565,19 +17370,21 @@
       </p:cxnSp>
       <p:cxnSp>
         <p:nvCxnSpPr>
-          <p:cNvPr id="426" name="Elbow Connector 425"/>
+          <p:cNvPr id="427" name="Elbow Connector 426"/>
           <p:cNvCxnSpPr>
-            <a:stCxn id="141" idx="3"/>
+            <a:stCxn id="140" idx="3"/>
           </p:cNvCxnSpPr>
           <p:nvPr/>
         </p:nvCxnSpPr>
         <p:spPr>
           <a:xfrm flipV="1">
-            <a:off x="7710222" y="5085918"/>
-            <a:ext cx="197842" cy="222883"/>
-          </a:xfrm>
-          <a:prstGeom prst="bentConnector2">
-            <a:avLst/>
+            <a:off x="7710222" y="4965480"/>
+            <a:ext cx="814996" cy="809316"/>
+          </a:xfrm>
+          <a:prstGeom prst="bentConnector3">
+            <a:avLst>
+              <a:gd name="adj1" fmla="val 98480"/>
+            </a:avLst>
           </a:prstGeom>
           <a:ln w="3175" cmpd="sng">
             <a:prstDash val="lgDash"/>
@@ -17602,21 +17409,19 @@
       </p:cxnSp>
       <p:cxnSp>
         <p:nvCxnSpPr>
-          <p:cNvPr id="427" name="Elbow Connector 426"/>
+          <p:cNvPr id="438" name="Elbow Connector 437"/>
           <p:cNvCxnSpPr>
-            <a:stCxn id="140" idx="3"/>
+            <a:stCxn id="138" idx="3"/>
           </p:cNvCxnSpPr>
           <p:nvPr/>
         </p:nvCxnSpPr>
         <p:spPr>
           <a:xfrm flipV="1">
-            <a:off x="7710222" y="5085919"/>
-            <a:ext cx="814996" cy="809316"/>
-          </a:xfrm>
-          <a:prstGeom prst="bentConnector3">
-            <a:avLst>
-              <a:gd name="adj1" fmla="val 98480"/>
-            </a:avLst>
+            <a:off x="7710222" y="4965479"/>
+            <a:ext cx="1026776" cy="1119116"/>
+          </a:xfrm>
+          <a:prstGeom prst="bentConnector2">
+            <a:avLst/>
           </a:prstGeom>
           <a:ln w="3175" cmpd="sng">
             <a:prstDash val="lgDash"/>
@@ -17641,43 +17446,6 @@
       </p:cxnSp>
       <p:cxnSp>
         <p:nvCxnSpPr>
-          <p:cNvPr id="438" name="Elbow Connector 437"/>
-          <p:cNvCxnSpPr>
-            <a:stCxn id="138" idx="3"/>
-          </p:cNvCxnSpPr>
-          <p:nvPr/>
-        </p:nvCxnSpPr>
-        <p:spPr>
-          <a:xfrm flipV="1">
-            <a:off x="7710222" y="5085918"/>
-            <a:ext cx="1026776" cy="1119116"/>
-          </a:xfrm>
-          <a:prstGeom prst="bentConnector2">
-            <a:avLst/>
-          </a:prstGeom>
-          <a:ln w="3175" cmpd="sng">
-            <a:prstDash val="lgDash"/>
-            <a:tailEnd type="arrow"/>
-          </a:ln>
-          <a:effectLst/>
-        </p:spPr>
-        <p:style>
-          <a:lnRef idx="2">
-            <a:schemeClr val="accent1"/>
-          </a:lnRef>
-          <a:fillRef idx="0">
-            <a:schemeClr val="accent1"/>
-          </a:fillRef>
-          <a:effectRef idx="1">
-            <a:schemeClr val="accent1"/>
-          </a:effectRef>
-          <a:fontRef idx="minor">
-            <a:schemeClr val="tx1"/>
-          </a:fontRef>
-        </p:style>
-      </p:cxnSp>
-      <p:cxnSp>
-        <p:nvCxnSpPr>
           <p:cNvPr id="443" name="Straight Connector 442"/>
           <p:cNvCxnSpPr>
             <a:stCxn id="139" idx="1"/>
@@ -17687,8 +17455,8 @@
         </p:nvCxnSpPr>
         <p:spPr>
           <a:xfrm flipH="1">
-            <a:off x="6345585" y="4972253"/>
-            <a:ext cx="350900" cy="639774"/>
+            <a:off x="6345585" y="4851814"/>
+            <a:ext cx="350900" cy="628825"/>
           </a:xfrm>
           <a:prstGeom prst="line">
             <a:avLst/>
@@ -17720,8 +17488,8 @@
         </p:nvCxnSpPr>
         <p:spPr>
           <a:xfrm flipH="1" flipV="1">
-            <a:off x="6345585" y="5612027"/>
-            <a:ext cx="363600" cy="283208"/>
+            <a:off x="6345585" y="5480639"/>
+            <a:ext cx="363600" cy="294157"/>
           </a:xfrm>
           <a:prstGeom prst="line">
             <a:avLst/>
@@ -17753,8 +17521,8 @@
         </p:nvCxnSpPr>
         <p:spPr>
           <a:xfrm flipH="1" flipV="1">
-            <a:off x="6345585" y="5612027"/>
-            <a:ext cx="353440" cy="593007"/>
+            <a:off x="6345585" y="5480639"/>
+            <a:ext cx="353440" cy="603956"/>
           </a:xfrm>
           <a:prstGeom prst="line">
             <a:avLst/>
@@ -17785,9 +17553,9 @@
           <p:nvPr/>
         </p:nvCxnSpPr>
         <p:spPr>
-          <a:xfrm flipH="1">
-            <a:off x="6345585" y="5603347"/>
-            <a:ext cx="368681" cy="8680"/>
+          <a:xfrm flipH="1" flipV="1">
+            <a:off x="6345585" y="5480639"/>
+            <a:ext cx="368681" cy="2269"/>
           </a:xfrm>
           <a:prstGeom prst="line">
             <a:avLst/>
@@ -17816,7 +17584,7 @@
         </p:nvSpPr>
         <p:spPr>
           <a:xfrm>
-            <a:off x="2824640" y="3298569"/>
+            <a:off x="2824640" y="3537983"/>
             <a:ext cx="1255806" cy="298879"/>
           </a:xfrm>
           <a:prstGeom prst="roundRect">
@@ -17867,7 +17635,7 @@
         <p:spPr>
           <a:xfrm flipV="1">
             <a:off x="4080446" y="640715"/>
-            <a:ext cx="1025620" cy="2807294"/>
+            <a:ext cx="1094005" cy="3046708"/>
           </a:xfrm>
           <a:prstGeom prst="line">
             <a:avLst/>
@@ -17898,9 +17666,9 @@
           <p:nvPr/>
         </p:nvCxnSpPr>
         <p:spPr>
-          <a:xfrm flipV="1">
-            <a:off x="4080446" y="3437862"/>
-            <a:ext cx="1025621" cy="10147"/>
+          <a:xfrm>
+            <a:off x="4080446" y="3687423"/>
+            <a:ext cx="1094004" cy="7315"/>
           </a:xfrm>
           <a:prstGeom prst="line">
             <a:avLst/>
@@ -17932,8 +17700,8 @@
         </p:nvCxnSpPr>
         <p:spPr>
           <a:xfrm>
-            <a:off x="4080446" y="3448009"/>
-            <a:ext cx="1025621" cy="2164018"/>
+            <a:off x="4080446" y="3687423"/>
+            <a:ext cx="1025621" cy="1793216"/>
           </a:xfrm>
           <a:prstGeom prst="line">
             <a:avLst/>
@@ -17964,13 +17732,13 @@
         </p:nvCxnSpPr>
         <p:spPr>
           <a:xfrm flipH="1" flipV="1">
-            <a:off x="8433258" y="1154465"/>
-            <a:ext cx="89421" cy="1551035"/>
+            <a:off x="8461253" y="1154465"/>
+            <a:ext cx="61426" cy="1770015"/>
           </a:xfrm>
           <a:prstGeom prst="bentConnector4">
             <a:avLst>
-              <a:gd name="adj1" fmla="val -255645"/>
-              <a:gd name="adj2" fmla="val 99583"/>
+              <a:gd name="adj1" fmla="val -372155"/>
+              <a:gd name="adj2" fmla="val 99398"/>
             </a:avLst>
           </a:prstGeom>
           <a:ln w="12700" cmpd="sng">
@@ -18072,7 +17840,7 @@
         </p:nvSpPr>
         <p:spPr>
           <a:xfrm>
-            <a:off x="6714266" y="5493707"/>
+            <a:off x="6714266" y="5373268"/>
             <a:ext cx="993917" cy="219279"/>
           </a:xfrm>
           <a:prstGeom prst="roundRect">
@@ -18122,7 +17890,7 @@
         </p:nvCxnSpPr>
         <p:spPr>
           <a:xfrm flipV="1">
-            <a:off x="7708183" y="5085919"/>
+            <a:off x="7708183" y="4965480"/>
             <a:ext cx="387840" cy="517428"/>
           </a:xfrm>
           <a:prstGeom prst="bentConnector2">
@@ -18157,7 +17925,7 @@
         </p:nvSpPr>
         <p:spPr>
           <a:xfrm>
-            <a:off x="1383820" y="1027996"/>
+            <a:off x="1540124" y="1027996"/>
             <a:ext cx="1039129" cy="923330"/>
           </a:xfrm>
           <a:prstGeom prst="rect">
@@ -18217,8 +17985,8 @@
         </p:nvCxnSpPr>
         <p:spPr>
           <a:xfrm flipV="1">
-            <a:off x="2422949" y="660400"/>
-            <a:ext cx="425209" cy="829261"/>
+            <a:off x="2579253" y="660400"/>
+            <a:ext cx="268905" cy="829261"/>
           </a:xfrm>
           <a:prstGeom prst="line">
             <a:avLst/>
@@ -18250,8 +18018,8 @@
         </p:nvCxnSpPr>
         <p:spPr>
           <a:xfrm flipV="1">
-            <a:off x="2422949" y="1488441"/>
-            <a:ext cx="401691" cy="1220"/>
+            <a:off x="2579253" y="1488441"/>
+            <a:ext cx="245387" cy="1220"/>
           </a:xfrm>
           <a:prstGeom prst="line">
             <a:avLst/>
@@ -18283,8 +18051,8 @@
         </p:nvCxnSpPr>
         <p:spPr>
           <a:xfrm>
-            <a:off x="2422949" y="1489661"/>
-            <a:ext cx="402159" cy="896034"/>
+            <a:off x="2579253" y="1489661"/>
+            <a:ext cx="245855" cy="896034"/>
           </a:xfrm>
           <a:prstGeom prst="line">
             <a:avLst/>
@@ -18313,7 +18081,7 @@
         </p:nvSpPr>
         <p:spPr>
           <a:xfrm>
-            <a:off x="1392892" y="4364594"/>
+            <a:off x="1539427" y="4364594"/>
             <a:ext cx="1039129" cy="923330"/>
           </a:xfrm>
           <a:prstGeom prst="rect">
@@ -18374,8 +18142,8 @@
         </p:nvCxnSpPr>
         <p:spPr>
           <a:xfrm flipV="1">
-            <a:off x="2432021" y="3448009"/>
-            <a:ext cx="392619" cy="1378250"/>
+            <a:off x="2578556" y="3687423"/>
+            <a:ext cx="246084" cy="1138836"/>
           </a:xfrm>
           <a:prstGeom prst="line">
             <a:avLst/>
@@ -18407,8 +18175,8 @@
         </p:nvCxnSpPr>
         <p:spPr>
           <a:xfrm>
-            <a:off x="2432021" y="4826259"/>
-            <a:ext cx="392619" cy="6424"/>
+            <a:off x="2578556" y="4826259"/>
+            <a:ext cx="246084" cy="6424"/>
           </a:xfrm>
           <a:prstGeom prst="line">
             <a:avLst/>
@@ -18440,8 +18208,8 @@
         </p:nvCxnSpPr>
         <p:spPr>
           <a:xfrm>
-            <a:off x="2432021" y="4826259"/>
-            <a:ext cx="416137" cy="756768"/>
+            <a:off x="2578556" y="4826259"/>
+            <a:ext cx="269602" cy="647278"/>
           </a:xfrm>
           <a:prstGeom prst="line">
             <a:avLst/>
@@ -18470,7 +18238,7 @@
         </p:nvSpPr>
         <p:spPr>
           <a:xfrm>
-            <a:off x="2934810" y="5938345"/>
+            <a:off x="2934810" y="5806957"/>
             <a:ext cx="3541888" cy="461665"/>
           </a:xfrm>
           <a:prstGeom prst="rect">
@@ -18506,7 +18274,7 @@
         </p:nvCxnSpPr>
         <p:spPr>
           <a:xfrm flipH="1">
-            <a:off x="2681098" y="6276111"/>
+            <a:off x="2681098" y="6144723"/>
             <a:ext cx="263174" cy="0"/>
           </a:xfrm>
           <a:prstGeom prst="straightConnector1">
@@ -18541,7 +18309,7 @@
         </p:nvCxnSpPr>
         <p:spPr>
           <a:xfrm flipH="1">
-            <a:off x="2657392" y="6099544"/>
+            <a:off x="2657392" y="5968156"/>
             <a:ext cx="291815" cy="0"/>
           </a:xfrm>
           <a:prstGeom prst="straightConnector1">
@@ -18576,7 +18344,7 @@
         </p:nvSpPr>
         <p:spPr>
           <a:xfrm>
-            <a:off x="2266988" y="5755312"/>
+            <a:off x="2266988" y="5623924"/>
             <a:ext cx="452017" cy="276999"/>
           </a:xfrm>
           <a:prstGeom prst="rect">
@@ -18605,7 +18373,7 @@
         </p:nvSpPr>
         <p:spPr>
           <a:xfrm>
-            <a:off x="7600809" y="3936224"/>
+            <a:off x="7600809" y="3815785"/>
             <a:ext cx="524302" cy="246221"/>
           </a:xfrm>
           <a:prstGeom prst="rect">
@@ -18634,7 +18402,7 @@
         </p:nvSpPr>
         <p:spPr>
           <a:xfrm>
-            <a:off x="8215570" y="2278458"/>
+            <a:off x="8215570" y="2387948"/>
             <a:ext cx="524302" cy="246221"/>
           </a:xfrm>
           <a:prstGeom prst="rect">
@@ -18721,7 +18489,7 @@
         </p:nvSpPr>
         <p:spPr>
           <a:xfrm>
-            <a:off x="8002465" y="3453828"/>
+            <a:off x="8002465" y="3464777"/>
             <a:ext cx="524302" cy="246221"/>
           </a:xfrm>
           <a:prstGeom prst="rect">
@@ -18750,7 +18518,7 @@
         </p:nvSpPr>
         <p:spPr>
           <a:xfrm>
-            <a:off x="7982532" y="5614209"/>
+            <a:off x="7982532" y="5493770"/>
             <a:ext cx="524302" cy="246221"/>
           </a:xfrm>
           <a:prstGeom prst="rect">
@@ -18808,7 +18576,7 @@
         </p:nvSpPr>
         <p:spPr>
           <a:xfrm>
-            <a:off x="5134481" y="2085686"/>
+            <a:off x="5272139" y="2085686"/>
             <a:ext cx="524302" cy="246221"/>
           </a:xfrm>
           <a:prstGeom prst="rect">
@@ -18837,7 +18605,7 @@
         </p:nvSpPr>
         <p:spPr>
           <a:xfrm>
-            <a:off x="5110963" y="3581218"/>
+            <a:off x="5110963" y="3789249"/>
             <a:ext cx="524302" cy="246221"/>
           </a:xfrm>
           <a:prstGeom prst="rect">
@@ -18866,7 +18634,7 @@
         </p:nvSpPr>
         <p:spPr>
           <a:xfrm>
-            <a:off x="5106066" y="832755"/>
+            <a:off x="5272139" y="814202"/>
             <a:ext cx="524302" cy="246221"/>
           </a:xfrm>
           <a:prstGeom prst="rect">
@@ -18927,8 +18695,8 @@
         </p:nvCxnSpPr>
         <p:spPr>
           <a:xfrm flipH="1">
-            <a:off x="6345585" y="5308801"/>
-            <a:ext cx="358798" cy="303226"/>
+            <a:off x="6345585" y="5188362"/>
+            <a:ext cx="358798" cy="292277"/>
           </a:xfrm>
           <a:prstGeom prst="line">
             <a:avLst/>
@@ -38394,7 +38162,7 @@
         </p:nvSpPr>
         <p:spPr>
           <a:xfrm>
-            <a:off x="3701048" y="2087241"/>
+            <a:off x="3701048" y="2106779"/>
             <a:ext cx="1239519" cy="254000"/>
           </a:xfrm>
           <a:prstGeom prst="roundRect">
@@ -38438,7 +38206,7 @@
         </p:nvSpPr>
         <p:spPr>
           <a:xfrm>
-            <a:off x="3701048" y="3618506"/>
+            <a:off x="3701048" y="3501278"/>
             <a:ext cx="1183743" cy="254000"/>
           </a:xfrm>
           <a:prstGeom prst="roundRect">
@@ -38482,7 +38250,7 @@
         </p:nvSpPr>
         <p:spPr>
           <a:xfrm>
-            <a:off x="3701049" y="5591352"/>
+            <a:off x="3701049" y="5308051"/>
             <a:ext cx="1239518" cy="290520"/>
           </a:xfrm>
           <a:prstGeom prst="roundRect">
@@ -38670,7 +38438,7 @@
         </p:nvSpPr>
         <p:spPr>
           <a:xfrm>
-            <a:off x="5462315" y="1701162"/>
+            <a:off x="5462315" y="1691393"/>
             <a:ext cx="1780539" cy="264160"/>
           </a:xfrm>
           <a:prstGeom prst="roundRect">
@@ -38718,7 +38486,7 @@
         </p:nvSpPr>
         <p:spPr>
           <a:xfrm>
-            <a:off x="5462315" y="2015458"/>
+            <a:off x="5462315" y="2034996"/>
             <a:ext cx="1066800" cy="367664"/>
           </a:xfrm>
           <a:prstGeom prst="roundRect">
@@ -38766,7 +38534,7 @@
         </p:nvSpPr>
         <p:spPr>
           <a:xfrm>
-            <a:off x="5462315" y="2451096"/>
+            <a:off x="5462315" y="2499941"/>
             <a:ext cx="1494679" cy="305726"/>
           </a:xfrm>
           <a:prstGeom prst="roundRect">
@@ -38814,7 +38582,7 @@
         </p:nvSpPr>
         <p:spPr>
           <a:xfrm>
-            <a:off x="5508785" y="3256904"/>
+            <a:off x="5489247" y="3325287"/>
             <a:ext cx="2065978" cy="276861"/>
           </a:xfrm>
           <a:prstGeom prst="roundRect">
@@ -38862,7 +38630,7 @@
         </p:nvSpPr>
         <p:spPr>
           <a:xfrm>
-            <a:off x="5478305" y="4017632"/>
+            <a:off x="5488074" y="3714793"/>
             <a:ext cx="1396998" cy="264160"/>
           </a:xfrm>
           <a:prstGeom prst="roundRect">
@@ -38910,7 +38678,7 @@
         </p:nvGrpSpPr>
         <p:grpSpPr>
           <a:xfrm>
-            <a:off x="5483385" y="4396228"/>
+            <a:off x="5493154" y="4093389"/>
             <a:ext cx="1879598" cy="491491"/>
             <a:chOff x="7721601" y="3576319"/>
             <a:chExt cx="1859278" cy="491491"/>
@@ -39069,7 +38837,7 @@
         </p:nvSpPr>
         <p:spPr>
           <a:xfrm>
-            <a:off x="5508785" y="2910194"/>
+            <a:off x="5489247" y="2978577"/>
             <a:ext cx="1851659" cy="254000"/>
           </a:xfrm>
           <a:prstGeom prst="roundRect">
@@ -39111,14 +38879,14 @@
       </p:sp>
       <p:sp>
         <p:nvSpPr>
-          <p:cNvPr id="58" name="Rounded Rectangle 57"/>
+          <p:cNvPr id="59" name="Rounded Rectangle 58"/>
           <p:cNvSpPr/>
           <p:nvPr/>
         </p:nvSpPr>
         <p:spPr>
           <a:xfrm>
-            <a:off x="5493546" y="3653779"/>
-            <a:ext cx="1178560" cy="227330"/>
+            <a:off x="5536790" y="5970331"/>
+            <a:ext cx="1011197" cy="240573"/>
           </a:xfrm>
           <a:prstGeom prst="roundRect">
             <a:avLst>
@@ -39151,7 +38919,7 @@
             <a:pPr algn="ctr"/>
             <a:r>
               <a:rPr lang="en-US" sz="1000" dirty="0" smtClean="0"/>
-              <a:t>Customer Service</a:t>
+              <a:t>Confidentiality</a:t>
             </a:r>
             <a:endParaRPr lang="en-US" sz="1000" dirty="0"/>
           </a:p>
@@ -39159,14 +38927,14 @@
       </p:sp>
       <p:sp>
         <p:nvSpPr>
-          <p:cNvPr id="59" name="Rounded Rectangle 58"/>
+          <p:cNvPr id="60" name="Rounded Rectangle 59"/>
           <p:cNvSpPr/>
           <p:nvPr/>
         </p:nvSpPr>
         <p:spPr>
           <a:xfrm>
-            <a:off x="5536790" y="6253632"/>
-            <a:ext cx="1011197" cy="240573"/>
+            <a:off x="5534250" y="4744172"/>
+            <a:ext cx="2098997" cy="227330"/>
           </a:xfrm>
           <a:prstGeom prst="roundRect">
             <a:avLst>
@@ -39199,7 +38967,7 @@
             <a:pPr algn="ctr"/>
             <a:r>
               <a:rPr lang="en-US" sz="1000" dirty="0" smtClean="0"/>
-              <a:t>Confidentiality</a:t>
+              <a:t>Safety</a:t>
             </a:r>
             <a:endParaRPr lang="en-US" sz="1000" dirty="0"/>
           </a:p>
@@ -39207,14 +38975,14 @@
       </p:sp>
       <p:sp>
         <p:nvSpPr>
-          <p:cNvPr id="60" name="Rounded Rectangle 59"/>
+          <p:cNvPr id="61" name="Rounded Rectangle 60"/>
           <p:cNvSpPr/>
           <p:nvPr/>
         </p:nvSpPr>
         <p:spPr>
           <a:xfrm>
-            <a:off x="5534250" y="5027473"/>
-            <a:ext cx="2098997" cy="227330"/>
+            <a:off x="5546950" y="5667154"/>
+            <a:ext cx="1001037" cy="227330"/>
           </a:xfrm>
           <a:prstGeom prst="roundRect">
             <a:avLst>
@@ -39247,54 +39015,6 @@
             <a:pPr algn="ctr"/>
             <a:r>
               <a:rPr lang="en-US" sz="1000" dirty="0" smtClean="0"/>
-              <a:t>Safety</a:t>
-            </a:r>
-            <a:endParaRPr lang="en-US" sz="1000" dirty="0"/>
-          </a:p>
-        </p:txBody>
-      </p:sp>
-      <p:sp>
-        <p:nvSpPr>
-          <p:cNvPr id="61" name="Rounded Rectangle 60"/>
-          <p:cNvSpPr/>
-          <p:nvPr/>
-        </p:nvSpPr>
-        <p:spPr>
-          <a:xfrm>
-            <a:off x="5546950" y="5950455"/>
-            <a:ext cx="1001037" cy="227330"/>
-          </a:xfrm>
-          <a:prstGeom prst="roundRect">
-            <a:avLst>
-              <a:gd name="adj" fmla="val 0"/>
-            </a:avLst>
-          </a:prstGeom>
-          <a:solidFill>
-            <a:schemeClr val="lt1"/>
-          </a:solidFill>
-          <a:ln w="12700"/>
-        </p:spPr>
-        <p:style>
-          <a:lnRef idx="2">
-            <a:schemeClr val="dk1"/>
-          </a:lnRef>
-          <a:fillRef idx="1">
-            <a:schemeClr val="lt1"/>
-          </a:fillRef>
-          <a:effectRef idx="0">
-            <a:schemeClr val="dk1"/>
-          </a:effectRef>
-          <a:fontRef idx="minor">
-            <a:schemeClr val="dk1"/>
-          </a:fontRef>
-        </p:style>
-        <p:txBody>
-          <a:bodyPr rtlCol="0" anchor="ctr"/>
-          <a:lstStyle/>
-          <a:p>
-            <a:pPr algn="ctr"/>
-            <a:r>
-              <a:rPr lang="en-US" sz="1000" dirty="0" smtClean="0"/>
               <a:t>Integrity</a:t>
             </a:r>
             <a:endParaRPr lang="en-US" sz="1000" dirty="0"/>
@@ -39309,7 +39029,7 @@
         </p:nvSpPr>
         <p:spPr>
           <a:xfrm>
-            <a:off x="5542148" y="5364021"/>
+            <a:off x="5542148" y="5080720"/>
             <a:ext cx="1005839" cy="227330"/>
           </a:xfrm>
           <a:prstGeom prst="roundRect">
@@ -39459,8 +39179,8 @@
         </p:nvCxnSpPr>
         <p:spPr>
           <a:xfrm flipH="1">
-            <a:off x="4940567" y="1833242"/>
-            <a:ext cx="521748" cy="380999"/>
+            <a:off x="4940567" y="1823473"/>
+            <a:ext cx="521748" cy="410306"/>
           </a:xfrm>
           <a:prstGeom prst="line">
             <a:avLst/>
@@ -39492,7 +39212,7 @@
         </p:nvCxnSpPr>
         <p:spPr>
           <a:xfrm flipH="1">
-            <a:off x="4940567" y="2199290"/>
+            <a:off x="4940567" y="2218828"/>
             <a:ext cx="521748" cy="14951"/>
           </a:xfrm>
           <a:prstGeom prst="line">
@@ -39525,8 +39245,8 @@
         </p:nvCxnSpPr>
         <p:spPr>
           <a:xfrm flipH="1">
-            <a:off x="4884791" y="3395335"/>
-            <a:ext cx="623994" cy="350171"/>
+            <a:off x="4884791" y="3463718"/>
+            <a:ext cx="604456" cy="164560"/>
           </a:xfrm>
           <a:prstGeom prst="line">
             <a:avLst/>
@@ -39558,8 +39278,8 @@
         </p:nvCxnSpPr>
         <p:spPr>
           <a:xfrm flipH="1">
-            <a:off x="4884791" y="3037194"/>
-            <a:ext cx="623994" cy="708312"/>
+            <a:off x="4884791" y="3105577"/>
+            <a:ext cx="604456" cy="522701"/>
           </a:xfrm>
           <a:prstGeom prst="line">
             <a:avLst/>
@@ -39591,41 +39311,8 @@
         </p:nvCxnSpPr>
         <p:spPr>
           <a:xfrm flipH="1" flipV="1">
-            <a:off x="4884791" y="3745506"/>
-            <a:ext cx="593514" cy="404206"/>
-          </a:xfrm>
-          <a:prstGeom prst="line">
-            <a:avLst/>
-          </a:prstGeom>
-        </p:spPr>
-        <p:style>
-          <a:lnRef idx="1">
-            <a:schemeClr val="dk1"/>
-          </a:lnRef>
-          <a:fillRef idx="0">
-            <a:schemeClr val="dk1"/>
-          </a:fillRef>
-          <a:effectRef idx="0">
-            <a:schemeClr val="dk1"/>
-          </a:effectRef>
-          <a:fontRef idx="minor">
-            <a:schemeClr val="tx1"/>
-          </a:fontRef>
-        </p:style>
-      </p:cxnSp>
-      <p:cxnSp>
-        <p:nvCxnSpPr>
-          <p:cNvPr id="76" name="Straight Connector 75"/>
-          <p:cNvCxnSpPr>
-            <a:stCxn id="58" idx="1"/>
-            <a:endCxn id="43" idx="3"/>
-          </p:cNvCxnSpPr>
-          <p:nvPr/>
-        </p:nvCxnSpPr>
-        <p:spPr>
-          <a:xfrm flipH="1" flipV="1">
-            <a:off x="4884791" y="3745506"/>
-            <a:ext cx="608755" cy="21938"/>
+            <a:off x="4884791" y="3628278"/>
+            <a:ext cx="603283" cy="218595"/>
           </a:xfrm>
           <a:prstGeom prst="line">
             <a:avLst/>
@@ -39657,8 +39344,8 @@
         </p:nvCxnSpPr>
         <p:spPr>
           <a:xfrm flipH="1" flipV="1">
-            <a:off x="4884791" y="3745506"/>
-            <a:ext cx="598594" cy="781215"/>
+            <a:off x="4884791" y="3628278"/>
+            <a:ext cx="608363" cy="595604"/>
           </a:xfrm>
           <a:prstGeom prst="line">
             <a:avLst/>
@@ -39690,8 +39377,8 @@
         </p:nvCxnSpPr>
         <p:spPr>
           <a:xfrm flipH="1" flipV="1">
-            <a:off x="4940567" y="2214241"/>
-            <a:ext cx="521748" cy="389718"/>
+            <a:off x="4940567" y="2233779"/>
+            <a:ext cx="521748" cy="419025"/>
           </a:xfrm>
           <a:prstGeom prst="line">
             <a:avLst/>
@@ -39723,7 +39410,7 @@
         </p:nvCxnSpPr>
         <p:spPr>
           <a:xfrm flipH="1">
-            <a:off x="4940567" y="5141138"/>
+            <a:off x="4940567" y="4857837"/>
             <a:ext cx="593683" cy="595474"/>
           </a:xfrm>
           <a:prstGeom prst="line">
@@ -39756,7 +39443,7 @@
         </p:nvCxnSpPr>
         <p:spPr>
           <a:xfrm flipH="1" flipV="1">
-            <a:off x="4940567" y="5736612"/>
+            <a:off x="4940567" y="5453311"/>
             <a:ext cx="606383" cy="327508"/>
           </a:xfrm>
           <a:prstGeom prst="line">
@@ -39789,7 +39476,7 @@
         </p:nvCxnSpPr>
         <p:spPr>
           <a:xfrm flipH="1" flipV="1">
-            <a:off x="4940567" y="5736612"/>
+            <a:off x="4940567" y="5453311"/>
             <a:ext cx="596223" cy="637307"/>
           </a:xfrm>
           <a:prstGeom prst="line">
@@ -39822,7 +39509,7 @@
         </p:nvCxnSpPr>
         <p:spPr>
           <a:xfrm flipH="1" flipV="1">
-            <a:off x="4940567" y="5736612"/>
+            <a:off x="4940567" y="5453311"/>
             <a:ext cx="611464" cy="35620"/>
           </a:xfrm>
           <a:prstGeom prst="line">
@@ -39852,7 +39539,7 @@
         </p:nvSpPr>
         <p:spPr>
           <a:xfrm>
-            <a:off x="5552031" y="5662592"/>
+            <a:off x="5552031" y="5379291"/>
             <a:ext cx="993917" cy="219279"/>
           </a:xfrm>
           <a:prstGeom prst="roundRect">
@@ -39903,7 +39590,7 @@
         </p:nvCxnSpPr>
         <p:spPr>
           <a:xfrm flipH="1">
-            <a:off x="4940567" y="5477686"/>
+            <a:off x="4940567" y="5194385"/>
             <a:ext cx="601581" cy="258926"/>
           </a:xfrm>
           <a:prstGeom prst="line">

--- a/model.pptx
+++ b/model.pptx
@@ -4,6 +4,9 @@
   <p:sldMasterIdLst>
     <p:sldMasterId id="2147483648" r:id="rId1"/>
   </p:sldMasterIdLst>
+  <p:notesMasterIdLst>
+    <p:notesMasterId r:id="rId25"/>
+  </p:notesMasterIdLst>
   <p:sldIdLst>
     <p:sldId id="262" r:id="rId2"/>
     <p:sldId id="267" r:id="rId3"/>
@@ -129,6 +132,440 @@
 </p:presentation>
 </file>
 
+<file path=ppt/notesMasters/notesMaster1.xml><?xml version="1.0" encoding="utf-8"?>
+<p:notesMaster xmlns:a="http://schemas.openxmlformats.org/drawingml/2006/main" xmlns:r="http://schemas.openxmlformats.org/officeDocument/2006/relationships" xmlns:p="http://schemas.openxmlformats.org/presentationml/2006/main">
+  <p:cSld>
+    <p:bg>
+      <p:bgRef idx="1001">
+        <a:schemeClr val="bg1"/>
+      </p:bgRef>
+    </p:bg>
+    <p:spTree>
+      <p:nvGrpSpPr>
+        <p:cNvPr id="1" name=""/>
+        <p:cNvGrpSpPr/>
+        <p:nvPr/>
+      </p:nvGrpSpPr>
+      <p:grpSpPr>
+        <a:xfrm>
+          <a:off x="0" y="0"/>
+          <a:ext cx="0" cy="0"/>
+          <a:chOff x="0" y="0"/>
+          <a:chExt cx="0" cy="0"/>
+        </a:xfrm>
+      </p:grpSpPr>
+      <p:sp>
+        <p:nvSpPr>
+          <p:cNvPr id="2" name="Header Placeholder 1"/>
+          <p:cNvSpPr>
+            <a:spLocks noGrp="1"/>
+          </p:cNvSpPr>
+          <p:nvPr>
+            <p:ph type="hdr" sz="quarter"/>
+          </p:nvPr>
+        </p:nvSpPr>
+        <p:spPr>
+          <a:xfrm>
+            <a:off x="0" y="0"/>
+            <a:ext cx="2971800" cy="457200"/>
+          </a:xfrm>
+          <a:prstGeom prst="rect">
+            <a:avLst/>
+          </a:prstGeom>
+        </p:spPr>
+        <p:txBody>
+          <a:bodyPr vert="horz" lIns="91440" tIns="45720" rIns="91440" bIns="45720" rtlCol="0"/>
+          <a:lstStyle>
+            <a:lvl1pPr algn="l">
+              <a:defRPr sz="1200"/>
+            </a:lvl1pPr>
+          </a:lstStyle>
+          <a:p>
+            <a:endParaRPr lang="en-US"/>
+          </a:p>
+        </p:txBody>
+      </p:sp>
+      <p:sp>
+        <p:nvSpPr>
+          <p:cNvPr id="3" name="Date Placeholder 2"/>
+          <p:cNvSpPr>
+            <a:spLocks noGrp="1"/>
+          </p:cNvSpPr>
+          <p:nvPr>
+            <p:ph type="dt" idx="1"/>
+          </p:nvPr>
+        </p:nvSpPr>
+        <p:spPr>
+          <a:xfrm>
+            <a:off x="3884613" y="0"/>
+            <a:ext cx="2971800" cy="457200"/>
+          </a:xfrm>
+          <a:prstGeom prst="rect">
+            <a:avLst/>
+          </a:prstGeom>
+        </p:spPr>
+        <p:txBody>
+          <a:bodyPr vert="horz" lIns="91440" tIns="45720" rIns="91440" bIns="45720" rtlCol="0"/>
+          <a:lstStyle>
+            <a:lvl1pPr algn="r">
+              <a:defRPr sz="1200"/>
+            </a:lvl1pPr>
+          </a:lstStyle>
+          <a:p>
+            <a:fld id="{38F47E4F-D071-144D-90E1-7DE722D5B9D7}" type="datetimeFigureOut">
+              <a:rPr lang="en-US" smtClean="0"/>
+              <a:t>19/08/16</a:t>
+            </a:fld>
+            <a:endParaRPr lang="en-US"/>
+          </a:p>
+        </p:txBody>
+      </p:sp>
+      <p:sp>
+        <p:nvSpPr>
+          <p:cNvPr id="4" name="Slide Image Placeholder 3"/>
+          <p:cNvSpPr>
+            <a:spLocks noGrp="1" noRot="1" noChangeAspect="1"/>
+          </p:cNvSpPr>
+          <p:nvPr>
+            <p:ph type="sldImg" idx="2"/>
+          </p:nvPr>
+        </p:nvSpPr>
+        <p:spPr>
+          <a:xfrm>
+            <a:off x="1143000" y="685800"/>
+            <a:ext cx="4572000" cy="3429000"/>
+          </a:xfrm>
+          <a:prstGeom prst="rect">
+            <a:avLst/>
+          </a:prstGeom>
+          <a:noFill/>
+          <a:ln w="12700">
+            <a:solidFill>
+              <a:prstClr val="black"/>
+            </a:solidFill>
+          </a:ln>
+        </p:spPr>
+        <p:txBody>
+          <a:bodyPr vert="horz" lIns="91440" tIns="45720" rIns="91440" bIns="45720" rtlCol="0" anchor="ctr"/>
+          <a:lstStyle/>
+          <a:p>
+            <a:endParaRPr lang="en-US"/>
+          </a:p>
+        </p:txBody>
+      </p:sp>
+      <p:sp>
+        <p:nvSpPr>
+          <p:cNvPr id="5" name="Notes Placeholder 4"/>
+          <p:cNvSpPr>
+            <a:spLocks noGrp="1"/>
+          </p:cNvSpPr>
+          <p:nvPr>
+            <p:ph type="body" sz="quarter" idx="3"/>
+          </p:nvPr>
+        </p:nvSpPr>
+        <p:spPr>
+          <a:xfrm>
+            <a:off x="685800" y="4343400"/>
+            <a:ext cx="5486400" cy="4114800"/>
+          </a:xfrm>
+          <a:prstGeom prst="rect">
+            <a:avLst/>
+          </a:prstGeom>
+        </p:spPr>
+        <p:txBody>
+          <a:bodyPr vert="horz" lIns="91440" tIns="45720" rIns="91440" bIns="45720" rtlCol="0"/>
+          <a:lstStyle/>
+          <a:p>
+            <a:pPr lvl="0"/>
+            <a:r>
+              <a:rPr lang="x-none" smtClean="0"/>
+              <a:t>Click to edit Master text styles</a:t>
+            </a:r>
+          </a:p>
+          <a:p>
+            <a:pPr lvl="1"/>
+            <a:r>
+              <a:rPr lang="x-none" smtClean="0"/>
+              <a:t>Second level</a:t>
+            </a:r>
+          </a:p>
+          <a:p>
+            <a:pPr lvl="2"/>
+            <a:r>
+              <a:rPr lang="x-none" smtClean="0"/>
+              <a:t>Third level</a:t>
+            </a:r>
+          </a:p>
+          <a:p>
+            <a:pPr lvl="3"/>
+            <a:r>
+              <a:rPr lang="x-none" smtClean="0"/>
+              <a:t>Fourth level</a:t>
+            </a:r>
+          </a:p>
+          <a:p>
+            <a:pPr lvl="4"/>
+            <a:r>
+              <a:rPr lang="x-none" smtClean="0"/>
+              <a:t>Fifth level</a:t>
+            </a:r>
+            <a:endParaRPr lang="en-US"/>
+          </a:p>
+        </p:txBody>
+      </p:sp>
+      <p:sp>
+        <p:nvSpPr>
+          <p:cNvPr id="6" name="Footer Placeholder 5"/>
+          <p:cNvSpPr>
+            <a:spLocks noGrp="1"/>
+          </p:cNvSpPr>
+          <p:nvPr>
+            <p:ph type="ftr" sz="quarter" idx="4"/>
+          </p:nvPr>
+        </p:nvSpPr>
+        <p:spPr>
+          <a:xfrm>
+            <a:off x="0" y="8685213"/>
+            <a:ext cx="2971800" cy="457200"/>
+          </a:xfrm>
+          <a:prstGeom prst="rect">
+            <a:avLst/>
+          </a:prstGeom>
+        </p:spPr>
+        <p:txBody>
+          <a:bodyPr vert="horz" lIns="91440" tIns="45720" rIns="91440" bIns="45720" rtlCol="0" anchor="b"/>
+          <a:lstStyle>
+            <a:lvl1pPr algn="l">
+              <a:defRPr sz="1200"/>
+            </a:lvl1pPr>
+          </a:lstStyle>
+          <a:p>
+            <a:endParaRPr lang="en-US"/>
+          </a:p>
+        </p:txBody>
+      </p:sp>
+      <p:sp>
+        <p:nvSpPr>
+          <p:cNvPr id="7" name="Slide Number Placeholder 6"/>
+          <p:cNvSpPr>
+            <a:spLocks noGrp="1"/>
+          </p:cNvSpPr>
+          <p:nvPr>
+            <p:ph type="sldNum" sz="quarter" idx="5"/>
+          </p:nvPr>
+        </p:nvSpPr>
+        <p:spPr>
+          <a:xfrm>
+            <a:off x="3884613" y="8685213"/>
+            <a:ext cx="2971800" cy="457200"/>
+          </a:xfrm>
+          <a:prstGeom prst="rect">
+            <a:avLst/>
+          </a:prstGeom>
+        </p:spPr>
+        <p:txBody>
+          <a:bodyPr vert="horz" lIns="91440" tIns="45720" rIns="91440" bIns="45720" rtlCol="0" anchor="b"/>
+          <a:lstStyle>
+            <a:lvl1pPr algn="r">
+              <a:defRPr sz="1200"/>
+            </a:lvl1pPr>
+          </a:lstStyle>
+          <a:p>
+            <a:fld id="{94A11B02-4A6E-3F4E-9C80-F33BAD617D29}" type="slidenum">
+              <a:rPr lang="en-US" smtClean="0"/>
+              <a:t>‹#›</a:t>
+            </a:fld>
+            <a:endParaRPr lang="en-US"/>
+          </a:p>
+        </p:txBody>
+      </p:sp>
+    </p:spTree>
+    <p:extLst>
+      <p:ext uri="{BB962C8B-B14F-4D97-AF65-F5344CB8AC3E}">
+        <p14:creationId xmlns:p14="http://schemas.microsoft.com/office/powerpoint/2010/main" val="3207484878"/>
+      </p:ext>
+    </p:extLst>
+  </p:cSld>
+  <p:clrMap bg1="lt1" tx1="dk1" bg2="lt2" tx2="dk2" accent1="accent1" accent2="accent2" accent3="accent3" accent4="accent4" accent5="accent5" accent6="accent6" hlink="hlink" folHlink="folHlink"/>
+  <p:notesStyle>
+    <a:lvl1pPr marL="0" algn="l" defTabSz="457200" rtl="0" eaLnBrk="1" latinLnBrk="0" hangingPunct="1">
+      <a:defRPr sz="1200" kern="1200">
+        <a:solidFill>
+          <a:schemeClr val="tx1"/>
+        </a:solidFill>
+        <a:latin typeface="+mn-lt"/>
+        <a:ea typeface="+mn-ea"/>
+        <a:cs typeface="+mn-cs"/>
+      </a:defRPr>
+    </a:lvl1pPr>
+    <a:lvl2pPr marL="457200" algn="l" defTabSz="457200" rtl="0" eaLnBrk="1" latinLnBrk="0" hangingPunct="1">
+      <a:defRPr sz="1200" kern="1200">
+        <a:solidFill>
+          <a:schemeClr val="tx1"/>
+        </a:solidFill>
+        <a:latin typeface="+mn-lt"/>
+        <a:ea typeface="+mn-ea"/>
+        <a:cs typeface="+mn-cs"/>
+      </a:defRPr>
+    </a:lvl2pPr>
+    <a:lvl3pPr marL="914400" algn="l" defTabSz="457200" rtl="0" eaLnBrk="1" latinLnBrk="0" hangingPunct="1">
+      <a:defRPr sz="1200" kern="1200">
+        <a:solidFill>
+          <a:schemeClr val="tx1"/>
+        </a:solidFill>
+        <a:latin typeface="+mn-lt"/>
+        <a:ea typeface="+mn-ea"/>
+        <a:cs typeface="+mn-cs"/>
+      </a:defRPr>
+    </a:lvl3pPr>
+    <a:lvl4pPr marL="1371600" algn="l" defTabSz="457200" rtl="0" eaLnBrk="1" latinLnBrk="0" hangingPunct="1">
+      <a:defRPr sz="1200" kern="1200">
+        <a:solidFill>
+          <a:schemeClr val="tx1"/>
+        </a:solidFill>
+        <a:latin typeface="+mn-lt"/>
+        <a:ea typeface="+mn-ea"/>
+        <a:cs typeface="+mn-cs"/>
+      </a:defRPr>
+    </a:lvl4pPr>
+    <a:lvl5pPr marL="1828800" algn="l" defTabSz="457200" rtl="0" eaLnBrk="1" latinLnBrk="0" hangingPunct="1">
+      <a:defRPr sz="1200" kern="1200">
+        <a:solidFill>
+          <a:schemeClr val="tx1"/>
+        </a:solidFill>
+        <a:latin typeface="+mn-lt"/>
+        <a:ea typeface="+mn-ea"/>
+        <a:cs typeface="+mn-cs"/>
+      </a:defRPr>
+    </a:lvl5pPr>
+    <a:lvl6pPr marL="2286000" algn="l" defTabSz="457200" rtl="0" eaLnBrk="1" latinLnBrk="0" hangingPunct="1">
+      <a:defRPr sz="1200" kern="1200">
+        <a:solidFill>
+          <a:schemeClr val="tx1"/>
+        </a:solidFill>
+        <a:latin typeface="+mn-lt"/>
+        <a:ea typeface="+mn-ea"/>
+        <a:cs typeface="+mn-cs"/>
+      </a:defRPr>
+    </a:lvl6pPr>
+    <a:lvl7pPr marL="2743200" algn="l" defTabSz="457200" rtl="0" eaLnBrk="1" latinLnBrk="0" hangingPunct="1">
+      <a:defRPr sz="1200" kern="1200">
+        <a:solidFill>
+          <a:schemeClr val="tx1"/>
+        </a:solidFill>
+        <a:latin typeface="+mn-lt"/>
+        <a:ea typeface="+mn-ea"/>
+        <a:cs typeface="+mn-cs"/>
+      </a:defRPr>
+    </a:lvl7pPr>
+    <a:lvl8pPr marL="3200400" algn="l" defTabSz="457200" rtl="0" eaLnBrk="1" latinLnBrk="0" hangingPunct="1">
+      <a:defRPr sz="1200" kern="1200">
+        <a:solidFill>
+          <a:schemeClr val="tx1"/>
+        </a:solidFill>
+        <a:latin typeface="+mn-lt"/>
+        <a:ea typeface="+mn-ea"/>
+        <a:cs typeface="+mn-cs"/>
+      </a:defRPr>
+    </a:lvl8pPr>
+    <a:lvl9pPr marL="3657600" algn="l" defTabSz="457200" rtl="0" eaLnBrk="1" latinLnBrk="0" hangingPunct="1">
+      <a:defRPr sz="1200" kern="1200">
+        <a:solidFill>
+          <a:schemeClr val="tx1"/>
+        </a:solidFill>
+        <a:latin typeface="+mn-lt"/>
+        <a:ea typeface="+mn-ea"/>
+        <a:cs typeface="+mn-cs"/>
+      </a:defRPr>
+    </a:lvl9pPr>
+  </p:notesStyle>
+</p:notesMaster>
+</file>
+
+<file path=ppt/notesSlides/notesSlide1.xml><?xml version="1.0" encoding="utf-8"?>
+<p:notes xmlns:a="http://schemas.openxmlformats.org/drawingml/2006/main" xmlns:r="http://schemas.openxmlformats.org/officeDocument/2006/relationships" xmlns:p="http://schemas.openxmlformats.org/presentationml/2006/main">
+  <p:cSld>
+    <p:spTree>
+      <p:nvGrpSpPr>
+        <p:cNvPr id="1" name=""/>
+        <p:cNvGrpSpPr/>
+        <p:nvPr/>
+      </p:nvGrpSpPr>
+      <p:grpSpPr>
+        <a:xfrm>
+          <a:off x="0" y="0"/>
+          <a:ext cx="0" cy="0"/>
+          <a:chOff x="0" y="0"/>
+          <a:chExt cx="0" cy="0"/>
+        </a:xfrm>
+      </p:grpSpPr>
+      <p:sp>
+        <p:nvSpPr>
+          <p:cNvPr id="2" name="Slide Image Placeholder 1"/>
+          <p:cNvSpPr>
+            <a:spLocks noGrp="1" noRot="1" noChangeAspect="1"/>
+          </p:cNvSpPr>
+          <p:nvPr>
+            <p:ph type="sldImg"/>
+          </p:nvPr>
+        </p:nvSpPr>
+        <p:spPr/>
+      </p:sp>
+      <p:sp>
+        <p:nvSpPr>
+          <p:cNvPr id="3" name="Notes Placeholder 2"/>
+          <p:cNvSpPr>
+            <a:spLocks noGrp="1"/>
+          </p:cNvSpPr>
+          <p:nvPr>
+            <p:ph type="body" idx="1"/>
+          </p:nvPr>
+        </p:nvSpPr>
+        <p:spPr/>
+        <p:txBody>
+          <a:bodyPr/>
+          <a:lstStyle/>
+          <a:p>
+            <a:endParaRPr lang="en-US"/>
+          </a:p>
+        </p:txBody>
+      </p:sp>
+      <p:sp>
+        <p:nvSpPr>
+          <p:cNvPr id="4" name="Slide Number Placeholder 3"/>
+          <p:cNvSpPr>
+            <a:spLocks noGrp="1"/>
+          </p:cNvSpPr>
+          <p:nvPr>
+            <p:ph type="sldNum" sz="quarter" idx="10"/>
+          </p:nvPr>
+        </p:nvSpPr>
+        <p:spPr/>
+        <p:txBody>
+          <a:bodyPr/>
+          <a:lstStyle/>
+          <a:p>
+            <a:fld id="{94A11B02-4A6E-3F4E-9C80-F33BAD617D29}" type="slidenum">
+              <a:rPr lang="en-US" smtClean="0"/>
+              <a:t>14</a:t>
+            </a:fld>
+            <a:endParaRPr lang="en-US"/>
+          </a:p>
+        </p:txBody>
+      </p:sp>
+    </p:spTree>
+    <p:extLst>
+      <p:ext uri="{BB962C8B-B14F-4D97-AF65-F5344CB8AC3E}">
+        <p14:creationId xmlns:p14="http://schemas.microsoft.com/office/powerpoint/2010/main" val="3726598213"/>
+      </p:ext>
+    </p:extLst>
+  </p:cSld>
+  <p:clrMapOvr>
+    <a:masterClrMapping/>
+  </p:clrMapOvr>
+</p:notes>
+</file>
+
 <file path=ppt/slideLayouts/slideLayout1.xml><?xml version="1.0" encoding="utf-8"?>
 <p:sldLayout xmlns:a="http://schemas.openxmlformats.org/drawingml/2006/main" xmlns:r="http://schemas.openxmlformats.org/officeDocument/2006/relationships" xmlns:p="http://schemas.openxmlformats.org/presentationml/2006/main" type="title" preserve="1">
   <p:cSld name="Title Slide">
@@ -3850,7 +4287,7 @@
           <a:graphicData uri="http://schemas.openxmlformats.org/presentationml/2006/ole">
             <mc:AlternateContent xmlns:mc="http://schemas.openxmlformats.org/markup-compatibility/2006">
               <mc:Choice xmlns:v="urn:schemas-microsoft-com:vml" Requires="v">
-                <p:oleObj spid="_x0000_s1141" name="Equation" r:id="rId3" imgW="3771900" imgH="203200" progId="Equation.3">
+                <p:oleObj spid="_x0000_s1142" name="Equation" r:id="rId3" imgW="3771900" imgH="203200" progId="Equation.3">
                   <p:embed/>
                 </p:oleObj>
               </mc:Choice>
@@ -39950,4 +40387,324 @@
   </a:objectDefaults>
   <a:extraClrSchemeLst/>
 </a:theme>
+</file>
+
+<file path=ppt/theme/theme2.xml><?xml version="1.0" encoding="utf-8"?>
+<a:theme xmlns:a="http://schemas.openxmlformats.org/drawingml/2006/main" name="Office Theme">
+  <a:themeElements>
+    <a:clrScheme name="Office">
+      <a:dk1>
+        <a:sysClr val="windowText" lastClr="000000"/>
+      </a:dk1>
+      <a:lt1>
+        <a:sysClr val="window" lastClr="FFFFFF"/>
+      </a:lt1>
+      <a:dk2>
+        <a:srgbClr val="1F497D"/>
+      </a:dk2>
+      <a:lt2>
+        <a:srgbClr val="EEECE1"/>
+      </a:lt2>
+      <a:accent1>
+        <a:srgbClr val="4F81BD"/>
+      </a:accent1>
+      <a:accent2>
+        <a:srgbClr val="C0504D"/>
+      </a:accent2>
+      <a:accent3>
+        <a:srgbClr val="9BBB59"/>
+      </a:accent3>
+      <a:accent4>
+        <a:srgbClr val="8064A2"/>
+      </a:accent4>
+      <a:accent5>
+        <a:srgbClr val="4BACC6"/>
+      </a:accent5>
+      <a:accent6>
+        <a:srgbClr val="F79646"/>
+      </a:accent6>
+      <a:hlink>
+        <a:srgbClr val="0000FF"/>
+      </a:hlink>
+      <a:folHlink>
+        <a:srgbClr val="800080"/>
+      </a:folHlink>
+    </a:clrScheme>
+    <a:fontScheme name="Office">
+      <a:majorFont>
+        <a:latin typeface="Calibri"/>
+        <a:ea typeface=""/>
+        <a:cs typeface=""/>
+        <a:font script="Jpan" typeface="ＭＳ Ｐゴシック"/>
+        <a:font script="Hang" typeface="맑은 고딕"/>
+        <a:font script="Hans" typeface="宋体"/>
+        <a:font script="Hant" typeface="新細明體"/>
+        <a:font script="Arab" typeface="Times New Roman"/>
+        <a:font script="Hebr" typeface="Times New Roman"/>
+        <a:font script="Thai" typeface="Angsana New"/>
+        <a:font script="Ethi" typeface="Nyala"/>
+        <a:font script="Beng" typeface="Vrinda"/>
+        <a:font script="Gujr" typeface="Shruti"/>
+        <a:font script="Khmr" typeface="MoolBoran"/>
+        <a:font script="Knda" typeface="Tunga"/>
+        <a:font script="Guru" typeface="Raavi"/>
+        <a:font script="Cans" typeface="Euphemia"/>
+        <a:font script="Cher" typeface="Plantagenet Cherokee"/>
+        <a:font script="Yiii" typeface="Microsoft Yi Baiti"/>
+        <a:font script="Tibt" typeface="Microsoft Himalaya"/>
+        <a:font script="Thaa" typeface="MV Boli"/>
+        <a:font script="Deva" typeface="Mangal"/>
+        <a:font script="Telu" typeface="Gautami"/>
+        <a:font script="Taml" typeface="Latha"/>
+        <a:font script="Syrc" typeface="Estrangelo Edessa"/>
+        <a:font script="Orya" typeface="Kalinga"/>
+        <a:font script="Mlym" typeface="Kartika"/>
+        <a:font script="Laoo" typeface="DokChampa"/>
+        <a:font script="Sinh" typeface="Iskoola Pota"/>
+        <a:font script="Mong" typeface="Mongolian Baiti"/>
+        <a:font script="Viet" typeface="Times New Roman"/>
+        <a:font script="Uigh" typeface="Microsoft Uighur"/>
+        <a:font script="Geor" typeface="Sylfaen"/>
+      </a:majorFont>
+      <a:minorFont>
+        <a:latin typeface="Calibri"/>
+        <a:ea typeface=""/>
+        <a:cs typeface=""/>
+        <a:font script="Jpan" typeface="ＭＳ Ｐゴシック"/>
+        <a:font script="Hang" typeface="맑은 고딕"/>
+        <a:font script="Hans" typeface="宋体"/>
+        <a:font script="Hant" typeface="新細明體"/>
+        <a:font script="Arab" typeface="Arial"/>
+        <a:font script="Hebr" typeface="Arial"/>
+        <a:font script="Thai" typeface="Cordia New"/>
+        <a:font script="Ethi" typeface="Nyala"/>
+        <a:font script="Beng" typeface="Vrinda"/>
+        <a:font script="Gujr" typeface="Shruti"/>
+        <a:font script="Khmr" typeface="DaunPenh"/>
+        <a:font script="Knda" typeface="Tunga"/>
+        <a:font script="Guru" typeface="Raavi"/>
+        <a:font script="Cans" typeface="Euphemia"/>
+        <a:font script="Cher" typeface="Plantagenet Cherokee"/>
+        <a:font script="Yiii" typeface="Microsoft Yi Baiti"/>
+        <a:font script="Tibt" typeface="Microsoft Himalaya"/>
+        <a:font script="Thaa" typeface="MV Boli"/>
+        <a:font script="Deva" typeface="Mangal"/>
+        <a:font script="Telu" typeface="Gautami"/>
+        <a:font script="Taml" typeface="Latha"/>
+        <a:font script="Syrc" typeface="Estrangelo Edessa"/>
+        <a:font script="Orya" typeface="Kalinga"/>
+        <a:font script="Mlym" typeface="Kartika"/>
+        <a:font script="Laoo" typeface="DokChampa"/>
+        <a:font script="Sinh" typeface="Iskoola Pota"/>
+        <a:font script="Mong" typeface="Mongolian Baiti"/>
+        <a:font script="Viet" typeface="Arial"/>
+        <a:font script="Uigh" typeface="Microsoft Uighur"/>
+        <a:font script="Geor" typeface="Sylfaen"/>
+      </a:minorFont>
+    </a:fontScheme>
+    <a:fmtScheme name="Office">
+      <a:fillStyleLst>
+        <a:solidFill>
+          <a:schemeClr val="phClr"/>
+        </a:solidFill>
+        <a:gradFill rotWithShape="1">
+          <a:gsLst>
+            <a:gs pos="0">
+              <a:schemeClr val="phClr">
+                <a:tint val="50000"/>
+                <a:satMod val="300000"/>
+              </a:schemeClr>
+            </a:gs>
+            <a:gs pos="35000">
+              <a:schemeClr val="phClr">
+                <a:tint val="37000"/>
+                <a:satMod val="300000"/>
+              </a:schemeClr>
+            </a:gs>
+            <a:gs pos="100000">
+              <a:schemeClr val="phClr">
+                <a:tint val="15000"/>
+                <a:satMod val="350000"/>
+              </a:schemeClr>
+            </a:gs>
+          </a:gsLst>
+          <a:lin ang="16200000" scaled="1"/>
+        </a:gradFill>
+        <a:gradFill rotWithShape="1">
+          <a:gsLst>
+            <a:gs pos="0">
+              <a:schemeClr val="phClr">
+                <a:tint val="100000"/>
+                <a:shade val="100000"/>
+                <a:satMod val="130000"/>
+              </a:schemeClr>
+            </a:gs>
+            <a:gs pos="100000">
+              <a:schemeClr val="phClr">
+                <a:tint val="50000"/>
+                <a:shade val="100000"/>
+                <a:satMod val="350000"/>
+              </a:schemeClr>
+            </a:gs>
+          </a:gsLst>
+          <a:lin ang="16200000" scaled="0"/>
+        </a:gradFill>
+      </a:fillStyleLst>
+      <a:lnStyleLst>
+        <a:ln w="9525" cap="flat" cmpd="sng" algn="ctr">
+          <a:solidFill>
+            <a:schemeClr val="phClr">
+              <a:shade val="95000"/>
+              <a:satMod val="105000"/>
+            </a:schemeClr>
+          </a:solidFill>
+          <a:prstDash val="solid"/>
+        </a:ln>
+        <a:ln w="25400" cap="flat" cmpd="sng" algn="ctr">
+          <a:solidFill>
+            <a:schemeClr val="phClr"/>
+          </a:solidFill>
+          <a:prstDash val="solid"/>
+        </a:ln>
+        <a:ln w="38100" cap="flat" cmpd="sng" algn="ctr">
+          <a:solidFill>
+            <a:schemeClr val="phClr"/>
+          </a:solidFill>
+          <a:prstDash val="solid"/>
+        </a:ln>
+      </a:lnStyleLst>
+      <a:effectStyleLst>
+        <a:effectStyle>
+          <a:effectLst>
+            <a:outerShdw blurRad="40000" dist="20000" dir="5400000" rotWithShape="0">
+              <a:srgbClr val="000000">
+                <a:alpha val="38000"/>
+              </a:srgbClr>
+            </a:outerShdw>
+          </a:effectLst>
+        </a:effectStyle>
+        <a:effectStyle>
+          <a:effectLst>
+            <a:outerShdw blurRad="40000" dist="23000" dir="5400000" rotWithShape="0">
+              <a:srgbClr val="000000">
+                <a:alpha val="35000"/>
+              </a:srgbClr>
+            </a:outerShdw>
+          </a:effectLst>
+        </a:effectStyle>
+        <a:effectStyle>
+          <a:effectLst>
+            <a:outerShdw blurRad="40000" dist="23000" dir="5400000" rotWithShape="0">
+              <a:srgbClr val="000000">
+                <a:alpha val="35000"/>
+              </a:srgbClr>
+            </a:outerShdw>
+          </a:effectLst>
+          <a:scene3d>
+            <a:camera prst="orthographicFront">
+              <a:rot lat="0" lon="0" rev="0"/>
+            </a:camera>
+            <a:lightRig rig="threePt" dir="t">
+              <a:rot lat="0" lon="0" rev="1200000"/>
+            </a:lightRig>
+          </a:scene3d>
+          <a:sp3d>
+            <a:bevelT w="63500" h="25400"/>
+          </a:sp3d>
+        </a:effectStyle>
+      </a:effectStyleLst>
+      <a:bgFillStyleLst>
+        <a:solidFill>
+          <a:schemeClr val="phClr"/>
+        </a:solidFill>
+        <a:gradFill rotWithShape="1">
+          <a:gsLst>
+            <a:gs pos="0">
+              <a:schemeClr val="phClr">
+                <a:tint val="40000"/>
+                <a:satMod val="350000"/>
+              </a:schemeClr>
+            </a:gs>
+            <a:gs pos="40000">
+              <a:schemeClr val="phClr">
+                <a:tint val="45000"/>
+                <a:shade val="99000"/>
+                <a:satMod val="350000"/>
+              </a:schemeClr>
+            </a:gs>
+            <a:gs pos="100000">
+              <a:schemeClr val="phClr">
+                <a:shade val="20000"/>
+                <a:satMod val="255000"/>
+              </a:schemeClr>
+            </a:gs>
+          </a:gsLst>
+          <a:path path="circle">
+            <a:fillToRect l="50000" t="-80000" r="50000" b="180000"/>
+          </a:path>
+        </a:gradFill>
+        <a:gradFill rotWithShape="1">
+          <a:gsLst>
+            <a:gs pos="0">
+              <a:schemeClr val="phClr">
+                <a:tint val="80000"/>
+                <a:satMod val="300000"/>
+              </a:schemeClr>
+            </a:gs>
+            <a:gs pos="100000">
+              <a:schemeClr val="phClr">
+                <a:shade val="30000"/>
+                <a:satMod val="200000"/>
+              </a:schemeClr>
+            </a:gs>
+          </a:gsLst>
+          <a:path path="circle">
+            <a:fillToRect l="50000" t="50000" r="50000" b="50000"/>
+          </a:path>
+        </a:gradFill>
+      </a:bgFillStyleLst>
+    </a:fmtScheme>
+  </a:themeElements>
+  <a:objectDefaults>
+    <a:spDef>
+      <a:spPr/>
+      <a:bodyPr/>
+      <a:lstStyle/>
+      <a:style>
+        <a:lnRef idx="1">
+          <a:schemeClr val="accent1"/>
+        </a:lnRef>
+        <a:fillRef idx="3">
+          <a:schemeClr val="accent1"/>
+        </a:fillRef>
+        <a:effectRef idx="2">
+          <a:schemeClr val="accent1"/>
+        </a:effectRef>
+        <a:fontRef idx="minor">
+          <a:schemeClr val="lt1"/>
+        </a:fontRef>
+      </a:style>
+    </a:spDef>
+    <a:lnDef>
+      <a:spPr/>
+      <a:bodyPr/>
+      <a:lstStyle/>
+      <a:style>
+        <a:lnRef idx="2">
+          <a:schemeClr val="accent1"/>
+        </a:lnRef>
+        <a:fillRef idx="0">
+          <a:schemeClr val="accent1"/>
+        </a:fillRef>
+        <a:effectRef idx="1">
+          <a:schemeClr val="accent1"/>
+        </a:effectRef>
+        <a:fontRef idx="minor">
+          <a:schemeClr val="tx1"/>
+        </a:fontRef>
+      </a:style>
+    </a:lnDef>
+  </a:objectDefaults>
+  <a:extraClrSchemeLst/>
+</a:theme>
 </file>
--- a/model.pptx
+++ b/model.pptx
@@ -5,7 +5,7 @@
     <p:sldMasterId id="2147483648" r:id="rId1"/>
   </p:sldMasterIdLst>
   <p:notesMasterIdLst>
-    <p:notesMasterId r:id="rId25"/>
+    <p:notesMasterId r:id="rId26"/>
   </p:notesMasterIdLst>
   <p:sldIdLst>
     <p:sldId id="262" r:id="rId2"/>
@@ -24,13 +24,14 @@
     <p:sldId id="283" r:id="rId15"/>
     <p:sldId id="272" r:id="rId16"/>
     <p:sldId id="275" r:id="rId17"/>
-    <p:sldId id="280" r:id="rId18"/>
-    <p:sldId id="276" r:id="rId19"/>
-    <p:sldId id="273" r:id="rId20"/>
-    <p:sldId id="277" r:id="rId21"/>
-    <p:sldId id="279" r:id="rId22"/>
-    <p:sldId id="281" r:id="rId23"/>
-    <p:sldId id="284" r:id="rId24"/>
+    <p:sldId id="285" r:id="rId18"/>
+    <p:sldId id="280" r:id="rId19"/>
+    <p:sldId id="276" r:id="rId20"/>
+    <p:sldId id="273" r:id="rId21"/>
+    <p:sldId id="277" r:id="rId22"/>
+    <p:sldId id="279" r:id="rId23"/>
+    <p:sldId id="281" r:id="rId24"/>
+    <p:sldId id="284" r:id="rId25"/>
   </p:sldIdLst>
   <p:sldSz cx="9144000" cy="6858000" type="screen4x3"/>
   <p:notesSz cx="6858000" cy="9144000"/>
@@ -4287,7 +4288,7 @@
           <a:graphicData uri="http://schemas.openxmlformats.org/presentationml/2006/ole">
             <mc:AlternateContent xmlns:mc="http://schemas.openxmlformats.org/markup-compatibility/2006">
               <mc:Choice xmlns:v="urn:schemas-microsoft-com:vml" Requires="v">
-                <p:oleObj spid="_x0000_s1142" name="Equation" r:id="rId3" imgW="3771900" imgH="203200" progId="Equation.3">
+                <p:oleObj spid="_x0000_s1145" name="Equation" r:id="rId3" imgW="3771900" imgH="203200" progId="Equation.3">
                   <p:embed/>
                 </p:oleObj>
               </mc:Choice>
@@ -24454,7 +24455,7 @@
         </p:nvSpPr>
         <p:spPr>
           <a:xfrm>
-            <a:off x="3119565" y="2391897"/>
+            <a:off x="3338920" y="2391897"/>
             <a:ext cx="1290320" cy="294640"/>
           </a:xfrm>
           <a:prstGeom prst="roundRect">
@@ -24486,54 +24487,6 @@
             <a:r>
               <a:rPr lang="en-US" sz="1200" dirty="0" smtClean="0"/>
               <a:t>Trustworthiness</a:t>
-            </a:r>
-            <a:endParaRPr lang="en-US" sz="1200" dirty="0"/>
-          </a:p>
-        </p:txBody>
-      </p:sp>
-      <p:sp>
-        <p:nvSpPr>
-          <p:cNvPr id="12" name="Rounded Rectangle 11"/>
-          <p:cNvSpPr/>
-          <p:nvPr/>
-        </p:nvSpPr>
-        <p:spPr>
-          <a:xfrm>
-            <a:off x="3191536" y="4051409"/>
-            <a:ext cx="1137920" cy="294640"/>
-          </a:xfrm>
-          <a:prstGeom prst="roundRect">
-            <a:avLst/>
-          </a:prstGeom>
-          <a:ln w="28575" cmpd="sng">
-            <a:solidFill>
-              <a:srgbClr val="000000"/>
-            </a:solidFill>
-            <a:prstDash val="solid"/>
-          </a:ln>
-        </p:spPr>
-        <p:style>
-          <a:lnRef idx="2">
-            <a:schemeClr val="accent1"/>
-          </a:lnRef>
-          <a:fillRef idx="1">
-            <a:schemeClr val="lt1"/>
-          </a:fillRef>
-          <a:effectRef idx="0">
-            <a:schemeClr val="accent1"/>
-          </a:effectRef>
-          <a:fontRef idx="minor">
-            <a:schemeClr val="dk1"/>
-          </a:fontRef>
-        </p:style>
-        <p:txBody>
-          <a:bodyPr rtlCol="0" anchor="ctr"/>
-          <a:lstStyle/>
-          <a:p>
-            <a:pPr algn="ctr"/>
-            <a:r>
-              <a:rPr lang="en-US" sz="1200" dirty="0" smtClean="0"/>
-              <a:t>Reliability</a:t>
             </a:r>
             <a:endParaRPr lang="en-US" sz="1200" dirty="0"/>
           </a:p>
@@ -24543,47 +24496,15 @@
         <p:nvCxnSpPr>
           <p:cNvPr id="59" name="Straight Connector 58"/>
           <p:cNvCxnSpPr>
+            <a:stCxn id="75" idx="3"/>
             <a:endCxn id="10" idx="1"/>
           </p:cNvCxnSpPr>
           <p:nvPr/>
         </p:nvCxnSpPr>
         <p:spPr>
           <a:xfrm>
-            <a:off x="2892572" y="2536572"/>
-            <a:ext cx="226993" cy="2645"/>
-          </a:xfrm>
-          <a:prstGeom prst="line">
-            <a:avLst/>
-          </a:prstGeom>
-        </p:spPr>
-        <p:style>
-          <a:lnRef idx="1">
-            <a:schemeClr val="dk1"/>
-          </a:lnRef>
-          <a:fillRef idx="0">
-            <a:schemeClr val="dk1"/>
-          </a:fillRef>
-          <a:effectRef idx="0">
-            <a:schemeClr val="dk1"/>
-          </a:effectRef>
-          <a:fontRef idx="minor">
-            <a:schemeClr val="tx1"/>
-          </a:fontRef>
-        </p:style>
-      </p:cxnSp>
-      <p:cxnSp>
-        <p:nvCxnSpPr>
-          <p:cNvPr id="62" name="Straight Connector 61"/>
-          <p:cNvCxnSpPr>
-            <a:stCxn id="12" idx="0"/>
-            <a:endCxn id="7" idx="2"/>
-          </p:cNvCxnSpPr>
-          <p:nvPr/>
-        </p:nvCxnSpPr>
-        <p:spPr>
-          <a:xfrm flipV="1">
-            <a:off x="3760496" y="3500174"/>
-            <a:ext cx="504605" cy="551235"/>
+            <a:off x="2892572" y="2536998"/>
+            <a:ext cx="446348" cy="2219"/>
           </a:xfrm>
           <a:prstGeom prst="line">
             <a:avLst/>
@@ -24966,7 +24887,7 @@
         </p:nvSpPr>
         <p:spPr>
           <a:xfrm>
-            <a:off x="1401133" y="2236922"/>
+            <a:off x="1401133" y="2213832"/>
             <a:ext cx="1491439" cy="646331"/>
           </a:xfrm>
           <a:prstGeom prst="rect">
@@ -25008,13 +24929,1118 @@
       </p:sp>
       <p:sp>
         <p:nvSpPr>
+          <p:cNvPr id="95" name="TextBox 94"/>
+          <p:cNvSpPr txBox="1"/>
+          <p:nvPr/>
+        </p:nvSpPr>
+        <p:spPr>
+          <a:xfrm>
+            <a:off x="6627119" y="3200719"/>
+            <a:ext cx="1659829" cy="369332"/>
+          </a:xfrm>
+          <a:prstGeom prst="rect">
+            <a:avLst/>
+          </a:prstGeom>
+          <a:ln>
+            <a:solidFill>
+              <a:srgbClr val="000000"/>
+            </a:solidFill>
+          </a:ln>
+        </p:spPr>
+        <p:style>
+          <a:lnRef idx="2">
+            <a:schemeClr val="accent2"/>
+          </a:lnRef>
+          <a:fillRef idx="1">
+            <a:schemeClr val="lt1"/>
+          </a:fillRef>
+          <a:effectRef idx="0">
+            <a:schemeClr val="accent2"/>
+          </a:effectRef>
+          <a:fontRef idx="minor">
+            <a:schemeClr val="dk1"/>
+          </a:fontRef>
+        </p:style>
+        <p:txBody>
+          <a:bodyPr wrap="none" rtlCol="0">
+            <a:spAutoFit/>
+          </a:bodyPr>
+          <a:lstStyle/>
+          <a:p>
+            <a:r>
+              <a:rPr lang="en-US" dirty="0" smtClean="0"/>
+              <a:t>DEPENDABILITY</a:t>
+            </a:r>
+          </a:p>
+        </p:txBody>
+      </p:sp>
+      <p:cxnSp>
+        <p:nvCxnSpPr>
+          <p:cNvPr id="211" name="Straight Connector 210"/>
+          <p:cNvCxnSpPr>
+            <a:stCxn id="7" idx="0"/>
+            <a:endCxn id="10" idx="2"/>
+          </p:cNvCxnSpPr>
+          <p:nvPr/>
+        </p:nvCxnSpPr>
+        <p:spPr>
+          <a:xfrm flipH="1" flipV="1">
+            <a:off x="3984080" y="2686537"/>
+            <a:ext cx="281021" cy="559637"/>
+          </a:xfrm>
+          <a:prstGeom prst="line">
+            <a:avLst/>
+          </a:prstGeom>
+        </p:spPr>
+        <p:style>
+          <a:lnRef idx="1">
+            <a:schemeClr val="dk1"/>
+          </a:lnRef>
+          <a:fillRef idx="0">
+            <a:schemeClr val="dk1"/>
+          </a:fillRef>
+          <a:effectRef idx="0">
+            <a:schemeClr val="dk1"/>
+          </a:effectRef>
+          <a:fontRef idx="minor">
+            <a:schemeClr val="tx1"/>
+          </a:fontRef>
+        </p:style>
+      </p:cxnSp>
+      <p:cxnSp>
+        <p:nvCxnSpPr>
+          <p:cNvPr id="316" name="Elbow Connector 315"/>
+          <p:cNvCxnSpPr>
+            <a:endCxn id="125" idx="3"/>
+          </p:cNvCxnSpPr>
+          <p:nvPr/>
+        </p:nvCxnSpPr>
+        <p:spPr>
+          <a:xfrm rot="10800000">
+            <a:off x="6138137" y="1466502"/>
+            <a:ext cx="1810873" cy="1734225"/>
+          </a:xfrm>
+          <a:prstGeom prst="bentConnector3">
+            <a:avLst>
+              <a:gd name="adj1" fmla="val 1299"/>
+            </a:avLst>
+          </a:prstGeom>
+          <a:ln w="19050" cmpd="sng">
+            <a:solidFill>
+              <a:schemeClr val="tx1"/>
+            </a:solidFill>
+            <a:tailEnd type="arrow"/>
+          </a:ln>
+          <a:effectLst/>
+        </p:spPr>
+        <p:style>
+          <a:lnRef idx="2">
+            <a:schemeClr val="accent1"/>
+          </a:lnRef>
+          <a:fillRef idx="0">
+            <a:schemeClr val="accent1"/>
+          </a:fillRef>
+          <a:effectRef idx="1">
+            <a:schemeClr val="accent1"/>
+          </a:effectRef>
+          <a:fontRef idx="minor">
+            <a:schemeClr val="tx1"/>
+          </a:fontRef>
+        </p:style>
+      </p:cxnSp>
+      <p:cxnSp>
+        <p:nvCxnSpPr>
+          <p:cNvPr id="323" name="Elbow Connector 322"/>
+          <p:cNvCxnSpPr>
+            <a:endCxn id="10" idx="3"/>
+          </p:cNvCxnSpPr>
+          <p:nvPr/>
+        </p:nvCxnSpPr>
+        <p:spPr>
+          <a:xfrm rot="10800000">
+            <a:off x="4629240" y="2539218"/>
+            <a:ext cx="2575124" cy="661501"/>
+          </a:xfrm>
+          <a:prstGeom prst="bentConnector3">
+            <a:avLst>
+              <a:gd name="adj1" fmla="val -215"/>
+            </a:avLst>
+          </a:prstGeom>
+          <a:ln w="19050" cmpd="sng">
+            <a:solidFill>
+              <a:schemeClr val="tx1"/>
+            </a:solidFill>
+            <a:tailEnd type="arrow"/>
+          </a:ln>
+          <a:effectLst/>
+        </p:spPr>
+        <p:style>
+          <a:lnRef idx="2">
+            <a:schemeClr val="accent1"/>
+          </a:lnRef>
+          <a:fillRef idx="0">
+            <a:schemeClr val="accent1"/>
+          </a:fillRef>
+          <a:effectRef idx="1">
+            <a:schemeClr val="accent1"/>
+          </a:effectRef>
+          <a:fontRef idx="minor">
+            <a:schemeClr val="tx1"/>
+          </a:fontRef>
+        </p:style>
+      </p:cxnSp>
+      <p:cxnSp>
+        <p:nvCxnSpPr>
+          <p:cNvPr id="328" name="Elbow Connector 327"/>
+          <p:cNvCxnSpPr>
+            <a:endCxn id="139" idx="3"/>
+          </p:cNvCxnSpPr>
+          <p:nvPr/>
+        </p:nvCxnSpPr>
+        <p:spPr>
+          <a:xfrm rot="10800000">
+            <a:off x="6098266" y="2945678"/>
+            <a:ext cx="839474" cy="255040"/>
+          </a:xfrm>
+          <a:prstGeom prst="bentConnector3">
+            <a:avLst>
+              <a:gd name="adj1" fmla="val -1828"/>
+            </a:avLst>
+          </a:prstGeom>
+          <a:ln w="19050" cmpd="sng">
+            <a:solidFill>
+              <a:schemeClr val="tx1"/>
+            </a:solidFill>
+            <a:tailEnd type="arrow"/>
+          </a:ln>
+          <a:effectLst/>
+        </p:spPr>
+        <p:style>
+          <a:lnRef idx="2">
+            <a:schemeClr val="accent1"/>
+          </a:lnRef>
+          <a:fillRef idx="0">
+            <a:schemeClr val="accent1"/>
+          </a:fillRef>
+          <a:effectRef idx="1">
+            <a:schemeClr val="accent1"/>
+          </a:effectRef>
+          <a:fontRef idx="minor">
+            <a:schemeClr val="tx1"/>
+          </a:fontRef>
+        </p:style>
+      </p:cxnSp>
+      <p:cxnSp>
+        <p:nvCxnSpPr>
+          <p:cNvPr id="334" name="Elbow Connector 333"/>
+          <p:cNvCxnSpPr>
+            <a:endCxn id="138" idx="3"/>
+          </p:cNvCxnSpPr>
+          <p:nvPr/>
+        </p:nvCxnSpPr>
+        <p:spPr>
+          <a:xfrm rot="10800000" flipV="1">
+            <a:off x="6079342" y="3570050"/>
+            <a:ext cx="858399" cy="257771"/>
+          </a:xfrm>
+          <a:prstGeom prst="bentConnector3">
+            <a:avLst>
+              <a:gd name="adj1" fmla="val -2055"/>
+            </a:avLst>
+          </a:prstGeom>
+          <a:ln w="19050" cmpd="sng">
+            <a:solidFill>
+              <a:schemeClr val="tx1"/>
+            </a:solidFill>
+            <a:tailEnd type="arrow"/>
+          </a:ln>
+          <a:effectLst/>
+        </p:spPr>
+        <p:style>
+          <a:lnRef idx="2">
+            <a:schemeClr val="accent1"/>
+          </a:lnRef>
+          <a:fillRef idx="0">
+            <a:schemeClr val="accent1"/>
+          </a:fillRef>
+          <a:effectRef idx="1">
+            <a:schemeClr val="accent1"/>
+          </a:effectRef>
+          <a:fontRef idx="minor">
+            <a:schemeClr val="tx1"/>
+          </a:fontRef>
+        </p:style>
+      </p:cxnSp>
+      <p:cxnSp>
+        <p:nvCxnSpPr>
+          <p:cNvPr id="339" name="Straight Arrow Connector 338"/>
+          <p:cNvCxnSpPr>
+            <a:stCxn id="95" idx="1"/>
+            <a:endCxn id="140" idx="3"/>
+          </p:cNvCxnSpPr>
+          <p:nvPr/>
+        </p:nvCxnSpPr>
+        <p:spPr>
+          <a:xfrm flipH="1" flipV="1">
+            <a:off x="6069181" y="3375512"/>
+            <a:ext cx="557938" cy="9873"/>
+          </a:xfrm>
+          <a:prstGeom prst="straightConnector1">
+            <a:avLst/>
+          </a:prstGeom>
+          <a:ln w="19050" cmpd="sng">
+            <a:solidFill>
+              <a:schemeClr val="tx1"/>
+            </a:solidFill>
+            <a:tailEnd type="arrow"/>
+          </a:ln>
+          <a:effectLst/>
+        </p:spPr>
+        <p:style>
+          <a:lnRef idx="2">
+            <a:schemeClr val="accent1"/>
+          </a:lnRef>
+          <a:fillRef idx="0">
+            <a:schemeClr val="accent1"/>
+          </a:fillRef>
+          <a:effectRef idx="1">
+            <a:schemeClr val="accent1"/>
+          </a:effectRef>
+          <a:fontRef idx="minor">
+            <a:schemeClr val="tx1"/>
+          </a:fontRef>
+        </p:style>
+      </p:cxnSp>
+      <p:sp>
+        <p:nvSpPr>
+          <p:cNvPr id="365" name="Rounded Rectangle 364"/>
+          <p:cNvSpPr/>
+          <p:nvPr/>
+        </p:nvSpPr>
+        <p:spPr>
+          <a:xfrm>
+            <a:off x="3760496" y="1838808"/>
+            <a:ext cx="975359" cy="254000"/>
+          </a:xfrm>
+          <a:prstGeom prst="roundRect">
+            <a:avLst>
+              <a:gd name="adj" fmla="val 50000"/>
+            </a:avLst>
+          </a:prstGeom>
+        </p:spPr>
+        <p:style>
+          <a:lnRef idx="2">
+            <a:schemeClr val="accent1"/>
+          </a:lnRef>
+          <a:fillRef idx="1">
+            <a:schemeClr val="lt1"/>
+          </a:fillRef>
+          <a:effectRef idx="0">
+            <a:schemeClr val="accent1"/>
+          </a:effectRef>
+          <a:fontRef idx="minor">
+            <a:schemeClr val="dk1"/>
+          </a:fontRef>
+        </p:style>
+        <p:txBody>
+          <a:bodyPr rtlCol="0" anchor="ctr"/>
+          <a:lstStyle/>
+          <a:p>
+            <a:pPr algn="ctr"/>
+            <a:r>
+              <a:rPr lang="en-US" sz="1200" dirty="0" smtClean="0"/>
+              <a:t>EFFICIENCY</a:t>
+            </a:r>
+            <a:endParaRPr lang="en-US" sz="1200" dirty="0"/>
+          </a:p>
+        </p:txBody>
+      </p:sp>
+      <p:sp>
+        <p:nvSpPr>
+          <p:cNvPr id="366" name="Rounded Rectangle 365"/>
+          <p:cNvSpPr/>
+          <p:nvPr/>
+        </p:nvSpPr>
+        <p:spPr>
+          <a:xfrm>
+            <a:off x="5035567" y="1838808"/>
+            <a:ext cx="1102570" cy="254000"/>
+          </a:xfrm>
+          <a:prstGeom prst="roundRect">
+            <a:avLst>
+              <a:gd name="adj" fmla="val 0"/>
+            </a:avLst>
+          </a:prstGeom>
+          <a:solidFill>
+            <a:schemeClr val="lt1"/>
+          </a:solidFill>
+          <a:ln w="12700"/>
+        </p:spPr>
+        <p:style>
+          <a:lnRef idx="2">
+            <a:schemeClr val="dk1"/>
+          </a:lnRef>
+          <a:fillRef idx="1">
+            <a:schemeClr val="lt1"/>
+          </a:fillRef>
+          <a:effectRef idx="0">
+            <a:schemeClr val="dk1"/>
+          </a:effectRef>
+          <a:fontRef idx="minor">
+            <a:schemeClr val="dk1"/>
+          </a:fontRef>
+        </p:style>
+        <p:txBody>
+          <a:bodyPr rtlCol="0" anchor="ctr"/>
+          <a:lstStyle/>
+          <a:p>
+            <a:pPr algn="ctr"/>
+            <a:r>
+              <a:rPr lang="en-US" sz="1000" dirty="0" smtClean="0"/>
+              <a:t>Fault Tolerance</a:t>
+            </a:r>
+            <a:endParaRPr lang="en-US" sz="1000" dirty="0"/>
+          </a:p>
+        </p:txBody>
+      </p:sp>
+      <p:cxnSp>
+        <p:nvCxnSpPr>
+          <p:cNvPr id="367" name="Straight Connector 366"/>
+          <p:cNvCxnSpPr>
+            <a:stCxn id="366" idx="1"/>
+            <a:endCxn id="365" idx="3"/>
+          </p:cNvCxnSpPr>
+          <p:nvPr/>
+        </p:nvCxnSpPr>
+        <p:spPr>
+          <a:xfrm flipH="1">
+            <a:off x="4735855" y="1965808"/>
+            <a:ext cx="299712" cy="0"/>
+          </a:xfrm>
+          <a:prstGeom prst="line">
+            <a:avLst/>
+          </a:prstGeom>
+        </p:spPr>
+        <p:style>
+          <a:lnRef idx="1">
+            <a:schemeClr val="dk1"/>
+          </a:lnRef>
+          <a:fillRef idx="0">
+            <a:schemeClr val="dk1"/>
+          </a:fillRef>
+          <a:effectRef idx="0">
+            <a:schemeClr val="dk1"/>
+          </a:effectRef>
+          <a:fontRef idx="minor">
+            <a:schemeClr val="tx1"/>
+          </a:fontRef>
+        </p:style>
+      </p:cxnSp>
+      <p:cxnSp>
+        <p:nvCxnSpPr>
+          <p:cNvPr id="375" name="Elbow Connector 374"/>
+          <p:cNvCxnSpPr>
+            <a:stCxn id="95" idx="0"/>
+            <a:endCxn id="366" idx="3"/>
+          </p:cNvCxnSpPr>
+          <p:nvPr/>
+        </p:nvCxnSpPr>
+        <p:spPr>
+          <a:xfrm rot="16200000" flipV="1">
+            <a:off x="6180131" y="1923815"/>
+            <a:ext cx="1234911" cy="1318897"/>
+          </a:xfrm>
+          <a:prstGeom prst="bentConnector2">
+            <a:avLst/>
+          </a:prstGeom>
+          <a:ln w="19050" cmpd="sng">
+            <a:solidFill>
+              <a:schemeClr val="tx1"/>
+            </a:solidFill>
+            <a:tailEnd type="arrow"/>
+          </a:ln>
+          <a:effectLst/>
+        </p:spPr>
+        <p:style>
+          <a:lnRef idx="2">
+            <a:schemeClr val="accent1"/>
+          </a:lnRef>
+          <a:fillRef idx="0">
+            <a:schemeClr val="accent1"/>
+          </a:fillRef>
+          <a:effectRef idx="1">
+            <a:schemeClr val="accent1"/>
+          </a:effectRef>
+          <a:fontRef idx="minor">
+            <a:schemeClr val="tx1"/>
+          </a:fontRef>
+        </p:style>
+      </p:cxnSp>
+      <p:sp>
+        <p:nvSpPr>
+          <p:cNvPr id="384" name="TextBox 383"/>
+          <p:cNvSpPr txBox="1"/>
+          <p:nvPr/>
+        </p:nvSpPr>
+        <p:spPr>
+          <a:xfrm>
+            <a:off x="2132660" y="1568408"/>
+            <a:ext cx="1087260" cy="276999"/>
+          </a:xfrm>
+          <a:prstGeom prst="rect">
+            <a:avLst/>
+          </a:prstGeom>
+          <a:noFill/>
+        </p:spPr>
+        <p:txBody>
+          <a:bodyPr wrap="square" rtlCol="0">
+            <a:spAutoFit/>
+          </a:bodyPr>
+          <a:lstStyle/>
+          <a:p>
+            <a:r>
+              <a:rPr lang="en-US" sz="1200" dirty="0" smtClean="0"/>
+              <a:t>Depends on</a:t>
+            </a:r>
+            <a:endParaRPr lang="en-US" sz="1200" dirty="0"/>
+          </a:p>
+        </p:txBody>
+      </p:sp>
+      <p:sp>
+        <p:nvSpPr>
+          <p:cNvPr id="385" name="TextBox 384"/>
+          <p:cNvSpPr txBox="1"/>
+          <p:nvPr/>
+        </p:nvSpPr>
+        <p:spPr>
+          <a:xfrm>
+            <a:off x="1636313" y="1314827"/>
+            <a:ext cx="452017" cy="276999"/>
+          </a:xfrm>
+          <a:prstGeom prst="rect">
+            <a:avLst/>
+          </a:prstGeom>
+          <a:noFill/>
+        </p:spPr>
+        <p:txBody>
+          <a:bodyPr wrap="none" rtlCol="0">
+            <a:spAutoFit/>
+          </a:bodyPr>
+          <a:lstStyle/>
+          <a:p>
+            <a:r>
+              <a:rPr lang="en-US" sz="1200" dirty="0" smtClean="0"/>
+              <a:t>Key:</a:t>
+            </a:r>
+          </a:p>
+        </p:txBody>
+      </p:sp>
+      <p:cxnSp>
+        <p:nvCxnSpPr>
+          <p:cNvPr id="421" name="Straight Arrow Connector 420"/>
+          <p:cNvCxnSpPr/>
+          <p:nvPr/>
+        </p:nvCxnSpPr>
+        <p:spPr>
+          <a:xfrm flipH="1">
+            <a:off x="1749643" y="1732595"/>
+            <a:ext cx="303139" cy="0"/>
+          </a:xfrm>
+          <a:prstGeom prst="straightConnector1">
+            <a:avLst/>
+          </a:prstGeom>
+          <a:ln w="19050" cmpd="sng">
+            <a:solidFill>
+              <a:schemeClr val="tx1"/>
+            </a:solidFill>
+            <a:tailEnd type="arrow"/>
+          </a:ln>
+          <a:effectLst/>
+        </p:spPr>
+        <p:style>
+          <a:lnRef idx="2">
+            <a:schemeClr val="accent1"/>
+          </a:lnRef>
+          <a:fillRef idx="0">
+            <a:schemeClr val="accent1"/>
+          </a:fillRef>
+          <a:effectRef idx="1">
+            <a:schemeClr val="accent1"/>
+          </a:effectRef>
+          <a:fontRef idx="minor">
+            <a:schemeClr val="tx1"/>
+          </a:fontRef>
+        </p:style>
+      </p:cxnSp>
+    </p:spTree>
+    <p:extLst>
+      <p:ext uri="{BB962C8B-B14F-4D97-AF65-F5344CB8AC3E}">
+        <p14:creationId xmlns:p14="http://schemas.microsoft.com/office/powerpoint/2010/main" val="1779834434"/>
+      </p:ext>
+    </p:extLst>
+  </p:cSld>
+  <p:clrMapOvr>
+    <a:masterClrMapping/>
+  </p:clrMapOvr>
+  <p:timing>
+    <p:tnLst>
+      <p:par>
+        <p:cTn xmlns:p14="http://schemas.microsoft.com/office/powerpoint/2010/main" id="1" dur="indefinite" restart="never" nodeType="tmRoot"/>
+      </p:par>
+    </p:tnLst>
+  </p:timing>
+</p:sld>
+</file>
+
+<file path=ppt/slides/slide18.xml><?xml version="1.0" encoding="utf-8"?>
+<p:sld xmlns:a="http://schemas.openxmlformats.org/drawingml/2006/main" xmlns:r="http://schemas.openxmlformats.org/officeDocument/2006/relationships" xmlns:p="http://schemas.openxmlformats.org/presentationml/2006/main">
+  <p:cSld>
+    <p:spTree>
+      <p:nvGrpSpPr>
+        <p:cNvPr id="1" name=""/>
+        <p:cNvGrpSpPr/>
+        <p:nvPr/>
+      </p:nvGrpSpPr>
+      <p:grpSpPr>
+        <a:xfrm>
+          <a:off x="0" y="0"/>
+          <a:ext cx="0" cy="0"/>
+          <a:chOff x="0" y="0"/>
+          <a:chExt cx="0" cy="0"/>
+        </a:xfrm>
+      </p:grpSpPr>
+      <p:sp>
+        <p:nvSpPr>
+          <p:cNvPr id="4" name="Rounded Rectangle 3"/>
+          <p:cNvSpPr/>
+          <p:nvPr/>
+        </p:nvSpPr>
+        <p:spPr>
+          <a:xfrm>
+            <a:off x="3499618" y="1336040"/>
+            <a:ext cx="1239519" cy="279400"/>
+          </a:xfrm>
+          <a:prstGeom prst="roundRect">
+            <a:avLst>
+              <a:gd name="adj" fmla="val 50000"/>
+            </a:avLst>
+          </a:prstGeom>
+        </p:spPr>
+        <p:style>
+          <a:lnRef idx="2">
+            <a:schemeClr val="accent1"/>
+          </a:lnRef>
+          <a:fillRef idx="1">
+            <a:schemeClr val="lt1"/>
+          </a:fillRef>
+          <a:effectRef idx="0">
+            <a:schemeClr val="accent1"/>
+          </a:effectRef>
+          <a:fontRef idx="minor">
+            <a:schemeClr val="dk1"/>
+          </a:fontRef>
+        </p:style>
+        <p:txBody>
+          <a:bodyPr rtlCol="0" anchor="ctr"/>
+          <a:lstStyle/>
+          <a:p>
+            <a:pPr algn="ctr"/>
+            <a:r>
+              <a:rPr lang="en-US" sz="1200" dirty="0" smtClean="0"/>
+              <a:t>ACCESSIBILITY</a:t>
+            </a:r>
+            <a:endParaRPr lang="en-US" sz="1200" dirty="0"/>
+          </a:p>
+        </p:txBody>
+      </p:sp>
+      <p:sp>
+        <p:nvSpPr>
+          <p:cNvPr id="7" name="Rounded Rectangle 6"/>
+          <p:cNvSpPr/>
+          <p:nvPr/>
+        </p:nvSpPr>
+        <p:spPr>
+          <a:xfrm>
+            <a:off x="3777421" y="2888279"/>
+            <a:ext cx="975359" cy="254000"/>
+          </a:xfrm>
+          <a:prstGeom prst="roundRect">
+            <a:avLst>
+              <a:gd name="adj" fmla="val 50000"/>
+            </a:avLst>
+          </a:prstGeom>
+        </p:spPr>
+        <p:style>
+          <a:lnRef idx="2">
+            <a:schemeClr val="accent1"/>
+          </a:lnRef>
+          <a:fillRef idx="1">
+            <a:schemeClr val="lt1"/>
+          </a:fillRef>
+          <a:effectRef idx="0">
+            <a:schemeClr val="accent1"/>
+          </a:effectRef>
+          <a:fontRef idx="minor">
+            <a:schemeClr val="dk1"/>
+          </a:fontRef>
+        </p:style>
+        <p:txBody>
+          <a:bodyPr rtlCol="0" anchor="ctr"/>
+          <a:lstStyle/>
+          <a:p>
+            <a:pPr algn="ctr"/>
+            <a:r>
+              <a:rPr lang="en-US" sz="1200" dirty="0" smtClean="0"/>
+              <a:t>SECURITY</a:t>
+            </a:r>
+            <a:endParaRPr lang="en-US" sz="1200" dirty="0"/>
+          </a:p>
+        </p:txBody>
+      </p:sp>
+      <p:sp>
+        <p:nvSpPr>
+          <p:cNvPr id="12" name="Rounded Rectangle 11"/>
+          <p:cNvSpPr/>
+          <p:nvPr/>
+        </p:nvSpPr>
+        <p:spPr>
+          <a:xfrm>
+            <a:off x="3191536" y="3693514"/>
+            <a:ext cx="1137920" cy="294640"/>
+          </a:xfrm>
+          <a:prstGeom prst="roundRect">
+            <a:avLst/>
+          </a:prstGeom>
+          <a:ln w="28575" cmpd="sng">
+            <a:solidFill>
+              <a:srgbClr val="000000"/>
+            </a:solidFill>
+            <a:prstDash val="solid"/>
+          </a:ln>
+        </p:spPr>
+        <p:style>
+          <a:lnRef idx="2">
+            <a:schemeClr val="accent1"/>
+          </a:lnRef>
+          <a:fillRef idx="1">
+            <a:schemeClr val="lt1"/>
+          </a:fillRef>
+          <a:effectRef idx="0">
+            <a:schemeClr val="accent1"/>
+          </a:effectRef>
+          <a:fontRef idx="minor">
+            <a:schemeClr val="dk1"/>
+          </a:fontRef>
+        </p:style>
+        <p:txBody>
+          <a:bodyPr rtlCol="0" anchor="ctr"/>
+          <a:lstStyle/>
+          <a:p>
+            <a:pPr algn="ctr"/>
+            <a:r>
+              <a:rPr lang="en-US" sz="1200" dirty="0" smtClean="0"/>
+              <a:t>Reliability</a:t>
+            </a:r>
+            <a:endParaRPr lang="en-US" sz="1200" dirty="0"/>
+          </a:p>
+        </p:txBody>
+      </p:sp>
+      <p:cxnSp>
+        <p:nvCxnSpPr>
+          <p:cNvPr id="62" name="Straight Connector 61"/>
+          <p:cNvCxnSpPr>
+            <a:stCxn id="12" idx="0"/>
+            <a:endCxn id="7" idx="2"/>
+          </p:cNvCxnSpPr>
+          <p:nvPr/>
+        </p:nvCxnSpPr>
+        <p:spPr>
+          <a:xfrm flipV="1">
+            <a:off x="3760496" y="3142279"/>
+            <a:ext cx="504605" cy="551235"/>
+          </a:xfrm>
+          <a:prstGeom prst="line">
+            <a:avLst/>
+          </a:prstGeom>
+        </p:spPr>
+        <p:style>
+          <a:lnRef idx="1">
+            <a:schemeClr val="dk1"/>
+          </a:lnRef>
+          <a:fillRef idx="0">
+            <a:schemeClr val="dk1"/>
+          </a:fillRef>
+          <a:effectRef idx="0">
+            <a:schemeClr val="dk1"/>
+          </a:effectRef>
+          <a:fontRef idx="minor">
+            <a:schemeClr val="tx1"/>
+          </a:fontRef>
+        </p:style>
+      </p:cxnSp>
+      <p:sp>
+        <p:nvSpPr>
+          <p:cNvPr id="125" name="Rounded Rectangle 124"/>
+          <p:cNvSpPr/>
+          <p:nvPr/>
+        </p:nvSpPr>
+        <p:spPr>
+          <a:xfrm>
+            <a:off x="5034773" y="1364594"/>
+            <a:ext cx="1103363" cy="203814"/>
+          </a:xfrm>
+          <a:prstGeom prst="roundRect">
+            <a:avLst>
+              <a:gd name="adj" fmla="val 0"/>
+            </a:avLst>
+          </a:prstGeom>
+          <a:solidFill>
+            <a:schemeClr val="lt1"/>
+          </a:solidFill>
+          <a:ln w="12700"/>
+        </p:spPr>
+        <p:style>
+          <a:lnRef idx="2">
+            <a:schemeClr val="dk1"/>
+          </a:lnRef>
+          <a:fillRef idx="1">
+            <a:schemeClr val="lt1"/>
+          </a:fillRef>
+          <a:effectRef idx="0">
+            <a:schemeClr val="dk1"/>
+          </a:effectRef>
+          <a:fontRef idx="minor">
+            <a:schemeClr val="dk1"/>
+          </a:fontRef>
+        </p:style>
+        <p:txBody>
+          <a:bodyPr rtlCol="0" anchor="ctr"/>
+          <a:lstStyle/>
+          <a:p>
+            <a:pPr algn="ctr"/>
+            <a:r>
+              <a:rPr lang="en-US" sz="1000" dirty="0" smtClean="0"/>
+              <a:t>Availability</a:t>
+            </a:r>
+            <a:endParaRPr lang="en-US" sz="1000" dirty="0"/>
+          </a:p>
+        </p:txBody>
+      </p:sp>
+      <p:sp>
+        <p:nvSpPr>
+          <p:cNvPr id="138" name="Rounded Rectangle 137"/>
+          <p:cNvSpPr/>
+          <p:nvPr/>
+        </p:nvSpPr>
+        <p:spPr>
+          <a:xfrm>
+            <a:off x="5034774" y="3329541"/>
+            <a:ext cx="1044567" cy="280772"/>
+          </a:xfrm>
+          <a:prstGeom prst="roundRect">
+            <a:avLst>
+              <a:gd name="adj" fmla="val 0"/>
+            </a:avLst>
+          </a:prstGeom>
+          <a:solidFill>
+            <a:schemeClr val="lt1"/>
+          </a:solidFill>
+          <a:ln w="12700"/>
+        </p:spPr>
+        <p:style>
+          <a:lnRef idx="2">
+            <a:schemeClr val="dk1"/>
+          </a:lnRef>
+          <a:fillRef idx="1">
+            <a:schemeClr val="lt1"/>
+          </a:fillRef>
+          <a:effectRef idx="0">
+            <a:schemeClr val="dk1"/>
+          </a:effectRef>
+          <a:fontRef idx="minor">
+            <a:schemeClr val="dk1"/>
+          </a:fontRef>
+        </p:style>
+        <p:txBody>
+          <a:bodyPr rtlCol="0" anchor="ctr"/>
+          <a:lstStyle/>
+          <a:p>
+            <a:pPr algn="ctr"/>
+            <a:r>
+              <a:rPr lang="en-US" sz="1000" dirty="0" smtClean="0"/>
+              <a:t>Confidentiality</a:t>
+            </a:r>
+            <a:endParaRPr lang="en-US" sz="1000" dirty="0"/>
+          </a:p>
+        </p:txBody>
+      </p:sp>
+      <p:sp>
+        <p:nvSpPr>
+          <p:cNvPr id="139" name="Rounded Rectangle 138"/>
+          <p:cNvSpPr/>
+          <p:nvPr/>
+        </p:nvSpPr>
+        <p:spPr>
+          <a:xfrm>
+            <a:off x="5035566" y="2457290"/>
+            <a:ext cx="1062700" cy="260985"/>
+          </a:xfrm>
+          <a:prstGeom prst="roundRect">
+            <a:avLst>
+              <a:gd name="adj" fmla="val 0"/>
+            </a:avLst>
+          </a:prstGeom>
+          <a:solidFill>
+            <a:schemeClr val="lt1"/>
+          </a:solidFill>
+          <a:ln w="12700"/>
+        </p:spPr>
+        <p:style>
+          <a:lnRef idx="2">
+            <a:schemeClr val="dk1"/>
+          </a:lnRef>
+          <a:fillRef idx="1">
+            <a:schemeClr val="lt1"/>
+          </a:fillRef>
+          <a:effectRef idx="0">
+            <a:schemeClr val="dk1"/>
+          </a:effectRef>
+          <a:fontRef idx="minor">
+            <a:schemeClr val="dk1"/>
+          </a:fontRef>
+        </p:style>
+        <p:txBody>
+          <a:bodyPr rtlCol="0" anchor="ctr"/>
+          <a:lstStyle/>
+          <a:p>
+            <a:pPr algn="ctr"/>
+            <a:r>
+              <a:rPr lang="en-US" sz="1000" dirty="0" smtClean="0"/>
+              <a:t>Safety</a:t>
+            </a:r>
+            <a:endParaRPr lang="en-US" sz="1000" dirty="0"/>
+          </a:p>
+        </p:txBody>
+      </p:sp>
+      <p:sp>
+        <p:nvSpPr>
+          <p:cNvPr id="140" name="Rounded Rectangle 139"/>
+          <p:cNvSpPr/>
+          <p:nvPr/>
+        </p:nvSpPr>
+        <p:spPr>
+          <a:xfrm>
+            <a:off x="5034774" y="2903952"/>
+            <a:ext cx="1034407" cy="227330"/>
+          </a:xfrm>
+          <a:prstGeom prst="roundRect">
+            <a:avLst>
+              <a:gd name="adj" fmla="val 0"/>
+            </a:avLst>
+          </a:prstGeom>
+          <a:solidFill>
+            <a:schemeClr val="lt1"/>
+          </a:solidFill>
+          <a:ln w="12700"/>
+        </p:spPr>
+        <p:style>
+          <a:lnRef idx="2">
+            <a:schemeClr val="dk1"/>
+          </a:lnRef>
+          <a:fillRef idx="1">
+            <a:schemeClr val="lt1"/>
+          </a:fillRef>
+          <a:effectRef idx="0">
+            <a:schemeClr val="dk1"/>
+          </a:effectRef>
+          <a:fontRef idx="minor">
+            <a:schemeClr val="dk1"/>
+          </a:fontRef>
+        </p:style>
+        <p:txBody>
+          <a:bodyPr rtlCol="0" anchor="ctr"/>
+          <a:lstStyle/>
+          <a:p>
+            <a:pPr algn="ctr"/>
+            <a:r>
+              <a:rPr lang="en-US" sz="1000" dirty="0" smtClean="0"/>
+              <a:t>Integrity</a:t>
+            </a:r>
+            <a:endParaRPr lang="en-US" sz="1000" dirty="0"/>
+          </a:p>
+        </p:txBody>
+      </p:sp>
+      <p:cxnSp>
+        <p:nvCxnSpPr>
+          <p:cNvPr id="150" name="Straight Connector 149"/>
+          <p:cNvCxnSpPr>
+            <a:stCxn id="125" idx="1"/>
+            <a:endCxn id="4" idx="3"/>
+          </p:cNvCxnSpPr>
+          <p:nvPr/>
+        </p:nvCxnSpPr>
+        <p:spPr>
+          <a:xfrm flipH="1">
+            <a:off x="4739137" y="1466501"/>
+            <a:ext cx="295636" cy="9239"/>
+          </a:xfrm>
+          <a:prstGeom prst="line">
+            <a:avLst/>
+          </a:prstGeom>
+        </p:spPr>
+        <p:style>
+          <a:lnRef idx="1">
+            <a:schemeClr val="dk1"/>
+          </a:lnRef>
+          <a:fillRef idx="0">
+            <a:schemeClr val="dk1"/>
+          </a:fillRef>
+          <a:effectRef idx="0">
+            <a:schemeClr val="dk1"/>
+          </a:effectRef>
+          <a:fontRef idx="minor">
+            <a:schemeClr val="tx1"/>
+          </a:fontRef>
+        </p:style>
+      </p:cxnSp>
+      <p:cxnSp>
+        <p:nvCxnSpPr>
+          <p:cNvPr id="443" name="Straight Connector 442"/>
+          <p:cNvCxnSpPr>
+            <a:stCxn id="139" idx="1"/>
+            <a:endCxn id="7" idx="3"/>
+          </p:cNvCxnSpPr>
+          <p:nvPr/>
+        </p:nvCxnSpPr>
+        <p:spPr>
+          <a:xfrm flipH="1">
+            <a:off x="4752780" y="2587783"/>
+            <a:ext cx="282786" cy="427496"/>
+          </a:xfrm>
+          <a:prstGeom prst="line">
+            <a:avLst/>
+          </a:prstGeom>
+        </p:spPr>
+        <p:style>
+          <a:lnRef idx="1">
+            <a:schemeClr val="dk1"/>
+          </a:lnRef>
+          <a:fillRef idx="0">
+            <a:schemeClr val="dk1"/>
+          </a:fillRef>
+          <a:effectRef idx="0">
+            <a:schemeClr val="dk1"/>
+          </a:effectRef>
+          <a:fontRef idx="minor">
+            <a:schemeClr val="tx1"/>
+          </a:fontRef>
+        </p:style>
+      </p:cxnSp>
+      <p:cxnSp>
+        <p:nvCxnSpPr>
+          <p:cNvPr id="446" name="Straight Connector 445"/>
+          <p:cNvCxnSpPr>
+            <a:stCxn id="140" idx="1"/>
+            <a:endCxn id="7" idx="3"/>
+          </p:cNvCxnSpPr>
+          <p:nvPr/>
+        </p:nvCxnSpPr>
+        <p:spPr>
+          <a:xfrm flipH="1" flipV="1">
+            <a:off x="4752780" y="3015279"/>
+            <a:ext cx="281994" cy="2338"/>
+          </a:xfrm>
+          <a:prstGeom prst="line">
+            <a:avLst/>
+          </a:prstGeom>
+        </p:spPr>
+        <p:style>
+          <a:lnRef idx="1">
+            <a:schemeClr val="dk1"/>
+          </a:lnRef>
+          <a:fillRef idx="0">
+            <a:schemeClr val="dk1"/>
+          </a:fillRef>
+          <a:effectRef idx="0">
+            <a:schemeClr val="dk1"/>
+          </a:effectRef>
+          <a:fontRef idx="minor">
+            <a:schemeClr val="tx1"/>
+          </a:fontRef>
+        </p:style>
+      </p:cxnSp>
+      <p:cxnSp>
+        <p:nvCxnSpPr>
+          <p:cNvPr id="449" name="Straight Connector 448"/>
+          <p:cNvCxnSpPr>
+            <a:stCxn id="138" idx="1"/>
+            <a:endCxn id="7" idx="3"/>
+          </p:cNvCxnSpPr>
+          <p:nvPr/>
+        </p:nvCxnSpPr>
+        <p:spPr>
+          <a:xfrm flipH="1" flipV="1">
+            <a:off x="4752780" y="3015279"/>
+            <a:ext cx="281994" cy="454648"/>
+          </a:xfrm>
+          <a:prstGeom prst="line">
+            <a:avLst/>
+          </a:prstGeom>
+        </p:spPr>
+        <p:style>
+          <a:lnRef idx="1">
+            <a:schemeClr val="dk1"/>
+          </a:lnRef>
+          <a:fillRef idx="0">
+            <a:schemeClr val="dk1"/>
+          </a:fillRef>
+          <a:effectRef idx="0">
+            <a:schemeClr val="dk1"/>
+          </a:effectRef>
+          <a:fontRef idx="minor">
+            <a:schemeClr val="tx1"/>
+          </a:fontRef>
+        </p:style>
+      </p:cxnSp>
+      <p:sp>
+        <p:nvSpPr>
+          <p:cNvPr id="2" name="TextBox 1"/>
+          <p:cNvSpPr txBox="1"/>
+          <p:nvPr/>
+        </p:nvSpPr>
+        <p:spPr>
+          <a:xfrm>
+            <a:off x="94584" y="6488668"/>
+            <a:ext cx="4980851" cy="369332"/>
+          </a:xfrm>
+          <a:prstGeom prst="rect">
+            <a:avLst/>
+          </a:prstGeom>
+          <a:noFill/>
+        </p:spPr>
+        <p:txBody>
+          <a:bodyPr wrap="none" rtlCol="0">
+            <a:spAutoFit/>
+          </a:bodyPr>
+          <a:lstStyle/>
+          <a:p>
+            <a:r>
+              <a:rPr lang="en-US" dirty="0" smtClean="0"/>
+              <a:t>FOR DEPENDABILITY PURPOSES COMPLETE MODEL</a:t>
+            </a:r>
+            <a:endParaRPr lang="en-US" dirty="0"/>
+          </a:p>
+        </p:txBody>
+      </p:sp>
+      <p:sp>
+        <p:nvSpPr>
           <p:cNvPr id="84" name="TextBox 83"/>
           <p:cNvSpPr txBox="1"/>
           <p:nvPr/>
         </p:nvSpPr>
         <p:spPr>
           <a:xfrm>
-            <a:off x="1279967" y="3875563"/>
+            <a:off x="1262980" y="3517668"/>
             <a:ext cx="1650700" cy="646331"/>
           </a:xfrm>
           <a:prstGeom prst="rect">
@@ -25066,8 +26092,8 @@
         </p:nvCxnSpPr>
         <p:spPr>
           <a:xfrm>
-            <a:off x="2930667" y="4198729"/>
-            <a:ext cx="260869" cy="0"/>
+            <a:off x="2913680" y="3840834"/>
+            <a:ext cx="277856" cy="0"/>
           </a:xfrm>
           <a:prstGeom prst="line">
             <a:avLst/>
@@ -25096,7 +26122,7 @@
         </p:nvSpPr>
         <p:spPr>
           <a:xfrm>
-            <a:off x="6627119" y="3200719"/>
+            <a:off x="6627119" y="2842824"/>
             <a:ext cx="1659829" cy="369332"/>
           </a:xfrm>
           <a:prstGeom prst="rect">
@@ -25135,39 +26161,6 @@
           </a:p>
         </p:txBody>
       </p:sp>
-      <p:cxnSp>
-        <p:nvCxnSpPr>
-          <p:cNvPr id="211" name="Straight Connector 210"/>
-          <p:cNvCxnSpPr>
-            <a:stCxn id="7" idx="0"/>
-            <a:endCxn id="10" idx="2"/>
-          </p:cNvCxnSpPr>
-          <p:nvPr/>
-        </p:nvCxnSpPr>
-        <p:spPr>
-          <a:xfrm flipH="1" flipV="1">
-            <a:off x="3764725" y="2686537"/>
-            <a:ext cx="500376" cy="559637"/>
-          </a:xfrm>
-          <a:prstGeom prst="line">
-            <a:avLst/>
-          </a:prstGeom>
-        </p:spPr>
-        <p:style>
-          <a:lnRef idx="1">
-            <a:schemeClr val="dk1"/>
-          </a:lnRef>
-          <a:fillRef idx="0">
-            <a:schemeClr val="dk1"/>
-          </a:fillRef>
-          <a:effectRef idx="0">
-            <a:schemeClr val="dk1"/>
-          </a:effectRef>
-          <a:fontRef idx="minor">
-            <a:schemeClr val="tx1"/>
-          </a:fontRef>
-        </p:style>
-      </p:cxnSp>
       <p:cxnSp>
         <p:nvCxnSpPr>
           <p:cNvPr id="316" name="Elbow Connector 315"/>
@@ -25178,12 +26171,12 @@
         </p:nvCxnSpPr>
         <p:spPr>
           <a:xfrm rot="10800000">
-            <a:off x="6138137" y="1466502"/>
-            <a:ext cx="1810873" cy="1734225"/>
+            <a:off x="6138136" y="1466501"/>
+            <a:ext cx="1810874" cy="1376322"/>
           </a:xfrm>
           <a:prstGeom prst="bentConnector3">
             <a:avLst>
-              <a:gd name="adj1" fmla="val 1299"/>
+              <a:gd name="adj1" fmla="val 908"/>
             </a:avLst>
           </a:prstGeom>
           <a:ln w="19050" cmpd="sng">
@@ -25220,7 +26213,7 @@
         </p:nvCxnSpPr>
         <p:spPr>
           <a:xfrm rot="5400000">
-            <a:off x="5578906" y="2320601"/>
+            <a:off x="5578906" y="1962706"/>
             <a:ext cx="628678" cy="3127578"/>
           </a:xfrm>
           <a:prstGeom prst="bentConnector2">
@@ -25251,20 +26244,20 @@
       </p:cxnSp>
       <p:cxnSp>
         <p:nvCxnSpPr>
-          <p:cNvPr id="323" name="Elbow Connector 322"/>
+          <p:cNvPr id="328" name="Elbow Connector 327"/>
           <p:cNvCxnSpPr>
-            <a:endCxn id="10" idx="3"/>
+            <a:endCxn id="139" idx="3"/>
           </p:cNvCxnSpPr>
           <p:nvPr/>
         </p:nvCxnSpPr>
         <p:spPr>
           <a:xfrm rot="10800000">
-            <a:off x="4409885" y="2539218"/>
-            <a:ext cx="2810068" cy="661501"/>
+            <a:off x="6098266" y="2587783"/>
+            <a:ext cx="839474" cy="255040"/>
           </a:xfrm>
           <a:prstGeom prst="bentConnector3">
             <a:avLst>
-              <a:gd name="adj1" fmla="val 204"/>
+              <a:gd name="adj1" fmla="val -1828"/>
             </a:avLst>
           </a:prstGeom>
           <a:ln w="19050" cmpd="sng">
@@ -25292,47 +26285,6 @@
       </p:cxnSp>
       <p:cxnSp>
         <p:nvCxnSpPr>
-          <p:cNvPr id="328" name="Elbow Connector 327"/>
-          <p:cNvCxnSpPr>
-            <a:endCxn id="139" idx="3"/>
-          </p:cNvCxnSpPr>
-          <p:nvPr/>
-        </p:nvCxnSpPr>
-        <p:spPr>
-          <a:xfrm rot="10800000">
-            <a:off x="6098266" y="2945678"/>
-            <a:ext cx="839474" cy="255040"/>
-          </a:xfrm>
-          <a:prstGeom prst="bentConnector3">
-            <a:avLst>
-              <a:gd name="adj1" fmla="val -1828"/>
-            </a:avLst>
-          </a:prstGeom>
-          <a:ln w="19050" cmpd="sng">
-            <a:solidFill>
-              <a:schemeClr val="tx1"/>
-            </a:solidFill>
-            <a:tailEnd type="arrow"/>
-          </a:ln>
-          <a:effectLst/>
-        </p:spPr>
-        <p:style>
-          <a:lnRef idx="2">
-            <a:schemeClr val="accent1"/>
-          </a:lnRef>
-          <a:fillRef idx="0">
-            <a:schemeClr val="accent1"/>
-          </a:fillRef>
-          <a:effectRef idx="1">
-            <a:schemeClr val="accent1"/>
-          </a:effectRef>
-          <a:fontRef idx="minor">
-            <a:schemeClr val="tx1"/>
-          </a:fontRef>
-        </p:style>
-      </p:cxnSp>
-      <p:cxnSp>
-        <p:nvCxnSpPr>
           <p:cNvPr id="334" name="Elbow Connector 333"/>
           <p:cNvCxnSpPr>
             <a:endCxn id="138" idx="3"/>
@@ -25341,7 +26293,7 @@
         </p:nvCxnSpPr>
         <p:spPr>
           <a:xfrm rot="10800000" flipV="1">
-            <a:off x="6079342" y="3570050"/>
+            <a:off x="6079342" y="3212155"/>
             <a:ext cx="858399" cy="257771"/>
           </a:xfrm>
           <a:prstGeom prst="bentConnector3">
@@ -25383,7 +26335,7 @@
         </p:nvCxnSpPr>
         <p:spPr>
           <a:xfrm flipH="1" flipV="1">
-            <a:off x="6069181" y="3375512"/>
+            <a:off x="6069181" y="3017617"/>
             <a:ext cx="557938" cy="9873"/>
           </a:xfrm>
           <a:prstGeom prst="straightConnector1">
@@ -25548,8 +26500,8 @@
         </p:nvCxnSpPr>
         <p:spPr>
           <a:xfrm rot="16200000" flipV="1">
-            <a:off x="6180131" y="1923815"/>
-            <a:ext cx="1234911" cy="1318897"/>
+            <a:off x="6359078" y="1744867"/>
+            <a:ext cx="877016" cy="1318897"/>
           </a:xfrm>
           <a:prstGeom prst="bentConnector2">
             <a:avLst/>
@@ -25693,7 +26645,7 @@
 </p:sld>
 </file>
 
-<file path=ppt/slides/slide18.xml><?xml version="1.0" encoding="utf-8"?>
+<file path=ppt/slides/slide19.xml><?xml version="1.0" encoding="utf-8"?>
 <p:sld xmlns:a="http://schemas.openxmlformats.org/drawingml/2006/main" xmlns:r="http://schemas.openxmlformats.org/officeDocument/2006/relationships" xmlns:p="http://schemas.openxmlformats.org/presentationml/2006/main" show="0">
   <p:cSld>
     <p:spTree>
@@ -29580,7 +30532,440 @@
 </p:sld>
 </file>
 
-<file path=ppt/slides/slide19.xml><?xml version="1.0" encoding="utf-8"?>
+<file path=ppt/slides/slide2.xml><?xml version="1.0" encoding="utf-8"?>
+<p:sld xmlns:a="http://schemas.openxmlformats.org/drawingml/2006/main" xmlns:r="http://schemas.openxmlformats.org/officeDocument/2006/relationships" xmlns:p="http://schemas.openxmlformats.org/presentationml/2006/main">
+  <p:cSld>
+    <p:spTree>
+      <p:nvGrpSpPr>
+        <p:cNvPr id="1" name=""/>
+        <p:cNvGrpSpPr/>
+        <p:nvPr/>
+      </p:nvGrpSpPr>
+      <p:grpSpPr>
+        <a:xfrm>
+          <a:off x="0" y="0"/>
+          <a:ext cx="0" cy="0"/>
+          <a:chOff x="0" y="0"/>
+          <a:chExt cx="0" cy="0"/>
+        </a:xfrm>
+      </p:grpSpPr>
+      <p:sp>
+        <p:nvSpPr>
+          <p:cNvPr id="8" name="Rounded Rectangle 7"/>
+          <p:cNvSpPr/>
+          <p:nvPr/>
+        </p:nvSpPr>
+        <p:spPr>
+          <a:xfrm>
+            <a:off x="1518914" y="770058"/>
+            <a:ext cx="1290320" cy="294640"/>
+          </a:xfrm>
+          <a:prstGeom prst="roundRect">
+            <a:avLst/>
+          </a:prstGeom>
+          <a:ln w="38100" cmpd="dbl">
+            <a:prstDash val="solid"/>
+          </a:ln>
+        </p:spPr>
+        <p:style>
+          <a:lnRef idx="2">
+            <a:schemeClr val="dk1"/>
+          </a:lnRef>
+          <a:fillRef idx="1">
+            <a:schemeClr val="lt1"/>
+          </a:fillRef>
+          <a:effectRef idx="0">
+            <a:schemeClr val="dk1"/>
+          </a:effectRef>
+          <a:fontRef idx="minor">
+            <a:schemeClr val="dk1"/>
+          </a:fontRef>
+        </p:style>
+        <p:txBody>
+          <a:bodyPr rtlCol="0" anchor="ctr"/>
+          <a:lstStyle/>
+          <a:p>
+            <a:pPr algn="ctr"/>
+            <a:r>
+              <a:rPr lang="en-US" sz="1200" dirty="0" smtClean="0"/>
+              <a:t>Convenience</a:t>
+            </a:r>
+            <a:endParaRPr lang="en-US" sz="1200" dirty="0"/>
+          </a:p>
+        </p:txBody>
+      </p:sp>
+      <p:sp>
+        <p:nvSpPr>
+          <p:cNvPr id="9" name="Rounded Rectangle 8"/>
+          <p:cNvSpPr/>
+          <p:nvPr/>
+        </p:nvSpPr>
+        <p:spPr>
+          <a:xfrm>
+            <a:off x="1518914" y="1337674"/>
+            <a:ext cx="1290320" cy="294640"/>
+          </a:xfrm>
+          <a:prstGeom prst="roundRect">
+            <a:avLst/>
+          </a:prstGeom>
+          <a:ln w="38100" cmpd="dbl">
+            <a:prstDash val="solid"/>
+          </a:ln>
+        </p:spPr>
+        <p:style>
+          <a:lnRef idx="2">
+            <a:schemeClr val="dk1"/>
+          </a:lnRef>
+          <a:fillRef idx="1">
+            <a:schemeClr val="lt1"/>
+          </a:fillRef>
+          <a:effectRef idx="0">
+            <a:schemeClr val="dk1"/>
+          </a:effectRef>
+          <a:fontRef idx="minor">
+            <a:schemeClr val="dk1"/>
+          </a:fontRef>
+        </p:style>
+        <p:txBody>
+          <a:bodyPr rtlCol="0" anchor="ctr"/>
+          <a:lstStyle/>
+          <a:p>
+            <a:pPr algn="ctr"/>
+            <a:r>
+              <a:rPr lang="en-US" sz="1200" dirty="0" smtClean="0"/>
+              <a:t>Performance</a:t>
+            </a:r>
+            <a:endParaRPr lang="en-US" sz="1200" dirty="0"/>
+          </a:p>
+        </p:txBody>
+      </p:sp>
+      <p:sp>
+        <p:nvSpPr>
+          <p:cNvPr id="10" name="Rounded Rectangle 9"/>
+          <p:cNvSpPr/>
+          <p:nvPr/>
+        </p:nvSpPr>
+        <p:spPr>
+          <a:xfrm>
+            <a:off x="1518914" y="1890061"/>
+            <a:ext cx="1290320" cy="294640"/>
+          </a:xfrm>
+          <a:prstGeom prst="roundRect">
+            <a:avLst/>
+          </a:prstGeom>
+          <a:ln w="38100" cmpd="dbl">
+            <a:prstDash val="solid"/>
+          </a:ln>
+        </p:spPr>
+        <p:style>
+          <a:lnRef idx="2">
+            <a:schemeClr val="dk1"/>
+          </a:lnRef>
+          <a:fillRef idx="1">
+            <a:schemeClr val="lt1"/>
+          </a:fillRef>
+          <a:effectRef idx="0">
+            <a:schemeClr val="dk1"/>
+          </a:effectRef>
+          <a:fontRef idx="minor">
+            <a:schemeClr val="dk1"/>
+          </a:fontRef>
+        </p:style>
+        <p:txBody>
+          <a:bodyPr rtlCol="0" anchor="ctr"/>
+          <a:lstStyle/>
+          <a:p>
+            <a:pPr algn="ctr"/>
+            <a:r>
+              <a:rPr lang="en-US" sz="1200" dirty="0" smtClean="0"/>
+              <a:t>Trustworthiness</a:t>
+            </a:r>
+            <a:endParaRPr lang="en-US" sz="1200" dirty="0"/>
+          </a:p>
+        </p:txBody>
+      </p:sp>
+      <p:sp>
+        <p:nvSpPr>
+          <p:cNvPr id="2" name="TextBox 1"/>
+          <p:cNvSpPr txBox="1"/>
+          <p:nvPr/>
+        </p:nvSpPr>
+        <p:spPr>
+          <a:xfrm>
+            <a:off x="6504396" y="1064698"/>
+            <a:ext cx="2499640" cy="369332"/>
+          </a:xfrm>
+          <a:prstGeom prst="rect">
+            <a:avLst/>
+          </a:prstGeom>
+          <a:noFill/>
+        </p:spPr>
+        <p:txBody>
+          <a:bodyPr wrap="none" rtlCol="0">
+            <a:spAutoFit/>
+          </a:bodyPr>
+          <a:lstStyle/>
+          <a:p>
+            <a:r>
+              <a:rPr lang="en-US" dirty="0" smtClean="0"/>
+              <a:t>CUSTOMER PERCEPTION</a:t>
+            </a:r>
+            <a:endParaRPr lang="en-US" dirty="0"/>
+          </a:p>
+        </p:txBody>
+      </p:sp>
+      <p:sp>
+        <p:nvSpPr>
+          <p:cNvPr id="3" name="TextBox 2"/>
+          <p:cNvSpPr txBox="1"/>
+          <p:nvPr/>
+        </p:nvSpPr>
+        <p:spPr>
+          <a:xfrm>
+            <a:off x="3271259" y="1319942"/>
+            <a:ext cx="2398087" cy="369332"/>
+          </a:xfrm>
+          <a:prstGeom prst="rect">
+            <a:avLst/>
+          </a:prstGeom>
+        </p:spPr>
+        <p:style>
+          <a:lnRef idx="2">
+            <a:schemeClr val="dk1"/>
+          </a:lnRef>
+          <a:fillRef idx="1">
+            <a:schemeClr val="lt1"/>
+          </a:fillRef>
+          <a:effectRef idx="0">
+            <a:schemeClr val="dk1"/>
+          </a:effectRef>
+          <a:fontRef idx="minor">
+            <a:schemeClr val="dk1"/>
+          </a:fontRef>
+        </p:style>
+        <p:txBody>
+          <a:bodyPr wrap="none" rtlCol="0">
+            <a:spAutoFit/>
+          </a:bodyPr>
+          <a:lstStyle/>
+          <a:p>
+            <a:r>
+              <a:rPr lang="en-US" dirty="0" smtClean="0"/>
+              <a:t>E-Service Quality in Use</a:t>
+            </a:r>
+          </a:p>
+        </p:txBody>
+      </p:sp>
+      <p:cxnSp>
+        <p:nvCxnSpPr>
+          <p:cNvPr id="11" name="Straight Connector 10"/>
+          <p:cNvCxnSpPr>
+            <a:stCxn id="8" idx="3"/>
+            <a:endCxn id="3" idx="1"/>
+          </p:cNvCxnSpPr>
+          <p:nvPr/>
+        </p:nvCxnSpPr>
+        <p:spPr>
+          <a:xfrm>
+            <a:off x="2809234" y="917378"/>
+            <a:ext cx="462025" cy="587230"/>
+          </a:xfrm>
+          <a:prstGeom prst="line">
+            <a:avLst/>
+          </a:prstGeom>
+        </p:spPr>
+        <p:style>
+          <a:lnRef idx="1">
+            <a:schemeClr val="dk1"/>
+          </a:lnRef>
+          <a:fillRef idx="0">
+            <a:schemeClr val="dk1"/>
+          </a:fillRef>
+          <a:effectRef idx="0">
+            <a:schemeClr val="dk1"/>
+          </a:effectRef>
+          <a:fontRef idx="minor">
+            <a:schemeClr val="tx1"/>
+          </a:fontRef>
+        </p:style>
+      </p:cxnSp>
+      <p:cxnSp>
+        <p:nvCxnSpPr>
+          <p:cNvPr id="12" name="Straight Connector 11"/>
+          <p:cNvCxnSpPr>
+            <a:stCxn id="9" idx="3"/>
+            <a:endCxn id="3" idx="1"/>
+          </p:cNvCxnSpPr>
+          <p:nvPr/>
+        </p:nvCxnSpPr>
+        <p:spPr>
+          <a:xfrm>
+            <a:off x="2809234" y="1484994"/>
+            <a:ext cx="462025" cy="19614"/>
+          </a:xfrm>
+          <a:prstGeom prst="line">
+            <a:avLst/>
+          </a:prstGeom>
+        </p:spPr>
+        <p:style>
+          <a:lnRef idx="1">
+            <a:schemeClr val="dk1"/>
+          </a:lnRef>
+          <a:fillRef idx="0">
+            <a:schemeClr val="dk1"/>
+          </a:fillRef>
+          <a:effectRef idx="0">
+            <a:schemeClr val="dk1"/>
+          </a:effectRef>
+          <a:fontRef idx="minor">
+            <a:schemeClr val="tx1"/>
+          </a:fontRef>
+        </p:style>
+      </p:cxnSp>
+      <p:cxnSp>
+        <p:nvCxnSpPr>
+          <p:cNvPr id="14" name="Straight Connector 13"/>
+          <p:cNvCxnSpPr>
+            <a:stCxn id="10" idx="3"/>
+            <a:endCxn id="3" idx="1"/>
+          </p:cNvCxnSpPr>
+          <p:nvPr/>
+        </p:nvCxnSpPr>
+        <p:spPr>
+          <a:xfrm flipV="1">
+            <a:off x="2809234" y="1504608"/>
+            <a:ext cx="462025" cy="532773"/>
+          </a:xfrm>
+          <a:prstGeom prst="line">
+            <a:avLst/>
+          </a:prstGeom>
+        </p:spPr>
+        <p:style>
+          <a:lnRef idx="1">
+            <a:schemeClr val="dk1"/>
+          </a:lnRef>
+          <a:fillRef idx="0">
+            <a:schemeClr val="dk1"/>
+          </a:fillRef>
+          <a:effectRef idx="0">
+            <a:schemeClr val="dk1"/>
+          </a:effectRef>
+          <a:fontRef idx="minor">
+            <a:schemeClr val="tx1"/>
+          </a:fontRef>
+        </p:style>
+      </p:cxnSp>
+      <p:sp>
+        <p:nvSpPr>
+          <p:cNvPr id="23" name="TextBox 22"/>
+          <p:cNvSpPr txBox="1"/>
+          <p:nvPr/>
+        </p:nvSpPr>
+        <p:spPr>
+          <a:xfrm>
+            <a:off x="5377848" y="3999778"/>
+            <a:ext cx="3045500" cy="369332"/>
+          </a:xfrm>
+          <a:prstGeom prst="rect">
+            <a:avLst/>
+          </a:prstGeom>
+          <a:noFill/>
+        </p:spPr>
+        <p:txBody>
+          <a:bodyPr wrap="none" rtlCol="0">
+            <a:spAutoFit/>
+          </a:bodyPr>
+          <a:lstStyle/>
+          <a:p>
+            <a:r>
+              <a:rPr lang="en-US" dirty="0" smtClean="0"/>
+              <a:t>E-Service Quality in Use model</a:t>
+            </a:r>
+            <a:endParaRPr lang="en-US" dirty="0"/>
+          </a:p>
+        </p:txBody>
+      </p:sp>
+      <p:sp>
+        <p:nvSpPr>
+          <p:cNvPr id="24" name="TextBox 23"/>
+          <p:cNvSpPr txBox="1"/>
+          <p:nvPr/>
+        </p:nvSpPr>
+        <p:spPr>
+          <a:xfrm>
+            <a:off x="6504396" y="2222047"/>
+            <a:ext cx="1918952" cy="369332"/>
+          </a:xfrm>
+          <a:prstGeom prst="rect">
+            <a:avLst/>
+          </a:prstGeom>
+          <a:noFill/>
+        </p:spPr>
+        <p:txBody>
+          <a:bodyPr wrap="none" rtlCol="0">
+            <a:spAutoFit/>
+          </a:bodyPr>
+          <a:lstStyle/>
+          <a:p>
+            <a:r>
+              <a:rPr lang="en-US" b="1" dirty="0" smtClean="0"/>
+              <a:t>CHARACTERISTICS</a:t>
+            </a:r>
+            <a:endParaRPr lang="en-US" b="1" dirty="0"/>
+          </a:p>
+        </p:txBody>
+      </p:sp>
+      <p:sp>
+        <p:nvSpPr>
+          <p:cNvPr id="22" name="TextBox 21"/>
+          <p:cNvSpPr txBox="1"/>
+          <p:nvPr/>
+        </p:nvSpPr>
+        <p:spPr>
+          <a:xfrm>
+            <a:off x="202680" y="6020974"/>
+            <a:ext cx="8781370" cy="369332"/>
+          </a:xfrm>
+          <a:prstGeom prst="rect">
+            <a:avLst/>
+          </a:prstGeom>
+          <a:noFill/>
+        </p:spPr>
+        <p:txBody>
+          <a:bodyPr wrap="none" rtlCol="0">
+            <a:spAutoFit/>
+          </a:bodyPr>
+          <a:lstStyle/>
+          <a:p>
+            <a:r>
+              <a:rPr lang="en-US" dirty="0" smtClean="0"/>
+              <a:t>Hypothesis: This 4 e-services characteristics positively influence the user quality perception.</a:t>
+            </a:r>
+            <a:endParaRPr lang="en-US" dirty="0"/>
+          </a:p>
+        </p:txBody>
+      </p:sp>
+    </p:spTree>
+    <p:extLst>
+      <p:ext uri="{BB962C8B-B14F-4D97-AF65-F5344CB8AC3E}">
+        <p14:creationId xmlns:p14="http://schemas.microsoft.com/office/powerpoint/2010/main" val="2145450646"/>
+      </p:ext>
+    </p:extLst>
+  </p:cSld>
+  <p:clrMapOvr>
+    <a:masterClrMapping/>
+  </p:clrMapOvr>
+  <p:timing>
+    <p:tnLst>
+      <p:par>
+        <p:cTn xmlns:p14="http://schemas.microsoft.com/office/powerpoint/2010/main" id="1" dur="indefinite" restart="never" nodeType="tmRoot"/>
+      </p:par>
+    </p:tnLst>
+  </p:timing>
+</p:sld>
+</file>
+
+<file path=ppt/slides/slide20.xml><?xml version="1.0" encoding="utf-8"?>
 <p:sld xmlns:a="http://schemas.openxmlformats.org/drawingml/2006/main" xmlns:r="http://schemas.openxmlformats.org/officeDocument/2006/relationships" xmlns:p="http://schemas.openxmlformats.org/presentationml/2006/main">
   <p:cSld>
     <p:spTree>
@@ -31841,440 +33226,7 @@
 </p:sld>
 </file>
 
-<file path=ppt/slides/slide2.xml><?xml version="1.0" encoding="utf-8"?>
-<p:sld xmlns:a="http://schemas.openxmlformats.org/drawingml/2006/main" xmlns:r="http://schemas.openxmlformats.org/officeDocument/2006/relationships" xmlns:p="http://schemas.openxmlformats.org/presentationml/2006/main">
-  <p:cSld>
-    <p:spTree>
-      <p:nvGrpSpPr>
-        <p:cNvPr id="1" name=""/>
-        <p:cNvGrpSpPr/>
-        <p:nvPr/>
-      </p:nvGrpSpPr>
-      <p:grpSpPr>
-        <a:xfrm>
-          <a:off x="0" y="0"/>
-          <a:ext cx="0" cy="0"/>
-          <a:chOff x="0" y="0"/>
-          <a:chExt cx="0" cy="0"/>
-        </a:xfrm>
-      </p:grpSpPr>
-      <p:sp>
-        <p:nvSpPr>
-          <p:cNvPr id="8" name="Rounded Rectangle 7"/>
-          <p:cNvSpPr/>
-          <p:nvPr/>
-        </p:nvSpPr>
-        <p:spPr>
-          <a:xfrm>
-            <a:off x="1518914" y="770058"/>
-            <a:ext cx="1290320" cy="294640"/>
-          </a:xfrm>
-          <a:prstGeom prst="roundRect">
-            <a:avLst/>
-          </a:prstGeom>
-          <a:ln w="38100" cmpd="dbl">
-            <a:prstDash val="solid"/>
-          </a:ln>
-        </p:spPr>
-        <p:style>
-          <a:lnRef idx="2">
-            <a:schemeClr val="dk1"/>
-          </a:lnRef>
-          <a:fillRef idx="1">
-            <a:schemeClr val="lt1"/>
-          </a:fillRef>
-          <a:effectRef idx="0">
-            <a:schemeClr val="dk1"/>
-          </a:effectRef>
-          <a:fontRef idx="minor">
-            <a:schemeClr val="dk1"/>
-          </a:fontRef>
-        </p:style>
-        <p:txBody>
-          <a:bodyPr rtlCol="0" anchor="ctr"/>
-          <a:lstStyle/>
-          <a:p>
-            <a:pPr algn="ctr"/>
-            <a:r>
-              <a:rPr lang="en-US" sz="1200" dirty="0" smtClean="0"/>
-              <a:t>Convenience</a:t>
-            </a:r>
-            <a:endParaRPr lang="en-US" sz="1200" dirty="0"/>
-          </a:p>
-        </p:txBody>
-      </p:sp>
-      <p:sp>
-        <p:nvSpPr>
-          <p:cNvPr id="9" name="Rounded Rectangle 8"/>
-          <p:cNvSpPr/>
-          <p:nvPr/>
-        </p:nvSpPr>
-        <p:spPr>
-          <a:xfrm>
-            <a:off x="1518914" y="1337674"/>
-            <a:ext cx="1290320" cy="294640"/>
-          </a:xfrm>
-          <a:prstGeom prst="roundRect">
-            <a:avLst/>
-          </a:prstGeom>
-          <a:ln w="38100" cmpd="dbl">
-            <a:prstDash val="solid"/>
-          </a:ln>
-        </p:spPr>
-        <p:style>
-          <a:lnRef idx="2">
-            <a:schemeClr val="dk1"/>
-          </a:lnRef>
-          <a:fillRef idx="1">
-            <a:schemeClr val="lt1"/>
-          </a:fillRef>
-          <a:effectRef idx="0">
-            <a:schemeClr val="dk1"/>
-          </a:effectRef>
-          <a:fontRef idx="minor">
-            <a:schemeClr val="dk1"/>
-          </a:fontRef>
-        </p:style>
-        <p:txBody>
-          <a:bodyPr rtlCol="0" anchor="ctr"/>
-          <a:lstStyle/>
-          <a:p>
-            <a:pPr algn="ctr"/>
-            <a:r>
-              <a:rPr lang="en-US" sz="1200" dirty="0" smtClean="0"/>
-              <a:t>Performance</a:t>
-            </a:r>
-            <a:endParaRPr lang="en-US" sz="1200" dirty="0"/>
-          </a:p>
-        </p:txBody>
-      </p:sp>
-      <p:sp>
-        <p:nvSpPr>
-          <p:cNvPr id="10" name="Rounded Rectangle 9"/>
-          <p:cNvSpPr/>
-          <p:nvPr/>
-        </p:nvSpPr>
-        <p:spPr>
-          <a:xfrm>
-            <a:off x="1518914" y="1890061"/>
-            <a:ext cx="1290320" cy="294640"/>
-          </a:xfrm>
-          <a:prstGeom prst="roundRect">
-            <a:avLst/>
-          </a:prstGeom>
-          <a:ln w="38100" cmpd="dbl">
-            <a:prstDash val="solid"/>
-          </a:ln>
-        </p:spPr>
-        <p:style>
-          <a:lnRef idx="2">
-            <a:schemeClr val="dk1"/>
-          </a:lnRef>
-          <a:fillRef idx="1">
-            <a:schemeClr val="lt1"/>
-          </a:fillRef>
-          <a:effectRef idx="0">
-            <a:schemeClr val="dk1"/>
-          </a:effectRef>
-          <a:fontRef idx="minor">
-            <a:schemeClr val="dk1"/>
-          </a:fontRef>
-        </p:style>
-        <p:txBody>
-          <a:bodyPr rtlCol="0" anchor="ctr"/>
-          <a:lstStyle/>
-          <a:p>
-            <a:pPr algn="ctr"/>
-            <a:r>
-              <a:rPr lang="en-US" sz="1200" dirty="0" smtClean="0"/>
-              <a:t>Trustworthiness</a:t>
-            </a:r>
-            <a:endParaRPr lang="en-US" sz="1200" dirty="0"/>
-          </a:p>
-        </p:txBody>
-      </p:sp>
-      <p:sp>
-        <p:nvSpPr>
-          <p:cNvPr id="2" name="TextBox 1"/>
-          <p:cNvSpPr txBox="1"/>
-          <p:nvPr/>
-        </p:nvSpPr>
-        <p:spPr>
-          <a:xfrm>
-            <a:off x="6504396" y="1064698"/>
-            <a:ext cx="2499640" cy="369332"/>
-          </a:xfrm>
-          <a:prstGeom prst="rect">
-            <a:avLst/>
-          </a:prstGeom>
-          <a:noFill/>
-        </p:spPr>
-        <p:txBody>
-          <a:bodyPr wrap="none" rtlCol="0">
-            <a:spAutoFit/>
-          </a:bodyPr>
-          <a:lstStyle/>
-          <a:p>
-            <a:r>
-              <a:rPr lang="en-US" dirty="0" smtClean="0"/>
-              <a:t>CUSTOMER PERCEPTION</a:t>
-            </a:r>
-            <a:endParaRPr lang="en-US" dirty="0"/>
-          </a:p>
-        </p:txBody>
-      </p:sp>
-      <p:sp>
-        <p:nvSpPr>
-          <p:cNvPr id="3" name="TextBox 2"/>
-          <p:cNvSpPr txBox="1"/>
-          <p:nvPr/>
-        </p:nvSpPr>
-        <p:spPr>
-          <a:xfrm>
-            <a:off x="3271259" y="1319942"/>
-            <a:ext cx="2398087" cy="369332"/>
-          </a:xfrm>
-          <a:prstGeom prst="rect">
-            <a:avLst/>
-          </a:prstGeom>
-        </p:spPr>
-        <p:style>
-          <a:lnRef idx="2">
-            <a:schemeClr val="dk1"/>
-          </a:lnRef>
-          <a:fillRef idx="1">
-            <a:schemeClr val="lt1"/>
-          </a:fillRef>
-          <a:effectRef idx="0">
-            <a:schemeClr val="dk1"/>
-          </a:effectRef>
-          <a:fontRef idx="minor">
-            <a:schemeClr val="dk1"/>
-          </a:fontRef>
-        </p:style>
-        <p:txBody>
-          <a:bodyPr wrap="none" rtlCol="0">
-            <a:spAutoFit/>
-          </a:bodyPr>
-          <a:lstStyle/>
-          <a:p>
-            <a:r>
-              <a:rPr lang="en-US" dirty="0" smtClean="0"/>
-              <a:t>E-Service Quality in Use</a:t>
-            </a:r>
-          </a:p>
-        </p:txBody>
-      </p:sp>
-      <p:cxnSp>
-        <p:nvCxnSpPr>
-          <p:cNvPr id="11" name="Straight Connector 10"/>
-          <p:cNvCxnSpPr>
-            <a:stCxn id="8" idx="3"/>
-            <a:endCxn id="3" idx="1"/>
-          </p:cNvCxnSpPr>
-          <p:nvPr/>
-        </p:nvCxnSpPr>
-        <p:spPr>
-          <a:xfrm>
-            <a:off x="2809234" y="917378"/>
-            <a:ext cx="462025" cy="587230"/>
-          </a:xfrm>
-          <a:prstGeom prst="line">
-            <a:avLst/>
-          </a:prstGeom>
-        </p:spPr>
-        <p:style>
-          <a:lnRef idx="1">
-            <a:schemeClr val="dk1"/>
-          </a:lnRef>
-          <a:fillRef idx="0">
-            <a:schemeClr val="dk1"/>
-          </a:fillRef>
-          <a:effectRef idx="0">
-            <a:schemeClr val="dk1"/>
-          </a:effectRef>
-          <a:fontRef idx="minor">
-            <a:schemeClr val="tx1"/>
-          </a:fontRef>
-        </p:style>
-      </p:cxnSp>
-      <p:cxnSp>
-        <p:nvCxnSpPr>
-          <p:cNvPr id="12" name="Straight Connector 11"/>
-          <p:cNvCxnSpPr>
-            <a:stCxn id="9" idx="3"/>
-            <a:endCxn id="3" idx="1"/>
-          </p:cNvCxnSpPr>
-          <p:nvPr/>
-        </p:nvCxnSpPr>
-        <p:spPr>
-          <a:xfrm>
-            <a:off x="2809234" y="1484994"/>
-            <a:ext cx="462025" cy="19614"/>
-          </a:xfrm>
-          <a:prstGeom prst="line">
-            <a:avLst/>
-          </a:prstGeom>
-        </p:spPr>
-        <p:style>
-          <a:lnRef idx="1">
-            <a:schemeClr val="dk1"/>
-          </a:lnRef>
-          <a:fillRef idx="0">
-            <a:schemeClr val="dk1"/>
-          </a:fillRef>
-          <a:effectRef idx="0">
-            <a:schemeClr val="dk1"/>
-          </a:effectRef>
-          <a:fontRef idx="minor">
-            <a:schemeClr val="tx1"/>
-          </a:fontRef>
-        </p:style>
-      </p:cxnSp>
-      <p:cxnSp>
-        <p:nvCxnSpPr>
-          <p:cNvPr id="14" name="Straight Connector 13"/>
-          <p:cNvCxnSpPr>
-            <a:stCxn id="10" idx="3"/>
-            <a:endCxn id="3" idx="1"/>
-          </p:cNvCxnSpPr>
-          <p:nvPr/>
-        </p:nvCxnSpPr>
-        <p:spPr>
-          <a:xfrm flipV="1">
-            <a:off x="2809234" y="1504608"/>
-            <a:ext cx="462025" cy="532773"/>
-          </a:xfrm>
-          <a:prstGeom prst="line">
-            <a:avLst/>
-          </a:prstGeom>
-        </p:spPr>
-        <p:style>
-          <a:lnRef idx="1">
-            <a:schemeClr val="dk1"/>
-          </a:lnRef>
-          <a:fillRef idx="0">
-            <a:schemeClr val="dk1"/>
-          </a:fillRef>
-          <a:effectRef idx="0">
-            <a:schemeClr val="dk1"/>
-          </a:effectRef>
-          <a:fontRef idx="minor">
-            <a:schemeClr val="tx1"/>
-          </a:fontRef>
-        </p:style>
-      </p:cxnSp>
-      <p:sp>
-        <p:nvSpPr>
-          <p:cNvPr id="23" name="TextBox 22"/>
-          <p:cNvSpPr txBox="1"/>
-          <p:nvPr/>
-        </p:nvSpPr>
-        <p:spPr>
-          <a:xfrm>
-            <a:off x="5377848" y="3999778"/>
-            <a:ext cx="3045500" cy="369332"/>
-          </a:xfrm>
-          <a:prstGeom prst="rect">
-            <a:avLst/>
-          </a:prstGeom>
-          <a:noFill/>
-        </p:spPr>
-        <p:txBody>
-          <a:bodyPr wrap="none" rtlCol="0">
-            <a:spAutoFit/>
-          </a:bodyPr>
-          <a:lstStyle/>
-          <a:p>
-            <a:r>
-              <a:rPr lang="en-US" dirty="0" smtClean="0"/>
-              <a:t>E-Service Quality in Use model</a:t>
-            </a:r>
-            <a:endParaRPr lang="en-US" dirty="0"/>
-          </a:p>
-        </p:txBody>
-      </p:sp>
-      <p:sp>
-        <p:nvSpPr>
-          <p:cNvPr id="24" name="TextBox 23"/>
-          <p:cNvSpPr txBox="1"/>
-          <p:nvPr/>
-        </p:nvSpPr>
-        <p:spPr>
-          <a:xfrm>
-            <a:off x="6504396" y="2222047"/>
-            <a:ext cx="1918952" cy="369332"/>
-          </a:xfrm>
-          <a:prstGeom prst="rect">
-            <a:avLst/>
-          </a:prstGeom>
-          <a:noFill/>
-        </p:spPr>
-        <p:txBody>
-          <a:bodyPr wrap="none" rtlCol="0">
-            <a:spAutoFit/>
-          </a:bodyPr>
-          <a:lstStyle/>
-          <a:p>
-            <a:r>
-              <a:rPr lang="en-US" b="1" dirty="0" smtClean="0"/>
-              <a:t>CHARACTERISTICS</a:t>
-            </a:r>
-            <a:endParaRPr lang="en-US" b="1" dirty="0"/>
-          </a:p>
-        </p:txBody>
-      </p:sp>
-      <p:sp>
-        <p:nvSpPr>
-          <p:cNvPr id="22" name="TextBox 21"/>
-          <p:cNvSpPr txBox="1"/>
-          <p:nvPr/>
-        </p:nvSpPr>
-        <p:spPr>
-          <a:xfrm>
-            <a:off x="202680" y="6020974"/>
-            <a:ext cx="8781370" cy="369332"/>
-          </a:xfrm>
-          <a:prstGeom prst="rect">
-            <a:avLst/>
-          </a:prstGeom>
-          <a:noFill/>
-        </p:spPr>
-        <p:txBody>
-          <a:bodyPr wrap="none" rtlCol="0">
-            <a:spAutoFit/>
-          </a:bodyPr>
-          <a:lstStyle/>
-          <a:p>
-            <a:r>
-              <a:rPr lang="en-US" dirty="0" smtClean="0"/>
-              <a:t>Hypothesis: This 4 e-services characteristics positively influence the user quality perception.</a:t>
-            </a:r>
-            <a:endParaRPr lang="en-US" dirty="0"/>
-          </a:p>
-        </p:txBody>
-      </p:sp>
-    </p:spTree>
-    <p:extLst>
-      <p:ext uri="{BB962C8B-B14F-4D97-AF65-F5344CB8AC3E}">
-        <p14:creationId xmlns:p14="http://schemas.microsoft.com/office/powerpoint/2010/main" val="2145450646"/>
-      </p:ext>
-    </p:extLst>
-  </p:cSld>
-  <p:clrMapOvr>
-    <a:masterClrMapping/>
-  </p:clrMapOvr>
-  <p:timing>
-    <p:tnLst>
-      <p:par>
-        <p:cTn xmlns:p14="http://schemas.microsoft.com/office/powerpoint/2010/main" id="1" dur="indefinite" restart="never" nodeType="tmRoot"/>
-      </p:par>
-    </p:tnLst>
-  </p:timing>
-</p:sld>
-</file>
-
-<file path=ppt/slides/slide20.xml><?xml version="1.0" encoding="utf-8"?>
+<file path=ppt/slides/slide21.xml><?xml version="1.0" encoding="utf-8"?>
 <p:sld xmlns:a="http://schemas.openxmlformats.org/drawingml/2006/main" xmlns:r="http://schemas.openxmlformats.org/officeDocument/2006/relationships" xmlns:p="http://schemas.openxmlformats.org/presentationml/2006/main">
   <p:cSld>
     <p:spTree>
@@ -33308,7 +34260,7 @@
 </p:sld>
 </file>
 
-<file path=ppt/slides/slide21.xml><?xml version="1.0" encoding="utf-8"?>
+<file path=ppt/slides/slide22.xml><?xml version="1.0" encoding="utf-8"?>
 <p:sld xmlns:a="http://schemas.openxmlformats.org/drawingml/2006/main" xmlns:r="http://schemas.openxmlformats.org/officeDocument/2006/relationships" xmlns:p="http://schemas.openxmlformats.org/presentationml/2006/main">
   <p:cSld>
     <p:spTree>
@@ -33398,7 +34350,7 @@
 </p:sld>
 </file>
 
-<file path=ppt/slides/slide22.xml><?xml version="1.0" encoding="utf-8"?>
+<file path=ppt/slides/slide23.xml><?xml version="1.0" encoding="utf-8"?>
 <p:sld xmlns:a="http://schemas.openxmlformats.org/drawingml/2006/main" xmlns:r="http://schemas.openxmlformats.org/officeDocument/2006/relationships" xmlns:p="http://schemas.openxmlformats.org/presentationml/2006/main">
   <p:cSld>
     <p:spTree>
@@ -33860,7 +34812,7 @@
 </p:sld>
 </file>
 
-<file path=ppt/slides/slide23.xml><?xml version="1.0" encoding="utf-8"?>
+<file path=ppt/slides/slide24.xml><?xml version="1.0" encoding="utf-8"?>
 <p:sld xmlns:a="http://schemas.openxmlformats.org/drawingml/2006/main" xmlns:r="http://schemas.openxmlformats.org/officeDocument/2006/relationships" xmlns:p="http://schemas.openxmlformats.org/presentationml/2006/main">
   <p:cSld>
     <p:spTree>

--- a/model.pptx
+++ b/model.pptx
@@ -4288,7 +4288,7 @@
           <a:graphicData uri="http://schemas.openxmlformats.org/presentationml/2006/ole">
             <mc:AlternateContent xmlns:mc="http://schemas.openxmlformats.org/markup-compatibility/2006">
               <mc:Choice xmlns:v="urn:schemas-microsoft-com:vml" Requires="v">
-                <p:oleObj spid="_x0000_s1145" name="Equation" r:id="rId3" imgW="3771900" imgH="203200" progId="Equation.3">
+                <p:oleObj spid="_x0000_s1148" name="Equation" r:id="rId3" imgW="3771900" imgH="203200" progId="Equation.3">
                   <p:embed/>
                 </p:oleObj>
               </mc:Choice>
@@ -34829,6 +34829,126 @@
           <a:chExt cx="0" cy="0"/>
         </a:xfrm>
       </p:grpSpPr>
+      <p:pic>
+        <p:nvPicPr>
+          <p:cNvPr id="6" name="Picture 5" descr="Screen Shot 2016-08-19 at 16.45.42.png"/>
+          <p:cNvPicPr>
+            <a:picLocks noChangeAspect="1"/>
+          </p:cNvPicPr>
+          <p:nvPr/>
+        </p:nvPicPr>
+        <p:blipFill>
+          <a:blip r:embed="rId2">
+            <a:extLst>
+              <a:ext uri="{28A0092B-C50C-407E-A947-70E740481C1C}">
+                <a14:useLocalDpi xmlns:a14="http://schemas.microsoft.com/office/drawing/2010/main" val="0"/>
+              </a:ext>
+            </a:extLst>
+          </a:blip>
+          <a:stretch>
+            <a:fillRect/>
+          </a:stretch>
+        </p:blipFill>
+        <p:spPr>
+          <a:xfrm>
+            <a:off x="0" y="-11545"/>
+            <a:ext cx="9144000" cy="6108000"/>
+          </a:xfrm>
+          <a:prstGeom prst="rect">
+            <a:avLst/>
+          </a:prstGeom>
+        </p:spPr>
+      </p:pic>
+      <p:sp>
+        <p:nvSpPr>
+          <p:cNvPr id="7" name="TextBox 6"/>
+          <p:cNvSpPr txBox="1"/>
+          <p:nvPr/>
+        </p:nvSpPr>
+        <p:spPr>
+          <a:xfrm>
+            <a:off x="8264023" y="1385455"/>
+            <a:ext cx="775610" cy="369332"/>
+          </a:xfrm>
+          <a:prstGeom prst="rect">
+            <a:avLst/>
+          </a:prstGeom>
+          <a:noFill/>
+        </p:spPr>
+        <p:txBody>
+          <a:bodyPr wrap="none" rtlCol="0">
+            <a:spAutoFit/>
+          </a:bodyPr>
+          <a:lstStyle/>
+          <a:p>
+            <a:r>
+              <a:rPr lang="en-US" b="1" dirty="0" smtClean="0"/>
+              <a:t>Part A</a:t>
+            </a:r>
+            <a:endParaRPr lang="en-US" b="1" dirty="0"/>
+          </a:p>
+        </p:txBody>
+      </p:sp>
+      <p:sp>
+        <p:nvSpPr>
+          <p:cNvPr id="8" name="TextBox 7"/>
+          <p:cNvSpPr txBox="1"/>
+          <p:nvPr/>
+        </p:nvSpPr>
+        <p:spPr>
+          <a:xfrm>
+            <a:off x="6823150" y="3246583"/>
+            <a:ext cx="765128" cy="369332"/>
+          </a:xfrm>
+          <a:prstGeom prst="rect">
+            <a:avLst/>
+          </a:prstGeom>
+          <a:noFill/>
+        </p:spPr>
+        <p:txBody>
+          <a:bodyPr wrap="none" rtlCol="0">
+            <a:spAutoFit/>
+          </a:bodyPr>
+          <a:lstStyle/>
+          <a:p>
+            <a:r>
+              <a:rPr lang="en-US" b="1" dirty="0" smtClean="0"/>
+              <a:t>Part B</a:t>
+            </a:r>
+            <a:endParaRPr lang="en-US" b="1" dirty="0"/>
+          </a:p>
+        </p:txBody>
+      </p:sp>
+      <p:sp>
+        <p:nvSpPr>
+          <p:cNvPr id="9" name="TextBox 8"/>
+          <p:cNvSpPr txBox="1"/>
+          <p:nvPr/>
+        </p:nvSpPr>
+        <p:spPr>
+          <a:xfrm>
+            <a:off x="3336423" y="5727123"/>
+            <a:ext cx="757915" cy="369332"/>
+          </a:xfrm>
+          <a:prstGeom prst="rect">
+            <a:avLst/>
+          </a:prstGeom>
+          <a:noFill/>
+        </p:spPr>
+        <p:txBody>
+          <a:bodyPr wrap="none" rtlCol="0">
+            <a:spAutoFit/>
+          </a:bodyPr>
+          <a:lstStyle/>
+          <a:p>
+            <a:r>
+              <a:rPr lang="en-US" b="1" smtClean="0"/>
+              <a:t>Part C</a:t>
+            </a:r>
+            <a:endParaRPr lang="en-US" b="1" dirty="0"/>
+          </a:p>
+        </p:txBody>
+      </p:sp>
     </p:spTree>
     <p:extLst>
       <p:ext uri="{BB962C8B-B14F-4D97-AF65-F5344CB8AC3E}">

--- a/model.pptx
+++ b/model.pptx
@@ -4288,7 +4288,7 @@
           <a:graphicData uri="http://schemas.openxmlformats.org/presentationml/2006/ole">
             <mc:AlternateContent xmlns:mc="http://schemas.openxmlformats.org/markup-compatibility/2006">
               <mc:Choice xmlns:v="urn:schemas-microsoft-com:vml" Requires="v">
-                <p:oleObj spid="_x0000_s1148" name="Equation" r:id="rId3" imgW="3771900" imgH="203200" progId="Equation.3">
+                <p:oleObj spid="_x0000_s1158" name="Equation" r:id="rId3" imgW="3771900" imgH="203200" progId="Equation.3">
                   <p:embed/>
                 </p:oleObj>
               </mc:Choice>
@@ -4535,7 +4535,7 @@
         </p:nvSpPr>
         <p:spPr>
           <a:xfrm>
-            <a:off x="4941701" y="5095356"/>
+            <a:off x="4941701" y="5026086"/>
             <a:ext cx="1239517" cy="254000"/>
           </a:xfrm>
           <a:prstGeom prst="roundRect">
@@ -4955,6 +4955,2350 @@
           </a:p>
         </p:txBody>
       </p:sp>
+      <p:sp>
+        <p:nvSpPr>
+          <p:cNvPr id="70" name="Rounded Rectangle 69"/>
+          <p:cNvSpPr/>
+          <p:nvPr/>
+        </p:nvSpPr>
+        <p:spPr>
+          <a:xfrm>
+            <a:off x="6628262" y="2578500"/>
+            <a:ext cx="1851659" cy="254000"/>
+          </a:xfrm>
+          <a:prstGeom prst="roundRect">
+            <a:avLst>
+              <a:gd name="adj" fmla="val 0"/>
+            </a:avLst>
+          </a:prstGeom>
+          <a:solidFill>
+            <a:schemeClr val="lt1"/>
+          </a:solidFill>
+          <a:ln w="12700"/>
+        </p:spPr>
+        <p:style>
+          <a:lnRef idx="2">
+            <a:schemeClr val="dk1"/>
+          </a:lnRef>
+          <a:fillRef idx="1">
+            <a:schemeClr val="lt1"/>
+          </a:fillRef>
+          <a:effectRef idx="0">
+            <a:schemeClr val="dk1"/>
+          </a:effectRef>
+          <a:fontRef idx="minor">
+            <a:schemeClr val="dk1"/>
+          </a:fontRef>
+        </p:style>
+        <p:txBody>
+          <a:bodyPr rtlCol="0" anchor="ctr"/>
+          <a:lstStyle/>
+          <a:p>
+            <a:pPr algn="ctr"/>
+            <a:r>
+              <a:rPr lang="en-US" sz="1000" dirty="0" smtClean="0"/>
+              <a:t>Fault Tolerance</a:t>
+            </a:r>
+            <a:endParaRPr lang="en-US" sz="1000" dirty="0"/>
+          </a:p>
+        </p:txBody>
+      </p:sp>
+      <p:sp>
+        <p:nvSpPr>
+          <p:cNvPr id="72" name="Rounded Rectangle 71"/>
+          <p:cNvSpPr/>
+          <p:nvPr/>
+        </p:nvSpPr>
+        <p:spPr>
+          <a:xfrm>
+            <a:off x="6656267" y="5634486"/>
+            <a:ext cx="1011197" cy="240573"/>
+          </a:xfrm>
+          <a:prstGeom prst="roundRect">
+            <a:avLst>
+              <a:gd name="adj" fmla="val 0"/>
+            </a:avLst>
+          </a:prstGeom>
+          <a:solidFill>
+            <a:schemeClr val="lt1"/>
+          </a:solidFill>
+          <a:ln w="12700"/>
+        </p:spPr>
+        <p:style>
+          <a:lnRef idx="2">
+            <a:schemeClr val="dk1"/>
+          </a:lnRef>
+          <a:fillRef idx="1">
+            <a:schemeClr val="lt1"/>
+          </a:fillRef>
+          <a:effectRef idx="0">
+            <a:schemeClr val="dk1"/>
+          </a:effectRef>
+          <a:fontRef idx="minor">
+            <a:schemeClr val="dk1"/>
+          </a:fontRef>
+        </p:style>
+        <p:txBody>
+          <a:bodyPr rtlCol="0" anchor="ctr"/>
+          <a:lstStyle/>
+          <a:p>
+            <a:pPr algn="ctr"/>
+            <a:r>
+              <a:rPr lang="en-US" sz="1000" dirty="0" smtClean="0"/>
+              <a:t>Confidentiality</a:t>
+            </a:r>
+            <a:endParaRPr lang="en-US" sz="1000" dirty="0"/>
+          </a:p>
+        </p:txBody>
+      </p:sp>
+      <p:sp>
+        <p:nvSpPr>
+          <p:cNvPr id="74" name="Rounded Rectangle 73"/>
+          <p:cNvSpPr/>
+          <p:nvPr/>
+        </p:nvSpPr>
+        <p:spPr>
+          <a:xfrm>
+            <a:off x="6653727" y="4408327"/>
+            <a:ext cx="2098997" cy="227330"/>
+          </a:xfrm>
+          <a:prstGeom prst="roundRect">
+            <a:avLst>
+              <a:gd name="adj" fmla="val 0"/>
+            </a:avLst>
+          </a:prstGeom>
+          <a:solidFill>
+            <a:schemeClr val="lt1"/>
+          </a:solidFill>
+          <a:ln w="12700"/>
+        </p:spPr>
+        <p:style>
+          <a:lnRef idx="2">
+            <a:schemeClr val="dk1"/>
+          </a:lnRef>
+          <a:fillRef idx="1">
+            <a:schemeClr val="lt1"/>
+          </a:fillRef>
+          <a:effectRef idx="0">
+            <a:schemeClr val="dk1"/>
+          </a:effectRef>
+          <a:fontRef idx="minor">
+            <a:schemeClr val="dk1"/>
+          </a:fontRef>
+        </p:style>
+        <p:txBody>
+          <a:bodyPr rtlCol="0" anchor="ctr"/>
+          <a:lstStyle/>
+          <a:p>
+            <a:pPr algn="ctr"/>
+            <a:r>
+              <a:rPr lang="en-US" sz="1000" dirty="0" smtClean="0"/>
+              <a:t>Safety</a:t>
+            </a:r>
+            <a:endParaRPr lang="en-US" sz="1000" dirty="0"/>
+          </a:p>
+        </p:txBody>
+      </p:sp>
+      <p:sp>
+        <p:nvSpPr>
+          <p:cNvPr id="75" name="Rounded Rectangle 74"/>
+          <p:cNvSpPr/>
+          <p:nvPr/>
+        </p:nvSpPr>
+        <p:spPr>
+          <a:xfrm>
+            <a:off x="6666427" y="5331309"/>
+            <a:ext cx="1001037" cy="227330"/>
+          </a:xfrm>
+          <a:prstGeom prst="roundRect">
+            <a:avLst>
+              <a:gd name="adj" fmla="val 0"/>
+            </a:avLst>
+          </a:prstGeom>
+          <a:solidFill>
+            <a:schemeClr val="lt1"/>
+          </a:solidFill>
+          <a:ln w="12700"/>
+        </p:spPr>
+        <p:style>
+          <a:lnRef idx="2">
+            <a:schemeClr val="dk1"/>
+          </a:lnRef>
+          <a:fillRef idx="1">
+            <a:schemeClr val="lt1"/>
+          </a:fillRef>
+          <a:effectRef idx="0">
+            <a:schemeClr val="dk1"/>
+          </a:effectRef>
+          <a:fontRef idx="minor">
+            <a:schemeClr val="dk1"/>
+          </a:fontRef>
+        </p:style>
+        <p:txBody>
+          <a:bodyPr rtlCol="0" anchor="ctr"/>
+          <a:lstStyle/>
+          <a:p>
+            <a:pPr algn="ctr"/>
+            <a:r>
+              <a:rPr lang="en-US" sz="1000" dirty="0" smtClean="0"/>
+              <a:t>Integrity</a:t>
+            </a:r>
+            <a:endParaRPr lang="en-US" sz="1000" dirty="0"/>
+          </a:p>
+        </p:txBody>
+      </p:sp>
+      <p:sp>
+        <p:nvSpPr>
+          <p:cNvPr id="76" name="Rounded Rectangle 75"/>
+          <p:cNvSpPr/>
+          <p:nvPr/>
+        </p:nvSpPr>
+        <p:spPr>
+          <a:xfrm>
+            <a:off x="6661625" y="4744875"/>
+            <a:ext cx="1005839" cy="227330"/>
+          </a:xfrm>
+          <a:prstGeom prst="roundRect">
+            <a:avLst>
+              <a:gd name="adj" fmla="val 0"/>
+            </a:avLst>
+          </a:prstGeom>
+          <a:solidFill>
+            <a:schemeClr val="lt1"/>
+          </a:solidFill>
+          <a:ln w="12700"/>
+        </p:spPr>
+        <p:style>
+          <a:lnRef idx="2">
+            <a:schemeClr val="dk1"/>
+          </a:lnRef>
+          <a:fillRef idx="1">
+            <a:schemeClr val="lt1"/>
+          </a:fillRef>
+          <a:effectRef idx="0">
+            <a:schemeClr val="dk1"/>
+          </a:effectRef>
+          <a:fontRef idx="minor">
+            <a:schemeClr val="dk1"/>
+          </a:fontRef>
+        </p:style>
+        <p:txBody>
+          <a:bodyPr rtlCol="0" anchor="ctr"/>
+          <a:lstStyle/>
+          <a:p>
+            <a:pPr algn="ctr"/>
+            <a:r>
+              <a:rPr lang="en-US" sz="1000" dirty="0" smtClean="0"/>
+              <a:t>Authenticity</a:t>
+            </a:r>
+            <a:endParaRPr lang="en-US" sz="1000" dirty="0"/>
+          </a:p>
+        </p:txBody>
+      </p:sp>
+      <p:cxnSp>
+        <p:nvCxnSpPr>
+          <p:cNvPr id="77" name="Straight Connector 76"/>
+          <p:cNvCxnSpPr>
+            <a:stCxn id="59" idx="1"/>
+            <a:endCxn id="54" idx="3"/>
+          </p:cNvCxnSpPr>
+          <p:nvPr/>
+        </p:nvCxnSpPr>
+        <p:spPr>
+          <a:xfrm flipH="1">
+            <a:off x="6181219" y="303530"/>
+            <a:ext cx="589283" cy="337185"/>
+          </a:xfrm>
+          <a:prstGeom prst="line">
+            <a:avLst/>
+          </a:prstGeom>
+        </p:spPr>
+        <p:style>
+          <a:lnRef idx="1">
+            <a:schemeClr val="dk1"/>
+          </a:lnRef>
+          <a:fillRef idx="0">
+            <a:schemeClr val="dk1"/>
+          </a:fillRef>
+          <a:effectRef idx="0">
+            <a:schemeClr val="dk1"/>
+          </a:effectRef>
+          <a:fontRef idx="minor">
+            <a:schemeClr val="tx1"/>
+          </a:fontRef>
+        </p:style>
+      </p:cxnSp>
+      <p:cxnSp>
+        <p:nvCxnSpPr>
+          <p:cNvPr id="78" name="Straight Connector 77"/>
+          <p:cNvCxnSpPr>
+            <a:stCxn id="60" idx="1"/>
+            <a:endCxn id="54" idx="3"/>
+          </p:cNvCxnSpPr>
+          <p:nvPr/>
+        </p:nvCxnSpPr>
+        <p:spPr>
+          <a:xfrm flipH="1" flipV="1">
+            <a:off x="6181219" y="640715"/>
+            <a:ext cx="579123" cy="4445"/>
+          </a:xfrm>
+          <a:prstGeom prst="line">
+            <a:avLst/>
+          </a:prstGeom>
+        </p:spPr>
+        <p:style>
+          <a:lnRef idx="1">
+            <a:schemeClr val="dk1"/>
+          </a:lnRef>
+          <a:fillRef idx="0">
+            <a:schemeClr val="dk1"/>
+          </a:fillRef>
+          <a:effectRef idx="0">
+            <a:schemeClr val="dk1"/>
+          </a:effectRef>
+          <a:fontRef idx="minor">
+            <a:schemeClr val="tx1"/>
+          </a:fontRef>
+        </p:style>
+      </p:cxnSp>
+      <p:cxnSp>
+        <p:nvCxnSpPr>
+          <p:cNvPr id="79" name="Straight Connector 78"/>
+          <p:cNvCxnSpPr>
+            <a:stCxn id="58" idx="1"/>
+            <a:endCxn id="54" idx="3"/>
+          </p:cNvCxnSpPr>
+          <p:nvPr/>
+        </p:nvCxnSpPr>
+        <p:spPr>
+          <a:xfrm flipH="1" flipV="1">
+            <a:off x="6181219" y="640715"/>
+            <a:ext cx="589283" cy="369752"/>
+          </a:xfrm>
+          <a:prstGeom prst="line">
+            <a:avLst/>
+          </a:prstGeom>
+        </p:spPr>
+        <p:style>
+          <a:lnRef idx="1">
+            <a:schemeClr val="dk1"/>
+          </a:lnRef>
+          <a:fillRef idx="0">
+            <a:schemeClr val="dk1"/>
+          </a:fillRef>
+          <a:effectRef idx="0">
+            <a:schemeClr val="dk1"/>
+          </a:effectRef>
+          <a:fontRef idx="minor">
+            <a:schemeClr val="tx1"/>
+          </a:fontRef>
+        </p:style>
+      </p:cxnSp>
+      <p:cxnSp>
+        <p:nvCxnSpPr>
+          <p:cNvPr id="82" name="Straight Connector 81"/>
+          <p:cNvCxnSpPr>
+            <a:stCxn id="61" idx="1"/>
+            <a:endCxn id="55" idx="3"/>
+          </p:cNvCxnSpPr>
+          <p:nvPr/>
+        </p:nvCxnSpPr>
+        <p:spPr>
+          <a:xfrm flipH="1">
+            <a:off x="6181219" y="1524661"/>
+            <a:ext cx="518163" cy="380999"/>
+          </a:xfrm>
+          <a:prstGeom prst="line">
+            <a:avLst/>
+          </a:prstGeom>
+        </p:spPr>
+        <p:style>
+          <a:lnRef idx="1">
+            <a:schemeClr val="dk1"/>
+          </a:lnRef>
+          <a:fillRef idx="0">
+            <a:schemeClr val="dk1"/>
+          </a:fillRef>
+          <a:effectRef idx="0">
+            <a:schemeClr val="dk1"/>
+          </a:effectRef>
+          <a:fontRef idx="minor">
+            <a:schemeClr val="tx1"/>
+          </a:fontRef>
+        </p:style>
+      </p:cxnSp>
+      <p:cxnSp>
+        <p:nvCxnSpPr>
+          <p:cNvPr id="83" name="Straight Connector 82"/>
+          <p:cNvCxnSpPr>
+            <a:stCxn id="62" idx="1"/>
+            <a:endCxn id="55" idx="3"/>
+          </p:cNvCxnSpPr>
+          <p:nvPr/>
+        </p:nvCxnSpPr>
+        <p:spPr>
+          <a:xfrm flipH="1">
+            <a:off x="6181219" y="1890709"/>
+            <a:ext cx="518163" cy="14951"/>
+          </a:xfrm>
+          <a:prstGeom prst="line">
+            <a:avLst/>
+          </a:prstGeom>
+        </p:spPr>
+        <p:style>
+          <a:lnRef idx="1">
+            <a:schemeClr val="dk1"/>
+          </a:lnRef>
+          <a:fillRef idx="0">
+            <a:schemeClr val="dk1"/>
+          </a:fillRef>
+          <a:effectRef idx="0">
+            <a:schemeClr val="dk1"/>
+          </a:effectRef>
+          <a:fontRef idx="minor">
+            <a:schemeClr val="tx1"/>
+          </a:fontRef>
+        </p:style>
+      </p:cxnSp>
+      <p:cxnSp>
+        <p:nvCxnSpPr>
+          <p:cNvPr id="84" name="Straight Connector 83"/>
+          <p:cNvCxnSpPr>
+            <a:stCxn id="64" idx="1"/>
+            <a:endCxn id="56" idx="3"/>
+          </p:cNvCxnSpPr>
+          <p:nvPr/>
+        </p:nvCxnSpPr>
+        <p:spPr>
+          <a:xfrm flipH="1">
+            <a:off x="6181218" y="3063641"/>
+            <a:ext cx="447044" cy="350171"/>
+          </a:xfrm>
+          <a:prstGeom prst="line">
+            <a:avLst/>
+          </a:prstGeom>
+        </p:spPr>
+        <p:style>
+          <a:lnRef idx="1">
+            <a:schemeClr val="dk1"/>
+          </a:lnRef>
+          <a:fillRef idx="0">
+            <a:schemeClr val="dk1"/>
+          </a:fillRef>
+          <a:effectRef idx="0">
+            <a:schemeClr val="dk1"/>
+          </a:effectRef>
+          <a:fontRef idx="minor">
+            <a:schemeClr val="tx1"/>
+          </a:fontRef>
+        </p:style>
+      </p:cxnSp>
+      <p:cxnSp>
+        <p:nvCxnSpPr>
+          <p:cNvPr id="85" name="Straight Arrow Connector 84"/>
+          <p:cNvCxnSpPr>
+            <a:stCxn id="61" idx="0"/>
+            <a:endCxn id="58" idx="2"/>
+          </p:cNvCxnSpPr>
+          <p:nvPr/>
+        </p:nvCxnSpPr>
+        <p:spPr>
+          <a:xfrm flipH="1" flipV="1">
+            <a:off x="7580917" y="1154465"/>
+            <a:ext cx="8319" cy="238116"/>
+          </a:xfrm>
+          <a:prstGeom prst="straightConnector1">
+            <a:avLst/>
+          </a:prstGeom>
+          <a:ln w="12700" cmpd="sng">
+            <a:headEnd type="none"/>
+            <a:tailEnd type="triangle"/>
+          </a:ln>
+          <a:effectLst/>
+        </p:spPr>
+        <p:style>
+          <a:lnRef idx="2">
+            <a:schemeClr val="accent1"/>
+          </a:lnRef>
+          <a:fillRef idx="0">
+            <a:schemeClr val="accent1"/>
+          </a:fillRef>
+          <a:effectRef idx="1">
+            <a:schemeClr val="accent1"/>
+          </a:effectRef>
+          <a:fontRef idx="minor">
+            <a:schemeClr val="tx1"/>
+          </a:fontRef>
+        </p:style>
+      </p:cxnSp>
+      <p:cxnSp>
+        <p:nvCxnSpPr>
+          <p:cNvPr id="86" name="Elbow Connector 85"/>
+          <p:cNvCxnSpPr>
+            <a:stCxn id="63" idx="3"/>
+          </p:cNvCxnSpPr>
+          <p:nvPr/>
+        </p:nvCxnSpPr>
+        <p:spPr>
+          <a:xfrm flipH="1" flipV="1">
+            <a:off x="7756756" y="2032660"/>
+            <a:ext cx="416481" cy="262718"/>
+          </a:xfrm>
+          <a:prstGeom prst="bentConnector3">
+            <a:avLst>
+              <a:gd name="adj1" fmla="val -49899"/>
+            </a:avLst>
+          </a:prstGeom>
+          <a:ln w="3175" cmpd="sng">
+            <a:prstDash val="lgDash"/>
+            <a:tailEnd type="arrow"/>
+          </a:ln>
+          <a:effectLst/>
+        </p:spPr>
+        <p:style>
+          <a:lnRef idx="2">
+            <a:schemeClr val="accent1"/>
+          </a:lnRef>
+          <a:fillRef idx="0">
+            <a:schemeClr val="accent1"/>
+          </a:fillRef>
+          <a:effectRef idx="1">
+            <a:schemeClr val="accent1"/>
+          </a:effectRef>
+          <a:fontRef idx="minor">
+            <a:schemeClr val="tx1"/>
+          </a:fontRef>
+        </p:style>
+      </p:cxnSp>
+      <p:cxnSp>
+        <p:nvCxnSpPr>
+          <p:cNvPr id="87" name="Elbow Connector 86"/>
+          <p:cNvCxnSpPr>
+            <a:stCxn id="62" idx="3"/>
+          </p:cNvCxnSpPr>
+          <p:nvPr/>
+        </p:nvCxnSpPr>
+        <p:spPr>
+          <a:xfrm flipV="1">
+            <a:off x="7777592" y="1656741"/>
+            <a:ext cx="228199" cy="233968"/>
+          </a:xfrm>
+          <a:prstGeom prst="bentConnector3">
+            <a:avLst>
+              <a:gd name="adj1" fmla="val 93286"/>
+            </a:avLst>
+          </a:prstGeom>
+          <a:ln w="3175" cmpd="sng">
+            <a:prstDash val="lgDash"/>
+            <a:headEnd type="none"/>
+            <a:tailEnd type="arrow"/>
+          </a:ln>
+          <a:effectLst/>
+        </p:spPr>
+        <p:style>
+          <a:lnRef idx="2">
+            <a:schemeClr val="accent1"/>
+          </a:lnRef>
+          <a:fillRef idx="0">
+            <a:schemeClr val="accent1"/>
+          </a:fillRef>
+          <a:effectRef idx="1">
+            <a:schemeClr val="accent1"/>
+          </a:effectRef>
+          <a:fontRef idx="minor">
+            <a:schemeClr val="tx1"/>
+          </a:fontRef>
+        </p:style>
+      </p:cxnSp>
+      <p:cxnSp>
+        <p:nvCxnSpPr>
+          <p:cNvPr id="88" name="Elbow Connector 87"/>
+          <p:cNvCxnSpPr>
+            <a:stCxn id="64" idx="3"/>
+            <a:endCxn id="58" idx="3"/>
+          </p:cNvCxnSpPr>
+          <p:nvPr/>
+        </p:nvCxnSpPr>
+        <p:spPr>
+          <a:xfrm flipH="1" flipV="1">
+            <a:off x="8404307" y="1010467"/>
+            <a:ext cx="276127" cy="2053174"/>
+          </a:xfrm>
+          <a:prstGeom prst="bentConnector3">
+            <a:avLst>
+              <a:gd name="adj1" fmla="val -75262"/>
+            </a:avLst>
+          </a:prstGeom>
+          <a:ln w="12700" cmpd="sng">
+            <a:headEnd type="none"/>
+            <a:tailEnd type="triangle"/>
+          </a:ln>
+          <a:effectLst/>
+        </p:spPr>
+        <p:style>
+          <a:lnRef idx="2">
+            <a:schemeClr val="accent1"/>
+          </a:lnRef>
+          <a:fillRef idx="0">
+            <a:schemeClr val="accent1"/>
+          </a:fillRef>
+          <a:effectRef idx="1">
+            <a:schemeClr val="accent1"/>
+          </a:effectRef>
+          <a:fontRef idx="minor">
+            <a:schemeClr val="tx1"/>
+          </a:fontRef>
+        </p:style>
+      </p:cxnSp>
+      <p:cxnSp>
+        <p:nvCxnSpPr>
+          <p:cNvPr id="89" name="Straight Connector 88"/>
+          <p:cNvCxnSpPr>
+            <a:stCxn id="70" idx="1"/>
+            <a:endCxn id="56" idx="3"/>
+          </p:cNvCxnSpPr>
+          <p:nvPr/>
+        </p:nvCxnSpPr>
+        <p:spPr>
+          <a:xfrm flipH="1">
+            <a:off x="6181218" y="2705500"/>
+            <a:ext cx="447044" cy="708312"/>
+          </a:xfrm>
+          <a:prstGeom prst="line">
+            <a:avLst/>
+          </a:prstGeom>
+        </p:spPr>
+        <p:style>
+          <a:lnRef idx="1">
+            <a:schemeClr val="dk1"/>
+          </a:lnRef>
+          <a:fillRef idx="0">
+            <a:schemeClr val="dk1"/>
+          </a:fillRef>
+          <a:effectRef idx="0">
+            <a:schemeClr val="dk1"/>
+          </a:effectRef>
+          <a:fontRef idx="minor">
+            <a:schemeClr val="tx1"/>
+          </a:fontRef>
+        </p:style>
+      </p:cxnSp>
+      <p:cxnSp>
+        <p:nvCxnSpPr>
+          <p:cNvPr id="90" name="Straight Connector 89"/>
+          <p:cNvCxnSpPr>
+            <a:stCxn id="65" idx="1"/>
+            <a:endCxn id="56" idx="3"/>
+          </p:cNvCxnSpPr>
+          <p:nvPr/>
+        </p:nvCxnSpPr>
+        <p:spPr>
+          <a:xfrm flipH="1" flipV="1">
+            <a:off x="6181218" y="3413812"/>
+            <a:ext cx="416564" cy="81829"/>
+          </a:xfrm>
+          <a:prstGeom prst="line">
+            <a:avLst/>
+          </a:prstGeom>
+        </p:spPr>
+        <p:style>
+          <a:lnRef idx="1">
+            <a:schemeClr val="dk1"/>
+          </a:lnRef>
+          <a:fillRef idx="0">
+            <a:schemeClr val="dk1"/>
+          </a:fillRef>
+          <a:effectRef idx="0">
+            <a:schemeClr val="dk1"/>
+          </a:effectRef>
+          <a:fontRef idx="minor">
+            <a:schemeClr val="tx1"/>
+          </a:fontRef>
+        </p:style>
+      </p:cxnSp>
+      <p:cxnSp>
+        <p:nvCxnSpPr>
+          <p:cNvPr id="92" name="Straight Connector 91"/>
+          <p:cNvCxnSpPr>
+            <a:stCxn id="81" idx="1"/>
+            <a:endCxn id="56" idx="3"/>
+          </p:cNvCxnSpPr>
+          <p:nvPr/>
+        </p:nvCxnSpPr>
+        <p:spPr>
+          <a:xfrm flipH="1" flipV="1">
+            <a:off x="6181218" y="3413812"/>
+            <a:ext cx="464402" cy="466854"/>
+          </a:xfrm>
+          <a:prstGeom prst="line">
+            <a:avLst/>
+          </a:prstGeom>
+        </p:spPr>
+        <p:style>
+          <a:lnRef idx="1">
+            <a:schemeClr val="dk1"/>
+          </a:lnRef>
+          <a:fillRef idx="0">
+            <a:schemeClr val="dk1"/>
+          </a:fillRef>
+          <a:effectRef idx="0">
+            <a:schemeClr val="dk1"/>
+          </a:effectRef>
+          <a:fontRef idx="minor">
+            <a:schemeClr val="tx1"/>
+          </a:fontRef>
+        </p:style>
+      </p:cxnSp>
+      <p:cxnSp>
+        <p:nvCxnSpPr>
+          <p:cNvPr id="94" name="Elbow Connector 93"/>
+          <p:cNvCxnSpPr>
+            <a:stCxn id="65" idx="3"/>
+          </p:cNvCxnSpPr>
+          <p:nvPr/>
+        </p:nvCxnSpPr>
+        <p:spPr>
+          <a:xfrm flipV="1">
+            <a:off x="7994780" y="3202071"/>
+            <a:ext cx="485141" cy="293570"/>
+          </a:xfrm>
+          <a:prstGeom prst="bentConnector3">
+            <a:avLst>
+              <a:gd name="adj1" fmla="val 97596"/>
+            </a:avLst>
+          </a:prstGeom>
+          <a:ln w="3175" cmpd="sng">
+            <a:prstDash val="lgDash"/>
+            <a:tailEnd type="arrow"/>
+          </a:ln>
+          <a:effectLst/>
+        </p:spPr>
+        <p:style>
+          <a:lnRef idx="2">
+            <a:schemeClr val="accent1"/>
+          </a:lnRef>
+          <a:fillRef idx="0">
+            <a:schemeClr val="accent1"/>
+          </a:fillRef>
+          <a:effectRef idx="1">
+            <a:schemeClr val="accent1"/>
+          </a:effectRef>
+          <a:fontRef idx="minor">
+            <a:schemeClr val="tx1"/>
+          </a:fontRef>
+        </p:style>
+      </p:cxnSp>
+      <p:cxnSp>
+        <p:nvCxnSpPr>
+          <p:cNvPr id="95" name="Straight Connector 94"/>
+          <p:cNvCxnSpPr>
+            <a:stCxn id="63" idx="1"/>
+            <a:endCxn id="55" idx="3"/>
+          </p:cNvCxnSpPr>
+          <p:nvPr/>
+        </p:nvCxnSpPr>
+        <p:spPr>
+          <a:xfrm flipH="1" flipV="1">
+            <a:off x="6181219" y="1905660"/>
+            <a:ext cx="518163" cy="389718"/>
+          </a:xfrm>
+          <a:prstGeom prst="line">
+            <a:avLst/>
+          </a:prstGeom>
+        </p:spPr>
+        <p:style>
+          <a:lnRef idx="1">
+            <a:schemeClr val="dk1"/>
+          </a:lnRef>
+          <a:fillRef idx="0">
+            <a:schemeClr val="dk1"/>
+          </a:fillRef>
+          <a:effectRef idx="0">
+            <a:schemeClr val="dk1"/>
+          </a:effectRef>
+          <a:fontRef idx="minor">
+            <a:schemeClr val="tx1"/>
+          </a:fontRef>
+        </p:style>
+      </p:cxnSp>
+      <p:cxnSp>
+        <p:nvCxnSpPr>
+          <p:cNvPr id="97" name="Elbow Connector 96"/>
+          <p:cNvCxnSpPr>
+            <a:stCxn id="76" idx="3"/>
+          </p:cNvCxnSpPr>
+          <p:nvPr/>
+        </p:nvCxnSpPr>
+        <p:spPr>
+          <a:xfrm flipV="1">
+            <a:off x="7676688" y="4635658"/>
+            <a:ext cx="184484" cy="222882"/>
+          </a:xfrm>
+          <a:prstGeom prst="bentConnector2">
+            <a:avLst/>
+          </a:prstGeom>
+          <a:ln w="3175" cmpd="sng">
+            <a:prstDash val="lgDash"/>
+            <a:tailEnd type="arrow"/>
+          </a:ln>
+          <a:effectLst/>
+        </p:spPr>
+        <p:style>
+          <a:lnRef idx="2">
+            <a:schemeClr val="accent1"/>
+          </a:lnRef>
+          <a:fillRef idx="0">
+            <a:schemeClr val="accent1"/>
+          </a:fillRef>
+          <a:effectRef idx="1">
+            <a:schemeClr val="accent1"/>
+          </a:effectRef>
+          <a:fontRef idx="minor">
+            <a:schemeClr val="tx1"/>
+          </a:fontRef>
+        </p:style>
+      </p:cxnSp>
+      <p:cxnSp>
+        <p:nvCxnSpPr>
+          <p:cNvPr id="98" name="Elbow Connector 97"/>
+          <p:cNvCxnSpPr>
+            <a:stCxn id="75" idx="3"/>
+          </p:cNvCxnSpPr>
+          <p:nvPr/>
+        </p:nvCxnSpPr>
+        <p:spPr>
+          <a:xfrm flipV="1">
+            <a:off x="7698560" y="4635658"/>
+            <a:ext cx="621916" cy="809316"/>
+          </a:xfrm>
+          <a:prstGeom prst="bentConnector2">
+            <a:avLst/>
+          </a:prstGeom>
+          <a:ln w="3175" cmpd="sng">
+            <a:prstDash val="lgDash"/>
+            <a:tailEnd type="arrow"/>
+          </a:ln>
+          <a:effectLst/>
+        </p:spPr>
+        <p:style>
+          <a:lnRef idx="2">
+            <a:schemeClr val="accent1"/>
+          </a:lnRef>
+          <a:fillRef idx="0">
+            <a:schemeClr val="accent1"/>
+          </a:fillRef>
+          <a:effectRef idx="1">
+            <a:schemeClr val="accent1"/>
+          </a:effectRef>
+          <a:fontRef idx="minor">
+            <a:schemeClr val="tx1"/>
+          </a:fontRef>
+        </p:style>
+      </p:cxnSp>
+      <p:cxnSp>
+        <p:nvCxnSpPr>
+          <p:cNvPr id="99" name="Elbow Connector 98"/>
+          <p:cNvCxnSpPr>
+            <a:stCxn id="72" idx="3"/>
+          </p:cNvCxnSpPr>
+          <p:nvPr/>
+        </p:nvCxnSpPr>
+        <p:spPr>
+          <a:xfrm flipV="1">
+            <a:off x="7709007" y="4635659"/>
+            <a:ext cx="830851" cy="1119114"/>
+          </a:xfrm>
+          <a:prstGeom prst="bentConnector2">
+            <a:avLst/>
+          </a:prstGeom>
+          <a:ln w="3175" cmpd="sng">
+            <a:prstDash val="lgDash"/>
+            <a:tailEnd type="arrow"/>
+          </a:ln>
+          <a:effectLst/>
+        </p:spPr>
+        <p:style>
+          <a:lnRef idx="2">
+            <a:schemeClr val="accent1"/>
+          </a:lnRef>
+          <a:fillRef idx="0">
+            <a:schemeClr val="accent1"/>
+          </a:fillRef>
+          <a:effectRef idx="1">
+            <a:schemeClr val="accent1"/>
+          </a:effectRef>
+          <a:fontRef idx="minor">
+            <a:schemeClr val="tx1"/>
+          </a:fontRef>
+        </p:style>
+      </p:cxnSp>
+      <p:cxnSp>
+        <p:nvCxnSpPr>
+          <p:cNvPr id="100" name="Straight Connector 99"/>
+          <p:cNvCxnSpPr>
+            <a:stCxn id="74" idx="1"/>
+            <a:endCxn id="57" idx="3"/>
+          </p:cNvCxnSpPr>
+          <p:nvPr/>
+        </p:nvCxnSpPr>
+        <p:spPr>
+          <a:xfrm flipH="1">
+            <a:off x="6181218" y="4521992"/>
+            <a:ext cx="472509" cy="631094"/>
+          </a:xfrm>
+          <a:prstGeom prst="line">
+            <a:avLst/>
+          </a:prstGeom>
+        </p:spPr>
+        <p:style>
+          <a:lnRef idx="1">
+            <a:schemeClr val="dk1"/>
+          </a:lnRef>
+          <a:fillRef idx="0">
+            <a:schemeClr val="dk1"/>
+          </a:fillRef>
+          <a:effectRef idx="0">
+            <a:schemeClr val="dk1"/>
+          </a:effectRef>
+          <a:fontRef idx="minor">
+            <a:schemeClr val="tx1"/>
+          </a:fontRef>
+        </p:style>
+      </p:cxnSp>
+      <p:cxnSp>
+        <p:nvCxnSpPr>
+          <p:cNvPr id="101" name="Straight Connector 100"/>
+          <p:cNvCxnSpPr>
+            <a:stCxn id="75" idx="1"/>
+            <a:endCxn id="57" idx="3"/>
+          </p:cNvCxnSpPr>
+          <p:nvPr/>
+        </p:nvCxnSpPr>
+        <p:spPr>
+          <a:xfrm flipH="1" flipV="1">
+            <a:off x="6181218" y="5153086"/>
+            <a:ext cx="485209" cy="291888"/>
+          </a:xfrm>
+          <a:prstGeom prst="line">
+            <a:avLst/>
+          </a:prstGeom>
+        </p:spPr>
+        <p:style>
+          <a:lnRef idx="1">
+            <a:schemeClr val="dk1"/>
+          </a:lnRef>
+          <a:fillRef idx="0">
+            <a:schemeClr val="dk1"/>
+          </a:fillRef>
+          <a:effectRef idx="0">
+            <a:schemeClr val="dk1"/>
+          </a:effectRef>
+          <a:fontRef idx="minor">
+            <a:schemeClr val="tx1"/>
+          </a:fontRef>
+        </p:style>
+      </p:cxnSp>
+      <p:cxnSp>
+        <p:nvCxnSpPr>
+          <p:cNvPr id="102" name="Straight Connector 101"/>
+          <p:cNvCxnSpPr>
+            <a:stCxn id="72" idx="1"/>
+            <a:endCxn id="57" idx="3"/>
+          </p:cNvCxnSpPr>
+          <p:nvPr/>
+        </p:nvCxnSpPr>
+        <p:spPr>
+          <a:xfrm flipH="1" flipV="1">
+            <a:off x="6181218" y="5153086"/>
+            <a:ext cx="475049" cy="601687"/>
+          </a:xfrm>
+          <a:prstGeom prst="line">
+            <a:avLst/>
+          </a:prstGeom>
+        </p:spPr>
+        <p:style>
+          <a:lnRef idx="1">
+            <a:schemeClr val="dk1"/>
+          </a:lnRef>
+          <a:fillRef idx="0">
+            <a:schemeClr val="dk1"/>
+          </a:fillRef>
+          <a:effectRef idx="0">
+            <a:schemeClr val="dk1"/>
+          </a:effectRef>
+          <a:fontRef idx="minor">
+            <a:schemeClr val="tx1"/>
+          </a:fontRef>
+        </p:style>
+      </p:cxnSp>
+      <p:cxnSp>
+        <p:nvCxnSpPr>
+          <p:cNvPr id="103" name="Straight Connector 102"/>
+          <p:cNvCxnSpPr>
+            <a:stCxn id="106" idx="1"/>
+            <a:endCxn id="57" idx="3"/>
+          </p:cNvCxnSpPr>
+          <p:nvPr/>
+        </p:nvCxnSpPr>
+        <p:spPr>
+          <a:xfrm flipH="1">
+            <a:off x="6181218" y="5153086"/>
+            <a:ext cx="490290" cy="0"/>
+          </a:xfrm>
+          <a:prstGeom prst="line">
+            <a:avLst/>
+          </a:prstGeom>
+        </p:spPr>
+        <p:style>
+          <a:lnRef idx="1">
+            <a:schemeClr val="dk1"/>
+          </a:lnRef>
+          <a:fillRef idx="0">
+            <a:schemeClr val="dk1"/>
+          </a:fillRef>
+          <a:effectRef idx="0">
+            <a:schemeClr val="dk1"/>
+          </a:effectRef>
+          <a:fontRef idx="minor">
+            <a:schemeClr val="tx1"/>
+          </a:fontRef>
+        </p:style>
+      </p:cxnSp>
+      <p:cxnSp>
+        <p:nvCxnSpPr>
+          <p:cNvPr id="104" name="Elbow Connector 103"/>
+          <p:cNvCxnSpPr>
+            <a:stCxn id="70" idx="3"/>
+          </p:cNvCxnSpPr>
+          <p:nvPr/>
+        </p:nvCxnSpPr>
+        <p:spPr>
+          <a:xfrm flipH="1" flipV="1">
+            <a:off x="8390500" y="1154465"/>
+            <a:ext cx="89421" cy="1551035"/>
+          </a:xfrm>
+          <a:prstGeom prst="bentConnector4">
+            <a:avLst>
+              <a:gd name="adj1" fmla="val -255645"/>
+              <a:gd name="adj2" fmla="val 101403"/>
+            </a:avLst>
+          </a:prstGeom>
+          <a:ln w="12700" cmpd="sng">
+            <a:headEnd type="none"/>
+            <a:tailEnd type="triangle"/>
+          </a:ln>
+          <a:effectLst/>
+        </p:spPr>
+        <p:style>
+          <a:lnRef idx="2">
+            <a:schemeClr val="accent1"/>
+          </a:lnRef>
+          <a:fillRef idx="0">
+            <a:schemeClr val="accent1"/>
+          </a:fillRef>
+          <a:effectRef idx="1">
+            <a:schemeClr val="accent1"/>
+          </a:effectRef>
+          <a:fontRef idx="minor">
+            <a:schemeClr val="tx1"/>
+          </a:fontRef>
+        </p:style>
+      </p:cxnSp>
+      <p:cxnSp>
+        <p:nvCxnSpPr>
+          <p:cNvPr id="105" name="Elbow Connector 104"/>
+          <p:cNvCxnSpPr>
+            <a:endCxn id="60" idx="3"/>
+          </p:cNvCxnSpPr>
+          <p:nvPr/>
+        </p:nvCxnSpPr>
+        <p:spPr>
+          <a:xfrm rot="10800000">
+            <a:off x="7549814" y="645160"/>
+            <a:ext cx="346254" cy="221308"/>
+          </a:xfrm>
+          <a:prstGeom prst="bentConnector3">
+            <a:avLst>
+              <a:gd name="adj1" fmla="val 50000"/>
+            </a:avLst>
+          </a:prstGeom>
+          <a:ln w="3175" cmpd="sng">
+            <a:prstDash val="lgDash"/>
+            <a:headEnd type="none"/>
+            <a:tailEnd type="arrow"/>
+          </a:ln>
+          <a:effectLst/>
+        </p:spPr>
+        <p:style>
+          <a:lnRef idx="2">
+            <a:schemeClr val="accent1"/>
+          </a:lnRef>
+          <a:fillRef idx="0">
+            <a:schemeClr val="accent1"/>
+          </a:fillRef>
+          <a:effectRef idx="1">
+            <a:schemeClr val="accent1"/>
+          </a:effectRef>
+          <a:fontRef idx="minor">
+            <a:schemeClr val="tx1"/>
+          </a:fontRef>
+        </p:style>
+      </p:cxnSp>
+      <p:sp>
+        <p:nvSpPr>
+          <p:cNvPr id="106" name="Rounded Rectangle 105"/>
+          <p:cNvSpPr/>
+          <p:nvPr/>
+        </p:nvSpPr>
+        <p:spPr>
+          <a:xfrm>
+            <a:off x="6671508" y="5043446"/>
+            <a:ext cx="993917" cy="219279"/>
+          </a:xfrm>
+          <a:prstGeom prst="roundRect">
+            <a:avLst>
+              <a:gd name="adj" fmla="val 0"/>
+            </a:avLst>
+          </a:prstGeom>
+          <a:solidFill>
+            <a:schemeClr val="lt1"/>
+          </a:solidFill>
+          <a:ln w="12700"/>
+        </p:spPr>
+        <p:style>
+          <a:lnRef idx="2">
+            <a:schemeClr val="dk1"/>
+          </a:lnRef>
+          <a:fillRef idx="1">
+            <a:schemeClr val="lt1"/>
+          </a:fillRef>
+          <a:effectRef idx="0">
+            <a:schemeClr val="dk1"/>
+          </a:effectRef>
+          <a:fontRef idx="minor">
+            <a:schemeClr val="dk1"/>
+          </a:fontRef>
+        </p:style>
+        <p:txBody>
+          <a:bodyPr rtlCol="0" anchor="ctr"/>
+          <a:lstStyle/>
+          <a:p>
+            <a:pPr algn="ctr"/>
+            <a:r>
+              <a:rPr lang="en-US" sz="1000" dirty="0" smtClean="0"/>
+              <a:t>Privacy</a:t>
+            </a:r>
+            <a:endParaRPr lang="en-US" sz="1000" dirty="0"/>
+          </a:p>
+        </p:txBody>
+      </p:sp>
+      <p:cxnSp>
+        <p:nvCxnSpPr>
+          <p:cNvPr id="107" name="Elbow Connector 106"/>
+          <p:cNvCxnSpPr>
+            <a:stCxn id="106" idx="3"/>
+          </p:cNvCxnSpPr>
+          <p:nvPr/>
+        </p:nvCxnSpPr>
+        <p:spPr>
+          <a:xfrm flipV="1">
+            <a:off x="7683740" y="4635658"/>
+            <a:ext cx="366314" cy="517428"/>
+          </a:xfrm>
+          <a:prstGeom prst="bentConnector2">
+            <a:avLst/>
+          </a:prstGeom>
+          <a:ln w="3175" cmpd="sng">
+            <a:prstDash val="lgDash"/>
+            <a:tailEnd type="arrow"/>
+          </a:ln>
+          <a:effectLst/>
+        </p:spPr>
+        <p:style>
+          <a:lnRef idx="2">
+            <a:schemeClr val="accent1"/>
+          </a:lnRef>
+          <a:fillRef idx="0">
+            <a:schemeClr val="accent1"/>
+          </a:fillRef>
+          <a:effectRef idx="1">
+            <a:schemeClr val="accent1"/>
+          </a:effectRef>
+          <a:fontRef idx="minor">
+            <a:schemeClr val="tx1"/>
+          </a:fontRef>
+        </p:style>
+      </p:cxnSp>
+      <p:sp>
+        <p:nvSpPr>
+          <p:cNvPr id="2" name="TextBox 1"/>
+          <p:cNvSpPr txBox="1"/>
+          <p:nvPr/>
+        </p:nvSpPr>
+        <p:spPr>
+          <a:xfrm>
+            <a:off x="5210836" y="5861236"/>
+            <a:ext cx="3541888" cy="461665"/>
+          </a:xfrm>
+          <a:prstGeom prst="rect">
+            <a:avLst/>
+          </a:prstGeom>
+          <a:noFill/>
+        </p:spPr>
+        <p:txBody>
+          <a:bodyPr wrap="square" rtlCol="0">
+            <a:spAutoFit/>
+          </a:bodyPr>
+          <a:lstStyle/>
+          <a:p>
+            <a:r>
+              <a:rPr lang="en-US" sz="1200" dirty="0" smtClean="0"/>
+              <a:t>Contributes to key component on same dimension</a:t>
+            </a:r>
+          </a:p>
+          <a:p>
+            <a:r>
+              <a:rPr lang="en-US" sz="1200" dirty="0" smtClean="0"/>
+              <a:t>Contributes to key component in another dimension</a:t>
+            </a:r>
+            <a:endParaRPr lang="en-US" sz="1200" dirty="0"/>
+          </a:p>
+        </p:txBody>
+      </p:sp>
+      <p:cxnSp>
+        <p:nvCxnSpPr>
+          <p:cNvPr id="109" name="Straight Arrow Connector 108"/>
+          <p:cNvCxnSpPr/>
+          <p:nvPr/>
+        </p:nvCxnSpPr>
+        <p:spPr>
+          <a:xfrm flipH="1">
+            <a:off x="4957124" y="6210547"/>
+            <a:ext cx="263174" cy="0"/>
+          </a:xfrm>
+          <a:prstGeom prst="straightConnector1">
+            <a:avLst/>
+          </a:prstGeom>
+          <a:ln w="12700" cmpd="sng">
+            <a:headEnd type="none"/>
+            <a:tailEnd type="triangle"/>
+          </a:ln>
+          <a:effectLst/>
+        </p:spPr>
+        <p:style>
+          <a:lnRef idx="2">
+            <a:schemeClr val="accent1"/>
+          </a:lnRef>
+          <a:fillRef idx="0">
+            <a:schemeClr val="accent1"/>
+          </a:fillRef>
+          <a:effectRef idx="1">
+            <a:schemeClr val="accent1"/>
+          </a:effectRef>
+          <a:fontRef idx="minor">
+            <a:schemeClr val="tx1"/>
+          </a:fontRef>
+        </p:style>
+      </p:cxnSp>
+      <p:cxnSp>
+        <p:nvCxnSpPr>
+          <p:cNvPr id="110" name="Straight Arrow Connector 109"/>
+          <p:cNvCxnSpPr/>
+          <p:nvPr/>
+        </p:nvCxnSpPr>
+        <p:spPr>
+          <a:xfrm flipH="1">
+            <a:off x="4933418" y="6022435"/>
+            <a:ext cx="291815" cy="0"/>
+          </a:xfrm>
+          <a:prstGeom prst="straightConnector1">
+            <a:avLst/>
+          </a:prstGeom>
+          <a:ln w="3175" cmpd="sng">
+            <a:prstDash val="lgDash"/>
+            <a:tailEnd type="arrow"/>
+          </a:ln>
+          <a:effectLst/>
+        </p:spPr>
+        <p:style>
+          <a:lnRef idx="2">
+            <a:schemeClr val="accent1"/>
+          </a:lnRef>
+          <a:fillRef idx="0">
+            <a:schemeClr val="accent1"/>
+          </a:fillRef>
+          <a:effectRef idx="1">
+            <a:schemeClr val="accent1"/>
+          </a:effectRef>
+          <a:fontRef idx="minor">
+            <a:schemeClr val="tx1"/>
+          </a:fontRef>
+        </p:style>
+      </p:cxnSp>
+      <p:sp>
+        <p:nvSpPr>
+          <p:cNvPr id="111" name="TextBox 110"/>
+          <p:cNvSpPr txBox="1"/>
+          <p:nvPr/>
+        </p:nvSpPr>
+        <p:spPr>
+          <a:xfrm>
+            <a:off x="4933418" y="5607655"/>
+            <a:ext cx="452017" cy="276999"/>
+          </a:xfrm>
+          <a:prstGeom prst="rect">
+            <a:avLst/>
+          </a:prstGeom>
+          <a:noFill/>
+        </p:spPr>
+        <p:txBody>
+          <a:bodyPr wrap="none" rtlCol="0">
+            <a:spAutoFit/>
+          </a:bodyPr>
+          <a:lstStyle/>
+          <a:p>
+            <a:r>
+              <a:rPr lang="en-US" sz="1200" dirty="0" smtClean="0"/>
+              <a:t>Key:</a:t>
+            </a:r>
+          </a:p>
+        </p:txBody>
+      </p:sp>
+      <p:cxnSp>
+        <p:nvCxnSpPr>
+          <p:cNvPr id="117" name="Straight Connector 116"/>
+          <p:cNvCxnSpPr>
+            <a:stCxn id="76" idx="1"/>
+            <a:endCxn id="57" idx="3"/>
+          </p:cNvCxnSpPr>
+          <p:nvPr/>
+        </p:nvCxnSpPr>
+        <p:spPr>
+          <a:xfrm flipH="1">
+            <a:off x="6181218" y="4858540"/>
+            <a:ext cx="480407" cy="294546"/>
+          </a:xfrm>
+          <a:prstGeom prst="line">
+            <a:avLst/>
+          </a:prstGeom>
+        </p:spPr>
+        <p:style>
+          <a:lnRef idx="1">
+            <a:schemeClr val="dk1"/>
+          </a:lnRef>
+          <a:fillRef idx="0">
+            <a:schemeClr val="dk1"/>
+          </a:fillRef>
+          <a:effectRef idx="0">
+            <a:schemeClr val="dk1"/>
+          </a:effectRef>
+          <a:fontRef idx="minor">
+            <a:schemeClr val="tx1"/>
+          </a:fontRef>
+        </p:style>
+      </p:cxnSp>
+      <p:sp>
+        <p:nvSpPr>
+          <p:cNvPr id="167" name="TextBox 166"/>
+          <p:cNvSpPr txBox="1"/>
+          <p:nvPr/>
+        </p:nvSpPr>
+        <p:spPr>
+          <a:xfrm>
+            <a:off x="8169938" y="2285247"/>
+            <a:ext cx="524302" cy="246221"/>
+          </a:xfrm>
+          <a:prstGeom prst="rect">
+            <a:avLst/>
+          </a:prstGeom>
+          <a:noFill/>
+        </p:spPr>
+        <p:txBody>
+          <a:bodyPr wrap="none" rtlCol="0">
+            <a:spAutoFit/>
+          </a:bodyPr>
+          <a:lstStyle/>
+          <a:p>
+            <a:r>
+              <a:rPr lang="en-US" sz="1000" dirty="0" smtClean="0"/>
+              <a:t>H4.8.3</a:t>
+            </a:r>
+          </a:p>
+        </p:txBody>
+      </p:sp>
+      <p:sp>
+        <p:nvSpPr>
+          <p:cNvPr id="168" name="TextBox 167"/>
+          <p:cNvSpPr txBox="1"/>
+          <p:nvPr/>
+        </p:nvSpPr>
+        <p:spPr>
+          <a:xfrm>
+            <a:off x="7806821" y="1154465"/>
+            <a:ext cx="524302" cy="246221"/>
+          </a:xfrm>
+          <a:prstGeom prst="rect">
+            <a:avLst/>
+          </a:prstGeom>
+          <a:noFill/>
+        </p:spPr>
+        <p:txBody>
+          <a:bodyPr wrap="none" rtlCol="0">
+            <a:spAutoFit/>
+          </a:bodyPr>
+          <a:lstStyle/>
+          <a:p>
+            <a:r>
+              <a:rPr lang="en-US" sz="1000" dirty="0" smtClean="0"/>
+              <a:t>H4.8.4</a:t>
+            </a:r>
+          </a:p>
+        </p:txBody>
+      </p:sp>
+      <p:sp>
+        <p:nvSpPr>
+          <p:cNvPr id="170" name="TextBox 169"/>
+          <p:cNvSpPr txBox="1"/>
+          <p:nvPr/>
+        </p:nvSpPr>
+        <p:spPr>
+          <a:xfrm>
+            <a:off x="7986659" y="1706877"/>
+            <a:ext cx="524302" cy="246221"/>
+          </a:xfrm>
+          <a:prstGeom prst="rect">
+            <a:avLst/>
+          </a:prstGeom>
+          <a:noFill/>
+        </p:spPr>
+        <p:txBody>
+          <a:bodyPr wrap="none" rtlCol="0">
+            <a:spAutoFit/>
+          </a:bodyPr>
+          <a:lstStyle/>
+          <a:p>
+            <a:r>
+              <a:rPr lang="en-US" sz="1000" dirty="0" smtClean="0"/>
+              <a:t>H4.8.2</a:t>
+            </a:r>
+          </a:p>
+        </p:txBody>
+      </p:sp>
+      <p:sp>
+        <p:nvSpPr>
+          <p:cNvPr id="175" name="TextBox 174"/>
+          <p:cNvSpPr txBox="1"/>
+          <p:nvPr/>
+        </p:nvSpPr>
+        <p:spPr>
+          <a:xfrm>
+            <a:off x="7741317" y="603464"/>
+            <a:ext cx="524302" cy="246221"/>
+          </a:xfrm>
+          <a:prstGeom prst="rect">
+            <a:avLst/>
+          </a:prstGeom>
+          <a:noFill/>
+        </p:spPr>
+        <p:txBody>
+          <a:bodyPr wrap="none" rtlCol="0">
+            <a:spAutoFit/>
+          </a:bodyPr>
+          <a:lstStyle/>
+          <a:p>
+            <a:r>
+              <a:rPr lang="en-US" sz="1000" dirty="0" smtClean="0"/>
+              <a:t>H4.8.1</a:t>
+            </a:r>
+          </a:p>
+        </p:txBody>
+      </p:sp>
+      <p:grpSp>
+        <p:nvGrpSpPr>
+          <p:cNvPr id="80" name="Group 79"/>
+          <p:cNvGrpSpPr/>
+          <p:nvPr/>
+        </p:nvGrpSpPr>
+        <p:grpSpPr>
+          <a:xfrm>
+            <a:off x="6645620" y="3750173"/>
+            <a:ext cx="1879598" cy="491491"/>
+            <a:chOff x="7721601" y="3576319"/>
+            <a:chExt cx="1859278" cy="491491"/>
+          </a:xfrm>
+        </p:grpSpPr>
+        <p:sp>
+          <p:nvSpPr>
+            <p:cNvPr id="81" name="Rounded Rectangle 80"/>
+            <p:cNvSpPr/>
+            <p:nvPr/>
+          </p:nvSpPr>
+          <p:spPr>
+            <a:xfrm>
+              <a:off x="7721601" y="3576319"/>
+              <a:ext cx="1859278" cy="260985"/>
+            </a:xfrm>
+            <a:prstGeom prst="roundRect">
+              <a:avLst>
+                <a:gd name="adj" fmla="val 0"/>
+              </a:avLst>
+            </a:prstGeom>
+            <a:solidFill>
+              <a:schemeClr val="lt1"/>
+            </a:solidFill>
+            <a:ln w="12700"/>
+          </p:spPr>
+          <p:style>
+            <a:lnRef idx="2">
+              <a:schemeClr val="dk1"/>
+            </a:lnRef>
+            <a:fillRef idx="1">
+              <a:schemeClr val="lt1"/>
+            </a:fillRef>
+            <a:effectRef idx="0">
+              <a:schemeClr val="dk1"/>
+            </a:effectRef>
+            <a:fontRef idx="minor">
+              <a:schemeClr val="dk1"/>
+            </a:fontRef>
+          </p:style>
+          <p:txBody>
+            <a:bodyPr rtlCol="0" anchor="ctr"/>
+            <a:lstStyle/>
+            <a:p>
+              <a:pPr algn="ctr"/>
+              <a:r>
+                <a:rPr lang="en-US" sz="1000" dirty="0" smtClean="0"/>
+                <a:t>Transaction Capability</a:t>
+              </a:r>
+              <a:endParaRPr lang="en-US" sz="1000" dirty="0"/>
+            </a:p>
+          </p:txBody>
+        </p:sp>
+        <p:sp>
+          <p:nvSpPr>
+            <p:cNvPr id="108" name="Rounded Rectangle 107"/>
+            <p:cNvSpPr/>
+            <p:nvPr/>
+          </p:nvSpPr>
+          <p:spPr>
+            <a:xfrm>
+              <a:off x="7721601" y="3840480"/>
+              <a:ext cx="955039" cy="224154"/>
+            </a:xfrm>
+            <a:prstGeom prst="roundRect">
+              <a:avLst>
+                <a:gd name="adj" fmla="val 0"/>
+              </a:avLst>
+            </a:prstGeom>
+            <a:solidFill>
+              <a:schemeClr val="lt1"/>
+            </a:solidFill>
+            <a:ln w="12700"/>
+          </p:spPr>
+          <p:style>
+            <a:lnRef idx="2">
+              <a:schemeClr val="dk1"/>
+            </a:lnRef>
+            <a:fillRef idx="1">
+              <a:schemeClr val="lt1"/>
+            </a:fillRef>
+            <a:effectRef idx="0">
+              <a:schemeClr val="dk1"/>
+            </a:effectRef>
+            <a:fontRef idx="minor">
+              <a:schemeClr val="dk1"/>
+            </a:fontRef>
+          </p:style>
+          <p:txBody>
+            <a:bodyPr rtlCol="0" anchor="ctr"/>
+            <a:lstStyle/>
+            <a:p>
+              <a:pPr algn="ctr"/>
+              <a:r>
+                <a:rPr lang="en-US" sz="1000" dirty="0" smtClean="0"/>
+                <a:t>Completeness</a:t>
+              </a:r>
+              <a:endParaRPr lang="en-US" sz="1000" dirty="0"/>
+            </a:p>
+          </p:txBody>
+        </p:sp>
+        <p:sp>
+          <p:nvSpPr>
+            <p:cNvPr id="113" name="Rounded Rectangle 112"/>
+            <p:cNvSpPr/>
+            <p:nvPr/>
+          </p:nvSpPr>
+          <p:spPr>
+            <a:xfrm>
+              <a:off x="8676640" y="3840480"/>
+              <a:ext cx="904239" cy="227330"/>
+            </a:xfrm>
+            <a:prstGeom prst="roundRect">
+              <a:avLst>
+                <a:gd name="adj" fmla="val 0"/>
+              </a:avLst>
+            </a:prstGeom>
+            <a:solidFill>
+              <a:schemeClr val="lt1"/>
+            </a:solidFill>
+            <a:ln w="12700"/>
+          </p:spPr>
+          <p:style>
+            <a:lnRef idx="2">
+              <a:schemeClr val="dk1"/>
+            </a:lnRef>
+            <a:fillRef idx="1">
+              <a:schemeClr val="lt1"/>
+            </a:fillRef>
+            <a:effectRef idx="0">
+              <a:schemeClr val="dk1"/>
+            </a:effectRef>
+            <a:fontRef idx="minor">
+              <a:schemeClr val="dk1"/>
+            </a:fontRef>
+          </p:style>
+          <p:txBody>
+            <a:bodyPr rtlCol="0" anchor="ctr"/>
+            <a:lstStyle/>
+            <a:p>
+              <a:pPr algn="ctr"/>
+              <a:r>
+                <a:rPr lang="en-US" sz="1000" dirty="0" smtClean="0"/>
+                <a:t>Correctness</a:t>
+              </a:r>
+              <a:endParaRPr lang="en-US" sz="1000" dirty="0"/>
+            </a:p>
+          </p:txBody>
+        </p:sp>
+      </p:grpSp>
+      <p:sp>
+        <p:nvSpPr>
+          <p:cNvPr id="114" name="TextBox 113"/>
+          <p:cNvSpPr txBox="1"/>
+          <p:nvPr/>
+        </p:nvSpPr>
+        <p:spPr>
+          <a:xfrm>
+            <a:off x="7857394" y="5193004"/>
+            <a:ext cx="524302" cy="246221"/>
+          </a:xfrm>
+          <a:prstGeom prst="rect">
+            <a:avLst/>
+          </a:prstGeom>
+          <a:noFill/>
+        </p:spPr>
+        <p:txBody>
+          <a:bodyPr wrap="none" rtlCol="0">
+            <a:spAutoFit/>
+          </a:bodyPr>
+          <a:lstStyle/>
+          <a:p>
+            <a:r>
+              <a:rPr lang="en-US" sz="1000" dirty="0" smtClean="0"/>
+              <a:t>H4.8.6</a:t>
+            </a:r>
+          </a:p>
+        </p:txBody>
+      </p:sp>
+      <p:cxnSp>
+        <p:nvCxnSpPr>
+          <p:cNvPr id="115" name="Elbow Connector 114"/>
+          <p:cNvCxnSpPr>
+            <a:stCxn id="81" idx="3"/>
+          </p:cNvCxnSpPr>
+          <p:nvPr/>
+        </p:nvCxnSpPr>
+        <p:spPr>
+          <a:xfrm flipV="1">
+            <a:off x="8525218" y="3190151"/>
+            <a:ext cx="107875" cy="690515"/>
+          </a:xfrm>
+          <a:prstGeom prst="bentConnector2">
+            <a:avLst/>
+          </a:prstGeom>
+          <a:ln w="3175" cmpd="sng">
+            <a:prstDash val="lgDash"/>
+            <a:tailEnd type="arrow"/>
+          </a:ln>
+          <a:effectLst/>
+        </p:spPr>
+        <p:style>
+          <a:lnRef idx="2">
+            <a:schemeClr val="accent1"/>
+          </a:lnRef>
+          <a:fillRef idx="0">
+            <a:schemeClr val="accent1"/>
+          </a:fillRef>
+          <a:effectRef idx="1">
+            <a:schemeClr val="accent1"/>
+          </a:effectRef>
+          <a:fontRef idx="minor">
+            <a:schemeClr val="tx1"/>
+          </a:fontRef>
+        </p:style>
+      </p:cxnSp>
+      <p:sp>
+        <p:nvSpPr>
+          <p:cNvPr id="116" name="TextBox 115"/>
+          <p:cNvSpPr txBox="1"/>
+          <p:nvPr/>
+        </p:nvSpPr>
+        <p:spPr>
+          <a:xfrm>
+            <a:off x="8108791" y="3505101"/>
+            <a:ext cx="524302" cy="246221"/>
+          </a:xfrm>
+          <a:prstGeom prst="rect">
+            <a:avLst/>
+          </a:prstGeom>
+          <a:noFill/>
+        </p:spPr>
+        <p:txBody>
+          <a:bodyPr wrap="none" rtlCol="0">
+            <a:spAutoFit/>
+          </a:bodyPr>
+          <a:lstStyle/>
+          <a:p>
+            <a:r>
+              <a:rPr lang="en-US" sz="1000" dirty="0" smtClean="0"/>
+              <a:t>H4.8.5</a:t>
+            </a:r>
+          </a:p>
+        </p:txBody>
+      </p:sp>
+    </p:spTree>
+    <p:extLst>
+      <p:ext uri="{BB962C8B-B14F-4D97-AF65-F5344CB8AC3E}">
+        <p14:creationId xmlns:p14="http://schemas.microsoft.com/office/powerpoint/2010/main" val="4114602512"/>
+      </p:ext>
+    </p:extLst>
+  </p:cSld>
+  <p:clrMapOvr>
+    <a:masterClrMapping/>
+  </p:clrMapOvr>
+  <p:timing>
+    <p:tnLst>
+      <p:par>
+        <p:cTn xmlns:p14="http://schemas.microsoft.com/office/powerpoint/2010/main" id="1" dur="indefinite" restart="never" nodeType="tmRoot"/>
+      </p:par>
+    </p:tnLst>
+  </p:timing>
+</p:sld>
+</file>
+
+<file path=ppt/slides/slide11.xml><?xml version="1.0" encoding="utf-8"?>
+<p:sld xmlns:a="http://schemas.openxmlformats.org/drawingml/2006/main" xmlns:r="http://schemas.openxmlformats.org/officeDocument/2006/relationships" xmlns:p="http://schemas.openxmlformats.org/presentationml/2006/main">
+  <p:cSld>
+    <p:spTree>
+      <p:nvGrpSpPr>
+        <p:cNvPr id="1" name=""/>
+        <p:cNvGrpSpPr/>
+        <p:nvPr/>
+      </p:nvGrpSpPr>
+      <p:grpSpPr>
+        <a:xfrm>
+          <a:off x="0" y="0"/>
+          <a:ext cx="0" cy="0"/>
+          <a:chOff x="0" y="0"/>
+          <a:chExt cx="0" cy="0"/>
+        </a:xfrm>
+      </p:grpSpPr>
+      <p:sp>
+        <p:nvSpPr>
+          <p:cNvPr id="112" name="TextBox 111"/>
+          <p:cNvSpPr txBox="1"/>
+          <p:nvPr/>
+        </p:nvSpPr>
+        <p:spPr>
+          <a:xfrm rot="16200000">
+            <a:off x="-2050764" y="1547240"/>
+            <a:ext cx="2903359" cy="646331"/>
+          </a:xfrm>
+          <a:prstGeom prst="rect">
+            <a:avLst/>
+          </a:prstGeom>
+          <a:noFill/>
+        </p:spPr>
+        <p:txBody>
+          <a:bodyPr wrap="none" rtlCol="0">
+            <a:spAutoFit/>
+          </a:bodyPr>
+          <a:lstStyle/>
+          <a:p>
+            <a:r>
+              <a:rPr lang="en-US" dirty="0" smtClean="0"/>
+              <a:t>DIMENSIONS, COMPONENTS</a:t>
+            </a:r>
+          </a:p>
+          <a:p>
+            <a:r>
+              <a:rPr lang="en-US" dirty="0" smtClean="0"/>
+              <a:t>AND RELATIONSHIPS</a:t>
+            </a:r>
+          </a:p>
+        </p:txBody>
+      </p:sp>
+      <p:sp>
+        <p:nvSpPr>
+          <p:cNvPr id="54" name="Rounded Rectangle 53"/>
+          <p:cNvSpPr/>
+          <p:nvPr/>
+        </p:nvSpPr>
+        <p:spPr>
+          <a:xfrm>
+            <a:off x="720266" y="1109089"/>
+            <a:ext cx="1239519" cy="279400"/>
+          </a:xfrm>
+          <a:prstGeom prst="roundRect">
+            <a:avLst>
+              <a:gd name="adj" fmla="val 50000"/>
+            </a:avLst>
+          </a:prstGeom>
+        </p:spPr>
+        <p:style>
+          <a:lnRef idx="2">
+            <a:schemeClr val="accent1"/>
+          </a:lnRef>
+          <a:fillRef idx="1">
+            <a:schemeClr val="lt1"/>
+          </a:fillRef>
+          <a:effectRef idx="0">
+            <a:schemeClr val="accent1"/>
+          </a:effectRef>
+          <a:fontRef idx="minor">
+            <a:schemeClr val="dk1"/>
+          </a:fontRef>
+        </p:style>
+        <p:txBody>
+          <a:bodyPr rtlCol="0" anchor="ctr"/>
+          <a:lstStyle/>
+          <a:p>
+            <a:pPr algn="ctr"/>
+            <a:r>
+              <a:rPr lang="en-US" sz="1200" dirty="0" smtClean="0"/>
+              <a:t>ACCESSIBILITY</a:t>
+            </a:r>
+            <a:endParaRPr lang="en-US" sz="1200" dirty="0"/>
+          </a:p>
+        </p:txBody>
+      </p:sp>
+      <p:sp>
+        <p:nvSpPr>
+          <p:cNvPr id="55" name="Rounded Rectangle 54"/>
+          <p:cNvSpPr/>
+          <p:nvPr/>
+        </p:nvSpPr>
+        <p:spPr>
+          <a:xfrm>
+            <a:off x="913307" y="2633652"/>
+            <a:ext cx="975359" cy="254000"/>
+          </a:xfrm>
+          <a:prstGeom prst="roundRect">
+            <a:avLst>
+              <a:gd name="adj" fmla="val 50000"/>
+            </a:avLst>
+          </a:prstGeom>
+        </p:spPr>
+        <p:style>
+          <a:lnRef idx="2">
+            <a:schemeClr val="accent1"/>
+          </a:lnRef>
+          <a:fillRef idx="1">
+            <a:schemeClr val="lt1"/>
+          </a:fillRef>
+          <a:effectRef idx="0">
+            <a:schemeClr val="accent1"/>
+          </a:effectRef>
+          <a:fontRef idx="minor">
+            <a:schemeClr val="dk1"/>
+          </a:fontRef>
+        </p:style>
+        <p:txBody>
+          <a:bodyPr rtlCol="0" anchor="ctr"/>
+          <a:lstStyle/>
+          <a:p>
+            <a:pPr algn="ctr"/>
+            <a:r>
+              <a:rPr lang="en-US" sz="1200" dirty="0" smtClean="0"/>
+              <a:t>USABILITY</a:t>
+            </a:r>
+            <a:endParaRPr lang="en-US" sz="1200" dirty="0"/>
+          </a:p>
+        </p:txBody>
+      </p:sp>
+      <p:sp>
+        <p:nvSpPr>
+          <p:cNvPr id="56" name="Rounded Rectangle 55"/>
+          <p:cNvSpPr/>
+          <p:nvPr/>
+        </p:nvSpPr>
+        <p:spPr>
+          <a:xfrm>
+            <a:off x="7291179" y="1331289"/>
+            <a:ext cx="975359" cy="254000"/>
+          </a:xfrm>
+          <a:prstGeom prst="roundRect">
+            <a:avLst>
+              <a:gd name="adj" fmla="val 50000"/>
+            </a:avLst>
+          </a:prstGeom>
+        </p:spPr>
+        <p:style>
+          <a:lnRef idx="2">
+            <a:schemeClr val="accent1"/>
+          </a:lnRef>
+          <a:fillRef idx="1">
+            <a:schemeClr val="lt1"/>
+          </a:fillRef>
+          <a:effectRef idx="0">
+            <a:schemeClr val="accent1"/>
+          </a:effectRef>
+          <a:fontRef idx="minor">
+            <a:schemeClr val="dk1"/>
+          </a:fontRef>
+        </p:style>
+        <p:txBody>
+          <a:bodyPr rtlCol="0" anchor="ctr"/>
+          <a:lstStyle/>
+          <a:p>
+            <a:pPr algn="ctr"/>
+            <a:r>
+              <a:rPr lang="en-US" sz="1200" dirty="0" smtClean="0"/>
+              <a:t>EFFICIENCY</a:t>
+            </a:r>
+            <a:endParaRPr lang="en-US" sz="1200" dirty="0"/>
+          </a:p>
+        </p:txBody>
+      </p:sp>
+      <p:sp>
+        <p:nvSpPr>
+          <p:cNvPr id="57" name="Rounded Rectangle 56"/>
+          <p:cNvSpPr/>
+          <p:nvPr/>
+        </p:nvSpPr>
+        <p:spPr>
+          <a:xfrm>
+            <a:off x="7271303" y="3386210"/>
+            <a:ext cx="975359" cy="254000"/>
+          </a:xfrm>
+          <a:prstGeom prst="roundRect">
+            <a:avLst>
+              <a:gd name="adj" fmla="val 50000"/>
+            </a:avLst>
+          </a:prstGeom>
+        </p:spPr>
+        <p:style>
+          <a:lnRef idx="2">
+            <a:schemeClr val="accent1"/>
+          </a:lnRef>
+          <a:fillRef idx="1">
+            <a:schemeClr val="lt1"/>
+          </a:fillRef>
+          <a:effectRef idx="0">
+            <a:schemeClr val="accent1"/>
+          </a:effectRef>
+          <a:fontRef idx="minor">
+            <a:schemeClr val="dk1"/>
+          </a:fontRef>
+        </p:style>
+        <p:txBody>
+          <a:bodyPr rtlCol="0" anchor="ctr"/>
+          <a:lstStyle/>
+          <a:p>
+            <a:pPr algn="ctr"/>
+            <a:r>
+              <a:rPr lang="en-US" sz="1200" dirty="0" smtClean="0"/>
+              <a:t>SECURITY</a:t>
+            </a:r>
+            <a:endParaRPr lang="en-US" sz="1200" dirty="0"/>
+          </a:p>
+        </p:txBody>
+      </p:sp>
+      <p:sp>
+        <p:nvSpPr>
+          <p:cNvPr id="58" name="Rounded Rectangle 57"/>
+          <p:cNvSpPr/>
+          <p:nvPr/>
+        </p:nvSpPr>
+        <p:spPr>
+          <a:xfrm>
+            <a:off x="2161021" y="1474542"/>
+            <a:ext cx="1619998" cy="287997"/>
+          </a:xfrm>
+          <a:prstGeom prst="roundRect">
+            <a:avLst>
+              <a:gd name="adj" fmla="val 0"/>
+            </a:avLst>
+          </a:prstGeom>
+          <a:solidFill>
+            <a:schemeClr val="lt1"/>
+          </a:solidFill>
+          <a:ln w="12700"/>
+        </p:spPr>
+        <p:style>
+          <a:lnRef idx="2">
+            <a:schemeClr val="dk1"/>
+          </a:lnRef>
+          <a:fillRef idx="1">
+            <a:schemeClr val="lt1"/>
+          </a:fillRef>
+          <a:effectRef idx="0">
+            <a:schemeClr val="dk1"/>
+          </a:effectRef>
+          <a:fontRef idx="minor">
+            <a:schemeClr val="dk1"/>
+          </a:fontRef>
+        </p:style>
+        <p:txBody>
+          <a:bodyPr rtlCol="0" anchor="ctr"/>
+          <a:lstStyle/>
+          <a:p>
+            <a:pPr algn="ctr"/>
+            <a:r>
+              <a:rPr lang="en-US" sz="1000" dirty="0" smtClean="0"/>
+              <a:t>Operability</a:t>
+            </a:r>
+            <a:endParaRPr lang="en-US" sz="1000" dirty="0"/>
+          </a:p>
+        </p:txBody>
+      </p:sp>
+      <p:sp>
+        <p:nvSpPr>
+          <p:cNvPr id="59" name="Rounded Rectangle 58"/>
+          <p:cNvSpPr/>
+          <p:nvPr/>
+        </p:nvSpPr>
+        <p:spPr>
+          <a:xfrm>
+            <a:off x="2161021" y="797939"/>
+            <a:ext cx="772159" cy="227330"/>
+          </a:xfrm>
+          <a:prstGeom prst="roundRect">
+            <a:avLst>
+              <a:gd name="adj" fmla="val 0"/>
+            </a:avLst>
+          </a:prstGeom>
+          <a:solidFill>
+            <a:schemeClr val="lt1"/>
+          </a:solidFill>
+          <a:ln w="12700"/>
+        </p:spPr>
+        <p:style>
+          <a:lnRef idx="2">
+            <a:schemeClr val="dk1"/>
+          </a:lnRef>
+          <a:fillRef idx="1">
+            <a:schemeClr val="lt1"/>
+          </a:fillRef>
+          <a:effectRef idx="0">
+            <a:schemeClr val="dk1"/>
+          </a:effectRef>
+          <a:fontRef idx="minor">
+            <a:schemeClr val="dk1"/>
+          </a:fontRef>
+        </p:style>
+        <p:txBody>
+          <a:bodyPr rtlCol="0" anchor="ctr"/>
+          <a:lstStyle/>
+          <a:p>
+            <a:pPr algn="ctr"/>
+            <a:r>
+              <a:rPr lang="en-US" sz="1000" dirty="0" smtClean="0"/>
+              <a:t>Availability</a:t>
+            </a:r>
+            <a:endParaRPr lang="en-US" sz="1000" dirty="0"/>
+          </a:p>
+        </p:txBody>
+      </p:sp>
+      <p:sp>
+        <p:nvSpPr>
+          <p:cNvPr id="60" name="Rounded Rectangle 59"/>
+          <p:cNvSpPr/>
+          <p:nvPr/>
+        </p:nvSpPr>
+        <p:spPr>
+          <a:xfrm>
+            <a:off x="2150861" y="1139569"/>
+            <a:ext cx="772159" cy="227330"/>
+          </a:xfrm>
+          <a:prstGeom prst="roundRect">
+            <a:avLst>
+              <a:gd name="adj" fmla="val 0"/>
+            </a:avLst>
+          </a:prstGeom>
+          <a:solidFill>
+            <a:schemeClr val="lt1"/>
+          </a:solidFill>
+          <a:ln w="12700"/>
+        </p:spPr>
+        <p:style>
+          <a:lnRef idx="2">
+            <a:schemeClr val="dk1"/>
+          </a:lnRef>
+          <a:fillRef idx="1">
+            <a:schemeClr val="lt1"/>
+          </a:fillRef>
+          <a:effectRef idx="0">
+            <a:schemeClr val="dk1"/>
+          </a:effectRef>
+          <a:fontRef idx="minor">
+            <a:schemeClr val="dk1"/>
+          </a:fontRef>
+        </p:style>
+        <p:txBody>
+          <a:bodyPr rtlCol="0" anchor="ctr"/>
+          <a:lstStyle/>
+          <a:p>
+            <a:pPr algn="ctr"/>
+            <a:r>
+              <a:rPr lang="en-US" sz="1000" dirty="0" smtClean="0"/>
+              <a:t>Maturity</a:t>
+            </a:r>
+            <a:endParaRPr lang="en-US" sz="1000" dirty="0"/>
+          </a:p>
+        </p:txBody>
+      </p:sp>
+      <p:sp>
+        <p:nvSpPr>
+          <p:cNvPr id="61" name="Rounded Rectangle 60"/>
+          <p:cNvSpPr/>
+          <p:nvPr/>
+        </p:nvSpPr>
+        <p:spPr>
+          <a:xfrm>
+            <a:off x="2089901" y="2259331"/>
+            <a:ext cx="1780539" cy="264160"/>
+          </a:xfrm>
+          <a:prstGeom prst="roundRect">
+            <a:avLst>
+              <a:gd name="adj" fmla="val 0"/>
+            </a:avLst>
+          </a:prstGeom>
+          <a:solidFill>
+            <a:schemeClr val="lt1"/>
+          </a:solidFill>
+          <a:ln w="12700"/>
+        </p:spPr>
+        <p:style>
+          <a:lnRef idx="2">
+            <a:schemeClr val="dk1"/>
+          </a:lnRef>
+          <a:fillRef idx="1">
+            <a:schemeClr val="lt1"/>
+          </a:fillRef>
+          <a:effectRef idx="0">
+            <a:schemeClr val="dk1"/>
+          </a:effectRef>
+          <a:fontRef idx="minor">
+            <a:schemeClr val="dk1"/>
+          </a:fontRef>
+        </p:style>
+        <p:txBody>
+          <a:bodyPr rtlCol="0" anchor="ctr"/>
+          <a:lstStyle/>
+          <a:p>
+            <a:pPr algn="ctr"/>
+            <a:r>
+              <a:rPr lang="en-US" sz="1000" dirty="0" smtClean="0"/>
+              <a:t>Ease of Use</a:t>
+            </a:r>
+            <a:endParaRPr lang="en-US" sz="1000" dirty="0"/>
+          </a:p>
+        </p:txBody>
+      </p:sp>
+      <p:sp>
+        <p:nvSpPr>
+          <p:cNvPr id="62" name="Rounded Rectangle 61"/>
+          <p:cNvSpPr/>
+          <p:nvPr/>
+        </p:nvSpPr>
+        <p:spPr>
+          <a:xfrm>
+            <a:off x="2089901" y="2573627"/>
+            <a:ext cx="1066800" cy="367664"/>
+          </a:xfrm>
+          <a:prstGeom prst="roundRect">
+            <a:avLst>
+              <a:gd name="adj" fmla="val 0"/>
+            </a:avLst>
+          </a:prstGeom>
+          <a:solidFill>
+            <a:schemeClr val="lt1"/>
+          </a:solidFill>
+          <a:ln w="12700"/>
+        </p:spPr>
+        <p:style>
+          <a:lnRef idx="2">
+            <a:schemeClr val="dk1"/>
+          </a:lnRef>
+          <a:fillRef idx="1">
+            <a:schemeClr val="lt1"/>
+          </a:fillRef>
+          <a:effectRef idx="0">
+            <a:schemeClr val="dk1"/>
+          </a:effectRef>
+          <a:fontRef idx="minor">
+            <a:schemeClr val="dk1"/>
+          </a:fontRef>
+        </p:style>
+        <p:txBody>
+          <a:bodyPr rtlCol="0" anchor="ctr"/>
+          <a:lstStyle/>
+          <a:p>
+            <a:pPr algn="ctr"/>
+            <a:r>
+              <a:rPr lang="en-US" sz="1000" dirty="0" smtClean="0"/>
+              <a:t>Learnability</a:t>
+            </a:r>
+            <a:endParaRPr lang="en-US" sz="1000" dirty="0"/>
+          </a:p>
+        </p:txBody>
+      </p:sp>
+      <p:sp>
+        <p:nvSpPr>
+          <p:cNvPr id="63" name="Rounded Rectangle 62"/>
+          <p:cNvSpPr/>
+          <p:nvPr/>
+        </p:nvSpPr>
+        <p:spPr>
+          <a:xfrm>
+            <a:off x="2089901" y="3056297"/>
+            <a:ext cx="1494679" cy="305726"/>
+          </a:xfrm>
+          <a:prstGeom prst="roundRect">
+            <a:avLst>
+              <a:gd name="adj" fmla="val 0"/>
+            </a:avLst>
+          </a:prstGeom>
+          <a:solidFill>
+            <a:schemeClr val="lt1"/>
+          </a:solidFill>
+          <a:ln w="12700"/>
+        </p:spPr>
+        <p:style>
+          <a:lnRef idx="2">
+            <a:schemeClr val="dk1"/>
+          </a:lnRef>
+          <a:fillRef idx="1">
+            <a:schemeClr val="lt1"/>
+          </a:fillRef>
+          <a:effectRef idx="0">
+            <a:schemeClr val="dk1"/>
+          </a:effectRef>
+          <a:fontRef idx="minor">
+            <a:schemeClr val="dk1"/>
+          </a:fontRef>
+        </p:style>
+        <p:txBody>
+          <a:bodyPr rtlCol="0" anchor="ctr"/>
+          <a:lstStyle/>
+          <a:p>
+            <a:pPr algn="ctr"/>
+            <a:r>
+              <a:rPr lang="en-US" sz="1000" dirty="0" smtClean="0"/>
+              <a:t>User interface aesthetics</a:t>
+            </a:r>
+            <a:endParaRPr lang="en-US" sz="1000" dirty="0"/>
+          </a:p>
+        </p:txBody>
+      </p:sp>
+      <p:sp>
+        <p:nvSpPr>
+          <p:cNvPr id="64" name="Rounded Rectangle 63"/>
+          <p:cNvSpPr/>
+          <p:nvPr/>
+        </p:nvSpPr>
+        <p:spPr>
+          <a:xfrm>
+            <a:off x="4901449" y="938329"/>
+            <a:ext cx="2065978" cy="276861"/>
+          </a:xfrm>
+          <a:prstGeom prst="roundRect">
+            <a:avLst>
+              <a:gd name="adj" fmla="val 0"/>
+            </a:avLst>
+          </a:prstGeom>
+          <a:solidFill>
+            <a:schemeClr val="lt1"/>
+          </a:solidFill>
+          <a:ln w="12700"/>
+        </p:spPr>
+        <p:style>
+          <a:lnRef idx="2">
+            <a:schemeClr val="dk1"/>
+          </a:lnRef>
+          <a:fillRef idx="1">
+            <a:schemeClr val="lt1"/>
+          </a:fillRef>
+          <a:effectRef idx="0">
+            <a:schemeClr val="dk1"/>
+          </a:effectRef>
+          <a:fontRef idx="minor">
+            <a:schemeClr val="dk1"/>
+          </a:fontRef>
+        </p:style>
+        <p:txBody>
+          <a:bodyPr rtlCol="0" anchor="ctr"/>
+          <a:lstStyle/>
+          <a:p>
+            <a:pPr algn="ctr"/>
+            <a:r>
+              <a:rPr lang="en-US" sz="1000" dirty="0" smtClean="0"/>
+              <a:t>Responsiveness</a:t>
+            </a:r>
+            <a:endParaRPr lang="en-US" sz="1000" dirty="0"/>
+          </a:p>
+        </p:txBody>
+      </p:sp>
+      <p:sp>
+        <p:nvSpPr>
+          <p:cNvPr id="65" name="Rounded Rectangle 64"/>
+          <p:cNvSpPr/>
+          <p:nvPr/>
+        </p:nvSpPr>
+        <p:spPr>
+          <a:xfrm>
+            <a:off x="5564750" y="1699057"/>
+            <a:ext cx="1396998" cy="264160"/>
+          </a:xfrm>
+          <a:prstGeom prst="roundRect">
+            <a:avLst>
+              <a:gd name="adj" fmla="val 0"/>
+            </a:avLst>
+          </a:prstGeom>
+          <a:solidFill>
+            <a:schemeClr val="lt1"/>
+          </a:solidFill>
+          <a:ln w="12700"/>
+        </p:spPr>
+        <p:style>
+          <a:lnRef idx="2">
+            <a:schemeClr val="dk1"/>
+          </a:lnRef>
+          <a:fillRef idx="1">
+            <a:schemeClr val="lt1"/>
+          </a:fillRef>
+          <a:effectRef idx="0">
+            <a:schemeClr val="dk1"/>
+          </a:effectRef>
+          <a:fontRef idx="minor">
+            <a:schemeClr val="dk1"/>
+          </a:fontRef>
+        </p:style>
+        <p:txBody>
+          <a:bodyPr rtlCol="0" anchor="ctr"/>
+          <a:lstStyle/>
+          <a:p>
+            <a:pPr algn="ctr"/>
+            <a:r>
+              <a:rPr lang="en-US" sz="1000" dirty="0" smtClean="0"/>
+              <a:t>Time behavior</a:t>
+            </a:r>
+            <a:endParaRPr lang="en-US" sz="1000" dirty="0"/>
+          </a:p>
+        </p:txBody>
+      </p:sp>
       <p:grpSp>
         <p:nvGrpSpPr>
           <p:cNvPr id="66" name="Group 65"/>
@@ -4963,7 +7307,7 @@
         </p:nvGrpSpPr>
         <p:grpSpPr>
           <a:xfrm>
-            <a:off x="6602862" y="3871495"/>
+            <a:off x="5052434" y="2206991"/>
             <a:ext cx="1879598" cy="491491"/>
             <a:chOff x="7721601" y="3576319"/>
             <a:chExt cx="1859278" cy="491491"/>
@@ -5122,2377 +7466,6 @@
         </p:nvSpPr>
         <p:spPr>
           <a:xfrm>
-            <a:off x="6628262" y="2578500"/>
-            <a:ext cx="1851659" cy="254000"/>
-          </a:xfrm>
-          <a:prstGeom prst="roundRect">
-            <a:avLst>
-              <a:gd name="adj" fmla="val 0"/>
-            </a:avLst>
-          </a:prstGeom>
-          <a:solidFill>
-            <a:schemeClr val="lt1"/>
-          </a:solidFill>
-          <a:ln w="12700"/>
-        </p:spPr>
-        <p:style>
-          <a:lnRef idx="2">
-            <a:schemeClr val="dk1"/>
-          </a:lnRef>
-          <a:fillRef idx="1">
-            <a:schemeClr val="lt1"/>
-          </a:fillRef>
-          <a:effectRef idx="0">
-            <a:schemeClr val="dk1"/>
-          </a:effectRef>
-          <a:fontRef idx="minor">
-            <a:schemeClr val="dk1"/>
-          </a:fontRef>
-        </p:style>
-        <p:txBody>
-          <a:bodyPr rtlCol="0" anchor="ctr"/>
-          <a:lstStyle/>
-          <a:p>
-            <a:pPr algn="ctr"/>
-            <a:r>
-              <a:rPr lang="en-US" sz="1000" dirty="0" smtClean="0"/>
-              <a:t>Fault Tolerance</a:t>
-            </a:r>
-            <a:endParaRPr lang="en-US" sz="1000" dirty="0"/>
-          </a:p>
-        </p:txBody>
-      </p:sp>
-      <p:sp>
-        <p:nvSpPr>
-          <p:cNvPr id="72" name="Rounded Rectangle 71"/>
-          <p:cNvSpPr/>
-          <p:nvPr/>
-        </p:nvSpPr>
-        <p:spPr>
-          <a:xfrm>
-            <a:off x="6656267" y="5703756"/>
-            <a:ext cx="1011197" cy="240573"/>
-          </a:xfrm>
-          <a:prstGeom prst="roundRect">
-            <a:avLst>
-              <a:gd name="adj" fmla="val 0"/>
-            </a:avLst>
-          </a:prstGeom>
-          <a:solidFill>
-            <a:schemeClr val="lt1"/>
-          </a:solidFill>
-          <a:ln w="12700"/>
-        </p:spPr>
-        <p:style>
-          <a:lnRef idx="2">
-            <a:schemeClr val="dk1"/>
-          </a:lnRef>
-          <a:fillRef idx="1">
-            <a:schemeClr val="lt1"/>
-          </a:fillRef>
-          <a:effectRef idx="0">
-            <a:schemeClr val="dk1"/>
-          </a:effectRef>
-          <a:fontRef idx="minor">
-            <a:schemeClr val="dk1"/>
-          </a:fontRef>
-        </p:style>
-        <p:txBody>
-          <a:bodyPr rtlCol="0" anchor="ctr"/>
-          <a:lstStyle/>
-          <a:p>
-            <a:pPr algn="ctr"/>
-            <a:r>
-              <a:rPr lang="en-US" sz="1000" dirty="0" smtClean="0"/>
-              <a:t>Confidentiality</a:t>
-            </a:r>
-            <a:endParaRPr lang="en-US" sz="1000" dirty="0"/>
-          </a:p>
-        </p:txBody>
-      </p:sp>
-      <p:sp>
-        <p:nvSpPr>
-          <p:cNvPr id="74" name="Rounded Rectangle 73"/>
-          <p:cNvSpPr/>
-          <p:nvPr/>
-        </p:nvSpPr>
-        <p:spPr>
-          <a:xfrm>
-            <a:off x="6653727" y="4477597"/>
-            <a:ext cx="2098997" cy="227330"/>
-          </a:xfrm>
-          <a:prstGeom prst="roundRect">
-            <a:avLst>
-              <a:gd name="adj" fmla="val 0"/>
-            </a:avLst>
-          </a:prstGeom>
-          <a:solidFill>
-            <a:schemeClr val="lt1"/>
-          </a:solidFill>
-          <a:ln w="12700"/>
-        </p:spPr>
-        <p:style>
-          <a:lnRef idx="2">
-            <a:schemeClr val="dk1"/>
-          </a:lnRef>
-          <a:fillRef idx="1">
-            <a:schemeClr val="lt1"/>
-          </a:fillRef>
-          <a:effectRef idx="0">
-            <a:schemeClr val="dk1"/>
-          </a:effectRef>
-          <a:fontRef idx="minor">
-            <a:schemeClr val="dk1"/>
-          </a:fontRef>
-        </p:style>
-        <p:txBody>
-          <a:bodyPr rtlCol="0" anchor="ctr"/>
-          <a:lstStyle/>
-          <a:p>
-            <a:pPr algn="ctr"/>
-            <a:r>
-              <a:rPr lang="en-US" sz="1000" dirty="0" smtClean="0"/>
-              <a:t>Safety</a:t>
-            </a:r>
-            <a:endParaRPr lang="en-US" sz="1000" dirty="0"/>
-          </a:p>
-        </p:txBody>
-      </p:sp>
-      <p:sp>
-        <p:nvSpPr>
-          <p:cNvPr id="75" name="Rounded Rectangle 74"/>
-          <p:cNvSpPr/>
-          <p:nvPr/>
-        </p:nvSpPr>
-        <p:spPr>
-          <a:xfrm>
-            <a:off x="6666427" y="5400579"/>
-            <a:ext cx="1001037" cy="227330"/>
-          </a:xfrm>
-          <a:prstGeom prst="roundRect">
-            <a:avLst>
-              <a:gd name="adj" fmla="val 0"/>
-            </a:avLst>
-          </a:prstGeom>
-          <a:solidFill>
-            <a:schemeClr val="lt1"/>
-          </a:solidFill>
-          <a:ln w="12700"/>
-        </p:spPr>
-        <p:style>
-          <a:lnRef idx="2">
-            <a:schemeClr val="dk1"/>
-          </a:lnRef>
-          <a:fillRef idx="1">
-            <a:schemeClr val="lt1"/>
-          </a:fillRef>
-          <a:effectRef idx="0">
-            <a:schemeClr val="dk1"/>
-          </a:effectRef>
-          <a:fontRef idx="minor">
-            <a:schemeClr val="dk1"/>
-          </a:fontRef>
-        </p:style>
-        <p:txBody>
-          <a:bodyPr rtlCol="0" anchor="ctr"/>
-          <a:lstStyle/>
-          <a:p>
-            <a:pPr algn="ctr"/>
-            <a:r>
-              <a:rPr lang="en-US" sz="1000" dirty="0" smtClean="0"/>
-              <a:t>Integrity</a:t>
-            </a:r>
-            <a:endParaRPr lang="en-US" sz="1000" dirty="0"/>
-          </a:p>
-        </p:txBody>
-      </p:sp>
-      <p:sp>
-        <p:nvSpPr>
-          <p:cNvPr id="76" name="Rounded Rectangle 75"/>
-          <p:cNvSpPr/>
-          <p:nvPr/>
-        </p:nvSpPr>
-        <p:spPr>
-          <a:xfrm>
-            <a:off x="6661625" y="4814145"/>
-            <a:ext cx="1005839" cy="227330"/>
-          </a:xfrm>
-          <a:prstGeom prst="roundRect">
-            <a:avLst>
-              <a:gd name="adj" fmla="val 0"/>
-            </a:avLst>
-          </a:prstGeom>
-          <a:solidFill>
-            <a:schemeClr val="lt1"/>
-          </a:solidFill>
-          <a:ln w="12700"/>
-        </p:spPr>
-        <p:style>
-          <a:lnRef idx="2">
-            <a:schemeClr val="dk1"/>
-          </a:lnRef>
-          <a:fillRef idx="1">
-            <a:schemeClr val="lt1"/>
-          </a:fillRef>
-          <a:effectRef idx="0">
-            <a:schemeClr val="dk1"/>
-          </a:effectRef>
-          <a:fontRef idx="minor">
-            <a:schemeClr val="dk1"/>
-          </a:fontRef>
-        </p:style>
-        <p:txBody>
-          <a:bodyPr rtlCol="0" anchor="ctr"/>
-          <a:lstStyle/>
-          <a:p>
-            <a:pPr algn="ctr"/>
-            <a:r>
-              <a:rPr lang="en-US" sz="1000" dirty="0" smtClean="0"/>
-              <a:t>Authenticity</a:t>
-            </a:r>
-            <a:endParaRPr lang="en-US" sz="1000" dirty="0"/>
-          </a:p>
-        </p:txBody>
-      </p:sp>
-      <p:cxnSp>
-        <p:nvCxnSpPr>
-          <p:cNvPr id="77" name="Straight Connector 76"/>
-          <p:cNvCxnSpPr>
-            <a:stCxn id="59" idx="1"/>
-            <a:endCxn id="54" idx="3"/>
-          </p:cNvCxnSpPr>
-          <p:nvPr/>
-        </p:nvCxnSpPr>
-        <p:spPr>
-          <a:xfrm flipH="1">
-            <a:off x="6181219" y="303530"/>
-            <a:ext cx="589283" cy="337185"/>
-          </a:xfrm>
-          <a:prstGeom prst="line">
-            <a:avLst/>
-          </a:prstGeom>
-        </p:spPr>
-        <p:style>
-          <a:lnRef idx="1">
-            <a:schemeClr val="dk1"/>
-          </a:lnRef>
-          <a:fillRef idx="0">
-            <a:schemeClr val="dk1"/>
-          </a:fillRef>
-          <a:effectRef idx="0">
-            <a:schemeClr val="dk1"/>
-          </a:effectRef>
-          <a:fontRef idx="minor">
-            <a:schemeClr val="tx1"/>
-          </a:fontRef>
-        </p:style>
-      </p:cxnSp>
-      <p:cxnSp>
-        <p:nvCxnSpPr>
-          <p:cNvPr id="78" name="Straight Connector 77"/>
-          <p:cNvCxnSpPr>
-            <a:stCxn id="60" idx="1"/>
-            <a:endCxn id="54" idx="3"/>
-          </p:cNvCxnSpPr>
-          <p:nvPr/>
-        </p:nvCxnSpPr>
-        <p:spPr>
-          <a:xfrm flipH="1" flipV="1">
-            <a:off x="6181219" y="640715"/>
-            <a:ext cx="579123" cy="4445"/>
-          </a:xfrm>
-          <a:prstGeom prst="line">
-            <a:avLst/>
-          </a:prstGeom>
-        </p:spPr>
-        <p:style>
-          <a:lnRef idx="1">
-            <a:schemeClr val="dk1"/>
-          </a:lnRef>
-          <a:fillRef idx="0">
-            <a:schemeClr val="dk1"/>
-          </a:fillRef>
-          <a:effectRef idx="0">
-            <a:schemeClr val="dk1"/>
-          </a:effectRef>
-          <a:fontRef idx="minor">
-            <a:schemeClr val="tx1"/>
-          </a:fontRef>
-        </p:style>
-      </p:cxnSp>
-      <p:cxnSp>
-        <p:nvCxnSpPr>
-          <p:cNvPr id="79" name="Straight Connector 78"/>
-          <p:cNvCxnSpPr>
-            <a:stCxn id="58" idx="1"/>
-            <a:endCxn id="54" idx="3"/>
-          </p:cNvCxnSpPr>
-          <p:nvPr/>
-        </p:nvCxnSpPr>
-        <p:spPr>
-          <a:xfrm flipH="1" flipV="1">
-            <a:off x="6181219" y="640715"/>
-            <a:ext cx="589283" cy="369752"/>
-          </a:xfrm>
-          <a:prstGeom prst="line">
-            <a:avLst/>
-          </a:prstGeom>
-        </p:spPr>
-        <p:style>
-          <a:lnRef idx="1">
-            <a:schemeClr val="dk1"/>
-          </a:lnRef>
-          <a:fillRef idx="0">
-            <a:schemeClr val="dk1"/>
-          </a:fillRef>
-          <a:effectRef idx="0">
-            <a:schemeClr val="dk1"/>
-          </a:effectRef>
-          <a:fontRef idx="minor">
-            <a:schemeClr val="tx1"/>
-          </a:fontRef>
-        </p:style>
-      </p:cxnSp>
-      <p:cxnSp>
-        <p:nvCxnSpPr>
-          <p:cNvPr id="82" name="Straight Connector 81"/>
-          <p:cNvCxnSpPr>
-            <a:stCxn id="61" idx="1"/>
-            <a:endCxn id="55" idx="3"/>
-          </p:cNvCxnSpPr>
-          <p:nvPr/>
-        </p:nvCxnSpPr>
-        <p:spPr>
-          <a:xfrm flipH="1">
-            <a:off x="6181219" y="1524661"/>
-            <a:ext cx="518163" cy="380999"/>
-          </a:xfrm>
-          <a:prstGeom prst="line">
-            <a:avLst/>
-          </a:prstGeom>
-        </p:spPr>
-        <p:style>
-          <a:lnRef idx="1">
-            <a:schemeClr val="dk1"/>
-          </a:lnRef>
-          <a:fillRef idx="0">
-            <a:schemeClr val="dk1"/>
-          </a:fillRef>
-          <a:effectRef idx="0">
-            <a:schemeClr val="dk1"/>
-          </a:effectRef>
-          <a:fontRef idx="minor">
-            <a:schemeClr val="tx1"/>
-          </a:fontRef>
-        </p:style>
-      </p:cxnSp>
-      <p:cxnSp>
-        <p:nvCxnSpPr>
-          <p:cNvPr id="83" name="Straight Connector 82"/>
-          <p:cNvCxnSpPr>
-            <a:stCxn id="62" idx="1"/>
-            <a:endCxn id="55" idx="3"/>
-          </p:cNvCxnSpPr>
-          <p:nvPr/>
-        </p:nvCxnSpPr>
-        <p:spPr>
-          <a:xfrm flipH="1">
-            <a:off x="6181219" y="1890709"/>
-            <a:ext cx="518163" cy="14951"/>
-          </a:xfrm>
-          <a:prstGeom prst="line">
-            <a:avLst/>
-          </a:prstGeom>
-        </p:spPr>
-        <p:style>
-          <a:lnRef idx="1">
-            <a:schemeClr val="dk1"/>
-          </a:lnRef>
-          <a:fillRef idx="0">
-            <a:schemeClr val="dk1"/>
-          </a:fillRef>
-          <a:effectRef idx="0">
-            <a:schemeClr val="dk1"/>
-          </a:effectRef>
-          <a:fontRef idx="minor">
-            <a:schemeClr val="tx1"/>
-          </a:fontRef>
-        </p:style>
-      </p:cxnSp>
-      <p:cxnSp>
-        <p:nvCxnSpPr>
-          <p:cNvPr id="84" name="Straight Connector 83"/>
-          <p:cNvCxnSpPr>
-            <a:stCxn id="64" idx="1"/>
-            <a:endCxn id="56" idx="3"/>
-          </p:cNvCxnSpPr>
-          <p:nvPr/>
-        </p:nvCxnSpPr>
-        <p:spPr>
-          <a:xfrm flipH="1">
-            <a:off x="6181218" y="3063641"/>
-            <a:ext cx="447044" cy="350171"/>
-          </a:xfrm>
-          <a:prstGeom prst="line">
-            <a:avLst/>
-          </a:prstGeom>
-        </p:spPr>
-        <p:style>
-          <a:lnRef idx="1">
-            <a:schemeClr val="dk1"/>
-          </a:lnRef>
-          <a:fillRef idx="0">
-            <a:schemeClr val="dk1"/>
-          </a:fillRef>
-          <a:effectRef idx="0">
-            <a:schemeClr val="dk1"/>
-          </a:effectRef>
-          <a:fontRef idx="minor">
-            <a:schemeClr val="tx1"/>
-          </a:fontRef>
-        </p:style>
-      </p:cxnSp>
-      <p:cxnSp>
-        <p:nvCxnSpPr>
-          <p:cNvPr id="85" name="Straight Arrow Connector 84"/>
-          <p:cNvCxnSpPr>
-            <a:stCxn id="61" idx="0"/>
-            <a:endCxn id="58" idx="2"/>
-          </p:cNvCxnSpPr>
-          <p:nvPr/>
-        </p:nvCxnSpPr>
-        <p:spPr>
-          <a:xfrm flipH="1" flipV="1">
-            <a:off x="7580917" y="1154465"/>
-            <a:ext cx="8319" cy="238116"/>
-          </a:xfrm>
-          <a:prstGeom prst="straightConnector1">
-            <a:avLst/>
-          </a:prstGeom>
-          <a:ln w="12700" cmpd="sng">
-            <a:headEnd type="none"/>
-            <a:tailEnd type="triangle"/>
-          </a:ln>
-          <a:effectLst/>
-        </p:spPr>
-        <p:style>
-          <a:lnRef idx="2">
-            <a:schemeClr val="accent1"/>
-          </a:lnRef>
-          <a:fillRef idx="0">
-            <a:schemeClr val="accent1"/>
-          </a:fillRef>
-          <a:effectRef idx="1">
-            <a:schemeClr val="accent1"/>
-          </a:effectRef>
-          <a:fontRef idx="minor">
-            <a:schemeClr val="tx1"/>
-          </a:fontRef>
-        </p:style>
-      </p:cxnSp>
-      <p:cxnSp>
-        <p:nvCxnSpPr>
-          <p:cNvPr id="86" name="Elbow Connector 85"/>
-          <p:cNvCxnSpPr>
-            <a:stCxn id="63" idx="3"/>
-          </p:cNvCxnSpPr>
-          <p:nvPr/>
-        </p:nvCxnSpPr>
-        <p:spPr>
-          <a:xfrm flipH="1" flipV="1">
-            <a:off x="7756756" y="2032660"/>
-            <a:ext cx="416481" cy="262718"/>
-          </a:xfrm>
-          <a:prstGeom prst="bentConnector3">
-            <a:avLst>
-              <a:gd name="adj1" fmla="val -49899"/>
-            </a:avLst>
-          </a:prstGeom>
-          <a:ln w="3175" cmpd="sng">
-            <a:prstDash val="lgDash"/>
-            <a:tailEnd type="arrow"/>
-          </a:ln>
-          <a:effectLst/>
-        </p:spPr>
-        <p:style>
-          <a:lnRef idx="2">
-            <a:schemeClr val="accent1"/>
-          </a:lnRef>
-          <a:fillRef idx="0">
-            <a:schemeClr val="accent1"/>
-          </a:fillRef>
-          <a:effectRef idx="1">
-            <a:schemeClr val="accent1"/>
-          </a:effectRef>
-          <a:fontRef idx="minor">
-            <a:schemeClr val="tx1"/>
-          </a:fontRef>
-        </p:style>
-      </p:cxnSp>
-      <p:cxnSp>
-        <p:nvCxnSpPr>
-          <p:cNvPr id="87" name="Elbow Connector 86"/>
-          <p:cNvCxnSpPr>
-            <a:stCxn id="62" idx="3"/>
-          </p:cNvCxnSpPr>
-          <p:nvPr/>
-        </p:nvCxnSpPr>
-        <p:spPr>
-          <a:xfrm flipV="1">
-            <a:off x="7777592" y="1656741"/>
-            <a:ext cx="228199" cy="233968"/>
-          </a:xfrm>
-          <a:prstGeom prst="bentConnector3">
-            <a:avLst>
-              <a:gd name="adj1" fmla="val 93286"/>
-            </a:avLst>
-          </a:prstGeom>
-          <a:ln w="3175" cmpd="sng">
-            <a:prstDash val="lgDash"/>
-            <a:headEnd type="none"/>
-            <a:tailEnd type="arrow"/>
-          </a:ln>
-          <a:effectLst/>
-        </p:spPr>
-        <p:style>
-          <a:lnRef idx="2">
-            <a:schemeClr val="accent1"/>
-          </a:lnRef>
-          <a:fillRef idx="0">
-            <a:schemeClr val="accent1"/>
-          </a:fillRef>
-          <a:effectRef idx="1">
-            <a:schemeClr val="accent1"/>
-          </a:effectRef>
-          <a:fontRef idx="minor">
-            <a:schemeClr val="tx1"/>
-          </a:fontRef>
-        </p:style>
-      </p:cxnSp>
-      <p:cxnSp>
-        <p:nvCxnSpPr>
-          <p:cNvPr id="88" name="Elbow Connector 87"/>
-          <p:cNvCxnSpPr>
-            <a:stCxn id="64" idx="3"/>
-            <a:endCxn id="58" idx="3"/>
-          </p:cNvCxnSpPr>
-          <p:nvPr/>
-        </p:nvCxnSpPr>
-        <p:spPr>
-          <a:xfrm flipH="1" flipV="1">
-            <a:off x="8404307" y="1010467"/>
-            <a:ext cx="276127" cy="2053174"/>
-          </a:xfrm>
-          <a:prstGeom prst="bentConnector3">
-            <a:avLst>
-              <a:gd name="adj1" fmla="val -75262"/>
-            </a:avLst>
-          </a:prstGeom>
-          <a:ln w="12700" cmpd="sng">
-            <a:headEnd type="none"/>
-            <a:tailEnd type="triangle"/>
-          </a:ln>
-          <a:effectLst/>
-        </p:spPr>
-        <p:style>
-          <a:lnRef idx="2">
-            <a:schemeClr val="accent1"/>
-          </a:lnRef>
-          <a:fillRef idx="0">
-            <a:schemeClr val="accent1"/>
-          </a:fillRef>
-          <a:effectRef idx="1">
-            <a:schemeClr val="accent1"/>
-          </a:effectRef>
-          <a:fontRef idx="minor">
-            <a:schemeClr val="tx1"/>
-          </a:fontRef>
-        </p:style>
-      </p:cxnSp>
-      <p:cxnSp>
-        <p:nvCxnSpPr>
-          <p:cNvPr id="89" name="Straight Connector 88"/>
-          <p:cNvCxnSpPr>
-            <a:stCxn id="70" idx="1"/>
-            <a:endCxn id="56" idx="3"/>
-          </p:cNvCxnSpPr>
-          <p:nvPr/>
-        </p:nvCxnSpPr>
-        <p:spPr>
-          <a:xfrm flipH="1">
-            <a:off x="6181218" y="2705500"/>
-            <a:ext cx="447044" cy="708312"/>
-          </a:xfrm>
-          <a:prstGeom prst="line">
-            <a:avLst/>
-          </a:prstGeom>
-        </p:spPr>
-        <p:style>
-          <a:lnRef idx="1">
-            <a:schemeClr val="dk1"/>
-          </a:lnRef>
-          <a:fillRef idx="0">
-            <a:schemeClr val="dk1"/>
-          </a:fillRef>
-          <a:effectRef idx="0">
-            <a:schemeClr val="dk1"/>
-          </a:effectRef>
-          <a:fontRef idx="minor">
-            <a:schemeClr val="tx1"/>
-          </a:fontRef>
-        </p:style>
-      </p:cxnSp>
-      <p:cxnSp>
-        <p:nvCxnSpPr>
-          <p:cNvPr id="90" name="Straight Connector 89"/>
-          <p:cNvCxnSpPr>
-            <a:stCxn id="65" idx="1"/>
-            <a:endCxn id="56" idx="3"/>
-          </p:cNvCxnSpPr>
-          <p:nvPr/>
-        </p:nvCxnSpPr>
-        <p:spPr>
-          <a:xfrm flipH="1" flipV="1">
-            <a:off x="6181218" y="3413812"/>
-            <a:ext cx="416564" cy="81829"/>
-          </a:xfrm>
-          <a:prstGeom prst="line">
-            <a:avLst/>
-          </a:prstGeom>
-        </p:spPr>
-        <p:style>
-          <a:lnRef idx="1">
-            <a:schemeClr val="dk1"/>
-          </a:lnRef>
-          <a:fillRef idx="0">
-            <a:schemeClr val="dk1"/>
-          </a:fillRef>
-          <a:effectRef idx="0">
-            <a:schemeClr val="dk1"/>
-          </a:effectRef>
-          <a:fontRef idx="minor">
-            <a:schemeClr val="tx1"/>
-          </a:fontRef>
-        </p:style>
-      </p:cxnSp>
-      <p:cxnSp>
-        <p:nvCxnSpPr>
-          <p:cNvPr id="92" name="Straight Connector 91"/>
-          <p:cNvCxnSpPr>
-            <a:stCxn id="67" idx="1"/>
-            <a:endCxn id="56" idx="3"/>
-          </p:cNvCxnSpPr>
-          <p:nvPr/>
-        </p:nvCxnSpPr>
-        <p:spPr>
-          <a:xfrm flipH="1" flipV="1">
-            <a:off x="6181218" y="3413812"/>
-            <a:ext cx="421644" cy="588176"/>
-          </a:xfrm>
-          <a:prstGeom prst="line">
-            <a:avLst/>
-          </a:prstGeom>
-        </p:spPr>
-        <p:style>
-          <a:lnRef idx="1">
-            <a:schemeClr val="dk1"/>
-          </a:lnRef>
-          <a:fillRef idx="0">
-            <a:schemeClr val="dk1"/>
-          </a:fillRef>
-          <a:effectRef idx="0">
-            <a:schemeClr val="dk1"/>
-          </a:effectRef>
-          <a:fontRef idx="minor">
-            <a:schemeClr val="tx1"/>
-          </a:fontRef>
-        </p:style>
-      </p:cxnSp>
-      <p:cxnSp>
-        <p:nvCxnSpPr>
-          <p:cNvPr id="94" name="Elbow Connector 93"/>
-          <p:cNvCxnSpPr>
-            <a:stCxn id="65" idx="3"/>
-          </p:cNvCxnSpPr>
-          <p:nvPr/>
-        </p:nvCxnSpPr>
-        <p:spPr>
-          <a:xfrm flipV="1">
-            <a:off x="7994780" y="3202071"/>
-            <a:ext cx="199281" cy="293570"/>
-          </a:xfrm>
-          <a:prstGeom prst="bentConnector2">
-            <a:avLst/>
-          </a:prstGeom>
-          <a:ln w="3175" cmpd="sng">
-            <a:prstDash val="lgDash"/>
-            <a:tailEnd type="arrow"/>
-          </a:ln>
-          <a:effectLst/>
-        </p:spPr>
-        <p:style>
-          <a:lnRef idx="2">
-            <a:schemeClr val="accent1"/>
-          </a:lnRef>
-          <a:fillRef idx="0">
-            <a:schemeClr val="accent1"/>
-          </a:fillRef>
-          <a:effectRef idx="1">
-            <a:schemeClr val="accent1"/>
-          </a:effectRef>
-          <a:fontRef idx="minor">
-            <a:schemeClr val="tx1"/>
-          </a:fontRef>
-        </p:style>
-      </p:cxnSp>
-      <p:cxnSp>
-        <p:nvCxnSpPr>
-          <p:cNvPr id="95" name="Straight Connector 94"/>
-          <p:cNvCxnSpPr>
-            <a:stCxn id="63" idx="1"/>
-            <a:endCxn id="55" idx="3"/>
-          </p:cNvCxnSpPr>
-          <p:nvPr/>
-        </p:nvCxnSpPr>
-        <p:spPr>
-          <a:xfrm flipH="1" flipV="1">
-            <a:off x="6181219" y="1905660"/>
-            <a:ext cx="518163" cy="389718"/>
-          </a:xfrm>
-          <a:prstGeom prst="line">
-            <a:avLst/>
-          </a:prstGeom>
-        </p:spPr>
-        <p:style>
-          <a:lnRef idx="1">
-            <a:schemeClr val="dk1"/>
-          </a:lnRef>
-          <a:fillRef idx="0">
-            <a:schemeClr val="dk1"/>
-          </a:fillRef>
-          <a:effectRef idx="0">
-            <a:schemeClr val="dk1"/>
-          </a:effectRef>
-          <a:fontRef idx="minor">
-            <a:schemeClr val="tx1"/>
-          </a:fontRef>
-        </p:style>
-      </p:cxnSp>
-      <p:cxnSp>
-        <p:nvCxnSpPr>
-          <p:cNvPr id="96" name="Straight Arrow Connector 95"/>
-          <p:cNvCxnSpPr>
-            <a:stCxn id="67" idx="0"/>
-          </p:cNvCxnSpPr>
-          <p:nvPr/>
-        </p:nvCxnSpPr>
-        <p:spPr>
-          <a:xfrm flipV="1">
-            <a:off x="7542661" y="3627721"/>
-            <a:ext cx="0" cy="243774"/>
-          </a:xfrm>
-          <a:prstGeom prst="straightConnector1">
-            <a:avLst/>
-          </a:prstGeom>
-          <a:ln w="3175" cmpd="sng">
-            <a:prstDash val="lgDash"/>
-            <a:tailEnd type="arrow"/>
-          </a:ln>
-          <a:effectLst/>
-        </p:spPr>
-        <p:style>
-          <a:lnRef idx="2">
-            <a:schemeClr val="accent1"/>
-          </a:lnRef>
-          <a:fillRef idx="0">
-            <a:schemeClr val="accent1"/>
-          </a:fillRef>
-          <a:effectRef idx="1">
-            <a:schemeClr val="accent1"/>
-          </a:effectRef>
-          <a:fontRef idx="minor">
-            <a:schemeClr val="tx1"/>
-          </a:fontRef>
-        </p:style>
-      </p:cxnSp>
-      <p:cxnSp>
-        <p:nvCxnSpPr>
-          <p:cNvPr id="97" name="Elbow Connector 96"/>
-          <p:cNvCxnSpPr>
-            <a:stCxn id="76" idx="3"/>
-          </p:cNvCxnSpPr>
-          <p:nvPr/>
-        </p:nvCxnSpPr>
-        <p:spPr>
-          <a:xfrm flipV="1">
-            <a:off x="7676688" y="4704928"/>
-            <a:ext cx="184484" cy="222882"/>
-          </a:xfrm>
-          <a:prstGeom prst="bentConnector2">
-            <a:avLst/>
-          </a:prstGeom>
-          <a:ln w="3175" cmpd="sng">
-            <a:prstDash val="lgDash"/>
-            <a:tailEnd type="arrow"/>
-          </a:ln>
-          <a:effectLst/>
-        </p:spPr>
-        <p:style>
-          <a:lnRef idx="2">
-            <a:schemeClr val="accent1"/>
-          </a:lnRef>
-          <a:fillRef idx="0">
-            <a:schemeClr val="accent1"/>
-          </a:fillRef>
-          <a:effectRef idx="1">
-            <a:schemeClr val="accent1"/>
-          </a:effectRef>
-          <a:fontRef idx="minor">
-            <a:schemeClr val="tx1"/>
-          </a:fontRef>
-        </p:style>
-      </p:cxnSp>
-      <p:cxnSp>
-        <p:nvCxnSpPr>
-          <p:cNvPr id="98" name="Elbow Connector 97"/>
-          <p:cNvCxnSpPr>
-            <a:stCxn id="75" idx="3"/>
-          </p:cNvCxnSpPr>
-          <p:nvPr/>
-        </p:nvCxnSpPr>
-        <p:spPr>
-          <a:xfrm flipV="1">
-            <a:off x="7698560" y="4704928"/>
-            <a:ext cx="621916" cy="809316"/>
-          </a:xfrm>
-          <a:prstGeom prst="bentConnector2">
-            <a:avLst/>
-          </a:prstGeom>
-          <a:ln w="3175" cmpd="sng">
-            <a:prstDash val="lgDash"/>
-            <a:tailEnd type="arrow"/>
-          </a:ln>
-          <a:effectLst/>
-        </p:spPr>
-        <p:style>
-          <a:lnRef idx="2">
-            <a:schemeClr val="accent1"/>
-          </a:lnRef>
-          <a:fillRef idx="0">
-            <a:schemeClr val="accent1"/>
-          </a:fillRef>
-          <a:effectRef idx="1">
-            <a:schemeClr val="accent1"/>
-          </a:effectRef>
-          <a:fontRef idx="minor">
-            <a:schemeClr val="tx1"/>
-          </a:fontRef>
-        </p:style>
-      </p:cxnSp>
-      <p:cxnSp>
-        <p:nvCxnSpPr>
-          <p:cNvPr id="99" name="Elbow Connector 98"/>
-          <p:cNvCxnSpPr>
-            <a:stCxn id="72" idx="3"/>
-          </p:cNvCxnSpPr>
-          <p:nvPr/>
-        </p:nvCxnSpPr>
-        <p:spPr>
-          <a:xfrm flipV="1">
-            <a:off x="7709007" y="4704929"/>
-            <a:ext cx="830851" cy="1119114"/>
-          </a:xfrm>
-          <a:prstGeom prst="bentConnector2">
-            <a:avLst/>
-          </a:prstGeom>
-          <a:ln w="3175" cmpd="sng">
-            <a:prstDash val="lgDash"/>
-            <a:tailEnd type="arrow"/>
-          </a:ln>
-          <a:effectLst/>
-        </p:spPr>
-        <p:style>
-          <a:lnRef idx="2">
-            <a:schemeClr val="accent1"/>
-          </a:lnRef>
-          <a:fillRef idx="0">
-            <a:schemeClr val="accent1"/>
-          </a:fillRef>
-          <a:effectRef idx="1">
-            <a:schemeClr val="accent1"/>
-          </a:effectRef>
-          <a:fontRef idx="minor">
-            <a:schemeClr val="tx1"/>
-          </a:fontRef>
-        </p:style>
-      </p:cxnSp>
-      <p:cxnSp>
-        <p:nvCxnSpPr>
-          <p:cNvPr id="100" name="Straight Connector 99"/>
-          <p:cNvCxnSpPr>
-            <a:stCxn id="74" idx="1"/>
-            <a:endCxn id="57" idx="3"/>
-          </p:cNvCxnSpPr>
-          <p:nvPr/>
-        </p:nvCxnSpPr>
-        <p:spPr>
-          <a:xfrm flipH="1">
-            <a:off x="6181218" y="4591262"/>
-            <a:ext cx="472509" cy="631094"/>
-          </a:xfrm>
-          <a:prstGeom prst="line">
-            <a:avLst/>
-          </a:prstGeom>
-        </p:spPr>
-        <p:style>
-          <a:lnRef idx="1">
-            <a:schemeClr val="dk1"/>
-          </a:lnRef>
-          <a:fillRef idx="0">
-            <a:schemeClr val="dk1"/>
-          </a:fillRef>
-          <a:effectRef idx="0">
-            <a:schemeClr val="dk1"/>
-          </a:effectRef>
-          <a:fontRef idx="minor">
-            <a:schemeClr val="tx1"/>
-          </a:fontRef>
-        </p:style>
-      </p:cxnSp>
-      <p:cxnSp>
-        <p:nvCxnSpPr>
-          <p:cNvPr id="101" name="Straight Connector 100"/>
-          <p:cNvCxnSpPr>
-            <a:stCxn id="75" idx="1"/>
-            <a:endCxn id="57" idx="3"/>
-          </p:cNvCxnSpPr>
-          <p:nvPr/>
-        </p:nvCxnSpPr>
-        <p:spPr>
-          <a:xfrm flipH="1" flipV="1">
-            <a:off x="6181218" y="5222356"/>
-            <a:ext cx="485209" cy="291888"/>
-          </a:xfrm>
-          <a:prstGeom prst="line">
-            <a:avLst/>
-          </a:prstGeom>
-        </p:spPr>
-        <p:style>
-          <a:lnRef idx="1">
-            <a:schemeClr val="dk1"/>
-          </a:lnRef>
-          <a:fillRef idx="0">
-            <a:schemeClr val="dk1"/>
-          </a:fillRef>
-          <a:effectRef idx="0">
-            <a:schemeClr val="dk1"/>
-          </a:effectRef>
-          <a:fontRef idx="minor">
-            <a:schemeClr val="tx1"/>
-          </a:fontRef>
-        </p:style>
-      </p:cxnSp>
-      <p:cxnSp>
-        <p:nvCxnSpPr>
-          <p:cNvPr id="102" name="Straight Connector 101"/>
-          <p:cNvCxnSpPr>
-            <a:stCxn id="72" idx="1"/>
-            <a:endCxn id="57" idx="3"/>
-          </p:cNvCxnSpPr>
-          <p:nvPr/>
-        </p:nvCxnSpPr>
-        <p:spPr>
-          <a:xfrm flipH="1" flipV="1">
-            <a:off x="6181218" y="5222356"/>
-            <a:ext cx="475049" cy="601687"/>
-          </a:xfrm>
-          <a:prstGeom prst="line">
-            <a:avLst/>
-          </a:prstGeom>
-        </p:spPr>
-        <p:style>
-          <a:lnRef idx="1">
-            <a:schemeClr val="dk1"/>
-          </a:lnRef>
-          <a:fillRef idx="0">
-            <a:schemeClr val="dk1"/>
-          </a:fillRef>
-          <a:effectRef idx="0">
-            <a:schemeClr val="dk1"/>
-          </a:effectRef>
-          <a:fontRef idx="minor">
-            <a:schemeClr val="tx1"/>
-          </a:fontRef>
-        </p:style>
-      </p:cxnSp>
-      <p:cxnSp>
-        <p:nvCxnSpPr>
-          <p:cNvPr id="103" name="Straight Connector 102"/>
-          <p:cNvCxnSpPr>
-            <a:stCxn id="106" idx="1"/>
-            <a:endCxn id="57" idx="3"/>
-          </p:cNvCxnSpPr>
-          <p:nvPr/>
-        </p:nvCxnSpPr>
-        <p:spPr>
-          <a:xfrm flipH="1">
-            <a:off x="6181218" y="5222356"/>
-            <a:ext cx="490290" cy="0"/>
-          </a:xfrm>
-          <a:prstGeom prst="line">
-            <a:avLst/>
-          </a:prstGeom>
-        </p:spPr>
-        <p:style>
-          <a:lnRef idx="1">
-            <a:schemeClr val="dk1"/>
-          </a:lnRef>
-          <a:fillRef idx="0">
-            <a:schemeClr val="dk1"/>
-          </a:fillRef>
-          <a:effectRef idx="0">
-            <a:schemeClr val="dk1"/>
-          </a:effectRef>
-          <a:fontRef idx="minor">
-            <a:schemeClr val="tx1"/>
-          </a:fontRef>
-        </p:style>
-      </p:cxnSp>
-      <p:cxnSp>
-        <p:nvCxnSpPr>
-          <p:cNvPr id="104" name="Elbow Connector 103"/>
-          <p:cNvCxnSpPr>
-            <a:stCxn id="70" idx="3"/>
-          </p:cNvCxnSpPr>
-          <p:nvPr/>
-        </p:nvCxnSpPr>
-        <p:spPr>
-          <a:xfrm flipH="1" flipV="1">
-            <a:off x="8390500" y="1154465"/>
-            <a:ext cx="89421" cy="1551035"/>
-          </a:xfrm>
-          <a:prstGeom prst="bentConnector4">
-            <a:avLst>
-              <a:gd name="adj1" fmla="val -255645"/>
-              <a:gd name="adj2" fmla="val 101403"/>
-            </a:avLst>
-          </a:prstGeom>
-          <a:ln w="12700" cmpd="sng">
-            <a:headEnd type="none"/>
-            <a:tailEnd type="triangle"/>
-          </a:ln>
-          <a:effectLst/>
-        </p:spPr>
-        <p:style>
-          <a:lnRef idx="2">
-            <a:schemeClr val="accent1"/>
-          </a:lnRef>
-          <a:fillRef idx="0">
-            <a:schemeClr val="accent1"/>
-          </a:fillRef>
-          <a:effectRef idx="1">
-            <a:schemeClr val="accent1"/>
-          </a:effectRef>
-          <a:fontRef idx="minor">
-            <a:schemeClr val="tx1"/>
-          </a:fontRef>
-        </p:style>
-      </p:cxnSp>
-      <p:cxnSp>
-        <p:nvCxnSpPr>
-          <p:cNvPr id="105" name="Elbow Connector 104"/>
-          <p:cNvCxnSpPr>
-            <a:endCxn id="60" idx="3"/>
-          </p:cNvCxnSpPr>
-          <p:nvPr/>
-        </p:nvCxnSpPr>
-        <p:spPr>
-          <a:xfrm rot="10800000">
-            <a:off x="7549814" y="645160"/>
-            <a:ext cx="346254" cy="221308"/>
-          </a:xfrm>
-          <a:prstGeom prst="bentConnector3">
-            <a:avLst>
-              <a:gd name="adj1" fmla="val 50000"/>
-            </a:avLst>
-          </a:prstGeom>
-          <a:ln w="3175" cmpd="sng">
-            <a:prstDash val="lgDash"/>
-            <a:headEnd type="none"/>
-            <a:tailEnd type="arrow"/>
-          </a:ln>
-          <a:effectLst/>
-        </p:spPr>
-        <p:style>
-          <a:lnRef idx="2">
-            <a:schemeClr val="accent1"/>
-          </a:lnRef>
-          <a:fillRef idx="0">
-            <a:schemeClr val="accent1"/>
-          </a:fillRef>
-          <a:effectRef idx="1">
-            <a:schemeClr val="accent1"/>
-          </a:effectRef>
-          <a:fontRef idx="minor">
-            <a:schemeClr val="tx1"/>
-          </a:fontRef>
-        </p:style>
-      </p:cxnSp>
-      <p:sp>
-        <p:nvSpPr>
-          <p:cNvPr id="106" name="Rounded Rectangle 105"/>
-          <p:cNvSpPr/>
-          <p:nvPr/>
-        </p:nvSpPr>
-        <p:spPr>
-          <a:xfrm>
-            <a:off x="6671508" y="5112716"/>
-            <a:ext cx="993917" cy="219279"/>
-          </a:xfrm>
-          <a:prstGeom prst="roundRect">
-            <a:avLst>
-              <a:gd name="adj" fmla="val 0"/>
-            </a:avLst>
-          </a:prstGeom>
-          <a:solidFill>
-            <a:schemeClr val="lt1"/>
-          </a:solidFill>
-          <a:ln w="12700"/>
-        </p:spPr>
-        <p:style>
-          <a:lnRef idx="2">
-            <a:schemeClr val="dk1"/>
-          </a:lnRef>
-          <a:fillRef idx="1">
-            <a:schemeClr val="lt1"/>
-          </a:fillRef>
-          <a:effectRef idx="0">
-            <a:schemeClr val="dk1"/>
-          </a:effectRef>
-          <a:fontRef idx="minor">
-            <a:schemeClr val="dk1"/>
-          </a:fontRef>
-        </p:style>
-        <p:txBody>
-          <a:bodyPr rtlCol="0" anchor="ctr"/>
-          <a:lstStyle/>
-          <a:p>
-            <a:pPr algn="ctr"/>
-            <a:r>
-              <a:rPr lang="en-US" sz="1000" dirty="0" smtClean="0"/>
-              <a:t>Privacy</a:t>
-            </a:r>
-            <a:endParaRPr lang="en-US" sz="1000" dirty="0"/>
-          </a:p>
-        </p:txBody>
-      </p:sp>
-      <p:cxnSp>
-        <p:nvCxnSpPr>
-          <p:cNvPr id="107" name="Elbow Connector 106"/>
-          <p:cNvCxnSpPr>
-            <a:stCxn id="106" idx="3"/>
-          </p:cNvCxnSpPr>
-          <p:nvPr/>
-        </p:nvCxnSpPr>
-        <p:spPr>
-          <a:xfrm flipV="1">
-            <a:off x="7683740" y="4704928"/>
-            <a:ext cx="366314" cy="517428"/>
-          </a:xfrm>
-          <a:prstGeom prst="bentConnector2">
-            <a:avLst/>
-          </a:prstGeom>
-          <a:ln w="3175" cmpd="sng">
-            <a:prstDash val="lgDash"/>
-            <a:tailEnd type="arrow"/>
-          </a:ln>
-          <a:effectLst/>
-        </p:spPr>
-        <p:style>
-          <a:lnRef idx="2">
-            <a:schemeClr val="accent1"/>
-          </a:lnRef>
-          <a:fillRef idx="0">
-            <a:schemeClr val="accent1"/>
-          </a:fillRef>
-          <a:effectRef idx="1">
-            <a:schemeClr val="accent1"/>
-          </a:effectRef>
-          <a:fontRef idx="minor">
-            <a:schemeClr val="tx1"/>
-          </a:fontRef>
-        </p:style>
-      </p:cxnSp>
-      <p:sp>
-        <p:nvSpPr>
-          <p:cNvPr id="2" name="TextBox 1"/>
-          <p:cNvSpPr txBox="1"/>
-          <p:nvPr/>
-        </p:nvSpPr>
-        <p:spPr>
-          <a:xfrm>
-            <a:off x="5210836" y="5976686"/>
-            <a:ext cx="3541888" cy="461665"/>
-          </a:xfrm>
-          <a:prstGeom prst="rect">
-            <a:avLst/>
-          </a:prstGeom>
-          <a:noFill/>
-        </p:spPr>
-        <p:txBody>
-          <a:bodyPr wrap="square" rtlCol="0">
-            <a:spAutoFit/>
-          </a:bodyPr>
-          <a:lstStyle/>
-          <a:p>
-            <a:r>
-              <a:rPr lang="en-US" sz="1200" dirty="0" smtClean="0"/>
-              <a:t>Contributes to key component on same dimension</a:t>
-            </a:r>
-          </a:p>
-          <a:p>
-            <a:r>
-              <a:rPr lang="en-US" sz="1200" dirty="0" smtClean="0"/>
-              <a:t>Contributes to key component in another dimension</a:t>
-            </a:r>
-            <a:endParaRPr lang="en-US" sz="1200" dirty="0"/>
-          </a:p>
-        </p:txBody>
-      </p:sp>
-      <p:cxnSp>
-        <p:nvCxnSpPr>
-          <p:cNvPr id="109" name="Straight Arrow Connector 108"/>
-          <p:cNvCxnSpPr/>
-          <p:nvPr/>
-        </p:nvCxnSpPr>
-        <p:spPr>
-          <a:xfrm flipH="1">
-            <a:off x="4957124" y="6314452"/>
-            <a:ext cx="263174" cy="0"/>
-          </a:xfrm>
-          <a:prstGeom prst="straightConnector1">
-            <a:avLst/>
-          </a:prstGeom>
-          <a:ln w="12700" cmpd="sng">
-            <a:headEnd type="none"/>
-            <a:tailEnd type="triangle"/>
-          </a:ln>
-          <a:effectLst/>
-        </p:spPr>
-        <p:style>
-          <a:lnRef idx="2">
-            <a:schemeClr val="accent1"/>
-          </a:lnRef>
-          <a:fillRef idx="0">
-            <a:schemeClr val="accent1"/>
-          </a:fillRef>
-          <a:effectRef idx="1">
-            <a:schemeClr val="accent1"/>
-          </a:effectRef>
-          <a:fontRef idx="minor">
-            <a:schemeClr val="tx1"/>
-          </a:fontRef>
-        </p:style>
-      </p:cxnSp>
-      <p:cxnSp>
-        <p:nvCxnSpPr>
-          <p:cNvPr id="110" name="Straight Arrow Connector 109"/>
-          <p:cNvCxnSpPr/>
-          <p:nvPr/>
-        </p:nvCxnSpPr>
-        <p:spPr>
-          <a:xfrm flipH="1">
-            <a:off x="4933418" y="6137885"/>
-            <a:ext cx="291815" cy="0"/>
-          </a:xfrm>
-          <a:prstGeom prst="straightConnector1">
-            <a:avLst/>
-          </a:prstGeom>
-          <a:ln w="3175" cmpd="sng">
-            <a:prstDash val="lgDash"/>
-            <a:tailEnd type="arrow"/>
-          </a:ln>
-          <a:effectLst/>
-        </p:spPr>
-        <p:style>
-          <a:lnRef idx="2">
-            <a:schemeClr val="accent1"/>
-          </a:lnRef>
-          <a:fillRef idx="0">
-            <a:schemeClr val="accent1"/>
-          </a:fillRef>
-          <a:effectRef idx="1">
-            <a:schemeClr val="accent1"/>
-          </a:effectRef>
-          <a:fontRef idx="minor">
-            <a:schemeClr val="tx1"/>
-          </a:fontRef>
-        </p:style>
-      </p:cxnSp>
-      <p:sp>
-        <p:nvSpPr>
-          <p:cNvPr id="111" name="TextBox 110"/>
-          <p:cNvSpPr txBox="1"/>
-          <p:nvPr/>
-        </p:nvSpPr>
-        <p:spPr>
-          <a:xfrm>
-            <a:off x="4933418" y="5723105"/>
-            <a:ext cx="452017" cy="276999"/>
-          </a:xfrm>
-          <a:prstGeom prst="rect">
-            <a:avLst/>
-          </a:prstGeom>
-          <a:noFill/>
-        </p:spPr>
-        <p:txBody>
-          <a:bodyPr wrap="none" rtlCol="0">
-            <a:spAutoFit/>
-          </a:bodyPr>
-          <a:lstStyle/>
-          <a:p>
-            <a:r>
-              <a:rPr lang="en-US" sz="1200" dirty="0" smtClean="0"/>
-              <a:t>Key:</a:t>
-            </a:r>
-          </a:p>
-        </p:txBody>
-      </p:sp>
-      <p:cxnSp>
-        <p:nvCxnSpPr>
-          <p:cNvPr id="117" name="Straight Connector 116"/>
-          <p:cNvCxnSpPr>
-            <a:stCxn id="76" idx="1"/>
-            <a:endCxn id="57" idx="3"/>
-          </p:cNvCxnSpPr>
-          <p:nvPr/>
-        </p:nvCxnSpPr>
-        <p:spPr>
-          <a:xfrm flipH="1">
-            <a:off x="6181218" y="4927810"/>
-            <a:ext cx="480407" cy="294546"/>
-          </a:xfrm>
-          <a:prstGeom prst="line">
-            <a:avLst/>
-          </a:prstGeom>
-        </p:spPr>
-        <p:style>
-          <a:lnRef idx="1">
-            <a:schemeClr val="dk1"/>
-          </a:lnRef>
-          <a:fillRef idx="0">
-            <a:schemeClr val="dk1"/>
-          </a:fillRef>
-          <a:effectRef idx="0">
-            <a:schemeClr val="dk1"/>
-          </a:effectRef>
-          <a:fontRef idx="minor">
-            <a:schemeClr val="tx1"/>
-          </a:fontRef>
-        </p:style>
-      </p:cxnSp>
-      <p:sp>
-        <p:nvSpPr>
-          <p:cNvPr id="166" name="TextBox 165"/>
-          <p:cNvSpPr txBox="1"/>
-          <p:nvPr/>
-        </p:nvSpPr>
-        <p:spPr>
-          <a:xfrm>
-            <a:off x="7589236" y="3625274"/>
-            <a:ext cx="524302" cy="246221"/>
-          </a:xfrm>
-          <a:prstGeom prst="rect">
-            <a:avLst/>
-          </a:prstGeom>
-          <a:noFill/>
-        </p:spPr>
-        <p:txBody>
-          <a:bodyPr wrap="none" rtlCol="0">
-            <a:spAutoFit/>
-          </a:bodyPr>
-          <a:lstStyle/>
-          <a:p>
-            <a:r>
-              <a:rPr lang="en-US" sz="1000" dirty="0" smtClean="0"/>
-              <a:t>H4.8.6</a:t>
-            </a:r>
-          </a:p>
-        </p:txBody>
-      </p:sp>
-      <p:sp>
-        <p:nvSpPr>
-          <p:cNvPr id="167" name="TextBox 166"/>
-          <p:cNvSpPr txBox="1"/>
-          <p:nvPr/>
-        </p:nvSpPr>
-        <p:spPr>
-          <a:xfrm>
-            <a:off x="8169938" y="2285247"/>
-            <a:ext cx="524302" cy="246221"/>
-          </a:xfrm>
-          <a:prstGeom prst="rect">
-            <a:avLst/>
-          </a:prstGeom>
-          <a:noFill/>
-        </p:spPr>
-        <p:txBody>
-          <a:bodyPr wrap="none" rtlCol="0">
-            <a:spAutoFit/>
-          </a:bodyPr>
-          <a:lstStyle/>
-          <a:p>
-            <a:r>
-              <a:rPr lang="en-US" sz="1000" dirty="0" smtClean="0"/>
-              <a:t>H4.8.3</a:t>
-            </a:r>
-          </a:p>
-        </p:txBody>
-      </p:sp>
-      <p:sp>
-        <p:nvSpPr>
-          <p:cNvPr id="168" name="TextBox 167"/>
-          <p:cNvSpPr txBox="1"/>
-          <p:nvPr/>
-        </p:nvSpPr>
-        <p:spPr>
-          <a:xfrm>
-            <a:off x="7806821" y="1154465"/>
-            <a:ext cx="524302" cy="246221"/>
-          </a:xfrm>
-          <a:prstGeom prst="rect">
-            <a:avLst/>
-          </a:prstGeom>
-          <a:noFill/>
-        </p:spPr>
-        <p:txBody>
-          <a:bodyPr wrap="none" rtlCol="0">
-            <a:spAutoFit/>
-          </a:bodyPr>
-          <a:lstStyle/>
-          <a:p>
-            <a:r>
-              <a:rPr lang="en-US" sz="1000" dirty="0" smtClean="0"/>
-              <a:t>H4.8.4</a:t>
-            </a:r>
-          </a:p>
-        </p:txBody>
-      </p:sp>
-      <p:sp>
-        <p:nvSpPr>
-          <p:cNvPr id="170" name="TextBox 169"/>
-          <p:cNvSpPr txBox="1"/>
-          <p:nvPr/>
-        </p:nvSpPr>
-        <p:spPr>
-          <a:xfrm>
-            <a:off x="7986659" y="1706877"/>
-            <a:ext cx="524302" cy="246221"/>
-          </a:xfrm>
-          <a:prstGeom prst="rect">
-            <a:avLst/>
-          </a:prstGeom>
-          <a:noFill/>
-        </p:spPr>
-        <p:txBody>
-          <a:bodyPr wrap="none" rtlCol="0">
-            <a:spAutoFit/>
-          </a:bodyPr>
-          <a:lstStyle/>
-          <a:p>
-            <a:r>
-              <a:rPr lang="en-US" sz="1000" dirty="0" smtClean="0"/>
-              <a:t>H4.8.2</a:t>
-            </a:r>
-          </a:p>
-        </p:txBody>
-      </p:sp>
-      <p:sp>
-        <p:nvSpPr>
-          <p:cNvPr id="174" name="TextBox 173"/>
-          <p:cNvSpPr txBox="1"/>
-          <p:nvPr/>
-        </p:nvSpPr>
-        <p:spPr>
-          <a:xfrm>
-            <a:off x="7745175" y="5261440"/>
-            <a:ext cx="524302" cy="246221"/>
-          </a:xfrm>
-          <a:prstGeom prst="rect">
-            <a:avLst/>
-          </a:prstGeom>
-          <a:noFill/>
-        </p:spPr>
-        <p:txBody>
-          <a:bodyPr wrap="none" rtlCol="0">
-            <a:spAutoFit/>
-          </a:bodyPr>
-          <a:lstStyle/>
-          <a:p>
-            <a:r>
-              <a:rPr lang="en-US" sz="1000" dirty="0" smtClean="0"/>
-              <a:t>H4.8.7</a:t>
-            </a:r>
-          </a:p>
-        </p:txBody>
-      </p:sp>
-      <p:sp>
-        <p:nvSpPr>
-          <p:cNvPr id="175" name="TextBox 174"/>
-          <p:cNvSpPr txBox="1"/>
-          <p:nvPr/>
-        </p:nvSpPr>
-        <p:spPr>
-          <a:xfrm>
-            <a:off x="7741317" y="534194"/>
-            <a:ext cx="524302" cy="246221"/>
-          </a:xfrm>
-          <a:prstGeom prst="rect">
-            <a:avLst/>
-          </a:prstGeom>
-          <a:noFill/>
-        </p:spPr>
-        <p:txBody>
-          <a:bodyPr wrap="none" rtlCol="0">
-            <a:spAutoFit/>
-          </a:bodyPr>
-          <a:lstStyle/>
-          <a:p>
-            <a:r>
-              <a:rPr lang="en-US" sz="1000" dirty="0" smtClean="0"/>
-              <a:t>H4.8.1</a:t>
-            </a:r>
-          </a:p>
-        </p:txBody>
-      </p:sp>
-      <p:sp>
-        <p:nvSpPr>
-          <p:cNvPr id="73" name="TextBox 72"/>
-          <p:cNvSpPr txBox="1"/>
-          <p:nvPr/>
-        </p:nvSpPr>
-        <p:spPr>
-          <a:xfrm>
-            <a:off x="8190196" y="3275640"/>
-            <a:ext cx="524302" cy="246221"/>
-          </a:xfrm>
-          <a:prstGeom prst="rect">
-            <a:avLst/>
-          </a:prstGeom>
-          <a:noFill/>
-        </p:spPr>
-        <p:txBody>
-          <a:bodyPr wrap="none" rtlCol="0">
-            <a:spAutoFit/>
-          </a:bodyPr>
-          <a:lstStyle/>
-          <a:p>
-            <a:r>
-              <a:rPr lang="en-US" sz="1000" dirty="0" smtClean="0"/>
-              <a:t>H4.8.5</a:t>
-            </a:r>
-          </a:p>
-        </p:txBody>
-      </p:sp>
-    </p:spTree>
-    <p:extLst>
-      <p:ext uri="{BB962C8B-B14F-4D97-AF65-F5344CB8AC3E}">
-        <p14:creationId xmlns:p14="http://schemas.microsoft.com/office/powerpoint/2010/main" val="4114602512"/>
-      </p:ext>
-    </p:extLst>
-  </p:cSld>
-  <p:clrMapOvr>
-    <a:masterClrMapping/>
-  </p:clrMapOvr>
-  <p:timing>
-    <p:tnLst>
-      <p:par>
-        <p:cTn xmlns:p14="http://schemas.microsoft.com/office/powerpoint/2010/main" id="1" dur="indefinite" restart="never" nodeType="tmRoot"/>
-      </p:par>
-    </p:tnLst>
-  </p:timing>
-</p:sld>
-</file>
-
-<file path=ppt/slides/slide11.xml><?xml version="1.0" encoding="utf-8"?>
-<p:sld xmlns:a="http://schemas.openxmlformats.org/drawingml/2006/main" xmlns:r="http://schemas.openxmlformats.org/officeDocument/2006/relationships" xmlns:p="http://schemas.openxmlformats.org/presentationml/2006/main">
-  <p:cSld>
-    <p:spTree>
-      <p:nvGrpSpPr>
-        <p:cNvPr id="1" name=""/>
-        <p:cNvGrpSpPr/>
-        <p:nvPr/>
-      </p:nvGrpSpPr>
-      <p:grpSpPr>
-        <a:xfrm>
-          <a:off x="0" y="0"/>
-          <a:ext cx="0" cy="0"/>
-          <a:chOff x="0" y="0"/>
-          <a:chExt cx="0" cy="0"/>
-        </a:xfrm>
-      </p:grpSpPr>
-      <p:sp>
-        <p:nvSpPr>
-          <p:cNvPr id="112" name="TextBox 111"/>
-          <p:cNvSpPr txBox="1"/>
-          <p:nvPr/>
-        </p:nvSpPr>
-        <p:spPr>
-          <a:xfrm rot="16200000">
-            <a:off x="-2050764" y="1547240"/>
-            <a:ext cx="2903359" cy="646331"/>
-          </a:xfrm>
-          <a:prstGeom prst="rect">
-            <a:avLst/>
-          </a:prstGeom>
-          <a:noFill/>
-        </p:spPr>
-        <p:txBody>
-          <a:bodyPr wrap="none" rtlCol="0">
-            <a:spAutoFit/>
-          </a:bodyPr>
-          <a:lstStyle/>
-          <a:p>
-            <a:r>
-              <a:rPr lang="en-US" dirty="0" smtClean="0"/>
-              <a:t>DIMENSIONS, COMPONENTS</a:t>
-            </a:r>
-          </a:p>
-          <a:p>
-            <a:r>
-              <a:rPr lang="en-US" dirty="0" smtClean="0"/>
-              <a:t>AND RELATIONSHIPS</a:t>
-            </a:r>
-          </a:p>
-        </p:txBody>
-      </p:sp>
-      <p:sp>
-        <p:nvSpPr>
-          <p:cNvPr id="54" name="Rounded Rectangle 53"/>
-          <p:cNvSpPr/>
-          <p:nvPr/>
-        </p:nvSpPr>
-        <p:spPr>
-          <a:xfrm>
-            <a:off x="720266" y="1109089"/>
-            <a:ext cx="1239519" cy="279400"/>
-          </a:xfrm>
-          <a:prstGeom prst="roundRect">
-            <a:avLst>
-              <a:gd name="adj" fmla="val 50000"/>
-            </a:avLst>
-          </a:prstGeom>
-        </p:spPr>
-        <p:style>
-          <a:lnRef idx="2">
-            <a:schemeClr val="accent1"/>
-          </a:lnRef>
-          <a:fillRef idx="1">
-            <a:schemeClr val="lt1"/>
-          </a:fillRef>
-          <a:effectRef idx="0">
-            <a:schemeClr val="accent1"/>
-          </a:effectRef>
-          <a:fontRef idx="minor">
-            <a:schemeClr val="dk1"/>
-          </a:fontRef>
-        </p:style>
-        <p:txBody>
-          <a:bodyPr rtlCol="0" anchor="ctr"/>
-          <a:lstStyle/>
-          <a:p>
-            <a:pPr algn="ctr"/>
-            <a:r>
-              <a:rPr lang="en-US" sz="1200" dirty="0" smtClean="0"/>
-              <a:t>ACCESSIBILITY</a:t>
-            </a:r>
-            <a:endParaRPr lang="en-US" sz="1200" dirty="0"/>
-          </a:p>
-        </p:txBody>
-      </p:sp>
-      <p:sp>
-        <p:nvSpPr>
-          <p:cNvPr id="55" name="Rounded Rectangle 54"/>
-          <p:cNvSpPr/>
-          <p:nvPr/>
-        </p:nvSpPr>
-        <p:spPr>
-          <a:xfrm>
-            <a:off x="913307" y="2633652"/>
-            <a:ext cx="975359" cy="254000"/>
-          </a:xfrm>
-          <a:prstGeom prst="roundRect">
-            <a:avLst>
-              <a:gd name="adj" fmla="val 50000"/>
-            </a:avLst>
-          </a:prstGeom>
-        </p:spPr>
-        <p:style>
-          <a:lnRef idx="2">
-            <a:schemeClr val="accent1"/>
-          </a:lnRef>
-          <a:fillRef idx="1">
-            <a:schemeClr val="lt1"/>
-          </a:fillRef>
-          <a:effectRef idx="0">
-            <a:schemeClr val="accent1"/>
-          </a:effectRef>
-          <a:fontRef idx="minor">
-            <a:schemeClr val="dk1"/>
-          </a:fontRef>
-        </p:style>
-        <p:txBody>
-          <a:bodyPr rtlCol="0" anchor="ctr"/>
-          <a:lstStyle/>
-          <a:p>
-            <a:pPr algn="ctr"/>
-            <a:r>
-              <a:rPr lang="en-US" sz="1200" dirty="0" smtClean="0"/>
-              <a:t>USABILITY</a:t>
-            </a:r>
-            <a:endParaRPr lang="en-US" sz="1200" dirty="0"/>
-          </a:p>
-        </p:txBody>
-      </p:sp>
-      <p:sp>
-        <p:nvSpPr>
-          <p:cNvPr id="56" name="Rounded Rectangle 55"/>
-          <p:cNvSpPr/>
-          <p:nvPr/>
-        </p:nvSpPr>
-        <p:spPr>
-          <a:xfrm>
-            <a:off x="7291179" y="1331289"/>
-            <a:ext cx="975359" cy="254000"/>
-          </a:xfrm>
-          <a:prstGeom prst="roundRect">
-            <a:avLst>
-              <a:gd name="adj" fmla="val 50000"/>
-            </a:avLst>
-          </a:prstGeom>
-        </p:spPr>
-        <p:style>
-          <a:lnRef idx="2">
-            <a:schemeClr val="accent1"/>
-          </a:lnRef>
-          <a:fillRef idx="1">
-            <a:schemeClr val="lt1"/>
-          </a:fillRef>
-          <a:effectRef idx="0">
-            <a:schemeClr val="accent1"/>
-          </a:effectRef>
-          <a:fontRef idx="minor">
-            <a:schemeClr val="dk1"/>
-          </a:fontRef>
-        </p:style>
-        <p:txBody>
-          <a:bodyPr rtlCol="0" anchor="ctr"/>
-          <a:lstStyle/>
-          <a:p>
-            <a:pPr algn="ctr"/>
-            <a:r>
-              <a:rPr lang="en-US" sz="1200" dirty="0" smtClean="0"/>
-              <a:t>EFFICIENCY</a:t>
-            </a:r>
-            <a:endParaRPr lang="en-US" sz="1200" dirty="0"/>
-          </a:p>
-        </p:txBody>
-      </p:sp>
-      <p:sp>
-        <p:nvSpPr>
-          <p:cNvPr id="57" name="Rounded Rectangle 56"/>
-          <p:cNvSpPr/>
-          <p:nvPr/>
-        </p:nvSpPr>
-        <p:spPr>
-          <a:xfrm>
-            <a:off x="7271303" y="3386210"/>
-            <a:ext cx="975359" cy="254000"/>
-          </a:xfrm>
-          <a:prstGeom prst="roundRect">
-            <a:avLst>
-              <a:gd name="adj" fmla="val 50000"/>
-            </a:avLst>
-          </a:prstGeom>
-        </p:spPr>
-        <p:style>
-          <a:lnRef idx="2">
-            <a:schemeClr val="accent1"/>
-          </a:lnRef>
-          <a:fillRef idx="1">
-            <a:schemeClr val="lt1"/>
-          </a:fillRef>
-          <a:effectRef idx="0">
-            <a:schemeClr val="accent1"/>
-          </a:effectRef>
-          <a:fontRef idx="minor">
-            <a:schemeClr val="dk1"/>
-          </a:fontRef>
-        </p:style>
-        <p:txBody>
-          <a:bodyPr rtlCol="0" anchor="ctr"/>
-          <a:lstStyle/>
-          <a:p>
-            <a:pPr algn="ctr"/>
-            <a:r>
-              <a:rPr lang="en-US" sz="1200" dirty="0" smtClean="0"/>
-              <a:t>SECURITY</a:t>
-            </a:r>
-            <a:endParaRPr lang="en-US" sz="1200" dirty="0"/>
-          </a:p>
-        </p:txBody>
-      </p:sp>
-      <p:sp>
-        <p:nvSpPr>
-          <p:cNvPr id="58" name="Rounded Rectangle 57"/>
-          <p:cNvSpPr/>
-          <p:nvPr/>
-        </p:nvSpPr>
-        <p:spPr>
-          <a:xfrm>
-            <a:off x="2161021" y="1474542"/>
-            <a:ext cx="1619998" cy="287997"/>
-          </a:xfrm>
-          <a:prstGeom prst="roundRect">
-            <a:avLst>
-              <a:gd name="adj" fmla="val 0"/>
-            </a:avLst>
-          </a:prstGeom>
-          <a:solidFill>
-            <a:schemeClr val="lt1"/>
-          </a:solidFill>
-          <a:ln w="12700"/>
-        </p:spPr>
-        <p:style>
-          <a:lnRef idx="2">
-            <a:schemeClr val="dk1"/>
-          </a:lnRef>
-          <a:fillRef idx="1">
-            <a:schemeClr val="lt1"/>
-          </a:fillRef>
-          <a:effectRef idx="0">
-            <a:schemeClr val="dk1"/>
-          </a:effectRef>
-          <a:fontRef idx="minor">
-            <a:schemeClr val="dk1"/>
-          </a:fontRef>
-        </p:style>
-        <p:txBody>
-          <a:bodyPr rtlCol="0" anchor="ctr"/>
-          <a:lstStyle/>
-          <a:p>
-            <a:pPr algn="ctr"/>
-            <a:r>
-              <a:rPr lang="en-US" sz="1000" dirty="0" smtClean="0"/>
-              <a:t>Operability</a:t>
-            </a:r>
-            <a:endParaRPr lang="en-US" sz="1000" dirty="0"/>
-          </a:p>
-        </p:txBody>
-      </p:sp>
-      <p:sp>
-        <p:nvSpPr>
-          <p:cNvPr id="59" name="Rounded Rectangle 58"/>
-          <p:cNvSpPr/>
-          <p:nvPr/>
-        </p:nvSpPr>
-        <p:spPr>
-          <a:xfrm>
-            <a:off x="2161021" y="797939"/>
-            <a:ext cx="772159" cy="227330"/>
-          </a:xfrm>
-          <a:prstGeom prst="roundRect">
-            <a:avLst>
-              <a:gd name="adj" fmla="val 0"/>
-            </a:avLst>
-          </a:prstGeom>
-          <a:solidFill>
-            <a:schemeClr val="lt1"/>
-          </a:solidFill>
-          <a:ln w="12700"/>
-        </p:spPr>
-        <p:style>
-          <a:lnRef idx="2">
-            <a:schemeClr val="dk1"/>
-          </a:lnRef>
-          <a:fillRef idx="1">
-            <a:schemeClr val="lt1"/>
-          </a:fillRef>
-          <a:effectRef idx="0">
-            <a:schemeClr val="dk1"/>
-          </a:effectRef>
-          <a:fontRef idx="minor">
-            <a:schemeClr val="dk1"/>
-          </a:fontRef>
-        </p:style>
-        <p:txBody>
-          <a:bodyPr rtlCol="0" anchor="ctr"/>
-          <a:lstStyle/>
-          <a:p>
-            <a:pPr algn="ctr"/>
-            <a:r>
-              <a:rPr lang="en-US" sz="1000" dirty="0" smtClean="0"/>
-              <a:t>Availability</a:t>
-            </a:r>
-            <a:endParaRPr lang="en-US" sz="1000" dirty="0"/>
-          </a:p>
-        </p:txBody>
-      </p:sp>
-      <p:sp>
-        <p:nvSpPr>
-          <p:cNvPr id="60" name="Rounded Rectangle 59"/>
-          <p:cNvSpPr/>
-          <p:nvPr/>
-        </p:nvSpPr>
-        <p:spPr>
-          <a:xfrm>
-            <a:off x="2150861" y="1139569"/>
-            <a:ext cx="772159" cy="227330"/>
-          </a:xfrm>
-          <a:prstGeom prst="roundRect">
-            <a:avLst>
-              <a:gd name="adj" fmla="val 0"/>
-            </a:avLst>
-          </a:prstGeom>
-          <a:solidFill>
-            <a:schemeClr val="lt1"/>
-          </a:solidFill>
-          <a:ln w="12700"/>
-        </p:spPr>
-        <p:style>
-          <a:lnRef idx="2">
-            <a:schemeClr val="dk1"/>
-          </a:lnRef>
-          <a:fillRef idx="1">
-            <a:schemeClr val="lt1"/>
-          </a:fillRef>
-          <a:effectRef idx="0">
-            <a:schemeClr val="dk1"/>
-          </a:effectRef>
-          <a:fontRef idx="minor">
-            <a:schemeClr val="dk1"/>
-          </a:fontRef>
-        </p:style>
-        <p:txBody>
-          <a:bodyPr rtlCol="0" anchor="ctr"/>
-          <a:lstStyle/>
-          <a:p>
-            <a:pPr algn="ctr"/>
-            <a:r>
-              <a:rPr lang="en-US" sz="1000" dirty="0" smtClean="0"/>
-              <a:t>Maturity</a:t>
-            </a:r>
-            <a:endParaRPr lang="en-US" sz="1000" dirty="0"/>
-          </a:p>
-        </p:txBody>
-      </p:sp>
-      <p:sp>
-        <p:nvSpPr>
-          <p:cNvPr id="61" name="Rounded Rectangle 60"/>
-          <p:cNvSpPr/>
-          <p:nvPr/>
-        </p:nvSpPr>
-        <p:spPr>
-          <a:xfrm>
-            <a:off x="2089901" y="2259331"/>
-            <a:ext cx="1780539" cy="264160"/>
-          </a:xfrm>
-          <a:prstGeom prst="roundRect">
-            <a:avLst>
-              <a:gd name="adj" fmla="val 0"/>
-            </a:avLst>
-          </a:prstGeom>
-          <a:solidFill>
-            <a:schemeClr val="lt1"/>
-          </a:solidFill>
-          <a:ln w="12700"/>
-        </p:spPr>
-        <p:style>
-          <a:lnRef idx="2">
-            <a:schemeClr val="dk1"/>
-          </a:lnRef>
-          <a:fillRef idx="1">
-            <a:schemeClr val="lt1"/>
-          </a:fillRef>
-          <a:effectRef idx="0">
-            <a:schemeClr val="dk1"/>
-          </a:effectRef>
-          <a:fontRef idx="minor">
-            <a:schemeClr val="dk1"/>
-          </a:fontRef>
-        </p:style>
-        <p:txBody>
-          <a:bodyPr rtlCol="0" anchor="ctr"/>
-          <a:lstStyle/>
-          <a:p>
-            <a:pPr algn="ctr"/>
-            <a:r>
-              <a:rPr lang="en-US" sz="1000" dirty="0" smtClean="0"/>
-              <a:t>Ease of Use</a:t>
-            </a:r>
-            <a:endParaRPr lang="en-US" sz="1000" dirty="0"/>
-          </a:p>
-        </p:txBody>
-      </p:sp>
-      <p:sp>
-        <p:nvSpPr>
-          <p:cNvPr id="62" name="Rounded Rectangle 61"/>
-          <p:cNvSpPr/>
-          <p:nvPr/>
-        </p:nvSpPr>
-        <p:spPr>
-          <a:xfrm>
-            <a:off x="2089901" y="2573627"/>
-            <a:ext cx="1066800" cy="367664"/>
-          </a:xfrm>
-          <a:prstGeom prst="roundRect">
-            <a:avLst>
-              <a:gd name="adj" fmla="val 0"/>
-            </a:avLst>
-          </a:prstGeom>
-          <a:solidFill>
-            <a:schemeClr val="lt1"/>
-          </a:solidFill>
-          <a:ln w="12700"/>
-        </p:spPr>
-        <p:style>
-          <a:lnRef idx="2">
-            <a:schemeClr val="dk1"/>
-          </a:lnRef>
-          <a:fillRef idx="1">
-            <a:schemeClr val="lt1"/>
-          </a:fillRef>
-          <a:effectRef idx="0">
-            <a:schemeClr val="dk1"/>
-          </a:effectRef>
-          <a:fontRef idx="minor">
-            <a:schemeClr val="dk1"/>
-          </a:fontRef>
-        </p:style>
-        <p:txBody>
-          <a:bodyPr rtlCol="0" anchor="ctr"/>
-          <a:lstStyle/>
-          <a:p>
-            <a:pPr algn="ctr"/>
-            <a:r>
-              <a:rPr lang="en-US" sz="1000" dirty="0" smtClean="0"/>
-              <a:t>Learnability</a:t>
-            </a:r>
-            <a:endParaRPr lang="en-US" sz="1000" dirty="0"/>
-          </a:p>
-        </p:txBody>
-      </p:sp>
-      <p:sp>
-        <p:nvSpPr>
-          <p:cNvPr id="63" name="Rounded Rectangle 62"/>
-          <p:cNvSpPr/>
-          <p:nvPr/>
-        </p:nvSpPr>
-        <p:spPr>
-          <a:xfrm>
-            <a:off x="2089901" y="3056297"/>
-            <a:ext cx="1494679" cy="305726"/>
-          </a:xfrm>
-          <a:prstGeom prst="roundRect">
-            <a:avLst>
-              <a:gd name="adj" fmla="val 0"/>
-            </a:avLst>
-          </a:prstGeom>
-          <a:solidFill>
-            <a:schemeClr val="lt1"/>
-          </a:solidFill>
-          <a:ln w="12700"/>
-        </p:spPr>
-        <p:style>
-          <a:lnRef idx="2">
-            <a:schemeClr val="dk1"/>
-          </a:lnRef>
-          <a:fillRef idx="1">
-            <a:schemeClr val="lt1"/>
-          </a:fillRef>
-          <a:effectRef idx="0">
-            <a:schemeClr val="dk1"/>
-          </a:effectRef>
-          <a:fontRef idx="minor">
-            <a:schemeClr val="dk1"/>
-          </a:fontRef>
-        </p:style>
-        <p:txBody>
-          <a:bodyPr rtlCol="0" anchor="ctr"/>
-          <a:lstStyle/>
-          <a:p>
-            <a:pPr algn="ctr"/>
-            <a:r>
-              <a:rPr lang="en-US" sz="1000" dirty="0" smtClean="0"/>
-              <a:t>User interface aesthetics</a:t>
-            </a:r>
-            <a:endParaRPr lang="en-US" sz="1000" dirty="0"/>
-          </a:p>
-        </p:txBody>
-      </p:sp>
-      <p:sp>
-        <p:nvSpPr>
-          <p:cNvPr id="64" name="Rounded Rectangle 63"/>
-          <p:cNvSpPr/>
-          <p:nvPr/>
-        </p:nvSpPr>
-        <p:spPr>
-          <a:xfrm>
-            <a:off x="4901449" y="938329"/>
-            <a:ext cx="2065978" cy="276861"/>
-          </a:xfrm>
-          <a:prstGeom prst="roundRect">
-            <a:avLst>
-              <a:gd name="adj" fmla="val 0"/>
-            </a:avLst>
-          </a:prstGeom>
-          <a:solidFill>
-            <a:schemeClr val="lt1"/>
-          </a:solidFill>
-          <a:ln w="12700"/>
-        </p:spPr>
-        <p:style>
-          <a:lnRef idx="2">
-            <a:schemeClr val="dk1"/>
-          </a:lnRef>
-          <a:fillRef idx="1">
-            <a:schemeClr val="lt1"/>
-          </a:fillRef>
-          <a:effectRef idx="0">
-            <a:schemeClr val="dk1"/>
-          </a:effectRef>
-          <a:fontRef idx="minor">
-            <a:schemeClr val="dk1"/>
-          </a:fontRef>
-        </p:style>
-        <p:txBody>
-          <a:bodyPr rtlCol="0" anchor="ctr"/>
-          <a:lstStyle/>
-          <a:p>
-            <a:pPr algn="ctr"/>
-            <a:r>
-              <a:rPr lang="en-US" sz="1000" dirty="0" smtClean="0"/>
-              <a:t>Responsiveness</a:t>
-            </a:r>
-            <a:endParaRPr lang="en-US" sz="1000" dirty="0"/>
-          </a:p>
-        </p:txBody>
-      </p:sp>
-      <p:sp>
-        <p:nvSpPr>
-          <p:cNvPr id="65" name="Rounded Rectangle 64"/>
-          <p:cNvSpPr/>
-          <p:nvPr/>
-        </p:nvSpPr>
-        <p:spPr>
-          <a:xfrm>
-            <a:off x="5564750" y="1699057"/>
-            <a:ext cx="1396998" cy="264160"/>
-          </a:xfrm>
-          <a:prstGeom prst="roundRect">
-            <a:avLst>
-              <a:gd name="adj" fmla="val 0"/>
-            </a:avLst>
-          </a:prstGeom>
-          <a:solidFill>
-            <a:schemeClr val="lt1"/>
-          </a:solidFill>
-          <a:ln w="12700"/>
-        </p:spPr>
-        <p:style>
-          <a:lnRef idx="2">
-            <a:schemeClr val="dk1"/>
-          </a:lnRef>
-          <a:fillRef idx="1">
-            <a:schemeClr val="lt1"/>
-          </a:fillRef>
-          <a:effectRef idx="0">
-            <a:schemeClr val="dk1"/>
-          </a:effectRef>
-          <a:fontRef idx="minor">
-            <a:schemeClr val="dk1"/>
-          </a:fontRef>
-        </p:style>
-        <p:txBody>
-          <a:bodyPr rtlCol="0" anchor="ctr"/>
-          <a:lstStyle/>
-          <a:p>
-            <a:pPr algn="ctr"/>
-            <a:r>
-              <a:rPr lang="en-US" sz="1000" dirty="0" smtClean="0"/>
-              <a:t>Time behavior</a:t>
-            </a:r>
-            <a:endParaRPr lang="en-US" sz="1000" dirty="0"/>
-          </a:p>
-        </p:txBody>
-      </p:sp>
-      <p:grpSp>
-        <p:nvGrpSpPr>
-          <p:cNvPr id="66" name="Group 65"/>
-          <p:cNvGrpSpPr/>
-          <p:nvPr/>
-        </p:nvGrpSpPr>
-        <p:grpSpPr>
-          <a:xfrm>
-            <a:off x="5052434" y="2206991"/>
-            <a:ext cx="1879598" cy="491491"/>
-            <a:chOff x="7721601" y="3576319"/>
-            <a:chExt cx="1859278" cy="491491"/>
-          </a:xfrm>
-        </p:grpSpPr>
-        <p:sp>
-          <p:nvSpPr>
-            <p:cNvPr id="67" name="Rounded Rectangle 66"/>
-            <p:cNvSpPr/>
-            <p:nvPr/>
-          </p:nvSpPr>
-          <p:spPr>
-            <a:xfrm>
-              <a:off x="7721601" y="3576319"/>
-              <a:ext cx="1859278" cy="260985"/>
-            </a:xfrm>
-            <a:prstGeom prst="roundRect">
-              <a:avLst>
-                <a:gd name="adj" fmla="val 0"/>
-              </a:avLst>
-            </a:prstGeom>
-            <a:solidFill>
-              <a:schemeClr val="lt1"/>
-            </a:solidFill>
-            <a:ln w="12700"/>
-          </p:spPr>
-          <p:style>
-            <a:lnRef idx="2">
-              <a:schemeClr val="dk1"/>
-            </a:lnRef>
-            <a:fillRef idx="1">
-              <a:schemeClr val="lt1"/>
-            </a:fillRef>
-            <a:effectRef idx="0">
-              <a:schemeClr val="dk1"/>
-            </a:effectRef>
-            <a:fontRef idx="minor">
-              <a:schemeClr val="dk1"/>
-            </a:fontRef>
-          </p:style>
-          <p:txBody>
-            <a:bodyPr rtlCol="0" anchor="ctr"/>
-            <a:lstStyle/>
-            <a:p>
-              <a:pPr algn="ctr"/>
-              <a:r>
-                <a:rPr lang="en-US" sz="1000" dirty="0" smtClean="0"/>
-                <a:t>Transaction Capability</a:t>
-              </a:r>
-              <a:endParaRPr lang="en-US" sz="1000" dirty="0"/>
-            </a:p>
-          </p:txBody>
-        </p:sp>
-        <p:sp>
-          <p:nvSpPr>
-            <p:cNvPr id="68" name="Rounded Rectangle 67"/>
-            <p:cNvSpPr/>
-            <p:nvPr/>
-          </p:nvSpPr>
-          <p:spPr>
-            <a:xfrm>
-              <a:off x="7721601" y="3840480"/>
-              <a:ext cx="955039" cy="224154"/>
-            </a:xfrm>
-            <a:prstGeom prst="roundRect">
-              <a:avLst>
-                <a:gd name="adj" fmla="val 0"/>
-              </a:avLst>
-            </a:prstGeom>
-            <a:solidFill>
-              <a:schemeClr val="lt1"/>
-            </a:solidFill>
-            <a:ln w="12700"/>
-          </p:spPr>
-          <p:style>
-            <a:lnRef idx="2">
-              <a:schemeClr val="dk1"/>
-            </a:lnRef>
-            <a:fillRef idx="1">
-              <a:schemeClr val="lt1"/>
-            </a:fillRef>
-            <a:effectRef idx="0">
-              <a:schemeClr val="dk1"/>
-            </a:effectRef>
-            <a:fontRef idx="minor">
-              <a:schemeClr val="dk1"/>
-            </a:fontRef>
-          </p:style>
-          <p:txBody>
-            <a:bodyPr rtlCol="0" anchor="ctr"/>
-            <a:lstStyle/>
-            <a:p>
-              <a:pPr algn="ctr"/>
-              <a:r>
-                <a:rPr lang="en-US" sz="1000" dirty="0" smtClean="0"/>
-                <a:t>Completeness</a:t>
-              </a:r>
-              <a:endParaRPr lang="en-US" sz="1000" dirty="0"/>
-            </a:p>
-          </p:txBody>
-        </p:sp>
-        <p:sp>
-          <p:nvSpPr>
-            <p:cNvPr id="69" name="Rounded Rectangle 68"/>
-            <p:cNvSpPr/>
-            <p:nvPr/>
-          </p:nvSpPr>
-          <p:spPr>
-            <a:xfrm>
-              <a:off x="8676640" y="3840480"/>
-              <a:ext cx="904239" cy="227330"/>
-            </a:xfrm>
-            <a:prstGeom prst="roundRect">
-              <a:avLst>
-                <a:gd name="adj" fmla="val 0"/>
-              </a:avLst>
-            </a:prstGeom>
-            <a:solidFill>
-              <a:schemeClr val="lt1"/>
-            </a:solidFill>
-            <a:ln w="12700"/>
-          </p:spPr>
-          <p:style>
-            <a:lnRef idx="2">
-              <a:schemeClr val="dk1"/>
-            </a:lnRef>
-            <a:fillRef idx="1">
-              <a:schemeClr val="lt1"/>
-            </a:fillRef>
-            <a:effectRef idx="0">
-              <a:schemeClr val="dk1"/>
-            </a:effectRef>
-            <a:fontRef idx="minor">
-              <a:schemeClr val="dk1"/>
-            </a:fontRef>
-          </p:style>
-          <p:txBody>
-            <a:bodyPr rtlCol="0" anchor="ctr"/>
-            <a:lstStyle/>
-            <a:p>
-              <a:pPr algn="ctr"/>
-              <a:r>
-                <a:rPr lang="en-US" sz="1000" dirty="0" smtClean="0"/>
-                <a:t>Correctness</a:t>
-              </a:r>
-              <a:endParaRPr lang="en-US" sz="1000" dirty="0"/>
-            </a:p>
-          </p:txBody>
-        </p:sp>
-      </p:grpSp>
-      <p:sp>
-        <p:nvSpPr>
-          <p:cNvPr id="70" name="Rounded Rectangle 69"/>
-          <p:cNvSpPr/>
-          <p:nvPr/>
-        </p:nvSpPr>
-        <p:spPr>
-          <a:xfrm>
             <a:off x="5113111" y="591619"/>
             <a:ext cx="1851659" cy="254000"/>
           </a:xfrm>
@@ -16817,7 +16790,7 @@
         </p:nvGrpSpPr>
         <p:grpSpPr>
           <a:xfrm>
-            <a:off x="6645620" y="4073433"/>
+            <a:off x="6645620" y="3981073"/>
             <a:ext cx="1879598" cy="491491"/>
             <a:chOff x="7721601" y="3576319"/>
             <a:chExt cx="1859278" cy="491491"/>
@@ -17639,7 +17612,7 @@
         <p:spPr>
           <a:xfrm flipH="1" flipV="1">
             <a:off x="6413968" y="3694738"/>
-            <a:ext cx="231652" cy="509188"/>
+            <a:ext cx="231652" cy="416828"/>
           </a:xfrm>
           <a:prstGeom prst="line">
             <a:avLst/>
@@ -17671,11 +17644,11 @@
         <p:spPr>
           <a:xfrm flipV="1">
             <a:off x="8037538" y="3421051"/>
-            <a:ext cx="544653" cy="276528"/>
+            <a:ext cx="423715" cy="276528"/>
           </a:xfrm>
           <a:prstGeom prst="bentConnector3">
             <a:avLst>
-              <a:gd name="adj1" fmla="val 98241"/>
+              <a:gd name="adj1" fmla="val 96322"/>
             </a:avLst>
           </a:prstGeom>
           <a:ln w="3175" cmpd="sng">
@@ -17726,43 +17699,6 @@
           </a:fillRef>
           <a:effectRef idx="0">
             <a:schemeClr val="dk1"/>
-          </a:effectRef>
-          <a:fontRef idx="minor">
-            <a:schemeClr val="tx1"/>
-          </a:fontRef>
-        </p:style>
-      </p:cxnSp>
-      <p:cxnSp>
-        <p:nvCxnSpPr>
-          <p:cNvPr id="379" name="Straight Arrow Connector 378"/>
-          <p:cNvCxnSpPr>
-            <a:stCxn id="132" idx="0"/>
-          </p:cNvCxnSpPr>
-          <p:nvPr/>
-        </p:nvCxnSpPr>
-        <p:spPr>
-          <a:xfrm flipV="1">
-            <a:off x="7585419" y="3829659"/>
-            <a:ext cx="0" cy="243774"/>
-          </a:xfrm>
-          <a:prstGeom prst="straightConnector1">
-            <a:avLst/>
-          </a:prstGeom>
-          <a:ln w="3175" cmpd="sng">
-            <a:prstDash val="lgDash"/>
-            <a:tailEnd type="arrow"/>
-          </a:ln>
-          <a:effectLst/>
-        </p:spPr>
-        <p:style>
-          <a:lnRef idx="2">
-            <a:schemeClr val="accent1"/>
-          </a:lnRef>
-          <a:fillRef idx="0">
-            <a:schemeClr val="accent1"/>
-          </a:fillRef>
-          <a:effectRef idx="1">
-            <a:schemeClr val="accent1"/>
           </a:effectRef>
           <a:fontRef idx="minor">
             <a:schemeClr val="tx1"/>
@@ -18811,7 +18747,7 @@
         </p:nvSpPr>
         <p:spPr>
           <a:xfrm>
-            <a:off x="7600809" y="3815785"/>
+            <a:off x="7994043" y="5521937"/>
             <a:ext cx="524302" cy="246221"/>
           </a:xfrm>
           <a:prstGeom prst="rect">
@@ -18927,7 +18863,7 @@
         </p:nvSpPr>
         <p:spPr>
           <a:xfrm>
-            <a:off x="8002465" y="3464777"/>
+            <a:off x="8088796" y="3700773"/>
             <a:ext cx="524302" cy="246221"/>
           </a:xfrm>
           <a:prstGeom prst="rect">
@@ -18944,35 +18880,6 @@
             <a:r>
               <a:rPr lang="en-US" sz="1000" dirty="0" smtClean="0"/>
               <a:t>H4.8.5</a:t>
-            </a:r>
-          </a:p>
-        </p:txBody>
-      </p:sp>
-      <p:sp>
-        <p:nvSpPr>
-          <p:cNvPr id="147" name="TextBox 146"/>
-          <p:cNvSpPr txBox="1"/>
-          <p:nvPr/>
-        </p:nvSpPr>
-        <p:spPr>
-          <a:xfrm>
-            <a:off x="7982532" y="5493770"/>
-            <a:ext cx="524302" cy="246221"/>
-          </a:xfrm>
-          <a:prstGeom prst="rect">
-            <a:avLst/>
-          </a:prstGeom>
-          <a:noFill/>
-        </p:spPr>
-        <p:txBody>
-          <a:bodyPr wrap="none" rtlCol="0">
-            <a:spAutoFit/>
-          </a:bodyPr>
-          <a:lstStyle/>
-          <a:p>
-            <a:r>
-              <a:rPr lang="en-US" sz="1000" dirty="0" smtClean="0"/>
-              <a:t>H4.8.7</a:t>
             </a:r>
           </a:p>
         </p:txBody>
@@ -19149,6 +19056,43 @@
           </a:fillRef>
           <a:effectRef idx="0">
             <a:schemeClr val="dk1"/>
+          </a:effectRef>
+          <a:fontRef idx="minor">
+            <a:schemeClr val="tx1"/>
+          </a:fontRef>
+        </p:style>
+      </p:cxnSp>
+      <p:cxnSp>
+        <p:nvCxnSpPr>
+          <p:cNvPr id="155" name="Elbow Connector 154"/>
+          <p:cNvCxnSpPr>
+            <a:stCxn id="132" idx="3"/>
+          </p:cNvCxnSpPr>
+          <p:nvPr/>
+        </p:nvCxnSpPr>
+        <p:spPr>
+          <a:xfrm flipV="1">
+            <a:off x="8525218" y="3421051"/>
+            <a:ext cx="107875" cy="690515"/>
+          </a:xfrm>
+          <a:prstGeom prst="bentConnector2">
+            <a:avLst/>
+          </a:prstGeom>
+          <a:ln w="3175" cmpd="sng">
+            <a:prstDash val="lgDash"/>
+            <a:tailEnd type="arrow"/>
+          </a:ln>
+          <a:effectLst/>
+        </p:spPr>
+        <p:style>
+          <a:lnRef idx="2">
+            <a:schemeClr val="accent1"/>
+          </a:lnRef>
+          <a:fillRef idx="0">
+            <a:schemeClr val="accent1"/>
+          </a:fillRef>
+          <a:effectRef idx="1">
+            <a:schemeClr val="accent1"/>
           </a:effectRef>
           <a:fontRef idx="minor">
             <a:schemeClr val="tx1"/>
@@ -31008,1811 +30952,6 @@
           </a:p>
         </p:txBody>
       </p:sp>
-      <p:graphicFrame>
-        <p:nvGraphicFramePr>
-          <p:cNvPr id="9" name="Table 8"/>
-          <p:cNvGraphicFramePr>
-            <a:graphicFrameLocks noGrp="1"/>
-          </p:cNvGraphicFramePr>
-          <p:nvPr>
-            <p:extLst>
-              <p:ext uri="{D42A27DB-BD31-4B8C-83A1-F6EECF244321}">
-                <p14:modId xmlns:p14="http://schemas.microsoft.com/office/powerpoint/2010/main" val="2684577661"/>
-              </p:ext>
-            </p:extLst>
-          </p:nvPr>
-        </p:nvGraphicFramePr>
-        <p:xfrm>
-          <a:off x="567490" y="1310467"/>
-          <a:ext cx="7863305" cy="2346726"/>
-        </p:xfrm>
-        <a:graphic>
-          <a:graphicData uri="http://schemas.openxmlformats.org/drawingml/2006/table">
-            <a:tbl>
-              <a:tblPr/>
-              <a:tblGrid>
-                <a:gridCol w="293303"/>
-                <a:gridCol w="1145277"/>
-                <a:gridCol w="1019576"/>
-                <a:gridCol w="1061476"/>
-                <a:gridCol w="1284945"/>
-                <a:gridCol w="1075443"/>
-                <a:gridCol w="1075443"/>
-                <a:gridCol w="907842"/>
-              </a:tblGrid>
-              <a:tr h="394250">
-                <a:tc rowSpan="2" gridSpan="2">
-                  <a:txBody>
-                    <a:bodyPr/>
-                    <a:lstStyle/>
-                    <a:p>
-                      <a:pPr algn="ctr" fontAlgn="b"/>
-                      <a:r>
-                        <a:rPr lang="sk-SK" sz="1200" b="0" i="0" u="none" strike="noStrike">
-                          <a:solidFill>
-                            <a:srgbClr val="000000"/>
-                          </a:solidFill>
-                          <a:effectLst/>
-                          <a:latin typeface="Calibri"/>
-                        </a:rPr>
-                        <a:t> </a:t>
-                      </a:r>
-                    </a:p>
-                  </a:txBody>
-                  <a:tcPr marL="12700" marR="12700" marT="12700" marB="0" anchor="b">
-                    <a:lnL>
-                      <a:noFill/>
-                    </a:lnL>
-                    <a:lnR w="6350" cap="flat" cmpd="sng" algn="ctr">
-                      <a:solidFill>
-                        <a:srgbClr val="000000"/>
-                      </a:solidFill>
-                      <a:prstDash val="solid"/>
-                      <a:round/>
-                      <a:headEnd type="none" w="med" len="med"/>
-                      <a:tailEnd type="none" w="med" len="med"/>
-                    </a:lnR>
-                    <a:lnT>
-                      <a:noFill/>
-                    </a:lnT>
-                    <a:lnB w="6350" cap="flat" cmpd="sng" algn="ctr">
-                      <a:solidFill>
-                        <a:srgbClr val="000000"/>
-                      </a:solidFill>
-                      <a:prstDash val="solid"/>
-                      <a:round/>
-                      <a:headEnd type="none" w="med" len="med"/>
-                      <a:tailEnd type="none" w="med" len="med"/>
-                    </a:lnB>
-                    <a:solidFill>
-                      <a:srgbClr val="FFFFFF"/>
-                    </a:solidFill>
-                  </a:tcPr>
-                </a:tc>
-                <a:tc rowSpan="2" hMerge="1">
-                  <a:txBody>
-                    <a:bodyPr/>
-                    <a:lstStyle/>
-                    <a:p>
-                      <a:endParaRPr lang="en-US"/>
-                    </a:p>
-                  </a:txBody>
-                  <a:tcPr/>
-                </a:tc>
-                <a:tc gridSpan="6">
-                  <a:txBody>
-                    <a:bodyPr/>
-                    <a:lstStyle/>
-                    <a:p>
-                      <a:pPr algn="ctr" fontAlgn="ctr"/>
-                      <a:r>
-                        <a:rPr lang="en-US" sz="1200" b="0" i="0" u="none" strike="noStrike">
-                          <a:solidFill>
-                            <a:srgbClr val="000000"/>
-                          </a:solidFill>
-                          <a:effectLst/>
-                          <a:latin typeface="Calibri"/>
-                        </a:rPr>
-                        <a:t>E-service qualitative characteristics</a:t>
-                      </a:r>
-                    </a:p>
-                  </a:txBody>
-                  <a:tcPr marL="12700" marR="12700" marT="12700" marB="0" anchor="ctr">
-                    <a:lnL w="6350" cap="flat" cmpd="sng" algn="ctr">
-                      <a:solidFill>
-                        <a:srgbClr val="000000"/>
-                      </a:solidFill>
-                      <a:prstDash val="solid"/>
-                      <a:round/>
-                      <a:headEnd type="none" w="med" len="med"/>
-                      <a:tailEnd type="none" w="med" len="med"/>
-                    </a:lnL>
-                    <a:lnR w="6350" cap="flat" cmpd="sng" algn="ctr">
-                      <a:solidFill>
-                        <a:srgbClr val="000000"/>
-                      </a:solidFill>
-                      <a:prstDash val="solid"/>
-                      <a:round/>
-                      <a:headEnd type="none" w="med" len="med"/>
-                      <a:tailEnd type="none" w="med" len="med"/>
-                    </a:lnR>
-                    <a:lnT w="6350" cap="flat" cmpd="sng" algn="ctr">
-                      <a:solidFill>
-                        <a:srgbClr val="000000"/>
-                      </a:solidFill>
-                      <a:prstDash val="solid"/>
-                      <a:round/>
-                      <a:headEnd type="none" w="med" len="med"/>
-                      <a:tailEnd type="none" w="med" len="med"/>
-                    </a:lnT>
-                    <a:lnB w="6350" cap="flat" cmpd="sng" algn="ctr">
-                      <a:solidFill>
-                        <a:srgbClr val="000000"/>
-                      </a:solidFill>
-                      <a:prstDash val="solid"/>
-                      <a:round/>
-                      <a:headEnd type="none" w="med" len="med"/>
-                      <a:tailEnd type="none" w="med" len="med"/>
-                    </a:lnB>
-                  </a:tcPr>
-                </a:tc>
-                <a:tc hMerge="1">
-                  <a:txBody>
-                    <a:bodyPr/>
-                    <a:lstStyle/>
-                    <a:p>
-                      <a:endParaRPr lang="en-US"/>
-                    </a:p>
-                  </a:txBody>
-                  <a:tcPr/>
-                </a:tc>
-                <a:tc hMerge="1">
-                  <a:txBody>
-                    <a:bodyPr/>
-                    <a:lstStyle/>
-                    <a:p>
-                      <a:endParaRPr lang="en-US"/>
-                    </a:p>
-                  </a:txBody>
-                  <a:tcPr/>
-                </a:tc>
-                <a:tc hMerge="1">
-                  <a:txBody>
-                    <a:bodyPr/>
-                    <a:lstStyle/>
-                    <a:p>
-                      <a:endParaRPr lang="en-US"/>
-                    </a:p>
-                  </a:txBody>
-                  <a:tcPr/>
-                </a:tc>
-                <a:tc hMerge="1">
-                  <a:txBody>
-                    <a:bodyPr/>
-                    <a:lstStyle/>
-                    <a:p>
-                      <a:endParaRPr lang="en-US"/>
-                    </a:p>
-                  </a:txBody>
-                  <a:tcPr/>
-                </a:tc>
-                <a:tc hMerge="1">
-                  <a:txBody>
-                    <a:bodyPr/>
-                    <a:lstStyle/>
-                    <a:p>
-                      <a:endParaRPr lang="en-US"/>
-                    </a:p>
-                  </a:txBody>
-                  <a:tcPr/>
-                </a:tc>
-              </a:tr>
-              <a:tr h="375476">
-                <a:tc gridSpan="2" vMerge="1">
-                  <a:txBody>
-                    <a:bodyPr/>
-                    <a:lstStyle/>
-                    <a:p>
-                      <a:endParaRPr lang="en-US"/>
-                    </a:p>
-                  </a:txBody>
-                  <a:tcPr/>
-                </a:tc>
-                <a:tc hMerge="1" vMerge="1">
-                  <a:txBody>
-                    <a:bodyPr/>
-                    <a:lstStyle/>
-                    <a:p>
-                      <a:endParaRPr lang="en-US"/>
-                    </a:p>
-                  </a:txBody>
-                  <a:tcPr/>
-                </a:tc>
-                <a:tc>
-                  <a:txBody>
-                    <a:bodyPr/>
-                    <a:lstStyle/>
-                    <a:p>
-                      <a:pPr algn="ctr" fontAlgn="ctr"/>
-                      <a:r>
-                        <a:rPr lang="en-US" sz="1200" b="0" i="0" u="none" strike="noStrike">
-                          <a:solidFill>
-                            <a:srgbClr val="000000"/>
-                          </a:solidFill>
-                          <a:effectLst/>
-                          <a:latin typeface="Calibri"/>
-                        </a:rPr>
-                        <a:t>Convenience</a:t>
-                      </a:r>
-                    </a:p>
-                  </a:txBody>
-                  <a:tcPr marL="12700" marR="12700" marT="12700" marB="0" anchor="ctr">
-                    <a:lnL w="6350" cap="flat" cmpd="sng" algn="ctr">
-                      <a:solidFill>
-                        <a:srgbClr val="000000"/>
-                      </a:solidFill>
-                      <a:prstDash val="solid"/>
-                      <a:round/>
-                      <a:headEnd type="none" w="med" len="med"/>
-                      <a:tailEnd type="none" w="med" len="med"/>
-                    </a:lnL>
-                    <a:lnR w="6350" cap="flat" cmpd="sng" algn="ctr">
-                      <a:solidFill>
-                        <a:srgbClr val="000000"/>
-                      </a:solidFill>
-                      <a:prstDash val="solid"/>
-                      <a:round/>
-                      <a:headEnd type="none" w="med" len="med"/>
-                      <a:tailEnd type="none" w="med" len="med"/>
-                    </a:lnR>
-                    <a:lnT w="6350" cap="flat" cmpd="sng" algn="ctr">
-                      <a:solidFill>
-                        <a:srgbClr val="000000"/>
-                      </a:solidFill>
-                      <a:prstDash val="solid"/>
-                      <a:round/>
-                      <a:headEnd type="none" w="med" len="med"/>
-                      <a:tailEnd type="none" w="med" len="med"/>
-                    </a:lnT>
-                    <a:lnB w="6350" cap="flat" cmpd="sng" algn="ctr">
-                      <a:solidFill>
-                        <a:srgbClr val="000000"/>
-                      </a:solidFill>
-                      <a:prstDash val="solid"/>
-                      <a:round/>
-                      <a:headEnd type="none" w="med" len="med"/>
-                      <a:tailEnd type="none" w="med" len="med"/>
-                    </a:lnB>
-                  </a:tcPr>
-                </a:tc>
-                <a:tc>
-                  <a:txBody>
-                    <a:bodyPr/>
-                    <a:lstStyle/>
-                    <a:p>
-                      <a:pPr algn="ctr" fontAlgn="ctr"/>
-                      <a:r>
-                        <a:rPr lang="en-US" sz="1200" b="0" i="0" u="none" strike="noStrike">
-                          <a:solidFill>
-                            <a:srgbClr val="000000"/>
-                          </a:solidFill>
-                          <a:effectLst/>
-                          <a:latin typeface="Calibri"/>
-                        </a:rPr>
-                        <a:t>Performance</a:t>
-                      </a:r>
-                    </a:p>
-                  </a:txBody>
-                  <a:tcPr marL="12700" marR="12700" marT="12700" marB="0" anchor="ctr">
-                    <a:lnL w="6350" cap="flat" cmpd="sng" algn="ctr">
-                      <a:solidFill>
-                        <a:srgbClr val="000000"/>
-                      </a:solidFill>
-                      <a:prstDash val="solid"/>
-                      <a:round/>
-                      <a:headEnd type="none" w="med" len="med"/>
-                      <a:tailEnd type="none" w="med" len="med"/>
-                    </a:lnL>
-                    <a:lnR w="6350" cap="flat" cmpd="sng" algn="ctr">
-                      <a:solidFill>
-                        <a:srgbClr val="000000"/>
-                      </a:solidFill>
-                      <a:prstDash val="solid"/>
-                      <a:round/>
-                      <a:headEnd type="none" w="med" len="med"/>
-                      <a:tailEnd type="none" w="med" len="med"/>
-                    </a:lnR>
-                    <a:lnT w="6350" cap="flat" cmpd="sng" algn="ctr">
-                      <a:solidFill>
-                        <a:srgbClr val="000000"/>
-                      </a:solidFill>
-                      <a:prstDash val="solid"/>
-                      <a:round/>
-                      <a:headEnd type="none" w="med" len="med"/>
-                      <a:tailEnd type="none" w="med" len="med"/>
-                    </a:lnT>
-                    <a:lnB w="6350" cap="flat" cmpd="sng" algn="ctr">
-                      <a:solidFill>
-                        <a:srgbClr val="000000"/>
-                      </a:solidFill>
-                      <a:prstDash val="solid"/>
-                      <a:round/>
-                      <a:headEnd type="none" w="med" len="med"/>
-                      <a:tailEnd type="none" w="med" len="med"/>
-                    </a:lnB>
-                  </a:tcPr>
-                </a:tc>
-                <a:tc>
-                  <a:txBody>
-                    <a:bodyPr/>
-                    <a:lstStyle/>
-                    <a:p>
-                      <a:pPr algn="ctr" fontAlgn="ctr"/>
-                      <a:r>
-                        <a:rPr lang="en-US" sz="1200" b="0" i="0" u="none" strike="noStrike">
-                          <a:solidFill>
-                            <a:srgbClr val="000000"/>
-                          </a:solidFill>
-                          <a:effectLst/>
-                          <a:latin typeface="Calibri"/>
-                        </a:rPr>
-                        <a:t>Trustworthiness</a:t>
-                      </a:r>
-                    </a:p>
-                  </a:txBody>
-                  <a:tcPr marL="12700" marR="12700" marT="12700" marB="0" anchor="ctr">
-                    <a:lnL w="6350" cap="flat" cmpd="sng" algn="ctr">
-                      <a:solidFill>
-                        <a:srgbClr val="000000"/>
-                      </a:solidFill>
-                      <a:prstDash val="solid"/>
-                      <a:round/>
-                      <a:headEnd type="none" w="med" len="med"/>
-                      <a:tailEnd type="none" w="med" len="med"/>
-                    </a:lnL>
-                    <a:lnR w="6350" cap="flat" cmpd="sng" algn="ctr">
-                      <a:solidFill>
-                        <a:srgbClr val="000000"/>
-                      </a:solidFill>
-                      <a:prstDash val="solid"/>
-                      <a:round/>
-                      <a:headEnd type="none" w="med" len="med"/>
-                      <a:tailEnd type="none" w="med" len="med"/>
-                    </a:lnR>
-                    <a:lnT w="6350" cap="flat" cmpd="sng" algn="ctr">
-                      <a:solidFill>
-                        <a:srgbClr val="000000"/>
-                      </a:solidFill>
-                      <a:prstDash val="solid"/>
-                      <a:round/>
-                      <a:headEnd type="none" w="med" len="med"/>
-                      <a:tailEnd type="none" w="med" len="med"/>
-                    </a:lnT>
-                    <a:lnB w="6350" cap="flat" cmpd="sng" algn="ctr">
-                      <a:solidFill>
-                        <a:srgbClr val="000000"/>
-                      </a:solidFill>
-                      <a:prstDash val="solid"/>
-                      <a:round/>
-                      <a:headEnd type="none" w="med" len="med"/>
-                      <a:tailEnd type="none" w="med" len="med"/>
-                    </a:lnB>
-                  </a:tcPr>
-                </a:tc>
-                <a:tc>
-                  <a:txBody>
-                    <a:bodyPr/>
-                    <a:lstStyle/>
-                    <a:p>
-                      <a:pPr algn="ctr" fontAlgn="ctr"/>
-                      <a:r>
-                        <a:rPr lang="en-US" sz="1200" b="0" i="0" u="none" strike="noStrike">
-                          <a:solidFill>
-                            <a:srgbClr val="000000"/>
-                          </a:solidFill>
-                          <a:effectLst/>
-                          <a:latin typeface="Calibri"/>
-                        </a:rPr>
-                        <a:t>Compatibility</a:t>
-                      </a:r>
-                    </a:p>
-                  </a:txBody>
-                  <a:tcPr marL="12700" marR="12700" marT="12700" marB="0" anchor="ctr">
-                    <a:lnL w="6350" cap="flat" cmpd="sng" algn="ctr">
-                      <a:solidFill>
-                        <a:srgbClr val="000000"/>
-                      </a:solidFill>
-                      <a:prstDash val="solid"/>
-                      <a:round/>
-                      <a:headEnd type="none" w="med" len="med"/>
-                      <a:tailEnd type="none" w="med" len="med"/>
-                    </a:lnL>
-                    <a:lnR w="6350" cap="flat" cmpd="sng" algn="ctr">
-                      <a:solidFill>
-                        <a:srgbClr val="000000"/>
-                      </a:solidFill>
-                      <a:prstDash val="solid"/>
-                      <a:round/>
-                      <a:headEnd type="none" w="med" len="med"/>
-                      <a:tailEnd type="none" w="med" len="med"/>
-                    </a:lnR>
-                    <a:lnT w="6350" cap="flat" cmpd="sng" algn="ctr">
-                      <a:solidFill>
-                        <a:srgbClr val="000000"/>
-                      </a:solidFill>
-                      <a:prstDash val="solid"/>
-                      <a:round/>
-                      <a:headEnd type="none" w="med" len="med"/>
-                      <a:tailEnd type="none" w="med" len="med"/>
-                    </a:lnT>
-                    <a:lnB w="6350" cap="flat" cmpd="sng" algn="ctr">
-                      <a:solidFill>
-                        <a:srgbClr val="000000"/>
-                      </a:solidFill>
-                      <a:prstDash val="solid"/>
-                      <a:round/>
-                      <a:headEnd type="none" w="med" len="med"/>
-                      <a:tailEnd type="none" w="med" len="med"/>
-                    </a:lnB>
-                  </a:tcPr>
-                </a:tc>
-                <a:tc>
-                  <a:txBody>
-                    <a:bodyPr/>
-                    <a:lstStyle/>
-                    <a:p>
-                      <a:pPr algn="ctr" fontAlgn="ctr"/>
-                      <a:r>
-                        <a:rPr lang="en-US" sz="1200" b="0" i="0" u="none" strike="noStrike">
-                          <a:solidFill>
-                            <a:srgbClr val="000000"/>
-                          </a:solidFill>
-                          <a:effectLst/>
-                          <a:latin typeface="Calibri"/>
-                        </a:rPr>
-                        <a:t>Functionality</a:t>
-                      </a:r>
-                    </a:p>
-                  </a:txBody>
-                  <a:tcPr marL="12700" marR="12700" marT="12700" marB="0" anchor="ctr">
-                    <a:lnL w="6350" cap="flat" cmpd="sng" algn="ctr">
-                      <a:solidFill>
-                        <a:srgbClr val="000000"/>
-                      </a:solidFill>
-                      <a:prstDash val="solid"/>
-                      <a:round/>
-                      <a:headEnd type="none" w="med" len="med"/>
-                      <a:tailEnd type="none" w="med" len="med"/>
-                    </a:lnL>
-                    <a:lnR w="6350" cap="flat" cmpd="sng" algn="ctr">
-                      <a:solidFill>
-                        <a:srgbClr val="000000"/>
-                      </a:solidFill>
-                      <a:prstDash val="solid"/>
-                      <a:round/>
-                      <a:headEnd type="none" w="med" len="med"/>
-                      <a:tailEnd type="none" w="med" len="med"/>
-                    </a:lnR>
-                    <a:lnT w="6350" cap="flat" cmpd="sng" algn="ctr">
-                      <a:solidFill>
-                        <a:srgbClr val="000000"/>
-                      </a:solidFill>
-                      <a:prstDash val="solid"/>
-                      <a:round/>
-                      <a:headEnd type="none" w="med" len="med"/>
-                      <a:tailEnd type="none" w="med" len="med"/>
-                    </a:lnT>
-                    <a:lnB w="6350" cap="flat" cmpd="sng" algn="ctr">
-                      <a:solidFill>
-                        <a:srgbClr val="000000"/>
-                      </a:solidFill>
-                      <a:prstDash val="solid"/>
-                      <a:round/>
-                      <a:headEnd type="none" w="med" len="med"/>
-                      <a:tailEnd type="none" w="med" len="med"/>
-                    </a:lnB>
-                  </a:tcPr>
-                </a:tc>
-                <a:tc>
-                  <a:txBody>
-                    <a:bodyPr/>
-                    <a:lstStyle/>
-                    <a:p>
-                      <a:pPr algn="ctr" fontAlgn="ctr"/>
-                      <a:r>
-                        <a:rPr lang="en-US" sz="1200" b="0" i="0" u="none" strike="noStrike">
-                          <a:solidFill>
-                            <a:srgbClr val="000000"/>
-                          </a:solidFill>
-                          <a:effectLst/>
-                          <a:latin typeface="Calibri"/>
-                        </a:rPr>
-                        <a:t>Reliabilitty</a:t>
-                      </a:r>
-                    </a:p>
-                  </a:txBody>
-                  <a:tcPr marL="12700" marR="12700" marT="12700" marB="0" anchor="ctr">
-                    <a:lnL w="6350" cap="flat" cmpd="sng" algn="ctr">
-                      <a:solidFill>
-                        <a:srgbClr val="000000"/>
-                      </a:solidFill>
-                      <a:prstDash val="solid"/>
-                      <a:round/>
-                      <a:headEnd type="none" w="med" len="med"/>
-                      <a:tailEnd type="none" w="med" len="med"/>
-                    </a:lnL>
-                    <a:lnR w="6350" cap="flat" cmpd="sng" algn="ctr">
-                      <a:solidFill>
-                        <a:srgbClr val="000000"/>
-                      </a:solidFill>
-                      <a:prstDash val="solid"/>
-                      <a:round/>
-                      <a:headEnd type="none" w="med" len="med"/>
-                      <a:tailEnd type="none" w="med" len="med"/>
-                    </a:lnR>
-                    <a:lnT w="6350" cap="flat" cmpd="sng" algn="ctr">
-                      <a:solidFill>
-                        <a:srgbClr val="000000"/>
-                      </a:solidFill>
-                      <a:prstDash val="solid"/>
-                      <a:round/>
-                      <a:headEnd type="none" w="med" len="med"/>
-                      <a:tailEnd type="none" w="med" len="med"/>
-                    </a:lnT>
-                    <a:lnB w="6350" cap="flat" cmpd="sng" algn="ctr">
-                      <a:solidFill>
-                        <a:srgbClr val="000000"/>
-                      </a:solidFill>
-                      <a:prstDash val="solid"/>
-                      <a:round/>
-                      <a:headEnd type="none" w="med" len="med"/>
-                      <a:tailEnd type="none" w="med" len="med"/>
-                    </a:lnB>
-                  </a:tcPr>
-                </a:tc>
-              </a:tr>
-              <a:tr h="394250">
-                <a:tc rowSpan="4">
-                  <a:txBody>
-                    <a:bodyPr/>
-                    <a:lstStyle/>
-                    <a:p>
-                      <a:pPr algn="ctr" fontAlgn="ctr"/>
-                      <a:r>
-                        <a:rPr lang="en-US" sz="1200" b="0" i="0" u="none" strike="noStrike">
-                          <a:solidFill>
-                            <a:srgbClr val="000000"/>
-                          </a:solidFill>
-                          <a:effectLst/>
-                          <a:latin typeface="Calibri"/>
-                        </a:rPr>
-                        <a:t>Dimensions</a:t>
-                      </a:r>
-                    </a:p>
-                  </a:txBody>
-                  <a:tcPr marL="12700" marR="12700" marT="12700" marB="0" vert="vert270" anchor="ctr">
-                    <a:lnL w="6350" cap="flat" cmpd="sng" algn="ctr">
-                      <a:solidFill>
-                        <a:srgbClr val="000000"/>
-                      </a:solidFill>
-                      <a:prstDash val="solid"/>
-                      <a:round/>
-                      <a:headEnd type="none" w="med" len="med"/>
-                      <a:tailEnd type="none" w="med" len="med"/>
-                    </a:lnL>
-                    <a:lnR w="6350" cap="flat" cmpd="sng" algn="ctr">
-                      <a:solidFill>
-                        <a:srgbClr val="000000"/>
-                      </a:solidFill>
-                      <a:prstDash val="solid"/>
-                      <a:round/>
-                      <a:headEnd type="none" w="med" len="med"/>
-                      <a:tailEnd type="none" w="med" len="med"/>
-                    </a:lnR>
-                    <a:lnT w="6350" cap="flat" cmpd="sng" algn="ctr">
-                      <a:solidFill>
-                        <a:srgbClr val="000000"/>
-                      </a:solidFill>
-                      <a:prstDash val="solid"/>
-                      <a:round/>
-                      <a:headEnd type="none" w="med" len="med"/>
-                      <a:tailEnd type="none" w="med" len="med"/>
-                    </a:lnT>
-                    <a:lnB w="6350" cap="flat" cmpd="sng" algn="ctr">
-                      <a:solidFill>
-                        <a:srgbClr val="000000"/>
-                      </a:solidFill>
-                      <a:prstDash val="solid"/>
-                      <a:round/>
-                      <a:headEnd type="none" w="med" len="med"/>
-                      <a:tailEnd type="none" w="med" len="med"/>
-                    </a:lnB>
-                  </a:tcPr>
-                </a:tc>
-                <a:tc>
-                  <a:txBody>
-                    <a:bodyPr/>
-                    <a:lstStyle/>
-                    <a:p>
-                      <a:pPr algn="ctr" fontAlgn="ctr"/>
-                      <a:r>
-                        <a:rPr lang="en-US" sz="1200" b="0" i="0" u="none" strike="noStrike">
-                          <a:solidFill>
-                            <a:srgbClr val="000000"/>
-                          </a:solidFill>
-                          <a:effectLst/>
-                          <a:latin typeface="Calibri"/>
-                        </a:rPr>
-                        <a:t>ACCESSIBILITY</a:t>
-                      </a:r>
-                    </a:p>
-                  </a:txBody>
-                  <a:tcPr marL="12700" marR="12700" marT="12700" marB="0" anchor="ctr">
-                    <a:lnL w="6350" cap="flat" cmpd="sng" algn="ctr">
-                      <a:solidFill>
-                        <a:srgbClr val="000000"/>
-                      </a:solidFill>
-                      <a:prstDash val="solid"/>
-                      <a:round/>
-                      <a:headEnd type="none" w="med" len="med"/>
-                      <a:tailEnd type="none" w="med" len="med"/>
-                    </a:lnL>
-                    <a:lnR w="6350" cap="flat" cmpd="sng" algn="ctr">
-                      <a:solidFill>
-                        <a:srgbClr val="000000"/>
-                      </a:solidFill>
-                      <a:prstDash val="solid"/>
-                      <a:round/>
-                      <a:headEnd type="none" w="med" len="med"/>
-                      <a:tailEnd type="none" w="med" len="med"/>
-                    </a:lnR>
-                    <a:lnT w="6350" cap="flat" cmpd="sng" algn="ctr">
-                      <a:solidFill>
-                        <a:srgbClr val="000000"/>
-                      </a:solidFill>
-                      <a:prstDash val="solid"/>
-                      <a:round/>
-                      <a:headEnd type="none" w="med" len="med"/>
-                      <a:tailEnd type="none" w="med" len="med"/>
-                    </a:lnT>
-                    <a:lnB>
-                      <a:noFill/>
-                    </a:lnB>
-                  </a:tcPr>
-                </a:tc>
-                <a:tc>
-                  <a:txBody>
-                    <a:bodyPr/>
-                    <a:lstStyle/>
-                    <a:p>
-                      <a:pPr algn="ctr" fontAlgn="ctr"/>
-                      <a:r>
-                        <a:rPr lang="en-US" sz="1200" b="1" i="0" u="none" strike="noStrike">
-                          <a:solidFill>
-                            <a:srgbClr val="000000"/>
-                          </a:solidFill>
-                          <a:effectLst/>
-                          <a:latin typeface="Calibri"/>
-                        </a:rPr>
-                        <a:t>*</a:t>
-                      </a:r>
-                    </a:p>
-                  </a:txBody>
-                  <a:tcPr marL="12700" marR="12700" marT="12700" marB="0" anchor="ctr">
-                    <a:lnL w="6350" cap="flat" cmpd="sng" algn="ctr">
-                      <a:solidFill>
-                        <a:srgbClr val="000000"/>
-                      </a:solidFill>
-                      <a:prstDash val="solid"/>
-                      <a:round/>
-                      <a:headEnd type="none" w="med" len="med"/>
-                      <a:tailEnd type="none" w="med" len="med"/>
-                    </a:lnL>
-                    <a:lnR>
-                      <a:noFill/>
-                    </a:lnR>
-                    <a:lnT w="6350" cap="flat" cmpd="sng" algn="ctr">
-                      <a:solidFill>
-                        <a:srgbClr val="000000"/>
-                      </a:solidFill>
-                      <a:prstDash val="solid"/>
-                      <a:round/>
-                      <a:headEnd type="none" w="med" len="med"/>
-                      <a:tailEnd type="none" w="med" len="med"/>
-                    </a:lnT>
-                    <a:lnB>
-                      <a:noFill/>
-                    </a:lnB>
-                  </a:tcPr>
-                </a:tc>
-                <a:tc>
-                  <a:txBody>
-                    <a:bodyPr/>
-                    <a:lstStyle/>
-                    <a:p>
-                      <a:pPr algn="ctr" fontAlgn="ctr"/>
-                      <a:r>
-                        <a:rPr lang="en-US" sz="1200" b="1" i="0" u="none" strike="noStrike">
-                          <a:solidFill>
-                            <a:srgbClr val="000000"/>
-                          </a:solidFill>
-                          <a:effectLst/>
-                          <a:latin typeface="Calibri"/>
-                        </a:rPr>
-                        <a:t>*</a:t>
-                      </a:r>
-                    </a:p>
-                  </a:txBody>
-                  <a:tcPr marL="12700" marR="12700" marT="12700" marB="0" anchor="ctr">
-                    <a:lnL>
-                      <a:noFill/>
-                    </a:lnL>
-                    <a:lnR>
-                      <a:noFill/>
-                    </a:lnR>
-                    <a:lnT w="6350" cap="flat" cmpd="sng" algn="ctr">
-                      <a:solidFill>
-                        <a:srgbClr val="000000"/>
-                      </a:solidFill>
-                      <a:prstDash val="solid"/>
-                      <a:round/>
-                      <a:headEnd type="none" w="med" len="med"/>
-                      <a:tailEnd type="none" w="med" len="med"/>
-                    </a:lnT>
-                    <a:lnB>
-                      <a:noFill/>
-                    </a:lnB>
-                  </a:tcPr>
-                </a:tc>
-                <a:tc>
-                  <a:txBody>
-                    <a:bodyPr/>
-                    <a:lstStyle/>
-                    <a:p>
-                      <a:pPr algn="ctr" fontAlgn="ctr"/>
-                      <a:r>
-                        <a:rPr lang="sk-SK" sz="1200" b="1" i="0" u="none" strike="noStrike">
-                          <a:solidFill>
-                            <a:srgbClr val="000000"/>
-                          </a:solidFill>
-                          <a:effectLst/>
-                          <a:latin typeface="Calibri"/>
-                        </a:rPr>
-                        <a:t> </a:t>
-                      </a:r>
-                    </a:p>
-                  </a:txBody>
-                  <a:tcPr marL="12700" marR="12700" marT="12700" marB="0" anchor="ctr">
-                    <a:lnL>
-                      <a:noFill/>
-                    </a:lnL>
-                    <a:lnR>
-                      <a:noFill/>
-                    </a:lnR>
-                    <a:lnT w="6350" cap="flat" cmpd="sng" algn="ctr">
-                      <a:solidFill>
-                        <a:srgbClr val="000000"/>
-                      </a:solidFill>
-                      <a:prstDash val="solid"/>
-                      <a:round/>
-                      <a:headEnd type="none" w="med" len="med"/>
-                      <a:tailEnd type="none" w="med" len="med"/>
-                    </a:lnT>
-                    <a:lnB>
-                      <a:noFill/>
-                    </a:lnB>
-                  </a:tcPr>
-                </a:tc>
-                <a:tc>
-                  <a:txBody>
-                    <a:bodyPr/>
-                    <a:lstStyle/>
-                    <a:p>
-                      <a:pPr algn="ctr" fontAlgn="ctr"/>
-                      <a:r>
-                        <a:rPr lang="en-US" sz="1200" b="1" i="0" u="none" strike="noStrike">
-                          <a:solidFill>
-                            <a:srgbClr val="000000"/>
-                          </a:solidFill>
-                          <a:effectLst/>
-                          <a:latin typeface="Calibri"/>
-                        </a:rPr>
-                        <a:t>*</a:t>
-                      </a:r>
-                    </a:p>
-                  </a:txBody>
-                  <a:tcPr marL="12700" marR="12700" marT="12700" marB="0" anchor="ctr">
-                    <a:lnL>
-                      <a:noFill/>
-                    </a:lnL>
-                    <a:lnR>
-                      <a:noFill/>
-                    </a:lnR>
-                    <a:lnT w="6350" cap="flat" cmpd="sng" algn="ctr">
-                      <a:solidFill>
-                        <a:srgbClr val="000000"/>
-                      </a:solidFill>
-                      <a:prstDash val="solid"/>
-                      <a:round/>
-                      <a:headEnd type="none" w="med" len="med"/>
-                      <a:tailEnd type="none" w="med" len="med"/>
-                    </a:lnT>
-                    <a:lnB>
-                      <a:noFill/>
-                    </a:lnB>
-                  </a:tcPr>
-                </a:tc>
-                <a:tc>
-                  <a:txBody>
-                    <a:bodyPr/>
-                    <a:lstStyle/>
-                    <a:p>
-                      <a:pPr algn="ctr" fontAlgn="ctr"/>
-                      <a:r>
-                        <a:rPr lang="en-US" sz="1200" b="1" i="0" u="none" strike="noStrike">
-                          <a:solidFill>
-                            <a:srgbClr val="000000"/>
-                          </a:solidFill>
-                          <a:effectLst/>
-                          <a:latin typeface="Calibri"/>
-                        </a:rPr>
-                        <a:t>*</a:t>
-                      </a:r>
-                    </a:p>
-                  </a:txBody>
-                  <a:tcPr marL="12700" marR="12700" marT="12700" marB="0" anchor="ctr">
-                    <a:lnL>
-                      <a:noFill/>
-                    </a:lnL>
-                    <a:lnR>
-                      <a:noFill/>
-                    </a:lnR>
-                    <a:lnT w="6350" cap="flat" cmpd="sng" algn="ctr">
-                      <a:solidFill>
-                        <a:srgbClr val="000000"/>
-                      </a:solidFill>
-                      <a:prstDash val="solid"/>
-                      <a:round/>
-                      <a:headEnd type="none" w="med" len="med"/>
-                      <a:tailEnd type="none" w="med" len="med"/>
-                    </a:lnT>
-                    <a:lnB>
-                      <a:noFill/>
-                    </a:lnB>
-                  </a:tcPr>
-                </a:tc>
-                <a:tc>
-                  <a:txBody>
-                    <a:bodyPr/>
-                    <a:lstStyle/>
-                    <a:p>
-                      <a:pPr algn="ctr" fontAlgn="ctr"/>
-                      <a:r>
-                        <a:rPr lang="sk-SK" sz="1200" b="1" i="0" u="none" strike="noStrike">
-                          <a:solidFill>
-                            <a:srgbClr val="000000"/>
-                          </a:solidFill>
-                          <a:effectLst/>
-                          <a:latin typeface="Calibri"/>
-                        </a:rPr>
-                        <a:t> </a:t>
-                      </a:r>
-                    </a:p>
-                  </a:txBody>
-                  <a:tcPr marL="12700" marR="12700" marT="12700" marB="0" anchor="ctr">
-                    <a:lnL>
-                      <a:noFill/>
-                    </a:lnL>
-                    <a:lnR w="6350" cap="flat" cmpd="sng" algn="ctr">
-                      <a:solidFill>
-                        <a:srgbClr val="000000"/>
-                      </a:solidFill>
-                      <a:prstDash val="solid"/>
-                      <a:round/>
-                      <a:headEnd type="none" w="med" len="med"/>
-                      <a:tailEnd type="none" w="med" len="med"/>
-                    </a:lnR>
-                    <a:lnT w="6350" cap="flat" cmpd="sng" algn="ctr">
-                      <a:solidFill>
-                        <a:srgbClr val="000000"/>
-                      </a:solidFill>
-                      <a:prstDash val="solid"/>
-                      <a:round/>
-                      <a:headEnd type="none" w="med" len="med"/>
-                      <a:tailEnd type="none" w="med" len="med"/>
-                    </a:lnT>
-                    <a:lnB>
-                      <a:noFill/>
-                    </a:lnB>
-                  </a:tcPr>
-                </a:tc>
-              </a:tr>
-              <a:tr h="394250">
-                <a:tc vMerge="1">
-                  <a:txBody>
-                    <a:bodyPr/>
-                    <a:lstStyle/>
-                    <a:p>
-                      <a:endParaRPr lang="en-US"/>
-                    </a:p>
-                  </a:txBody>
-                  <a:tcPr/>
-                </a:tc>
-                <a:tc>
-                  <a:txBody>
-                    <a:bodyPr/>
-                    <a:lstStyle/>
-                    <a:p>
-                      <a:pPr algn="ctr" fontAlgn="ctr"/>
-                      <a:r>
-                        <a:rPr lang="en-US" sz="1200" b="0" i="0" u="none" strike="noStrike">
-                          <a:solidFill>
-                            <a:srgbClr val="000000"/>
-                          </a:solidFill>
-                          <a:effectLst/>
-                          <a:latin typeface="Calibri"/>
-                        </a:rPr>
-                        <a:t>USABILITY</a:t>
-                      </a:r>
-                    </a:p>
-                  </a:txBody>
-                  <a:tcPr marL="12700" marR="12700" marT="12700" marB="0" anchor="ctr">
-                    <a:lnL w="6350" cap="flat" cmpd="sng" algn="ctr">
-                      <a:solidFill>
-                        <a:srgbClr val="000000"/>
-                      </a:solidFill>
-                      <a:prstDash val="solid"/>
-                      <a:round/>
-                      <a:headEnd type="none" w="med" len="med"/>
-                      <a:tailEnd type="none" w="med" len="med"/>
-                    </a:lnL>
-                    <a:lnR w="6350" cap="flat" cmpd="sng" algn="ctr">
-                      <a:solidFill>
-                        <a:srgbClr val="000000"/>
-                      </a:solidFill>
-                      <a:prstDash val="solid"/>
-                      <a:round/>
-                      <a:headEnd type="none" w="med" len="med"/>
-                      <a:tailEnd type="none" w="med" len="med"/>
-                    </a:lnR>
-                    <a:lnT>
-                      <a:noFill/>
-                    </a:lnT>
-                    <a:lnB>
-                      <a:noFill/>
-                    </a:lnB>
-                    <a:solidFill>
-                      <a:srgbClr val="F2F2F2"/>
-                    </a:solidFill>
-                  </a:tcPr>
-                </a:tc>
-                <a:tc>
-                  <a:txBody>
-                    <a:bodyPr/>
-                    <a:lstStyle/>
-                    <a:p>
-                      <a:pPr algn="ctr" fontAlgn="ctr"/>
-                      <a:r>
-                        <a:rPr lang="en-US" sz="1200" b="1" i="0" u="none" strike="noStrike">
-                          <a:solidFill>
-                            <a:srgbClr val="000000"/>
-                          </a:solidFill>
-                          <a:effectLst/>
-                          <a:latin typeface="Calibri"/>
-                        </a:rPr>
-                        <a:t>*</a:t>
-                      </a:r>
-                    </a:p>
-                  </a:txBody>
-                  <a:tcPr marL="12700" marR="12700" marT="12700" marB="0" anchor="ctr">
-                    <a:lnL w="6350" cap="flat" cmpd="sng" algn="ctr">
-                      <a:solidFill>
-                        <a:srgbClr val="000000"/>
-                      </a:solidFill>
-                      <a:prstDash val="solid"/>
-                      <a:round/>
-                      <a:headEnd type="none" w="med" len="med"/>
-                      <a:tailEnd type="none" w="med" len="med"/>
-                    </a:lnL>
-                    <a:lnR>
-                      <a:noFill/>
-                    </a:lnR>
-                    <a:lnT>
-                      <a:noFill/>
-                    </a:lnT>
-                    <a:lnB>
-                      <a:noFill/>
-                    </a:lnB>
-                    <a:solidFill>
-                      <a:srgbClr val="F2F2F2"/>
-                    </a:solidFill>
-                  </a:tcPr>
-                </a:tc>
-                <a:tc>
-                  <a:txBody>
-                    <a:bodyPr/>
-                    <a:lstStyle/>
-                    <a:p>
-                      <a:pPr algn="ctr" fontAlgn="ctr"/>
-                      <a:r>
-                        <a:rPr lang="sk-SK" sz="1200" b="1" i="0" u="none" strike="noStrike">
-                          <a:solidFill>
-                            <a:srgbClr val="000000"/>
-                          </a:solidFill>
-                          <a:effectLst/>
-                          <a:latin typeface="Calibri"/>
-                        </a:rPr>
-                        <a:t> </a:t>
-                      </a:r>
-                    </a:p>
-                  </a:txBody>
-                  <a:tcPr marL="12700" marR="12700" marT="12700" marB="0" anchor="ctr">
-                    <a:lnL>
-                      <a:noFill/>
-                    </a:lnL>
-                    <a:lnR>
-                      <a:noFill/>
-                    </a:lnR>
-                    <a:lnT>
-                      <a:noFill/>
-                    </a:lnT>
-                    <a:lnB>
-                      <a:noFill/>
-                    </a:lnB>
-                    <a:solidFill>
-                      <a:srgbClr val="F2F2F2"/>
-                    </a:solidFill>
-                  </a:tcPr>
-                </a:tc>
-                <a:tc>
-                  <a:txBody>
-                    <a:bodyPr/>
-                    <a:lstStyle/>
-                    <a:p>
-                      <a:pPr algn="ctr" fontAlgn="ctr"/>
-                      <a:r>
-                        <a:rPr lang="sk-SK" sz="1200" b="1" i="0" u="none" strike="noStrike">
-                          <a:solidFill>
-                            <a:srgbClr val="000000"/>
-                          </a:solidFill>
-                          <a:effectLst/>
-                          <a:latin typeface="Calibri"/>
-                        </a:rPr>
-                        <a:t> </a:t>
-                      </a:r>
-                    </a:p>
-                  </a:txBody>
-                  <a:tcPr marL="12700" marR="12700" marT="12700" marB="0" anchor="ctr">
-                    <a:lnL>
-                      <a:noFill/>
-                    </a:lnL>
-                    <a:lnR>
-                      <a:noFill/>
-                    </a:lnR>
-                    <a:lnT>
-                      <a:noFill/>
-                    </a:lnT>
-                    <a:lnB>
-                      <a:noFill/>
-                    </a:lnB>
-                    <a:solidFill>
-                      <a:srgbClr val="F2F2F2"/>
-                    </a:solidFill>
-                  </a:tcPr>
-                </a:tc>
-                <a:tc>
-                  <a:txBody>
-                    <a:bodyPr/>
-                    <a:lstStyle/>
-                    <a:p>
-                      <a:pPr algn="ctr" fontAlgn="ctr"/>
-                      <a:r>
-                        <a:rPr lang="en-US" sz="1200" b="1" i="0" u="none" strike="noStrike">
-                          <a:solidFill>
-                            <a:srgbClr val="000000"/>
-                          </a:solidFill>
-                          <a:effectLst/>
-                          <a:latin typeface="Calibri"/>
-                        </a:rPr>
-                        <a:t>*</a:t>
-                      </a:r>
-                    </a:p>
-                  </a:txBody>
-                  <a:tcPr marL="12700" marR="12700" marT="12700" marB="0" anchor="ctr">
-                    <a:lnL>
-                      <a:noFill/>
-                    </a:lnL>
-                    <a:lnR>
-                      <a:noFill/>
-                    </a:lnR>
-                    <a:lnT>
-                      <a:noFill/>
-                    </a:lnT>
-                    <a:lnB>
-                      <a:noFill/>
-                    </a:lnB>
-                    <a:solidFill>
-                      <a:srgbClr val="F2F2F2"/>
-                    </a:solidFill>
-                  </a:tcPr>
-                </a:tc>
-                <a:tc>
-                  <a:txBody>
-                    <a:bodyPr/>
-                    <a:lstStyle/>
-                    <a:p>
-                      <a:pPr algn="ctr" fontAlgn="ctr"/>
-                      <a:r>
-                        <a:rPr lang="en-US" sz="1200" b="1" i="0" u="none" strike="noStrike">
-                          <a:solidFill>
-                            <a:srgbClr val="000000"/>
-                          </a:solidFill>
-                          <a:effectLst/>
-                          <a:latin typeface="Calibri"/>
-                        </a:rPr>
-                        <a:t>*</a:t>
-                      </a:r>
-                    </a:p>
-                  </a:txBody>
-                  <a:tcPr marL="12700" marR="12700" marT="12700" marB="0" anchor="ctr">
-                    <a:lnL>
-                      <a:noFill/>
-                    </a:lnL>
-                    <a:lnR>
-                      <a:noFill/>
-                    </a:lnR>
-                    <a:lnT>
-                      <a:noFill/>
-                    </a:lnT>
-                    <a:lnB>
-                      <a:noFill/>
-                    </a:lnB>
-                    <a:solidFill>
-                      <a:srgbClr val="F2F2F2"/>
-                    </a:solidFill>
-                  </a:tcPr>
-                </a:tc>
-                <a:tc>
-                  <a:txBody>
-                    <a:bodyPr/>
-                    <a:lstStyle/>
-                    <a:p>
-                      <a:pPr algn="ctr" fontAlgn="ctr"/>
-                      <a:r>
-                        <a:rPr lang="sk-SK" sz="1200" b="1" i="0" u="none" strike="noStrike">
-                          <a:solidFill>
-                            <a:srgbClr val="000000"/>
-                          </a:solidFill>
-                          <a:effectLst/>
-                          <a:latin typeface="Calibri"/>
-                        </a:rPr>
-                        <a:t> </a:t>
-                      </a:r>
-                    </a:p>
-                  </a:txBody>
-                  <a:tcPr marL="12700" marR="12700" marT="12700" marB="0" anchor="ctr">
-                    <a:lnL>
-                      <a:noFill/>
-                    </a:lnL>
-                    <a:lnR w="6350" cap="flat" cmpd="sng" algn="ctr">
-                      <a:solidFill>
-                        <a:srgbClr val="000000"/>
-                      </a:solidFill>
-                      <a:prstDash val="solid"/>
-                      <a:round/>
-                      <a:headEnd type="none" w="med" len="med"/>
-                      <a:tailEnd type="none" w="med" len="med"/>
-                    </a:lnR>
-                    <a:lnT>
-                      <a:noFill/>
-                    </a:lnT>
-                    <a:lnB>
-                      <a:noFill/>
-                    </a:lnB>
-                    <a:solidFill>
-                      <a:srgbClr val="F2F2F2"/>
-                    </a:solidFill>
-                  </a:tcPr>
-                </a:tc>
-              </a:tr>
-              <a:tr h="394250">
-                <a:tc vMerge="1">
-                  <a:txBody>
-                    <a:bodyPr/>
-                    <a:lstStyle/>
-                    <a:p>
-                      <a:endParaRPr lang="en-US"/>
-                    </a:p>
-                  </a:txBody>
-                  <a:tcPr/>
-                </a:tc>
-                <a:tc>
-                  <a:txBody>
-                    <a:bodyPr/>
-                    <a:lstStyle/>
-                    <a:p>
-                      <a:pPr algn="ctr" fontAlgn="ctr"/>
-                      <a:r>
-                        <a:rPr lang="en-US" sz="1200" b="0" i="0" u="none" strike="noStrike">
-                          <a:solidFill>
-                            <a:srgbClr val="000000"/>
-                          </a:solidFill>
-                          <a:effectLst/>
-                          <a:latin typeface="Calibri"/>
-                        </a:rPr>
-                        <a:t>EFFICIENCY</a:t>
-                      </a:r>
-                    </a:p>
-                  </a:txBody>
-                  <a:tcPr marL="12700" marR="12700" marT="12700" marB="0" anchor="ctr">
-                    <a:lnL w="6350" cap="flat" cmpd="sng" algn="ctr">
-                      <a:solidFill>
-                        <a:srgbClr val="000000"/>
-                      </a:solidFill>
-                      <a:prstDash val="solid"/>
-                      <a:round/>
-                      <a:headEnd type="none" w="med" len="med"/>
-                      <a:tailEnd type="none" w="med" len="med"/>
-                    </a:lnL>
-                    <a:lnR w="6350" cap="flat" cmpd="sng" algn="ctr">
-                      <a:solidFill>
-                        <a:srgbClr val="000000"/>
-                      </a:solidFill>
-                      <a:prstDash val="solid"/>
-                      <a:round/>
-                      <a:headEnd type="none" w="med" len="med"/>
-                      <a:tailEnd type="none" w="med" len="med"/>
-                    </a:lnR>
-                    <a:lnT>
-                      <a:noFill/>
-                    </a:lnT>
-                    <a:lnB>
-                      <a:noFill/>
-                    </a:lnB>
-                  </a:tcPr>
-                </a:tc>
-                <a:tc>
-                  <a:txBody>
-                    <a:bodyPr/>
-                    <a:lstStyle/>
-                    <a:p>
-                      <a:pPr algn="ctr" fontAlgn="ctr"/>
-                      <a:r>
-                        <a:rPr lang="en-US" sz="1200" b="1" i="0" u="none" strike="noStrike">
-                          <a:solidFill>
-                            <a:srgbClr val="000000"/>
-                          </a:solidFill>
-                          <a:effectLst/>
-                          <a:latin typeface="Calibri"/>
-                        </a:rPr>
-                        <a:t>*</a:t>
-                      </a:r>
-                    </a:p>
-                  </a:txBody>
-                  <a:tcPr marL="12700" marR="12700" marT="12700" marB="0" anchor="ctr">
-                    <a:lnL w="6350" cap="flat" cmpd="sng" algn="ctr">
-                      <a:solidFill>
-                        <a:srgbClr val="000000"/>
-                      </a:solidFill>
-                      <a:prstDash val="solid"/>
-                      <a:round/>
-                      <a:headEnd type="none" w="med" len="med"/>
-                      <a:tailEnd type="none" w="med" len="med"/>
-                    </a:lnL>
-                    <a:lnR>
-                      <a:noFill/>
-                    </a:lnR>
-                    <a:lnT>
-                      <a:noFill/>
-                    </a:lnT>
-                    <a:lnB>
-                      <a:noFill/>
-                    </a:lnB>
-                  </a:tcPr>
-                </a:tc>
-                <a:tc>
-                  <a:txBody>
-                    <a:bodyPr/>
-                    <a:lstStyle/>
-                    <a:p>
-                      <a:pPr algn="ctr" fontAlgn="ctr"/>
-                      <a:r>
-                        <a:rPr lang="en-US" sz="1200" b="1" i="0" u="none" strike="noStrike">
-                          <a:solidFill>
-                            <a:srgbClr val="000000"/>
-                          </a:solidFill>
-                          <a:effectLst/>
-                          <a:latin typeface="Calibri"/>
-                        </a:rPr>
-                        <a:t>*</a:t>
-                      </a:r>
-                    </a:p>
-                  </a:txBody>
-                  <a:tcPr marL="12700" marR="12700" marT="12700" marB="0" anchor="ctr">
-                    <a:lnL>
-                      <a:noFill/>
-                    </a:lnL>
-                    <a:lnR>
-                      <a:noFill/>
-                    </a:lnR>
-                    <a:lnT>
-                      <a:noFill/>
-                    </a:lnT>
-                    <a:lnB>
-                      <a:noFill/>
-                    </a:lnB>
-                  </a:tcPr>
-                </a:tc>
-                <a:tc>
-                  <a:txBody>
-                    <a:bodyPr/>
-                    <a:lstStyle/>
-                    <a:p>
-                      <a:pPr algn="ctr" fontAlgn="ctr"/>
-                      <a:endParaRPr lang="en-US" sz="1200" b="1" i="0" u="none" strike="noStrike">
-                        <a:solidFill>
-                          <a:srgbClr val="000000"/>
-                        </a:solidFill>
-                        <a:effectLst/>
-                        <a:latin typeface="Calibri"/>
-                      </a:endParaRPr>
-                    </a:p>
-                  </a:txBody>
-                  <a:tcPr marL="12700" marR="12700" marT="12700" marB="0" anchor="ctr">
-                    <a:lnL>
-                      <a:noFill/>
-                    </a:lnL>
-                    <a:lnR>
-                      <a:noFill/>
-                    </a:lnR>
-                    <a:lnT>
-                      <a:noFill/>
-                    </a:lnT>
-                    <a:lnB>
-                      <a:noFill/>
-                    </a:lnB>
-                  </a:tcPr>
-                </a:tc>
-                <a:tc>
-                  <a:txBody>
-                    <a:bodyPr/>
-                    <a:lstStyle/>
-                    <a:p>
-                      <a:pPr algn="ctr" fontAlgn="ctr"/>
-                      <a:r>
-                        <a:rPr lang="en-US" sz="1200" b="1" i="0" u="none" strike="noStrike">
-                          <a:solidFill>
-                            <a:srgbClr val="000000"/>
-                          </a:solidFill>
-                          <a:effectLst/>
-                          <a:latin typeface="Calibri"/>
-                        </a:rPr>
-                        <a:t>*</a:t>
-                      </a:r>
-                    </a:p>
-                  </a:txBody>
-                  <a:tcPr marL="12700" marR="12700" marT="12700" marB="0" anchor="ctr">
-                    <a:lnL>
-                      <a:noFill/>
-                    </a:lnL>
-                    <a:lnR>
-                      <a:noFill/>
-                    </a:lnR>
-                    <a:lnT>
-                      <a:noFill/>
-                    </a:lnT>
-                    <a:lnB>
-                      <a:noFill/>
-                    </a:lnB>
-                  </a:tcPr>
-                </a:tc>
-                <a:tc>
-                  <a:txBody>
-                    <a:bodyPr/>
-                    <a:lstStyle/>
-                    <a:p>
-                      <a:pPr algn="ctr" fontAlgn="ctr"/>
-                      <a:r>
-                        <a:rPr lang="en-US" sz="1200" b="1" i="0" u="none" strike="noStrike">
-                          <a:solidFill>
-                            <a:srgbClr val="000000"/>
-                          </a:solidFill>
-                          <a:effectLst/>
-                          <a:latin typeface="Calibri"/>
-                        </a:rPr>
-                        <a:t>*</a:t>
-                      </a:r>
-                    </a:p>
-                  </a:txBody>
-                  <a:tcPr marL="12700" marR="12700" marT="12700" marB="0" anchor="ctr">
-                    <a:lnL>
-                      <a:noFill/>
-                    </a:lnL>
-                    <a:lnR>
-                      <a:noFill/>
-                    </a:lnR>
-                    <a:lnT>
-                      <a:noFill/>
-                    </a:lnT>
-                    <a:lnB>
-                      <a:noFill/>
-                    </a:lnB>
-                  </a:tcPr>
-                </a:tc>
-                <a:tc>
-                  <a:txBody>
-                    <a:bodyPr/>
-                    <a:lstStyle/>
-                    <a:p>
-                      <a:pPr algn="ctr" fontAlgn="ctr"/>
-                      <a:r>
-                        <a:rPr lang="sk-SK" sz="1200" b="1" i="0" u="none" strike="noStrike">
-                          <a:solidFill>
-                            <a:srgbClr val="000000"/>
-                          </a:solidFill>
-                          <a:effectLst/>
-                          <a:latin typeface="Calibri"/>
-                        </a:rPr>
-                        <a:t> </a:t>
-                      </a:r>
-                    </a:p>
-                  </a:txBody>
-                  <a:tcPr marL="12700" marR="12700" marT="12700" marB="0" anchor="ctr">
-                    <a:lnL>
-                      <a:noFill/>
-                    </a:lnL>
-                    <a:lnR w="6350" cap="flat" cmpd="sng" algn="ctr">
-                      <a:solidFill>
-                        <a:srgbClr val="000000"/>
-                      </a:solidFill>
-                      <a:prstDash val="solid"/>
-                      <a:round/>
-                      <a:headEnd type="none" w="med" len="med"/>
-                      <a:tailEnd type="none" w="med" len="med"/>
-                    </a:lnR>
-                    <a:lnT>
-                      <a:noFill/>
-                    </a:lnT>
-                    <a:lnB>
-                      <a:noFill/>
-                    </a:lnB>
-                  </a:tcPr>
-                </a:tc>
-              </a:tr>
-              <a:tr h="394250">
-                <a:tc vMerge="1">
-                  <a:txBody>
-                    <a:bodyPr/>
-                    <a:lstStyle/>
-                    <a:p>
-                      <a:endParaRPr lang="en-US"/>
-                    </a:p>
-                  </a:txBody>
-                  <a:tcPr/>
-                </a:tc>
-                <a:tc>
-                  <a:txBody>
-                    <a:bodyPr/>
-                    <a:lstStyle/>
-                    <a:p>
-                      <a:pPr algn="ctr" fontAlgn="ctr"/>
-                      <a:r>
-                        <a:rPr lang="en-US" sz="1200" b="0" i="0" u="none" strike="noStrike">
-                          <a:solidFill>
-                            <a:srgbClr val="000000"/>
-                          </a:solidFill>
-                          <a:effectLst/>
-                          <a:latin typeface="Calibri"/>
-                        </a:rPr>
-                        <a:t>SECURITY</a:t>
-                      </a:r>
-                    </a:p>
-                  </a:txBody>
-                  <a:tcPr marL="12700" marR="12700" marT="12700" marB="0" anchor="ctr">
-                    <a:lnL w="6350" cap="flat" cmpd="sng" algn="ctr">
-                      <a:solidFill>
-                        <a:srgbClr val="000000"/>
-                      </a:solidFill>
-                      <a:prstDash val="solid"/>
-                      <a:round/>
-                      <a:headEnd type="none" w="med" len="med"/>
-                      <a:tailEnd type="none" w="med" len="med"/>
-                    </a:lnL>
-                    <a:lnR w="6350" cap="flat" cmpd="sng" algn="ctr">
-                      <a:solidFill>
-                        <a:srgbClr val="000000"/>
-                      </a:solidFill>
-                      <a:prstDash val="solid"/>
-                      <a:round/>
-                      <a:headEnd type="none" w="med" len="med"/>
-                      <a:tailEnd type="none" w="med" len="med"/>
-                    </a:lnR>
-                    <a:lnT>
-                      <a:noFill/>
-                    </a:lnT>
-                    <a:lnB w="6350" cap="flat" cmpd="sng" algn="ctr">
-                      <a:solidFill>
-                        <a:srgbClr val="000000"/>
-                      </a:solidFill>
-                      <a:prstDash val="solid"/>
-                      <a:round/>
-                      <a:headEnd type="none" w="med" len="med"/>
-                      <a:tailEnd type="none" w="med" len="med"/>
-                    </a:lnB>
-                    <a:solidFill>
-                      <a:srgbClr val="F2F2F2"/>
-                    </a:solidFill>
-                  </a:tcPr>
-                </a:tc>
-                <a:tc>
-                  <a:txBody>
-                    <a:bodyPr/>
-                    <a:lstStyle/>
-                    <a:p>
-                      <a:pPr algn="ctr" fontAlgn="ctr"/>
-                      <a:r>
-                        <a:rPr lang="sk-SK" sz="1200" b="1" i="0" u="none" strike="noStrike">
-                          <a:solidFill>
-                            <a:srgbClr val="000000"/>
-                          </a:solidFill>
-                          <a:effectLst/>
-                          <a:latin typeface="Calibri"/>
-                        </a:rPr>
-                        <a:t> </a:t>
-                      </a:r>
-                    </a:p>
-                  </a:txBody>
-                  <a:tcPr marL="12700" marR="12700" marT="12700" marB="0" anchor="ctr">
-                    <a:lnL w="6350" cap="flat" cmpd="sng" algn="ctr">
-                      <a:solidFill>
-                        <a:srgbClr val="000000"/>
-                      </a:solidFill>
-                      <a:prstDash val="solid"/>
-                      <a:round/>
-                      <a:headEnd type="none" w="med" len="med"/>
-                      <a:tailEnd type="none" w="med" len="med"/>
-                    </a:lnL>
-                    <a:lnR>
-                      <a:noFill/>
-                    </a:lnR>
-                    <a:lnT>
-                      <a:noFill/>
-                    </a:lnT>
-                    <a:lnB w="6350" cap="flat" cmpd="sng" algn="ctr">
-                      <a:solidFill>
-                        <a:srgbClr val="000000"/>
-                      </a:solidFill>
-                      <a:prstDash val="solid"/>
-                      <a:round/>
-                      <a:headEnd type="none" w="med" len="med"/>
-                      <a:tailEnd type="none" w="med" len="med"/>
-                    </a:lnB>
-                    <a:solidFill>
-                      <a:srgbClr val="F2F2F2"/>
-                    </a:solidFill>
-                  </a:tcPr>
-                </a:tc>
-                <a:tc>
-                  <a:txBody>
-                    <a:bodyPr/>
-                    <a:lstStyle/>
-                    <a:p>
-                      <a:pPr algn="ctr" fontAlgn="ctr"/>
-                      <a:r>
-                        <a:rPr lang="sk-SK" sz="1200" b="1" i="0" u="none" strike="noStrike">
-                          <a:solidFill>
-                            <a:srgbClr val="000000"/>
-                          </a:solidFill>
-                          <a:effectLst/>
-                          <a:latin typeface="Calibri"/>
-                        </a:rPr>
-                        <a:t> </a:t>
-                      </a:r>
-                    </a:p>
-                  </a:txBody>
-                  <a:tcPr marL="12700" marR="12700" marT="12700" marB="0" anchor="ctr">
-                    <a:lnL>
-                      <a:noFill/>
-                    </a:lnL>
-                    <a:lnR>
-                      <a:noFill/>
-                    </a:lnR>
-                    <a:lnT>
-                      <a:noFill/>
-                    </a:lnT>
-                    <a:lnB w="6350" cap="flat" cmpd="sng" algn="ctr">
-                      <a:solidFill>
-                        <a:srgbClr val="000000"/>
-                      </a:solidFill>
-                      <a:prstDash val="solid"/>
-                      <a:round/>
-                      <a:headEnd type="none" w="med" len="med"/>
-                      <a:tailEnd type="none" w="med" len="med"/>
-                    </a:lnB>
-                    <a:solidFill>
-                      <a:srgbClr val="F2F2F2"/>
-                    </a:solidFill>
-                  </a:tcPr>
-                </a:tc>
-                <a:tc>
-                  <a:txBody>
-                    <a:bodyPr/>
-                    <a:lstStyle/>
-                    <a:p>
-                      <a:pPr algn="ctr" fontAlgn="ctr"/>
-                      <a:r>
-                        <a:rPr lang="en-US" sz="1200" b="1" i="0" u="none" strike="noStrike">
-                          <a:solidFill>
-                            <a:srgbClr val="000000"/>
-                          </a:solidFill>
-                          <a:effectLst/>
-                          <a:latin typeface="Calibri"/>
-                        </a:rPr>
-                        <a:t>*</a:t>
-                      </a:r>
-                    </a:p>
-                  </a:txBody>
-                  <a:tcPr marL="12700" marR="12700" marT="12700" marB="0" anchor="ctr">
-                    <a:lnL>
-                      <a:noFill/>
-                    </a:lnL>
-                    <a:lnR>
-                      <a:noFill/>
-                    </a:lnR>
-                    <a:lnT>
-                      <a:noFill/>
-                    </a:lnT>
-                    <a:lnB w="6350" cap="flat" cmpd="sng" algn="ctr">
-                      <a:solidFill>
-                        <a:srgbClr val="000000"/>
-                      </a:solidFill>
-                      <a:prstDash val="solid"/>
-                      <a:round/>
-                      <a:headEnd type="none" w="med" len="med"/>
-                      <a:tailEnd type="none" w="med" len="med"/>
-                    </a:lnB>
-                    <a:solidFill>
-                      <a:srgbClr val="F2F2F2"/>
-                    </a:solidFill>
-                  </a:tcPr>
-                </a:tc>
-                <a:tc>
-                  <a:txBody>
-                    <a:bodyPr/>
-                    <a:lstStyle/>
-                    <a:p>
-                      <a:pPr algn="ctr" fontAlgn="ctr"/>
-                      <a:r>
-                        <a:rPr lang="en-US" sz="1200" b="1" i="0" u="none" strike="noStrike">
-                          <a:solidFill>
-                            <a:srgbClr val="000000"/>
-                          </a:solidFill>
-                          <a:effectLst/>
-                          <a:latin typeface="Calibri"/>
-                        </a:rPr>
-                        <a:t>*</a:t>
-                      </a:r>
-                    </a:p>
-                  </a:txBody>
-                  <a:tcPr marL="12700" marR="12700" marT="12700" marB="0" anchor="ctr">
-                    <a:lnL>
-                      <a:noFill/>
-                    </a:lnL>
-                    <a:lnR>
-                      <a:noFill/>
-                    </a:lnR>
-                    <a:lnT>
-                      <a:noFill/>
-                    </a:lnT>
-                    <a:lnB w="6350" cap="flat" cmpd="sng" algn="ctr">
-                      <a:solidFill>
-                        <a:srgbClr val="000000"/>
-                      </a:solidFill>
-                      <a:prstDash val="solid"/>
-                      <a:round/>
-                      <a:headEnd type="none" w="med" len="med"/>
-                      <a:tailEnd type="none" w="med" len="med"/>
-                    </a:lnB>
-                    <a:solidFill>
-                      <a:srgbClr val="F2F2F2"/>
-                    </a:solidFill>
-                  </a:tcPr>
-                </a:tc>
-                <a:tc>
-                  <a:txBody>
-                    <a:bodyPr/>
-                    <a:lstStyle/>
-                    <a:p>
-                      <a:pPr algn="ctr" fontAlgn="ctr"/>
-                      <a:r>
-                        <a:rPr lang="sk-SK" sz="1200" b="1" i="0" u="none" strike="noStrike">
-                          <a:solidFill>
-                            <a:srgbClr val="000000"/>
-                          </a:solidFill>
-                          <a:effectLst/>
-                          <a:latin typeface="Calibri"/>
-                        </a:rPr>
-                        <a:t> </a:t>
-                      </a:r>
-                    </a:p>
-                  </a:txBody>
-                  <a:tcPr marL="12700" marR="12700" marT="12700" marB="0" anchor="ctr">
-                    <a:lnL>
-                      <a:noFill/>
-                    </a:lnL>
-                    <a:lnR>
-                      <a:noFill/>
-                    </a:lnR>
-                    <a:lnT>
-                      <a:noFill/>
-                    </a:lnT>
-                    <a:lnB w="6350" cap="flat" cmpd="sng" algn="ctr">
-                      <a:solidFill>
-                        <a:srgbClr val="000000"/>
-                      </a:solidFill>
-                      <a:prstDash val="solid"/>
-                      <a:round/>
-                      <a:headEnd type="none" w="med" len="med"/>
-                      <a:tailEnd type="none" w="med" len="med"/>
-                    </a:lnB>
-                    <a:solidFill>
-                      <a:srgbClr val="F2F2F2"/>
-                    </a:solidFill>
-                  </a:tcPr>
-                </a:tc>
-                <a:tc>
-                  <a:txBody>
-                    <a:bodyPr/>
-                    <a:lstStyle/>
-                    <a:p>
-                      <a:pPr algn="ctr" fontAlgn="ctr"/>
-                      <a:r>
-                        <a:rPr lang="en-US" sz="1200" b="1" i="0" u="none" strike="noStrike" dirty="0">
-                          <a:solidFill>
-                            <a:srgbClr val="000000"/>
-                          </a:solidFill>
-                          <a:effectLst/>
-                          <a:latin typeface="Calibri"/>
-                        </a:rPr>
-                        <a:t>*</a:t>
-                      </a:r>
-                    </a:p>
-                  </a:txBody>
-                  <a:tcPr marL="12700" marR="12700" marT="12700" marB="0" anchor="ctr">
-                    <a:lnL>
-                      <a:noFill/>
-                    </a:lnL>
-                    <a:lnR w="6350" cap="flat" cmpd="sng" algn="ctr">
-                      <a:solidFill>
-                        <a:srgbClr val="000000"/>
-                      </a:solidFill>
-                      <a:prstDash val="solid"/>
-                      <a:round/>
-                      <a:headEnd type="none" w="med" len="med"/>
-                      <a:tailEnd type="none" w="med" len="med"/>
-                    </a:lnR>
-                    <a:lnT>
-                      <a:noFill/>
-                    </a:lnT>
-                    <a:lnB w="6350" cap="flat" cmpd="sng" algn="ctr">
-                      <a:solidFill>
-                        <a:srgbClr val="000000"/>
-                      </a:solidFill>
-                      <a:prstDash val="solid"/>
-                      <a:round/>
-                      <a:headEnd type="none" w="med" len="med"/>
-                      <a:tailEnd type="none" w="med" len="med"/>
-                    </a:lnB>
-                    <a:solidFill>
-                      <a:srgbClr val="F2F2F2"/>
-                    </a:solidFill>
-                  </a:tcPr>
-                </a:tc>
-              </a:tr>
-            </a:tbl>
-          </a:graphicData>
-        </a:graphic>
-      </p:graphicFrame>
       <p:graphicFrame>
         <p:nvGraphicFramePr>
           <p:cNvPr id="12" name="Table 11"/>
@@ -34831,7 +32970,7 @@
       </p:grpSpPr>
       <p:pic>
         <p:nvPicPr>
-          <p:cNvPr id="6" name="Picture 5" descr="Screen Shot 2016-08-19 at 16.45.42.png"/>
+          <p:cNvPr id="13" name="Picture 12" descr="Screen Shot 2016-08-19 at 21.17.33.png"/>
           <p:cNvPicPr>
             <a:picLocks noChangeAspect="1"/>
           </p:cNvPicPr>
@@ -34851,8 +32990,8 @@
         </p:blipFill>
         <p:spPr>
           <a:xfrm>
-            <a:off x="0" y="-11545"/>
-            <a:ext cx="9144000" cy="6108000"/>
+            <a:off x="0" y="0"/>
+            <a:ext cx="9144000" cy="6088010"/>
           </a:xfrm>
           <a:prstGeom prst="rect">
             <a:avLst/>
@@ -34942,7 +33081,7 @@
           <a:lstStyle/>
           <a:p>
             <a:r>
-              <a:rPr lang="en-US" b="1" smtClean="0"/>
+              <a:rPr lang="en-US" b="1" dirty="0" smtClean="0"/>
               <a:t>Part C</a:t>
             </a:r>
             <a:endParaRPr lang="en-US" b="1" dirty="0"/>
@@ -37119,7 +35258,7 @@
         </p:nvSpPr>
         <p:spPr>
           <a:xfrm>
-            <a:off x="5958209" y="3433996"/>
+            <a:off x="5970796" y="2912362"/>
             <a:ext cx="1239519" cy="254000"/>
           </a:xfrm>
           <a:prstGeom prst="roundRect">
@@ -37163,7 +35302,7 @@
         </p:nvSpPr>
         <p:spPr>
           <a:xfrm>
-            <a:off x="5958209" y="2922544"/>
+            <a:off x="5958208" y="3450665"/>
             <a:ext cx="1239518" cy="238183"/>
           </a:xfrm>
           <a:prstGeom prst="roundRect">
@@ -37349,9 +35488,9 @@
           <p:nvPr/>
         </p:nvCxnSpPr>
         <p:spPr>
-          <a:xfrm flipV="1">
-            <a:off x="4434209" y="3041636"/>
-            <a:ext cx="1524000" cy="301685"/>
+          <a:xfrm>
+            <a:off x="4434209" y="3343321"/>
+            <a:ext cx="1523999" cy="226436"/>
           </a:xfrm>
           <a:prstGeom prst="line">
             <a:avLst/>
@@ -37382,9 +35521,9 @@
           <p:nvPr/>
         </p:nvCxnSpPr>
         <p:spPr>
-          <a:xfrm>
-            <a:off x="4434209" y="3343321"/>
-            <a:ext cx="1524000" cy="217675"/>
+          <a:xfrm flipV="1">
+            <a:off x="4434209" y="3039362"/>
+            <a:ext cx="1536587" cy="303959"/>
           </a:xfrm>
           <a:prstGeom prst="line">
             <a:avLst/>
@@ -37516,7 +35655,7 @@
         <p:spPr>
           <a:xfrm>
             <a:off x="4434209" y="2512235"/>
-            <a:ext cx="1524000" cy="529401"/>
+            <a:ext cx="1523999" cy="1057522"/>
           </a:xfrm>
           <a:prstGeom prst="line">
             <a:avLst/>

--- a/model.pptx
+++ b/model.pptx
@@ -5,7 +5,7 @@
     <p:sldMasterId id="2147483648" r:id="rId1"/>
   </p:sldMasterIdLst>
   <p:notesMasterIdLst>
-    <p:notesMasterId r:id="rId26"/>
+    <p:notesMasterId r:id="rId28"/>
   </p:notesMasterIdLst>
   <p:sldIdLst>
     <p:sldId id="262" r:id="rId2"/>
@@ -32,6 +32,8 @@
     <p:sldId id="279" r:id="rId23"/>
     <p:sldId id="281" r:id="rId24"/>
     <p:sldId id="284" r:id="rId25"/>
+    <p:sldId id="287" r:id="rId26"/>
+    <p:sldId id="286" r:id="rId27"/>
   </p:sldIdLst>
   <p:sldSz cx="9144000" cy="6858000" type="screen4x3"/>
   <p:notesSz cx="6858000" cy="9144000"/>
@@ -4288,7 +4290,7 @@
           <a:graphicData uri="http://schemas.openxmlformats.org/presentationml/2006/ole">
             <mc:AlternateContent xmlns:mc="http://schemas.openxmlformats.org/markup-compatibility/2006">
               <mc:Choice xmlns:v="urn:schemas-microsoft-com:vml" Requires="v">
-                <p:oleObj spid="_x0000_s1158" name="Equation" r:id="rId3" imgW="3771900" imgH="203200" progId="Equation.3">
+                <p:oleObj spid="_x0000_s1161" name="Equation" r:id="rId3" imgW="3771900" imgH="203200" progId="Equation.3">
                   <p:embed/>
                 </p:oleObj>
               </mc:Choice>
@@ -32970,7 +32972,7 @@
       </p:grpSpPr>
       <p:pic>
         <p:nvPicPr>
-          <p:cNvPr id="13" name="Picture 12" descr="Screen Shot 2016-08-19 at 21.17.33.png"/>
+          <p:cNvPr id="14" name="Picture 13" descr="Screen Shot 2016-08-20 at 02.01.38.png"/>
           <p:cNvPicPr>
             <a:picLocks noChangeAspect="1"/>
           </p:cNvPicPr>
@@ -32991,7 +32993,7 @@
         <p:spPr>
           <a:xfrm>
             <a:off x="0" y="0"/>
-            <a:ext cx="9144000" cy="6088010"/>
+            <a:ext cx="9144000" cy="6132000"/>
           </a:xfrm>
           <a:prstGeom prst="rect">
             <a:avLst/>
@@ -33006,7 +33008,7 @@
         </p:nvSpPr>
         <p:spPr>
           <a:xfrm>
-            <a:off x="8264023" y="1385455"/>
+            <a:off x="8252478" y="1339275"/>
             <a:ext cx="775610" cy="369332"/>
           </a:xfrm>
           <a:prstGeom prst="rect">
@@ -33036,7 +33038,7 @@
         </p:nvSpPr>
         <p:spPr>
           <a:xfrm>
-            <a:off x="6823150" y="3246583"/>
+            <a:off x="5149063" y="2588552"/>
             <a:ext cx="765128" cy="369332"/>
           </a:xfrm>
           <a:prstGeom prst="rect">
@@ -33066,7 +33068,7 @@
         </p:nvSpPr>
         <p:spPr>
           <a:xfrm>
-            <a:off x="3336423" y="5727123"/>
+            <a:off x="3301788" y="5727123"/>
             <a:ext cx="757915" cy="369332"/>
           </a:xfrm>
           <a:prstGeom prst="rect">
@@ -33092,6 +33094,186 @@
     <p:extLst>
       <p:ext uri="{BB962C8B-B14F-4D97-AF65-F5344CB8AC3E}">
         <p14:creationId xmlns:p14="http://schemas.microsoft.com/office/powerpoint/2010/main" val="4141597108"/>
+      </p:ext>
+    </p:extLst>
+  </p:cSld>
+  <p:clrMapOvr>
+    <a:masterClrMapping/>
+  </p:clrMapOvr>
+</p:sld>
+</file>
+
+<file path=ppt/slides/slide25.xml><?xml version="1.0" encoding="utf-8"?>
+<p:sld xmlns:a="http://schemas.openxmlformats.org/drawingml/2006/main" xmlns:r="http://schemas.openxmlformats.org/officeDocument/2006/relationships" xmlns:p="http://schemas.openxmlformats.org/presentationml/2006/main">
+  <p:cSld>
+    <p:spTree>
+      <p:nvGrpSpPr>
+        <p:cNvPr id="1" name=""/>
+        <p:cNvGrpSpPr/>
+        <p:nvPr/>
+      </p:nvGrpSpPr>
+      <p:grpSpPr>
+        <a:xfrm>
+          <a:off x="0" y="0"/>
+          <a:ext cx="0" cy="0"/>
+          <a:chOff x="0" y="0"/>
+          <a:chExt cx="0" cy="0"/>
+        </a:xfrm>
+      </p:grpSpPr>
+      <p:pic>
+        <p:nvPicPr>
+          <p:cNvPr id="2" name="Picture 1" descr="Screen Shot 2016-08-21 at 02.39.18.png"/>
+          <p:cNvPicPr>
+            <a:picLocks noChangeAspect="1"/>
+          </p:cNvPicPr>
+          <p:nvPr/>
+        </p:nvPicPr>
+        <p:blipFill>
+          <a:blip r:embed="rId2">
+            <a:extLst>
+              <a:ext uri="{28A0092B-C50C-407E-A947-70E740481C1C}">
+                <a14:useLocalDpi xmlns:a14="http://schemas.microsoft.com/office/drawing/2010/main" val="0"/>
+              </a:ext>
+            </a:extLst>
+          </a:blip>
+          <a:stretch>
+            <a:fillRect/>
+          </a:stretch>
+        </p:blipFill>
+        <p:spPr>
+          <a:xfrm>
+            <a:off x="0" y="0"/>
+            <a:ext cx="9144000" cy="6168861"/>
+          </a:xfrm>
+          <a:prstGeom prst="rect">
+            <a:avLst/>
+          </a:prstGeom>
+        </p:spPr>
+      </p:pic>
+      <p:sp>
+        <p:nvSpPr>
+          <p:cNvPr id="7" name="TextBox 6"/>
+          <p:cNvSpPr txBox="1"/>
+          <p:nvPr/>
+        </p:nvSpPr>
+        <p:spPr>
+          <a:xfrm>
+            <a:off x="7802223" y="1397000"/>
+            <a:ext cx="775610" cy="369332"/>
+          </a:xfrm>
+          <a:prstGeom prst="rect">
+            <a:avLst/>
+          </a:prstGeom>
+          <a:noFill/>
+        </p:spPr>
+        <p:txBody>
+          <a:bodyPr wrap="none" rtlCol="0">
+            <a:spAutoFit/>
+          </a:bodyPr>
+          <a:lstStyle/>
+          <a:p>
+            <a:r>
+              <a:rPr lang="en-US" b="1" dirty="0" smtClean="0"/>
+              <a:t>Part A</a:t>
+            </a:r>
+            <a:endParaRPr lang="en-US" b="1" dirty="0"/>
+          </a:p>
+        </p:txBody>
+      </p:sp>
+      <p:sp>
+        <p:nvSpPr>
+          <p:cNvPr id="8" name="TextBox 7"/>
+          <p:cNvSpPr txBox="1"/>
+          <p:nvPr/>
+        </p:nvSpPr>
+        <p:spPr>
+          <a:xfrm>
+            <a:off x="5726313" y="2588552"/>
+            <a:ext cx="765128" cy="369332"/>
+          </a:xfrm>
+          <a:prstGeom prst="rect">
+            <a:avLst/>
+          </a:prstGeom>
+          <a:noFill/>
+        </p:spPr>
+        <p:txBody>
+          <a:bodyPr wrap="none" rtlCol="0">
+            <a:spAutoFit/>
+          </a:bodyPr>
+          <a:lstStyle/>
+          <a:p>
+            <a:r>
+              <a:rPr lang="en-US" b="1" dirty="0" smtClean="0"/>
+              <a:t>Part B</a:t>
+            </a:r>
+            <a:endParaRPr lang="en-US" b="1" dirty="0"/>
+          </a:p>
+        </p:txBody>
+      </p:sp>
+      <p:sp>
+        <p:nvSpPr>
+          <p:cNvPr id="9" name="TextBox 8"/>
+          <p:cNvSpPr txBox="1"/>
+          <p:nvPr/>
+        </p:nvSpPr>
+        <p:spPr>
+          <a:xfrm>
+            <a:off x="3498053" y="5773303"/>
+            <a:ext cx="757915" cy="369332"/>
+          </a:xfrm>
+          <a:prstGeom prst="rect">
+            <a:avLst/>
+          </a:prstGeom>
+          <a:noFill/>
+        </p:spPr>
+        <p:txBody>
+          <a:bodyPr wrap="none" rtlCol="0">
+            <a:spAutoFit/>
+          </a:bodyPr>
+          <a:lstStyle/>
+          <a:p>
+            <a:r>
+              <a:rPr lang="en-US" b="1" dirty="0" smtClean="0"/>
+              <a:t>Part C</a:t>
+            </a:r>
+            <a:endParaRPr lang="en-US" b="1" dirty="0"/>
+          </a:p>
+        </p:txBody>
+      </p:sp>
+    </p:spTree>
+    <p:extLst>
+      <p:ext uri="{BB962C8B-B14F-4D97-AF65-F5344CB8AC3E}">
+        <p14:creationId xmlns:p14="http://schemas.microsoft.com/office/powerpoint/2010/main" val="2017233054"/>
+      </p:ext>
+    </p:extLst>
+  </p:cSld>
+  <p:clrMapOvr>
+    <a:masterClrMapping/>
+  </p:clrMapOvr>
+</p:sld>
+</file>
+
+<file path=ppt/slides/slide26.xml><?xml version="1.0" encoding="utf-8"?>
+<p:sld xmlns:a="http://schemas.openxmlformats.org/drawingml/2006/main" xmlns:r="http://schemas.openxmlformats.org/officeDocument/2006/relationships" xmlns:p="http://schemas.openxmlformats.org/presentationml/2006/main">
+  <p:cSld>
+    <p:spTree>
+      <p:nvGrpSpPr>
+        <p:cNvPr id="1" name=""/>
+        <p:cNvGrpSpPr/>
+        <p:nvPr/>
+      </p:nvGrpSpPr>
+      <p:grpSpPr>
+        <a:xfrm>
+          <a:off x="0" y="0"/>
+          <a:ext cx="0" cy="0"/>
+          <a:chOff x="0" y="0"/>
+          <a:chExt cx="0" cy="0"/>
+        </a:xfrm>
+      </p:grpSpPr>
+    </p:spTree>
+    <p:extLst>
+      <p:ext uri="{BB962C8B-B14F-4D97-AF65-F5344CB8AC3E}">
+        <p14:creationId xmlns:p14="http://schemas.microsoft.com/office/powerpoint/2010/main" val="443695295"/>
       </p:ext>
     </p:extLst>
   </p:cSld>

--- a/model.pptx
+++ b/model.pptx
@@ -4290,7 +4290,7 @@
           <a:graphicData uri="http://schemas.openxmlformats.org/presentationml/2006/ole">
             <mc:AlternateContent xmlns:mc="http://schemas.openxmlformats.org/markup-compatibility/2006">
               <mc:Choice xmlns:v="urn:schemas-microsoft-com:vml" Requires="v">
-                <p:oleObj spid="_x0000_s1161" name="Equation" r:id="rId3" imgW="3771900" imgH="203200" progId="Equation.3">
+                <p:oleObj spid="_x0000_s1163" name="Equation" r:id="rId3" imgW="3771900" imgH="203200" progId="Equation.3">
                   <p:embed/>
                 </p:oleObj>
               </mc:Choice>
@@ -32972,7 +32972,7 @@
       </p:grpSpPr>
       <p:pic>
         <p:nvPicPr>
-          <p:cNvPr id="14" name="Picture 13" descr="Screen Shot 2016-08-20 at 02.01.38.png"/>
+          <p:cNvPr id="16" name="Picture 15" descr="Screen Shot 2016-08-22 at 03.16.15.png"/>
           <p:cNvPicPr>
             <a:picLocks noChangeAspect="1"/>
           </p:cNvPicPr>
@@ -32993,7 +32993,7 @@
         <p:spPr>
           <a:xfrm>
             <a:off x="0" y="0"/>
-            <a:ext cx="9144000" cy="6132000"/>
+            <a:ext cx="9144000" cy="6099995"/>
           </a:xfrm>
           <a:prstGeom prst="rect">
             <a:avLst/>
@@ -33122,7 +33122,7 @@
       </p:grpSpPr>
       <p:pic>
         <p:nvPicPr>
-          <p:cNvPr id="2" name="Picture 1" descr="Screen Shot 2016-08-21 at 02.39.18.png"/>
+          <p:cNvPr id="3" name="Picture 2" descr="Screen Shot 2016-08-22 at 03.19.44.png"/>
           <p:cNvPicPr>
             <a:picLocks noChangeAspect="1"/>
           </p:cNvPicPr>
@@ -33143,7 +33143,7 @@
         <p:spPr>
           <a:xfrm>
             <a:off x="0" y="0"/>
-            <a:ext cx="9144000" cy="6168861"/>
+            <a:ext cx="9144000" cy="6176742"/>
           </a:xfrm>
           <a:prstGeom prst="rect">
             <a:avLst/>

--- a/model.pptx
+++ b/model.pptx
@@ -4290,7 +4290,7 @@
           <a:graphicData uri="http://schemas.openxmlformats.org/presentationml/2006/ole">
             <mc:AlternateContent xmlns:mc="http://schemas.openxmlformats.org/markup-compatibility/2006">
               <mc:Choice xmlns:v="urn:schemas-microsoft-com:vml" Requires="v">
-                <p:oleObj spid="_x0000_s1163" name="Equation" r:id="rId3" imgW="3771900" imgH="203200" progId="Equation.3">
+                <p:oleObj spid="_x0000_s1164" name="Equation" r:id="rId3" imgW="3771900" imgH="203200" progId="Equation.3">
                   <p:embed/>
                 </p:oleObj>
               </mc:Choice>
@@ -33270,6 +33270,63 @@
           <a:chExt cx="0" cy="0"/>
         </a:xfrm>
       </p:grpSpPr>
+      <p:graphicFrame>
+        <p:nvGraphicFramePr>
+          <p:cNvPr id="4" name="Object 3"/>
+          <p:cNvGraphicFramePr>
+            <a:graphicFrameLocks noChangeAspect="1"/>
+          </p:cNvGraphicFramePr>
+          <p:nvPr>
+            <p:extLst>
+              <p:ext uri="{D42A27DB-BD31-4B8C-83A1-F6EECF244321}">
+                <p14:modId xmlns:p14="http://schemas.microsoft.com/office/powerpoint/2010/main" val="3279791057"/>
+              </p:ext>
+            </p:extLst>
+          </p:nvPr>
+        </p:nvGraphicFramePr>
+        <p:xfrm>
+          <a:off x="1670050" y="1181100"/>
+          <a:ext cx="5197278" cy="4025900"/>
+        </p:xfrm>
+        <a:graphic>
+          <a:graphicData uri="http://schemas.openxmlformats.org/presentationml/2006/ole">
+            <mc:AlternateContent xmlns:mc="http://schemas.openxmlformats.org/markup-compatibility/2006">
+              <mc:Choice xmlns:v="urn:schemas-microsoft-com:vml" Requires="v">
+                <p:oleObj spid="_x0000_s2049" name="Document" r:id="rId3" imgW="5803900" imgH="4495800" progId="Word.Document.12">
+                  <p:embed/>
+                </p:oleObj>
+              </mc:Choice>
+              <mc:Fallback>
+                <p:oleObj name="Document" r:id="rId3" imgW="5803900" imgH="4495800" progId="Word.Document.12">
+                  <p:embed/>
+                  <p:pic>
+                    <p:nvPicPr>
+                      <p:cNvPr id="0" name=""/>
+                      <p:cNvPicPr/>
+                      <p:nvPr/>
+                    </p:nvPicPr>
+                    <p:blipFill>
+                      <a:blip r:embed="rId4"/>
+                      <a:stretch>
+                        <a:fillRect/>
+                      </a:stretch>
+                    </p:blipFill>
+                    <p:spPr>
+                      <a:xfrm>
+                        <a:off x="1670050" y="1181100"/>
+                        <a:ext cx="5197278" cy="4025900"/>
+                      </a:xfrm>
+                      <a:prstGeom prst="rect">
+                        <a:avLst/>
+                      </a:prstGeom>
+                    </p:spPr>
+                  </p:pic>
+                </p:oleObj>
+              </mc:Fallback>
+            </mc:AlternateContent>
+          </a:graphicData>
+        </a:graphic>
+      </p:graphicFrame>
     </p:spTree>
     <p:extLst>
       <p:ext uri="{BB962C8B-B14F-4D97-AF65-F5344CB8AC3E}">

--- a/model.pptx
+++ b/model.pptx
@@ -5,7 +5,7 @@
     <p:sldMasterId id="2147483648" r:id="rId1"/>
   </p:sldMasterIdLst>
   <p:notesMasterIdLst>
-    <p:notesMasterId r:id="rId28"/>
+    <p:notesMasterId r:id="rId34"/>
   </p:notesMasterIdLst>
   <p:sldIdLst>
     <p:sldId id="262" r:id="rId2"/>
@@ -31,9 +31,15 @@
     <p:sldId id="277" r:id="rId22"/>
     <p:sldId id="279" r:id="rId23"/>
     <p:sldId id="281" r:id="rId24"/>
-    <p:sldId id="284" r:id="rId25"/>
-    <p:sldId id="287" r:id="rId26"/>
-    <p:sldId id="286" r:id="rId27"/>
+    <p:sldId id="288" r:id="rId25"/>
+    <p:sldId id="289" r:id="rId26"/>
+    <p:sldId id="290" r:id="rId27"/>
+    <p:sldId id="291" r:id="rId28"/>
+    <p:sldId id="292" r:id="rId29"/>
+    <p:sldId id="293" r:id="rId30"/>
+    <p:sldId id="284" r:id="rId31"/>
+    <p:sldId id="287" r:id="rId32"/>
+    <p:sldId id="286" r:id="rId33"/>
   </p:sldIdLst>
   <p:sldSz cx="9144000" cy="6858000" type="screen4x3"/>
   <p:notesSz cx="6858000" cy="9144000"/>
@@ -217,7 +223,7 @@
           <a:p>
             <a:fld id="{38F47E4F-D071-144D-90E1-7DE722D5B9D7}" type="datetimeFigureOut">
               <a:rPr lang="en-US" smtClean="0"/>
-              <a:t>19/08/16</a:t>
+              <a:t>27/08/16</a:t>
             </a:fld>
             <a:endParaRPr lang="en-US"/>
           </a:p>
@@ -569,6 +575,90 @@
 </p:notes>
 </file>
 
+<file path=ppt/notesSlides/notesSlide2.xml><?xml version="1.0" encoding="utf-8"?>
+<p:notes xmlns:a="http://schemas.openxmlformats.org/drawingml/2006/main" xmlns:r="http://schemas.openxmlformats.org/officeDocument/2006/relationships" xmlns:p="http://schemas.openxmlformats.org/presentationml/2006/main">
+  <p:cSld>
+    <p:spTree>
+      <p:nvGrpSpPr>
+        <p:cNvPr id="1" name=""/>
+        <p:cNvGrpSpPr/>
+        <p:nvPr/>
+      </p:nvGrpSpPr>
+      <p:grpSpPr>
+        <a:xfrm>
+          <a:off x="0" y="0"/>
+          <a:ext cx="0" cy="0"/>
+          <a:chOff x="0" y="0"/>
+          <a:chExt cx="0" cy="0"/>
+        </a:xfrm>
+      </p:grpSpPr>
+      <p:sp>
+        <p:nvSpPr>
+          <p:cNvPr id="2" name="Slide Image Placeholder 1"/>
+          <p:cNvSpPr>
+            <a:spLocks noGrp="1" noRot="1" noChangeAspect="1"/>
+          </p:cNvSpPr>
+          <p:nvPr>
+            <p:ph type="sldImg"/>
+          </p:nvPr>
+        </p:nvSpPr>
+        <p:spPr/>
+      </p:sp>
+      <p:sp>
+        <p:nvSpPr>
+          <p:cNvPr id="3" name="Notes Placeholder 2"/>
+          <p:cNvSpPr>
+            <a:spLocks noGrp="1"/>
+          </p:cNvSpPr>
+          <p:nvPr>
+            <p:ph type="body" idx="1"/>
+          </p:nvPr>
+        </p:nvSpPr>
+        <p:spPr/>
+        <p:txBody>
+          <a:bodyPr/>
+          <a:lstStyle/>
+          <a:p>
+            <a:endParaRPr lang="en-US" dirty="0"/>
+          </a:p>
+        </p:txBody>
+      </p:sp>
+      <p:sp>
+        <p:nvSpPr>
+          <p:cNvPr id="4" name="Slide Number Placeholder 3"/>
+          <p:cNvSpPr>
+            <a:spLocks noGrp="1"/>
+          </p:cNvSpPr>
+          <p:nvPr>
+            <p:ph type="sldNum" sz="quarter" idx="10"/>
+          </p:nvPr>
+        </p:nvSpPr>
+        <p:spPr/>
+        <p:txBody>
+          <a:bodyPr/>
+          <a:lstStyle/>
+          <a:p>
+            <a:fld id="{94A11B02-4A6E-3F4E-9C80-F33BAD617D29}" type="slidenum">
+              <a:rPr lang="en-US" smtClean="0"/>
+              <a:t>29</a:t>
+            </a:fld>
+            <a:endParaRPr lang="en-US"/>
+          </a:p>
+        </p:txBody>
+      </p:sp>
+    </p:spTree>
+    <p:extLst>
+      <p:ext uri="{BB962C8B-B14F-4D97-AF65-F5344CB8AC3E}">
+        <p14:creationId xmlns:p14="http://schemas.microsoft.com/office/powerpoint/2010/main" val="1117023357"/>
+      </p:ext>
+    </p:extLst>
+  </p:cSld>
+  <p:clrMapOvr>
+    <a:masterClrMapping/>
+  </p:clrMapOvr>
+</p:notes>
+</file>
+
 <file path=ppt/slideLayouts/slideLayout1.xml><?xml version="1.0" encoding="utf-8"?>
 <p:sldLayout xmlns:a="http://schemas.openxmlformats.org/drawingml/2006/main" xmlns:r="http://schemas.openxmlformats.org/officeDocument/2006/relationships" xmlns:p="http://schemas.openxmlformats.org/presentationml/2006/main" type="title" preserve="1">
   <p:cSld name="Title Slide">
@@ -750,7 +840,7 @@
           <a:p>
             <a:fld id="{FF687007-1232-7342-B707-C90C2F451591}" type="datetimeFigureOut">
               <a:rPr lang="en-US" smtClean="0"/>
-              <a:t>18/08/16</a:t>
+              <a:t>27/08/16</a:t>
             </a:fld>
             <a:endParaRPr lang="en-US"/>
           </a:p>
@@ -920,7 +1010,7 @@
           <a:p>
             <a:fld id="{FF687007-1232-7342-B707-C90C2F451591}" type="datetimeFigureOut">
               <a:rPr lang="en-US" smtClean="0"/>
-              <a:t>18/08/16</a:t>
+              <a:t>27/08/16</a:t>
             </a:fld>
             <a:endParaRPr lang="en-US"/>
           </a:p>
@@ -1100,7 +1190,7 @@
           <a:p>
             <a:fld id="{FF687007-1232-7342-B707-C90C2F451591}" type="datetimeFigureOut">
               <a:rPr lang="en-US" smtClean="0"/>
-              <a:t>18/08/16</a:t>
+              <a:t>27/08/16</a:t>
             </a:fld>
             <a:endParaRPr lang="en-US"/>
           </a:p>
@@ -1270,7 +1360,7 @@
           <a:p>
             <a:fld id="{FF687007-1232-7342-B707-C90C2F451591}" type="datetimeFigureOut">
               <a:rPr lang="en-US" smtClean="0"/>
-              <a:t>18/08/16</a:t>
+              <a:t>27/08/16</a:t>
             </a:fld>
             <a:endParaRPr lang="en-US"/>
           </a:p>
@@ -1516,7 +1606,7 @@
           <a:p>
             <a:fld id="{FF687007-1232-7342-B707-C90C2F451591}" type="datetimeFigureOut">
               <a:rPr lang="en-US" smtClean="0"/>
-              <a:t>18/08/16</a:t>
+              <a:t>27/08/16</a:t>
             </a:fld>
             <a:endParaRPr lang="en-US"/>
           </a:p>
@@ -1804,7 +1894,7 @@
           <a:p>
             <a:fld id="{FF687007-1232-7342-B707-C90C2F451591}" type="datetimeFigureOut">
               <a:rPr lang="en-US" smtClean="0"/>
-              <a:t>18/08/16</a:t>
+              <a:t>27/08/16</a:t>
             </a:fld>
             <a:endParaRPr lang="en-US"/>
           </a:p>
@@ -2226,7 +2316,7 @@
           <a:p>
             <a:fld id="{FF687007-1232-7342-B707-C90C2F451591}" type="datetimeFigureOut">
               <a:rPr lang="en-US" smtClean="0"/>
-              <a:t>18/08/16</a:t>
+              <a:t>27/08/16</a:t>
             </a:fld>
             <a:endParaRPr lang="en-US"/>
           </a:p>
@@ -2344,7 +2434,7 @@
           <a:p>
             <a:fld id="{FF687007-1232-7342-B707-C90C2F451591}" type="datetimeFigureOut">
               <a:rPr lang="en-US" smtClean="0"/>
-              <a:t>18/08/16</a:t>
+              <a:t>27/08/16</a:t>
             </a:fld>
             <a:endParaRPr lang="en-US"/>
           </a:p>
@@ -2439,7 +2529,7 @@
           <a:p>
             <a:fld id="{FF687007-1232-7342-B707-C90C2F451591}" type="datetimeFigureOut">
               <a:rPr lang="en-US" smtClean="0"/>
-              <a:t>18/08/16</a:t>
+              <a:t>27/08/16</a:t>
             </a:fld>
             <a:endParaRPr lang="en-US"/>
           </a:p>
@@ -2716,7 +2806,7 @@
           <a:p>
             <a:fld id="{FF687007-1232-7342-B707-C90C2F451591}" type="datetimeFigureOut">
               <a:rPr lang="en-US" smtClean="0"/>
-              <a:t>18/08/16</a:t>
+              <a:t>27/08/16</a:t>
             </a:fld>
             <a:endParaRPr lang="en-US"/>
           </a:p>
@@ -2969,7 +3059,7 @@
           <a:p>
             <a:fld id="{FF687007-1232-7342-B707-C90C2F451591}" type="datetimeFigureOut">
               <a:rPr lang="en-US" smtClean="0"/>
-              <a:t>18/08/16</a:t>
+              <a:t>27/08/16</a:t>
             </a:fld>
             <a:endParaRPr lang="en-US"/>
           </a:p>
@@ -3182,7 +3272,7 @@
           <a:p>
             <a:fld id="{FF687007-1232-7342-B707-C90C2F451591}" type="datetimeFigureOut">
               <a:rPr lang="en-US" smtClean="0"/>
-              <a:t>18/08/16</a:t>
+              <a:t>27/08/16</a:t>
             </a:fld>
             <a:endParaRPr lang="en-US"/>
           </a:p>
@@ -4290,7 +4380,7 @@
           <a:graphicData uri="http://schemas.openxmlformats.org/presentationml/2006/ole">
             <mc:AlternateContent xmlns:mc="http://schemas.openxmlformats.org/markup-compatibility/2006">
               <mc:Choice xmlns:v="urn:schemas-microsoft-com:vml" Requires="v">
-                <p:oleObj spid="_x0000_s1164" name="Equation" r:id="rId3" imgW="3771900" imgH="203200" progId="Equation.3">
+                <p:oleObj spid="_x0000_s1198" name="Equation" r:id="rId3" imgW="3771900" imgH="203200" progId="Equation.3">
                   <p:embed/>
                 </p:oleObj>
               </mc:Choice>
@@ -32514,10 +32604,16 @@
           <p:cNvGraphicFramePr>
             <a:graphicFrameLocks noGrp="1"/>
           </p:cNvGraphicFramePr>
-          <p:nvPr/>
+          <p:nvPr>
+            <p:extLst>
+              <p:ext uri="{D42A27DB-BD31-4B8C-83A1-F6EECF244321}">
+                <p14:modId xmlns:p14="http://schemas.microsoft.com/office/powerpoint/2010/main" val="250840259"/>
+              </p:ext>
+            </p:extLst>
+          </p:nvPr>
         </p:nvGraphicFramePr>
         <p:xfrm>
-          <a:off x="2139950" y="2491581"/>
+          <a:off x="1331769" y="1475581"/>
           <a:ext cx="4864100" cy="2743200"/>
         </p:xfrm>
         <a:graphic>
@@ -32740,7 +32836,7 @@
                     <a:p>
                       <a:pPr algn="l" fontAlgn="ctr"/>
                       <a:r>
-                        <a:rPr lang="en-US" sz="1200" b="0" i="0" u="none" strike="noStrike">
+                        <a:rPr lang="en-US" sz="1200" b="0" i="0" u="none" strike="noStrike" dirty="0">
                           <a:solidFill>
                             <a:srgbClr val="000000"/>
                           </a:solidFill>
@@ -32876,7 +32972,7 @@
                     <a:p>
                       <a:pPr algn="l" fontAlgn="ctr"/>
                       <a:r>
-                        <a:rPr lang="en-US" sz="1200" b="0" i="0" u="none" strike="noStrike">
+                        <a:rPr lang="en-US" sz="1200" b="0" i="0" u="none" strike="noStrike" dirty="0">
                           <a:solidFill>
                             <a:srgbClr val="000000"/>
                           </a:solidFill>
@@ -32970,130 +33066,362 @@
           <a:chExt cx="0" cy="0"/>
         </a:xfrm>
       </p:grpSpPr>
-      <p:pic>
-        <p:nvPicPr>
-          <p:cNvPr id="16" name="Picture 15" descr="Screen Shot 2016-08-22 at 03.16.15.png"/>
-          <p:cNvPicPr>
-            <a:picLocks noChangeAspect="1"/>
-          </p:cNvPicPr>
-          <p:nvPr/>
-        </p:nvPicPr>
-        <p:blipFill>
-          <a:blip r:embed="rId2">
-            <a:extLst>
-              <a:ext uri="{28A0092B-C50C-407E-A947-70E740481C1C}">
-                <a14:useLocalDpi xmlns:a14="http://schemas.microsoft.com/office/drawing/2010/main" val="0"/>
-              </a:ext>
-            </a:extLst>
-          </a:blip>
-          <a:stretch>
-            <a:fillRect/>
-          </a:stretch>
-        </p:blipFill>
-        <p:spPr>
-          <a:xfrm>
-            <a:off x="0" y="0"/>
-            <a:ext cx="9144000" cy="6099995"/>
-          </a:xfrm>
-          <a:prstGeom prst="rect">
-            <a:avLst/>
-          </a:prstGeom>
-        </p:spPr>
-      </p:pic>
-      <p:sp>
-        <p:nvSpPr>
-          <p:cNvPr id="7" name="TextBox 6"/>
-          <p:cNvSpPr txBox="1"/>
-          <p:nvPr/>
-        </p:nvSpPr>
-        <p:spPr>
-          <a:xfrm>
-            <a:off x="8252478" y="1339275"/>
-            <a:ext cx="775610" cy="369332"/>
-          </a:xfrm>
-          <a:prstGeom prst="rect">
-            <a:avLst/>
-          </a:prstGeom>
-          <a:noFill/>
-        </p:spPr>
-        <p:txBody>
-          <a:bodyPr wrap="none" rtlCol="0">
-            <a:spAutoFit/>
-          </a:bodyPr>
-          <a:lstStyle/>
-          <a:p>
-            <a:r>
-              <a:rPr lang="en-US" b="1" dirty="0" smtClean="0"/>
-              <a:t>Part A</a:t>
-            </a:r>
-            <a:endParaRPr lang="en-US" b="1" dirty="0"/>
-          </a:p>
-        </p:txBody>
-      </p:sp>
-      <p:sp>
-        <p:nvSpPr>
-          <p:cNvPr id="8" name="TextBox 7"/>
-          <p:cNvSpPr txBox="1"/>
-          <p:nvPr/>
-        </p:nvSpPr>
-        <p:spPr>
-          <a:xfrm>
-            <a:off x="5149063" y="2588552"/>
-            <a:ext cx="765128" cy="369332"/>
-          </a:xfrm>
-          <a:prstGeom prst="rect">
-            <a:avLst/>
-          </a:prstGeom>
-          <a:noFill/>
-        </p:spPr>
-        <p:txBody>
-          <a:bodyPr wrap="none" rtlCol="0">
-            <a:spAutoFit/>
-          </a:bodyPr>
-          <a:lstStyle/>
-          <a:p>
-            <a:r>
-              <a:rPr lang="en-US" b="1" dirty="0" smtClean="0"/>
-              <a:t>Part B</a:t>
-            </a:r>
-            <a:endParaRPr lang="en-US" b="1" dirty="0"/>
-          </a:p>
-        </p:txBody>
-      </p:sp>
-      <p:sp>
-        <p:nvSpPr>
-          <p:cNvPr id="9" name="TextBox 8"/>
-          <p:cNvSpPr txBox="1"/>
-          <p:nvPr/>
-        </p:nvSpPr>
-        <p:spPr>
-          <a:xfrm>
-            <a:off x="3301788" y="5727123"/>
-            <a:ext cx="757915" cy="369332"/>
-          </a:xfrm>
-          <a:prstGeom prst="rect">
-            <a:avLst/>
-          </a:prstGeom>
-          <a:noFill/>
-        </p:spPr>
-        <p:txBody>
-          <a:bodyPr wrap="none" rtlCol="0">
-            <a:spAutoFit/>
-          </a:bodyPr>
-          <a:lstStyle/>
-          <a:p>
-            <a:r>
-              <a:rPr lang="en-US" b="1" dirty="0" smtClean="0"/>
-              <a:t>Part C</a:t>
-            </a:r>
-            <a:endParaRPr lang="en-US" b="1" dirty="0"/>
-          </a:p>
-        </p:txBody>
-      </p:sp>
+      <p:grpSp>
+        <p:nvGrpSpPr>
+          <p:cNvPr id="46" name="Group 45"/>
+          <p:cNvGrpSpPr/>
+          <p:nvPr/>
+        </p:nvGrpSpPr>
+        <p:grpSpPr>
+          <a:xfrm>
+            <a:off x="1801091" y="2008899"/>
+            <a:ext cx="3024910" cy="2277938"/>
+            <a:chOff x="1801091" y="2008899"/>
+            <a:chExt cx="3024910" cy="2277938"/>
+          </a:xfrm>
+        </p:grpSpPr>
+        <p:sp>
+          <p:nvSpPr>
+            <p:cNvPr id="4" name="Rectangle 3"/>
+            <p:cNvSpPr/>
+            <p:nvPr/>
+          </p:nvSpPr>
+          <p:spPr>
+            <a:xfrm>
+              <a:off x="1801092" y="2008900"/>
+              <a:ext cx="1189181" cy="501054"/>
+            </a:xfrm>
+            <a:prstGeom prst="rect">
+              <a:avLst/>
+            </a:prstGeom>
+            <a:noFill/>
+            <a:ln>
+              <a:solidFill>
+                <a:schemeClr val="tx1"/>
+              </a:solidFill>
+            </a:ln>
+            <a:effectLst/>
+          </p:spPr>
+          <p:style>
+            <a:lnRef idx="1">
+              <a:schemeClr val="accent1"/>
+            </a:lnRef>
+            <a:fillRef idx="3">
+              <a:schemeClr val="accent1"/>
+            </a:fillRef>
+            <a:effectRef idx="2">
+              <a:schemeClr val="accent1"/>
+            </a:effectRef>
+            <a:fontRef idx="minor">
+              <a:schemeClr val="lt1"/>
+            </a:fontRef>
+          </p:style>
+          <p:txBody>
+            <a:bodyPr rtlCol="0" anchor="ctr"/>
+            <a:lstStyle/>
+            <a:p>
+              <a:pPr algn="ctr"/>
+              <a:r>
+                <a:rPr lang="en-US" sz="1200" dirty="0" smtClean="0">
+                  <a:solidFill>
+                    <a:schemeClr val="tx1"/>
+                  </a:solidFill>
+                </a:rPr>
+                <a:t>Prior expectations</a:t>
+              </a:r>
+              <a:endParaRPr lang="en-US" sz="1200" dirty="0">
+                <a:solidFill>
+                  <a:schemeClr val="tx1"/>
+                </a:solidFill>
+              </a:endParaRPr>
+            </a:p>
+          </p:txBody>
+        </p:sp>
+        <p:sp>
+          <p:nvSpPr>
+            <p:cNvPr id="7" name="Rectangle 6"/>
+            <p:cNvSpPr/>
+            <p:nvPr/>
+          </p:nvSpPr>
+          <p:spPr>
+            <a:xfrm>
+              <a:off x="3090725" y="2008899"/>
+              <a:ext cx="1735276" cy="501055"/>
+            </a:xfrm>
+            <a:prstGeom prst="rect">
+              <a:avLst/>
+            </a:prstGeom>
+            <a:noFill/>
+            <a:ln>
+              <a:solidFill>
+                <a:schemeClr val="tx1"/>
+              </a:solidFill>
+            </a:ln>
+            <a:effectLst/>
+          </p:spPr>
+          <p:style>
+            <a:lnRef idx="1">
+              <a:schemeClr val="accent1"/>
+            </a:lnRef>
+            <a:fillRef idx="3">
+              <a:schemeClr val="accent1"/>
+            </a:fillRef>
+            <a:effectRef idx="2">
+              <a:schemeClr val="accent1"/>
+            </a:effectRef>
+            <a:fontRef idx="minor">
+              <a:schemeClr val="lt1"/>
+            </a:fontRef>
+          </p:style>
+          <p:txBody>
+            <a:bodyPr rtlCol="0" anchor="ctr"/>
+            <a:lstStyle/>
+            <a:p>
+              <a:pPr algn="ctr"/>
+              <a:r>
+                <a:rPr lang="en-US" sz="1200" dirty="0" smtClean="0">
+                  <a:solidFill>
+                    <a:schemeClr val="tx1"/>
+                  </a:solidFill>
+                </a:rPr>
+                <a:t>Experiences (=perceived performance)</a:t>
+              </a:r>
+              <a:endParaRPr lang="en-US" sz="1200" dirty="0">
+                <a:solidFill>
+                  <a:schemeClr val="tx1"/>
+                </a:solidFill>
+              </a:endParaRPr>
+            </a:p>
+          </p:txBody>
+        </p:sp>
+        <p:sp>
+          <p:nvSpPr>
+            <p:cNvPr id="8" name="Rectangle 7"/>
+            <p:cNvSpPr/>
+            <p:nvPr/>
+          </p:nvSpPr>
+          <p:spPr>
+            <a:xfrm>
+              <a:off x="1801091" y="2752434"/>
+              <a:ext cx="3024909" cy="572657"/>
+            </a:xfrm>
+            <a:prstGeom prst="rect">
+              <a:avLst/>
+            </a:prstGeom>
+            <a:noFill/>
+            <a:ln>
+              <a:solidFill>
+                <a:schemeClr val="tx1"/>
+              </a:solidFill>
+            </a:ln>
+            <a:effectLst/>
+          </p:spPr>
+          <p:style>
+            <a:lnRef idx="1">
+              <a:schemeClr val="accent1"/>
+            </a:lnRef>
+            <a:fillRef idx="3">
+              <a:schemeClr val="accent1"/>
+            </a:fillRef>
+            <a:effectRef idx="2">
+              <a:schemeClr val="accent1"/>
+            </a:effectRef>
+            <a:fontRef idx="minor">
+              <a:schemeClr val="lt1"/>
+            </a:fontRef>
+          </p:style>
+          <p:txBody>
+            <a:bodyPr rtlCol="0" anchor="ctr"/>
+            <a:lstStyle/>
+            <a:p>
+              <a:pPr algn="ctr"/>
+              <a:r>
+                <a:rPr lang="en-US" sz="1200" dirty="0" smtClean="0">
+                  <a:solidFill>
+                    <a:schemeClr val="tx1"/>
+                  </a:solidFill>
+                </a:rPr>
+                <a:t>Match between expectations and experiences (=disconfirmation)</a:t>
+              </a:r>
+              <a:endParaRPr lang="en-US" sz="1200" dirty="0">
+                <a:solidFill>
+                  <a:schemeClr val="tx1"/>
+                </a:solidFill>
+              </a:endParaRPr>
+            </a:p>
+          </p:txBody>
+        </p:sp>
+        <p:sp>
+          <p:nvSpPr>
+            <p:cNvPr id="9" name="Rectangle 8"/>
+            <p:cNvSpPr/>
+            <p:nvPr/>
+          </p:nvSpPr>
+          <p:spPr>
+            <a:xfrm>
+              <a:off x="2844800" y="3587185"/>
+              <a:ext cx="930563" cy="699652"/>
+            </a:xfrm>
+            <a:prstGeom prst="rect">
+              <a:avLst/>
+            </a:prstGeom>
+            <a:noFill/>
+            <a:ln>
+              <a:solidFill>
+                <a:schemeClr val="tx1"/>
+              </a:solidFill>
+            </a:ln>
+            <a:effectLst/>
+          </p:spPr>
+          <p:style>
+            <a:lnRef idx="1">
+              <a:schemeClr val="accent1"/>
+            </a:lnRef>
+            <a:fillRef idx="3">
+              <a:schemeClr val="accent1"/>
+            </a:fillRef>
+            <a:effectRef idx="2">
+              <a:schemeClr val="accent1"/>
+            </a:effectRef>
+            <a:fontRef idx="minor">
+              <a:schemeClr val="lt1"/>
+            </a:fontRef>
+          </p:style>
+          <p:txBody>
+            <a:bodyPr rtlCol="0" anchor="ctr"/>
+            <a:lstStyle/>
+            <a:p>
+              <a:pPr algn="ctr"/>
+              <a:r>
+                <a:rPr lang="en-US" sz="1200" dirty="0" smtClean="0">
+                  <a:solidFill>
+                    <a:schemeClr val="tx1"/>
+                  </a:solidFill>
+                </a:rPr>
+                <a:t>Service Quality</a:t>
+              </a:r>
+              <a:endParaRPr lang="en-US" sz="1200" dirty="0">
+                <a:solidFill>
+                  <a:schemeClr val="tx1"/>
+                </a:solidFill>
+              </a:endParaRPr>
+            </a:p>
+          </p:txBody>
+        </p:sp>
+        <p:cxnSp>
+          <p:nvCxnSpPr>
+            <p:cNvPr id="11" name="Straight Arrow Connector 10"/>
+            <p:cNvCxnSpPr>
+              <a:stCxn id="8" idx="2"/>
+              <a:endCxn id="9" idx="0"/>
+            </p:cNvCxnSpPr>
+            <p:nvPr/>
+          </p:nvCxnSpPr>
+          <p:spPr>
+            <a:xfrm flipH="1">
+              <a:off x="3310082" y="3325091"/>
+              <a:ext cx="3464" cy="262094"/>
+            </a:xfrm>
+            <a:prstGeom prst="straightConnector1">
+              <a:avLst/>
+            </a:prstGeom>
+            <a:ln>
+              <a:tailEnd type="arrow"/>
+            </a:ln>
+            <a:effectLst/>
+          </p:spPr>
+          <p:style>
+            <a:lnRef idx="2">
+              <a:schemeClr val="accent1"/>
+            </a:lnRef>
+            <a:fillRef idx="0">
+              <a:schemeClr val="accent1"/>
+            </a:fillRef>
+            <a:effectRef idx="1">
+              <a:schemeClr val="accent1"/>
+            </a:effectRef>
+            <a:fontRef idx="minor">
+              <a:schemeClr val="tx1"/>
+            </a:fontRef>
+          </p:style>
+        </p:cxnSp>
+        <p:cxnSp>
+          <p:nvCxnSpPr>
+            <p:cNvPr id="13" name="Straight Arrow Connector 12"/>
+            <p:cNvCxnSpPr>
+              <a:stCxn id="4" idx="2"/>
+            </p:cNvCxnSpPr>
+            <p:nvPr/>
+          </p:nvCxnSpPr>
+          <p:spPr>
+            <a:xfrm>
+              <a:off x="2395683" y="2509954"/>
+              <a:ext cx="0" cy="242480"/>
+            </a:xfrm>
+            <a:prstGeom prst="straightConnector1">
+              <a:avLst/>
+            </a:prstGeom>
+            <a:ln>
+              <a:tailEnd type="arrow"/>
+            </a:ln>
+            <a:effectLst/>
+          </p:spPr>
+          <p:style>
+            <a:lnRef idx="2">
+              <a:schemeClr val="accent1"/>
+            </a:lnRef>
+            <a:fillRef idx="0">
+              <a:schemeClr val="accent1"/>
+            </a:fillRef>
+            <a:effectRef idx="1">
+              <a:schemeClr val="accent1"/>
+            </a:effectRef>
+            <a:fontRef idx="minor">
+              <a:schemeClr val="tx1"/>
+            </a:fontRef>
+          </p:style>
+        </p:cxnSp>
+        <p:cxnSp>
+          <p:nvCxnSpPr>
+            <p:cNvPr id="16" name="Straight Arrow Connector 15"/>
+            <p:cNvCxnSpPr>
+              <a:stCxn id="7" idx="2"/>
+            </p:cNvCxnSpPr>
+            <p:nvPr/>
+          </p:nvCxnSpPr>
+          <p:spPr>
+            <a:xfrm>
+              <a:off x="3958363" y="2509954"/>
+              <a:ext cx="0" cy="242480"/>
+            </a:xfrm>
+            <a:prstGeom prst="straightConnector1">
+              <a:avLst/>
+            </a:prstGeom>
+            <a:ln>
+              <a:tailEnd type="arrow"/>
+            </a:ln>
+            <a:effectLst/>
+          </p:spPr>
+          <p:style>
+            <a:lnRef idx="2">
+              <a:schemeClr val="accent1"/>
+            </a:lnRef>
+            <a:fillRef idx="0">
+              <a:schemeClr val="accent1"/>
+            </a:fillRef>
+            <a:effectRef idx="1">
+              <a:schemeClr val="accent1"/>
+            </a:effectRef>
+            <a:fontRef idx="minor">
+              <a:schemeClr val="tx1"/>
+            </a:fontRef>
+          </p:style>
+        </p:cxnSp>
+      </p:grpSp>
     </p:spTree>
     <p:extLst>
       <p:ext uri="{BB962C8B-B14F-4D97-AF65-F5344CB8AC3E}">
-        <p14:creationId xmlns:p14="http://schemas.microsoft.com/office/powerpoint/2010/main" val="4141597108"/>
+        <p14:creationId xmlns:p14="http://schemas.microsoft.com/office/powerpoint/2010/main" val="3636627375"/>
       </p:ext>
     </p:extLst>
   </p:cSld>
@@ -33120,9 +33448,5870 @@
           <a:chExt cx="0" cy="0"/>
         </a:xfrm>
       </p:grpSpPr>
+      <p:grpSp>
+        <p:nvGrpSpPr>
+          <p:cNvPr id="91" name="Group 90"/>
+          <p:cNvGrpSpPr/>
+          <p:nvPr/>
+        </p:nvGrpSpPr>
+        <p:grpSpPr>
+          <a:xfrm>
+            <a:off x="2268849" y="1087227"/>
+            <a:ext cx="4446954" cy="4119733"/>
+            <a:chOff x="2268849" y="1087227"/>
+            <a:chExt cx="4446954" cy="4119733"/>
+          </a:xfrm>
+        </p:grpSpPr>
+        <p:sp>
+          <p:nvSpPr>
+            <p:cNvPr id="4" name="Rectangle 3"/>
+            <p:cNvSpPr/>
+            <p:nvPr/>
+          </p:nvSpPr>
+          <p:spPr>
+            <a:xfrm>
+              <a:off x="2669120" y="1087229"/>
+              <a:ext cx="1095384" cy="426497"/>
+            </a:xfrm>
+            <a:prstGeom prst="rect">
+              <a:avLst/>
+            </a:prstGeom>
+            <a:noFill/>
+            <a:ln>
+              <a:solidFill>
+                <a:schemeClr val="tx1"/>
+              </a:solidFill>
+            </a:ln>
+            <a:effectLst/>
+          </p:spPr>
+          <p:style>
+            <a:lnRef idx="1">
+              <a:schemeClr val="accent1"/>
+            </a:lnRef>
+            <a:fillRef idx="3">
+              <a:schemeClr val="accent1"/>
+            </a:fillRef>
+            <a:effectRef idx="2">
+              <a:schemeClr val="accent1"/>
+            </a:effectRef>
+            <a:fontRef idx="minor">
+              <a:schemeClr val="lt1"/>
+            </a:fontRef>
+          </p:style>
+          <p:txBody>
+            <a:bodyPr rtlCol="0" anchor="ctr"/>
+            <a:lstStyle/>
+            <a:p>
+              <a:pPr algn="ctr"/>
+              <a:r>
+                <a:rPr lang="en-US" sz="1000" dirty="0" smtClean="0">
+                  <a:solidFill>
+                    <a:schemeClr val="tx1"/>
+                  </a:solidFill>
+                </a:rPr>
+                <a:t>Word-of-mouth Communications</a:t>
+              </a:r>
+              <a:endParaRPr lang="en-US" sz="1000" dirty="0">
+                <a:solidFill>
+                  <a:schemeClr val="tx1"/>
+                </a:solidFill>
+              </a:endParaRPr>
+            </a:p>
+          </p:txBody>
+        </p:sp>
+        <p:sp>
+          <p:nvSpPr>
+            <p:cNvPr id="5" name="Rectangle 4"/>
+            <p:cNvSpPr/>
+            <p:nvPr/>
+          </p:nvSpPr>
+          <p:spPr>
+            <a:xfrm>
+              <a:off x="4019839" y="1087229"/>
+              <a:ext cx="676654" cy="426498"/>
+            </a:xfrm>
+            <a:prstGeom prst="rect">
+              <a:avLst/>
+            </a:prstGeom>
+            <a:noFill/>
+            <a:ln>
+              <a:solidFill>
+                <a:schemeClr val="tx1"/>
+              </a:solidFill>
+            </a:ln>
+            <a:effectLst/>
+          </p:spPr>
+          <p:style>
+            <a:lnRef idx="1">
+              <a:schemeClr val="accent1"/>
+            </a:lnRef>
+            <a:fillRef idx="3">
+              <a:schemeClr val="accent1"/>
+            </a:fillRef>
+            <a:effectRef idx="2">
+              <a:schemeClr val="accent1"/>
+            </a:effectRef>
+            <a:fontRef idx="minor">
+              <a:schemeClr val="lt1"/>
+            </a:fontRef>
+          </p:style>
+          <p:txBody>
+            <a:bodyPr rtlCol="0" anchor="ctr"/>
+            <a:lstStyle/>
+            <a:p>
+              <a:pPr algn="ctr"/>
+              <a:r>
+                <a:rPr lang="en-US" sz="1000" dirty="0" smtClean="0">
+                  <a:solidFill>
+                    <a:schemeClr val="tx1"/>
+                  </a:solidFill>
+                </a:rPr>
+                <a:t>Personal Needs</a:t>
+              </a:r>
+              <a:endParaRPr lang="en-US" sz="1000" dirty="0">
+                <a:solidFill>
+                  <a:schemeClr val="tx1"/>
+                </a:solidFill>
+              </a:endParaRPr>
+            </a:p>
+          </p:txBody>
+        </p:sp>
+        <p:sp>
+          <p:nvSpPr>
+            <p:cNvPr id="6" name="Rectangle 5"/>
+            <p:cNvSpPr/>
+            <p:nvPr/>
+          </p:nvSpPr>
+          <p:spPr>
+            <a:xfrm>
+              <a:off x="4804282" y="1087227"/>
+              <a:ext cx="805927" cy="426498"/>
+            </a:xfrm>
+            <a:prstGeom prst="rect">
+              <a:avLst/>
+            </a:prstGeom>
+            <a:noFill/>
+            <a:ln>
+              <a:solidFill>
+                <a:schemeClr val="tx1"/>
+              </a:solidFill>
+            </a:ln>
+            <a:effectLst/>
+          </p:spPr>
+          <p:style>
+            <a:lnRef idx="1">
+              <a:schemeClr val="accent1"/>
+            </a:lnRef>
+            <a:fillRef idx="3">
+              <a:schemeClr val="accent1"/>
+            </a:fillRef>
+            <a:effectRef idx="2">
+              <a:schemeClr val="accent1"/>
+            </a:effectRef>
+            <a:fontRef idx="minor">
+              <a:schemeClr val="lt1"/>
+            </a:fontRef>
+          </p:style>
+          <p:txBody>
+            <a:bodyPr rtlCol="0" anchor="ctr"/>
+            <a:lstStyle/>
+            <a:p>
+              <a:pPr algn="ctr"/>
+              <a:r>
+                <a:rPr lang="en-US" sz="1000" dirty="0" smtClean="0">
+                  <a:solidFill>
+                    <a:schemeClr val="tx1"/>
+                  </a:solidFill>
+                </a:rPr>
+                <a:t>Past Experiences</a:t>
+              </a:r>
+              <a:endParaRPr lang="en-US" sz="1000" dirty="0">
+                <a:solidFill>
+                  <a:schemeClr val="tx1"/>
+                </a:solidFill>
+              </a:endParaRPr>
+            </a:p>
+          </p:txBody>
+        </p:sp>
+        <p:sp>
+          <p:nvSpPr>
+            <p:cNvPr id="7" name="Rectangle 6"/>
+            <p:cNvSpPr/>
+            <p:nvPr/>
+          </p:nvSpPr>
+          <p:spPr>
+            <a:xfrm>
+              <a:off x="4001565" y="1772459"/>
+              <a:ext cx="713202" cy="414442"/>
+            </a:xfrm>
+            <a:prstGeom prst="rect">
+              <a:avLst/>
+            </a:prstGeom>
+            <a:noFill/>
+            <a:ln>
+              <a:solidFill>
+                <a:schemeClr val="tx1"/>
+              </a:solidFill>
+            </a:ln>
+            <a:effectLst/>
+          </p:spPr>
+          <p:style>
+            <a:lnRef idx="1">
+              <a:schemeClr val="accent1"/>
+            </a:lnRef>
+            <a:fillRef idx="3">
+              <a:schemeClr val="accent1"/>
+            </a:fillRef>
+            <a:effectRef idx="2">
+              <a:schemeClr val="accent1"/>
+            </a:effectRef>
+            <a:fontRef idx="minor">
+              <a:schemeClr val="lt1"/>
+            </a:fontRef>
+          </p:style>
+          <p:txBody>
+            <a:bodyPr rtlCol="0" anchor="ctr"/>
+            <a:lstStyle/>
+            <a:p>
+              <a:pPr algn="ctr"/>
+              <a:r>
+                <a:rPr lang="en-US" sz="1000" dirty="0" smtClean="0">
+                  <a:solidFill>
+                    <a:schemeClr val="tx1"/>
+                  </a:solidFill>
+                </a:rPr>
+                <a:t>Expected </a:t>
+              </a:r>
+            </a:p>
+            <a:p>
+              <a:pPr algn="ctr"/>
+              <a:r>
+                <a:rPr lang="en-US" sz="1000" dirty="0" smtClean="0">
+                  <a:solidFill>
+                    <a:schemeClr val="tx1"/>
+                  </a:solidFill>
+                </a:rPr>
+                <a:t>Service</a:t>
+              </a:r>
+              <a:endParaRPr lang="en-US" sz="1000" dirty="0">
+                <a:solidFill>
+                  <a:schemeClr val="tx1"/>
+                </a:solidFill>
+              </a:endParaRPr>
+            </a:p>
+          </p:txBody>
+        </p:sp>
+        <p:sp>
+          <p:nvSpPr>
+            <p:cNvPr id="8" name="Rectangle 7"/>
+            <p:cNvSpPr/>
+            <p:nvPr/>
+          </p:nvSpPr>
+          <p:spPr>
+            <a:xfrm>
+              <a:off x="3992428" y="2463907"/>
+              <a:ext cx="740614" cy="414442"/>
+            </a:xfrm>
+            <a:prstGeom prst="rect">
+              <a:avLst/>
+            </a:prstGeom>
+            <a:noFill/>
+            <a:ln>
+              <a:solidFill>
+                <a:schemeClr val="tx1"/>
+              </a:solidFill>
+            </a:ln>
+            <a:effectLst/>
+          </p:spPr>
+          <p:style>
+            <a:lnRef idx="1">
+              <a:schemeClr val="accent1"/>
+            </a:lnRef>
+            <a:fillRef idx="3">
+              <a:schemeClr val="accent1"/>
+            </a:fillRef>
+            <a:effectRef idx="2">
+              <a:schemeClr val="accent1"/>
+            </a:effectRef>
+            <a:fontRef idx="minor">
+              <a:schemeClr val="lt1"/>
+            </a:fontRef>
+          </p:style>
+          <p:txBody>
+            <a:bodyPr rtlCol="0" anchor="ctr"/>
+            <a:lstStyle/>
+            <a:p>
+              <a:pPr algn="ctr"/>
+              <a:r>
+                <a:rPr lang="en-US" sz="1000" dirty="0" smtClean="0">
+                  <a:solidFill>
+                    <a:schemeClr val="tx1"/>
+                  </a:solidFill>
+                </a:rPr>
+                <a:t>Perceived Service</a:t>
+              </a:r>
+            </a:p>
+          </p:txBody>
+        </p:sp>
+        <p:sp>
+          <p:nvSpPr>
+            <p:cNvPr id="9" name="Rectangle 8"/>
+            <p:cNvSpPr/>
+            <p:nvPr/>
+          </p:nvSpPr>
+          <p:spPr>
+            <a:xfrm>
+              <a:off x="3663994" y="3128715"/>
+              <a:ext cx="1397984" cy="525836"/>
+            </a:xfrm>
+            <a:prstGeom prst="rect">
+              <a:avLst/>
+            </a:prstGeom>
+            <a:noFill/>
+            <a:ln>
+              <a:solidFill>
+                <a:schemeClr val="tx1"/>
+              </a:solidFill>
+            </a:ln>
+            <a:effectLst/>
+          </p:spPr>
+          <p:style>
+            <a:lnRef idx="1">
+              <a:schemeClr val="accent1"/>
+            </a:lnRef>
+            <a:fillRef idx="3">
+              <a:schemeClr val="accent1"/>
+            </a:fillRef>
+            <a:effectRef idx="2">
+              <a:schemeClr val="accent1"/>
+            </a:effectRef>
+            <a:fontRef idx="minor">
+              <a:schemeClr val="lt1"/>
+            </a:fontRef>
+          </p:style>
+          <p:txBody>
+            <a:bodyPr rtlCol="0" anchor="ctr"/>
+            <a:lstStyle/>
+            <a:p>
+              <a:pPr algn="ctr"/>
+              <a:r>
+                <a:rPr lang="en-US" sz="1000" dirty="0" smtClean="0">
+                  <a:solidFill>
+                    <a:schemeClr val="tx1"/>
+                  </a:solidFill>
+                </a:rPr>
+                <a:t>Service delivery</a:t>
+              </a:r>
+            </a:p>
+            <a:p>
+              <a:pPr algn="ctr"/>
+              <a:r>
+                <a:rPr lang="en-US" sz="1000" dirty="0" smtClean="0">
+                  <a:solidFill>
+                    <a:schemeClr val="tx1"/>
+                  </a:solidFill>
+                </a:rPr>
+                <a:t>(pre and post contacts)</a:t>
+              </a:r>
+            </a:p>
+          </p:txBody>
+        </p:sp>
+        <p:sp>
+          <p:nvSpPr>
+            <p:cNvPr id="10" name="Rectangle 9"/>
+            <p:cNvSpPr/>
+            <p:nvPr/>
+          </p:nvSpPr>
+          <p:spPr>
+            <a:xfrm>
+              <a:off x="5491425" y="3073899"/>
+              <a:ext cx="1059909" cy="623802"/>
+            </a:xfrm>
+            <a:prstGeom prst="rect">
+              <a:avLst/>
+            </a:prstGeom>
+            <a:noFill/>
+            <a:ln>
+              <a:solidFill>
+                <a:schemeClr val="tx1"/>
+              </a:solidFill>
+            </a:ln>
+            <a:effectLst/>
+          </p:spPr>
+          <p:style>
+            <a:lnRef idx="1">
+              <a:schemeClr val="accent1"/>
+            </a:lnRef>
+            <a:fillRef idx="3">
+              <a:schemeClr val="accent1"/>
+            </a:fillRef>
+            <a:effectRef idx="2">
+              <a:schemeClr val="accent1"/>
+            </a:effectRef>
+            <a:fontRef idx="minor">
+              <a:schemeClr val="lt1"/>
+            </a:fontRef>
+          </p:style>
+          <p:txBody>
+            <a:bodyPr rtlCol="0" anchor="ctr"/>
+            <a:lstStyle/>
+            <a:p>
+              <a:pPr algn="ctr"/>
+              <a:r>
+                <a:rPr lang="en-US" sz="1000" dirty="0" smtClean="0">
+                  <a:solidFill>
+                    <a:schemeClr val="tx1"/>
+                  </a:solidFill>
+                </a:rPr>
+                <a:t>External communications to Consumers</a:t>
+              </a:r>
+            </a:p>
+          </p:txBody>
+        </p:sp>
+        <p:sp>
+          <p:nvSpPr>
+            <p:cNvPr id="11" name="Rectangle 10"/>
+            <p:cNvSpPr/>
+            <p:nvPr/>
+          </p:nvSpPr>
+          <p:spPr>
+            <a:xfrm>
+              <a:off x="3663994" y="3920664"/>
+              <a:ext cx="1397984" cy="525836"/>
+            </a:xfrm>
+            <a:prstGeom prst="rect">
+              <a:avLst/>
+            </a:prstGeom>
+            <a:noFill/>
+            <a:ln>
+              <a:solidFill>
+                <a:schemeClr val="tx1"/>
+              </a:solidFill>
+            </a:ln>
+            <a:effectLst/>
+          </p:spPr>
+          <p:style>
+            <a:lnRef idx="1">
+              <a:schemeClr val="accent1"/>
+            </a:lnRef>
+            <a:fillRef idx="3">
+              <a:schemeClr val="accent1"/>
+            </a:fillRef>
+            <a:effectRef idx="2">
+              <a:schemeClr val="accent1"/>
+            </a:effectRef>
+            <a:fontRef idx="minor">
+              <a:schemeClr val="lt1"/>
+            </a:fontRef>
+          </p:style>
+          <p:txBody>
+            <a:bodyPr rtlCol="0" anchor="ctr"/>
+            <a:lstStyle/>
+            <a:p>
+              <a:pPr algn="ctr"/>
+              <a:r>
+                <a:rPr lang="en-US" sz="1000" dirty="0" smtClean="0">
+                  <a:solidFill>
+                    <a:schemeClr val="tx1"/>
+                  </a:solidFill>
+                </a:rPr>
+                <a:t>Translation of Perception into Service Quality Specifications</a:t>
+              </a:r>
+            </a:p>
+          </p:txBody>
+        </p:sp>
+        <p:sp>
+          <p:nvSpPr>
+            <p:cNvPr id="12" name="Rectangle 11"/>
+            <p:cNvSpPr/>
+            <p:nvPr/>
+          </p:nvSpPr>
+          <p:spPr>
+            <a:xfrm>
+              <a:off x="3663994" y="4681124"/>
+              <a:ext cx="1397984" cy="525836"/>
+            </a:xfrm>
+            <a:prstGeom prst="rect">
+              <a:avLst/>
+            </a:prstGeom>
+            <a:noFill/>
+            <a:ln>
+              <a:solidFill>
+                <a:schemeClr val="tx1"/>
+              </a:solidFill>
+            </a:ln>
+            <a:effectLst/>
+          </p:spPr>
+          <p:style>
+            <a:lnRef idx="1">
+              <a:schemeClr val="accent1"/>
+            </a:lnRef>
+            <a:fillRef idx="3">
+              <a:schemeClr val="accent1"/>
+            </a:fillRef>
+            <a:effectRef idx="2">
+              <a:schemeClr val="accent1"/>
+            </a:effectRef>
+            <a:fontRef idx="minor">
+              <a:schemeClr val="lt1"/>
+            </a:fontRef>
+          </p:style>
+          <p:txBody>
+            <a:bodyPr rtlCol="0" anchor="ctr"/>
+            <a:lstStyle/>
+            <a:p>
+              <a:pPr algn="ctr"/>
+              <a:r>
+                <a:rPr lang="en-US" sz="1000" dirty="0" smtClean="0">
+                  <a:solidFill>
+                    <a:schemeClr val="tx1"/>
+                  </a:solidFill>
+                </a:rPr>
+                <a:t>Management Perceptions of Consumer Expectations</a:t>
+              </a:r>
+            </a:p>
+          </p:txBody>
+        </p:sp>
+        <p:cxnSp>
+          <p:nvCxnSpPr>
+            <p:cNvPr id="14" name="Elbow Connector 13"/>
+            <p:cNvCxnSpPr>
+              <a:stCxn id="4" idx="2"/>
+              <a:endCxn id="7" idx="1"/>
+            </p:cNvCxnSpPr>
+            <p:nvPr/>
+          </p:nvCxnSpPr>
+          <p:spPr>
+            <a:xfrm rot="16200000" flipH="1">
+              <a:off x="3376211" y="1354326"/>
+              <a:ext cx="465954" cy="784753"/>
+            </a:xfrm>
+            <a:prstGeom prst="bentConnector2">
+              <a:avLst/>
+            </a:prstGeom>
+            <a:ln w="12700" cmpd="sng">
+              <a:solidFill>
+                <a:schemeClr val="tx1"/>
+              </a:solidFill>
+              <a:headEnd type="none"/>
+              <a:tailEnd type="triangle"/>
+            </a:ln>
+            <a:effectLst/>
+          </p:spPr>
+          <p:style>
+            <a:lnRef idx="2">
+              <a:schemeClr val="accent1"/>
+            </a:lnRef>
+            <a:fillRef idx="0">
+              <a:schemeClr val="accent1"/>
+            </a:fillRef>
+            <a:effectRef idx="1">
+              <a:schemeClr val="accent1"/>
+            </a:effectRef>
+            <a:fontRef idx="minor">
+              <a:schemeClr val="tx1"/>
+            </a:fontRef>
+          </p:style>
+        </p:cxnSp>
+        <p:cxnSp>
+          <p:nvCxnSpPr>
+            <p:cNvPr id="17" name="Elbow Connector 16"/>
+            <p:cNvCxnSpPr>
+              <a:stCxn id="6" idx="2"/>
+              <a:endCxn id="7" idx="3"/>
+            </p:cNvCxnSpPr>
+            <p:nvPr/>
+          </p:nvCxnSpPr>
+          <p:spPr>
+            <a:xfrm rot="5400000">
+              <a:off x="4728030" y="1500463"/>
+              <a:ext cx="465955" cy="492479"/>
+            </a:xfrm>
+            <a:prstGeom prst="bentConnector2">
+              <a:avLst/>
+            </a:prstGeom>
+            <a:ln w="12700" cmpd="sng">
+              <a:solidFill>
+                <a:schemeClr val="tx1"/>
+              </a:solidFill>
+              <a:headEnd type="none"/>
+              <a:tailEnd type="triangle"/>
+            </a:ln>
+            <a:effectLst/>
+          </p:spPr>
+          <p:style>
+            <a:lnRef idx="2">
+              <a:schemeClr val="accent1"/>
+            </a:lnRef>
+            <a:fillRef idx="0">
+              <a:schemeClr val="accent1"/>
+            </a:fillRef>
+            <a:effectRef idx="1">
+              <a:schemeClr val="accent1"/>
+            </a:effectRef>
+            <a:fontRef idx="minor">
+              <a:schemeClr val="tx1"/>
+            </a:fontRef>
+          </p:style>
+        </p:cxnSp>
+        <p:cxnSp>
+          <p:nvCxnSpPr>
+            <p:cNvPr id="20" name="Elbow Connector 19"/>
+            <p:cNvCxnSpPr>
+              <a:stCxn id="10" idx="0"/>
+            </p:cNvCxnSpPr>
+            <p:nvPr/>
+          </p:nvCxnSpPr>
+          <p:spPr>
+            <a:xfrm rot="16200000" flipV="1">
+              <a:off x="4878895" y="1931414"/>
+              <a:ext cx="996635" cy="1288336"/>
+            </a:xfrm>
+            <a:prstGeom prst="bentConnector2">
+              <a:avLst/>
+            </a:prstGeom>
+            <a:ln w="12700" cmpd="sng">
+              <a:solidFill>
+                <a:schemeClr val="tx1"/>
+              </a:solidFill>
+              <a:headEnd type="none"/>
+              <a:tailEnd type="triangle"/>
+            </a:ln>
+            <a:effectLst/>
+          </p:spPr>
+          <p:style>
+            <a:lnRef idx="2">
+              <a:schemeClr val="accent1"/>
+            </a:lnRef>
+            <a:fillRef idx="0">
+              <a:schemeClr val="accent1"/>
+            </a:fillRef>
+            <a:effectRef idx="1">
+              <a:schemeClr val="accent1"/>
+            </a:effectRef>
+            <a:fontRef idx="minor">
+              <a:schemeClr val="tx1"/>
+            </a:fontRef>
+          </p:style>
+        </p:cxnSp>
+        <p:cxnSp>
+          <p:nvCxnSpPr>
+            <p:cNvPr id="23" name="Elbow Connector 22"/>
+            <p:cNvCxnSpPr>
+              <a:stCxn id="9" idx="0"/>
+              <a:endCxn id="8" idx="2"/>
+            </p:cNvCxnSpPr>
+            <p:nvPr/>
+          </p:nvCxnSpPr>
+          <p:spPr>
+            <a:xfrm rot="16200000" flipV="1">
+              <a:off x="4237678" y="3003406"/>
+              <a:ext cx="250366" cy="251"/>
+            </a:xfrm>
+            <a:prstGeom prst="bentConnector3">
+              <a:avLst>
+                <a:gd name="adj1" fmla="val 50000"/>
+              </a:avLst>
+            </a:prstGeom>
+            <a:ln w="12700" cmpd="sng">
+              <a:solidFill>
+                <a:schemeClr val="tx1"/>
+              </a:solidFill>
+              <a:headEnd type="none"/>
+              <a:tailEnd type="triangle"/>
+            </a:ln>
+            <a:effectLst/>
+          </p:spPr>
+          <p:style>
+            <a:lnRef idx="2">
+              <a:schemeClr val="accent1"/>
+            </a:lnRef>
+            <a:fillRef idx="0">
+              <a:schemeClr val="accent1"/>
+            </a:fillRef>
+            <a:effectRef idx="1">
+              <a:schemeClr val="accent1"/>
+            </a:effectRef>
+            <a:fontRef idx="minor">
+              <a:schemeClr val="tx1"/>
+            </a:fontRef>
+          </p:style>
+        </p:cxnSp>
+        <p:cxnSp>
+          <p:nvCxnSpPr>
+            <p:cNvPr id="34" name="Straight Arrow Connector 33"/>
+            <p:cNvCxnSpPr>
+              <a:stCxn id="7" idx="2"/>
+              <a:endCxn id="8" idx="0"/>
+            </p:cNvCxnSpPr>
+            <p:nvPr/>
+          </p:nvCxnSpPr>
+          <p:spPr>
+            <a:xfrm>
+              <a:off x="4358166" y="2186901"/>
+              <a:ext cx="4569" cy="277006"/>
+            </a:xfrm>
+            <a:prstGeom prst="straightConnector1">
+              <a:avLst/>
+            </a:prstGeom>
+            <a:ln w="12700" cmpd="sng">
+              <a:solidFill>
+                <a:schemeClr val="tx1"/>
+              </a:solidFill>
+              <a:headEnd type="triangle"/>
+              <a:tailEnd type="triangle"/>
+            </a:ln>
+            <a:effectLst/>
+          </p:spPr>
+          <p:style>
+            <a:lnRef idx="2">
+              <a:schemeClr val="accent1"/>
+            </a:lnRef>
+            <a:fillRef idx="0">
+              <a:schemeClr val="accent1"/>
+            </a:fillRef>
+            <a:effectRef idx="1">
+              <a:schemeClr val="accent1"/>
+            </a:effectRef>
+            <a:fontRef idx="minor">
+              <a:schemeClr val="tx1"/>
+            </a:fontRef>
+          </p:style>
+        </p:cxnSp>
+        <p:cxnSp>
+          <p:nvCxnSpPr>
+            <p:cNvPr id="38" name="Straight Arrow Connector 37"/>
+            <p:cNvCxnSpPr>
+              <a:stCxn id="5" idx="2"/>
+              <a:endCxn id="7" idx="0"/>
+            </p:cNvCxnSpPr>
+            <p:nvPr/>
+          </p:nvCxnSpPr>
+          <p:spPr>
+            <a:xfrm>
+              <a:off x="4358166" y="1513727"/>
+              <a:ext cx="0" cy="258732"/>
+            </a:xfrm>
+            <a:prstGeom prst="straightConnector1">
+              <a:avLst/>
+            </a:prstGeom>
+            <a:ln w="12700" cmpd="sng">
+              <a:solidFill>
+                <a:schemeClr val="tx1"/>
+              </a:solidFill>
+              <a:headEnd type="none"/>
+              <a:tailEnd type="triangle"/>
+            </a:ln>
+            <a:effectLst/>
+          </p:spPr>
+          <p:style>
+            <a:lnRef idx="2">
+              <a:schemeClr val="accent1"/>
+            </a:lnRef>
+            <a:fillRef idx="0">
+              <a:schemeClr val="accent1"/>
+            </a:fillRef>
+            <a:effectRef idx="1">
+              <a:schemeClr val="accent1"/>
+            </a:effectRef>
+            <a:fontRef idx="minor">
+              <a:schemeClr val="tx1"/>
+            </a:fontRef>
+          </p:style>
+        </p:cxnSp>
+        <p:cxnSp>
+          <p:nvCxnSpPr>
+            <p:cNvPr id="42" name="Straight Arrow Connector 41"/>
+            <p:cNvCxnSpPr/>
+            <p:nvPr/>
+          </p:nvCxnSpPr>
+          <p:spPr>
+            <a:xfrm flipH="1">
+              <a:off x="4028978" y="3643658"/>
+              <a:ext cx="1" cy="277006"/>
+            </a:xfrm>
+            <a:prstGeom prst="straightConnector1">
+              <a:avLst/>
+            </a:prstGeom>
+            <a:ln w="12700" cmpd="sng">
+              <a:solidFill>
+                <a:schemeClr val="tx1"/>
+              </a:solidFill>
+              <a:headEnd type="triangle"/>
+              <a:tailEnd type="triangle"/>
+            </a:ln>
+            <a:effectLst/>
+          </p:spPr>
+          <p:style>
+            <a:lnRef idx="2">
+              <a:schemeClr val="accent1"/>
+            </a:lnRef>
+            <a:fillRef idx="0">
+              <a:schemeClr val="accent1"/>
+            </a:fillRef>
+            <a:effectRef idx="1">
+              <a:schemeClr val="accent1"/>
+            </a:effectRef>
+            <a:fontRef idx="minor">
+              <a:schemeClr val="tx1"/>
+            </a:fontRef>
+          </p:style>
+        </p:cxnSp>
+        <p:cxnSp>
+          <p:nvCxnSpPr>
+            <p:cNvPr id="43" name="Straight Arrow Connector 42"/>
+            <p:cNvCxnSpPr/>
+            <p:nvPr/>
+          </p:nvCxnSpPr>
+          <p:spPr>
+            <a:xfrm>
+              <a:off x="4028979" y="4446500"/>
+              <a:ext cx="0" cy="234624"/>
+            </a:xfrm>
+            <a:prstGeom prst="straightConnector1">
+              <a:avLst/>
+            </a:prstGeom>
+            <a:ln w="12700" cmpd="sng">
+              <a:solidFill>
+                <a:schemeClr val="tx1"/>
+              </a:solidFill>
+              <a:headEnd type="triangle"/>
+              <a:tailEnd type="triangle"/>
+            </a:ln>
+            <a:effectLst/>
+          </p:spPr>
+          <p:style>
+            <a:lnRef idx="2">
+              <a:schemeClr val="accent1"/>
+            </a:lnRef>
+            <a:fillRef idx="0">
+              <a:schemeClr val="accent1"/>
+            </a:fillRef>
+            <a:effectRef idx="1">
+              <a:schemeClr val="accent1"/>
+            </a:effectRef>
+            <a:fontRef idx="minor">
+              <a:schemeClr val="tx1"/>
+            </a:fontRef>
+          </p:style>
+        </p:cxnSp>
+        <p:cxnSp>
+          <p:nvCxnSpPr>
+            <p:cNvPr id="44" name="Straight Arrow Connector 43"/>
+            <p:cNvCxnSpPr/>
+            <p:nvPr/>
+          </p:nvCxnSpPr>
+          <p:spPr>
+            <a:xfrm flipV="1">
+              <a:off x="4684171" y="3654552"/>
+              <a:ext cx="0" cy="266112"/>
+            </a:xfrm>
+            <a:prstGeom prst="straightConnector1">
+              <a:avLst/>
+            </a:prstGeom>
+            <a:ln w="12700" cmpd="sng">
+              <a:solidFill>
+                <a:schemeClr val="tx1"/>
+              </a:solidFill>
+              <a:headEnd type="none"/>
+              <a:tailEnd type="triangle"/>
+            </a:ln>
+            <a:effectLst/>
+          </p:spPr>
+          <p:style>
+            <a:lnRef idx="2">
+              <a:schemeClr val="accent1"/>
+            </a:lnRef>
+            <a:fillRef idx="0">
+              <a:schemeClr val="accent1"/>
+            </a:fillRef>
+            <a:effectRef idx="1">
+              <a:schemeClr val="accent1"/>
+            </a:effectRef>
+            <a:fontRef idx="minor">
+              <a:schemeClr val="tx1"/>
+            </a:fontRef>
+          </p:style>
+        </p:cxnSp>
+        <p:cxnSp>
+          <p:nvCxnSpPr>
+            <p:cNvPr id="56" name="Straight Arrow Connector 55"/>
+            <p:cNvCxnSpPr/>
+            <p:nvPr/>
+          </p:nvCxnSpPr>
+          <p:spPr>
+            <a:xfrm flipV="1">
+              <a:off x="4684171" y="4446500"/>
+              <a:ext cx="0" cy="234624"/>
+            </a:xfrm>
+            <a:prstGeom prst="straightConnector1">
+              <a:avLst/>
+            </a:prstGeom>
+            <a:ln w="12700" cmpd="sng">
+              <a:solidFill>
+                <a:schemeClr val="tx1"/>
+              </a:solidFill>
+              <a:headEnd type="none"/>
+              <a:tailEnd type="triangle"/>
+            </a:ln>
+            <a:effectLst/>
+          </p:spPr>
+          <p:style>
+            <a:lnRef idx="2">
+              <a:schemeClr val="accent1"/>
+            </a:lnRef>
+            <a:fillRef idx="0">
+              <a:schemeClr val="accent1"/>
+            </a:fillRef>
+            <a:effectRef idx="1">
+              <a:schemeClr val="accent1"/>
+            </a:effectRef>
+            <a:fontRef idx="minor">
+              <a:schemeClr val="tx1"/>
+            </a:fontRef>
+          </p:style>
+        </p:cxnSp>
+        <p:cxnSp>
+          <p:nvCxnSpPr>
+            <p:cNvPr id="60" name="Elbow Connector 59"/>
+            <p:cNvCxnSpPr>
+              <a:stCxn id="11" idx="3"/>
+              <a:endCxn id="10" idx="2"/>
+            </p:cNvCxnSpPr>
+            <p:nvPr/>
+          </p:nvCxnSpPr>
+          <p:spPr>
+            <a:xfrm flipV="1">
+              <a:off x="5061978" y="3697701"/>
+              <a:ext cx="959402" cy="485881"/>
+            </a:xfrm>
+            <a:prstGeom prst="bentConnector2">
+              <a:avLst/>
+            </a:prstGeom>
+            <a:ln w="12700" cmpd="sng">
+              <a:solidFill>
+                <a:schemeClr val="tx1"/>
+              </a:solidFill>
+              <a:headEnd type="none"/>
+              <a:tailEnd type="triangle"/>
+            </a:ln>
+            <a:effectLst/>
+          </p:spPr>
+          <p:style>
+            <a:lnRef idx="2">
+              <a:schemeClr val="accent1"/>
+            </a:lnRef>
+            <a:fillRef idx="0">
+              <a:schemeClr val="accent1"/>
+            </a:fillRef>
+            <a:effectRef idx="1">
+              <a:schemeClr val="accent1"/>
+            </a:effectRef>
+            <a:fontRef idx="minor">
+              <a:schemeClr val="tx1"/>
+            </a:fontRef>
+          </p:style>
+        </p:cxnSp>
+        <p:cxnSp>
+          <p:nvCxnSpPr>
+            <p:cNvPr id="66" name="Elbow Connector 65"/>
+            <p:cNvCxnSpPr>
+              <a:endCxn id="12" idx="1"/>
+            </p:cNvCxnSpPr>
+            <p:nvPr/>
+          </p:nvCxnSpPr>
+          <p:spPr>
+            <a:xfrm rot="5400000">
+              <a:off x="2422232" y="3373844"/>
+              <a:ext cx="2811960" cy="328436"/>
+            </a:xfrm>
+            <a:prstGeom prst="bentConnector4">
+              <a:avLst>
+                <a:gd name="adj1" fmla="val -812"/>
+                <a:gd name="adj2" fmla="val 241935"/>
+              </a:avLst>
+            </a:prstGeom>
+            <a:ln w="12700" cmpd="sng">
+              <a:solidFill>
+                <a:schemeClr val="tx1"/>
+              </a:solidFill>
+              <a:prstDash val="dash"/>
+              <a:headEnd type="triangle"/>
+              <a:tailEnd type="triangle"/>
+            </a:ln>
+            <a:effectLst/>
+          </p:spPr>
+          <p:style>
+            <a:lnRef idx="2">
+              <a:schemeClr val="accent1"/>
+            </a:lnRef>
+            <a:fillRef idx="0">
+              <a:schemeClr val="accent1"/>
+            </a:fillRef>
+            <a:effectRef idx="1">
+              <a:schemeClr val="accent1"/>
+            </a:effectRef>
+            <a:fontRef idx="minor">
+              <a:schemeClr val="tx1"/>
+            </a:fontRef>
+          </p:style>
+        </p:cxnSp>
+        <p:cxnSp>
+          <p:nvCxnSpPr>
+            <p:cNvPr id="74" name="Straight Connector 73"/>
+            <p:cNvCxnSpPr/>
+            <p:nvPr/>
+          </p:nvCxnSpPr>
+          <p:spPr>
+            <a:xfrm>
+              <a:off x="2357384" y="3005871"/>
+              <a:ext cx="4358419" cy="0"/>
+            </a:xfrm>
+            <a:prstGeom prst="line">
+              <a:avLst/>
+            </a:prstGeom>
+            <a:ln w="12700" cmpd="sng">
+              <a:solidFill>
+                <a:schemeClr val="tx1"/>
+              </a:solidFill>
+              <a:prstDash val="dashDot"/>
+            </a:ln>
+            <a:effectLst/>
+          </p:spPr>
+          <p:style>
+            <a:lnRef idx="2">
+              <a:schemeClr val="accent1"/>
+            </a:lnRef>
+            <a:fillRef idx="0">
+              <a:schemeClr val="accent1"/>
+            </a:fillRef>
+            <a:effectRef idx="1">
+              <a:schemeClr val="accent1"/>
+            </a:effectRef>
+            <a:fontRef idx="minor">
+              <a:schemeClr val="tx1"/>
+            </a:fontRef>
+          </p:style>
+        </p:cxnSp>
+        <p:sp>
+          <p:nvSpPr>
+            <p:cNvPr id="78" name="TextBox 77"/>
+            <p:cNvSpPr txBox="1"/>
+            <p:nvPr/>
+          </p:nvSpPr>
+          <p:spPr>
+            <a:xfrm>
+              <a:off x="2268849" y="2608650"/>
+              <a:ext cx="813043" cy="246221"/>
+            </a:xfrm>
+            <a:prstGeom prst="rect">
+              <a:avLst/>
+            </a:prstGeom>
+            <a:noFill/>
+          </p:spPr>
+          <p:txBody>
+            <a:bodyPr wrap="none" rtlCol="0">
+              <a:spAutoFit/>
+            </a:bodyPr>
+            <a:lstStyle/>
+            <a:p>
+              <a:r>
+                <a:rPr lang="en-US" sz="1000" u="sng" dirty="0" smtClean="0"/>
+                <a:t>CONSUMER</a:t>
+              </a:r>
+              <a:endParaRPr lang="en-US" sz="1000" u="sng" dirty="0"/>
+            </a:p>
+          </p:txBody>
+        </p:sp>
+        <p:sp>
+          <p:nvSpPr>
+            <p:cNvPr id="79" name="TextBox 78"/>
+            <p:cNvSpPr txBox="1"/>
+            <p:nvPr/>
+          </p:nvSpPr>
+          <p:spPr>
+            <a:xfrm>
+              <a:off x="2268849" y="3073899"/>
+              <a:ext cx="774571" cy="246221"/>
+            </a:xfrm>
+            <a:prstGeom prst="rect">
+              <a:avLst/>
+            </a:prstGeom>
+            <a:noFill/>
+          </p:spPr>
+          <p:txBody>
+            <a:bodyPr wrap="none" rtlCol="0">
+              <a:spAutoFit/>
+            </a:bodyPr>
+            <a:lstStyle/>
+            <a:p>
+              <a:r>
+                <a:rPr lang="en-US" sz="1000" u="sng" dirty="0" smtClean="0"/>
+                <a:t>MARKETER</a:t>
+              </a:r>
+              <a:endParaRPr lang="en-US" sz="1000" u="sng" dirty="0"/>
+            </a:p>
+          </p:txBody>
+        </p:sp>
+        <p:sp>
+          <p:nvSpPr>
+            <p:cNvPr id="80" name="TextBox 79"/>
+            <p:cNvSpPr txBox="1"/>
+            <p:nvPr/>
+          </p:nvSpPr>
+          <p:spPr>
+            <a:xfrm>
+              <a:off x="3447225" y="4438821"/>
+              <a:ext cx="492443" cy="246221"/>
+            </a:xfrm>
+            <a:prstGeom prst="rect">
+              <a:avLst/>
+            </a:prstGeom>
+            <a:noFill/>
+          </p:spPr>
+          <p:txBody>
+            <a:bodyPr wrap="none" rtlCol="0">
+              <a:spAutoFit/>
+            </a:bodyPr>
+            <a:lstStyle/>
+            <a:p>
+              <a:r>
+                <a:rPr lang="en-US" sz="1000" dirty="0" smtClean="0"/>
+                <a:t>Gap 2</a:t>
+              </a:r>
+              <a:endParaRPr lang="en-US" sz="1000" dirty="0"/>
+            </a:p>
+          </p:txBody>
+        </p:sp>
+        <p:sp>
+          <p:nvSpPr>
+            <p:cNvPr id="81" name="TextBox 80"/>
+            <p:cNvSpPr txBox="1"/>
+            <p:nvPr/>
+          </p:nvSpPr>
+          <p:spPr>
+            <a:xfrm>
+              <a:off x="2529136" y="4002743"/>
+              <a:ext cx="488360" cy="246221"/>
+            </a:xfrm>
+            <a:prstGeom prst="rect">
+              <a:avLst/>
+            </a:prstGeom>
+            <a:noFill/>
+          </p:spPr>
+          <p:txBody>
+            <a:bodyPr wrap="none" rtlCol="0">
+              <a:spAutoFit/>
+            </a:bodyPr>
+            <a:lstStyle/>
+            <a:p>
+              <a:r>
+                <a:rPr lang="en-US" sz="1000" dirty="0" smtClean="0"/>
+                <a:t>Gap 1</a:t>
+              </a:r>
+              <a:endParaRPr lang="en-US" sz="1000" dirty="0"/>
+            </a:p>
+          </p:txBody>
+        </p:sp>
+        <p:sp>
+          <p:nvSpPr>
+            <p:cNvPr id="82" name="TextBox 81"/>
+            <p:cNvSpPr txBox="1"/>
+            <p:nvPr/>
+          </p:nvSpPr>
+          <p:spPr>
+            <a:xfrm>
+              <a:off x="3474636" y="3650951"/>
+              <a:ext cx="492443" cy="246221"/>
+            </a:xfrm>
+            <a:prstGeom prst="rect">
+              <a:avLst/>
+            </a:prstGeom>
+            <a:noFill/>
+          </p:spPr>
+          <p:txBody>
+            <a:bodyPr wrap="none" rtlCol="0">
+              <a:spAutoFit/>
+            </a:bodyPr>
+            <a:lstStyle/>
+            <a:p>
+              <a:r>
+                <a:rPr lang="en-US" sz="1000" dirty="0" smtClean="0"/>
+                <a:t>Gap 3</a:t>
+              </a:r>
+              <a:endParaRPr lang="en-US" sz="1000" dirty="0"/>
+            </a:p>
+          </p:txBody>
+        </p:sp>
+        <p:cxnSp>
+          <p:nvCxnSpPr>
+            <p:cNvPr id="83" name="Straight Arrow Connector 82"/>
+            <p:cNvCxnSpPr>
+              <a:stCxn id="10" idx="1"/>
+              <a:endCxn id="9" idx="3"/>
+            </p:cNvCxnSpPr>
+            <p:nvPr/>
+          </p:nvCxnSpPr>
+          <p:spPr>
+            <a:xfrm flipH="1">
+              <a:off x="5061978" y="3385800"/>
+              <a:ext cx="429447" cy="5833"/>
+            </a:xfrm>
+            <a:prstGeom prst="straightConnector1">
+              <a:avLst/>
+            </a:prstGeom>
+            <a:ln w="12700" cmpd="sng">
+              <a:solidFill>
+                <a:schemeClr val="tx1"/>
+              </a:solidFill>
+              <a:prstDash val="dash"/>
+              <a:headEnd type="triangle"/>
+              <a:tailEnd type="triangle"/>
+            </a:ln>
+            <a:effectLst/>
+          </p:spPr>
+          <p:style>
+            <a:lnRef idx="2">
+              <a:schemeClr val="accent1"/>
+            </a:lnRef>
+            <a:fillRef idx="0">
+              <a:schemeClr val="accent1"/>
+            </a:fillRef>
+            <a:effectRef idx="1">
+              <a:schemeClr val="accent1"/>
+            </a:effectRef>
+            <a:fontRef idx="minor">
+              <a:schemeClr val="tx1"/>
+            </a:fontRef>
+          </p:style>
+        </p:cxnSp>
+        <p:sp>
+          <p:nvSpPr>
+            <p:cNvPr id="87" name="TextBox 86"/>
+            <p:cNvSpPr txBox="1"/>
+            <p:nvPr/>
+          </p:nvSpPr>
+          <p:spPr>
+            <a:xfrm>
+              <a:off x="5024984" y="3104677"/>
+              <a:ext cx="492443" cy="246221"/>
+            </a:xfrm>
+            <a:prstGeom prst="rect">
+              <a:avLst/>
+            </a:prstGeom>
+            <a:noFill/>
+          </p:spPr>
+          <p:txBody>
+            <a:bodyPr wrap="none" rtlCol="0">
+              <a:spAutoFit/>
+            </a:bodyPr>
+            <a:lstStyle/>
+            <a:p>
+              <a:r>
+                <a:rPr lang="en-US" sz="1000" dirty="0" smtClean="0"/>
+                <a:t>Gap 4</a:t>
+              </a:r>
+              <a:endParaRPr lang="en-US" sz="1000" dirty="0"/>
+            </a:p>
+          </p:txBody>
+        </p:sp>
+        <p:sp>
+          <p:nvSpPr>
+            <p:cNvPr id="90" name="TextBox 89"/>
+            <p:cNvSpPr txBox="1"/>
+            <p:nvPr/>
+          </p:nvSpPr>
+          <p:spPr>
+            <a:xfrm>
+              <a:off x="3417772" y="2238580"/>
+              <a:ext cx="488360" cy="246221"/>
+            </a:xfrm>
+            <a:prstGeom prst="rect">
+              <a:avLst/>
+            </a:prstGeom>
+            <a:noFill/>
+          </p:spPr>
+          <p:txBody>
+            <a:bodyPr wrap="none" rtlCol="0">
+              <a:spAutoFit/>
+            </a:bodyPr>
+            <a:lstStyle/>
+            <a:p>
+              <a:r>
+                <a:rPr lang="en-US" sz="1000" dirty="0" smtClean="0"/>
+                <a:t>Gap 5</a:t>
+              </a:r>
+              <a:endParaRPr lang="en-US" sz="1000" dirty="0"/>
+            </a:p>
+          </p:txBody>
+        </p:sp>
+      </p:grpSp>
+    </p:spTree>
+    <p:extLst>
+      <p:ext uri="{BB962C8B-B14F-4D97-AF65-F5344CB8AC3E}">
+        <p14:creationId xmlns:p14="http://schemas.microsoft.com/office/powerpoint/2010/main" val="856224714"/>
+      </p:ext>
+    </p:extLst>
+  </p:cSld>
+  <p:clrMapOvr>
+    <a:masterClrMapping/>
+  </p:clrMapOvr>
+</p:sld>
+</file>
+
+<file path=ppt/slides/slide26.xml><?xml version="1.0" encoding="utf-8"?>
+<p:sld xmlns:a="http://schemas.openxmlformats.org/drawingml/2006/main" xmlns:r="http://schemas.openxmlformats.org/officeDocument/2006/relationships" xmlns:p="http://schemas.openxmlformats.org/presentationml/2006/main">
+  <p:cSld>
+    <p:spTree>
+      <p:nvGrpSpPr>
+        <p:cNvPr id="1" name=""/>
+        <p:cNvGrpSpPr/>
+        <p:nvPr/>
+      </p:nvGrpSpPr>
+      <p:grpSpPr>
+        <a:xfrm>
+          <a:off x="0" y="0"/>
+          <a:ext cx="0" cy="0"/>
+          <a:chOff x="0" y="0"/>
+          <a:chExt cx="0" cy="0"/>
+        </a:xfrm>
+      </p:grpSpPr>
+      <p:grpSp>
+        <p:nvGrpSpPr>
+          <p:cNvPr id="46" name="Group 45"/>
+          <p:cNvGrpSpPr/>
+          <p:nvPr/>
+        </p:nvGrpSpPr>
+        <p:grpSpPr>
+          <a:xfrm>
+            <a:off x="1910733" y="1087227"/>
+            <a:ext cx="4847818" cy="2585600"/>
+            <a:chOff x="1910733" y="1087227"/>
+            <a:chExt cx="4847818" cy="2585600"/>
+          </a:xfrm>
+        </p:grpSpPr>
+        <p:sp>
+          <p:nvSpPr>
+            <p:cNvPr id="5" name="Rectangle 4"/>
+            <p:cNvSpPr/>
+            <p:nvPr/>
+          </p:nvSpPr>
+          <p:spPr>
+            <a:xfrm>
+              <a:off x="1910733" y="1087230"/>
+              <a:ext cx="1561381" cy="2585597"/>
+            </a:xfrm>
+            <a:prstGeom prst="rect">
+              <a:avLst/>
+            </a:prstGeom>
+            <a:noFill/>
+            <a:ln>
+              <a:solidFill>
+                <a:schemeClr val="tx1"/>
+              </a:solidFill>
+            </a:ln>
+            <a:effectLst/>
+          </p:spPr>
+          <p:style>
+            <a:lnRef idx="1">
+              <a:schemeClr val="accent1"/>
+            </a:lnRef>
+            <a:fillRef idx="3">
+              <a:schemeClr val="accent1"/>
+            </a:fillRef>
+            <a:effectRef idx="2">
+              <a:schemeClr val="accent1"/>
+            </a:effectRef>
+            <a:fontRef idx="minor">
+              <a:schemeClr val="lt1"/>
+            </a:fontRef>
+          </p:style>
+          <p:txBody>
+            <a:bodyPr rtlCol="0" anchor="ctr"/>
+            <a:lstStyle/>
+            <a:p>
+              <a:pPr algn="ctr"/>
+              <a:r>
+                <a:rPr lang="en-US" sz="1000" b="1" dirty="0" smtClean="0">
+                  <a:solidFill>
+                    <a:schemeClr val="tx1"/>
+                  </a:solidFill>
+                </a:rPr>
+                <a:t>Determinants of Service Quality</a:t>
+              </a:r>
+            </a:p>
+            <a:p>
+              <a:pPr algn="ctr"/>
+              <a:endParaRPr lang="en-US" sz="1000" dirty="0">
+                <a:solidFill>
+                  <a:schemeClr val="tx1"/>
+                </a:solidFill>
+              </a:endParaRPr>
+            </a:p>
+            <a:p>
+              <a:pPr marL="228600" indent="-228600" algn="ctr">
+                <a:buFont typeface="+mj-lt"/>
+                <a:buAutoNum type="arabicPeriod"/>
+              </a:pPr>
+              <a:r>
+                <a:rPr lang="en-US" sz="1000" dirty="0" smtClean="0">
+                  <a:solidFill>
+                    <a:schemeClr val="tx1"/>
+                  </a:solidFill>
+                </a:rPr>
+                <a:t>Access</a:t>
+              </a:r>
+            </a:p>
+            <a:p>
+              <a:pPr marL="228600" indent="-228600" algn="ctr">
+                <a:buFont typeface="+mj-lt"/>
+                <a:buAutoNum type="arabicPeriod"/>
+              </a:pPr>
+              <a:r>
+                <a:rPr lang="en-US" sz="1000" dirty="0" smtClean="0">
+                  <a:solidFill>
+                    <a:schemeClr val="tx1"/>
+                  </a:solidFill>
+                </a:rPr>
+                <a:t>Communication</a:t>
+              </a:r>
+            </a:p>
+            <a:p>
+              <a:pPr marL="228600" indent="-228600" algn="ctr">
+                <a:buFont typeface="+mj-lt"/>
+                <a:buAutoNum type="arabicPeriod"/>
+              </a:pPr>
+              <a:r>
+                <a:rPr lang="en-US" sz="1000" dirty="0" smtClean="0">
+                  <a:solidFill>
+                    <a:schemeClr val="tx1"/>
+                  </a:solidFill>
+                </a:rPr>
+                <a:t>Competence</a:t>
+              </a:r>
+            </a:p>
+            <a:p>
+              <a:pPr marL="228600" indent="-228600" algn="ctr">
+                <a:buFont typeface="+mj-lt"/>
+                <a:buAutoNum type="arabicPeriod"/>
+              </a:pPr>
+              <a:r>
+                <a:rPr lang="en-US" sz="1000" dirty="0" smtClean="0">
+                  <a:solidFill>
+                    <a:schemeClr val="tx1"/>
+                  </a:solidFill>
+                </a:rPr>
+                <a:t>Courtesy</a:t>
+              </a:r>
+            </a:p>
+            <a:p>
+              <a:pPr marL="228600" indent="-228600" algn="ctr">
+                <a:buFont typeface="+mj-lt"/>
+                <a:buAutoNum type="arabicPeriod"/>
+              </a:pPr>
+              <a:r>
+                <a:rPr lang="en-US" sz="1000" dirty="0" smtClean="0">
+                  <a:solidFill>
+                    <a:schemeClr val="tx1"/>
+                  </a:solidFill>
+                </a:rPr>
+                <a:t>Credibility</a:t>
+              </a:r>
+            </a:p>
+            <a:p>
+              <a:pPr marL="228600" indent="-228600" algn="ctr">
+                <a:buFont typeface="+mj-lt"/>
+                <a:buAutoNum type="arabicPeriod"/>
+              </a:pPr>
+              <a:r>
+                <a:rPr lang="en-US" sz="1000" dirty="0" smtClean="0">
+                  <a:solidFill>
+                    <a:schemeClr val="tx1"/>
+                  </a:solidFill>
+                </a:rPr>
+                <a:t>Reliability</a:t>
+              </a:r>
+            </a:p>
+            <a:p>
+              <a:pPr marL="228600" indent="-228600" algn="ctr">
+                <a:buFont typeface="+mj-lt"/>
+                <a:buAutoNum type="arabicPeriod"/>
+              </a:pPr>
+              <a:r>
+                <a:rPr lang="en-US" sz="1000" dirty="0" smtClean="0">
+                  <a:solidFill>
+                    <a:schemeClr val="tx1"/>
+                  </a:solidFill>
+                </a:rPr>
+                <a:t>Responsiveness</a:t>
+              </a:r>
+            </a:p>
+            <a:p>
+              <a:pPr marL="228600" indent="-228600" algn="ctr">
+                <a:buFont typeface="+mj-lt"/>
+                <a:buAutoNum type="arabicPeriod"/>
+              </a:pPr>
+              <a:r>
+                <a:rPr lang="en-US" sz="1000" dirty="0" smtClean="0">
+                  <a:solidFill>
+                    <a:schemeClr val="tx1"/>
+                  </a:solidFill>
+                </a:rPr>
+                <a:t>Security</a:t>
+              </a:r>
+            </a:p>
+            <a:p>
+              <a:pPr marL="228600" indent="-228600" algn="ctr">
+                <a:buFont typeface="+mj-lt"/>
+                <a:buAutoNum type="arabicPeriod"/>
+              </a:pPr>
+              <a:r>
+                <a:rPr lang="en-US" sz="1000" dirty="0" smtClean="0">
+                  <a:solidFill>
+                    <a:schemeClr val="tx1"/>
+                  </a:solidFill>
+                </a:rPr>
+                <a:t>Tangibles</a:t>
+              </a:r>
+            </a:p>
+            <a:p>
+              <a:pPr marL="228600" indent="-228600" algn="ctr">
+                <a:buFont typeface="+mj-lt"/>
+                <a:buAutoNum type="arabicPeriod"/>
+              </a:pPr>
+              <a:r>
+                <a:rPr lang="en-US" sz="1000" dirty="0" smtClean="0">
+                  <a:solidFill>
+                    <a:schemeClr val="tx1"/>
+                  </a:solidFill>
+                </a:rPr>
+                <a:t>Understanding /knowing the customer</a:t>
+              </a:r>
+            </a:p>
+          </p:txBody>
+        </p:sp>
+        <p:sp>
+          <p:nvSpPr>
+            <p:cNvPr id="6" name="Rectangle 5"/>
+            <p:cNvSpPr/>
+            <p:nvPr/>
+          </p:nvSpPr>
+          <p:spPr>
+            <a:xfrm>
+              <a:off x="3591972" y="1087229"/>
+              <a:ext cx="1095384" cy="426497"/>
+            </a:xfrm>
+            <a:prstGeom prst="rect">
+              <a:avLst/>
+            </a:prstGeom>
+            <a:noFill/>
+            <a:ln>
+              <a:solidFill>
+                <a:schemeClr val="tx1"/>
+              </a:solidFill>
+            </a:ln>
+            <a:effectLst/>
+          </p:spPr>
+          <p:style>
+            <a:lnRef idx="1">
+              <a:schemeClr val="accent1"/>
+            </a:lnRef>
+            <a:fillRef idx="3">
+              <a:schemeClr val="accent1"/>
+            </a:fillRef>
+            <a:effectRef idx="2">
+              <a:schemeClr val="accent1"/>
+            </a:effectRef>
+            <a:fontRef idx="minor">
+              <a:schemeClr val="lt1"/>
+            </a:fontRef>
+          </p:style>
+          <p:txBody>
+            <a:bodyPr rtlCol="0" anchor="ctr"/>
+            <a:lstStyle/>
+            <a:p>
+              <a:pPr algn="ctr"/>
+              <a:r>
+                <a:rPr lang="en-US" sz="1000" dirty="0" smtClean="0">
+                  <a:solidFill>
+                    <a:schemeClr val="tx1"/>
+                  </a:solidFill>
+                </a:rPr>
+                <a:t>Word-of-mouth</a:t>
+              </a:r>
+              <a:endParaRPr lang="en-US" sz="1000" dirty="0">
+                <a:solidFill>
+                  <a:schemeClr val="tx1"/>
+                </a:solidFill>
+              </a:endParaRPr>
+            </a:p>
+          </p:txBody>
+        </p:sp>
+        <p:sp>
+          <p:nvSpPr>
+            <p:cNvPr id="7" name="Rectangle 6"/>
+            <p:cNvSpPr/>
+            <p:nvPr/>
+          </p:nvSpPr>
+          <p:spPr>
+            <a:xfrm>
+              <a:off x="4842182" y="1087229"/>
+              <a:ext cx="676654" cy="426498"/>
+            </a:xfrm>
+            <a:prstGeom prst="rect">
+              <a:avLst/>
+            </a:prstGeom>
+            <a:noFill/>
+            <a:ln>
+              <a:solidFill>
+                <a:schemeClr val="tx1"/>
+              </a:solidFill>
+            </a:ln>
+            <a:effectLst/>
+          </p:spPr>
+          <p:style>
+            <a:lnRef idx="1">
+              <a:schemeClr val="accent1"/>
+            </a:lnRef>
+            <a:fillRef idx="3">
+              <a:schemeClr val="accent1"/>
+            </a:fillRef>
+            <a:effectRef idx="2">
+              <a:schemeClr val="accent1"/>
+            </a:effectRef>
+            <a:fontRef idx="minor">
+              <a:schemeClr val="lt1"/>
+            </a:fontRef>
+          </p:style>
+          <p:txBody>
+            <a:bodyPr rtlCol="0" anchor="ctr"/>
+            <a:lstStyle/>
+            <a:p>
+              <a:pPr algn="ctr"/>
+              <a:r>
+                <a:rPr lang="en-US" sz="1000" dirty="0" smtClean="0">
+                  <a:solidFill>
+                    <a:schemeClr val="tx1"/>
+                  </a:solidFill>
+                </a:rPr>
+                <a:t>Personal Needs</a:t>
+              </a:r>
+              <a:endParaRPr lang="en-US" sz="1000" dirty="0">
+                <a:solidFill>
+                  <a:schemeClr val="tx1"/>
+                </a:solidFill>
+              </a:endParaRPr>
+            </a:p>
+          </p:txBody>
+        </p:sp>
+        <p:sp>
+          <p:nvSpPr>
+            <p:cNvPr id="8" name="Rectangle 7"/>
+            <p:cNvSpPr/>
+            <p:nvPr/>
+          </p:nvSpPr>
+          <p:spPr>
+            <a:xfrm>
+              <a:off x="5665031" y="1087227"/>
+              <a:ext cx="805927" cy="426498"/>
+            </a:xfrm>
+            <a:prstGeom prst="rect">
+              <a:avLst/>
+            </a:prstGeom>
+            <a:noFill/>
+            <a:ln>
+              <a:solidFill>
+                <a:schemeClr val="tx1"/>
+              </a:solidFill>
+            </a:ln>
+            <a:effectLst/>
+          </p:spPr>
+          <p:style>
+            <a:lnRef idx="1">
+              <a:schemeClr val="accent1"/>
+            </a:lnRef>
+            <a:fillRef idx="3">
+              <a:schemeClr val="accent1"/>
+            </a:fillRef>
+            <a:effectRef idx="2">
+              <a:schemeClr val="accent1"/>
+            </a:effectRef>
+            <a:fontRef idx="minor">
+              <a:schemeClr val="lt1"/>
+            </a:fontRef>
+          </p:style>
+          <p:txBody>
+            <a:bodyPr rtlCol="0" anchor="ctr"/>
+            <a:lstStyle/>
+            <a:p>
+              <a:pPr algn="ctr"/>
+              <a:r>
+                <a:rPr lang="en-US" sz="1000" dirty="0" smtClean="0">
+                  <a:solidFill>
+                    <a:schemeClr val="tx1"/>
+                  </a:solidFill>
+                </a:rPr>
+                <a:t>Past Experiences</a:t>
+              </a:r>
+              <a:endParaRPr lang="en-US" sz="1000" dirty="0">
+                <a:solidFill>
+                  <a:schemeClr val="tx1"/>
+                </a:solidFill>
+              </a:endParaRPr>
+            </a:p>
+          </p:txBody>
+        </p:sp>
+        <p:sp>
+          <p:nvSpPr>
+            <p:cNvPr id="9" name="Rectangle 8"/>
+            <p:cNvSpPr/>
+            <p:nvPr/>
+          </p:nvSpPr>
+          <p:spPr>
+            <a:xfrm>
+              <a:off x="4842182" y="2052757"/>
+              <a:ext cx="676654" cy="426498"/>
+            </a:xfrm>
+            <a:prstGeom prst="rect">
+              <a:avLst/>
+            </a:prstGeom>
+            <a:noFill/>
+            <a:ln>
+              <a:solidFill>
+                <a:schemeClr val="tx1"/>
+              </a:solidFill>
+            </a:ln>
+            <a:effectLst/>
+          </p:spPr>
+          <p:style>
+            <a:lnRef idx="1">
+              <a:schemeClr val="accent1"/>
+            </a:lnRef>
+            <a:fillRef idx="3">
+              <a:schemeClr val="accent1"/>
+            </a:fillRef>
+            <a:effectRef idx="2">
+              <a:schemeClr val="accent1"/>
+            </a:effectRef>
+            <a:fontRef idx="minor">
+              <a:schemeClr val="lt1"/>
+            </a:fontRef>
+          </p:style>
+          <p:txBody>
+            <a:bodyPr rtlCol="0" anchor="ctr"/>
+            <a:lstStyle/>
+            <a:p>
+              <a:pPr algn="ctr"/>
+              <a:r>
+                <a:rPr lang="en-US" sz="1000" dirty="0" smtClean="0">
+                  <a:solidFill>
+                    <a:schemeClr val="tx1"/>
+                  </a:solidFill>
+                </a:rPr>
+                <a:t>Expected Service</a:t>
+              </a:r>
+              <a:endParaRPr lang="en-US" sz="1000" dirty="0">
+                <a:solidFill>
+                  <a:schemeClr val="tx1"/>
+                </a:solidFill>
+              </a:endParaRPr>
+            </a:p>
+          </p:txBody>
+        </p:sp>
+        <p:sp>
+          <p:nvSpPr>
+            <p:cNvPr id="10" name="Rectangle 9"/>
+            <p:cNvSpPr/>
+            <p:nvPr/>
+          </p:nvSpPr>
+          <p:spPr>
+            <a:xfrm>
+              <a:off x="4797002" y="2780760"/>
+              <a:ext cx="767518" cy="426498"/>
+            </a:xfrm>
+            <a:prstGeom prst="rect">
+              <a:avLst/>
+            </a:prstGeom>
+            <a:noFill/>
+            <a:ln>
+              <a:solidFill>
+                <a:schemeClr val="tx1"/>
+              </a:solidFill>
+            </a:ln>
+            <a:effectLst/>
+          </p:spPr>
+          <p:style>
+            <a:lnRef idx="1">
+              <a:schemeClr val="accent1"/>
+            </a:lnRef>
+            <a:fillRef idx="3">
+              <a:schemeClr val="accent1"/>
+            </a:fillRef>
+            <a:effectRef idx="2">
+              <a:schemeClr val="accent1"/>
+            </a:effectRef>
+            <a:fontRef idx="minor">
+              <a:schemeClr val="lt1"/>
+            </a:fontRef>
+          </p:style>
+          <p:txBody>
+            <a:bodyPr rtlCol="0" anchor="ctr"/>
+            <a:lstStyle/>
+            <a:p>
+              <a:pPr algn="ctr"/>
+              <a:r>
+                <a:rPr lang="en-US" sz="1000" dirty="0" smtClean="0">
+                  <a:solidFill>
+                    <a:schemeClr val="tx1"/>
+                  </a:solidFill>
+                </a:rPr>
+                <a:t>Perceived Service</a:t>
+              </a:r>
+              <a:endParaRPr lang="en-US" sz="1000" dirty="0">
+                <a:solidFill>
+                  <a:schemeClr val="tx1"/>
+                </a:solidFill>
+              </a:endParaRPr>
+            </a:p>
+          </p:txBody>
+        </p:sp>
+        <p:sp>
+          <p:nvSpPr>
+            <p:cNvPr id="11" name="Rectangle 10"/>
+            <p:cNvSpPr/>
+            <p:nvPr/>
+          </p:nvSpPr>
+          <p:spPr>
+            <a:xfrm>
+              <a:off x="5991033" y="2403629"/>
+              <a:ext cx="767518" cy="578518"/>
+            </a:xfrm>
+            <a:prstGeom prst="rect">
+              <a:avLst/>
+            </a:prstGeom>
+            <a:noFill/>
+            <a:ln>
+              <a:solidFill>
+                <a:schemeClr val="tx1"/>
+              </a:solidFill>
+            </a:ln>
+            <a:effectLst/>
+          </p:spPr>
+          <p:style>
+            <a:lnRef idx="1">
+              <a:schemeClr val="accent1"/>
+            </a:lnRef>
+            <a:fillRef idx="3">
+              <a:schemeClr val="accent1"/>
+            </a:fillRef>
+            <a:effectRef idx="2">
+              <a:schemeClr val="accent1"/>
+            </a:effectRef>
+            <a:fontRef idx="minor">
+              <a:schemeClr val="lt1"/>
+            </a:fontRef>
+          </p:style>
+          <p:txBody>
+            <a:bodyPr rtlCol="0" anchor="ctr"/>
+            <a:lstStyle/>
+            <a:p>
+              <a:pPr algn="ctr"/>
+              <a:r>
+                <a:rPr lang="en-US" sz="1000" dirty="0" smtClean="0">
+                  <a:solidFill>
+                    <a:schemeClr val="tx1"/>
+                  </a:solidFill>
+                </a:rPr>
+                <a:t>Perceived Service</a:t>
+              </a:r>
+            </a:p>
+            <a:p>
+              <a:pPr algn="ctr"/>
+              <a:r>
+                <a:rPr lang="en-US" sz="1000" dirty="0" smtClean="0">
+                  <a:solidFill>
+                    <a:schemeClr val="tx1"/>
+                  </a:solidFill>
+                </a:rPr>
+                <a:t>Quality</a:t>
+              </a:r>
+              <a:endParaRPr lang="en-US" sz="1000" dirty="0">
+                <a:solidFill>
+                  <a:schemeClr val="tx1"/>
+                </a:solidFill>
+              </a:endParaRPr>
+            </a:p>
+          </p:txBody>
+        </p:sp>
+        <p:cxnSp>
+          <p:nvCxnSpPr>
+            <p:cNvPr id="12" name="Elbow Connector 11"/>
+            <p:cNvCxnSpPr>
+              <a:stCxn id="6" idx="2"/>
+              <a:endCxn id="9" idx="0"/>
+            </p:cNvCxnSpPr>
+            <p:nvPr/>
+          </p:nvCxnSpPr>
+          <p:spPr>
+            <a:xfrm rot="16200000" flipH="1">
+              <a:off x="4390571" y="1262818"/>
+              <a:ext cx="539031" cy="1040845"/>
+            </a:xfrm>
+            <a:prstGeom prst="bentConnector3">
+              <a:avLst>
+                <a:gd name="adj1" fmla="val 50000"/>
+              </a:avLst>
+            </a:prstGeom>
+            <a:ln w="12700" cmpd="sng">
+              <a:solidFill>
+                <a:schemeClr val="tx1"/>
+              </a:solidFill>
+              <a:headEnd type="none"/>
+              <a:tailEnd type="triangle"/>
+            </a:ln>
+            <a:effectLst/>
+          </p:spPr>
+          <p:style>
+            <a:lnRef idx="2">
+              <a:schemeClr val="accent1"/>
+            </a:lnRef>
+            <a:fillRef idx="0">
+              <a:schemeClr val="accent1"/>
+            </a:fillRef>
+            <a:effectRef idx="1">
+              <a:schemeClr val="accent1"/>
+            </a:effectRef>
+            <a:fontRef idx="minor">
+              <a:schemeClr val="tx1"/>
+            </a:fontRef>
+          </p:style>
+        </p:cxnSp>
+        <p:cxnSp>
+          <p:nvCxnSpPr>
+            <p:cNvPr id="15" name="Elbow Connector 14"/>
+            <p:cNvCxnSpPr>
+              <a:stCxn id="8" idx="2"/>
+              <a:endCxn id="9" idx="0"/>
+            </p:cNvCxnSpPr>
+            <p:nvPr/>
+          </p:nvCxnSpPr>
+          <p:spPr>
+            <a:xfrm rot="5400000">
+              <a:off x="5354736" y="1339498"/>
+              <a:ext cx="539032" cy="887486"/>
+            </a:xfrm>
+            <a:prstGeom prst="bentConnector3">
+              <a:avLst>
+                <a:gd name="adj1" fmla="val 50000"/>
+              </a:avLst>
+            </a:prstGeom>
+            <a:ln w="12700" cmpd="sng">
+              <a:solidFill>
+                <a:schemeClr val="tx1"/>
+              </a:solidFill>
+              <a:headEnd type="none"/>
+              <a:tailEnd type="triangle"/>
+            </a:ln>
+            <a:effectLst/>
+          </p:spPr>
+          <p:style>
+            <a:lnRef idx="2">
+              <a:schemeClr val="accent1"/>
+            </a:lnRef>
+            <a:fillRef idx="0">
+              <a:schemeClr val="accent1"/>
+            </a:fillRef>
+            <a:effectRef idx="1">
+              <a:schemeClr val="accent1"/>
+            </a:effectRef>
+            <a:fontRef idx="minor">
+              <a:schemeClr val="tx1"/>
+            </a:fontRef>
+          </p:style>
+        </p:cxnSp>
+        <p:cxnSp>
+          <p:nvCxnSpPr>
+            <p:cNvPr id="18" name="Elbow Connector 17"/>
+            <p:cNvCxnSpPr>
+              <a:endCxn id="9" idx="1"/>
+            </p:cNvCxnSpPr>
+            <p:nvPr/>
+          </p:nvCxnSpPr>
+          <p:spPr>
+            <a:xfrm flipV="1">
+              <a:off x="3472114" y="2266006"/>
+              <a:ext cx="1370068" cy="356137"/>
+            </a:xfrm>
+            <a:prstGeom prst="bentConnector3">
+              <a:avLst>
+                <a:gd name="adj1" fmla="val 50000"/>
+              </a:avLst>
+            </a:prstGeom>
+            <a:ln w="12700" cmpd="sng">
+              <a:solidFill>
+                <a:schemeClr val="tx1"/>
+              </a:solidFill>
+              <a:headEnd type="none"/>
+              <a:tailEnd type="triangle"/>
+            </a:ln>
+            <a:effectLst/>
+          </p:spPr>
+          <p:style>
+            <a:lnRef idx="2">
+              <a:schemeClr val="accent1"/>
+            </a:lnRef>
+            <a:fillRef idx="0">
+              <a:schemeClr val="accent1"/>
+            </a:fillRef>
+            <a:effectRef idx="1">
+              <a:schemeClr val="accent1"/>
+            </a:effectRef>
+            <a:fontRef idx="minor">
+              <a:schemeClr val="tx1"/>
+            </a:fontRef>
+          </p:style>
+        </p:cxnSp>
+        <p:cxnSp>
+          <p:nvCxnSpPr>
+            <p:cNvPr id="21" name="Elbow Connector 20"/>
+            <p:cNvCxnSpPr>
+              <a:endCxn id="10" idx="1"/>
+            </p:cNvCxnSpPr>
+            <p:nvPr/>
+          </p:nvCxnSpPr>
+          <p:spPr>
+            <a:xfrm>
+              <a:off x="3472114" y="2622143"/>
+              <a:ext cx="1324888" cy="371866"/>
+            </a:xfrm>
+            <a:prstGeom prst="bentConnector3">
+              <a:avLst>
+                <a:gd name="adj1" fmla="val 50000"/>
+              </a:avLst>
+            </a:prstGeom>
+            <a:ln w="12700" cmpd="sng">
+              <a:solidFill>
+                <a:schemeClr val="tx1"/>
+              </a:solidFill>
+              <a:headEnd type="none"/>
+              <a:tailEnd type="triangle"/>
+            </a:ln>
+            <a:effectLst/>
+          </p:spPr>
+          <p:style>
+            <a:lnRef idx="2">
+              <a:schemeClr val="accent1"/>
+            </a:lnRef>
+            <a:fillRef idx="0">
+              <a:schemeClr val="accent1"/>
+            </a:fillRef>
+            <a:effectRef idx="1">
+              <a:schemeClr val="accent1"/>
+            </a:effectRef>
+            <a:fontRef idx="minor">
+              <a:schemeClr val="tx1"/>
+            </a:fontRef>
+          </p:style>
+        </p:cxnSp>
+        <p:cxnSp>
+          <p:nvCxnSpPr>
+            <p:cNvPr id="26" name="Elbow Connector 25"/>
+            <p:cNvCxnSpPr>
+              <a:stCxn id="9" idx="3"/>
+              <a:endCxn id="11" idx="1"/>
+            </p:cNvCxnSpPr>
+            <p:nvPr/>
+          </p:nvCxnSpPr>
+          <p:spPr>
+            <a:xfrm>
+              <a:off x="5518836" y="2266006"/>
+              <a:ext cx="472197" cy="426882"/>
+            </a:xfrm>
+            <a:prstGeom prst="bentConnector3">
+              <a:avLst>
+                <a:gd name="adj1" fmla="val 55805"/>
+              </a:avLst>
+            </a:prstGeom>
+            <a:ln w="12700" cmpd="sng">
+              <a:solidFill>
+                <a:schemeClr val="tx1"/>
+              </a:solidFill>
+              <a:headEnd type="none"/>
+              <a:tailEnd type="triangle"/>
+            </a:ln>
+            <a:effectLst/>
+          </p:spPr>
+          <p:style>
+            <a:lnRef idx="2">
+              <a:schemeClr val="accent1"/>
+            </a:lnRef>
+            <a:fillRef idx="0">
+              <a:schemeClr val="accent1"/>
+            </a:fillRef>
+            <a:effectRef idx="1">
+              <a:schemeClr val="accent1"/>
+            </a:effectRef>
+            <a:fontRef idx="minor">
+              <a:schemeClr val="tx1"/>
+            </a:fontRef>
+          </p:style>
+        </p:cxnSp>
+        <p:cxnSp>
+          <p:nvCxnSpPr>
+            <p:cNvPr id="29" name="Elbow Connector 28"/>
+            <p:cNvCxnSpPr>
+              <a:stCxn id="10" idx="3"/>
+              <a:endCxn id="11" idx="1"/>
+            </p:cNvCxnSpPr>
+            <p:nvPr/>
+          </p:nvCxnSpPr>
+          <p:spPr>
+            <a:xfrm flipV="1">
+              <a:off x="5564520" y="2692888"/>
+              <a:ext cx="426513" cy="301121"/>
+            </a:xfrm>
+            <a:prstGeom prst="bentConnector3">
+              <a:avLst>
+                <a:gd name="adj1" fmla="val 50000"/>
+              </a:avLst>
+            </a:prstGeom>
+            <a:ln w="12700" cmpd="sng">
+              <a:solidFill>
+                <a:schemeClr val="tx1"/>
+              </a:solidFill>
+              <a:headEnd type="none"/>
+              <a:tailEnd type="triangle"/>
+            </a:ln>
+            <a:effectLst/>
+          </p:spPr>
+          <p:style>
+            <a:lnRef idx="2">
+              <a:schemeClr val="accent1"/>
+            </a:lnRef>
+            <a:fillRef idx="0">
+              <a:schemeClr val="accent1"/>
+            </a:fillRef>
+            <a:effectRef idx="1">
+              <a:schemeClr val="accent1"/>
+            </a:effectRef>
+            <a:fontRef idx="minor">
+              <a:schemeClr val="tx1"/>
+            </a:fontRef>
+          </p:style>
+        </p:cxnSp>
+        <p:cxnSp>
+          <p:nvCxnSpPr>
+            <p:cNvPr id="35" name="Straight Arrow Connector 34"/>
+            <p:cNvCxnSpPr>
+              <a:stCxn id="7" idx="2"/>
+              <a:endCxn id="9" idx="0"/>
+            </p:cNvCxnSpPr>
+            <p:nvPr/>
+          </p:nvCxnSpPr>
+          <p:spPr>
+            <a:xfrm>
+              <a:off x="5180509" y="1513727"/>
+              <a:ext cx="0" cy="539030"/>
+            </a:xfrm>
+            <a:prstGeom prst="straightConnector1">
+              <a:avLst/>
+            </a:prstGeom>
+            <a:ln w="12700" cmpd="sng">
+              <a:solidFill>
+                <a:schemeClr val="tx1"/>
+              </a:solidFill>
+              <a:headEnd type="none"/>
+              <a:tailEnd type="triangle"/>
+            </a:ln>
+            <a:effectLst/>
+          </p:spPr>
+          <p:style>
+            <a:lnRef idx="2">
+              <a:schemeClr val="accent1"/>
+            </a:lnRef>
+            <a:fillRef idx="0">
+              <a:schemeClr val="accent1"/>
+            </a:fillRef>
+            <a:effectRef idx="1">
+              <a:schemeClr val="accent1"/>
+            </a:effectRef>
+            <a:fontRef idx="minor">
+              <a:schemeClr val="tx1"/>
+            </a:fontRef>
+          </p:style>
+        </p:cxnSp>
+      </p:grpSp>
+    </p:spTree>
+    <p:extLst>
+      <p:ext uri="{BB962C8B-B14F-4D97-AF65-F5344CB8AC3E}">
+        <p14:creationId xmlns:p14="http://schemas.microsoft.com/office/powerpoint/2010/main" val="3436413926"/>
+      </p:ext>
+    </p:extLst>
+  </p:cSld>
+  <p:clrMapOvr>
+    <a:masterClrMapping/>
+  </p:clrMapOvr>
+</p:sld>
+</file>
+
+<file path=ppt/slides/slide27.xml><?xml version="1.0" encoding="utf-8"?>
+<p:sld xmlns:a="http://schemas.openxmlformats.org/drawingml/2006/main" xmlns:r="http://schemas.openxmlformats.org/officeDocument/2006/relationships" xmlns:p="http://schemas.openxmlformats.org/presentationml/2006/main">
+  <p:cSld>
+    <p:spTree>
+      <p:nvGrpSpPr>
+        <p:cNvPr id="1" name=""/>
+        <p:cNvGrpSpPr/>
+        <p:nvPr/>
+      </p:nvGrpSpPr>
+      <p:grpSpPr>
+        <a:xfrm>
+          <a:off x="0" y="0"/>
+          <a:ext cx="0" cy="0"/>
+          <a:chOff x="0" y="0"/>
+          <a:chExt cx="0" cy="0"/>
+        </a:xfrm>
+      </p:grpSpPr>
+      <p:grpSp>
+        <p:nvGrpSpPr>
+          <p:cNvPr id="11" name="Group 10"/>
+          <p:cNvGrpSpPr/>
+          <p:nvPr/>
+        </p:nvGrpSpPr>
+        <p:grpSpPr>
+          <a:xfrm>
+            <a:off x="2284288" y="1373701"/>
+            <a:ext cx="3737092" cy="2472718"/>
+            <a:chOff x="2284288" y="1373701"/>
+            <a:chExt cx="3737092" cy="2472718"/>
+          </a:xfrm>
+        </p:grpSpPr>
+        <p:sp>
+          <p:nvSpPr>
+            <p:cNvPr id="7" name="Rectangle 6"/>
+            <p:cNvSpPr/>
+            <p:nvPr/>
+          </p:nvSpPr>
+          <p:spPr>
+            <a:xfrm>
+              <a:off x="2284288" y="1373701"/>
+              <a:ext cx="3737092" cy="2472718"/>
+            </a:xfrm>
+            <a:prstGeom prst="rect">
+              <a:avLst/>
+            </a:prstGeom>
+            <a:solidFill>
+              <a:schemeClr val="bg1">
+                <a:lumMod val="85000"/>
+              </a:schemeClr>
+            </a:solidFill>
+            <a:ln>
+              <a:solidFill>
+                <a:schemeClr val="tx1"/>
+              </a:solidFill>
+            </a:ln>
+            <a:effectLst/>
+          </p:spPr>
+          <p:style>
+            <a:lnRef idx="1">
+              <a:schemeClr val="accent1"/>
+            </a:lnRef>
+            <a:fillRef idx="3">
+              <a:schemeClr val="accent1"/>
+            </a:fillRef>
+            <a:effectRef idx="2">
+              <a:schemeClr val="accent1"/>
+            </a:effectRef>
+            <a:fontRef idx="minor">
+              <a:schemeClr val="lt1"/>
+            </a:fontRef>
+          </p:style>
+          <p:txBody>
+            <a:bodyPr rtlCol="0" anchor="ctr"/>
+            <a:lstStyle/>
+            <a:p>
+              <a:pPr algn="ctr"/>
+              <a:endParaRPr lang="en-US" sz="1200" dirty="0">
+                <a:solidFill>
+                  <a:schemeClr val="tx1"/>
+                </a:solidFill>
+              </a:endParaRPr>
+            </a:p>
+          </p:txBody>
+        </p:sp>
+        <p:sp>
+          <p:nvSpPr>
+            <p:cNvPr id="4" name="Rectangle 3"/>
+            <p:cNvSpPr/>
+            <p:nvPr/>
+          </p:nvSpPr>
+          <p:spPr>
+            <a:xfrm>
+              <a:off x="3546287" y="1525014"/>
+              <a:ext cx="1189181" cy="603764"/>
+            </a:xfrm>
+            <a:prstGeom prst="rect">
+              <a:avLst/>
+            </a:prstGeom>
+            <a:solidFill>
+              <a:schemeClr val="bg1"/>
+            </a:solidFill>
+            <a:ln>
+              <a:solidFill>
+                <a:schemeClr val="tx1"/>
+              </a:solidFill>
+            </a:ln>
+            <a:effectLst/>
+          </p:spPr>
+          <p:style>
+            <a:lnRef idx="1">
+              <a:schemeClr val="accent1"/>
+            </a:lnRef>
+            <a:fillRef idx="3">
+              <a:schemeClr val="accent1"/>
+            </a:fillRef>
+            <a:effectRef idx="2">
+              <a:schemeClr val="accent1"/>
+            </a:effectRef>
+            <a:fontRef idx="minor">
+              <a:schemeClr val="lt1"/>
+            </a:fontRef>
+          </p:style>
+          <p:txBody>
+            <a:bodyPr rtlCol="0" anchor="ctr"/>
+            <a:lstStyle/>
+            <a:p>
+              <a:pPr algn="ctr"/>
+              <a:r>
+                <a:rPr lang="en-US" sz="1200" dirty="0" smtClean="0">
+                  <a:solidFill>
+                    <a:schemeClr val="tx1"/>
+                  </a:solidFill>
+                </a:rPr>
+                <a:t>Quality Model Division 2501n</a:t>
+              </a:r>
+              <a:endParaRPr lang="en-US" sz="1200" dirty="0">
+                <a:solidFill>
+                  <a:schemeClr val="tx1"/>
+                </a:solidFill>
+              </a:endParaRPr>
+            </a:p>
+          </p:txBody>
+        </p:sp>
+        <p:sp>
+          <p:nvSpPr>
+            <p:cNvPr id="5" name="Rectangle 4"/>
+            <p:cNvSpPr/>
+            <p:nvPr/>
+          </p:nvSpPr>
+          <p:spPr>
+            <a:xfrm>
+              <a:off x="3546287" y="2128778"/>
+              <a:ext cx="1189181" cy="612138"/>
+            </a:xfrm>
+            <a:prstGeom prst="rect">
+              <a:avLst/>
+            </a:prstGeom>
+            <a:solidFill>
+              <a:schemeClr val="bg1"/>
+            </a:solidFill>
+            <a:ln>
+              <a:solidFill>
+                <a:schemeClr val="tx1"/>
+              </a:solidFill>
+            </a:ln>
+            <a:effectLst/>
+          </p:spPr>
+          <p:style>
+            <a:lnRef idx="1">
+              <a:schemeClr val="accent1"/>
+            </a:lnRef>
+            <a:fillRef idx="3">
+              <a:schemeClr val="accent1"/>
+            </a:fillRef>
+            <a:effectRef idx="2">
+              <a:schemeClr val="accent1"/>
+            </a:effectRef>
+            <a:fontRef idx="minor">
+              <a:schemeClr val="lt1"/>
+            </a:fontRef>
+          </p:style>
+          <p:txBody>
+            <a:bodyPr rtlCol="0" anchor="ctr"/>
+            <a:lstStyle/>
+            <a:p>
+              <a:pPr algn="ctr"/>
+              <a:r>
+                <a:rPr lang="en-US" sz="1200" dirty="0" smtClean="0">
+                  <a:solidFill>
+                    <a:schemeClr val="tx1"/>
+                  </a:solidFill>
+                </a:rPr>
+                <a:t>Quality Management Division 2500n</a:t>
+              </a:r>
+              <a:endParaRPr lang="en-US" sz="1200" dirty="0">
+                <a:solidFill>
+                  <a:schemeClr val="tx1"/>
+                </a:solidFill>
+              </a:endParaRPr>
+            </a:p>
+          </p:txBody>
+        </p:sp>
+        <p:sp>
+          <p:nvSpPr>
+            <p:cNvPr id="6" name="Rectangle 5"/>
+            <p:cNvSpPr/>
+            <p:nvPr/>
+          </p:nvSpPr>
+          <p:spPr>
+            <a:xfrm>
+              <a:off x="3546287" y="2740916"/>
+              <a:ext cx="1189181" cy="676092"/>
+            </a:xfrm>
+            <a:prstGeom prst="rect">
+              <a:avLst/>
+            </a:prstGeom>
+            <a:solidFill>
+              <a:schemeClr val="bg1"/>
+            </a:solidFill>
+            <a:ln>
+              <a:solidFill>
+                <a:schemeClr val="tx1"/>
+              </a:solidFill>
+            </a:ln>
+            <a:effectLst/>
+          </p:spPr>
+          <p:style>
+            <a:lnRef idx="1">
+              <a:schemeClr val="accent1"/>
+            </a:lnRef>
+            <a:fillRef idx="3">
+              <a:schemeClr val="accent1"/>
+            </a:fillRef>
+            <a:effectRef idx="2">
+              <a:schemeClr val="accent1"/>
+            </a:effectRef>
+            <a:fontRef idx="minor">
+              <a:schemeClr val="lt1"/>
+            </a:fontRef>
+          </p:style>
+          <p:txBody>
+            <a:bodyPr rtlCol="0" anchor="ctr"/>
+            <a:lstStyle/>
+            <a:p>
+              <a:pPr algn="ctr"/>
+              <a:r>
+                <a:rPr lang="en-US" sz="1200" dirty="0" smtClean="0">
+                  <a:solidFill>
+                    <a:schemeClr val="tx1"/>
+                  </a:solidFill>
+                </a:rPr>
+                <a:t>Quality Measurement Division 2502n</a:t>
+              </a:r>
+              <a:endParaRPr lang="en-US" sz="1200" dirty="0">
+                <a:solidFill>
+                  <a:schemeClr val="tx1"/>
+                </a:solidFill>
+              </a:endParaRPr>
+            </a:p>
+          </p:txBody>
+        </p:sp>
+        <p:sp>
+          <p:nvSpPr>
+            <p:cNvPr id="8" name="Rectangle 7"/>
+            <p:cNvSpPr/>
+            <p:nvPr/>
+          </p:nvSpPr>
+          <p:spPr>
+            <a:xfrm>
+              <a:off x="2439618" y="1525014"/>
+              <a:ext cx="1106669" cy="1887987"/>
+            </a:xfrm>
+            <a:prstGeom prst="rect">
+              <a:avLst/>
+            </a:prstGeom>
+            <a:solidFill>
+              <a:schemeClr val="bg1"/>
+            </a:solidFill>
+            <a:ln>
+              <a:solidFill>
+                <a:schemeClr val="tx1"/>
+              </a:solidFill>
+            </a:ln>
+            <a:effectLst/>
+          </p:spPr>
+          <p:style>
+            <a:lnRef idx="1">
+              <a:schemeClr val="accent1"/>
+            </a:lnRef>
+            <a:fillRef idx="3">
+              <a:schemeClr val="accent1"/>
+            </a:fillRef>
+            <a:effectRef idx="2">
+              <a:schemeClr val="accent1"/>
+            </a:effectRef>
+            <a:fontRef idx="minor">
+              <a:schemeClr val="lt1"/>
+            </a:fontRef>
+          </p:style>
+          <p:txBody>
+            <a:bodyPr rtlCol="0" anchor="ctr"/>
+            <a:lstStyle/>
+            <a:p>
+              <a:pPr algn="ctr"/>
+              <a:r>
+                <a:rPr lang="en-US" sz="1200" dirty="0" smtClean="0">
+                  <a:solidFill>
+                    <a:schemeClr val="tx1"/>
+                  </a:solidFill>
+                </a:rPr>
+                <a:t>Quality Requirements Division 2503n</a:t>
+              </a:r>
+              <a:endParaRPr lang="en-US" sz="1200" dirty="0">
+                <a:solidFill>
+                  <a:schemeClr val="tx1"/>
+                </a:solidFill>
+              </a:endParaRPr>
+            </a:p>
+          </p:txBody>
+        </p:sp>
+        <p:sp>
+          <p:nvSpPr>
+            <p:cNvPr id="9" name="Rectangle 8"/>
+            <p:cNvSpPr/>
+            <p:nvPr/>
+          </p:nvSpPr>
+          <p:spPr>
+            <a:xfrm>
+              <a:off x="4735468" y="1529021"/>
+              <a:ext cx="1139717" cy="1887987"/>
+            </a:xfrm>
+            <a:prstGeom prst="rect">
+              <a:avLst/>
+            </a:prstGeom>
+            <a:solidFill>
+              <a:schemeClr val="bg1"/>
+            </a:solidFill>
+            <a:ln>
+              <a:solidFill>
+                <a:schemeClr val="tx1"/>
+              </a:solidFill>
+            </a:ln>
+            <a:effectLst/>
+          </p:spPr>
+          <p:style>
+            <a:lnRef idx="1">
+              <a:schemeClr val="accent1"/>
+            </a:lnRef>
+            <a:fillRef idx="3">
+              <a:schemeClr val="accent1"/>
+            </a:fillRef>
+            <a:effectRef idx="2">
+              <a:schemeClr val="accent1"/>
+            </a:effectRef>
+            <a:fontRef idx="minor">
+              <a:schemeClr val="lt1"/>
+            </a:fontRef>
+          </p:style>
+          <p:txBody>
+            <a:bodyPr rtlCol="0" anchor="ctr"/>
+            <a:lstStyle/>
+            <a:p>
+              <a:pPr algn="ctr"/>
+              <a:r>
+                <a:rPr lang="en-US" sz="1200" dirty="0" smtClean="0">
+                  <a:solidFill>
+                    <a:schemeClr val="tx1"/>
+                  </a:solidFill>
+                </a:rPr>
+                <a:t>Quality Evaluation Division 2504n</a:t>
+              </a:r>
+              <a:endParaRPr lang="en-US" sz="1200" dirty="0">
+                <a:solidFill>
+                  <a:schemeClr val="tx1"/>
+                </a:solidFill>
+              </a:endParaRPr>
+            </a:p>
+          </p:txBody>
+        </p:sp>
+        <p:sp>
+          <p:nvSpPr>
+            <p:cNvPr id="10" name="TextBox 9"/>
+            <p:cNvSpPr txBox="1"/>
+            <p:nvPr/>
+          </p:nvSpPr>
+          <p:spPr>
+            <a:xfrm>
+              <a:off x="2869064" y="3488643"/>
+              <a:ext cx="2567539" cy="276999"/>
+            </a:xfrm>
+            <a:prstGeom prst="rect">
+              <a:avLst/>
+            </a:prstGeom>
+            <a:noFill/>
+          </p:spPr>
+          <p:txBody>
+            <a:bodyPr wrap="square" rtlCol="0">
+              <a:spAutoFit/>
+            </a:bodyPr>
+            <a:lstStyle/>
+            <a:p>
+              <a:pPr algn="ctr"/>
+              <a:r>
+                <a:rPr lang="en-US" sz="1200" dirty="0" smtClean="0"/>
+                <a:t>Extension Division 25050 - 25099</a:t>
+              </a:r>
+              <a:endParaRPr lang="en-US" sz="1200" dirty="0"/>
+            </a:p>
+          </p:txBody>
+        </p:sp>
+      </p:grpSp>
+    </p:spTree>
+    <p:extLst>
+      <p:ext uri="{BB962C8B-B14F-4D97-AF65-F5344CB8AC3E}">
+        <p14:creationId xmlns:p14="http://schemas.microsoft.com/office/powerpoint/2010/main" val="2781955685"/>
+      </p:ext>
+    </p:extLst>
+  </p:cSld>
+  <p:clrMapOvr>
+    <a:masterClrMapping/>
+  </p:clrMapOvr>
+</p:sld>
+</file>
+
+<file path=ppt/slides/slide28.xml><?xml version="1.0" encoding="utf-8"?>
+<p:sld xmlns:a="http://schemas.openxmlformats.org/drawingml/2006/main" xmlns:r="http://schemas.openxmlformats.org/officeDocument/2006/relationships" xmlns:p="http://schemas.openxmlformats.org/presentationml/2006/main">
+  <p:cSld>
+    <p:spTree>
+      <p:nvGrpSpPr>
+        <p:cNvPr id="1" name=""/>
+        <p:cNvGrpSpPr/>
+        <p:nvPr/>
+      </p:nvGrpSpPr>
+      <p:grpSpPr>
+        <a:xfrm>
+          <a:off x="0" y="0"/>
+          <a:ext cx="0" cy="0"/>
+          <a:chOff x="0" y="0"/>
+          <a:chExt cx="0" cy="0"/>
+        </a:xfrm>
+      </p:grpSpPr>
+      <p:grpSp>
+        <p:nvGrpSpPr>
+          <p:cNvPr id="34" name="Group 33"/>
+          <p:cNvGrpSpPr/>
+          <p:nvPr/>
+        </p:nvGrpSpPr>
+        <p:grpSpPr>
+          <a:xfrm>
+            <a:off x="1251284" y="804599"/>
+            <a:ext cx="6761994" cy="2694639"/>
+            <a:chOff x="1251284" y="804599"/>
+            <a:chExt cx="6761994" cy="2694639"/>
+          </a:xfrm>
+        </p:grpSpPr>
+        <p:sp>
+          <p:nvSpPr>
+            <p:cNvPr id="4" name="Rectangle 3"/>
+            <p:cNvSpPr/>
+            <p:nvPr/>
+          </p:nvSpPr>
+          <p:spPr>
+            <a:xfrm>
+              <a:off x="3705356" y="804599"/>
+              <a:ext cx="1379058" cy="410541"/>
+            </a:xfrm>
+            <a:prstGeom prst="rect">
+              <a:avLst/>
+            </a:prstGeom>
+            <a:noFill/>
+            <a:ln>
+              <a:solidFill>
+                <a:schemeClr val="tx1"/>
+              </a:solidFill>
+            </a:ln>
+            <a:effectLst/>
+          </p:spPr>
+          <p:style>
+            <a:lnRef idx="1">
+              <a:schemeClr val="accent1"/>
+            </a:lnRef>
+            <a:fillRef idx="3">
+              <a:schemeClr val="accent1"/>
+            </a:fillRef>
+            <a:effectRef idx="2">
+              <a:schemeClr val="accent1"/>
+            </a:effectRef>
+            <a:fontRef idx="minor">
+              <a:schemeClr val="lt1"/>
+            </a:fontRef>
+          </p:style>
+          <p:txBody>
+            <a:bodyPr rtlCol="0" anchor="ctr"/>
+            <a:lstStyle/>
+            <a:p>
+              <a:pPr algn="ctr"/>
+              <a:r>
+                <a:rPr lang="en-US" sz="1200" b="1" dirty="0" smtClean="0">
+                  <a:solidFill>
+                    <a:schemeClr val="tx1"/>
+                  </a:solidFill>
+                </a:rPr>
+                <a:t>Quality in Use</a:t>
+              </a:r>
+              <a:endParaRPr lang="en-US" sz="1200" b="1" dirty="0">
+                <a:solidFill>
+                  <a:schemeClr val="tx1"/>
+                </a:solidFill>
+              </a:endParaRPr>
+            </a:p>
+          </p:txBody>
+        </p:sp>
+        <p:sp>
+          <p:nvSpPr>
+            <p:cNvPr id="5" name="Rectangle 4"/>
+            <p:cNvSpPr/>
+            <p:nvPr/>
+          </p:nvSpPr>
+          <p:spPr>
+            <a:xfrm>
+              <a:off x="1251284" y="1474258"/>
+              <a:ext cx="1139717" cy="410541"/>
+            </a:xfrm>
+            <a:prstGeom prst="rect">
+              <a:avLst/>
+            </a:prstGeom>
+            <a:noFill/>
+            <a:ln>
+              <a:solidFill>
+                <a:schemeClr val="tx1"/>
+              </a:solidFill>
+            </a:ln>
+            <a:effectLst/>
+          </p:spPr>
+          <p:style>
+            <a:lnRef idx="1">
+              <a:schemeClr val="accent1"/>
+            </a:lnRef>
+            <a:fillRef idx="3">
+              <a:schemeClr val="accent1"/>
+            </a:fillRef>
+            <a:effectRef idx="2">
+              <a:schemeClr val="accent1"/>
+            </a:effectRef>
+            <a:fontRef idx="minor">
+              <a:schemeClr val="lt1"/>
+            </a:fontRef>
+          </p:style>
+          <p:txBody>
+            <a:bodyPr rtlCol="0" anchor="ctr"/>
+            <a:lstStyle/>
+            <a:p>
+              <a:pPr algn="ctr"/>
+              <a:r>
+                <a:rPr lang="en-US" sz="1200" dirty="0" smtClean="0">
+                  <a:solidFill>
+                    <a:schemeClr val="tx1"/>
+                  </a:solidFill>
+                </a:rPr>
+                <a:t>Effectiveness</a:t>
+              </a:r>
+              <a:endParaRPr lang="en-US" sz="1200" dirty="0">
+                <a:solidFill>
+                  <a:schemeClr val="tx1"/>
+                </a:solidFill>
+              </a:endParaRPr>
+            </a:p>
+          </p:txBody>
+        </p:sp>
+        <p:sp>
+          <p:nvSpPr>
+            <p:cNvPr id="6" name="Rectangle 5"/>
+            <p:cNvSpPr/>
+            <p:nvPr/>
+          </p:nvSpPr>
+          <p:spPr>
+            <a:xfrm>
+              <a:off x="2526705" y="1474258"/>
+              <a:ext cx="1139717" cy="410541"/>
+            </a:xfrm>
+            <a:prstGeom prst="rect">
+              <a:avLst/>
+            </a:prstGeom>
+            <a:noFill/>
+            <a:ln>
+              <a:solidFill>
+                <a:schemeClr val="tx1"/>
+              </a:solidFill>
+            </a:ln>
+            <a:effectLst/>
+          </p:spPr>
+          <p:style>
+            <a:lnRef idx="1">
+              <a:schemeClr val="accent1"/>
+            </a:lnRef>
+            <a:fillRef idx="3">
+              <a:schemeClr val="accent1"/>
+            </a:fillRef>
+            <a:effectRef idx="2">
+              <a:schemeClr val="accent1"/>
+            </a:effectRef>
+            <a:fontRef idx="minor">
+              <a:schemeClr val="lt1"/>
+            </a:fontRef>
+          </p:style>
+          <p:txBody>
+            <a:bodyPr rtlCol="0" anchor="ctr"/>
+            <a:lstStyle/>
+            <a:p>
+              <a:pPr algn="ctr"/>
+              <a:r>
+                <a:rPr lang="en-US" sz="1200" dirty="0" smtClean="0">
+                  <a:solidFill>
+                    <a:schemeClr val="tx1"/>
+                  </a:solidFill>
+                </a:rPr>
+                <a:t>Efficiency</a:t>
+              </a:r>
+              <a:endParaRPr lang="en-US" sz="1200" dirty="0">
+                <a:solidFill>
+                  <a:schemeClr val="tx1"/>
+                </a:solidFill>
+              </a:endParaRPr>
+            </a:p>
+          </p:txBody>
+        </p:sp>
+        <p:sp>
+          <p:nvSpPr>
+            <p:cNvPr id="7" name="Rectangle 6"/>
+            <p:cNvSpPr/>
+            <p:nvPr/>
+          </p:nvSpPr>
+          <p:spPr>
+            <a:xfrm>
+              <a:off x="3825027" y="1474639"/>
+              <a:ext cx="1139717" cy="410541"/>
+            </a:xfrm>
+            <a:prstGeom prst="rect">
+              <a:avLst/>
+            </a:prstGeom>
+            <a:noFill/>
+            <a:ln>
+              <a:solidFill>
+                <a:schemeClr val="tx1"/>
+              </a:solidFill>
+            </a:ln>
+            <a:effectLst/>
+          </p:spPr>
+          <p:style>
+            <a:lnRef idx="1">
+              <a:schemeClr val="accent1"/>
+            </a:lnRef>
+            <a:fillRef idx="3">
+              <a:schemeClr val="accent1"/>
+            </a:fillRef>
+            <a:effectRef idx="2">
+              <a:schemeClr val="accent1"/>
+            </a:effectRef>
+            <a:fontRef idx="minor">
+              <a:schemeClr val="lt1"/>
+            </a:fontRef>
+          </p:style>
+          <p:txBody>
+            <a:bodyPr rtlCol="0" anchor="ctr"/>
+            <a:lstStyle/>
+            <a:p>
+              <a:pPr algn="ctr"/>
+              <a:r>
+                <a:rPr lang="en-US" sz="1200" dirty="0" smtClean="0">
+                  <a:solidFill>
+                    <a:schemeClr val="tx1"/>
+                  </a:solidFill>
+                </a:rPr>
+                <a:t>Satisfaction</a:t>
+              </a:r>
+              <a:endParaRPr lang="en-US" sz="1200" dirty="0">
+                <a:solidFill>
+                  <a:schemeClr val="tx1"/>
+                </a:solidFill>
+              </a:endParaRPr>
+            </a:p>
+          </p:txBody>
+        </p:sp>
+        <p:sp>
+          <p:nvSpPr>
+            <p:cNvPr id="8" name="Rectangle 7"/>
+            <p:cNvSpPr/>
+            <p:nvPr/>
+          </p:nvSpPr>
+          <p:spPr>
+            <a:xfrm>
+              <a:off x="5140778" y="1474639"/>
+              <a:ext cx="1428831" cy="410541"/>
+            </a:xfrm>
+            <a:prstGeom prst="rect">
+              <a:avLst/>
+            </a:prstGeom>
+            <a:noFill/>
+            <a:ln>
+              <a:solidFill>
+                <a:schemeClr val="tx1"/>
+              </a:solidFill>
+            </a:ln>
+            <a:effectLst/>
+          </p:spPr>
+          <p:style>
+            <a:lnRef idx="1">
+              <a:schemeClr val="accent1"/>
+            </a:lnRef>
+            <a:fillRef idx="3">
+              <a:schemeClr val="accent1"/>
+            </a:fillRef>
+            <a:effectRef idx="2">
+              <a:schemeClr val="accent1"/>
+            </a:effectRef>
+            <a:fontRef idx="minor">
+              <a:schemeClr val="lt1"/>
+            </a:fontRef>
+          </p:style>
+          <p:txBody>
+            <a:bodyPr rtlCol="0" anchor="ctr"/>
+            <a:lstStyle/>
+            <a:p>
+              <a:pPr algn="ctr"/>
+              <a:r>
+                <a:rPr lang="en-US" sz="1200" dirty="0" smtClean="0">
+                  <a:solidFill>
+                    <a:schemeClr val="tx1"/>
+                  </a:solidFill>
+                </a:rPr>
+                <a:t>Freedom from risk</a:t>
+              </a:r>
+              <a:endParaRPr lang="en-US" sz="1200" dirty="0">
+                <a:solidFill>
+                  <a:schemeClr val="tx1"/>
+                </a:solidFill>
+              </a:endParaRPr>
+            </a:p>
+          </p:txBody>
+        </p:sp>
+        <p:sp>
+          <p:nvSpPr>
+            <p:cNvPr id="9" name="Rectangle 8"/>
+            <p:cNvSpPr/>
+            <p:nvPr/>
+          </p:nvSpPr>
+          <p:spPr>
+            <a:xfrm>
+              <a:off x="6725283" y="1474258"/>
+              <a:ext cx="1287995" cy="410541"/>
+            </a:xfrm>
+            <a:prstGeom prst="rect">
+              <a:avLst/>
+            </a:prstGeom>
+            <a:noFill/>
+            <a:ln>
+              <a:solidFill>
+                <a:schemeClr val="tx1"/>
+              </a:solidFill>
+            </a:ln>
+            <a:effectLst/>
+          </p:spPr>
+          <p:style>
+            <a:lnRef idx="1">
+              <a:schemeClr val="accent1"/>
+            </a:lnRef>
+            <a:fillRef idx="3">
+              <a:schemeClr val="accent1"/>
+            </a:fillRef>
+            <a:effectRef idx="2">
+              <a:schemeClr val="accent1"/>
+            </a:effectRef>
+            <a:fontRef idx="minor">
+              <a:schemeClr val="lt1"/>
+            </a:fontRef>
+          </p:style>
+          <p:txBody>
+            <a:bodyPr rtlCol="0" anchor="ctr"/>
+            <a:lstStyle/>
+            <a:p>
+              <a:pPr algn="ctr"/>
+              <a:r>
+                <a:rPr lang="en-US" sz="1200" dirty="0" smtClean="0">
+                  <a:solidFill>
+                    <a:schemeClr val="tx1"/>
+                  </a:solidFill>
+                </a:rPr>
+                <a:t>Context coverage</a:t>
+              </a:r>
+              <a:endParaRPr lang="en-US" sz="1200" dirty="0">
+                <a:solidFill>
+                  <a:schemeClr val="tx1"/>
+                </a:solidFill>
+              </a:endParaRPr>
+            </a:p>
+          </p:txBody>
+        </p:sp>
+        <p:sp>
+          <p:nvSpPr>
+            <p:cNvPr id="10" name="Rectangle 9"/>
+            <p:cNvSpPr/>
+            <p:nvPr/>
+          </p:nvSpPr>
+          <p:spPr>
+            <a:xfrm>
+              <a:off x="1251284" y="1973031"/>
+              <a:ext cx="1139717" cy="1526206"/>
+            </a:xfrm>
+            <a:prstGeom prst="rect">
+              <a:avLst/>
+            </a:prstGeom>
+            <a:noFill/>
+            <a:ln>
+              <a:solidFill>
+                <a:schemeClr val="tx1"/>
+              </a:solidFill>
+            </a:ln>
+            <a:effectLst/>
+          </p:spPr>
+          <p:style>
+            <a:lnRef idx="1">
+              <a:schemeClr val="accent1"/>
+            </a:lnRef>
+            <a:fillRef idx="3">
+              <a:schemeClr val="accent1"/>
+            </a:fillRef>
+            <a:effectRef idx="2">
+              <a:schemeClr val="accent1"/>
+            </a:effectRef>
+            <a:fontRef idx="minor">
+              <a:schemeClr val="lt1"/>
+            </a:fontRef>
+          </p:style>
+          <p:txBody>
+            <a:bodyPr rtlCol="0" anchor="ctr"/>
+            <a:lstStyle/>
+            <a:p>
+              <a:pPr algn="ctr"/>
+              <a:r>
+                <a:rPr lang="en-US" sz="1200" dirty="0" smtClean="0">
+                  <a:solidFill>
+                    <a:schemeClr val="tx1"/>
+                  </a:solidFill>
+                </a:rPr>
+                <a:t>Effectiveness</a:t>
+              </a:r>
+              <a:endParaRPr lang="en-US" sz="1200" dirty="0">
+                <a:solidFill>
+                  <a:schemeClr val="tx1"/>
+                </a:solidFill>
+              </a:endParaRPr>
+            </a:p>
+          </p:txBody>
+        </p:sp>
+        <p:sp>
+          <p:nvSpPr>
+            <p:cNvPr id="11" name="Rectangle 10"/>
+            <p:cNvSpPr/>
+            <p:nvPr/>
+          </p:nvSpPr>
+          <p:spPr>
+            <a:xfrm>
+              <a:off x="2526705" y="1973030"/>
+              <a:ext cx="1139717" cy="1526207"/>
+            </a:xfrm>
+            <a:prstGeom prst="rect">
+              <a:avLst/>
+            </a:prstGeom>
+            <a:noFill/>
+            <a:ln>
+              <a:solidFill>
+                <a:schemeClr val="tx1"/>
+              </a:solidFill>
+            </a:ln>
+            <a:effectLst/>
+          </p:spPr>
+          <p:style>
+            <a:lnRef idx="1">
+              <a:schemeClr val="accent1"/>
+            </a:lnRef>
+            <a:fillRef idx="3">
+              <a:schemeClr val="accent1"/>
+            </a:fillRef>
+            <a:effectRef idx="2">
+              <a:schemeClr val="accent1"/>
+            </a:effectRef>
+            <a:fontRef idx="minor">
+              <a:schemeClr val="lt1"/>
+            </a:fontRef>
+          </p:style>
+          <p:txBody>
+            <a:bodyPr rtlCol="0" anchor="ctr"/>
+            <a:lstStyle/>
+            <a:p>
+              <a:pPr algn="ctr"/>
+              <a:r>
+                <a:rPr lang="en-US" sz="1200" dirty="0" smtClean="0">
+                  <a:solidFill>
+                    <a:schemeClr val="tx1"/>
+                  </a:solidFill>
+                </a:rPr>
+                <a:t>Efficiency</a:t>
+              </a:r>
+              <a:endParaRPr lang="en-US" sz="1200" dirty="0">
+                <a:solidFill>
+                  <a:schemeClr val="tx1"/>
+                </a:solidFill>
+              </a:endParaRPr>
+            </a:p>
+          </p:txBody>
+        </p:sp>
+        <p:sp>
+          <p:nvSpPr>
+            <p:cNvPr id="12" name="Rectangle 11"/>
+            <p:cNvSpPr/>
+            <p:nvPr/>
+          </p:nvSpPr>
+          <p:spPr>
+            <a:xfrm>
+              <a:off x="3825027" y="1973030"/>
+              <a:ext cx="1139717" cy="1526208"/>
+            </a:xfrm>
+            <a:prstGeom prst="rect">
+              <a:avLst/>
+            </a:prstGeom>
+            <a:noFill/>
+            <a:ln>
+              <a:solidFill>
+                <a:schemeClr val="tx1"/>
+              </a:solidFill>
+            </a:ln>
+            <a:effectLst/>
+          </p:spPr>
+          <p:style>
+            <a:lnRef idx="1">
+              <a:schemeClr val="accent1"/>
+            </a:lnRef>
+            <a:fillRef idx="3">
+              <a:schemeClr val="accent1"/>
+            </a:fillRef>
+            <a:effectRef idx="2">
+              <a:schemeClr val="accent1"/>
+            </a:effectRef>
+            <a:fontRef idx="minor">
+              <a:schemeClr val="lt1"/>
+            </a:fontRef>
+          </p:style>
+          <p:txBody>
+            <a:bodyPr rtlCol="0" anchor="ctr"/>
+            <a:lstStyle/>
+            <a:p>
+              <a:pPr algn="ctr"/>
+              <a:r>
+                <a:rPr lang="en-US" sz="1200" dirty="0" smtClean="0">
+                  <a:solidFill>
+                    <a:schemeClr val="tx1"/>
+                  </a:solidFill>
+                </a:rPr>
+                <a:t>Usefulness</a:t>
+              </a:r>
+            </a:p>
+            <a:p>
+              <a:pPr algn="ctr"/>
+              <a:endParaRPr lang="en-US" sz="1200" dirty="0" smtClean="0">
+                <a:solidFill>
+                  <a:schemeClr val="tx1"/>
+                </a:solidFill>
+              </a:endParaRPr>
+            </a:p>
+            <a:p>
+              <a:pPr algn="ctr"/>
+              <a:r>
+                <a:rPr lang="en-US" sz="1200" dirty="0" smtClean="0">
+                  <a:solidFill>
+                    <a:schemeClr val="tx1"/>
+                  </a:solidFill>
+                </a:rPr>
+                <a:t>Trust</a:t>
+              </a:r>
+            </a:p>
+            <a:p>
+              <a:pPr algn="ctr"/>
+              <a:endParaRPr lang="en-US" sz="1200" dirty="0" smtClean="0">
+                <a:solidFill>
+                  <a:schemeClr val="tx1"/>
+                </a:solidFill>
+              </a:endParaRPr>
+            </a:p>
+            <a:p>
+              <a:pPr algn="ctr"/>
+              <a:r>
+                <a:rPr lang="en-US" sz="1200" dirty="0" smtClean="0">
+                  <a:solidFill>
+                    <a:schemeClr val="tx1"/>
+                  </a:solidFill>
+                </a:rPr>
+                <a:t>Pleasure</a:t>
+              </a:r>
+            </a:p>
+            <a:p>
+              <a:pPr algn="ctr"/>
+              <a:endParaRPr lang="en-US" sz="1200" dirty="0" smtClean="0">
+                <a:solidFill>
+                  <a:schemeClr val="tx1"/>
+                </a:solidFill>
+              </a:endParaRPr>
+            </a:p>
+            <a:p>
+              <a:pPr algn="ctr"/>
+              <a:r>
+                <a:rPr lang="en-US" sz="1200" dirty="0" smtClean="0">
+                  <a:solidFill>
+                    <a:schemeClr val="tx1"/>
+                  </a:solidFill>
+                </a:rPr>
+                <a:t>Comfort</a:t>
+              </a:r>
+              <a:endParaRPr lang="en-US" sz="1200" dirty="0">
+                <a:solidFill>
+                  <a:schemeClr val="tx1"/>
+                </a:solidFill>
+              </a:endParaRPr>
+            </a:p>
+          </p:txBody>
+        </p:sp>
+        <p:sp>
+          <p:nvSpPr>
+            <p:cNvPr id="13" name="Rectangle 12"/>
+            <p:cNvSpPr/>
+            <p:nvPr/>
+          </p:nvSpPr>
+          <p:spPr>
+            <a:xfrm>
+              <a:off x="5140778" y="1973030"/>
+              <a:ext cx="1428831" cy="1526207"/>
+            </a:xfrm>
+            <a:prstGeom prst="rect">
+              <a:avLst/>
+            </a:prstGeom>
+            <a:noFill/>
+            <a:ln>
+              <a:solidFill>
+                <a:schemeClr val="tx1"/>
+              </a:solidFill>
+            </a:ln>
+            <a:effectLst/>
+          </p:spPr>
+          <p:style>
+            <a:lnRef idx="1">
+              <a:schemeClr val="accent1"/>
+            </a:lnRef>
+            <a:fillRef idx="3">
+              <a:schemeClr val="accent1"/>
+            </a:fillRef>
+            <a:effectRef idx="2">
+              <a:schemeClr val="accent1"/>
+            </a:effectRef>
+            <a:fontRef idx="minor">
+              <a:schemeClr val="lt1"/>
+            </a:fontRef>
+          </p:style>
+          <p:txBody>
+            <a:bodyPr rtlCol="0" anchor="ctr"/>
+            <a:lstStyle/>
+            <a:p>
+              <a:pPr algn="ctr"/>
+              <a:r>
+                <a:rPr lang="en-US" sz="1200" dirty="0" smtClean="0">
+                  <a:solidFill>
+                    <a:schemeClr val="tx1"/>
+                  </a:solidFill>
+                </a:rPr>
+                <a:t>Economic risk migration</a:t>
+              </a:r>
+            </a:p>
+            <a:p>
+              <a:pPr algn="ctr"/>
+              <a:endParaRPr lang="en-US" sz="1200" dirty="0" smtClean="0">
+                <a:solidFill>
+                  <a:schemeClr val="tx1"/>
+                </a:solidFill>
+              </a:endParaRPr>
+            </a:p>
+            <a:p>
+              <a:pPr algn="ctr"/>
+              <a:r>
+                <a:rPr lang="en-US" sz="1200" dirty="0" smtClean="0">
+                  <a:solidFill>
+                    <a:schemeClr val="tx1"/>
+                  </a:solidFill>
+                </a:rPr>
+                <a:t>Health and safety risk mitigation</a:t>
+              </a:r>
+            </a:p>
+            <a:p>
+              <a:pPr algn="ctr"/>
+              <a:endParaRPr lang="en-US" sz="1200" dirty="0" smtClean="0">
+                <a:solidFill>
+                  <a:schemeClr val="tx1"/>
+                </a:solidFill>
+              </a:endParaRPr>
+            </a:p>
+            <a:p>
+              <a:pPr algn="ctr"/>
+              <a:r>
+                <a:rPr lang="en-US" sz="1200" dirty="0" smtClean="0">
+                  <a:solidFill>
+                    <a:schemeClr val="tx1"/>
+                  </a:solidFill>
+                </a:rPr>
+                <a:t>Environmental risk migration</a:t>
+              </a:r>
+            </a:p>
+          </p:txBody>
+        </p:sp>
+        <p:sp>
+          <p:nvSpPr>
+            <p:cNvPr id="14" name="Rectangle 13"/>
+            <p:cNvSpPr/>
+            <p:nvPr/>
+          </p:nvSpPr>
+          <p:spPr>
+            <a:xfrm>
+              <a:off x="6743052" y="1973031"/>
+              <a:ext cx="1270226" cy="1526206"/>
+            </a:xfrm>
+            <a:prstGeom prst="rect">
+              <a:avLst/>
+            </a:prstGeom>
+            <a:noFill/>
+            <a:ln>
+              <a:solidFill>
+                <a:schemeClr val="tx1"/>
+              </a:solidFill>
+            </a:ln>
+            <a:effectLst/>
+          </p:spPr>
+          <p:style>
+            <a:lnRef idx="1">
+              <a:schemeClr val="accent1"/>
+            </a:lnRef>
+            <a:fillRef idx="3">
+              <a:schemeClr val="accent1"/>
+            </a:fillRef>
+            <a:effectRef idx="2">
+              <a:schemeClr val="accent1"/>
+            </a:effectRef>
+            <a:fontRef idx="minor">
+              <a:schemeClr val="lt1"/>
+            </a:fontRef>
+          </p:style>
+          <p:txBody>
+            <a:bodyPr rtlCol="0" anchor="ctr"/>
+            <a:lstStyle/>
+            <a:p>
+              <a:pPr algn="ctr"/>
+              <a:r>
+                <a:rPr lang="en-US" sz="1200" dirty="0" smtClean="0">
+                  <a:solidFill>
+                    <a:schemeClr val="tx1"/>
+                  </a:solidFill>
+                </a:rPr>
+                <a:t>Context completeness</a:t>
+              </a:r>
+            </a:p>
+            <a:p>
+              <a:pPr algn="ctr"/>
+              <a:endParaRPr lang="en-US" sz="1200" dirty="0" smtClean="0">
+                <a:solidFill>
+                  <a:schemeClr val="tx1"/>
+                </a:solidFill>
+              </a:endParaRPr>
+            </a:p>
+            <a:p>
+              <a:pPr algn="ctr"/>
+              <a:r>
+                <a:rPr lang="en-US" sz="1200" dirty="0" smtClean="0">
+                  <a:solidFill>
+                    <a:schemeClr val="tx1"/>
+                  </a:solidFill>
+                </a:rPr>
+                <a:t>Flexibility</a:t>
+              </a:r>
+              <a:endParaRPr lang="en-US" sz="1200" dirty="0">
+                <a:solidFill>
+                  <a:schemeClr val="tx1"/>
+                </a:solidFill>
+              </a:endParaRPr>
+            </a:p>
+          </p:txBody>
+        </p:sp>
+        <p:cxnSp>
+          <p:nvCxnSpPr>
+            <p:cNvPr id="16" name="Elbow Connector 15"/>
+            <p:cNvCxnSpPr>
+              <a:stCxn id="5" idx="0"/>
+              <a:endCxn id="4" idx="2"/>
+            </p:cNvCxnSpPr>
+            <p:nvPr/>
+          </p:nvCxnSpPr>
+          <p:spPr>
+            <a:xfrm rot="5400000" flipH="1" flipV="1">
+              <a:off x="2978455" y="57828"/>
+              <a:ext cx="259118" cy="2573742"/>
+            </a:xfrm>
+            <a:prstGeom prst="bentConnector3">
+              <a:avLst>
+                <a:gd name="adj1" fmla="val 50000"/>
+              </a:avLst>
+            </a:prstGeom>
+            <a:ln w="12700" cmpd="sng">
+              <a:solidFill>
+                <a:schemeClr val="tx1"/>
+              </a:solidFill>
+            </a:ln>
+            <a:effectLst/>
+          </p:spPr>
+          <p:style>
+            <a:lnRef idx="2">
+              <a:schemeClr val="accent1"/>
+            </a:lnRef>
+            <a:fillRef idx="0">
+              <a:schemeClr val="accent1"/>
+            </a:fillRef>
+            <a:effectRef idx="1">
+              <a:schemeClr val="accent1"/>
+            </a:effectRef>
+            <a:fontRef idx="minor">
+              <a:schemeClr val="tx1"/>
+            </a:fontRef>
+          </p:style>
+        </p:cxnSp>
+        <p:cxnSp>
+          <p:nvCxnSpPr>
+            <p:cNvPr id="20" name="Elbow Connector 19"/>
+            <p:cNvCxnSpPr>
+              <a:stCxn id="9" idx="0"/>
+              <a:endCxn id="4" idx="2"/>
+            </p:cNvCxnSpPr>
+            <p:nvPr/>
+          </p:nvCxnSpPr>
+          <p:spPr>
+            <a:xfrm rot="16200000" flipV="1">
+              <a:off x="5752524" y="-142499"/>
+              <a:ext cx="259118" cy="2974396"/>
+            </a:xfrm>
+            <a:prstGeom prst="bentConnector3">
+              <a:avLst>
+                <a:gd name="adj1" fmla="val 50000"/>
+              </a:avLst>
+            </a:prstGeom>
+            <a:ln w="12700" cmpd="sng">
+              <a:solidFill>
+                <a:schemeClr val="tx1"/>
+              </a:solidFill>
+            </a:ln>
+            <a:effectLst/>
+          </p:spPr>
+          <p:style>
+            <a:lnRef idx="2">
+              <a:schemeClr val="accent1"/>
+            </a:lnRef>
+            <a:fillRef idx="0">
+              <a:schemeClr val="accent1"/>
+            </a:fillRef>
+            <a:effectRef idx="1">
+              <a:schemeClr val="accent1"/>
+            </a:effectRef>
+            <a:fontRef idx="minor">
+              <a:schemeClr val="tx1"/>
+            </a:fontRef>
+          </p:style>
+        </p:cxnSp>
+        <p:cxnSp>
+          <p:nvCxnSpPr>
+            <p:cNvPr id="24" name="Elbow Connector 23"/>
+            <p:cNvCxnSpPr>
+              <a:stCxn id="6" idx="0"/>
+              <a:endCxn id="4" idx="2"/>
+            </p:cNvCxnSpPr>
+            <p:nvPr/>
+          </p:nvCxnSpPr>
+          <p:spPr>
+            <a:xfrm rot="5400000" flipH="1" flipV="1">
+              <a:off x="3616165" y="695539"/>
+              <a:ext cx="259118" cy="1298321"/>
+            </a:xfrm>
+            <a:prstGeom prst="bentConnector3">
+              <a:avLst>
+                <a:gd name="adj1" fmla="val 50000"/>
+              </a:avLst>
+            </a:prstGeom>
+            <a:ln w="12700" cmpd="sng">
+              <a:solidFill>
+                <a:schemeClr val="tx1"/>
+              </a:solidFill>
+            </a:ln>
+            <a:effectLst/>
+          </p:spPr>
+          <p:style>
+            <a:lnRef idx="2">
+              <a:schemeClr val="accent1"/>
+            </a:lnRef>
+            <a:fillRef idx="0">
+              <a:schemeClr val="accent1"/>
+            </a:fillRef>
+            <a:effectRef idx="1">
+              <a:schemeClr val="accent1"/>
+            </a:effectRef>
+            <a:fontRef idx="minor">
+              <a:schemeClr val="tx1"/>
+            </a:fontRef>
+          </p:style>
+        </p:cxnSp>
+        <p:cxnSp>
+          <p:nvCxnSpPr>
+            <p:cNvPr id="27" name="Elbow Connector 26"/>
+            <p:cNvCxnSpPr>
+              <a:stCxn id="8" idx="0"/>
+              <a:endCxn id="4" idx="2"/>
+            </p:cNvCxnSpPr>
+            <p:nvPr/>
+          </p:nvCxnSpPr>
+          <p:spPr>
+            <a:xfrm rot="16200000" flipV="1">
+              <a:off x="4995291" y="614735"/>
+              <a:ext cx="259499" cy="1460309"/>
+            </a:xfrm>
+            <a:prstGeom prst="bentConnector3">
+              <a:avLst>
+                <a:gd name="adj1" fmla="val 50000"/>
+              </a:avLst>
+            </a:prstGeom>
+            <a:ln w="12700" cmpd="sng">
+              <a:solidFill>
+                <a:schemeClr val="tx1"/>
+              </a:solidFill>
+            </a:ln>
+            <a:effectLst/>
+          </p:spPr>
+          <p:style>
+            <a:lnRef idx="2">
+              <a:schemeClr val="accent1"/>
+            </a:lnRef>
+            <a:fillRef idx="0">
+              <a:schemeClr val="accent1"/>
+            </a:fillRef>
+            <a:effectRef idx="1">
+              <a:schemeClr val="accent1"/>
+            </a:effectRef>
+            <a:fontRef idx="minor">
+              <a:schemeClr val="tx1"/>
+            </a:fontRef>
+          </p:style>
+        </p:cxnSp>
+        <p:cxnSp>
+          <p:nvCxnSpPr>
+            <p:cNvPr id="30" name="Elbow Connector 29"/>
+            <p:cNvCxnSpPr>
+              <a:stCxn id="7" idx="0"/>
+              <a:endCxn id="4" idx="2"/>
+            </p:cNvCxnSpPr>
+            <p:nvPr/>
+          </p:nvCxnSpPr>
+          <p:spPr>
+            <a:xfrm rot="16200000" flipV="1">
+              <a:off x="4265137" y="1344889"/>
+              <a:ext cx="259499" cy="1"/>
+            </a:xfrm>
+            <a:prstGeom prst="bentConnector3">
+              <a:avLst>
+                <a:gd name="adj1" fmla="val 50000"/>
+              </a:avLst>
+            </a:prstGeom>
+            <a:ln w="12700" cmpd="sng">
+              <a:solidFill>
+                <a:schemeClr val="tx1"/>
+              </a:solidFill>
+            </a:ln>
+            <a:effectLst/>
+          </p:spPr>
+          <p:style>
+            <a:lnRef idx="2">
+              <a:schemeClr val="accent1"/>
+            </a:lnRef>
+            <a:fillRef idx="0">
+              <a:schemeClr val="accent1"/>
+            </a:fillRef>
+            <a:effectRef idx="1">
+              <a:schemeClr val="accent1"/>
+            </a:effectRef>
+            <a:fontRef idx="minor">
+              <a:schemeClr val="tx1"/>
+            </a:fontRef>
+          </p:style>
+        </p:cxnSp>
+      </p:grpSp>
+    </p:spTree>
+    <p:extLst>
+      <p:ext uri="{BB962C8B-B14F-4D97-AF65-F5344CB8AC3E}">
+        <p14:creationId xmlns:p14="http://schemas.microsoft.com/office/powerpoint/2010/main" val="3516950136"/>
+      </p:ext>
+    </p:extLst>
+  </p:cSld>
+  <p:clrMapOvr>
+    <a:masterClrMapping/>
+  </p:clrMapOvr>
+</p:sld>
+</file>
+
+<file path=ppt/slides/slide29.xml><?xml version="1.0" encoding="utf-8"?>
+<p:sld xmlns:a="http://schemas.openxmlformats.org/drawingml/2006/main" xmlns:r="http://schemas.openxmlformats.org/officeDocument/2006/relationships" xmlns:p="http://schemas.openxmlformats.org/presentationml/2006/main">
+  <p:cSld>
+    <p:spTree>
+      <p:nvGrpSpPr>
+        <p:cNvPr id="1" name=""/>
+        <p:cNvGrpSpPr/>
+        <p:nvPr/>
+      </p:nvGrpSpPr>
+      <p:grpSpPr>
+        <a:xfrm>
+          <a:off x="0" y="0"/>
+          <a:ext cx="0" cy="0"/>
+          <a:chOff x="0" y="0"/>
+          <a:chExt cx="0" cy="0"/>
+        </a:xfrm>
+      </p:grpSpPr>
+      <p:grpSp>
+        <p:nvGrpSpPr>
+          <p:cNvPr id="78" name="Group 77"/>
+          <p:cNvGrpSpPr/>
+          <p:nvPr/>
+        </p:nvGrpSpPr>
+        <p:grpSpPr>
+          <a:xfrm>
+            <a:off x="228444" y="804599"/>
+            <a:ext cx="8707692" cy="3755222"/>
+            <a:chOff x="228444" y="804599"/>
+            <a:chExt cx="8707692" cy="3755222"/>
+          </a:xfrm>
+        </p:grpSpPr>
+        <p:sp>
+          <p:nvSpPr>
+            <p:cNvPr id="4" name="Rectangle 3"/>
+            <p:cNvSpPr/>
+            <p:nvPr/>
+          </p:nvSpPr>
+          <p:spPr>
+            <a:xfrm>
+              <a:off x="3705356" y="804599"/>
+              <a:ext cx="1379058" cy="410541"/>
+            </a:xfrm>
+            <a:prstGeom prst="rect">
+              <a:avLst/>
+            </a:prstGeom>
+            <a:noFill/>
+            <a:ln>
+              <a:solidFill>
+                <a:schemeClr val="tx1"/>
+              </a:solidFill>
+            </a:ln>
+            <a:effectLst/>
+          </p:spPr>
+          <p:style>
+            <a:lnRef idx="1">
+              <a:schemeClr val="accent1"/>
+            </a:lnRef>
+            <a:fillRef idx="3">
+              <a:schemeClr val="accent1"/>
+            </a:fillRef>
+            <a:effectRef idx="2">
+              <a:schemeClr val="accent1"/>
+            </a:effectRef>
+            <a:fontRef idx="minor">
+              <a:schemeClr val="lt1"/>
+            </a:fontRef>
+          </p:style>
+          <p:txBody>
+            <a:bodyPr rtlCol="0" anchor="ctr"/>
+            <a:lstStyle/>
+            <a:p>
+              <a:pPr algn="ctr"/>
+              <a:r>
+                <a:rPr lang="en-US" sz="1200" b="1" dirty="0" smtClean="0">
+                  <a:solidFill>
+                    <a:schemeClr val="tx1"/>
+                  </a:solidFill>
+                </a:rPr>
+                <a:t>System/Software Product Quality</a:t>
+              </a:r>
+              <a:endParaRPr lang="en-US" sz="1200" b="1" dirty="0">
+                <a:solidFill>
+                  <a:schemeClr val="tx1"/>
+                </a:solidFill>
+              </a:endParaRPr>
+            </a:p>
+          </p:txBody>
+        </p:sp>
+        <p:sp>
+          <p:nvSpPr>
+            <p:cNvPr id="5" name="Rectangle 4"/>
+            <p:cNvSpPr/>
+            <p:nvPr/>
+          </p:nvSpPr>
+          <p:spPr>
+            <a:xfrm>
+              <a:off x="228444" y="1474258"/>
+              <a:ext cx="1078167" cy="410541"/>
+            </a:xfrm>
+            <a:prstGeom prst="rect">
+              <a:avLst/>
+            </a:prstGeom>
+            <a:noFill/>
+            <a:ln>
+              <a:solidFill>
+                <a:schemeClr val="tx1"/>
+              </a:solidFill>
+            </a:ln>
+            <a:effectLst/>
+          </p:spPr>
+          <p:style>
+            <a:lnRef idx="1">
+              <a:schemeClr val="accent1"/>
+            </a:lnRef>
+            <a:fillRef idx="3">
+              <a:schemeClr val="accent1"/>
+            </a:fillRef>
+            <a:effectRef idx="2">
+              <a:schemeClr val="accent1"/>
+            </a:effectRef>
+            <a:fontRef idx="minor">
+              <a:schemeClr val="lt1"/>
+            </a:fontRef>
+          </p:style>
+          <p:txBody>
+            <a:bodyPr rtlCol="0" anchor="ctr"/>
+            <a:lstStyle/>
+            <a:p>
+              <a:pPr algn="ctr"/>
+              <a:r>
+                <a:rPr lang="en-US" sz="1000" dirty="0" smtClean="0">
+                  <a:solidFill>
+                    <a:schemeClr val="tx1"/>
+                  </a:solidFill>
+                </a:rPr>
+                <a:t>Functional Suitability</a:t>
+              </a:r>
+              <a:endParaRPr lang="en-US" sz="1000" dirty="0">
+                <a:solidFill>
+                  <a:schemeClr val="tx1"/>
+                </a:solidFill>
+              </a:endParaRPr>
+            </a:p>
+          </p:txBody>
+        </p:sp>
+        <p:sp>
+          <p:nvSpPr>
+            <p:cNvPr id="6" name="Rectangle 5"/>
+            <p:cNvSpPr/>
+            <p:nvPr/>
+          </p:nvSpPr>
+          <p:spPr>
+            <a:xfrm>
+              <a:off x="1357170" y="1474258"/>
+              <a:ext cx="983944" cy="410541"/>
+            </a:xfrm>
+            <a:prstGeom prst="rect">
+              <a:avLst/>
+            </a:prstGeom>
+            <a:noFill/>
+            <a:ln>
+              <a:solidFill>
+                <a:schemeClr val="tx1"/>
+              </a:solidFill>
+            </a:ln>
+            <a:effectLst/>
+          </p:spPr>
+          <p:style>
+            <a:lnRef idx="1">
+              <a:schemeClr val="accent1"/>
+            </a:lnRef>
+            <a:fillRef idx="3">
+              <a:schemeClr val="accent1"/>
+            </a:fillRef>
+            <a:effectRef idx="2">
+              <a:schemeClr val="accent1"/>
+            </a:effectRef>
+            <a:fontRef idx="minor">
+              <a:schemeClr val="lt1"/>
+            </a:fontRef>
+          </p:style>
+          <p:txBody>
+            <a:bodyPr rtlCol="0" anchor="ctr"/>
+            <a:lstStyle/>
+            <a:p>
+              <a:pPr algn="ctr"/>
+              <a:r>
+                <a:rPr lang="en-US" sz="1000" dirty="0" smtClean="0">
+                  <a:solidFill>
+                    <a:schemeClr val="tx1"/>
+                  </a:solidFill>
+                </a:rPr>
+                <a:t>Performance Efficiency</a:t>
+              </a:r>
+              <a:endParaRPr lang="en-US" sz="1000" dirty="0">
+                <a:solidFill>
+                  <a:schemeClr val="tx1"/>
+                </a:solidFill>
+              </a:endParaRPr>
+            </a:p>
+          </p:txBody>
+        </p:sp>
+        <p:sp>
+          <p:nvSpPr>
+            <p:cNvPr id="7" name="Rectangle 6"/>
+            <p:cNvSpPr/>
+            <p:nvPr/>
+          </p:nvSpPr>
+          <p:spPr>
+            <a:xfrm>
+              <a:off x="2390518" y="1474639"/>
+              <a:ext cx="1087258" cy="410541"/>
+            </a:xfrm>
+            <a:prstGeom prst="rect">
+              <a:avLst/>
+            </a:prstGeom>
+            <a:noFill/>
+            <a:ln>
+              <a:solidFill>
+                <a:schemeClr val="tx1"/>
+              </a:solidFill>
+            </a:ln>
+            <a:effectLst/>
+          </p:spPr>
+          <p:style>
+            <a:lnRef idx="1">
+              <a:schemeClr val="accent1"/>
+            </a:lnRef>
+            <a:fillRef idx="3">
+              <a:schemeClr val="accent1"/>
+            </a:fillRef>
+            <a:effectRef idx="2">
+              <a:schemeClr val="accent1"/>
+            </a:effectRef>
+            <a:fontRef idx="minor">
+              <a:schemeClr val="lt1"/>
+            </a:fontRef>
+          </p:style>
+          <p:txBody>
+            <a:bodyPr rtlCol="0" anchor="ctr"/>
+            <a:lstStyle/>
+            <a:p>
+              <a:pPr algn="ctr"/>
+              <a:r>
+                <a:rPr lang="en-US" sz="1000" dirty="0" smtClean="0">
+                  <a:solidFill>
+                    <a:schemeClr val="tx1"/>
+                  </a:solidFill>
+                </a:rPr>
+                <a:t>Compatibility</a:t>
+              </a:r>
+              <a:endParaRPr lang="en-US" sz="1000" dirty="0">
+                <a:solidFill>
+                  <a:schemeClr val="tx1"/>
+                </a:solidFill>
+              </a:endParaRPr>
+            </a:p>
+          </p:txBody>
+        </p:sp>
+        <p:sp>
+          <p:nvSpPr>
+            <p:cNvPr id="8" name="Rectangle 7"/>
+            <p:cNvSpPr/>
+            <p:nvPr/>
+          </p:nvSpPr>
+          <p:spPr>
+            <a:xfrm>
+              <a:off x="3523529" y="1474639"/>
+              <a:ext cx="1072456" cy="410541"/>
+            </a:xfrm>
+            <a:prstGeom prst="rect">
+              <a:avLst/>
+            </a:prstGeom>
+            <a:noFill/>
+            <a:ln>
+              <a:solidFill>
+                <a:schemeClr val="tx1"/>
+              </a:solidFill>
+            </a:ln>
+            <a:effectLst/>
+          </p:spPr>
+          <p:style>
+            <a:lnRef idx="1">
+              <a:schemeClr val="accent1"/>
+            </a:lnRef>
+            <a:fillRef idx="3">
+              <a:schemeClr val="accent1"/>
+            </a:fillRef>
+            <a:effectRef idx="2">
+              <a:schemeClr val="accent1"/>
+            </a:effectRef>
+            <a:fontRef idx="minor">
+              <a:schemeClr val="lt1"/>
+            </a:fontRef>
+          </p:style>
+          <p:txBody>
+            <a:bodyPr rtlCol="0" anchor="ctr"/>
+            <a:lstStyle/>
+            <a:p>
+              <a:pPr algn="ctr"/>
+              <a:r>
+                <a:rPr lang="en-US" sz="1000" dirty="0" smtClean="0">
+                  <a:solidFill>
+                    <a:schemeClr val="tx1"/>
+                  </a:solidFill>
+                </a:rPr>
+                <a:t>Usability</a:t>
+              </a:r>
+              <a:endParaRPr lang="en-US" sz="1000" dirty="0">
+                <a:solidFill>
+                  <a:schemeClr val="tx1"/>
+                </a:solidFill>
+              </a:endParaRPr>
+            </a:p>
+          </p:txBody>
+        </p:sp>
+        <p:sp>
+          <p:nvSpPr>
+            <p:cNvPr id="9" name="Rectangle 8"/>
+            <p:cNvSpPr/>
+            <p:nvPr/>
+          </p:nvSpPr>
+          <p:spPr>
+            <a:xfrm>
+              <a:off x="4642048" y="1474258"/>
+              <a:ext cx="1013849" cy="410541"/>
+            </a:xfrm>
+            <a:prstGeom prst="rect">
+              <a:avLst/>
+            </a:prstGeom>
+            <a:noFill/>
+            <a:ln>
+              <a:solidFill>
+                <a:schemeClr val="tx1"/>
+              </a:solidFill>
+            </a:ln>
+            <a:effectLst/>
+          </p:spPr>
+          <p:style>
+            <a:lnRef idx="1">
+              <a:schemeClr val="accent1"/>
+            </a:lnRef>
+            <a:fillRef idx="3">
+              <a:schemeClr val="accent1"/>
+            </a:fillRef>
+            <a:effectRef idx="2">
+              <a:schemeClr val="accent1"/>
+            </a:effectRef>
+            <a:fontRef idx="minor">
+              <a:schemeClr val="lt1"/>
+            </a:fontRef>
+          </p:style>
+          <p:txBody>
+            <a:bodyPr rtlCol="0" anchor="ctr"/>
+            <a:lstStyle/>
+            <a:p>
+              <a:pPr algn="ctr"/>
+              <a:r>
+                <a:rPr lang="en-US" sz="1000" dirty="0" smtClean="0">
+                  <a:solidFill>
+                    <a:schemeClr val="tx1"/>
+                  </a:solidFill>
+                </a:rPr>
+                <a:t>Reliability</a:t>
+              </a:r>
+              <a:endParaRPr lang="en-US" sz="1000" dirty="0">
+                <a:solidFill>
+                  <a:schemeClr val="tx1"/>
+                </a:solidFill>
+              </a:endParaRPr>
+            </a:p>
+          </p:txBody>
+        </p:sp>
+        <p:sp>
+          <p:nvSpPr>
+            <p:cNvPr id="10" name="Rectangle 9"/>
+            <p:cNvSpPr/>
+            <p:nvPr/>
+          </p:nvSpPr>
+          <p:spPr>
+            <a:xfrm>
+              <a:off x="228444" y="1973030"/>
+              <a:ext cx="1078168" cy="2576891"/>
+            </a:xfrm>
+            <a:prstGeom prst="rect">
+              <a:avLst/>
+            </a:prstGeom>
+            <a:noFill/>
+            <a:ln>
+              <a:solidFill>
+                <a:schemeClr val="tx1"/>
+              </a:solidFill>
+            </a:ln>
+            <a:effectLst/>
+          </p:spPr>
+          <p:style>
+            <a:lnRef idx="1">
+              <a:schemeClr val="accent1"/>
+            </a:lnRef>
+            <a:fillRef idx="3">
+              <a:schemeClr val="accent1"/>
+            </a:fillRef>
+            <a:effectRef idx="2">
+              <a:schemeClr val="accent1"/>
+            </a:effectRef>
+            <a:fontRef idx="minor">
+              <a:schemeClr val="lt1"/>
+            </a:fontRef>
+          </p:style>
+          <p:txBody>
+            <a:bodyPr rtlCol="0" anchor="ctr"/>
+            <a:lstStyle/>
+            <a:p>
+              <a:pPr algn="ctr"/>
+              <a:r>
+                <a:rPr lang="en-US" sz="1000" dirty="0" smtClean="0">
+                  <a:solidFill>
+                    <a:schemeClr val="tx1"/>
+                  </a:solidFill>
+                </a:rPr>
+                <a:t>Functional completeness</a:t>
+              </a:r>
+            </a:p>
+            <a:p>
+              <a:pPr algn="ctr"/>
+              <a:endParaRPr lang="en-US" sz="1000" dirty="0">
+                <a:solidFill>
+                  <a:schemeClr val="tx1"/>
+                </a:solidFill>
+              </a:endParaRPr>
+            </a:p>
+            <a:p>
+              <a:pPr algn="ctr"/>
+              <a:r>
+                <a:rPr lang="en-US" sz="1000" dirty="0" smtClean="0">
+                  <a:solidFill>
+                    <a:schemeClr val="tx1"/>
+                  </a:solidFill>
+                </a:rPr>
+                <a:t>Functional correctness</a:t>
+              </a:r>
+            </a:p>
+            <a:p>
+              <a:pPr algn="ctr"/>
+              <a:endParaRPr lang="en-US" sz="1000" dirty="0">
+                <a:solidFill>
+                  <a:schemeClr val="tx1"/>
+                </a:solidFill>
+              </a:endParaRPr>
+            </a:p>
+            <a:p>
+              <a:pPr algn="ctr"/>
+              <a:r>
+                <a:rPr lang="en-US" sz="1000" dirty="0" smtClean="0">
+                  <a:solidFill>
+                    <a:schemeClr val="tx1"/>
+                  </a:solidFill>
+                </a:rPr>
+                <a:t>Functional appropriateness</a:t>
+              </a:r>
+              <a:endParaRPr lang="en-US" sz="1000" dirty="0">
+                <a:solidFill>
+                  <a:schemeClr val="tx1"/>
+                </a:solidFill>
+              </a:endParaRPr>
+            </a:p>
+          </p:txBody>
+        </p:sp>
+        <p:sp>
+          <p:nvSpPr>
+            <p:cNvPr id="11" name="Rectangle 10"/>
+            <p:cNvSpPr/>
+            <p:nvPr/>
+          </p:nvSpPr>
+          <p:spPr>
+            <a:xfrm>
+              <a:off x="1357170" y="1973030"/>
+              <a:ext cx="983944" cy="2576891"/>
+            </a:xfrm>
+            <a:prstGeom prst="rect">
+              <a:avLst/>
+            </a:prstGeom>
+            <a:noFill/>
+            <a:ln>
+              <a:solidFill>
+                <a:schemeClr val="tx1"/>
+              </a:solidFill>
+            </a:ln>
+            <a:effectLst/>
+          </p:spPr>
+          <p:style>
+            <a:lnRef idx="1">
+              <a:schemeClr val="accent1"/>
+            </a:lnRef>
+            <a:fillRef idx="3">
+              <a:schemeClr val="accent1"/>
+            </a:fillRef>
+            <a:effectRef idx="2">
+              <a:schemeClr val="accent1"/>
+            </a:effectRef>
+            <a:fontRef idx="minor">
+              <a:schemeClr val="lt1"/>
+            </a:fontRef>
+          </p:style>
+          <p:txBody>
+            <a:bodyPr rtlCol="0" anchor="ctr"/>
+            <a:lstStyle/>
+            <a:p>
+              <a:pPr algn="ctr"/>
+              <a:r>
+                <a:rPr lang="en-US" sz="1000" dirty="0" smtClean="0">
+                  <a:solidFill>
+                    <a:schemeClr val="tx1"/>
+                  </a:solidFill>
+                </a:rPr>
+                <a:t>Time-behavior</a:t>
+              </a:r>
+            </a:p>
+            <a:p>
+              <a:pPr algn="ctr"/>
+              <a:endParaRPr lang="en-US" sz="1000" dirty="0">
+                <a:solidFill>
+                  <a:schemeClr val="tx1"/>
+                </a:solidFill>
+              </a:endParaRPr>
+            </a:p>
+            <a:p>
+              <a:pPr algn="ctr"/>
+              <a:r>
+                <a:rPr lang="en-US" sz="1000" dirty="0" smtClean="0">
+                  <a:solidFill>
+                    <a:schemeClr val="tx1"/>
+                  </a:solidFill>
+                </a:rPr>
+                <a:t>Resource utilization capacity</a:t>
+              </a:r>
+              <a:endParaRPr lang="en-US" sz="1000" dirty="0">
+                <a:solidFill>
+                  <a:schemeClr val="tx1"/>
+                </a:solidFill>
+              </a:endParaRPr>
+            </a:p>
+          </p:txBody>
+        </p:sp>
+        <p:sp>
+          <p:nvSpPr>
+            <p:cNvPr id="12" name="Rectangle 11"/>
+            <p:cNvSpPr/>
+            <p:nvPr/>
+          </p:nvSpPr>
+          <p:spPr>
+            <a:xfrm>
+              <a:off x="2390518" y="1973030"/>
+              <a:ext cx="1087258" cy="2576892"/>
+            </a:xfrm>
+            <a:prstGeom prst="rect">
+              <a:avLst/>
+            </a:prstGeom>
+            <a:noFill/>
+            <a:ln>
+              <a:solidFill>
+                <a:schemeClr val="tx1"/>
+              </a:solidFill>
+            </a:ln>
+            <a:effectLst/>
+          </p:spPr>
+          <p:style>
+            <a:lnRef idx="1">
+              <a:schemeClr val="accent1"/>
+            </a:lnRef>
+            <a:fillRef idx="3">
+              <a:schemeClr val="accent1"/>
+            </a:fillRef>
+            <a:effectRef idx="2">
+              <a:schemeClr val="accent1"/>
+            </a:effectRef>
+            <a:fontRef idx="minor">
+              <a:schemeClr val="lt1"/>
+            </a:fontRef>
+          </p:style>
+          <p:txBody>
+            <a:bodyPr rtlCol="0" anchor="ctr"/>
+            <a:lstStyle/>
+            <a:p>
+              <a:pPr algn="ctr"/>
+              <a:r>
+                <a:rPr lang="en-US" sz="1000" dirty="0" smtClean="0">
+                  <a:solidFill>
+                    <a:schemeClr val="tx1"/>
+                  </a:solidFill>
+                </a:rPr>
+                <a:t>Co-existence</a:t>
+              </a:r>
+            </a:p>
+            <a:p>
+              <a:pPr algn="ctr"/>
+              <a:r>
+                <a:rPr lang="en-US" sz="1000" dirty="0" smtClean="0">
+                  <a:solidFill>
+                    <a:schemeClr val="tx1"/>
+                  </a:solidFill>
+                </a:rPr>
+                <a:t>Interoperability</a:t>
+              </a:r>
+              <a:endParaRPr lang="en-US" sz="1000" dirty="0">
+                <a:solidFill>
+                  <a:schemeClr val="tx1"/>
+                </a:solidFill>
+              </a:endParaRPr>
+            </a:p>
+          </p:txBody>
+        </p:sp>
+        <p:sp>
+          <p:nvSpPr>
+            <p:cNvPr id="13" name="Rectangle 12"/>
+            <p:cNvSpPr/>
+            <p:nvPr/>
+          </p:nvSpPr>
+          <p:spPr>
+            <a:xfrm>
+              <a:off x="3523529" y="1973029"/>
+              <a:ext cx="1072456" cy="2576891"/>
+            </a:xfrm>
+            <a:prstGeom prst="rect">
+              <a:avLst/>
+            </a:prstGeom>
+            <a:noFill/>
+            <a:ln>
+              <a:solidFill>
+                <a:schemeClr val="tx1"/>
+              </a:solidFill>
+            </a:ln>
+            <a:effectLst/>
+          </p:spPr>
+          <p:style>
+            <a:lnRef idx="1">
+              <a:schemeClr val="accent1"/>
+            </a:lnRef>
+            <a:fillRef idx="3">
+              <a:schemeClr val="accent1"/>
+            </a:fillRef>
+            <a:effectRef idx="2">
+              <a:schemeClr val="accent1"/>
+            </a:effectRef>
+            <a:fontRef idx="minor">
+              <a:schemeClr val="lt1"/>
+            </a:fontRef>
+          </p:style>
+          <p:txBody>
+            <a:bodyPr rtlCol="0" anchor="ctr"/>
+            <a:lstStyle/>
+            <a:p>
+              <a:pPr algn="ctr"/>
+              <a:r>
+                <a:rPr lang="en-US" sz="1000" dirty="0" smtClean="0">
+                  <a:solidFill>
+                    <a:schemeClr val="tx1"/>
+                  </a:solidFill>
+                </a:rPr>
+                <a:t>Appropriateness</a:t>
+              </a:r>
+            </a:p>
+            <a:p>
+              <a:pPr algn="ctr"/>
+              <a:r>
+                <a:rPr lang="en-US" sz="1000" dirty="0" err="1" smtClean="0">
+                  <a:solidFill>
+                    <a:schemeClr val="tx1"/>
+                  </a:solidFill>
+                </a:rPr>
+                <a:t>recognisability</a:t>
+              </a:r>
+              <a:endParaRPr lang="en-US" sz="1000" dirty="0" smtClean="0">
+                <a:solidFill>
+                  <a:schemeClr val="tx1"/>
+                </a:solidFill>
+              </a:endParaRPr>
+            </a:p>
+            <a:p>
+              <a:pPr algn="ctr"/>
+              <a:endParaRPr lang="en-US" sz="1000" dirty="0" smtClean="0">
+                <a:solidFill>
+                  <a:schemeClr val="tx1"/>
+                </a:solidFill>
+              </a:endParaRPr>
+            </a:p>
+            <a:p>
+              <a:pPr algn="ctr"/>
+              <a:r>
+                <a:rPr lang="en-US" sz="1000" dirty="0" smtClean="0">
+                  <a:solidFill>
+                    <a:schemeClr val="tx1"/>
+                  </a:solidFill>
+                </a:rPr>
+                <a:t>Learnability</a:t>
+              </a:r>
+            </a:p>
+            <a:p>
+              <a:pPr algn="ctr"/>
+              <a:endParaRPr lang="en-US" sz="1000" dirty="0" smtClean="0">
+                <a:solidFill>
+                  <a:schemeClr val="tx1"/>
+                </a:solidFill>
+              </a:endParaRPr>
+            </a:p>
+            <a:p>
+              <a:pPr algn="ctr"/>
+              <a:r>
+                <a:rPr lang="en-US" sz="1000" dirty="0" smtClean="0">
+                  <a:solidFill>
+                    <a:schemeClr val="tx1"/>
+                  </a:solidFill>
+                </a:rPr>
+                <a:t>Operability</a:t>
+              </a:r>
+            </a:p>
+            <a:p>
+              <a:pPr algn="ctr"/>
+              <a:endParaRPr lang="en-US" sz="1000" dirty="0" smtClean="0">
+                <a:solidFill>
+                  <a:schemeClr val="tx1"/>
+                </a:solidFill>
+              </a:endParaRPr>
+            </a:p>
+            <a:p>
+              <a:pPr algn="ctr"/>
+              <a:r>
+                <a:rPr lang="en-US" sz="1000" dirty="0" smtClean="0">
+                  <a:solidFill>
+                    <a:schemeClr val="tx1"/>
+                  </a:solidFill>
+                </a:rPr>
+                <a:t>User error protection</a:t>
+              </a:r>
+            </a:p>
+            <a:p>
+              <a:pPr algn="ctr"/>
+              <a:endParaRPr lang="en-US" sz="1000" dirty="0" smtClean="0">
+                <a:solidFill>
+                  <a:schemeClr val="tx1"/>
+                </a:solidFill>
+              </a:endParaRPr>
+            </a:p>
+            <a:p>
+              <a:pPr algn="ctr"/>
+              <a:r>
+                <a:rPr lang="en-US" sz="1000" dirty="0" smtClean="0">
+                  <a:solidFill>
+                    <a:schemeClr val="tx1"/>
+                  </a:solidFill>
+                </a:rPr>
+                <a:t>User interface aesthetics</a:t>
+              </a:r>
+            </a:p>
+            <a:p>
+              <a:pPr algn="ctr"/>
+              <a:endParaRPr lang="en-US" sz="1000" dirty="0" smtClean="0">
+                <a:solidFill>
+                  <a:schemeClr val="tx1"/>
+                </a:solidFill>
+              </a:endParaRPr>
+            </a:p>
+            <a:p>
+              <a:pPr algn="ctr"/>
+              <a:r>
+                <a:rPr lang="en-US" sz="1000" dirty="0" smtClean="0">
+                  <a:solidFill>
+                    <a:schemeClr val="tx1"/>
+                  </a:solidFill>
+                </a:rPr>
+                <a:t>Accessibility</a:t>
+              </a:r>
+            </a:p>
+          </p:txBody>
+        </p:sp>
+        <p:sp>
+          <p:nvSpPr>
+            <p:cNvPr id="14" name="Rectangle 13"/>
+            <p:cNvSpPr/>
+            <p:nvPr/>
+          </p:nvSpPr>
+          <p:spPr>
+            <a:xfrm>
+              <a:off x="4650679" y="1973031"/>
+              <a:ext cx="996081" cy="2576890"/>
+            </a:xfrm>
+            <a:prstGeom prst="rect">
+              <a:avLst/>
+            </a:prstGeom>
+            <a:noFill/>
+            <a:ln>
+              <a:solidFill>
+                <a:schemeClr val="tx1"/>
+              </a:solidFill>
+            </a:ln>
+            <a:effectLst/>
+          </p:spPr>
+          <p:style>
+            <a:lnRef idx="1">
+              <a:schemeClr val="accent1"/>
+            </a:lnRef>
+            <a:fillRef idx="3">
+              <a:schemeClr val="accent1"/>
+            </a:fillRef>
+            <a:effectRef idx="2">
+              <a:schemeClr val="accent1"/>
+            </a:effectRef>
+            <a:fontRef idx="minor">
+              <a:schemeClr val="lt1"/>
+            </a:fontRef>
+          </p:style>
+          <p:txBody>
+            <a:bodyPr rtlCol="0" anchor="ctr"/>
+            <a:lstStyle/>
+            <a:p>
+              <a:pPr algn="ctr"/>
+              <a:r>
+                <a:rPr lang="en-US" sz="1000" dirty="0" smtClean="0">
+                  <a:solidFill>
+                    <a:schemeClr val="tx1"/>
+                  </a:solidFill>
+                </a:rPr>
+                <a:t>Maturity</a:t>
+              </a:r>
+            </a:p>
+            <a:p>
+              <a:pPr algn="ctr"/>
+              <a:endParaRPr lang="en-US" sz="1000" dirty="0">
+                <a:solidFill>
+                  <a:schemeClr val="tx1"/>
+                </a:solidFill>
+              </a:endParaRPr>
+            </a:p>
+            <a:p>
+              <a:pPr algn="ctr"/>
+              <a:r>
+                <a:rPr lang="en-US" sz="1000" dirty="0" smtClean="0">
+                  <a:solidFill>
+                    <a:schemeClr val="tx1"/>
+                  </a:solidFill>
+                </a:rPr>
+                <a:t>Availability</a:t>
+              </a:r>
+            </a:p>
+            <a:p>
+              <a:pPr algn="ctr"/>
+              <a:endParaRPr lang="en-US" sz="1000" dirty="0">
+                <a:solidFill>
+                  <a:schemeClr val="tx1"/>
+                </a:solidFill>
+              </a:endParaRPr>
+            </a:p>
+            <a:p>
+              <a:pPr algn="ctr"/>
+              <a:r>
+                <a:rPr lang="en-US" sz="1000" dirty="0" smtClean="0">
+                  <a:solidFill>
+                    <a:schemeClr val="tx1"/>
+                  </a:solidFill>
+                </a:rPr>
+                <a:t>Fault tolerance</a:t>
+              </a:r>
+            </a:p>
+            <a:p>
+              <a:pPr algn="ctr"/>
+              <a:endParaRPr lang="en-US" sz="1000" dirty="0">
+                <a:solidFill>
+                  <a:schemeClr val="tx1"/>
+                </a:solidFill>
+              </a:endParaRPr>
+            </a:p>
+            <a:p>
+              <a:pPr algn="ctr"/>
+              <a:r>
+                <a:rPr lang="en-US" sz="1000" dirty="0" smtClean="0">
+                  <a:solidFill>
+                    <a:schemeClr val="tx1"/>
+                  </a:solidFill>
+                </a:rPr>
+                <a:t>Recoverability</a:t>
+              </a:r>
+            </a:p>
+          </p:txBody>
+        </p:sp>
+        <p:cxnSp>
+          <p:nvCxnSpPr>
+            <p:cNvPr id="16" name="Elbow Connector 15"/>
+            <p:cNvCxnSpPr>
+              <a:stCxn id="5" idx="0"/>
+              <a:endCxn id="4" idx="2"/>
+            </p:cNvCxnSpPr>
+            <p:nvPr/>
+          </p:nvCxnSpPr>
+          <p:spPr>
+            <a:xfrm rot="5400000" flipH="1" flipV="1">
+              <a:off x="2451647" y="-468979"/>
+              <a:ext cx="259118" cy="3627357"/>
+            </a:xfrm>
+            <a:prstGeom prst="bentConnector3">
+              <a:avLst>
+                <a:gd name="adj1" fmla="val 50000"/>
+              </a:avLst>
+            </a:prstGeom>
+            <a:ln w="12700" cmpd="sng">
+              <a:solidFill>
+                <a:schemeClr val="tx1"/>
+              </a:solidFill>
+            </a:ln>
+            <a:effectLst/>
+          </p:spPr>
+          <p:style>
+            <a:lnRef idx="2">
+              <a:schemeClr val="accent1"/>
+            </a:lnRef>
+            <a:fillRef idx="0">
+              <a:schemeClr val="accent1"/>
+            </a:fillRef>
+            <a:effectRef idx="1">
+              <a:schemeClr val="accent1"/>
+            </a:effectRef>
+            <a:fontRef idx="minor">
+              <a:schemeClr val="tx1"/>
+            </a:fontRef>
+          </p:style>
+        </p:cxnSp>
+        <p:cxnSp>
+          <p:nvCxnSpPr>
+            <p:cNvPr id="20" name="Elbow Connector 19"/>
+            <p:cNvCxnSpPr>
+              <a:stCxn id="9" idx="0"/>
+              <a:endCxn id="4" idx="2"/>
+            </p:cNvCxnSpPr>
+            <p:nvPr/>
+          </p:nvCxnSpPr>
+          <p:spPr>
+            <a:xfrm rot="16200000" flipV="1">
+              <a:off x="4642370" y="967655"/>
+              <a:ext cx="259118" cy="754088"/>
+            </a:xfrm>
+            <a:prstGeom prst="bentConnector3">
+              <a:avLst>
+                <a:gd name="adj1" fmla="val 50000"/>
+              </a:avLst>
+            </a:prstGeom>
+            <a:ln w="12700" cmpd="sng">
+              <a:solidFill>
+                <a:schemeClr val="tx1"/>
+              </a:solidFill>
+            </a:ln>
+            <a:effectLst/>
+          </p:spPr>
+          <p:style>
+            <a:lnRef idx="2">
+              <a:schemeClr val="accent1"/>
+            </a:lnRef>
+            <a:fillRef idx="0">
+              <a:schemeClr val="accent1"/>
+            </a:fillRef>
+            <a:effectRef idx="1">
+              <a:schemeClr val="accent1"/>
+            </a:effectRef>
+            <a:fontRef idx="minor">
+              <a:schemeClr val="tx1"/>
+            </a:fontRef>
+          </p:style>
+        </p:cxnSp>
+        <p:cxnSp>
+          <p:nvCxnSpPr>
+            <p:cNvPr id="24" name="Elbow Connector 23"/>
+            <p:cNvCxnSpPr>
+              <a:stCxn id="6" idx="0"/>
+              <a:endCxn id="4" idx="2"/>
+            </p:cNvCxnSpPr>
+            <p:nvPr/>
+          </p:nvCxnSpPr>
+          <p:spPr>
+            <a:xfrm rot="5400000" flipH="1" flipV="1">
+              <a:off x="2992454" y="71828"/>
+              <a:ext cx="259118" cy="2545743"/>
+            </a:xfrm>
+            <a:prstGeom prst="bentConnector3">
+              <a:avLst>
+                <a:gd name="adj1" fmla="val 50000"/>
+              </a:avLst>
+            </a:prstGeom>
+            <a:ln w="12700" cmpd="sng">
+              <a:solidFill>
+                <a:schemeClr val="tx1"/>
+              </a:solidFill>
+            </a:ln>
+            <a:effectLst/>
+          </p:spPr>
+          <p:style>
+            <a:lnRef idx="2">
+              <a:schemeClr val="accent1"/>
+            </a:lnRef>
+            <a:fillRef idx="0">
+              <a:schemeClr val="accent1"/>
+            </a:fillRef>
+            <a:effectRef idx="1">
+              <a:schemeClr val="accent1"/>
+            </a:effectRef>
+            <a:fontRef idx="minor">
+              <a:schemeClr val="tx1"/>
+            </a:fontRef>
+          </p:style>
+        </p:cxnSp>
+        <p:cxnSp>
+          <p:nvCxnSpPr>
+            <p:cNvPr id="27" name="Elbow Connector 26"/>
+            <p:cNvCxnSpPr>
+              <a:stCxn id="8" idx="0"/>
+              <a:endCxn id="4" idx="2"/>
+            </p:cNvCxnSpPr>
+            <p:nvPr/>
+          </p:nvCxnSpPr>
+          <p:spPr>
+            <a:xfrm rot="5400000" flipH="1" flipV="1">
+              <a:off x="4097572" y="1177326"/>
+              <a:ext cx="259499" cy="335128"/>
+            </a:xfrm>
+            <a:prstGeom prst="bentConnector3">
+              <a:avLst>
+                <a:gd name="adj1" fmla="val 50000"/>
+              </a:avLst>
+            </a:prstGeom>
+            <a:ln w="12700" cmpd="sng">
+              <a:solidFill>
+                <a:schemeClr val="tx1"/>
+              </a:solidFill>
+            </a:ln>
+            <a:effectLst/>
+          </p:spPr>
+          <p:style>
+            <a:lnRef idx="2">
+              <a:schemeClr val="accent1"/>
+            </a:lnRef>
+            <a:fillRef idx="0">
+              <a:schemeClr val="accent1"/>
+            </a:fillRef>
+            <a:effectRef idx="1">
+              <a:schemeClr val="accent1"/>
+            </a:effectRef>
+            <a:fontRef idx="minor">
+              <a:schemeClr val="tx1"/>
+            </a:fontRef>
+          </p:style>
+        </p:cxnSp>
+        <p:cxnSp>
+          <p:nvCxnSpPr>
+            <p:cNvPr id="30" name="Elbow Connector 29"/>
+            <p:cNvCxnSpPr>
+              <a:stCxn id="7" idx="0"/>
+              <a:endCxn id="4" idx="2"/>
+            </p:cNvCxnSpPr>
+            <p:nvPr/>
+          </p:nvCxnSpPr>
+          <p:spPr>
+            <a:xfrm rot="5400000" flipH="1" flipV="1">
+              <a:off x="3534767" y="614521"/>
+              <a:ext cx="259499" cy="1460738"/>
+            </a:xfrm>
+            <a:prstGeom prst="bentConnector3">
+              <a:avLst>
+                <a:gd name="adj1" fmla="val 50000"/>
+              </a:avLst>
+            </a:prstGeom>
+            <a:ln w="12700" cmpd="sng">
+              <a:solidFill>
+                <a:schemeClr val="tx1"/>
+              </a:solidFill>
+            </a:ln>
+            <a:effectLst/>
+          </p:spPr>
+          <p:style>
+            <a:lnRef idx="2">
+              <a:schemeClr val="accent1"/>
+            </a:lnRef>
+            <a:fillRef idx="0">
+              <a:schemeClr val="accent1"/>
+            </a:fillRef>
+            <a:effectRef idx="1">
+              <a:schemeClr val="accent1"/>
+            </a:effectRef>
+            <a:fontRef idx="minor">
+              <a:schemeClr val="tx1"/>
+            </a:fontRef>
+          </p:style>
+        </p:cxnSp>
+        <p:sp>
+          <p:nvSpPr>
+            <p:cNvPr id="21" name="Rectangle 20"/>
+            <p:cNvSpPr/>
+            <p:nvPr/>
+          </p:nvSpPr>
+          <p:spPr>
+            <a:xfrm>
+              <a:off x="5709741" y="1474258"/>
+              <a:ext cx="1103324" cy="410541"/>
+            </a:xfrm>
+            <a:prstGeom prst="rect">
+              <a:avLst/>
+            </a:prstGeom>
+            <a:noFill/>
+            <a:ln>
+              <a:solidFill>
+                <a:schemeClr val="tx1"/>
+              </a:solidFill>
+            </a:ln>
+            <a:effectLst/>
+          </p:spPr>
+          <p:style>
+            <a:lnRef idx="1">
+              <a:schemeClr val="accent1"/>
+            </a:lnRef>
+            <a:fillRef idx="3">
+              <a:schemeClr val="accent1"/>
+            </a:fillRef>
+            <a:effectRef idx="2">
+              <a:schemeClr val="accent1"/>
+            </a:effectRef>
+            <a:fontRef idx="minor">
+              <a:schemeClr val="lt1"/>
+            </a:fontRef>
+          </p:style>
+          <p:txBody>
+            <a:bodyPr rtlCol="0" anchor="ctr"/>
+            <a:lstStyle/>
+            <a:p>
+              <a:pPr algn="ctr"/>
+              <a:r>
+                <a:rPr lang="en-US" sz="1000" dirty="0" smtClean="0">
+                  <a:solidFill>
+                    <a:schemeClr val="tx1"/>
+                  </a:solidFill>
+                </a:rPr>
+                <a:t>Security</a:t>
+              </a:r>
+              <a:endParaRPr lang="en-US" sz="1000" dirty="0">
+                <a:solidFill>
+                  <a:schemeClr val="tx1"/>
+                </a:solidFill>
+              </a:endParaRPr>
+            </a:p>
+          </p:txBody>
+        </p:sp>
+        <p:sp>
+          <p:nvSpPr>
+            <p:cNvPr id="22" name="Rectangle 21"/>
+            <p:cNvSpPr/>
+            <p:nvPr/>
+          </p:nvSpPr>
+          <p:spPr>
+            <a:xfrm>
+              <a:off x="5709741" y="1973031"/>
+              <a:ext cx="1096615" cy="2576890"/>
+            </a:xfrm>
+            <a:prstGeom prst="rect">
+              <a:avLst/>
+            </a:prstGeom>
+            <a:noFill/>
+            <a:ln>
+              <a:solidFill>
+                <a:schemeClr val="tx1"/>
+              </a:solidFill>
+            </a:ln>
+            <a:effectLst/>
+          </p:spPr>
+          <p:style>
+            <a:lnRef idx="1">
+              <a:schemeClr val="accent1"/>
+            </a:lnRef>
+            <a:fillRef idx="3">
+              <a:schemeClr val="accent1"/>
+            </a:fillRef>
+            <a:effectRef idx="2">
+              <a:schemeClr val="accent1"/>
+            </a:effectRef>
+            <a:fontRef idx="minor">
+              <a:schemeClr val="lt1"/>
+            </a:fontRef>
+          </p:style>
+          <p:txBody>
+            <a:bodyPr rtlCol="0" anchor="ctr"/>
+            <a:lstStyle/>
+            <a:p>
+              <a:pPr algn="ctr"/>
+              <a:r>
+                <a:rPr lang="en-US" sz="1000" dirty="0" smtClean="0">
+                  <a:solidFill>
+                    <a:schemeClr val="tx1"/>
+                  </a:solidFill>
+                </a:rPr>
+                <a:t>Confidentiality</a:t>
+              </a:r>
+            </a:p>
+            <a:p>
+              <a:pPr algn="ctr"/>
+              <a:endParaRPr lang="en-US" sz="1000" dirty="0">
+                <a:solidFill>
+                  <a:schemeClr val="tx1"/>
+                </a:solidFill>
+              </a:endParaRPr>
+            </a:p>
+            <a:p>
+              <a:pPr algn="ctr"/>
+              <a:r>
+                <a:rPr lang="en-US" sz="1000" dirty="0" smtClean="0">
+                  <a:solidFill>
+                    <a:schemeClr val="tx1"/>
+                  </a:solidFill>
+                </a:rPr>
+                <a:t>Integrity</a:t>
+              </a:r>
+            </a:p>
+            <a:p>
+              <a:pPr algn="ctr"/>
+              <a:endParaRPr lang="en-US" sz="1000" dirty="0">
+                <a:solidFill>
+                  <a:schemeClr val="tx1"/>
+                </a:solidFill>
+              </a:endParaRPr>
+            </a:p>
+            <a:p>
+              <a:pPr algn="ctr"/>
+              <a:r>
+                <a:rPr lang="en-US" sz="1000" dirty="0" smtClean="0">
+                  <a:solidFill>
+                    <a:schemeClr val="tx1"/>
+                  </a:solidFill>
+                </a:rPr>
+                <a:t>Non-repudiation</a:t>
+              </a:r>
+            </a:p>
+            <a:p>
+              <a:pPr algn="ctr"/>
+              <a:endParaRPr lang="en-US" sz="1000" dirty="0">
+                <a:solidFill>
+                  <a:schemeClr val="tx1"/>
+                </a:solidFill>
+              </a:endParaRPr>
+            </a:p>
+            <a:p>
+              <a:pPr algn="ctr"/>
+              <a:r>
+                <a:rPr lang="en-US" sz="1000" dirty="0" smtClean="0">
+                  <a:solidFill>
+                    <a:schemeClr val="tx1"/>
+                  </a:solidFill>
+                </a:rPr>
+                <a:t>Accountability</a:t>
+              </a:r>
+            </a:p>
+            <a:p>
+              <a:pPr algn="ctr"/>
+              <a:endParaRPr lang="en-US" sz="1000" dirty="0">
+                <a:solidFill>
+                  <a:schemeClr val="tx1"/>
+                </a:solidFill>
+              </a:endParaRPr>
+            </a:p>
+            <a:p>
+              <a:pPr algn="ctr"/>
+              <a:r>
+                <a:rPr lang="en-US" sz="1000" dirty="0" smtClean="0">
+                  <a:solidFill>
+                    <a:schemeClr val="tx1"/>
+                  </a:solidFill>
+                </a:rPr>
+                <a:t>Authenticity</a:t>
+              </a:r>
+            </a:p>
+          </p:txBody>
+        </p:sp>
+        <p:sp>
+          <p:nvSpPr>
+            <p:cNvPr id="43" name="Rectangle 42"/>
+            <p:cNvSpPr/>
+            <p:nvPr/>
+          </p:nvSpPr>
+          <p:spPr>
+            <a:xfrm>
+              <a:off x="6861178" y="1474258"/>
+              <a:ext cx="987127" cy="410541"/>
+            </a:xfrm>
+            <a:prstGeom prst="rect">
+              <a:avLst/>
+            </a:prstGeom>
+            <a:noFill/>
+            <a:ln>
+              <a:solidFill>
+                <a:schemeClr val="tx1"/>
+              </a:solidFill>
+            </a:ln>
+            <a:effectLst/>
+          </p:spPr>
+          <p:style>
+            <a:lnRef idx="1">
+              <a:schemeClr val="accent1"/>
+            </a:lnRef>
+            <a:fillRef idx="3">
+              <a:schemeClr val="accent1"/>
+            </a:fillRef>
+            <a:effectRef idx="2">
+              <a:schemeClr val="accent1"/>
+            </a:effectRef>
+            <a:fontRef idx="minor">
+              <a:schemeClr val="lt1"/>
+            </a:fontRef>
+          </p:style>
+          <p:txBody>
+            <a:bodyPr rtlCol="0" anchor="ctr"/>
+            <a:lstStyle/>
+            <a:p>
+              <a:pPr algn="ctr"/>
+              <a:r>
+                <a:rPr lang="en-US" sz="1000" dirty="0" smtClean="0">
+                  <a:solidFill>
+                    <a:schemeClr val="tx1"/>
+                  </a:solidFill>
+                </a:rPr>
+                <a:t>Maintainability</a:t>
+              </a:r>
+              <a:endParaRPr lang="en-US" sz="1000" dirty="0">
+                <a:solidFill>
+                  <a:schemeClr val="tx1"/>
+                </a:solidFill>
+              </a:endParaRPr>
+            </a:p>
+          </p:txBody>
+        </p:sp>
+        <p:sp>
+          <p:nvSpPr>
+            <p:cNvPr id="44" name="Rectangle 43"/>
+            <p:cNvSpPr/>
+            <p:nvPr/>
+          </p:nvSpPr>
+          <p:spPr>
+            <a:xfrm>
+              <a:off x="6860673" y="1973031"/>
+              <a:ext cx="969358" cy="2576890"/>
+            </a:xfrm>
+            <a:prstGeom prst="rect">
+              <a:avLst/>
+            </a:prstGeom>
+            <a:noFill/>
+            <a:ln>
+              <a:solidFill>
+                <a:schemeClr val="tx1"/>
+              </a:solidFill>
+            </a:ln>
+            <a:effectLst/>
+          </p:spPr>
+          <p:style>
+            <a:lnRef idx="1">
+              <a:schemeClr val="accent1"/>
+            </a:lnRef>
+            <a:fillRef idx="3">
+              <a:schemeClr val="accent1"/>
+            </a:fillRef>
+            <a:effectRef idx="2">
+              <a:schemeClr val="accent1"/>
+            </a:effectRef>
+            <a:fontRef idx="minor">
+              <a:schemeClr val="lt1"/>
+            </a:fontRef>
+          </p:style>
+          <p:txBody>
+            <a:bodyPr rtlCol="0" anchor="ctr"/>
+            <a:lstStyle/>
+            <a:p>
+              <a:pPr algn="ctr"/>
+              <a:r>
+                <a:rPr lang="en-US" sz="1000" dirty="0" smtClean="0">
+                  <a:solidFill>
+                    <a:schemeClr val="tx1"/>
+                  </a:solidFill>
+                </a:rPr>
+                <a:t>Modularity</a:t>
+              </a:r>
+            </a:p>
+            <a:p>
+              <a:pPr algn="ctr"/>
+              <a:endParaRPr lang="en-US" sz="1000" dirty="0">
+                <a:solidFill>
+                  <a:schemeClr val="tx1"/>
+                </a:solidFill>
+              </a:endParaRPr>
+            </a:p>
+            <a:p>
+              <a:pPr algn="ctr"/>
+              <a:r>
+                <a:rPr lang="en-US" sz="1000" dirty="0" smtClean="0">
+                  <a:solidFill>
+                    <a:schemeClr val="tx1"/>
+                  </a:solidFill>
+                </a:rPr>
+                <a:t>Reusability</a:t>
+              </a:r>
+            </a:p>
+            <a:p>
+              <a:pPr algn="ctr"/>
+              <a:endParaRPr lang="en-US" sz="1000" dirty="0">
+                <a:solidFill>
+                  <a:schemeClr val="tx1"/>
+                </a:solidFill>
+              </a:endParaRPr>
+            </a:p>
+            <a:p>
+              <a:pPr algn="ctr"/>
+              <a:r>
+                <a:rPr lang="en-US" sz="1000" dirty="0" err="1" smtClean="0">
+                  <a:solidFill>
+                    <a:schemeClr val="tx1"/>
+                  </a:solidFill>
+                </a:rPr>
+                <a:t>Analysability</a:t>
+              </a:r>
+              <a:endParaRPr lang="en-US" sz="1000" dirty="0" smtClean="0">
+                <a:solidFill>
+                  <a:schemeClr val="tx1"/>
+                </a:solidFill>
+              </a:endParaRPr>
+            </a:p>
+            <a:p>
+              <a:pPr algn="ctr"/>
+              <a:endParaRPr lang="en-US" sz="1000" dirty="0">
+                <a:solidFill>
+                  <a:schemeClr val="tx1"/>
+                </a:solidFill>
+              </a:endParaRPr>
+            </a:p>
+            <a:p>
+              <a:pPr algn="ctr"/>
+              <a:r>
+                <a:rPr lang="en-US" sz="1000" dirty="0" smtClean="0">
+                  <a:solidFill>
+                    <a:schemeClr val="tx1"/>
+                  </a:solidFill>
+                </a:rPr>
+                <a:t>Modifiability</a:t>
+              </a:r>
+            </a:p>
+            <a:p>
+              <a:pPr algn="ctr"/>
+              <a:endParaRPr lang="en-US" sz="1000" dirty="0">
+                <a:solidFill>
+                  <a:schemeClr val="tx1"/>
+                </a:solidFill>
+              </a:endParaRPr>
+            </a:p>
+            <a:p>
+              <a:pPr algn="ctr"/>
+              <a:r>
+                <a:rPr lang="en-US" sz="1000" dirty="0" smtClean="0">
+                  <a:solidFill>
+                    <a:schemeClr val="tx1"/>
+                  </a:solidFill>
+                </a:rPr>
+                <a:t>Testability</a:t>
+              </a:r>
+            </a:p>
+            <a:p>
+              <a:pPr algn="ctr"/>
+              <a:endParaRPr lang="en-US" sz="1000" dirty="0">
+                <a:solidFill>
+                  <a:schemeClr val="tx1"/>
+                </a:solidFill>
+              </a:endParaRPr>
+            </a:p>
+            <a:p>
+              <a:pPr algn="ctr"/>
+              <a:endParaRPr lang="en-US" sz="1000" dirty="0" smtClean="0">
+                <a:solidFill>
+                  <a:schemeClr val="tx1"/>
+                </a:solidFill>
+              </a:endParaRPr>
+            </a:p>
+          </p:txBody>
+        </p:sp>
+        <p:sp>
+          <p:nvSpPr>
+            <p:cNvPr id="47" name="Rectangle 46"/>
+            <p:cNvSpPr/>
+            <p:nvPr/>
+          </p:nvSpPr>
+          <p:spPr>
+            <a:xfrm>
+              <a:off x="7894501" y="1484158"/>
+              <a:ext cx="1041635" cy="410541"/>
+            </a:xfrm>
+            <a:prstGeom prst="rect">
+              <a:avLst/>
+            </a:prstGeom>
+            <a:noFill/>
+            <a:ln>
+              <a:solidFill>
+                <a:schemeClr val="tx1"/>
+              </a:solidFill>
+            </a:ln>
+            <a:effectLst/>
+          </p:spPr>
+          <p:style>
+            <a:lnRef idx="1">
+              <a:schemeClr val="accent1"/>
+            </a:lnRef>
+            <a:fillRef idx="3">
+              <a:schemeClr val="accent1"/>
+            </a:fillRef>
+            <a:effectRef idx="2">
+              <a:schemeClr val="accent1"/>
+            </a:effectRef>
+            <a:fontRef idx="minor">
+              <a:schemeClr val="lt1"/>
+            </a:fontRef>
+          </p:style>
+          <p:txBody>
+            <a:bodyPr rtlCol="0" anchor="ctr"/>
+            <a:lstStyle/>
+            <a:p>
+              <a:pPr algn="ctr"/>
+              <a:r>
+                <a:rPr lang="en-US" sz="1000" dirty="0" smtClean="0">
+                  <a:solidFill>
+                    <a:schemeClr val="tx1"/>
+                  </a:solidFill>
+                </a:rPr>
+                <a:t>Portability</a:t>
+              </a:r>
+              <a:endParaRPr lang="en-US" sz="1000" dirty="0">
+                <a:solidFill>
+                  <a:schemeClr val="tx1"/>
+                </a:solidFill>
+              </a:endParaRPr>
+            </a:p>
+          </p:txBody>
+        </p:sp>
+        <p:sp>
+          <p:nvSpPr>
+            <p:cNvPr id="48" name="Rectangle 47"/>
+            <p:cNvSpPr/>
+            <p:nvPr/>
+          </p:nvSpPr>
+          <p:spPr>
+            <a:xfrm>
+              <a:off x="7912269" y="1982931"/>
+              <a:ext cx="1023867" cy="2576890"/>
+            </a:xfrm>
+            <a:prstGeom prst="rect">
+              <a:avLst/>
+            </a:prstGeom>
+            <a:noFill/>
+            <a:ln>
+              <a:solidFill>
+                <a:schemeClr val="tx1"/>
+              </a:solidFill>
+            </a:ln>
+            <a:effectLst/>
+          </p:spPr>
+          <p:style>
+            <a:lnRef idx="1">
+              <a:schemeClr val="accent1"/>
+            </a:lnRef>
+            <a:fillRef idx="3">
+              <a:schemeClr val="accent1"/>
+            </a:fillRef>
+            <a:effectRef idx="2">
+              <a:schemeClr val="accent1"/>
+            </a:effectRef>
+            <a:fontRef idx="minor">
+              <a:schemeClr val="lt1"/>
+            </a:fontRef>
+          </p:style>
+          <p:txBody>
+            <a:bodyPr rtlCol="0" anchor="ctr"/>
+            <a:lstStyle/>
+            <a:p>
+              <a:pPr algn="ctr"/>
+              <a:r>
+                <a:rPr lang="en-US" sz="1000" dirty="0" smtClean="0">
+                  <a:solidFill>
+                    <a:schemeClr val="tx1"/>
+                  </a:solidFill>
+                </a:rPr>
+                <a:t>Adaptability</a:t>
+              </a:r>
+            </a:p>
+            <a:p>
+              <a:pPr algn="ctr"/>
+              <a:r>
+                <a:rPr lang="en-US" sz="1000" dirty="0" err="1" smtClean="0">
+                  <a:solidFill>
+                    <a:schemeClr val="tx1"/>
+                  </a:solidFill>
+                </a:rPr>
+                <a:t>Instalability</a:t>
+              </a:r>
+              <a:endParaRPr lang="en-US" sz="1000" dirty="0" smtClean="0">
+                <a:solidFill>
+                  <a:schemeClr val="tx1"/>
+                </a:solidFill>
+              </a:endParaRPr>
+            </a:p>
+            <a:p>
+              <a:pPr algn="ctr"/>
+              <a:r>
+                <a:rPr lang="en-US" sz="1000" dirty="0" err="1" smtClean="0">
+                  <a:solidFill>
+                    <a:schemeClr val="tx1"/>
+                  </a:solidFill>
+                </a:rPr>
+                <a:t>Repleacesibilly</a:t>
+              </a:r>
+              <a:endParaRPr lang="en-US" sz="1000" dirty="0" smtClean="0">
+                <a:solidFill>
+                  <a:schemeClr val="tx1"/>
+                </a:solidFill>
+              </a:endParaRPr>
+            </a:p>
+            <a:p>
+              <a:pPr algn="ctr"/>
+              <a:endParaRPr lang="en-US" sz="1000" dirty="0">
+                <a:solidFill>
+                  <a:schemeClr val="tx1"/>
+                </a:solidFill>
+              </a:endParaRPr>
+            </a:p>
+            <a:p>
+              <a:pPr algn="ctr"/>
+              <a:endParaRPr lang="en-US" sz="1000" dirty="0" smtClean="0">
+                <a:solidFill>
+                  <a:schemeClr val="tx1"/>
+                </a:solidFill>
+              </a:endParaRPr>
+            </a:p>
+          </p:txBody>
+        </p:sp>
+        <p:cxnSp>
+          <p:nvCxnSpPr>
+            <p:cNvPr id="60" name="Elbow Connector 59"/>
+            <p:cNvCxnSpPr>
+              <a:stCxn id="21" idx="0"/>
+              <a:endCxn id="4" idx="2"/>
+            </p:cNvCxnSpPr>
+            <p:nvPr/>
+          </p:nvCxnSpPr>
+          <p:spPr>
+            <a:xfrm rot="16200000" flipV="1">
+              <a:off x="5198585" y="411440"/>
+              <a:ext cx="259118" cy="1866518"/>
+            </a:xfrm>
+            <a:prstGeom prst="bentConnector3">
+              <a:avLst>
+                <a:gd name="adj1" fmla="val 50000"/>
+              </a:avLst>
+            </a:prstGeom>
+            <a:ln w="12700" cmpd="sng">
+              <a:solidFill>
+                <a:schemeClr val="tx1"/>
+              </a:solidFill>
+            </a:ln>
+            <a:effectLst/>
+          </p:spPr>
+          <p:style>
+            <a:lnRef idx="2">
+              <a:schemeClr val="accent1"/>
+            </a:lnRef>
+            <a:fillRef idx="0">
+              <a:schemeClr val="accent1"/>
+            </a:fillRef>
+            <a:effectRef idx="1">
+              <a:schemeClr val="accent1"/>
+            </a:effectRef>
+            <a:fontRef idx="minor">
+              <a:schemeClr val="tx1"/>
+            </a:fontRef>
+          </p:style>
+        </p:cxnSp>
+        <p:cxnSp>
+          <p:nvCxnSpPr>
+            <p:cNvPr id="63" name="Elbow Connector 62"/>
+            <p:cNvCxnSpPr>
+              <a:stCxn id="43" idx="0"/>
+              <a:endCxn id="4" idx="2"/>
+            </p:cNvCxnSpPr>
+            <p:nvPr/>
+          </p:nvCxnSpPr>
+          <p:spPr>
+            <a:xfrm rot="16200000" flipV="1">
+              <a:off x="5745255" y="-135230"/>
+              <a:ext cx="259118" cy="2959857"/>
+            </a:xfrm>
+            <a:prstGeom prst="bentConnector3">
+              <a:avLst>
+                <a:gd name="adj1" fmla="val 50000"/>
+              </a:avLst>
+            </a:prstGeom>
+            <a:ln w="12700" cmpd="sng">
+              <a:solidFill>
+                <a:schemeClr val="tx1"/>
+              </a:solidFill>
+            </a:ln>
+            <a:effectLst/>
+          </p:spPr>
+          <p:style>
+            <a:lnRef idx="2">
+              <a:schemeClr val="accent1"/>
+            </a:lnRef>
+            <a:fillRef idx="0">
+              <a:schemeClr val="accent1"/>
+            </a:fillRef>
+            <a:effectRef idx="1">
+              <a:schemeClr val="accent1"/>
+            </a:effectRef>
+            <a:fontRef idx="minor">
+              <a:schemeClr val="tx1"/>
+            </a:fontRef>
+          </p:style>
+        </p:cxnSp>
+        <p:cxnSp>
+          <p:nvCxnSpPr>
+            <p:cNvPr id="66" name="Elbow Connector 65"/>
+            <p:cNvCxnSpPr>
+              <a:stCxn id="47" idx="0"/>
+              <a:endCxn id="4" idx="2"/>
+            </p:cNvCxnSpPr>
+            <p:nvPr/>
+          </p:nvCxnSpPr>
+          <p:spPr>
+            <a:xfrm rot="16200000" flipV="1">
+              <a:off x="6270593" y="-660568"/>
+              <a:ext cx="269018" cy="4020434"/>
+            </a:xfrm>
+            <a:prstGeom prst="bentConnector3">
+              <a:avLst>
+                <a:gd name="adj1" fmla="val 50000"/>
+              </a:avLst>
+            </a:prstGeom>
+            <a:ln w="12700" cmpd="sng">
+              <a:solidFill>
+                <a:schemeClr val="tx1"/>
+              </a:solidFill>
+            </a:ln>
+            <a:effectLst/>
+          </p:spPr>
+          <p:style>
+            <a:lnRef idx="2">
+              <a:schemeClr val="accent1"/>
+            </a:lnRef>
+            <a:fillRef idx="0">
+              <a:schemeClr val="accent1"/>
+            </a:fillRef>
+            <a:effectRef idx="1">
+              <a:schemeClr val="accent1"/>
+            </a:effectRef>
+            <a:fontRef idx="minor">
+              <a:schemeClr val="tx1"/>
+            </a:fontRef>
+          </p:style>
+        </p:cxnSp>
+      </p:grpSp>
+    </p:spTree>
+    <p:extLst>
+      <p:ext uri="{BB962C8B-B14F-4D97-AF65-F5344CB8AC3E}">
+        <p14:creationId xmlns:p14="http://schemas.microsoft.com/office/powerpoint/2010/main" val="369691576"/>
+      </p:ext>
+    </p:extLst>
+  </p:cSld>
+  <p:clrMapOvr>
+    <a:masterClrMapping/>
+  </p:clrMapOvr>
+</p:sld>
+</file>
+
+<file path=ppt/slides/slide3.xml><?xml version="1.0" encoding="utf-8"?>
+<p:sld xmlns:a="http://schemas.openxmlformats.org/drawingml/2006/main" xmlns:r="http://schemas.openxmlformats.org/officeDocument/2006/relationships" xmlns:p="http://schemas.openxmlformats.org/presentationml/2006/main">
+  <p:cSld>
+    <p:spTree>
+      <p:nvGrpSpPr>
+        <p:cNvPr id="1" name=""/>
+        <p:cNvGrpSpPr/>
+        <p:nvPr/>
+      </p:nvGrpSpPr>
+      <p:grpSpPr>
+        <a:xfrm>
+          <a:off x="0" y="0"/>
+          <a:ext cx="0" cy="0"/>
+          <a:chOff x="0" y="0"/>
+          <a:chExt cx="0" cy="0"/>
+        </a:xfrm>
+      </p:grpSpPr>
+      <p:sp>
+        <p:nvSpPr>
+          <p:cNvPr id="11" name="Rounded Rectangle 10"/>
+          <p:cNvSpPr/>
+          <p:nvPr/>
+        </p:nvSpPr>
+        <p:spPr>
+          <a:xfrm>
+            <a:off x="1672750" y="1789975"/>
+            <a:ext cx="1137920" cy="294640"/>
+          </a:xfrm>
+          <a:prstGeom prst="roundRect">
+            <a:avLst/>
+          </a:prstGeom>
+          <a:ln w="28575" cmpd="sng">
+            <a:solidFill>
+              <a:srgbClr val="000000"/>
+            </a:solidFill>
+            <a:prstDash val="solid"/>
+          </a:ln>
+        </p:spPr>
+        <p:style>
+          <a:lnRef idx="2">
+            <a:schemeClr val="accent1"/>
+          </a:lnRef>
+          <a:fillRef idx="1">
+            <a:schemeClr val="lt1"/>
+          </a:fillRef>
+          <a:effectRef idx="0">
+            <a:schemeClr val="accent1"/>
+          </a:effectRef>
+          <a:fontRef idx="minor">
+            <a:schemeClr val="dk1"/>
+          </a:fontRef>
+        </p:style>
+        <p:txBody>
+          <a:bodyPr rtlCol="0" anchor="ctr"/>
+          <a:lstStyle/>
+          <a:p>
+            <a:pPr algn="ctr"/>
+            <a:r>
+              <a:rPr lang="en-US" sz="1200" dirty="0" smtClean="0"/>
+              <a:t>Functionality</a:t>
+            </a:r>
+            <a:endParaRPr lang="en-US" sz="1200" dirty="0"/>
+          </a:p>
+        </p:txBody>
+      </p:sp>
+      <p:sp>
+        <p:nvSpPr>
+          <p:cNvPr id="12" name="Rounded Rectangle 11"/>
+          <p:cNvSpPr/>
+          <p:nvPr/>
+        </p:nvSpPr>
+        <p:spPr>
+          <a:xfrm>
+            <a:off x="1654113" y="2371669"/>
+            <a:ext cx="1137920" cy="294640"/>
+          </a:xfrm>
+          <a:prstGeom prst="roundRect">
+            <a:avLst/>
+          </a:prstGeom>
+          <a:ln w="28575" cmpd="sng">
+            <a:solidFill>
+              <a:srgbClr val="000000"/>
+            </a:solidFill>
+            <a:prstDash val="solid"/>
+          </a:ln>
+        </p:spPr>
+        <p:style>
+          <a:lnRef idx="2">
+            <a:schemeClr val="accent1"/>
+          </a:lnRef>
+          <a:fillRef idx="1">
+            <a:schemeClr val="lt1"/>
+          </a:fillRef>
+          <a:effectRef idx="0">
+            <a:schemeClr val="accent1"/>
+          </a:effectRef>
+          <a:fontRef idx="minor">
+            <a:schemeClr val="dk1"/>
+          </a:fontRef>
+        </p:style>
+        <p:txBody>
+          <a:bodyPr rtlCol="0" anchor="ctr"/>
+          <a:lstStyle/>
+          <a:p>
+            <a:pPr algn="ctr"/>
+            <a:r>
+              <a:rPr lang="en-US" sz="1200" dirty="0" smtClean="0"/>
+              <a:t>Reliability</a:t>
+            </a:r>
+            <a:endParaRPr lang="en-US" sz="1200" dirty="0"/>
+          </a:p>
+        </p:txBody>
+      </p:sp>
+      <p:sp>
+        <p:nvSpPr>
+          <p:cNvPr id="533" name="Rounded Rectangle 532"/>
+          <p:cNvSpPr/>
+          <p:nvPr/>
+        </p:nvSpPr>
+        <p:spPr>
+          <a:xfrm>
+            <a:off x="1654112" y="1175825"/>
+            <a:ext cx="1156557" cy="314280"/>
+          </a:xfrm>
+          <a:prstGeom prst="roundRect">
+            <a:avLst/>
+          </a:prstGeom>
+          <a:solidFill>
+            <a:schemeClr val="lt1">
+              <a:alpha val="0"/>
+            </a:schemeClr>
+          </a:solidFill>
+          <a:ln w="28575" cmpd="sng">
+            <a:solidFill>
+              <a:srgbClr val="000000"/>
+            </a:solidFill>
+            <a:prstDash val="solid"/>
+          </a:ln>
+        </p:spPr>
+        <p:style>
+          <a:lnRef idx="2">
+            <a:schemeClr val="accent1"/>
+          </a:lnRef>
+          <a:fillRef idx="1">
+            <a:schemeClr val="lt1"/>
+          </a:fillRef>
+          <a:effectRef idx="0">
+            <a:schemeClr val="accent1"/>
+          </a:effectRef>
+          <a:fontRef idx="minor">
+            <a:schemeClr val="dk1"/>
+          </a:fontRef>
+        </p:style>
+        <p:txBody>
+          <a:bodyPr rtlCol="0" anchor="ctr"/>
+          <a:lstStyle/>
+          <a:p>
+            <a:pPr algn="ctr"/>
+            <a:r>
+              <a:rPr lang="en-US" sz="1200" dirty="0" smtClean="0"/>
+              <a:t>Compatibility</a:t>
+            </a:r>
+            <a:endParaRPr lang="en-US" sz="1200" dirty="0"/>
+          </a:p>
+        </p:txBody>
+      </p:sp>
+      <p:sp>
+        <p:nvSpPr>
+          <p:cNvPr id="13" name="TextBox 12"/>
+          <p:cNvSpPr txBox="1"/>
+          <p:nvPr/>
+        </p:nvSpPr>
+        <p:spPr>
+          <a:xfrm>
+            <a:off x="6504396" y="1064698"/>
+            <a:ext cx="2388282" cy="369332"/>
+          </a:xfrm>
+          <a:prstGeom prst="rect">
+            <a:avLst/>
+          </a:prstGeom>
+          <a:noFill/>
+        </p:spPr>
+        <p:txBody>
+          <a:bodyPr wrap="none" rtlCol="0">
+            <a:spAutoFit/>
+          </a:bodyPr>
+          <a:lstStyle/>
+          <a:p>
+            <a:r>
+              <a:rPr lang="en-US" dirty="0" smtClean="0"/>
+              <a:t>PROVIDER PERCEPTION</a:t>
+            </a:r>
+            <a:endParaRPr lang="en-US" dirty="0"/>
+          </a:p>
+        </p:txBody>
+      </p:sp>
+      <p:sp>
+        <p:nvSpPr>
+          <p:cNvPr id="6" name="TextBox 5"/>
+          <p:cNvSpPr txBox="1"/>
+          <p:nvPr/>
+        </p:nvSpPr>
+        <p:spPr>
+          <a:xfrm>
+            <a:off x="3476871" y="1614129"/>
+            <a:ext cx="1650700" cy="646331"/>
+          </a:xfrm>
+          <a:prstGeom prst="rect">
+            <a:avLst/>
+          </a:prstGeom>
+        </p:spPr>
+        <p:style>
+          <a:lnRef idx="2">
+            <a:schemeClr val="dk1"/>
+          </a:lnRef>
+          <a:fillRef idx="1">
+            <a:schemeClr val="lt1"/>
+          </a:fillRef>
+          <a:effectRef idx="0">
+            <a:schemeClr val="dk1"/>
+          </a:effectRef>
+          <a:fontRef idx="minor">
+            <a:schemeClr val="dk1"/>
+          </a:fontRef>
+        </p:style>
+        <p:txBody>
+          <a:bodyPr wrap="none" rtlCol="0">
+            <a:spAutoFit/>
+          </a:bodyPr>
+          <a:lstStyle/>
+          <a:p>
+            <a:r>
+              <a:rPr lang="en-US" dirty="0" smtClean="0"/>
+              <a:t>E-Service</a:t>
+            </a:r>
+          </a:p>
+          <a:p>
+            <a:r>
+              <a:rPr lang="en-US" dirty="0" smtClean="0"/>
+              <a:t>Product Quality</a:t>
+            </a:r>
+            <a:endParaRPr lang="en-US" dirty="0"/>
+          </a:p>
+        </p:txBody>
+      </p:sp>
+      <p:cxnSp>
+        <p:nvCxnSpPr>
+          <p:cNvPr id="7" name="Straight Connector 6"/>
+          <p:cNvCxnSpPr>
+            <a:stCxn id="533" idx="3"/>
+            <a:endCxn id="6" idx="1"/>
+          </p:cNvCxnSpPr>
+          <p:nvPr/>
+        </p:nvCxnSpPr>
+        <p:spPr>
+          <a:xfrm>
+            <a:off x="2810669" y="1332965"/>
+            <a:ext cx="666202" cy="604330"/>
+          </a:xfrm>
+          <a:prstGeom prst="line">
+            <a:avLst/>
+          </a:prstGeom>
+        </p:spPr>
+        <p:style>
+          <a:lnRef idx="1">
+            <a:schemeClr val="dk1"/>
+          </a:lnRef>
+          <a:fillRef idx="0">
+            <a:schemeClr val="dk1"/>
+          </a:fillRef>
+          <a:effectRef idx="0">
+            <a:schemeClr val="dk1"/>
+          </a:effectRef>
+          <a:fontRef idx="minor">
+            <a:schemeClr val="tx1"/>
+          </a:fontRef>
+        </p:style>
+      </p:cxnSp>
+      <p:cxnSp>
+        <p:nvCxnSpPr>
+          <p:cNvPr id="10" name="Straight Connector 9"/>
+          <p:cNvCxnSpPr>
+            <a:stCxn id="11" idx="3"/>
+            <a:endCxn id="6" idx="1"/>
+          </p:cNvCxnSpPr>
+          <p:nvPr/>
+        </p:nvCxnSpPr>
+        <p:spPr>
+          <a:xfrm>
+            <a:off x="2810670" y="1937295"/>
+            <a:ext cx="666201" cy="0"/>
+          </a:xfrm>
+          <a:prstGeom prst="line">
+            <a:avLst/>
+          </a:prstGeom>
+        </p:spPr>
+        <p:style>
+          <a:lnRef idx="1">
+            <a:schemeClr val="dk1"/>
+          </a:lnRef>
+          <a:fillRef idx="0">
+            <a:schemeClr val="dk1"/>
+          </a:fillRef>
+          <a:effectRef idx="0">
+            <a:schemeClr val="dk1"/>
+          </a:effectRef>
+          <a:fontRef idx="minor">
+            <a:schemeClr val="tx1"/>
+          </a:fontRef>
+        </p:style>
+      </p:cxnSp>
+      <p:cxnSp>
+        <p:nvCxnSpPr>
+          <p:cNvPr id="14" name="Straight Connector 13"/>
+          <p:cNvCxnSpPr>
+            <a:stCxn id="12" idx="3"/>
+            <a:endCxn id="6" idx="1"/>
+          </p:cNvCxnSpPr>
+          <p:nvPr/>
+        </p:nvCxnSpPr>
+        <p:spPr>
+          <a:xfrm flipV="1">
+            <a:off x="2792033" y="1937295"/>
+            <a:ext cx="684838" cy="581694"/>
+          </a:xfrm>
+          <a:prstGeom prst="line">
+            <a:avLst/>
+          </a:prstGeom>
+        </p:spPr>
+        <p:style>
+          <a:lnRef idx="1">
+            <a:schemeClr val="dk1"/>
+          </a:lnRef>
+          <a:fillRef idx="0">
+            <a:schemeClr val="dk1"/>
+          </a:fillRef>
+          <a:effectRef idx="0">
+            <a:schemeClr val="dk1"/>
+          </a:effectRef>
+          <a:fontRef idx="minor">
+            <a:schemeClr val="tx1"/>
+          </a:fontRef>
+        </p:style>
+      </p:cxnSp>
+      <p:sp>
+        <p:nvSpPr>
+          <p:cNvPr id="19" name="TextBox 18"/>
+          <p:cNvSpPr txBox="1"/>
+          <p:nvPr/>
+        </p:nvSpPr>
+        <p:spPr>
+          <a:xfrm>
+            <a:off x="5589377" y="3743464"/>
+            <a:ext cx="3217723" cy="369332"/>
+          </a:xfrm>
+          <a:prstGeom prst="rect">
+            <a:avLst/>
+          </a:prstGeom>
+          <a:noFill/>
+        </p:spPr>
+        <p:txBody>
+          <a:bodyPr wrap="none" rtlCol="0">
+            <a:spAutoFit/>
+          </a:bodyPr>
+          <a:lstStyle/>
+          <a:p>
+            <a:r>
+              <a:rPr lang="en-US" dirty="0" smtClean="0"/>
+              <a:t>E-Service Product Quality Model</a:t>
+            </a:r>
+            <a:endParaRPr lang="en-US" dirty="0"/>
+          </a:p>
+        </p:txBody>
+      </p:sp>
+      <p:sp>
+        <p:nvSpPr>
+          <p:cNvPr id="20" name="TextBox 19"/>
+          <p:cNvSpPr txBox="1"/>
+          <p:nvPr/>
+        </p:nvSpPr>
+        <p:spPr>
+          <a:xfrm>
+            <a:off x="6291982" y="2666309"/>
+            <a:ext cx="1356524" cy="369332"/>
+          </a:xfrm>
+          <a:prstGeom prst="rect">
+            <a:avLst/>
+          </a:prstGeom>
+          <a:noFill/>
+        </p:spPr>
+        <p:txBody>
+          <a:bodyPr wrap="none" rtlCol="0">
+            <a:spAutoFit/>
+          </a:bodyPr>
+          <a:lstStyle/>
+          <a:p>
+            <a:r>
+              <a:rPr lang="en-US" b="1" dirty="0" smtClean="0"/>
+              <a:t>PROPERTIES</a:t>
+            </a:r>
+            <a:endParaRPr lang="en-US" b="1" dirty="0"/>
+          </a:p>
+        </p:txBody>
+      </p:sp>
+      <p:sp>
+        <p:nvSpPr>
+          <p:cNvPr id="24" name="TextBox 23"/>
+          <p:cNvSpPr txBox="1"/>
+          <p:nvPr/>
+        </p:nvSpPr>
+        <p:spPr>
+          <a:xfrm>
+            <a:off x="202680" y="6020974"/>
+            <a:ext cx="8352505" cy="369332"/>
+          </a:xfrm>
+          <a:prstGeom prst="rect">
+            <a:avLst/>
+          </a:prstGeom>
+          <a:noFill/>
+        </p:spPr>
+        <p:txBody>
+          <a:bodyPr wrap="none" rtlCol="0">
+            <a:spAutoFit/>
+          </a:bodyPr>
+          <a:lstStyle/>
+          <a:p>
+            <a:r>
+              <a:rPr lang="en-US" dirty="0" smtClean="0"/>
+              <a:t>Hypothesis: This 3 e-services properties positively influence the user quality perception.</a:t>
+            </a:r>
+            <a:endParaRPr lang="en-US" dirty="0"/>
+          </a:p>
+        </p:txBody>
+      </p:sp>
+    </p:spTree>
+    <p:extLst>
+      <p:ext uri="{BB962C8B-B14F-4D97-AF65-F5344CB8AC3E}">
+        <p14:creationId xmlns:p14="http://schemas.microsoft.com/office/powerpoint/2010/main" val="203982113"/>
+      </p:ext>
+    </p:extLst>
+  </p:cSld>
+  <p:clrMapOvr>
+    <a:masterClrMapping/>
+  </p:clrMapOvr>
+  <p:timing>
+    <p:tnLst>
+      <p:par>
+        <p:cTn xmlns:p14="http://schemas.microsoft.com/office/powerpoint/2010/main" id="1" dur="indefinite" restart="never" nodeType="tmRoot"/>
+      </p:par>
+    </p:tnLst>
+  </p:timing>
+</p:sld>
+</file>
+
+<file path=ppt/slides/slide30.xml><?xml version="1.0" encoding="utf-8"?>
+<p:sld xmlns:a="http://schemas.openxmlformats.org/drawingml/2006/main" xmlns:r="http://schemas.openxmlformats.org/officeDocument/2006/relationships" xmlns:p="http://schemas.openxmlformats.org/presentationml/2006/main">
+  <p:cSld>
+    <p:spTree>
+      <p:nvGrpSpPr>
+        <p:cNvPr id="1" name=""/>
+        <p:cNvGrpSpPr/>
+        <p:nvPr/>
+      </p:nvGrpSpPr>
+      <p:grpSpPr>
+        <a:xfrm>
+          <a:off x="0" y="0"/>
+          <a:ext cx="0" cy="0"/>
+          <a:chOff x="0" y="0"/>
+          <a:chExt cx="0" cy="0"/>
+        </a:xfrm>
+      </p:grpSpPr>
       <p:pic>
         <p:nvPicPr>
-          <p:cNvPr id="3" name="Picture 2" descr="Screen Shot 2016-08-22 at 03.19.44.png"/>
+          <p:cNvPr id="16" name="Picture 15" descr="Screen Shot 2016-08-22 at 03.16.15.png"/>
           <p:cNvPicPr>
             <a:picLocks noChangeAspect="1"/>
           </p:cNvPicPr>
@@ -33143,6 +39332,156 @@
         <p:spPr>
           <a:xfrm>
             <a:off x="0" y="0"/>
+            <a:ext cx="9144000" cy="6099995"/>
+          </a:xfrm>
+          <a:prstGeom prst="rect">
+            <a:avLst/>
+          </a:prstGeom>
+        </p:spPr>
+      </p:pic>
+      <p:sp>
+        <p:nvSpPr>
+          <p:cNvPr id="7" name="TextBox 6"/>
+          <p:cNvSpPr txBox="1"/>
+          <p:nvPr/>
+        </p:nvSpPr>
+        <p:spPr>
+          <a:xfrm>
+            <a:off x="8252478" y="1339275"/>
+            <a:ext cx="775610" cy="369332"/>
+          </a:xfrm>
+          <a:prstGeom prst="rect">
+            <a:avLst/>
+          </a:prstGeom>
+          <a:noFill/>
+        </p:spPr>
+        <p:txBody>
+          <a:bodyPr wrap="none" rtlCol="0">
+            <a:spAutoFit/>
+          </a:bodyPr>
+          <a:lstStyle/>
+          <a:p>
+            <a:r>
+              <a:rPr lang="en-US" b="1" dirty="0" smtClean="0"/>
+              <a:t>Part A</a:t>
+            </a:r>
+            <a:endParaRPr lang="en-US" b="1" dirty="0"/>
+          </a:p>
+        </p:txBody>
+      </p:sp>
+      <p:sp>
+        <p:nvSpPr>
+          <p:cNvPr id="8" name="TextBox 7"/>
+          <p:cNvSpPr txBox="1"/>
+          <p:nvPr/>
+        </p:nvSpPr>
+        <p:spPr>
+          <a:xfrm>
+            <a:off x="5149063" y="2588552"/>
+            <a:ext cx="765128" cy="369332"/>
+          </a:xfrm>
+          <a:prstGeom prst="rect">
+            <a:avLst/>
+          </a:prstGeom>
+          <a:noFill/>
+        </p:spPr>
+        <p:txBody>
+          <a:bodyPr wrap="none" rtlCol="0">
+            <a:spAutoFit/>
+          </a:bodyPr>
+          <a:lstStyle/>
+          <a:p>
+            <a:r>
+              <a:rPr lang="en-US" b="1" dirty="0" smtClean="0"/>
+              <a:t>Part B</a:t>
+            </a:r>
+            <a:endParaRPr lang="en-US" b="1" dirty="0"/>
+          </a:p>
+        </p:txBody>
+      </p:sp>
+      <p:sp>
+        <p:nvSpPr>
+          <p:cNvPr id="9" name="TextBox 8"/>
+          <p:cNvSpPr txBox="1"/>
+          <p:nvPr/>
+        </p:nvSpPr>
+        <p:spPr>
+          <a:xfrm>
+            <a:off x="3301788" y="5727123"/>
+            <a:ext cx="757915" cy="369332"/>
+          </a:xfrm>
+          <a:prstGeom prst="rect">
+            <a:avLst/>
+          </a:prstGeom>
+          <a:noFill/>
+        </p:spPr>
+        <p:txBody>
+          <a:bodyPr wrap="none" rtlCol="0">
+            <a:spAutoFit/>
+          </a:bodyPr>
+          <a:lstStyle/>
+          <a:p>
+            <a:r>
+              <a:rPr lang="en-US" b="1" dirty="0" smtClean="0"/>
+              <a:t>Part C</a:t>
+            </a:r>
+            <a:endParaRPr lang="en-US" b="1" dirty="0"/>
+          </a:p>
+        </p:txBody>
+      </p:sp>
+    </p:spTree>
+    <p:extLst>
+      <p:ext uri="{BB962C8B-B14F-4D97-AF65-F5344CB8AC3E}">
+        <p14:creationId xmlns:p14="http://schemas.microsoft.com/office/powerpoint/2010/main" val="4141597108"/>
+      </p:ext>
+    </p:extLst>
+  </p:cSld>
+  <p:clrMapOvr>
+    <a:masterClrMapping/>
+  </p:clrMapOvr>
+</p:sld>
+</file>
+
+<file path=ppt/slides/slide31.xml><?xml version="1.0" encoding="utf-8"?>
+<p:sld xmlns:a="http://schemas.openxmlformats.org/drawingml/2006/main" xmlns:r="http://schemas.openxmlformats.org/officeDocument/2006/relationships" xmlns:p="http://schemas.openxmlformats.org/presentationml/2006/main">
+  <p:cSld>
+    <p:spTree>
+      <p:nvGrpSpPr>
+        <p:cNvPr id="1" name=""/>
+        <p:cNvGrpSpPr/>
+        <p:nvPr/>
+      </p:nvGrpSpPr>
+      <p:grpSpPr>
+        <a:xfrm>
+          <a:off x="0" y="0"/>
+          <a:ext cx="0" cy="0"/>
+          <a:chOff x="0" y="0"/>
+          <a:chExt cx="0" cy="0"/>
+        </a:xfrm>
+      </p:grpSpPr>
+      <p:pic>
+        <p:nvPicPr>
+          <p:cNvPr id="3" name="Picture 2" descr="Screen Shot 2016-08-22 at 03.19.44.png"/>
+          <p:cNvPicPr>
+            <a:picLocks noChangeAspect="1"/>
+          </p:cNvPicPr>
+          <p:nvPr/>
+        </p:nvPicPr>
+        <p:blipFill>
+          <a:blip r:embed="rId2">
+            <a:extLst>
+              <a:ext uri="{28A0092B-C50C-407E-A947-70E740481C1C}">
+                <a14:useLocalDpi xmlns:a14="http://schemas.microsoft.com/office/drawing/2010/main" val="0"/>
+              </a:ext>
+            </a:extLst>
+          </a:blip>
+          <a:stretch>
+            <a:fillRect/>
+          </a:stretch>
+        </p:blipFill>
+        <p:spPr>
+          <a:xfrm>
+            <a:off x="0" y="0"/>
             <a:ext cx="9144000" cy="6176742"/>
           </a:xfrm>
           <a:prstGeom prst="rect">
@@ -33253,7 +39592,7 @@
 </p:sld>
 </file>
 
-<file path=ppt/slides/slide26.xml><?xml version="1.0" encoding="utf-8"?>
+<file path=ppt/slides/slide32.xml><?xml version="1.0" encoding="utf-8"?>
 <p:sld xmlns:a="http://schemas.openxmlformats.org/drawingml/2006/main" xmlns:r="http://schemas.openxmlformats.org/officeDocument/2006/relationships" xmlns:p="http://schemas.openxmlformats.org/presentationml/2006/main">
   <p:cSld>
     <p:spTree>
@@ -33292,7 +39631,7 @@
           <a:graphicData uri="http://schemas.openxmlformats.org/presentationml/2006/ole">
             <mc:AlternateContent xmlns:mc="http://schemas.openxmlformats.org/markup-compatibility/2006">
               <mc:Choice xmlns:v="urn:schemas-microsoft-com:vml" Requires="v">
-                <p:oleObj spid="_x0000_s2049" name="Document" r:id="rId3" imgW="5803900" imgH="4495800" progId="Word.Document.12">
+                <p:oleObj spid="_x0000_s2083" name="Document" r:id="rId3" imgW="5803900" imgH="4495800" progId="Word.Document.12">
                   <p:embed/>
                 </p:oleObj>
               </mc:Choice>
@@ -33337,460 +39676,6 @@
   <p:clrMapOvr>
     <a:masterClrMapping/>
   </p:clrMapOvr>
-</p:sld>
-</file>
-
-<file path=ppt/slides/slide3.xml><?xml version="1.0" encoding="utf-8"?>
-<p:sld xmlns:a="http://schemas.openxmlformats.org/drawingml/2006/main" xmlns:r="http://schemas.openxmlformats.org/officeDocument/2006/relationships" xmlns:p="http://schemas.openxmlformats.org/presentationml/2006/main">
-  <p:cSld>
-    <p:spTree>
-      <p:nvGrpSpPr>
-        <p:cNvPr id="1" name=""/>
-        <p:cNvGrpSpPr/>
-        <p:nvPr/>
-      </p:nvGrpSpPr>
-      <p:grpSpPr>
-        <a:xfrm>
-          <a:off x="0" y="0"/>
-          <a:ext cx="0" cy="0"/>
-          <a:chOff x="0" y="0"/>
-          <a:chExt cx="0" cy="0"/>
-        </a:xfrm>
-      </p:grpSpPr>
-      <p:sp>
-        <p:nvSpPr>
-          <p:cNvPr id="11" name="Rounded Rectangle 10"/>
-          <p:cNvSpPr/>
-          <p:nvPr/>
-        </p:nvSpPr>
-        <p:spPr>
-          <a:xfrm>
-            <a:off x="1672750" y="1789975"/>
-            <a:ext cx="1137920" cy="294640"/>
-          </a:xfrm>
-          <a:prstGeom prst="roundRect">
-            <a:avLst/>
-          </a:prstGeom>
-          <a:ln w="28575" cmpd="sng">
-            <a:solidFill>
-              <a:srgbClr val="000000"/>
-            </a:solidFill>
-            <a:prstDash val="solid"/>
-          </a:ln>
-        </p:spPr>
-        <p:style>
-          <a:lnRef idx="2">
-            <a:schemeClr val="accent1"/>
-          </a:lnRef>
-          <a:fillRef idx="1">
-            <a:schemeClr val="lt1"/>
-          </a:fillRef>
-          <a:effectRef idx="0">
-            <a:schemeClr val="accent1"/>
-          </a:effectRef>
-          <a:fontRef idx="minor">
-            <a:schemeClr val="dk1"/>
-          </a:fontRef>
-        </p:style>
-        <p:txBody>
-          <a:bodyPr rtlCol="0" anchor="ctr"/>
-          <a:lstStyle/>
-          <a:p>
-            <a:pPr algn="ctr"/>
-            <a:r>
-              <a:rPr lang="en-US" sz="1200" dirty="0" smtClean="0"/>
-              <a:t>Functionality</a:t>
-            </a:r>
-            <a:endParaRPr lang="en-US" sz="1200" dirty="0"/>
-          </a:p>
-        </p:txBody>
-      </p:sp>
-      <p:sp>
-        <p:nvSpPr>
-          <p:cNvPr id="12" name="Rounded Rectangle 11"/>
-          <p:cNvSpPr/>
-          <p:nvPr/>
-        </p:nvSpPr>
-        <p:spPr>
-          <a:xfrm>
-            <a:off x="1654113" y="2371669"/>
-            <a:ext cx="1137920" cy="294640"/>
-          </a:xfrm>
-          <a:prstGeom prst="roundRect">
-            <a:avLst/>
-          </a:prstGeom>
-          <a:ln w="28575" cmpd="sng">
-            <a:solidFill>
-              <a:srgbClr val="000000"/>
-            </a:solidFill>
-            <a:prstDash val="solid"/>
-          </a:ln>
-        </p:spPr>
-        <p:style>
-          <a:lnRef idx="2">
-            <a:schemeClr val="accent1"/>
-          </a:lnRef>
-          <a:fillRef idx="1">
-            <a:schemeClr val="lt1"/>
-          </a:fillRef>
-          <a:effectRef idx="0">
-            <a:schemeClr val="accent1"/>
-          </a:effectRef>
-          <a:fontRef idx="minor">
-            <a:schemeClr val="dk1"/>
-          </a:fontRef>
-        </p:style>
-        <p:txBody>
-          <a:bodyPr rtlCol="0" anchor="ctr"/>
-          <a:lstStyle/>
-          <a:p>
-            <a:pPr algn="ctr"/>
-            <a:r>
-              <a:rPr lang="en-US" sz="1200" dirty="0" smtClean="0"/>
-              <a:t>Reliability</a:t>
-            </a:r>
-            <a:endParaRPr lang="en-US" sz="1200" dirty="0"/>
-          </a:p>
-        </p:txBody>
-      </p:sp>
-      <p:sp>
-        <p:nvSpPr>
-          <p:cNvPr id="533" name="Rounded Rectangle 532"/>
-          <p:cNvSpPr/>
-          <p:nvPr/>
-        </p:nvSpPr>
-        <p:spPr>
-          <a:xfrm>
-            <a:off x="1654112" y="1175825"/>
-            <a:ext cx="1156557" cy="314280"/>
-          </a:xfrm>
-          <a:prstGeom prst="roundRect">
-            <a:avLst/>
-          </a:prstGeom>
-          <a:solidFill>
-            <a:schemeClr val="lt1">
-              <a:alpha val="0"/>
-            </a:schemeClr>
-          </a:solidFill>
-          <a:ln w="28575" cmpd="sng">
-            <a:solidFill>
-              <a:srgbClr val="000000"/>
-            </a:solidFill>
-            <a:prstDash val="solid"/>
-          </a:ln>
-        </p:spPr>
-        <p:style>
-          <a:lnRef idx="2">
-            <a:schemeClr val="accent1"/>
-          </a:lnRef>
-          <a:fillRef idx="1">
-            <a:schemeClr val="lt1"/>
-          </a:fillRef>
-          <a:effectRef idx="0">
-            <a:schemeClr val="accent1"/>
-          </a:effectRef>
-          <a:fontRef idx="minor">
-            <a:schemeClr val="dk1"/>
-          </a:fontRef>
-        </p:style>
-        <p:txBody>
-          <a:bodyPr rtlCol="0" anchor="ctr"/>
-          <a:lstStyle/>
-          <a:p>
-            <a:pPr algn="ctr"/>
-            <a:r>
-              <a:rPr lang="en-US" sz="1200" dirty="0" smtClean="0"/>
-              <a:t>Compatibility</a:t>
-            </a:r>
-            <a:endParaRPr lang="en-US" sz="1200" dirty="0"/>
-          </a:p>
-        </p:txBody>
-      </p:sp>
-      <p:sp>
-        <p:nvSpPr>
-          <p:cNvPr id="13" name="TextBox 12"/>
-          <p:cNvSpPr txBox="1"/>
-          <p:nvPr/>
-        </p:nvSpPr>
-        <p:spPr>
-          <a:xfrm>
-            <a:off x="6504396" y="1064698"/>
-            <a:ext cx="2388282" cy="369332"/>
-          </a:xfrm>
-          <a:prstGeom prst="rect">
-            <a:avLst/>
-          </a:prstGeom>
-          <a:noFill/>
-        </p:spPr>
-        <p:txBody>
-          <a:bodyPr wrap="none" rtlCol="0">
-            <a:spAutoFit/>
-          </a:bodyPr>
-          <a:lstStyle/>
-          <a:p>
-            <a:r>
-              <a:rPr lang="en-US" dirty="0" smtClean="0"/>
-              <a:t>PROVIDER PERCEPTION</a:t>
-            </a:r>
-            <a:endParaRPr lang="en-US" dirty="0"/>
-          </a:p>
-        </p:txBody>
-      </p:sp>
-      <p:sp>
-        <p:nvSpPr>
-          <p:cNvPr id="6" name="TextBox 5"/>
-          <p:cNvSpPr txBox="1"/>
-          <p:nvPr/>
-        </p:nvSpPr>
-        <p:spPr>
-          <a:xfrm>
-            <a:off x="3476871" y="1614129"/>
-            <a:ext cx="1650700" cy="646331"/>
-          </a:xfrm>
-          <a:prstGeom prst="rect">
-            <a:avLst/>
-          </a:prstGeom>
-        </p:spPr>
-        <p:style>
-          <a:lnRef idx="2">
-            <a:schemeClr val="dk1"/>
-          </a:lnRef>
-          <a:fillRef idx="1">
-            <a:schemeClr val="lt1"/>
-          </a:fillRef>
-          <a:effectRef idx="0">
-            <a:schemeClr val="dk1"/>
-          </a:effectRef>
-          <a:fontRef idx="minor">
-            <a:schemeClr val="dk1"/>
-          </a:fontRef>
-        </p:style>
-        <p:txBody>
-          <a:bodyPr wrap="none" rtlCol="0">
-            <a:spAutoFit/>
-          </a:bodyPr>
-          <a:lstStyle/>
-          <a:p>
-            <a:r>
-              <a:rPr lang="en-US" dirty="0" smtClean="0"/>
-              <a:t>E-Service</a:t>
-            </a:r>
-          </a:p>
-          <a:p>
-            <a:r>
-              <a:rPr lang="en-US" dirty="0" smtClean="0"/>
-              <a:t>Product Quality</a:t>
-            </a:r>
-            <a:endParaRPr lang="en-US" dirty="0"/>
-          </a:p>
-        </p:txBody>
-      </p:sp>
-      <p:cxnSp>
-        <p:nvCxnSpPr>
-          <p:cNvPr id="7" name="Straight Connector 6"/>
-          <p:cNvCxnSpPr>
-            <a:stCxn id="533" idx="3"/>
-            <a:endCxn id="6" idx="1"/>
-          </p:cNvCxnSpPr>
-          <p:nvPr/>
-        </p:nvCxnSpPr>
-        <p:spPr>
-          <a:xfrm>
-            <a:off x="2810669" y="1332965"/>
-            <a:ext cx="666202" cy="604330"/>
-          </a:xfrm>
-          <a:prstGeom prst="line">
-            <a:avLst/>
-          </a:prstGeom>
-        </p:spPr>
-        <p:style>
-          <a:lnRef idx="1">
-            <a:schemeClr val="dk1"/>
-          </a:lnRef>
-          <a:fillRef idx="0">
-            <a:schemeClr val="dk1"/>
-          </a:fillRef>
-          <a:effectRef idx="0">
-            <a:schemeClr val="dk1"/>
-          </a:effectRef>
-          <a:fontRef idx="minor">
-            <a:schemeClr val="tx1"/>
-          </a:fontRef>
-        </p:style>
-      </p:cxnSp>
-      <p:cxnSp>
-        <p:nvCxnSpPr>
-          <p:cNvPr id="10" name="Straight Connector 9"/>
-          <p:cNvCxnSpPr>
-            <a:stCxn id="11" idx="3"/>
-            <a:endCxn id="6" idx="1"/>
-          </p:cNvCxnSpPr>
-          <p:nvPr/>
-        </p:nvCxnSpPr>
-        <p:spPr>
-          <a:xfrm>
-            <a:off x="2810670" y="1937295"/>
-            <a:ext cx="666201" cy="0"/>
-          </a:xfrm>
-          <a:prstGeom prst="line">
-            <a:avLst/>
-          </a:prstGeom>
-        </p:spPr>
-        <p:style>
-          <a:lnRef idx="1">
-            <a:schemeClr val="dk1"/>
-          </a:lnRef>
-          <a:fillRef idx="0">
-            <a:schemeClr val="dk1"/>
-          </a:fillRef>
-          <a:effectRef idx="0">
-            <a:schemeClr val="dk1"/>
-          </a:effectRef>
-          <a:fontRef idx="minor">
-            <a:schemeClr val="tx1"/>
-          </a:fontRef>
-        </p:style>
-      </p:cxnSp>
-      <p:cxnSp>
-        <p:nvCxnSpPr>
-          <p:cNvPr id="14" name="Straight Connector 13"/>
-          <p:cNvCxnSpPr>
-            <a:stCxn id="12" idx="3"/>
-            <a:endCxn id="6" idx="1"/>
-          </p:cNvCxnSpPr>
-          <p:nvPr/>
-        </p:nvCxnSpPr>
-        <p:spPr>
-          <a:xfrm flipV="1">
-            <a:off x="2792033" y="1937295"/>
-            <a:ext cx="684838" cy="581694"/>
-          </a:xfrm>
-          <a:prstGeom prst="line">
-            <a:avLst/>
-          </a:prstGeom>
-        </p:spPr>
-        <p:style>
-          <a:lnRef idx="1">
-            <a:schemeClr val="dk1"/>
-          </a:lnRef>
-          <a:fillRef idx="0">
-            <a:schemeClr val="dk1"/>
-          </a:fillRef>
-          <a:effectRef idx="0">
-            <a:schemeClr val="dk1"/>
-          </a:effectRef>
-          <a:fontRef idx="minor">
-            <a:schemeClr val="tx1"/>
-          </a:fontRef>
-        </p:style>
-      </p:cxnSp>
-      <p:sp>
-        <p:nvSpPr>
-          <p:cNvPr id="19" name="TextBox 18"/>
-          <p:cNvSpPr txBox="1"/>
-          <p:nvPr/>
-        </p:nvSpPr>
-        <p:spPr>
-          <a:xfrm>
-            <a:off x="5589377" y="3743464"/>
-            <a:ext cx="3217723" cy="369332"/>
-          </a:xfrm>
-          <a:prstGeom prst="rect">
-            <a:avLst/>
-          </a:prstGeom>
-          <a:noFill/>
-        </p:spPr>
-        <p:txBody>
-          <a:bodyPr wrap="none" rtlCol="0">
-            <a:spAutoFit/>
-          </a:bodyPr>
-          <a:lstStyle/>
-          <a:p>
-            <a:r>
-              <a:rPr lang="en-US" dirty="0" smtClean="0"/>
-              <a:t>E-Service Product Quality Model</a:t>
-            </a:r>
-            <a:endParaRPr lang="en-US" dirty="0"/>
-          </a:p>
-        </p:txBody>
-      </p:sp>
-      <p:sp>
-        <p:nvSpPr>
-          <p:cNvPr id="20" name="TextBox 19"/>
-          <p:cNvSpPr txBox="1"/>
-          <p:nvPr/>
-        </p:nvSpPr>
-        <p:spPr>
-          <a:xfrm>
-            <a:off x="6291982" y="2666309"/>
-            <a:ext cx="1356524" cy="369332"/>
-          </a:xfrm>
-          <a:prstGeom prst="rect">
-            <a:avLst/>
-          </a:prstGeom>
-          <a:noFill/>
-        </p:spPr>
-        <p:txBody>
-          <a:bodyPr wrap="none" rtlCol="0">
-            <a:spAutoFit/>
-          </a:bodyPr>
-          <a:lstStyle/>
-          <a:p>
-            <a:r>
-              <a:rPr lang="en-US" b="1" dirty="0" smtClean="0"/>
-              <a:t>PROPERTIES</a:t>
-            </a:r>
-            <a:endParaRPr lang="en-US" b="1" dirty="0"/>
-          </a:p>
-        </p:txBody>
-      </p:sp>
-      <p:sp>
-        <p:nvSpPr>
-          <p:cNvPr id="24" name="TextBox 23"/>
-          <p:cNvSpPr txBox="1"/>
-          <p:nvPr/>
-        </p:nvSpPr>
-        <p:spPr>
-          <a:xfrm>
-            <a:off x="202680" y="6020974"/>
-            <a:ext cx="8352505" cy="369332"/>
-          </a:xfrm>
-          <a:prstGeom prst="rect">
-            <a:avLst/>
-          </a:prstGeom>
-          <a:noFill/>
-        </p:spPr>
-        <p:txBody>
-          <a:bodyPr wrap="none" rtlCol="0">
-            <a:spAutoFit/>
-          </a:bodyPr>
-          <a:lstStyle/>
-          <a:p>
-            <a:r>
-              <a:rPr lang="en-US" dirty="0" smtClean="0"/>
-              <a:t>Hypothesis: This 3 e-services properties positively influence the user quality perception.</a:t>
-            </a:r>
-            <a:endParaRPr lang="en-US" dirty="0"/>
-          </a:p>
-        </p:txBody>
-      </p:sp>
-    </p:spTree>
-    <p:extLst>
-      <p:ext uri="{BB962C8B-B14F-4D97-AF65-F5344CB8AC3E}">
-        <p14:creationId xmlns:p14="http://schemas.microsoft.com/office/powerpoint/2010/main" val="203982113"/>
-      </p:ext>
-    </p:extLst>
-  </p:cSld>
-  <p:clrMapOvr>
-    <a:masterClrMapping/>
-  </p:clrMapOvr>
-  <p:timing>
-    <p:tnLst>
-      <p:par>
-        <p:cTn xmlns:p14="http://schemas.microsoft.com/office/powerpoint/2010/main" id="1" dur="indefinite" restart="never" nodeType="tmRoot"/>
-      </p:par>
-    </p:tnLst>
-  </p:timing>
 </p:sld>
 </file>
 

--- a/model.pptx
+++ b/model.pptx
@@ -5,7 +5,7 @@
     <p:sldMasterId id="2147483648" r:id="rId1"/>
   </p:sldMasterIdLst>
   <p:notesMasterIdLst>
-    <p:notesMasterId r:id="rId34"/>
+    <p:notesMasterId r:id="rId35"/>
   </p:notesMasterIdLst>
   <p:sldIdLst>
     <p:sldId id="262" r:id="rId2"/>
@@ -40,6 +40,7 @@
     <p:sldId id="284" r:id="rId31"/>
     <p:sldId id="287" r:id="rId32"/>
     <p:sldId id="286" r:id="rId33"/>
+    <p:sldId id="294" r:id="rId34"/>
   </p:sldIdLst>
   <p:sldSz cx="9144000" cy="6858000" type="screen4x3"/>
   <p:notesSz cx="6858000" cy="9144000"/>
@@ -4380,7 +4381,7 @@
           <a:graphicData uri="http://schemas.openxmlformats.org/presentationml/2006/ole">
             <mc:AlternateContent xmlns:mc="http://schemas.openxmlformats.org/markup-compatibility/2006">
               <mc:Choice xmlns:v="urn:schemas-microsoft-com:vml" Requires="v">
-                <p:oleObj spid="_x0000_s1198" name="Equation" r:id="rId3" imgW="3771900" imgH="203200" progId="Equation.3">
+                <p:oleObj spid="_x0000_s1201" name="Equation" r:id="rId3" imgW="3771900" imgH="203200" progId="Equation.3">
                   <p:embed/>
                 </p:oleObj>
               </mc:Choice>
@@ -39618,7 +39619,7 @@
           <p:nvPr>
             <p:extLst>
               <p:ext uri="{D42A27DB-BD31-4B8C-83A1-F6EECF244321}">
-                <p14:modId xmlns:p14="http://schemas.microsoft.com/office/powerpoint/2010/main" val="3279791057"/>
+                <p14:modId xmlns:p14="http://schemas.microsoft.com/office/powerpoint/2010/main" val="3642185258"/>
               </p:ext>
             </p:extLst>
           </p:nvPr>
@@ -39631,7 +39632,7 @@
           <a:graphicData uri="http://schemas.openxmlformats.org/presentationml/2006/ole">
             <mc:AlternateContent xmlns:mc="http://schemas.openxmlformats.org/markup-compatibility/2006">
               <mc:Choice xmlns:v="urn:schemas-microsoft-com:vml" Requires="v">
-                <p:oleObj spid="_x0000_s2083" name="Document" r:id="rId3" imgW="5803900" imgH="4495800" progId="Word.Document.12">
+                <p:oleObj spid="_x0000_s2086" name="Document" r:id="rId3" imgW="5803900" imgH="4495800" progId="Word.Document.12">
                   <p:embed/>
                 </p:oleObj>
               </mc:Choice>
@@ -39670,6 +39671,1248 @@
     <p:extLst>
       <p:ext uri="{BB962C8B-B14F-4D97-AF65-F5344CB8AC3E}">
         <p14:creationId xmlns:p14="http://schemas.microsoft.com/office/powerpoint/2010/main" val="443695295"/>
+      </p:ext>
+    </p:extLst>
+  </p:cSld>
+  <p:clrMapOvr>
+    <a:masterClrMapping/>
+  </p:clrMapOvr>
+</p:sld>
+</file>
+
+<file path=ppt/slides/slide33.xml><?xml version="1.0" encoding="utf-8"?>
+<p:sld xmlns:a="http://schemas.openxmlformats.org/drawingml/2006/main" xmlns:r="http://schemas.openxmlformats.org/officeDocument/2006/relationships" xmlns:p="http://schemas.openxmlformats.org/presentationml/2006/main">
+  <p:cSld>
+    <p:spTree>
+      <p:nvGrpSpPr>
+        <p:cNvPr id="1" name=""/>
+        <p:cNvGrpSpPr/>
+        <p:nvPr/>
+      </p:nvGrpSpPr>
+      <p:grpSpPr>
+        <a:xfrm>
+          <a:off x="0" y="0"/>
+          <a:ext cx="0" cy="0"/>
+          <a:chOff x="0" y="0"/>
+          <a:chExt cx="0" cy="0"/>
+        </a:xfrm>
+      </p:grpSpPr>
+      <p:grpSp>
+        <p:nvGrpSpPr>
+          <p:cNvPr id="55" name="Group 54"/>
+          <p:cNvGrpSpPr/>
+          <p:nvPr/>
+        </p:nvGrpSpPr>
+        <p:grpSpPr>
+          <a:xfrm>
+            <a:off x="2247738" y="849682"/>
+            <a:ext cx="4678220" cy="4036732"/>
+            <a:chOff x="2247738" y="849682"/>
+            <a:chExt cx="4678220" cy="4036732"/>
+          </a:xfrm>
+        </p:grpSpPr>
+        <p:sp>
+          <p:nvSpPr>
+            <p:cNvPr id="14" name="Rectangle 13"/>
+            <p:cNvSpPr/>
+            <p:nvPr/>
+          </p:nvSpPr>
+          <p:spPr>
+            <a:xfrm>
+              <a:off x="2640636" y="2429697"/>
+              <a:ext cx="4285322" cy="1690813"/>
+            </a:xfrm>
+            <a:prstGeom prst="rect">
+              <a:avLst/>
+            </a:prstGeom>
+            <a:noFill/>
+            <a:ln>
+              <a:solidFill>
+                <a:schemeClr val="tx1"/>
+              </a:solidFill>
+            </a:ln>
+            <a:effectLst>
+              <a:outerShdw blurRad="50800" dist="38100" dir="5400000" algn="t" rotWithShape="0">
+                <a:prstClr val="black">
+                  <a:alpha val="40000"/>
+                </a:prstClr>
+              </a:outerShdw>
+            </a:effectLst>
+          </p:spPr>
+          <p:style>
+            <a:lnRef idx="1">
+              <a:schemeClr val="accent1"/>
+            </a:lnRef>
+            <a:fillRef idx="3">
+              <a:schemeClr val="accent1"/>
+            </a:fillRef>
+            <a:effectRef idx="2">
+              <a:schemeClr val="accent1"/>
+            </a:effectRef>
+            <a:fontRef idx="minor">
+              <a:schemeClr val="lt1"/>
+            </a:fontRef>
+          </p:style>
+          <p:txBody>
+            <a:bodyPr rtlCol="0" anchor="ctr"/>
+            <a:lstStyle/>
+            <a:p>
+              <a:pPr algn="ctr"/>
+              <a:endParaRPr lang="en-US" sz="1200" dirty="0">
+                <a:solidFill>
+                  <a:schemeClr val="tx1"/>
+                </a:solidFill>
+              </a:endParaRPr>
+            </a:p>
+          </p:txBody>
+        </p:sp>
+        <p:sp>
+          <p:nvSpPr>
+            <p:cNvPr id="4" name="Rectangle 3"/>
+            <p:cNvSpPr/>
+            <p:nvPr/>
+          </p:nvSpPr>
+          <p:spPr>
+            <a:xfrm>
+              <a:off x="2640636" y="1679528"/>
+              <a:ext cx="1139717" cy="410541"/>
+            </a:xfrm>
+            <a:prstGeom prst="rect">
+              <a:avLst/>
+            </a:prstGeom>
+            <a:noFill/>
+            <a:ln>
+              <a:solidFill>
+                <a:schemeClr val="tx1"/>
+              </a:solidFill>
+            </a:ln>
+            <a:effectLst>
+              <a:outerShdw blurRad="50800" dist="38100" dir="5400000" algn="t" rotWithShape="0">
+                <a:prstClr val="black">
+                  <a:alpha val="40000"/>
+                </a:prstClr>
+              </a:outerShdw>
+            </a:effectLst>
+          </p:spPr>
+          <p:style>
+            <a:lnRef idx="1">
+              <a:schemeClr val="accent1"/>
+            </a:lnRef>
+            <a:fillRef idx="3">
+              <a:schemeClr val="accent1"/>
+            </a:fillRef>
+            <a:effectRef idx="2">
+              <a:schemeClr val="accent1"/>
+            </a:effectRef>
+            <a:fontRef idx="minor">
+              <a:schemeClr val="lt1"/>
+            </a:fontRef>
+          </p:style>
+          <p:txBody>
+            <a:bodyPr rtlCol="0" anchor="ctr"/>
+            <a:lstStyle/>
+            <a:p>
+              <a:pPr algn="ctr"/>
+              <a:r>
+                <a:rPr lang="en-US" sz="1200" dirty="0" smtClean="0">
+                  <a:solidFill>
+                    <a:schemeClr val="tx1"/>
+                  </a:solidFill>
+                </a:rPr>
+                <a:t>Business</a:t>
+              </a:r>
+              <a:endParaRPr lang="en-US" sz="1200" dirty="0">
+                <a:solidFill>
+                  <a:schemeClr val="tx1"/>
+                </a:solidFill>
+              </a:endParaRPr>
+            </a:p>
+          </p:txBody>
+        </p:sp>
+        <p:sp>
+          <p:nvSpPr>
+            <p:cNvPr id="6" name="Rectangle 5"/>
+            <p:cNvSpPr/>
+            <p:nvPr/>
+          </p:nvSpPr>
+          <p:spPr>
+            <a:xfrm>
+              <a:off x="5786241" y="1688449"/>
+              <a:ext cx="1139717" cy="410541"/>
+            </a:xfrm>
+            <a:prstGeom prst="rect">
+              <a:avLst/>
+            </a:prstGeom>
+            <a:solidFill>
+              <a:schemeClr val="bg1">
+                <a:lumMod val="85000"/>
+              </a:schemeClr>
+            </a:solidFill>
+            <a:ln>
+              <a:solidFill>
+                <a:schemeClr val="tx1"/>
+              </a:solidFill>
+            </a:ln>
+            <a:effectLst>
+              <a:outerShdw blurRad="50800" dist="38100" dir="5400000" algn="t" rotWithShape="0">
+                <a:prstClr val="black">
+                  <a:alpha val="40000"/>
+                </a:prstClr>
+              </a:outerShdw>
+            </a:effectLst>
+          </p:spPr>
+          <p:style>
+            <a:lnRef idx="1">
+              <a:schemeClr val="accent1"/>
+            </a:lnRef>
+            <a:fillRef idx="3">
+              <a:schemeClr val="accent1"/>
+            </a:fillRef>
+            <a:effectRef idx="2">
+              <a:schemeClr val="accent1"/>
+            </a:effectRef>
+            <a:fontRef idx="minor">
+              <a:schemeClr val="lt1"/>
+            </a:fontRef>
+          </p:style>
+          <p:txBody>
+            <a:bodyPr rtlCol="0" anchor="ctr"/>
+            <a:lstStyle/>
+            <a:p>
+              <a:pPr algn="ctr"/>
+              <a:r>
+                <a:rPr lang="en-US" sz="1200" dirty="0" smtClean="0">
+                  <a:solidFill>
+                    <a:schemeClr val="tx1"/>
+                  </a:solidFill>
+                </a:rPr>
+                <a:t>Citizen</a:t>
+              </a:r>
+              <a:endParaRPr lang="en-US" sz="1200" dirty="0">
+                <a:solidFill>
+                  <a:schemeClr val="tx1"/>
+                </a:solidFill>
+              </a:endParaRPr>
+            </a:p>
+          </p:txBody>
+        </p:sp>
+        <p:sp>
+          <p:nvSpPr>
+            <p:cNvPr id="8" name="Rectangle 7"/>
+            <p:cNvSpPr/>
+            <p:nvPr/>
+          </p:nvSpPr>
+          <p:spPr>
+            <a:xfrm>
+              <a:off x="2769971" y="2832661"/>
+              <a:ext cx="1139717" cy="410541"/>
+            </a:xfrm>
+            <a:prstGeom prst="rect">
+              <a:avLst/>
+            </a:prstGeom>
+            <a:noFill/>
+            <a:ln>
+              <a:solidFill>
+                <a:schemeClr val="tx1"/>
+              </a:solidFill>
+            </a:ln>
+            <a:effectLst>
+              <a:outerShdw blurRad="50800" dist="38100" dir="5400000" algn="t" rotWithShape="0">
+                <a:prstClr val="black">
+                  <a:alpha val="40000"/>
+                </a:prstClr>
+              </a:outerShdw>
+            </a:effectLst>
+          </p:spPr>
+          <p:style>
+            <a:lnRef idx="1">
+              <a:schemeClr val="accent1"/>
+            </a:lnRef>
+            <a:fillRef idx="3">
+              <a:schemeClr val="accent1"/>
+            </a:fillRef>
+            <a:effectRef idx="2">
+              <a:schemeClr val="accent1"/>
+            </a:effectRef>
+            <a:fontRef idx="minor">
+              <a:schemeClr val="lt1"/>
+            </a:fontRef>
+          </p:style>
+          <p:txBody>
+            <a:bodyPr rtlCol="0" anchor="ctr"/>
+            <a:lstStyle/>
+            <a:p>
+              <a:pPr algn="ctr"/>
+              <a:r>
+                <a:rPr lang="en-US" sz="1200" dirty="0" smtClean="0">
+                  <a:solidFill>
+                    <a:schemeClr val="tx1"/>
+                  </a:solidFill>
+                </a:rPr>
+                <a:t>Country-Level</a:t>
+              </a:r>
+              <a:endParaRPr lang="en-US" sz="1200" dirty="0">
+                <a:solidFill>
+                  <a:schemeClr val="tx1"/>
+                </a:solidFill>
+              </a:endParaRPr>
+            </a:p>
+          </p:txBody>
+        </p:sp>
+        <p:sp>
+          <p:nvSpPr>
+            <p:cNvPr id="9" name="Rectangle 8"/>
+            <p:cNvSpPr/>
+            <p:nvPr/>
+          </p:nvSpPr>
+          <p:spPr>
+            <a:xfrm>
+              <a:off x="4183802" y="2832661"/>
+              <a:ext cx="1139717" cy="410541"/>
+            </a:xfrm>
+            <a:prstGeom prst="rect">
+              <a:avLst/>
+            </a:prstGeom>
+            <a:noFill/>
+            <a:ln>
+              <a:solidFill>
+                <a:schemeClr val="tx1"/>
+              </a:solidFill>
+            </a:ln>
+            <a:effectLst>
+              <a:outerShdw blurRad="50800" dist="38100" dir="5400000" algn="t" rotWithShape="0">
+                <a:prstClr val="black">
+                  <a:alpha val="40000"/>
+                </a:prstClr>
+              </a:outerShdw>
+            </a:effectLst>
+          </p:spPr>
+          <p:style>
+            <a:lnRef idx="1">
+              <a:schemeClr val="accent1"/>
+            </a:lnRef>
+            <a:fillRef idx="3">
+              <a:schemeClr val="accent1"/>
+            </a:fillRef>
+            <a:effectRef idx="2">
+              <a:schemeClr val="accent1"/>
+            </a:effectRef>
+            <a:fontRef idx="minor">
+              <a:schemeClr val="lt1"/>
+            </a:fontRef>
+          </p:style>
+          <p:txBody>
+            <a:bodyPr rtlCol="0" anchor="ctr"/>
+            <a:lstStyle/>
+            <a:p>
+              <a:pPr algn="ctr"/>
+              <a:r>
+                <a:rPr lang="en-US" sz="1200" dirty="0" smtClean="0">
+                  <a:solidFill>
+                    <a:schemeClr val="tx1"/>
+                  </a:solidFill>
+                </a:rPr>
+                <a:t>State-Level</a:t>
+              </a:r>
+              <a:endParaRPr lang="en-US" sz="1200" dirty="0">
+                <a:solidFill>
+                  <a:schemeClr val="tx1"/>
+                </a:solidFill>
+              </a:endParaRPr>
+            </a:p>
+          </p:txBody>
+        </p:sp>
+        <p:sp>
+          <p:nvSpPr>
+            <p:cNvPr id="10" name="Rectangle 9"/>
+            <p:cNvSpPr/>
+            <p:nvPr/>
+          </p:nvSpPr>
+          <p:spPr>
+            <a:xfrm>
+              <a:off x="5673158" y="2832661"/>
+              <a:ext cx="1139717" cy="410541"/>
+            </a:xfrm>
+            <a:prstGeom prst="rect">
+              <a:avLst/>
+            </a:prstGeom>
+            <a:solidFill>
+              <a:schemeClr val="bg1">
+                <a:lumMod val="85000"/>
+              </a:schemeClr>
+            </a:solidFill>
+            <a:ln>
+              <a:solidFill>
+                <a:schemeClr val="tx1"/>
+              </a:solidFill>
+            </a:ln>
+            <a:effectLst>
+              <a:outerShdw blurRad="50800" dist="38100" dir="5400000" algn="t" rotWithShape="0">
+                <a:prstClr val="black">
+                  <a:alpha val="40000"/>
+                </a:prstClr>
+              </a:outerShdw>
+            </a:effectLst>
+          </p:spPr>
+          <p:style>
+            <a:lnRef idx="1">
+              <a:schemeClr val="accent1"/>
+            </a:lnRef>
+            <a:fillRef idx="3">
+              <a:schemeClr val="accent1"/>
+            </a:fillRef>
+            <a:effectRef idx="2">
+              <a:schemeClr val="accent1"/>
+            </a:effectRef>
+            <a:fontRef idx="minor">
+              <a:schemeClr val="lt1"/>
+            </a:fontRef>
+          </p:style>
+          <p:txBody>
+            <a:bodyPr rtlCol="0" anchor="ctr"/>
+            <a:lstStyle/>
+            <a:p>
+              <a:pPr algn="ctr"/>
+              <a:r>
+                <a:rPr lang="en-US" sz="1200" dirty="0" smtClean="0">
+                  <a:solidFill>
+                    <a:schemeClr val="tx1"/>
+                  </a:solidFill>
+                </a:rPr>
+                <a:t>Local-Level</a:t>
+              </a:r>
+              <a:endParaRPr lang="en-US" sz="1200" dirty="0">
+                <a:solidFill>
+                  <a:schemeClr val="tx1"/>
+                </a:solidFill>
+              </a:endParaRPr>
+            </a:p>
+          </p:txBody>
+        </p:sp>
+        <p:sp>
+          <p:nvSpPr>
+            <p:cNvPr id="11" name="Rectangle 10"/>
+            <p:cNvSpPr/>
+            <p:nvPr/>
+          </p:nvSpPr>
+          <p:spPr>
+            <a:xfrm>
+              <a:off x="2769971" y="3597202"/>
+              <a:ext cx="4042904" cy="410541"/>
+            </a:xfrm>
+            <a:prstGeom prst="rect">
+              <a:avLst/>
+            </a:prstGeom>
+            <a:noFill/>
+            <a:ln>
+              <a:solidFill>
+                <a:schemeClr val="tx1"/>
+              </a:solidFill>
+            </a:ln>
+            <a:effectLst>
+              <a:outerShdw blurRad="50800" dist="38100" dir="5400000" algn="t" rotWithShape="0">
+                <a:prstClr val="black">
+                  <a:alpha val="40000"/>
+                </a:prstClr>
+              </a:outerShdw>
+            </a:effectLst>
+          </p:spPr>
+          <p:style>
+            <a:lnRef idx="1">
+              <a:schemeClr val="accent1"/>
+            </a:lnRef>
+            <a:fillRef idx="3">
+              <a:schemeClr val="accent1"/>
+            </a:fillRef>
+            <a:effectRef idx="2">
+              <a:schemeClr val="accent1"/>
+            </a:effectRef>
+            <a:fontRef idx="minor">
+              <a:schemeClr val="lt1"/>
+            </a:fontRef>
+          </p:style>
+          <p:txBody>
+            <a:bodyPr rtlCol="0" anchor="ctr"/>
+            <a:lstStyle/>
+            <a:p>
+              <a:pPr algn="ctr"/>
+              <a:r>
+                <a:rPr lang="en-US" sz="1200" dirty="0" smtClean="0">
+                  <a:solidFill>
+                    <a:schemeClr val="tx1"/>
+                  </a:solidFill>
+                </a:rPr>
+                <a:t>Supranational Level</a:t>
+              </a:r>
+              <a:endParaRPr lang="en-US" sz="1200" dirty="0">
+                <a:solidFill>
+                  <a:schemeClr val="tx1"/>
+                </a:solidFill>
+              </a:endParaRPr>
+            </a:p>
+          </p:txBody>
+        </p:sp>
+        <p:sp>
+          <p:nvSpPr>
+            <p:cNvPr id="12" name="Rectangle 11"/>
+            <p:cNvSpPr/>
+            <p:nvPr/>
+          </p:nvSpPr>
+          <p:spPr>
+            <a:xfrm>
+              <a:off x="4183802" y="4475873"/>
+              <a:ext cx="1139717" cy="410541"/>
+            </a:xfrm>
+            <a:prstGeom prst="rect">
+              <a:avLst/>
+            </a:prstGeom>
+            <a:noFill/>
+            <a:ln>
+              <a:solidFill>
+                <a:schemeClr val="tx1"/>
+              </a:solidFill>
+            </a:ln>
+            <a:effectLst>
+              <a:outerShdw blurRad="50800" dist="38100" dir="5400000" algn="t" rotWithShape="0">
+                <a:prstClr val="black">
+                  <a:alpha val="40000"/>
+                </a:prstClr>
+              </a:outerShdw>
+            </a:effectLst>
+          </p:spPr>
+          <p:style>
+            <a:lnRef idx="1">
+              <a:schemeClr val="accent1"/>
+            </a:lnRef>
+            <a:fillRef idx="3">
+              <a:schemeClr val="accent1"/>
+            </a:fillRef>
+            <a:effectRef idx="2">
+              <a:schemeClr val="accent1"/>
+            </a:effectRef>
+            <a:fontRef idx="minor">
+              <a:schemeClr val="lt1"/>
+            </a:fontRef>
+          </p:style>
+          <p:txBody>
+            <a:bodyPr rtlCol="0" anchor="ctr"/>
+            <a:lstStyle/>
+            <a:p>
+              <a:pPr algn="ctr"/>
+              <a:r>
+                <a:rPr lang="en-US" sz="1200" dirty="0" smtClean="0">
+                  <a:solidFill>
+                    <a:schemeClr val="tx1"/>
+                  </a:solidFill>
+                </a:rPr>
+                <a:t>NPO / NGO</a:t>
+              </a:r>
+              <a:endParaRPr lang="en-US" sz="1200" dirty="0">
+                <a:solidFill>
+                  <a:schemeClr val="tx1"/>
+                </a:solidFill>
+              </a:endParaRPr>
+            </a:p>
+          </p:txBody>
+        </p:sp>
+        <p:cxnSp>
+          <p:nvCxnSpPr>
+            <p:cNvPr id="16" name="Straight Arrow Connector 15"/>
+            <p:cNvCxnSpPr>
+              <a:stCxn id="4" idx="3"/>
+              <a:endCxn id="6" idx="1"/>
+            </p:cNvCxnSpPr>
+            <p:nvPr/>
+          </p:nvCxnSpPr>
+          <p:spPr>
+            <a:xfrm>
+              <a:off x="3780353" y="1884799"/>
+              <a:ext cx="2005888" cy="8921"/>
+            </a:xfrm>
+            <a:prstGeom prst="straightConnector1">
+              <a:avLst/>
+            </a:prstGeom>
+            <a:ln w="12700" cmpd="sng">
+              <a:solidFill>
+                <a:srgbClr val="000000"/>
+              </a:solidFill>
+              <a:headEnd type="triangle"/>
+              <a:tailEnd type="triangle"/>
+            </a:ln>
+            <a:effectLst/>
+          </p:spPr>
+          <p:style>
+            <a:lnRef idx="2">
+              <a:schemeClr val="accent1"/>
+            </a:lnRef>
+            <a:fillRef idx="0">
+              <a:schemeClr val="accent1"/>
+            </a:fillRef>
+            <a:effectRef idx="1">
+              <a:schemeClr val="accent1"/>
+            </a:effectRef>
+            <a:fontRef idx="minor">
+              <a:schemeClr val="tx1"/>
+            </a:fontRef>
+          </p:style>
+        </p:cxnSp>
+        <p:cxnSp>
+          <p:nvCxnSpPr>
+            <p:cNvPr id="19" name="Straight Arrow Connector 18"/>
+            <p:cNvCxnSpPr>
+              <a:stCxn id="4" idx="2"/>
+            </p:cNvCxnSpPr>
+            <p:nvPr/>
+          </p:nvCxnSpPr>
+          <p:spPr>
+            <a:xfrm>
+              <a:off x="3210495" y="2090069"/>
+              <a:ext cx="0" cy="339628"/>
+            </a:xfrm>
+            <a:prstGeom prst="straightConnector1">
+              <a:avLst/>
+            </a:prstGeom>
+            <a:ln w="12700" cmpd="sng">
+              <a:solidFill>
+                <a:srgbClr val="000000"/>
+              </a:solidFill>
+              <a:headEnd type="triangle"/>
+              <a:tailEnd type="triangle"/>
+            </a:ln>
+            <a:effectLst/>
+          </p:spPr>
+          <p:style>
+            <a:lnRef idx="2">
+              <a:schemeClr val="accent1"/>
+            </a:lnRef>
+            <a:fillRef idx="0">
+              <a:schemeClr val="accent1"/>
+            </a:fillRef>
+            <a:effectRef idx="1">
+              <a:schemeClr val="accent1"/>
+            </a:effectRef>
+            <a:fontRef idx="minor">
+              <a:schemeClr val="tx1"/>
+            </a:fontRef>
+          </p:style>
+        </p:cxnSp>
+        <p:cxnSp>
+          <p:nvCxnSpPr>
+            <p:cNvPr id="22" name="Straight Arrow Connector 21"/>
+            <p:cNvCxnSpPr/>
+            <p:nvPr/>
+          </p:nvCxnSpPr>
+          <p:spPr>
+            <a:xfrm>
+              <a:off x="6378154" y="2090069"/>
+              <a:ext cx="0" cy="339628"/>
+            </a:xfrm>
+            <a:prstGeom prst="straightConnector1">
+              <a:avLst/>
+            </a:prstGeom>
+            <a:ln w="12700" cmpd="sng">
+              <a:solidFill>
+                <a:srgbClr val="000000"/>
+              </a:solidFill>
+              <a:headEnd type="triangle"/>
+              <a:tailEnd type="triangle"/>
+            </a:ln>
+            <a:effectLst/>
+          </p:spPr>
+          <p:style>
+            <a:lnRef idx="2">
+              <a:schemeClr val="accent1"/>
+            </a:lnRef>
+            <a:fillRef idx="0">
+              <a:schemeClr val="accent1"/>
+            </a:fillRef>
+            <a:effectRef idx="1">
+              <a:schemeClr val="accent1"/>
+            </a:effectRef>
+            <a:fontRef idx="minor">
+              <a:schemeClr val="tx1"/>
+            </a:fontRef>
+          </p:style>
+        </p:cxnSp>
+        <p:cxnSp>
+          <p:nvCxnSpPr>
+            <p:cNvPr id="23" name="Straight Arrow Connector 22"/>
+            <p:cNvCxnSpPr/>
+            <p:nvPr/>
+          </p:nvCxnSpPr>
+          <p:spPr>
+            <a:xfrm>
+              <a:off x="4751741" y="4117973"/>
+              <a:ext cx="0" cy="339628"/>
+            </a:xfrm>
+            <a:prstGeom prst="straightConnector1">
+              <a:avLst/>
+            </a:prstGeom>
+            <a:ln w="12700" cmpd="sng">
+              <a:solidFill>
+                <a:srgbClr val="000000"/>
+              </a:solidFill>
+              <a:headEnd type="triangle"/>
+              <a:tailEnd type="triangle"/>
+            </a:ln>
+            <a:effectLst/>
+          </p:spPr>
+          <p:style>
+            <a:lnRef idx="2">
+              <a:schemeClr val="accent1"/>
+            </a:lnRef>
+            <a:fillRef idx="0">
+              <a:schemeClr val="accent1"/>
+            </a:fillRef>
+            <a:effectRef idx="1">
+              <a:schemeClr val="accent1"/>
+            </a:effectRef>
+            <a:fontRef idx="minor">
+              <a:schemeClr val="tx1"/>
+            </a:fontRef>
+          </p:style>
+        </p:cxnSp>
+        <p:cxnSp>
+          <p:nvCxnSpPr>
+            <p:cNvPr id="24" name="Straight Arrow Connector 23"/>
+            <p:cNvCxnSpPr/>
+            <p:nvPr/>
+          </p:nvCxnSpPr>
+          <p:spPr>
+            <a:xfrm>
+              <a:off x="3298935" y="3243202"/>
+              <a:ext cx="0" cy="339628"/>
+            </a:xfrm>
+            <a:prstGeom prst="straightConnector1">
+              <a:avLst/>
+            </a:prstGeom>
+            <a:ln w="12700" cmpd="sng">
+              <a:solidFill>
+                <a:srgbClr val="000000"/>
+              </a:solidFill>
+              <a:headEnd type="triangle"/>
+              <a:tailEnd type="triangle"/>
+            </a:ln>
+            <a:effectLst/>
+          </p:spPr>
+          <p:style>
+            <a:lnRef idx="2">
+              <a:schemeClr val="accent1"/>
+            </a:lnRef>
+            <a:fillRef idx="0">
+              <a:schemeClr val="accent1"/>
+            </a:fillRef>
+            <a:effectRef idx="1">
+              <a:schemeClr val="accent1"/>
+            </a:effectRef>
+            <a:fontRef idx="minor">
+              <a:schemeClr val="tx1"/>
+            </a:fontRef>
+          </p:style>
+        </p:cxnSp>
+        <p:cxnSp>
+          <p:nvCxnSpPr>
+            <p:cNvPr id="25" name="Straight Arrow Connector 24"/>
+            <p:cNvCxnSpPr/>
+            <p:nvPr/>
+          </p:nvCxnSpPr>
+          <p:spPr>
+            <a:xfrm>
+              <a:off x="4724754" y="3257574"/>
+              <a:ext cx="0" cy="339628"/>
+            </a:xfrm>
+            <a:prstGeom prst="straightConnector1">
+              <a:avLst/>
+            </a:prstGeom>
+            <a:ln w="12700" cmpd="sng">
+              <a:solidFill>
+                <a:srgbClr val="000000"/>
+              </a:solidFill>
+              <a:headEnd type="triangle"/>
+              <a:tailEnd type="triangle"/>
+            </a:ln>
+            <a:effectLst/>
+          </p:spPr>
+          <p:style>
+            <a:lnRef idx="2">
+              <a:schemeClr val="accent1"/>
+            </a:lnRef>
+            <a:fillRef idx="0">
+              <a:schemeClr val="accent1"/>
+            </a:fillRef>
+            <a:effectRef idx="1">
+              <a:schemeClr val="accent1"/>
+            </a:effectRef>
+            <a:fontRef idx="minor">
+              <a:schemeClr val="tx1"/>
+            </a:fontRef>
+          </p:style>
+        </p:cxnSp>
+        <p:cxnSp>
+          <p:nvCxnSpPr>
+            <p:cNvPr id="26" name="Straight Arrow Connector 25"/>
+            <p:cNvCxnSpPr/>
+            <p:nvPr/>
+          </p:nvCxnSpPr>
+          <p:spPr>
+            <a:xfrm>
+              <a:off x="6286782" y="3243202"/>
+              <a:ext cx="0" cy="339628"/>
+            </a:xfrm>
+            <a:prstGeom prst="straightConnector1">
+              <a:avLst/>
+            </a:prstGeom>
+            <a:ln w="12700" cmpd="sng">
+              <a:solidFill>
+                <a:srgbClr val="000000"/>
+              </a:solidFill>
+              <a:headEnd type="triangle"/>
+              <a:tailEnd type="triangle"/>
+            </a:ln>
+            <a:effectLst/>
+          </p:spPr>
+          <p:style>
+            <a:lnRef idx="2">
+              <a:schemeClr val="accent1"/>
+            </a:lnRef>
+            <a:fillRef idx="0">
+              <a:schemeClr val="accent1"/>
+            </a:fillRef>
+            <a:effectRef idx="1">
+              <a:schemeClr val="accent1"/>
+            </a:effectRef>
+            <a:fontRef idx="minor">
+              <a:schemeClr val="tx1"/>
+            </a:fontRef>
+          </p:style>
+        </p:cxnSp>
+        <p:cxnSp>
+          <p:nvCxnSpPr>
+            <p:cNvPr id="27" name="Straight Arrow Connector 26"/>
+            <p:cNvCxnSpPr>
+              <a:stCxn id="9" idx="1"/>
+              <a:endCxn id="8" idx="3"/>
+            </p:cNvCxnSpPr>
+            <p:nvPr/>
+          </p:nvCxnSpPr>
+          <p:spPr>
+            <a:xfrm flipH="1">
+              <a:off x="3909688" y="3037932"/>
+              <a:ext cx="274114" cy="0"/>
+            </a:xfrm>
+            <a:prstGeom prst="straightConnector1">
+              <a:avLst/>
+            </a:prstGeom>
+            <a:ln w="12700" cmpd="sng">
+              <a:solidFill>
+                <a:srgbClr val="000000"/>
+              </a:solidFill>
+              <a:headEnd type="triangle"/>
+              <a:tailEnd type="triangle"/>
+            </a:ln>
+            <a:effectLst/>
+          </p:spPr>
+          <p:style>
+            <a:lnRef idx="2">
+              <a:schemeClr val="accent1"/>
+            </a:lnRef>
+            <a:fillRef idx="0">
+              <a:schemeClr val="accent1"/>
+            </a:fillRef>
+            <a:effectRef idx="1">
+              <a:schemeClr val="accent1"/>
+            </a:effectRef>
+            <a:fontRef idx="minor">
+              <a:schemeClr val="tx1"/>
+            </a:fontRef>
+          </p:style>
+        </p:cxnSp>
+        <p:cxnSp>
+          <p:nvCxnSpPr>
+            <p:cNvPr id="30" name="Straight Arrow Connector 29"/>
+            <p:cNvCxnSpPr>
+              <a:stCxn id="10" idx="1"/>
+              <a:endCxn id="9" idx="3"/>
+            </p:cNvCxnSpPr>
+            <p:nvPr/>
+          </p:nvCxnSpPr>
+          <p:spPr>
+            <a:xfrm flipH="1">
+              <a:off x="5323519" y="3037932"/>
+              <a:ext cx="349639" cy="0"/>
+            </a:xfrm>
+            <a:prstGeom prst="straightConnector1">
+              <a:avLst/>
+            </a:prstGeom>
+            <a:ln w="12700" cmpd="sng">
+              <a:solidFill>
+                <a:srgbClr val="000000"/>
+              </a:solidFill>
+              <a:headEnd type="triangle"/>
+              <a:tailEnd type="triangle"/>
+            </a:ln>
+            <a:effectLst/>
+          </p:spPr>
+          <p:style>
+            <a:lnRef idx="2">
+              <a:schemeClr val="accent1"/>
+            </a:lnRef>
+            <a:fillRef idx="0">
+              <a:schemeClr val="accent1"/>
+            </a:fillRef>
+            <a:effectRef idx="1">
+              <a:schemeClr val="accent1"/>
+            </a:effectRef>
+            <a:fontRef idx="minor">
+              <a:schemeClr val="tx1"/>
+            </a:fontRef>
+          </p:style>
+        </p:cxnSp>
+        <p:cxnSp>
+          <p:nvCxnSpPr>
+            <p:cNvPr id="34" name="Elbow Connector 33"/>
+            <p:cNvCxnSpPr>
+              <a:stCxn id="4" idx="1"/>
+              <a:endCxn id="12" idx="1"/>
+            </p:cNvCxnSpPr>
+            <p:nvPr/>
+          </p:nvCxnSpPr>
+          <p:spPr>
+            <a:xfrm rot="10800000" flipH="1" flipV="1">
+              <a:off x="2640636" y="1884798"/>
+              <a:ext cx="1543166" cy="2796345"/>
+            </a:xfrm>
+            <a:prstGeom prst="bentConnector3">
+              <a:avLst>
+                <a:gd name="adj1" fmla="val -27840"/>
+              </a:avLst>
+            </a:prstGeom>
+            <a:ln w="12700" cmpd="sng">
+              <a:solidFill>
+                <a:srgbClr val="000000"/>
+              </a:solidFill>
+              <a:headEnd type="triangle"/>
+              <a:tailEnd type="triangle"/>
+            </a:ln>
+            <a:effectLst/>
+          </p:spPr>
+          <p:style>
+            <a:lnRef idx="2">
+              <a:schemeClr val="accent1"/>
+            </a:lnRef>
+            <a:fillRef idx="0">
+              <a:schemeClr val="accent1"/>
+            </a:fillRef>
+            <a:effectRef idx="1">
+              <a:schemeClr val="accent1"/>
+            </a:effectRef>
+            <a:fontRef idx="minor">
+              <a:schemeClr val="tx1"/>
+            </a:fontRef>
+          </p:style>
+        </p:cxnSp>
+        <p:cxnSp>
+          <p:nvCxnSpPr>
+            <p:cNvPr id="44" name="Elbow Connector 43"/>
+            <p:cNvCxnSpPr>
+              <a:stCxn id="6" idx="3"/>
+              <a:endCxn id="12" idx="3"/>
+            </p:cNvCxnSpPr>
+            <p:nvPr/>
+          </p:nvCxnSpPr>
+          <p:spPr>
+            <a:xfrm flipH="1">
+              <a:off x="5323519" y="1893720"/>
+              <a:ext cx="1602439" cy="2787424"/>
+            </a:xfrm>
+            <a:prstGeom prst="bentConnector3">
+              <a:avLst>
+                <a:gd name="adj1" fmla="val -21679"/>
+              </a:avLst>
+            </a:prstGeom>
+            <a:ln w="12700" cmpd="sng">
+              <a:solidFill>
+                <a:srgbClr val="000000"/>
+              </a:solidFill>
+              <a:headEnd type="triangle"/>
+              <a:tailEnd type="triangle"/>
+            </a:ln>
+            <a:effectLst/>
+          </p:spPr>
+          <p:style>
+            <a:lnRef idx="2">
+              <a:schemeClr val="accent1"/>
+            </a:lnRef>
+            <a:fillRef idx="0">
+              <a:schemeClr val="accent1"/>
+            </a:fillRef>
+            <a:effectRef idx="1">
+              <a:schemeClr val="accent1"/>
+            </a:effectRef>
+            <a:fontRef idx="minor">
+              <a:schemeClr val="tx1"/>
+            </a:fontRef>
+          </p:style>
+        </p:cxnSp>
+        <p:sp>
+          <p:nvSpPr>
+            <p:cNvPr id="48" name="TextBox 47"/>
+            <p:cNvSpPr txBox="1"/>
+            <p:nvPr/>
+          </p:nvSpPr>
+          <p:spPr>
+            <a:xfrm>
+              <a:off x="4261863" y="2438833"/>
+              <a:ext cx="979755" cy="276999"/>
+            </a:xfrm>
+            <a:prstGeom prst="rect">
+              <a:avLst/>
+            </a:prstGeom>
+            <a:noFill/>
+          </p:spPr>
+          <p:txBody>
+            <a:bodyPr wrap="none" rtlCol="0">
+              <a:spAutoFit/>
+            </a:bodyPr>
+            <a:lstStyle/>
+            <a:p>
+              <a:r>
+                <a:rPr lang="en-US" sz="1200" dirty="0" smtClean="0"/>
+                <a:t>Government</a:t>
+              </a:r>
+              <a:endParaRPr lang="en-US" sz="1200" dirty="0"/>
+            </a:p>
+          </p:txBody>
+        </p:sp>
+        <p:sp>
+          <p:nvSpPr>
+            <p:cNvPr id="49" name="TextBox 48"/>
+            <p:cNvSpPr txBox="1"/>
+            <p:nvPr/>
+          </p:nvSpPr>
+          <p:spPr>
+            <a:xfrm>
+              <a:off x="3244113" y="2146932"/>
+              <a:ext cx="400320" cy="246221"/>
+            </a:xfrm>
+            <a:prstGeom prst="rect">
+              <a:avLst/>
+            </a:prstGeom>
+            <a:noFill/>
+          </p:spPr>
+          <p:txBody>
+            <a:bodyPr wrap="none" rtlCol="0">
+              <a:spAutoFit/>
+            </a:bodyPr>
+            <a:lstStyle/>
+            <a:p>
+              <a:r>
+                <a:rPr lang="en-US" sz="1000" b="1" dirty="0" smtClean="0"/>
+                <a:t>B2G</a:t>
+              </a:r>
+              <a:endParaRPr lang="en-US" sz="1000" b="1" dirty="0"/>
+            </a:p>
+          </p:txBody>
+        </p:sp>
+        <p:sp>
+          <p:nvSpPr>
+            <p:cNvPr id="50" name="TextBox 49"/>
+            <p:cNvSpPr txBox="1"/>
+            <p:nvPr/>
+          </p:nvSpPr>
+          <p:spPr>
+            <a:xfrm>
+              <a:off x="5839488" y="2146932"/>
+              <a:ext cx="399255" cy="246221"/>
+            </a:xfrm>
+            <a:prstGeom prst="rect">
+              <a:avLst/>
+            </a:prstGeom>
+            <a:noFill/>
+          </p:spPr>
+          <p:txBody>
+            <a:bodyPr wrap="none" rtlCol="0">
+              <a:spAutoFit/>
+            </a:bodyPr>
+            <a:lstStyle/>
+            <a:p>
+              <a:r>
+                <a:rPr lang="en-US" sz="1000" b="1" dirty="0" smtClean="0"/>
+                <a:t>C2G</a:t>
+              </a:r>
+              <a:endParaRPr lang="en-US" sz="1000" b="1" dirty="0"/>
+            </a:p>
+          </p:txBody>
+        </p:sp>
+        <p:sp>
+          <p:nvSpPr>
+            <p:cNvPr id="51" name="TextBox 50"/>
+            <p:cNvSpPr txBox="1"/>
+            <p:nvPr/>
+          </p:nvSpPr>
+          <p:spPr>
+            <a:xfrm>
+              <a:off x="3861543" y="3257574"/>
+              <a:ext cx="413094" cy="246221"/>
+            </a:xfrm>
+            <a:prstGeom prst="rect">
+              <a:avLst/>
+            </a:prstGeom>
+            <a:noFill/>
+          </p:spPr>
+          <p:txBody>
+            <a:bodyPr wrap="none" rtlCol="0">
+              <a:spAutoFit/>
+            </a:bodyPr>
+            <a:lstStyle/>
+            <a:p>
+              <a:r>
+                <a:rPr lang="en-US" sz="1000" b="1" dirty="0" smtClean="0"/>
+                <a:t>G2G</a:t>
+              </a:r>
+              <a:endParaRPr lang="en-US" sz="1000" b="1" dirty="0"/>
+            </a:p>
+          </p:txBody>
+        </p:sp>
+        <p:sp>
+          <p:nvSpPr>
+            <p:cNvPr id="52" name="TextBox 51"/>
+            <p:cNvSpPr txBox="1"/>
+            <p:nvPr/>
+          </p:nvSpPr>
+          <p:spPr>
+            <a:xfrm>
+              <a:off x="5272838" y="3257574"/>
+              <a:ext cx="413094" cy="246221"/>
+            </a:xfrm>
+            <a:prstGeom prst="rect">
+              <a:avLst/>
+            </a:prstGeom>
+            <a:noFill/>
+          </p:spPr>
+          <p:txBody>
+            <a:bodyPr wrap="none" rtlCol="0">
+              <a:spAutoFit/>
+            </a:bodyPr>
+            <a:lstStyle/>
+            <a:p>
+              <a:r>
+                <a:rPr lang="en-US" sz="1000" b="1" dirty="0" smtClean="0"/>
+                <a:t>G2G</a:t>
+              </a:r>
+              <a:endParaRPr lang="en-US" sz="1000" b="1" dirty="0"/>
+            </a:p>
+          </p:txBody>
+        </p:sp>
+        <p:sp>
+          <p:nvSpPr>
+            <p:cNvPr id="53" name="TextBox 52"/>
+            <p:cNvSpPr txBox="1"/>
+            <p:nvPr/>
+          </p:nvSpPr>
+          <p:spPr>
+            <a:xfrm>
+              <a:off x="4278848" y="4159310"/>
+              <a:ext cx="415849" cy="246221"/>
+            </a:xfrm>
+            <a:prstGeom prst="rect">
+              <a:avLst/>
+            </a:prstGeom>
+            <a:noFill/>
+          </p:spPr>
+          <p:txBody>
+            <a:bodyPr wrap="none" rtlCol="0">
+              <a:spAutoFit/>
+            </a:bodyPr>
+            <a:lstStyle/>
+            <a:p>
+              <a:r>
+                <a:rPr lang="en-US" sz="1000" b="1" dirty="0" smtClean="0"/>
+                <a:t>N2G</a:t>
+              </a:r>
+              <a:endParaRPr lang="en-US" sz="1000" b="1" dirty="0"/>
+            </a:p>
+          </p:txBody>
+        </p:sp>
+        <p:sp>
+          <p:nvSpPr>
+            <p:cNvPr id="54" name="TextBox 53"/>
+            <p:cNvSpPr txBox="1"/>
+            <p:nvPr/>
+          </p:nvSpPr>
+          <p:spPr>
+            <a:xfrm>
+              <a:off x="2247738" y="849682"/>
+              <a:ext cx="3021291" cy="784830"/>
+            </a:xfrm>
+            <a:prstGeom prst="rect">
+              <a:avLst/>
+            </a:prstGeom>
+            <a:noFill/>
+          </p:spPr>
+          <p:txBody>
+            <a:bodyPr wrap="square" rtlCol="0">
+              <a:spAutoFit/>
+            </a:bodyPr>
+            <a:lstStyle/>
+            <a:p>
+              <a:r>
+                <a:rPr lang="en-US" sz="900" dirty="0" smtClean="0"/>
+                <a:t>What is E-government?</a:t>
+              </a:r>
+            </a:p>
+            <a:p>
+              <a:pPr marL="171450" indent="-171450">
+                <a:buFontTx/>
+                <a:buChar char="•"/>
+              </a:pPr>
+              <a:r>
+                <a:rPr lang="en-US" sz="900" dirty="0" smtClean="0"/>
+                <a:t>Registering your car</a:t>
+              </a:r>
+              <a:r>
+                <a:rPr lang="en-US" sz="900" dirty="0" smtClean="0"/>
+                <a:t>’s license plate online (C2G) </a:t>
+              </a:r>
+            </a:p>
+            <a:p>
+              <a:pPr marL="171450" indent="-171450">
+                <a:buFontTx/>
+                <a:buChar char="•"/>
+              </a:pPr>
+              <a:r>
+                <a:rPr lang="en-US" sz="900" dirty="0" smtClean="0"/>
+                <a:t>Transferring company tax data online (B2G)</a:t>
+              </a:r>
+            </a:p>
+            <a:p>
+              <a:pPr marL="171450" indent="-171450">
+                <a:buFontTx/>
+                <a:buChar char="•"/>
+              </a:pPr>
+              <a:r>
+                <a:rPr lang="en-US" sz="900" dirty="0" smtClean="0"/>
+                <a:t> Online archives and central registers (G2G)	      </a:t>
+              </a:r>
+            </a:p>
+            <a:p>
+              <a:pPr marL="171450" indent="-171450">
+                <a:buFontTx/>
+                <a:buChar char="•"/>
+              </a:pPr>
+              <a:r>
+                <a:rPr lang="en-US" sz="900" dirty="0" smtClean="0"/>
+                <a:t> Pubic tendering for social projects (N2G)</a:t>
+              </a:r>
+              <a:endParaRPr lang="en-US" sz="900" dirty="0"/>
+            </a:p>
+          </p:txBody>
+        </p:sp>
+      </p:grpSp>
+    </p:spTree>
+    <p:extLst>
+      <p:ext uri="{BB962C8B-B14F-4D97-AF65-F5344CB8AC3E}">
+        <p14:creationId xmlns:p14="http://schemas.microsoft.com/office/powerpoint/2010/main" val="1716681010"/>
       </p:ext>
     </p:extLst>
   </p:cSld>

--- a/model.pptx
+++ b/model.pptx
@@ -5,7 +5,7 @@
     <p:sldMasterId id="2147483648" r:id="rId1"/>
   </p:sldMasterIdLst>
   <p:notesMasterIdLst>
-    <p:notesMasterId r:id="rId35"/>
+    <p:notesMasterId r:id="rId36"/>
   </p:notesMasterIdLst>
   <p:sldIdLst>
     <p:sldId id="262" r:id="rId2"/>
@@ -41,6 +41,7 @@
     <p:sldId id="287" r:id="rId32"/>
     <p:sldId id="286" r:id="rId33"/>
     <p:sldId id="294" r:id="rId34"/>
+    <p:sldId id="295" r:id="rId35"/>
   </p:sldIdLst>
   <p:sldSz cx="9144000" cy="6858000" type="screen4x3"/>
   <p:notesSz cx="6858000" cy="9144000"/>
@@ -142,6 +143,3162 @@
 </p:presentation>
 </file>
 
+<file path=ppt/diagrams/colors1.xml><?xml version="1.0" encoding="utf-8"?>
+<dgm:colorsDef xmlns:dgm="http://schemas.openxmlformats.org/drawingml/2006/diagram" xmlns:a="http://schemas.openxmlformats.org/drawingml/2006/main" uniqueId="urn:microsoft.com/office/officeart/2005/8/colors/accent1_2">
+  <dgm:title val=""/>
+  <dgm:desc val=""/>
+  <dgm:catLst>
+    <dgm:cat type="accent1" pri="11200"/>
+  </dgm:catLst>
+  <dgm:styleLbl name="node0">
+    <dgm:fillClrLst meth="repeat">
+      <a:schemeClr val="accent1"/>
+    </dgm:fillClrLst>
+    <dgm:linClrLst meth="repeat">
+      <a:schemeClr val="lt1"/>
+    </dgm:linClrLst>
+    <dgm:effectClrLst/>
+    <dgm:txLinClrLst/>
+    <dgm:txFillClrLst/>
+    <dgm:txEffectClrLst/>
+  </dgm:styleLbl>
+  <dgm:styleLbl name="alignNode1">
+    <dgm:fillClrLst meth="repeat">
+      <a:schemeClr val="accent1"/>
+    </dgm:fillClrLst>
+    <dgm:linClrLst meth="repeat">
+      <a:schemeClr val="accent1"/>
+    </dgm:linClrLst>
+    <dgm:effectClrLst/>
+    <dgm:txLinClrLst/>
+    <dgm:txFillClrLst/>
+    <dgm:txEffectClrLst/>
+  </dgm:styleLbl>
+  <dgm:styleLbl name="node1">
+    <dgm:fillClrLst meth="repeat">
+      <a:schemeClr val="accent1"/>
+    </dgm:fillClrLst>
+    <dgm:linClrLst meth="repeat">
+      <a:schemeClr val="lt1"/>
+    </dgm:linClrLst>
+    <dgm:effectClrLst/>
+    <dgm:txLinClrLst/>
+    <dgm:txFillClrLst/>
+    <dgm:txEffectClrLst/>
+  </dgm:styleLbl>
+  <dgm:styleLbl name="lnNode1">
+    <dgm:fillClrLst meth="repeat">
+      <a:schemeClr val="accent1"/>
+    </dgm:fillClrLst>
+    <dgm:linClrLst meth="repeat">
+      <a:schemeClr val="lt1"/>
+    </dgm:linClrLst>
+    <dgm:effectClrLst/>
+    <dgm:txLinClrLst/>
+    <dgm:txFillClrLst/>
+    <dgm:txEffectClrLst/>
+  </dgm:styleLbl>
+  <dgm:styleLbl name="vennNode1">
+    <dgm:fillClrLst meth="repeat">
+      <a:schemeClr val="accent1">
+        <a:alpha val="50000"/>
+      </a:schemeClr>
+    </dgm:fillClrLst>
+    <dgm:linClrLst meth="repeat">
+      <a:schemeClr val="lt1"/>
+    </dgm:linClrLst>
+    <dgm:effectClrLst/>
+    <dgm:txLinClrLst/>
+    <dgm:txFillClrLst/>
+    <dgm:txEffectClrLst/>
+  </dgm:styleLbl>
+  <dgm:styleLbl name="node2">
+    <dgm:fillClrLst meth="repeat">
+      <a:schemeClr val="accent1"/>
+    </dgm:fillClrLst>
+    <dgm:linClrLst meth="repeat">
+      <a:schemeClr val="lt1"/>
+    </dgm:linClrLst>
+    <dgm:effectClrLst/>
+    <dgm:txLinClrLst/>
+    <dgm:txFillClrLst/>
+    <dgm:txEffectClrLst/>
+  </dgm:styleLbl>
+  <dgm:styleLbl name="node3">
+    <dgm:fillClrLst meth="repeat">
+      <a:schemeClr val="accent1"/>
+    </dgm:fillClrLst>
+    <dgm:linClrLst meth="repeat">
+      <a:schemeClr val="lt1"/>
+    </dgm:linClrLst>
+    <dgm:effectClrLst/>
+    <dgm:txLinClrLst/>
+    <dgm:txFillClrLst/>
+    <dgm:txEffectClrLst/>
+  </dgm:styleLbl>
+  <dgm:styleLbl name="node4">
+    <dgm:fillClrLst meth="repeat">
+      <a:schemeClr val="accent1"/>
+    </dgm:fillClrLst>
+    <dgm:linClrLst meth="repeat">
+      <a:schemeClr val="lt1"/>
+    </dgm:linClrLst>
+    <dgm:effectClrLst/>
+    <dgm:txLinClrLst/>
+    <dgm:txFillClrLst/>
+    <dgm:txEffectClrLst/>
+  </dgm:styleLbl>
+  <dgm:styleLbl name="fgImgPlace1">
+    <dgm:fillClrLst meth="repeat">
+      <a:schemeClr val="accent1">
+        <a:tint val="50000"/>
+      </a:schemeClr>
+    </dgm:fillClrLst>
+    <dgm:linClrLst meth="repeat">
+      <a:schemeClr val="lt1"/>
+    </dgm:linClrLst>
+    <dgm:effectClrLst/>
+    <dgm:txLinClrLst/>
+    <dgm:txFillClrLst meth="repeat">
+      <a:schemeClr val="lt1"/>
+    </dgm:txFillClrLst>
+    <dgm:txEffectClrLst/>
+  </dgm:styleLbl>
+  <dgm:styleLbl name="alignImgPlace1">
+    <dgm:fillClrLst meth="repeat">
+      <a:schemeClr val="accent1">
+        <a:tint val="50000"/>
+      </a:schemeClr>
+    </dgm:fillClrLst>
+    <dgm:linClrLst meth="repeat">
+      <a:schemeClr val="lt1"/>
+    </dgm:linClrLst>
+    <dgm:effectClrLst/>
+    <dgm:txLinClrLst/>
+    <dgm:txFillClrLst meth="repeat">
+      <a:schemeClr val="lt1"/>
+    </dgm:txFillClrLst>
+    <dgm:txEffectClrLst/>
+  </dgm:styleLbl>
+  <dgm:styleLbl name="bgImgPlace1">
+    <dgm:fillClrLst meth="repeat">
+      <a:schemeClr val="accent1">
+        <a:tint val="50000"/>
+      </a:schemeClr>
+    </dgm:fillClrLst>
+    <dgm:linClrLst meth="repeat">
+      <a:schemeClr val="lt1"/>
+    </dgm:linClrLst>
+    <dgm:effectClrLst/>
+    <dgm:txLinClrLst/>
+    <dgm:txFillClrLst meth="repeat">
+      <a:schemeClr val="lt1"/>
+    </dgm:txFillClrLst>
+    <dgm:txEffectClrLst/>
+  </dgm:styleLbl>
+  <dgm:styleLbl name="sibTrans2D1">
+    <dgm:fillClrLst meth="repeat">
+      <a:schemeClr val="accent1">
+        <a:tint val="60000"/>
+      </a:schemeClr>
+    </dgm:fillClrLst>
+    <dgm:linClrLst meth="repeat">
+      <a:schemeClr val="accent1">
+        <a:tint val="60000"/>
+      </a:schemeClr>
+    </dgm:linClrLst>
+    <dgm:effectClrLst/>
+    <dgm:txLinClrLst/>
+    <dgm:txFillClrLst/>
+    <dgm:txEffectClrLst/>
+  </dgm:styleLbl>
+  <dgm:styleLbl name="fgSibTrans2D1">
+    <dgm:fillClrLst meth="repeat">
+      <a:schemeClr val="accent1">
+        <a:tint val="60000"/>
+      </a:schemeClr>
+    </dgm:fillClrLst>
+    <dgm:linClrLst meth="repeat">
+      <a:schemeClr val="accent1">
+        <a:tint val="60000"/>
+      </a:schemeClr>
+    </dgm:linClrLst>
+    <dgm:effectClrLst/>
+    <dgm:txLinClrLst/>
+    <dgm:txFillClrLst/>
+    <dgm:txEffectClrLst/>
+  </dgm:styleLbl>
+  <dgm:styleLbl name="bgSibTrans2D1">
+    <dgm:fillClrLst meth="repeat">
+      <a:schemeClr val="accent1">
+        <a:tint val="60000"/>
+      </a:schemeClr>
+    </dgm:fillClrLst>
+    <dgm:linClrLst meth="repeat">
+      <a:schemeClr val="accent1">
+        <a:tint val="60000"/>
+      </a:schemeClr>
+    </dgm:linClrLst>
+    <dgm:effectClrLst/>
+    <dgm:txLinClrLst/>
+    <dgm:txFillClrLst/>
+    <dgm:txEffectClrLst/>
+  </dgm:styleLbl>
+  <dgm:styleLbl name="sibTrans1D1">
+    <dgm:fillClrLst meth="repeat">
+      <a:schemeClr val="accent1"/>
+    </dgm:fillClrLst>
+    <dgm:linClrLst meth="repeat">
+      <a:schemeClr val="accent1"/>
+    </dgm:linClrLst>
+    <dgm:effectClrLst/>
+    <dgm:txLinClrLst/>
+    <dgm:txFillClrLst meth="repeat">
+      <a:schemeClr val="tx1"/>
+    </dgm:txFillClrLst>
+    <dgm:txEffectClrLst/>
+  </dgm:styleLbl>
+  <dgm:styleLbl name="callout">
+    <dgm:fillClrLst meth="repeat">
+      <a:schemeClr val="accent1"/>
+    </dgm:fillClrLst>
+    <dgm:linClrLst meth="repeat">
+      <a:schemeClr val="accent1">
+        <a:tint val="50000"/>
+      </a:schemeClr>
+    </dgm:linClrLst>
+    <dgm:effectClrLst/>
+    <dgm:txLinClrLst/>
+    <dgm:txFillClrLst meth="repeat">
+      <a:schemeClr val="tx1"/>
+    </dgm:txFillClrLst>
+    <dgm:txEffectClrLst/>
+  </dgm:styleLbl>
+  <dgm:styleLbl name="asst0">
+    <dgm:fillClrLst meth="repeat">
+      <a:schemeClr val="accent1"/>
+    </dgm:fillClrLst>
+    <dgm:linClrLst meth="repeat">
+      <a:schemeClr val="lt1"/>
+    </dgm:linClrLst>
+    <dgm:effectClrLst/>
+    <dgm:txLinClrLst/>
+    <dgm:txFillClrLst/>
+    <dgm:txEffectClrLst/>
+  </dgm:styleLbl>
+  <dgm:styleLbl name="asst1">
+    <dgm:fillClrLst meth="repeat">
+      <a:schemeClr val="accent1"/>
+    </dgm:fillClrLst>
+    <dgm:linClrLst meth="repeat">
+      <a:schemeClr val="lt1"/>
+    </dgm:linClrLst>
+    <dgm:effectClrLst/>
+    <dgm:txLinClrLst/>
+    <dgm:txFillClrLst/>
+    <dgm:txEffectClrLst/>
+  </dgm:styleLbl>
+  <dgm:styleLbl name="asst2">
+    <dgm:fillClrLst meth="repeat">
+      <a:schemeClr val="accent1"/>
+    </dgm:fillClrLst>
+    <dgm:linClrLst meth="repeat">
+      <a:schemeClr val="lt1"/>
+    </dgm:linClrLst>
+    <dgm:effectClrLst/>
+    <dgm:txLinClrLst/>
+    <dgm:txFillClrLst/>
+    <dgm:txEffectClrLst/>
+  </dgm:styleLbl>
+  <dgm:styleLbl name="asst3">
+    <dgm:fillClrLst meth="repeat">
+      <a:schemeClr val="accent1"/>
+    </dgm:fillClrLst>
+    <dgm:linClrLst meth="repeat">
+      <a:schemeClr val="lt1"/>
+    </dgm:linClrLst>
+    <dgm:effectClrLst/>
+    <dgm:txLinClrLst/>
+    <dgm:txFillClrLst/>
+    <dgm:txEffectClrLst/>
+  </dgm:styleLbl>
+  <dgm:styleLbl name="asst4">
+    <dgm:fillClrLst meth="repeat">
+      <a:schemeClr val="accent1"/>
+    </dgm:fillClrLst>
+    <dgm:linClrLst meth="repeat">
+      <a:schemeClr val="lt1"/>
+    </dgm:linClrLst>
+    <dgm:effectClrLst/>
+    <dgm:txLinClrLst/>
+    <dgm:txFillClrLst/>
+    <dgm:txEffectClrLst/>
+  </dgm:styleLbl>
+  <dgm:styleLbl name="parChTrans2D1">
+    <dgm:fillClrLst meth="repeat">
+      <a:schemeClr val="accent1">
+        <a:tint val="60000"/>
+      </a:schemeClr>
+    </dgm:fillClrLst>
+    <dgm:linClrLst meth="repeat">
+      <a:schemeClr val="accent1">
+        <a:tint val="60000"/>
+      </a:schemeClr>
+    </dgm:linClrLst>
+    <dgm:effectClrLst/>
+    <dgm:txLinClrLst/>
+    <dgm:txFillClrLst meth="repeat">
+      <a:schemeClr val="lt1"/>
+    </dgm:txFillClrLst>
+    <dgm:txEffectClrLst/>
+  </dgm:styleLbl>
+  <dgm:styleLbl name="parChTrans2D2">
+    <dgm:fillClrLst meth="repeat">
+      <a:schemeClr val="accent1"/>
+    </dgm:fillClrLst>
+    <dgm:linClrLst meth="repeat">
+      <a:schemeClr val="accent1"/>
+    </dgm:linClrLst>
+    <dgm:effectClrLst/>
+    <dgm:txLinClrLst/>
+    <dgm:txFillClrLst meth="repeat">
+      <a:schemeClr val="lt1"/>
+    </dgm:txFillClrLst>
+    <dgm:txEffectClrLst/>
+  </dgm:styleLbl>
+  <dgm:styleLbl name="parChTrans2D3">
+    <dgm:fillClrLst meth="repeat">
+      <a:schemeClr val="accent1"/>
+    </dgm:fillClrLst>
+    <dgm:linClrLst meth="repeat">
+      <a:schemeClr val="accent1"/>
+    </dgm:linClrLst>
+    <dgm:effectClrLst/>
+    <dgm:txLinClrLst/>
+    <dgm:txFillClrLst meth="repeat">
+      <a:schemeClr val="lt1"/>
+    </dgm:txFillClrLst>
+    <dgm:txEffectClrLst/>
+  </dgm:styleLbl>
+  <dgm:styleLbl name="parChTrans2D4">
+    <dgm:fillClrLst meth="repeat">
+      <a:schemeClr val="accent1"/>
+    </dgm:fillClrLst>
+    <dgm:linClrLst meth="repeat">
+      <a:schemeClr val="accent1"/>
+    </dgm:linClrLst>
+    <dgm:effectClrLst/>
+    <dgm:txLinClrLst/>
+    <dgm:txFillClrLst meth="repeat">
+      <a:schemeClr val="lt1"/>
+    </dgm:txFillClrLst>
+    <dgm:txEffectClrLst/>
+  </dgm:styleLbl>
+  <dgm:styleLbl name="parChTrans1D1">
+    <dgm:fillClrLst meth="repeat">
+      <a:schemeClr val="accent1"/>
+    </dgm:fillClrLst>
+    <dgm:linClrLst meth="repeat">
+      <a:schemeClr val="accent1">
+        <a:shade val="60000"/>
+      </a:schemeClr>
+    </dgm:linClrLst>
+    <dgm:effectClrLst/>
+    <dgm:txLinClrLst/>
+    <dgm:txFillClrLst meth="repeat">
+      <a:schemeClr val="tx1"/>
+    </dgm:txFillClrLst>
+    <dgm:txEffectClrLst/>
+  </dgm:styleLbl>
+  <dgm:styleLbl name="parChTrans1D2">
+    <dgm:fillClrLst meth="repeat">
+      <a:schemeClr val="accent1"/>
+    </dgm:fillClrLst>
+    <dgm:linClrLst meth="repeat">
+      <a:schemeClr val="accent1">
+        <a:shade val="60000"/>
+      </a:schemeClr>
+    </dgm:linClrLst>
+    <dgm:effectClrLst/>
+    <dgm:txLinClrLst/>
+    <dgm:txFillClrLst meth="repeat">
+      <a:schemeClr val="tx1"/>
+    </dgm:txFillClrLst>
+    <dgm:txEffectClrLst/>
+  </dgm:styleLbl>
+  <dgm:styleLbl name="parChTrans1D3">
+    <dgm:fillClrLst meth="repeat">
+      <a:schemeClr val="accent1"/>
+    </dgm:fillClrLst>
+    <dgm:linClrLst meth="repeat">
+      <a:schemeClr val="accent1">
+        <a:shade val="80000"/>
+      </a:schemeClr>
+    </dgm:linClrLst>
+    <dgm:effectClrLst/>
+    <dgm:txLinClrLst/>
+    <dgm:txFillClrLst meth="repeat">
+      <a:schemeClr val="tx1"/>
+    </dgm:txFillClrLst>
+    <dgm:txEffectClrLst/>
+  </dgm:styleLbl>
+  <dgm:styleLbl name="parChTrans1D4">
+    <dgm:fillClrLst meth="repeat">
+      <a:schemeClr val="accent1"/>
+    </dgm:fillClrLst>
+    <dgm:linClrLst meth="repeat">
+      <a:schemeClr val="accent1">
+        <a:shade val="80000"/>
+      </a:schemeClr>
+    </dgm:linClrLst>
+    <dgm:effectClrLst/>
+    <dgm:txLinClrLst/>
+    <dgm:txFillClrLst meth="repeat">
+      <a:schemeClr val="tx1"/>
+    </dgm:txFillClrLst>
+    <dgm:txEffectClrLst/>
+  </dgm:styleLbl>
+  <dgm:styleLbl name="fgAcc1">
+    <dgm:fillClrLst meth="repeat">
+      <a:schemeClr val="lt1">
+        <a:alpha val="90000"/>
+      </a:schemeClr>
+    </dgm:fillClrLst>
+    <dgm:linClrLst meth="repeat">
+      <a:schemeClr val="accent1"/>
+    </dgm:linClrLst>
+    <dgm:effectClrLst/>
+    <dgm:txLinClrLst/>
+    <dgm:txFillClrLst meth="repeat">
+      <a:schemeClr val="dk1"/>
+    </dgm:txFillClrLst>
+    <dgm:txEffectClrLst/>
+  </dgm:styleLbl>
+  <dgm:styleLbl name="conFgAcc1">
+    <dgm:fillClrLst meth="repeat">
+      <a:schemeClr val="lt1">
+        <a:alpha val="90000"/>
+      </a:schemeClr>
+    </dgm:fillClrLst>
+    <dgm:linClrLst meth="repeat">
+      <a:schemeClr val="accent1"/>
+    </dgm:linClrLst>
+    <dgm:effectClrLst/>
+    <dgm:txLinClrLst/>
+    <dgm:txFillClrLst meth="repeat">
+      <a:schemeClr val="dk1"/>
+    </dgm:txFillClrLst>
+    <dgm:txEffectClrLst/>
+  </dgm:styleLbl>
+  <dgm:styleLbl name="alignAcc1">
+    <dgm:fillClrLst meth="repeat">
+      <a:schemeClr val="lt1">
+        <a:alpha val="90000"/>
+      </a:schemeClr>
+    </dgm:fillClrLst>
+    <dgm:linClrLst meth="repeat">
+      <a:schemeClr val="accent1"/>
+    </dgm:linClrLst>
+    <dgm:effectClrLst/>
+    <dgm:txLinClrLst/>
+    <dgm:txFillClrLst meth="repeat">
+      <a:schemeClr val="dk1"/>
+    </dgm:txFillClrLst>
+    <dgm:txEffectClrLst/>
+  </dgm:styleLbl>
+  <dgm:styleLbl name="trAlignAcc1">
+    <dgm:fillClrLst meth="repeat">
+      <a:schemeClr val="lt1">
+        <a:alpha val="40000"/>
+      </a:schemeClr>
+    </dgm:fillClrLst>
+    <dgm:linClrLst meth="repeat">
+      <a:schemeClr val="accent1"/>
+    </dgm:linClrLst>
+    <dgm:effectClrLst/>
+    <dgm:txLinClrLst/>
+    <dgm:txFillClrLst meth="repeat">
+      <a:schemeClr val="dk1"/>
+    </dgm:txFillClrLst>
+    <dgm:txEffectClrLst/>
+  </dgm:styleLbl>
+  <dgm:styleLbl name="bgAcc1">
+    <dgm:fillClrLst meth="repeat">
+      <a:schemeClr val="lt1">
+        <a:alpha val="90000"/>
+      </a:schemeClr>
+    </dgm:fillClrLst>
+    <dgm:linClrLst meth="repeat">
+      <a:schemeClr val="accent1"/>
+    </dgm:linClrLst>
+    <dgm:effectClrLst/>
+    <dgm:txLinClrLst/>
+    <dgm:txFillClrLst meth="repeat">
+      <a:schemeClr val="dk1"/>
+    </dgm:txFillClrLst>
+    <dgm:txEffectClrLst/>
+  </dgm:styleLbl>
+  <dgm:styleLbl name="solidFgAcc1">
+    <dgm:fillClrLst meth="repeat">
+      <a:schemeClr val="lt1"/>
+    </dgm:fillClrLst>
+    <dgm:linClrLst meth="repeat">
+      <a:schemeClr val="accent1"/>
+    </dgm:linClrLst>
+    <dgm:effectClrLst/>
+    <dgm:txLinClrLst/>
+    <dgm:txFillClrLst meth="repeat">
+      <a:schemeClr val="dk1"/>
+    </dgm:txFillClrLst>
+    <dgm:txEffectClrLst/>
+  </dgm:styleLbl>
+  <dgm:styleLbl name="solidAlignAcc1">
+    <dgm:fillClrLst meth="repeat">
+      <a:schemeClr val="lt1"/>
+    </dgm:fillClrLst>
+    <dgm:linClrLst meth="repeat">
+      <a:schemeClr val="accent1"/>
+    </dgm:linClrLst>
+    <dgm:effectClrLst/>
+    <dgm:txLinClrLst/>
+    <dgm:txFillClrLst meth="repeat">
+      <a:schemeClr val="dk1"/>
+    </dgm:txFillClrLst>
+    <dgm:txEffectClrLst/>
+  </dgm:styleLbl>
+  <dgm:styleLbl name="solidBgAcc1">
+    <dgm:fillClrLst meth="repeat">
+      <a:schemeClr val="lt1"/>
+    </dgm:fillClrLst>
+    <dgm:linClrLst meth="repeat">
+      <a:schemeClr val="accent1"/>
+    </dgm:linClrLst>
+    <dgm:effectClrLst/>
+    <dgm:txLinClrLst/>
+    <dgm:txFillClrLst meth="repeat">
+      <a:schemeClr val="dk1"/>
+    </dgm:txFillClrLst>
+    <dgm:txEffectClrLst/>
+  </dgm:styleLbl>
+  <dgm:styleLbl name="fgAccFollowNode1">
+    <dgm:fillClrLst meth="repeat">
+      <a:schemeClr val="accent1">
+        <a:alpha val="90000"/>
+        <a:tint val="40000"/>
+      </a:schemeClr>
+    </dgm:fillClrLst>
+    <dgm:linClrLst meth="repeat">
+      <a:schemeClr val="accent1">
+        <a:alpha val="90000"/>
+        <a:tint val="40000"/>
+      </a:schemeClr>
+    </dgm:linClrLst>
+    <dgm:effectClrLst/>
+    <dgm:txLinClrLst/>
+    <dgm:txFillClrLst meth="repeat">
+      <a:schemeClr val="dk1"/>
+    </dgm:txFillClrLst>
+    <dgm:txEffectClrLst/>
+  </dgm:styleLbl>
+  <dgm:styleLbl name="alignAccFollowNode1">
+    <dgm:fillClrLst meth="repeat">
+      <a:schemeClr val="accent1">
+        <a:alpha val="90000"/>
+        <a:tint val="40000"/>
+      </a:schemeClr>
+    </dgm:fillClrLst>
+    <dgm:linClrLst meth="repeat">
+      <a:schemeClr val="accent1">
+        <a:alpha val="90000"/>
+        <a:tint val="40000"/>
+      </a:schemeClr>
+    </dgm:linClrLst>
+    <dgm:effectClrLst/>
+    <dgm:txLinClrLst/>
+    <dgm:txFillClrLst meth="repeat">
+      <a:schemeClr val="dk1"/>
+    </dgm:txFillClrLst>
+    <dgm:txEffectClrLst/>
+  </dgm:styleLbl>
+  <dgm:styleLbl name="bgAccFollowNode1">
+    <dgm:fillClrLst meth="repeat">
+      <a:schemeClr val="accent1">
+        <a:alpha val="90000"/>
+        <a:tint val="40000"/>
+      </a:schemeClr>
+    </dgm:fillClrLst>
+    <dgm:linClrLst meth="repeat">
+      <a:schemeClr val="accent1">
+        <a:alpha val="90000"/>
+        <a:tint val="40000"/>
+      </a:schemeClr>
+    </dgm:linClrLst>
+    <dgm:effectClrLst/>
+    <dgm:txLinClrLst/>
+    <dgm:txFillClrLst meth="repeat">
+      <a:schemeClr val="dk1"/>
+    </dgm:txFillClrLst>
+    <dgm:txEffectClrLst/>
+  </dgm:styleLbl>
+  <dgm:styleLbl name="fgAcc0">
+    <dgm:fillClrLst meth="repeat">
+      <a:schemeClr val="lt1">
+        <a:alpha val="90000"/>
+      </a:schemeClr>
+    </dgm:fillClrLst>
+    <dgm:linClrLst meth="repeat">
+      <a:schemeClr val="accent1"/>
+    </dgm:linClrLst>
+    <dgm:effectClrLst/>
+    <dgm:txLinClrLst/>
+    <dgm:txFillClrLst meth="repeat">
+      <a:schemeClr val="dk1"/>
+    </dgm:txFillClrLst>
+    <dgm:txEffectClrLst/>
+  </dgm:styleLbl>
+  <dgm:styleLbl name="fgAcc2">
+    <dgm:fillClrLst meth="repeat">
+      <a:schemeClr val="lt1">
+        <a:alpha val="90000"/>
+      </a:schemeClr>
+    </dgm:fillClrLst>
+    <dgm:linClrLst meth="repeat">
+      <a:schemeClr val="accent1"/>
+    </dgm:linClrLst>
+    <dgm:effectClrLst/>
+    <dgm:txLinClrLst/>
+    <dgm:txFillClrLst meth="repeat">
+      <a:schemeClr val="dk1"/>
+    </dgm:txFillClrLst>
+    <dgm:txEffectClrLst/>
+  </dgm:styleLbl>
+  <dgm:styleLbl name="fgAcc3">
+    <dgm:fillClrLst meth="repeat">
+      <a:schemeClr val="lt1">
+        <a:alpha val="90000"/>
+      </a:schemeClr>
+    </dgm:fillClrLst>
+    <dgm:linClrLst meth="repeat">
+      <a:schemeClr val="accent1"/>
+    </dgm:linClrLst>
+    <dgm:effectClrLst/>
+    <dgm:txLinClrLst/>
+    <dgm:txFillClrLst meth="repeat">
+      <a:schemeClr val="dk1"/>
+    </dgm:txFillClrLst>
+    <dgm:txEffectClrLst/>
+  </dgm:styleLbl>
+  <dgm:styleLbl name="fgAcc4">
+    <dgm:fillClrLst meth="repeat">
+      <a:schemeClr val="lt1">
+        <a:alpha val="90000"/>
+      </a:schemeClr>
+    </dgm:fillClrLst>
+    <dgm:linClrLst meth="repeat">
+      <a:schemeClr val="accent1"/>
+    </dgm:linClrLst>
+    <dgm:effectClrLst/>
+    <dgm:txLinClrLst/>
+    <dgm:txFillClrLst meth="repeat">
+      <a:schemeClr val="dk1"/>
+    </dgm:txFillClrLst>
+    <dgm:txEffectClrLst/>
+  </dgm:styleLbl>
+  <dgm:styleLbl name="bgShp">
+    <dgm:fillClrLst meth="repeat">
+      <a:schemeClr val="accent1">
+        <a:tint val="40000"/>
+      </a:schemeClr>
+    </dgm:fillClrLst>
+    <dgm:linClrLst meth="repeat">
+      <a:schemeClr val="accent1"/>
+    </dgm:linClrLst>
+    <dgm:effectClrLst/>
+    <dgm:txLinClrLst/>
+    <dgm:txFillClrLst meth="repeat">
+      <a:schemeClr val="dk1"/>
+    </dgm:txFillClrLst>
+    <dgm:txEffectClrLst/>
+  </dgm:styleLbl>
+  <dgm:styleLbl name="dkBgShp">
+    <dgm:fillClrLst meth="repeat">
+      <a:schemeClr val="accent1">
+        <a:shade val="80000"/>
+      </a:schemeClr>
+    </dgm:fillClrLst>
+    <dgm:linClrLst meth="repeat">
+      <a:schemeClr val="accent1"/>
+    </dgm:linClrLst>
+    <dgm:effectClrLst/>
+    <dgm:txLinClrLst/>
+    <dgm:txFillClrLst meth="repeat">
+      <a:schemeClr val="lt1"/>
+    </dgm:txFillClrLst>
+    <dgm:txEffectClrLst/>
+  </dgm:styleLbl>
+  <dgm:styleLbl name="trBgShp">
+    <dgm:fillClrLst meth="repeat">
+      <a:schemeClr val="accent1">
+        <a:tint val="50000"/>
+        <a:alpha val="40000"/>
+      </a:schemeClr>
+    </dgm:fillClrLst>
+    <dgm:linClrLst meth="repeat">
+      <a:schemeClr val="accent1"/>
+    </dgm:linClrLst>
+    <dgm:effectClrLst/>
+    <dgm:txLinClrLst/>
+    <dgm:txFillClrLst meth="repeat">
+      <a:schemeClr val="lt1"/>
+    </dgm:txFillClrLst>
+    <dgm:txEffectClrLst/>
+  </dgm:styleLbl>
+  <dgm:styleLbl name="fgShp">
+    <dgm:fillClrLst meth="repeat">
+      <a:schemeClr val="accent1">
+        <a:tint val="60000"/>
+      </a:schemeClr>
+    </dgm:fillClrLst>
+    <dgm:linClrLst meth="repeat">
+      <a:schemeClr val="lt1"/>
+    </dgm:linClrLst>
+    <dgm:effectClrLst/>
+    <dgm:txLinClrLst/>
+    <dgm:txFillClrLst meth="repeat">
+      <a:schemeClr val="dk1"/>
+    </dgm:txFillClrLst>
+    <dgm:txEffectClrLst/>
+  </dgm:styleLbl>
+  <dgm:styleLbl name="revTx">
+    <dgm:fillClrLst meth="repeat">
+      <a:schemeClr val="lt1">
+        <a:alpha val="0"/>
+      </a:schemeClr>
+    </dgm:fillClrLst>
+    <dgm:linClrLst meth="repeat">
+      <a:schemeClr val="dk1">
+        <a:alpha val="0"/>
+      </a:schemeClr>
+    </dgm:linClrLst>
+    <dgm:effectClrLst/>
+    <dgm:txLinClrLst/>
+    <dgm:txFillClrLst meth="repeat">
+      <a:schemeClr val="tx1"/>
+    </dgm:txFillClrLst>
+    <dgm:txEffectClrLst/>
+  </dgm:styleLbl>
+</dgm:colorsDef>
+</file>
+
+<file path=ppt/diagrams/data1.xml><?xml version="1.0" encoding="utf-8"?>
+<dgm:dataModel xmlns:dgm="http://schemas.openxmlformats.org/drawingml/2006/diagram" xmlns:a="http://schemas.openxmlformats.org/drawingml/2006/main">
+  <dgm:ptLst>
+    <dgm:pt modelId="{FE40DD31-DC8D-F748-8303-FA6D3BE33D1E}" type="doc">
+      <dgm:prSet loTypeId="urn:microsoft.com/office/officeart/2005/8/layout/cycle3" loCatId="" qsTypeId="urn:microsoft.com/office/officeart/2005/8/quickstyle/simple3" qsCatId="simple" csTypeId="urn:microsoft.com/office/officeart/2005/8/colors/accent1_2" csCatId="accent1" phldr="1"/>
+      <dgm:spPr/>
+      <dgm:t>
+        <a:bodyPr/>
+        <a:lstStyle/>
+        <a:p>
+          <a:endParaRPr lang="en-US"/>
+        </a:p>
+      </dgm:t>
+    </dgm:pt>
+    <dgm:pt modelId="{D02353D2-B473-E446-B7E8-FEFD4F362628}">
+      <dgm:prSet phldrT="[Text]" custT="1"/>
+      <dgm:spPr/>
+      <dgm:t>
+        <a:bodyPr/>
+        <a:lstStyle/>
+        <a:p>
+          <a:r>
+            <a:rPr lang="en-US" sz="1600" dirty="0" smtClean="0"/>
+            <a:t>Advertisement</a:t>
+          </a:r>
+          <a:endParaRPr lang="en-US" sz="1600" dirty="0"/>
+        </a:p>
+      </dgm:t>
+    </dgm:pt>
+    <dgm:pt modelId="{CC3934A1-45BC-B042-B483-440F395BAE80}" type="parTrans" cxnId="{0610EB19-7906-2349-9755-C71854F888ED}">
+      <dgm:prSet/>
+      <dgm:spPr/>
+      <dgm:t>
+        <a:bodyPr/>
+        <a:lstStyle/>
+        <a:p>
+          <a:endParaRPr lang="en-US" sz="1200"/>
+        </a:p>
+      </dgm:t>
+    </dgm:pt>
+    <dgm:pt modelId="{0F1CEE26-2584-4940-B300-E9101379A9D2}" type="sibTrans" cxnId="{0610EB19-7906-2349-9755-C71854F888ED}">
+      <dgm:prSet/>
+      <dgm:spPr/>
+      <dgm:t>
+        <a:bodyPr/>
+        <a:lstStyle/>
+        <a:p>
+          <a:endParaRPr lang="en-US" sz="1200"/>
+        </a:p>
+      </dgm:t>
+    </dgm:pt>
+    <dgm:pt modelId="{8BF863EE-4768-2A48-A925-9667F123E6EB}">
+      <dgm:prSet phldrT="[Text]" custT="1"/>
+      <dgm:spPr/>
+      <dgm:t>
+        <a:bodyPr/>
+        <a:lstStyle/>
+        <a:p>
+          <a:r>
+            <a:rPr lang="en-US" sz="1600" dirty="0" smtClean="0"/>
+            <a:t>Discovery</a:t>
+          </a:r>
+          <a:endParaRPr lang="en-US" sz="1600" dirty="0"/>
+        </a:p>
+      </dgm:t>
+    </dgm:pt>
+    <dgm:pt modelId="{8B4DEC5D-2983-B845-B766-C9087B1A906F}" type="parTrans" cxnId="{DCDD7869-EFBB-AB44-9B60-52B51A3A9F2A}">
+      <dgm:prSet/>
+      <dgm:spPr/>
+      <dgm:t>
+        <a:bodyPr/>
+        <a:lstStyle/>
+        <a:p>
+          <a:endParaRPr lang="en-US" sz="1200"/>
+        </a:p>
+      </dgm:t>
+    </dgm:pt>
+    <dgm:pt modelId="{2A898DC1-1380-AD43-8934-474E2CA05F2B}" type="sibTrans" cxnId="{DCDD7869-EFBB-AB44-9B60-52B51A3A9F2A}">
+      <dgm:prSet/>
+      <dgm:spPr/>
+      <dgm:t>
+        <a:bodyPr/>
+        <a:lstStyle/>
+        <a:p>
+          <a:endParaRPr lang="en-US" sz="1200"/>
+        </a:p>
+      </dgm:t>
+    </dgm:pt>
+    <dgm:pt modelId="{8C761BE0-A075-9C4A-952D-100AC7076BD1}">
+      <dgm:prSet phldrT="[Text]" custT="1"/>
+      <dgm:spPr/>
+      <dgm:t>
+        <a:bodyPr/>
+        <a:lstStyle/>
+        <a:p>
+          <a:r>
+            <a:rPr lang="en-US" sz="1600" dirty="0" smtClean="0"/>
+            <a:t>Negotiation</a:t>
+          </a:r>
+          <a:endParaRPr lang="en-US" sz="1600" dirty="0"/>
+        </a:p>
+      </dgm:t>
+    </dgm:pt>
+    <dgm:pt modelId="{5E01EDAC-74A0-3A43-B1E9-740B9D500BC8}" type="parTrans" cxnId="{3143063A-A80A-554B-BD64-FC75D663D4D4}">
+      <dgm:prSet/>
+      <dgm:spPr/>
+      <dgm:t>
+        <a:bodyPr/>
+        <a:lstStyle/>
+        <a:p>
+          <a:endParaRPr lang="en-US" sz="1200"/>
+        </a:p>
+      </dgm:t>
+    </dgm:pt>
+    <dgm:pt modelId="{68DA0DD3-A44E-CE46-A802-51AD12C3B7E6}" type="sibTrans" cxnId="{3143063A-A80A-554B-BD64-FC75D663D4D4}">
+      <dgm:prSet/>
+      <dgm:spPr/>
+      <dgm:t>
+        <a:bodyPr/>
+        <a:lstStyle/>
+        <a:p>
+          <a:endParaRPr lang="en-US" sz="1200"/>
+        </a:p>
+      </dgm:t>
+    </dgm:pt>
+    <dgm:pt modelId="{C8E404C7-6860-8F4E-A2FA-E3A565E859A3}">
+      <dgm:prSet phldrT="[Text]" custT="1"/>
+      <dgm:spPr/>
+      <dgm:t>
+        <a:bodyPr/>
+        <a:lstStyle/>
+        <a:p>
+          <a:r>
+            <a:rPr lang="en-US" sz="1600" dirty="0" smtClean="0"/>
+            <a:t>Monitoring &amp; Utilization</a:t>
+          </a:r>
+          <a:endParaRPr lang="en-US" sz="1600" dirty="0"/>
+        </a:p>
+      </dgm:t>
+    </dgm:pt>
+    <dgm:pt modelId="{11AE105F-B5B4-4A45-A3C0-49B743BD1D10}" type="parTrans" cxnId="{3355D504-8A8B-3B43-997A-5688BD54DF35}">
+      <dgm:prSet/>
+      <dgm:spPr/>
+      <dgm:t>
+        <a:bodyPr/>
+        <a:lstStyle/>
+        <a:p>
+          <a:endParaRPr lang="en-US" sz="1200"/>
+        </a:p>
+      </dgm:t>
+    </dgm:pt>
+    <dgm:pt modelId="{45579DC0-1DCB-7945-A88E-6F1D768B0330}" type="sibTrans" cxnId="{3355D504-8A8B-3B43-997A-5688BD54DF35}">
+      <dgm:prSet/>
+      <dgm:spPr/>
+      <dgm:t>
+        <a:bodyPr/>
+        <a:lstStyle/>
+        <a:p>
+          <a:endParaRPr lang="en-US" sz="1200"/>
+        </a:p>
+      </dgm:t>
+    </dgm:pt>
+    <dgm:pt modelId="{F5467C78-8DE2-D14D-A193-E82B3AC89323}">
+      <dgm:prSet phldrT="[Text]" custT="1"/>
+      <dgm:spPr/>
+      <dgm:t>
+        <a:bodyPr/>
+        <a:lstStyle/>
+        <a:p>
+          <a:r>
+            <a:rPr lang="en-US" sz="1600" smtClean="0"/>
+            <a:t>Adaptation</a:t>
+          </a:r>
+          <a:endParaRPr lang="en-US" sz="1600"/>
+        </a:p>
+      </dgm:t>
+    </dgm:pt>
+    <dgm:pt modelId="{6725A3F5-0CC6-6842-A9C3-0972F6139A2F}" type="parTrans" cxnId="{E7F626B0-5BEB-234F-A403-F889400CFA71}">
+      <dgm:prSet/>
+      <dgm:spPr/>
+      <dgm:t>
+        <a:bodyPr/>
+        <a:lstStyle/>
+        <a:p>
+          <a:endParaRPr lang="en-US" sz="1200"/>
+        </a:p>
+      </dgm:t>
+    </dgm:pt>
+    <dgm:pt modelId="{90D34E56-3BED-BA43-92C3-889014D31ECE}" type="sibTrans" cxnId="{E7F626B0-5BEB-234F-A403-F889400CFA71}">
+      <dgm:prSet/>
+      <dgm:spPr/>
+      <dgm:t>
+        <a:bodyPr/>
+        <a:lstStyle/>
+        <a:p>
+          <a:endParaRPr lang="en-US" sz="1200"/>
+        </a:p>
+      </dgm:t>
+    </dgm:pt>
+    <dgm:pt modelId="{ABD1E36E-7D02-9C47-BED0-2E9E8178E0D8}" type="pres">
+      <dgm:prSet presAssocID="{FE40DD31-DC8D-F748-8303-FA6D3BE33D1E}" presName="Name0" presStyleCnt="0">
+        <dgm:presLayoutVars>
+          <dgm:dir/>
+          <dgm:resizeHandles val="exact"/>
+        </dgm:presLayoutVars>
+      </dgm:prSet>
+      <dgm:spPr/>
+      <dgm:t>
+        <a:bodyPr/>
+        <a:lstStyle/>
+        <a:p>
+          <a:endParaRPr lang="en-US"/>
+        </a:p>
+      </dgm:t>
+    </dgm:pt>
+    <dgm:pt modelId="{1207CBB6-C43D-E242-86A9-4AA77570AFEE}" type="pres">
+      <dgm:prSet presAssocID="{FE40DD31-DC8D-F748-8303-FA6D3BE33D1E}" presName="cycle" presStyleCnt="0"/>
+      <dgm:spPr/>
+    </dgm:pt>
+    <dgm:pt modelId="{BA276263-FF81-A64C-A8CC-513E4592049F}" type="pres">
+      <dgm:prSet presAssocID="{D02353D2-B473-E446-B7E8-FEFD4F362628}" presName="nodeFirstNode" presStyleLbl="node1" presStyleIdx="0" presStyleCnt="5" custScaleX="81883" custScaleY="80014">
+        <dgm:presLayoutVars>
+          <dgm:bulletEnabled val="1"/>
+        </dgm:presLayoutVars>
+      </dgm:prSet>
+      <dgm:spPr/>
+      <dgm:t>
+        <a:bodyPr/>
+        <a:lstStyle/>
+        <a:p>
+          <a:endParaRPr lang="en-US"/>
+        </a:p>
+      </dgm:t>
+    </dgm:pt>
+    <dgm:pt modelId="{25DF6344-8896-C140-86F7-A69157FB65BB}" type="pres">
+      <dgm:prSet presAssocID="{0F1CEE26-2584-4940-B300-E9101379A9D2}" presName="sibTransFirstNode" presStyleLbl="bgShp" presStyleIdx="0" presStyleCnt="1"/>
+      <dgm:spPr/>
+      <dgm:t>
+        <a:bodyPr/>
+        <a:lstStyle/>
+        <a:p>
+          <a:endParaRPr lang="en-US"/>
+        </a:p>
+      </dgm:t>
+    </dgm:pt>
+    <dgm:pt modelId="{BCCB1445-DC28-2640-B79B-14C53087D26B}" type="pres">
+      <dgm:prSet presAssocID="{8BF863EE-4768-2A48-A925-9667F123E6EB}" presName="nodeFollowingNodes" presStyleLbl="node1" presStyleIdx="1" presStyleCnt="5" custScaleX="81883" custScaleY="80014">
+        <dgm:presLayoutVars>
+          <dgm:bulletEnabled val="1"/>
+        </dgm:presLayoutVars>
+      </dgm:prSet>
+      <dgm:spPr/>
+      <dgm:t>
+        <a:bodyPr/>
+        <a:lstStyle/>
+        <a:p>
+          <a:endParaRPr lang="en-US"/>
+        </a:p>
+      </dgm:t>
+    </dgm:pt>
+    <dgm:pt modelId="{A0186A1E-EF60-D743-A2F3-504DF1E4FEF7}" type="pres">
+      <dgm:prSet presAssocID="{8C761BE0-A075-9C4A-952D-100AC7076BD1}" presName="nodeFollowingNodes" presStyleLbl="node1" presStyleIdx="2" presStyleCnt="5" custScaleX="81883" custScaleY="80014" custRadScaleRad="108316" custRadScaleInc="-31934">
+        <dgm:presLayoutVars>
+          <dgm:bulletEnabled val="1"/>
+        </dgm:presLayoutVars>
+      </dgm:prSet>
+      <dgm:spPr/>
+      <dgm:t>
+        <a:bodyPr/>
+        <a:lstStyle/>
+        <a:p>
+          <a:endParaRPr lang="en-US"/>
+        </a:p>
+      </dgm:t>
+    </dgm:pt>
+    <dgm:pt modelId="{C601974B-E904-AD4B-8EB2-5D8184181159}" type="pres">
+      <dgm:prSet presAssocID="{C8E404C7-6860-8F4E-A2FA-E3A565E859A3}" presName="nodeFollowingNodes" presStyleLbl="node1" presStyleIdx="3" presStyleCnt="5" custScaleX="81883" custScaleY="80014" custRadScaleRad="101148" custRadScaleInc="24589">
+        <dgm:presLayoutVars>
+          <dgm:bulletEnabled val="1"/>
+        </dgm:presLayoutVars>
+      </dgm:prSet>
+      <dgm:spPr/>
+      <dgm:t>
+        <a:bodyPr/>
+        <a:lstStyle/>
+        <a:p>
+          <a:endParaRPr lang="en-US"/>
+        </a:p>
+      </dgm:t>
+    </dgm:pt>
+    <dgm:pt modelId="{AEDAD4A1-9904-D147-BE63-E622D85CDE06}" type="pres">
+      <dgm:prSet presAssocID="{F5467C78-8DE2-D14D-A193-E82B3AC89323}" presName="nodeFollowingNodes" presStyleLbl="node1" presStyleIdx="4" presStyleCnt="5" custScaleX="81883" custScaleY="80014">
+        <dgm:presLayoutVars>
+          <dgm:bulletEnabled val="1"/>
+        </dgm:presLayoutVars>
+      </dgm:prSet>
+      <dgm:spPr/>
+      <dgm:t>
+        <a:bodyPr/>
+        <a:lstStyle/>
+        <a:p>
+          <a:endParaRPr lang="en-US"/>
+        </a:p>
+      </dgm:t>
+    </dgm:pt>
+  </dgm:ptLst>
+  <dgm:cxnLst>
+    <dgm:cxn modelId="{0610EB19-7906-2349-9755-C71854F888ED}" srcId="{FE40DD31-DC8D-F748-8303-FA6D3BE33D1E}" destId="{D02353D2-B473-E446-B7E8-FEFD4F362628}" srcOrd="0" destOrd="0" parTransId="{CC3934A1-45BC-B042-B483-440F395BAE80}" sibTransId="{0F1CEE26-2584-4940-B300-E9101379A9D2}"/>
+    <dgm:cxn modelId="{9580FE73-0159-C644-A1E5-BD8399BC5105}" type="presOf" srcId="{8C761BE0-A075-9C4A-952D-100AC7076BD1}" destId="{A0186A1E-EF60-D743-A2F3-504DF1E4FEF7}" srcOrd="0" destOrd="0" presId="urn:microsoft.com/office/officeart/2005/8/layout/cycle3"/>
+    <dgm:cxn modelId="{3143063A-A80A-554B-BD64-FC75D663D4D4}" srcId="{FE40DD31-DC8D-F748-8303-FA6D3BE33D1E}" destId="{8C761BE0-A075-9C4A-952D-100AC7076BD1}" srcOrd="2" destOrd="0" parTransId="{5E01EDAC-74A0-3A43-B1E9-740B9D500BC8}" sibTransId="{68DA0DD3-A44E-CE46-A802-51AD12C3B7E6}"/>
+    <dgm:cxn modelId="{E7F626B0-5BEB-234F-A403-F889400CFA71}" srcId="{FE40DD31-DC8D-F748-8303-FA6D3BE33D1E}" destId="{F5467C78-8DE2-D14D-A193-E82B3AC89323}" srcOrd="4" destOrd="0" parTransId="{6725A3F5-0CC6-6842-A9C3-0972F6139A2F}" sibTransId="{90D34E56-3BED-BA43-92C3-889014D31ECE}"/>
+    <dgm:cxn modelId="{B43292D2-79C7-CA45-A159-D05A4D834D3F}" type="presOf" srcId="{8BF863EE-4768-2A48-A925-9667F123E6EB}" destId="{BCCB1445-DC28-2640-B79B-14C53087D26B}" srcOrd="0" destOrd="0" presId="urn:microsoft.com/office/officeart/2005/8/layout/cycle3"/>
+    <dgm:cxn modelId="{DCDD7869-EFBB-AB44-9B60-52B51A3A9F2A}" srcId="{FE40DD31-DC8D-F748-8303-FA6D3BE33D1E}" destId="{8BF863EE-4768-2A48-A925-9667F123E6EB}" srcOrd="1" destOrd="0" parTransId="{8B4DEC5D-2983-B845-B766-C9087B1A906F}" sibTransId="{2A898DC1-1380-AD43-8934-474E2CA05F2B}"/>
+    <dgm:cxn modelId="{3355D504-8A8B-3B43-997A-5688BD54DF35}" srcId="{FE40DD31-DC8D-F748-8303-FA6D3BE33D1E}" destId="{C8E404C7-6860-8F4E-A2FA-E3A565E859A3}" srcOrd="3" destOrd="0" parTransId="{11AE105F-B5B4-4A45-A3C0-49B743BD1D10}" sibTransId="{45579DC0-1DCB-7945-A88E-6F1D768B0330}"/>
+    <dgm:cxn modelId="{66A2D945-B565-1947-A08C-2E981369F4C5}" type="presOf" srcId="{F5467C78-8DE2-D14D-A193-E82B3AC89323}" destId="{AEDAD4A1-9904-D147-BE63-E622D85CDE06}" srcOrd="0" destOrd="0" presId="urn:microsoft.com/office/officeart/2005/8/layout/cycle3"/>
+    <dgm:cxn modelId="{7ABC7EF9-BF09-1E4A-960C-9900BE840452}" type="presOf" srcId="{C8E404C7-6860-8F4E-A2FA-E3A565E859A3}" destId="{C601974B-E904-AD4B-8EB2-5D8184181159}" srcOrd="0" destOrd="0" presId="urn:microsoft.com/office/officeart/2005/8/layout/cycle3"/>
+    <dgm:cxn modelId="{B45BA190-4E94-8D44-97EA-8C0A85D22BF8}" type="presOf" srcId="{0F1CEE26-2584-4940-B300-E9101379A9D2}" destId="{25DF6344-8896-C140-86F7-A69157FB65BB}" srcOrd="0" destOrd="0" presId="urn:microsoft.com/office/officeart/2005/8/layout/cycle3"/>
+    <dgm:cxn modelId="{BD8D720B-9E7F-2940-B53F-70A4527D0525}" type="presOf" srcId="{FE40DD31-DC8D-F748-8303-FA6D3BE33D1E}" destId="{ABD1E36E-7D02-9C47-BED0-2E9E8178E0D8}" srcOrd="0" destOrd="0" presId="urn:microsoft.com/office/officeart/2005/8/layout/cycle3"/>
+    <dgm:cxn modelId="{CBA99A88-DB72-2F45-9F41-DE947092295D}" type="presOf" srcId="{D02353D2-B473-E446-B7E8-FEFD4F362628}" destId="{BA276263-FF81-A64C-A8CC-513E4592049F}" srcOrd="0" destOrd="0" presId="urn:microsoft.com/office/officeart/2005/8/layout/cycle3"/>
+    <dgm:cxn modelId="{2D6E0669-597E-894B-ADB4-51EB47D9A6B2}" type="presParOf" srcId="{ABD1E36E-7D02-9C47-BED0-2E9E8178E0D8}" destId="{1207CBB6-C43D-E242-86A9-4AA77570AFEE}" srcOrd="0" destOrd="0" presId="urn:microsoft.com/office/officeart/2005/8/layout/cycle3"/>
+    <dgm:cxn modelId="{4D6FF939-F45B-C34E-8ED2-BB258236809D}" type="presParOf" srcId="{1207CBB6-C43D-E242-86A9-4AA77570AFEE}" destId="{BA276263-FF81-A64C-A8CC-513E4592049F}" srcOrd="0" destOrd="0" presId="urn:microsoft.com/office/officeart/2005/8/layout/cycle3"/>
+    <dgm:cxn modelId="{FDF227DC-F59C-2B43-82A9-841B2B118058}" type="presParOf" srcId="{1207CBB6-C43D-E242-86A9-4AA77570AFEE}" destId="{25DF6344-8896-C140-86F7-A69157FB65BB}" srcOrd="1" destOrd="0" presId="urn:microsoft.com/office/officeart/2005/8/layout/cycle3"/>
+    <dgm:cxn modelId="{50854F93-DD3E-F74A-8D94-192D81C311A6}" type="presParOf" srcId="{1207CBB6-C43D-E242-86A9-4AA77570AFEE}" destId="{BCCB1445-DC28-2640-B79B-14C53087D26B}" srcOrd="2" destOrd="0" presId="urn:microsoft.com/office/officeart/2005/8/layout/cycle3"/>
+    <dgm:cxn modelId="{BA50BE56-AE8B-9F47-8C55-B3BEDE563CC2}" type="presParOf" srcId="{1207CBB6-C43D-E242-86A9-4AA77570AFEE}" destId="{A0186A1E-EF60-D743-A2F3-504DF1E4FEF7}" srcOrd="3" destOrd="0" presId="urn:microsoft.com/office/officeart/2005/8/layout/cycle3"/>
+    <dgm:cxn modelId="{16C72D23-8716-A94D-AE3E-39766918C3DB}" type="presParOf" srcId="{1207CBB6-C43D-E242-86A9-4AA77570AFEE}" destId="{C601974B-E904-AD4B-8EB2-5D8184181159}" srcOrd="4" destOrd="0" presId="urn:microsoft.com/office/officeart/2005/8/layout/cycle3"/>
+    <dgm:cxn modelId="{3A6355EC-2282-3A41-81F2-4BCCB3253FB3}" type="presParOf" srcId="{1207CBB6-C43D-E242-86A9-4AA77570AFEE}" destId="{AEDAD4A1-9904-D147-BE63-E622D85CDE06}" srcOrd="5" destOrd="0" presId="urn:microsoft.com/office/officeart/2005/8/layout/cycle3"/>
+  </dgm:cxnLst>
+  <dgm:bg/>
+  <dgm:whole/>
+  <dgm:extLst>
+    <a:ext uri="http://schemas.microsoft.com/office/drawing/2008/diagram">
+      <dsp:dataModelExt xmlns:dsp="http://schemas.microsoft.com/office/drawing/2008/diagram" relId="rId6" minVer="http://schemas.openxmlformats.org/drawingml/2006/diagram"/>
+    </a:ext>
+  </dgm:extLst>
+</dgm:dataModel>
+</file>
+
+<file path=ppt/diagrams/drawing1.xml><?xml version="1.0" encoding="utf-8"?>
+<dsp:drawing xmlns:dgm="http://schemas.openxmlformats.org/drawingml/2006/diagram" xmlns:dsp="http://schemas.microsoft.com/office/drawing/2008/diagram" xmlns:a="http://schemas.openxmlformats.org/drawingml/2006/main">
+  <dsp:spTree>
+    <dsp:nvGrpSpPr>
+      <dsp:cNvPr id="0" name=""/>
+      <dsp:cNvGrpSpPr/>
+    </dsp:nvGrpSpPr>
+    <dsp:grpSpPr/>
+    <dsp:sp modelId="{25DF6344-8896-C140-86F7-A69157FB65BB}">
+      <dsp:nvSpPr>
+        <dsp:cNvPr id="0" name=""/>
+        <dsp:cNvSpPr/>
+      </dsp:nvSpPr>
+      <dsp:spPr>
+        <a:xfrm>
+          <a:off x="1020730" y="68579"/>
+          <a:ext cx="4054539" cy="4054539"/>
+        </a:xfrm>
+        <a:prstGeom prst="circularArrow">
+          <a:avLst>
+            <a:gd name="adj1" fmla="val 5544"/>
+            <a:gd name="adj2" fmla="val 330680"/>
+            <a:gd name="adj3" fmla="val 14214479"/>
+            <a:gd name="adj4" fmla="val 17124446"/>
+            <a:gd name="adj5" fmla="val 5757"/>
+          </a:avLst>
+        </a:prstGeom>
+        <a:solidFill>
+          <a:schemeClr val="accent1">
+            <a:tint val="40000"/>
+            <a:hueOff val="0"/>
+            <a:satOff val="0"/>
+            <a:lumOff val="0"/>
+            <a:alphaOff val="0"/>
+          </a:schemeClr>
+        </a:solidFill>
+        <a:ln>
+          <a:noFill/>
+        </a:ln>
+        <a:effectLst>
+          <a:outerShdw blurRad="40000" dist="20000" dir="5400000" rotWithShape="0">
+            <a:srgbClr val="000000">
+              <a:alpha val="38000"/>
+            </a:srgbClr>
+          </a:outerShdw>
+        </a:effectLst>
+      </dsp:spPr>
+      <dsp:style>
+        <a:lnRef idx="0">
+          <a:scrgbClr r="0" g="0" b="0"/>
+        </a:lnRef>
+        <a:fillRef idx="1">
+          <a:scrgbClr r="0" g="0" b="0"/>
+        </a:fillRef>
+        <a:effectRef idx="1">
+          <a:scrgbClr r="0" g="0" b="0"/>
+        </a:effectRef>
+        <a:fontRef idx="minor"/>
+      </dsp:style>
+    </dsp:sp>
+    <dsp:sp modelId="{BA276263-FF81-A64C-A8CC-513E4592049F}">
+      <dsp:nvSpPr>
+        <dsp:cNvPr id="0" name=""/>
+        <dsp:cNvSpPr/>
+      </dsp:nvSpPr>
+      <dsp:spPr>
+        <a:xfrm>
+          <a:off x="2283906" y="94765"/>
+          <a:ext cx="1528186" cy="746652"/>
+        </a:xfrm>
+        <a:prstGeom prst="roundRect">
+          <a:avLst/>
+        </a:prstGeom>
+        <a:gradFill rotWithShape="0">
+          <a:gsLst>
+            <a:gs pos="0">
+              <a:schemeClr val="accent1">
+                <a:hueOff val="0"/>
+                <a:satOff val="0"/>
+                <a:lumOff val="0"/>
+                <a:alphaOff val="0"/>
+                <a:tint val="50000"/>
+                <a:satMod val="300000"/>
+              </a:schemeClr>
+            </a:gs>
+            <a:gs pos="35000">
+              <a:schemeClr val="accent1">
+                <a:hueOff val="0"/>
+                <a:satOff val="0"/>
+                <a:lumOff val="0"/>
+                <a:alphaOff val="0"/>
+                <a:tint val="37000"/>
+                <a:satMod val="300000"/>
+              </a:schemeClr>
+            </a:gs>
+            <a:gs pos="100000">
+              <a:schemeClr val="accent1">
+                <a:hueOff val="0"/>
+                <a:satOff val="0"/>
+                <a:lumOff val="0"/>
+                <a:alphaOff val="0"/>
+                <a:tint val="15000"/>
+                <a:satMod val="350000"/>
+              </a:schemeClr>
+            </a:gs>
+          </a:gsLst>
+          <a:lin ang="16200000" scaled="1"/>
+        </a:gradFill>
+        <a:ln>
+          <a:noFill/>
+        </a:ln>
+        <a:effectLst>
+          <a:outerShdw blurRad="40000" dist="20000" dir="5400000" rotWithShape="0">
+            <a:srgbClr val="000000">
+              <a:alpha val="38000"/>
+            </a:srgbClr>
+          </a:outerShdw>
+        </a:effectLst>
+        <a:scene3d>
+          <a:camera prst="orthographicFront"/>
+          <a:lightRig rig="flat" dir="t"/>
+        </a:scene3d>
+        <a:sp3d prstMaterial="dkEdge">
+          <a:bevelT w="8200" h="38100"/>
+        </a:sp3d>
+      </dsp:spPr>
+      <dsp:style>
+        <a:lnRef idx="0">
+          <a:scrgbClr r="0" g="0" b="0"/>
+        </a:lnRef>
+        <a:fillRef idx="2">
+          <a:scrgbClr r="0" g="0" b="0"/>
+        </a:fillRef>
+        <a:effectRef idx="1">
+          <a:scrgbClr r="0" g="0" b="0"/>
+        </a:effectRef>
+        <a:fontRef idx="minor">
+          <a:schemeClr val="dk1"/>
+        </a:fontRef>
+      </dsp:style>
+      <dsp:txBody>
+        <a:bodyPr spcFirstLastPara="0" vert="horz" wrap="square" lIns="60960" tIns="60960" rIns="60960" bIns="60960" numCol="1" spcCol="1270" anchor="ctr" anchorCtr="0">
+          <a:noAutofit/>
+        </a:bodyPr>
+        <a:lstStyle/>
+        <a:p>
+          <a:pPr lvl="0" algn="ctr" defTabSz="711200">
+            <a:lnSpc>
+              <a:spcPct val="90000"/>
+            </a:lnSpc>
+            <a:spcBef>
+              <a:spcPct val="0"/>
+            </a:spcBef>
+            <a:spcAft>
+              <a:spcPct val="35000"/>
+            </a:spcAft>
+          </a:pPr>
+          <a:r>
+            <a:rPr lang="en-US" sz="1600" kern="1200" dirty="0" smtClean="0"/>
+            <a:t>Advertisement</a:t>
+          </a:r>
+          <a:endParaRPr lang="en-US" sz="1600" kern="1200" dirty="0"/>
+        </a:p>
+      </dsp:txBody>
+      <dsp:txXfrm>
+        <a:off x="2320355" y="131214"/>
+        <a:ext cx="1455288" cy="673754"/>
+      </dsp:txXfrm>
+    </dsp:sp>
+    <dsp:sp modelId="{BCCB1445-DC28-2640-B79B-14C53087D26B}">
+      <dsp:nvSpPr>
+        <dsp:cNvPr id="0" name=""/>
+        <dsp:cNvSpPr/>
+      </dsp:nvSpPr>
+      <dsp:spPr>
+        <a:xfrm>
+          <a:off x="3928297" y="1289485"/>
+          <a:ext cx="1528186" cy="746652"/>
+        </a:xfrm>
+        <a:prstGeom prst="roundRect">
+          <a:avLst/>
+        </a:prstGeom>
+        <a:gradFill rotWithShape="0">
+          <a:gsLst>
+            <a:gs pos="0">
+              <a:schemeClr val="accent1">
+                <a:hueOff val="0"/>
+                <a:satOff val="0"/>
+                <a:lumOff val="0"/>
+                <a:alphaOff val="0"/>
+                <a:tint val="50000"/>
+                <a:satMod val="300000"/>
+              </a:schemeClr>
+            </a:gs>
+            <a:gs pos="35000">
+              <a:schemeClr val="accent1">
+                <a:hueOff val="0"/>
+                <a:satOff val="0"/>
+                <a:lumOff val="0"/>
+                <a:alphaOff val="0"/>
+                <a:tint val="37000"/>
+                <a:satMod val="300000"/>
+              </a:schemeClr>
+            </a:gs>
+            <a:gs pos="100000">
+              <a:schemeClr val="accent1">
+                <a:hueOff val="0"/>
+                <a:satOff val="0"/>
+                <a:lumOff val="0"/>
+                <a:alphaOff val="0"/>
+                <a:tint val="15000"/>
+                <a:satMod val="350000"/>
+              </a:schemeClr>
+            </a:gs>
+          </a:gsLst>
+          <a:lin ang="16200000" scaled="1"/>
+        </a:gradFill>
+        <a:ln>
+          <a:noFill/>
+        </a:ln>
+        <a:effectLst>
+          <a:outerShdw blurRad="40000" dist="20000" dir="5400000" rotWithShape="0">
+            <a:srgbClr val="000000">
+              <a:alpha val="38000"/>
+            </a:srgbClr>
+          </a:outerShdw>
+        </a:effectLst>
+        <a:scene3d>
+          <a:camera prst="orthographicFront"/>
+          <a:lightRig rig="flat" dir="t"/>
+        </a:scene3d>
+        <a:sp3d prstMaterial="dkEdge">
+          <a:bevelT w="8200" h="38100"/>
+        </a:sp3d>
+      </dsp:spPr>
+      <dsp:style>
+        <a:lnRef idx="0">
+          <a:scrgbClr r="0" g="0" b="0"/>
+        </a:lnRef>
+        <a:fillRef idx="2">
+          <a:scrgbClr r="0" g="0" b="0"/>
+        </a:fillRef>
+        <a:effectRef idx="1">
+          <a:scrgbClr r="0" g="0" b="0"/>
+        </a:effectRef>
+        <a:fontRef idx="minor">
+          <a:schemeClr val="dk1"/>
+        </a:fontRef>
+      </dsp:style>
+      <dsp:txBody>
+        <a:bodyPr spcFirstLastPara="0" vert="horz" wrap="square" lIns="60960" tIns="60960" rIns="60960" bIns="60960" numCol="1" spcCol="1270" anchor="ctr" anchorCtr="0">
+          <a:noAutofit/>
+        </a:bodyPr>
+        <a:lstStyle/>
+        <a:p>
+          <a:pPr lvl="0" algn="ctr" defTabSz="711200">
+            <a:lnSpc>
+              <a:spcPct val="90000"/>
+            </a:lnSpc>
+            <a:spcBef>
+              <a:spcPct val="0"/>
+            </a:spcBef>
+            <a:spcAft>
+              <a:spcPct val="35000"/>
+            </a:spcAft>
+          </a:pPr>
+          <a:r>
+            <a:rPr lang="en-US" sz="1600" kern="1200" dirty="0" smtClean="0"/>
+            <a:t>Discovery</a:t>
+          </a:r>
+          <a:endParaRPr lang="en-US" sz="1600" kern="1200" dirty="0"/>
+        </a:p>
+      </dsp:txBody>
+      <dsp:txXfrm>
+        <a:off x="3964746" y="1325934"/>
+        <a:ext cx="1455288" cy="673754"/>
+      </dsp:txXfrm>
+    </dsp:sp>
+    <dsp:sp modelId="{A0186A1E-EF60-D743-A2F3-504DF1E4FEF7}">
+      <dsp:nvSpPr>
+        <dsp:cNvPr id="0" name=""/>
+        <dsp:cNvSpPr/>
+      </dsp:nvSpPr>
+      <dsp:spPr>
+        <a:xfrm>
+          <a:off x="3821015" y="2893674"/>
+          <a:ext cx="1528186" cy="746652"/>
+        </a:xfrm>
+        <a:prstGeom prst="roundRect">
+          <a:avLst/>
+        </a:prstGeom>
+        <a:gradFill rotWithShape="0">
+          <a:gsLst>
+            <a:gs pos="0">
+              <a:schemeClr val="accent1">
+                <a:hueOff val="0"/>
+                <a:satOff val="0"/>
+                <a:lumOff val="0"/>
+                <a:alphaOff val="0"/>
+                <a:tint val="50000"/>
+                <a:satMod val="300000"/>
+              </a:schemeClr>
+            </a:gs>
+            <a:gs pos="35000">
+              <a:schemeClr val="accent1">
+                <a:hueOff val="0"/>
+                <a:satOff val="0"/>
+                <a:lumOff val="0"/>
+                <a:alphaOff val="0"/>
+                <a:tint val="37000"/>
+                <a:satMod val="300000"/>
+              </a:schemeClr>
+            </a:gs>
+            <a:gs pos="100000">
+              <a:schemeClr val="accent1">
+                <a:hueOff val="0"/>
+                <a:satOff val="0"/>
+                <a:lumOff val="0"/>
+                <a:alphaOff val="0"/>
+                <a:tint val="15000"/>
+                <a:satMod val="350000"/>
+              </a:schemeClr>
+            </a:gs>
+          </a:gsLst>
+          <a:lin ang="16200000" scaled="1"/>
+        </a:gradFill>
+        <a:ln>
+          <a:noFill/>
+        </a:ln>
+        <a:effectLst>
+          <a:outerShdw blurRad="40000" dist="20000" dir="5400000" rotWithShape="0">
+            <a:srgbClr val="000000">
+              <a:alpha val="38000"/>
+            </a:srgbClr>
+          </a:outerShdw>
+        </a:effectLst>
+        <a:scene3d>
+          <a:camera prst="orthographicFront"/>
+          <a:lightRig rig="flat" dir="t"/>
+        </a:scene3d>
+        <a:sp3d prstMaterial="dkEdge">
+          <a:bevelT w="8200" h="38100"/>
+        </a:sp3d>
+      </dsp:spPr>
+      <dsp:style>
+        <a:lnRef idx="0">
+          <a:scrgbClr r="0" g="0" b="0"/>
+        </a:lnRef>
+        <a:fillRef idx="2">
+          <a:scrgbClr r="0" g="0" b="0"/>
+        </a:fillRef>
+        <a:effectRef idx="1">
+          <a:scrgbClr r="0" g="0" b="0"/>
+        </a:effectRef>
+        <a:fontRef idx="minor">
+          <a:schemeClr val="dk1"/>
+        </a:fontRef>
+      </dsp:style>
+      <dsp:txBody>
+        <a:bodyPr spcFirstLastPara="0" vert="horz" wrap="square" lIns="60960" tIns="60960" rIns="60960" bIns="60960" numCol="1" spcCol="1270" anchor="ctr" anchorCtr="0">
+          <a:noAutofit/>
+        </a:bodyPr>
+        <a:lstStyle/>
+        <a:p>
+          <a:pPr lvl="0" algn="ctr" defTabSz="711200">
+            <a:lnSpc>
+              <a:spcPct val="90000"/>
+            </a:lnSpc>
+            <a:spcBef>
+              <a:spcPct val="0"/>
+            </a:spcBef>
+            <a:spcAft>
+              <a:spcPct val="35000"/>
+            </a:spcAft>
+          </a:pPr>
+          <a:r>
+            <a:rPr lang="en-US" sz="1600" kern="1200" dirty="0" smtClean="0"/>
+            <a:t>Negotiation</a:t>
+          </a:r>
+          <a:endParaRPr lang="en-US" sz="1600" kern="1200" dirty="0"/>
+        </a:p>
+      </dsp:txBody>
+      <dsp:txXfrm>
+        <a:off x="3857464" y="2930123"/>
+        <a:ext cx="1455288" cy="673754"/>
+      </dsp:txXfrm>
+    </dsp:sp>
+    <dsp:sp modelId="{C601974B-E904-AD4B-8EB2-5D8184181159}">
+      <dsp:nvSpPr>
+        <dsp:cNvPr id="0" name=""/>
+        <dsp:cNvSpPr/>
+      </dsp:nvSpPr>
+      <dsp:spPr>
+        <a:xfrm>
+          <a:off x="929533" y="2930215"/>
+          <a:ext cx="1528186" cy="746652"/>
+        </a:xfrm>
+        <a:prstGeom prst="roundRect">
+          <a:avLst/>
+        </a:prstGeom>
+        <a:gradFill rotWithShape="0">
+          <a:gsLst>
+            <a:gs pos="0">
+              <a:schemeClr val="accent1">
+                <a:hueOff val="0"/>
+                <a:satOff val="0"/>
+                <a:lumOff val="0"/>
+                <a:alphaOff val="0"/>
+                <a:tint val="50000"/>
+                <a:satMod val="300000"/>
+              </a:schemeClr>
+            </a:gs>
+            <a:gs pos="35000">
+              <a:schemeClr val="accent1">
+                <a:hueOff val="0"/>
+                <a:satOff val="0"/>
+                <a:lumOff val="0"/>
+                <a:alphaOff val="0"/>
+                <a:tint val="37000"/>
+                <a:satMod val="300000"/>
+              </a:schemeClr>
+            </a:gs>
+            <a:gs pos="100000">
+              <a:schemeClr val="accent1">
+                <a:hueOff val="0"/>
+                <a:satOff val="0"/>
+                <a:lumOff val="0"/>
+                <a:alphaOff val="0"/>
+                <a:tint val="15000"/>
+                <a:satMod val="350000"/>
+              </a:schemeClr>
+            </a:gs>
+          </a:gsLst>
+          <a:lin ang="16200000" scaled="1"/>
+        </a:gradFill>
+        <a:ln>
+          <a:noFill/>
+        </a:ln>
+        <a:effectLst>
+          <a:outerShdw blurRad="40000" dist="20000" dir="5400000" rotWithShape="0">
+            <a:srgbClr val="000000">
+              <a:alpha val="38000"/>
+            </a:srgbClr>
+          </a:outerShdw>
+        </a:effectLst>
+        <a:scene3d>
+          <a:camera prst="orthographicFront"/>
+          <a:lightRig rig="flat" dir="t"/>
+        </a:scene3d>
+        <a:sp3d prstMaterial="dkEdge">
+          <a:bevelT w="8200" h="38100"/>
+        </a:sp3d>
+      </dsp:spPr>
+      <dsp:style>
+        <a:lnRef idx="0">
+          <a:scrgbClr r="0" g="0" b="0"/>
+        </a:lnRef>
+        <a:fillRef idx="2">
+          <a:scrgbClr r="0" g="0" b="0"/>
+        </a:fillRef>
+        <a:effectRef idx="1">
+          <a:scrgbClr r="0" g="0" b="0"/>
+        </a:effectRef>
+        <a:fontRef idx="minor">
+          <a:schemeClr val="dk1"/>
+        </a:fontRef>
+      </dsp:style>
+      <dsp:txBody>
+        <a:bodyPr spcFirstLastPara="0" vert="horz" wrap="square" lIns="60960" tIns="60960" rIns="60960" bIns="60960" numCol="1" spcCol="1270" anchor="ctr" anchorCtr="0">
+          <a:noAutofit/>
+        </a:bodyPr>
+        <a:lstStyle/>
+        <a:p>
+          <a:pPr lvl="0" algn="ctr" defTabSz="711200">
+            <a:lnSpc>
+              <a:spcPct val="90000"/>
+            </a:lnSpc>
+            <a:spcBef>
+              <a:spcPct val="0"/>
+            </a:spcBef>
+            <a:spcAft>
+              <a:spcPct val="35000"/>
+            </a:spcAft>
+          </a:pPr>
+          <a:r>
+            <a:rPr lang="en-US" sz="1600" kern="1200" dirty="0" smtClean="0"/>
+            <a:t>Monitoring &amp; Utilization</a:t>
+          </a:r>
+          <a:endParaRPr lang="en-US" sz="1600" kern="1200" dirty="0"/>
+        </a:p>
+      </dsp:txBody>
+      <dsp:txXfrm>
+        <a:off x="965982" y="2966664"/>
+        <a:ext cx="1455288" cy="673754"/>
+      </dsp:txXfrm>
+    </dsp:sp>
+    <dsp:sp modelId="{AEDAD4A1-9904-D147-BE63-E622D85CDE06}">
+      <dsp:nvSpPr>
+        <dsp:cNvPr id="0" name=""/>
+        <dsp:cNvSpPr/>
+      </dsp:nvSpPr>
+      <dsp:spPr>
+        <a:xfrm>
+          <a:off x="639516" y="1289485"/>
+          <a:ext cx="1528186" cy="746652"/>
+        </a:xfrm>
+        <a:prstGeom prst="roundRect">
+          <a:avLst/>
+        </a:prstGeom>
+        <a:gradFill rotWithShape="0">
+          <a:gsLst>
+            <a:gs pos="0">
+              <a:schemeClr val="accent1">
+                <a:hueOff val="0"/>
+                <a:satOff val="0"/>
+                <a:lumOff val="0"/>
+                <a:alphaOff val="0"/>
+                <a:tint val="50000"/>
+                <a:satMod val="300000"/>
+              </a:schemeClr>
+            </a:gs>
+            <a:gs pos="35000">
+              <a:schemeClr val="accent1">
+                <a:hueOff val="0"/>
+                <a:satOff val="0"/>
+                <a:lumOff val="0"/>
+                <a:alphaOff val="0"/>
+                <a:tint val="37000"/>
+                <a:satMod val="300000"/>
+              </a:schemeClr>
+            </a:gs>
+            <a:gs pos="100000">
+              <a:schemeClr val="accent1">
+                <a:hueOff val="0"/>
+                <a:satOff val="0"/>
+                <a:lumOff val="0"/>
+                <a:alphaOff val="0"/>
+                <a:tint val="15000"/>
+                <a:satMod val="350000"/>
+              </a:schemeClr>
+            </a:gs>
+          </a:gsLst>
+          <a:lin ang="16200000" scaled="1"/>
+        </a:gradFill>
+        <a:ln>
+          <a:noFill/>
+        </a:ln>
+        <a:effectLst>
+          <a:outerShdw blurRad="40000" dist="20000" dir="5400000" rotWithShape="0">
+            <a:srgbClr val="000000">
+              <a:alpha val="38000"/>
+            </a:srgbClr>
+          </a:outerShdw>
+        </a:effectLst>
+        <a:scene3d>
+          <a:camera prst="orthographicFront"/>
+          <a:lightRig rig="flat" dir="t"/>
+        </a:scene3d>
+        <a:sp3d prstMaterial="dkEdge">
+          <a:bevelT w="8200" h="38100"/>
+        </a:sp3d>
+      </dsp:spPr>
+      <dsp:style>
+        <a:lnRef idx="0">
+          <a:scrgbClr r="0" g="0" b="0"/>
+        </a:lnRef>
+        <a:fillRef idx="2">
+          <a:scrgbClr r="0" g="0" b="0"/>
+        </a:fillRef>
+        <a:effectRef idx="1">
+          <a:scrgbClr r="0" g="0" b="0"/>
+        </a:effectRef>
+        <a:fontRef idx="minor">
+          <a:schemeClr val="dk1"/>
+        </a:fontRef>
+      </dsp:style>
+      <dsp:txBody>
+        <a:bodyPr spcFirstLastPara="0" vert="horz" wrap="square" lIns="60960" tIns="60960" rIns="60960" bIns="60960" numCol="1" spcCol="1270" anchor="ctr" anchorCtr="0">
+          <a:noAutofit/>
+        </a:bodyPr>
+        <a:lstStyle/>
+        <a:p>
+          <a:pPr lvl="0" algn="ctr" defTabSz="711200">
+            <a:lnSpc>
+              <a:spcPct val="90000"/>
+            </a:lnSpc>
+            <a:spcBef>
+              <a:spcPct val="0"/>
+            </a:spcBef>
+            <a:spcAft>
+              <a:spcPct val="35000"/>
+            </a:spcAft>
+          </a:pPr>
+          <a:r>
+            <a:rPr lang="en-US" sz="1600" kern="1200" smtClean="0"/>
+            <a:t>Adaptation</a:t>
+          </a:r>
+          <a:endParaRPr lang="en-US" sz="1600" kern="1200"/>
+        </a:p>
+      </dsp:txBody>
+      <dsp:txXfrm>
+        <a:off x="675965" y="1325934"/>
+        <a:ext cx="1455288" cy="673754"/>
+      </dsp:txXfrm>
+    </dsp:sp>
+  </dsp:spTree>
+</dsp:drawing>
+</file>
+
+<file path=ppt/diagrams/layout1.xml><?xml version="1.0" encoding="utf-8"?>
+<dgm:layoutDef xmlns:dgm="http://schemas.openxmlformats.org/drawingml/2006/diagram" xmlns:a="http://schemas.openxmlformats.org/drawingml/2006/main" uniqueId="urn:microsoft.com/office/officeart/2005/8/layout/cycle3">
+  <dgm:title val=""/>
+  <dgm:desc val=""/>
+  <dgm:catLst>
+    <dgm:cat type="cycle" pri="5000"/>
+  </dgm:catLst>
+  <dgm:sampData>
+    <dgm:dataModel>
+      <dgm:ptLst>
+        <dgm:pt modelId="0" type="doc"/>
+        <dgm:pt modelId="1">
+          <dgm:prSet phldr="1"/>
+        </dgm:pt>
+        <dgm:pt modelId="2">
+          <dgm:prSet phldr="1"/>
+        </dgm:pt>
+        <dgm:pt modelId="3">
+          <dgm:prSet phldr="1"/>
+        </dgm:pt>
+        <dgm:pt modelId="4">
+          <dgm:prSet phldr="1"/>
+        </dgm:pt>
+        <dgm:pt modelId="5">
+          <dgm:prSet phldr="1"/>
+        </dgm:pt>
+      </dgm:ptLst>
+      <dgm:cxnLst>
+        <dgm:cxn modelId="6" srcId="0" destId="1" srcOrd="0" destOrd="0"/>
+        <dgm:cxn modelId="7" srcId="0" destId="2" srcOrd="1" destOrd="0"/>
+        <dgm:cxn modelId="8" srcId="0" destId="3" srcOrd="2" destOrd="0"/>
+        <dgm:cxn modelId="9" srcId="0" destId="4" srcOrd="3" destOrd="0"/>
+        <dgm:cxn modelId="10" srcId="0" destId="5" srcOrd="4" destOrd="0"/>
+      </dgm:cxnLst>
+      <dgm:bg/>
+      <dgm:whole/>
+    </dgm:dataModel>
+  </dgm:sampData>
+  <dgm:styleData>
+    <dgm:dataModel>
+      <dgm:ptLst>
+        <dgm:pt modelId="0" type="doc"/>
+        <dgm:pt modelId="1"/>
+        <dgm:pt modelId="2"/>
+        <dgm:pt modelId="3"/>
+      </dgm:ptLst>
+      <dgm:cxnLst>
+        <dgm:cxn modelId="4" srcId="0" destId="1" srcOrd="0" destOrd="0"/>
+        <dgm:cxn modelId="5" srcId="0" destId="2" srcOrd="1" destOrd="0"/>
+        <dgm:cxn modelId="6" srcId="0" destId="3" srcOrd="2" destOrd="0"/>
+      </dgm:cxnLst>
+      <dgm:bg/>
+      <dgm:whole/>
+    </dgm:dataModel>
+  </dgm:styleData>
+  <dgm:clrData>
+    <dgm:dataModel>
+      <dgm:ptLst>
+        <dgm:pt modelId="0" type="doc"/>
+        <dgm:pt modelId="1"/>
+        <dgm:pt modelId="2"/>
+        <dgm:pt modelId="3"/>
+        <dgm:pt modelId="4"/>
+        <dgm:pt modelId="5"/>
+        <dgm:pt modelId="6"/>
+      </dgm:ptLst>
+      <dgm:cxnLst>
+        <dgm:cxn modelId="7" srcId="0" destId="1" srcOrd="0" destOrd="0"/>
+        <dgm:cxn modelId="8" srcId="0" destId="2" srcOrd="1" destOrd="0"/>
+        <dgm:cxn modelId="9" srcId="0" destId="3" srcOrd="2" destOrd="0"/>
+        <dgm:cxn modelId="10" srcId="0" destId="4" srcOrd="3" destOrd="0"/>
+        <dgm:cxn modelId="11" srcId="0" destId="5" srcOrd="4" destOrd="0"/>
+        <dgm:cxn modelId="12" srcId="0" destId="6" srcOrd="5" destOrd="0"/>
+      </dgm:cxnLst>
+      <dgm:bg/>
+      <dgm:whole/>
+    </dgm:dataModel>
+  </dgm:clrData>
+  <dgm:layoutNode name="Name0">
+    <dgm:varLst>
+      <dgm:dir/>
+      <dgm:resizeHandles val="exact"/>
+    </dgm:varLst>
+    <dgm:choose name="Name1">
+      <dgm:if name="Name2" axis="ch" ptType="node" func="cnt" op="equ" val="2">
+        <dgm:alg type="composite">
+          <dgm:param type="ar" val="0.9"/>
+        </dgm:alg>
+        <dgm:shape xmlns:r="http://schemas.openxmlformats.org/officeDocument/2006/relationships" r:blip="">
+          <dgm:adjLst/>
+        </dgm:shape>
+        <dgm:presOf/>
+        <dgm:constrLst>
+          <dgm:constr type="primFontSz" for="ch" ptType="node" op="equ" val="65"/>
+          <dgm:constr type="ctrX" for="ch" forName="node1" refType="w" fact="0.5"/>
+          <dgm:constr type="t" for="ch" forName="node1"/>
+          <dgm:constr type="w" for="ch" forName="node1" refType="w" fact="0.8"/>
+          <dgm:constr type="h" for="ch" forName="node1" refType="w" refFor="ch" refForName="node1" fact="0.5"/>
+          <dgm:constr type="ctrX" for="ch" forName="sibTrans" refType="w" fact="0.5"/>
+          <dgm:constr type="t" for="ch" forName="sibTrans"/>
+          <dgm:constr type="w" for="ch" forName="sibTrans" refType="w" fact="0.8"/>
+          <dgm:constr type="h" for="ch" forName="sibTrans" refType="w" refFor="ch" refForName="node1" fact="0.5"/>
+          <dgm:constr type="userA" for="ch" forName="sibTrans" refType="w" fact="1.07"/>
+          <dgm:constr type="ctrX" for="ch" forName="node2" refType="w" fact="0.5"/>
+          <dgm:constr type="b" for="ch" forName="node2" refType="h"/>
+          <dgm:constr type="w" for="ch" forName="node2" refType="w" fact="0.8"/>
+          <dgm:constr type="h" for="ch" forName="node2" refType="w" refFor="ch" refForName="node1" fact="0.5"/>
+          <dgm:constr type="l" for="ch" forName="sp1"/>
+          <dgm:constr type="t" for="ch" forName="sp1" refType="h" fact="0.5"/>
+          <dgm:constr type="w" for="ch" forName="sp1" val="1"/>
+          <dgm:constr type="h" for="ch" forName="sp1" val="1"/>
+          <dgm:constr type="r" for="ch" forName="sp2" refType="w"/>
+          <dgm:constr type="t" for="ch" forName="sp2" refType="h" fact="0.5"/>
+          <dgm:constr type="w" for="ch" forName="sp2" val="1"/>
+          <dgm:constr type="h" for="ch" forName="sp2" val="1"/>
+        </dgm:constrLst>
+        <dgm:ruleLst/>
+      </dgm:if>
+      <dgm:else name="Name3">
+        <dgm:alg type="composite"/>
+        <dgm:shape xmlns:r="http://schemas.openxmlformats.org/officeDocument/2006/relationships" r:blip="">
+          <dgm:adjLst/>
+        </dgm:shape>
+        <dgm:presOf/>
+        <dgm:constrLst>
+          <dgm:constr type="primFontSz" for="ch" ptType="node" op="equ" val="65"/>
+        </dgm:constrLst>
+        <dgm:ruleLst/>
+      </dgm:else>
+    </dgm:choose>
+    <dgm:choose name="Name4">
+      <dgm:if name="Name5" axis="ch" ptType="node" func="cnt" op="equ" val="2">
+        <dgm:layoutNode name="node1">
+          <dgm:varLst>
+            <dgm:bulletEnabled val="1"/>
+          </dgm:varLst>
+          <dgm:alg type="tx"/>
+          <dgm:shape xmlns:r="http://schemas.openxmlformats.org/officeDocument/2006/relationships" type="roundRect" r:blip="">
+            <dgm:adjLst/>
+          </dgm:shape>
+          <dgm:presOf axis="ch desOrSelf" ptType="node node" st="1 1" cnt="1 0"/>
+          <dgm:constrLst>
+            <dgm:constr type="tMarg" refType="primFontSz" fact="0.3"/>
+            <dgm:constr type="bMarg" refType="primFontSz" fact="0.3"/>
+            <dgm:constr type="lMarg" refType="primFontSz" fact="0.3"/>
+            <dgm:constr type="rMarg" refType="primFontSz" fact="0.3"/>
+          </dgm:constrLst>
+          <dgm:ruleLst>
+            <dgm:rule type="primFontSz" val="5" fact="NaN" max="NaN"/>
+          </dgm:ruleLst>
+        </dgm:layoutNode>
+        <dgm:layoutNode name="sibTrans" styleLbl="bgShp">
+          <dgm:choose name="Name6">
+            <dgm:if name="Name7" func="var" arg="dir" op="equ" val="norm">
+              <dgm:alg type="conn">
+                <dgm:param type="connRout" val="longCurve"/>
+                <dgm:param type="begPts" val="midR"/>
+                <dgm:param type="endPts" val="midL"/>
+                <dgm:param type="dstNode" val="node1"/>
+              </dgm:alg>
+              <dgm:shape xmlns:r="http://schemas.openxmlformats.org/officeDocument/2006/relationships" type="conn" r:blip="" zOrderOff="-2">
+                <dgm:adjLst/>
+              </dgm:shape>
+              <dgm:presOf axis="ch" ptType="sibTrans"/>
+              <dgm:constrLst>
+                <dgm:constr type="userA"/>
+                <dgm:constr type="diam" refType="userA" fact="-1"/>
+                <dgm:constr type="wArH" refType="userA" fact="0.05"/>
+                <dgm:constr type="hArH" refType="userA" fact="0.1"/>
+                <dgm:constr type="stemThick" refType="userA" fact="0.06"/>
+                <dgm:constr type="begPad" refType="connDist" fact="-0.2"/>
+                <dgm:constr type="endPad" refType="connDist" fact="0.05"/>
+              </dgm:constrLst>
+            </dgm:if>
+            <dgm:else name="Name8">
+              <dgm:alg type="conn">
+                <dgm:param type="connRout" val="longCurve"/>
+                <dgm:param type="begPts" val="midL"/>
+                <dgm:param type="endPts" val="midR"/>
+                <dgm:param type="dstNode" val="node1"/>
+              </dgm:alg>
+              <dgm:shape xmlns:r="http://schemas.openxmlformats.org/officeDocument/2006/relationships" type="conn" r:blip="" zOrderOff="-2">
+                <dgm:adjLst/>
+              </dgm:shape>
+              <dgm:presOf axis="ch" ptType="sibTrans"/>
+              <dgm:constrLst>
+                <dgm:constr type="userA"/>
+                <dgm:constr type="diam" refType="userA"/>
+                <dgm:constr type="wArH" refType="userA" fact="0.05"/>
+                <dgm:constr type="hArH" refType="userA" fact="0.1"/>
+                <dgm:constr type="stemThick" refType="userA" fact="0.06"/>
+                <dgm:constr type="begPad" refType="connDist" fact="-0.2"/>
+                <dgm:constr type="endPad" refType="connDist" fact="0.05"/>
+              </dgm:constrLst>
+            </dgm:else>
+          </dgm:choose>
+          <dgm:ruleLst/>
+        </dgm:layoutNode>
+        <dgm:layoutNode name="node2">
+          <dgm:varLst>
+            <dgm:bulletEnabled val="1"/>
+          </dgm:varLst>
+          <dgm:alg type="tx"/>
+          <dgm:shape xmlns:r="http://schemas.openxmlformats.org/officeDocument/2006/relationships" type="roundRect" r:blip="">
+            <dgm:adjLst/>
+          </dgm:shape>
+          <dgm:presOf axis="ch desOrSelf" ptType="node node" st="2 1" cnt="1 0"/>
+          <dgm:constrLst>
+            <dgm:constr type="tMarg" refType="primFontSz" fact="0.3"/>
+            <dgm:constr type="bMarg" refType="primFontSz" fact="0.3"/>
+            <dgm:constr type="lMarg" refType="primFontSz" fact="0.3"/>
+            <dgm:constr type="rMarg" refType="primFontSz" fact="0.3"/>
+          </dgm:constrLst>
+          <dgm:ruleLst>
+            <dgm:rule type="primFontSz" val="5" fact="NaN" max="NaN"/>
+          </dgm:ruleLst>
+        </dgm:layoutNode>
+        <dgm:layoutNode name="sp1">
+          <dgm:alg type="sp"/>
+          <dgm:shape xmlns:r="http://schemas.openxmlformats.org/officeDocument/2006/relationships" r:blip="">
+            <dgm:adjLst/>
+          </dgm:shape>
+          <dgm:presOf/>
+          <dgm:constrLst/>
+          <dgm:ruleLst/>
+        </dgm:layoutNode>
+        <dgm:layoutNode name="sp2">
+          <dgm:alg type="sp"/>
+          <dgm:shape xmlns:r="http://schemas.openxmlformats.org/officeDocument/2006/relationships" r:blip="">
+            <dgm:adjLst/>
+          </dgm:shape>
+          <dgm:presOf/>
+          <dgm:constrLst/>
+          <dgm:ruleLst/>
+        </dgm:layoutNode>
+      </dgm:if>
+      <dgm:else name="Name9">
+        <dgm:layoutNode name="cycle">
+          <dgm:choose name="Name10">
+            <dgm:if name="Name11" func="var" arg="dir" op="equ" val="norm">
+              <dgm:alg type="cycle">
+                <dgm:param type="stAng" val="0"/>
+                <dgm:param type="spanAng" val="360"/>
+              </dgm:alg>
+              <dgm:shape xmlns:r="http://schemas.openxmlformats.org/officeDocument/2006/relationships" r:blip="">
+                <dgm:adjLst/>
+              </dgm:shape>
+              <dgm:presOf/>
+              <dgm:constrLst>
+                <dgm:constr type="diam" refType="w"/>
+                <dgm:constr type="w" for="ch" ptType="node" refType="w"/>
+                <dgm:constr type="sibSp" val="15"/>
+                <dgm:constr type="userA" for="ch" ptType="sibTrans" refType="diam" op="equ" fact="-1"/>
+                <dgm:constr type="wArH" for="ch" ptType="sibTrans" refType="diam" op="equ" fact="0.05"/>
+                <dgm:constr type="hArH" for="ch" ptType="sibTrans" refType="diam" op="equ" fact="0.1"/>
+                <dgm:constr type="stemThick" for="ch" ptType="sibTrans" refType="diam" op="equ" fact="0.065"/>
+                <dgm:constr type="primFontSz" for="ch" ptType="node" op="equ"/>
+              </dgm:constrLst>
+            </dgm:if>
+            <dgm:else name="Name12">
+              <dgm:alg type="cycle">
+                <dgm:param type="stAng" val="0"/>
+                <dgm:param type="spanAng" val="-360"/>
+              </dgm:alg>
+              <dgm:shape xmlns:r="http://schemas.openxmlformats.org/officeDocument/2006/relationships" r:blip="">
+                <dgm:adjLst/>
+              </dgm:shape>
+              <dgm:presOf/>
+              <dgm:constrLst>
+                <dgm:constr type="diam" refType="w"/>
+                <dgm:constr type="w" for="ch" ptType="node" refType="w"/>
+                <dgm:constr type="sibSp" val="15"/>
+                <dgm:constr type="userA" for="ch" ptType="sibTrans" refType="diam" op="equ"/>
+                <dgm:constr type="wArH" for="ch" ptType="sibTrans" refType="diam" op="equ" fact="0.05"/>
+                <dgm:constr type="hArH" for="ch" ptType="sibTrans" refType="diam" op="equ" fact="0.1"/>
+                <dgm:constr type="stemThick" for="ch" ptType="sibTrans" refType="diam" op="equ" fact="0.065"/>
+                <dgm:constr type="primFontSz" for="ch" ptType="node" op="equ"/>
+              </dgm:constrLst>
+            </dgm:else>
+          </dgm:choose>
+          <dgm:ruleLst/>
+          <dgm:forEach name="nodesFirstNodeForEach" axis="ch" ptType="node" cnt="1">
+            <dgm:layoutNode name="nodeFirstNode">
+              <dgm:varLst>
+                <dgm:bulletEnabled val="1"/>
+              </dgm:varLst>
+              <dgm:alg type="tx"/>
+              <dgm:shape xmlns:r="http://schemas.openxmlformats.org/officeDocument/2006/relationships" type="roundRect" r:blip="">
+                <dgm:adjLst/>
+              </dgm:shape>
+              <dgm:presOf axis="desOrSelf" ptType="node"/>
+              <dgm:constrLst>
+                <dgm:constr type="h" refType="w" fact="0.5"/>
+                <dgm:constr type="primFontSz" val="65"/>
+                <dgm:constr type="tMarg" refType="primFontSz" fact="0.3"/>
+                <dgm:constr type="bMarg" refType="primFontSz" fact="0.3"/>
+                <dgm:constr type="lMarg" refType="primFontSz" fact="0.3"/>
+                <dgm:constr type="rMarg" refType="primFontSz" fact="0.3"/>
+              </dgm:constrLst>
+              <dgm:ruleLst>
+                <dgm:rule type="primFontSz" val="5" fact="NaN" max="NaN"/>
+              </dgm:ruleLst>
+            </dgm:layoutNode>
+            <dgm:forEach name="sibTransForEach" axis="followSib" ptType="sibTrans" cnt="1">
+              <dgm:layoutNode name="sibTransFirstNode" styleLbl="bgShp">
+                <dgm:choose name="Name13">
+                  <dgm:if name="Name14" func="var" arg="dir" op="equ" val="norm">
+                    <dgm:alg type="conn">
+                      <dgm:param type="connRout" val="longCurve"/>
+                      <dgm:param type="begPts" val="midR"/>
+                      <dgm:param type="endPts" val="midL"/>
+                      <dgm:param type="dstNode" val="nodeFirstNode"/>
+                    </dgm:alg>
+                  </dgm:if>
+                  <dgm:else name="Name15">
+                    <dgm:alg type="conn">
+                      <dgm:param type="connRout" val="longCurve"/>
+                      <dgm:param type="begPts" val="midL"/>
+                      <dgm:param type="endPts" val="midR"/>
+                      <dgm:param type="dstNode" val="nodeFirstNode"/>
+                    </dgm:alg>
+                  </dgm:else>
+                </dgm:choose>
+                <dgm:shape xmlns:r="http://schemas.openxmlformats.org/officeDocument/2006/relationships" type="conn" r:blip="" zOrderOff="-2">
+                  <dgm:adjLst/>
+                </dgm:shape>
+                <dgm:presOf axis="self"/>
+                <dgm:choose name="Name16">
+                  <dgm:if name="Name17" axis="par ch" ptType="doc node" func="cnt" op="equ" val="3">
+                    <dgm:constrLst>
+                      <dgm:constr type="userA"/>
+                      <dgm:constr type="diam" refType="userA" fact="1.01"/>
+                      <dgm:constr type="begPad" refType="connDist" fact="-0.2"/>
+                      <dgm:constr type="endPad" refType="connDist" fact="0.05"/>
+                    </dgm:constrLst>
+                  </dgm:if>
+                  <dgm:if name="Name18" axis="par ch" ptType="doc node" func="cnt" op="equ" val="4">
+                    <dgm:constrLst>
+                      <dgm:constr type="userA"/>
+                      <dgm:constr type="diam" refType="userA" fact="1.26"/>
+                      <dgm:constr type="begPad" refType="connDist" fact="-0.2"/>
+                      <dgm:constr type="endPad" refType="connDist" fact="0.05"/>
+                    </dgm:constrLst>
+                  </dgm:if>
+                  <dgm:if name="Name19" axis="par ch" ptType="doc node" func="cnt" op="equ" val="5">
+                    <dgm:constrLst>
+                      <dgm:constr type="userA"/>
+                      <dgm:constr type="diam" refType="userA" fact="1.04"/>
+                      <dgm:constr type="begPad" refType="connDist" fact="-0.2"/>
+                      <dgm:constr type="endPad" refType="connDist" fact="0.05"/>
+                    </dgm:constrLst>
+                  </dgm:if>
+                  <dgm:if name="Name20" axis="par ch" ptType="doc node" func="cnt" op="equ" val="6">
+                    <dgm:constrLst>
+                      <dgm:constr type="userA"/>
+                      <dgm:constr type="diam" refType="userA" fact="1.1"/>
+                      <dgm:constr type="begPad" refType="connDist" fact="-0.2"/>
+                      <dgm:constr type="endPad" refType="connDist" fact="0.05"/>
+                    </dgm:constrLst>
+                  </dgm:if>
+                  <dgm:else name="Name21">
+                    <dgm:constrLst>
+                      <dgm:constr type="userA"/>
+                      <dgm:constr type="diam" refType="userA" fact="1.04"/>
+                      <dgm:constr type="begPad" refType="connDist" fact="-0.2"/>
+                      <dgm:constr type="endPad" refType="connDist" fact="0.05"/>
+                    </dgm:constrLst>
+                  </dgm:else>
+                </dgm:choose>
+                <dgm:ruleLst/>
+              </dgm:layoutNode>
+            </dgm:forEach>
+          </dgm:forEach>
+          <dgm:forEach name="followingNodesForEach" axis="ch" ptType="node" st="2">
+            <dgm:layoutNode name="nodeFollowingNodes">
+              <dgm:varLst>
+                <dgm:bulletEnabled val="1"/>
+              </dgm:varLst>
+              <dgm:alg type="tx"/>
+              <dgm:shape xmlns:r="http://schemas.openxmlformats.org/officeDocument/2006/relationships" type="roundRect" r:blip="">
+                <dgm:adjLst/>
+              </dgm:shape>
+              <dgm:presOf axis="desOrSelf" ptType="node"/>
+              <dgm:constrLst>
+                <dgm:constr type="h" refType="w" fact="0.5"/>
+                <dgm:constr type="primFontSz" val="65"/>
+                <dgm:constr type="tMarg" refType="primFontSz" fact="0.3"/>
+                <dgm:constr type="bMarg" refType="primFontSz" fact="0.3"/>
+                <dgm:constr type="lMarg" refType="primFontSz" fact="0.3"/>
+                <dgm:constr type="rMarg" refType="primFontSz" fact="0.3"/>
+              </dgm:constrLst>
+              <dgm:ruleLst>
+                <dgm:rule type="primFontSz" val="5" fact="NaN" max="NaN"/>
+              </dgm:ruleLst>
+            </dgm:layoutNode>
+          </dgm:forEach>
+        </dgm:layoutNode>
+      </dgm:else>
+    </dgm:choose>
+  </dgm:layoutNode>
+</dgm:layoutDef>
+</file>
+
+<file path=ppt/diagrams/quickStyle1.xml><?xml version="1.0" encoding="utf-8"?>
+<dgm:styleDef xmlns:dgm="http://schemas.openxmlformats.org/drawingml/2006/diagram" xmlns:a="http://schemas.openxmlformats.org/drawingml/2006/main" uniqueId="urn:microsoft.com/office/officeart/2005/8/quickstyle/simple3">
+  <dgm:title val=""/>
+  <dgm:desc val=""/>
+  <dgm:catLst>
+    <dgm:cat type="simple" pri="10300"/>
+  </dgm:catLst>
+  <dgm:scene3d>
+    <a:camera prst="orthographicFront"/>
+    <a:lightRig rig="threePt" dir="t"/>
+  </dgm:scene3d>
+  <dgm:styleLbl name="node0">
+    <dgm:scene3d>
+      <a:camera prst="orthographicFront"/>
+      <a:lightRig rig="flat" dir="t"/>
+    </dgm:scene3d>
+    <dgm:sp3d prstMaterial="dkEdge">
+      <a:bevelT w="8200" h="38100"/>
+    </dgm:sp3d>
+    <dgm:txPr/>
+    <dgm:style>
+      <a:lnRef idx="0">
+        <a:scrgbClr r="0" g="0" b="0"/>
+      </a:lnRef>
+      <a:fillRef idx="2">
+        <a:scrgbClr r="0" g="0" b="0"/>
+      </a:fillRef>
+      <a:effectRef idx="1">
+        <a:scrgbClr r="0" g="0" b="0"/>
+      </a:effectRef>
+      <a:fontRef idx="minor">
+        <a:schemeClr val="dk1"/>
+      </a:fontRef>
+    </dgm:style>
+  </dgm:styleLbl>
+  <dgm:styleLbl name="lnNode1">
+    <dgm:scene3d>
+      <a:camera prst="orthographicFront"/>
+      <a:lightRig rig="flat" dir="t"/>
+    </dgm:scene3d>
+    <dgm:sp3d prstMaterial="dkEdge">
+      <a:bevelT w="8200" h="38100"/>
+    </dgm:sp3d>
+    <dgm:txPr/>
+    <dgm:style>
+      <a:lnRef idx="1">
+        <a:scrgbClr r="0" g="0" b="0"/>
+      </a:lnRef>
+      <a:fillRef idx="2">
+        <a:scrgbClr r="0" g="0" b="0"/>
+      </a:fillRef>
+      <a:effectRef idx="0">
+        <a:scrgbClr r="0" g="0" b="0"/>
+      </a:effectRef>
+      <a:fontRef idx="minor">
+        <a:schemeClr val="dk1"/>
+      </a:fontRef>
+    </dgm:style>
+  </dgm:styleLbl>
+  <dgm:styleLbl name="vennNode1">
+    <dgm:scene3d>
+      <a:camera prst="orthographicFront"/>
+      <a:lightRig rig="flat" dir="t"/>
+    </dgm:scene3d>
+    <dgm:sp3d prstMaterial="dkEdge">
+      <a:bevelT w="8200" h="38100"/>
+    </dgm:sp3d>
+    <dgm:txPr/>
+    <dgm:style>
+      <a:lnRef idx="0">
+        <a:scrgbClr r="0" g="0" b="0"/>
+      </a:lnRef>
+      <a:fillRef idx="2">
+        <a:scrgbClr r="0" g="0" b="0"/>
+      </a:fillRef>
+      <a:effectRef idx="0">
+        <a:scrgbClr r="0" g="0" b="0"/>
+      </a:effectRef>
+      <a:fontRef idx="minor">
+        <a:schemeClr val="tx1"/>
+      </a:fontRef>
+    </dgm:style>
+  </dgm:styleLbl>
+  <dgm:styleLbl name="alignNode1">
+    <dgm:scene3d>
+      <a:camera prst="orthographicFront"/>
+      <a:lightRig rig="threePt" dir="t"/>
+    </dgm:scene3d>
+    <dgm:sp3d/>
+    <dgm:txPr/>
+    <dgm:style>
+      <a:lnRef idx="1">
+        <a:scrgbClr r="0" g="0" b="0"/>
+      </a:lnRef>
+      <a:fillRef idx="2">
+        <a:scrgbClr r="0" g="0" b="0"/>
+      </a:fillRef>
+      <a:effectRef idx="1">
+        <a:scrgbClr r="0" g="0" b="0"/>
+      </a:effectRef>
+      <a:fontRef idx="minor">
+        <a:schemeClr val="dk1"/>
+      </a:fontRef>
+    </dgm:style>
+  </dgm:styleLbl>
+  <dgm:styleLbl name="node1">
+    <dgm:scene3d>
+      <a:camera prst="orthographicFront"/>
+      <a:lightRig rig="flat" dir="t"/>
+    </dgm:scene3d>
+    <dgm:sp3d prstMaterial="dkEdge">
+      <a:bevelT w="8200" h="38100"/>
+    </dgm:sp3d>
+    <dgm:txPr/>
+    <dgm:style>
+      <a:lnRef idx="0">
+        <a:scrgbClr r="0" g="0" b="0"/>
+      </a:lnRef>
+      <a:fillRef idx="2">
+        <a:scrgbClr r="0" g="0" b="0"/>
+      </a:fillRef>
+      <a:effectRef idx="1">
+        <a:scrgbClr r="0" g="0" b="0"/>
+      </a:effectRef>
+      <a:fontRef idx="minor">
+        <a:schemeClr val="dk1"/>
+      </a:fontRef>
+    </dgm:style>
+  </dgm:styleLbl>
+  <dgm:styleLbl name="node2">
+    <dgm:scene3d>
+      <a:camera prst="orthographicFront"/>
+      <a:lightRig rig="flat" dir="t"/>
+    </dgm:scene3d>
+    <dgm:sp3d prstMaterial="dkEdge">
+      <a:bevelT w="8200" h="38100"/>
+    </dgm:sp3d>
+    <dgm:txPr/>
+    <dgm:style>
+      <a:lnRef idx="0">
+        <a:scrgbClr r="0" g="0" b="0"/>
+      </a:lnRef>
+      <a:fillRef idx="2">
+        <a:scrgbClr r="0" g="0" b="0"/>
+      </a:fillRef>
+      <a:effectRef idx="1">
+        <a:scrgbClr r="0" g="0" b="0"/>
+      </a:effectRef>
+      <a:fontRef idx="minor">
+        <a:schemeClr val="dk1"/>
+      </a:fontRef>
+    </dgm:style>
+  </dgm:styleLbl>
+  <dgm:styleLbl name="node3">
+    <dgm:scene3d>
+      <a:camera prst="orthographicFront"/>
+      <a:lightRig rig="flat" dir="t"/>
+    </dgm:scene3d>
+    <dgm:sp3d prstMaterial="dkEdge">
+      <a:bevelT w="8200" h="38100"/>
+    </dgm:sp3d>
+    <dgm:txPr/>
+    <dgm:style>
+      <a:lnRef idx="0">
+        <a:scrgbClr r="0" g="0" b="0"/>
+      </a:lnRef>
+      <a:fillRef idx="2">
+        <a:scrgbClr r="0" g="0" b="0"/>
+      </a:fillRef>
+      <a:effectRef idx="1">
+        <a:scrgbClr r="0" g="0" b="0"/>
+      </a:effectRef>
+      <a:fontRef idx="minor">
+        <a:schemeClr val="dk1"/>
+      </a:fontRef>
+    </dgm:style>
+  </dgm:styleLbl>
+  <dgm:styleLbl name="node4">
+    <dgm:scene3d>
+      <a:camera prst="orthographicFront"/>
+      <a:lightRig rig="flat" dir="t"/>
+    </dgm:scene3d>
+    <dgm:sp3d prstMaterial="dkEdge">
+      <a:bevelT w="8200" h="38100"/>
+    </dgm:sp3d>
+    <dgm:txPr/>
+    <dgm:style>
+      <a:lnRef idx="0">
+        <a:scrgbClr r="0" g="0" b="0"/>
+      </a:lnRef>
+      <a:fillRef idx="2">
+        <a:scrgbClr r="0" g="0" b="0"/>
+      </a:fillRef>
+      <a:effectRef idx="1">
+        <a:scrgbClr r="0" g="0" b="0"/>
+      </a:effectRef>
+      <a:fontRef idx="minor">
+        <a:schemeClr val="dk1"/>
+      </a:fontRef>
+    </dgm:style>
+  </dgm:styleLbl>
+  <dgm:styleLbl name="fgImgPlace1">
+    <dgm:scene3d>
+      <a:camera prst="orthographicFront"/>
+      <a:lightRig rig="threePt" dir="t"/>
+    </dgm:scene3d>
+    <dgm:sp3d/>
+    <dgm:txPr/>
+    <dgm:style>
+      <a:lnRef idx="1">
+        <a:scrgbClr r="0" g="0" b="0"/>
+      </a:lnRef>
+      <a:fillRef idx="1">
+        <a:scrgbClr r="0" g="0" b="0"/>
+      </a:fillRef>
+      <a:effectRef idx="1">
+        <a:scrgbClr r="0" g="0" b="0"/>
+      </a:effectRef>
+      <a:fontRef idx="minor"/>
+    </dgm:style>
+  </dgm:styleLbl>
+  <dgm:styleLbl name="alignImgPlace1">
+    <dgm:scene3d>
+      <a:camera prst="orthographicFront"/>
+      <a:lightRig rig="threePt" dir="t"/>
+    </dgm:scene3d>
+    <dgm:sp3d/>
+    <dgm:txPr/>
+    <dgm:style>
+      <a:lnRef idx="1">
+        <a:scrgbClr r="0" g="0" b="0"/>
+      </a:lnRef>
+      <a:fillRef idx="1">
+        <a:scrgbClr r="0" g="0" b="0"/>
+      </a:fillRef>
+      <a:effectRef idx="1">
+        <a:scrgbClr r="0" g="0" b="0"/>
+      </a:effectRef>
+      <a:fontRef idx="minor"/>
+    </dgm:style>
+  </dgm:styleLbl>
+  <dgm:styleLbl name="bgImgPlace1">
+    <dgm:scene3d>
+      <a:camera prst="orthographicFront"/>
+      <a:lightRig rig="threePt" dir="t"/>
+    </dgm:scene3d>
+    <dgm:sp3d/>
+    <dgm:txPr/>
+    <dgm:style>
+      <a:lnRef idx="1">
+        <a:scrgbClr r="0" g="0" b="0"/>
+      </a:lnRef>
+      <a:fillRef idx="1">
+        <a:scrgbClr r="0" g="0" b="0"/>
+      </a:fillRef>
+      <a:effectRef idx="1">
+        <a:scrgbClr r="0" g="0" b="0"/>
+      </a:effectRef>
+      <a:fontRef idx="minor"/>
+    </dgm:style>
+  </dgm:styleLbl>
+  <dgm:styleLbl name="sibTrans2D1">
+    <dgm:scene3d>
+      <a:camera prst="orthographicFront"/>
+      <a:lightRig rig="threePt" dir="t"/>
+    </dgm:scene3d>
+    <dgm:sp3d/>
+    <dgm:txPr/>
+    <dgm:style>
+      <a:lnRef idx="0">
+        <a:scrgbClr r="0" g="0" b="0"/>
+      </a:lnRef>
+      <a:fillRef idx="2">
+        <a:scrgbClr r="0" g="0" b="0"/>
+      </a:fillRef>
+      <a:effectRef idx="1">
+        <a:scrgbClr r="0" g="0" b="0"/>
+      </a:effectRef>
+      <a:fontRef idx="minor">
+        <a:schemeClr val="dk1"/>
+      </a:fontRef>
+    </dgm:style>
+  </dgm:styleLbl>
+  <dgm:styleLbl name="fgSibTrans2D1">
+    <dgm:scene3d>
+      <a:camera prst="orthographicFront"/>
+      <a:lightRig rig="threePt" dir="t"/>
+    </dgm:scene3d>
+    <dgm:sp3d/>
+    <dgm:txPr/>
+    <dgm:style>
+      <a:lnRef idx="0">
+        <a:scrgbClr r="0" g="0" b="0"/>
+      </a:lnRef>
+      <a:fillRef idx="2">
+        <a:scrgbClr r="0" g="0" b="0"/>
+      </a:fillRef>
+      <a:effectRef idx="1">
+        <a:scrgbClr r="0" g="0" b="0"/>
+      </a:effectRef>
+      <a:fontRef idx="minor">
+        <a:schemeClr val="dk1"/>
+      </a:fontRef>
+    </dgm:style>
+  </dgm:styleLbl>
+  <dgm:styleLbl name="bgSibTrans2D1">
+    <dgm:scene3d>
+      <a:camera prst="orthographicFront"/>
+      <a:lightRig rig="threePt" dir="t"/>
+    </dgm:scene3d>
+    <dgm:sp3d/>
+    <dgm:txPr/>
+    <dgm:style>
+      <a:lnRef idx="0">
+        <a:scrgbClr r="0" g="0" b="0"/>
+      </a:lnRef>
+      <a:fillRef idx="2">
+        <a:scrgbClr r="0" g="0" b="0"/>
+      </a:fillRef>
+      <a:effectRef idx="1">
+        <a:scrgbClr r="0" g="0" b="0"/>
+      </a:effectRef>
+      <a:fontRef idx="minor">
+        <a:schemeClr val="dk1"/>
+      </a:fontRef>
+    </dgm:style>
+  </dgm:styleLbl>
+  <dgm:styleLbl name="sibTrans1D1">
+    <dgm:scene3d>
+      <a:camera prst="orthographicFront"/>
+      <a:lightRig rig="threePt" dir="t"/>
+    </dgm:scene3d>
+    <dgm:sp3d/>
+    <dgm:txPr/>
+    <dgm:style>
+      <a:lnRef idx="1">
+        <a:scrgbClr r="0" g="0" b="0"/>
+      </a:lnRef>
+      <a:fillRef idx="0">
+        <a:scrgbClr r="0" g="0" b="0"/>
+      </a:fillRef>
+      <a:effectRef idx="0">
+        <a:scrgbClr r="0" g="0" b="0"/>
+      </a:effectRef>
+      <a:fontRef idx="minor"/>
+    </dgm:style>
+  </dgm:styleLbl>
+  <dgm:styleLbl name="callout">
+    <dgm:scene3d>
+      <a:camera prst="orthographicFront"/>
+      <a:lightRig rig="threePt" dir="t"/>
+    </dgm:scene3d>
+    <dgm:sp3d/>
+    <dgm:txPr/>
+    <dgm:style>
+      <a:lnRef idx="1">
+        <a:scrgbClr r="0" g="0" b="0"/>
+      </a:lnRef>
+      <a:fillRef idx="2">
+        <a:scrgbClr r="0" g="0" b="0"/>
+      </a:fillRef>
+      <a:effectRef idx="1">
+        <a:scrgbClr r="0" g="0" b="0"/>
+      </a:effectRef>
+      <a:fontRef idx="minor"/>
+    </dgm:style>
+  </dgm:styleLbl>
+  <dgm:styleLbl name="asst0">
+    <dgm:scene3d>
+      <a:camera prst="orthographicFront"/>
+      <a:lightRig rig="flat" dir="t"/>
+    </dgm:scene3d>
+    <dgm:sp3d prstMaterial="dkEdge">
+      <a:bevelT w="8200" h="38100"/>
+    </dgm:sp3d>
+    <dgm:txPr/>
+    <dgm:style>
+      <a:lnRef idx="0">
+        <a:scrgbClr r="0" g="0" b="0"/>
+      </a:lnRef>
+      <a:fillRef idx="2">
+        <a:scrgbClr r="0" g="0" b="0"/>
+      </a:fillRef>
+      <a:effectRef idx="1">
+        <a:scrgbClr r="0" g="0" b="0"/>
+      </a:effectRef>
+      <a:fontRef idx="minor">
+        <a:schemeClr val="dk1"/>
+      </a:fontRef>
+    </dgm:style>
+  </dgm:styleLbl>
+  <dgm:styleLbl name="asst1">
+    <dgm:scene3d>
+      <a:camera prst="orthographicFront"/>
+      <a:lightRig rig="flat" dir="t"/>
+    </dgm:scene3d>
+    <dgm:sp3d prstMaterial="dkEdge">
+      <a:bevelT w="8200" h="38100"/>
+    </dgm:sp3d>
+    <dgm:txPr/>
+    <dgm:style>
+      <a:lnRef idx="0">
+        <a:scrgbClr r="0" g="0" b="0"/>
+      </a:lnRef>
+      <a:fillRef idx="2">
+        <a:scrgbClr r="0" g="0" b="0"/>
+      </a:fillRef>
+      <a:effectRef idx="1">
+        <a:scrgbClr r="0" g="0" b="0"/>
+      </a:effectRef>
+      <a:fontRef idx="minor">
+        <a:schemeClr val="dk1"/>
+      </a:fontRef>
+    </dgm:style>
+  </dgm:styleLbl>
+  <dgm:styleLbl name="asst2">
+    <dgm:scene3d>
+      <a:camera prst="orthographicFront"/>
+      <a:lightRig rig="flat" dir="t"/>
+    </dgm:scene3d>
+    <dgm:sp3d prstMaterial="dkEdge">
+      <a:bevelT w="8200" h="38100"/>
+    </dgm:sp3d>
+    <dgm:txPr/>
+    <dgm:style>
+      <a:lnRef idx="0">
+        <a:scrgbClr r="0" g="0" b="0"/>
+      </a:lnRef>
+      <a:fillRef idx="2">
+        <a:scrgbClr r="0" g="0" b="0"/>
+      </a:fillRef>
+      <a:effectRef idx="1">
+        <a:scrgbClr r="0" g="0" b="0"/>
+      </a:effectRef>
+      <a:fontRef idx="minor">
+        <a:schemeClr val="dk1"/>
+      </a:fontRef>
+    </dgm:style>
+  </dgm:styleLbl>
+  <dgm:styleLbl name="asst3">
+    <dgm:scene3d>
+      <a:camera prst="orthographicFront"/>
+      <a:lightRig rig="flat" dir="t"/>
+    </dgm:scene3d>
+    <dgm:sp3d prstMaterial="dkEdge">
+      <a:bevelT w="8200" h="38100"/>
+    </dgm:sp3d>
+    <dgm:txPr/>
+    <dgm:style>
+      <a:lnRef idx="0">
+        <a:scrgbClr r="0" g="0" b="0"/>
+      </a:lnRef>
+      <a:fillRef idx="2">
+        <a:scrgbClr r="0" g="0" b="0"/>
+      </a:fillRef>
+      <a:effectRef idx="1">
+        <a:scrgbClr r="0" g="0" b="0"/>
+      </a:effectRef>
+      <a:fontRef idx="minor">
+        <a:schemeClr val="dk1"/>
+      </a:fontRef>
+    </dgm:style>
+  </dgm:styleLbl>
+  <dgm:styleLbl name="asst4">
+    <dgm:scene3d>
+      <a:camera prst="orthographicFront"/>
+      <a:lightRig rig="flat" dir="t"/>
+    </dgm:scene3d>
+    <dgm:sp3d prstMaterial="dkEdge">
+      <a:bevelT w="8200" h="38100"/>
+    </dgm:sp3d>
+    <dgm:txPr/>
+    <dgm:style>
+      <a:lnRef idx="0">
+        <a:scrgbClr r="0" g="0" b="0"/>
+      </a:lnRef>
+      <a:fillRef idx="2">
+        <a:scrgbClr r="0" g="0" b="0"/>
+      </a:fillRef>
+      <a:effectRef idx="1">
+        <a:scrgbClr r="0" g="0" b="0"/>
+      </a:effectRef>
+      <a:fontRef idx="minor">
+        <a:schemeClr val="dk1"/>
+      </a:fontRef>
+    </dgm:style>
+  </dgm:styleLbl>
+  <dgm:styleLbl name="parChTrans2D1">
+    <dgm:scene3d>
+      <a:camera prst="orthographicFront"/>
+      <a:lightRig rig="threePt" dir="t"/>
+    </dgm:scene3d>
+    <dgm:sp3d/>
+    <dgm:txPr/>
+    <dgm:style>
+      <a:lnRef idx="1">
+        <a:scrgbClr r="0" g="0" b="0"/>
+      </a:lnRef>
+      <a:fillRef idx="2">
+        <a:scrgbClr r="0" g="0" b="0"/>
+      </a:fillRef>
+      <a:effectRef idx="1">
+        <a:scrgbClr r="0" g="0" b="0"/>
+      </a:effectRef>
+      <a:fontRef idx="minor">
+        <a:schemeClr val="dk1"/>
+      </a:fontRef>
+    </dgm:style>
+  </dgm:styleLbl>
+  <dgm:styleLbl name="parChTrans2D2">
+    <dgm:scene3d>
+      <a:camera prst="orthographicFront"/>
+      <a:lightRig rig="threePt" dir="t"/>
+    </dgm:scene3d>
+    <dgm:sp3d/>
+    <dgm:txPr/>
+    <dgm:style>
+      <a:lnRef idx="1">
+        <a:scrgbClr r="0" g="0" b="0"/>
+      </a:lnRef>
+      <a:fillRef idx="2">
+        <a:scrgbClr r="0" g="0" b="0"/>
+      </a:fillRef>
+      <a:effectRef idx="1">
+        <a:scrgbClr r="0" g="0" b="0"/>
+      </a:effectRef>
+      <a:fontRef idx="minor">
+        <a:schemeClr val="dk1"/>
+      </a:fontRef>
+    </dgm:style>
+  </dgm:styleLbl>
+  <dgm:styleLbl name="parChTrans2D3">
+    <dgm:scene3d>
+      <a:camera prst="orthographicFront"/>
+      <a:lightRig rig="threePt" dir="t"/>
+    </dgm:scene3d>
+    <dgm:sp3d/>
+    <dgm:txPr/>
+    <dgm:style>
+      <a:lnRef idx="1">
+        <a:scrgbClr r="0" g="0" b="0"/>
+      </a:lnRef>
+      <a:fillRef idx="2">
+        <a:scrgbClr r="0" g="0" b="0"/>
+      </a:fillRef>
+      <a:effectRef idx="1">
+        <a:scrgbClr r="0" g="0" b="0"/>
+      </a:effectRef>
+      <a:fontRef idx="minor">
+        <a:schemeClr val="dk1"/>
+      </a:fontRef>
+    </dgm:style>
+  </dgm:styleLbl>
+  <dgm:styleLbl name="parChTrans2D4">
+    <dgm:scene3d>
+      <a:camera prst="orthographicFront"/>
+      <a:lightRig rig="threePt" dir="t"/>
+    </dgm:scene3d>
+    <dgm:sp3d/>
+    <dgm:txPr/>
+    <dgm:style>
+      <a:lnRef idx="1">
+        <a:scrgbClr r="0" g="0" b="0"/>
+      </a:lnRef>
+      <a:fillRef idx="2">
+        <a:scrgbClr r="0" g="0" b="0"/>
+      </a:fillRef>
+      <a:effectRef idx="1">
+        <a:scrgbClr r="0" g="0" b="0"/>
+      </a:effectRef>
+      <a:fontRef idx="minor">
+        <a:schemeClr val="dk1"/>
+      </a:fontRef>
+    </dgm:style>
+  </dgm:styleLbl>
+  <dgm:styleLbl name="parChTrans1D1">
+    <dgm:scene3d>
+      <a:camera prst="orthographicFront"/>
+      <a:lightRig rig="threePt" dir="t"/>
+    </dgm:scene3d>
+    <dgm:sp3d/>
+    <dgm:txPr/>
+    <dgm:style>
+      <a:lnRef idx="2">
+        <a:scrgbClr r="0" g="0" b="0"/>
+      </a:lnRef>
+      <a:fillRef idx="0">
+        <a:scrgbClr r="0" g="0" b="0"/>
+      </a:fillRef>
+      <a:effectRef idx="0">
+        <a:scrgbClr r="0" g="0" b="0"/>
+      </a:effectRef>
+      <a:fontRef idx="minor"/>
+    </dgm:style>
+  </dgm:styleLbl>
+  <dgm:styleLbl name="parChTrans1D2">
+    <dgm:scene3d>
+      <a:camera prst="orthographicFront"/>
+      <a:lightRig rig="threePt" dir="t"/>
+    </dgm:scene3d>
+    <dgm:sp3d/>
+    <dgm:txPr/>
+    <dgm:style>
+      <a:lnRef idx="2">
+        <a:scrgbClr r="0" g="0" b="0"/>
+      </a:lnRef>
+      <a:fillRef idx="0">
+        <a:scrgbClr r="0" g="0" b="0"/>
+      </a:fillRef>
+      <a:effectRef idx="0">
+        <a:scrgbClr r="0" g="0" b="0"/>
+      </a:effectRef>
+      <a:fontRef idx="minor"/>
+    </dgm:style>
+  </dgm:styleLbl>
+  <dgm:styleLbl name="parChTrans1D3">
+    <dgm:scene3d>
+      <a:camera prst="orthographicFront"/>
+      <a:lightRig rig="threePt" dir="t"/>
+    </dgm:scene3d>
+    <dgm:sp3d/>
+    <dgm:txPr/>
+    <dgm:style>
+      <a:lnRef idx="2">
+        <a:scrgbClr r="0" g="0" b="0"/>
+      </a:lnRef>
+      <a:fillRef idx="0">
+        <a:scrgbClr r="0" g="0" b="0"/>
+      </a:fillRef>
+      <a:effectRef idx="0">
+        <a:scrgbClr r="0" g="0" b="0"/>
+      </a:effectRef>
+      <a:fontRef idx="minor"/>
+    </dgm:style>
+  </dgm:styleLbl>
+  <dgm:styleLbl name="parChTrans1D4">
+    <dgm:scene3d>
+      <a:camera prst="orthographicFront"/>
+      <a:lightRig rig="threePt" dir="t"/>
+    </dgm:scene3d>
+    <dgm:sp3d/>
+    <dgm:txPr/>
+    <dgm:style>
+      <a:lnRef idx="2">
+        <a:scrgbClr r="0" g="0" b="0"/>
+      </a:lnRef>
+      <a:fillRef idx="0">
+        <a:scrgbClr r="0" g="0" b="0"/>
+      </a:fillRef>
+      <a:effectRef idx="0">
+        <a:scrgbClr r="0" g="0" b="0"/>
+      </a:effectRef>
+      <a:fontRef idx="minor"/>
+    </dgm:style>
+  </dgm:styleLbl>
+  <dgm:styleLbl name="fgAcc1">
+    <dgm:scene3d>
+      <a:camera prst="orthographicFront"/>
+      <a:lightRig rig="threePt" dir="t"/>
+    </dgm:scene3d>
+    <dgm:sp3d/>
+    <dgm:txPr/>
+    <dgm:style>
+      <a:lnRef idx="1">
+        <a:scrgbClr r="0" g="0" b="0"/>
+      </a:lnRef>
+      <a:fillRef idx="1">
+        <a:scrgbClr r="0" g="0" b="0"/>
+      </a:fillRef>
+      <a:effectRef idx="0">
+        <a:scrgbClr r="0" g="0" b="0"/>
+      </a:effectRef>
+      <a:fontRef idx="minor"/>
+    </dgm:style>
+  </dgm:styleLbl>
+  <dgm:styleLbl name="conFgAcc1">
+    <dgm:scene3d>
+      <a:camera prst="orthographicFront"/>
+      <a:lightRig rig="threePt" dir="t"/>
+    </dgm:scene3d>
+    <dgm:sp3d/>
+    <dgm:txPr/>
+    <dgm:style>
+      <a:lnRef idx="1">
+        <a:scrgbClr r="0" g="0" b="0"/>
+      </a:lnRef>
+      <a:fillRef idx="1">
+        <a:scrgbClr r="0" g="0" b="0"/>
+      </a:fillRef>
+      <a:effectRef idx="0">
+        <a:scrgbClr r="0" g="0" b="0"/>
+      </a:effectRef>
+      <a:fontRef idx="minor"/>
+    </dgm:style>
+  </dgm:styleLbl>
+  <dgm:styleLbl name="alignAcc1">
+    <dgm:scene3d>
+      <a:camera prst="orthographicFront"/>
+      <a:lightRig rig="threePt" dir="t"/>
+    </dgm:scene3d>
+    <dgm:sp3d/>
+    <dgm:txPr/>
+    <dgm:style>
+      <a:lnRef idx="1">
+        <a:scrgbClr r="0" g="0" b="0"/>
+      </a:lnRef>
+      <a:fillRef idx="1">
+        <a:scrgbClr r="0" g="0" b="0"/>
+      </a:fillRef>
+      <a:effectRef idx="0">
+        <a:scrgbClr r="0" g="0" b="0"/>
+      </a:effectRef>
+      <a:fontRef idx="minor"/>
+    </dgm:style>
+  </dgm:styleLbl>
+  <dgm:styleLbl name="trAlignAcc1">
+    <dgm:scene3d>
+      <a:camera prst="orthographicFront"/>
+      <a:lightRig rig="threePt" dir="t"/>
+    </dgm:scene3d>
+    <dgm:sp3d/>
+    <dgm:txPr/>
+    <dgm:style>
+      <a:lnRef idx="1">
+        <a:scrgbClr r="0" g="0" b="0"/>
+      </a:lnRef>
+      <a:fillRef idx="1">
+        <a:scrgbClr r="0" g="0" b="0"/>
+      </a:fillRef>
+      <a:effectRef idx="0">
+        <a:scrgbClr r="0" g="0" b="0"/>
+      </a:effectRef>
+      <a:fontRef idx="minor"/>
+    </dgm:style>
+  </dgm:styleLbl>
+  <dgm:styleLbl name="bgAcc1">
+    <dgm:scene3d>
+      <a:camera prst="orthographicFront"/>
+      <a:lightRig rig="threePt" dir="t"/>
+    </dgm:scene3d>
+    <dgm:sp3d/>
+    <dgm:txPr/>
+    <dgm:style>
+      <a:lnRef idx="1">
+        <a:scrgbClr r="0" g="0" b="0"/>
+      </a:lnRef>
+      <a:fillRef idx="1">
+        <a:scrgbClr r="0" g="0" b="0"/>
+      </a:fillRef>
+      <a:effectRef idx="0">
+        <a:scrgbClr r="0" g="0" b="0"/>
+      </a:effectRef>
+      <a:fontRef idx="minor"/>
+    </dgm:style>
+  </dgm:styleLbl>
+  <dgm:styleLbl name="solidFgAcc1">
+    <dgm:scene3d>
+      <a:camera prst="orthographicFront"/>
+      <a:lightRig rig="threePt" dir="t"/>
+    </dgm:scene3d>
+    <dgm:sp3d/>
+    <dgm:txPr/>
+    <dgm:style>
+      <a:lnRef idx="1">
+        <a:scrgbClr r="0" g="0" b="0"/>
+      </a:lnRef>
+      <a:fillRef idx="2">
+        <a:scrgbClr r="0" g="0" b="0"/>
+      </a:fillRef>
+      <a:effectRef idx="0">
+        <a:scrgbClr r="0" g="0" b="0"/>
+      </a:effectRef>
+      <a:fontRef idx="minor"/>
+    </dgm:style>
+  </dgm:styleLbl>
+  <dgm:styleLbl name="solidAlignAcc1">
+    <dgm:scene3d>
+      <a:camera prst="orthographicFront"/>
+      <a:lightRig rig="threePt" dir="t"/>
+    </dgm:scene3d>
+    <dgm:sp3d/>
+    <dgm:txPr/>
+    <dgm:style>
+      <a:lnRef idx="1">
+        <a:scrgbClr r="0" g="0" b="0"/>
+      </a:lnRef>
+      <a:fillRef idx="1">
+        <a:scrgbClr r="0" g="0" b="0"/>
+      </a:fillRef>
+      <a:effectRef idx="0">
+        <a:scrgbClr r="0" g="0" b="0"/>
+      </a:effectRef>
+      <a:fontRef idx="minor"/>
+    </dgm:style>
+  </dgm:styleLbl>
+  <dgm:styleLbl name="solidBgAcc1">
+    <dgm:scene3d>
+      <a:camera prst="orthographicFront"/>
+      <a:lightRig rig="threePt" dir="t"/>
+    </dgm:scene3d>
+    <dgm:sp3d/>
+    <dgm:txPr/>
+    <dgm:style>
+      <a:lnRef idx="1">
+        <a:scrgbClr r="0" g="0" b="0"/>
+      </a:lnRef>
+      <a:fillRef idx="1">
+        <a:scrgbClr r="0" g="0" b="0"/>
+      </a:fillRef>
+      <a:effectRef idx="0">
+        <a:scrgbClr r="0" g="0" b="0"/>
+      </a:effectRef>
+      <a:fontRef idx="minor"/>
+    </dgm:style>
+  </dgm:styleLbl>
+  <dgm:styleLbl name="fgAccFollowNode1">
+    <dgm:scene3d>
+      <a:camera prst="orthographicFront"/>
+      <a:lightRig rig="threePt" dir="t"/>
+    </dgm:scene3d>
+    <dgm:sp3d/>
+    <dgm:txPr/>
+    <dgm:style>
+      <a:lnRef idx="1">
+        <a:scrgbClr r="0" g="0" b="0"/>
+      </a:lnRef>
+      <a:fillRef idx="1">
+        <a:scrgbClr r="0" g="0" b="0"/>
+      </a:fillRef>
+      <a:effectRef idx="0">
+        <a:scrgbClr r="0" g="0" b="0"/>
+      </a:effectRef>
+      <a:fontRef idx="minor"/>
+    </dgm:style>
+  </dgm:styleLbl>
+  <dgm:styleLbl name="alignAccFollowNode1">
+    <dgm:scene3d>
+      <a:camera prst="orthographicFront"/>
+      <a:lightRig rig="threePt" dir="t"/>
+    </dgm:scene3d>
+    <dgm:sp3d/>
+    <dgm:txPr/>
+    <dgm:style>
+      <a:lnRef idx="1">
+        <a:scrgbClr r="0" g="0" b="0"/>
+      </a:lnRef>
+      <a:fillRef idx="1">
+        <a:scrgbClr r="0" g="0" b="0"/>
+      </a:fillRef>
+      <a:effectRef idx="0">
+        <a:scrgbClr r="0" g="0" b="0"/>
+      </a:effectRef>
+      <a:fontRef idx="minor"/>
+    </dgm:style>
+  </dgm:styleLbl>
+  <dgm:styleLbl name="bgAccFollowNode1">
+    <dgm:scene3d>
+      <a:camera prst="orthographicFront"/>
+      <a:lightRig rig="threePt" dir="t"/>
+    </dgm:scene3d>
+    <dgm:sp3d/>
+    <dgm:txPr/>
+    <dgm:style>
+      <a:lnRef idx="1">
+        <a:scrgbClr r="0" g="0" b="0"/>
+      </a:lnRef>
+      <a:fillRef idx="1">
+        <a:scrgbClr r="0" g="0" b="0"/>
+      </a:fillRef>
+      <a:effectRef idx="0">
+        <a:scrgbClr r="0" g="0" b="0"/>
+      </a:effectRef>
+      <a:fontRef idx="minor"/>
+    </dgm:style>
+  </dgm:styleLbl>
+  <dgm:styleLbl name="fgAcc0">
+    <dgm:scene3d>
+      <a:camera prst="orthographicFront"/>
+      <a:lightRig rig="threePt" dir="t"/>
+    </dgm:scene3d>
+    <dgm:sp3d/>
+    <dgm:txPr/>
+    <dgm:style>
+      <a:lnRef idx="1">
+        <a:scrgbClr r="0" g="0" b="0"/>
+      </a:lnRef>
+      <a:fillRef idx="1">
+        <a:scrgbClr r="0" g="0" b="0"/>
+      </a:fillRef>
+      <a:effectRef idx="0">
+        <a:scrgbClr r="0" g="0" b="0"/>
+      </a:effectRef>
+      <a:fontRef idx="minor"/>
+    </dgm:style>
+  </dgm:styleLbl>
+  <dgm:styleLbl name="fgAcc2">
+    <dgm:scene3d>
+      <a:camera prst="orthographicFront"/>
+      <a:lightRig rig="threePt" dir="t"/>
+    </dgm:scene3d>
+    <dgm:sp3d/>
+    <dgm:txPr/>
+    <dgm:style>
+      <a:lnRef idx="1">
+        <a:scrgbClr r="0" g="0" b="0"/>
+      </a:lnRef>
+      <a:fillRef idx="1">
+        <a:scrgbClr r="0" g="0" b="0"/>
+      </a:fillRef>
+      <a:effectRef idx="0">
+        <a:scrgbClr r="0" g="0" b="0"/>
+      </a:effectRef>
+      <a:fontRef idx="minor"/>
+    </dgm:style>
+  </dgm:styleLbl>
+  <dgm:styleLbl name="fgAcc3">
+    <dgm:scene3d>
+      <a:camera prst="orthographicFront"/>
+      <a:lightRig rig="threePt" dir="t"/>
+    </dgm:scene3d>
+    <dgm:sp3d/>
+    <dgm:txPr/>
+    <dgm:style>
+      <a:lnRef idx="1">
+        <a:scrgbClr r="0" g="0" b="0"/>
+      </a:lnRef>
+      <a:fillRef idx="1">
+        <a:scrgbClr r="0" g="0" b="0"/>
+      </a:fillRef>
+      <a:effectRef idx="0">
+        <a:scrgbClr r="0" g="0" b="0"/>
+      </a:effectRef>
+      <a:fontRef idx="minor"/>
+    </dgm:style>
+  </dgm:styleLbl>
+  <dgm:styleLbl name="fgAcc4">
+    <dgm:scene3d>
+      <a:camera prst="orthographicFront"/>
+      <a:lightRig rig="threePt" dir="t"/>
+    </dgm:scene3d>
+    <dgm:sp3d/>
+    <dgm:txPr/>
+    <dgm:style>
+      <a:lnRef idx="1">
+        <a:scrgbClr r="0" g="0" b="0"/>
+      </a:lnRef>
+      <a:fillRef idx="1">
+        <a:scrgbClr r="0" g="0" b="0"/>
+      </a:fillRef>
+      <a:effectRef idx="0">
+        <a:scrgbClr r="0" g="0" b="0"/>
+      </a:effectRef>
+      <a:fontRef idx="minor"/>
+    </dgm:style>
+  </dgm:styleLbl>
+  <dgm:styleLbl name="bgShp">
+    <dgm:scene3d>
+      <a:camera prst="orthographicFront"/>
+      <a:lightRig rig="threePt" dir="t"/>
+    </dgm:scene3d>
+    <dgm:sp3d/>
+    <dgm:txPr/>
+    <dgm:style>
+      <a:lnRef idx="0">
+        <a:scrgbClr r="0" g="0" b="0"/>
+      </a:lnRef>
+      <a:fillRef idx="1">
+        <a:scrgbClr r="0" g="0" b="0"/>
+      </a:fillRef>
+      <a:effectRef idx="1">
+        <a:scrgbClr r="0" g="0" b="0"/>
+      </a:effectRef>
+      <a:fontRef idx="minor"/>
+    </dgm:style>
+  </dgm:styleLbl>
+  <dgm:styleLbl name="dkBgShp">
+    <dgm:scene3d>
+      <a:camera prst="orthographicFront"/>
+      <a:lightRig rig="threePt" dir="t"/>
+    </dgm:scene3d>
+    <dgm:sp3d/>
+    <dgm:txPr/>
+    <dgm:style>
+      <a:lnRef idx="0">
+        <a:scrgbClr r="0" g="0" b="0"/>
+      </a:lnRef>
+      <a:fillRef idx="1">
+        <a:scrgbClr r="0" g="0" b="0"/>
+      </a:fillRef>
+      <a:effectRef idx="1">
+        <a:scrgbClr r="0" g="0" b="0"/>
+      </a:effectRef>
+      <a:fontRef idx="minor"/>
+    </dgm:style>
+  </dgm:styleLbl>
+  <dgm:styleLbl name="trBgShp">
+    <dgm:scene3d>
+      <a:camera prst="orthographicFront"/>
+      <a:lightRig rig="threePt" dir="t"/>
+    </dgm:scene3d>
+    <dgm:sp3d/>
+    <dgm:txPr/>
+    <dgm:style>
+      <a:lnRef idx="0">
+        <a:scrgbClr r="0" g="0" b="0"/>
+      </a:lnRef>
+      <a:fillRef idx="1">
+        <a:scrgbClr r="0" g="0" b="0"/>
+      </a:fillRef>
+      <a:effectRef idx="0">
+        <a:scrgbClr r="0" g="0" b="0"/>
+      </a:effectRef>
+      <a:fontRef idx="minor"/>
+    </dgm:style>
+  </dgm:styleLbl>
+  <dgm:styleLbl name="fgShp">
+    <dgm:scene3d>
+      <a:camera prst="orthographicFront"/>
+      <a:lightRig rig="flat" dir="t"/>
+    </dgm:scene3d>
+    <dgm:sp3d prstMaterial="dkEdge">
+      <a:bevelT w="8200" h="38100"/>
+    </dgm:sp3d>
+    <dgm:txPr/>
+    <dgm:style>
+      <a:lnRef idx="1">
+        <a:scrgbClr r="0" g="0" b="0"/>
+      </a:lnRef>
+      <a:fillRef idx="2">
+        <a:scrgbClr r="0" g="0" b="0"/>
+      </a:fillRef>
+      <a:effectRef idx="1">
+        <a:scrgbClr r="0" g="0" b="0"/>
+      </a:effectRef>
+      <a:fontRef idx="minor"/>
+    </dgm:style>
+  </dgm:styleLbl>
+  <dgm:styleLbl name="revTx">
+    <dgm:scene3d>
+      <a:camera prst="orthographicFront"/>
+      <a:lightRig rig="threePt" dir="t"/>
+    </dgm:scene3d>
+    <dgm:sp3d/>
+    <dgm:txPr/>
+    <dgm:style>
+      <a:lnRef idx="0">
+        <a:scrgbClr r="0" g="0" b="0"/>
+      </a:lnRef>
+      <a:fillRef idx="0">
+        <a:scrgbClr r="0" g="0" b="0"/>
+      </a:fillRef>
+      <a:effectRef idx="0">
+        <a:scrgbClr r="0" g="0" b="0"/>
+      </a:effectRef>
+      <a:fontRef idx="minor"/>
+    </dgm:style>
+  </dgm:styleLbl>
+</dgm:styleDef>
+</file>
+
 <file path=ppt/notesMasters/notesMaster1.xml><?xml version="1.0" encoding="utf-8"?>
 <p:notesMaster xmlns:a="http://schemas.openxmlformats.org/drawingml/2006/main" xmlns:r="http://schemas.openxmlformats.org/officeDocument/2006/relationships" xmlns:p="http://schemas.openxmlformats.org/presentationml/2006/main">
   <p:cSld>
@@ -224,7 +3381,7 @@
           <a:p>
             <a:fld id="{38F47E4F-D071-144D-90E1-7DE722D5B9D7}" type="datetimeFigureOut">
               <a:rPr lang="en-US" smtClean="0"/>
-              <a:t>27/08/16</a:t>
+              <a:t>01/09/16</a:t>
             </a:fld>
             <a:endParaRPr lang="en-US"/>
           </a:p>
@@ -841,7 +3998,7 @@
           <a:p>
             <a:fld id="{FF687007-1232-7342-B707-C90C2F451591}" type="datetimeFigureOut">
               <a:rPr lang="en-US" smtClean="0"/>
-              <a:t>27/08/16</a:t>
+              <a:t>01/09/16</a:t>
             </a:fld>
             <a:endParaRPr lang="en-US"/>
           </a:p>
@@ -1011,7 +4168,7 @@
           <a:p>
             <a:fld id="{FF687007-1232-7342-B707-C90C2F451591}" type="datetimeFigureOut">
               <a:rPr lang="en-US" smtClean="0"/>
-              <a:t>27/08/16</a:t>
+              <a:t>01/09/16</a:t>
             </a:fld>
             <a:endParaRPr lang="en-US"/>
           </a:p>
@@ -1191,7 +4348,7 @@
           <a:p>
             <a:fld id="{FF687007-1232-7342-B707-C90C2F451591}" type="datetimeFigureOut">
               <a:rPr lang="en-US" smtClean="0"/>
-              <a:t>27/08/16</a:t>
+              <a:t>01/09/16</a:t>
             </a:fld>
             <a:endParaRPr lang="en-US"/>
           </a:p>
@@ -1361,7 +4518,7 @@
           <a:p>
             <a:fld id="{FF687007-1232-7342-B707-C90C2F451591}" type="datetimeFigureOut">
               <a:rPr lang="en-US" smtClean="0"/>
-              <a:t>27/08/16</a:t>
+              <a:t>01/09/16</a:t>
             </a:fld>
             <a:endParaRPr lang="en-US"/>
           </a:p>
@@ -1607,7 +4764,7 @@
           <a:p>
             <a:fld id="{FF687007-1232-7342-B707-C90C2F451591}" type="datetimeFigureOut">
               <a:rPr lang="en-US" smtClean="0"/>
-              <a:t>27/08/16</a:t>
+              <a:t>01/09/16</a:t>
             </a:fld>
             <a:endParaRPr lang="en-US"/>
           </a:p>
@@ -1895,7 +5052,7 @@
           <a:p>
             <a:fld id="{FF687007-1232-7342-B707-C90C2F451591}" type="datetimeFigureOut">
               <a:rPr lang="en-US" smtClean="0"/>
-              <a:t>27/08/16</a:t>
+              <a:t>01/09/16</a:t>
             </a:fld>
             <a:endParaRPr lang="en-US"/>
           </a:p>
@@ -2317,7 +5474,7 @@
           <a:p>
             <a:fld id="{FF687007-1232-7342-B707-C90C2F451591}" type="datetimeFigureOut">
               <a:rPr lang="en-US" smtClean="0"/>
-              <a:t>27/08/16</a:t>
+              <a:t>01/09/16</a:t>
             </a:fld>
             <a:endParaRPr lang="en-US"/>
           </a:p>
@@ -2435,7 +5592,7 @@
           <a:p>
             <a:fld id="{FF687007-1232-7342-B707-C90C2F451591}" type="datetimeFigureOut">
               <a:rPr lang="en-US" smtClean="0"/>
-              <a:t>27/08/16</a:t>
+              <a:t>01/09/16</a:t>
             </a:fld>
             <a:endParaRPr lang="en-US"/>
           </a:p>
@@ -2530,7 +5687,7 @@
           <a:p>
             <a:fld id="{FF687007-1232-7342-B707-C90C2F451591}" type="datetimeFigureOut">
               <a:rPr lang="en-US" smtClean="0"/>
-              <a:t>27/08/16</a:t>
+              <a:t>01/09/16</a:t>
             </a:fld>
             <a:endParaRPr lang="en-US"/>
           </a:p>
@@ -2807,7 +5964,7 @@
           <a:p>
             <a:fld id="{FF687007-1232-7342-B707-C90C2F451591}" type="datetimeFigureOut">
               <a:rPr lang="en-US" smtClean="0"/>
-              <a:t>27/08/16</a:t>
+              <a:t>01/09/16</a:t>
             </a:fld>
             <a:endParaRPr lang="en-US"/>
           </a:p>
@@ -3060,7 +6217,7 @@
           <a:p>
             <a:fld id="{FF687007-1232-7342-B707-C90C2F451591}" type="datetimeFigureOut">
               <a:rPr lang="en-US" smtClean="0"/>
-              <a:t>27/08/16</a:t>
+              <a:t>01/09/16</a:t>
             </a:fld>
             <a:endParaRPr lang="en-US"/>
           </a:p>
@@ -3273,7 +6430,7 @@
           <a:p>
             <a:fld id="{FF687007-1232-7342-B707-C90C2F451591}" type="datetimeFigureOut">
               <a:rPr lang="en-US" smtClean="0"/>
-              <a:t>27/08/16</a:t>
+              <a:t>01/09/16</a:t>
             </a:fld>
             <a:endParaRPr lang="en-US"/>
           </a:p>
@@ -4381,7 +7538,7 @@
           <a:graphicData uri="http://schemas.openxmlformats.org/presentationml/2006/ole">
             <mc:AlternateContent xmlns:mc="http://schemas.openxmlformats.org/markup-compatibility/2006">
               <mc:Choice xmlns:v="urn:schemas-microsoft-com:vml" Requires="v">
-                <p:oleObj spid="_x0000_s1201" name="Equation" r:id="rId3" imgW="3771900" imgH="203200" progId="Equation.3">
+                <p:oleObj spid="_x0000_s1205" name="Equation" r:id="rId3" imgW="3771900" imgH="203200" progId="Equation.3">
                   <p:embed/>
                 </p:oleObj>
               </mc:Choice>
@@ -39632,7 +42789,7 @@
           <a:graphicData uri="http://schemas.openxmlformats.org/presentationml/2006/ole">
             <mc:AlternateContent xmlns:mc="http://schemas.openxmlformats.org/markup-compatibility/2006">
               <mc:Choice xmlns:v="urn:schemas-microsoft-com:vml" Requires="v">
-                <p:oleObj spid="_x0000_s2086" name="Document" r:id="rId3" imgW="5803900" imgH="4495800" progId="Word.Document.12">
+                <p:oleObj spid="_x0000_s2090" name="Document" r:id="rId3" imgW="5803900" imgH="4495800" progId="Word.Document.12">
                   <p:embed/>
                 </p:oleObj>
               </mc:Choice>
@@ -40868,11 +44025,7 @@
               </a:pPr>
               <a:r>
                 <a:rPr lang="en-US" sz="900" dirty="0" smtClean="0"/>
-                <a:t>Registering your car</a:t>
-              </a:r>
-              <a:r>
-                <a:rPr lang="en-US" sz="900" dirty="0" smtClean="0"/>
-                <a:t>’s license plate online (C2G) </a:t>
+                <a:t>Registering your car’s license plate online (C2G) </a:t>
               </a:r>
             </a:p>
             <a:p>
@@ -40913,6 +44066,58 @@
     <p:extLst>
       <p:ext uri="{BB962C8B-B14F-4D97-AF65-F5344CB8AC3E}">
         <p14:creationId xmlns:p14="http://schemas.microsoft.com/office/powerpoint/2010/main" val="1716681010"/>
+      </p:ext>
+    </p:extLst>
+  </p:cSld>
+  <p:clrMapOvr>
+    <a:masterClrMapping/>
+  </p:clrMapOvr>
+</p:sld>
+</file>
+
+<file path=ppt/slides/slide34.xml><?xml version="1.0" encoding="utf-8"?>
+<p:sld xmlns:a="http://schemas.openxmlformats.org/drawingml/2006/main" xmlns:r="http://schemas.openxmlformats.org/officeDocument/2006/relationships" xmlns:p="http://schemas.openxmlformats.org/presentationml/2006/main">
+  <p:cSld>
+    <p:spTree>
+      <p:nvGrpSpPr>
+        <p:cNvPr id="1" name=""/>
+        <p:cNvGrpSpPr/>
+        <p:nvPr/>
+      </p:nvGrpSpPr>
+      <p:grpSpPr>
+        <a:xfrm>
+          <a:off x="0" y="0"/>
+          <a:ext cx="0" cy="0"/>
+          <a:chOff x="0" y="0"/>
+          <a:chExt cx="0" cy="0"/>
+        </a:xfrm>
+      </p:grpSpPr>
+      <p:graphicFrame>
+        <p:nvGraphicFramePr>
+          <p:cNvPr id="4" name="Diagram 3"/>
+          <p:cNvGraphicFramePr/>
+          <p:nvPr>
+            <p:extLst>
+              <p:ext uri="{D42A27DB-BD31-4B8C-83A1-F6EECF244321}">
+                <p14:modId xmlns:p14="http://schemas.microsoft.com/office/powerpoint/2010/main" val="4036972695"/>
+              </p:ext>
+            </p:extLst>
+          </p:nvPr>
+        </p:nvGraphicFramePr>
+        <p:xfrm>
+          <a:off x="1524000" y="1397000"/>
+          <a:ext cx="6096000" cy="4064000"/>
+        </p:xfrm>
+        <a:graphic>
+          <a:graphicData uri="http://schemas.openxmlformats.org/drawingml/2006/diagram">
+            <dgm:relIds xmlns:dgm="http://schemas.openxmlformats.org/drawingml/2006/diagram" xmlns:r="http://schemas.openxmlformats.org/officeDocument/2006/relationships" r:dm="rId2" r:lo="rId3" r:qs="rId4" r:cs="rId5"/>
+          </a:graphicData>
+        </a:graphic>
+      </p:graphicFrame>
+    </p:spTree>
+    <p:extLst>
+      <p:ext uri="{BB962C8B-B14F-4D97-AF65-F5344CB8AC3E}">
+        <p14:creationId xmlns:p14="http://schemas.microsoft.com/office/powerpoint/2010/main" val="2387257689"/>
       </p:ext>
     </p:extLst>
   </p:cSld>

--- a/model.pptx
+++ b/model.pptx
@@ -5,7 +5,7 @@
     <p:sldMasterId id="2147483648" r:id="rId1"/>
   </p:sldMasterIdLst>
   <p:notesMasterIdLst>
-    <p:notesMasterId r:id="rId36"/>
+    <p:notesMasterId r:id="rId37"/>
   </p:notesMasterIdLst>
   <p:sldIdLst>
     <p:sldId id="262" r:id="rId2"/>
@@ -42,6 +42,7 @@
     <p:sldId id="286" r:id="rId33"/>
     <p:sldId id="294" r:id="rId34"/>
     <p:sldId id="295" r:id="rId35"/>
+    <p:sldId id="296" r:id="rId36"/>
   </p:sldIdLst>
   <p:sldSz cx="9144000" cy="6858000" type="screen4x3"/>
   <p:notesSz cx="6858000" cy="9144000"/>
@@ -912,10 +913,10 @@
         <a:lstStyle/>
         <a:p>
           <a:r>
-            <a:rPr lang="en-US" sz="1600" dirty="0" smtClean="0"/>
-            <a:t>Advertisement</a:t>
+            <a:rPr lang="en-US" sz="1200" dirty="0" smtClean="0"/>
+            <a:t>Advertisement (1)</a:t>
           </a:r>
-          <a:endParaRPr lang="en-US" sz="1600" dirty="0"/>
+          <a:endParaRPr lang="en-US" sz="1200" dirty="0"/>
         </a:p>
       </dgm:t>
     </dgm:pt>
@@ -949,10 +950,16 @@
         <a:lstStyle/>
         <a:p>
           <a:r>
-            <a:rPr lang="en-US" sz="1600" dirty="0" smtClean="0"/>
+            <a:rPr lang="en-US" sz="1200" dirty="0" smtClean="0"/>
             <a:t>Discovery</a:t>
           </a:r>
-          <a:endParaRPr lang="en-US" sz="1600" dirty="0"/>
+        </a:p>
+        <a:p>
+          <a:r>
+            <a:rPr lang="en-US" sz="1200" dirty="0" smtClean="0"/>
+            <a:t>(2)</a:t>
+          </a:r>
+          <a:endParaRPr lang="en-US" sz="1200" dirty="0"/>
         </a:p>
       </dgm:t>
     </dgm:pt>
@@ -986,10 +993,16 @@
         <a:lstStyle/>
         <a:p>
           <a:r>
-            <a:rPr lang="en-US" sz="1600" dirty="0" smtClean="0"/>
+            <a:rPr lang="en-US" sz="1200" dirty="0" smtClean="0"/>
             <a:t>Negotiation</a:t>
           </a:r>
-          <a:endParaRPr lang="en-US" sz="1600" dirty="0"/>
+        </a:p>
+        <a:p>
+          <a:r>
+            <a:rPr lang="en-US" sz="1200" dirty="0" smtClean="0"/>
+            <a:t>(3)</a:t>
+          </a:r>
+          <a:endParaRPr lang="en-US" sz="1200" dirty="0"/>
         </a:p>
       </dgm:t>
     </dgm:pt>
@@ -1023,10 +1036,20 @@
         <a:lstStyle/>
         <a:p>
           <a:r>
-            <a:rPr lang="en-US" sz="1600" dirty="0" smtClean="0"/>
-            <a:t>Monitoring &amp; Utilization</a:t>
+            <a:rPr lang="en-US" sz="1200" dirty="0" smtClean="0"/>
+            <a:t>Monitoring &amp; </a:t>
           </a:r>
-          <a:endParaRPr lang="en-US" sz="1600" dirty="0"/>
+          <a:r>
+            <a:rPr lang="en-US" sz="1200" dirty="0" smtClean="0"/>
+            <a:t>Utilization</a:t>
+          </a:r>
+        </a:p>
+        <a:p>
+          <a:r>
+            <a:rPr lang="en-US" sz="1200" dirty="0" smtClean="0"/>
+            <a:t>(4)</a:t>
+          </a:r>
+          <a:endParaRPr lang="en-US" sz="1200" dirty="0"/>
         </a:p>
       </dgm:t>
     </dgm:pt>
@@ -1060,10 +1083,16 @@
         <a:lstStyle/>
         <a:p>
           <a:r>
-            <a:rPr lang="en-US" sz="1600" smtClean="0"/>
+            <a:rPr lang="en-US" sz="1200" dirty="0" smtClean="0"/>
             <a:t>Adaptation</a:t>
           </a:r>
-          <a:endParaRPr lang="en-US" sz="1600"/>
+        </a:p>
+        <a:p>
+          <a:r>
+            <a:rPr lang="en-US" sz="1200" dirty="0" smtClean="0"/>
+            <a:t>(5)</a:t>
+          </a:r>
+          <a:endParaRPr lang="en-US" sz="1200" dirty="0"/>
         </a:p>
       </dgm:t>
     </dgm:pt>
@@ -1166,7 +1195,7 @@
       </dgm:t>
     </dgm:pt>
     <dgm:pt modelId="{C601974B-E904-AD4B-8EB2-5D8184181159}" type="pres">
-      <dgm:prSet presAssocID="{C8E404C7-6860-8F4E-A2FA-E3A565E859A3}" presName="nodeFollowingNodes" presStyleLbl="node1" presStyleIdx="3" presStyleCnt="5" custScaleX="81883" custScaleY="80014" custRadScaleRad="101148" custRadScaleInc="24589">
+      <dgm:prSet presAssocID="{C8E404C7-6860-8F4E-A2FA-E3A565E859A3}" presName="nodeFollowingNodes" presStyleLbl="node1" presStyleIdx="3" presStyleCnt="5" custScaleX="81883" custScaleY="112180" custRadScaleRad="101148" custRadScaleInc="24589">
         <dgm:presLayoutVars>
           <dgm:bulletEnabled val="1"/>
         </dgm:presLayoutVars>
@@ -1242,15 +1271,15 @@
       </dsp:nvSpPr>
       <dsp:spPr>
         <a:xfrm>
-          <a:off x="1020730" y="68579"/>
-          <a:ext cx="4054539" cy="4054539"/>
+          <a:off x="373728" y="-7170"/>
+          <a:ext cx="2971361" cy="2971361"/>
         </a:xfrm>
         <a:prstGeom prst="circularArrow">
           <a:avLst>
             <a:gd name="adj1" fmla="val 5544"/>
             <a:gd name="adj2" fmla="val 330680"/>
-            <a:gd name="adj3" fmla="val 14214479"/>
-            <a:gd name="adj4" fmla="val 17124446"/>
+            <a:gd name="adj3" fmla="val 14301015"/>
+            <a:gd name="adj4" fmla="val 17074001"/>
             <a:gd name="adj5" fmla="val 5757"/>
           </a:avLst>
         </a:prstGeom>
@@ -1294,8 +1323,8 @@
       </dsp:nvSpPr>
       <dsp:spPr>
         <a:xfrm>
-          <a:off x="2283906" y="94765"/>
-          <a:ext cx="1528186" cy="746652"/>
+          <a:off x="1327114" y="12937"/>
+          <a:ext cx="1064588" cy="520144"/>
         </a:xfrm>
         <a:prstGeom prst="roundRect">
           <a:avLst/>
@@ -1368,12 +1397,12 @@
         </a:fontRef>
       </dsp:style>
       <dsp:txBody>
-        <a:bodyPr spcFirstLastPara="0" vert="horz" wrap="square" lIns="60960" tIns="60960" rIns="60960" bIns="60960" numCol="1" spcCol="1270" anchor="ctr" anchorCtr="0">
+        <a:bodyPr spcFirstLastPara="0" vert="horz" wrap="square" lIns="45720" tIns="45720" rIns="45720" bIns="45720" numCol="1" spcCol="1270" anchor="ctr" anchorCtr="0">
           <a:noAutofit/>
         </a:bodyPr>
         <a:lstStyle/>
         <a:p>
-          <a:pPr lvl="0" algn="ctr" defTabSz="711200">
+          <a:pPr lvl="0" algn="ctr" defTabSz="533400">
             <a:lnSpc>
               <a:spcPct val="90000"/>
             </a:lnSpc>
@@ -1385,15 +1414,15 @@
             </a:spcAft>
           </a:pPr>
           <a:r>
-            <a:rPr lang="en-US" sz="1600" kern="1200" dirty="0" smtClean="0"/>
-            <a:t>Advertisement</a:t>
+            <a:rPr lang="en-US" sz="1200" kern="1200" dirty="0" smtClean="0"/>
+            <a:t>Advertisement (1)</a:t>
           </a:r>
-          <a:endParaRPr lang="en-US" sz="1600" kern="1200" dirty="0"/>
+          <a:endParaRPr lang="en-US" sz="1200" kern="1200" dirty="0"/>
         </a:p>
       </dsp:txBody>
       <dsp:txXfrm>
-        <a:off x="2320355" y="131214"/>
-        <a:ext cx="1455288" cy="673754"/>
+        <a:off x="1352505" y="38328"/>
+        <a:ext cx="1013806" cy="469362"/>
       </dsp:txXfrm>
     </dsp:sp>
     <dsp:sp modelId="{BCCB1445-DC28-2640-B79B-14C53087D26B}">
@@ -1403,8 +1432,8 @@
       </dsp:nvSpPr>
       <dsp:spPr>
         <a:xfrm>
-          <a:off x="3928297" y="1289485"/>
-          <a:ext cx="1528186" cy="746652"/>
+          <a:off x="2532203" y="888485"/>
+          <a:ext cx="1064588" cy="520144"/>
         </a:xfrm>
         <a:prstGeom prst="roundRect">
           <a:avLst/>
@@ -1477,12 +1506,12 @@
         </a:fontRef>
       </dsp:style>
       <dsp:txBody>
-        <a:bodyPr spcFirstLastPara="0" vert="horz" wrap="square" lIns="60960" tIns="60960" rIns="60960" bIns="60960" numCol="1" spcCol="1270" anchor="ctr" anchorCtr="0">
+        <a:bodyPr spcFirstLastPara="0" vert="horz" wrap="square" lIns="45720" tIns="45720" rIns="45720" bIns="45720" numCol="1" spcCol="1270" anchor="ctr" anchorCtr="0">
           <a:noAutofit/>
         </a:bodyPr>
         <a:lstStyle/>
         <a:p>
-          <a:pPr lvl="0" algn="ctr" defTabSz="711200">
+          <a:pPr lvl="0" algn="ctr" defTabSz="533400">
             <a:lnSpc>
               <a:spcPct val="90000"/>
             </a:lnSpc>
@@ -1494,15 +1523,32 @@
             </a:spcAft>
           </a:pPr>
           <a:r>
-            <a:rPr lang="en-US" sz="1600" kern="1200" dirty="0" smtClean="0"/>
+            <a:rPr lang="en-US" sz="1200" kern="1200" dirty="0" smtClean="0"/>
             <a:t>Discovery</a:t>
           </a:r>
-          <a:endParaRPr lang="en-US" sz="1600" kern="1200" dirty="0"/>
+        </a:p>
+        <a:p>
+          <a:pPr lvl="0" algn="ctr" defTabSz="533400">
+            <a:lnSpc>
+              <a:spcPct val="90000"/>
+            </a:lnSpc>
+            <a:spcBef>
+              <a:spcPct val="0"/>
+            </a:spcBef>
+            <a:spcAft>
+              <a:spcPct val="35000"/>
+            </a:spcAft>
+          </a:pPr>
+          <a:r>
+            <a:rPr lang="en-US" sz="1200" kern="1200" dirty="0" smtClean="0"/>
+            <a:t>(2)</a:t>
+          </a:r>
+          <a:endParaRPr lang="en-US" sz="1200" kern="1200" dirty="0"/>
         </a:p>
       </dsp:txBody>
       <dsp:txXfrm>
-        <a:off x="3964746" y="1325934"/>
-        <a:ext cx="1455288" cy="673754"/>
+        <a:off x="2557594" y="913876"/>
+        <a:ext cx="1013806" cy="469362"/>
       </dsp:txXfrm>
     </dsp:sp>
     <dsp:sp modelId="{A0186A1E-EF60-D743-A2F3-504DF1E4FEF7}">
@@ -1512,8 +1558,8 @@
       </dsp:nvSpPr>
       <dsp:spPr>
         <a:xfrm>
-          <a:off x="3821015" y="2893674"/>
-          <a:ext cx="1528186" cy="746652"/>
+          <a:off x="2453581" y="2064112"/>
+          <a:ext cx="1064588" cy="520144"/>
         </a:xfrm>
         <a:prstGeom prst="roundRect">
           <a:avLst/>
@@ -1586,12 +1632,12 @@
         </a:fontRef>
       </dsp:style>
       <dsp:txBody>
-        <a:bodyPr spcFirstLastPara="0" vert="horz" wrap="square" lIns="60960" tIns="60960" rIns="60960" bIns="60960" numCol="1" spcCol="1270" anchor="ctr" anchorCtr="0">
+        <a:bodyPr spcFirstLastPara="0" vert="horz" wrap="square" lIns="45720" tIns="45720" rIns="45720" bIns="45720" numCol="1" spcCol="1270" anchor="ctr" anchorCtr="0">
           <a:noAutofit/>
         </a:bodyPr>
         <a:lstStyle/>
         <a:p>
-          <a:pPr lvl="0" algn="ctr" defTabSz="711200">
+          <a:pPr lvl="0" algn="ctr" defTabSz="533400">
             <a:lnSpc>
               <a:spcPct val="90000"/>
             </a:lnSpc>
@@ -1603,15 +1649,32 @@
             </a:spcAft>
           </a:pPr>
           <a:r>
-            <a:rPr lang="en-US" sz="1600" kern="1200" dirty="0" smtClean="0"/>
+            <a:rPr lang="en-US" sz="1200" kern="1200" dirty="0" smtClean="0"/>
             <a:t>Negotiation</a:t>
           </a:r>
-          <a:endParaRPr lang="en-US" sz="1600" kern="1200" dirty="0"/>
+        </a:p>
+        <a:p>
+          <a:pPr lvl="0" algn="ctr" defTabSz="533400">
+            <a:lnSpc>
+              <a:spcPct val="90000"/>
+            </a:lnSpc>
+            <a:spcBef>
+              <a:spcPct val="0"/>
+            </a:spcBef>
+            <a:spcAft>
+              <a:spcPct val="35000"/>
+            </a:spcAft>
+          </a:pPr>
+          <a:r>
+            <a:rPr lang="en-US" sz="1200" kern="1200" dirty="0" smtClean="0"/>
+            <a:t>(3)</a:t>
+          </a:r>
+          <a:endParaRPr lang="en-US" sz="1200" kern="1200" dirty="0"/>
         </a:p>
       </dsp:txBody>
       <dsp:txXfrm>
-        <a:off x="3857464" y="2930123"/>
-        <a:ext cx="1455288" cy="673754"/>
+        <a:off x="2478972" y="2089503"/>
+        <a:ext cx="1013806" cy="469362"/>
       </dsp:txXfrm>
     </dsp:sp>
     <dsp:sp modelId="{C601974B-E904-AD4B-8EB2-5D8184181159}">
@@ -1621,8 +1684,8 @@
       </dsp:nvSpPr>
       <dsp:spPr>
         <a:xfrm>
-          <a:off x="929533" y="2930215"/>
-          <a:ext cx="1528186" cy="746652"/>
+          <a:off x="334565" y="1986340"/>
+          <a:ext cx="1064588" cy="729244"/>
         </a:xfrm>
         <a:prstGeom prst="roundRect">
           <a:avLst/>
@@ -1695,12 +1758,12 @@
         </a:fontRef>
       </dsp:style>
       <dsp:txBody>
-        <a:bodyPr spcFirstLastPara="0" vert="horz" wrap="square" lIns="60960" tIns="60960" rIns="60960" bIns="60960" numCol="1" spcCol="1270" anchor="ctr" anchorCtr="0">
+        <a:bodyPr spcFirstLastPara="0" vert="horz" wrap="square" lIns="45720" tIns="45720" rIns="45720" bIns="45720" numCol="1" spcCol="1270" anchor="ctr" anchorCtr="0">
           <a:noAutofit/>
         </a:bodyPr>
         <a:lstStyle/>
         <a:p>
-          <a:pPr lvl="0" algn="ctr" defTabSz="711200">
+          <a:pPr lvl="0" algn="ctr" defTabSz="533400">
             <a:lnSpc>
               <a:spcPct val="90000"/>
             </a:lnSpc>
@@ -1712,15 +1775,36 @@
             </a:spcAft>
           </a:pPr>
           <a:r>
-            <a:rPr lang="en-US" sz="1600" kern="1200" dirty="0" smtClean="0"/>
-            <a:t>Monitoring &amp; Utilization</a:t>
+            <a:rPr lang="en-US" sz="1200" kern="1200" dirty="0" smtClean="0"/>
+            <a:t>Monitoring &amp; </a:t>
           </a:r>
-          <a:endParaRPr lang="en-US" sz="1600" kern="1200" dirty="0"/>
+          <a:r>
+            <a:rPr lang="en-US" sz="1200" kern="1200" dirty="0" smtClean="0"/>
+            <a:t>Utilization</a:t>
+          </a:r>
+        </a:p>
+        <a:p>
+          <a:pPr lvl="0" algn="ctr" defTabSz="533400">
+            <a:lnSpc>
+              <a:spcPct val="90000"/>
+            </a:lnSpc>
+            <a:spcBef>
+              <a:spcPct val="0"/>
+            </a:spcBef>
+            <a:spcAft>
+              <a:spcPct val="35000"/>
+            </a:spcAft>
+          </a:pPr>
+          <a:r>
+            <a:rPr lang="en-US" sz="1200" kern="1200" dirty="0" smtClean="0"/>
+            <a:t>(4)</a:t>
+          </a:r>
+          <a:endParaRPr lang="en-US" sz="1200" kern="1200" dirty="0"/>
         </a:p>
       </dsp:txBody>
       <dsp:txXfrm>
-        <a:off x="965982" y="2966664"/>
-        <a:ext cx="1455288" cy="673754"/>
+        <a:off x="370164" y="2021939"/>
+        <a:ext cx="993390" cy="658046"/>
       </dsp:txXfrm>
     </dsp:sp>
     <dsp:sp modelId="{AEDAD4A1-9904-D147-BE63-E622D85CDE06}">
@@ -1730,8 +1814,8 @@
       </dsp:nvSpPr>
       <dsp:spPr>
         <a:xfrm>
-          <a:off x="639516" y="1289485"/>
-          <a:ext cx="1528186" cy="746652"/>
+          <a:off x="122026" y="888485"/>
+          <a:ext cx="1064588" cy="520144"/>
         </a:xfrm>
         <a:prstGeom prst="roundRect">
           <a:avLst/>
@@ -1804,12 +1888,12 @@
         </a:fontRef>
       </dsp:style>
       <dsp:txBody>
-        <a:bodyPr spcFirstLastPara="0" vert="horz" wrap="square" lIns="60960" tIns="60960" rIns="60960" bIns="60960" numCol="1" spcCol="1270" anchor="ctr" anchorCtr="0">
+        <a:bodyPr spcFirstLastPara="0" vert="horz" wrap="square" lIns="45720" tIns="45720" rIns="45720" bIns="45720" numCol="1" spcCol="1270" anchor="ctr" anchorCtr="0">
           <a:noAutofit/>
         </a:bodyPr>
         <a:lstStyle/>
         <a:p>
-          <a:pPr lvl="0" algn="ctr" defTabSz="711200">
+          <a:pPr lvl="0" algn="ctr" defTabSz="533400">
             <a:lnSpc>
               <a:spcPct val="90000"/>
             </a:lnSpc>
@@ -1821,15 +1905,32 @@
             </a:spcAft>
           </a:pPr>
           <a:r>
-            <a:rPr lang="en-US" sz="1600" kern="1200" smtClean="0"/>
+            <a:rPr lang="en-US" sz="1200" kern="1200" dirty="0" smtClean="0"/>
             <a:t>Adaptation</a:t>
           </a:r>
-          <a:endParaRPr lang="en-US" sz="1600" kern="1200"/>
+        </a:p>
+        <a:p>
+          <a:pPr lvl="0" algn="ctr" defTabSz="533400">
+            <a:lnSpc>
+              <a:spcPct val="90000"/>
+            </a:lnSpc>
+            <a:spcBef>
+              <a:spcPct val="0"/>
+            </a:spcBef>
+            <a:spcAft>
+              <a:spcPct val="35000"/>
+            </a:spcAft>
+          </a:pPr>
+          <a:r>
+            <a:rPr lang="en-US" sz="1200" kern="1200" dirty="0" smtClean="0"/>
+            <a:t>(5)</a:t>
+          </a:r>
+          <a:endParaRPr lang="en-US" sz="1200" kern="1200" dirty="0"/>
         </a:p>
       </dsp:txBody>
       <dsp:txXfrm>
-        <a:off x="675965" y="1325934"/>
-        <a:ext cx="1455288" cy="673754"/>
+        <a:off x="147417" y="913876"/>
+        <a:ext cx="1013806" cy="469362"/>
       </dsp:txXfrm>
     </dsp:sp>
   </dsp:spTree>
@@ -3381,7 +3482,7 @@
           <a:p>
             <a:fld id="{38F47E4F-D071-144D-90E1-7DE722D5B9D7}" type="datetimeFigureOut">
               <a:rPr lang="en-US" smtClean="0"/>
-              <a:t>01/09/16</a:t>
+              <a:t>02/09/16</a:t>
             </a:fld>
             <a:endParaRPr lang="en-US"/>
           </a:p>
@@ -3676,7 +3777,12 @@
             <p:ph type="sldImg"/>
           </p:nvPr>
         </p:nvSpPr>
-        <p:spPr/>
+        <p:spPr>
+          <a:xfrm>
+            <a:off x="1143000" y="685800"/>
+            <a:ext cx="4572000" cy="3429000"/>
+          </a:xfrm>
+        </p:spPr>
       </p:sp>
       <p:sp>
         <p:nvSpPr>
@@ -3760,7 +3866,12 @@
             <p:ph type="sldImg"/>
           </p:nvPr>
         </p:nvSpPr>
-        <p:spPr/>
+        <p:spPr>
+          <a:xfrm>
+            <a:off x="1143000" y="685800"/>
+            <a:ext cx="4572000" cy="3429000"/>
+          </a:xfrm>
+        </p:spPr>
       </p:sp>
       <p:sp>
         <p:nvSpPr>
@@ -3846,7 +3957,7 @@
         </p:nvSpPr>
         <p:spPr>
           <a:xfrm>
-            <a:off x="685800" y="2130425"/>
+            <a:off x="685800" y="2130426"/>
             <a:ext cx="7772400" cy="1470025"/>
           </a:xfrm>
         </p:spPr>
@@ -3998,7 +4109,7 @@
           <a:p>
             <a:fld id="{FF687007-1232-7342-B707-C90C2F451591}" type="datetimeFigureOut">
               <a:rPr lang="en-US" smtClean="0"/>
-              <a:t>01/09/16</a:t>
+              <a:t>02/09/16</a:t>
             </a:fld>
             <a:endParaRPr lang="en-US"/>
           </a:p>
@@ -4168,7 +4279,7 @@
           <a:p>
             <a:fld id="{FF687007-1232-7342-B707-C90C2F451591}" type="datetimeFigureOut">
               <a:rPr lang="en-US" smtClean="0"/>
-              <a:t>01/09/16</a:t>
+              <a:t>02/09/16</a:t>
             </a:fld>
             <a:endParaRPr lang="en-US"/>
           </a:p>
@@ -4258,7 +4369,7 @@
         </p:nvSpPr>
         <p:spPr>
           <a:xfrm>
-            <a:off x="6629400" y="274638"/>
+            <a:off x="6629400" y="274639"/>
             <a:ext cx="2057400" cy="5851525"/>
           </a:xfrm>
         </p:spPr>
@@ -4286,7 +4397,7 @@
         </p:nvSpPr>
         <p:spPr>
           <a:xfrm>
-            <a:off x="457200" y="274638"/>
+            <a:off x="457200" y="274639"/>
             <a:ext cx="6019800" cy="5851525"/>
           </a:xfrm>
         </p:spPr>
@@ -4348,7 +4459,7 @@
           <a:p>
             <a:fld id="{FF687007-1232-7342-B707-C90C2F451591}" type="datetimeFigureOut">
               <a:rPr lang="en-US" smtClean="0"/>
-              <a:t>01/09/16</a:t>
+              <a:t>02/09/16</a:t>
             </a:fld>
             <a:endParaRPr lang="en-US"/>
           </a:p>
@@ -4518,7 +4629,7 @@
           <a:p>
             <a:fld id="{FF687007-1232-7342-B707-C90C2F451591}" type="datetimeFigureOut">
               <a:rPr lang="en-US" smtClean="0"/>
-              <a:t>01/09/16</a:t>
+              <a:t>02/09/16</a:t>
             </a:fld>
             <a:endParaRPr lang="en-US"/>
           </a:p>
@@ -4640,7 +4751,7 @@
         </p:nvSpPr>
         <p:spPr>
           <a:xfrm>
-            <a:off x="722313" y="2906713"/>
+            <a:off x="722313" y="2906714"/>
             <a:ext cx="7772400" cy="1500187"/>
           </a:xfrm>
         </p:spPr>
@@ -4764,7 +4875,7 @@
           <a:p>
             <a:fld id="{FF687007-1232-7342-B707-C90C2F451591}" type="datetimeFigureOut">
               <a:rPr lang="en-US" smtClean="0"/>
-              <a:t>01/09/16</a:t>
+              <a:t>02/09/16</a:t>
             </a:fld>
             <a:endParaRPr lang="en-US"/>
           </a:p>
@@ -4877,7 +4988,7 @@
         </p:nvSpPr>
         <p:spPr>
           <a:xfrm>
-            <a:off x="457200" y="1600200"/>
+            <a:off x="457200" y="1600201"/>
             <a:ext cx="4038600" cy="4525963"/>
           </a:xfrm>
         </p:spPr>
@@ -4962,7 +5073,7 @@
         </p:nvSpPr>
         <p:spPr>
           <a:xfrm>
-            <a:off x="4648200" y="1600200"/>
+            <a:off x="4648200" y="1600201"/>
             <a:ext cx="4038600" cy="4525963"/>
           </a:xfrm>
         </p:spPr>
@@ -5052,7 +5163,7 @@
           <a:p>
             <a:fld id="{FF687007-1232-7342-B707-C90C2F451591}" type="datetimeFigureOut">
               <a:rPr lang="en-US" smtClean="0"/>
-              <a:t>01/09/16</a:t>
+              <a:t>02/09/16</a:t>
             </a:fld>
             <a:endParaRPr lang="en-US"/>
           </a:p>
@@ -5169,7 +5280,7 @@
         </p:nvSpPr>
         <p:spPr>
           <a:xfrm>
-            <a:off x="457200" y="1535113"/>
+            <a:off x="457201" y="1535113"/>
             <a:ext cx="4040188" cy="639762"/>
           </a:xfrm>
         </p:spPr>
@@ -5234,7 +5345,7 @@
         </p:nvSpPr>
         <p:spPr>
           <a:xfrm>
-            <a:off x="457200" y="2174875"/>
+            <a:off x="457201" y="2174875"/>
             <a:ext cx="4040188" cy="3951288"/>
           </a:xfrm>
         </p:spPr>
@@ -5319,7 +5430,7 @@
         </p:nvSpPr>
         <p:spPr>
           <a:xfrm>
-            <a:off x="4645025" y="1535113"/>
+            <a:off x="4645026" y="1535113"/>
             <a:ext cx="4041775" cy="639762"/>
           </a:xfrm>
         </p:spPr>
@@ -5384,7 +5495,7 @@
         </p:nvSpPr>
         <p:spPr>
           <a:xfrm>
-            <a:off x="4645025" y="2174875"/>
+            <a:off x="4645026" y="2174875"/>
             <a:ext cx="4041775" cy="3951288"/>
           </a:xfrm>
         </p:spPr>
@@ -5474,7 +5585,7 @@
           <a:p>
             <a:fld id="{FF687007-1232-7342-B707-C90C2F451591}" type="datetimeFigureOut">
               <a:rPr lang="en-US" smtClean="0"/>
-              <a:t>01/09/16</a:t>
+              <a:t>02/09/16</a:t>
             </a:fld>
             <a:endParaRPr lang="en-US"/>
           </a:p>
@@ -5592,7 +5703,7 @@
           <a:p>
             <a:fld id="{FF687007-1232-7342-B707-C90C2F451591}" type="datetimeFigureOut">
               <a:rPr lang="en-US" smtClean="0"/>
-              <a:t>01/09/16</a:t>
+              <a:t>02/09/16</a:t>
             </a:fld>
             <a:endParaRPr lang="en-US"/>
           </a:p>
@@ -5687,7 +5798,7 @@
           <a:p>
             <a:fld id="{FF687007-1232-7342-B707-C90C2F451591}" type="datetimeFigureOut">
               <a:rPr lang="en-US" smtClean="0"/>
-              <a:t>01/09/16</a:t>
+              <a:t>02/09/16</a:t>
             </a:fld>
             <a:endParaRPr lang="en-US"/>
           </a:p>
@@ -5777,7 +5888,7 @@
         </p:nvSpPr>
         <p:spPr>
           <a:xfrm>
-            <a:off x="457200" y="273050"/>
+            <a:off x="457201" y="273050"/>
             <a:ext cx="3008313" cy="1162050"/>
           </a:xfrm>
         </p:spPr>
@@ -5809,8 +5920,8 @@
         </p:nvSpPr>
         <p:spPr>
           <a:xfrm>
-            <a:off x="3575050" y="273050"/>
-            <a:ext cx="5111750" cy="5853113"/>
+            <a:off x="3575050" y="273051"/>
+            <a:ext cx="5111751" cy="5853113"/>
           </a:xfrm>
         </p:spPr>
         <p:txBody>
@@ -5894,7 +6005,7 @@
         </p:nvSpPr>
         <p:spPr>
           <a:xfrm>
-            <a:off x="457200" y="1435100"/>
+            <a:off x="457201" y="1435101"/>
             <a:ext cx="3008313" cy="4691063"/>
           </a:xfrm>
         </p:spPr>
@@ -5964,7 +6075,7 @@
           <a:p>
             <a:fld id="{FF687007-1232-7342-B707-C90C2F451591}" type="datetimeFigureOut">
               <a:rPr lang="en-US" smtClean="0"/>
-              <a:t>01/09/16</a:t>
+              <a:t>02/09/16</a:t>
             </a:fld>
             <a:endParaRPr lang="en-US"/>
           </a:p>
@@ -6054,7 +6165,7 @@
         </p:nvSpPr>
         <p:spPr>
           <a:xfrm>
-            <a:off x="1792288" y="4800600"/>
+            <a:off x="1792288" y="4800601"/>
             <a:ext cx="5486400" cy="566738"/>
           </a:xfrm>
         </p:spPr>
@@ -6147,7 +6258,7 @@
         </p:nvSpPr>
         <p:spPr>
           <a:xfrm>
-            <a:off x="1792288" y="5367338"/>
+            <a:off x="1792288" y="5367339"/>
             <a:ext cx="5486400" cy="804862"/>
           </a:xfrm>
         </p:spPr>
@@ -6217,7 +6328,7 @@
           <a:p>
             <a:fld id="{FF687007-1232-7342-B707-C90C2F451591}" type="datetimeFigureOut">
               <a:rPr lang="en-US" smtClean="0"/>
-              <a:t>01/09/16</a:t>
+              <a:t>02/09/16</a:t>
             </a:fld>
             <a:endParaRPr lang="en-US"/>
           </a:p>
@@ -6345,7 +6456,7 @@
         </p:nvSpPr>
         <p:spPr>
           <a:xfrm>
-            <a:off x="457200" y="1600200"/>
+            <a:off x="457200" y="1600201"/>
             <a:ext cx="8229600" cy="4525963"/>
           </a:xfrm>
           <a:prstGeom prst="rect">
@@ -6407,7 +6518,7 @@
         </p:nvSpPr>
         <p:spPr>
           <a:xfrm>
-            <a:off x="457200" y="6356350"/>
+            <a:off x="457200" y="6356351"/>
             <a:ext cx="2133600" cy="365125"/>
           </a:xfrm>
           <a:prstGeom prst="rect">
@@ -6430,7 +6541,7 @@
           <a:p>
             <a:fld id="{FF687007-1232-7342-B707-C90C2F451591}" type="datetimeFigureOut">
               <a:rPr lang="en-US" smtClean="0"/>
-              <a:t>01/09/16</a:t>
+              <a:t>02/09/16</a:t>
             </a:fld>
             <a:endParaRPr lang="en-US"/>
           </a:p>
@@ -6448,7 +6559,7 @@
         </p:nvSpPr>
         <p:spPr>
           <a:xfrm>
-            <a:off x="3124200" y="6356350"/>
+            <a:off x="3124200" y="6356351"/>
             <a:ext cx="2895600" cy="365125"/>
           </a:xfrm>
           <a:prstGeom prst="rect">
@@ -6485,7 +6596,7 @@
         </p:nvSpPr>
         <p:spPr>
           <a:xfrm>
-            <a:off x="6553200" y="6356350"/>
+            <a:off x="6553200" y="6356351"/>
             <a:ext cx="2133600" cy="365125"/>
           </a:xfrm>
           <a:prstGeom prst="rect">
@@ -6948,7 +7059,7 @@
         </p:nvSpPr>
         <p:spPr>
           <a:xfrm>
-            <a:off x="4349683" y="2127635"/>
+            <a:off x="4349683" y="2127636"/>
             <a:ext cx="1137920" cy="294640"/>
           </a:xfrm>
           <a:prstGeom prst="roundRect">
@@ -6996,7 +7107,7 @@
         </p:nvSpPr>
         <p:spPr>
           <a:xfrm>
-            <a:off x="5915395" y="2127635"/>
+            <a:off x="5915395" y="2127636"/>
             <a:ext cx="1137920" cy="294640"/>
           </a:xfrm>
           <a:prstGeom prst="roundRect">
@@ -7044,7 +7155,7 @@
         </p:nvSpPr>
         <p:spPr>
           <a:xfrm>
-            <a:off x="2619618" y="2135035"/>
+            <a:off x="2619620" y="2135036"/>
             <a:ext cx="1361441" cy="323973"/>
           </a:xfrm>
           <a:prstGeom prst="roundRect">
@@ -7091,7 +7202,7 @@
         </p:nvSpPr>
         <p:spPr>
           <a:xfrm>
-            <a:off x="475394" y="569266"/>
+            <a:off x="475393" y="569267"/>
             <a:ext cx="1345478" cy="646331"/>
           </a:xfrm>
           <a:prstGeom prst="rect">
@@ -7127,7 +7238,7 @@
         </p:nvSpPr>
         <p:spPr>
           <a:xfrm>
-            <a:off x="7053315" y="677346"/>
+            <a:off x="7053317" y="677347"/>
             <a:ext cx="1361441" cy="460375"/>
           </a:xfrm>
           <a:prstGeom prst="roundRect">
@@ -7172,7 +7283,7 @@
         </p:nvSpPr>
         <p:spPr>
           <a:xfrm>
-            <a:off x="3499506" y="744044"/>
+            <a:off x="3499507" y="744045"/>
             <a:ext cx="297256" cy="297220"/>
           </a:xfrm>
           <a:prstGeom prst="mathPlus">
@@ -7352,7 +7463,7 @@
         </p:nvSpPr>
         <p:spPr>
           <a:xfrm>
-            <a:off x="475394" y="1951074"/>
+            <a:off x="475395" y="1951075"/>
             <a:ext cx="1710725" cy="646331"/>
           </a:xfrm>
           <a:prstGeom prst="rect">
@@ -7388,7 +7499,7 @@
         </p:nvSpPr>
         <p:spPr>
           <a:xfrm>
-            <a:off x="4025403" y="2152871"/>
+            <a:off x="4025403" y="2152872"/>
             <a:ext cx="297256" cy="297220"/>
           </a:xfrm>
           <a:prstGeom prst="mathPlus">
@@ -7531,14 +7642,14 @@
           </p:nvPr>
         </p:nvGraphicFramePr>
         <p:xfrm>
-          <a:off x="1592917" y="3255904"/>
+          <a:off x="1592918" y="3255905"/>
           <a:ext cx="5851383" cy="315226"/>
         </p:xfrm>
         <a:graphic>
           <a:graphicData uri="http://schemas.openxmlformats.org/presentationml/2006/ole">
             <mc:AlternateContent xmlns:mc="http://schemas.openxmlformats.org/markup-compatibility/2006">
               <mc:Choice xmlns:v="urn:schemas-microsoft-com:vml" Requires="v">
-                <p:oleObj spid="_x0000_s1205" name="Equation" r:id="rId3" imgW="3771900" imgH="203200" progId="Equation.3">
+                <p:oleObj spid="_x0000_s1211" name="Equation" r:id="rId3" imgW="3771900" imgH="203200" progId="Equation.3">
                   <p:embed/>
                 </p:oleObj>
               </mc:Choice>
@@ -7559,7 +7670,7 @@
                     </p:blipFill>
                     <p:spPr>
                       <a:xfrm>
-                        <a:off x="1592917" y="3255904"/>
+                        <a:off x="1592918" y="3255905"/>
                         <a:ext cx="5851383" cy="315226"/>
                       </a:xfrm>
                       <a:prstGeom prst="rect">
@@ -7618,7 +7729,7 @@
         </p:nvSpPr>
         <p:spPr>
           <a:xfrm rot="16200000">
-            <a:off x="-451556" y="2095784"/>
+            <a:off x="-451556" y="2095786"/>
             <a:ext cx="2903359" cy="646331"/>
           </a:xfrm>
           <a:prstGeom prst="rect">
@@ -7653,7 +7764,7 @@
         </p:nvSpPr>
         <p:spPr>
           <a:xfrm>
-            <a:off x="4941700" y="501015"/>
+            <a:off x="4941702" y="501015"/>
             <a:ext cx="1239519" cy="279400"/>
           </a:xfrm>
           <a:prstGeom prst="roundRect">
@@ -7697,8 +7808,8 @@
         </p:nvSpPr>
         <p:spPr>
           <a:xfrm>
-            <a:off x="4941701" y="1778660"/>
-            <a:ext cx="1239518" cy="254000"/>
+            <a:off x="4941702" y="1778661"/>
+            <a:ext cx="1239519" cy="254000"/>
           </a:xfrm>
           <a:prstGeom prst="roundRect">
             <a:avLst>
@@ -7741,7 +7852,7 @@
         </p:nvSpPr>
         <p:spPr>
           <a:xfrm>
-            <a:off x="4941701" y="3286812"/>
+            <a:off x="4941702" y="3286813"/>
             <a:ext cx="1239517" cy="254000"/>
           </a:xfrm>
           <a:prstGeom prst="roundRect">
@@ -7785,7 +7896,7 @@
         </p:nvSpPr>
         <p:spPr>
           <a:xfrm>
-            <a:off x="4941701" y="5026086"/>
+            <a:off x="4941702" y="5026087"/>
             <a:ext cx="1239517" cy="254000"/>
           </a:xfrm>
           <a:prstGeom prst="roundRect">
@@ -7830,7 +7941,7 @@
         <p:spPr>
           <a:xfrm>
             <a:off x="6770502" y="866468"/>
-            <a:ext cx="1619998" cy="287997"/>
+            <a:ext cx="1619999" cy="287997"/>
           </a:xfrm>
           <a:prstGeom prst="roundRect">
             <a:avLst>
@@ -7877,7 +7988,7 @@
         </p:nvSpPr>
         <p:spPr>
           <a:xfrm>
-            <a:off x="6770502" y="189865"/>
+            <a:off x="6770503" y="189865"/>
             <a:ext cx="772159" cy="227330"/>
           </a:xfrm>
           <a:prstGeom prst="roundRect">
@@ -7925,7 +8036,7 @@
         </p:nvSpPr>
         <p:spPr>
           <a:xfrm>
-            <a:off x="6760342" y="531495"/>
+            <a:off x="6760343" y="531496"/>
             <a:ext cx="772159" cy="227330"/>
           </a:xfrm>
           <a:prstGeom prst="roundRect">
@@ -7973,7 +8084,7 @@
         </p:nvSpPr>
         <p:spPr>
           <a:xfrm>
-            <a:off x="6699382" y="1392581"/>
+            <a:off x="6699383" y="1392582"/>
             <a:ext cx="1780539" cy="264160"/>
           </a:xfrm>
           <a:prstGeom prst="roundRect">
@@ -8021,7 +8132,7 @@
         </p:nvSpPr>
         <p:spPr>
           <a:xfrm>
-            <a:off x="6699382" y="1706877"/>
+            <a:off x="6699383" y="1706878"/>
             <a:ext cx="1066800" cy="367664"/>
           </a:xfrm>
           <a:prstGeom prst="roundRect">
@@ -8069,7 +8180,7 @@
         </p:nvSpPr>
         <p:spPr>
           <a:xfrm>
-            <a:off x="6699382" y="2142515"/>
+            <a:off x="6699383" y="2142516"/>
             <a:ext cx="1494679" cy="305726"/>
           </a:xfrm>
           <a:prstGeom prst="roundRect">
@@ -8117,8 +8228,8 @@
         </p:nvSpPr>
         <p:spPr>
           <a:xfrm>
-            <a:off x="6628262" y="2925210"/>
-            <a:ext cx="2065978" cy="276861"/>
+            <a:off x="6628261" y="2925211"/>
+            <a:ext cx="2065979" cy="276861"/>
           </a:xfrm>
           <a:prstGeom prst="roundRect">
             <a:avLst>
@@ -8166,7 +8277,7 @@
         <p:spPr>
           <a:xfrm>
             <a:off x="6597782" y="3363561"/>
-            <a:ext cx="1396998" cy="264160"/>
+            <a:ext cx="1396999" cy="264160"/>
           </a:xfrm>
           <a:prstGeom prst="roundRect">
             <a:avLst>
@@ -8213,7 +8324,7 @@
         </p:nvSpPr>
         <p:spPr>
           <a:xfrm>
-            <a:off x="6628262" y="2578500"/>
+            <a:off x="6628263" y="2578501"/>
             <a:ext cx="1851659" cy="254000"/>
           </a:xfrm>
           <a:prstGeom prst="roundRect">
@@ -8261,7 +8372,7 @@
         </p:nvSpPr>
         <p:spPr>
           <a:xfrm>
-            <a:off x="6656267" y="5634486"/>
+            <a:off x="6656268" y="5634487"/>
             <a:ext cx="1011197" cy="240573"/>
           </a:xfrm>
           <a:prstGeom prst="roundRect">
@@ -8309,7 +8420,7 @@
         </p:nvSpPr>
         <p:spPr>
           <a:xfrm>
-            <a:off x="6653727" y="4408327"/>
+            <a:off x="6653728" y="4408327"/>
             <a:ext cx="2098997" cy="227330"/>
           </a:xfrm>
           <a:prstGeom prst="roundRect">
@@ -8357,7 +8468,7 @@
         </p:nvSpPr>
         <p:spPr>
           <a:xfrm>
-            <a:off x="6666427" y="5331309"/>
+            <a:off x="6666428" y="5331310"/>
             <a:ext cx="1001037" cy="227330"/>
           </a:xfrm>
           <a:prstGeom prst="roundRect">
@@ -8405,7 +8516,7 @@
         </p:nvSpPr>
         <p:spPr>
           <a:xfrm>
-            <a:off x="6661625" y="4744875"/>
+            <a:off x="6661626" y="4744876"/>
             <a:ext cx="1005839" cy="227330"/>
           </a:xfrm>
           <a:prstGeom prst="roundRect">
@@ -8456,7 +8567,7 @@
         </p:nvCxnSpPr>
         <p:spPr>
           <a:xfrm flipH="1">
-            <a:off x="6181219" y="303530"/>
+            <a:off x="6181220" y="303530"/>
             <a:ext cx="589283" cy="337185"/>
           </a:xfrm>
           <a:prstGeom prst="line">
@@ -8489,7 +8600,7 @@
         </p:nvCxnSpPr>
         <p:spPr>
           <a:xfrm flipH="1" flipV="1">
-            <a:off x="6181219" y="640715"/>
+            <a:off x="6181220" y="640716"/>
             <a:ext cx="579123" cy="4445"/>
           </a:xfrm>
           <a:prstGeom prst="line">
@@ -8522,7 +8633,7 @@
         </p:nvCxnSpPr>
         <p:spPr>
           <a:xfrm flipH="1" flipV="1">
-            <a:off x="6181219" y="640715"/>
+            <a:off x="6181220" y="640716"/>
             <a:ext cx="589283" cy="369752"/>
           </a:xfrm>
           <a:prstGeom prst="line">
@@ -8555,7 +8666,7 @@
         </p:nvCxnSpPr>
         <p:spPr>
           <a:xfrm flipH="1">
-            <a:off x="6181219" y="1524661"/>
+            <a:off x="6181220" y="1524662"/>
             <a:ext cx="518163" cy="380999"/>
           </a:xfrm>
           <a:prstGeom prst="line">
@@ -8588,7 +8699,7 @@
         </p:nvCxnSpPr>
         <p:spPr>
           <a:xfrm flipH="1">
-            <a:off x="6181219" y="1890709"/>
+            <a:off x="6181220" y="1890710"/>
             <a:ext cx="518163" cy="14951"/>
           </a:xfrm>
           <a:prstGeom prst="line">
@@ -8621,7 +8732,7 @@
         </p:nvCxnSpPr>
         <p:spPr>
           <a:xfrm flipH="1">
-            <a:off x="6181218" y="3063641"/>
+            <a:off x="6181219" y="3063642"/>
             <a:ext cx="447044" cy="350171"/>
           </a:xfrm>
           <a:prstGeom prst="line">
@@ -8654,7 +8765,7 @@
         </p:nvCxnSpPr>
         <p:spPr>
           <a:xfrm flipH="1" flipV="1">
-            <a:off x="7580917" y="1154465"/>
+            <a:off x="7580918" y="1154465"/>
             <a:ext cx="8319" cy="238116"/>
           </a:xfrm>
           <a:prstGeom prst="straightConnector1">
@@ -8691,7 +8802,7 @@
         </p:nvCxnSpPr>
         <p:spPr>
           <a:xfrm flipH="1" flipV="1">
-            <a:off x="7756756" y="2032660"/>
+            <a:off x="7756757" y="2032660"/>
             <a:ext cx="416481" cy="262718"/>
           </a:xfrm>
           <a:prstGeom prst="bentConnector3">
@@ -8730,7 +8841,7 @@
         </p:nvCxnSpPr>
         <p:spPr>
           <a:xfrm flipV="1">
-            <a:off x="7777592" y="1656741"/>
+            <a:off x="7777594" y="1656741"/>
             <a:ext cx="228199" cy="233968"/>
           </a:xfrm>
           <a:prstGeom prst="bentConnector3">
@@ -8771,7 +8882,7 @@
         </p:nvCxnSpPr>
         <p:spPr>
           <a:xfrm flipH="1" flipV="1">
-            <a:off x="8404307" y="1010467"/>
+            <a:off x="8404309" y="1010468"/>
             <a:ext cx="276127" cy="2053174"/>
           </a:xfrm>
           <a:prstGeom prst="bentConnector3">
@@ -8811,7 +8922,7 @@
         </p:nvCxnSpPr>
         <p:spPr>
           <a:xfrm flipH="1">
-            <a:off x="6181218" y="2705500"/>
+            <a:off x="6181219" y="2705500"/>
             <a:ext cx="447044" cy="708312"/>
           </a:xfrm>
           <a:prstGeom prst="line">
@@ -8844,7 +8955,7 @@
         </p:nvCxnSpPr>
         <p:spPr>
           <a:xfrm flipH="1" flipV="1">
-            <a:off x="6181218" y="3413812"/>
+            <a:off x="6181219" y="3413813"/>
             <a:ext cx="416564" cy="81829"/>
           </a:xfrm>
           <a:prstGeom prst="line">
@@ -8877,8 +8988,8 @@
         </p:nvCxnSpPr>
         <p:spPr>
           <a:xfrm flipH="1" flipV="1">
-            <a:off x="6181218" y="3413812"/>
-            <a:ext cx="464402" cy="466854"/>
+            <a:off x="6181217" y="3413812"/>
+            <a:ext cx="464403" cy="466854"/>
           </a:xfrm>
           <a:prstGeom prst="line">
             <a:avLst/>
@@ -8909,7 +9020,7 @@
         </p:nvCxnSpPr>
         <p:spPr>
           <a:xfrm flipV="1">
-            <a:off x="7994780" y="3202071"/>
+            <a:off x="7994780" y="3202072"/>
             <a:ext cx="485141" cy="293570"/>
           </a:xfrm>
           <a:prstGeom prst="bentConnector3">
@@ -8949,7 +9060,7 @@
         </p:nvCxnSpPr>
         <p:spPr>
           <a:xfrm flipH="1" flipV="1">
-            <a:off x="6181219" y="1905660"/>
+            <a:off x="6181220" y="1905660"/>
             <a:ext cx="518163" cy="389718"/>
           </a:xfrm>
           <a:prstGeom prst="line">
@@ -8981,7 +9092,7 @@
         </p:nvCxnSpPr>
         <p:spPr>
           <a:xfrm flipV="1">
-            <a:off x="7676688" y="4635658"/>
+            <a:off x="7676689" y="4635658"/>
             <a:ext cx="184484" cy="222882"/>
           </a:xfrm>
           <a:prstGeom prst="bentConnector2">
@@ -9018,7 +9129,7 @@
         </p:nvCxnSpPr>
         <p:spPr>
           <a:xfrm flipV="1">
-            <a:off x="7698560" y="4635658"/>
+            <a:off x="7698561" y="4635658"/>
             <a:ext cx="621916" cy="809316"/>
           </a:xfrm>
           <a:prstGeom prst="bentConnector2">
@@ -9055,7 +9166,7 @@
         </p:nvCxnSpPr>
         <p:spPr>
           <a:xfrm flipV="1">
-            <a:off x="7709007" y="4635659"/>
+            <a:off x="7709008" y="4635659"/>
             <a:ext cx="830851" cy="1119114"/>
           </a:xfrm>
           <a:prstGeom prst="bentConnector2">
@@ -9093,7 +9204,7 @@
         </p:nvCxnSpPr>
         <p:spPr>
           <a:xfrm flipH="1">
-            <a:off x="6181218" y="4521992"/>
+            <a:off x="6181219" y="4521993"/>
             <a:ext cx="472509" cy="631094"/>
           </a:xfrm>
           <a:prstGeom prst="line">
@@ -9126,7 +9237,7 @@
         </p:nvCxnSpPr>
         <p:spPr>
           <a:xfrm flipH="1" flipV="1">
-            <a:off x="6181218" y="5153086"/>
+            <a:off x="6181220" y="5153086"/>
             <a:ext cx="485209" cy="291888"/>
           </a:xfrm>
           <a:prstGeom prst="line">
@@ -9159,7 +9270,7 @@
         </p:nvCxnSpPr>
         <p:spPr>
           <a:xfrm flipH="1" flipV="1">
-            <a:off x="6181218" y="5153086"/>
+            <a:off x="6181220" y="5153087"/>
             <a:ext cx="475049" cy="601687"/>
           </a:xfrm>
           <a:prstGeom prst="line">
@@ -9192,8 +9303,8 @@
         </p:nvCxnSpPr>
         <p:spPr>
           <a:xfrm flipH="1">
-            <a:off x="6181218" y="5153086"/>
-            <a:ext cx="490290" cy="0"/>
+            <a:off x="6181217" y="5153086"/>
+            <a:ext cx="490291" cy="0"/>
           </a:xfrm>
           <a:prstGeom prst="line">
             <a:avLst/>
@@ -9224,7 +9335,7 @@
         </p:nvCxnSpPr>
         <p:spPr>
           <a:xfrm flipH="1" flipV="1">
-            <a:off x="8390500" y="1154465"/>
+            <a:off x="8390500" y="1154466"/>
             <a:ext cx="89421" cy="1551035"/>
           </a:xfrm>
           <a:prstGeom prst="bentConnector4">
@@ -9264,8 +9375,8 @@
         </p:nvCxnSpPr>
         <p:spPr>
           <a:xfrm rot="10800000">
-            <a:off x="7549814" y="645160"/>
-            <a:ext cx="346254" cy="221308"/>
+            <a:off x="7549814" y="645161"/>
+            <a:ext cx="346255" cy="221308"/>
           </a:xfrm>
           <a:prstGeom prst="bentConnector3">
             <a:avLst>
@@ -9353,7 +9464,7 @@
         <p:spPr>
           <a:xfrm flipV="1">
             <a:off x="7683740" y="4635658"/>
-            <a:ext cx="366314" cy="517428"/>
+            <a:ext cx="366315" cy="517428"/>
           </a:xfrm>
           <a:prstGeom prst="bentConnector2">
             <a:avLst/>
@@ -9387,7 +9498,7 @@
         </p:nvSpPr>
         <p:spPr>
           <a:xfrm>
-            <a:off x="5210836" y="5861236"/>
+            <a:off x="5210836" y="5861237"/>
             <a:ext cx="3541888" cy="461665"/>
           </a:xfrm>
           <a:prstGeom prst="rect">
@@ -9423,8 +9534,8 @@
         </p:nvCxnSpPr>
         <p:spPr>
           <a:xfrm flipH="1">
-            <a:off x="4957124" y="6210547"/>
-            <a:ext cx="263174" cy="0"/>
+            <a:off x="4957125" y="6210547"/>
+            <a:ext cx="263175" cy="0"/>
           </a:xfrm>
           <a:prstGeom prst="straightConnector1">
             <a:avLst/>
@@ -9458,7 +9569,7 @@
         </p:nvCxnSpPr>
         <p:spPr>
           <a:xfrm flipH="1">
-            <a:off x="4933418" y="6022435"/>
+            <a:off x="4933419" y="6022435"/>
             <a:ext cx="291815" cy="0"/>
           </a:xfrm>
           <a:prstGeom prst="straightConnector1">
@@ -9493,7 +9604,7 @@
         </p:nvSpPr>
         <p:spPr>
           <a:xfrm>
-            <a:off x="4933418" y="5607655"/>
+            <a:off x="4933420" y="5607656"/>
             <a:ext cx="452017" cy="276999"/>
           </a:xfrm>
           <a:prstGeom prst="rect">
@@ -9525,7 +9636,7 @@
         </p:nvCxnSpPr>
         <p:spPr>
           <a:xfrm flipH="1">
-            <a:off x="6181218" y="4858540"/>
+            <a:off x="6181219" y="4858540"/>
             <a:ext cx="480407" cy="294546"/>
           </a:xfrm>
           <a:prstGeom prst="line">
@@ -9555,7 +9666,7 @@
         </p:nvSpPr>
         <p:spPr>
           <a:xfrm>
-            <a:off x="8169938" y="2285247"/>
+            <a:off x="8169938" y="2285248"/>
             <a:ext cx="524302" cy="246221"/>
           </a:xfrm>
           <a:prstGeom prst="rect">
@@ -9584,7 +9695,7 @@
         </p:nvSpPr>
         <p:spPr>
           <a:xfrm>
-            <a:off x="7806821" y="1154465"/>
+            <a:off x="7806822" y="1154466"/>
             <a:ext cx="524302" cy="246221"/>
           </a:xfrm>
           <a:prstGeom prst="rect">
@@ -9613,7 +9724,7 @@
         </p:nvSpPr>
         <p:spPr>
           <a:xfrm>
-            <a:off x="7986659" y="1706877"/>
+            <a:off x="7986659" y="1706878"/>
             <a:ext cx="524302" cy="246221"/>
           </a:xfrm>
           <a:prstGeom prst="rect">
@@ -9642,7 +9753,7 @@
         </p:nvSpPr>
         <p:spPr>
           <a:xfrm>
-            <a:off x="7741317" y="603464"/>
+            <a:off x="7741318" y="603465"/>
             <a:ext cx="524302" cy="246221"/>
           </a:xfrm>
           <a:prstGeom prst="rect">
@@ -9671,8 +9782,8 @@
         </p:nvGrpSpPr>
         <p:grpSpPr>
           <a:xfrm>
-            <a:off x="6645620" y="3750173"/>
-            <a:ext cx="1879598" cy="491491"/>
+            <a:off x="6645621" y="3750174"/>
+            <a:ext cx="1879599" cy="491491"/>
             <a:chOff x="7721601" y="3576319"/>
             <a:chExt cx="1859278" cy="491491"/>
           </a:xfrm>
@@ -9830,7 +9941,7 @@
         </p:nvSpPr>
         <p:spPr>
           <a:xfrm>
-            <a:off x="7857394" y="5193004"/>
+            <a:off x="7857394" y="5193005"/>
             <a:ext cx="524302" cy="246221"/>
           </a:xfrm>
           <a:prstGeom prst="rect">
@@ -9861,7 +9972,7 @@
         </p:nvCxnSpPr>
         <p:spPr>
           <a:xfrm flipV="1">
-            <a:off x="8525218" y="3190151"/>
+            <a:off x="8525219" y="3190152"/>
             <a:ext cx="107875" cy="690515"/>
           </a:xfrm>
           <a:prstGeom prst="bentConnector2">
@@ -9896,7 +10007,7 @@
         </p:nvSpPr>
         <p:spPr>
           <a:xfrm>
-            <a:off x="8108791" y="3505101"/>
+            <a:off x="8108791" y="3505102"/>
             <a:ext cx="524302" cy="246221"/>
           </a:xfrm>
           <a:prstGeom prst="rect">
@@ -9962,7 +10073,7 @@
         </p:nvSpPr>
         <p:spPr>
           <a:xfrm rot="16200000">
-            <a:off x="-2050764" y="1547240"/>
+            <a:off x="-2050764" y="1547242"/>
             <a:ext cx="2903359" cy="646331"/>
           </a:xfrm>
           <a:prstGeom prst="rect">
@@ -9997,7 +10108,7 @@
         </p:nvSpPr>
         <p:spPr>
           <a:xfrm>
-            <a:off x="720266" y="1109089"/>
+            <a:off x="720267" y="1109090"/>
             <a:ext cx="1239519" cy="279400"/>
           </a:xfrm>
           <a:prstGeom prst="roundRect">
@@ -10041,7 +10152,7 @@
         </p:nvSpPr>
         <p:spPr>
           <a:xfrm>
-            <a:off x="913307" y="2633652"/>
+            <a:off x="913308" y="2633653"/>
             <a:ext cx="975359" cy="254000"/>
           </a:xfrm>
           <a:prstGeom prst="roundRect">
@@ -10085,7 +10196,7 @@
         </p:nvSpPr>
         <p:spPr>
           <a:xfrm>
-            <a:off x="7291179" y="1331289"/>
+            <a:off x="7291181" y="1331290"/>
             <a:ext cx="975359" cy="254000"/>
           </a:xfrm>
           <a:prstGeom prst="roundRect">
@@ -10129,7 +10240,7 @@
         </p:nvSpPr>
         <p:spPr>
           <a:xfrm>
-            <a:off x="7271303" y="3386210"/>
+            <a:off x="7271305" y="3386211"/>
             <a:ext cx="975359" cy="254000"/>
           </a:xfrm>
           <a:prstGeom prst="roundRect">
@@ -10173,8 +10284,8 @@
         </p:nvSpPr>
         <p:spPr>
           <a:xfrm>
-            <a:off x="2161021" y="1474542"/>
-            <a:ext cx="1619998" cy="287997"/>
+            <a:off x="2161022" y="1474543"/>
+            <a:ext cx="1619999" cy="287997"/>
           </a:xfrm>
           <a:prstGeom prst="roundRect">
             <a:avLst>
@@ -10221,7 +10332,7 @@
         </p:nvSpPr>
         <p:spPr>
           <a:xfrm>
-            <a:off x="2161021" y="797939"/>
+            <a:off x="2161022" y="797940"/>
             <a:ext cx="772159" cy="227330"/>
           </a:xfrm>
           <a:prstGeom prst="roundRect">
@@ -10269,7 +10380,7 @@
         </p:nvSpPr>
         <p:spPr>
           <a:xfrm>
-            <a:off x="2150861" y="1139569"/>
+            <a:off x="2150862" y="1139569"/>
             <a:ext cx="772159" cy="227330"/>
           </a:xfrm>
           <a:prstGeom prst="roundRect">
@@ -10317,7 +10428,7 @@
         </p:nvSpPr>
         <p:spPr>
           <a:xfrm>
-            <a:off x="2089901" y="2259331"/>
+            <a:off x="2089901" y="2259332"/>
             <a:ext cx="1780539" cy="264160"/>
           </a:xfrm>
           <a:prstGeom prst="roundRect">
@@ -10365,7 +10476,7 @@
         </p:nvSpPr>
         <p:spPr>
           <a:xfrm>
-            <a:off x="2089901" y="2573627"/>
+            <a:off x="2089901" y="2573628"/>
             <a:ext cx="1066800" cy="367664"/>
           </a:xfrm>
           <a:prstGeom prst="roundRect">
@@ -10413,7 +10524,7 @@
         </p:nvSpPr>
         <p:spPr>
           <a:xfrm>
-            <a:off x="2089901" y="3056297"/>
+            <a:off x="2089902" y="3056298"/>
             <a:ext cx="1494679" cy="305726"/>
           </a:xfrm>
           <a:prstGeom prst="roundRect">
@@ -10461,8 +10572,8 @@
         </p:nvSpPr>
         <p:spPr>
           <a:xfrm>
-            <a:off x="4901449" y="938329"/>
-            <a:ext cx="2065978" cy="276861"/>
+            <a:off x="4901449" y="938330"/>
+            <a:ext cx="2065979" cy="276861"/>
           </a:xfrm>
           <a:prstGeom prst="roundRect">
             <a:avLst>
@@ -10509,8 +10620,8 @@
         </p:nvSpPr>
         <p:spPr>
           <a:xfrm>
-            <a:off x="5564750" y="1699057"/>
-            <a:ext cx="1396998" cy="264160"/>
+            <a:off x="5564750" y="1699058"/>
+            <a:ext cx="1396999" cy="264160"/>
           </a:xfrm>
           <a:prstGeom prst="roundRect">
             <a:avLst>
@@ -10557,8 +10668,8 @@
         </p:nvGrpSpPr>
         <p:grpSpPr>
           <a:xfrm>
-            <a:off x="5052434" y="2206991"/>
-            <a:ext cx="1879598" cy="491491"/>
+            <a:off x="5052434" y="2206992"/>
+            <a:ext cx="1879599" cy="491491"/>
             <a:chOff x="7721601" y="3576319"/>
             <a:chExt cx="1859278" cy="491491"/>
           </a:xfrm>
@@ -10716,7 +10827,7 @@
         </p:nvSpPr>
         <p:spPr>
           <a:xfrm>
-            <a:off x="5113111" y="591619"/>
+            <a:off x="5113112" y="591619"/>
             <a:ext cx="1851659" cy="254000"/>
           </a:xfrm>
           <a:prstGeom prst="roundRect">
@@ -10764,7 +10875,7 @@
         </p:nvSpPr>
         <p:spPr>
           <a:xfrm>
-            <a:off x="5779894" y="1335204"/>
+            <a:off x="5779895" y="1335205"/>
             <a:ext cx="1178560" cy="227330"/>
           </a:xfrm>
           <a:prstGeom prst="roundRect">
@@ -10861,7 +10972,7 @@
         <p:spPr>
           <a:xfrm>
             <a:off x="5103567" y="2811292"/>
-            <a:ext cx="1828466" cy="227330"/>
+            <a:ext cx="1828467" cy="227330"/>
           </a:xfrm>
           <a:prstGeom prst="roundRect">
             <a:avLst>
@@ -10956,7 +11067,7 @@
         </p:nvSpPr>
         <p:spPr>
           <a:xfrm>
-            <a:off x="5944311" y="3107896"/>
+            <a:off x="5944313" y="3107896"/>
             <a:ext cx="1005839" cy="227330"/>
           </a:xfrm>
           <a:prstGeom prst="roundRect">
@@ -11007,7 +11118,7 @@
         </p:nvCxnSpPr>
         <p:spPr>
           <a:xfrm flipH="1">
-            <a:off x="1959785" y="911604"/>
+            <a:off x="1959786" y="911605"/>
             <a:ext cx="201236" cy="337185"/>
           </a:xfrm>
           <a:prstGeom prst="line">
@@ -11040,7 +11151,7 @@
         </p:nvCxnSpPr>
         <p:spPr>
           <a:xfrm flipH="1" flipV="1">
-            <a:off x="1959785" y="1248789"/>
+            <a:off x="1959786" y="1248790"/>
             <a:ext cx="191076" cy="4445"/>
           </a:xfrm>
           <a:prstGeom prst="line">
@@ -11073,7 +11184,7 @@
         </p:nvCxnSpPr>
         <p:spPr>
           <a:xfrm flipH="1" flipV="1">
-            <a:off x="1959785" y="1248789"/>
+            <a:off x="1959786" y="1248790"/>
             <a:ext cx="201236" cy="369752"/>
           </a:xfrm>
           <a:prstGeom prst="line">
@@ -11106,7 +11217,7 @@
         </p:nvCxnSpPr>
         <p:spPr>
           <a:xfrm flipH="1">
-            <a:off x="1888666" y="2391411"/>
+            <a:off x="1888667" y="2391412"/>
             <a:ext cx="201235" cy="369241"/>
           </a:xfrm>
           <a:prstGeom prst="line">
@@ -11139,7 +11250,7 @@
         </p:nvCxnSpPr>
         <p:spPr>
           <a:xfrm flipH="1">
-            <a:off x="1888666" y="2757459"/>
+            <a:off x="1888667" y="2757460"/>
             <a:ext cx="201235" cy="3193"/>
           </a:xfrm>
           <a:prstGeom prst="line">
@@ -11172,7 +11283,7 @@
         </p:nvCxnSpPr>
         <p:spPr>
           <a:xfrm>
-            <a:off x="6967427" y="1076760"/>
+            <a:off x="6967427" y="1076761"/>
             <a:ext cx="323752" cy="381529"/>
           </a:xfrm>
           <a:prstGeom prst="line">
@@ -11205,7 +11316,7 @@
         </p:nvCxnSpPr>
         <p:spPr>
           <a:xfrm flipH="1" flipV="1">
-            <a:off x="2971020" y="1762539"/>
+            <a:off x="2971022" y="1762539"/>
             <a:ext cx="9151" cy="496792"/>
           </a:xfrm>
           <a:prstGeom prst="straightConnector1">
@@ -11242,7 +11353,7 @@
         </p:nvCxnSpPr>
         <p:spPr>
           <a:xfrm flipH="1" flipV="1">
-            <a:off x="3147275" y="2946442"/>
+            <a:off x="3147277" y="2946442"/>
             <a:ext cx="416481" cy="262718"/>
           </a:xfrm>
           <a:prstGeom prst="bentConnector3">
@@ -11281,7 +11392,7 @@
         </p:nvCxnSpPr>
         <p:spPr>
           <a:xfrm flipV="1">
-            <a:off x="3168111" y="2523491"/>
+            <a:off x="3168112" y="2523492"/>
             <a:ext cx="228199" cy="233968"/>
           </a:xfrm>
           <a:prstGeom prst="bentConnector3">
@@ -11322,8 +11433,8 @@
         </p:nvCxnSpPr>
         <p:spPr>
           <a:xfrm rot="10800000" flipV="1">
-            <a:off x="3781019" y="1076759"/>
-            <a:ext cx="1120430" cy="541781"/>
+            <a:off x="3781019" y="1076760"/>
+            <a:ext cx="1120431" cy="541781"/>
           </a:xfrm>
           <a:prstGeom prst="bentConnector3">
             <a:avLst>
@@ -11362,7 +11473,7 @@
         </p:nvCxnSpPr>
         <p:spPr>
           <a:xfrm>
-            <a:off x="6964770" y="718619"/>
+            <a:off x="6964772" y="718620"/>
             <a:ext cx="326409" cy="739670"/>
           </a:xfrm>
           <a:prstGeom prst="line">
@@ -11395,7 +11506,7 @@
         </p:nvCxnSpPr>
         <p:spPr>
           <a:xfrm flipV="1">
-            <a:off x="6961748" y="1458289"/>
+            <a:off x="6961750" y="1458289"/>
             <a:ext cx="329431" cy="372848"/>
           </a:xfrm>
           <a:prstGeom prst="line">
@@ -11428,7 +11539,7 @@
         </p:nvCxnSpPr>
         <p:spPr>
           <a:xfrm>
-            <a:off x="6958454" y="1448869"/>
+            <a:off x="6958455" y="1448869"/>
             <a:ext cx="332725" cy="9420"/>
           </a:xfrm>
           <a:prstGeom prst="line">
@@ -11461,7 +11572,7 @@
         </p:nvCxnSpPr>
         <p:spPr>
           <a:xfrm flipV="1">
-            <a:off x="6932032" y="1458289"/>
+            <a:off x="6932033" y="1458290"/>
             <a:ext cx="359147" cy="879195"/>
           </a:xfrm>
           <a:prstGeom prst="line">
@@ -11493,7 +11604,7 @@
         </p:nvCxnSpPr>
         <p:spPr>
           <a:xfrm rot="10800000">
-            <a:off x="5488482" y="1221671"/>
+            <a:off x="5488483" y="1221672"/>
             <a:ext cx="291413" cy="227198"/>
           </a:xfrm>
           <a:prstGeom prst="bentConnector3">
@@ -11532,7 +11643,7 @@
         </p:nvCxnSpPr>
         <p:spPr>
           <a:xfrm rot="10800000">
-            <a:off x="5113112" y="1221671"/>
+            <a:off x="5113114" y="1221672"/>
             <a:ext cx="451639" cy="609466"/>
           </a:xfrm>
           <a:prstGeom prst="bentConnector2">
@@ -11570,7 +11681,7 @@
         </p:nvCxnSpPr>
         <p:spPr>
           <a:xfrm flipH="1" flipV="1">
-            <a:off x="1888666" y="2760652"/>
+            <a:off x="1888667" y="2760652"/>
             <a:ext cx="201235" cy="448508"/>
           </a:xfrm>
           <a:prstGeom prst="line">
@@ -11639,7 +11750,7 @@
         </p:nvCxnSpPr>
         <p:spPr>
           <a:xfrm rot="10800000">
-            <a:off x="5779895" y="3038623"/>
+            <a:off x="5779897" y="3038624"/>
             <a:ext cx="164417" cy="182939"/>
           </a:xfrm>
           <a:prstGeom prst="bentConnector2">
@@ -11676,7 +11787,7 @@
         </p:nvCxnSpPr>
         <p:spPr>
           <a:xfrm rot="10800000">
-            <a:off x="5391886" y="3038623"/>
+            <a:off x="5391887" y="3038624"/>
             <a:ext cx="568987" cy="769372"/>
           </a:xfrm>
           <a:prstGeom prst="bentConnector2">
@@ -11713,7 +11824,7 @@
         </p:nvCxnSpPr>
         <p:spPr>
           <a:xfrm rot="10800000">
-            <a:off x="5256220" y="3038626"/>
+            <a:off x="5256221" y="3038627"/>
             <a:ext cx="694492" cy="1079169"/>
           </a:xfrm>
           <a:prstGeom prst="bentConnector2">
@@ -11751,8 +11862,8 @@
         </p:nvCxnSpPr>
         <p:spPr>
           <a:xfrm>
-            <a:off x="6932033" y="2924957"/>
-            <a:ext cx="339270" cy="588253"/>
+            <a:off x="6932034" y="2924958"/>
+            <a:ext cx="339271" cy="588253"/>
           </a:xfrm>
           <a:prstGeom prst="line">
             <a:avLst/>
@@ -11784,8 +11895,8 @@
         </p:nvCxnSpPr>
         <p:spPr>
           <a:xfrm flipV="1">
-            <a:off x="6961909" y="3513210"/>
-            <a:ext cx="309394" cy="294785"/>
+            <a:off x="6961909" y="3513211"/>
+            <a:ext cx="309395" cy="294785"/>
           </a:xfrm>
           <a:prstGeom prst="line">
             <a:avLst/>
@@ -11818,7 +11929,7 @@
         <p:spPr>
           <a:xfrm flipV="1">
             <a:off x="6961909" y="3513210"/>
-            <a:ext cx="309394" cy="604584"/>
+            <a:ext cx="309395" cy="604584"/>
           </a:xfrm>
           <a:prstGeom prst="line">
             <a:avLst/>
@@ -11850,7 +11961,7 @@
         </p:nvCxnSpPr>
         <p:spPr>
           <a:xfrm flipV="1">
-            <a:off x="6959870" y="3513210"/>
+            <a:off x="6959872" y="3513211"/>
             <a:ext cx="311433" cy="2897"/>
           </a:xfrm>
           <a:prstGeom prst="line">
@@ -11882,7 +11993,7 @@
         </p:nvCxnSpPr>
         <p:spPr>
           <a:xfrm rot="10800000" flipV="1">
-            <a:off x="3749881" y="718619"/>
+            <a:off x="3749882" y="718620"/>
             <a:ext cx="1363231" cy="689080"/>
           </a:xfrm>
           <a:prstGeom prst="bentConnector3">
@@ -11921,8 +12032,8 @@
         </p:nvCxnSpPr>
         <p:spPr>
           <a:xfrm rot="10800000">
-            <a:off x="2940333" y="1253234"/>
-            <a:ext cx="346254" cy="221308"/>
+            <a:off x="2940334" y="1253235"/>
+            <a:ext cx="346255" cy="221308"/>
           </a:xfrm>
           <a:prstGeom prst="bentConnector3">
             <a:avLst>
@@ -11959,7 +12070,7 @@
         </p:nvSpPr>
         <p:spPr>
           <a:xfrm>
-            <a:off x="5965953" y="3406467"/>
+            <a:off x="5965954" y="3406468"/>
             <a:ext cx="993917" cy="219279"/>
           </a:xfrm>
           <a:prstGeom prst="roundRect">
@@ -12009,8 +12120,8 @@
         </p:nvCxnSpPr>
         <p:spPr>
           <a:xfrm rot="10800000">
-            <a:off x="5659043" y="3038625"/>
-            <a:ext cx="306910" cy="477483"/>
+            <a:off x="5659043" y="3038626"/>
+            <a:ext cx="306911" cy="477483"/>
           </a:xfrm>
           <a:prstGeom prst="bentConnector2">
             <a:avLst/>
@@ -12044,7 +12155,7 @@
         </p:nvSpPr>
         <p:spPr>
           <a:xfrm>
-            <a:off x="1242972" y="3766674"/>
+            <a:off x="1242972" y="3766675"/>
             <a:ext cx="3541888" cy="461665"/>
           </a:xfrm>
           <a:prstGeom prst="rect">
@@ -12080,8 +12191,8 @@
         </p:nvCxnSpPr>
         <p:spPr>
           <a:xfrm flipH="1">
-            <a:off x="989260" y="4104440"/>
-            <a:ext cx="263174" cy="0"/>
+            <a:off x="989261" y="4104440"/>
+            <a:ext cx="263175" cy="0"/>
           </a:xfrm>
           <a:prstGeom prst="straightConnector1">
             <a:avLst/>
@@ -12115,7 +12226,7 @@
         </p:nvCxnSpPr>
         <p:spPr>
           <a:xfrm flipH="1">
-            <a:off x="965554" y="3927873"/>
+            <a:off x="965555" y="3927873"/>
             <a:ext cx="291815" cy="0"/>
           </a:xfrm>
           <a:prstGeom prst="straightConnector1">
@@ -12150,7 +12261,7 @@
         </p:nvSpPr>
         <p:spPr>
           <a:xfrm>
-            <a:off x="965554" y="3513093"/>
+            <a:off x="965556" y="3513094"/>
             <a:ext cx="452017" cy="276999"/>
           </a:xfrm>
           <a:prstGeom prst="rect">
@@ -12182,7 +12293,7 @@
         </p:nvCxnSpPr>
         <p:spPr>
           <a:xfrm>
-            <a:off x="6950150" y="3221561"/>
+            <a:off x="6950152" y="3221562"/>
             <a:ext cx="321153" cy="291649"/>
           </a:xfrm>
           <a:prstGeom prst="line">
@@ -12212,7 +12323,7 @@
         </p:nvSpPr>
         <p:spPr>
           <a:xfrm>
-            <a:off x="5415402" y="1949012"/>
+            <a:off x="5415402" y="1949013"/>
             <a:ext cx="524302" cy="246221"/>
           </a:xfrm>
           <a:prstGeom prst="rect">
@@ -12241,7 +12352,7 @@
         </p:nvSpPr>
         <p:spPr>
           <a:xfrm>
-            <a:off x="3931669" y="821366"/>
+            <a:off x="3931670" y="821367"/>
             <a:ext cx="524302" cy="246221"/>
           </a:xfrm>
           <a:prstGeom prst="rect">
@@ -12270,7 +12381,7 @@
         </p:nvSpPr>
         <p:spPr>
           <a:xfrm>
-            <a:off x="3013916" y="1797813"/>
+            <a:off x="3013916" y="1797814"/>
             <a:ext cx="524302" cy="246221"/>
           </a:xfrm>
           <a:prstGeom prst="rect">
@@ -12299,7 +12410,7 @@
         </p:nvSpPr>
         <p:spPr>
           <a:xfrm>
-            <a:off x="3391964" y="2546413"/>
+            <a:off x="3391964" y="2546414"/>
             <a:ext cx="524302" cy="246221"/>
           </a:xfrm>
           <a:prstGeom prst="rect">
@@ -12328,7 +12439,7 @@
         </p:nvSpPr>
         <p:spPr>
           <a:xfrm>
-            <a:off x="5134741" y="1491273"/>
+            <a:off x="5134742" y="1491274"/>
             <a:ext cx="524302" cy="246221"/>
           </a:xfrm>
           <a:prstGeom prst="rect">
@@ -12357,7 +12468,7 @@
         </p:nvSpPr>
         <p:spPr>
           <a:xfrm>
-            <a:off x="5488482" y="3526500"/>
+            <a:off x="5488482" y="3526501"/>
             <a:ext cx="524302" cy="246221"/>
           </a:xfrm>
           <a:prstGeom prst="rect">
@@ -12386,7 +12497,7 @@
         </p:nvSpPr>
         <p:spPr>
           <a:xfrm>
-            <a:off x="3105385" y="1161478"/>
+            <a:off x="3105386" y="1161479"/>
             <a:ext cx="524302" cy="246221"/>
           </a:xfrm>
           <a:prstGeom prst="rect">
@@ -12452,7 +12563,7 @@
         </p:nvSpPr>
         <p:spPr>
           <a:xfrm>
-            <a:off x="3657599" y="501015"/>
+            <a:off x="3657601" y="501015"/>
             <a:ext cx="1239519" cy="279400"/>
           </a:xfrm>
           <a:prstGeom prst="roundRect">
@@ -12496,7 +12607,7 @@
         </p:nvSpPr>
         <p:spPr>
           <a:xfrm>
-            <a:off x="3850640" y="1778660"/>
+            <a:off x="3850642" y="1778661"/>
             <a:ext cx="975359" cy="254000"/>
           </a:xfrm>
           <a:prstGeom prst="roundRect">
@@ -12540,7 +12651,7 @@
         </p:nvSpPr>
         <p:spPr>
           <a:xfrm>
-            <a:off x="3850640" y="3286812"/>
+            <a:off x="3850642" y="3286813"/>
             <a:ext cx="975359" cy="254000"/>
           </a:xfrm>
           <a:prstGeom prst="roundRect">
@@ -12584,7 +12695,7 @@
         </p:nvSpPr>
         <p:spPr>
           <a:xfrm>
-            <a:off x="3850640" y="5476347"/>
+            <a:off x="3850642" y="5476348"/>
             <a:ext cx="975359" cy="254000"/>
           </a:xfrm>
           <a:prstGeom prst="roundRect">
@@ -12628,7 +12739,7 @@
         </p:nvSpPr>
         <p:spPr>
           <a:xfrm>
-            <a:off x="853441" y="513080"/>
+            <a:off x="853441" y="513081"/>
             <a:ext cx="1137920" cy="294640"/>
           </a:xfrm>
           <a:prstGeom prst="roundRect">
@@ -12673,7 +12784,7 @@
         </p:nvSpPr>
         <p:spPr>
           <a:xfrm>
-            <a:off x="853441" y="1341121"/>
+            <a:off x="853441" y="1341122"/>
             <a:ext cx="1137920" cy="294640"/>
           </a:xfrm>
           <a:prstGeom prst="roundRect">
@@ -12763,7 +12874,7 @@
         </p:nvSpPr>
         <p:spPr>
           <a:xfrm>
-            <a:off x="829285" y="4685363"/>
+            <a:off x="829285" y="4685364"/>
             <a:ext cx="1137920" cy="294640"/>
           </a:xfrm>
           <a:prstGeom prst="roundRect">
@@ -12811,7 +12922,7 @@
         </p:nvSpPr>
         <p:spPr>
           <a:xfrm>
-            <a:off x="853441" y="5435707"/>
+            <a:off x="853441" y="5435708"/>
             <a:ext cx="1137920" cy="294640"/>
           </a:xfrm>
           <a:prstGeom prst="roundRect">
@@ -12862,8 +12973,8 @@
         </p:nvCxnSpPr>
         <p:spPr>
           <a:xfrm flipV="1">
-            <a:off x="1991361" y="640715"/>
-            <a:ext cx="1666238" cy="19685"/>
+            <a:off x="1991362" y="640716"/>
+            <a:ext cx="1666239" cy="19685"/>
           </a:xfrm>
           <a:prstGeom prst="line">
             <a:avLst/>
@@ -12895,7 +13006,7 @@
         </p:nvCxnSpPr>
         <p:spPr>
           <a:xfrm>
-            <a:off x="1991361" y="660400"/>
+            <a:off x="1991362" y="660400"/>
             <a:ext cx="1859279" cy="1245260"/>
           </a:xfrm>
           <a:prstGeom prst="line">
@@ -12928,8 +13039,8 @@
         </p:nvCxnSpPr>
         <p:spPr>
           <a:xfrm flipV="1">
-            <a:off x="1991361" y="640715"/>
-            <a:ext cx="1666238" cy="847726"/>
+            <a:off x="1991362" y="640716"/>
+            <a:ext cx="1666239" cy="847726"/>
           </a:xfrm>
           <a:prstGeom prst="line">
             <a:avLst/>
@@ -12961,7 +13072,7 @@
         </p:nvCxnSpPr>
         <p:spPr>
           <a:xfrm>
-            <a:off x="1991361" y="1488441"/>
+            <a:off x="1991362" y="1488442"/>
             <a:ext cx="1859279" cy="1925371"/>
           </a:xfrm>
           <a:prstGeom prst="line">
@@ -12994,7 +13105,7 @@
         </p:nvCxnSpPr>
         <p:spPr>
           <a:xfrm>
-            <a:off x="1991361" y="660400"/>
+            <a:off x="1991362" y="660400"/>
             <a:ext cx="1859279" cy="2753412"/>
           </a:xfrm>
           <a:prstGeom prst="line">
@@ -13027,7 +13138,7 @@
         </p:nvCxnSpPr>
         <p:spPr>
           <a:xfrm>
-            <a:off x="1991361" y="2385695"/>
+            <a:off x="1991362" y="2385696"/>
             <a:ext cx="1859279" cy="3217652"/>
           </a:xfrm>
           <a:prstGeom prst="line">
@@ -13060,7 +13171,7 @@
         </p:nvCxnSpPr>
         <p:spPr>
           <a:xfrm flipV="1">
-            <a:off x="1967205" y="3413812"/>
+            <a:off x="1967205" y="3413813"/>
             <a:ext cx="1883435" cy="1418871"/>
           </a:xfrm>
           <a:prstGeom prst="line">
@@ -13093,7 +13204,7 @@
         </p:nvCxnSpPr>
         <p:spPr>
           <a:xfrm flipV="1">
-            <a:off x="1967205" y="1905660"/>
+            <a:off x="1967205" y="1905661"/>
             <a:ext cx="1883435" cy="2927023"/>
           </a:xfrm>
           <a:prstGeom prst="line">
@@ -13126,8 +13237,8 @@
         </p:nvCxnSpPr>
         <p:spPr>
           <a:xfrm flipV="1">
-            <a:off x="1967205" y="640715"/>
-            <a:ext cx="1690394" cy="4191968"/>
+            <a:off x="1967205" y="640716"/>
+            <a:ext cx="1690395" cy="4191968"/>
           </a:xfrm>
           <a:prstGeom prst="line">
             <a:avLst/>
@@ -13159,7 +13270,7 @@
         </p:nvCxnSpPr>
         <p:spPr>
           <a:xfrm>
-            <a:off x="1991361" y="5583027"/>
+            <a:off x="1991362" y="5583027"/>
             <a:ext cx="1859279" cy="20320"/>
           </a:xfrm>
           <a:prstGeom prst="line">
@@ -13189,8 +13300,8 @@
         </p:nvSpPr>
         <p:spPr>
           <a:xfrm>
-            <a:off x="5486401" y="866468"/>
-            <a:ext cx="1619998" cy="287997"/>
+            <a:off x="5486402" y="866468"/>
+            <a:ext cx="1619999" cy="287997"/>
           </a:xfrm>
           <a:prstGeom prst="roundRect">
             <a:avLst>
@@ -13237,7 +13348,7 @@
         </p:nvSpPr>
         <p:spPr>
           <a:xfrm>
-            <a:off x="5486401" y="189865"/>
+            <a:off x="5486402" y="189865"/>
             <a:ext cx="772159" cy="227330"/>
           </a:xfrm>
           <a:prstGeom prst="roundRect">
@@ -13285,7 +13396,7 @@
         </p:nvSpPr>
         <p:spPr>
           <a:xfrm>
-            <a:off x="5476241" y="531495"/>
+            <a:off x="5476242" y="531496"/>
             <a:ext cx="772159" cy="227330"/>
           </a:xfrm>
           <a:prstGeom prst="roundRect">
@@ -13333,7 +13444,7 @@
         </p:nvSpPr>
         <p:spPr>
           <a:xfrm>
-            <a:off x="5415281" y="1392581"/>
+            <a:off x="5415281" y="1392582"/>
             <a:ext cx="1780539" cy="264160"/>
           </a:xfrm>
           <a:prstGeom prst="roundRect">
@@ -13381,7 +13492,7 @@
         </p:nvSpPr>
         <p:spPr>
           <a:xfrm>
-            <a:off x="5415281" y="1706877"/>
+            <a:off x="5415281" y="1706878"/>
             <a:ext cx="1066800" cy="367664"/>
           </a:xfrm>
           <a:prstGeom prst="roundRect">
@@ -13429,7 +13540,7 @@
         </p:nvSpPr>
         <p:spPr>
           <a:xfrm>
-            <a:off x="5415281" y="2142515"/>
+            <a:off x="5415282" y="2142516"/>
             <a:ext cx="1494679" cy="305726"/>
           </a:xfrm>
           <a:prstGeom prst="roundRect">
@@ -13477,8 +13588,8 @@
         </p:nvSpPr>
         <p:spPr>
           <a:xfrm>
-            <a:off x="5344161" y="2925210"/>
-            <a:ext cx="2065978" cy="276861"/>
+            <a:off x="5344161" y="2925211"/>
+            <a:ext cx="2065979" cy="276861"/>
           </a:xfrm>
           <a:prstGeom prst="roundRect">
             <a:avLst>
@@ -13525,8 +13636,8 @@
         </p:nvSpPr>
         <p:spPr>
           <a:xfrm>
-            <a:off x="5313681" y="3685938"/>
-            <a:ext cx="1396998" cy="264160"/>
+            <a:off x="5313682" y="3685938"/>
+            <a:ext cx="1396999" cy="264160"/>
           </a:xfrm>
           <a:prstGeom prst="roundRect">
             <a:avLst>
@@ -13573,8 +13684,8 @@
         </p:nvGrpSpPr>
         <p:grpSpPr>
           <a:xfrm>
-            <a:off x="5318761" y="4193872"/>
-            <a:ext cx="1879598" cy="491491"/>
+            <a:off x="5318762" y="4193873"/>
+            <a:ext cx="1879599" cy="491491"/>
             <a:chOff x="7721601" y="3576319"/>
             <a:chExt cx="1859278" cy="491491"/>
           </a:xfrm>
@@ -13732,7 +13843,7 @@
         </p:nvSpPr>
         <p:spPr>
           <a:xfrm>
-            <a:off x="5344161" y="2578500"/>
+            <a:off x="5344161" y="2578501"/>
             <a:ext cx="1851659" cy="254000"/>
           </a:xfrm>
           <a:prstGeom prst="roundRect">
@@ -13780,7 +13891,7 @@
         </p:nvSpPr>
         <p:spPr>
           <a:xfrm>
-  